--- a/共有用フォルダー/成果発表.pptx
+++ b/共有用フォルダー/成果発表.pptx
@@ -5,7 +5,7 @@
     <p:sldMasterId id="2147483648" r:id="rId1"/>
   </p:sldMasterIdLst>
   <p:notesMasterIdLst>
-    <p:notesMasterId r:id="rId23"/>
+    <p:notesMasterId r:id="rId25"/>
   </p:notesMasterIdLst>
   <p:sldIdLst>
     <p:sldId id="256" r:id="rId2"/>
@@ -19,16 +19,18 @@
     <p:sldId id="284" r:id="rId10"/>
     <p:sldId id="264" r:id="rId11"/>
     <p:sldId id="265" r:id="rId12"/>
-    <p:sldId id="266" r:id="rId13"/>
-    <p:sldId id="274" r:id="rId14"/>
-    <p:sldId id="268" r:id="rId15"/>
-    <p:sldId id="267" r:id="rId16"/>
-    <p:sldId id="269" r:id="rId17"/>
+    <p:sldId id="267" r:id="rId13"/>
+    <p:sldId id="269" r:id="rId14"/>
+    <p:sldId id="266" r:id="rId15"/>
+    <p:sldId id="274" r:id="rId16"/>
+    <p:sldId id="268" r:id="rId17"/>
     <p:sldId id="279" r:id="rId18"/>
     <p:sldId id="285" r:id="rId19"/>
     <p:sldId id="259" r:id="rId20"/>
     <p:sldId id="275" r:id="rId21"/>
-    <p:sldId id="261" r:id="rId22"/>
+    <p:sldId id="286" r:id="rId22"/>
+    <p:sldId id="287" r:id="rId23"/>
+    <p:sldId id="261" r:id="rId24"/>
   </p:sldIdLst>
   <p:sldSz cx="12192000" cy="6858000"/>
   <p:notesSz cx="6858000" cy="9144000"/>
@@ -6512,7 +6514,7 @@
           <a:p>
             <a:fld id="{C55AA692-620D-4560-A6AD-CE7F8ECBB0DB}" type="datetimeFigureOut">
               <a:rPr kumimoji="1" lang="ja-JP" altLang="en-US" smtClean="0"/>
-              <a:t>2023/6/27</a:t>
+              <a:t>2023/6/28</a:t>
             </a:fld>
             <a:endParaRPr kumimoji="1" lang="ja-JP" altLang="en-US"/>
           </a:p>
@@ -6960,7 +6962,7 @@
           <a:p>
             <a:fld id="{C59D74C6-9C2E-47F2-9943-FD41646989DE}" type="slidenum">
               <a:rPr kumimoji="1" lang="ja-JP" altLang="en-US" smtClean="0"/>
-              <a:t>14</a:t>
+              <a:t>15</a:t>
             </a:fld>
             <a:endParaRPr kumimoji="1" lang="ja-JP" altLang="en-US"/>
           </a:p>
@@ -6969,7 +6971,7 @@
     </p:spTree>
     <p:extLst>
       <p:ext uri="{BB962C8B-B14F-4D97-AF65-F5344CB8AC3E}">
-        <p14:creationId xmlns:p14="http://schemas.microsoft.com/office/powerpoint/2010/main" val="3626295908"/>
+        <p14:creationId xmlns:p14="http://schemas.microsoft.com/office/powerpoint/2010/main" val="1290740861"/>
       </p:ext>
     </p:extLst>
   </p:cSld>
@@ -7023,10 +7025,7 @@
           <a:bodyPr/>
           <a:lstStyle/>
           <a:p>
-            <a:r>
-              <a:rPr kumimoji="1" lang="ja-JP" altLang="en-US" dirty="0"/>
-              <a:t>変化が分かる機能として、スライドショー・グラフを</a:t>
-            </a:r>
+            <a:endParaRPr kumimoji="1" lang="ja-JP" altLang="en-US" dirty="0"/>
           </a:p>
         </p:txBody>
       </p:sp>
@@ -7056,7 +7055,7 @@
     </p:spTree>
     <p:extLst>
       <p:ext uri="{BB962C8B-B14F-4D97-AF65-F5344CB8AC3E}">
-        <p14:creationId xmlns:p14="http://schemas.microsoft.com/office/powerpoint/2010/main" val="2337115857"/>
+        <p14:creationId xmlns:p14="http://schemas.microsoft.com/office/powerpoint/2010/main" val="3626295908"/>
       </p:ext>
     </p:extLst>
   </p:cSld>
@@ -7410,6 +7409,90 @@
 </p:notes>
 </file>
 
+<file path=ppt/notesSlides/notesSlide15.xml><?xml version="1.0" encoding="utf-8"?>
+<p:notes xmlns:a="http://schemas.openxmlformats.org/drawingml/2006/main" xmlns:r="http://schemas.openxmlformats.org/officeDocument/2006/relationships" xmlns:p="http://schemas.openxmlformats.org/presentationml/2006/main">
+  <p:cSld>
+    <p:spTree>
+      <p:nvGrpSpPr>
+        <p:cNvPr id="1" name=""/>
+        <p:cNvGrpSpPr/>
+        <p:nvPr/>
+      </p:nvGrpSpPr>
+      <p:grpSpPr>
+        <a:xfrm>
+          <a:off x="0" y="0"/>
+          <a:ext cx="0" cy="0"/>
+          <a:chOff x="0" y="0"/>
+          <a:chExt cx="0" cy="0"/>
+        </a:xfrm>
+      </p:grpSpPr>
+      <p:sp>
+        <p:nvSpPr>
+          <p:cNvPr id="2" name="スライド イメージ プレースホルダー 1"/>
+          <p:cNvSpPr>
+            <a:spLocks noGrp="1" noRot="1" noChangeAspect="1"/>
+          </p:cNvSpPr>
+          <p:nvPr>
+            <p:ph type="sldImg"/>
+          </p:nvPr>
+        </p:nvSpPr>
+        <p:spPr/>
+      </p:sp>
+      <p:sp>
+        <p:nvSpPr>
+          <p:cNvPr id="3" name="ノート プレースホルダー 2"/>
+          <p:cNvSpPr>
+            <a:spLocks noGrp="1"/>
+          </p:cNvSpPr>
+          <p:nvPr>
+            <p:ph type="body" idx="1"/>
+          </p:nvPr>
+        </p:nvSpPr>
+        <p:spPr/>
+        <p:txBody>
+          <a:bodyPr/>
+          <a:lstStyle/>
+          <a:p>
+            <a:endParaRPr kumimoji="1" lang="ja-JP" altLang="en-US" dirty="0"/>
+          </a:p>
+        </p:txBody>
+      </p:sp>
+      <p:sp>
+        <p:nvSpPr>
+          <p:cNvPr id="4" name="スライド番号プレースホルダー 3"/>
+          <p:cNvSpPr>
+            <a:spLocks noGrp="1"/>
+          </p:cNvSpPr>
+          <p:nvPr>
+            <p:ph type="sldNum" sz="quarter" idx="5"/>
+          </p:nvPr>
+        </p:nvSpPr>
+        <p:spPr/>
+        <p:txBody>
+          <a:bodyPr/>
+          <a:lstStyle/>
+          <a:p>
+            <a:fld id="{C59D74C6-9C2E-47F2-9943-FD41646989DE}" type="slidenum">
+              <a:rPr kumimoji="1" lang="ja-JP" altLang="en-US" smtClean="0"/>
+              <a:t>22</a:t>
+            </a:fld>
+            <a:endParaRPr kumimoji="1" lang="ja-JP" altLang="en-US"/>
+          </a:p>
+        </p:txBody>
+      </p:sp>
+    </p:spTree>
+    <p:extLst>
+      <p:ext uri="{BB962C8B-B14F-4D97-AF65-F5344CB8AC3E}">
+        <p14:creationId xmlns:p14="http://schemas.microsoft.com/office/powerpoint/2010/main" val="2318160319"/>
+      </p:ext>
+    </p:extLst>
+  </p:cSld>
+  <p:clrMapOvr>
+    <a:masterClrMapping/>
+  </p:clrMapOvr>
+</p:notes>
+</file>
+
 <file path=ppt/notesSlides/notesSlide2.xml><?xml version="1.0" encoding="utf-8"?>
 <p:notes xmlns:a="http://schemas.openxmlformats.org/drawingml/2006/main" xmlns:r="http://schemas.openxmlformats.org/officeDocument/2006/relationships" xmlns:p="http://schemas.openxmlformats.org/presentationml/2006/main">
   <p:cSld>
@@ -7649,7 +7732,7 @@
           <a:p>
             <a:r>
               <a:rPr kumimoji="1" lang="ja-JP" altLang="en-US" dirty="0"/>
-              <a:t>ターゲットにダイエットに対する意識を高めてもらうには、どうすればいいでしょうか。</a:t>
+              <a:t>では、ターゲットにダイエットに対する意識を高めてもらうには、どうすればいいでしょうか。</a:t>
             </a:r>
             <a:endParaRPr kumimoji="1" lang="en-US" altLang="ja-JP" dirty="0"/>
           </a:p>
@@ -7687,7 +7770,7 @@
             </a:pPr>
             <a:r>
               <a:rPr kumimoji="1" lang="ja-JP" altLang="en-US" b="0" dirty="0"/>
-              <a:t>これらハードルを下げることができれば、ターゲットの意識が変わり、役に立つアプリになると考えました。</a:t>
+              <a:t>これらのハードルを下げることができれば、ターゲットの意識が変わり、役に立つアプリになると考えました。</a:t>
             </a:r>
             <a:endParaRPr kumimoji="1" lang="en-US" altLang="ja-JP" b="0" dirty="0"/>
           </a:p>
@@ -8324,7 +8407,10 @@
           <a:bodyPr/>
           <a:lstStyle/>
           <a:p>
-            <a:endParaRPr kumimoji="1" lang="ja-JP" altLang="en-US" dirty="0"/>
+            <a:r>
+              <a:rPr kumimoji="1" lang="ja-JP" altLang="en-US" dirty="0"/>
+              <a:t>変化が分かる機能として、スライドショー・グラフを</a:t>
+            </a:r>
           </a:p>
         </p:txBody>
       </p:sp>
@@ -8354,7 +8440,7 @@
     </p:spTree>
     <p:extLst>
       <p:ext uri="{BB962C8B-B14F-4D97-AF65-F5344CB8AC3E}">
-        <p14:creationId xmlns:p14="http://schemas.microsoft.com/office/powerpoint/2010/main" val="1290740861"/>
+        <p14:creationId xmlns:p14="http://schemas.microsoft.com/office/powerpoint/2010/main" val="2337115857"/>
       </p:ext>
     </p:extLst>
   </p:cSld>
@@ -8511,7 +8597,7 @@
           <a:p>
             <a:fld id="{532EB36F-6515-496E-BFCD-D81BFF0296A9}" type="datetimeFigureOut">
               <a:rPr kumimoji="1" lang="ja-JP" altLang="en-US" smtClean="0"/>
-              <a:t>2023/6/27</a:t>
+              <a:t>2023/6/28</a:t>
             </a:fld>
             <a:endParaRPr kumimoji="1" lang="ja-JP" altLang="en-US"/>
           </a:p>
@@ -8753,7 +8839,7 @@
           <a:p>
             <a:fld id="{532EB36F-6515-496E-BFCD-D81BFF0296A9}" type="datetimeFigureOut">
               <a:rPr kumimoji="1" lang="ja-JP" altLang="en-US" smtClean="0"/>
-              <a:t>2023/6/27</a:t>
+              <a:t>2023/6/28</a:t>
             </a:fld>
             <a:endParaRPr kumimoji="1" lang="ja-JP" altLang="en-US"/>
           </a:p>
@@ -9005,7 +9091,7 @@
           <a:p>
             <a:fld id="{532EB36F-6515-496E-BFCD-D81BFF0296A9}" type="datetimeFigureOut">
               <a:rPr kumimoji="1" lang="ja-JP" altLang="en-US" smtClean="0"/>
-              <a:t>2023/6/27</a:t>
+              <a:t>2023/6/28</a:t>
             </a:fld>
             <a:endParaRPr kumimoji="1" lang="ja-JP" altLang="en-US"/>
           </a:p>
@@ -9247,7 +9333,7 @@
           <a:p>
             <a:fld id="{532EB36F-6515-496E-BFCD-D81BFF0296A9}" type="datetimeFigureOut">
               <a:rPr kumimoji="1" lang="ja-JP" altLang="en-US" smtClean="0"/>
-              <a:t>2023/6/27</a:t>
+              <a:t>2023/6/28</a:t>
             </a:fld>
             <a:endParaRPr kumimoji="1" lang="ja-JP" altLang="en-US"/>
           </a:p>
@@ -9534,7 +9620,7 @@
           <a:p>
             <a:fld id="{532EB36F-6515-496E-BFCD-D81BFF0296A9}" type="datetimeFigureOut">
               <a:rPr kumimoji="1" lang="ja-JP" altLang="en-US" smtClean="0"/>
-              <a:t>2023/6/27</a:t>
+              <a:t>2023/6/28</a:t>
             </a:fld>
             <a:endParaRPr kumimoji="1" lang="ja-JP" altLang="en-US"/>
           </a:p>
@@ -9875,7 +9961,7 @@
           <a:p>
             <a:fld id="{532EB36F-6515-496E-BFCD-D81BFF0296A9}" type="datetimeFigureOut">
               <a:rPr kumimoji="1" lang="ja-JP" altLang="en-US" smtClean="0"/>
-              <a:t>2023/6/27</a:t>
+              <a:t>2023/6/28</a:t>
             </a:fld>
             <a:endParaRPr kumimoji="1" lang="ja-JP" altLang="en-US"/>
           </a:p>
@@ -10363,7 +10449,7 @@
           <a:p>
             <a:fld id="{532EB36F-6515-496E-BFCD-D81BFF0296A9}" type="datetimeFigureOut">
               <a:rPr kumimoji="1" lang="ja-JP" altLang="en-US" smtClean="0"/>
-              <a:t>2023/6/27</a:t>
+              <a:t>2023/6/28</a:t>
             </a:fld>
             <a:endParaRPr kumimoji="1" lang="ja-JP" altLang="en-US"/>
           </a:p>
@@ -10516,7 +10602,7 @@
           <a:p>
             <a:fld id="{532EB36F-6515-496E-BFCD-D81BFF0296A9}" type="datetimeFigureOut">
               <a:rPr kumimoji="1" lang="ja-JP" altLang="en-US" smtClean="0"/>
-              <a:t>2023/6/27</a:t>
+              <a:t>2023/6/28</a:t>
             </a:fld>
             <a:endParaRPr kumimoji="1" lang="ja-JP" altLang="en-US"/>
           </a:p>
@@ -10641,7 +10727,7 @@
           <a:p>
             <a:fld id="{532EB36F-6515-496E-BFCD-D81BFF0296A9}" type="datetimeFigureOut">
               <a:rPr kumimoji="1" lang="ja-JP" altLang="en-US" smtClean="0"/>
-              <a:t>2023/6/27</a:t>
+              <a:t>2023/6/28</a:t>
             </a:fld>
             <a:endParaRPr kumimoji="1" lang="ja-JP" altLang="en-US"/>
           </a:p>
@@ -10996,7 +11082,7 @@
           <a:p>
             <a:fld id="{532EB36F-6515-496E-BFCD-D81BFF0296A9}" type="datetimeFigureOut">
               <a:rPr kumimoji="1" lang="ja-JP" altLang="en-US" smtClean="0"/>
-              <a:t>2023/6/27</a:t>
+              <a:t>2023/6/28</a:t>
             </a:fld>
             <a:endParaRPr kumimoji="1" lang="ja-JP" altLang="en-US"/>
           </a:p>
@@ -11296,7 +11382,7 @@
           <a:p>
             <a:fld id="{532EB36F-6515-496E-BFCD-D81BFF0296A9}" type="datetimeFigureOut">
               <a:rPr kumimoji="1" lang="ja-JP" altLang="en-US" smtClean="0"/>
-              <a:t>2023/6/27</a:t>
+              <a:t>2023/6/28</a:t>
             </a:fld>
             <a:endParaRPr kumimoji="1" lang="ja-JP" altLang="en-US"/>
           </a:p>
@@ -11586,7 +11672,7 @@
           <a:p>
             <a:fld id="{532EB36F-6515-496E-BFCD-D81BFF0296A9}" type="datetimeFigureOut">
               <a:rPr kumimoji="1" lang="ja-JP" altLang="en-US" smtClean="0"/>
-              <a:t>2023/6/27</a:t>
+              <a:t>2023/6/28</a:t>
             </a:fld>
             <a:endParaRPr kumimoji="1" lang="ja-JP" altLang="en-US"/>
           </a:p>
@@ -12901,6 +12987,736 @@
       </p:grpSpPr>
       <p:sp>
         <p:nvSpPr>
+          <p:cNvPr id="4" name="フリーフォーム: 図形 3">
+            <a:extLst>
+              <a:ext uri="{FF2B5EF4-FFF2-40B4-BE49-F238E27FC236}">
+                <a16:creationId xmlns:a16="http://schemas.microsoft.com/office/drawing/2014/main" id="{412AD06F-7F6F-428F-8128-87AA4A6333A7}"/>
+              </a:ext>
+            </a:extLst>
+          </p:cNvPr>
+          <p:cNvSpPr/>
+          <p:nvPr/>
+        </p:nvSpPr>
+        <p:spPr>
+          <a:xfrm>
+            <a:off x="4110037" y="178597"/>
+            <a:ext cx="4000499" cy="4000499"/>
+          </a:xfrm>
+          <a:custGeom>
+            <a:avLst/>
+            <a:gdLst>
+              <a:gd name="connsiteX0" fmla="*/ 0 w 4000499"/>
+              <a:gd name="connsiteY0" fmla="*/ 2000250 h 4000499"/>
+              <a:gd name="connsiteX1" fmla="*/ 2000250 w 4000499"/>
+              <a:gd name="connsiteY1" fmla="*/ 0 h 4000499"/>
+              <a:gd name="connsiteX2" fmla="*/ 4000500 w 4000499"/>
+              <a:gd name="connsiteY2" fmla="*/ 2000250 h 4000499"/>
+              <a:gd name="connsiteX3" fmla="*/ 2000250 w 4000499"/>
+              <a:gd name="connsiteY3" fmla="*/ 4000500 h 4000499"/>
+              <a:gd name="connsiteX4" fmla="*/ 0 w 4000499"/>
+              <a:gd name="connsiteY4" fmla="*/ 2000250 h 4000499"/>
+            </a:gdLst>
+            <a:ahLst/>
+            <a:cxnLst>
+              <a:cxn ang="0">
+                <a:pos x="connsiteX0" y="connsiteY0"/>
+              </a:cxn>
+              <a:cxn ang="0">
+                <a:pos x="connsiteX1" y="connsiteY1"/>
+              </a:cxn>
+              <a:cxn ang="0">
+                <a:pos x="connsiteX2" y="connsiteY2"/>
+              </a:cxn>
+              <a:cxn ang="0">
+                <a:pos x="connsiteX3" y="connsiteY3"/>
+              </a:cxn>
+              <a:cxn ang="0">
+                <a:pos x="connsiteX4" y="connsiteY4"/>
+              </a:cxn>
+            </a:cxnLst>
+            <a:rect l="l" t="t" r="r" b="b"/>
+            <a:pathLst>
+              <a:path w="4000499" h="4000499">
+                <a:moveTo>
+                  <a:pt x="0" y="2000250"/>
+                </a:moveTo>
+                <a:cubicBezTo>
+                  <a:pt x="0" y="895542"/>
+                  <a:pt x="895542" y="0"/>
+                  <a:pt x="2000250" y="0"/>
+                </a:cubicBezTo>
+                <a:cubicBezTo>
+                  <a:pt x="3104958" y="0"/>
+                  <a:pt x="4000500" y="895542"/>
+                  <a:pt x="4000500" y="2000250"/>
+                </a:cubicBezTo>
+                <a:cubicBezTo>
+                  <a:pt x="4000500" y="3104958"/>
+                  <a:pt x="3104958" y="4000500"/>
+                  <a:pt x="2000250" y="4000500"/>
+                </a:cubicBezTo>
+                <a:cubicBezTo>
+                  <a:pt x="895542" y="4000500"/>
+                  <a:pt x="0" y="3104958"/>
+                  <a:pt x="0" y="2000250"/>
+                </a:cubicBezTo>
+                <a:close/>
+              </a:path>
+            </a:pathLst>
+          </a:custGeom>
+        </p:spPr>
+        <p:style>
+          <a:lnRef idx="2">
+            <a:schemeClr val="lt1">
+              <a:hueOff val="0"/>
+              <a:satOff val="0"/>
+              <a:lumOff val="0"/>
+              <a:alphaOff val="0"/>
+            </a:schemeClr>
+          </a:lnRef>
+          <a:fillRef idx="1">
+            <a:schemeClr val="accent5">
+              <a:alpha val="50000"/>
+              <a:hueOff val="0"/>
+              <a:satOff val="0"/>
+              <a:lumOff val="0"/>
+              <a:alphaOff val="0"/>
+            </a:schemeClr>
+          </a:fillRef>
+          <a:effectRef idx="0">
+            <a:schemeClr val="accent5">
+              <a:alpha val="50000"/>
+              <a:hueOff val="0"/>
+              <a:satOff val="0"/>
+              <a:lumOff val="0"/>
+              <a:alphaOff val="0"/>
+            </a:schemeClr>
+          </a:effectRef>
+          <a:fontRef idx="minor">
+            <a:schemeClr val="tx1"/>
+          </a:fontRef>
+        </p:style>
+        <p:txBody>
+          <a:bodyPr spcFirstLastPara="0" vert="horz" wrap="square" lIns="533400" tIns="700087" rIns="533400" bIns="1500188" numCol="1" spcCol="1270" anchor="ctr" anchorCtr="0">
+            <a:noAutofit/>
+          </a:bodyPr>
+          <a:lstStyle/>
+          <a:p>
+            <a:pPr marL="0" lvl="0" indent="0" algn="ctr" defTabSz="1600200">
+              <a:lnSpc>
+                <a:spcPct val="90000"/>
+              </a:lnSpc>
+              <a:spcBef>
+                <a:spcPct val="0"/>
+              </a:spcBef>
+              <a:spcAft>
+                <a:spcPct val="35000"/>
+              </a:spcAft>
+              <a:buNone/>
+            </a:pPr>
+            <a:r>
+              <a:rPr kumimoji="1" lang="ja-JP" altLang="en-US" sz="4800" b="1" kern="1200" dirty="0">
+                <a:solidFill>
+                  <a:schemeClr val="bg1"/>
+                </a:solidFill>
+              </a:rPr>
+              <a:t>交流</a:t>
+            </a:r>
+            <a:r>
+              <a:rPr kumimoji="1" lang="ja-JP" altLang="en-US" sz="3600" b="1" kern="1200" dirty="0"/>
+              <a:t>できる</a:t>
+            </a:r>
+          </a:p>
+        </p:txBody>
+      </p:sp>
+      <p:sp>
+        <p:nvSpPr>
+          <p:cNvPr id="6" name="フリーフォーム: 図形 5">
+            <a:extLst>
+              <a:ext uri="{FF2B5EF4-FFF2-40B4-BE49-F238E27FC236}">
+                <a16:creationId xmlns:a16="http://schemas.microsoft.com/office/drawing/2014/main" id="{9D637C7F-E7A9-4A55-B721-1A9306ED7E68}"/>
+              </a:ext>
+            </a:extLst>
+          </p:cNvPr>
+          <p:cNvSpPr/>
+          <p:nvPr/>
+        </p:nvSpPr>
+        <p:spPr>
+          <a:xfrm>
+            <a:off x="2666524" y="2688430"/>
+            <a:ext cx="4000499" cy="4000499"/>
+          </a:xfrm>
+          <a:custGeom>
+            <a:avLst/>
+            <a:gdLst>
+              <a:gd name="connsiteX0" fmla="*/ 0 w 4000499"/>
+              <a:gd name="connsiteY0" fmla="*/ 2000250 h 4000499"/>
+              <a:gd name="connsiteX1" fmla="*/ 2000250 w 4000499"/>
+              <a:gd name="connsiteY1" fmla="*/ 0 h 4000499"/>
+              <a:gd name="connsiteX2" fmla="*/ 4000500 w 4000499"/>
+              <a:gd name="connsiteY2" fmla="*/ 2000250 h 4000499"/>
+              <a:gd name="connsiteX3" fmla="*/ 2000250 w 4000499"/>
+              <a:gd name="connsiteY3" fmla="*/ 4000500 h 4000499"/>
+              <a:gd name="connsiteX4" fmla="*/ 0 w 4000499"/>
+              <a:gd name="connsiteY4" fmla="*/ 2000250 h 4000499"/>
+            </a:gdLst>
+            <a:ahLst/>
+            <a:cxnLst>
+              <a:cxn ang="0">
+                <a:pos x="connsiteX0" y="connsiteY0"/>
+              </a:cxn>
+              <a:cxn ang="0">
+                <a:pos x="connsiteX1" y="connsiteY1"/>
+              </a:cxn>
+              <a:cxn ang="0">
+                <a:pos x="connsiteX2" y="connsiteY2"/>
+              </a:cxn>
+              <a:cxn ang="0">
+                <a:pos x="connsiteX3" y="connsiteY3"/>
+              </a:cxn>
+              <a:cxn ang="0">
+                <a:pos x="connsiteX4" y="connsiteY4"/>
+              </a:cxn>
+            </a:cxnLst>
+            <a:rect l="l" t="t" r="r" b="b"/>
+            <a:pathLst>
+              <a:path w="4000499" h="4000499">
+                <a:moveTo>
+                  <a:pt x="0" y="2000250"/>
+                </a:moveTo>
+                <a:cubicBezTo>
+                  <a:pt x="0" y="895542"/>
+                  <a:pt x="895542" y="0"/>
+                  <a:pt x="2000250" y="0"/>
+                </a:cubicBezTo>
+                <a:cubicBezTo>
+                  <a:pt x="3104958" y="0"/>
+                  <a:pt x="4000500" y="895542"/>
+                  <a:pt x="4000500" y="2000250"/>
+                </a:cubicBezTo>
+                <a:cubicBezTo>
+                  <a:pt x="4000500" y="3104958"/>
+                  <a:pt x="3104958" y="4000500"/>
+                  <a:pt x="2000250" y="4000500"/>
+                </a:cubicBezTo>
+                <a:cubicBezTo>
+                  <a:pt x="895542" y="4000500"/>
+                  <a:pt x="0" y="3104958"/>
+                  <a:pt x="0" y="2000250"/>
+                </a:cubicBezTo>
+                <a:close/>
+              </a:path>
+            </a:pathLst>
+          </a:custGeom>
+        </p:spPr>
+        <p:style>
+          <a:lnRef idx="2">
+            <a:schemeClr val="lt1">
+              <a:hueOff val="0"/>
+              <a:satOff val="0"/>
+              <a:lumOff val="0"/>
+              <a:alphaOff val="0"/>
+            </a:schemeClr>
+          </a:lnRef>
+          <a:fillRef idx="1">
+            <a:schemeClr val="accent5">
+              <a:alpha val="50000"/>
+              <a:hueOff val="-6758543"/>
+              <a:satOff val="-17419"/>
+              <a:lumOff val="-11765"/>
+              <a:alphaOff val="0"/>
+            </a:schemeClr>
+          </a:fillRef>
+          <a:effectRef idx="0">
+            <a:schemeClr val="accent5">
+              <a:alpha val="50000"/>
+              <a:hueOff val="-6758543"/>
+              <a:satOff val="-17419"/>
+              <a:lumOff val="-11765"/>
+              <a:alphaOff val="0"/>
+            </a:schemeClr>
+          </a:effectRef>
+          <a:fontRef idx="minor">
+            <a:schemeClr val="tx1"/>
+          </a:fontRef>
+        </p:style>
+        <p:txBody>
+          <a:bodyPr spcFirstLastPara="0" vert="horz" wrap="square" lIns="376713" tIns="1033463" rIns="1223487" bIns="766762" numCol="1" spcCol="1270" anchor="ctr" anchorCtr="0">
+            <a:noAutofit/>
+          </a:bodyPr>
+          <a:lstStyle/>
+          <a:p>
+            <a:pPr marL="0" lvl="0" indent="0" algn="ctr" defTabSz="1600200">
+              <a:lnSpc>
+                <a:spcPct val="90000"/>
+              </a:lnSpc>
+              <a:spcBef>
+                <a:spcPct val="0"/>
+              </a:spcBef>
+              <a:spcAft>
+                <a:spcPct val="35000"/>
+              </a:spcAft>
+              <a:buNone/>
+            </a:pPr>
+            <a:r>
+              <a:rPr kumimoji="1" lang="ja-JP" altLang="en-US" sz="4800" b="1" kern="1200" dirty="0">
+                <a:solidFill>
+                  <a:schemeClr val="bg1"/>
+                </a:solidFill>
+              </a:rPr>
+              <a:t>意識</a:t>
+            </a:r>
+            <a:r>
+              <a:rPr kumimoji="1" lang="ja-JP" altLang="en-US" sz="3600" b="1" kern="1200" dirty="0"/>
+              <a:t>が</a:t>
+            </a:r>
+            <a:endParaRPr kumimoji="1" lang="en-US" altLang="ja-JP" sz="3600" b="1" kern="1200" dirty="0"/>
+          </a:p>
+          <a:p>
+            <a:pPr marL="0" lvl="0" indent="0" algn="ctr" defTabSz="1600200">
+              <a:lnSpc>
+                <a:spcPct val="90000"/>
+              </a:lnSpc>
+              <a:spcBef>
+                <a:spcPct val="0"/>
+              </a:spcBef>
+              <a:spcAft>
+                <a:spcPct val="35000"/>
+              </a:spcAft>
+              <a:buNone/>
+            </a:pPr>
+            <a:r>
+              <a:rPr kumimoji="1" lang="ja-JP" altLang="en-US" sz="3600" b="1" kern="1200" dirty="0"/>
+              <a:t>変わる</a:t>
+            </a:r>
+          </a:p>
+        </p:txBody>
+      </p:sp>
+      <p:sp>
+        <p:nvSpPr>
+          <p:cNvPr id="5" name="フリーフォーム: 図形 4">
+            <a:extLst>
+              <a:ext uri="{FF2B5EF4-FFF2-40B4-BE49-F238E27FC236}">
+                <a16:creationId xmlns:a16="http://schemas.microsoft.com/office/drawing/2014/main" id="{E046DCA5-BAE1-415A-BE86-14A516F303E0}"/>
+              </a:ext>
+            </a:extLst>
+          </p:cNvPr>
+          <p:cNvSpPr/>
+          <p:nvPr/>
+        </p:nvSpPr>
+        <p:spPr>
+          <a:xfrm>
+            <a:off x="5553551" y="2688430"/>
+            <a:ext cx="4000499" cy="4000499"/>
+          </a:xfrm>
+          <a:custGeom>
+            <a:avLst/>
+            <a:gdLst>
+              <a:gd name="connsiteX0" fmla="*/ 0 w 4000499"/>
+              <a:gd name="connsiteY0" fmla="*/ 2000250 h 4000499"/>
+              <a:gd name="connsiteX1" fmla="*/ 2000250 w 4000499"/>
+              <a:gd name="connsiteY1" fmla="*/ 0 h 4000499"/>
+              <a:gd name="connsiteX2" fmla="*/ 4000500 w 4000499"/>
+              <a:gd name="connsiteY2" fmla="*/ 2000250 h 4000499"/>
+              <a:gd name="connsiteX3" fmla="*/ 2000250 w 4000499"/>
+              <a:gd name="connsiteY3" fmla="*/ 4000500 h 4000499"/>
+              <a:gd name="connsiteX4" fmla="*/ 0 w 4000499"/>
+              <a:gd name="connsiteY4" fmla="*/ 2000250 h 4000499"/>
+            </a:gdLst>
+            <a:ahLst/>
+            <a:cxnLst>
+              <a:cxn ang="0">
+                <a:pos x="connsiteX0" y="connsiteY0"/>
+              </a:cxn>
+              <a:cxn ang="0">
+                <a:pos x="connsiteX1" y="connsiteY1"/>
+              </a:cxn>
+              <a:cxn ang="0">
+                <a:pos x="connsiteX2" y="connsiteY2"/>
+              </a:cxn>
+              <a:cxn ang="0">
+                <a:pos x="connsiteX3" y="connsiteY3"/>
+              </a:cxn>
+              <a:cxn ang="0">
+                <a:pos x="connsiteX4" y="connsiteY4"/>
+              </a:cxn>
+            </a:cxnLst>
+            <a:rect l="l" t="t" r="r" b="b"/>
+            <a:pathLst>
+              <a:path w="4000499" h="4000499">
+                <a:moveTo>
+                  <a:pt x="0" y="2000250"/>
+                </a:moveTo>
+                <a:cubicBezTo>
+                  <a:pt x="0" y="895542"/>
+                  <a:pt x="895542" y="0"/>
+                  <a:pt x="2000250" y="0"/>
+                </a:cubicBezTo>
+                <a:cubicBezTo>
+                  <a:pt x="3104958" y="0"/>
+                  <a:pt x="4000500" y="895542"/>
+                  <a:pt x="4000500" y="2000250"/>
+                </a:cubicBezTo>
+                <a:cubicBezTo>
+                  <a:pt x="4000500" y="3104958"/>
+                  <a:pt x="3104958" y="4000500"/>
+                  <a:pt x="2000250" y="4000500"/>
+                </a:cubicBezTo>
+                <a:cubicBezTo>
+                  <a:pt x="895542" y="4000500"/>
+                  <a:pt x="0" y="3104958"/>
+                  <a:pt x="0" y="2000250"/>
+                </a:cubicBezTo>
+                <a:close/>
+              </a:path>
+            </a:pathLst>
+          </a:custGeom>
+        </p:spPr>
+        <p:style>
+          <a:lnRef idx="2">
+            <a:schemeClr val="accent4"/>
+          </a:lnRef>
+          <a:fillRef idx="1">
+            <a:schemeClr val="lt1"/>
+          </a:fillRef>
+          <a:effectRef idx="0">
+            <a:schemeClr val="accent4"/>
+          </a:effectRef>
+          <a:fontRef idx="minor">
+            <a:schemeClr val="dk1"/>
+          </a:fontRef>
+        </p:style>
+        <p:txBody>
+          <a:bodyPr spcFirstLastPara="0" vert="horz" wrap="square" lIns="1223486" tIns="1033463" rIns="376714" bIns="766762" numCol="1" spcCol="1270" anchor="ctr" anchorCtr="0">
+            <a:noAutofit/>
+          </a:bodyPr>
+          <a:lstStyle/>
+          <a:p>
+            <a:pPr marL="0" lvl="0" indent="0" algn="ctr" defTabSz="1600200">
+              <a:lnSpc>
+                <a:spcPct val="90000"/>
+              </a:lnSpc>
+              <a:spcBef>
+                <a:spcPct val="0"/>
+              </a:spcBef>
+              <a:spcAft>
+                <a:spcPct val="35000"/>
+              </a:spcAft>
+              <a:buNone/>
+            </a:pPr>
+            <a:r>
+              <a:rPr kumimoji="1" lang="ja-JP" altLang="en-US" sz="4800" b="1" kern="1200" dirty="0">
+                <a:solidFill>
+                  <a:schemeClr val="accent2"/>
+                </a:solidFill>
+              </a:rPr>
+              <a:t>変化</a:t>
+            </a:r>
+            <a:r>
+              <a:rPr kumimoji="1" lang="ja-JP" altLang="en-US" sz="3600" b="1" kern="1200" dirty="0"/>
+              <a:t>が</a:t>
+            </a:r>
+            <a:endParaRPr kumimoji="1" lang="en-US" altLang="ja-JP" sz="3600" b="1" kern="1200" dirty="0"/>
+          </a:p>
+          <a:p>
+            <a:pPr marL="0" lvl="0" indent="0" algn="ctr" defTabSz="1600200">
+              <a:lnSpc>
+                <a:spcPct val="90000"/>
+              </a:lnSpc>
+              <a:spcBef>
+                <a:spcPct val="0"/>
+              </a:spcBef>
+              <a:spcAft>
+                <a:spcPct val="35000"/>
+              </a:spcAft>
+              <a:buNone/>
+            </a:pPr>
+            <a:r>
+              <a:rPr kumimoji="1" lang="ja-JP" altLang="en-US" sz="3600" b="1" kern="1200" dirty="0"/>
+              <a:t>分かる</a:t>
+            </a:r>
+          </a:p>
+        </p:txBody>
+      </p:sp>
+    </p:spTree>
+    <p:extLst>
+      <p:ext uri="{BB962C8B-B14F-4D97-AF65-F5344CB8AC3E}">
+        <p14:creationId xmlns:p14="http://schemas.microsoft.com/office/powerpoint/2010/main" val="1233555351"/>
+      </p:ext>
+    </p:extLst>
+  </p:cSld>
+  <p:clrMapOvr>
+    <a:masterClrMapping/>
+  </p:clrMapOvr>
+  <mc:AlternateContent xmlns:mc="http://schemas.openxmlformats.org/markup-compatibility/2006" xmlns:p14="http://schemas.microsoft.com/office/powerpoint/2010/main">
+    <mc:Choice Requires="p14">
+      <p:transition spd="med" p14:dur="700">
+        <p:fade/>
+      </p:transition>
+    </mc:Choice>
+    <mc:Fallback xmlns="">
+      <p:transition spd="med">
+        <p:fade/>
+      </p:transition>
+    </mc:Fallback>
+  </mc:AlternateContent>
+  <p:timing>
+    <p:tnLst>
+      <p:par>
+        <p:cTn id="1" dur="indefinite" restart="never" nodeType="tmRoot">
+          <p:childTnLst>
+            <p:seq concurrent="1" nextAc="seek">
+              <p:cTn id="2" dur="indefinite" nodeType="mainSeq">
+                <p:childTnLst>
+                  <p:par>
+                    <p:cTn id="3" fill="hold">
+                      <p:stCondLst>
+                        <p:cond delay="indefinite"/>
+                      </p:stCondLst>
+                      <p:childTnLst>
+                        <p:par>
+                          <p:cTn id="4" fill="hold">
+                            <p:stCondLst>
+                              <p:cond delay="0"/>
+                            </p:stCondLst>
+                            <p:childTnLst>
+                              <p:par>
+                                <p:cTn id="5" presetID="22" presetClass="entr" presetSubtype="8" fill="hold" grpId="0" nodeType="clickEffect">
+                                  <p:stCondLst>
+                                    <p:cond delay="0"/>
+                                  </p:stCondLst>
+                                  <p:childTnLst>
+                                    <p:set>
+                                      <p:cBhvr>
+                                        <p:cTn id="6" dur="1" fill="hold">
+                                          <p:stCondLst>
+                                            <p:cond delay="0"/>
+                                          </p:stCondLst>
+                                        </p:cTn>
+                                        <p:tgtEl>
+                                          <p:spTgt spid="5"/>
+                                        </p:tgtEl>
+                                        <p:attrNameLst>
+                                          <p:attrName>style.visibility</p:attrName>
+                                        </p:attrNameLst>
+                                      </p:cBhvr>
+                                      <p:to>
+                                        <p:strVal val="visible"/>
+                                      </p:to>
+                                    </p:set>
+                                    <p:animEffect transition="in" filter="wipe(left)">
+                                      <p:cBhvr>
+                                        <p:cTn id="7" dur="1000"/>
+                                        <p:tgtEl>
+                                          <p:spTgt spid="5"/>
+                                        </p:tgtEl>
+                                      </p:cBhvr>
+                                    </p:animEffect>
+                                  </p:childTnLst>
+                                </p:cTn>
+                              </p:par>
+                            </p:childTnLst>
+                          </p:cTn>
+                        </p:par>
+                      </p:childTnLst>
+                    </p:cTn>
+                  </p:par>
+                </p:childTnLst>
+              </p:cTn>
+              <p:prevCondLst>
+                <p:cond evt="onPrev" delay="0">
+                  <p:tgtEl>
+                    <p:sldTgt/>
+                  </p:tgtEl>
+                </p:cond>
+              </p:prevCondLst>
+              <p:nextCondLst>
+                <p:cond evt="onNext" delay="0">
+                  <p:tgtEl>
+                    <p:sldTgt/>
+                  </p:tgtEl>
+                </p:cond>
+              </p:nextCondLst>
+            </p:seq>
+          </p:childTnLst>
+        </p:cTn>
+      </p:par>
+    </p:tnLst>
+    <p:bldLst>
+      <p:bldP spid="5" grpId="0" animBg="1"/>
+    </p:bldLst>
+  </p:timing>
+</p:sld>
+</file>
+
+<file path=ppt/slides/slide13.xml><?xml version="1.0" encoding="utf-8"?>
+<p:sld xmlns:a="http://schemas.openxmlformats.org/drawingml/2006/main" xmlns:r="http://schemas.openxmlformats.org/officeDocument/2006/relationships" xmlns:p="http://schemas.openxmlformats.org/presentationml/2006/main">
+  <p:cSld>
+    <p:spTree>
+      <p:nvGrpSpPr>
+        <p:cNvPr id="1" name=""/>
+        <p:cNvGrpSpPr/>
+        <p:nvPr/>
+      </p:nvGrpSpPr>
+      <p:grpSpPr>
+        <a:xfrm>
+          <a:off x="0" y="0"/>
+          <a:ext cx="0" cy="0"/>
+          <a:chOff x="0" y="0"/>
+          <a:chExt cx="0" cy="0"/>
+        </a:xfrm>
+      </p:grpSpPr>
+      <p:sp>
+        <p:nvSpPr>
+          <p:cNvPr id="5" name="タイトル 4">
+            <a:extLst>
+              <a:ext uri="{FF2B5EF4-FFF2-40B4-BE49-F238E27FC236}">
+                <a16:creationId xmlns:a16="http://schemas.microsoft.com/office/drawing/2014/main" id="{A3A4102F-4242-4FEE-9849-B9FB27842B80}"/>
+              </a:ext>
+            </a:extLst>
+          </p:cNvPr>
+          <p:cNvSpPr>
+            <a:spLocks noGrp="1"/>
+          </p:cNvSpPr>
+          <p:nvPr>
+            <p:ph type="title"/>
+          </p:nvPr>
+        </p:nvSpPr>
+        <p:spPr/>
+        <p:txBody>
+          <a:bodyPr>
+            <a:normAutofit/>
+          </a:bodyPr>
+          <a:lstStyle/>
+          <a:p>
+            <a:pPr marL="0" lvl="0" indent="0" defTabSz="1600200">
+              <a:lnSpc>
+                <a:spcPct val="90000"/>
+              </a:lnSpc>
+              <a:spcBef>
+                <a:spcPct val="0"/>
+              </a:spcBef>
+              <a:spcAft>
+                <a:spcPct val="35000"/>
+              </a:spcAft>
+              <a:buNone/>
+            </a:pPr>
+            <a:r>
+              <a:rPr kumimoji="1" lang="ja-JP" altLang="en-US" sz="6000" b="1" kern="1200" dirty="0">
+                <a:solidFill>
+                  <a:schemeClr val="accent2"/>
+                </a:solidFill>
+                <a:latin typeface="+mn-ea"/>
+                <a:ea typeface="+mn-ea"/>
+              </a:rPr>
+              <a:t>変化</a:t>
+            </a:r>
+            <a:r>
+              <a:rPr kumimoji="1" lang="ja-JP" altLang="en-US" sz="4400" b="1" kern="1200" dirty="0">
+                <a:latin typeface="+mn-ea"/>
+                <a:ea typeface="+mn-ea"/>
+              </a:rPr>
+              <a:t>が分かる</a:t>
+            </a:r>
+          </a:p>
+        </p:txBody>
+      </p:sp>
+      <p:sp>
+        <p:nvSpPr>
+          <p:cNvPr id="8" name="コンテンツ プレースホルダー 7">
+            <a:extLst>
+              <a:ext uri="{FF2B5EF4-FFF2-40B4-BE49-F238E27FC236}">
+                <a16:creationId xmlns:a16="http://schemas.microsoft.com/office/drawing/2014/main" id="{249AB278-C065-439D-9783-30EF404C910D}"/>
+              </a:ext>
+            </a:extLst>
+          </p:cNvPr>
+          <p:cNvSpPr>
+            <a:spLocks noGrp="1"/>
+          </p:cNvSpPr>
+          <p:nvPr>
+            <p:ph idx="1"/>
+          </p:nvPr>
+        </p:nvSpPr>
+        <p:spPr/>
+        <p:txBody>
+          <a:bodyPr/>
+          <a:lstStyle/>
+          <a:p>
+            <a:r>
+              <a:rPr lang="ja-JP" altLang="en-US" dirty="0"/>
+              <a:t>毎日写真を登録すると、スライドショー形式でみることができる　速度調節可</a:t>
+            </a:r>
+            <a:endParaRPr lang="en-US" altLang="ja-JP" dirty="0"/>
+          </a:p>
+          <a:p>
+            <a:endParaRPr lang="en-US" altLang="ja-JP" dirty="0"/>
+          </a:p>
+          <a:p>
+            <a:r>
+              <a:rPr lang="ja-JP" altLang="en-US" dirty="0"/>
+              <a:t>体重の変化をすぐ見ることができる</a:t>
+            </a:r>
+            <a:endParaRPr lang="en-US" altLang="ja-JP" dirty="0"/>
+          </a:p>
+          <a:p>
+            <a:endParaRPr lang="en-US" altLang="ja-JP" dirty="0"/>
+          </a:p>
+          <a:p>
+            <a:r>
+              <a:rPr lang="ja-JP" altLang="en-US" dirty="0"/>
+              <a:t>継続できるとランクが上がる</a:t>
+            </a:r>
+            <a:endParaRPr lang="en-US" altLang="ja-JP" dirty="0"/>
+          </a:p>
+          <a:p>
+            <a:endParaRPr lang="en-US" altLang="ja-JP" dirty="0"/>
+          </a:p>
+        </p:txBody>
+      </p:sp>
+    </p:spTree>
+    <p:extLst>
+      <p:ext uri="{BB962C8B-B14F-4D97-AF65-F5344CB8AC3E}">
+        <p14:creationId xmlns:p14="http://schemas.microsoft.com/office/powerpoint/2010/main" val="811272287"/>
+      </p:ext>
+    </p:extLst>
+  </p:cSld>
+  <p:clrMapOvr>
+    <a:masterClrMapping/>
+  </p:clrMapOvr>
+  <mc:AlternateContent xmlns:mc="http://schemas.openxmlformats.org/markup-compatibility/2006" xmlns:p14="http://schemas.microsoft.com/office/powerpoint/2010/main">
+    <mc:Choice Requires="p14">
+      <p:transition spd="med" p14:dur="700">
+        <p:fade/>
+      </p:transition>
+    </mc:Choice>
+    <mc:Fallback xmlns="">
+      <p:transition spd="med">
+        <p:fade/>
+      </p:transition>
+    </mc:Fallback>
+  </mc:AlternateContent>
+</p:sld>
+</file>
+
+<file path=ppt/slides/slide14.xml><?xml version="1.0" encoding="utf-8"?>
+<p:sld xmlns:a="http://schemas.openxmlformats.org/drawingml/2006/main" xmlns:r="http://schemas.openxmlformats.org/officeDocument/2006/relationships" xmlns:p="http://schemas.openxmlformats.org/presentationml/2006/main">
+  <p:cSld>
+    <p:spTree>
+      <p:nvGrpSpPr>
+        <p:cNvPr id="1" name=""/>
+        <p:cNvGrpSpPr/>
+        <p:nvPr/>
+      </p:nvGrpSpPr>
+      <p:grpSpPr>
+        <a:xfrm>
+          <a:off x="0" y="0"/>
+          <a:ext cx="0" cy="0"/>
+          <a:chOff x="0" y="0"/>
+          <a:chExt cx="0" cy="0"/>
+        </a:xfrm>
+      </p:grpSpPr>
+      <p:sp>
+        <p:nvSpPr>
           <p:cNvPr id="6" name="フリーフォーム: 図形 5">
             <a:extLst>
               <a:ext uri="{FF2B5EF4-FFF2-40B4-BE49-F238E27FC236}">
@@ -13463,7 +14279,7 @@
 </p:sld>
 </file>
 
-<file path=ppt/slides/slide13.xml><?xml version="1.0" encoding="utf-8"?>
+<file path=ppt/slides/slide15.xml><?xml version="1.0" encoding="utf-8"?>
 <p:sld xmlns:a="http://schemas.openxmlformats.org/drawingml/2006/main" xmlns:r="http://schemas.openxmlformats.org/officeDocument/2006/relationships" xmlns:p="http://schemas.openxmlformats.org/presentationml/2006/main">
   <p:cSld>
     <p:spTree>
@@ -13576,21 +14392,6 @@
             <a:endParaRPr lang="en-US" altLang="ja-JP" dirty="0"/>
           </a:p>
           <a:p>
-            <a:r>
-              <a:rPr lang="ja-JP" altLang="en-US" dirty="0"/>
-              <a:t>調理法</a:t>
-            </a:r>
-            <a:r>
-              <a:rPr lang="en-US" altLang="ja-JP" dirty="0"/>
-              <a:t>/</a:t>
-            </a:r>
-            <a:r>
-              <a:rPr lang="ja-JP" altLang="en-US" dirty="0"/>
-              <a:t>料理名は記録しなくてもいい</a:t>
-            </a:r>
-            <a:endParaRPr lang="en-US" altLang="ja-JP" dirty="0"/>
-          </a:p>
-          <a:p>
             <a:pPr marL="0" indent="0">
               <a:buNone/>
             </a:pPr>
@@ -13623,6 +14424,12 @@
               <a:rPr lang="ja-JP" altLang="en-US" dirty="0"/>
               <a:t>少しの散歩でも記録しておくことで見返したときに達成感を得られる</a:t>
             </a:r>
+            <a:endParaRPr lang="en-US" altLang="ja-JP" dirty="0"/>
+          </a:p>
+          <a:p>
+            <a:pPr marL="0" indent="0">
+              <a:buNone/>
+            </a:pPr>
             <a:endParaRPr lang="en-US" altLang="ja-JP" dirty="0"/>
           </a:p>
           <a:p>
@@ -13655,732 +14462,6 @@
       </p:transition>
     </mc:Fallback>
   </mc:AlternateContent>
-</p:sld>
-</file>
-
-<file path=ppt/slides/slide14.xml><?xml version="1.0" encoding="utf-8"?>
-<p:sld xmlns:a="http://schemas.openxmlformats.org/drawingml/2006/main" xmlns:r="http://schemas.openxmlformats.org/officeDocument/2006/relationships" xmlns:p="http://schemas.openxmlformats.org/presentationml/2006/main">
-  <p:cSld>
-    <p:spTree>
-      <p:nvGrpSpPr>
-        <p:cNvPr id="1" name=""/>
-        <p:cNvGrpSpPr/>
-        <p:nvPr/>
-      </p:nvGrpSpPr>
-      <p:grpSpPr>
-        <a:xfrm>
-          <a:off x="0" y="0"/>
-          <a:ext cx="0" cy="0"/>
-          <a:chOff x="0" y="0"/>
-          <a:chExt cx="0" cy="0"/>
-        </a:xfrm>
-      </p:grpSpPr>
-      <p:sp>
-        <p:nvSpPr>
-          <p:cNvPr id="5" name="タイトル 4">
-            <a:extLst>
-              <a:ext uri="{FF2B5EF4-FFF2-40B4-BE49-F238E27FC236}">
-                <a16:creationId xmlns:a16="http://schemas.microsoft.com/office/drawing/2014/main" id="{A3A4102F-4242-4FEE-9849-B9FB27842B80}"/>
-              </a:ext>
-            </a:extLst>
-          </p:cNvPr>
-          <p:cNvSpPr>
-            <a:spLocks noGrp="1"/>
-          </p:cNvSpPr>
-          <p:nvPr>
-            <p:ph type="title"/>
-          </p:nvPr>
-        </p:nvSpPr>
-        <p:spPr/>
-        <p:txBody>
-          <a:bodyPr>
-            <a:normAutofit/>
-          </a:bodyPr>
-          <a:lstStyle/>
-          <a:p>
-            <a:pPr marL="0" lvl="0" indent="0" defTabSz="1600200">
-              <a:lnSpc>
-                <a:spcPct val="90000"/>
-              </a:lnSpc>
-              <a:spcBef>
-                <a:spcPct val="0"/>
-              </a:spcBef>
-              <a:spcAft>
-                <a:spcPct val="35000"/>
-              </a:spcAft>
-              <a:buNone/>
-            </a:pPr>
-            <a:r>
-              <a:rPr kumimoji="1" lang="ja-JP" altLang="en-US" sz="6000" b="1" kern="1200" dirty="0">
-                <a:solidFill>
-                  <a:srgbClr val="00B050"/>
-                </a:solidFill>
-                <a:latin typeface="+mn-ea"/>
-                <a:ea typeface="+mn-ea"/>
-              </a:rPr>
-              <a:t>意識</a:t>
-            </a:r>
-            <a:r>
-              <a:rPr kumimoji="1" lang="ja-JP" altLang="en-US" sz="4400" b="1" kern="1200" dirty="0">
-                <a:latin typeface="+mn-ea"/>
-                <a:ea typeface="+mn-ea"/>
-              </a:rPr>
-              <a:t>が変わる</a:t>
-            </a:r>
-            <a:endParaRPr lang="ja-JP" altLang="en-US" b="1" dirty="0">
-              <a:latin typeface="+mn-ea"/>
-              <a:ea typeface="+mn-ea"/>
-            </a:endParaRPr>
-          </a:p>
-        </p:txBody>
-      </p:sp>
-      <p:sp>
-        <p:nvSpPr>
-          <p:cNvPr id="8" name="コンテンツ プレースホルダー 7">
-            <a:extLst>
-              <a:ext uri="{FF2B5EF4-FFF2-40B4-BE49-F238E27FC236}">
-                <a16:creationId xmlns:a16="http://schemas.microsoft.com/office/drawing/2014/main" id="{249AB278-C065-439D-9783-30EF404C910D}"/>
-              </a:ext>
-            </a:extLst>
-          </p:cNvPr>
-          <p:cNvSpPr>
-            <a:spLocks noGrp="1"/>
-          </p:cNvSpPr>
-          <p:nvPr>
-            <p:ph idx="1"/>
-          </p:nvPr>
-        </p:nvSpPr>
-        <p:spPr/>
-        <p:txBody>
-          <a:bodyPr>
-            <a:normAutofit/>
-          </a:bodyPr>
-          <a:lstStyle/>
-          <a:p>
-            <a:r>
-              <a:rPr lang="ja-JP" altLang="en-US" dirty="0"/>
-              <a:t>目標体重が常に表示されるので意識に刷り込まれる</a:t>
-            </a:r>
-            <a:endParaRPr lang="en-US" altLang="ja-JP" dirty="0"/>
-          </a:p>
-          <a:p>
-            <a:r>
-              <a:rPr lang="ja-JP" altLang="en-US" dirty="0"/>
-              <a:t>記録することで、自分の食事の傾向を再発見できる</a:t>
-            </a:r>
-            <a:endParaRPr lang="en-US" altLang="ja-JP" dirty="0"/>
-          </a:p>
-          <a:p>
-            <a:endParaRPr lang="en-US" altLang="ja-JP" dirty="0"/>
-          </a:p>
-          <a:p>
-            <a:endParaRPr lang="ja-JP" altLang="en-US" dirty="0"/>
-          </a:p>
-        </p:txBody>
-      </p:sp>
-    </p:spTree>
-    <p:extLst>
-      <p:ext uri="{BB962C8B-B14F-4D97-AF65-F5344CB8AC3E}">
-        <p14:creationId xmlns:p14="http://schemas.microsoft.com/office/powerpoint/2010/main" val="2168154454"/>
-      </p:ext>
-    </p:extLst>
-  </p:cSld>
-  <p:clrMapOvr>
-    <a:masterClrMapping/>
-  </p:clrMapOvr>
-  <mc:AlternateContent xmlns:mc="http://schemas.openxmlformats.org/markup-compatibility/2006" xmlns:p14="http://schemas.microsoft.com/office/powerpoint/2010/main">
-    <mc:Choice Requires="p14">
-      <p:transition spd="med" p14:dur="700">
-        <p:fade/>
-      </p:transition>
-    </mc:Choice>
-    <mc:Fallback xmlns="">
-      <p:transition spd="med">
-        <p:fade/>
-      </p:transition>
-    </mc:Fallback>
-  </mc:AlternateContent>
-</p:sld>
-</file>
-
-<file path=ppt/slides/slide15.xml><?xml version="1.0" encoding="utf-8"?>
-<p:sld xmlns:a="http://schemas.openxmlformats.org/drawingml/2006/main" xmlns:r="http://schemas.openxmlformats.org/officeDocument/2006/relationships" xmlns:p="http://schemas.openxmlformats.org/presentationml/2006/main">
-  <p:cSld>
-    <p:spTree>
-      <p:nvGrpSpPr>
-        <p:cNvPr id="1" name=""/>
-        <p:cNvGrpSpPr/>
-        <p:nvPr/>
-      </p:nvGrpSpPr>
-      <p:grpSpPr>
-        <a:xfrm>
-          <a:off x="0" y="0"/>
-          <a:ext cx="0" cy="0"/>
-          <a:chOff x="0" y="0"/>
-          <a:chExt cx="0" cy="0"/>
-        </a:xfrm>
-      </p:grpSpPr>
-      <p:sp>
-        <p:nvSpPr>
-          <p:cNvPr id="4" name="フリーフォーム: 図形 3">
-            <a:extLst>
-              <a:ext uri="{FF2B5EF4-FFF2-40B4-BE49-F238E27FC236}">
-                <a16:creationId xmlns:a16="http://schemas.microsoft.com/office/drawing/2014/main" id="{412AD06F-7F6F-428F-8128-87AA4A6333A7}"/>
-              </a:ext>
-            </a:extLst>
-          </p:cNvPr>
-          <p:cNvSpPr/>
-          <p:nvPr/>
-        </p:nvSpPr>
-        <p:spPr>
-          <a:xfrm>
-            <a:off x="4110037" y="178597"/>
-            <a:ext cx="4000499" cy="4000499"/>
-          </a:xfrm>
-          <a:custGeom>
-            <a:avLst/>
-            <a:gdLst>
-              <a:gd name="connsiteX0" fmla="*/ 0 w 4000499"/>
-              <a:gd name="connsiteY0" fmla="*/ 2000250 h 4000499"/>
-              <a:gd name="connsiteX1" fmla="*/ 2000250 w 4000499"/>
-              <a:gd name="connsiteY1" fmla="*/ 0 h 4000499"/>
-              <a:gd name="connsiteX2" fmla="*/ 4000500 w 4000499"/>
-              <a:gd name="connsiteY2" fmla="*/ 2000250 h 4000499"/>
-              <a:gd name="connsiteX3" fmla="*/ 2000250 w 4000499"/>
-              <a:gd name="connsiteY3" fmla="*/ 4000500 h 4000499"/>
-              <a:gd name="connsiteX4" fmla="*/ 0 w 4000499"/>
-              <a:gd name="connsiteY4" fmla="*/ 2000250 h 4000499"/>
-            </a:gdLst>
-            <a:ahLst/>
-            <a:cxnLst>
-              <a:cxn ang="0">
-                <a:pos x="connsiteX0" y="connsiteY0"/>
-              </a:cxn>
-              <a:cxn ang="0">
-                <a:pos x="connsiteX1" y="connsiteY1"/>
-              </a:cxn>
-              <a:cxn ang="0">
-                <a:pos x="connsiteX2" y="connsiteY2"/>
-              </a:cxn>
-              <a:cxn ang="0">
-                <a:pos x="connsiteX3" y="connsiteY3"/>
-              </a:cxn>
-              <a:cxn ang="0">
-                <a:pos x="connsiteX4" y="connsiteY4"/>
-              </a:cxn>
-            </a:cxnLst>
-            <a:rect l="l" t="t" r="r" b="b"/>
-            <a:pathLst>
-              <a:path w="4000499" h="4000499">
-                <a:moveTo>
-                  <a:pt x="0" y="2000250"/>
-                </a:moveTo>
-                <a:cubicBezTo>
-                  <a:pt x="0" y="895542"/>
-                  <a:pt x="895542" y="0"/>
-                  <a:pt x="2000250" y="0"/>
-                </a:cubicBezTo>
-                <a:cubicBezTo>
-                  <a:pt x="3104958" y="0"/>
-                  <a:pt x="4000500" y="895542"/>
-                  <a:pt x="4000500" y="2000250"/>
-                </a:cubicBezTo>
-                <a:cubicBezTo>
-                  <a:pt x="4000500" y="3104958"/>
-                  <a:pt x="3104958" y="4000500"/>
-                  <a:pt x="2000250" y="4000500"/>
-                </a:cubicBezTo>
-                <a:cubicBezTo>
-                  <a:pt x="895542" y="4000500"/>
-                  <a:pt x="0" y="3104958"/>
-                  <a:pt x="0" y="2000250"/>
-                </a:cubicBezTo>
-                <a:close/>
-              </a:path>
-            </a:pathLst>
-          </a:custGeom>
-        </p:spPr>
-        <p:style>
-          <a:lnRef idx="2">
-            <a:schemeClr val="lt1">
-              <a:hueOff val="0"/>
-              <a:satOff val="0"/>
-              <a:lumOff val="0"/>
-              <a:alphaOff val="0"/>
-            </a:schemeClr>
-          </a:lnRef>
-          <a:fillRef idx="1">
-            <a:schemeClr val="accent5">
-              <a:alpha val="50000"/>
-              <a:hueOff val="0"/>
-              <a:satOff val="0"/>
-              <a:lumOff val="0"/>
-              <a:alphaOff val="0"/>
-            </a:schemeClr>
-          </a:fillRef>
-          <a:effectRef idx="0">
-            <a:schemeClr val="accent5">
-              <a:alpha val="50000"/>
-              <a:hueOff val="0"/>
-              <a:satOff val="0"/>
-              <a:lumOff val="0"/>
-              <a:alphaOff val="0"/>
-            </a:schemeClr>
-          </a:effectRef>
-          <a:fontRef idx="minor">
-            <a:schemeClr val="tx1"/>
-          </a:fontRef>
-        </p:style>
-        <p:txBody>
-          <a:bodyPr spcFirstLastPara="0" vert="horz" wrap="square" lIns="533400" tIns="700087" rIns="533400" bIns="1500188" numCol="1" spcCol="1270" anchor="ctr" anchorCtr="0">
-            <a:noAutofit/>
-          </a:bodyPr>
-          <a:lstStyle/>
-          <a:p>
-            <a:pPr marL="0" lvl="0" indent="0" algn="ctr" defTabSz="1600200">
-              <a:lnSpc>
-                <a:spcPct val="90000"/>
-              </a:lnSpc>
-              <a:spcBef>
-                <a:spcPct val="0"/>
-              </a:spcBef>
-              <a:spcAft>
-                <a:spcPct val="35000"/>
-              </a:spcAft>
-              <a:buNone/>
-            </a:pPr>
-            <a:r>
-              <a:rPr kumimoji="1" lang="ja-JP" altLang="en-US" sz="4800" b="1" kern="1200" dirty="0">
-                <a:solidFill>
-                  <a:schemeClr val="bg1"/>
-                </a:solidFill>
-              </a:rPr>
-              <a:t>交流</a:t>
-            </a:r>
-            <a:r>
-              <a:rPr kumimoji="1" lang="ja-JP" altLang="en-US" sz="3600" b="1" kern="1200" dirty="0"/>
-              <a:t>できる</a:t>
-            </a:r>
-          </a:p>
-        </p:txBody>
-      </p:sp>
-      <p:sp>
-        <p:nvSpPr>
-          <p:cNvPr id="6" name="フリーフォーム: 図形 5">
-            <a:extLst>
-              <a:ext uri="{FF2B5EF4-FFF2-40B4-BE49-F238E27FC236}">
-                <a16:creationId xmlns:a16="http://schemas.microsoft.com/office/drawing/2014/main" id="{9D637C7F-E7A9-4A55-B721-1A9306ED7E68}"/>
-              </a:ext>
-            </a:extLst>
-          </p:cNvPr>
-          <p:cNvSpPr/>
-          <p:nvPr/>
-        </p:nvSpPr>
-        <p:spPr>
-          <a:xfrm>
-            <a:off x="2666524" y="2688430"/>
-            <a:ext cx="4000499" cy="4000499"/>
-          </a:xfrm>
-          <a:custGeom>
-            <a:avLst/>
-            <a:gdLst>
-              <a:gd name="connsiteX0" fmla="*/ 0 w 4000499"/>
-              <a:gd name="connsiteY0" fmla="*/ 2000250 h 4000499"/>
-              <a:gd name="connsiteX1" fmla="*/ 2000250 w 4000499"/>
-              <a:gd name="connsiteY1" fmla="*/ 0 h 4000499"/>
-              <a:gd name="connsiteX2" fmla="*/ 4000500 w 4000499"/>
-              <a:gd name="connsiteY2" fmla="*/ 2000250 h 4000499"/>
-              <a:gd name="connsiteX3" fmla="*/ 2000250 w 4000499"/>
-              <a:gd name="connsiteY3" fmla="*/ 4000500 h 4000499"/>
-              <a:gd name="connsiteX4" fmla="*/ 0 w 4000499"/>
-              <a:gd name="connsiteY4" fmla="*/ 2000250 h 4000499"/>
-            </a:gdLst>
-            <a:ahLst/>
-            <a:cxnLst>
-              <a:cxn ang="0">
-                <a:pos x="connsiteX0" y="connsiteY0"/>
-              </a:cxn>
-              <a:cxn ang="0">
-                <a:pos x="connsiteX1" y="connsiteY1"/>
-              </a:cxn>
-              <a:cxn ang="0">
-                <a:pos x="connsiteX2" y="connsiteY2"/>
-              </a:cxn>
-              <a:cxn ang="0">
-                <a:pos x="connsiteX3" y="connsiteY3"/>
-              </a:cxn>
-              <a:cxn ang="0">
-                <a:pos x="connsiteX4" y="connsiteY4"/>
-              </a:cxn>
-            </a:cxnLst>
-            <a:rect l="l" t="t" r="r" b="b"/>
-            <a:pathLst>
-              <a:path w="4000499" h="4000499">
-                <a:moveTo>
-                  <a:pt x="0" y="2000250"/>
-                </a:moveTo>
-                <a:cubicBezTo>
-                  <a:pt x="0" y="895542"/>
-                  <a:pt x="895542" y="0"/>
-                  <a:pt x="2000250" y="0"/>
-                </a:cubicBezTo>
-                <a:cubicBezTo>
-                  <a:pt x="3104958" y="0"/>
-                  <a:pt x="4000500" y="895542"/>
-                  <a:pt x="4000500" y="2000250"/>
-                </a:cubicBezTo>
-                <a:cubicBezTo>
-                  <a:pt x="4000500" y="3104958"/>
-                  <a:pt x="3104958" y="4000500"/>
-                  <a:pt x="2000250" y="4000500"/>
-                </a:cubicBezTo>
-                <a:cubicBezTo>
-                  <a:pt x="895542" y="4000500"/>
-                  <a:pt x="0" y="3104958"/>
-                  <a:pt x="0" y="2000250"/>
-                </a:cubicBezTo>
-                <a:close/>
-              </a:path>
-            </a:pathLst>
-          </a:custGeom>
-        </p:spPr>
-        <p:style>
-          <a:lnRef idx="2">
-            <a:schemeClr val="lt1">
-              <a:hueOff val="0"/>
-              <a:satOff val="0"/>
-              <a:lumOff val="0"/>
-              <a:alphaOff val="0"/>
-            </a:schemeClr>
-          </a:lnRef>
-          <a:fillRef idx="1">
-            <a:schemeClr val="accent5">
-              <a:alpha val="50000"/>
-              <a:hueOff val="-6758543"/>
-              <a:satOff val="-17419"/>
-              <a:lumOff val="-11765"/>
-              <a:alphaOff val="0"/>
-            </a:schemeClr>
-          </a:fillRef>
-          <a:effectRef idx="0">
-            <a:schemeClr val="accent5">
-              <a:alpha val="50000"/>
-              <a:hueOff val="-6758543"/>
-              <a:satOff val="-17419"/>
-              <a:lumOff val="-11765"/>
-              <a:alphaOff val="0"/>
-            </a:schemeClr>
-          </a:effectRef>
-          <a:fontRef idx="minor">
-            <a:schemeClr val="tx1"/>
-          </a:fontRef>
-        </p:style>
-        <p:txBody>
-          <a:bodyPr spcFirstLastPara="0" vert="horz" wrap="square" lIns="376713" tIns="1033463" rIns="1223487" bIns="766762" numCol="1" spcCol="1270" anchor="ctr" anchorCtr="0">
-            <a:noAutofit/>
-          </a:bodyPr>
-          <a:lstStyle/>
-          <a:p>
-            <a:pPr marL="0" lvl="0" indent="0" algn="ctr" defTabSz="1600200">
-              <a:lnSpc>
-                <a:spcPct val="90000"/>
-              </a:lnSpc>
-              <a:spcBef>
-                <a:spcPct val="0"/>
-              </a:spcBef>
-              <a:spcAft>
-                <a:spcPct val="35000"/>
-              </a:spcAft>
-              <a:buNone/>
-            </a:pPr>
-            <a:r>
-              <a:rPr kumimoji="1" lang="ja-JP" altLang="en-US" sz="4800" b="1" kern="1200" dirty="0">
-                <a:solidFill>
-                  <a:schemeClr val="bg1"/>
-                </a:solidFill>
-              </a:rPr>
-              <a:t>意識</a:t>
-            </a:r>
-            <a:r>
-              <a:rPr kumimoji="1" lang="ja-JP" altLang="en-US" sz="3600" b="1" kern="1200" dirty="0"/>
-              <a:t>が</a:t>
-            </a:r>
-            <a:endParaRPr kumimoji="1" lang="en-US" altLang="ja-JP" sz="3600" b="1" kern="1200" dirty="0"/>
-          </a:p>
-          <a:p>
-            <a:pPr marL="0" lvl="0" indent="0" algn="ctr" defTabSz="1600200">
-              <a:lnSpc>
-                <a:spcPct val="90000"/>
-              </a:lnSpc>
-              <a:spcBef>
-                <a:spcPct val="0"/>
-              </a:spcBef>
-              <a:spcAft>
-                <a:spcPct val="35000"/>
-              </a:spcAft>
-              <a:buNone/>
-            </a:pPr>
-            <a:r>
-              <a:rPr kumimoji="1" lang="ja-JP" altLang="en-US" sz="3600" b="1" kern="1200" dirty="0"/>
-              <a:t>変わる</a:t>
-            </a:r>
-          </a:p>
-        </p:txBody>
-      </p:sp>
-      <p:sp>
-        <p:nvSpPr>
-          <p:cNvPr id="5" name="フリーフォーム: 図形 4">
-            <a:extLst>
-              <a:ext uri="{FF2B5EF4-FFF2-40B4-BE49-F238E27FC236}">
-                <a16:creationId xmlns:a16="http://schemas.microsoft.com/office/drawing/2014/main" id="{E046DCA5-BAE1-415A-BE86-14A516F303E0}"/>
-              </a:ext>
-            </a:extLst>
-          </p:cNvPr>
-          <p:cNvSpPr/>
-          <p:nvPr/>
-        </p:nvSpPr>
-        <p:spPr>
-          <a:xfrm>
-            <a:off x="5553551" y="2688430"/>
-            <a:ext cx="4000499" cy="4000499"/>
-          </a:xfrm>
-          <a:custGeom>
-            <a:avLst/>
-            <a:gdLst>
-              <a:gd name="connsiteX0" fmla="*/ 0 w 4000499"/>
-              <a:gd name="connsiteY0" fmla="*/ 2000250 h 4000499"/>
-              <a:gd name="connsiteX1" fmla="*/ 2000250 w 4000499"/>
-              <a:gd name="connsiteY1" fmla="*/ 0 h 4000499"/>
-              <a:gd name="connsiteX2" fmla="*/ 4000500 w 4000499"/>
-              <a:gd name="connsiteY2" fmla="*/ 2000250 h 4000499"/>
-              <a:gd name="connsiteX3" fmla="*/ 2000250 w 4000499"/>
-              <a:gd name="connsiteY3" fmla="*/ 4000500 h 4000499"/>
-              <a:gd name="connsiteX4" fmla="*/ 0 w 4000499"/>
-              <a:gd name="connsiteY4" fmla="*/ 2000250 h 4000499"/>
-            </a:gdLst>
-            <a:ahLst/>
-            <a:cxnLst>
-              <a:cxn ang="0">
-                <a:pos x="connsiteX0" y="connsiteY0"/>
-              </a:cxn>
-              <a:cxn ang="0">
-                <a:pos x="connsiteX1" y="connsiteY1"/>
-              </a:cxn>
-              <a:cxn ang="0">
-                <a:pos x="connsiteX2" y="connsiteY2"/>
-              </a:cxn>
-              <a:cxn ang="0">
-                <a:pos x="connsiteX3" y="connsiteY3"/>
-              </a:cxn>
-              <a:cxn ang="0">
-                <a:pos x="connsiteX4" y="connsiteY4"/>
-              </a:cxn>
-            </a:cxnLst>
-            <a:rect l="l" t="t" r="r" b="b"/>
-            <a:pathLst>
-              <a:path w="4000499" h="4000499">
-                <a:moveTo>
-                  <a:pt x="0" y="2000250"/>
-                </a:moveTo>
-                <a:cubicBezTo>
-                  <a:pt x="0" y="895542"/>
-                  <a:pt x="895542" y="0"/>
-                  <a:pt x="2000250" y="0"/>
-                </a:cubicBezTo>
-                <a:cubicBezTo>
-                  <a:pt x="3104958" y="0"/>
-                  <a:pt x="4000500" y="895542"/>
-                  <a:pt x="4000500" y="2000250"/>
-                </a:cubicBezTo>
-                <a:cubicBezTo>
-                  <a:pt x="4000500" y="3104958"/>
-                  <a:pt x="3104958" y="4000500"/>
-                  <a:pt x="2000250" y="4000500"/>
-                </a:cubicBezTo>
-                <a:cubicBezTo>
-                  <a:pt x="895542" y="4000500"/>
-                  <a:pt x="0" y="3104958"/>
-                  <a:pt x="0" y="2000250"/>
-                </a:cubicBezTo>
-                <a:close/>
-              </a:path>
-            </a:pathLst>
-          </a:custGeom>
-        </p:spPr>
-        <p:style>
-          <a:lnRef idx="2">
-            <a:schemeClr val="accent4"/>
-          </a:lnRef>
-          <a:fillRef idx="1">
-            <a:schemeClr val="lt1"/>
-          </a:fillRef>
-          <a:effectRef idx="0">
-            <a:schemeClr val="accent4"/>
-          </a:effectRef>
-          <a:fontRef idx="minor">
-            <a:schemeClr val="dk1"/>
-          </a:fontRef>
-        </p:style>
-        <p:txBody>
-          <a:bodyPr spcFirstLastPara="0" vert="horz" wrap="square" lIns="1223486" tIns="1033463" rIns="376714" bIns="766762" numCol="1" spcCol="1270" anchor="ctr" anchorCtr="0">
-            <a:noAutofit/>
-          </a:bodyPr>
-          <a:lstStyle/>
-          <a:p>
-            <a:pPr marL="0" lvl="0" indent="0" algn="ctr" defTabSz="1600200">
-              <a:lnSpc>
-                <a:spcPct val="90000"/>
-              </a:lnSpc>
-              <a:spcBef>
-                <a:spcPct val="0"/>
-              </a:spcBef>
-              <a:spcAft>
-                <a:spcPct val="35000"/>
-              </a:spcAft>
-              <a:buNone/>
-            </a:pPr>
-            <a:r>
-              <a:rPr kumimoji="1" lang="ja-JP" altLang="en-US" sz="4800" b="1" kern="1200" dirty="0">
-                <a:solidFill>
-                  <a:schemeClr val="accent2"/>
-                </a:solidFill>
-              </a:rPr>
-              <a:t>変化</a:t>
-            </a:r>
-            <a:r>
-              <a:rPr kumimoji="1" lang="ja-JP" altLang="en-US" sz="3600" b="1" kern="1200" dirty="0"/>
-              <a:t>が</a:t>
-            </a:r>
-            <a:endParaRPr kumimoji="1" lang="en-US" altLang="ja-JP" sz="3600" b="1" kern="1200" dirty="0"/>
-          </a:p>
-          <a:p>
-            <a:pPr marL="0" lvl="0" indent="0" algn="ctr" defTabSz="1600200">
-              <a:lnSpc>
-                <a:spcPct val="90000"/>
-              </a:lnSpc>
-              <a:spcBef>
-                <a:spcPct val="0"/>
-              </a:spcBef>
-              <a:spcAft>
-                <a:spcPct val="35000"/>
-              </a:spcAft>
-              <a:buNone/>
-            </a:pPr>
-            <a:r>
-              <a:rPr kumimoji="1" lang="ja-JP" altLang="en-US" sz="3600" b="1" kern="1200" dirty="0"/>
-              <a:t>分かる</a:t>
-            </a:r>
-          </a:p>
-        </p:txBody>
-      </p:sp>
-    </p:spTree>
-    <p:extLst>
-      <p:ext uri="{BB962C8B-B14F-4D97-AF65-F5344CB8AC3E}">
-        <p14:creationId xmlns:p14="http://schemas.microsoft.com/office/powerpoint/2010/main" val="1233555351"/>
-      </p:ext>
-    </p:extLst>
-  </p:cSld>
-  <p:clrMapOvr>
-    <a:masterClrMapping/>
-  </p:clrMapOvr>
-  <mc:AlternateContent xmlns:mc="http://schemas.openxmlformats.org/markup-compatibility/2006" xmlns:p14="http://schemas.microsoft.com/office/powerpoint/2010/main">
-    <mc:Choice Requires="p14">
-      <p:transition spd="med" p14:dur="700">
-        <p:fade/>
-      </p:transition>
-    </mc:Choice>
-    <mc:Fallback xmlns="">
-      <p:transition spd="med">
-        <p:fade/>
-      </p:transition>
-    </mc:Fallback>
-  </mc:AlternateContent>
-  <p:timing>
-    <p:tnLst>
-      <p:par>
-        <p:cTn id="1" dur="indefinite" restart="never" nodeType="tmRoot">
-          <p:childTnLst>
-            <p:seq concurrent="1" nextAc="seek">
-              <p:cTn id="2" dur="indefinite" nodeType="mainSeq">
-                <p:childTnLst>
-                  <p:par>
-                    <p:cTn id="3" fill="hold">
-                      <p:stCondLst>
-                        <p:cond delay="indefinite"/>
-                      </p:stCondLst>
-                      <p:childTnLst>
-                        <p:par>
-                          <p:cTn id="4" fill="hold">
-                            <p:stCondLst>
-                              <p:cond delay="0"/>
-                            </p:stCondLst>
-                            <p:childTnLst>
-                              <p:par>
-                                <p:cTn id="5" presetID="22" presetClass="entr" presetSubtype="8" fill="hold" grpId="0" nodeType="clickEffect">
-                                  <p:stCondLst>
-                                    <p:cond delay="0"/>
-                                  </p:stCondLst>
-                                  <p:childTnLst>
-                                    <p:set>
-                                      <p:cBhvr>
-                                        <p:cTn id="6" dur="1" fill="hold">
-                                          <p:stCondLst>
-                                            <p:cond delay="0"/>
-                                          </p:stCondLst>
-                                        </p:cTn>
-                                        <p:tgtEl>
-                                          <p:spTgt spid="5"/>
-                                        </p:tgtEl>
-                                        <p:attrNameLst>
-                                          <p:attrName>style.visibility</p:attrName>
-                                        </p:attrNameLst>
-                                      </p:cBhvr>
-                                      <p:to>
-                                        <p:strVal val="visible"/>
-                                      </p:to>
-                                    </p:set>
-                                    <p:animEffect transition="in" filter="wipe(left)">
-                                      <p:cBhvr>
-                                        <p:cTn id="7" dur="1000"/>
-                                        <p:tgtEl>
-                                          <p:spTgt spid="5"/>
-                                        </p:tgtEl>
-                                      </p:cBhvr>
-                                    </p:animEffect>
-                                  </p:childTnLst>
-                                </p:cTn>
-                              </p:par>
-                            </p:childTnLst>
-                          </p:cTn>
-                        </p:par>
-                      </p:childTnLst>
-                    </p:cTn>
-                  </p:par>
-                </p:childTnLst>
-              </p:cTn>
-              <p:prevCondLst>
-                <p:cond evt="onPrev" delay="0">
-                  <p:tgtEl>
-                    <p:sldTgt/>
-                  </p:tgtEl>
-                </p:cond>
-              </p:prevCondLst>
-              <p:nextCondLst>
-                <p:cond evt="onNext" delay="0">
-                  <p:tgtEl>
-                    <p:sldTgt/>
-                  </p:tgtEl>
-                </p:cond>
-              </p:nextCondLst>
-            </p:seq>
-          </p:childTnLst>
-        </p:cTn>
-      </p:par>
-    </p:tnLst>
-    <p:bldLst>
-      <p:bldP spid="5" grpId="0" animBg="1"/>
-    </p:bldLst>
-  </p:timing>
 </p:sld>
 </file>
 
@@ -14439,20 +14520,24 @@
             <a:r>
               <a:rPr kumimoji="1" lang="ja-JP" altLang="en-US" sz="6000" b="1" kern="1200" dirty="0">
                 <a:solidFill>
-                  <a:schemeClr val="accent2"/>
+                  <a:srgbClr val="00B050"/>
                 </a:solidFill>
                 <a:latin typeface="+mn-ea"/>
                 <a:ea typeface="+mn-ea"/>
               </a:rPr>
-              <a:t>変化</a:t>
+              <a:t>意識</a:t>
             </a:r>
             <a:r>
               <a:rPr kumimoji="1" lang="ja-JP" altLang="en-US" sz="4400" b="1" kern="1200" dirty="0">
                 <a:latin typeface="+mn-ea"/>
                 <a:ea typeface="+mn-ea"/>
               </a:rPr>
-              <a:t>が分かる</a:t>
-            </a:r>
+              <a:t>が変わる</a:t>
+            </a:r>
+            <a:endParaRPr lang="ja-JP" altLang="en-US" b="1" dirty="0">
+              <a:latin typeface="+mn-ea"/>
+              <a:ea typeface="+mn-ea"/>
+            </a:endParaRPr>
           </a:p>
         </p:txBody>
       </p:sp>
@@ -14474,44 +14559,36 @@
         </p:nvSpPr>
         <p:spPr/>
         <p:txBody>
-          <a:bodyPr/>
+          <a:bodyPr>
+            <a:normAutofit/>
+          </a:bodyPr>
           <a:lstStyle/>
           <a:p>
             <a:r>
               <a:rPr lang="ja-JP" altLang="en-US" dirty="0"/>
-              <a:t>毎日写真を登録すると、スライドショー形式でみることができる　速度調節可</a:t>
+              <a:t>目標体重が常に表示されるので意識に刷り込まれる</a:t>
             </a:r>
             <a:endParaRPr lang="en-US" altLang="ja-JP" dirty="0"/>
           </a:p>
           <a:p>
+            <a:r>
+              <a:rPr lang="ja-JP" altLang="en-US" dirty="0"/>
+              <a:t>記録することで、自分の食事の傾向を再発見できる</a:t>
+            </a:r>
             <a:endParaRPr lang="en-US" altLang="ja-JP" dirty="0"/>
           </a:p>
           <a:p>
-            <a:r>
-              <a:rPr lang="ja-JP" altLang="en-US" dirty="0"/>
-              <a:t>体重の変化をすぐ見ることができる</a:t>
-            </a:r>
             <a:endParaRPr lang="en-US" altLang="ja-JP" dirty="0"/>
           </a:p>
           <a:p>
-            <a:endParaRPr lang="en-US" altLang="ja-JP" dirty="0"/>
-          </a:p>
-          <a:p>
-            <a:r>
-              <a:rPr lang="ja-JP" altLang="en-US" dirty="0"/>
-              <a:t>継続できるとランクが上がる</a:t>
-            </a:r>
-            <a:endParaRPr lang="en-US" altLang="ja-JP" dirty="0"/>
-          </a:p>
-          <a:p>
-            <a:endParaRPr lang="en-US" altLang="ja-JP" dirty="0"/>
+            <a:endParaRPr lang="ja-JP" altLang="en-US" dirty="0"/>
           </a:p>
         </p:txBody>
       </p:sp>
     </p:spTree>
     <p:extLst>
       <p:ext uri="{BB962C8B-B14F-4D97-AF65-F5344CB8AC3E}">
-        <p14:creationId xmlns:p14="http://schemas.microsoft.com/office/powerpoint/2010/main" val="811272287"/>
+        <p14:creationId xmlns:p14="http://schemas.microsoft.com/office/powerpoint/2010/main" val="2168154454"/>
       </p:ext>
     </p:extLst>
   </p:cSld>
@@ -14653,7 +14730,7 @@
         </p:nvSpPr>
         <p:spPr>
           <a:xfrm>
-            <a:off x="3846762" y="1225268"/>
+            <a:off x="4087394" y="1382993"/>
             <a:ext cx="4783781" cy="2968668"/>
           </a:xfrm>
           <a:prstGeom prst="cloudCallout">
@@ -14662,7 +14739,11 @@
               <a:gd name="adj2" fmla="val 37260"/>
             </a:avLst>
           </a:prstGeom>
-          <a:ln w="38100"/>
+          <a:ln w="38100">
+            <a:solidFill>
+              <a:srgbClr val="FFC000"/>
+            </a:solidFill>
+          </a:ln>
         </p:spPr>
         <p:style>
           <a:lnRef idx="2">
@@ -14705,7 +14786,7 @@
         </p:nvSpPr>
         <p:spPr>
           <a:xfrm>
-            <a:off x="5130277" y="1944666"/>
+            <a:off x="6225151" y="1608941"/>
             <a:ext cx="4783781" cy="2968668"/>
           </a:xfrm>
           <a:prstGeom prst="cloudCallout">
@@ -14714,7 +14795,11 @@
               <a:gd name="adj2" fmla="val 25317"/>
             </a:avLst>
           </a:prstGeom>
-          <a:ln w="38100"/>
+          <a:ln w="38100">
+            <a:solidFill>
+              <a:srgbClr val="FFC000"/>
+            </a:solidFill>
+          </a:ln>
         </p:spPr>
         <p:style>
           <a:lnRef idx="2">
@@ -14736,18 +14821,18 @@
           <a:p>
             <a:pPr algn="ctr"/>
             <a:r>
-              <a:rPr kumimoji="1" lang="ja-JP" altLang="en-US" sz="3200" b="1"/>
+              <a:rPr kumimoji="1" lang="ja-JP" altLang="en-US" sz="3200" b="1" dirty="0"/>
               <a:t>掲示板で</a:t>
             </a:r>
-            <a:endParaRPr kumimoji="1" lang="en-US" altLang="ja-JP" sz="3200" b="1"/>
+            <a:endParaRPr kumimoji="1" lang="en-US" altLang="ja-JP" sz="3200" b="1" dirty="0"/>
           </a:p>
           <a:p>
             <a:pPr algn="ctr"/>
             <a:r>
-              <a:rPr lang="ja-JP" altLang="en-US" sz="3200" b="1"/>
+              <a:rPr lang="ja-JP" altLang="en-US" sz="3200" b="1" dirty="0"/>
               <a:t>刺激をもらえた</a:t>
             </a:r>
-            <a:endParaRPr kumimoji="1" lang="en-US" altLang="ja-JP" sz="3200" b="1"/>
+            <a:endParaRPr kumimoji="1" lang="en-US" altLang="ja-JP" sz="3200" b="1" dirty="0"/>
           </a:p>
           <a:p>
             <a:pPr algn="ctr"/>
@@ -14769,16 +14854,20 @@
         </p:nvSpPr>
         <p:spPr>
           <a:xfrm>
-            <a:off x="5856107" y="2963580"/>
+            <a:off x="5711727" y="3522348"/>
             <a:ext cx="4783781" cy="2968668"/>
           </a:xfrm>
           <a:prstGeom prst="cloudCallout">
             <a:avLst>
-              <a:gd name="adj1" fmla="val -68017"/>
-              <a:gd name="adj2" fmla="val 7485"/>
+              <a:gd name="adj1" fmla="val -72796"/>
+              <a:gd name="adj2" fmla="val -13590"/>
             </a:avLst>
           </a:prstGeom>
-          <a:ln w="38100"/>
+          <a:ln w="38100">
+            <a:solidFill>
+              <a:srgbClr val="FFC000"/>
+            </a:solidFill>
+          </a:ln>
         </p:spPr>
         <p:style>
           <a:lnRef idx="2">
@@ -15229,33 +15318,186 @@
           <a:lstStyle/>
           <a:p>
             <a:r>
-              <a:rPr kumimoji="1" lang="ja-JP" altLang="en-US" dirty="0">
+              <a:rPr lang="ja-JP" altLang="ja-JP" sz="1800" kern="100" dirty="0">
+                <a:effectLst/>
+                <a:latin typeface="游明朝" panose="02020400000000000000" pitchFamily="18" charset="-128"/>
+                <a:ea typeface="游明朝" panose="02020400000000000000" pitchFamily="18" charset="-128"/>
+                <a:cs typeface="Times New Roman" panose="02020603050405020304" pitchFamily="18" charset="0"/>
+              </a:rPr>
+              <a:t>ダイエット（健康管理）</a:t>
+            </a:r>
+            <a:r>
+              <a:rPr lang="en-US" altLang="ja-JP" sz="1800" kern="100" dirty="0">
+                <a:effectLst/>
+                <a:latin typeface="游明朝" panose="02020400000000000000" pitchFamily="18" charset="-128"/>
+                <a:ea typeface="游明朝" panose="02020400000000000000" pitchFamily="18" charset="-128"/>
+                <a:cs typeface="Times New Roman" panose="02020603050405020304" pitchFamily="18" charset="0"/>
+              </a:rPr>
+              <a:t>10</a:t>
+            </a:r>
+            <a:r>
+              <a:rPr lang="ja-JP" altLang="ja-JP" sz="1800" kern="100" dirty="0">
+                <a:effectLst/>
+                <a:latin typeface="游明朝" panose="02020400000000000000" pitchFamily="18" charset="-128"/>
+                <a:ea typeface="游明朝" panose="02020400000000000000" pitchFamily="18" charset="-128"/>
+                <a:cs typeface="Times New Roman" panose="02020603050405020304" pitchFamily="18" charset="0"/>
+              </a:rPr>
+              <a:t>㎏落とした</a:t>
+            </a:r>
+            <a:r>
+              <a:rPr lang="ja-JP" altLang="en-US" sz="1800" kern="100" dirty="0">
+                <a:effectLst/>
+                <a:latin typeface="游明朝" panose="02020400000000000000" pitchFamily="18" charset="-128"/>
+                <a:ea typeface="游明朝" panose="02020400000000000000" pitchFamily="18" charset="-128"/>
+                <a:cs typeface="Times New Roman" panose="02020603050405020304" pitchFamily="18" charset="0"/>
+              </a:rPr>
+              <a:t>　個</a:t>
+            </a:r>
+            <a:endParaRPr lang="ja-JP" altLang="ja-JP" sz="1800" kern="100" dirty="0">
+              <a:effectLst/>
+              <a:latin typeface="游明朝" panose="02020400000000000000" pitchFamily="18" charset="-128"/>
+              <a:ea typeface="游明朝" panose="02020400000000000000" pitchFamily="18" charset="-128"/>
+              <a:cs typeface="Times New Roman" panose="02020603050405020304" pitchFamily="18" charset="0"/>
+            </a:endParaRPr>
+          </a:p>
+          <a:p>
+            <a:pPr marL="0" indent="0" algn="l">
+              <a:buNone/>
+            </a:pPr>
+            <a:endParaRPr lang="en-US" altLang="ja-JP" sz="1800" kern="100" dirty="0">
+              <a:effectLst/>
+              <a:latin typeface="游明朝" panose="02020400000000000000" pitchFamily="18" charset="-128"/>
+              <a:ea typeface="游明朝" panose="02020400000000000000" pitchFamily="18" charset="-128"/>
+              <a:cs typeface="Times New Roman" panose="02020603050405020304" pitchFamily="18" charset="0"/>
+            </a:endParaRPr>
+          </a:p>
+          <a:p>
+            <a:pPr marL="0" indent="0" algn="l">
+              <a:buNone/>
+            </a:pPr>
+            <a:r>
+              <a:rPr lang="ja-JP" altLang="en-US" sz="1800" kern="100" dirty="0">
+                <a:latin typeface="游明朝" panose="02020400000000000000" pitchFamily="18" charset="-128"/>
+                <a:ea typeface="游明朝" panose="02020400000000000000" pitchFamily="18" charset="-128"/>
+                <a:cs typeface="Times New Roman" panose="02020603050405020304" pitchFamily="18" charset="0"/>
+              </a:rPr>
+              <a:t>ちーむ</a:t>
+            </a:r>
+            <a:endParaRPr lang="en-US" altLang="ja-JP" sz="1800" kern="100" dirty="0">
+              <a:effectLst/>
+              <a:latin typeface="游明朝" panose="02020400000000000000" pitchFamily="18" charset="-128"/>
+              <a:ea typeface="游明朝" panose="02020400000000000000" pitchFamily="18" charset="-128"/>
+              <a:cs typeface="Times New Roman" panose="02020603050405020304" pitchFamily="18" charset="0"/>
+            </a:endParaRPr>
+          </a:p>
+          <a:p>
+            <a:r>
+              <a:rPr kumimoji="1" lang="ja-JP" altLang="en-US" sz="1800" dirty="0">
                 <a:latin typeface="+mn-ea"/>
               </a:rPr>
-              <a:t>グラフ</a:t>
+              <a:t>デザイン　青で食欲減退</a:t>
+            </a:r>
+            <a:endParaRPr lang="en-US" altLang="ja-JP" sz="1800" kern="100" dirty="0">
+              <a:effectLst/>
+              <a:latin typeface="游明朝" panose="02020400000000000000" pitchFamily="18" charset="-128"/>
+              <a:ea typeface="游明朝" panose="02020400000000000000" pitchFamily="18" charset="-128"/>
+              <a:cs typeface="Times New Roman" panose="02020603050405020304" pitchFamily="18" charset="0"/>
+            </a:endParaRPr>
+          </a:p>
+          <a:p>
+            <a:pPr algn="l"/>
+            <a:r>
+              <a:rPr lang="ja-JP" altLang="ja-JP" sz="1800" kern="100" dirty="0">
+                <a:effectLst/>
+                <a:latin typeface="游明朝" panose="02020400000000000000" pitchFamily="18" charset="-128"/>
+                <a:ea typeface="游明朝" panose="02020400000000000000" pitchFamily="18" charset="-128"/>
+                <a:cs typeface="Times New Roman" panose="02020603050405020304" pitchFamily="18" charset="0"/>
+              </a:rPr>
+              <a:t>ボトムアップ</a:t>
+            </a:r>
+            <a:r>
+              <a:rPr lang="ja-JP" altLang="en-US" sz="1800" kern="100" dirty="0">
+                <a:effectLst/>
+                <a:latin typeface="游明朝" panose="02020400000000000000" pitchFamily="18" charset="-128"/>
+                <a:ea typeface="游明朝" panose="02020400000000000000" pitchFamily="18" charset="-128"/>
+                <a:cs typeface="Times New Roman" panose="02020603050405020304" pitchFamily="18" charset="0"/>
+              </a:rPr>
+              <a:t>　</a:t>
+            </a:r>
+            <a:endParaRPr lang="ja-JP" altLang="ja-JP" sz="1800" kern="100" dirty="0">
+              <a:effectLst/>
+              <a:latin typeface="游明朝" panose="02020400000000000000" pitchFamily="18" charset="-128"/>
+              <a:ea typeface="游明朝" panose="02020400000000000000" pitchFamily="18" charset="-128"/>
+              <a:cs typeface="Times New Roman" panose="02020603050405020304" pitchFamily="18" charset="0"/>
+            </a:endParaRPr>
+          </a:p>
+          <a:p>
+            <a:pPr algn="l"/>
+            <a:r>
+              <a:rPr lang="ja-JP" altLang="ja-JP" sz="1800" kern="100" dirty="0">
+                <a:effectLst/>
+                <a:latin typeface="游明朝" panose="02020400000000000000" pitchFamily="18" charset="-128"/>
+                <a:ea typeface="游明朝" panose="02020400000000000000" pitchFamily="18" charset="-128"/>
+                <a:cs typeface="Times New Roman" panose="02020603050405020304" pitchFamily="18" charset="0"/>
+              </a:rPr>
+              <a:t>進捗管理（ガントチャート、口頭）</a:t>
+            </a:r>
+            <a:r>
+              <a:rPr lang="ja-JP" altLang="en-US" sz="1800" kern="100" dirty="0">
+                <a:effectLst/>
+                <a:latin typeface="游明朝" panose="02020400000000000000" pitchFamily="18" charset="-128"/>
+                <a:ea typeface="游明朝" panose="02020400000000000000" pitchFamily="18" charset="-128"/>
+                <a:cs typeface="Times New Roman" panose="02020603050405020304" pitchFamily="18" charset="0"/>
+              </a:rPr>
+              <a:t>　</a:t>
+            </a:r>
+            <a:endParaRPr lang="en-US" altLang="ja-JP" sz="1800" kern="100" dirty="0">
+              <a:effectLst/>
+              <a:latin typeface="游明朝" panose="02020400000000000000" pitchFamily="18" charset="-128"/>
+              <a:ea typeface="游明朝" panose="02020400000000000000" pitchFamily="18" charset="-128"/>
+              <a:cs typeface="Times New Roman" panose="02020603050405020304" pitchFamily="18" charset="0"/>
+            </a:endParaRPr>
+          </a:p>
+          <a:p>
+            <a:pPr algn="l"/>
+            <a:r>
+              <a:rPr lang="ja-JP" altLang="ja-JP" sz="1800" kern="100" dirty="0">
+                <a:effectLst/>
+                <a:latin typeface="游明朝" panose="02020400000000000000" pitchFamily="18" charset="-128"/>
+                <a:ea typeface="游明朝" panose="02020400000000000000" pitchFamily="18" charset="-128"/>
+                <a:cs typeface="Times New Roman" panose="02020603050405020304" pitchFamily="18" charset="0"/>
+              </a:rPr>
+              <a:t>朝にその日に取り組むことを共有</a:t>
+            </a:r>
+          </a:p>
+          <a:p>
+            <a:pPr algn="l"/>
+            <a:r>
+              <a:rPr lang="ja-JP" altLang="ja-JP" sz="1800" kern="100" dirty="0">
+                <a:effectLst/>
+                <a:latin typeface="游明朝" panose="02020400000000000000" pitchFamily="18" charset="-128"/>
+                <a:ea typeface="游明朝" panose="02020400000000000000" pitchFamily="18" charset="-128"/>
+                <a:cs typeface="Times New Roman" panose="02020603050405020304" pitchFamily="18" charset="0"/>
+              </a:rPr>
+              <a:t>チーム作業（教え合い）</a:t>
+            </a:r>
+          </a:p>
+          <a:p>
+            <a:pPr algn="l"/>
+            <a:r>
+              <a:rPr lang="ja-JP" altLang="ja-JP" sz="1800" kern="100" dirty="0">
+                <a:effectLst/>
+                <a:latin typeface="游明朝" panose="02020400000000000000" pitchFamily="18" charset="-128"/>
+                <a:ea typeface="游明朝" panose="02020400000000000000" pitchFamily="18" charset="-128"/>
+                <a:cs typeface="Times New Roman" panose="02020603050405020304" pitchFamily="18" charset="0"/>
+              </a:rPr>
+              <a:t>その日のまとめと翌日に行うことの共有</a:t>
             </a:r>
             <a:endParaRPr kumimoji="1" lang="en-US" altLang="ja-JP" dirty="0">
               <a:latin typeface="+mn-ea"/>
             </a:endParaRPr>
           </a:p>
           <a:p>
-            <a:r>
-              <a:rPr lang="ja-JP" altLang="en-US" dirty="0">
-                <a:latin typeface="+mn-ea"/>
-              </a:rPr>
-              <a:t>スライドショー</a:t>
-            </a:r>
-            <a:endParaRPr kumimoji="1" lang="en-US" altLang="ja-JP" dirty="0">
-              <a:latin typeface="+mn-ea"/>
-            </a:endParaRPr>
-          </a:p>
-          <a:p>
-            <a:r>
-              <a:rPr kumimoji="1" lang="ja-JP" altLang="en-US" dirty="0">
-                <a:latin typeface="+mn-ea"/>
-              </a:rPr>
-              <a:t>デザイン　青で食欲減退</a:t>
-            </a:r>
             <a:endParaRPr kumimoji="1" lang="en-US" altLang="ja-JP" dirty="0">
               <a:latin typeface="+mn-ea"/>
             </a:endParaRPr>
@@ -15426,6 +15668,30 @@
             </a:endParaRPr>
           </a:p>
           <a:p>
+            <a:pPr marL="742950" indent="-742950">
+              <a:buFont typeface="+mj-lt"/>
+              <a:buAutoNum type="arabicPeriod"/>
+            </a:pPr>
+            <a:endParaRPr lang="en-US" altLang="ja-JP" sz="3600" b="1" dirty="0">
+              <a:latin typeface="+mn-ea"/>
+            </a:endParaRPr>
+          </a:p>
+          <a:p>
+            <a:pPr marL="742950" indent="-742950">
+              <a:buFont typeface="+mj-lt"/>
+              <a:buAutoNum type="arabicPeriod"/>
+            </a:pPr>
+            <a:r>
+              <a:rPr lang="ja-JP" altLang="en-US" sz="3600" b="1" dirty="0">
+                <a:latin typeface="+mn-ea"/>
+              </a:rPr>
+              <a:t>学んだこと</a:t>
+            </a:r>
+            <a:endParaRPr lang="en-US" altLang="ja-JP" sz="3600" b="1" dirty="0">
+              <a:latin typeface="+mn-ea"/>
+            </a:endParaRPr>
+          </a:p>
+          <a:p>
             <a:pPr marL="0" indent="0">
               <a:buNone/>
             </a:pPr>
@@ -15583,6 +15849,374 @@
 </file>
 
 <file path=ppt/slides/slide21.xml><?xml version="1.0" encoding="utf-8"?>
+<p:sld xmlns:a="http://schemas.openxmlformats.org/drawingml/2006/main" xmlns:r="http://schemas.openxmlformats.org/officeDocument/2006/relationships" xmlns:p="http://schemas.openxmlformats.org/presentationml/2006/main">
+  <p:cSld>
+    <p:spTree>
+      <p:nvGrpSpPr>
+        <p:cNvPr id="1" name=""/>
+        <p:cNvGrpSpPr/>
+        <p:nvPr/>
+      </p:nvGrpSpPr>
+      <p:grpSpPr>
+        <a:xfrm>
+          <a:off x="0" y="0"/>
+          <a:ext cx="0" cy="0"/>
+          <a:chOff x="0" y="0"/>
+          <a:chExt cx="0" cy="0"/>
+        </a:xfrm>
+      </p:grpSpPr>
+      <p:sp>
+        <p:nvSpPr>
+          <p:cNvPr id="2" name="タイトル 1">
+            <a:extLst>
+              <a:ext uri="{FF2B5EF4-FFF2-40B4-BE49-F238E27FC236}">
+                <a16:creationId xmlns:a16="http://schemas.microsoft.com/office/drawing/2014/main" id="{D3856DAB-798C-40CB-A6B8-2C631B3B15D8}"/>
+              </a:ext>
+            </a:extLst>
+          </p:cNvPr>
+          <p:cNvSpPr txBox="1">
+            <a:spLocks/>
+          </p:cNvSpPr>
+          <p:nvPr/>
+        </p:nvSpPr>
+        <p:spPr>
+          <a:xfrm>
+            <a:off x="3249009" y="2899076"/>
+            <a:ext cx="5693981" cy="1059847"/>
+          </a:xfrm>
+          <a:prstGeom prst="rect">
+            <a:avLst/>
+          </a:prstGeom>
+        </p:spPr>
+        <p:txBody>
+          <a:bodyPr>
+            <a:normAutofit/>
+          </a:bodyPr>
+          <a:lstStyle>
+            <a:lvl1pPr algn="l" defTabSz="914400" rtl="0" eaLnBrk="1" latinLnBrk="0" hangingPunct="1">
+              <a:lnSpc>
+                <a:spcPct val="90000"/>
+              </a:lnSpc>
+              <a:spcBef>
+                <a:spcPct val="0"/>
+              </a:spcBef>
+              <a:buNone/>
+              <a:defRPr kumimoji="1" sz="4400" kern="1200">
+                <a:solidFill>
+                  <a:schemeClr val="tx1"/>
+                </a:solidFill>
+                <a:latin typeface="+mj-lt"/>
+                <a:ea typeface="+mj-ea"/>
+                <a:cs typeface="+mj-cs"/>
+              </a:defRPr>
+            </a:lvl1pPr>
+          </a:lstStyle>
+          <a:p>
+            <a:r>
+              <a:rPr lang="ja-JP" altLang="en-US" sz="6600" b="1" dirty="0">
+                <a:latin typeface="+mn-ea"/>
+                <a:ea typeface="+mn-ea"/>
+              </a:rPr>
+              <a:t>４</a:t>
+            </a:r>
+            <a:r>
+              <a:rPr lang="en-US" altLang="ja-JP" sz="6600" b="1" dirty="0">
+                <a:latin typeface="+mn-ea"/>
+                <a:ea typeface="+mn-ea"/>
+              </a:rPr>
+              <a:t>. </a:t>
+            </a:r>
+            <a:r>
+              <a:rPr lang="ja-JP" altLang="en-US" sz="6600" b="1" dirty="0">
+                <a:latin typeface="+mn-ea"/>
+                <a:ea typeface="+mn-ea"/>
+              </a:rPr>
+              <a:t>学んだこと</a:t>
+            </a:r>
+          </a:p>
+        </p:txBody>
+      </p:sp>
+    </p:spTree>
+    <p:extLst>
+      <p:ext uri="{BB962C8B-B14F-4D97-AF65-F5344CB8AC3E}">
+        <p14:creationId xmlns:p14="http://schemas.microsoft.com/office/powerpoint/2010/main" val="1141219478"/>
+      </p:ext>
+    </p:extLst>
+  </p:cSld>
+  <p:clrMapOvr>
+    <a:masterClrMapping/>
+  </p:clrMapOvr>
+  <mc:AlternateContent xmlns:mc="http://schemas.openxmlformats.org/markup-compatibility/2006" xmlns:p14="http://schemas.microsoft.com/office/powerpoint/2010/main">
+    <mc:Choice Requires="p14">
+      <p:transition spd="med" p14:dur="700">
+        <p:fade/>
+      </p:transition>
+    </mc:Choice>
+    <mc:Fallback xmlns="">
+      <p:transition spd="med">
+        <p:fade/>
+      </p:transition>
+    </mc:Fallback>
+  </mc:AlternateContent>
+</p:sld>
+</file>
+
+<file path=ppt/slides/slide22.xml><?xml version="1.0" encoding="utf-8"?>
+<p:sld xmlns:a="http://schemas.openxmlformats.org/drawingml/2006/main" xmlns:r="http://schemas.openxmlformats.org/officeDocument/2006/relationships" xmlns:p="http://schemas.openxmlformats.org/presentationml/2006/main">
+  <p:cSld>
+    <p:spTree>
+      <p:nvGrpSpPr>
+        <p:cNvPr id="1" name=""/>
+        <p:cNvGrpSpPr/>
+        <p:nvPr/>
+      </p:nvGrpSpPr>
+      <p:grpSpPr>
+        <a:xfrm>
+          <a:off x="0" y="0"/>
+          <a:ext cx="0" cy="0"/>
+          <a:chOff x="0" y="0"/>
+          <a:chExt cx="0" cy="0"/>
+        </a:xfrm>
+      </p:grpSpPr>
+      <p:sp>
+        <p:nvSpPr>
+          <p:cNvPr id="2" name="タイトル 1">
+            <a:extLst>
+              <a:ext uri="{FF2B5EF4-FFF2-40B4-BE49-F238E27FC236}">
+                <a16:creationId xmlns:a16="http://schemas.microsoft.com/office/drawing/2014/main" id="{E03FAFE4-D598-42B7-AB36-5CF3DAD87568}"/>
+              </a:ext>
+            </a:extLst>
+          </p:cNvPr>
+          <p:cNvSpPr>
+            <a:spLocks noGrp="1"/>
+          </p:cNvSpPr>
+          <p:nvPr>
+            <p:ph type="title"/>
+          </p:nvPr>
+        </p:nvSpPr>
+        <p:spPr>
+          <a:xfrm>
+            <a:off x="838200" y="312874"/>
+            <a:ext cx="10515600" cy="1325563"/>
+          </a:xfrm>
+        </p:spPr>
+        <p:txBody>
+          <a:bodyPr/>
+          <a:lstStyle/>
+          <a:p>
+            <a:r>
+              <a:rPr lang="ja-JP" altLang="en-US" b="1" dirty="0">
+                <a:latin typeface="+mn-ea"/>
+                <a:ea typeface="+mn-ea"/>
+              </a:rPr>
+              <a:t>学んだこと</a:t>
+            </a:r>
+            <a:endParaRPr kumimoji="1" lang="ja-JP" altLang="en-US" b="1" dirty="0">
+              <a:latin typeface="+mn-ea"/>
+              <a:ea typeface="+mn-ea"/>
+            </a:endParaRPr>
+          </a:p>
+        </p:txBody>
+      </p:sp>
+      <p:sp>
+        <p:nvSpPr>
+          <p:cNvPr id="3" name="コンテンツ プレースホルダー 2">
+            <a:extLst>
+              <a:ext uri="{FF2B5EF4-FFF2-40B4-BE49-F238E27FC236}">
+                <a16:creationId xmlns:a16="http://schemas.microsoft.com/office/drawing/2014/main" id="{AB00AC63-DC37-4C9E-B71E-0A69735925B6}"/>
+              </a:ext>
+            </a:extLst>
+          </p:cNvPr>
+          <p:cNvSpPr>
+            <a:spLocks noGrp="1"/>
+          </p:cNvSpPr>
+          <p:nvPr>
+            <p:ph idx="1"/>
+          </p:nvPr>
+        </p:nvSpPr>
+        <p:spPr>
+          <a:xfrm>
+            <a:off x="838200" y="1799500"/>
+            <a:ext cx="10515600" cy="4351338"/>
+          </a:xfrm>
+        </p:spPr>
+        <p:txBody>
+          <a:bodyPr>
+            <a:normAutofit/>
+          </a:bodyPr>
+          <a:lstStyle/>
+          <a:p>
+            <a:r>
+              <a:rPr kumimoji="1" lang="ja-JP" altLang="en-US" dirty="0">
+                <a:latin typeface="+mn-ea"/>
+              </a:rPr>
+              <a:t>技術</a:t>
+            </a:r>
+            <a:endParaRPr kumimoji="1" lang="en-US" altLang="ja-JP" dirty="0">
+              <a:latin typeface="+mn-ea"/>
+            </a:endParaRPr>
+          </a:p>
+          <a:p>
+            <a:r>
+              <a:rPr kumimoji="1" lang="en-US" altLang="ja-JP" dirty="0">
+                <a:latin typeface="+mn-ea"/>
+              </a:rPr>
+              <a:t>4</a:t>
+            </a:r>
+            <a:r>
+              <a:rPr kumimoji="1" lang="ja-JP" altLang="en-US" dirty="0">
+                <a:latin typeface="+mn-ea"/>
+              </a:rPr>
+              <a:t>･</a:t>
+            </a:r>
+            <a:r>
+              <a:rPr kumimoji="1" lang="en-US" altLang="ja-JP" dirty="0">
+                <a:latin typeface="+mn-ea"/>
+              </a:rPr>
+              <a:t>5</a:t>
+            </a:r>
+            <a:r>
+              <a:rPr kumimoji="1" lang="ja-JP" altLang="en-US" dirty="0">
+                <a:latin typeface="+mn-ea"/>
+              </a:rPr>
+              <a:t>月で学んだことの理解度が増した</a:t>
+            </a:r>
+            <a:endParaRPr kumimoji="1" lang="en-US" altLang="ja-JP" dirty="0">
+              <a:latin typeface="+mn-ea"/>
+            </a:endParaRPr>
+          </a:p>
+          <a:p>
+            <a:r>
+              <a:rPr lang="ja-JP" altLang="en-US" dirty="0">
+                <a:latin typeface="+mn-ea"/>
+              </a:rPr>
+              <a:t>チーム内・講師に質問・コーディングを繰り返すことでスキルアップ</a:t>
+            </a:r>
+            <a:endParaRPr lang="en-US" altLang="ja-JP" dirty="0">
+              <a:latin typeface="+mn-ea"/>
+            </a:endParaRPr>
+          </a:p>
+          <a:p>
+            <a:r>
+              <a:rPr lang="ja-JP" altLang="en-US" dirty="0">
+                <a:latin typeface="+mn-ea"/>
+              </a:rPr>
+              <a:t>学んだ技術を応用する難しさ</a:t>
+            </a:r>
+            <a:endParaRPr lang="en-US" altLang="ja-JP" dirty="0">
+              <a:latin typeface="+mn-ea"/>
+            </a:endParaRPr>
+          </a:p>
+          <a:p>
+            <a:pPr marL="0" indent="0">
+              <a:buNone/>
+            </a:pPr>
+            <a:r>
+              <a:rPr kumimoji="1" lang="ja-JP" altLang="en-US" dirty="0">
+                <a:latin typeface="+mn-ea"/>
+              </a:rPr>
+              <a:t>計画性　</a:t>
+            </a:r>
+            <a:endParaRPr kumimoji="1" lang="en-US" altLang="ja-JP" dirty="0">
+              <a:latin typeface="+mn-ea"/>
+            </a:endParaRPr>
+          </a:p>
+          <a:p>
+            <a:pPr marL="0" indent="0">
+              <a:buNone/>
+            </a:pPr>
+            <a:r>
+              <a:rPr kumimoji="1" lang="ja-JP" altLang="en-US" dirty="0">
+                <a:latin typeface="+mn-ea"/>
+              </a:rPr>
+              <a:t>外部設計段階で見切り発車だった</a:t>
+            </a:r>
+            <a:endParaRPr kumimoji="1" lang="en-US" altLang="ja-JP" dirty="0">
+              <a:latin typeface="+mn-ea"/>
+            </a:endParaRPr>
+          </a:p>
+          <a:p>
+            <a:pPr marL="0" indent="0">
+              <a:buNone/>
+            </a:pPr>
+            <a:r>
+              <a:rPr lang="ja-JP" altLang="en-US" dirty="0">
+                <a:latin typeface="+mn-ea"/>
+              </a:rPr>
+              <a:t>具体的にどう実現できるか想像するべきだと学んだ</a:t>
+            </a:r>
+            <a:endParaRPr kumimoji="1" lang="en-US" altLang="ja-JP" dirty="0">
+              <a:latin typeface="+mn-ea"/>
+            </a:endParaRPr>
+          </a:p>
+          <a:p>
+            <a:pPr marL="0" indent="0">
+              <a:buNone/>
+            </a:pPr>
+            <a:r>
+              <a:rPr lang="ja-JP" altLang="ja-JP" sz="1800">
+                <a:effectLst/>
+                <a:ea typeface="游明朝" panose="02020400000000000000" pitchFamily="18" charset="-128"/>
+                <a:cs typeface="Times New Roman" panose="02020603050405020304" pitchFamily="18" charset="0"/>
+              </a:rPr>
+              <a:t>要件</a:t>
+            </a:r>
+            <a:r>
+              <a:rPr lang="ja-JP" altLang="ja-JP" sz="1800" dirty="0">
+                <a:effectLst/>
+                <a:ea typeface="游明朝" panose="02020400000000000000" pitchFamily="18" charset="-128"/>
+                <a:cs typeface="Times New Roman" panose="02020603050405020304" pitchFamily="18" charset="0"/>
+              </a:rPr>
+              <a:t>定義にない変更</a:t>
+            </a:r>
+            <a:r>
+              <a:rPr lang="ja-JP" altLang="en-US" sz="1800" dirty="0">
+                <a:effectLst/>
+                <a:ea typeface="游明朝" panose="02020400000000000000" pitchFamily="18" charset="-128"/>
+                <a:cs typeface="Times New Roman" panose="02020603050405020304" pitchFamily="18" charset="0"/>
+              </a:rPr>
+              <a:t>をすることに</a:t>
+            </a:r>
+            <a:r>
+              <a:rPr lang="ja-JP" altLang="ja-JP" sz="1800" dirty="0">
+                <a:effectLst/>
+                <a:ea typeface="游明朝" panose="02020400000000000000" pitchFamily="18" charset="-128"/>
+                <a:cs typeface="Times New Roman" panose="02020603050405020304" pitchFamily="18" charset="0"/>
+              </a:rPr>
+              <a:t>あまり抵抗がなく、設計書の重要性を理解していなかった</a:t>
+            </a:r>
+            <a:endParaRPr kumimoji="1" lang="en-US" altLang="ja-JP" dirty="0">
+              <a:latin typeface="+mn-ea"/>
+            </a:endParaRPr>
+          </a:p>
+        </p:txBody>
+      </p:sp>
+    </p:spTree>
+    <p:extLst>
+      <p:ext uri="{BB962C8B-B14F-4D97-AF65-F5344CB8AC3E}">
+        <p14:creationId xmlns:p14="http://schemas.microsoft.com/office/powerpoint/2010/main" val="2703245197"/>
+      </p:ext>
+    </p:extLst>
+  </p:cSld>
+  <p:clrMapOvr>
+    <a:masterClrMapping/>
+  </p:clrMapOvr>
+  <mc:AlternateContent xmlns:mc="http://schemas.openxmlformats.org/markup-compatibility/2006" xmlns:p14="http://schemas.microsoft.com/office/powerpoint/2010/main">
+    <mc:Choice Requires="p14">
+      <p:transition spd="med" p14:dur="700">
+        <p:fade/>
+      </p:transition>
+    </mc:Choice>
+    <mc:Fallback xmlns="">
+      <p:transition spd="med">
+        <p:fade/>
+      </p:transition>
+    </mc:Fallback>
+  </mc:AlternateContent>
+</p:sld>
+</file>
+
+<file path=ppt/slides/slide23.xml><?xml version="1.0" encoding="utf-8"?>
 <p:sld xmlns:a="http://schemas.openxmlformats.org/drawingml/2006/main" xmlns:r="http://schemas.openxmlformats.org/officeDocument/2006/relationships" xmlns:p="http://schemas.openxmlformats.org/presentationml/2006/main">
   <p:cSld>
     <p:spTree>
@@ -17076,7 +17710,7 @@
             <a:pPr algn="ctr"/>
             <a:r>
               <a:rPr kumimoji="1" lang="ja-JP" altLang="en-US" sz="6000" b="1" dirty="0"/>
-              <a:t>ようなアプリを目指す</a:t>
+              <a:t>ようなアプリを目指した</a:t>
             </a:r>
             <a:endParaRPr kumimoji="1" lang="en-US" altLang="ja-JP" sz="6600" b="1" dirty="0"/>
           </a:p>

--- a/共有用フォルダー/成果発表.pptx
+++ b/共有用フォルダー/成果発表.pptx
@@ -12182,7 +12182,7 @@
         </p:blipFill>
         <p:spPr>
           <a:xfrm>
-            <a:off x="2393794" y="1797206"/>
+            <a:off x="2393795" y="1797206"/>
             <a:ext cx="7404409" cy="2096430"/>
           </a:xfrm>
           <a:prstGeom prst="rect">
@@ -18128,7 +18128,7 @@
                             </p:stCondLst>
                             <p:childTnLst>
                               <p:par>
-                                <p:cTn id="5" presetID="22" presetClass="entr" presetSubtype="1" fill="hold" nodeType="clickEffect">
+                                <p:cTn id="5" presetID="22" presetClass="entr" presetSubtype="8" fill="hold" nodeType="clickEffect">
                                   <p:stCondLst>
                                     <p:cond delay="0"/>
                                   </p:stCondLst>
@@ -18151,9 +18151,9 @@
                                         <p:strVal val="visible"/>
                                       </p:to>
                                     </p:set>
-                                    <p:animEffect transition="in" filter="wipe(up)">
+                                    <p:animEffect transition="in" filter="wipe(left)">
                                       <p:cBhvr>
-                                        <p:cTn id="7" dur="1700"/>
+                                        <p:cTn id="7" dur="500"/>
                                         <p:tgtEl>
                                           <p:spTgt spid="3"/>
                                         </p:tgtEl>

--- a/共有用フォルダー/成果発表.pptx
+++ b/共有用フォルダー/成果発表.pptx
@@ -5,11 +5,11 @@
     <p:sldMasterId id="2147483648" r:id="rId1"/>
   </p:sldMasterIdLst>
   <p:notesMasterIdLst>
-    <p:notesMasterId r:id="rId25"/>
+    <p:notesMasterId r:id="rId26"/>
   </p:notesMasterIdLst>
   <p:sldIdLst>
     <p:sldId id="256" r:id="rId2"/>
-    <p:sldId id="281" r:id="rId3"/>
+    <p:sldId id="288" r:id="rId3"/>
     <p:sldId id="282" r:id="rId4"/>
     <p:sldId id="257" r:id="rId5"/>
     <p:sldId id="280" r:id="rId6"/>
@@ -24,13 +24,14 @@
     <p:sldId id="266" r:id="rId15"/>
     <p:sldId id="274" r:id="rId16"/>
     <p:sldId id="268" r:id="rId17"/>
-    <p:sldId id="279" r:id="rId18"/>
-    <p:sldId id="285" r:id="rId19"/>
-    <p:sldId id="259" r:id="rId20"/>
-    <p:sldId id="275" r:id="rId21"/>
-    <p:sldId id="286" r:id="rId22"/>
-    <p:sldId id="287" r:id="rId23"/>
-    <p:sldId id="261" r:id="rId24"/>
+    <p:sldId id="289" r:id="rId18"/>
+    <p:sldId id="279" r:id="rId19"/>
+    <p:sldId id="285" r:id="rId20"/>
+    <p:sldId id="259" r:id="rId21"/>
+    <p:sldId id="275" r:id="rId22"/>
+    <p:sldId id="286" r:id="rId23"/>
+    <p:sldId id="287" r:id="rId24"/>
+    <p:sldId id="261" r:id="rId25"/>
   </p:sldIdLst>
   <p:sldSz cx="12192000" cy="6858000"/>
   <p:notesSz cx="6858000" cy="9144000"/>
@@ -7132,7 +7133,7 @@
           <a:p>
             <a:fld id="{C59D74C6-9C2E-47F2-9943-FD41646989DE}" type="slidenum">
               <a:rPr kumimoji="1" lang="ja-JP" altLang="en-US" smtClean="0"/>
-              <a:t>17</a:t>
+              <a:t>18</a:t>
             </a:fld>
             <a:endParaRPr kumimoji="1" lang="ja-JP" altLang="en-US"/>
           </a:p>
@@ -7216,7 +7217,7 @@
           <a:p>
             <a:fld id="{C59D74C6-9C2E-47F2-9943-FD41646989DE}" type="slidenum">
               <a:rPr kumimoji="1" lang="ja-JP" altLang="en-US" smtClean="0"/>
-              <a:t>19</a:t>
+              <a:t>20</a:t>
             </a:fld>
             <a:endParaRPr kumimoji="1" lang="ja-JP" altLang="en-US"/>
           </a:p>
@@ -7390,7 +7391,7 @@
           <a:p>
             <a:fld id="{C59D74C6-9C2E-47F2-9943-FD41646989DE}" type="slidenum">
               <a:rPr kumimoji="1" lang="ja-JP" altLang="en-US" smtClean="0"/>
-              <a:t>20</a:t>
+              <a:t>21</a:t>
             </a:fld>
             <a:endParaRPr kumimoji="1" lang="ja-JP" altLang="en-US"/>
           </a:p>
@@ -7474,7 +7475,7 @@
           <a:p>
             <a:fld id="{C59D74C6-9C2E-47F2-9943-FD41646989DE}" type="slidenum">
               <a:rPr kumimoji="1" lang="ja-JP" altLang="en-US" smtClean="0"/>
-              <a:t>22</a:t>
+              <a:t>23</a:t>
             </a:fld>
             <a:endParaRPr kumimoji="1" lang="ja-JP" altLang="en-US"/>
           </a:p>
@@ -14627,6 +14628,119 @@
           <a:chExt cx="0" cy="0"/>
         </a:xfrm>
       </p:grpSpPr>
+      <p:sp>
+        <p:nvSpPr>
+          <p:cNvPr id="2" name="タイトル 1">
+            <a:extLst>
+              <a:ext uri="{FF2B5EF4-FFF2-40B4-BE49-F238E27FC236}">
+                <a16:creationId xmlns:a16="http://schemas.microsoft.com/office/drawing/2014/main" id="{D3856DAB-798C-40CB-A6B8-2C631B3B15D8}"/>
+              </a:ext>
+            </a:extLst>
+          </p:cNvPr>
+          <p:cNvSpPr txBox="1">
+            <a:spLocks/>
+          </p:cNvSpPr>
+          <p:nvPr/>
+        </p:nvSpPr>
+        <p:spPr>
+          <a:xfrm>
+            <a:off x="1018674" y="2965517"/>
+            <a:ext cx="10154652" cy="926965"/>
+          </a:xfrm>
+          <a:prstGeom prst="rect">
+            <a:avLst/>
+          </a:prstGeom>
+        </p:spPr>
+        <p:txBody>
+          <a:bodyPr>
+            <a:normAutofit fontScale="92500" lnSpcReduction="20000"/>
+          </a:bodyPr>
+          <a:lstStyle>
+            <a:lvl1pPr algn="l" defTabSz="914400" rtl="0" eaLnBrk="1" latinLnBrk="0" hangingPunct="1">
+              <a:lnSpc>
+                <a:spcPct val="90000"/>
+              </a:lnSpc>
+              <a:spcBef>
+                <a:spcPct val="0"/>
+              </a:spcBef>
+              <a:buNone/>
+              <a:defRPr kumimoji="1" sz="4400" kern="1200">
+                <a:solidFill>
+                  <a:schemeClr val="tx1"/>
+                </a:solidFill>
+                <a:latin typeface="+mj-lt"/>
+                <a:ea typeface="+mj-ea"/>
+                <a:cs typeface="+mj-cs"/>
+              </a:defRPr>
+            </a:lvl1pPr>
+          </a:lstStyle>
+          <a:p>
+            <a:r>
+              <a:rPr lang="ja-JP" altLang="en-US" sz="7200" b="1" dirty="0">
+                <a:latin typeface="+mn-ea"/>
+                <a:ea typeface="+mn-ea"/>
+              </a:rPr>
+              <a:t>３</a:t>
+            </a:r>
+            <a:r>
+              <a:rPr lang="en-US" altLang="ja-JP" sz="7200" b="1" dirty="0">
+                <a:latin typeface="+mn-ea"/>
+                <a:ea typeface="+mn-ea"/>
+              </a:rPr>
+              <a:t>. </a:t>
+            </a:r>
+            <a:r>
+              <a:rPr lang="ja-JP" altLang="en-US" sz="7200" b="1" dirty="0">
+                <a:latin typeface="+mn-ea"/>
+                <a:ea typeface="+mn-ea"/>
+              </a:rPr>
+              <a:t>デモンストレーション</a:t>
+            </a:r>
+          </a:p>
+        </p:txBody>
+      </p:sp>
+    </p:spTree>
+    <p:extLst>
+      <p:ext uri="{BB962C8B-B14F-4D97-AF65-F5344CB8AC3E}">
+        <p14:creationId xmlns:p14="http://schemas.microsoft.com/office/powerpoint/2010/main" val="1326166897"/>
+      </p:ext>
+    </p:extLst>
+  </p:cSld>
+  <p:clrMapOvr>
+    <a:masterClrMapping/>
+  </p:clrMapOvr>
+  <mc:AlternateContent xmlns:mc="http://schemas.openxmlformats.org/markup-compatibility/2006" xmlns:p14="http://schemas.microsoft.com/office/powerpoint/2010/main">
+    <mc:Choice Requires="p14">
+      <p:transition spd="med" p14:dur="700">
+        <p:fade/>
+      </p:transition>
+    </mc:Choice>
+    <mc:Fallback xmlns="">
+      <p:transition spd="med">
+        <p:fade/>
+      </p:transition>
+    </mc:Fallback>
+  </mc:AlternateContent>
+</p:sld>
+</file>
+
+<file path=ppt/slides/slide18.xml><?xml version="1.0" encoding="utf-8"?>
+<p:sld xmlns:a="http://schemas.openxmlformats.org/drawingml/2006/main" xmlns:r="http://schemas.openxmlformats.org/officeDocument/2006/relationships" xmlns:p="http://schemas.openxmlformats.org/presentationml/2006/main">
+  <p:cSld>
+    <p:spTree>
+      <p:nvGrpSpPr>
+        <p:cNvPr id="1" name=""/>
+        <p:cNvGrpSpPr/>
+        <p:nvPr/>
+      </p:nvGrpSpPr>
+      <p:grpSpPr>
+        <a:xfrm>
+          <a:off x="0" y="0"/>
+          <a:ext cx="0" cy="0"/>
+          <a:chOff x="0" y="0"/>
+          <a:chExt cx="0" cy="0"/>
+        </a:xfrm>
+      </p:grpSpPr>
       <p:pic>
         <p:nvPicPr>
           <p:cNvPr id="2" name="Picture 4" descr="健康診断の結果を見ている男性のイラスト（笑顔）">
@@ -15123,7 +15237,7 @@
 </p:sld>
 </file>
 
-<file path=ppt/slides/slide18.xml><?xml version="1.0" encoding="utf-8"?>
+<file path=ppt/slides/slide19.xml><?xml version="1.0" encoding="utf-8"?>
 <p:sld xmlns:a="http://schemas.openxmlformats.org/drawingml/2006/main" xmlns:r="http://schemas.openxmlformats.org/officeDocument/2006/relationships" xmlns:p="http://schemas.openxmlformats.org/presentationml/2006/main">
   <p:cSld>
     <p:spTree>
@@ -15192,7 +15306,7 @@
                 <a:latin typeface="+mn-ea"/>
                 <a:ea typeface="+mn-ea"/>
               </a:rPr>
-              <a:t>３</a:t>
+              <a:t>４</a:t>
             </a:r>
             <a:r>
               <a:rPr lang="en-US" altLang="ja-JP" sz="6600" b="1" dirty="0">
@@ -15215,299 +15329,6 @@
     <p:extLst>
       <p:ext uri="{BB962C8B-B14F-4D97-AF65-F5344CB8AC3E}">
         <p14:creationId xmlns:p14="http://schemas.microsoft.com/office/powerpoint/2010/main" val="2360142203"/>
-      </p:ext>
-    </p:extLst>
-  </p:cSld>
-  <p:clrMapOvr>
-    <a:masterClrMapping/>
-  </p:clrMapOvr>
-  <mc:AlternateContent xmlns:mc="http://schemas.openxmlformats.org/markup-compatibility/2006" xmlns:p14="http://schemas.microsoft.com/office/powerpoint/2010/main">
-    <mc:Choice Requires="p14">
-      <p:transition spd="med" p14:dur="700">
-        <p:fade/>
-      </p:transition>
-    </mc:Choice>
-    <mc:Fallback xmlns="">
-      <p:transition spd="med">
-        <p:fade/>
-      </p:transition>
-    </mc:Fallback>
-  </mc:AlternateContent>
-</p:sld>
-</file>
-
-<file path=ppt/slides/slide19.xml><?xml version="1.0" encoding="utf-8"?>
-<p:sld xmlns:a="http://schemas.openxmlformats.org/drawingml/2006/main" xmlns:r="http://schemas.openxmlformats.org/officeDocument/2006/relationships" xmlns:p="http://schemas.openxmlformats.org/presentationml/2006/main">
-  <p:cSld>
-    <p:spTree>
-      <p:nvGrpSpPr>
-        <p:cNvPr id="1" name=""/>
-        <p:cNvGrpSpPr/>
-        <p:nvPr/>
-      </p:nvGrpSpPr>
-      <p:grpSpPr>
-        <a:xfrm>
-          <a:off x="0" y="0"/>
-          <a:ext cx="0" cy="0"/>
-          <a:chOff x="0" y="0"/>
-          <a:chExt cx="0" cy="0"/>
-        </a:xfrm>
-      </p:grpSpPr>
-      <p:sp>
-        <p:nvSpPr>
-          <p:cNvPr id="2" name="タイトル 1">
-            <a:extLst>
-              <a:ext uri="{FF2B5EF4-FFF2-40B4-BE49-F238E27FC236}">
-                <a16:creationId xmlns:a16="http://schemas.microsoft.com/office/drawing/2014/main" id="{E03FAFE4-D598-42B7-AB36-5CF3DAD87568}"/>
-              </a:ext>
-            </a:extLst>
-          </p:cNvPr>
-          <p:cNvSpPr>
-            <a:spLocks noGrp="1"/>
-          </p:cNvSpPr>
-          <p:nvPr>
-            <p:ph type="title"/>
-          </p:nvPr>
-        </p:nvSpPr>
-        <p:spPr>
-          <a:xfrm>
-            <a:off x="838200" y="312874"/>
-            <a:ext cx="10515600" cy="1325563"/>
-          </a:xfrm>
-        </p:spPr>
-        <p:txBody>
-          <a:bodyPr/>
-          <a:lstStyle/>
-          <a:p>
-            <a:r>
-              <a:rPr kumimoji="1" lang="ja-JP" altLang="en-US" b="1" dirty="0">
-                <a:latin typeface="+mn-ea"/>
-                <a:ea typeface="+mn-ea"/>
-              </a:rPr>
-              <a:t>工夫したこと</a:t>
-            </a:r>
-          </a:p>
-        </p:txBody>
-      </p:sp>
-      <p:sp>
-        <p:nvSpPr>
-          <p:cNvPr id="3" name="コンテンツ プレースホルダー 2">
-            <a:extLst>
-              <a:ext uri="{FF2B5EF4-FFF2-40B4-BE49-F238E27FC236}">
-                <a16:creationId xmlns:a16="http://schemas.microsoft.com/office/drawing/2014/main" id="{AB00AC63-DC37-4C9E-B71E-0A69735925B6}"/>
-              </a:ext>
-            </a:extLst>
-          </p:cNvPr>
-          <p:cNvSpPr>
-            <a:spLocks noGrp="1"/>
-          </p:cNvSpPr>
-          <p:nvPr>
-            <p:ph idx="1"/>
-          </p:nvPr>
-        </p:nvSpPr>
-        <p:spPr>
-          <a:xfrm>
-            <a:off x="838200" y="1799500"/>
-            <a:ext cx="10515600" cy="4351338"/>
-          </a:xfrm>
-        </p:spPr>
-        <p:txBody>
-          <a:bodyPr>
-            <a:normAutofit/>
-          </a:bodyPr>
-          <a:lstStyle/>
-          <a:p>
-            <a:r>
-              <a:rPr lang="ja-JP" altLang="ja-JP" sz="1800" kern="100" dirty="0">
-                <a:effectLst/>
-                <a:latin typeface="游明朝" panose="02020400000000000000" pitchFamily="18" charset="-128"/>
-                <a:ea typeface="游明朝" panose="02020400000000000000" pitchFamily="18" charset="-128"/>
-                <a:cs typeface="Times New Roman" panose="02020603050405020304" pitchFamily="18" charset="0"/>
-              </a:rPr>
-              <a:t>ダイエット（健康管理）</a:t>
-            </a:r>
-            <a:r>
-              <a:rPr lang="en-US" altLang="ja-JP" sz="1800" kern="100" dirty="0">
-                <a:effectLst/>
-                <a:latin typeface="游明朝" panose="02020400000000000000" pitchFamily="18" charset="-128"/>
-                <a:ea typeface="游明朝" panose="02020400000000000000" pitchFamily="18" charset="-128"/>
-                <a:cs typeface="Times New Roman" panose="02020603050405020304" pitchFamily="18" charset="0"/>
-              </a:rPr>
-              <a:t>10</a:t>
-            </a:r>
-            <a:r>
-              <a:rPr lang="ja-JP" altLang="ja-JP" sz="1800" kern="100" dirty="0">
-                <a:effectLst/>
-                <a:latin typeface="游明朝" panose="02020400000000000000" pitchFamily="18" charset="-128"/>
-                <a:ea typeface="游明朝" panose="02020400000000000000" pitchFamily="18" charset="-128"/>
-                <a:cs typeface="Times New Roman" panose="02020603050405020304" pitchFamily="18" charset="0"/>
-              </a:rPr>
-              <a:t>㎏落とした</a:t>
-            </a:r>
-            <a:r>
-              <a:rPr lang="ja-JP" altLang="en-US" sz="1800" kern="100" dirty="0">
-                <a:effectLst/>
-                <a:latin typeface="游明朝" panose="02020400000000000000" pitchFamily="18" charset="-128"/>
-                <a:ea typeface="游明朝" panose="02020400000000000000" pitchFamily="18" charset="-128"/>
-                <a:cs typeface="Times New Roman" panose="02020603050405020304" pitchFamily="18" charset="0"/>
-              </a:rPr>
-              <a:t>　個</a:t>
-            </a:r>
-            <a:endParaRPr lang="ja-JP" altLang="ja-JP" sz="1800" kern="100" dirty="0">
-              <a:effectLst/>
-              <a:latin typeface="游明朝" panose="02020400000000000000" pitchFamily="18" charset="-128"/>
-              <a:ea typeface="游明朝" panose="02020400000000000000" pitchFamily="18" charset="-128"/>
-              <a:cs typeface="Times New Roman" panose="02020603050405020304" pitchFamily="18" charset="0"/>
-            </a:endParaRPr>
-          </a:p>
-          <a:p>
-            <a:pPr marL="0" indent="0" algn="l">
-              <a:buNone/>
-            </a:pPr>
-            <a:endParaRPr lang="en-US" altLang="ja-JP" sz="1800" kern="100" dirty="0">
-              <a:effectLst/>
-              <a:latin typeface="游明朝" panose="02020400000000000000" pitchFamily="18" charset="-128"/>
-              <a:ea typeface="游明朝" panose="02020400000000000000" pitchFamily="18" charset="-128"/>
-              <a:cs typeface="Times New Roman" panose="02020603050405020304" pitchFamily="18" charset="0"/>
-            </a:endParaRPr>
-          </a:p>
-          <a:p>
-            <a:pPr marL="0" indent="0" algn="l">
-              <a:buNone/>
-            </a:pPr>
-            <a:r>
-              <a:rPr lang="ja-JP" altLang="en-US" sz="1800" kern="100" dirty="0">
-                <a:latin typeface="游明朝" panose="02020400000000000000" pitchFamily="18" charset="-128"/>
-                <a:ea typeface="游明朝" panose="02020400000000000000" pitchFamily="18" charset="-128"/>
-                <a:cs typeface="Times New Roman" panose="02020603050405020304" pitchFamily="18" charset="0"/>
-              </a:rPr>
-              <a:t>ちーむ</a:t>
-            </a:r>
-            <a:endParaRPr lang="en-US" altLang="ja-JP" sz="1800" kern="100" dirty="0">
-              <a:effectLst/>
-              <a:latin typeface="游明朝" panose="02020400000000000000" pitchFamily="18" charset="-128"/>
-              <a:ea typeface="游明朝" panose="02020400000000000000" pitchFamily="18" charset="-128"/>
-              <a:cs typeface="Times New Roman" panose="02020603050405020304" pitchFamily="18" charset="0"/>
-            </a:endParaRPr>
-          </a:p>
-          <a:p>
-            <a:r>
-              <a:rPr kumimoji="1" lang="ja-JP" altLang="en-US" sz="1800" dirty="0">
-                <a:latin typeface="+mn-ea"/>
-              </a:rPr>
-              <a:t>デザイン　青で食欲減退</a:t>
-            </a:r>
-            <a:endParaRPr lang="en-US" altLang="ja-JP" sz="1800" kern="100" dirty="0">
-              <a:effectLst/>
-              <a:latin typeface="游明朝" panose="02020400000000000000" pitchFamily="18" charset="-128"/>
-              <a:ea typeface="游明朝" panose="02020400000000000000" pitchFamily="18" charset="-128"/>
-              <a:cs typeface="Times New Roman" panose="02020603050405020304" pitchFamily="18" charset="0"/>
-            </a:endParaRPr>
-          </a:p>
-          <a:p>
-            <a:pPr algn="l"/>
-            <a:r>
-              <a:rPr lang="ja-JP" altLang="ja-JP" sz="1800" kern="100" dirty="0">
-                <a:effectLst/>
-                <a:latin typeface="游明朝" panose="02020400000000000000" pitchFamily="18" charset="-128"/>
-                <a:ea typeface="游明朝" panose="02020400000000000000" pitchFamily="18" charset="-128"/>
-                <a:cs typeface="Times New Roman" panose="02020603050405020304" pitchFamily="18" charset="0"/>
-              </a:rPr>
-              <a:t>ボトムアップ</a:t>
-            </a:r>
-            <a:r>
-              <a:rPr lang="ja-JP" altLang="en-US" sz="1800" kern="100" dirty="0">
-                <a:effectLst/>
-                <a:latin typeface="游明朝" panose="02020400000000000000" pitchFamily="18" charset="-128"/>
-                <a:ea typeface="游明朝" panose="02020400000000000000" pitchFamily="18" charset="-128"/>
-                <a:cs typeface="Times New Roman" panose="02020603050405020304" pitchFamily="18" charset="0"/>
-              </a:rPr>
-              <a:t>　</a:t>
-            </a:r>
-            <a:endParaRPr lang="ja-JP" altLang="ja-JP" sz="1800" kern="100" dirty="0">
-              <a:effectLst/>
-              <a:latin typeface="游明朝" panose="02020400000000000000" pitchFamily="18" charset="-128"/>
-              <a:ea typeface="游明朝" panose="02020400000000000000" pitchFamily="18" charset="-128"/>
-              <a:cs typeface="Times New Roman" panose="02020603050405020304" pitchFamily="18" charset="0"/>
-            </a:endParaRPr>
-          </a:p>
-          <a:p>
-            <a:pPr algn="l"/>
-            <a:r>
-              <a:rPr lang="ja-JP" altLang="ja-JP" sz="1800" kern="100" dirty="0">
-                <a:effectLst/>
-                <a:latin typeface="游明朝" panose="02020400000000000000" pitchFamily="18" charset="-128"/>
-                <a:ea typeface="游明朝" panose="02020400000000000000" pitchFamily="18" charset="-128"/>
-                <a:cs typeface="Times New Roman" panose="02020603050405020304" pitchFamily="18" charset="0"/>
-              </a:rPr>
-              <a:t>進捗管理（ガントチャート、口頭）</a:t>
-            </a:r>
-            <a:r>
-              <a:rPr lang="ja-JP" altLang="en-US" sz="1800" kern="100" dirty="0">
-                <a:effectLst/>
-                <a:latin typeface="游明朝" panose="02020400000000000000" pitchFamily="18" charset="-128"/>
-                <a:ea typeface="游明朝" panose="02020400000000000000" pitchFamily="18" charset="-128"/>
-                <a:cs typeface="Times New Roman" panose="02020603050405020304" pitchFamily="18" charset="0"/>
-              </a:rPr>
-              <a:t>　</a:t>
-            </a:r>
-            <a:endParaRPr lang="en-US" altLang="ja-JP" sz="1800" kern="100" dirty="0">
-              <a:effectLst/>
-              <a:latin typeface="游明朝" panose="02020400000000000000" pitchFamily="18" charset="-128"/>
-              <a:ea typeface="游明朝" panose="02020400000000000000" pitchFamily="18" charset="-128"/>
-              <a:cs typeface="Times New Roman" panose="02020603050405020304" pitchFamily="18" charset="0"/>
-            </a:endParaRPr>
-          </a:p>
-          <a:p>
-            <a:pPr algn="l"/>
-            <a:r>
-              <a:rPr lang="ja-JP" altLang="ja-JP" sz="1800" kern="100" dirty="0">
-                <a:effectLst/>
-                <a:latin typeface="游明朝" panose="02020400000000000000" pitchFamily="18" charset="-128"/>
-                <a:ea typeface="游明朝" panose="02020400000000000000" pitchFamily="18" charset="-128"/>
-                <a:cs typeface="Times New Roman" panose="02020603050405020304" pitchFamily="18" charset="0"/>
-              </a:rPr>
-              <a:t>朝にその日に取り組むことを共有</a:t>
-            </a:r>
-          </a:p>
-          <a:p>
-            <a:pPr algn="l"/>
-            <a:r>
-              <a:rPr lang="ja-JP" altLang="ja-JP" sz="1800" kern="100" dirty="0">
-                <a:effectLst/>
-                <a:latin typeface="游明朝" panose="02020400000000000000" pitchFamily="18" charset="-128"/>
-                <a:ea typeface="游明朝" panose="02020400000000000000" pitchFamily="18" charset="-128"/>
-                <a:cs typeface="Times New Roman" panose="02020603050405020304" pitchFamily="18" charset="0"/>
-              </a:rPr>
-              <a:t>チーム作業（教え合い）</a:t>
-            </a:r>
-          </a:p>
-          <a:p>
-            <a:pPr algn="l"/>
-            <a:r>
-              <a:rPr lang="ja-JP" altLang="ja-JP" sz="1800" kern="100" dirty="0">
-                <a:effectLst/>
-                <a:latin typeface="游明朝" panose="02020400000000000000" pitchFamily="18" charset="-128"/>
-                <a:ea typeface="游明朝" panose="02020400000000000000" pitchFamily="18" charset="-128"/>
-                <a:cs typeface="Times New Roman" panose="02020603050405020304" pitchFamily="18" charset="0"/>
-              </a:rPr>
-              <a:t>その日のまとめと翌日に行うことの共有</a:t>
-            </a:r>
-            <a:endParaRPr kumimoji="1" lang="en-US" altLang="ja-JP" dirty="0">
-              <a:latin typeface="+mn-ea"/>
-            </a:endParaRPr>
-          </a:p>
-          <a:p>
-            <a:endParaRPr kumimoji="1" lang="en-US" altLang="ja-JP" dirty="0">
-              <a:latin typeface="+mn-ea"/>
-            </a:endParaRPr>
-          </a:p>
-        </p:txBody>
-      </p:sp>
-    </p:spTree>
-    <p:extLst>
-      <p:ext uri="{BB962C8B-B14F-4D97-AF65-F5344CB8AC3E}">
-        <p14:creationId xmlns:p14="http://schemas.microsoft.com/office/powerpoint/2010/main" val="302722167"/>
       </p:ext>
     </p:extLst>
   </p:cSld>
@@ -15601,7 +15422,7 @@
         <p:spPr/>
         <p:txBody>
           <a:bodyPr>
-            <a:normAutofit/>
+            <a:normAutofit fontScale="92500" lnSpcReduction="20000"/>
           </a:bodyPr>
           <a:lstStyle/>
           <a:p>
@@ -15661,7 +15482,7 @@
               <a:rPr lang="ja-JP" altLang="en-US" sz="3600" b="1" dirty="0">
                 <a:latin typeface="+mn-ea"/>
               </a:rPr>
-              <a:t>工夫したこと</a:t>
+              <a:t>デモンストレーション</a:t>
             </a:r>
             <a:endParaRPr lang="en-US" altLang="ja-JP" sz="3600" b="1" dirty="0">
               <a:latin typeface="+mn-ea"/>
@@ -15685,6 +15506,30 @@
               <a:rPr lang="ja-JP" altLang="en-US" sz="3600" b="1" dirty="0">
                 <a:latin typeface="+mn-ea"/>
               </a:rPr>
+              <a:t>工夫したこと</a:t>
+            </a:r>
+            <a:endParaRPr lang="en-US" altLang="ja-JP" sz="3600" b="1" dirty="0">
+              <a:latin typeface="+mn-ea"/>
+            </a:endParaRPr>
+          </a:p>
+          <a:p>
+            <a:pPr marL="742950" indent="-742950">
+              <a:buFont typeface="+mj-lt"/>
+              <a:buAutoNum type="arabicPeriod"/>
+            </a:pPr>
+            <a:endParaRPr lang="en-US" altLang="ja-JP" sz="3600" b="1" dirty="0">
+              <a:latin typeface="+mn-ea"/>
+            </a:endParaRPr>
+          </a:p>
+          <a:p>
+            <a:pPr marL="742950" indent="-742950">
+              <a:buFont typeface="+mj-lt"/>
+              <a:buAutoNum type="arabicPeriod"/>
+            </a:pPr>
+            <a:r>
+              <a:rPr lang="ja-JP" altLang="en-US" sz="3600" b="1" dirty="0">
+                <a:latin typeface="+mn-ea"/>
+              </a:rPr>
               <a:t>学んだこと</a:t>
             </a:r>
             <a:endParaRPr lang="en-US" altLang="ja-JP" sz="3600" b="1" dirty="0">
@@ -15720,7 +15565,7 @@
     </p:spTree>
     <p:extLst>
       <p:ext uri="{BB962C8B-B14F-4D97-AF65-F5344CB8AC3E}">
-        <p14:creationId xmlns:p14="http://schemas.microsoft.com/office/powerpoint/2010/main" val="826356050"/>
+        <p14:creationId xmlns:p14="http://schemas.microsoft.com/office/powerpoint/2010/main" val="2201429689"/>
       </p:ext>
     </p:extLst>
   </p:cSld>
@@ -15743,6 +15588,313 @@
 </file>
 
 <file path=ppt/slides/slide20.xml><?xml version="1.0" encoding="utf-8"?>
+<p:sld xmlns:a="http://schemas.openxmlformats.org/drawingml/2006/main" xmlns:r="http://schemas.openxmlformats.org/officeDocument/2006/relationships" xmlns:p="http://schemas.openxmlformats.org/presentationml/2006/main">
+  <p:cSld>
+    <p:spTree>
+      <p:nvGrpSpPr>
+        <p:cNvPr id="1" name=""/>
+        <p:cNvGrpSpPr/>
+        <p:nvPr/>
+      </p:nvGrpSpPr>
+      <p:grpSpPr>
+        <a:xfrm>
+          <a:off x="0" y="0"/>
+          <a:ext cx="0" cy="0"/>
+          <a:chOff x="0" y="0"/>
+          <a:chExt cx="0" cy="0"/>
+        </a:xfrm>
+      </p:grpSpPr>
+      <p:sp>
+        <p:nvSpPr>
+          <p:cNvPr id="2" name="タイトル 1">
+            <a:extLst>
+              <a:ext uri="{FF2B5EF4-FFF2-40B4-BE49-F238E27FC236}">
+                <a16:creationId xmlns:a16="http://schemas.microsoft.com/office/drawing/2014/main" id="{E03FAFE4-D598-42B7-AB36-5CF3DAD87568}"/>
+              </a:ext>
+            </a:extLst>
+          </p:cNvPr>
+          <p:cNvSpPr>
+            <a:spLocks noGrp="1"/>
+          </p:cNvSpPr>
+          <p:nvPr>
+            <p:ph type="title"/>
+          </p:nvPr>
+        </p:nvSpPr>
+        <p:spPr>
+          <a:xfrm>
+            <a:off x="838200" y="312874"/>
+            <a:ext cx="10515600" cy="1325563"/>
+          </a:xfrm>
+        </p:spPr>
+        <p:txBody>
+          <a:bodyPr/>
+          <a:lstStyle/>
+          <a:p>
+            <a:r>
+              <a:rPr kumimoji="1" lang="ja-JP" altLang="en-US" b="1" dirty="0">
+                <a:latin typeface="+mn-ea"/>
+                <a:ea typeface="+mn-ea"/>
+              </a:rPr>
+              <a:t>４</a:t>
+            </a:r>
+            <a:r>
+              <a:rPr kumimoji="1" lang="en-US" altLang="ja-JP" b="1" dirty="0">
+                <a:latin typeface="+mn-ea"/>
+                <a:ea typeface="+mn-ea"/>
+              </a:rPr>
+              <a:t>.</a:t>
+            </a:r>
+            <a:r>
+              <a:rPr kumimoji="1" lang="ja-JP" altLang="en-US" b="1" dirty="0">
+                <a:latin typeface="+mn-ea"/>
+                <a:ea typeface="+mn-ea"/>
+              </a:rPr>
+              <a:t>工夫したこと</a:t>
+            </a:r>
+          </a:p>
+        </p:txBody>
+      </p:sp>
+      <p:sp>
+        <p:nvSpPr>
+          <p:cNvPr id="3" name="コンテンツ プレースホルダー 2">
+            <a:extLst>
+              <a:ext uri="{FF2B5EF4-FFF2-40B4-BE49-F238E27FC236}">
+                <a16:creationId xmlns:a16="http://schemas.microsoft.com/office/drawing/2014/main" id="{AB00AC63-DC37-4C9E-B71E-0A69735925B6}"/>
+              </a:ext>
+            </a:extLst>
+          </p:cNvPr>
+          <p:cNvSpPr>
+            <a:spLocks noGrp="1"/>
+          </p:cNvSpPr>
+          <p:nvPr>
+            <p:ph idx="1"/>
+          </p:nvPr>
+        </p:nvSpPr>
+        <p:spPr>
+          <a:xfrm>
+            <a:off x="838200" y="1799500"/>
+            <a:ext cx="10515600" cy="4351338"/>
+          </a:xfrm>
+        </p:spPr>
+        <p:txBody>
+          <a:bodyPr>
+            <a:normAutofit/>
+          </a:bodyPr>
+          <a:lstStyle/>
+          <a:p>
+            <a:r>
+              <a:rPr lang="ja-JP" altLang="ja-JP" sz="1800" kern="100" dirty="0">
+                <a:effectLst/>
+                <a:latin typeface="游明朝" panose="02020400000000000000" pitchFamily="18" charset="-128"/>
+                <a:ea typeface="游明朝" panose="02020400000000000000" pitchFamily="18" charset="-128"/>
+                <a:cs typeface="Times New Roman" panose="02020603050405020304" pitchFamily="18" charset="0"/>
+              </a:rPr>
+              <a:t>ダイエット（健康管理）</a:t>
+            </a:r>
+            <a:r>
+              <a:rPr lang="en-US" altLang="ja-JP" sz="1800" kern="100" dirty="0">
+                <a:effectLst/>
+                <a:latin typeface="游明朝" panose="02020400000000000000" pitchFamily="18" charset="-128"/>
+                <a:ea typeface="游明朝" panose="02020400000000000000" pitchFamily="18" charset="-128"/>
+                <a:cs typeface="Times New Roman" panose="02020603050405020304" pitchFamily="18" charset="0"/>
+              </a:rPr>
+              <a:t>10</a:t>
+            </a:r>
+            <a:r>
+              <a:rPr lang="ja-JP" altLang="ja-JP" sz="1800" kern="100" dirty="0">
+                <a:effectLst/>
+                <a:latin typeface="游明朝" panose="02020400000000000000" pitchFamily="18" charset="-128"/>
+                <a:ea typeface="游明朝" panose="02020400000000000000" pitchFamily="18" charset="-128"/>
+                <a:cs typeface="Times New Roman" panose="02020603050405020304" pitchFamily="18" charset="0"/>
+              </a:rPr>
+              <a:t>㎏落とした</a:t>
+            </a:r>
+            <a:r>
+              <a:rPr lang="ja-JP" altLang="en-US" sz="1800" kern="100" dirty="0">
+                <a:effectLst/>
+                <a:latin typeface="游明朝" panose="02020400000000000000" pitchFamily="18" charset="-128"/>
+                <a:ea typeface="游明朝" panose="02020400000000000000" pitchFamily="18" charset="-128"/>
+                <a:cs typeface="Times New Roman" panose="02020603050405020304" pitchFamily="18" charset="0"/>
+              </a:rPr>
+              <a:t>　個</a:t>
+            </a:r>
+            <a:endParaRPr lang="ja-JP" altLang="ja-JP" sz="1800" kern="100" dirty="0">
+              <a:effectLst/>
+              <a:latin typeface="游明朝" panose="02020400000000000000" pitchFamily="18" charset="-128"/>
+              <a:ea typeface="游明朝" panose="02020400000000000000" pitchFamily="18" charset="-128"/>
+              <a:cs typeface="Times New Roman" panose="02020603050405020304" pitchFamily="18" charset="0"/>
+            </a:endParaRPr>
+          </a:p>
+          <a:p>
+            <a:pPr marL="0" indent="0" algn="l">
+              <a:buNone/>
+            </a:pPr>
+            <a:endParaRPr lang="en-US" altLang="ja-JP" sz="1800" kern="100" dirty="0">
+              <a:effectLst/>
+              <a:latin typeface="游明朝" panose="02020400000000000000" pitchFamily="18" charset="-128"/>
+              <a:ea typeface="游明朝" panose="02020400000000000000" pitchFamily="18" charset="-128"/>
+              <a:cs typeface="Times New Roman" panose="02020603050405020304" pitchFamily="18" charset="0"/>
+            </a:endParaRPr>
+          </a:p>
+          <a:p>
+            <a:pPr marL="0" indent="0" algn="l">
+              <a:buNone/>
+            </a:pPr>
+            <a:r>
+              <a:rPr lang="ja-JP" altLang="en-US" sz="1800" kern="100" dirty="0">
+                <a:latin typeface="游明朝" panose="02020400000000000000" pitchFamily="18" charset="-128"/>
+                <a:ea typeface="游明朝" panose="02020400000000000000" pitchFamily="18" charset="-128"/>
+                <a:cs typeface="Times New Roman" panose="02020603050405020304" pitchFamily="18" charset="0"/>
+              </a:rPr>
+              <a:t>ちーむ</a:t>
+            </a:r>
+            <a:endParaRPr lang="en-US" altLang="ja-JP" sz="1800" kern="100" dirty="0">
+              <a:effectLst/>
+              <a:latin typeface="游明朝" panose="02020400000000000000" pitchFamily="18" charset="-128"/>
+              <a:ea typeface="游明朝" panose="02020400000000000000" pitchFamily="18" charset="-128"/>
+              <a:cs typeface="Times New Roman" panose="02020603050405020304" pitchFamily="18" charset="0"/>
+            </a:endParaRPr>
+          </a:p>
+          <a:p>
+            <a:r>
+              <a:rPr kumimoji="1" lang="ja-JP" altLang="en-US" sz="1800" dirty="0">
+                <a:latin typeface="+mn-ea"/>
+              </a:rPr>
+              <a:t>デザイン　青で食欲減退</a:t>
+            </a:r>
+            <a:endParaRPr lang="en-US" altLang="ja-JP" sz="1800" kern="100" dirty="0">
+              <a:effectLst/>
+              <a:latin typeface="游明朝" panose="02020400000000000000" pitchFamily="18" charset="-128"/>
+              <a:ea typeface="游明朝" panose="02020400000000000000" pitchFamily="18" charset="-128"/>
+              <a:cs typeface="Times New Roman" panose="02020603050405020304" pitchFamily="18" charset="0"/>
+            </a:endParaRPr>
+          </a:p>
+          <a:p>
+            <a:pPr algn="l"/>
+            <a:r>
+              <a:rPr lang="ja-JP" altLang="ja-JP" sz="1800" kern="100" dirty="0">
+                <a:effectLst/>
+                <a:latin typeface="游明朝" panose="02020400000000000000" pitchFamily="18" charset="-128"/>
+                <a:ea typeface="游明朝" panose="02020400000000000000" pitchFamily="18" charset="-128"/>
+                <a:cs typeface="Times New Roman" panose="02020603050405020304" pitchFamily="18" charset="0"/>
+              </a:rPr>
+              <a:t>ボトムアップ</a:t>
+            </a:r>
+            <a:r>
+              <a:rPr lang="ja-JP" altLang="en-US" sz="1800" kern="100" dirty="0">
+                <a:effectLst/>
+                <a:latin typeface="游明朝" panose="02020400000000000000" pitchFamily="18" charset="-128"/>
+                <a:ea typeface="游明朝" panose="02020400000000000000" pitchFamily="18" charset="-128"/>
+                <a:cs typeface="Times New Roman" panose="02020603050405020304" pitchFamily="18" charset="0"/>
+              </a:rPr>
+              <a:t>　</a:t>
+            </a:r>
+            <a:endParaRPr lang="ja-JP" altLang="ja-JP" sz="1800" kern="100" dirty="0">
+              <a:effectLst/>
+              <a:latin typeface="游明朝" panose="02020400000000000000" pitchFamily="18" charset="-128"/>
+              <a:ea typeface="游明朝" panose="02020400000000000000" pitchFamily="18" charset="-128"/>
+              <a:cs typeface="Times New Roman" panose="02020603050405020304" pitchFamily="18" charset="0"/>
+            </a:endParaRPr>
+          </a:p>
+          <a:p>
+            <a:pPr algn="l"/>
+            <a:r>
+              <a:rPr lang="ja-JP" altLang="ja-JP" sz="1800" kern="100" dirty="0">
+                <a:effectLst/>
+                <a:latin typeface="游明朝" panose="02020400000000000000" pitchFamily="18" charset="-128"/>
+                <a:ea typeface="游明朝" panose="02020400000000000000" pitchFamily="18" charset="-128"/>
+                <a:cs typeface="Times New Roman" panose="02020603050405020304" pitchFamily="18" charset="0"/>
+              </a:rPr>
+              <a:t>進捗管理（ガントチャート、口頭）</a:t>
+            </a:r>
+            <a:r>
+              <a:rPr lang="ja-JP" altLang="en-US" sz="1800" kern="100" dirty="0">
+                <a:effectLst/>
+                <a:latin typeface="游明朝" panose="02020400000000000000" pitchFamily="18" charset="-128"/>
+                <a:ea typeface="游明朝" panose="02020400000000000000" pitchFamily="18" charset="-128"/>
+                <a:cs typeface="Times New Roman" panose="02020603050405020304" pitchFamily="18" charset="0"/>
+              </a:rPr>
+              <a:t>　</a:t>
+            </a:r>
+            <a:endParaRPr lang="en-US" altLang="ja-JP" sz="1800" kern="100" dirty="0">
+              <a:effectLst/>
+              <a:latin typeface="游明朝" panose="02020400000000000000" pitchFamily="18" charset="-128"/>
+              <a:ea typeface="游明朝" panose="02020400000000000000" pitchFamily="18" charset="-128"/>
+              <a:cs typeface="Times New Roman" panose="02020603050405020304" pitchFamily="18" charset="0"/>
+            </a:endParaRPr>
+          </a:p>
+          <a:p>
+            <a:pPr algn="l"/>
+            <a:r>
+              <a:rPr lang="ja-JP" altLang="ja-JP" sz="1800" kern="100" dirty="0">
+                <a:effectLst/>
+                <a:latin typeface="游明朝" panose="02020400000000000000" pitchFamily="18" charset="-128"/>
+                <a:ea typeface="游明朝" panose="02020400000000000000" pitchFamily="18" charset="-128"/>
+                <a:cs typeface="Times New Roman" panose="02020603050405020304" pitchFamily="18" charset="0"/>
+              </a:rPr>
+              <a:t>朝にその日に取り組むことを共有</a:t>
+            </a:r>
+          </a:p>
+          <a:p>
+            <a:pPr algn="l"/>
+            <a:r>
+              <a:rPr lang="ja-JP" altLang="ja-JP" sz="1800" kern="100" dirty="0">
+                <a:effectLst/>
+                <a:latin typeface="游明朝" panose="02020400000000000000" pitchFamily="18" charset="-128"/>
+                <a:ea typeface="游明朝" panose="02020400000000000000" pitchFamily="18" charset="-128"/>
+                <a:cs typeface="Times New Roman" panose="02020603050405020304" pitchFamily="18" charset="0"/>
+              </a:rPr>
+              <a:t>チーム作業（教え合い）</a:t>
+            </a:r>
+          </a:p>
+          <a:p>
+            <a:pPr algn="l"/>
+            <a:r>
+              <a:rPr lang="ja-JP" altLang="ja-JP" sz="1800" kern="100" dirty="0">
+                <a:effectLst/>
+                <a:latin typeface="游明朝" panose="02020400000000000000" pitchFamily="18" charset="-128"/>
+                <a:ea typeface="游明朝" panose="02020400000000000000" pitchFamily="18" charset="-128"/>
+                <a:cs typeface="Times New Roman" panose="02020603050405020304" pitchFamily="18" charset="0"/>
+              </a:rPr>
+              <a:t>その日のまとめと翌日に行うことの共有</a:t>
+            </a:r>
+            <a:endParaRPr kumimoji="1" lang="en-US" altLang="ja-JP" dirty="0">
+              <a:latin typeface="+mn-ea"/>
+            </a:endParaRPr>
+          </a:p>
+          <a:p>
+            <a:endParaRPr kumimoji="1" lang="en-US" altLang="ja-JP" dirty="0">
+              <a:latin typeface="+mn-ea"/>
+            </a:endParaRPr>
+          </a:p>
+        </p:txBody>
+      </p:sp>
+    </p:spTree>
+    <p:extLst>
+      <p:ext uri="{BB962C8B-B14F-4D97-AF65-F5344CB8AC3E}">
+        <p14:creationId xmlns:p14="http://schemas.microsoft.com/office/powerpoint/2010/main" val="302722167"/>
+      </p:ext>
+    </p:extLst>
+  </p:cSld>
+  <p:clrMapOvr>
+    <a:masterClrMapping/>
+  </p:clrMapOvr>
+  <mc:AlternateContent xmlns:mc="http://schemas.openxmlformats.org/markup-compatibility/2006" xmlns:p14="http://schemas.microsoft.com/office/powerpoint/2010/main">
+    <mc:Choice Requires="p14">
+      <p:transition spd="med" p14:dur="700">
+        <p:fade/>
+      </p:transition>
+    </mc:Choice>
+    <mc:Fallback xmlns="">
+      <p:transition spd="med">
+        <p:fade/>
+      </p:transition>
+    </mc:Fallback>
+  </mc:AlternateContent>
+</p:sld>
+</file>
+
+<file path=ppt/slides/slide21.xml><?xml version="1.0" encoding="utf-8"?>
 <p:sld xmlns:a="http://schemas.openxmlformats.org/drawingml/2006/main" xmlns:r="http://schemas.openxmlformats.org/officeDocument/2006/relationships" xmlns:p="http://schemas.openxmlformats.org/presentationml/2006/main">
   <p:cSld>
     <p:spTree>
@@ -15848,7 +16000,7 @@
 </p:sld>
 </file>
 
-<file path=ppt/slides/slide21.xml><?xml version="1.0" encoding="utf-8"?>
+<file path=ppt/slides/slide22.xml><?xml version="1.0" encoding="utf-8"?>
 <p:sld xmlns:a="http://schemas.openxmlformats.org/drawingml/2006/main" xmlns:r="http://schemas.openxmlformats.org/officeDocument/2006/relationships" xmlns:p="http://schemas.openxmlformats.org/presentationml/2006/main">
   <p:cSld>
     <p:spTree>
@@ -15917,7 +16069,7 @@
                 <a:latin typeface="+mn-ea"/>
                 <a:ea typeface="+mn-ea"/>
               </a:rPr>
-              <a:t>４</a:t>
+              <a:t>５</a:t>
             </a:r>
             <a:r>
               <a:rPr lang="en-US" altLang="ja-JP" sz="6600" b="1" dirty="0">
@@ -15961,7 +16113,7 @@
 </p:sld>
 </file>
 
-<file path=ppt/slides/slide22.xml><?xml version="1.0" encoding="utf-8"?>
+<file path=ppt/slides/slide23.xml><?xml version="1.0" encoding="utf-8"?>
 <p:sld xmlns:a="http://schemas.openxmlformats.org/drawingml/2006/main" xmlns:r="http://schemas.openxmlformats.org/officeDocument/2006/relationships" xmlns:p="http://schemas.openxmlformats.org/presentationml/2006/main">
   <p:cSld>
     <p:spTree>
@@ -16009,6 +16161,20 @@
                 <a:latin typeface="+mn-ea"/>
                 <a:ea typeface="+mn-ea"/>
               </a:rPr>
+              <a:t>５</a:t>
+            </a:r>
+            <a:r>
+              <a:rPr lang="en-US" altLang="ja-JP" b="1" dirty="0">
+                <a:latin typeface="+mn-ea"/>
+                <a:ea typeface="+mn-ea"/>
+              </a:rPr>
+              <a:t>.</a:t>
+            </a:r>
+            <a:r>
+              <a:rPr lang="ja-JP" altLang="en-US" b="1" dirty="0">
+                <a:latin typeface="+mn-ea"/>
+                <a:ea typeface="+mn-ea"/>
+              </a:rPr>
               <a:t>学んだこと</a:t>
             </a:r>
             <a:endParaRPr kumimoji="1" lang="ja-JP" altLang="en-US" b="1" dirty="0">
@@ -16216,7 +16382,7 @@
 </p:sld>
 </file>
 
-<file path=ppt/slides/slide23.xml><?xml version="1.0" encoding="utf-8"?>
+<file path=ppt/slides/slide24.xml><?xml version="1.0" encoding="utf-8"?>
 <p:sld xmlns:a="http://schemas.openxmlformats.org/drawingml/2006/main" xmlns:r="http://schemas.openxmlformats.org/officeDocument/2006/relationships" xmlns:p="http://schemas.openxmlformats.org/presentationml/2006/main">
   <p:cSld>
     <p:spTree>
@@ -16533,10 +16699,20 @@
           </a:bodyPr>
           <a:lstStyle/>
           <a:p>
-            <a:pPr marL="914400" indent="-914400">
-              <a:buFont typeface="+mj-lt"/>
-              <a:buAutoNum type="arabicPeriod"/>
-            </a:pPr>
+            <a:r>
+              <a:rPr lang="ja-JP" altLang="en-US" b="1" dirty="0">
+                <a:latin typeface="+mn-ea"/>
+                <a:ea typeface="+mn-ea"/>
+              </a:rPr>
+              <a:t>１</a:t>
+            </a:r>
+            <a:r>
+              <a:rPr lang="en-US" altLang="ja-JP" b="1" dirty="0">
+                <a:latin typeface="+mn-ea"/>
+                <a:ea typeface="+mn-ea"/>
+              </a:rPr>
+              <a:t>.</a:t>
+            </a:r>
             <a:r>
               <a:rPr lang="ja-JP" altLang="en-US" b="1" dirty="0">
                 <a:latin typeface="+mn-ea"/>

--- a/共有用フォルダー/成果発表.pptx
+++ b/共有用フォルダー/成果発表.pptx
@@ -5,7 +5,7 @@
     <p:sldMasterId id="2147483648" r:id="rId1"/>
   </p:sldMasterIdLst>
   <p:notesMasterIdLst>
-    <p:notesMasterId r:id="rId26"/>
+    <p:notesMasterId r:id="rId25"/>
   </p:notesMasterIdLst>
   <p:sldIdLst>
     <p:sldId id="256" r:id="rId2"/>
@@ -27,11 +27,10 @@
     <p:sldId id="289" r:id="rId18"/>
     <p:sldId id="279" r:id="rId19"/>
     <p:sldId id="285" r:id="rId20"/>
-    <p:sldId id="259" r:id="rId21"/>
-    <p:sldId id="275" r:id="rId22"/>
-    <p:sldId id="286" r:id="rId23"/>
-    <p:sldId id="287" r:id="rId24"/>
-    <p:sldId id="261" r:id="rId25"/>
+    <p:sldId id="292" r:id="rId21"/>
+    <p:sldId id="286" r:id="rId22"/>
+    <p:sldId id="291" r:id="rId23"/>
+    <p:sldId id="261" r:id="rId24"/>
   </p:sldIdLst>
   <p:sldSz cx="12192000" cy="6858000"/>
   <p:notesSz cx="6858000" cy="9144000"/>
@@ -142,788 +141,6 @@
 </file>
 
 <file path=ppt/diagrams/colors1.xml><?xml version="1.0" encoding="utf-8"?>
-<dgm:colorsDef xmlns:dgm="http://schemas.openxmlformats.org/drawingml/2006/diagram" xmlns:a="http://schemas.openxmlformats.org/drawingml/2006/main" uniqueId="urn:microsoft.com/office/officeart/2005/8/colors/colorful5">
-  <dgm:title val=""/>
-  <dgm:desc val=""/>
-  <dgm:catLst>
-    <dgm:cat type="colorful" pri="10500"/>
-  </dgm:catLst>
-  <dgm:styleLbl name="node0">
-    <dgm:fillClrLst meth="repeat">
-      <a:schemeClr val="accent4"/>
-    </dgm:fillClrLst>
-    <dgm:linClrLst meth="repeat">
-      <a:schemeClr val="lt1"/>
-    </dgm:linClrLst>
-    <dgm:effectClrLst/>
-    <dgm:txLinClrLst/>
-    <dgm:txFillClrLst/>
-    <dgm:txEffectClrLst/>
-  </dgm:styleLbl>
-  <dgm:styleLbl name="node1">
-    <dgm:fillClrLst>
-      <a:schemeClr val="accent5"/>
-      <a:schemeClr val="accent6"/>
-    </dgm:fillClrLst>
-    <dgm:linClrLst meth="repeat">
-      <a:schemeClr val="lt1"/>
-    </dgm:linClrLst>
-    <dgm:effectClrLst/>
-    <dgm:txLinClrLst/>
-    <dgm:txFillClrLst/>
-    <dgm:txEffectClrLst/>
-  </dgm:styleLbl>
-  <dgm:styleLbl name="alignNode1">
-    <dgm:fillClrLst>
-      <a:schemeClr val="accent5"/>
-      <a:schemeClr val="accent6"/>
-    </dgm:fillClrLst>
-    <dgm:linClrLst>
-      <a:schemeClr val="accent5"/>
-      <a:schemeClr val="accent6"/>
-    </dgm:linClrLst>
-    <dgm:effectClrLst/>
-    <dgm:txLinClrLst/>
-    <dgm:txFillClrLst/>
-    <dgm:txEffectClrLst/>
-  </dgm:styleLbl>
-  <dgm:styleLbl name="lnNode1">
-    <dgm:fillClrLst>
-      <a:schemeClr val="accent5"/>
-      <a:schemeClr val="accent6"/>
-    </dgm:fillClrLst>
-    <dgm:linClrLst meth="repeat">
-      <a:schemeClr val="lt1"/>
-    </dgm:linClrLst>
-    <dgm:effectClrLst/>
-    <dgm:txLinClrLst/>
-    <dgm:txFillClrLst/>
-    <dgm:txEffectClrLst/>
-  </dgm:styleLbl>
-  <dgm:styleLbl name="vennNode1">
-    <dgm:fillClrLst>
-      <a:schemeClr val="accent5">
-        <a:alpha val="50000"/>
-      </a:schemeClr>
-      <a:schemeClr val="accent6">
-        <a:alpha val="50000"/>
-      </a:schemeClr>
-    </dgm:fillClrLst>
-    <dgm:linClrLst meth="repeat">
-      <a:schemeClr val="lt1"/>
-    </dgm:linClrLst>
-    <dgm:effectClrLst/>
-    <dgm:txLinClrLst/>
-    <dgm:txFillClrLst/>
-    <dgm:txEffectClrLst/>
-  </dgm:styleLbl>
-  <dgm:styleLbl name="node2">
-    <dgm:fillClrLst>
-      <a:schemeClr val="accent6"/>
-    </dgm:fillClrLst>
-    <dgm:linClrLst meth="repeat">
-      <a:schemeClr val="lt1"/>
-    </dgm:linClrLst>
-    <dgm:effectClrLst/>
-    <dgm:txLinClrLst/>
-    <dgm:txFillClrLst/>
-    <dgm:txEffectClrLst/>
-  </dgm:styleLbl>
-  <dgm:styleLbl name="node3">
-    <dgm:fillClrLst>
-      <a:schemeClr val="accent1"/>
-    </dgm:fillClrLst>
-    <dgm:linClrLst meth="repeat">
-      <a:schemeClr val="lt1"/>
-    </dgm:linClrLst>
-    <dgm:effectClrLst/>
-    <dgm:txLinClrLst/>
-    <dgm:txFillClrLst/>
-    <dgm:txEffectClrLst/>
-  </dgm:styleLbl>
-  <dgm:styleLbl name="node4">
-    <dgm:fillClrLst>
-      <a:schemeClr val="accent2"/>
-    </dgm:fillClrLst>
-    <dgm:linClrLst meth="repeat">
-      <a:schemeClr val="lt1"/>
-    </dgm:linClrLst>
-    <dgm:effectClrLst/>
-    <dgm:txLinClrLst/>
-    <dgm:txFillClrLst/>
-    <dgm:txEffectClrLst/>
-  </dgm:styleLbl>
-  <dgm:styleLbl name="fgImgPlace1">
-    <dgm:fillClrLst>
-      <a:schemeClr val="accent5">
-        <a:tint val="50000"/>
-      </a:schemeClr>
-      <a:schemeClr val="accent6">
-        <a:tint val="50000"/>
-      </a:schemeClr>
-    </dgm:fillClrLst>
-    <dgm:linClrLst meth="repeat">
-      <a:schemeClr val="lt1"/>
-    </dgm:linClrLst>
-    <dgm:effectClrLst/>
-    <dgm:txLinClrLst/>
-    <dgm:txFillClrLst meth="repeat">
-      <a:schemeClr val="lt1"/>
-    </dgm:txFillClrLst>
-    <dgm:txEffectClrLst/>
-  </dgm:styleLbl>
-  <dgm:styleLbl name="alignImgPlace1">
-    <dgm:fillClrLst>
-      <a:schemeClr val="accent5">
-        <a:tint val="50000"/>
-      </a:schemeClr>
-      <a:schemeClr val="accent6">
-        <a:tint val="20000"/>
-      </a:schemeClr>
-    </dgm:fillClrLst>
-    <dgm:linClrLst meth="repeat">
-      <a:schemeClr val="lt1"/>
-    </dgm:linClrLst>
-    <dgm:effectClrLst/>
-    <dgm:txLinClrLst/>
-    <dgm:txFillClrLst meth="repeat">
-      <a:schemeClr val="lt1"/>
-    </dgm:txFillClrLst>
-    <dgm:txEffectClrLst/>
-  </dgm:styleLbl>
-  <dgm:styleLbl name="bgImgPlace1">
-    <dgm:fillClrLst>
-      <a:schemeClr val="accent5">
-        <a:tint val="50000"/>
-      </a:schemeClr>
-      <a:schemeClr val="accent6">
-        <a:tint val="20000"/>
-      </a:schemeClr>
-    </dgm:fillClrLst>
-    <dgm:linClrLst meth="repeat">
-      <a:schemeClr val="lt1"/>
-    </dgm:linClrLst>
-    <dgm:effectClrLst/>
-    <dgm:txLinClrLst/>
-    <dgm:txFillClrLst meth="repeat">
-      <a:schemeClr val="lt1"/>
-    </dgm:txFillClrLst>
-    <dgm:txEffectClrLst/>
-  </dgm:styleLbl>
-  <dgm:styleLbl name="sibTrans2D1">
-    <dgm:fillClrLst>
-      <a:schemeClr val="accent5"/>
-      <a:schemeClr val="accent6"/>
-    </dgm:fillClrLst>
-    <dgm:linClrLst meth="repeat">
-      <a:schemeClr val="lt1"/>
-    </dgm:linClrLst>
-    <dgm:effectClrLst/>
-    <dgm:txLinClrLst/>
-    <dgm:txFillClrLst/>
-    <dgm:txEffectClrLst/>
-  </dgm:styleLbl>
-  <dgm:styleLbl name="fgSibTrans2D1">
-    <dgm:fillClrLst>
-      <a:schemeClr val="accent5"/>
-      <a:schemeClr val="accent6"/>
-    </dgm:fillClrLst>
-    <dgm:linClrLst meth="repeat">
-      <a:schemeClr val="lt1"/>
-    </dgm:linClrLst>
-    <dgm:effectClrLst/>
-    <dgm:txLinClrLst/>
-    <dgm:txFillClrLst meth="repeat">
-      <a:schemeClr val="lt1"/>
-    </dgm:txFillClrLst>
-    <dgm:txEffectClrLst/>
-  </dgm:styleLbl>
-  <dgm:styleLbl name="bgSibTrans2D1">
-    <dgm:fillClrLst>
-      <a:schemeClr val="accent5"/>
-      <a:schemeClr val="accent6"/>
-    </dgm:fillClrLst>
-    <dgm:linClrLst meth="repeat">
-      <a:schemeClr val="lt1"/>
-    </dgm:linClrLst>
-    <dgm:effectClrLst/>
-    <dgm:txLinClrLst/>
-    <dgm:txFillClrLst meth="repeat">
-      <a:schemeClr val="lt1"/>
-    </dgm:txFillClrLst>
-    <dgm:txEffectClrLst/>
-  </dgm:styleLbl>
-  <dgm:styleLbl name="sibTrans1D1">
-    <dgm:fillClrLst/>
-    <dgm:linClrLst>
-      <a:schemeClr val="accent5"/>
-      <a:schemeClr val="accent6"/>
-    </dgm:linClrLst>
-    <dgm:effectClrLst/>
-    <dgm:txLinClrLst/>
-    <dgm:txFillClrLst meth="repeat">
-      <a:schemeClr val="tx1"/>
-    </dgm:txFillClrLst>
-    <dgm:txEffectClrLst/>
-  </dgm:styleLbl>
-  <dgm:styleLbl name="callout">
-    <dgm:fillClrLst meth="repeat">
-      <a:schemeClr val="accent5"/>
-    </dgm:fillClrLst>
-    <dgm:linClrLst meth="repeat">
-      <a:schemeClr val="accent5">
-        <a:tint val="50000"/>
-      </a:schemeClr>
-    </dgm:linClrLst>
-    <dgm:effectClrLst/>
-    <dgm:txLinClrLst/>
-    <dgm:txFillClrLst meth="repeat">
-      <a:schemeClr val="tx1"/>
-    </dgm:txFillClrLst>
-    <dgm:txEffectClrLst/>
-  </dgm:styleLbl>
-  <dgm:styleLbl name="asst0">
-    <dgm:fillClrLst meth="repeat">
-      <a:schemeClr val="accent5"/>
-    </dgm:fillClrLst>
-    <dgm:linClrLst meth="repeat">
-      <a:schemeClr val="lt1">
-        <a:shade val="80000"/>
-      </a:schemeClr>
-    </dgm:linClrLst>
-    <dgm:effectClrLst/>
-    <dgm:txLinClrLst/>
-    <dgm:txFillClrLst/>
-    <dgm:txEffectClrLst/>
-  </dgm:styleLbl>
-  <dgm:styleLbl name="asst1">
-    <dgm:fillClrLst meth="repeat">
-      <a:schemeClr val="accent6"/>
-    </dgm:fillClrLst>
-    <dgm:linClrLst meth="repeat">
-      <a:schemeClr val="lt1">
-        <a:shade val="80000"/>
-      </a:schemeClr>
-    </dgm:linClrLst>
-    <dgm:effectClrLst/>
-    <dgm:txLinClrLst/>
-    <dgm:txFillClrLst/>
-    <dgm:txEffectClrLst/>
-  </dgm:styleLbl>
-  <dgm:styleLbl name="asst2">
-    <dgm:fillClrLst>
-      <a:schemeClr val="accent1"/>
-    </dgm:fillClrLst>
-    <dgm:linClrLst meth="repeat">
-      <a:schemeClr val="lt1"/>
-    </dgm:linClrLst>
-    <dgm:effectClrLst/>
-    <dgm:txLinClrLst/>
-    <dgm:txFillClrLst/>
-    <dgm:txEffectClrLst/>
-  </dgm:styleLbl>
-  <dgm:styleLbl name="asst3">
-    <dgm:fillClrLst>
-      <a:schemeClr val="accent2"/>
-    </dgm:fillClrLst>
-    <dgm:linClrLst meth="repeat">
-      <a:schemeClr val="lt1"/>
-    </dgm:linClrLst>
-    <dgm:effectClrLst/>
-    <dgm:txLinClrLst/>
-    <dgm:txFillClrLst/>
-    <dgm:txEffectClrLst/>
-  </dgm:styleLbl>
-  <dgm:styleLbl name="asst4">
-    <dgm:fillClrLst>
-      <a:schemeClr val="accent3"/>
-    </dgm:fillClrLst>
-    <dgm:linClrLst meth="repeat">
-      <a:schemeClr val="lt1"/>
-    </dgm:linClrLst>
-    <dgm:effectClrLst/>
-    <dgm:txLinClrLst/>
-    <dgm:txFillClrLst/>
-    <dgm:txEffectClrLst/>
-  </dgm:styleLbl>
-  <dgm:styleLbl name="parChTrans2D1">
-    <dgm:fillClrLst meth="repeat">
-      <a:schemeClr val="accent5"/>
-    </dgm:fillClrLst>
-    <dgm:linClrLst meth="repeat">
-      <a:schemeClr val="lt1"/>
-    </dgm:linClrLst>
-    <dgm:effectClrLst/>
-    <dgm:txLinClrLst/>
-    <dgm:txFillClrLst meth="repeat">
-      <a:schemeClr val="lt1"/>
-    </dgm:txFillClrLst>
-    <dgm:txEffectClrLst/>
-  </dgm:styleLbl>
-  <dgm:styleLbl name="parChTrans2D2">
-    <dgm:fillClrLst meth="repeat">
-      <a:schemeClr val="accent6"/>
-    </dgm:fillClrLst>
-    <dgm:linClrLst meth="repeat">
-      <a:schemeClr val="lt1"/>
-    </dgm:linClrLst>
-    <dgm:effectClrLst/>
-    <dgm:txLinClrLst/>
-    <dgm:txFillClrLst/>
-    <dgm:txEffectClrLst/>
-  </dgm:styleLbl>
-  <dgm:styleLbl name="parChTrans2D3">
-    <dgm:fillClrLst meth="repeat">
-      <a:schemeClr val="accent6"/>
-    </dgm:fillClrLst>
-    <dgm:linClrLst meth="repeat">
-      <a:schemeClr val="lt1"/>
-    </dgm:linClrLst>
-    <dgm:effectClrLst/>
-    <dgm:txLinClrLst/>
-    <dgm:txFillClrLst/>
-    <dgm:txEffectClrLst/>
-  </dgm:styleLbl>
-  <dgm:styleLbl name="parChTrans2D4">
-    <dgm:fillClrLst meth="repeat">
-      <a:schemeClr val="accent1"/>
-    </dgm:fillClrLst>
-    <dgm:linClrLst meth="repeat">
-      <a:schemeClr val="lt1"/>
-    </dgm:linClrLst>
-    <dgm:effectClrLst/>
-    <dgm:txLinClrLst/>
-    <dgm:txFillClrLst meth="repeat">
-      <a:schemeClr val="lt1"/>
-    </dgm:txFillClrLst>
-    <dgm:txEffectClrLst/>
-  </dgm:styleLbl>
-  <dgm:styleLbl name="parChTrans1D1">
-    <dgm:fillClrLst meth="repeat">
-      <a:schemeClr val="accent5"/>
-    </dgm:fillClrLst>
-    <dgm:linClrLst meth="repeat">
-      <a:schemeClr val="accent5"/>
-    </dgm:linClrLst>
-    <dgm:effectClrLst/>
-    <dgm:txLinClrLst/>
-    <dgm:txFillClrLst meth="repeat">
-      <a:schemeClr val="tx1"/>
-    </dgm:txFillClrLst>
-    <dgm:txEffectClrLst/>
-  </dgm:styleLbl>
-  <dgm:styleLbl name="parChTrans1D2">
-    <dgm:fillClrLst meth="repeat">
-      <a:schemeClr val="accent6">
-        <a:tint val="90000"/>
-      </a:schemeClr>
-    </dgm:fillClrLst>
-    <dgm:linClrLst meth="repeat">
-      <a:schemeClr val="accent6"/>
-    </dgm:linClrLst>
-    <dgm:effectClrLst/>
-    <dgm:txLinClrLst/>
-    <dgm:txFillClrLst meth="repeat">
-      <a:schemeClr val="tx1"/>
-    </dgm:txFillClrLst>
-    <dgm:txEffectClrLst/>
-  </dgm:styleLbl>
-  <dgm:styleLbl name="parChTrans1D3">
-    <dgm:fillClrLst meth="repeat">
-      <a:schemeClr val="accent6">
-        <a:tint val="70000"/>
-      </a:schemeClr>
-    </dgm:fillClrLst>
-    <dgm:linClrLst meth="repeat">
-      <a:schemeClr val="accent1"/>
-    </dgm:linClrLst>
-    <dgm:effectClrLst/>
-    <dgm:txLinClrLst/>
-    <dgm:txFillClrLst meth="repeat">
-      <a:schemeClr val="tx1"/>
-    </dgm:txFillClrLst>
-    <dgm:txEffectClrLst/>
-  </dgm:styleLbl>
-  <dgm:styleLbl name="parChTrans1D4">
-    <dgm:fillClrLst meth="repeat">
-      <a:schemeClr val="accent6">
-        <a:tint val="50000"/>
-      </a:schemeClr>
-    </dgm:fillClrLst>
-    <dgm:linClrLst meth="repeat">
-      <a:schemeClr val="accent2"/>
-    </dgm:linClrLst>
-    <dgm:effectClrLst/>
-    <dgm:txLinClrLst/>
-    <dgm:txFillClrLst meth="repeat">
-      <a:schemeClr val="tx1"/>
-    </dgm:txFillClrLst>
-    <dgm:txEffectClrLst/>
-  </dgm:styleLbl>
-  <dgm:styleLbl name="fgAcc1">
-    <dgm:fillClrLst meth="repeat">
-      <a:schemeClr val="lt1">
-        <a:alpha val="90000"/>
-      </a:schemeClr>
-    </dgm:fillClrLst>
-    <dgm:linClrLst>
-      <a:schemeClr val="accent5"/>
-      <a:schemeClr val="accent6"/>
-    </dgm:linClrLst>
-    <dgm:effectClrLst/>
-    <dgm:txLinClrLst/>
-    <dgm:txFillClrLst meth="repeat">
-      <a:schemeClr val="dk1"/>
-    </dgm:txFillClrLst>
-    <dgm:txEffectClrLst/>
-  </dgm:styleLbl>
-  <dgm:styleLbl name="conFgAcc1">
-    <dgm:fillClrLst meth="repeat">
-      <a:schemeClr val="lt1">
-        <a:alpha val="90000"/>
-      </a:schemeClr>
-    </dgm:fillClrLst>
-    <dgm:linClrLst>
-      <a:schemeClr val="accent5"/>
-      <a:schemeClr val="accent6"/>
-    </dgm:linClrLst>
-    <dgm:effectClrLst/>
-    <dgm:txLinClrLst/>
-    <dgm:txFillClrLst meth="repeat">
-      <a:schemeClr val="dk1"/>
-    </dgm:txFillClrLst>
-    <dgm:txEffectClrLst/>
-  </dgm:styleLbl>
-  <dgm:styleLbl name="alignAcc1">
-    <dgm:fillClrLst meth="repeat">
-      <a:schemeClr val="lt1">
-        <a:alpha val="90000"/>
-      </a:schemeClr>
-    </dgm:fillClrLst>
-    <dgm:linClrLst>
-      <a:schemeClr val="accent5"/>
-      <a:schemeClr val="accent6"/>
-    </dgm:linClrLst>
-    <dgm:effectClrLst/>
-    <dgm:txLinClrLst/>
-    <dgm:txFillClrLst meth="repeat">
-      <a:schemeClr val="dk1"/>
-    </dgm:txFillClrLst>
-    <dgm:txEffectClrLst/>
-  </dgm:styleLbl>
-  <dgm:styleLbl name="trAlignAcc1">
-    <dgm:fillClrLst meth="repeat">
-      <a:schemeClr val="lt1">
-        <a:alpha val="40000"/>
-      </a:schemeClr>
-    </dgm:fillClrLst>
-    <dgm:linClrLst meth="repeat">
-      <a:schemeClr val="accent5"/>
-    </dgm:linClrLst>
-    <dgm:effectClrLst/>
-    <dgm:txLinClrLst/>
-    <dgm:txFillClrLst meth="repeat">
-      <a:schemeClr val="dk1"/>
-    </dgm:txFillClrLst>
-    <dgm:txEffectClrLst/>
-  </dgm:styleLbl>
-  <dgm:styleLbl name="bgAcc1">
-    <dgm:fillClrLst meth="repeat">
-      <a:schemeClr val="lt1">
-        <a:alpha val="90000"/>
-      </a:schemeClr>
-    </dgm:fillClrLst>
-    <dgm:linClrLst>
-      <a:schemeClr val="accent5"/>
-      <a:schemeClr val="accent6"/>
-    </dgm:linClrLst>
-    <dgm:effectClrLst/>
-    <dgm:txLinClrLst/>
-    <dgm:txFillClrLst meth="repeat">
-      <a:schemeClr val="dk1"/>
-    </dgm:txFillClrLst>
-    <dgm:txEffectClrLst/>
-  </dgm:styleLbl>
-  <dgm:styleLbl name="solidFgAcc1">
-    <dgm:fillClrLst meth="repeat">
-      <a:schemeClr val="lt1"/>
-    </dgm:fillClrLst>
-    <dgm:linClrLst>
-      <a:schemeClr val="accent5"/>
-      <a:schemeClr val="accent6"/>
-    </dgm:linClrLst>
-    <dgm:effectClrLst/>
-    <dgm:txLinClrLst/>
-    <dgm:txFillClrLst meth="repeat">
-      <a:schemeClr val="dk1"/>
-    </dgm:txFillClrLst>
-    <dgm:txEffectClrLst/>
-  </dgm:styleLbl>
-  <dgm:styleLbl name="solidAlignAcc1">
-    <dgm:fillClrLst meth="repeat">
-      <a:schemeClr val="lt1"/>
-    </dgm:fillClrLst>
-    <dgm:linClrLst>
-      <a:schemeClr val="accent5"/>
-      <a:schemeClr val="accent6"/>
-    </dgm:linClrLst>
-    <dgm:effectClrLst/>
-    <dgm:txLinClrLst/>
-    <dgm:txFillClrLst meth="repeat">
-      <a:schemeClr val="dk1"/>
-    </dgm:txFillClrLst>
-    <dgm:txEffectClrLst/>
-  </dgm:styleLbl>
-  <dgm:styleLbl name="solidBgAcc1">
-    <dgm:fillClrLst meth="repeat">
-      <a:schemeClr val="lt1"/>
-    </dgm:fillClrLst>
-    <dgm:linClrLst>
-      <a:schemeClr val="accent5"/>
-      <a:schemeClr val="accent6"/>
-    </dgm:linClrLst>
-    <dgm:effectClrLst/>
-    <dgm:txLinClrLst/>
-    <dgm:txFillClrLst meth="repeat">
-      <a:schemeClr val="dk1"/>
-    </dgm:txFillClrLst>
-    <dgm:txEffectClrLst/>
-  </dgm:styleLbl>
-  <dgm:styleLbl name="fgAccFollowNode1">
-    <dgm:fillClrLst>
-      <a:schemeClr val="accent5">
-        <a:tint val="40000"/>
-        <a:alpha val="90000"/>
-      </a:schemeClr>
-      <a:schemeClr val="accent6">
-        <a:tint val="40000"/>
-        <a:alpha val="90000"/>
-      </a:schemeClr>
-    </dgm:fillClrLst>
-    <dgm:linClrLst>
-      <a:schemeClr val="accent5">
-        <a:tint val="40000"/>
-        <a:alpha val="90000"/>
-      </a:schemeClr>
-      <a:schemeClr val="accent5">
-        <a:tint val="40000"/>
-        <a:alpha val="90000"/>
-      </a:schemeClr>
-    </dgm:linClrLst>
-    <dgm:effectClrLst/>
-    <dgm:txLinClrLst/>
-    <dgm:txFillClrLst meth="repeat">
-      <a:schemeClr val="dk1"/>
-    </dgm:txFillClrLst>
-    <dgm:txEffectClrLst/>
-  </dgm:styleLbl>
-  <dgm:styleLbl name="alignAccFollowNode1">
-    <dgm:fillClrLst>
-      <a:schemeClr val="accent5">
-        <a:tint val="40000"/>
-        <a:alpha val="90000"/>
-      </a:schemeClr>
-      <a:schemeClr val="accent6">
-        <a:tint val="40000"/>
-        <a:alpha val="90000"/>
-      </a:schemeClr>
-    </dgm:fillClrLst>
-    <dgm:linClrLst>
-      <a:schemeClr val="accent5">
-        <a:tint val="40000"/>
-        <a:alpha val="90000"/>
-      </a:schemeClr>
-      <a:schemeClr val="accent6">
-        <a:tint val="40000"/>
-        <a:alpha val="90000"/>
-      </a:schemeClr>
-    </dgm:linClrLst>
-    <dgm:effectClrLst/>
-    <dgm:txLinClrLst/>
-    <dgm:txFillClrLst meth="repeat">
-      <a:schemeClr val="dk1"/>
-    </dgm:txFillClrLst>
-    <dgm:txEffectClrLst/>
-  </dgm:styleLbl>
-  <dgm:styleLbl name="bgAccFollowNode1">
-    <dgm:fillClrLst>
-      <a:schemeClr val="accent5">
-        <a:tint val="40000"/>
-        <a:alpha val="90000"/>
-      </a:schemeClr>
-      <a:schemeClr val="accent6">
-        <a:tint val="40000"/>
-        <a:alpha val="90000"/>
-      </a:schemeClr>
-    </dgm:fillClrLst>
-    <dgm:linClrLst>
-      <a:schemeClr val="accent5">
-        <a:tint val="40000"/>
-        <a:alpha val="90000"/>
-      </a:schemeClr>
-      <a:schemeClr val="accent6">
-        <a:tint val="40000"/>
-        <a:alpha val="90000"/>
-      </a:schemeClr>
-    </dgm:linClrLst>
-    <dgm:effectClrLst/>
-    <dgm:txLinClrLst/>
-    <dgm:txFillClrLst meth="repeat">
-      <a:schemeClr val="dk1"/>
-    </dgm:txFillClrLst>
-    <dgm:txEffectClrLst/>
-  </dgm:styleLbl>
-  <dgm:styleLbl name="fgAcc0">
-    <dgm:fillClrLst meth="repeat">
-      <a:schemeClr val="lt1">
-        <a:alpha val="90000"/>
-      </a:schemeClr>
-    </dgm:fillClrLst>
-    <dgm:linClrLst>
-      <a:schemeClr val="accent4"/>
-    </dgm:linClrLst>
-    <dgm:effectClrLst/>
-    <dgm:txLinClrLst/>
-    <dgm:txFillClrLst meth="repeat">
-      <a:schemeClr val="dk1"/>
-    </dgm:txFillClrLst>
-    <dgm:txEffectClrLst/>
-  </dgm:styleLbl>
-  <dgm:styleLbl name="fgAcc2">
-    <dgm:fillClrLst meth="repeat">
-      <a:schemeClr val="lt1">
-        <a:alpha val="90000"/>
-      </a:schemeClr>
-    </dgm:fillClrLst>
-    <dgm:linClrLst>
-      <a:schemeClr val="accent6"/>
-    </dgm:linClrLst>
-    <dgm:effectClrLst/>
-    <dgm:txLinClrLst/>
-    <dgm:txFillClrLst meth="repeat">
-      <a:schemeClr val="dk1"/>
-    </dgm:txFillClrLst>
-    <dgm:txEffectClrLst/>
-  </dgm:styleLbl>
-  <dgm:styleLbl name="fgAcc3">
-    <dgm:fillClrLst meth="repeat">
-      <a:schemeClr val="lt1">
-        <a:alpha val="90000"/>
-      </a:schemeClr>
-    </dgm:fillClrLst>
-    <dgm:linClrLst>
-      <a:schemeClr val="accent1"/>
-    </dgm:linClrLst>
-    <dgm:effectClrLst/>
-    <dgm:txLinClrLst/>
-    <dgm:txFillClrLst meth="repeat">
-      <a:schemeClr val="dk1"/>
-    </dgm:txFillClrLst>
-    <dgm:txEffectClrLst/>
-  </dgm:styleLbl>
-  <dgm:styleLbl name="fgAcc4">
-    <dgm:fillClrLst meth="repeat">
-      <a:schemeClr val="lt1">
-        <a:alpha val="90000"/>
-      </a:schemeClr>
-    </dgm:fillClrLst>
-    <dgm:linClrLst>
-      <a:schemeClr val="accent2"/>
-    </dgm:linClrLst>
-    <dgm:effectClrLst/>
-    <dgm:txLinClrLst/>
-    <dgm:txFillClrLst meth="repeat">
-      <a:schemeClr val="dk1"/>
-    </dgm:txFillClrLst>
-    <dgm:txEffectClrLst/>
-  </dgm:styleLbl>
-  <dgm:styleLbl name="bgShp">
-    <dgm:fillClrLst meth="repeat">
-      <a:schemeClr val="accent5">
-        <a:tint val="40000"/>
-      </a:schemeClr>
-    </dgm:fillClrLst>
-    <dgm:linClrLst meth="repeat">
-      <a:schemeClr val="dk1"/>
-    </dgm:linClrLst>
-    <dgm:effectClrLst/>
-    <dgm:txLinClrLst/>
-    <dgm:txFillClrLst meth="repeat">
-      <a:schemeClr val="dk1"/>
-    </dgm:txFillClrLst>
-    <dgm:txEffectClrLst/>
-  </dgm:styleLbl>
-  <dgm:styleLbl name="dkBgShp">
-    <dgm:fillClrLst meth="repeat">
-      <a:schemeClr val="accent5">
-        <a:shade val="90000"/>
-      </a:schemeClr>
-    </dgm:fillClrLst>
-    <dgm:linClrLst meth="repeat">
-      <a:schemeClr val="dk1"/>
-    </dgm:linClrLst>
-    <dgm:effectClrLst/>
-    <dgm:txLinClrLst/>
-    <dgm:txFillClrLst meth="repeat">
-      <a:schemeClr val="lt1"/>
-    </dgm:txFillClrLst>
-    <dgm:txEffectClrLst/>
-  </dgm:styleLbl>
-  <dgm:styleLbl name="trBgShp">
-    <dgm:fillClrLst meth="repeat">
-      <a:schemeClr val="accent5">
-        <a:tint val="50000"/>
-        <a:alpha val="40000"/>
-      </a:schemeClr>
-    </dgm:fillClrLst>
-    <dgm:linClrLst meth="repeat">
-      <a:schemeClr val="accent5"/>
-    </dgm:linClrLst>
-    <dgm:effectClrLst/>
-    <dgm:txLinClrLst/>
-    <dgm:txFillClrLst meth="repeat">
-      <a:schemeClr val="lt1"/>
-    </dgm:txFillClrLst>
-    <dgm:txEffectClrLst/>
-  </dgm:styleLbl>
-  <dgm:styleLbl name="fgShp">
-    <dgm:fillClrLst meth="repeat">
-      <a:schemeClr val="accent5">
-        <a:tint val="40000"/>
-      </a:schemeClr>
-    </dgm:fillClrLst>
-    <dgm:linClrLst meth="repeat">
-      <a:schemeClr val="lt1"/>
-    </dgm:linClrLst>
-    <dgm:effectClrLst/>
-    <dgm:txLinClrLst/>
-    <dgm:txFillClrLst meth="repeat">
-      <a:schemeClr val="dk1"/>
-    </dgm:txFillClrLst>
-    <dgm:txEffectClrLst/>
-  </dgm:styleLbl>
-  <dgm:styleLbl name="revTx">
-    <dgm:fillClrLst meth="repeat">
-      <a:schemeClr val="lt1">
-        <a:alpha val="0"/>
-      </a:schemeClr>
-    </dgm:fillClrLst>
-    <dgm:linClrLst meth="repeat">
-      <a:schemeClr val="dk1">
-        <a:alpha val="0"/>
-      </a:schemeClr>
-    </dgm:linClrLst>
-    <dgm:effectClrLst/>
-    <dgm:txLinClrLst/>
-    <dgm:txFillClrLst meth="repeat">
-      <a:schemeClr val="tx1"/>
-    </dgm:txFillClrLst>
-    <dgm:txEffectClrLst/>
-  </dgm:styleLbl>
-</dgm:colorsDef>
-</file>
-
-<file path=ppt/diagrams/colors2.xml><?xml version="1.0" encoding="utf-8"?>
 <dgm:colorsDef xmlns:dgm="http://schemas.openxmlformats.org/drawingml/2006/diagram" xmlns:a="http://schemas.openxmlformats.org/drawingml/2006/main" uniqueId="urn:microsoft.com/office/officeart/2005/8/colors/colorful5">
   <dgm:title val=""/>
   <dgm:desc val=""/>
@@ -1939,386 +1156,6 @@
 </dgm:dataModel>
 </file>
 
-<file path=ppt/diagrams/data2.xml><?xml version="1.0" encoding="utf-8"?>
-<dgm:dataModel xmlns:dgm="http://schemas.openxmlformats.org/drawingml/2006/diagram" xmlns:a="http://schemas.openxmlformats.org/drawingml/2006/main">
-  <dgm:ptLst>
-    <dgm:pt modelId="{9F78C567-BCE2-41DB-ABDF-4AEC2197CD56}" type="doc">
-      <dgm:prSet loTypeId="urn:microsoft.com/office/officeart/2005/8/layout/lProcess2" loCatId="relationship" qsTypeId="urn:microsoft.com/office/officeart/2005/8/quickstyle/simple3" qsCatId="simple" csTypeId="urn:microsoft.com/office/officeart/2005/8/colors/colorful5" csCatId="colorful" phldr="1"/>
-      <dgm:spPr/>
-      <dgm:t>
-        <a:bodyPr/>
-        <a:lstStyle/>
-        <a:p>
-          <a:endParaRPr kumimoji="1" lang="ja-JP" altLang="en-US"/>
-        </a:p>
-      </dgm:t>
-    </dgm:pt>
-    <dgm:pt modelId="{E7EA4920-E64D-4D37-8798-09BC3425A7DB}">
-      <dgm:prSet phldrT="[テキスト]" custT="1"/>
-      <dgm:spPr/>
-      <dgm:t>
-        <a:bodyPr/>
-        <a:lstStyle/>
-        <a:p>
-          <a:r>
-            <a:rPr kumimoji="1" lang="ja-JP" altLang="en-US" sz="4400" b="1" dirty="0"/>
-            <a:t>教えあい</a:t>
-          </a:r>
-        </a:p>
-      </dgm:t>
-    </dgm:pt>
-    <dgm:pt modelId="{A6306E6C-C6EB-4276-AF5B-6E1FD27D3D7B}" type="parTrans" cxnId="{87D922F3-26DD-4BF2-ABF0-704062D02AC3}">
-      <dgm:prSet/>
-      <dgm:spPr/>
-      <dgm:t>
-        <a:bodyPr/>
-        <a:lstStyle/>
-        <a:p>
-          <a:endParaRPr kumimoji="1" lang="ja-JP" altLang="en-US"/>
-        </a:p>
-      </dgm:t>
-    </dgm:pt>
-    <dgm:pt modelId="{16CEA045-C9C8-4A12-947F-7AB5929DD82F}" type="sibTrans" cxnId="{87D922F3-26DD-4BF2-ABF0-704062D02AC3}">
-      <dgm:prSet/>
-      <dgm:spPr/>
-      <dgm:t>
-        <a:bodyPr/>
-        <a:lstStyle/>
-        <a:p>
-          <a:endParaRPr kumimoji="1" lang="ja-JP" altLang="en-US"/>
-        </a:p>
-      </dgm:t>
-    </dgm:pt>
-    <dgm:pt modelId="{BC44AE9F-4967-4D64-BE3A-A7019920D341}">
-      <dgm:prSet phldrT="[テキスト]" custT="1"/>
-      <dgm:spPr/>
-      <dgm:t>
-        <a:bodyPr/>
-        <a:lstStyle/>
-        <a:p>
-          <a:r>
-            <a:rPr kumimoji="1" lang="ja-JP" altLang="en-US" sz="3600" dirty="0"/>
-            <a:t>分かれて</a:t>
-          </a:r>
-          <a:r>
-            <a:rPr kumimoji="1" lang="ja-JP" altLang="en-US" sz="3600" b="0" dirty="0"/>
-            <a:t>作業</a:t>
-          </a:r>
-        </a:p>
-      </dgm:t>
-    </dgm:pt>
-    <dgm:pt modelId="{10A91339-45BA-4E12-B6D6-CBBF393901BA}" type="parTrans" cxnId="{0D06FD69-FBCD-4F5C-80FB-00428ABBDCD2}">
-      <dgm:prSet/>
-      <dgm:spPr/>
-      <dgm:t>
-        <a:bodyPr/>
-        <a:lstStyle/>
-        <a:p>
-          <a:endParaRPr kumimoji="1" lang="ja-JP" altLang="en-US"/>
-        </a:p>
-      </dgm:t>
-    </dgm:pt>
-    <dgm:pt modelId="{8A6B373E-5F09-4CB7-AB31-047A32F96523}" type="sibTrans" cxnId="{0D06FD69-FBCD-4F5C-80FB-00428ABBDCD2}">
-      <dgm:prSet/>
-      <dgm:spPr/>
-      <dgm:t>
-        <a:bodyPr/>
-        <a:lstStyle/>
-        <a:p>
-          <a:endParaRPr kumimoji="1" lang="ja-JP" altLang="en-US"/>
-        </a:p>
-      </dgm:t>
-    </dgm:pt>
-    <dgm:pt modelId="{00B748C7-4752-4D4D-9997-741FE92EDEFF}">
-      <dgm:prSet phldrT="[テキスト]" custT="1"/>
-      <dgm:spPr/>
-      <dgm:t>
-        <a:bodyPr/>
-        <a:lstStyle/>
-        <a:p>
-          <a:r>
-            <a:rPr kumimoji="1" lang="ja-JP" altLang="en-US" sz="3600" dirty="0"/>
-            <a:t>疑問点を共有</a:t>
-          </a:r>
-        </a:p>
-      </dgm:t>
-    </dgm:pt>
-    <dgm:pt modelId="{1A40A8AD-A23A-4F6F-8406-41AC6EA13722}" type="parTrans" cxnId="{9CE130D6-0465-4CC2-BE59-E72AB5868375}">
-      <dgm:prSet/>
-      <dgm:spPr/>
-      <dgm:t>
-        <a:bodyPr/>
-        <a:lstStyle/>
-        <a:p>
-          <a:endParaRPr kumimoji="1" lang="ja-JP" altLang="en-US"/>
-        </a:p>
-      </dgm:t>
-    </dgm:pt>
-    <dgm:pt modelId="{EC96C523-61EF-400D-941C-6E05F611D179}" type="sibTrans" cxnId="{9CE130D6-0465-4CC2-BE59-E72AB5868375}">
-      <dgm:prSet/>
-      <dgm:spPr/>
-      <dgm:t>
-        <a:bodyPr/>
-        <a:lstStyle/>
-        <a:p>
-          <a:endParaRPr kumimoji="1" lang="ja-JP" altLang="en-US"/>
-        </a:p>
-      </dgm:t>
-    </dgm:pt>
-    <dgm:pt modelId="{C3B3520A-696D-4D01-80C7-6E8AFF68474C}">
-      <dgm:prSet phldrT="[テキスト]" custT="1"/>
-      <dgm:spPr/>
-      <dgm:t>
-        <a:bodyPr/>
-        <a:lstStyle/>
-        <a:p>
-          <a:r>
-            <a:rPr kumimoji="1" lang="ja-JP" altLang="en-US" sz="4400" b="1" dirty="0"/>
-            <a:t>進捗管理</a:t>
-          </a:r>
-        </a:p>
-      </dgm:t>
-    </dgm:pt>
-    <dgm:pt modelId="{5A4F75C8-464E-48A1-AE14-DBEE7B1DB200}" type="parTrans" cxnId="{900E5402-13DC-400F-9667-0DAA4D89AE93}">
-      <dgm:prSet/>
-      <dgm:spPr/>
-      <dgm:t>
-        <a:bodyPr/>
-        <a:lstStyle/>
-        <a:p>
-          <a:endParaRPr kumimoji="1" lang="ja-JP" altLang="en-US"/>
-        </a:p>
-      </dgm:t>
-    </dgm:pt>
-    <dgm:pt modelId="{58623869-1718-4A1E-9D4D-60BC199432FE}" type="sibTrans" cxnId="{900E5402-13DC-400F-9667-0DAA4D89AE93}">
-      <dgm:prSet/>
-      <dgm:spPr/>
-      <dgm:t>
-        <a:bodyPr/>
-        <a:lstStyle/>
-        <a:p>
-          <a:endParaRPr kumimoji="1" lang="ja-JP" altLang="en-US"/>
-        </a:p>
-      </dgm:t>
-    </dgm:pt>
-    <dgm:pt modelId="{14D62377-B36C-4328-824C-8A9BF9A09358}">
-      <dgm:prSet phldrT="[テキスト]" custT="1"/>
-      <dgm:spPr/>
-      <dgm:t>
-        <a:bodyPr/>
-        <a:lstStyle/>
-        <a:p>
-          <a:r>
-            <a:rPr kumimoji="1" lang="ja-JP" altLang="en-US" sz="3200" dirty="0"/>
-            <a:t>定期的に</a:t>
-          </a:r>
-          <a:endParaRPr kumimoji="1" lang="en-US" altLang="ja-JP" sz="3200" dirty="0"/>
-        </a:p>
-        <a:p>
-          <a:r>
-            <a:rPr kumimoji="1" lang="ja-JP" altLang="en-US" sz="3200" dirty="0"/>
-            <a:t>計画を共有</a:t>
-          </a:r>
-        </a:p>
-      </dgm:t>
-    </dgm:pt>
-    <dgm:pt modelId="{F0F7B6D6-B8E1-4833-A89F-7564B3AFBA83}" type="parTrans" cxnId="{E4776CC3-3724-4DAB-824B-C540DBB882D6}">
-      <dgm:prSet/>
-      <dgm:spPr/>
-      <dgm:t>
-        <a:bodyPr/>
-        <a:lstStyle/>
-        <a:p>
-          <a:endParaRPr kumimoji="1" lang="ja-JP" altLang="en-US"/>
-        </a:p>
-      </dgm:t>
-    </dgm:pt>
-    <dgm:pt modelId="{054B48CC-DBDD-4897-852B-6CB07506EE7B}" type="sibTrans" cxnId="{E4776CC3-3724-4DAB-824B-C540DBB882D6}">
-      <dgm:prSet/>
-      <dgm:spPr/>
-      <dgm:t>
-        <a:bodyPr/>
-        <a:lstStyle/>
-        <a:p>
-          <a:endParaRPr kumimoji="1" lang="ja-JP" altLang="en-US"/>
-        </a:p>
-      </dgm:t>
-    </dgm:pt>
-    <dgm:pt modelId="{08D0A694-6565-40A3-B80D-1705B80658C9}">
-      <dgm:prSet phldrT="[テキスト]" custT="1"/>
-      <dgm:spPr/>
-      <dgm:t>
-        <a:bodyPr/>
-        <a:lstStyle/>
-        <a:p>
-          <a:r>
-            <a:rPr kumimoji="1" lang="ja-JP" altLang="en-US" sz="3600" dirty="0"/>
-            <a:t>ガントチャート</a:t>
-          </a:r>
-        </a:p>
-      </dgm:t>
-    </dgm:pt>
-    <dgm:pt modelId="{80327025-E750-4306-9D44-E6A2A228499C}" type="parTrans" cxnId="{AAB9529C-DFD6-4715-8042-1F38FA1B409A}">
-      <dgm:prSet/>
-      <dgm:spPr/>
-      <dgm:t>
-        <a:bodyPr/>
-        <a:lstStyle/>
-        <a:p>
-          <a:endParaRPr kumimoji="1" lang="ja-JP" altLang="en-US"/>
-        </a:p>
-      </dgm:t>
-    </dgm:pt>
-    <dgm:pt modelId="{F7C02921-AFB8-445C-805D-8F3C17D1D707}" type="sibTrans" cxnId="{AAB9529C-DFD6-4715-8042-1F38FA1B409A}">
-      <dgm:prSet/>
-      <dgm:spPr/>
-      <dgm:t>
-        <a:bodyPr/>
-        <a:lstStyle/>
-        <a:p>
-          <a:endParaRPr kumimoji="1" lang="ja-JP" altLang="en-US"/>
-        </a:p>
-      </dgm:t>
-    </dgm:pt>
-    <dgm:pt modelId="{498F78C7-2A90-4FDE-BBEA-43E87CC0520D}" type="pres">
-      <dgm:prSet presAssocID="{9F78C567-BCE2-41DB-ABDF-4AEC2197CD56}" presName="theList" presStyleCnt="0">
-        <dgm:presLayoutVars>
-          <dgm:dir/>
-          <dgm:animLvl val="lvl"/>
-          <dgm:resizeHandles val="exact"/>
-        </dgm:presLayoutVars>
-      </dgm:prSet>
-      <dgm:spPr/>
-    </dgm:pt>
-    <dgm:pt modelId="{CBD97C12-39E5-4E3A-BC5C-8238C32AA6AC}" type="pres">
-      <dgm:prSet presAssocID="{E7EA4920-E64D-4D37-8798-09BC3425A7DB}" presName="compNode" presStyleCnt="0"/>
-      <dgm:spPr/>
-    </dgm:pt>
-    <dgm:pt modelId="{8966C0E1-BEF1-4581-8083-0C0A0E2A2102}" type="pres">
-      <dgm:prSet presAssocID="{E7EA4920-E64D-4D37-8798-09BC3425A7DB}" presName="aNode" presStyleLbl="bgShp" presStyleIdx="0" presStyleCnt="2" custLinFactNeighborX="-104" custLinFactNeighborY="1232"/>
-      <dgm:spPr/>
-    </dgm:pt>
-    <dgm:pt modelId="{F41CD986-1DFE-4501-9E63-7A800E3AD8CF}" type="pres">
-      <dgm:prSet presAssocID="{E7EA4920-E64D-4D37-8798-09BC3425A7DB}" presName="textNode" presStyleLbl="bgShp" presStyleIdx="0" presStyleCnt="2"/>
-      <dgm:spPr/>
-    </dgm:pt>
-    <dgm:pt modelId="{156096FD-C05B-44C5-9BFF-0E6577B8D3A3}" type="pres">
-      <dgm:prSet presAssocID="{E7EA4920-E64D-4D37-8798-09BC3425A7DB}" presName="compChildNode" presStyleCnt="0"/>
-      <dgm:spPr/>
-    </dgm:pt>
-    <dgm:pt modelId="{51B186E4-1235-4E76-A442-F5A23A9E00CA}" type="pres">
-      <dgm:prSet presAssocID="{E7EA4920-E64D-4D37-8798-09BC3425A7DB}" presName="theInnerList" presStyleCnt="0"/>
-      <dgm:spPr/>
-    </dgm:pt>
-    <dgm:pt modelId="{B5219155-1C22-466D-9958-9F397720202F}" type="pres">
-      <dgm:prSet presAssocID="{BC44AE9F-4967-4D64-BE3A-A7019920D341}" presName="childNode" presStyleLbl="node1" presStyleIdx="0" presStyleCnt="4">
-        <dgm:presLayoutVars>
-          <dgm:bulletEnabled val="1"/>
-        </dgm:presLayoutVars>
-      </dgm:prSet>
-      <dgm:spPr/>
-    </dgm:pt>
-    <dgm:pt modelId="{235788F9-D957-4CEE-AD79-95629D4F6221}" type="pres">
-      <dgm:prSet presAssocID="{BC44AE9F-4967-4D64-BE3A-A7019920D341}" presName="aSpace2" presStyleCnt="0"/>
-      <dgm:spPr/>
-    </dgm:pt>
-    <dgm:pt modelId="{F90E6B65-C1C1-4086-AF1C-9C00F4D2713E}" type="pres">
-      <dgm:prSet presAssocID="{00B748C7-4752-4D4D-9997-741FE92EDEFF}" presName="childNode" presStyleLbl="node1" presStyleIdx="1" presStyleCnt="4">
-        <dgm:presLayoutVars>
-          <dgm:bulletEnabled val="1"/>
-        </dgm:presLayoutVars>
-      </dgm:prSet>
-      <dgm:spPr/>
-    </dgm:pt>
-    <dgm:pt modelId="{F7947E52-5FC2-4800-83BA-D12A1C50F069}" type="pres">
-      <dgm:prSet presAssocID="{E7EA4920-E64D-4D37-8798-09BC3425A7DB}" presName="aSpace" presStyleCnt="0"/>
-      <dgm:spPr/>
-    </dgm:pt>
-    <dgm:pt modelId="{9D4CB6FD-8BEB-4A8A-BA6B-015A9271D3DC}" type="pres">
-      <dgm:prSet presAssocID="{C3B3520A-696D-4D01-80C7-6E8AFF68474C}" presName="compNode" presStyleCnt="0"/>
-      <dgm:spPr/>
-    </dgm:pt>
-    <dgm:pt modelId="{CA2DD95B-EAF6-4EAD-9793-38810E35345D}" type="pres">
-      <dgm:prSet presAssocID="{C3B3520A-696D-4D01-80C7-6E8AFF68474C}" presName="aNode" presStyleLbl="bgShp" presStyleIdx="1" presStyleCnt="2"/>
-      <dgm:spPr/>
-    </dgm:pt>
-    <dgm:pt modelId="{6AAD2D7A-8FFC-481E-AB20-69809440C627}" type="pres">
-      <dgm:prSet presAssocID="{C3B3520A-696D-4D01-80C7-6E8AFF68474C}" presName="textNode" presStyleLbl="bgShp" presStyleIdx="1" presStyleCnt="2"/>
-      <dgm:spPr/>
-    </dgm:pt>
-    <dgm:pt modelId="{8BACCD32-C5C1-4038-95DE-A8F30C09788E}" type="pres">
-      <dgm:prSet presAssocID="{C3B3520A-696D-4D01-80C7-6E8AFF68474C}" presName="compChildNode" presStyleCnt="0"/>
-      <dgm:spPr/>
-    </dgm:pt>
-    <dgm:pt modelId="{DF00CF78-FB97-4CEE-A166-7B8CBD315EA0}" type="pres">
-      <dgm:prSet presAssocID="{C3B3520A-696D-4D01-80C7-6E8AFF68474C}" presName="theInnerList" presStyleCnt="0"/>
-      <dgm:spPr/>
-    </dgm:pt>
-    <dgm:pt modelId="{55DBE154-AAF1-4EA2-9608-4149D1C67436}" type="pres">
-      <dgm:prSet presAssocID="{08D0A694-6565-40A3-B80D-1705B80658C9}" presName="childNode" presStyleLbl="node1" presStyleIdx="2" presStyleCnt="4">
-        <dgm:presLayoutVars>
-          <dgm:bulletEnabled val="1"/>
-        </dgm:presLayoutVars>
-      </dgm:prSet>
-      <dgm:spPr/>
-    </dgm:pt>
-    <dgm:pt modelId="{5391CEBA-D5CA-4F59-817D-59C4ECA2D6A8}" type="pres">
-      <dgm:prSet presAssocID="{08D0A694-6565-40A3-B80D-1705B80658C9}" presName="aSpace2" presStyleCnt="0"/>
-      <dgm:spPr/>
-    </dgm:pt>
-    <dgm:pt modelId="{D675C266-1D76-4082-92DE-60A2105C3DAA}" type="pres">
-      <dgm:prSet presAssocID="{14D62377-B36C-4328-824C-8A9BF9A09358}" presName="childNode" presStyleLbl="node1" presStyleIdx="3" presStyleCnt="4">
-        <dgm:presLayoutVars>
-          <dgm:bulletEnabled val="1"/>
-        </dgm:presLayoutVars>
-      </dgm:prSet>
-      <dgm:spPr/>
-    </dgm:pt>
-  </dgm:ptLst>
-  <dgm:cxnLst>
-    <dgm:cxn modelId="{900E5402-13DC-400F-9667-0DAA4D89AE93}" srcId="{9F78C567-BCE2-41DB-ABDF-4AEC2197CD56}" destId="{C3B3520A-696D-4D01-80C7-6E8AFF68474C}" srcOrd="1" destOrd="0" parTransId="{5A4F75C8-464E-48A1-AE14-DBEE7B1DB200}" sibTransId="{58623869-1718-4A1E-9D4D-60BC199432FE}"/>
-    <dgm:cxn modelId="{85399E15-7C32-4206-9679-D6A0BF009785}" type="presOf" srcId="{E7EA4920-E64D-4D37-8798-09BC3425A7DB}" destId="{8966C0E1-BEF1-4581-8083-0C0A0E2A2102}" srcOrd="0" destOrd="0" presId="urn:microsoft.com/office/officeart/2005/8/layout/lProcess2"/>
-    <dgm:cxn modelId="{39FDB239-FF94-4D79-AC7D-EC3E0A972D89}" type="presOf" srcId="{00B748C7-4752-4D4D-9997-741FE92EDEFF}" destId="{F90E6B65-C1C1-4086-AF1C-9C00F4D2713E}" srcOrd="0" destOrd="0" presId="urn:microsoft.com/office/officeart/2005/8/layout/lProcess2"/>
-    <dgm:cxn modelId="{D9C66C5B-5181-4665-89DD-6FEA14CB521D}" type="presOf" srcId="{08D0A694-6565-40A3-B80D-1705B80658C9}" destId="{55DBE154-AAF1-4EA2-9608-4149D1C67436}" srcOrd="0" destOrd="0" presId="urn:microsoft.com/office/officeart/2005/8/layout/lProcess2"/>
-    <dgm:cxn modelId="{0D06FD69-FBCD-4F5C-80FB-00428ABBDCD2}" srcId="{E7EA4920-E64D-4D37-8798-09BC3425A7DB}" destId="{BC44AE9F-4967-4D64-BE3A-A7019920D341}" srcOrd="0" destOrd="0" parTransId="{10A91339-45BA-4E12-B6D6-CBBF393901BA}" sibTransId="{8A6B373E-5F09-4CB7-AB31-047A32F96523}"/>
-    <dgm:cxn modelId="{99BB4854-7CAE-47D6-B1A3-0141E073F79D}" type="presOf" srcId="{14D62377-B36C-4328-824C-8A9BF9A09358}" destId="{D675C266-1D76-4082-92DE-60A2105C3DAA}" srcOrd="0" destOrd="0" presId="urn:microsoft.com/office/officeart/2005/8/layout/lProcess2"/>
-    <dgm:cxn modelId="{41709757-75E1-4751-B51A-E33981A8EDFB}" type="presOf" srcId="{9F78C567-BCE2-41DB-ABDF-4AEC2197CD56}" destId="{498F78C7-2A90-4FDE-BBEA-43E87CC0520D}" srcOrd="0" destOrd="0" presId="urn:microsoft.com/office/officeart/2005/8/layout/lProcess2"/>
-    <dgm:cxn modelId="{1785577A-4502-491C-B3DA-A8A3F2E9EF6A}" type="presOf" srcId="{C3B3520A-696D-4D01-80C7-6E8AFF68474C}" destId="{CA2DD95B-EAF6-4EAD-9793-38810E35345D}" srcOrd="0" destOrd="0" presId="urn:microsoft.com/office/officeart/2005/8/layout/lProcess2"/>
-    <dgm:cxn modelId="{56895D99-4DD6-47F5-B664-E9E3996B4B86}" type="presOf" srcId="{BC44AE9F-4967-4D64-BE3A-A7019920D341}" destId="{B5219155-1C22-466D-9958-9F397720202F}" srcOrd="0" destOrd="0" presId="urn:microsoft.com/office/officeart/2005/8/layout/lProcess2"/>
-    <dgm:cxn modelId="{AAB9529C-DFD6-4715-8042-1F38FA1B409A}" srcId="{C3B3520A-696D-4D01-80C7-6E8AFF68474C}" destId="{08D0A694-6565-40A3-B80D-1705B80658C9}" srcOrd="0" destOrd="0" parTransId="{80327025-E750-4306-9D44-E6A2A228499C}" sibTransId="{F7C02921-AFB8-445C-805D-8F3C17D1D707}"/>
-    <dgm:cxn modelId="{FEC2CEB2-B9C7-48FA-8AFE-46B77235B9E0}" type="presOf" srcId="{E7EA4920-E64D-4D37-8798-09BC3425A7DB}" destId="{F41CD986-1DFE-4501-9E63-7A800E3AD8CF}" srcOrd="1" destOrd="0" presId="urn:microsoft.com/office/officeart/2005/8/layout/lProcess2"/>
-    <dgm:cxn modelId="{E4776CC3-3724-4DAB-824B-C540DBB882D6}" srcId="{C3B3520A-696D-4D01-80C7-6E8AFF68474C}" destId="{14D62377-B36C-4328-824C-8A9BF9A09358}" srcOrd="1" destOrd="0" parTransId="{F0F7B6D6-B8E1-4833-A89F-7564B3AFBA83}" sibTransId="{054B48CC-DBDD-4897-852B-6CB07506EE7B}"/>
-    <dgm:cxn modelId="{9CE130D6-0465-4CC2-BE59-E72AB5868375}" srcId="{E7EA4920-E64D-4D37-8798-09BC3425A7DB}" destId="{00B748C7-4752-4D4D-9997-741FE92EDEFF}" srcOrd="1" destOrd="0" parTransId="{1A40A8AD-A23A-4F6F-8406-41AC6EA13722}" sibTransId="{EC96C523-61EF-400D-941C-6E05F611D179}"/>
-    <dgm:cxn modelId="{B41824D7-92E8-431F-9844-C2D382112F51}" type="presOf" srcId="{C3B3520A-696D-4D01-80C7-6E8AFF68474C}" destId="{6AAD2D7A-8FFC-481E-AB20-69809440C627}" srcOrd="1" destOrd="0" presId="urn:microsoft.com/office/officeart/2005/8/layout/lProcess2"/>
-    <dgm:cxn modelId="{87D922F3-26DD-4BF2-ABF0-704062D02AC3}" srcId="{9F78C567-BCE2-41DB-ABDF-4AEC2197CD56}" destId="{E7EA4920-E64D-4D37-8798-09BC3425A7DB}" srcOrd="0" destOrd="0" parTransId="{A6306E6C-C6EB-4276-AF5B-6E1FD27D3D7B}" sibTransId="{16CEA045-C9C8-4A12-947F-7AB5929DD82F}"/>
-    <dgm:cxn modelId="{4500186F-19E1-4532-91E3-21D729D5C9FC}" type="presParOf" srcId="{498F78C7-2A90-4FDE-BBEA-43E87CC0520D}" destId="{CBD97C12-39E5-4E3A-BC5C-8238C32AA6AC}" srcOrd="0" destOrd="0" presId="urn:microsoft.com/office/officeart/2005/8/layout/lProcess2"/>
-    <dgm:cxn modelId="{77295F91-2ED0-4424-8574-B384774B56D7}" type="presParOf" srcId="{CBD97C12-39E5-4E3A-BC5C-8238C32AA6AC}" destId="{8966C0E1-BEF1-4581-8083-0C0A0E2A2102}" srcOrd="0" destOrd="0" presId="urn:microsoft.com/office/officeart/2005/8/layout/lProcess2"/>
-    <dgm:cxn modelId="{66B985E4-D5EA-49A5-A0DA-653220A70621}" type="presParOf" srcId="{CBD97C12-39E5-4E3A-BC5C-8238C32AA6AC}" destId="{F41CD986-1DFE-4501-9E63-7A800E3AD8CF}" srcOrd="1" destOrd="0" presId="urn:microsoft.com/office/officeart/2005/8/layout/lProcess2"/>
-    <dgm:cxn modelId="{98ECE57F-723C-4136-B038-9BE7AB2FFE6B}" type="presParOf" srcId="{CBD97C12-39E5-4E3A-BC5C-8238C32AA6AC}" destId="{156096FD-C05B-44C5-9BFF-0E6577B8D3A3}" srcOrd="2" destOrd="0" presId="urn:microsoft.com/office/officeart/2005/8/layout/lProcess2"/>
-    <dgm:cxn modelId="{BD65B493-7D06-4D11-964C-5F25368C0BC9}" type="presParOf" srcId="{156096FD-C05B-44C5-9BFF-0E6577B8D3A3}" destId="{51B186E4-1235-4E76-A442-F5A23A9E00CA}" srcOrd="0" destOrd="0" presId="urn:microsoft.com/office/officeart/2005/8/layout/lProcess2"/>
-    <dgm:cxn modelId="{44714ED2-6BC4-4FDB-B86B-1C554B8632C6}" type="presParOf" srcId="{51B186E4-1235-4E76-A442-F5A23A9E00CA}" destId="{B5219155-1C22-466D-9958-9F397720202F}" srcOrd="0" destOrd="0" presId="urn:microsoft.com/office/officeart/2005/8/layout/lProcess2"/>
-    <dgm:cxn modelId="{6CCF653D-9EF3-4C57-BDD2-B62D6F95BF7A}" type="presParOf" srcId="{51B186E4-1235-4E76-A442-F5A23A9E00CA}" destId="{235788F9-D957-4CEE-AD79-95629D4F6221}" srcOrd="1" destOrd="0" presId="urn:microsoft.com/office/officeart/2005/8/layout/lProcess2"/>
-    <dgm:cxn modelId="{76A41EC6-80E6-4847-927E-06DA31B28B7A}" type="presParOf" srcId="{51B186E4-1235-4E76-A442-F5A23A9E00CA}" destId="{F90E6B65-C1C1-4086-AF1C-9C00F4D2713E}" srcOrd="2" destOrd="0" presId="urn:microsoft.com/office/officeart/2005/8/layout/lProcess2"/>
-    <dgm:cxn modelId="{BEF28E2F-0958-41AE-9052-A212FFFC3FFF}" type="presParOf" srcId="{498F78C7-2A90-4FDE-BBEA-43E87CC0520D}" destId="{F7947E52-5FC2-4800-83BA-D12A1C50F069}" srcOrd="1" destOrd="0" presId="urn:microsoft.com/office/officeart/2005/8/layout/lProcess2"/>
-    <dgm:cxn modelId="{23622EA0-81AD-41CD-89C1-B807DE5A658F}" type="presParOf" srcId="{498F78C7-2A90-4FDE-BBEA-43E87CC0520D}" destId="{9D4CB6FD-8BEB-4A8A-BA6B-015A9271D3DC}" srcOrd="2" destOrd="0" presId="urn:microsoft.com/office/officeart/2005/8/layout/lProcess2"/>
-    <dgm:cxn modelId="{AF3FD648-360B-4E1F-B8D0-3FC6CB80D78B}" type="presParOf" srcId="{9D4CB6FD-8BEB-4A8A-BA6B-015A9271D3DC}" destId="{CA2DD95B-EAF6-4EAD-9793-38810E35345D}" srcOrd="0" destOrd="0" presId="urn:microsoft.com/office/officeart/2005/8/layout/lProcess2"/>
-    <dgm:cxn modelId="{7E6BF008-9B41-47E9-BCF6-F39FB248EC47}" type="presParOf" srcId="{9D4CB6FD-8BEB-4A8A-BA6B-015A9271D3DC}" destId="{6AAD2D7A-8FFC-481E-AB20-69809440C627}" srcOrd="1" destOrd="0" presId="urn:microsoft.com/office/officeart/2005/8/layout/lProcess2"/>
-    <dgm:cxn modelId="{9CE4E453-0A24-4BB9-8D82-B43D0663814A}" type="presParOf" srcId="{9D4CB6FD-8BEB-4A8A-BA6B-015A9271D3DC}" destId="{8BACCD32-C5C1-4038-95DE-A8F30C09788E}" srcOrd="2" destOrd="0" presId="urn:microsoft.com/office/officeart/2005/8/layout/lProcess2"/>
-    <dgm:cxn modelId="{EE4C6BDB-FC72-4AC3-949E-86AEF8B682D4}" type="presParOf" srcId="{8BACCD32-C5C1-4038-95DE-A8F30C09788E}" destId="{DF00CF78-FB97-4CEE-A166-7B8CBD315EA0}" srcOrd="0" destOrd="0" presId="urn:microsoft.com/office/officeart/2005/8/layout/lProcess2"/>
-    <dgm:cxn modelId="{9D2529AE-1A80-4F1F-AAFC-B78D857DF5B9}" type="presParOf" srcId="{DF00CF78-FB97-4CEE-A166-7B8CBD315EA0}" destId="{55DBE154-AAF1-4EA2-9608-4149D1C67436}" srcOrd="0" destOrd="0" presId="urn:microsoft.com/office/officeart/2005/8/layout/lProcess2"/>
-    <dgm:cxn modelId="{C781F183-88F8-4722-BB2F-7D882643EECB}" type="presParOf" srcId="{DF00CF78-FB97-4CEE-A166-7B8CBD315EA0}" destId="{5391CEBA-D5CA-4F59-817D-59C4ECA2D6A8}" srcOrd="1" destOrd="0" presId="urn:microsoft.com/office/officeart/2005/8/layout/lProcess2"/>
-    <dgm:cxn modelId="{D49321AE-A445-4EC4-8391-D5E89D0AD8F4}" type="presParOf" srcId="{DF00CF78-FB97-4CEE-A166-7B8CBD315EA0}" destId="{D675C266-1D76-4082-92DE-60A2105C3DAA}" srcOrd="2" destOrd="0" presId="urn:microsoft.com/office/officeart/2005/8/layout/lProcess2"/>
-  </dgm:cxnLst>
-  <dgm:bg/>
-  <dgm:whole/>
-  <dgm:extLst>
-    <a:ext uri="http://schemas.microsoft.com/office/drawing/2008/diagram">
-      <dsp:dataModelExt xmlns:dsp="http://schemas.microsoft.com/office/drawing/2008/diagram" relId="rId7" minVer="http://schemas.openxmlformats.org/drawingml/2006/diagram"/>
-    </a:ext>
-  </dgm:extLst>
-</dgm:dataModel>
-</file>
-
 <file path=ppt/diagrams/drawing1.xml><?xml version="1.0" encoding="utf-8"?>
 <dsp:drawing xmlns:dgm="http://schemas.openxmlformats.org/drawingml/2006/diagram" xmlns:dsp="http://schemas.microsoft.com/office/drawing/2008/diagram" xmlns:a="http://schemas.openxmlformats.org/drawingml/2006/main">
   <dsp:spTree>
@@ -2624,613 +1461,6 @@
       <dsp:txXfrm>
         <a:off x="2909887" y="3617118"/>
         <a:ext cx="2400299" cy="2200274"/>
-      </dsp:txXfrm>
-    </dsp:sp>
-  </dsp:spTree>
-</dsp:drawing>
-</file>
-
-<file path=ppt/diagrams/drawing2.xml><?xml version="1.0" encoding="utf-8"?>
-<dsp:drawing xmlns:dgm="http://schemas.openxmlformats.org/drawingml/2006/diagram" xmlns:dsp="http://schemas.microsoft.com/office/drawing/2008/diagram" xmlns:a="http://schemas.openxmlformats.org/drawingml/2006/main">
-  <dsp:spTree>
-    <dsp:nvGrpSpPr>
-      <dsp:cNvPr id="0" name=""/>
-      <dsp:cNvGrpSpPr/>
-    </dsp:nvGrpSpPr>
-    <dsp:grpSpPr/>
-    <dsp:sp modelId="{8966C0E1-BEF1-4581-8083-0C0A0E2A2102}">
-      <dsp:nvSpPr>
-        <dsp:cNvPr id="0" name=""/>
-        <dsp:cNvSpPr/>
-      </dsp:nvSpPr>
-      <dsp:spPr>
-        <a:xfrm>
-          <a:off x="0" y="0"/>
-          <a:ext cx="5062686" cy="4835731"/>
-        </a:xfrm>
-        <a:prstGeom prst="roundRect">
-          <a:avLst>
-            <a:gd name="adj" fmla="val 10000"/>
-          </a:avLst>
-        </a:prstGeom>
-        <a:solidFill>
-          <a:schemeClr val="accent5">
-            <a:tint val="40000"/>
-            <a:hueOff val="0"/>
-            <a:satOff val="0"/>
-            <a:lumOff val="0"/>
-            <a:alphaOff val="0"/>
-          </a:schemeClr>
-        </a:solidFill>
-        <a:ln>
-          <a:noFill/>
-        </a:ln>
-        <a:effectLst/>
-      </dsp:spPr>
-      <dsp:style>
-        <a:lnRef idx="0">
-          <a:scrgbClr r="0" g="0" b="0"/>
-        </a:lnRef>
-        <a:fillRef idx="1">
-          <a:scrgbClr r="0" g="0" b="0"/>
-        </a:fillRef>
-        <a:effectRef idx="1">
-          <a:scrgbClr r="0" g="0" b="0"/>
-        </a:effectRef>
-        <a:fontRef idx="minor"/>
-      </dsp:style>
-      <dsp:txBody>
-        <a:bodyPr spcFirstLastPara="0" vert="horz" wrap="square" lIns="167640" tIns="167640" rIns="167640" bIns="167640" numCol="1" spcCol="1270" anchor="ctr" anchorCtr="0">
-          <a:noAutofit/>
-        </a:bodyPr>
-        <a:lstStyle/>
-        <a:p>
-          <a:pPr marL="0" lvl="0" indent="0" algn="ctr" defTabSz="1955800">
-            <a:lnSpc>
-              <a:spcPct val="90000"/>
-            </a:lnSpc>
-            <a:spcBef>
-              <a:spcPct val="0"/>
-            </a:spcBef>
-            <a:spcAft>
-              <a:spcPct val="35000"/>
-            </a:spcAft>
-            <a:buNone/>
-          </a:pPr>
-          <a:r>
-            <a:rPr kumimoji="1" lang="ja-JP" altLang="en-US" sz="4400" b="1" kern="1200" dirty="0"/>
-            <a:t>教えあい</a:t>
-          </a:r>
-        </a:p>
-      </dsp:txBody>
-      <dsp:txXfrm>
-        <a:off x="0" y="0"/>
-        <a:ext cx="5062686" cy="1450719"/>
-      </dsp:txXfrm>
-    </dsp:sp>
-    <dsp:sp modelId="{B5219155-1C22-466D-9958-9F397720202F}">
-      <dsp:nvSpPr>
-        <dsp:cNvPr id="0" name=""/>
-        <dsp:cNvSpPr/>
-      </dsp:nvSpPr>
-      <dsp:spPr>
-        <a:xfrm>
-          <a:off x="511531" y="1452136"/>
-          <a:ext cx="4050149" cy="1458039"/>
-        </a:xfrm>
-        <a:prstGeom prst="roundRect">
-          <a:avLst>
-            <a:gd name="adj" fmla="val 10000"/>
-          </a:avLst>
-        </a:prstGeom>
-        <a:gradFill rotWithShape="0">
-          <a:gsLst>
-            <a:gs pos="0">
-              <a:schemeClr val="accent5">
-                <a:hueOff val="0"/>
-                <a:satOff val="0"/>
-                <a:lumOff val="0"/>
-                <a:alphaOff val="0"/>
-                <a:lumMod val="110000"/>
-                <a:satMod val="105000"/>
-                <a:tint val="67000"/>
-              </a:schemeClr>
-            </a:gs>
-            <a:gs pos="50000">
-              <a:schemeClr val="accent5">
-                <a:hueOff val="0"/>
-                <a:satOff val="0"/>
-                <a:lumOff val="0"/>
-                <a:alphaOff val="0"/>
-                <a:lumMod val="105000"/>
-                <a:satMod val="103000"/>
-                <a:tint val="73000"/>
-              </a:schemeClr>
-            </a:gs>
-            <a:gs pos="100000">
-              <a:schemeClr val="accent5">
-                <a:hueOff val="0"/>
-                <a:satOff val="0"/>
-                <a:lumOff val="0"/>
-                <a:alphaOff val="0"/>
-                <a:lumMod val="105000"/>
-                <a:satMod val="109000"/>
-                <a:tint val="81000"/>
-              </a:schemeClr>
-            </a:gs>
-          </a:gsLst>
-          <a:lin ang="5400000" scaled="0"/>
-        </a:gradFill>
-        <a:ln>
-          <a:noFill/>
-        </a:ln>
-        <a:effectLst/>
-        <a:scene3d>
-          <a:camera prst="orthographicFront"/>
-          <a:lightRig rig="flat" dir="t"/>
-        </a:scene3d>
-        <a:sp3d prstMaterial="dkEdge">
-          <a:bevelT w="8200" h="38100"/>
-        </a:sp3d>
-      </dsp:spPr>
-      <dsp:style>
-        <a:lnRef idx="0">
-          <a:scrgbClr r="0" g="0" b="0"/>
-        </a:lnRef>
-        <a:fillRef idx="2">
-          <a:scrgbClr r="0" g="0" b="0"/>
-        </a:fillRef>
-        <a:effectRef idx="1">
-          <a:scrgbClr r="0" g="0" b="0"/>
-        </a:effectRef>
-        <a:fontRef idx="minor">
-          <a:schemeClr val="dk1"/>
-        </a:fontRef>
-      </dsp:style>
-      <dsp:txBody>
-        <a:bodyPr spcFirstLastPara="0" vert="horz" wrap="square" lIns="91440" tIns="68580" rIns="91440" bIns="68580" numCol="1" spcCol="1270" anchor="ctr" anchorCtr="0">
-          <a:noAutofit/>
-        </a:bodyPr>
-        <a:lstStyle/>
-        <a:p>
-          <a:pPr marL="0" lvl="0" indent="0" algn="ctr" defTabSz="1600200">
-            <a:lnSpc>
-              <a:spcPct val="90000"/>
-            </a:lnSpc>
-            <a:spcBef>
-              <a:spcPct val="0"/>
-            </a:spcBef>
-            <a:spcAft>
-              <a:spcPct val="35000"/>
-            </a:spcAft>
-            <a:buNone/>
-          </a:pPr>
-          <a:r>
-            <a:rPr kumimoji="1" lang="ja-JP" altLang="en-US" sz="3600" kern="1200" dirty="0"/>
-            <a:t>分かれて</a:t>
-          </a:r>
-          <a:r>
-            <a:rPr kumimoji="1" lang="ja-JP" altLang="en-US" sz="3600" b="0" kern="1200" dirty="0"/>
-            <a:t>作業</a:t>
-          </a:r>
-        </a:p>
-      </dsp:txBody>
-      <dsp:txXfrm>
-        <a:off x="554236" y="1494841"/>
-        <a:ext cx="3964739" cy="1372629"/>
-      </dsp:txXfrm>
-    </dsp:sp>
-    <dsp:sp modelId="{F90E6B65-C1C1-4086-AF1C-9C00F4D2713E}">
-      <dsp:nvSpPr>
-        <dsp:cNvPr id="0" name=""/>
-        <dsp:cNvSpPr/>
-      </dsp:nvSpPr>
-      <dsp:spPr>
-        <a:xfrm>
-          <a:off x="511531" y="3134488"/>
-          <a:ext cx="4050149" cy="1458039"/>
-        </a:xfrm>
-        <a:prstGeom prst="roundRect">
-          <a:avLst>
-            <a:gd name="adj" fmla="val 10000"/>
-          </a:avLst>
-        </a:prstGeom>
-        <a:gradFill rotWithShape="0">
-          <a:gsLst>
-            <a:gs pos="0">
-              <a:schemeClr val="accent5">
-                <a:hueOff val="-2252848"/>
-                <a:satOff val="-5806"/>
-                <a:lumOff val="-3922"/>
-                <a:alphaOff val="0"/>
-                <a:lumMod val="110000"/>
-                <a:satMod val="105000"/>
-                <a:tint val="67000"/>
-              </a:schemeClr>
-            </a:gs>
-            <a:gs pos="50000">
-              <a:schemeClr val="accent5">
-                <a:hueOff val="-2252848"/>
-                <a:satOff val="-5806"/>
-                <a:lumOff val="-3922"/>
-                <a:alphaOff val="0"/>
-                <a:lumMod val="105000"/>
-                <a:satMod val="103000"/>
-                <a:tint val="73000"/>
-              </a:schemeClr>
-            </a:gs>
-            <a:gs pos="100000">
-              <a:schemeClr val="accent5">
-                <a:hueOff val="-2252848"/>
-                <a:satOff val="-5806"/>
-                <a:lumOff val="-3922"/>
-                <a:alphaOff val="0"/>
-                <a:lumMod val="105000"/>
-                <a:satMod val="109000"/>
-                <a:tint val="81000"/>
-              </a:schemeClr>
-            </a:gs>
-          </a:gsLst>
-          <a:lin ang="5400000" scaled="0"/>
-        </a:gradFill>
-        <a:ln>
-          <a:noFill/>
-        </a:ln>
-        <a:effectLst/>
-        <a:scene3d>
-          <a:camera prst="orthographicFront"/>
-          <a:lightRig rig="flat" dir="t"/>
-        </a:scene3d>
-        <a:sp3d prstMaterial="dkEdge">
-          <a:bevelT w="8200" h="38100"/>
-        </a:sp3d>
-      </dsp:spPr>
-      <dsp:style>
-        <a:lnRef idx="0">
-          <a:scrgbClr r="0" g="0" b="0"/>
-        </a:lnRef>
-        <a:fillRef idx="2">
-          <a:scrgbClr r="0" g="0" b="0"/>
-        </a:fillRef>
-        <a:effectRef idx="1">
-          <a:scrgbClr r="0" g="0" b="0"/>
-        </a:effectRef>
-        <a:fontRef idx="minor">
-          <a:schemeClr val="dk1"/>
-        </a:fontRef>
-      </dsp:style>
-      <dsp:txBody>
-        <a:bodyPr spcFirstLastPara="0" vert="horz" wrap="square" lIns="91440" tIns="68580" rIns="91440" bIns="68580" numCol="1" spcCol="1270" anchor="ctr" anchorCtr="0">
-          <a:noAutofit/>
-        </a:bodyPr>
-        <a:lstStyle/>
-        <a:p>
-          <a:pPr marL="0" lvl="0" indent="0" algn="ctr" defTabSz="1600200">
-            <a:lnSpc>
-              <a:spcPct val="90000"/>
-            </a:lnSpc>
-            <a:spcBef>
-              <a:spcPct val="0"/>
-            </a:spcBef>
-            <a:spcAft>
-              <a:spcPct val="35000"/>
-            </a:spcAft>
-            <a:buNone/>
-          </a:pPr>
-          <a:r>
-            <a:rPr kumimoji="1" lang="ja-JP" altLang="en-US" sz="3600" kern="1200" dirty="0"/>
-            <a:t>疑問点を共有</a:t>
-          </a:r>
-        </a:p>
-      </dsp:txBody>
-      <dsp:txXfrm>
-        <a:off x="554236" y="3177193"/>
-        <a:ext cx="3964739" cy="1372629"/>
-      </dsp:txXfrm>
-    </dsp:sp>
-    <dsp:sp modelId="{CA2DD95B-EAF6-4EAD-9793-38810E35345D}">
-      <dsp:nvSpPr>
-        <dsp:cNvPr id="0" name=""/>
-        <dsp:cNvSpPr/>
-      </dsp:nvSpPr>
-      <dsp:spPr>
-        <a:xfrm>
-          <a:off x="5447650" y="0"/>
-          <a:ext cx="5062686" cy="4835731"/>
-        </a:xfrm>
-        <a:prstGeom prst="roundRect">
-          <a:avLst>
-            <a:gd name="adj" fmla="val 10000"/>
-          </a:avLst>
-        </a:prstGeom>
-        <a:solidFill>
-          <a:schemeClr val="accent5">
-            <a:tint val="40000"/>
-            <a:hueOff val="0"/>
-            <a:satOff val="0"/>
-            <a:lumOff val="0"/>
-            <a:alphaOff val="0"/>
-          </a:schemeClr>
-        </a:solidFill>
-        <a:ln>
-          <a:noFill/>
-        </a:ln>
-        <a:effectLst/>
-      </dsp:spPr>
-      <dsp:style>
-        <a:lnRef idx="0">
-          <a:scrgbClr r="0" g="0" b="0"/>
-        </a:lnRef>
-        <a:fillRef idx="1">
-          <a:scrgbClr r="0" g="0" b="0"/>
-        </a:fillRef>
-        <a:effectRef idx="1">
-          <a:scrgbClr r="0" g="0" b="0"/>
-        </a:effectRef>
-        <a:fontRef idx="minor"/>
-      </dsp:style>
-      <dsp:txBody>
-        <a:bodyPr spcFirstLastPara="0" vert="horz" wrap="square" lIns="167640" tIns="167640" rIns="167640" bIns="167640" numCol="1" spcCol="1270" anchor="ctr" anchorCtr="0">
-          <a:noAutofit/>
-        </a:bodyPr>
-        <a:lstStyle/>
-        <a:p>
-          <a:pPr marL="0" lvl="0" indent="0" algn="ctr" defTabSz="1955800">
-            <a:lnSpc>
-              <a:spcPct val="90000"/>
-            </a:lnSpc>
-            <a:spcBef>
-              <a:spcPct val="0"/>
-            </a:spcBef>
-            <a:spcAft>
-              <a:spcPct val="35000"/>
-            </a:spcAft>
-            <a:buNone/>
-          </a:pPr>
-          <a:r>
-            <a:rPr kumimoji="1" lang="ja-JP" altLang="en-US" sz="4400" b="1" kern="1200" dirty="0"/>
-            <a:t>進捗管理</a:t>
-          </a:r>
-        </a:p>
-      </dsp:txBody>
-      <dsp:txXfrm>
-        <a:off x="5447650" y="0"/>
-        <a:ext cx="5062686" cy="1450719"/>
-      </dsp:txXfrm>
-    </dsp:sp>
-    <dsp:sp modelId="{55DBE154-AAF1-4EA2-9608-4149D1C67436}">
-      <dsp:nvSpPr>
-        <dsp:cNvPr id="0" name=""/>
-        <dsp:cNvSpPr/>
-      </dsp:nvSpPr>
-      <dsp:spPr>
-        <a:xfrm>
-          <a:off x="5953919" y="1452136"/>
-          <a:ext cx="4050149" cy="1458039"/>
-        </a:xfrm>
-        <a:prstGeom prst="roundRect">
-          <a:avLst>
-            <a:gd name="adj" fmla="val 10000"/>
-          </a:avLst>
-        </a:prstGeom>
-        <a:gradFill rotWithShape="0">
-          <a:gsLst>
-            <a:gs pos="0">
-              <a:schemeClr val="accent5">
-                <a:hueOff val="-4505695"/>
-                <a:satOff val="-11613"/>
-                <a:lumOff val="-7843"/>
-                <a:alphaOff val="0"/>
-                <a:lumMod val="110000"/>
-                <a:satMod val="105000"/>
-                <a:tint val="67000"/>
-              </a:schemeClr>
-            </a:gs>
-            <a:gs pos="50000">
-              <a:schemeClr val="accent5">
-                <a:hueOff val="-4505695"/>
-                <a:satOff val="-11613"/>
-                <a:lumOff val="-7843"/>
-                <a:alphaOff val="0"/>
-                <a:lumMod val="105000"/>
-                <a:satMod val="103000"/>
-                <a:tint val="73000"/>
-              </a:schemeClr>
-            </a:gs>
-            <a:gs pos="100000">
-              <a:schemeClr val="accent5">
-                <a:hueOff val="-4505695"/>
-                <a:satOff val="-11613"/>
-                <a:lumOff val="-7843"/>
-                <a:alphaOff val="0"/>
-                <a:lumMod val="105000"/>
-                <a:satMod val="109000"/>
-                <a:tint val="81000"/>
-              </a:schemeClr>
-            </a:gs>
-          </a:gsLst>
-          <a:lin ang="5400000" scaled="0"/>
-        </a:gradFill>
-        <a:ln>
-          <a:noFill/>
-        </a:ln>
-        <a:effectLst/>
-        <a:scene3d>
-          <a:camera prst="orthographicFront"/>
-          <a:lightRig rig="flat" dir="t"/>
-        </a:scene3d>
-        <a:sp3d prstMaterial="dkEdge">
-          <a:bevelT w="8200" h="38100"/>
-        </a:sp3d>
-      </dsp:spPr>
-      <dsp:style>
-        <a:lnRef idx="0">
-          <a:scrgbClr r="0" g="0" b="0"/>
-        </a:lnRef>
-        <a:fillRef idx="2">
-          <a:scrgbClr r="0" g="0" b="0"/>
-        </a:fillRef>
-        <a:effectRef idx="1">
-          <a:scrgbClr r="0" g="0" b="0"/>
-        </a:effectRef>
-        <a:fontRef idx="minor">
-          <a:schemeClr val="dk1"/>
-        </a:fontRef>
-      </dsp:style>
-      <dsp:txBody>
-        <a:bodyPr spcFirstLastPara="0" vert="horz" wrap="square" lIns="91440" tIns="68580" rIns="91440" bIns="68580" numCol="1" spcCol="1270" anchor="ctr" anchorCtr="0">
-          <a:noAutofit/>
-        </a:bodyPr>
-        <a:lstStyle/>
-        <a:p>
-          <a:pPr marL="0" lvl="0" indent="0" algn="ctr" defTabSz="1600200">
-            <a:lnSpc>
-              <a:spcPct val="90000"/>
-            </a:lnSpc>
-            <a:spcBef>
-              <a:spcPct val="0"/>
-            </a:spcBef>
-            <a:spcAft>
-              <a:spcPct val="35000"/>
-            </a:spcAft>
-            <a:buNone/>
-          </a:pPr>
-          <a:r>
-            <a:rPr kumimoji="1" lang="ja-JP" altLang="en-US" sz="3600" kern="1200" dirty="0"/>
-            <a:t>ガントチャート</a:t>
-          </a:r>
-        </a:p>
-      </dsp:txBody>
-      <dsp:txXfrm>
-        <a:off x="5996624" y="1494841"/>
-        <a:ext cx="3964739" cy="1372629"/>
-      </dsp:txXfrm>
-    </dsp:sp>
-    <dsp:sp modelId="{D675C266-1D76-4082-92DE-60A2105C3DAA}">
-      <dsp:nvSpPr>
-        <dsp:cNvPr id="0" name=""/>
-        <dsp:cNvSpPr/>
-      </dsp:nvSpPr>
-      <dsp:spPr>
-        <a:xfrm>
-          <a:off x="5953919" y="3134488"/>
-          <a:ext cx="4050149" cy="1458039"/>
-        </a:xfrm>
-        <a:prstGeom prst="roundRect">
-          <a:avLst>
-            <a:gd name="adj" fmla="val 10000"/>
-          </a:avLst>
-        </a:prstGeom>
-        <a:gradFill rotWithShape="0">
-          <a:gsLst>
-            <a:gs pos="0">
-              <a:schemeClr val="accent5">
-                <a:hueOff val="-6758543"/>
-                <a:satOff val="-17419"/>
-                <a:lumOff val="-11765"/>
-                <a:alphaOff val="0"/>
-                <a:lumMod val="110000"/>
-                <a:satMod val="105000"/>
-                <a:tint val="67000"/>
-              </a:schemeClr>
-            </a:gs>
-            <a:gs pos="50000">
-              <a:schemeClr val="accent5">
-                <a:hueOff val="-6758543"/>
-                <a:satOff val="-17419"/>
-                <a:lumOff val="-11765"/>
-                <a:alphaOff val="0"/>
-                <a:lumMod val="105000"/>
-                <a:satMod val="103000"/>
-                <a:tint val="73000"/>
-              </a:schemeClr>
-            </a:gs>
-            <a:gs pos="100000">
-              <a:schemeClr val="accent5">
-                <a:hueOff val="-6758543"/>
-                <a:satOff val="-17419"/>
-                <a:lumOff val="-11765"/>
-                <a:alphaOff val="0"/>
-                <a:lumMod val="105000"/>
-                <a:satMod val="109000"/>
-                <a:tint val="81000"/>
-              </a:schemeClr>
-            </a:gs>
-          </a:gsLst>
-          <a:lin ang="5400000" scaled="0"/>
-        </a:gradFill>
-        <a:ln>
-          <a:noFill/>
-        </a:ln>
-        <a:effectLst/>
-        <a:scene3d>
-          <a:camera prst="orthographicFront"/>
-          <a:lightRig rig="flat" dir="t"/>
-        </a:scene3d>
-        <a:sp3d prstMaterial="dkEdge">
-          <a:bevelT w="8200" h="38100"/>
-        </a:sp3d>
-      </dsp:spPr>
-      <dsp:style>
-        <a:lnRef idx="0">
-          <a:scrgbClr r="0" g="0" b="0"/>
-        </a:lnRef>
-        <a:fillRef idx="2">
-          <a:scrgbClr r="0" g="0" b="0"/>
-        </a:fillRef>
-        <a:effectRef idx="1">
-          <a:scrgbClr r="0" g="0" b="0"/>
-        </a:effectRef>
-        <a:fontRef idx="minor">
-          <a:schemeClr val="dk1"/>
-        </a:fontRef>
-      </dsp:style>
-      <dsp:txBody>
-        <a:bodyPr spcFirstLastPara="0" vert="horz" wrap="square" lIns="81280" tIns="60960" rIns="81280" bIns="60960" numCol="1" spcCol="1270" anchor="ctr" anchorCtr="0">
-          <a:noAutofit/>
-        </a:bodyPr>
-        <a:lstStyle/>
-        <a:p>
-          <a:pPr marL="0" lvl="0" indent="0" algn="ctr" defTabSz="1422400">
-            <a:lnSpc>
-              <a:spcPct val="90000"/>
-            </a:lnSpc>
-            <a:spcBef>
-              <a:spcPct val="0"/>
-            </a:spcBef>
-            <a:spcAft>
-              <a:spcPct val="35000"/>
-            </a:spcAft>
-            <a:buNone/>
-          </a:pPr>
-          <a:r>
-            <a:rPr kumimoji="1" lang="ja-JP" altLang="en-US" sz="3200" kern="1200" dirty="0"/>
-            <a:t>定期的に</a:t>
-          </a:r>
-          <a:endParaRPr kumimoji="1" lang="en-US" altLang="ja-JP" sz="3200" kern="1200" dirty="0"/>
-        </a:p>
-        <a:p>
-          <a:pPr marL="0" lvl="0" indent="0" algn="ctr" defTabSz="1422400">
-            <a:lnSpc>
-              <a:spcPct val="90000"/>
-            </a:lnSpc>
-            <a:spcBef>
-              <a:spcPct val="0"/>
-            </a:spcBef>
-            <a:spcAft>
-              <a:spcPct val="35000"/>
-            </a:spcAft>
-            <a:buNone/>
-          </a:pPr>
-          <a:r>
-            <a:rPr kumimoji="1" lang="ja-JP" altLang="en-US" sz="3200" kern="1200" dirty="0"/>
-            <a:t>計画を共有</a:t>
-          </a:r>
-        </a:p>
-      </dsp:txBody>
-      <dsp:txXfrm>
-        <a:off x="5996624" y="3177193"/>
-        <a:ext cx="3964739" cy="1372629"/>
       </dsp:txXfrm>
     </dsp:sp>
   </dsp:spTree>
@@ -4107,233 +2337,6 @@
           <dgm:rule type="primFontSz" val="5" fact="NaN" max="NaN"/>
         </dgm:ruleLst>
       </dgm:layoutNode>
-    </dgm:forEach>
-  </dgm:layoutNode>
-</dgm:layoutDef>
-</file>
-
-<file path=ppt/diagrams/layout2.xml><?xml version="1.0" encoding="utf-8"?>
-<dgm:layoutDef xmlns:dgm="http://schemas.openxmlformats.org/drawingml/2006/diagram" xmlns:a="http://schemas.openxmlformats.org/drawingml/2006/main" uniqueId="urn:microsoft.com/office/officeart/2005/8/layout/lProcess2">
-  <dgm:title val=""/>
-  <dgm:desc val=""/>
-  <dgm:catLst>
-    <dgm:cat type="list" pri="10000"/>
-    <dgm:cat type="relationship" pri="13000"/>
-  </dgm:catLst>
-  <dgm:sampData>
-    <dgm:dataModel>
-      <dgm:ptLst>
-        <dgm:pt modelId="0" type="doc"/>
-        <dgm:pt modelId="1">
-          <dgm:prSet phldr="1"/>
-        </dgm:pt>
-        <dgm:pt modelId="11">
-          <dgm:prSet phldr="1"/>
-        </dgm:pt>
-        <dgm:pt modelId="12">
-          <dgm:prSet phldr="1"/>
-        </dgm:pt>
-        <dgm:pt modelId="2">
-          <dgm:prSet phldr="1"/>
-        </dgm:pt>
-        <dgm:pt modelId="21">
-          <dgm:prSet phldr="1"/>
-        </dgm:pt>
-        <dgm:pt modelId="22">
-          <dgm:prSet phldr="1"/>
-        </dgm:pt>
-        <dgm:pt modelId="3">
-          <dgm:prSet phldr="1"/>
-        </dgm:pt>
-        <dgm:pt modelId="31">
-          <dgm:prSet phldr="1"/>
-        </dgm:pt>
-        <dgm:pt modelId="32">
-          <dgm:prSet phldr="1"/>
-        </dgm:pt>
-      </dgm:ptLst>
-      <dgm:cxnLst>
-        <dgm:cxn modelId="4" srcId="0" destId="1" srcOrd="0" destOrd="0"/>
-        <dgm:cxn modelId="5" srcId="0" destId="2" srcOrd="1" destOrd="0"/>
-        <dgm:cxn modelId="13" srcId="1" destId="11" srcOrd="0" destOrd="0"/>
-        <dgm:cxn modelId="14" srcId="1" destId="12" srcOrd="0" destOrd="0"/>
-        <dgm:cxn modelId="23" srcId="2" destId="21" srcOrd="0" destOrd="0"/>
-        <dgm:cxn modelId="24" srcId="2" destId="22" srcOrd="0" destOrd="0"/>
-        <dgm:cxn modelId="33" srcId="3" destId="31" srcOrd="0" destOrd="0"/>
-        <dgm:cxn modelId="34" srcId="3" destId="32" srcOrd="0" destOrd="0"/>
-      </dgm:cxnLst>
-      <dgm:bg/>
-      <dgm:whole/>
-    </dgm:dataModel>
-  </dgm:sampData>
-  <dgm:styleData useDef="1">
-    <dgm:dataModel>
-      <dgm:ptLst/>
-      <dgm:bg/>
-      <dgm:whole/>
-    </dgm:dataModel>
-  </dgm:styleData>
-  <dgm:clrData useDef="1">
-    <dgm:dataModel>
-      <dgm:ptLst/>
-      <dgm:bg/>
-      <dgm:whole/>
-    </dgm:dataModel>
-  </dgm:clrData>
-  <dgm:layoutNode name="theList">
-    <dgm:varLst>
-      <dgm:dir/>
-      <dgm:animLvl val="lvl"/>
-      <dgm:resizeHandles val="exact"/>
-    </dgm:varLst>
-    <dgm:choose name="Name0">
-      <dgm:if name="Name1" func="var" arg="dir" op="equ" val="norm">
-        <dgm:alg type="lin"/>
-      </dgm:if>
-      <dgm:else name="Name2">
-        <dgm:alg type="lin">
-          <dgm:param type="linDir" val="fromR"/>
-        </dgm:alg>
-      </dgm:else>
-    </dgm:choose>
-    <dgm:shape xmlns:r="http://schemas.openxmlformats.org/officeDocument/2006/relationships" r:blip="">
-      <dgm:adjLst/>
-    </dgm:shape>
-    <dgm:presOf/>
-    <dgm:constrLst>
-      <dgm:constr type="w" for="ch" forName="compNode" refType="w"/>
-      <dgm:constr type="h" for="ch" forName="compNode" refType="h"/>
-      <dgm:constr type="w" for="ch" forName="aSpace" refType="w" fact="0.075"/>
-      <dgm:constr type="h" for="des" forName="aSpace2" refType="h" fact="0.1"/>
-      <dgm:constr type="primFontSz" for="des" forName="textNode" op="equ"/>
-      <dgm:constr type="primFontSz" for="des" forName="childNode" op="equ"/>
-    </dgm:constrLst>
-    <dgm:ruleLst/>
-    <dgm:forEach name="aNodeForEach" axis="ch" ptType="node">
-      <dgm:layoutNode name="compNode">
-        <dgm:alg type="composite"/>
-        <dgm:shape xmlns:r="http://schemas.openxmlformats.org/officeDocument/2006/relationships" r:blip="">
-          <dgm:adjLst/>
-        </dgm:shape>
-        <dgm:presOf/>
-        <dgm:constrLst>
-          <dgm:constr type="w" for="ch" forName="aNode" refType="w"/>
-          <dgm:constr type="h" for="ch" forName="aNode" refType="h"/>
-          <dgm:constr type="w" for="ch" forName="textNode" refType="w"/>
-          <dgm:constr type="h" for="ch" forName="textNode" refType="h" fact="0.3"/>
-          <dgm:constr type="ctrX" for="ch" forName="textNode" refType="w" fact="0.5"/>
-          <dgm:constr type="w" for="ch" forName="compChildNode" refType="w" fact="0.8"/>
-          <dgm:constr type="h" for="ch" forName="compChildNode" refType="h" fact="0.65"/>
-          <dgm:constr type="t" for="ch" forName="compChildNode" refType="h" fact="0.3"/>
-          <dgm:constr type="ctrX" for="ch" forName="compChildNode" refType="w" fact="0.5"/>
-        </dgm:constrLst>
-        <dgm:ruleLst/>
-        <dgm:layoutNode name="aNode" styleLbl="bgShp">
-          <dgm:alg type="sp"/>
-          <dgm:shape xmlns:r="http://schemas.openxmlformats.org/officeDocument/2006/relationships" type="roundRect" r:blip="">
-            <dgm:adjLst>
-              <dgm:adj idx="1" val="0.1"/>
-            </dgm:adjLst>
-          </dgm:shape>
-          <dgm:presOf axis="self"/>
-          <dgm:constrLst/>
-          <dgm:ruleLst/>
-        </dgm:layoutNode>
-        <dgm:layoutNode name="textNode" styleLbl="bgShp">
-          <dgm:alg type="tx"/>
-          <dgm:shape xmlns:r="http://schemas.openxmlformats.org/officeDocument/2006/relationships" type="rect" r:blip="" hideGeom="1">
-            <dgm:adjLst>
-              <dgm:adj idx="1" val="0.1"/>
-            </dgm:adjLst>
-          </dgm:shape>
-          <dgm:presOf axis="self"/>
-          <dgm:constrLst>
-            <dgm:constr type="primFontSz" val="65"/>
-            <dgm:constr type="lMarg" refType="primFontSz" fact="0.3"/>
-            <dgm:constr type="rMarg" refType="primFontSz" fact="0.3"/>
-            <dgm:constr type="tMarg" refType="primFontSz" fact="0.3"/>
-            <dgm:constr type="bMarg" refType="primFontSz" fact="0.3"/>
-          </dgm:constrLst>
-          <dgm:ruleLst>
-            <dgm:rule type="primFontSz" val="5" fact="NaN" max="NaN"/>
-          </dgm:ruleLst>
-        </dgm:layoutNode>
-        <dgm:layoutNode name="compChildNode">
-          <dgm:alg type="composite"/>
-          <dgm:shape xmlns:r="http://schemas.openxmlformats.org/officeDocument/2006/relationships" r:blip="">
-            <dgm:adjLst/>
-          </dgm:shape>
-          <dgm:presOf/>
-          <dgm:constrLst>
-            <dgm:constr type="w" for="des" forName="childNode" refType="w"/>
-            <dgm:constr type="h" for="des" forName="childNode" refType="h"/>
-          </dgm:constrLst>
-          <dgm:ruleLst/>
-          <dgm:layoutNode name="theInnerList">
-            <dgm:alg type="lin">
-              <dgm:param type="linDir" val="fromT"/>
-            </dgm:alg>
-            <dgm:shape xmlns:r="http://schemas.openxmlformats.org/officeDocument/2006/relationships" r:blip="">
-              <dgm:adjLst/>
-            </dgm:shape>
-            <dgm:presOf/>
-            <dgm:constrLst/>
-            <dgm:ruleLst/>
-            <dgm:forEach name="childNodeForEach" axis="ch" ptType="node">
-              <dgm:layoutNode name="childNode" styleLbl="node1">
-                <dgm:varLst>
-                  <dgm:bulletEnabled val="1"/>
-                </dgm:varLst>
-                <dgm:alg type="tx"/>
-                <dgm:shape xmlns:r="http://schemas.openxmlformats.org/officeDocument/2006/relationships" type="roundRect" r:blip="">
-                  <dgm:adjLst>
-                    <dgm:adj idx="1" val="0.1"/>
-                  </dgm:adjLst>
-                </dgm:shape>
-                <dgm:presOf axis="desOrSelf" ptType="node"/>
-                <dgm:constrLst>
-                  <dgm:constr type="primFontSz" val="65"/>
-                  <dgm:constr type="tMarg" refType="primFontSz" fact="0.15"/>
-                  <dgm:constr type="bMarg" refType="primFontSz" fact="0.15"/>
-                  <dgm:constr type="lMarg" refType="primFontSz" fact="0.2"/>
-                  <dgm:constr type="rMarg" refType="primFontSz" fact="0.2"/>
-                </dgm:constrLst>
-                <dgm:ruleLst>
-                  <dgm:rule type="primFontSz" val="5" fact="NaN" max="NaN"/>
-                </dgm:ruleLst>
-              </dgm:layoutNode>
-              <dgm:choose name="Name3">
-                <dgm:if name="Name4" axis="self" ptType="node" func="revPos" op="equ" val="1"/>
-                <dgm:else name="Name5">
-                  <dgm:layoutNode name="aSpace2">
-                    <dgm:alg type="sp"/>
-                    <dgm:shape xmlns:r="http://schemas.openxmlformats.org/officeDocument/2006/relationships" r:blip="">
-                      <dgm:adjLst/>
-                    </dgm:shape>
-                    <dgm:presOf/>
-                    <dgm:constrLst/>
-                    <dgm:ruleLst/>
-                  </dgm:layoutNode>
-                </dgm:else>
-              </dgm:choose>
-            </dgm:forEach>
-          </dgm:layoutNode>
-        </dgm:layoutNode>
-      </dgm:layoutNode>
-      <dgm:choose name="Name6">
-        <dgm:if name="Name7" axis="self" ptType="node" func="revPos" op="equ" val="1"/>
-        <dgm:else name="Name8">
-          <dgm:layoutNode name="aSpace">
-            <dgm:alg type="sp"/>
-            <dgm:shape xmlns:r="http://schemas.openxmlformats.org/officeDocument/2006/relationships" r:blip="">
-              <dgm:adjLst/>
-            </dgm:shape>
-            <dgm:presOf/>
-            <dgm:constrLst/>
-            <dgm:ruleLst/>
-          </dgm:layoutNode>
-        </dgm:else>
-      </dgm:choose>
     </dgm:forEach>
   </dgm:layoutNode>
 </dgm:layoutDef>
@@ -5373,1066 +3376,6 @@
 </dgm:styleDef>
 </file>
 
-<file path=ppt/diagrams/quickStyle2.xml><?xml version="1.0" encoding="utf-8"?>
-<dgm:styleDef xmlns:dgm="http://schemas.openxmlformats.org/drawingml/2006/diagram" xmlns:a="http://schemas.openxmlformats.org/drawingml/2006/main" uniqueId="urn:microsoft.com/office/officeart/2005/8/quickstyle/simple3">
-  <dgm:title val=""/>
-  <dgm:desc val=""/>
-  <dgm:catLst>
-    <dgm:cat type="simple" pri="10300"/>
-  </dgm:catLst>
-  <dgm:scene3d>
-    <a:camera prst="orthographicFront"/>
-    <a:lightRig rig="threePt" dir="t"/>
-  </dgm:scene3d>
-  <dgm:styleLbl name="node0">
-    <dgm:scene3d>
-      <a:camera prst="orthographicFront"/>
-      <a:lightRig rig="flat" dir="t"/>
-    </dgm:scene3d>
-    <dgm:sp3d prstMaterial="dkEdge">
-      <a:bevelT w="8200" h="38100"/>
-    </dgm:sp3d>
-    <dgm:txPr/>
-    <dgm:style>
-      <a:lnRef idx="0">
-        <a:scrgbClr r="0" g="0" b="0"/>
-      </a:lnRef>
-      <a:fillRef idx="2">
-        <a:scrgbClr r="0" g="0" b="0"/>
-      </a:fillRef>
-      <a:effectRef idx="1">
-        <a:scrgbClr r="0" g="0" b="0"/>
-      </a:effectRef>
-      <a:fontRef idx="minor">
-        <a:schemeClr val="dk1"/>
-      </a:fontRef>
-    </dgm:style>
-  </dgm:styleLbl>
-  <dgm:styleLbl name="lnNode1">
-    <dgm:scene3d>
-      <a:camera prst="orthographicFront"/>
-      <a:lightRig rig="flat" dir="t"/>
-    </dgm:scene3d>
-    <dgm:sp3d prstMaterial="dkEdge">
-      <a:bevelT w="8200" h="38100"/>
-    </dgm:sp3d>
-    <dgm:txPr/>
-    <dgm:style>
-      <a:lnRef idx="1">
-        <a:scrgbClr r="0" g="0" b="0"/>
-      </a:lnRef>
-      <a:fillRef idx="2">
-        <a:scrgbClr r="0" g="0" b="0"/>
-      </a:fillRef>
-      <a:effectRef idx="0">
-        <a:scrgbClr r="0" g="0" b="0"/>
-      </a:effectRef>
-      <a:fontRef idx="minor">
-        <a:schemeClr val="dk1"/>
-      </a:fontRef>
-    </dgm:style>
-  </dgm:styleLbl>
-  <dgm:styleLbl name="vennNode1">
-    <dgm:scene3d>
-      <a:camera prst="orthographicFront"/>
-      <a:lightRig rig="flat" dir="t"/>
-    </dgm:scene3d>
-    <dgm:sp3d prstMaterial="dkEdge">
-      <a:bevelT w="8200" h="38100"/>
-    </dgm:sp3d>
-    <dgm:txPr/>
-    <dgm:style>
-      <a:lnRef idx="0">
-        <a:scrgbClr r="0" g="0" b="0"/>
-      </a:lnRef>
-      <a:fillRef idx="2">
-        <a:scrgbClr r="0" g="0" b="0"/>
-      </a:fillRef>
-      <a:effectRef idx="0">
-        <a:scrgbClr r="0" g="0" b="0"/>
-      </a:effectRef>
-      <a:fontRef idx="minor">
-        <a:schemeClr val="tx1"/>
-      </a:fontRef>
-    </dgm:style>
-  </dgm:styleLbl>
-  <dgm:styleLbl name="alignNode1">
-    <dgm:scene3d>
-      <a:camera prst="orthographicFront"/>
-      <a:lightRig rig="threePt" dir="t"/>
-    </dgm:scene3d>
-    <dgm:sp3d/>
-    <dgm:txPr/>
-    <dgm:style>
-      <a:lnRef idx="1">
-        <a:scrgbClr r="0" g="0" b="0"/>
-      </a:lnRef>
-      <a:fillRef idx="2">
-        <a:scrgbClr r="0" g="0" b="0"/>
-      </a:fillRef>
-      <a:effectRef idx="1">
-        <a:scrgbClr r="0" g="0" b="0"/>
-      </a:effectRef>
-      <a:fontRef idx="minor">
-        <a:schemeClr val="dk1"/>
-      </a:fontRef>
-    </dgm:style>
-  </dgm:styleLbl>
-  <dgm:styleLbl name="node1">
-    <dgm:scene3d>
-      <a:camera prst="orthographicFront"/>
-      <a:lightRig rig="flat" dir="t"/>
-    </dgm:scene3d>
-    <dgm:sp3d prstMaterial="dkEdge">
-      <a:bevelT w="8200" h="38100"/>
-    </dgm:sp3d>
-    <dgm:txPr/>
-    <dgm:style>
-      <a:lnRef idx="0">
-        <a:scrgbClr r="0" g="0" b="0"/>
-      </a:lnRef>
-      <a:fillRef idx="2">
-        <a:scrgbClr r="0" g="0" b="0"/>
-      </a:fillRef>
-      <a:effectRef idx="1">
-        <a:scrgbClr r="0" g="0" b="0"/>
-      </a:effectRef>
-      <a:fontRef idx="minor">
-        <a:schemeClr val="dk1"/>
-      </a:fontRef>
-    </dgm:style>
-  </dgm:styleLbl>
-  <dgm:styleLbl name="node2">
-    <dgm:scene3d>
-      <a:camera prst="orthographicFront"/>
-      <a:lightRig rig="flat" dir="t"/>
-    </dgm:scene3d>
-    <dgm:sp3d prstMaterial="dkEdge">
-      <a:bevelT w="8200" h="38100"/>
-    </dgm:sp3d>
-    <dgm:txPr/>
-    <dgm:style>
-      <a:lnRef idx="0">
-        <a:scrgbClr r="0" g="0" b="0"/>
-      </a:lnRef>
-      <a:fillRef idx="2">
-        <a:scrgbClr r="0" g="0" b="0"/>
-      </a:fillRef>
-      <a:effectRef idx="1">
-        <a:scrgbClr r="0" g="0" b="0"/>
-      </a:effectRef>
-      <a:fontRef idx="minor">
-        <a:schemeClr val="dk1"/>
-      </a:fontRef>
-    </dgm:style>
-  </dgm:styleLbl>
-  <dgm:styleLbl name="node3">
-    <dgm:scene3d>
-      <a:camera prst="orthographicFront"/>
-      <a:lightRig rig="flat" dir="t"/>
-    </dgm:scene3d>
-    <dgm:sp3d prstMaterial="dkEdge">
-      <a:bevelT w="8200" h="38100"/>
-    </dgm:sp3d>
-    <dgm:txPr/>
-    <dgm:style>
-      <a:lnRef idx="0">
-        <a:scrgbClr r="0" g="0" b="0"/>
-      </a:lnRef>
-      <a:fillRef idx="2">
-        <a:scrgbClr r="0" g="0" b="0"/>
-      </a:fillRef>
-      <a:effectRef idx="1">
-        <a:scrgbClr r="0" g="0" b="0"/>
-      </a:effectRef>
-      <a:fontRef idx="minor">
-        <a:schemeClr val="dk1"/>
-      </a:fontRef>
-    </dgm:style>
-  </dgm:styleLbl>
-  <dgm:styleLbl name="node4">
-    <dgm:scene3d>
-      <a:camera prst="orthographicFront"/>
-      <a:lightRig rig="flat" dir="t"/>
-    </dgm:scene3d>
-    <dgm:sp3d prstMaterial="dkEdge">
-      <a:bevelT w="8200" h="38100"/>
-    </dgm:sp3d>
-    <dgm:txPr/>
-    <dgm:style>
-      <a:lnRef idx="0">
-        <a:scrgbClr r="0" g="0" b="0"/>
-      </a:lnRef>
-      <a:fillRef idx="2">
-        <a:scrgbClr r="0" g="0" b="0"/>
-      </a:fillRef>
-      <a:effectRef idx="1">
-        <a:scrgbClr r="0" g="0" b="0"/>
-      </a:effectRef>
-      <a:fontRef idx="minor">
-        <a:schemeClr val="dk1"/>
-      </a:fontRef>
-    </dgm:style>
-  </dgm:styleLbl>
-  <dgm:styleLbl name="fgImgPlace1">
-    <dgm:scene3d>
-      <a:camera prst="orthographicFront"/>
-      <a:lightRig rig="threePt" dir="t"/>
-    </dgm:scene3d>
-    <dgm:sp3d/>
-    <dgm:txPr/>
-    <dgm:style>
-      <a:lnRef idx="1">
-        <a:scrgbClr r="0" g="0" b="0"/>
-      </a:lnRef>
-      <a:fillRef idx="1">
-        <a:scrgbClr r="0" g="0" b="0"/>
-      </a:fillRef>
-      <a:effectRef idx="1">
-        <a:scrgbClr r="0" g="0" b="0"/>
-      </a:effectRef>
-      <a:fontRef idx="minor"/>
-    </dgm:style>
-  </dgm:styleLbl>
-  <dgm:styleLbl name="alignImgPlace1">
-    <dgm:scene3d>
-      <a:camera prst="orthographicFront"/>
-      <a:lightRig rig="threePt" dir="t"/>
-    </dgm:scene3d>
-    <dgm:sp3d/>
-    <dgm:txPr/>
-    <dgm:style>
-      <a:lnRef idx="1">
-        <a:scrgbClr r="0" g="0" b="0"/>
-      </a:lnRef>
-      <a:fillRef idx="1">
-        <a:scrgbClr r="0" g="0" b="0"/>
-      </a:fillRef>
-      <a:effectRef idx="1">
-        <a:scrgbClr r="0" g="0" b="0"/>
-      </a:effectRef>
-      <a:fontRef idx="minor"/>
-    </dgm:style>
-  </dgm:styleLbl>
-  <dgm:styleLbl name="bgImgPlace1">
-    <dgm:scene3d>
-      <a:camera prst="orthographicFront"/>
-      <a:lightRig rig="threePt" dir="t"/>
-    </dgm:scene3d>
-    <dgm:sp3d/>
-    <dgm:txPr/>
-    <dgm:style>
-      <a:lnRef idx="1">
-        <a:scrgbClr r="0" g="0" b="0"/>
-      </a:lnRef>
-      <a:fillRef idx="1">
-        <a:scrgbClr r="0" g="0" b="0"/>
-      </a:fillRef>
-      <a:effectRef idx="1">
-        <a:scrgbClr r="0" g="0" b="0"/>
-      </a:effectRef>
-      <a:fontRef idx="minor"/>
-    </dgm:style>
-  </dgm:styleLbl>
-  <dgm:styleLbl name="sibTrans2D1">
-    <dgm:scene3d>
-      <a:camera prst="orthographicFront"/>
-      <a:lightRig rig="threePt" dir="t"/>
-    </dgm:scene3d>
-    <dgm:sp3d/>
-    <dgm:txPr/>
-    <dgm:style>
-      <a:lnRef idx="0">
-        <a:scrgbClr r="0" g="0" b="0"/>
-      </a:lnRef>
-      <a:fillRef idx="2">
-        <a:scrgbClr r="0" g="0" b="0"/>
-      </a:fillRef>
-      <a:effectRef idx="1">
-        <a:scrgbClr r="0" g="0" b="0"/>
-      </a:effectRef>
-      <a:fontRef idx="minor">
-        <a:schemeClr val="dk1"/>
-      </a:fontRef>
-    </dgm:style>
-  </dgm:styleLbl>
-  <dgm:styleLbl name="fgSibTrans2D1">
-    <dgm:scene3d>
-      <a:camera prst="orthographicFront"/>
-      <a:lightRig rig="threePt" dir="t"/>
-    </dgm:scene3d>
-    <dgm:sp3d/>
-    <dgm:txPr/>
-    <dgm:style>
-      <a:lnRef idx="0">
-        <a:scrgbClr r="0" g="0" b="0"/>
-      </a:lnRef>
-      <a:fillRef idx="2">
-        <a:scrgbClr r="0" g="0" b="0"/>
-      </a:fillRef>
-      <a:effectRef idx="1">
-        <a:scrgbClr r="0" g="0" b="0"/>
-      </a:effectRef>
-      <a:fontRef idx="minor">
-        <a:schemeClr val="dk1"/>
-      </a:fontRef>
-    </dgm:style>
-  </dgm:styleLbl>
-  <dgm:styleLbl name="bgSibTrans2D1">
-    <dgm:scene3d>
-      <a:camera prst="orthographicFront"/>
-      <a:lightRig rig="threePt" dir="t"/>
-    </dgm:scene3d>
-    <dgm:sp3d/>
-    <dgm:txPr/>
-    <dgm:style>
-      <a:lnRef idx="0">
-        <a:scrgbClr r="0" g="0" b="0"/>
-      </a:lnRef>
-      <a:fillRef idx="2">
-        <a:scrgbClr r="0" g="0" b="0"/>
-      </a:fillRef>
-      <a:effectRef idx="1">
-        <a:scrgbClr r="0" g="0" b="0"/>
-      </a:effectRef>
-      <a:fontRef idx="minor">
-        <a:schemeClr val="dk1"/>
-      </a:fontRef>
-    </dgm:style>
-  </dgm:styleLbl>
-  <dgm:styleLbl name="sibTrans1D1">
-    <dgm:scene3d>
-      <a:camera prst="orthographicFront"/>
-      <a:lightRig rig="threePt" dir="t"/>
-    </dgm:scene3d>
-    <dgm:sp3d/>
-    <dgm:txPr/>
-    <dgm:style>
-      <a:lnRef idx="1">
-        <a:scrgbClr r="0" g="0" b="0"/>
-      </a:lnRef>
-      <a:fillRef idx="0">
-        <a:scrgbClr r="0" g="0" b="0"/>
-      </a:fillRef>
-      <a:effectRef idx="0">
-        <a:scrgbClr r="0" g="0" b="0"/>
-      </a:effectRef>
-      <a:fontRef idx="minor"/>
-    </dgm:style>
-  </dgm:styleLbl>
-  <dgm:styleLbl name="callout">
-    <dgm:scene3d>
-      <a:camera prst="orthographicFront"/>
-      <a:lightRig rig="threePt" dir="t"/>
-    </dgm:scene3d>
-    <dgm:sp3d/>
-    <dgm:txPr/>
-    <dgm:style>
-      <a:lnRef idx="1">
-        <a:scrgbClr r="0" g="0" b="0"/>
-      </a:lnRef>
-      <a:fillRef idx="2">
-        <a:scrgbClr r="0" g="0" b="0"/>
-      </a:fillRef>
-      <a:effectRef idx="1">
-        <a:scrgbClr r="0" g="0" b="0"/>
-      </a:effectRef>
-      <a:fontRef idx="minor"/>
-    </dgm:style>
-  </dgm:styleLbl>
-  <dgm:styleLbl name="asst0">
-    <dgm:scene3d>
-      <a:camera prst="orthographicFront"/>
-      <a:lightRig rig="flat" dir="t"/>
-    </dgm:scene3d>
-    <dgm:sp3d prstMaterial="dkEdge">
-      <a:bevelT w="8200" h="38100"/>
-    </dgm:sp3d>
-    <dgm:txPr/>
-    <dgm:style>
-      <a:lnRef idx="0">
-        <a:scrgbClr r="0" g="0" b="0"/>
-      </a:lnRef>
-      <a:fillRef idx="2">
-        <a:scrgbClr r="0" g="0" b="0"/>
-      </a:fillRef>
-      <a:effectRef idx="1">
-        <a:scrgbClr r="0" g="0" b="0"/>
-      </a:effectRef>
-      <a:fontRef idx="minor">
-        <a:schemeClr val="dk1"/>
-      </a:fontRef>
-    </dgm:style>
-  </dgm:styleLbl>
-  <dgm:styleLbl name="asst1">
-    <dgm:scene3d>
-      <a:camera prst="orthographicFront"/>
-      <a:lightRig rig="flat" dir="t"/>
-    </dgm:scene3d>
-    <dgm:sp3d prstMaterial="dkEdge">
-      <a:bevelT w="8200" h="38100"/>
-    </dgm:sp3d>
-    <dgm:txPr/>
-    <dgm:style>
-      <a:lnRef idx="0">
-        <a:scrgbClr r="0" g="0" b="0"/>
-      </a:lnRef>
-      <a:fillRef idx="2">
-        <a:scrgbClr r="0" g="0" b="0"/>
-      </a:fillRef>
-      <a:effectRef idx="1">
-        <a:scrgbClr r="0" g="0" b="0"/>
-      </a:effectRef>
-      <a:fontRef idx="minor">
-        <a:schemeClr val="dk1"/>
-      </a:fontRef>
-    </dgm:style>
-  </dgm:styleLbl>
-  <dgm:styleLbl name="asst2">
-    <dgm:scene3d>
-      <a:camera prst="orthographicFront"/>
-      <a:lightRig rig="flat" dir="t"/>
-    </dgm:scene3d>
-    <dgm:sp3d prstMaterial="dkEdge">
-      <a:bevelT w="8200" h="38100"/>
-    </dgm:sp3d>
-    <dgm:txPr/>
-    <dgm:style>
-      <a:lnRef idx="0">
-        <a:scrgbClr r="0" g="0" b="0"/>
-      </a:lnRef>
-      <a:fillRef idx="2">
-        <a:scrgbClr r="0" g="0" b="0"/>
-      </a:fillRef>
-      <a:effectRef idx="1">
-        <a:scrgbClr r="0" g="0" b="0"/>
-      </a:effectRef>
-      <a:fontRef idx="minor">
-        <a:schemeClr val="dk1"/>
-      </a:fontRef>
-    </dgm:style>
-  </dgm:styleLbl>
-  <dgm:styleLbl name="asst3">
-    <dgm:scene3d>
-      <a:camera prst="orthographicFront"/>
-      <a:lightRig rig="flat" dir="t"/>
-    </dgm:scene3d>
-    <dgm:sp3d prstMaterial="dkEdge">
-      <a:bevelT w="8200" h="38100"/>
-    </dgm:sp3d>
-    <dgm:txPr/>
-    <dgm:style>
-      <a:lnRef idx="0">
-        <a:scrgbClr r="0" g="0" b="0"/>
-      </a:lnRef>
-      <a:fillRef idx="2">
-        <a:scrgbClr r="0" g="0" b="0"/>
-      </a:fillRef>
-      <a:effectRef idx="1">
-        <a:scrgbClr r="0" g="0" b="0"/>
-      </a:effectRef>
-      <a:fontRef idx="minor">
-        <a:schemeClr val="dk1"/>
-      </a:fontRef>
-    </dgm:style>
-  </dgm:styleLbl>
-  <dgm:styleLbl name="asst4">
-    <dgm:scene3d>
-      <a:camera prst="orthographicFront"/>
-      <a:lightRig rig="flat" dir="t"/>
-    </dgm:scene3d>
-    <dgm:sp3d prstMaterial="dkEdge">
-      <a:bevelT w="8200" h="38100"/>
-    </dgm:sp3d>
-    <dgm:txPr/>
-    <dgm:style>
-      <a:lnRef idx="0">
-        <a:scrgbClr r="0" g="0" b="0"/>
-      </a:lnRef>
-      <a:fillRef idx="2">
-        <a:scrgbClr r="0" g="0" b="0"/>
-      </a:fillRef>
-      <a:effectRef idx="1">
-        <a:scrgbClr r="0" g="0" b="0"/>
-      </a:effectRef>
-      <a:fontRef idx="minor">
-        <a:schemeClr val="dk1"/>
-      </a:fontRef>
-    </dgm:style>
-  </dgm:styleLbl>
-  <dgm:styleLbl name="parChTrans2D1">
-    <dgm:scene3d>
-      <a:camera prst="orthographicFront"/>
-      <a:lightRig rig="threePt" dir="t"/>
-    </dgm:scene3d>
-    <dgm:sp3d/>
-    <dgm:txPr/>
-    <dgm:style>
-      <a:lnRef idx="1">
-        <a:scrgbClr r="0" g="0" b="0"/>
-      </a:lnRef>
-      <a:fillRef idx="2">
-        <a:scrgbClr r="0" g="0" b="0"/>
-      </a:fillRef>
-      <a:effectRef idx="1">
-        <a:scrgbClr r="0" g="0" b="0"/>
-      </a:effectRef>
-      <a:fontRef idx="minor">
-        <a:schemeClr val="dk1"/>
-      </a:fontRef>
-    </dgm:style>
-  </dgm:styleLbl>
-  <dgm:styleLbl name="parChTrans2D2">
-    <dgm:scene3d>
-      <a:camera prst="orthographicFront"/>
-      <a:lightRig rig="threePt" dir="t"/>
-    </dgm:scene3d>
-    <dgm:sp3d/>
-    <dgm:txPr/>
-    <dgm:style>
-      <a:lnRef idx="1">
-        <a:scrgbClr r="0" g="0" b="0"/>
-      </a:lnRef>
-      <a:fillRef idx="2">
-        <a:scrgbClr r="0" g="0" b="0"/>
-      </a:fillRef>
-      <a:effectRef idx="1">
-        <a:scrgbClr r="0" g="0" b="0"/>
-      </a:effectRef>
-      <a:fontRef idx="minor">
-        <a:schemeClr val="dk1"/>
-      </a:fontRef>
-    </dgm:style>
-  </dgm:styleLbl>
-  <dgm:styleLbl name="parChTrans2D3">
-    <dgm:scene3d>
-      <a:camera prst="orthographicFront"/>
-      <a:lightRig rig="threePt" dir="t"/>
-    </dgm:scene3d>
-    <dgm:sp3d/>
-    <dgm:txPr/>
-    <dgm:style>
-      <a:lnRef idx="1">
-        <a:scrgbClr r="0" g="0" b="0"/>
-      </a:lnRef>
-      <a:fillRef idx="2">
-        <a:scrgbClr r="0" g="0" b="0"/>
-      </a:fillRef>
-      <a:effectRef idx="1">
-        <a:scrgbClr r="0" g="0" b="0"/>
-      </a:effectRef>
-      <a:fontRef idx="minor">
-        <a:schemeClr val="dk1"/>
-      </a:fontRef>
-    </dgm:style>
-  </dgm:styleLbl>
-  <dgm:styleLbl name="parChTrans2D4">
-    <dgm:scene3d>
-      <a:camera prst="orthographicFront"/>
-      <a:lightRig rig="threePt" dir="t"/>
-    </dgm:scene3d>
-    <dgm:sp3d/>
-    <dgm:txPr/>
-    <dgm:style>
-      <a:lnRef idx="1">
-        <a:scrgbClr r="0" g="0" b="0"/>
-      </a:lnRef>
-      <a:fillRef idx="2">
-        <a:scrgbClr r="0" g="0" b="0"/>
-      </a:fillRef>
-      <a:effectRef idx="1">
-        <a:scrgbClr r="0" g="0" b="0"/>
-      </a:effectRef>
-      <a:fontRef idx="minor">
-        <a:schemeClr val="dk1"/>
-      </a:fontRef>
-    </dgm:style>
-  </dgm:styleLbl>
-  <dgm:styleLbl name="parChTrans1D1">
-    <dgm:scene3d>
-      <a:camera prst="orthographicFront"/>
-      <a:lightRig rig="threePt" dir="t"/>
-    </dgm:scene3d>
-    <dgm:sp3d/>
-    <dgm:txPr/>
-    <dgm:style>
-      <a:lnRef idx="2">
-        <a:scrgbClr r="0" g="0" b="0"/>
-      </a:lnRef>
-      <a:fillRef idx="0">
-        <a:scrgbClr r="0" g="0" b="0"/>
-      </a:fillRef>
-      <a:effectRef idx="0">
-        <a:scrgbClr r="0" g="0" b="0"/>
-      </a:effectRef>
-      <a:fontRef idx="minor"/>
-    </dgm:style>
-  </dgm:styleLbl>
-  <dgm:styleLbl name="parChTrans1D2">
-    <dgm:scene3d>
-      <a:camera prst="orthographicFront"/>
-      <a:lightRig rig="threePt" dir="t"/>
-    </dgm:scene3d>
-    <dgm:sp3d/>
-    <dgm:txPr/>
-    <dgm:style>
-      <a:lnRef idx="2">
-        <a:scrgbClr r="0" g="0" b="0"/>
-      </a:lnRef>
-      <a:fillRef idx="0">
-        <a:scrgbClr r="0" g="0" b="0"/>
-      </a:fillRef>
-      <a:effectRef idx="0">
-        <a:scrgbClr r="0" g="0" b="0"/>
-      </a:effectRef>
-      <a:fontRef idx="minor"/>
-    </dgm:style>
-  </dgm:styleLbl>
-  <dgm:styleLbl name="parChTrans1D3">
-    <dgm:scene3d>
-      <a:camera prst="orthographicFront"/>
-      <a:lightRig rig="threePt" dir="t"/>
-    </dgm:scene3d>
-    <dgm:sp3d/>
-    <dgm:txPr/>
-    <dgm:style>
-      <a:lnRef idx="2">
-        <a:scrgbClr r="0" g="0" b="0"/>
-      </a:lnRef>
-      <a:fillRef idx="0">
-        <a:scrgbClr r="0" g="0" b="0"/>
-      </a:fillRef>
-      <a:effectRef idx="0">
-        <a:scrgbClr r="0" g="0" b="0"/>
-      </a:effectRef>
-      <a:fontRef idx="minor"/>
-    </dgm:style>
-  </dgm:styleLbl>
-  <dgm:styleLbl name="parChTrans1D4">
-    <dgm:scene3d>
-      <a:camera prst="orthographicFront"/>
-      <a:lightRig rig="threePt" dir="t"/>
-    </dgm:scene3d>
-    <dgm:sp3d/>
-    <dgm:txPr/>
-    <dgm:style>
-      <a:lnRef idx="2">
-        <a:scrgbClr r="0" g="0" b="0"/>
-      </a:lnRef>
-      <a:fillRef idx="0">
-        <a:scrgbClr r="0" g="0" b="0"/>
-      </a:fillRef>
-      <a:effectRef idx="0">
-        <a:scrgbClr r="0" g="0" b="0"/>
-      </a:effectRef>
-      <a:fontRef idx="minor"/>
-    </dgm:style>
-  </dgm:styleLbl>
-  <dgm:styleLbl name="fgAcc1">
-    <dgm:scene3d>
-      <a:camera prst="orthographicFront"/>
-      <a:lightRig rig="threePt" dir="t"/>
-    </dgm:scene3d>
-    <dgm:sp3d/>
-    <dgm:txPr/>
-    <dgm:style>
-      <a:lnRef idx="1">
-        <a:scrgbClr r="0" g="0" b="0"/>
-      </a:lnRef>
-      <a:fillRef idx="1">
-        <a:scrgbClr r="0" g="0" b="0"/>
-      </a:fillRef>
-      <a:effectRef idx="0">
-        <a:scrgbClr r="0" g="0" b="0"/>
-      </a:effectRef>
-      <a:fontRef idx="minor"/>
-    </dgm:style>
-  </dgm:styleLbl>
-  <dgm:styleLbl name="conFgAcc1">
-    <dgm:scene3d>
-      <a:camera prst="orthographicFront"/>
-      <a:lightRig rig="threePt" dir="t"/>
-    </dgm:scene3d>
-    <dgm:sp3d/>
-    <dgm:txPr/>
-    <dgm:style>
-      <a:lnRef idx="1">
-        <a:scrgbClr r="0" g="0" b="0"/>
-      </a:lnRef>
-      <a:fillRef idx="1">
-        <a:scrgbClr r="0" g="0" b="0"/>
-      </a:fillRef>
-      <a:effectRef idx="0">
-        <a:scrgbClr r="0" g="0" b="0"/>
-      </a:effectRef>
-      <a:fontRef idx="minor"/>
-    </dgm:style>
-  </dgm:styleLbl>
-  <dgm:styleLbl name="alignAcc1">
-    <dgm:scene3d>
-      <a:camera prst="orthographicFront"/>
-      <a:lightRig rig="threePt" dir="t"/>
-    </dgm:scene3d>
-    <dgm:sp3d/>
-    <dgm:txPr/>
-    <dgm:style>
-      <a:lnRef idx="1">
-        <a:scrgbClr r="0" g="0" b="0"/>
-      </a:lnRef>
-      <a:fillRef idx="1">
-        <a:scrgbClr r="0" g="0" b="0"/>
-      </a:fillRef>
-      <a:effectRef idx="0">
-        <a:scrgbClr r="0" g="0" b="0"/>
-      </a:effectRef>
-      <a:fontRef idx="minor"/>
-    </dgm:style>
-  </dgm:styleLbl>
-  <dgm:styleLbl name="trAlignAcc1">
-    <dgm:scene3d>
-      <a:camera prst="orthographicFront"/>
-      <a:lightRig rig="threePt" dir="t"/>
-    </dgm:scene3d>
-    <dgm:sp3d/>
-    <dgm:txPr/>
-    <dgm:style>
-      <a:lnRef idx="1">
-        <a:scrgbClr r="0" g="0" b="0"/>
-      </a:lnRef>
-      <a:fillRef idx="1">
-        <a:scrgbClr r="0" g="0" b="0"/>
-      </a:fillRef>
-      <a:effectRef idx="0">
-        <a:scrgbClr r="0" g="0" b="0"/>
-      </a:effectRef>
-      <a:fontRef idx="minor"/>
-    </dgm:style>
-  </dgm:styleLbl>
-  <dgm:styleLbl name="bgAcc1">
-    <dgm:scene3d>
-      <a:camera prst="orthographicFront"/>
-      <a:lightRig rig="threePt" dir="t"/>
-    </dgm:scene3d>
-    <dgm:sp3d/>
-    <dgm:txPr/>
-    <dgm:style>
-      <a:lnRef idx="1">
-        <a:scrgbClr r="0" g="0" b="0"/>
-      </a:lnRef>
-      <a:fillRef idx="1">
-        <a:scrgbClr r="0" g="0" b="0"/>
-      </a:fillRef>
-      <a:effectRef idx="0">
-        <a:scrgbClr r="0" g="0" b="0"/>
-      </a:effectRef>
-      <a:fontRef idx="minor"/>
-    </dgm:style>
-  </dgm:styleLbl>
-  <dgm:styleLbl name="solidFgAcc1">
-    <dgm:scene3d>
-      <a:camera prst="orthographicFront"/>
-      <a:lightRig rig="threePt" dir="t"/>
-    </dgm:scene3d>
-    <dgm:sp3d/>
-    <dgm:txPr/>
-    <dgm:style>
-      <a:lnRef idx="1">
-        <a:scrgbClr r="0" g="0" b="0"/>
-      </a:lnRef>
-      <a:fillRef idx="2">
-        <a:scrgbClr r="0" g="0" b="0"/>
-      </a:fillRef>
-      <a:effectRef idx="0">
-        <a:scrgbClr r="0" g="0" b="0"/>
-      </a:effectRef>
-      <a:fontRef idx="minor"/>
-    </dgm:style>
-  </dgm:styleLbl>
-  <dgm:styleLbl name="solidAlignAcc1">
-    <dgm:scene3d>
-      <a:camera prst="orthographicFront"/>
-      <a:lightRig rig="threePt" dir="t"/>
-    </dgm:scene3d>
-    <dgm:sp3d/>
-    <dgm:txPr/>
-    <dgm:style>
-      <a:lnRef idx="1">
-        <a:scrgbClr r="0" g="0" b="0"/>
-      </a:lnRef>
-      <a:fillRef idx="1">
-        <a:scrgbClr r="0" g="0" b="0"/>
-      </a:fillRef>
-      <a:effectRef idx="0">
-        <a:scrgbClr r="0" g="0" b="0"/>
-      </a:effectRef>
-      <a:fontRef idx="minor"/>
-    </dgm:style>
-  </dgm:styleLbl>
-  <dgm:styleLbl name="solidBgAcc1">
-    <dgm:scene3d>
-      <a:camera prst="orthographicFront"/>
-      <a:lightRig rig="threePt" dir="t"/>
-    </dgm:scene3d>
-    <dgm:sp3d/>
-    <dgm:txPr/>
-    <dgm:style>
-      <a:lnRef idx="1">
-        <a:scrgbClr r="0" g="0" b="0"/>
-      </a:lnRef>
-      <a:fillRef idx="1">
-        <a:scrgbClr r="0" g="0" b="0"/>
-      </a:fillRef>
-      <a:effectRef idx="0">
-        <a:scrgbClr r="0" g="0" b="0"/>
-      </a:effectRef>
-      <a:fontRef idx="minor"/>
-    </dgm:style>
-  </dgm:styleLbl>
-  <dgm:styleLbl name="fgAccFollowNode1">
-    <dgm:scene3d>
-      <a:camera prst="orthographicFront"/>
-      <a:lightRig rig="threePt" dir="t"/>
-    </dgm:scene3d>
-    <dgm:sp3d/>
-    <dgm:txPr/>
-    <dgm:style>
-      <a:lnRef idx="1">
-        <a:scrgbClr r="0" g="0" b="0"/>
-      </a:lnRef>
-      <a:fillRef idx="1">
-        <a:scrgbClr r="0" g="0" b="0"/>
-      </a:fillRef>
-      <a:effectRef idx="0">
-        <a:scrgbClr r="0" g="0" b="0"/>
-      </a:effectRef>
-      <a:fontRef idx="minor"/>
-    </dgm:style>
-  </dgm:styleLbl>
-  <dgm:styleLbl name="alignAccFollowNode1">
-    <dgm:scene3d>
-      <a:camera prst="orthographicFront"/>
-      <a:lightRig rig="threePt" dir="t"/>
-    </dgm:scene3d>
-    <dgm:sp3d/>
-    <dgm:txPr/>
-    <dgm:style>
-      <a:lnRef idx="1">
-        <a:scrgbClr r="0" g="0" b="0"/>
-      </a:lnRef>
-      <a:fillRef idx="1">
-        <a:scrgbClr r="0" g="0" b="0"/>
-      </a:fillRef>
-      <a:effectRef idx="0">
-        <a:scrgbClr r="0" g="0" b="0"/>
-      </a:effectRef>
-      <a:fontRef idx="minor"/>
-    </dgm:style>
-  </dgm:styleLbl>
-  <dgm:styleLbl name="bgAccFollowNode1">
-    <dgm:scene3d>
-      <a:camera prst="orthographicFront"/>
-      <a:lightRig rig="threePt" dir="t"/>
-    </dgm:scene3d>
-    <dgm:sp3d/>
-    <dgm:txPr/>
-    <dgm:style>
-      <a:lnRef idx="1">
-        <a:scrgbClr r="0" g="0" b="0"/>
-      </a:lnRef>
-      <a:fillRef idx="1">
-        <a:scrgbClr r="0" g="0" b="0"/>
-      </a:fillRef>
-      <a:effectRef idx="0">
-        <a:scrgbClr r="0" g="0" b="0"/>
-      </a:effectRef>
-      <a:fontRef idx="minor"/>
-    </dgm:style>
-  </dgm:styleLbl>
-  <dgm:styleLbl name="fgAcc0">
-    <dgm:scene3d>
-      <a:camera prst="orthographicFront"/>
-      <a:lightRig rig="threePt" dir="t"/>
-    </dgm:scene3d>
-    <dgm:sp3d/>
-    <dgm:txPr/>
-    <dgm:style>
-      <a:lnRef idx="1">
-        <a:scrgbClr r="0" g="0" b="0"/>
-      </a:lnRef>
-      <a:fillRef idx="1">
-        <a:scrgbClr r="0" g="0" b="0"/>
-      </a:fillRef>
-      <a:effectRef idx="0">
-        <a:scrgbClr r="0" g="0" b="0"/>
-      </a:effectRef>
-      <a:fontRef idx="minor"/>
-    </dgm:style>
-  </dgm:styleLbl>
-  <dgm:styleLbl name="fgAcc2">
-    <dgm:scene3d>
-      <a:camera prst="orthographicFront"/>
-      <a:lightRig rig="threePt" dir="t"/>
-    </dgm:scene3d>
-    <dgm:sp3d/>
-    <dgm:txPr/>
-    <dgm:style>
-      <a:lnRef idx="1">
-        <a:scrgbClr r="0" g="0" b="0"/>
-      </a:lnRef>
-      <a:fillRef idx="1">
-        <a:scrgbClr r="0" g="0" b="0"/>
-      </a:fillRef>
-      <a:effectRef idx="0">
-        <a:scrgbClr r="0" g="0" b="0"/>
-      </a:effectRef>
-      <a:fontRef idx="minor"/>
-    </dgm:style>
-  </dgm:styleLbl>
-  <dgm:styleLbl name="fgAcc3">
-    <dgm:scene3d>
-      <a:camera prst="orthographicFront"/>
-      <a:lightRig rig="threePt" dir="t"/>
-    </dgm:scene3d>
-    <dgm:sp3d/>
-    <dgm:txPr/>
-    <dgm:style>
-      <a:lnRef idx="1">
-        <a:scrgbClr r="0" g="0" b="0"/>
-      </a:lnRef>
-      <a:fillRef idx="1">
-        <a:scrgbClr r="0" g="0" b="0"/>
-      </a:fillRef>
-      <a:effectRef idx="0">
-        <a:scrgbClr r="0" g="0" b="0"/>
-      </a:effectRef>
-      <a:fontRef idx="minor"/>
-    </dgm:style>
-  </dgm:styleLbl>
-  <dgm:styleLbl name="fgAcc4">
-    <dgm:scene3d>
-      <a:camera prst="orthographicFront"/>
-      <a:lightRig rig="threePt" dir="t"/>
-    </dgm:scene3d>
-    <dgm:sp3d/>
-    <dgm:txPr/>
-    <dgm:style>
-      <a:lnRef idx="1">
-        <a:scrgbClr r="0" g="0" b="0"/>
-      </a:lnRef>
-      <a:fillRef idx="1">
-        <a:scrgbClr r="0" g="0" b="0"/>
-      </a:fillRef>
-      <a:effectRef idx="0">
-        <a:scrgbClr r="0" g="0" b="0"/>
-      </a:effectRef>
-      <a:fontRef idx="minor"/>
-    </dgm:style>
-  </dgm:styleLbl>
-  <dgm:styleLbl name="bgShp">
-    <dgm:scene3d>
-      <a:camera prst="orthographicFront"/>
-      <a:lightRig rig="threePt" dir="t"/>
-    </dgm:scene3d>
-    <dgm:sp3d/>
-    <dgm:txPr/>
-    <dgm:style>
-      <a:lnRef idx="0">
-        <a:scrgbClr r="0" g="0" b="0"/>
-      </a:lnRef>
-      <a:fillRef idx="1">
-        <a:scrgbClr r="0" g="0" b="0"/>
-      </a:fillRef>
-      <a:effectRef idx="1">
-        <a:scrgbClr r="0" g="0" b="0"/>
-      </a:effectRef>
-      <a:fontRef idx="minor"/>
-    </dgm:style>
-  </dgm:styleLbl>
-  <dgm:styleLbl name="dkBgShp">
-    <dgm:scene3d>
-      <a:camera prst="orthographicFront"/>
-      <a:lightRig rig="threePt" dir="t"/>
-    </dgm:scene3d>
-    <dgm:sp3d/>
-    <dgm:txPr/>
-    <dgm:style>
-      <a:lnRef idx="0">
-        <a:scrgbClr r="0" g="0" b="0"/>
-      </a:lnRef>
-      <a:fillRef idx="1">
-        <a:scrgbClr r="0" g="0" b="0"/>
-      </a:fillRef>
-      <a:effectRef idx="1">
-        <a:scrgbClr r="0" g="0" b="0"/>
-      </a:effectRef>
-      <a:fontRef idx="minor"/>
-    </dgm:style>
-  </dgm:styleLbl>
-  <dgm:styleLbl name="trBgShp">
-    <dgm:scene3d>
-      <a:camera prst="orthographicFront"/>
-      <a:lightRig rig="threePt" dir="t"/>
-    </dgm:scene3d>
-    <dgm:sp3d/>
-    <dgm:txPr/>
-    <dgm:style>
-      <a:lnRef idx="0">
-        <a:scrgbClr r="0" g="0" b="0"/>
-      </a:lnRef>
-      <a:fillRef idx="1">
-        <a:scrgbClr r="0" g="0" b="0"/>
-      </a:fillRef>
-      <a:effectRef idx="0">
-        <a:scrgbClr r="0" g="0" b="0"/>
-      </a:effectRef>
-      <a:fontRef idx="minor"/>
-    </dgm:style>
-  </dgm:styleLbl>
-  <dgm:styleLbl name="fgShp">
-    <dgm:scene3d>
-      <a:camera prst="orthographicFront"/>
-      <a:lightRig rig="flat" dir="t"/>
-    </dgm:scene3d>
-    <dgm:sp3d prstMaterial="dkEdge">
-      <a:bevelT w="8200" h="38100"/>
-    </dgm:sp3d>
-    <dgm:txPr/>
-    <dgm:style>
-      <a:lnRef idx="1">
-        <a:scrgbClr r="0" g="0" b="0"/>
-      </a:lnRef>
-      <a:fillRef idx="2">
-        <a:scrgbClr r="0" g="0" b="0"/>
-      </a:fillRef>
-      <a:effectRef idx="1">
-        <a:scrgbClr r="0" g="0" b="0"/>
-      </a:effectRef>
-      <a:fontRef idx="minor"/>
-    </dgm:style>
-  </dgm:styleLbl>
-  <dgm:styleLbl name="revTx">
-    <dgm:scene3d>
-      <a:camera prst="orthographicFront"/>
-      <a:lightRig rig="threePt" dir="t"/>
-    </dgm:scene3d>
-    <dgm:sp3d/>
-    <dgm:txPr/>
-    <dgm:style>
-      <a:lnRef idx="0">
-        <a:scrgbClr r="0" g="0" b="0"/>
-      </a:lnRef>
-      <a:fillRef idx="0">
-        <a:scrgbClr r="0" g="0" b="0"/>
-      </a:fillRef>
-      <a:effectRef idx="0">
-        <a:scrgbClr r="0" g="0" b="0"/>
-      </a:effectRef>
-      <a:fontRef idx="minor"/>
-    </dgm:style>
-  </dgm:styleLbl>
-</dgm:styleDef>
-</file>
-
 <file path=ppt/notesMasters/notesMaster1.xml><?xml version="1.0" encoding="utf-8"?>
 <p:notesMaster xmlns:a="http://schemas.openxmlformats.org/drawingml/2006/main" xmlns:r="http://schemas.openxmlformats.org/officeDocument/2006/relationships" xmlns:p="http://schemas.openxmlformats.org/presentationml/2006/main">
   <p:cSld>
@@ -6963,7 +3906,7 @@
           <a:p>
             <a:fld id="{C59D74C6-9C2E-47F2-9943-FD41646989DE}" type="slidenum">
               <a:rPr kumimoji="1" lang="ja-JP" altLang="en-US" smtClean="0"/>
-              <a:t>15</a:t>
+              <a:t>13</a:t>
             </a:fld>
             <a:endParaRPr kumimoji="1" lang="ja-JP" altLang="en-US"/>
           </a:p>
@@ -6972,7 +3915,7 @@
     </p:spTree>
     <p:extLst>
       <p:ext uri="{BB962C8B-B14F-4D97-AF65-F5344CB8AC3E}">
-        <p14:creationId xmlns:p14="http://schemas.microsoft.com/office/powerpoint/2010/main" val="1290740861"/>
+        <p14:creationId xmlns:p14="http://schemas.microsoft.com/office/powerpoint/2010/main" val="2337115857"/>
       </p:ext>
     </p:extLst>
   </p:cSld>
@@ -7047,7 +3990,7 @@
           <a:p>
             <a:fld id="{C59D74C6-9C2E-47F2-9943-FD41646989DE}" type="slidenum">
               <a:rPr kumimoji="1" lang="ja-JP" altLang="en-US" smtClean="0"/>
-              <a:t>16</a:t>
+              <a:t>15</a:t>
             </a:fld>
             <a:endParaRPr kumimoji="1" lang="ja-JP" altLang="en-US"/>
           </a:p>
@@ -7056,7 +3999,7 @@
     </p:spTree>
     <p:extLst>
       <p:ext uri="{BB962C8B-B14F-4D97-AF65-F5344CB8AC3E}">
-        <p14:creationId xmlns:p14="http://schemas.microsoft.com/office/powerpoint/2010/main" val="3626295908"/>
+        <p14:creationId xmlns:p14="http://schemas.microsoft.com/office/powerpoint/2010/main" val="1290740861"/>
       </p:ext>
     </p:extLst>
   </p:cSld>
@@ -7110,9 +4053,7 @@
           <a:bodyPr/>
           <a:lstStyle/>
           <a:p>
-            <a:endParaRPr lang="en-US" altLang="ja-JP" sz="1200" b="0" dirty="0">
-              <a:latin typeface="+mn-ea"/>
-            </a:endParaRPr>
+            <a:endParaRPr kumimoji="1" lang="ja-JP" altLang="en-US" dirty="0"/>
           </a:p>
         </p:txBody>
       </p:sp>
@@ -7133,7 +4074,7 @@
           <a:p>
             <a:fld id="{C59D74C6-9C2E-47F2-9943-FD41646989DE}" type="slidenum">
               <a:rPr kumimoji="1" lang="ja-JP" altLang="en-US" smtClean="0"/>
-              <a:t>18</a:t>
+              <a:t>16</a:t>
             </a:fld>
             <a:endParaRPr kumimoji="1" lang="ja-JP" altLang="en-US"/>
           </a:p>
@@ -7142,7 +4083,7 @@
     </p:spTree>
     <p:extLst>
       <p:ext uri="{BB962C8B-B14F-4D97-AF65-F5344CB8AC3E}">
-        <p14:creationId xmlns:p14="http://schemas.microsoft.com/office/powerpoint/2010/main" val="1952297387"/>
+        <p14:creationId xmlns:p14="http://schemas.microsoft.com/office/powerpoint/2010/main" val="3626295908"/>
       </p:ext>
     </p:extLst>
   </p:cSld>
@@ -7196,7 +4137,9 @@
           <a:bodyPr/>
           <a:lstStyle/>
           <a:p>
-            <a:endParaRPr kumimoji="1" lang="ja-JP" altLang="en-US" dirty="0"/>
+            <a:endParaRPr lang="en-US" altLang="ja-JP" sz="1200" b="0" dirty="0">
+              <a:latin typeface="+mn-ea"/>
+            </a:endParaRPr>
           </a:p>
         </p:txBody>
       </p:sp>
@@ -7217,7 +4160,7 @@
           <a:p>
             <a:fld id="{C59D74C6-9C2E-47F2-9943-FD41646989DE}" type="slidenum">
               <a:rPr kumimoji="1" lang="ja-JP" altLang="en-US" smtClean="0"/>
-              <a:t>20</a:t>
+              <a:t>18</a:t>
             </a:fld>
             <a:endParaRPr kumimoji="1" lang="ja-JP" altLang="en-US"/>
           </a:p>
@@ -7226,7 +4169,7 @@
     </p:spTree>
     <p:extLst>
       <p:ext uri="{BB962C8B-B14F-4D97-AF65-F5344CB8AC3E}">
-        <p14:creationId xmlns:p14="http://schemas.microsoft.com/office/powerpoint/2010/main" val="2468396924"/>
+        <p14:creationId xmlns:p14="http://schemas.microsoft.com/office/powerpoint/2010/main" val="1952297387"/>
       </p:ext>
     </p:extLst>
   </p:cSld>
@@ -7281,24 +4224,216 @@
           <a:lstStyle/>
           <a:p>
             <a:r>
-              <a:rPr lang="ja-JP" altLang="en-US" dirty="0">
-                <a:latin typeface="+mn-ea"/>
-              </a:rPr>
-              <a:t>グループに分かれて作業</a:t>
-            </a:r>
-            <a:endParaRPr lang="en-US" altLang="ja-JP" dirty="0">
-              <a:latin typeface="+mn-ea"/>
-            </a:endParaRPr>
-          </a:p>
-          <a:p>
-            <a:r>
               <a:rPr kumimoji="1" lang="ja-JP" altLang="en-US" dirty="0">
                 <a:latin typeface="+mn-ea"/>
               </a:rPr>
-              <a:t>ガントチャートで進捗管理</a:t>
+              <a:t>デザイン</a:t>
+            </a:r>
+            <a:r>
+              <a:rPr kumimoji="1" lang="en-US" altLang="ja-JP" dirty="0">
+                <a:latin typeface="+mn-ea"/>
+              </a:rPr>
+              <a:t>	</a:t>
+            </a:r>
+            <a:r>
+              <a:rPr kumimoji="1" lang="ja-JP" altLang="en-US" dirty="0">
+                <a:latin typeface="+mn-ea"/>
+              </a:rPr>
+              <a:t>青で食欲減退</a:t>
             </a:r>
             <a:endParaRPr kumimoji="1" lang="en-US" altLang="ja-JP" dirty="0">
               <a:latin typeface="+mn-ea"/>
+            </a:endParaRPr>
+          </a:p>
+          <a:p>
+            <a:endParaRPr lang="en-US" altLang="ja-JP" kern="100" dirty="0">
+              <a:effectLst/>
+              <a:latin typeface="+mn-ea"/>
+              <a:cs typeface="Times New Roman" panose="02020603050405020304" pitchFamily="18" charset="0"/>
+            </a:endParaRPr>
+          </a:p>
+          <a:p>
+            <a:r>
+              <a:rPr lang="ja-JP" altLang="en-US" kern="100" dirty="0">
+                <a:latin typeface="+mn-ea"/>
+                <a:cs typeface="Times New Roman" panose="02020603050405020304" pitchFamily="18" charset="0"/>
+              </a:rPr>
+              <a:t>認識合わせ</a:t>
+            </a:r>
+            <a:r>
+              <a:rPr lang="en-US" altLang="ja-JP" kern="100" dirty="0">
+                <a:latin typeface="+mn-ea"/>
+                <a:cs typeface="Times New Roman" panose="02020603050405020304" pitchFamily="18" charset="0"/>
+              </a:rPr>
+              <a:t>	</a:t>
+            </a:r>
+            <a:r>
+              <a:rPr lang="ja-JP" altLang="ja-JP" kern="100" dirty="0">
+                <a:effectLst/>
+                <a:latin typeface="+mn-ea"/>
+                <a:cs typeface="Times New Roman" panose="02020603050405020304" pitchFamily="18" charset="0"/>
+              </a:rPr>
+              <a:t>進捗管理（</a:t>
+            </a:r>
+            <a:r>
+              <a:rPr lang="ja-JP" altLang="en-US" dirty="0"/>
+              <a:t>口頭・ガントチャート</a:t>
+            </a:r>
+            <a:r>
+              <a:rPr lang="ja-JP" altLang="ja-JP" kern="100" dirty="0">
+                <a:effectLst/>
+                <a:latin typeface="+mn-ea"/>
+                <a:cs typeface="Times New Roman" panose="02020603050405020304" pitchFamily="18" charset="0"/>
+              </a:rPr>
+              <a:t>）</a:t>
+            </a:r>
+            <a:r>
+              <a:rPr lang="ja-JP" altLang="en-US" kern="100" dirty="0">
+                <a:effectLst/>
+                <a:latin typeface="+mn-ea"/>
+                <a:cs typeface="Times New Roman" panose="02020603050405020304" pitchFamily="18" charset="0"/>
+              </a:rPr>
+              <a:t>　</a:t>
+            </a:r>
+            <a:endParaRPr lang="en-US" altLang="ja-JP" kern="100" dirty="0">
+              <a:effectLst/>
+              <a:latin typeface="+mn-ea"/>
+              <a:cs typeface="Times New Roman" panose="02020603050405020304" pitchFamily="18" charset="0"/>
+            </a:endParaRPr>
+          </a:p>
+          <a:p>
+            <a:pPr marL="0" indent="0" algn="l">
+              <a:buNone/>
+            </a:pPr>
+            <a:r>
+              <a:rPr lang="en-US" altLang="ja-JP" kern="100" dirty="0">
+                <a:effectLst/>
+                <a:latin typeface="+mn-ea"/>
+                <a:cs typeface="Times New Roman" panose="02020603050405020304" pitchFamily="18" charset="0"/>
+              </a:rPr>
+              <a:t>	</a:t>
+            </a:r>
+            <a:r>
+              <a:rPr lang="ja-JP" altLang="ja-JP" kern="100" dirty="0">
+                <a:effectLst/>
+                <a:latin typeface="+mn-ea"/>
+                <a:cs typeface="Times New Roman" panose="02020603050405020304" pitchFamily="18" charset="0"/>
+              </a:rPr>
+              <a:t>朝にその日に取り組むことを共有</a:t>
+            </a:r>
+            <a:endParaRPr lang="en-US" altLang="ja-JP" kern="100" dirty="0">
+              <a:effectLst/>
+              <a:latin typeface="+mn-ea"/>
+              <a:cs typeface="Times New Roman" panose="02020603050405020304" pitchFamily="18" charset="0"/>
+            </a:endParaRPr>
+          </a:p>
+          <a:p>
+            <a:pPr marL="0" indent="0" algn="l">
+              <a:buNone/>
+            </a:pPr>
+            <a:r>
+              <a:rPr lang="en-US" altLang="ja-JP" kern="100" dirty="0">
+                <a:effectLst/>
+                <a:latin typeface="+mn-ea"/>
+                <a:cs typeface="Times New Roman" panose="02020603050405020304" pitchFamily="18" charset="0"/>
+              </a:rPr>
+              <a:t>	</a:t>
+            </a:r>
+            <a:r>
+              <a:rPr lang="ja-JP" altLang="en-US" kern="100" dirty="0">
+                <a:effectLst/>
+                <a:latin typeface="+mn-ea"/>
+                <a:cs typeface="Times New Roman" panose="02020603050405020304" pitchFamily="18" charset="0"/>
+              </a:rPr>
+              <a:t>終業前に</a:t>
+            </a:r>
+            <a:r>
+              <a:rPr lang="ja-JP" altLang="ja-JP" kern="100" dirty="0">
+                <a:effectLst/>
+                <a:latin typeface="+mn-ea"/>
+                <a:cs typeface="Times New Roman" panose="02020603050405020304" pitchFamily="18" charset="0"/>
+              </a:rPr>
+              <a:t>その日のまとめと翌日に行うことの共有</a:t>
+            </a:r>
+          </a:p>
+          <a:p>
+            <a:pPr algn="l"/>
+            <a:endParaRPr lang="en-US" altLang="ja-JP" kern="100" dirty="0">
+              <a:effectLst/>
+              <a:latin typeface="+mn-ea"/>
+              <a:cs typeface="Times New Roman" panose="02020603050405020304" pitchFamily="18" charset="0"/>
+            </a:endParaRPr>
+          </a:p>
+          <a:p>
+            <a:pPr algn="l"/>
+            <a:r>
+              <a:rPr lang="ja-JP" altLang="en-US" kern="100" dirty="0">
+                <a:effectLst/>
+                <a:latin typeface="+mn-ea"/>
+                <a:cs typeface="Times New Roman" panose="02020603050405020304" pitchFamily="18" charset="0"/>
+              </a:rPr>
+              <a:t>教えあい</a:t>
+            </a:r>
+            <a:r>
+              <a:rPr lang="en-US" altLang="ja-JP" kern="100" dirty="0">
+                <a:effectLst/>
+                <a:latin typeface="+mn-ea"/>
+                <a:cs typeface="Times New Roman" panose="02020603050405020304" pitchFamily="18" charset="0"/>
+              </a:rPr>
+              <a:t>	</a:t>
+            </a:r>
+            <a:r>
+              <a:rPr lang="ja-JP" altLang="ja-JP" kern="100" dirty="0">
+                <a:effectLst/>
+                <a:latin typeface="+mn-ea"/>
+                <a:cs typeface="Times New Roman" panose="02020603050405020304" pitchFamily="18" charset="0"/>
+              </a:rPr>
+              <a:t>チーム作業（教え合い）</a:t>
+            </a:r>
+            <a:r>
+              <a:rPr lang="ja-JP" altLang="en-US" kern="100" dirty="0">
+                <a:effectLst/>
+                <a:latin typeface="+mn-ea"/>
+                <a:cs typeface="Times New Roman" panose="02020603050405020304" pitchFamily="18" charset="0"/>
+              </a:rPr>
+              <a:t>ブレイクアウトルームに分かれて分担</a:t>
+            </a:r>
+            <a:endParaRPr lang="en-US" altLang="ja-JP" kern="100" dirty="0">
+              <a:effectLst/>
+              <a:latin typeface="+mn-ea"/>
+              <a:cs typeface="Times New Roman" panose="02020603050405020304" pitchFamily="18" charset="0"/>
+            </a:endParaRPr>
+          </a:p>
+          <a:p>
+            <a:pPr marL="0" indent="0" algn="l">
+              <a:buNone/>
+            </a:pPr>
+            <a:r>
+              <a:rPr lang="en-US" altLang="ja-JP" kern="100" dirty="0">
+                <a:latin typeface="+mn-ea"/>
+                <a:cs typeface="Times New Roman" panose="02020603050405020304" pitchFamily="18" charset="0"/>
+              </a:rPr>
+              <a:t>	</a:t>
+            </a:r>
+            <a:r>
+              <a:rPr lang="ja-JP" altLang="en-US" kern="100" dirty="0">
+                <a:latin typeface="+mn-ea"/>
+                <a:cs typeface="Times New Roman" panose="02020603050405020304" pitchFamily="18" charset="0"/>
+              </a:rPr>
+              <a:t>勉強会で全体のボトムアップ</a:t>
+            </a:r>
+            <a:endParaRPr lang="en-US" altLang="ja-JP" kern="100" dirty="0">
+              <a:latin typeface="+mn-ea"/>
+              <a:cs typeface="Times New Roman" panose="02020603050405020304" pitchFamily="18" charset="0"/>
+            </a:endParaRPr>
+          </a:p>
+          <a:p>
+            <a:pPr marL="0" indent="0" algn="l">
+              <a:buNone/>
+            </a:pPr>
+            <a:endParaRPr lang="en-US" altLang="ja-JP" kern="100" dirty="0">
+              <a:latin typeface="+mn-ea"/>
+              <a:cs typeface="Times New Roman" panose="02020603050405020304" pitchFamily="18" charset="0"/>
             </a:endParaRPr>
           </a:p>
           <a:p>
@@ -7368,9 +4503,6 @@
               </a:rPr>
               <a:t>コラ画像</a:t>
             </a:r>
-          </a:p>
-          <a:p>
-            <a:endParaRPr kumimoji="1" lang="ja-JP" altLang="en-US" dirty="0"/>
           </a:p>
         </p:txBody>
       </p:sp>
@@ -7391,7 +4523,7 @@
           <a:p>
             <a:fld id="{C59D74C6-9C2E-47F2-9943-FD41646989DE}" type="slidenum">
               <a:rPr kumimoji="1" lang="ja-JP" altLang="en-US" smtClean="0"/>
-              <a:t>21</a:t>
+              <a:t>20</a:t>
             </a:fld>
             <a:endParaRPr kumimoji="1" lang="ja-JP" altLang="en-US"/>
           </a:p>
@@ -7400,7 +4532,7 @@
     </p:spTree>
     <p:extLst>
       <p:ext uri="{BB962C8B-B14F-4D97-AF65-F5344CB8AC3E}">
-        <p14:creationId xmlns:p14="http://schemas.microsoft.com/office/powerpoint/2010/main" val="542590428"/>
+        <p14:creationId xmlns:p14="http://schemas.microsoft.com/office/powerpoint/2010/main" val="3734896416"/>
       </p:ext>
     </p:extLst>
   </p:cSld>
@@ -7454,7 +4586,173 @@
           <a:bodyPr/>
           <a:lstStyle/>
           <a:p>
-            <a:endParaRPr kumimoji="1" lang="ja-JP" altLang="en-US" dirty="0"/>
+            <a:pPr marL="0" indent="0">
+              <a:buNone/>
+            </a:pPr>
+            <a:r>
+              <a:rPr kumimoji="1" lang="ja-JP" altLang="en-US" dirty="0">
+                <a:latin typeface="+mn-ea"/>
+              </a:rPr>
+              <a:t>計画性</a:t>
+            </a:r>
+            <a:r>
+              <a:rPr kumimoji="1" lang="en-US" altLang="ja-JP" dirty="0">
+                <a:latin typeface="+mn-ea"/>
+              </a:rPr>
+              <a:t>	</a:t>
+            </a:r>
+            <a:r>
+              <a:rPr kumimoji="1" lang="ja-JP" altLang="en-US" dirty="0">
+                <a:latin typeface="+mn-ea"/>
+              </a:rPr>
+              <a:t>外部設計段階で見切り発車だった</a:t>
+            </a:r>
+            <a:endParaRPr kumimoji="1" lang="en-US" altLang="ja-JP" dirty="0">
+              <a:latin typeface="+mn-ea"/>
+            </a:endParaRPr>
+          </a:p>
+          <a:p>
+            <a:pPr marL="0" indent="0">
+              <a:buNone/>
+            </a:pPr>
+            <a:r>
+              <a:rPr lang="en-US" altLang="ja-JP" dirty="0">
+                <a:latin typeface="+mn-ea"/>
+              </a:rPr>
+              <a:t>	</a:t>
+            </a:r>
+            <a:r>
+              <a:rPr lang="ja-JP" altLang="en-US" dirty="0">
+                <a:latin typeface="+mn-ea"/>
+              </a:rPr>
+              <a:t>具体的にどう実現できるか想像するべきだと学んだ</a:t>
+            </a:r>
+            <a:endParaRPr kumimoji="1" lang="en-US" altLang="ja-JP" dirty="0">
+              <a:latin typeface="+mn-ea"/>
+            </a:endParaRPr>
+          </a:p>
+          <a:p>
+            <a:pPr marL="0" indent="0">
+              <a:buNone/>
+            </a:pPr>
+            <a:r>
+              <a:rPr lang="en-US" altLang="ja-JP" sz="1000" dirty="0">
+                <a:effectLst/>
+                <a:ea typeface="游明朝" panose="02020400000000000000" pitchFamily="18" charset="-128"/>
+                <a:cs typeface="Times New Roman" panose="02020603050405020304" pitchFamily="18" charset="0"/>
+              </a:rPr>
+              <a:t>	</a:t>
+            </a:r>
+            <a:r>
+              <a:rPr lang="ja-JP" altLang="ja-JP" sz="1000" dirty="0">
+                <a:effectLst/>
+                <a:ea typeface="游明朝" panose="02020400000000000000" pitchFamily="18" charset="-128"/>
+                <a:cs typeface="Times New Roman" panose="02020603050405020304" pitchFamily="18" charset="0"/>
+              </a:rPr>
+              <a:t>要件定義にない変更</a:t>
+            </a:r>
+            <a:r>
+              <a:rPr lang="ja-JP" altLang="en-US" sz="1000" dirty="0">
+                <a:effectLst/>
+                <a:ea typeface="游明朝" panose="02020400000000000000" pitchFamily="18" charset="-128"/>
+                <a:cs typeface="Times New Roman" panose="02020603050405020304" pitchFamily="18" charset="0"/>
+              </a:rPr>
+              <a:t>をすることに</a:t>
+            </a:r>
+            <a:r>
+              <a:rPr lang="ja-JP" altLang="ja-JP" sz="1000" dirty="0">
+                <a:effectLst/>
+                <a:ea typeface="游明朝" panose="02020400000000000000" pitchFamily="18" charset="-128"/>
+                <a:cs typeface="Times New Roman" panose="02020603050405020304" pitchFamily="18" charset="0"/>
+              </a:rPr>
+              <a:t>あまり抵抗がなく、設計書の重要性を理解していなかった</a:t>
+            </a:r>
+            <a:endParaRPr kumimoji="1" lang="en-US" altLang="ja-JP" dirty="0">
+              <a:latin typeface="+mn-ea"/>
+            </a:endParaRPr>
+          </a:p>
+          <a:p>
+            <a:pPr marL="0" indent="0">
+              <a:buNone/>
+            </a:pPr>
+            <a:endParaRPr kumimoji="1" lang="en-US" altLang="ja-JP" dirty="0">
+              <a:latin typeface="+mn-ea"/>
+            </a:endParaRPr>
+          </a:p>
+          <a:p>
+            <a:pPr marL="0" indent="0">
+              <a:buNone/>
+            </a:pPr>
+            <a:r>
+              <a:rPr kumimoji="1" lang="ja-JP" altLang="en-US" dirty="0">
+                <a:latin typeface="+mn-ea"/>
+              </a:rPr>
+              <a:t>技術</a:t>
+            </a:r>
+            <a:r>
+              <a:rPr kumimoji="1" lang="en-US" altLang="ja-JP" dirty="0">
+                <a:latin typeface="+mn-ea"/>
+              </a:rPr>
+              <a:t>	4</a:t>
+            </a:r>
+            <a:r>
+              <a:rPr kumimoji="1" lang="ja-JP" altLang="en-US" dirty="0">
+                <a:latin typeface="+mn-ea"/>
+              </a:rPr>
+              <a:t>･</a:t>
+            </a:r>
+            <a:r>
+              <a:rPr kumimoji="1" lang="en-US" altLang="ja-JP" dirty="0">
+                <a:latin typeface="+mn-ea"/>
+              </a:rPr>
+              <a:t>5</a:t>
+            </a:r>
+            <a:r>
+              <a:rPr kumimoji="1" lang="ja-JP" altLang="en-US" dirty="0">
+                <a:latin typeface="+mn-ea"/>
+              </a:rPr>
+              <a:t>月で学んだことの理解度が増した</a:t>
+            </a:r>
+            <a:endParaRPr kumimoji="1" lang="en-US" altLang="ja-JP" dirty="0">
+              <a:latin typeface="+mn-ea"/>
+            </a:endParaRPr>
+          </a:p>
+          <a:p>
+            <a:r>
+              <a:rPr lang="en-US" altLang="ja-JP" dirty="0">
+                <a:latin typeface="+mn-ea"/>
+              </a:rPr>
+              <a:t>	</a:t>
+            </a:r>
+            <a:r>
+              <a:rPr lang="ja-JP" altLang="en-US" dirty="0">
+                <a:latin typeface="+mn-ea"/>
+              </a:rPr>
+              <a:t>チーム内・講師に質問・コーディングを繰り返すことでスキルアップ</a:t>
+            </a:r>
+            <a:endParaRPr lang="en-US" altLang="ja-JP" dirty="0">
+              <a:latin typeface="+mn-ea"/>
+            </a:endParaRPr>
+          </a:p>
+          <a:p>
+            <a:r>
+              <a:rPr lang="en-US" altLang="ja-JP" dirty="0">
+                <a:latin typeface="+mn-ea"/>
+              </a:rPr>
+              <a:t>	</a:t>
+            </a:r>
+            <a:r>
+              <a:rPr lang="ja-JP" altLang="en-US" dirty="0">
+                <a:latin typeface="+mn-ea"/>
+              </a:rPr>
+              <a:t>学んだ技術を応用する難しさ</a:t>
+            </a:r>
+            <a:endParaRPr lang="en-US" altLang="ja-JP" dirty="0">
+              <a:latin typeface="+mn-ea"/>
+            </a:endParaRPr>
+          </a:p>
+          <a:p>
+            <a:endParaRPr kumimoji="1" lang="en-US" altLang="ja-JP" dirty="0"/>
           </a:p>
         </p:txBody>
       </p:sp>
@@ -7475,7 +4773,7 @@
           <a:p>
             <a:fld id="{C59D74C6-9C2E-47F2-9943-FD41646989DE}" type="slidenum">
               <a:rPr kumimoji="1" lang="ja-JP" altLang="en-US" smtClean="0"/>
-              <a:t>23</a:t>
+              <a:t>22</a:t>
             </a:fld>
             <a:endParaRPr kumimoji="1" lang="ja-JP" altLang="en-US"/>
           </a:p>
@@ -7484,7 +4782,7 @@
     </p:spTree>
     <p:extLst>
       <p:ext uri="{BB962C8B-B14F-4D97-AF65-F5344CB8AC3E}">
-        <p14:creationId xmlns:p14="http://schemas.microsoft.com/office/powerpoint/2010/main" val="2318160319"/>
+        <p14:creationId xmlns:p14="http://schemas.microsoft.com/office/powerpoint/2010/main" val="2421870203"/>
       </p:ext>
     </p:extLst>
   </p:cSld>
@@ -8312,19 +5610,8 @@
           <a:p>
             <a:r>
               <a:rPr kumimoji="1" lang="ja-JP" altLang="en-US" dirty="0"/>
-              <a:t>「きょうから」には、交流できる場として、匿名掲示板があります。アカウントがあれば投稿できます。</a:t>
-            </a:r>
-            <a:endParaRPr kumimoji="1" lang="en-US" altLang="ja-JP" dirty="0"/>
-          </a:p>
-          <a:p>
-            <a:r>
-              <a:rPr kumimoji="1" lang="ja-JP" altLang="en-US" dirty="0"/>
-              <a:t>このように、ニックネームをクリックすると、そのユーザの登録情報を見ることもできます。</a:t>
-            </a:r>
-            <a:endParaRPr kumimoji="1" lang="en-US" altLang="ja-JP" dirty="0"/>
-          </a:p>
-          <a:p>
-            <a:endParaRPr kumimoji="1" lang="ja-JP" altLang="en-US" dirty="0"/>
+              <a:t>１つ目、「交流できる」についてです。</a:t>
+            </a:r>
           </a:p>
         </p:txBody>
       </p:sp>
@@ -8345,7 +5632,7 @@
           <a:p>
             <a:fld id="{C59D74C6-9C2E-47F2-9943-FD41646989DE}" type="slidenum">
               <a:rPr kumimoji="1" lang="ja-JP" altLang="en-US" smtClean="0"/>
-              <a:t>11</a:t>
+              <a:t>10</a:t>
             </a:fld>
             <a:endParaRPr kumimoji="1" lang="ja-JP" altLang="en-US"/>
           </a:p>
@@ -8354,7 +5641,7 @@
     </p:spTree>
     <p:extLst>
       <p:ext uri="{BB962C8B-B14F-4D97-AF65-F5344CB8AC3E}">
-        <p14:creationId xmlns:p14="http://schemas.microsoft.com/office/powerpoint/2010/main" val="1376702108"/>
+        <p14:creationId xmlns:p14="http://schemas.microsoft.com/office/powerpoint/2010/main" val="1374128282"/>
       </p:ext>
     </p:extLst>
   </p:cSld>
@@ -8410,8 +5697,20 @@
           <a:p>
             <a:r>
               <a:rPr kumimoji="1" lang="ja-JP" altLang="en-US" dirty="0"/>
-              <a:t>変化が分かる機能として、スライドショー・グラフを</a:t>
-            </a:r>
+              <a:t>「きょうから」には、交流できる場として、匿名掲示板があります。アカウント</a:t>
+            </a:r>
+            <a:r>
+              <a:rPr kumimoji="1" lang="ja-JP" altLang="en-US"/>
+              <a:t>があれば、掲示板への閲覧・書き込みが可能です</a:t>
+            </a:r>
+            <a:endParaRPr kumimoji="1" lang="en-US" altLang="ja-JP" dirty="0"/>
+          </a:p>
+          <a:p>
+            <a:r>
+              <a:rPr kumimoji="1" lang="ja-JP" altLang="en-US" dirty="0"/>
+              <a:t>このように、ニックネームをクリックすると、そのユーザの登録情報を見ることもできます。</a:t>
+            </a:r>
+            <a:endParaRPr kumimoji="1" lang="en-US" altLang="ja-JP" dirty="0"/>
           </a:p>
         </p:txBody>
       </p:sp>
@@ -8432,7 +5731,7 @@
           <a:p>
             <a:fld id="{C59D74C6-9C2E-47F2-9943-FD41646989DE}" type="slidenum">
               <a:rPr kumimoji="1" lang="ja-JP" altLang="en-US" smtClean="0"/>
-              <a:t>13</a:t>
+              <a:t>11</a:t>
             </a:fld>
             <a:endParaRPr kumimoji="1" lang="ja-JP" altLang="en-US"/>
           </a:p>
@@ -8441,7 +5740,7 @@
     </p:spTree>
     <p:extLst>
       <p:ext uri="{BB962C8B-B14F-4D97-AF65-F5344CB8AC3E}">
-        <p14:creationId xmlns:p14="http://schemas.microsoft.com/office/powerpoint/2010/main" val="2337115857"/>
+        <p14:creationId xmlns:p14="http://schemas.microsoft.com/office/powerpoint/2010/main" val="1376702108"/>
       </p:ext>
     </p:extLst>
   </p:cSld>
@@ -12906,21 +10205,22 @@
           <a:bodyPr/>
           <a:lstStyle/>
           <a:p>
-            <a:r>
-              <a:rPr lang="ja-JP" altLang="en-US" dirty="0"/>
-              <a:t>匿名掲示板</a:t>
-            </a:r>
-            <a:endParaRPr lang="en-US" altLang="ja-JP" dirty="0"/>
-          </a:p>
-          <a:p>
             <a:pPr marL="0" indent="0">
               <a:buNone/>
             </a:pPr>
             <a:r>
-              <a:rPr lang="ja-JP" altLang="en-US" dirty="0"/>
-              <a:t>　アカウントがあれば、閲覧・書き込みができる</a:t>
-            </a:r>
-            <a:endParaRPr lang="en-US" altLang="ja-JP" dirty="0"/>
+              <a:rPr lang="ja-JP" altLang="en-US" sz="3600" b="1" dirty="0">
+                <a:solidFill>
+                  <a:schemeClr val="accent1"/>
+                </a:solidFill>
+              </a:rPr>
+              <a:t>匿名掲示板</a:t>
+            </a:r>
+            <a:endParaRPr lang="en-US" altLang="ja-JP" sz="3600" b="1" dirty="0">
+              <a:solidFill>
+                <a:schemeClr val="accent1"/>
+              </a:solidFill>
+            </a:endParaRPr>
           </a:p>
           <a:p>
             <a:pPr marL="0" indent="0">
@@ -12928,7 +10228,7 @@
             </a:pPr>
             <a:r>
               <a:rPr lang="ja-JP" altLang="en-US" dirty="0"/>
-              <a:t>　掲示板から、他の利用者の情報（写真以外）を見ることで、</a:t>
+              <a:t>　</a:t>
             </a:r>
             <a:endParaRPr lang="en-US" altLang="ja-JP" dirty="0"/>
           </a:p>
@@ -12937,8 +10237,70 @@
               <a:buNone/>
             </a:pPr>
             <a:r>
+              <a:rPr lang="en-US" altLang="ja-JP" dirty="0"/>
+              <a:t>	</a:t>
+            </a:r>
+            <a:r>
               <a:rPr lang="ja-JP" altLang="en-US" dirty="0"/>
-              <a:t>良い刺激を受けたり、今後の参考にできる</a:t>
+              <a:t>アカウントがあれば、</a:t>
+            </a:r>
+            <a:r>
+              <a:rPr lang="ja-JP" altLang="en-US" b="1" dirty="0"/>
+              <a:t>掲示板の閲覧・書き込み</a:t>
+            </a:r>
+            <a:r>
+              <a:rPr lang="ja-JP" altLang="en-US" dirty="0"/>
+              <a:t>ができる</a:t>
+            </a:r>
+            <a:endParaRPr lang="en-US" altLang="ja-JP" dirty="0"/>
+          </a:p>
+          <a:p>
+            <a:pPr marL="0" indent="0">
+              <a:buNone/>
+            </a:pPr>
+            <a:endParaRPr lang="en-US" altLang="ja-JP" dirty="0"/>
+          </a:p>
+          <a:p>
+            <a:pPr marL="0" indent="0">
+              <a:buNone/>
+            </a:pPr>
+            <a:r>
+              <a:rPr lang="ja-JP" altLang="en-US" dirty="0"/>
+              <a:t>　</a:t>
+            </a:r>
+            <a:r>
+              <a:rPr lang="en-US" altLang="ja-JP" dirty="0"/>
+              <a:t>	</a:t>
+            </a:r>
+            <a:r>
+              <a:rPr lang="ja-JP" altLang="en-US" sz="3600" b="1" dirty="0">
+                <a:solidFill>
+                  <a:srgbClr val="FF0000"/>
+                </a:solidFill>
+              </a:rPr>
+              <a:t>＋</a:t>
+            </a:r>
+            <a:r>
+              <a:rPr lang="ja-JP" altLang="en-US" dirty="0"/>
+              <a:t>掲示板から、他ユーザの情報が閲覧できる</a:t>
+            </a:r>
+            <a:endParaRPr lang="en-US" altLang="ja-JP" dirty="0"/>
+          </a:p>
+          <a:p>
+            <a:pPr marL="0" indent="0">
+              <a:buNone/>
+            </a:pPr>
+            <a:r>
+              <a:rPr lang="en-US" altLang="ja-JP" b="1" dirty="0"/>
+              <a:t>		</a:t>
+            </a:r>
+            <a:r>
+              <a:rPr lang="ja-JP" altLang="en-US" b="1" dirty="0"/>
+              <a:t>良い刺激を受けたり、今後の参考に</a:t>
+            </a:r>
+            <a:r>
+              <a:rPr lang="ja-JP" altLang="en-US" dirty="0"/>
+              <a:t>できる</a:t>
             </a:r>
             <a:endParaRPr lang="en-US" altLang="ja-JP" dirty="0"/>
           </a:p>
@@ -13640,12 +11002,39 @@
         </p:nvSpPr>
         <p:spPr/>
         <p:txBody>
-          <a:bodyPr/>
+          <a:bodyPr>
+            <a:normAutofit lnSpcReduction="10000"/>
+          </a:bodyPr>
           <a:lstStyle/>
           <a:p>
+            <a:pPr marL="0" indent="0">
+              <a:buNone/>
+            </a:pPr>
+            <a:r>
+              <a:rPr lang="ja-JP" altLang="en-US" sz="3600" b="1" dirty="0">
+                <a:solidFill>
+                  <a:schemeClr val="accent2"/>
+                </a:solidFill>
+              </a:rPr>
+              <a:t>スライドショー</a:t>
+            </a:r>
+            <a:endParaRPr lang="en-US" altLang="ja-JP" sz="3600" b="1" dirty="0">
+              <a:solidFill>
+                <a:schemeClr val="accent2"/>
+              </a:solidFill>
+            </a:endParaRPr>
+          </a:p>
+          <a:p>
+            <a:pPr marL="0" indent="0">
+              <a:buNone/>
+            </a:pPr>
+            <a:r>
+              <a:rPr lang="en-US" altLang="ja-JP" dirty="0"/>
+              <a:t>	</a:t>
+            </a:r>
             <a:r>
               <a:rPr lang="ja-JP" altLang="en-US" dirty="0"/>
-              <a:t>毎日写真を登録すると、スライドショー形式でみることができる　速度調節可</a:t>
+              <a:t>登録した写真をスライドショー形式でみることができる</a:t>
             </a:r>
             <a:endParaRPr lang="en-US" altLang="ja-JP" dirty="0"/>
           </a:p>
@@ -13653,19 +11042,72 @@
             <a:endParaRPr lang="en-US" altLang="ja-JP" dirty="0"/>
           </a:p>
           <a:p>
+            <a:pPr marL="0" indent="0">
+              <a:buNone/>
+            </a:pPr>
+            <a:r>
+              <a:rPr lang="ja-JP" altLang="en-US" sz="3600" b="1" dirty="0">
+                <a:solidFill>
+                  <a:schemeClr val="accent2"/>
+                </a:solidFill>
+              </a:rPr>
+              <a:t>グラフ</a:t>
+            </a:r>
+            <a:endParaRPr lang="en-US" altLang="ja-JP" sz="3600" b="1" dirty="0">
+              <a:solidFill>
+                <a:schemeClr val="accent2"/>
+              </a:solidFill>
+            </a:endParaRPr>
+          </a:p>
+          <a:p>
+            <a:pPr marL="0" indent="0">
+              <a:buNone/>
+            </a:pPr>
+            <a:r>
+              <a:rPr lang="en-US" altLang="ja-JP" dirty="0"/>
+              <a:t>	</a:t>
+            </a:r>
             <a:r>
               <a:rPr lang="ja-JP" altLang="en-US" dirty="0"/>
-              <a:t>体重の変化をすぐ見ることができる</a:t>
+              <a:t>体重の変化を可視化</a:t>
             </a:r>
             <a:endParaRPr lang="en-US" altLang="ja-JP" dirty="0"/>
           </a:p>
           <a:p>
-            <a:endParaRPr lang="en-US" altLang="ja-JP" dirty="0"/>
-          </a:p>
-          <a:p>
+            <a:pPr marL="0" indent="0">
+              <a:buNone/>
+            </a:pPr>
+            <a:endParaRPr lang="ja-JP" altLang="en-US" dirty="0"/>
+          </a:p>
+          <a:p>
+            <a:pPr marL="0" indent="0">
+              <a:buNone/>
+            </a:pPr>
+            <a:r>
+              <a:rPr lang="ja-JP" altLang="en-US" sz="3600" b="1" dirty="0">
+                <a:solidFill>
+                  <a:schemeClr val="accent2"/>
+                </a:solidFill>
+              </a:rPr>
+              <a:t>ランク制度</a:t>
+            </a:r>
+            <a:endParaRPr lang="en-US" altLang="ja-JP" sz="3600" b="1" dirty="0">
+              <a:solidFill>
+                <a:schemeClr val="accent2"/>
+              </a:solidFill>
+            </a:endParaRPr>
+          </a:p>
+          <a:p>
+            <a:pPr marL="0" indent="0">
+              <a:buNone/>
+            </a:pPr>
+            <a:r>
+              <a:rPr lang="en-US" altLang="ja-JP" dirty="0"/>
+              <a:t>	</a:t>
+            </a:r>
             <a:r>
               <a:rPr lang="ja-JP" altLang="en-US" dirty="0"/>
-              <a:t>継続できるとランクが上がる</a:t>
+              <a:t>（継続できるとランクが上がる）</a:t>
             </a:r>
             <a:endParaRPr lang="en-US" altLang="ja-JP" dirty="0"/>
           </a:p>
@@ -14379,64 +11821,139 @@
           </a:bodyPr>
           <a:lstStyle/>
           <a:p>
-            <a:r>
-              <a:rPr lang="ja-JP" altLang="en-US" dirty="0"/>
-              <a:t>縛りなし</a:t>
-            </a:r>
-            <a:endParaRPr lang="en-US" altLang="ja-JP" dirty="0"/>
-          </a:p>
-          <a:p>
-            <a:r>
-              <a:rPr lang="ja-JP" altLang="en-US" dirty="0"/>
-              <a:t>ゆるい食事記録</a:t>
-            </a:r>
-            <a:endParaRPr lang="en-US" altLang="ja-JP" dirty="0"/>
-          </a:p>
-          <a:p>
             <a:pPr marL="0" indent="0">
               <a:buNone/>
             </a:pPr>
-            <a:endParaRPr lang="en-US" altLang="ja-JP" dirty="0"/>
-          </a:p>
-          <a:p>
-            <a:r>
-              <a:rPr lang="ja-JP" altLang="en-US" dirty="0"/>
-              <a:t>飲酒・運動についてもあり</a:t>
-            </a:r>
-            <a:r>
-              <a:rPr lang="en-US" altLang="ja-JP" dirty="0"/>
-              <a:t>/</a:t>
-            </a:r>
-            <a:r>
-              <a:rPr lang="ja-JP" altLang="en-US" dirty="0"/>
-              <a:t>なしのみ記録</a:t>
-            </a:r>
-            <a:endParaRPr lang="en-US" altLang="ja-JP" dirty="0"/>
+            <a:r>
+              <a:rPr lang="ja-JP" altLang="en-US" sz="3600" b="1" dirty="0">
+                <a:solidFill>
+                  <a:srgbClr val="00B050"/>
+                </a:solidFill>
+              </a:rPr>
+              <a:t>ゆるい食事記録</a:t>
+            </a:r>
+            <a:endParaRPr lang="en-US" altLang="ja-JP" sz="3600" b="1" dirty="0">
+              <a:solidFill>
+                <a:srgbClr val="00B050"/>
+              </a:solidFill>
+            </a:endParaRPr>
           </a:p>
           <a:p>
             <a:pPr marL="0" indent="0">
               <a:buNone/>
             </a:pPr>
-            <a:r>
-              <a:rPr lang="en-US" altLang="ja-JP" dirty="0"/>
-              <a:t>	</a:t>
-            </a:r>
-            <a:r>
-              <a:rPr lang="ja-JP" altLang="en-US" dirty="0"/>
-              <a:t>少しの散歩でも記録しておくことで見返したときに達成感を得られる</a:t>
-            </a:r>
-            <a:endParaRPr lang="en-US" altLang="ja-JP" dirty="0"/>
+            <a:endParaRPr lang="en-US" altLang="ja-JP" b="1" dirty="0">
+              <a:solidFill>
+                <a:srgbClr val="00B050"/>
+              </a:solidFill>
+            </a:endParaRPr>
           </a:p>
           <a:p>
             <a:pPr marL="0" indent="0">
               <a:buNone/>
             </a:pPr>
+            <a:r>
+              <a:rPr lang="en-US" altLang="ja-JP" dirty="0"/>
+              <a:t>	</a:t>
+            </a:r>
+            <a:r>
+              <a:rPr lang="ja-JP" altLang="en-US" dirty="0"/>
+              <a:t>制限・縛りなし</a:t>
+            </a:r>
             <a:endParaRPr lang="en-US" altLang="ja-JP" dirty="0"/>
           </a:p>
           <a:p>
+            <a:pPr marL="0" indent="0">
+              <a:buNone/>
+            </a:pPr>
+            <a:r>
+              <a:rPr lang="en-US" altLang="ja-JP" dirty="0"/>
+              <a:t>		</a:t>
+            </a:r>
             <a:r>
               <a:rPr lang="ja-JP" altLang="en-US" dirty="0"/>
-              <a:t>モチベーションを保ってもらうためにランク制度あり</a:t>
+              <a:t>記録することで、</a:t>
+            </a:r>
+            <a:r>
+              <a:rPr lang="ja-JP" altLang="en-US" b="1" dirty="0"/>
+              <a:t>自分の食事の傾向を再発見</a:t>
+            </a:r>
+            <a:r>
+              <a:rPr lang="ja-JP" altLang="en-US" dirty="0"/>
+              <a:t>できる</a:t>
+            </a:r>
+            <a:r>
+              <a:rPr lang="en-US" altLang="ja-JP" b="1" dirty="0"/>
+              <a:t>	</a:t>
+            </a:r>
+            <a:endParaRPr lang="en-US" altLang="ja-JP" dirty="0"/>
+          </a:p>
+          <a:p>
+            <a:pPr marL="0" indent="0">
+              <a:buNone/>
+            </a:pPr>
+            <a:r>
+              <a:rPr lang="en-US" altLang="ja-JP" dirty="0"/>
+              <a:t>	</a:t>
+            </a:r>
+          </a:p>
+          <a:p>
+            <a:pPr marL="0" indent="0">
+              <a:buNone/>
+            </a:pPr>
+            <a:r>
+              <a:rPr lang="en-US" altLang="ja-JP" dirty="0"/>
+              <a:t>	</a:t>
+            </a:r>
+            <a:r>
+              <a:rPr lang="ja-JP" altLang="en-US" dirty="0"/>
+              <a:t>飲酒・運動についてもあり</a:t>
+            </a:r>
+            <a:r>
+              <a:rPr lang="en-US" altLang="ja-JP" dirty="0"/>
+              <a:t>/</a:t>
+            </a:r>
+            <a:r>
+              <a:rPr lang="ja-JP" altLang="en-US" dirty="0"/>
+              <a:t>なしのみ記録</a:t>
+            </a:r>
+            <a:endParaRPr lang="en-US" altLang="ja-JP" dirty="0"/>
+          </a:p>
+          <a:p>
+            <a:pPr marL="0" indent="0">
+              <a:buNone/>
+            </a:pPr>
+            <a:r>
+              <a:rPr lang="en-US" altLang="ja-JP" sz="3600" b="1" dirty="0">
+                <a:solidFill>
+                  <a:srgbClr val="FF0000"/>
+                </a:solidFill>
+              </a:rPr>
+              <a:t>	</a:t>
+            </a:r>
+            <a:r>
+              <a:rPr lang="ja-JP" altLang="en-US" sz="3600" b="1" dirty="0">
+                <a:solidFill>
+                  <a:srgbClr val="FF0000"/>
+                </a:solidFill>
+              </a:rPr>
+              <a:t>＋</a:t>
+            </a:r>
+            <a:r>
+              <a:rPr lang="ja-JP" altLang="en-US" dirty="0"/>
+              <a:t>少しの散歩でも記録。見返したときに</a:t>
+            </a:r>
+            <a:r>
+              <a:rPr lang="ja-JP" altLang="en-US" b="1" dirty="0"/>
+              <a:t>達成感</a:t>
+            </a:r>
+            <a:r>
+              <a:rPr lang="ja-JP" altLang="en-US" dirty="0"/>
+              <a:t>を得る　</a:t>
+            </a:r>
+            <a:r>
+              <a:rPr lang="en-US" altLang="ja-JP" dirty="0"/>
+              <a:t>	</a:t>
             </a:r>
           </a:p>
         </p:txBody>
@@ -14565,24 +12082,93 @@
           </a:bodyPr>
           <a:lstStyle/>
           <a:p>
+            <a:pPr marL="0" indent="0">
+              <a:buNone/>
+            </a:pPr>
+            <a:r>
+              <a:rPr lang="ja-JP" altLang="en-US" sz="3600" b="1" dirty="0">
+                <a:solidFill>
+                  <a:srgbClr val="00B050"/>
+                </a:solidFill>
+              </a:rPr>
+              <a:t>目標体重の設定</a:t>
+            </a:r>
+            <a:endParaRPr lang="en-US" altLang="ja-JP" sz="3600" b="1" dirty="0">
+              <a:solidFill>
+                <a:srgbClr val="00B050"/>
+              </a:solidFill>
+            </a:endParaRPr>
+          </a:p>
+          <a:p>
+            <a:pPr marL="0" indent="0">
+              <a:buNone/>
+            </a:pPr>
+            <a:endParaRPr lang="en-US" altLang="ja-JP" dirty="0"/>
+          </a:p>
+          <a:p>
+            <a:pPr marL="0" indent="0">
+              <a:buNone/>
+            </a:pPr>
+            <a:r>
+              <a:rPr lang="en-US" altLang="ja-JP" dirty="0"/>
+              <a:t>	</a:t>
+            </a:r>
             <a:r>
               <a:rPr lang="ja-JP" altLang="en-US" dirty="0"/>
-              <a:t>目標体重が常に表示されるので意識に刷り込まれる</a:t>
+              <a:t>目標体重が</a:t>
+            </a:r>
+            <a:r>
+              <a:rPr lang="ja-JP" altLang="en-US" b="1" dirty="0"/>
+              <a:t>常に表示される</a:t>
+            </a:r>
+            <a:r>
+              <a:rPr lang="ja-JP" altLang="en-US" dirty="0"/>
+              <a:t>ので意識に刷り込まれる</a:t>
             </a:r>
             <a:endParaRPr lang="en-US" altLang="ja-JP" dirty="0"/>
           </a:p>
           <a:p>
+            <a:pPr marL="0" indent="0">
+              <a:buNone/>
+            </a:pPr>
+            <a:endParaRPr lang="en-US" altLang="ja-JP" dirty="0"/>
+          </a:p>
+          <a:p>
+            <a:pPr marL="0" indent="0">
+              <a:buNone/>
+            </a:pPr>
+            <a:r>
+              <a:rPr lang="ja-JP" altLang="en-US" sz="3600" b="1" dirty="0">
+                <a:solidFill>
+                  <a:srgbClr val="00B050"/>
+                </a:solidFill>
+              </a:rPr>
+              <a:t>ランク制度</a:t>
+            </a:r>
+            <a:endParaRPr lang="en-US" altLang="ja-JP" sz="3600" b="1" dirty="0">
+              <a:solidFill>
+                <a:srgbClr val="00B050"/>
+              </a:solidFill>
+            </a:endParaRPr>
+          </a:p>
+          <a:p>
+            <a:pPr marL="0" indent="0">
+              <a:buNone/>
+            </a:pPr>
+            <a:endParaRPr lang="en-US" altLang="ja-JP" dirty="0"/>
+          </a:p>
+          <a:p>
+            <a:pPr marL="0" indent="0">
+              <a:buNone/>
+            </a:pPr>
+            <a:r>
+              <a:rPr lang="en-US" altLang="ja-JP" dirty="0"/>
+              <a:t>	</a:t>
+            </a:r>
             <a:r>
               <a:rPr lang="ja-JP" altLang="en-US" dirty="0"/>
-              <a:t>記録することで、自分の食事の傾向を再発見できる</a:t>
-            </a:r>
-            <a:endParaRPr lang="en-US" altLang="ja-JP" dirty="0"/>
-          </a:p>
-          <a:p>
-            <a:endParaRPr lang="en-US" altLang="ja-JP" dirty="0"/>
-          </a:p>
-          <a:p>
-            <a:endParaRPr lang="ja-JP" altLang="en-US" dirty="0"/>
+              <a:t>食事登録するとポイントがたまり、ランクアップ</a:t>
+            </a:r>
           </a:p>
         </p:txBody>
       </p:sp>
@@ -14770,7 +12356,7 @@
         </p:blipFill>
         <p:spPr bwMode="auto">
           <a:xfrm>
-            <a:off x="112370" y="2117201"/>
+            <a:off x="838200" y="1967738"/>
             <a:ext cx="4401236" cy="4890262"/>
           </a:xfrm>
           <a:prstGeom prst="rect">
@@ -14844,7 +12430,7 @@
         </p:nvSpPr>
         <p:spPr>
           <a:xfrm>
-            <a:off x="4087394" y="1382993"/>
+            <a:off x="4813224" y="1233530"/>
             <a:ext cx="4783781" cy="2968668"/>
           </a:xfrm>
           <a:prstGeom prst="cloudCallout">
@@ -14900,7 +12486,7 @@
         </p:nvSpPr>
         <p:spPr>
           <a:xfrm>
-            <a:off x="6225151" y="1608941"/>
+            <a:off x="6950981" y="1459478"/>
             <a:ext cx="4783781" cy="2968668"/>
           </a:xfrm>
           <a:prstGeom prst="cloudCallout">
@@ -14968,7 +12554,7 @@
         </p:nvSpPr>
         <p:spPr>
           <a:xfrm>
-            <a:off x="5711727" y="3522348"/>
+            <a:off x="6437557" y="3372885"/>
             <a:ext cx="4783781" cy="2968668"/>
           </a:xfrm>
           <a:prstGeom prst="cloudCallout">
@@ -15631,21 +13217,21 @@
           <a:lstStyle/>
           <a:p>
             <a:r>
-              <a:rPr kumimoji="1" lang="ja-JP" altLang="en-US" b="1" dirty="0">
+              <a:rPr lang="ja-JP" altLang="en-US" b="1" dirty="0">
                 <a:latin typeface="+mn-ea"/>
                 <a:ea typeface="+mn-ea"/>
               </a:rPr>
               <a:t>４</a:t>
             </a:r>
             <a:r>
-              <a:rPr kumimoji="1" lang="en-US" altLang="ja-JP" b="1" dirty="0">
+              <a:rPr lang="en-US" altLang="ja-JP" b="1" dirty="0">
                 <a:latin typeface="+mn-ea"/>
                 <a:ea typeface="+mn-ea"/>
               </a:rPr>
               <a:t>.</a:t>
             </a:r>
             <a:r>
-              <a:rPr kumimoji="1" lang="ja-JP" altLang="en-US" b="1" dirty="0">
+              <a:rPr lang="ja-JP" altLang="en-US" b="1" dirty="0">
                 <a:latin typeface="+mn-ea"/>
                 <a:ea typeface="+mn-ea"/>
               </a:rPr>
@@ -15678,201 +13264,180 @@
         </p:spPr>
         <p:txBody>
           <a:bodyPr>
-            <a:normAutofit/>
+            <a:normAutofit fontScale="92500" lnSpcReduction="10000"/>
           </a:bodyPr>
           <a:lstStyle/>
           <a:p>
-            <a:r>
-              <a:rPr lang="ja-JP" altLang="ja-JP" sz="1800" kern="100" dirty="0">
-                <a:effectLst/>
-                <a:latin typeface="游明朝" panose="02020400000000000000" pitchFamily="18" charset="-128"/>
-                <a:ea typeface="游明朝" panose="02020400000000000000" pitchFamily="18" charset="-128"/>
-                <a:cs typeface="Times New Roman" panose="02020603050405020304" pitchFamily="18" charset="0"/>
-              </a:rPr>
-              <a:t>ダイエット（健康管理）</a:t>
-            </a:r>
-            <a:r>
-              <a:rPr lang="en-US" altLang="ja-JP" sz="1800" kern="100" dirty="0">
-                <a:effectLst/>
-                <a:latin typeface="游明朝" panose="02020400000000000000" pitchFamily="18" charset="-128"/>
-                <a:ea typeface="游明朝" panose="02020400000000000000" pitchFamily="18" charset="-128"/>
-                <a:cs typeface="Times New Roman" panose="02020603050405020304" pitchFamily="18" charset="0"/>
-              </a:rPr>
-              <a:t>10</a:t>
-            </a:r>
-            <a:r>
-              <a:rPr lang="ja-JP" altLang="ja-JP" sz="1800" kern="100" dirty="0">
-                <a:effectLst/>
-                <a:latin typeface="游明朝" panose="02020400000000000000" pitchFamily="18" charset="-128"/>
-                <a:ea typeface="游明朝" panose="02020400000000000000" pitchFamily="18" charset="-128"/>
-                <a:cs typeface="Times New Roman" panose="02020603050405020304" pitchFamily="18" charset="0"/>
-              </a:rPr>
-              <a:t>㎏落とした</a:t>
-            </a:r>
-            <a:r>
-              <a:rPr lang="ja-JP" altLang="en-US" sz="1800" kern="100" dirty="0">
-                <a:effectLst/>
-                <a:latin typeface="游明朝" panose="02020400000000000000" pitchFamily="18" charset="-128"/>
-                <a:ea typeface="游明朝" panose="02020400000000000000" pitchFamily="18" charset="-128"/>
-                <a:cs typeface="Times New Roman" panose="02020603050405020304" pitchFamily="18" charset="0"/>
-              </a:rPr>
-              <a:t>　個</a:t>
-            </a:r>
-            <a:endParaRPr lang="ja-JP" altLang="ja-JP" sz="1800" kern="100" dirty="0">
-              <a:effectLst/>
-              <a:latin typeface="游明朝" panose="02020400000000000000" pitchFamily="18" charset="-128"/>
-              <a:ea typeface="游明朝" panose="02020400000000000000" pitchFamily="18" charset="-128"/>
-              <a:cs typeface="Times New Roman" panose="02020603050405020304" pitchFamily="18" charset="0"/>
-            </a:endParaRPr>
-          </a:p>
-          <a:p>
-            <a:pPr marL="0" indent="0" algn="l">
+            <a:pPr marL="0" indent="0">
               <a:buNone/>
             </a:pPr>
-            <a:endParaRPr lang="en-US" altLang="ja-JP" sz="1800" kern="100" dirty="0">
-              <a:effectLst/>
-              <a:latin typeface="游明朝" panose="02020400000000000000" pitchFamily="18" charset="-128"/>
-              <a:ea typeface="游明朝" panose="02020400000000000000" pitchFamily="18" charset="-128"/>
-              <a:cs typeface="Times New Roman" panose="02020603050405020304" pitchFamily="18" charset="0"/>
+            <a:r>
+              <a:rPr kumimoji="1" lang="ja-JP" altLang="en-US" sz="3500" b="1" dirty="0">
+                <a:solidFill>
+                  <a:srgbClr val="FF9999"/>
+                </a:solidFill>
+              </a:rPr>
+              <a:t>デザイン</a:t>
+            </a:r>
+            <a:endParaRPr kumimoji="1" lang="en-US" altLang="ja-JP" sz="3500" b="1" dirty="0">
+              <a:solidFill>
+                <a:srgbClr val="FF9999"/>
+              </a:solidFill>
             </a:endParaRPr>
           </a:p>
           <a:p>
-            <a:pPr marL="0" indent="0" algn="l">
+            <a:pPr marL="0" indent="0">
               <a:buNone/>
             </a:pPr>
             <a:r>
-              <a:rPr lang="ja-JP" altLang="en-US" sz="1800" kern="100" dirty="0">
-                <a:latin typeface="游明朝" panose="02020400000000000000" pitchFamily="18" charset="-128"/>
-                <a:ea typeface="游明朝" panose="02020400000000000000" pitchFamily="18" charset="-128"/>
-                <a:cs typeface="Times New Roman" panose="02020603050405020304" pitchFamily="18" charset="0"/>
+              <a:rPr lang="en-US" altLang="ja-JP" sz="3600" b="1" dirty="0">
+                <a:solidFill>
+                  <a:srgbClr val="FF9999"/>
+                </a:solidFill>
               </a:rPr>
-              <a:t>ちーむ</a:t>
-            </a:r>
-            <a:endParaRPr lang="en-US" altLang="ja-JP" sz="1800" kern="100" dirty="0">
-              <a:effectLst/>
-              <a:latin typeface="游明朝" panose="02020400000000000000" pitchFamily="18" charset="-128"/>
-              <a:ea typeface="游明朝" panose="02020400000000000000" pitchFamily="18" charset="-128"/>
-              <a:cs typeface="Times New Roman" panose="02020603050405020304" pitchFamily="18" charset="0"/>
+              <a:t>	</a:t>
+            </a:r>
+            <a:r>
+              <a:rPr lang="ja-JP" altLang="en-US" dirty="0"/>
+              <a:t>青で食欲減退</a:t>
+            </a:r>
+            <a:r>
+              <a:rPr lang="en-US" altLang="ja-JP" sz="3600" b="1" dirty="0">
+                <a:solidFill>
+                  <a:srgbClr val="FF9999"/>
+                </a:solidFill>
+              </a:rPr>
+              <a:t>	</a:t>
+            </a:r>
+          </a:p>
+          <a:p>
+            <a:pPr marL="0" indent="0">
+              <a:buNone/>
+            </a:pPr>
+            <a:r>
+              <a:rPr lang="ja-JP" altLang="en-US" sz="3500" b="1" dirty="0">
+                <a:solidFill>
+                  <a:srgbClr val="FF9999"/>
+                </a:solidFill>
+              </a:rPr>
+              <a:t>認識合わせ</a:t>
+            </a:r>
+            <a:endParaRPr lang="en-US" altLang="ja-JP" sz="3500" b="1" dirty="0">
+              <a:solidFill>
+                <a:srgbClr val="FF9999"/>
+              </a:solidFill>
             </a:endParaRPr>
           </a:p>
           <a:p>
-            <a:r>
-              <a:rPr kumimoji="1" lang="ja-JP" altLang="en-US" sz="1800" dirty="0">
-                <a:latin typeface="+mn-ea"/>
+            <a:pPr marL="0" indent="0">
+              <a:buNone/>
+            </a:pPr>
+            <a:r>
+              <a:rPr lang="en-US" altLang="ja-JP" dirty="0"/>
+              <a:t>	</a:t>
+            </a:r>
+            <a:r>
+              <a:rPr lang="ja-JP" altLang="en-US" u="sng" dirty="0"/>
+              <a:t>進捗管理</a:t>
+            </a:r>
+            <a:r>
+              <a:rPr lang="en-US" altLang="ja-JP" dirty="0"/>
+              <a:t>	</a:t>
+            </a:r>
+            <a:r>
+              <a:rPr lang="ja-JP" altLang="en-US" dirty="0"/>
+              <a:t>口頭・ガントチャート</a:t>
+            </a:r>
+            <a:endParaRPr lang="en-US" altLang="ja-JP" dirty="0"/>
+          </a:p>
+          <a:p>
+            <a:pPr marL="0" indent="0">
+              <a:buNone/>
+            </a:pPr>
+            <a:r>
+              <a:rPr lang="en-US" altLang="ja-JP" dirty="0"/>
+              <a:t>	</a:t>
+            </a:r>
+            <a:r>
+              <a:rPr lang="ja-JP" altLang="en-US" u="sng" dirty="0"/>
+              <a:t>情報共有</a:t>
+            </a:r>
+            <a:r>
+              <a:rPr lang="en-US" altLang="ja-JP" dirty="0"/>
+              <a:t>	</a:t>
+            </a:r>
+            <a:r>
+              <a:rPr lang="ja-JP" altLang="en-US" dirty="0"/>
+              <a:t>朝：その日に取り組むこと</a:t>
+            </a:r>
+            <a:endParaRPr lang="en-US" altLang="ja-JP" dirty="0"/>
+          </a:p>
+          <a:p>
+            <a:pPr marL="0" indent="0">
+              <a:buNone/>
+            </a:pPr>
+            <a:r>
+              <a:rPr lang="en-US" altLang="ja-JP" dirty="0"/>
+              <a:t>			</a:t>
+            </a:r>
+            <a:r>
+              <a:rPr lang="ja-JP" altLang="en-US" dirty="0"/>
+              <a:t>終業前：その日のまとめと翌日に行うこと</a:t>
+            </a:r>
+            <a:endParaRPr lang="en-US" altLang="ja-JP" dirty="0"/>
+          </a:p>
+          <a:p>
+            <a:pPr marL="0" indent="0">
+              <a:buNone/>
+            </a:pPr>
+            <a:r>
+              <a:rPr kumimoji="1" lang="ja-JP" altLang="en-US" sz="3500" b="1" dirty="0">
+                <a:solidFill>
+                  <a:srgbClr val="FF9999"/>
+                </a:solidFill>
               </a:rPr>
-              <a:t>デザイン　青で食欲減退</a:t>
-            </a:r>
-            <a:endParaRPr lang="en-US" altLang="ja-JP" sz="1800" kern="100" dirty="0">
-              <a:effectLst/>
-              <a:latin typeface="游明朝" panose="02020400000000000000" pitchFamily="18" charset="-128"/>
-              <a:ea typeface="游明朝" panose="02020400000000000000" pitchFamily="18" charset="-128"/>
-              <a:cs typeface="Times New Roman" panose="02020603050405020304" pitchFamily="18" charset="0"/>
+              <a:t>教えあい</a:t>
+            </a:r>
+            <a:endParaRPr kumimoji="1" lang="en-US" altLang="ja-JP" sz="3500" b="1" dirty="0">
+              <a:solidFill>
+                <a:srgbClr val="FF9999"/>
+              </a:solidFill>
             </a:endParaRPr>
           </a:p>
           <a:p>
-            <a:pPr algn="l"/>
-            <a:r>
-              <a:rPr lang="ja-JP" altLang="ja-JP" sz="1800" kern="100" dirty="0">
-                <a:effectLst/>
-                <a:latin typeface="游明朝" panose="02020400000000000000" pitchFamily="18" charset="-128"/>
-                <a:ea typeface="游明朝" panose="02020400000000000000" pitchFamily="18" charset="-128"/>
-                <a:cs typeface="Times New Roman" panose="02020603050405020304" pitchFamily="18" charset="0"/>
-              </a:rPr>
-              <a:t>ボトムアップ</a:t>
-            </a:r>
-            <a:r>
-              <a:rPr lang="ja-JP" altLang="en-US" sz="1800" kern="100" dirty="0">
-                <a:effectLst/>
-                <a:latin typeface="游明朝" panose="02020400000000000000" pitchFamily="18" charset="-128"/>
-                <a:ea typeface="游明朝" panose="02020400000000000000" pitchFamily="18" charset="-128"/>
-                <a:cs typeface="Times New Roman" panose="02020603050405020304" pitchFamily="18" charset="0"/>
-              </a:rPr>
-              <a:t>　</a:t>
-            </a:r>
-            <a:endParaRPr lang="ja-JP" altLang="ja-JP" sz="1800" kern="100" dirty="0">
-              <a:effectLst/>
-              <a:latin typeface="游明朝" panose="02020400000000000000" pitchFamily="18" charset="-128"/>
-              <a:ea typeface="游明朝" panose="02020400000000000000" pitchFamily="18" charset="-128"/>
-              <a:cs typeface="Times New Roman" panose="02020603050405020304" pitchFamily="18" charset="0"/>
-            </a:endParaRPr>
-          </a:p>
-          <a:p>
-            <a:pPr algn="l"/>
-            <a:r>
-              <a:rPr lang="ja-JP" altLang="ja-JP" sz="1800" kern="100" dirty="0">
-                <a:effectLst/>
-                <a:latin typeface="游明朝" panose="02020400000000000000" pitchFamily="18" charset="-128"/>
-                <a:ea typeface="游明朝" panose="02020400000000000000" pitchFamily="18" charset="-128"/>
-                <a:cs typeface="Times New Roman" panose="02020603050405020304" pitchFamily="18" charset="0"/>
-              </a:rPr>
-              <a:t>進捗管理（ガントチャート、口頭）</a:t>
-            </a:r>
-            <a:r>
-              <a:rPr lang="ja-JP" altLang="en-US" sz="1800" kern="100" dirty="0">
-                <a:effectLst/>
-                <a:latin typeface="游明朝" panose="02020400000000000000" pitchFamily="18" charset="-128"/>
-                <a:ea typeface="游明朝" panose="02020400000000000000" pitchFamily="18" charset="-128"/>
-                <a:cs typeface="Times New Roman" panose="02020603050405020304" pitchFamily="18" charset="0"/>
-              </a:rPr>
-              <a:t>　</a:t>
-            </a:r>
-            <a:endParaRPr lang="en-US" altLang="ja-JP" sz="1800" kern="100" dirty="0">
-              <a:effectLst/>
-              <a:latin typeface="游明朝" panose="02020400000000000000" pitchFamily="18" charset="-128"/>
-              <a:ea typeface="游明朝" panose="02020400000000000000" pitchFamily="18" charset="-128"/>
-              <a:cs typeface="Times New Roman" panose="02020603050405020304" pitchFamily="18" charset="0"/>
-            </a:endParaRPr>
-          </a:p>
-          <a:p>
-            <a:pPr algn="l"/>
-            <a:r>
-              <a:rPr lang="ja-JP" altLang="ja-JP" sz="1800" kern="100" dirty="0">
-                <a:effectLst/>
-                <a:latin typeface="游明朝" panose="02020400000000000000" pitchFamily="18" charset="-128"/>
-                <a:ea typeface="游明朝" panose="02020400000000000000" pitchFamily="18" charset="-128"/>
-                <a:cs typeface="Times New Roman" panose="02020603050405020304" pitchFamily="18" charset="0"/>
-              </a:rPr>
-              <a:t>朝にその日に取り組むことを共有</a:t>
-            </a:r>
-          </a:p>
-          <a:p>
-            <a:pPr algn="l"/>
-            <a:r>
-              <a:rPr lang="ja-JP" altLang="ja-JP" sz="1800" kern="100" dirty="0">
-                <a:effectLst/>
-                <a:latin typeface="游明朝" panose="02020400000000000000" pitchFamily="18" charset="-128"/>
-                <a:ea typeface="游明朝" panose="02020400000000000000" pitchFamily="18" charset="-128"/>
-                <a:cs typeface="Times New Roman" panose="02020603050405020304" pitchFamily="18" charset="0"/>
-              </a:rPr>
-              <a:t>チーム作業（教え合い）</a:t>
-            </a:r>
-          </a:p>
-          <a:p>
-            <a:pPr algn="l"/>
-            <a:r>
-              <a:rPr lang="ja-JP" altLang="ja-JP" sz="1800" kern="100" dirty="0">
-                <a:effectLst/>
-                <a:latin typeface="游明朝" panose="02020400000000000000" pitchFamily="18" charset="-128"/>
-                <a:ea typeface="游明朝" panose="02020400000000000000" pitchFamily="18" charset="-128"/>
-                <a:cs typeface="Times New Roman" panose="02020603050405020304" pitchFamily="18" charset="0"/>
-              </a:rPr>
-              <a:t>その日のまとめと翌日に行うことの共有</a:t>
-            </a:r>
-            <a:endParaRPr kumimoji="1" lang="en-US" altLang="ja-JP" dirty="0">
-              <a:latin typeface="+mn-ea"/>
-            </a:endParaRPr>
-          </a:p>
-          <a:p>
-            <a:endParaRPr kumimoji="1" lang="en-US" altLang="ja-JP" dirty="0">
-              <a:latin typeface="+mn-ea"/>
-            </a:endParaRPr>
+            <a:pPr marL="0" indent="0">
+              <a:buNone/>
+            </a:pPr>
+            <a:r>
+              <a:rPr lang="en-US" altLang="ja-JP" dirty="0"/>
+              <a:t>	</a:t>
+            </a:r>
+            <a:r>
+              <a:rPr lang="ja-JP" altLang="en-US" dirty="0"/>
+              <a:t>チーム作業</a:t>
+            </a:r>
+            <a:endParaRPr lang="en-US" altLang="ja-JP" dirty="0"/>
+          </a:p>
+          <a:p>
+            <a:pPr marL="0" indent="0">
+              <a:buNone/>
+            </a:pPr>
+            <a:r>
+              <a:rPr kumimoji="1" lang="en-US" altLang="ja-JP" dirty="0"/>
+              <a:t>	</a:t>
+            </a:r>
+            <a:r>
+              <a:rPr kumimoji="1" lang="ja-JP" altLang="en-US" dirty="0"/>
+              <a:t>勉強会で全体のボトムアップ</a:t>
+            </a:r>
+            <a:endParaRPr kumimoji="1" lang="en-US" altLang="ja-JP" dirty="0"/>
           </a:p>
         </p:txBody>
       </p:sp>
     </p:spTree>
     <p:extLst>
       <p:ext uri="{BB962C8B-B14F-4D97-AF65-F5344CB8AC3E}">
-        <p14:creationId xmlns:p14="http://schemas.microsoft.com/office/powerpoint/2010/main" val="302722167"/>
+        <p14:creationId xmlns:p14="http://schemas.microsoft.com/office/powerpoint/2010/main" val="4266937789"/>
       </p:ext>
     </p:extLst>
   </p:cSld>
@@ -15895,112 +13460,6 @@
 </file>
 
 <file path=ppt/slides/slide21.xml><?xml version="1.0" encoding="utf-8"?>
-<p:sld xmlns:a="http://schemas.openxmlformats.org/drawingml/2006/main" xmlns:r="http://schemas.openxmlformats.org/officeDocument/2006/relationships" xmlns:p="http://schemas.openxmlformats.org/presentationml/2006/main">
-  <p:cSld>
-    <p:spTree>
-      <p:nvGrpSpPr>
-        <p:cNvPr id="1" name=""/>
-        <p:cNvGrpSpPr/>
-        <p:nvPr/>
-      </p:nvGrpSpPr>
-      <p:grpSpPr>
-        <a:xfrm>
-          <a:off x="0" y="0"/>
-          <a:ext cx="0" cy="0"/>
-          <a:chOff x="0" y="0"/>
-          <a:chExt cx="0" cy="0"/>
-        </a:xfrm>
-      </p:grpSpPr>
-      <p:sp>
-        <p:nvSpPr>
-          <p:cNvPr id="8" name="タイトル 7">
-            <a:extLst>
-              <a:ext uri="{FF2B5EF4-FFF2-40B4-BE49-F238E27FC236}">
-                <a16:creationId xmlns:a16="http://schemas.microsoft.com/office/drawing/2014/main" id="{AFCE6DFB-2EFD-4D65-A992-7009CCE8017B}"/>
-              </a:ext>
-            </a:extLst>
-          </p:cNvPr>
-          <p:cNvSpPr>
-            <a:spLocks noGrp="1"/>
-          </p:cNvSpPr>
-          <p:nvPr>
-            <p:ph type="title"/>
-          </p:nvPr>
-        </p:nvSpPr>
-        <p:spPr>
-          <a:xfrm>
-            <a:off x="838200" y="305748"/>
-            <a:ext cx="10515600" cy="1325563"/>
-          </a:xfrm>
-        </p:spPr>
-        <p:txBody>
-          <a:bodyPr/>
-          <a:lstStyle/>
-          <a:p>
-            <a:r>
-              <a:rPr lang="ja-JP" altLang="en-US" b="1" dirty="0">
-                <a:latin typeface="+mn-ea"/>
-                <a:ea typeface="+mn-ea"/>
-              </a:rPr>
-              <a:t>グループ内での工夫</a:t>
-            </a:r>
-          </a:p>
-        </p:txBody>
-      </p:sp>
-      <p:graphicFrame>
-        <p:nvGraphicFramePr>
-          <p:cNvPr id="23" name="図表 22">
-            <a:extLst>
-              <a:ext uri="{FF2B5EF4-FFF2-40B4-BE49-F238E27FC236}">
-                <a16:creationId xmlns:a16="http://schemas.microsoft.com/office/drawing/2014/main" id="{A32D2565-D160-4562-8ECB-A27A696CA143}"/>
-              </a:ext>
-            </a:extLst>
-          </p:cNvPr>
-          <p:cNvGraphicFramePr/>
-          <p:nvPr>
-            <p:extLst>
-              <p:ext uri="{D42A27DB-BD31-4B8C-83A1-F6EECF244321}">
-                <p14:modId xmlns:p14="http://schemas.microsoft.com/office/powerpoint/2010/main" val="378558473"/>
-              </p:ext>
-            </p:extLst>
-          </p:nvPr>
-        </p:nvGraphicFramePr>
-        <p:xfrm>
-          <a:off x="838200" y="1790700"/>
-          <a:ext cx="10515600" cy="4835731"/>
-        </p:xfrm>
-        <a:graphic>
-          <a:graphicData uri="http://schemas.openxmlformats.org/drawingml/2006/diagram">
-            <dgm:relIds xmlns:dgm="http://schemas.openxmlformats.org/drawingml/2006/diagram" xmlns:r="http://schemas.openxmlformats.org/officeDocument/2006/relationships" r:dm="rId3" r:lo="rId4" r:qs="rId5" r:cs="rId6"/>
-          </a:graphicData>
-        </a:graphic>
-      </p:graphicFrame>
-    </p:spTree>
-    <p:extLst>
-      <p:ext uri="{BB962C8B-B14F-4D97-AF65-F5344CB8AC3E}">
-        <p14:creationId xmlns:p14="http://schemas.microsoft.com/office/powerpoint/2010/main" val="4043240865"/>
-      </p:ext>
-    </p:extLst>
-  </p:cSld>
-  <p:clrMapOvr>
-    <a:masterClrMapping/>
-  </p:clrMapOvr>
-  <mc:AlternateContent xmlns:mc="http://schemas.openxmlformats.org/markup-compatibility/2006" xmlns:p14="http://schemas.microsoft.com/office/powerpoint/2010/main">
-    <mc:Choice Requires="p14">
-      <p:transition spd="med" p14:dur="700">
-        <p:fade/>
-      </p:transition>
-    </mc:Choice>
-    <mc:Fallback xmlns="">
-      <p:transition spd="med">
-        <p:fade/>
-      </p:transition>
-    </mc:Fallback>
-  </mc:AlternateContent>
-</p:sld>
-</file>
-
-<file path=ppt/slides/slide22.xml><?xml version="1.0" encoding="utf-8"?>
 <p:sld xmlns:a="http://schemas.openxmlformats.org/drawingml/2006/main" xmlns:r="http://schemas.openxmlformats.org/officeDocument/2006/relationships" xmlns:p="http://schemas.openxmlformats.org/presentationml/2006/main">
   <p:cSld>
     <p:spTree>
@@ -16113,7 +13572,7 @@
 </p:sld>
 </file>
 
-<file path=ppt/slides/slide23.xml><?xml version="1.0" encoding="utf-8"?>
+<file path=ppt/slides/slide22.xml><?xml version="1.0" encoding="utf-8"?>
 <p:sld xmlns:a="http://schemas.openxmlformats.org/drawingml/2006/main" xmlns:r="http://schemas.openxmlformats.org/officeDocument/2006/relationships" xmlns:p="http://schemas.openxmlformats.org/presentationml/2006/main">
   <p:cSld>
     <p:spTree>
@@ -16208,159 +13667,130 @@
         </p:spPr>
         <p:txBody>
           <a:bodyPr>
-            <a:normAutofit/>
+            <a:normAutofit lnSpcReduction="10000"/>
           </a:bodyPr>
           <a:lstStyle/>
-          <a:p>
-            <a:r>
-              <a:rPr kumimoji="1" lang="ja-JP" altLang="en-US" dirty="0">
-                <a:latin typeface="+mn-ea"/>
-              </a:rPr>
-              <a:t>技術</a:t>
-            </a:r>
-            <a:endParaRPr kumimoji="1" lang="en-US" altLang="ja-JP" dirty="0">
-              <a:latin typeface="+mn-ea"/>
-            </a:endParaRPr>
-          </a:p>
-          <a:p>
-            <a:r>
-              <a:rPr kumimoji="1" lang="en-US" altLang="ja-JP" dirty="0">
-                <a:latin typeface="+mn-ea"/>
-              </a:rPr>
-              <a:t>4</a:t>
-            </a:r>
-            <a:r>
-              <a:rPr kumimoji="1" lang="ja-JP" altLang="en-US" dirty="0">
-                <a:latin typeface="+mn-ea"/>
-              </a:rPr>
-              <a:t>･</a:t>
-            </a:r>
-            <a:r>
-              <a:rPr kumimoji="1" lang="en-US" altLang="ja-JP" dirty="0">
-                <a:latin typeface="+mn-ea"/>
-              </a:rPr>
-              <a:t>5</a:t>
-            </a:r>
-            <a:r>
-              <a:rPr kumimoji="1" lang="ja-JP" altLang="en-US" dirty="0">
-                <a:latin typeface="+mn-ea"/>
-              </a:rPr>
-              <a:t>月で学んだことの理解度が増した</a:t>
-            </a:r>
-            <a:endParaRPr kumimoji="1" lang="en-US" altLang="ja-JP" dirty="0">
-              <a:latin typeface="+mn-ea"/>
-            </a:endParaRPr>
-          </a:p>
-          <a:p>
-            <a:r>
-              <a:rPr lang="ja-JP" altLang="en-US" dirty="0">
-                <a:latin typeface="+mn-ea"/>
-              </a:rPr>
-              <a:t>チーム内・講師に質問・コーディングを繰り返すことでスキルアップ</a:t>
-            </a:r>
-            <a:endParaRPr lang="en-US" altLang="ja-JP" dirty="0">
-              <a:latin typeface="+mn-ea"/>
-            </a:endParaRPr>
-          </a:p>
-          <a:p>
-            <a:r>
-              <a:rPr lang="ja-JP" altLang="en-US" dirty="0">
-                <a:latin typeface="+mn-ea"/>
-              </a:rPr>
-              <a:t>学んだ技術を応用する難しさ</a:t>
-            </a:r>
-            <a:endParaRPr lang="en-US" altLang="ja-JP" dirty="0">
-              <a:latin typeface="+mn-ea"/>
-            </a:endParaRPr>
-          </a:p>
           <a:p>
             <a:pPr marL="0" indent="0">
               <a:buNone/>
             </a:pPr>
             <a:r>
-              <a:rPr kumimoji="1" lang="ja-JP" altLang="en-US" dirty="0">
-                <a:latin typeface="+mn-ea"/>
+              <a:rPr kumimoji="1" lang="ja-JP" altLang="en-US" sz="3600" b="1" dirty="0">
+                <a:solidFill>
+                  <a:srgbClr val="FF9999"/>
+                </a:solidFill>
               </a:rPr>
-              <a:t>計画性　</a:t>
-            </a:r>
-            <a:endParaRPr kumimoji="1" lang="en-US" altLang="ja-JP" dirty="0">
-              <a:latin typeface="+mn-ea"/>
-            </a:endParaRPr>
+              <a:t>計画の重要性</a:t>
+            </a:r>
+            <a:r>
+              <a:rPr kumimoji="1" lang="en-US" altLang="ja-JP" sz="3900" dirty="0"/>
+              <a:t>	</a:t>
+            </a:r>
           </a:p>
           <a:p>
             <a:pPr marL="0" indent="0">
               <a:buNone/>
             </a:pPr>
             <a:r>
-              <a:rPr kumimoji="1" lang="ja-JP" altLang="en-US" dirty="0">
-                <a:latin typeface="+mn-ea"/>
-              </a:rPr>
-              <a:t>外部設計段階で見切り発車だった</a:t>
-            </a:r>
-            <a:endParaRPr kumimoji="1" lang="en-US" altLang="ja-JP" dirty="0">
-              <a:latin typeface="+mn-ea"/>
-            </a:endParaRPr>
+              <a:rPr lang="en-US" altLang="ja-JP" sz="3600" dirty="0"/>
+              <a:t>	</a:t>
+            </a:r>
+            <a:r>
+              <a:rPr kumimoji="1" lang="ja-JP" altLang="en-US" dirty="0"/>
+              <a:t>設計段階で見切り発車だった部分があった</a:t>
+            </a:r>
+            <a:endParaRPr kumimoji="1" lang="en-US" altLang="ja-JP" dirty="0"/>
           </a:p>
           <a:p>
             <a:pPr marL="0" indent="0">
               <a:buNone/>
             </a:pPr>
             <a:r>
-              <a:rPr lang="ja-JP" altLang="en-US" dirty="0">
-                <a:latin typeface="+mn-ea"/>
-              </a:rPr>
-              <a:t>具体的にどう実現できるか想像するべきだと学んだ</a:t>
-            </a:r>
-            <a:endParaRPr kumimoji="1" lang="en-US" altLang="ja-JP" dirty="0">
-              <a:latin typeface="+mn-ea"/>
-            </a:endParaRPr>
+              <a:rPr kumimoji="1" lang="en-US" altLang="ja-JP" dirty="0"/>
+              <a:t>	</a:t>
+            </a:r>
+            <a:r>
+              <a:rPr kumimoji="1" lang="ja-JP" altLang="en-US" dirty="0"/>
+              <a:t>設計書の重要性への理解が足りていなかった</a:t>
+            </a:r>
+            <a:endParaRPr kumimoji="1" lang="en-US" altLang="ja-JP" dirty="0"/>
           </a:p>
           <a:p>
             <a:pPr marL="0" indent="0">
               <a:buNone/>
             </a:pPr>
             <a:r>
-              <a:rPr lang="ja-JP" altLang="ja-JP" sz="1800">
-                <a:effectLst/>
-                <a:ea typeface="游明朝" panose="02020400000000000000" pitchFamily="18" charset="-128"/>
-                <a:cs typeface="Times New Roman" panose="02020603050405020304" pitchFamily="18" charset="0"/>
+              <a:rPr lang="en-US" altLang="ja-JP" dirty="0"/>
+              <a:t>		</a:t>
+            </a:r>
+            <a:r>
+              <a:rPr kumimoji="1" lang="ja-JP" altLang="en-US" dirty="0"/>
+              <a:t>要件定義書にない変更することに抵抗がなかった</a:t>
+            </a:r>
+            <a:endParaRPr kumimoji="1" lang="en-US" altLang="ja-JP" b="1" dirty="0">
+              <a:solidFill>
+                <a:srgbClr val="FF9999"/>
+              </a:solidFill>
+            </a:endParaRPr>
+          </a:p>
+          <a:p>
+            <a:pPr marL="0" indent="0">
+              <a:buNone/>
+            </a:pPr>
+            <a:endParaRPr kumimoji="1" lang="en-US" altLang="ja-JP" sz="3600" b="1" dirty="0">
+              <a:solidFill>
+                <a:srgbClr val="FF9999"/>
+              </a:solidFill>
+            </a:endParaRPr>
+          </a:p>
+          <a:p>
+            <a:pPr marL="0" indent="0">
+              <a:buNone/>
+            </a:pPr>
+            <a:r>
+              <a:rPr kumimoji="1" lang="ja-JP" altLang="en-US" sz="3600" b="1" dirty="0">
+                <a:solidFill>
+                  <a:srgbClr val="FF9999"/>
+                </a:solidFill>
               </a:rPr>
-              <a:t>要件</a:t>
-            </a:r>
-            <a:r>
-              <a:rPr lang="ja-JP" altLang="ja-JP" sz="1800" dirty="0">
-                <a:effectLst/>
-                <a:ea typeface="游明朝" panose="02020400000000000000" pitchFamily="18" charset="-128"/>
-                <a:cs typeface="Times New Roman" panose="02020603050405020304" pitchFamily="18" charset="0"/>
-              </a:rPr>
-              <a:t>定義にない変更</a:t>
-            </a:r>
-            <a:r>
-              <a:rPr lang="ja-JP" altLang="en-US" sz="1800" dirty="0">
-                <a:effectLst/>
-                <a:ea typeface="游明朝" panose="02020400000000000000" pitchFamily="18" charset="-128"/>
-                <a:cs typeface="Times New Roman" panose="02020603050405020304" pitchFamily="18" charset="0"/>
-              </a:rPr>
-              <a:t>をすることに</a:t>
-            </a:r>
-            <a:r>
-              <a:rPr lang="ja-JP" altLang="ja-JP" sz="1800" dirty="0">
-                <a:effectLst/>
-                <a:ea typeface="游明朝" panose="02020400000000000000" pitchFamily="18" charset="-128"/>
-                <a:cs typeface="Times New Roman" panose="02020603050405020304" pitchFamily="18" charset="0"/>
-              </a:rPr>
-              <a:t>あまり抵抗がなく、設計書の重要性を理解していなかった</a:t>
-            </a:r>
-            <a:endParaRPr kumimoji="1" lang="en-US" altLang="ja-JP" dirty="0">
-              <a:latin typeface="+mn-ea"/>
-            </a:endParaRPr>
+              <a:t>技術に関して</a:t>
+            </a:r>
+            <a:endParaRPr kumimoji="1" lang="en-US" altLang="ja-JP" dirty="0"/>
+          </a:p>
+          <a:p>
+            <a:pPr marL="0" indent="0">
+              <a:buNone/>
+            </a:pPr>
+            <a:r>
+              <a:rPr lang="en-US" altLang="ja-JP" dirty="0"/>
+              <a:t>	</a:t>
+            </a:r>
+            <a:r>
+              <a:rPr kumimoji="1" lang="ja-JP" altLang="en-US" dirty="0"/>
+              <a:t>質問・コーディングを繰り返しスキルアップ</a:t>
+            </a:r>
+            <a:endParaRPr kumimoji="1" lang="en-US" altLang="ja-JP" dirty="0"/>
+          </a:p>
+          <a:p>
+            <a:pPr marL="0" indent="0">
+              <a:buNone/>
+            </a:pPr>
+            <a:r>
+              <a:rPr kumimoji="1" lang="en-US" altLang="ja-JP" dirty="0"/>
+              <a:t>	</a:t>
+            </a:r>
+            <a:r>
+              <a:rPr kumimoji="1" lang="ja-JP" altLang="en-US" dirty="0"/>
+              <a:t>学んだ技術を応用する難しさ</a:t>
+            </a:r>
+            <a:endParaRPr kumimoji="1" lang="en-US" altLang="ja-JP" dirty="0"/>
           </a:p>
         </p:txBody>
       </p:sp>
     </p:spTree>
     <p:extLst>
       <p:ext uri="{BB962C8B-B14F-4D97-AF65-F5344CB8AC3E}">
-        <p14:creationId xmlns:p14="http://schemas.microsoft.com/office/powerpoint/2010/main" val="2703245197"/>
+        <p14:creationId xmlns:p14="http://schemas.microsoft.com/office/powerpoint/2010/main" val="2645700443"/>
       </p:ext>
     </p:extLst>
   </p:cSld>
@@ -16382,7 +13812,7 @@
 </p:sld>
 </file>
 
-<file path=ppt/slides/slide24.xml><?xml version="1.0" encoding="utf-8"?>
+<file path=ppt/slides/slide23.xml><?xml version="1.0" encoding="utf-8"?>
 <p:sld xmlns:a="http://schemas.openxmlformats.org/drawingml/2006/main" xmlns:r="http://schemas.openxmlformats.org/officeDocument/2006/relationships" xmlns:p="http://schemas.openxmlformats.org/presentationml/2006/main">
   <p:cSld>
     <p:spTree>

--- a/共有用フォルダー/成果発表.pptx
+++ b/共有用フォルダー/成果発表.pptx
@@ -5,7 +5,7 @@
     <p:sldMasterId id="2147483648" r:id="rId1"/>
   </p:sldMasterIdLst>
   <p:notesMasterIdLst>
-    <p:notesMasterId r:id="rId25"/>
+    <p:notesMasterId r:id="rId26"/>
   </p:notesMasterIdLst>
   <p:sldIdLst>
     <p:sldId id="256" r:id="rId2"/>
@@ -30,7 +30,8 @@
     <p:sldId id="292" r:id="rId21"/>
     <p:sldId id="286" r:id="rId22"/>
     <p:sldId id="291" r:id="rId23"/>
-    <p:sldId id="261" r:id="rId24"/>
+    <p:sldId id="293" r:id="rId24"/>
+    <p:sldId id="295" r:id="rId25"/>
   </p:sldIdLst>
   <p:sldSz cx="12192000" cy="6858000"/>
   <p:notesSz cx="6858000" cy="9144000"/>
@@ -3885,6 +3886,29 @@
           <a:bodyPr/>
           <a:lstStyle/>
           <a:p>
+            <a:pPr marL="0" marR="0" lvl="0" indent="0" algn="l" defTabSz="914400" rtl="0" eaLnBrk="1" fontAlgn="auto" latinLnBrk="0" hangingPunct="1">
+              <a:lnSpc>
+                <a:spcPct val="100000"/>
+              </a:lnSpc>
+              <a:spcBef>
+                <a:spcPts val="0"/>
+              </a:spcBef>
+              <a:spcAft>
+                <a:spcPts val="0"/>
+              </a:spcAft>
+              <a:buClrTx/>
+              <a:buSzTx/>
+              <a:buFontTx/>
+              <a:buNone/>
+              <a:tabLst/>
+              <a:defRPr/>
+            </a:pPr>
+            <a:r>
+              <a:rPr kumimoji="1" lang="ja-JP" altLang="en-US" dirty="0"/>
+              <a:t>２つ目、「変化が分かる」についてです。</a:t>
+            </a:r>
+          </a:p>
+          <a:p>
             <a:endParaRPr kumimoji="1" lang="ja-JP" altLang="en-US" dirty="0"/>
           </a:p>
         </p:txBody>
@@ -3906,7 +3930,7 @@
           <a:p>
             <a:fld id="{C59D74C6-9C2E-47F2-9943-FD41646989DE}" type="slidenum">
               <a:rPr kumimoji="1" lang="ja-JP" altLang="en-US" smtClean="0"/>
-              <a:t>13</a:t>
+              <a:t>12</a:t>
             </a:fld>
             <a:endParaRPr kumimoji="1" lang="ja-JP" altLang="en-US"/>
           </a:p>
@@ -3915,7 +3939,7 @@
     </p:spTree>
     <p:extLst>
       <p:ext uri="{BB962C8B-B14F-4D97-AF65-F5344CB8AC3E}">
-        <p14:creationId xmlns:p14="http://schemas.microsoft.com/office/powerpoint/2010/main" val="2337115857"/>
+        <p14:creationId xmlns:p14="http://schemas.microsoft.com/office/powerpoint/2010/main" val="1302370530"/>
       </p:ext>
     </p:extLst>
   </p:cSld>
@@ -3990,7 +4014,7 @@
           <a:p>
             <a:fld id="{C59D74C6-9C2E-47F2-9943-FD41646989DE}" type="slidenum">
               <a:rPr kumimoji="1" lang="ja-JP" altLang="en-US" smtClean="0"/>
-              <a:t>15</a:t>
+              <a:t>13</a:t>
             </a:fld>
             <a:endParaRPr kumimoji="1" lang="ja-JP" altLang="en-US"/>
           </a:p>
@@ -3999,7 +4023,7 @@
     </p:spTree>
     <p:extLst>
       <p:ext uri="{BB962C8B-B14F-4D97-AF65-F5344CB8AC3E}">
-        <p14:creationId xmlns:p14="http://schemas.microsoft.com/office/powerpoint/2010/main" val="1290740861"/>
+        <p14:creationId xmlns:p14="http://schemas.microsoft.com/office/powerpoint/2010/main" val="2337115857"/>
       </p:ext>
     </p:extLst>
   </p:cSld>
@@ -4053,6 +4077,29 @@
           <a:bodyPr/>
           <a:lstStyle/>
           <a:p>
+            <a:pPr marL="0" marR="0" lvl="0" indent="0" algn="l" defTabSz="914400" rtl="0" eaLnBrk="1" fontAlgn="auto" latinLnBrk="0" hangingPunct="1">
+              <a:lnSpc>
+                <a:spcPct val="100000"/>
+              </a:lnSpc>
+              <a:spcBef>
+                <a:spcPts val="0"/>
+              </a:spcBef>
+              <a:spcAft>
+                <a:spcPts val="0"/>
+              </a:spcAft>
+              <a:buClrTx/>
+              <a:buSzTx/>
+              <a:buFontTx/>
+              <a:buNone/>
+              <a:tabLst/>
+              <a:defRPr/>
+            </a:pPr>
+            <a:r>
+              <a:rPr kumimoji="1" lang="ja-JP" altLang="en-US" dirty="0"/>
+              <a:t>３つ目、「意識が変わる」についてです。</a:t>
+            </a:r>
+          </a:p>
+          <a:p>
             <a:endParaRPr kumimoji="1" lang="ja-JP" altLang="en-US" dirty="0"/>
           </a:p>
         </p:txBody>
@@ -4074,7 +4121,7 @@
           <a:p>
             <a:fld id="{C59D74C6-9C2E-47F2-9943-FD41646989DE}" type="slidenum">
               <a:rPr kumimoji="1" lang="ja-JP" altLang="en-US" smtClean="0"/>
-              <a:t>16</a:t>
+              <a:t>14</a:t>
             </a:fld>
             <a:endParaRPr kumimoji="1" lang="ja-JP" altLang="en-US"/>
           </a:p>
@@ -4083,7 +4130,7 @@
     </p:spTree>
     <p:extLst>
       <p:ext uri="{BB962C8B-B14F-4D97-AF65-F5344CB8AC3E}">
-        <p14:creationId xmlns:p14="http://schemas.microsoft.com/office/powerpoint/2010/main" val="3626295908"/>
+        <p14:creationId xmlns:p14="http://schemas.microsoft.com/office/powerpoint/2010/main" val="2435509904"/>
       </p:ext>
     </p:extLst>
   </p:cSld>
@@ -4137,9 +4184,7 @@
           <a:bodyPr/>
           <a:lstStyle/>
           <a:p>
-            <a:endParaRPr lang="en-US" altLang="ja-JP" sz="1200" b="0" dirty="0">
-              <a:latin typeface="+mn-ea"/>
-            </a:endParaRPr>
+            <a:endParaRPr kumimoji="1" lang="ja-JP" altLang="en-US" dirty="0"/>
           </a:p>
         </p:txBody>
       </p:sp>
@@ -4160,7 +4205,7 @@
           <a:p>
             <a:fld id="{C59D74C6-9C2E-47F2-9943-FD41646989DE}" type="slidenum">
               <a:rPr kumimoji="1" lang="ja-JP" altLang="en-US" smtClean="0"/>
-              <a:t>18</a:t>
+              <a:t>15</a:t>
             </a:fld>
             <a:endParaRPr kumimoji="1" lang="ja-JP" altLang="en-US"/>
           </a:p>
@@ -4169,7 +4214,7 @@
     </p:spTree>
     <p:extLst>
       <p:ext uri="{BB962C8B-B14F-4D97-AF65-F5344CB8AC3E}">
-        <p14:creationId xmlns:p14="http://schemas.microsoft.com/office/powerpoint/2010/main" val="1952297387"/>
+        <p14:creationId xmlns:p14="http://schemas.microsoft.com/office/powerpoint/2010/main" val="1290740861"/>
       </p:ext>
     </p:extLst>
   </p:cSld>
@@ -4223,286 +4268,7 @@
           <a:bodyPr/>
           <a:lstStyle/>
           <a:p>
-            <a:r>
-              <a:rPr kumimoji="1" lang="ja-JP" altLang="en-US" dirty="0">
-                <a:latin typeface="+mn-ea"/>
-              </a:rPr>
-              <a:t>デザイン</a:t>
-            </a:r>
-            <a:r>
-              <a:rPr kumimoji="1" lang="en-US" altLang="ja-JP" dirty="0">
-                <a:latin typeface="+mn-ea"/>
-              </a:rPr>
-              <a:t>	</a:t>
-            </a:r>
-            <a:r>
-              <a:rPr kumimoji="1" lang="ja-JP" altLang="en-US" dirty="0">
-                <a:latin typeface="+mn-ea"/>
-              </a:rPr>
-              <a:t>青で食欲減退</a:t>
-            </a:r>
-            <a:endParaRPr kumimoji="1" lang="en-US" altLang="ja-JP" dirty="0">
-              <a:latin typeface="+mn-ea"/>
-            </a:endParaRPr>
-          </a:p>
-          <a:p>
-            <a:endParaRPr lang="en-US" altLang="ja-JP" kern="100" dirty="0">
-              <a:effectLst/>
-              <a:latin typeface="+mn-ea"/>
-              <a:cs typeface="Times New Roman" panose="02020603050405020304" pitchFamily="18" charset="0"/>
-            </a:endParaRPr>
-          </a:p>
-          <a:p>
-            <a:r>
-              <a:rPr lang="ja-JP" altLang="en-US" kern="100" dirty="0">
-                <a:latin typeface="+mn-ea"/>
-                <a:cs typeface="Times New Roman" panose="02020603050405020304" pitchFamily="18" charset="0"/>
-              </a:rPr>
-              <a:t>認識合わせ</a:t>
-            </a:r>
-            <a:r>
-              <a:rPr lang="en-US" altLang="ja-JP" kern="100" dirty="0">
-                <a:latin typeface="+mn-ea"/>
-                <a:cs typeface="Times New Roman" panose="02020603050405020304" pitchFamily="18" charset="0"/>
-              </a:rPr>
-              <a:t>	</a:t>
-            </a:r>
-            <a:r>
-              <a:rPr lang="ja-JP" altLang="ja-JP" kern="100" dirty="0">
-                <a:effectLst/>
-                <a:latin typeface="+mn-ea"/>
-                <a:cs typeface="Times New Roman" panose="02020603050405020304" pitchFamily="18" charset="0"/>
-              </a:rPr>
-              <a:t>進捗管理（</a:t>
-            </a:r>
-            <a:r>
-              <a:rPr lang="ja-JP" altLang="en-US" dirty="0"/>
-              <a:t>口頭・ガントチャート</a:t>
-            </a:r>
-            <a:r>
-              <a:rPr lang="ja-JP" altLang="ja-JP" kern="100" dirty="0">
-                <a:effectLst/>
-                <a:latin typeface="+mn-ea"/>
-                <a:cs typeface="Times New Roman" panose="02020603050405020304" pitchFamily="18" charset="0"/>
-              </a:rPr>
-              <a:t>）</a:t>
-            </a:r>
-            <a:r>
-              <a:rPr lang="ja-JP" altLang="en-US" kern="100" dirty="0">
-                <a:effectLst/>
-                <a:latin typeface="+mn-ea"/>
-                <a:cs typeface="Times New Roman" panose="02020603050405020304" pitchFamily="18" charset="0"/>
-              </a:rPr>
-              <a:t>　</a:t>
-            </a:r>
-            <a:endParaRPr lang="en-US" altLang="ja-JP" kern="100" dirty="0">
-              <a:effectLst/>
-              <a:latin typeface="+mn-ea"/>
-              <a:cs typeface="Times New Roman" panose="02020603050405020304" pitchFamily="18" charset="0"/>
-            </a:endParaRPr>
-          </a:p>
-          <a:p>
-            <a:pPr marL="0" indent="0" algn="l">
-              <a:buNone/>
-            </a:pPr>
-            <a:r>
-              <a:rPr lang="en-US" altLang="ja-JP" kern="100" dirty="0">
-                <a:effectLst/>
-                <a:latin typeface="+mn-ea"/>
-                <a:cs typeface="Times New Roman" panose="02020603050405020304" pitchFamily="18" charset="0"/>
-              </a:rPr>
-              <a:t>	</a:t>
-            </a:r>
-            <a:r>
-              <a:rPr lang="ja-JP" altLang="ja-JP" kern="100" dirty="0">
-                <a:effectLst/>
-                <a:latin typeface="+mn-ea"/>
-                <a:cs typeface="Times New Roman" panose="02020603050405020304" pitchFamily="18" charset="0"/>
-              </a:rPr>
-              <a:t>朝にその日に取り組むことを共有</a:t>
-            </a:r>
-            <a:endParaRPr lang="en-US" altLang="ja-JP" kern="100" dirty="0">
-              <a:effectLst/>
-              <a:latin typeface="+mn-ea"/>
-              <a:cs typeface="Times New Roman" panose="02020603050405020304" pitchFamily="18" charset="0"/>
-            </a:endParaRPr>
-          </a:p>
-          <a:p>
-            <a:pPr marL="0" indent="0" algn="l">
-              <a:buNone/>
-            </a:pPr>
-            <a:r>
-              <a:rPr lang="en-US" altLang="ja-JP" kern="100" dirty="0">
-                <a:effectLst/>
-                <a:latin typeface="+mn-ea"/>
-                <a:cs typeface="Times New Roman" panose="02020603050405020304" pitchFamily="18" charset="0"/>
-              </a:rPr>
-              <a:t>	</a:t>
-            </a:r>
-            <a:r>
-              <a:rPr lang="ja-JP" altLang="en-US" kern="100" dirty="0">
-                <a:effectLst/>
-                <a:latin typeface="+mn-ea"/>
-                <a:cs typeface="Times New Roman" panose="02020603050405020304" pitchFamily="18" charset="0"/>
-              </a:rPr>
-              <a:t>終業前に</a:t>
-            </a:r>
-            <a:r>
-              <a:rPr lang="ja-JP" altLang="ja-JP" kern="100" dirty="0">
-                <a:effectLst/>
-                <a:latin typeface="+mn-ea"/>
-                <a:cs typeface="Times New Roman" panose="02020603050405020304" pitchFamily="18" charset="0"/>
-              </a:rPr>
-              <a:t>その日のまとめと翌日に行うことの共有</a:t>
-            </a:r>
-          </a:p>
-          <a:p>
-            <a:pPr algn="l"/>
-            <a:endParaRPr lang="en-US" altLang="ja-JP" kern="100" dirty="0">
-              <a:effectLst/>
-              <a:latin typeface="+mn-ea"/>
-              <a:cs typeface="Times New Roman" panose="02020603050405020304" pitchFamily="18" charset="0"/>
-            </a:endParaRPr>
-          </a:p>
-          <a:p>
-            <a:pPr algn="l"/>
-            <a:r>
-              <a:rPr lang="ja-JP" altLang="en-US" kern="100" dirty="0">
-                <a:effectLst/>
-                <a:latin typeface="+mn-ea"/>
-                <a:cs typeface="Times New Roman" panose="02020603050405020304" pitchFamily="18" charset="0"/>
-              </a:rPr>
-              <a:t>教えあい</a:t>
-            </a:r>
-            <a:r>
-              <a:rPr lang="en-US" altLang="ja-JP" kern="100" dirty="0">
-                <a:effectLst/>
-                <a:latin typeface="+mn-ea"/>
-                <a:cs typeface="Times New Roman" panose="02020603050405020304" pitchFamily="18" charset="0"/>
-              </a:rPr>
-              <a:t>	</a:t>
-            </a:r>
-            <a:r>
-              <a:rPr lang="ja-JP" altLang="ja-JP" kern="100" dirty="0">
-                <a:effectLst/>
-                <a:latin typeface="+mn-ea"/>
-                <a:cs typeface="Times New Roman" panose="02020603050405020304" pitchFamily="18" charset="0"/>
-              </a:rPr>
-              <a:t>チーム作業（教え合い）</a:t>
-            </a:r>
-            <a:r>
-              <a:rPr lang="ja-JP" altLang="en-US" kern="100" dirty="0">
-                <a:effectLst/>
-                <a:latin typeface="+mn-ea"/>
-                <a:cs typeface="Times New Roman" panose="02020603050405020304" pitchFamily="18" charset="0"/>
-              </a:rPr>
-              <a:t>ブレイクアウトルームに分かれて分担</a:t>
-            </a:r>
-            <a:endParaRPr lang="en-US" altLang="ja-JP" kern="100" dirty="0">
-              <a:effectLst/>
-              <a:latin typeface="+mn-ea"/>
-              <a:cs typeface="Times New Roman" panose="02020603050405020304" pitchFamily="18" charset="0"/>
-            </a:endParaRPr>
-          </a:p>
-          <a:p>
-            <a:pPr marL="0" indent="0" algn="l">
-              <a:buNone/>
-            </a:pPr>
-            <a:r>
-              <a:rPr lang="en-US" altLang="ja-JP" kern="100" dirty="0">
-                <a:latin typeface="+mn-ea"/>
-                <a:cs typeface="Times New Roman" panose="02020603050405020304" pitchFamily="18" charset="0"/>
-              </a:rPr>
-              <a:t>	</a:t>
-            </a:r>
-            <a:r>
-              <a:rPr lang="ja-JP" altLang="en-US" kern="100" dirty="0">
-                <a:latin typeface="+mn-ea"/>
-                <a:cs typeface="Times New Roman" panose="02020603050405020304" pitchFamily="18" charset="0"/>
-              </a:rPr>
-              <a:t>勉強会で全体のボトムアップ</a:t>
-            </a:r>
-            <a:endParaRPr lang="en-US" altLang="ja-JP" kern="100" dirty="0">
-              <a:latin typeface="+mn-ea"/>
-              <a:cs typeface="Times New Roman" panose="02020603050405020304" pitchFamily="18" charset="0"/>
-            </a:endParaRPr>
-          </a:p>
-          <a:p>
-            <a:pPr marL="0" indent="0" algn="l">
-              <a:buNone/>
-            </a:pPr>
-            <a:endParaRPr lang="en-US" altLang="ja-JP" kern="100" dirty="0">
-              <a:latin typeface="+mn-ea"/>
-              <a:cs typeface="Times New Roman" panose="02020603050405020304" pitchFamily="18" charset="0"/>
-            </a:endParaRPr>
-          </a:p>
-          <a:p>
-            <a:r>
-              <a:rPr kumimoji="1" lang="ja-JP" altLang="en-US" dirty="0">
-                <a:latin typeface="+mn-ea"/>
-              </a:rPr>
-              <a:t>実現したかったこと</a:t>
-            </a:r>
-            <a:endParaRPr kumimoji="1" lang="en-US" altLang="ja-JP" dirty="0">
-              <a:latin typeface="+mn-ea"/>
-            </a:endParaRPr>
-          </a:p>
-          <a:p>
-            <a:pPr marL="0" indent="0">
-              <a:buNone/>
-            </a:pPr>
-            <a:r>
-              <a:rPr kumimoji="1" lang="en-US" altLang="ja-JP" dirty="0">
-                <a:latin typeface="+mn-ea"/>
-              </a:rPr>
-              <a:t>―</a:t>
-            </a:r>
-            <a:r>
-              <a:rPr kumimoji="1" lang="ja-JP" altLang="en-US" dirty="0">
-                <a:latin typeface="+mn-ea"/>
-              </a:rPr>
-              <a:t>掲示板にいいね機能</a:t>
-            </a:r>
-            <a:endParaRPr kumimoji="1" lang="en-US" altLang="ja-JP" dirty="0">
-              <a:latin typeface="+mn-ea"/>
-            </a:endParaRPr>
-          </a:p>
-          <a:p>
-            <a:pPr marL="0" indent="0">
-              <a:buNone/>
-            </a:pPr>
-            <a:r>
-              <a:rPr lang="en-US" altLang="ja-JP" dirty="0">
-                <a:latin typeface="+mn-ea"/>
-              </a:rPr>
-              <a:t>―</a:t>
-            </a:r>
-            <a:r>
-              <a:rPr kumimoji="1" lang="ja-JP" altLang="en-US" dirty="0">
-                <a:latin typeface="+mn-ea"/>
-              </a:rPr>
-              <a:t>運動した日にスタンプ表示</a:t>
-            </a:r>
-            <a:endParaRPr kumimoji="1" lang="en-US" altLang="ja-JP" dirty="0">
-              <a:latin typeface="+mn-ea"/>
-            </a:endParaRPr>
-          </a:p>
-          <a:p>
-            <a:pPr marL="0" indent="0">
-              <a:buNone/>
-            </a:pPr>
-            <a:r>
-              <a:rPr lang="en-US" altLang="ja-JP" dirty="0">
-                <a:latin typeface="+mn-ea"/>
-              </a:rPr>
-              <a:t>―</a:t>
-            </a:r>
-            <a:r>
-              <a:rPr lang="ja-JP" altLang="en-US" dirty="0">
-                <a:latin typeface="+mn-ea"/>
-              </a:rPr>
-              <a:t>コラ画像</a:t>
-            </a:r>
+            <a:endParaRPr kumimoji="1" lang="ja-JP" altLang="en-US" dirty="0"/>
           </a:p>
         </p:txBody>
       </p:sp>
@@ -4523,7 +4289,7 @@
           <a:p>
             <a:fld id="{C59D74C6-9C2E-47F2-9943-FD41646989DE}" type="slidenum">
               <a:rPr kumimoji="1" lang="ja-JP" altLang="en-US" smtClean="0"/>
-              <a:t>20</a:t>
+              <a:t>16</a:t>
             </a:fld>
             <a:endParaRPr kumimoji="1" lang="ja-JP" altLang="en-US"/>
           </a:p>
@@ -4532,7 +4298,7 @@
     </p:spTree>
     <p:extLst>
       <p:ext uri="{BB962C8B-B14F-4D97-AF65-F5344CB8AC3E}">
-        <p14:creationId xmlns:p14="http://schemas.microsoft.com/office/powerpoint/2010/main" val="3734896416"/>
+        <p14:creationId xmlns:p14="http://schemas.microsoft.com/office/powerpoint/2010/main" val="3626295908"/>
       </p:ext>
     </p:extLst>
   </p:cSld>
@@ -4586,173 +4352,9 @@
           <a:bodyPr/>
           <a:lstStyle/>
           <a:p>
-            <a:pPr marL="0" indent="0">
-              <a:buNone/>
-            </a:pPr>
-            <a:r>
-              <a:rPr kumimoji="1" lang="ja-JP" altLang="en-US" dirty="0">
-                <a:latin typeface="+mn-ea"/>
-              </a:rPr>
-              <a:t>計画性</a:t>
-            </a:r>
-            <a:r>
-              <a:rPr kumimoji="1" lang="en-US" altLang="ja-JP" dirty="0">
-                <a:latin typeface="+mn-ea"/>
-              </a:rPr>
-              <a:t>	</a:t>
-            </a:r>
-            <a:r>
-              <a:rPr kumimoji="1" lang="ja-JP" altLang="en-US" dirty="0">
-                <a:latin typeface="+mn-ea"/>
-              </a:rPr>
-              <a:t>外部設計段階で見切り発車だった</a:t>
-            </a:r>
-            <a:endParaRPr kumimoji="1" lang="en-US" altLang="ja-JP" dirty="0">
+            <a:endParaRPr lang="en-US" altLang="ja-JP" sz="1200" b="0" dirty="0">
               <a:latin typeface="+mn-ea"/>
             </a:endParaRPr>
-          </a:p>
-          <a:p>
-            <a:pPr marL="0" indent="0">
-              <a:buNone/>
-            </a:pPr>
-            <a:r>
-              <a:rPr lang="en-US" altLang="ja-JP" dirty="0">
-                <a:latin typeface="+mn-ea"/>
-              </a:rPr>
-              <a:t>	</a:t>
-            </a:r>
-            <a:r>
-              <a:rPr lang="ja-JP" altLang="en-US" dirty="0">
-                <a:latin typeface="+mn-ea"/>
-              </a:rPr>
-              <a:t>具体的にどう実現できるか想像するべきだと学んだ</a:t>
-            </a:r>
-            <a:endParaRPr kumimoji="1" lang="en-US" altLang="ja-JP" dirty="0">
-              <a:latin typeface="+mn-ea"/>
-            </a:endParaRPr>
-          </a:p>
-          <a:p>
-            <a:pPr marL="0" indent="0">
-              <a:buNone/>
-            </a:pPr>
-            <a:r>
-              <a:rPr lang="en-US" altLang="ja-JP" sz="1000" dirty="0">
-                <a:effectLst/>
-                <a:ea typeface="游明朝" panose="02020400000000000000" pitchFamily="18" charset="-128"/>
-                <a:cs typeface="Times New Roman" panose="02020603050405020304" pitchFamily="18" charset="0"/>
-              </a:rPr>
-              <a:t>	</a:t>
-            </a:r>
-            <a:r>
-              <a:rPr lang="ja-JP" altLang="ja-JP" sz="1000" dirty="0">
-                <a:effectLst/>
-                <a:ea typeface="游明朝" panose="02020400000000000000" pitchFamily="18" charset="-128"/>
-                <a:cs typeface="Times New Roman" panose="02020603050405020304" pitchFamily="18" charset="0"/>
-              </a:rPr>
-              <a:t>要件定義にない変更</a:t>
-            </a:r>
-            <a:r>
-              <a:rPr lang="ja-JP" altLang="en-US" sz="1000" dirty="0">
-                <a:effectLst/>
-                <a:ea typeface="游明朝" panose="02020400000000000000" pitchFamily="18" charset="-128"/>
-                <a:cs typeface="Times New Roman" panose="02020603050405020304" pitchFamily="18" charset="0"/>
-              </a:rPr>
-              <a:t>をすることに</a:t>
-            </a:r>
-            <a:r>
-              <a:rPr lang="ja-JP" altLang="ja-JP" sz="1000" dirty="0">
-                <a:effectLst/>
-                <a:ea typeface="游明朝" panose="02020400000000000000" pitchFamily="18" charset="-128"/>
-                <a:cs typeface="Times New Roman" panose="02020603050405020304" pitchFamily="18" charset="0"/>
-              </a:rPr>
-              <a:t>あまり抵抗がなく、設計書の重要性を理解していなかった</a:t>
-            </a:r>
-            <a:endParaRPr kumimoji="1" lang="en-US" altLang="ja-JP" dirty="0">
-              <a:latin typeface="+mn-ea"/>
-            </a:endParaRPr>
-          </a:p>
-          <a:p>
-            <a:pPr marL="0" indent="0">
-              <a:buNone/>
-            </a:pPr>
-            <a:endParaRPr kumimoji="1" lang="en-US" altLang="ja-JP" dirty="0">
-              <a:latin typeface="+mn-ea"/>
-            </a:endParaRPr>
-          </a:p>
-          <a:p>
-            <a:pPr marL="0" indent="0">
-              <a:buNone/>
-            </a:pPr>
-            <a:r>
-              <a:rPr kumimoji="1" lang="ja-JP" altLang="en-US" dirty="0">
-                <a:latin typeface="+mn-ea"/>
-              </a:rPr>
-              <a:t>技術</a:t>
-            </a:r>
-            <a:r>
-              <a:rPr kumimoji="1" lang="en-US" altLang="ja-JP" dirty="0">
-                <a:latin typeface="+mn-ea"/>
-              </a:rPr>
-              <a:t>	4</a:t>
-            </a:r>
-            <a:r>
-              <a:rPr kumimoji="1" lang="ja-JP" altLang="en-US" dirty="0">
-                <a:latin typeface="+mn-ea"/>
-              </a:rPr>
-              <a:t>･</a:t>
-            </a:r>
-            <a:r>
-              <a:rPr kumimoji="1" lang="en-US" altLang="ja-JP" dirty="0">
-                <a:latin typeface="+mn-ea"/>
-              </a:rPr>
-              <a:t>5</a:t>
-            </a:r>
-            <a:r>
-              <a:rPr kumimoji="1" lang="ja-JP" altLang="en-US" dirty="0">
-                <a:latin typeface="+mn-ea"/>
-              </a:rPr>
-              <a:t>月で学んだことの理解度が増した</a:t>
-            </a:r>
-            <a:endParaRPr kumimoji="1" lang="en-US" altLang="ja-JP" dirty="0">
-              <a:latin typeface="+mn-ea"/>
-            </a:endParaRPr>
-          </a:p>
-          <a:p>
-            <a:r>
-              <a:rPr lang="en-US" altLang="ja-JP" dirty="0">
-                <a:latin typeface="+mn-ea"/>
-              </a:rPr>
-              <a:t>	</a:t>
-            </a:r>
-            <a:r>
-              <a:rPr lang="ja-JP" altLang="en-US" dirty="0">
-                <a:latin typeface="+mn-ea"/>
-              </a:rPr>
-              <a:t>チーム内・講師に質問・コーディングを繰り返すことでスキルアップ</a:t>
-            </a:r>
-            <a:endParaRPr lang="en-US" altLang="ja-JP" dirty="0">
-              <a:latin typeface="+mn-ea"/>
-            </a:endParaRPr>
-          </a:p>
-          <a:p>
-            <a:r>
-              <a:rPr lang="en-US" altLang="ja-JP" dirty="0">
-                <a:latin typeface="+mn-ea"/>
-              </a:rPr>
-              <a:t>	</a:t>
-            </a:r>
-            <a:r>
-              <a:rPr lang="ja-JP" altLang="en-US" dirty="0">
-                <a:latin typeface="+mn-ea"/>
-              </a:rPr>
-              <a:t>学んだ技術を応用する難しさ</a:t>
-            </a:r>
-            <a:endParaRPr lang="en-US" altLang="ja-JP" dirty="0">
-              <a:latin typeface="+mn-ea"/>
-            </a:endParaRPr>
-          </a:p>
-          <a:p>
-            <a:endParaRPr kumimoji="1" lang="en-US" altLang="ja-JP" dirty="0"/>
           </a:p>
         </p:txBody>
       </p:sp>
@@ -4773,6 +4375,619 @@
           <a:p>
             <a:fld id="{C59D74C6-9C2E-47F2-9943-FD41646989DE}" type="slidenum">
               <a:rPr kumimoji="1" lang="ja-JP" altLang="en-US" smtClean="0"/>
+              <a:t>18</a:t>
+            </a:fld>
+            <a:endParaRPr kumimoji="1" lang="ja-JP" altLang="en-US"/>
+          </a:p>
+        </p:txBody>
+      </p:sp>
+    </p:spTree>
+    <p:extLst>
+      <p:ext uri="{BB962C8B-B14F-4D97-AF65-F5344CB8AC3E}">
+        <p14:creationId xmlns:p14="http://schemas.microsoft.com/office/powerpoint/2010/main" val="1952297387"/>
+      </p:ext>
+    </p:extLst>
+  </p:cSld>
+  <p:clrMapOvr>
+    <a:masterClrMapping/>
+  </p:clrMapOvr>
+</p:notes>
+</file>
+
+<file path=ppt/notesSlides/notesSlide16.xml><?xml version="1.0" encoding="utf-8"?>
+<p:notes xmlns:a="http://schemas.openxmlformats.org/drawingml/2006/main" xmlns:r="http://schemas.openxmlformats.org/officeDocument/2006/relationships" xmlns:p="http://schemas.openxmlformats.org/presentationml/2006/main">
+  <p:cSld>
+    <p:spTree>
+      <p:nvGrpSpPr>
+        <p:cNvPr id="1" name=""/>
+        <p:cNvGrpSpPr/>
+        <p:nvPr/>
+      </p:nvGrpSpPr>
+      <p:grpSpPr>
+        <a:xfrm>
+          <a:off x="0" y="0"/>
+          <a:ext cx="0" cy="0"/>
+          <a:chOff x="0" y="0"/>
+          <a:chExt cx="0" cy="0"/>
+        </a:xfrm>
+      </p:grpSpPr>
+      <p:sp>
+        <p:nvSpPr>
+          <p:cNvPr id="2" name="スライド イメージ プレースホルダー 1"/>
+          <p:cNvSpPr>
+            <a:spLocks noGrp="1" noRot="1" noChangeAspect="1"/>
+          </p:cNvSpPr>
+          <p:nvPr>
+            <p:ph type="sldImg"/>
+          </p:nvPr>
+        </p:nvSpPr>
+        <p:spPr/>
+      </p:sp>
+      <p:sp>
+        <p:nvSpPr>
+          <p:cNvPr id="3" name="ノート プレースホルダー 2"/>
+          <p:cNvSpPr>
+            <a:spLocks noGrp="1"/>
+          </p:cNvSpPr>
+          <p:nvPr>
+            <p:ph type="body" idx="1"/>
+          </p:nvPr>
+        </p:nvSpPr>
+        <p:spPr/>
+        <p:txBody>
+          <a:bodyPr/>
+          <a:lstStyle/>
+          <a:p>
+            <a:r>
+              <a:rPr kumimoji="1" lang="ja-JP" altLang="en-US" dirty="0">
+                <a:latin typeface="+mn-ea"/>
+              </a:rPr>
+              <a:t>デザイン</a:t>
+            </a:r>
+            <a:r>
+              <a:rPr kumimoji="1" lang="en-US" altLang="ja-JP" dirty="0">
+                <a:latin typeface="+mn-ea"/>
+              </a:rPr>
+              <a:t>	</a:t>
+            </a:r>
+            <a:r>
+              <a:rPr kumimoji="1" lang="ja-JP" altLang="en-US" dirty="0">
+                <a:latin typeface="+mn-ea"/>
+              </a:rPr>
+              <a:t>青で食欲減退</a:t>
+            </a:r>
+            <a:endParaRPr kumimoji="1" lang="en-US" altLang="ja-JP" dirty="0">
+              <a:latin typeface="+mn-ea"/>
+            </a:endParaRPr>
+          </a:p>
+          <a:p>
+            <a:endParaRPr lang="en-US" altLang="ja-JP" kern="100" dirty="0">
+              <a:effectLst/>
+              <a:latin typeface="+mn-ea"/>
+              <a:cs typeface="Times New Roman" panose="02020603050405020304" pitchFamily="18" charset="0"/>
+            </a:endParaRPr>
+          </a:p>
+          <a:p>
+            <a:r>
+              <a:rPr lang="ja-JP" altLang="en-US" kern="100" dirty="0">
+                <a:latin typeface="+mn-ea"/>
+                <a:cs typeface="Times New Roman" panose="02020603050405020304" pitchFamily="18" charset="0"/>
+              </a:rPr>
+              <a:t>認識合わせ</a:t>
+            </a:r>
+            <a:r>
+              <a:rPr lang="en-US" altLang="ja-JP" kern="100" dirty="0">
+                <a:latin typeface="+mn-ea"/>
+                <a:cs typeface="Times New Roman" panose="02020603050405020304" pitchFamily="18" charset="0"/>
+              </a:rPr>
+              <a:t>	</a:t>
+            </a:r>
+            <a:r>
+              <a:rPr lang="ja-JP" altLang="ja-JP" kern="100" dirty="0">
+                <a:effectLst/>
+                <a:latin typeface="+mn-ea"/>
+                <a:cs typeface="Times New Roman" panose="02020603050405020304" pitchFamily="18" charset="0"/>
+              </a:rPr>
+              <a:t>進捗管理（</a:t>
+            </a:r>
+            <a:r>
+              <a:rPr lang="ja-JP" altLang="en-US" dirty="0"/>
+              <a:t>口頭・ガントチャート</a:t>
+            </a:r>
+            <a:r>
+              <a:rPr lang="ja-JP" altLang="ja-JP" kern="100" dirty="0">
+                <a:effectLst/>
+                <a:latin typeface="+mn-ea"/>
+                <a:cs typeface="Times New Roman" panose="02020603050405020304" pitchFamily="18" charset="0"/>
+              </a:rPr>
+              <a:t>）</a:t>
+            </a:r>
+            <a:r>
+              <a:rPr lang="ja-JP" altLang="en-US" kern="100" dirty="0">
+                <a:effectLst/>
+                <a:latin typeface="+mn-ea"/>
+                <a:cs typeface="Times New Roman" panose="02020603050405020304" pitchFamily="18" charset="0"/>
+              </a:rPr>
+              <a:t>　</a:t>
+            </a:r>
+            <a:endParaRPr lang="en-US" altLang="ja-JP" kern="100" dirty="0">
+              <a:effectLst/>
+              <a:latin typeface="+mn-ea"/>
+              <a:cs typeface="Times New Roman" panose="02020603050405020304" pitchFamily="18" charset="0"/>
+            </a:endParaRPr>
+          </a:p>
+          <a:p>
+            <a:pPr marL="0" indent="0" algn="l">
+              <a:buNone/>
+            </a:pPr>
+            <a:r>
+              <a:rPr lang="en-US" altLang="ja-JP" kern="100" dirty="0">
+                <a:effectLst/>
+                <a:latin typeface="+mn-ea"/>
+                <a:cs typeface="Times New Roman" panose="02020603050405020304" pitchFamily="18" charset="0"/>
+              </a:rPr>
+              <a:t>	</a:t>
+            </a:r>
+            <a:r>
+              <a:rPr lang="ja-JP" altLang="ja-JP" kern="100" dirty="0">
+                <a:effectLst/>
+                <a:latin typeface="+mn-ea"/>
+                <a:cs typeface="Times New Roman" panose="02020603050405020304" pitchFamily="18" charset="0"/>
+              </a:rPr>
+              <a:t>朝にその日に取り組むことを共有</a:t>
+            </a:r>
+            <a:endParaRPr lang="en-US" altLang="ja-JP" kern="100" dirty="0">
+              <a:effectLst/>
+              <a:latin typeface="+mn-ea"/>
+              <a:cs typeface="Times New Roman" panose="02020603050405020304" pitchFamily="18" charset="0"/>
+            </a:endParaRPr>
+          </a:p>
+          <a:p>
+            <a:pPr marL="0" indent="0" algn="l">
+              <a:buNone/>
+            </a:pPr>
+            <a:r>
+              <a:rPr lang="en-US" altLang="ja-JP" kern="100" dirty="0">
+                <a:effectLst/>
+                <a:latin typeface="+mn-ea"/>
+                <a:cs typeface="Times New Roman" panose="02020603050405020304" pitchFamily="18" charset="0"/>
+              </a:rPr>
+              <a:t>	</a:t>
+            </a:r>
+            <a:r>
+              <a:rPr lang="ja-JP" altLang="en-US" kern="100" dirty="0">
+                <a:effectLst/>
+                <a:latin typeface="+mn-ea"/>
+                <a:cs typeface="Times New Roman" panose="02020603050405020304" pitchFamily="18" charset="0"/>
+              </a:rPr>
+              <a:t>終業前に</a:t>
+            </a:r>
+            <a:r>
+              <a:rPr lang="ja-JP" altLang="ja-JP" kern="100" dirty="0">
+                <a:effectLst/>
+                <a:latin typeface="+mn-ea"/>
+                <a:cs typeface="Times New Roman" panose="02020603050405020304" pitchFamily="18" charset="0"/>
+              </a:rPr>
+              <a:t>その日のまとめと翌日に行うことの共有</a:t>
+            </a:r>
+          </a:p>
+          <a:p>
+            <a:pPr algn="l"/>
+            <a:endParaRPr lang="en-US" altLang="ja-JP" kern="100" dirty="0">
+              <a:effectLst/>
+              <a:latin typeface="+mn-ea"/>
+              <a:cs typeface="Times New Roman" panose="02020603050405020304" pitchFamily="18" charset="0"/>
+            </a:endParaRPr>
+          </a:p>
+          <a:p>
+            <a:pPr algn="l"/>
+            <a:r>
+              <a:rPr lang="ja-JP" altLang="en-US" kern="100" dirty="0">
+                <a:effectLst/>
+                <a:latin typeface="+mn-ea"/>
+                <a:cs typeface="Times New Roman" panose="02020603050405020304" pitchFamily="18" charset="0"/>
+              </a:rPr>
+              <a:t>教えあい</a:t>
+            </a:r>
+            <a:r>
+              <a:rPr lang="en-US" altLang="ja-JP" kern="100" dirty="0">
+                <a:effectLst/>
+                <a:latin typeface="+mn-ea"/>
+                <a:cs typeface="Times New Roman" panose="02020603050405020304" pitchFamily="18" charset="0"/>
+              </a:rPr>
+              <a:t>	</a:t>
+            </a:r>
+            <a:r>
+              <a:rPr lang="ja-JP" altLang="ja-JP" kern="100" dirty="0">
+                <a:effectLst/>
+                <a:latin typeface="+mn-ea"/>
+                <a:cs typeface="Times New Roman" panose="02020603050405020304" pitchFamily="18" charset="0"/>
+              </a:rPr>
+              <a:t>チーム作業（教え合い）</a:t>
+            </a:r>
+            <a:r>
+              <a:rPr lang="ja-JP" altLang="en-US" kern="100" dirty="0">
+                <a:effectLst/>
+                <a:latin typeface="+mn-ea"/>
+                <a:cs typeface="Times New Roman" panose="02020603050405020304" pitchFamily="18" charset="0"/>
+              </a:rPr>
+              <a:t>ブレイクアウトルームに分かれて分担</a:t>
+            </a:r>
+            <a:endParaRPr lang="en-US" altLang="ja-JP" kern="100" dirty="0">
+              <a:effectLst/>
+              <a:latin typeface="+mn-ea"/>
+              <a:cs typeface="Times New Roman" panose="02020603050405020304" pitchFamily="18" charset="0"/>
+            </a:endParaRPr>
+          </a:p>
+          <a:p>
+            <a:pPr marL="0" indent="0" algn="l">
+              <a:buNone/>
+            </a:pPr>
+            <a:r>
+              <a:rPr lang="en-US" altLang="ja-JP" kern="100" dirty="0">
+                <a:latin typeface="+mn-ea"/>
+                <a:cs typeface="Times New Roman" panose="02020603050405020304" pitchFamily="18" charset="0"/>
+              </a:rPr>
+              <a:t>	</a:t>
+            </a:r>
+            <a:r>
+              <a:rPr lang="ja-JP" altLang="en-US" kern="100" dirty="0">
+                <a:latin typeface="+mn-ea"/>
+                <a:cs typeface="Times New Roman" panose="02020603050405020304" pitchFamily="18" charset="0"/>
+              </a:rPr>
+              <a:t>勉強会で全体のボトムアップ</a:t>
+            </a:r>
+            <a:endParaRPr lang="en-US" altLang="ja-JP" kern="100" dirty="0">
+              <a:latin typeface="+mn-ea"/>
+              <a:cs typeface="Times New Roman" panose="02020603050405020304" pitchFamily="18" charset="0"/>
+            </a:endParaRPr>
+          </a:p>
+          <a:p>
+            <a:pPr marL="0" indent="0" algn="l">
+              <a:buNone/>
+            </a:pPr>
+            <a:endParaRPr lang="en-US" altLang="ja-JP" kern="100" dirty="0">
+              <a:latin typeface="+mn-ea"/>
+              <a:cs typeface="Times New Roman" panose="02020603050405020304" pitchFamily="18" charset="0"/>
+            </a:endParaRPr>
+          </a:p>
+          <a:p>
+            <a:r>
+              <a:rPr kumimoji="1" lang="ja-JP" altLang="en-US" dirty="0">
+                <a:latin typeface="+mn-ea"/>
+              </a:rPr>
+              <a:t>実現したかったこと</a:t>
+            </a:r>
+            <a:endParaRPr kumimoji="1" lang="en-US" altLang="ja-JP" dirty="0">
+              <a:latin typeface="+mn-ea"/>
+            </a:endParaRPr>
+          </a:p>
+          <a:p>
+            <a:pPr marL="0" indent="0">
+              <a:buNone/>
+            </a:pPr>
+            <a:r>
+              <a:rPr kumimoji="1" lang="en-US" altLang="ja-JP" dirty="0">
+                <a:latin typeface="+mn-ea"/>
+              </a:rPr>
+              <a:t>―</a:t>
+            </a:r>
+            <a:r>
+              <a:rPr kumimoji="1" lang="ja-JP" altLang="en-US" dirty="0">
+                <a:latin typeface="+mn-ea"/>
+              </a:rPr>
+              <a:t>掲示板にいいね機能</a:t>
+            </a:r>
+            <a:endParaRPr kumimoji="1" lang="en-US" altLang="ja-JP" dirty="0">
+              <a:latin typeface="+mn-ea"/>
+            </a:endParaRPr>
+          </a:p>
+          <a:p>
+            <a:pPr marL="0" indent="0">
+              <a:buNone/>
+            </a:pPr>
+            <a:r>
+              <a:rPr lang="en-US" altLang="ja-JP" dirty="0">
+                <a:latin typeface="+mn-ea"/>
+              </a:rPr>
+              <a:t>―</a:t>
+            </a:r>
+            <a:r>
+              <a:rPr kumimoji="1" lang="ja-JP" altLang="en-US" dirty="0">
+                <a:latin typeface="+mn-ea"/>
+              </a:rPr>
+              <a:t>運動した日にスタンプ表示</a:t>
+            </a:r>
+            <a:endParaRPr kumimoji="1" lang="en-US" altLang="ja-JP" dirty="0">
+              <a:latin typeface="+mn-ea"/>
+            </a:endParaRPr>
+          </a:p>
+          <a:p>
+            <a:pPr marL="0" indent="0">
+              <a:buNone/>
+            </a:pPr>
+            <a:r>
+              <a:rPr lang="en-US" altLang="ja-JP" dirty="0">
+                <a:latin typeface="+mn-ea"/>
+              </a:rPr>
+              <a:t>―</a:t>
+            </a:r>
+            <a:r>
+              <a:rPr lang="ja-JP" altLang="en-US" dirty="0">
+                <a:latin typeface="+mn-ea"/>
+              </a:rPr>
+              <a:t>コラ画像</a:t>
+            </a:r>
+          </a:p>
+        </p:txBody>
+      </p:sp>
+      <p:sp>
+        <p:nvSpPr>
+          <p:cNvPr id="4" name="スライド番号プレースホルダー 3"/>
+          <p:cNvSpPr>
+            <a:spLocks noGrp="1"/>
+          </p:cNvSpPr>
+          <p:nvPr>
+            <p:ph type="sldNum" sz="quarter" idx="5"/>
+          </p:nvPr>
+        </p:nvSpPr>
+        <p:spPr/>
+        <p:txBody>
+          <a:bodyPr/>
+          <a:lstStyle/>
+          <a:p>
+            <a:fld id="{C59D74C6-9C2E-47F2-9943-FD41646989DE}" type="slidenum">
+              <a:rPr kumimoji="1" lang="ja-JP" altLang="en-US" smtClean="0"/>
+              <a:t>20</a:t>
+            </a:fld>
+            <a:endParaRPr kumimoji="1" lang="ja-JP" altLang="en-US"/>
+          </a:p>
+        </p:txBody>
+      </p:sp>
+    </p:spTree>
+    <p:extLst>
+      <p:ext uri="{BB962C8B-B14F-4D97-AF65-F5344CB8AC3E}">
+        <p14:creationId xmlns:p14="http://schemas.microsoft.com/office/powerpoint/2010/main" val="3734896416"/>
+      </p:ext>
+    </p:extLst>
+  </p:cSld>
+  <p:clrMapOvr>
+    <a:masterClrMapping/>
+  </p:clrMapOvr>
+</p:notes>
+</file>
+
+<file path=ppt/notesSlides/notesSlide17.xml><?xml version="1.0" encoding="utf-8"?>
+<p:notes xmlns:a="http://schemas.openxmlformats.org/drawingml/2006/main" xmlns:r="http://schemas.openxmlformats.org/officeDocument/2006/relationships" xmlns:p="http://schemas.openxmlformats.org/presentationml/2006/main">
+  <p:cSld>
+    <p:spTree>
+      <p:nvGrpSpPr>
+        <p:cNvPr id="1" name=""/>
+        <p:cNvGrpSpPr/>
+        <p:nvPr/>
+      </p:nvGrpSpPr>
+      <p:grpSpPr>
+        <a:xfrm>
+          <a:off x="0" y="0"/>
+          <a:ext cx="0" cy="0"/>
+          <a:chOff x="0" y="0"/>
+          <a:chExt cx="0" cy="0"/>
+        </a:xfrm>
+      </p:grpSpPr>
+      <p:sp>
+        <p:nvSpPr>
+          <p:cNvPr id="2" name="スライド イメージ プレースホルダー 1"/>
+          <p:cNvSpPr>
+            <a:spLocks noGrp="1" noRot="1" noChangeAspect="1"/>
+          </p:cNvSpPr>
+          <p:nvPr>
+            <p:ph type="sldImg"/>
+          </p:nvPr>
+        </p:nvSpPr>
+        <p:spPr/>
+      </p:sp>
+      <p:sp>
+        <p:nvSpPr>
+          <p:cNvPr id="3" name="ノート プレースホルダー 2"/>
+          <p:cNvSpPr>
+            <a:spLocks noGrp="1"/>
+          </p:cNvSpPr>
+          <p:nvPr>
+            <p:ph type="body" idx="1"/>
+          </p:nvPr>
+        </p:nvSpPr>
+        <p:spPr/>
+        <p:txBody>
+          <a:bodyPr/>
+          <a:lstStyle/>
+          <a:p>
+            <a:pPr marL="0" indent="0">
+              <a:buNone/>
+            </a:pPr>
+            <a:r>
+              <a:rPr kumimoji="1" lang="ja-JP" altLang="en-US" dirty="0">
+                <a:latin typeface="+mn-ea"/>
+              </a:rPr>
+              <a:t>計画性</a:t>
+            </a:r>
+            <a:r>
+              <a:rPr kumimoji="1" lang="en-US" altLang="ja-JP" dirty="0">
+                <a:latin typeface="+mn-ea"/>
+              </a:rPr>
+              <a:t>	</a:t>
+            </a:r>
+            <a:r>
+              <a:rPr kumimoji="1" lang="ja-JP" altLang="en-US" dirty="0">
+                <a:latin typeface="+mn-ea"/>
+              </a:rPr>
+              <a:t>外部設計段階で見切り発車だった</a:t>
+            </a:r>
+            <a:endParaRPr kumimoji="1" lang="en-US" altLang="ja-JP" dirty="0">
+              <a:latin typeface="+mn-ea"/>
+            </a:endParaRPr>
+          </a:p>
+          <a:p>
+            <a:pPr marL="0" indent="0">
+              <a:buNone/>
+            </a:pPr>
+            <a:r>
+              <a:rPr lang="en-US" altLang="ja-JP" dirty="0">
+                <a:latin typeface="+mn-ea"/>
+              </a:rPr>
+              <a:t>	</a:t>
+            </a:r>
+            <a:r>
+              <a:rPr lang="ja-JP" altLang="en-US" dirty="0">
+                <a:latin typeface="+mn-ea"/>
+              </a:rPr>
+              <a:t>具体的にどう実現できるか想像するべきだと学んだ</a:t>
+            </a:r>
+            <a:endParaRPr kumimoji="1" lang="en-US" altLang="ja-JP" dirty="0">
+              <a:latin typeface="+mn-ea"/>
+            </a:endParaRPr>
+          </a:p>
+          <a:p>
+            <a:pPr marL="0" indent="0">
+              <a:buNone/>
+            </a:pPr>
+            <a:r>
+              <a:rPr lang="en-US" altLang="ja-JP" sz="1000" dirty="0">
+                <a:effectLst/>
+                <a:ea typeface="游明朝" panose="02020400000000000000" pitchFamily="18" charset="-128"/>
+                <a:cs typeface="Times New Roman" panose="02020603050405020304" pitchFamily="18" charset="0"/>
+              </a:rPr>
+              <a:t>	</a:t>
+            </a:r>
+            <a:r>
+              <a:rPr lang="ja-JP" altLang="ja-JP" sz="1000" dirty="0">
+                <a:effectLst/>
+                <a:ea typeface="游明朝" panose="02020400000000000000" pitchFamily="18" charset="-128"/>
+                <a:cs typeface="Times New Roman" panose="02020603050405020304" pitchFamily="18" charset="0"/>
+              </a:rPr>
+              <a:t>要件定義にない変更</a:t>
+            </a:r>
+            <a:r>
+              <a:rPr lang="ja-JP" altLang="en-US" sz="1000" dirty="0">
+                <a:effectLst/>
+                <a:ea typeface="游明朝" panose="02020400000000000000" pitchFamily="18" charset="-128"/>
+                <a:cs typeface="Times New Roman" panose="02020603050405020304" pitchFamily="18" charset="0"/>
+              </a:rPr>
+              <a:t>をすることに</a:t>
+            </a:r>
+            <a:r>
+              <a:rPr lang="ja-JP" altLang="ja-JP" sz="1000" dirty="0">
+                <a:effectLst/>
+                <a:ea typeface="游明朝" panose="02020400000000000000" pitchFamily="18" charset="-128"/>
+                <a:cs typeface="Times New Roman" panose="02020603050405020304" pitchFamily="18" charset="0"/>
+              </a:rPr>
+              <a:t>あまり抵抗がなく、設計書の重要性を理解していなかった</a:t>
+            </a:r>
+            <a:endParaRPr kumimoji="1" lang="en-US" altLang="ja-JP" dirty="0">
+              <a:latin typeface="+mn-ea"/>
+            </a:endParaRPr>
+          </a:p>
+          <a:p>
+            <a:pPr marL="0" indent="0">
+              <a:buNone/>
+            </a:pPr>
+            <a:endParaRPr kumimoji="1" lang="en-US" altLang="ja-JP" dirty="0">
+              <a:latin typeface="+mn-ea"/>
+            </a:endParaRPr>
+          </a:p>
+          <a:p>
+            <a:pPr marL="0" indent="0">
+              <a:buNone/>
+            </a:pPr>
+            <a:r>
+              <a:rPr kumimoji="1" lang="ja-JP" altLang="en-US" dirty="0">
+                <a:latin typeface="+mn-ea"/>
+              </a:rPr>
+              <a:t>技術</a:t>
+            </a:r>
+            <a:r>
+              <a:rPr kumimoji="1" lang="en-US" altLang="ja-JP" dirty="0">
+                <a:latin typeface="+mn-ea"/>
+              </a:rPr>
+              <a:t>	4</a:t>
+            </a:r>
+            <a:r>
+              <a:rPr kumimoji="1" lang="ja-JP" altLang="en-US" dirty="0">
+                <a:latin typeface="+mn-ea"/>
+              </a:rPr>
+              <a:t>･</a:t>
+            </a:r>
+            <a:r>
+              <a:rPr kumimoji="1" lang="en-US" altLang="ja-JP" dirty="0">
+                <a:latin typeface="+mn-ea"/>
+              </a:rPr>
+              <a:t>5</a:t>
+            </a:r>
+            <a:r>
+              <a:rPr kumimoji="1" lang="ja-JP" altLang="en-US" dirty="0">
+                <a:latin typeface="+mn-ea"/>
+              </a:rPr>
+              <a:t>月で学んだことの理解度が増した</a:t>
+            </a:r>
+            <a:endParaRPr kumimoji="1" lang="en-US" altLang="ja-JP" dirty="0">
+              <a:latin typeface="+mn-ea"/>
+            </a:endParaRPr>
+          </a:p>
+          <a:p>
+            <a:r>
+              <a:rPr lang="en-US" altLang="ja-JP" dirty="0">
+                <a:latin typeface="+mn-ea"/>
+              </a:rPr>
+              <a:t>	</a:t>
+            </a:r>
+            <a:r>
+              <a:rPr lang="ja-JP" altLang="en-US" dirty="0">
+                <a:latin typeface="+mn-ea"/>
+              </a:rPr>
+              <a:t>チーム内・講師に質問・コーディングを繰り返すことでスキルアップ</a:t>
+            </a:r>
+            <a:endParaRPr lang="en-US" altLang="ja-JP" dirty="0">
+              <a:latin typeface="+mn-ea"/>
+            </a:endParaRPr>
+          </a:p>
+          <a:p>
+            <a:r>
+              <a:rPr lang="en-US" altLang="ja-JP" dirty="0">
+                <a:latin typeface="+mn-ea"/>
+              </a:rPr>
+              <a:t>	</a:t>
+            </a:r>
+            <a:r>
+              <a:rPr lang="ja-JP" altLang="en-US" dirty="0">
+                <a:latin typeface="+mn-ea"/>
+              </a:rPr>
+              <a:t>学んだ技術を応用する難しさ</a:t>
+            </a:r>
+            <a:endParaRPr lang="en-US" altLang="ja-JP" dirty="0">
+              <a:latin typeface="+mn-ea"/>
+            </a:endParaRPr>
+          </a:p>
+          <a:p>
+            <a:endParaRPr kumimoji="1" lang="en-US" altLang="ja-JP" dirty="0"/>
+          </a:p>
+        </p:txBody>
+      </p:sp>
+      <p:sp>
+        <p:nvSpPr>
+          <p:cNvPr id="4" name="スライド番号プレースホルダー 3"/>
+          <p:cNvSpPr>
+            <a:spLocks noGrp="1"/>
+          </p:cNvSpPr>
+          <p:nvPr>
+            <p:ph type="sldNum" sz="quarter" idx="5"/>
+          </p:nvPr>
+        </p:nvSpPr>
+        <p:spPr/>
+        <p:txBody>
+          <a:bodyPr/>
+          <a:lstStyle/>
+          <a:p>
+            <a:fld id="{C59D74C6-9C2E-47F2-9943-FD41646989DE}" type="slidenum">
+              <a:rPr kumimoji="1" lang="ja-JP" altLang="en-US" smtClean="0"/>
               <a:t>22</a:t>
             </a:fld>
             <a:endParaRPr kumimoji="1" lang="ja-JP" altLang="en-US"/>
@@ -4783,6 +4998,340 @@
     <p:extLst>
       <p:ext uri="{BB962C8B-B14F-4D97-AF65-F5344CB8AC3E}">
         <p14:creationId xmlns:p14="http://schemas.microsoft.com/office/powerpoint/2010/main" val="2421870203"/>
+      </p:ext>
+    </p:extLst>
+  </p:cSld>
+  <p:clrMapOvr>
+    <a:masterClrMapping/>
+  </p:clrMapOvr>
+</p:notes>
+</file>
+
+<file path=ppt/notesSlides/notesSlide18.xml><?xml version="1.0" encoding="utf-8"?>
+<p:notes xmlns:a="http://schemas.openxmlformats.org/drawingml/2006/main" xmlns:r="http://schemas.openxmlformats.org/officeDocument/2006/relationships" xmlns:p="http://schemas.openxmlformats.org/presentationml/2006/main">
+  <p:cSld>
+    <p:spTree>
+      <p:nvGrpSpPr>
+        <p:cNvPr id="1" name=""/>
+        <p:cNvGrpSpPr/>
+        <p:nvPr/>
+      </p:nvGrpSpPr>
+      <p:grpSpPr>
+        <a:xfrm>
+          <a:off x="0" y="0"/>
+          <a:ext cx="0" cy="0"/>
+          <a:chOff x="0" y="0"/>
+          <a:chExt cx="0" cy="0"/>
+        </a:xfrm>
+      </p:grpSpPr>
+      <p:sp>
+        <p:nvSpPr>
+          <p:cNvPr id="2" name="スライド イメージ プレースホルダー 1"/>
+          <p:cNvSpPr>
+            <a:spLocks noGrp="1" noRot="1" noChangeAspect="1"/>
+          </p:cNvSpPr>
+          <p:nvPr>
+            <p:ph type="sldImg"/>
+          </p:nvPr>
+        </p:nvSpPr>
+        <p:spPr/>
+      </p:sp>
+      <p:sp>
+        <p:nvSpPr>
+          <p:cNvPr id="3" name="ノート プレースホルダー 2"/>
+          <p:cNvSpPr>
+            <a:spLocks noGrp="1"/>
+          </p:cNvSpPr>
+          <p:nvPr>
+            <p:ph type="body" idx="1"/>
+          </p:nvPr>
+        </p:nvSpPr>
+        <p:spPr/>
+        <p:txBody>
+          <a:bodyPr/>
+          <a:lstStyle/>
+          <a:p>
+            <a:pPr marL="0" indent="0">
+              <a:buNone/>
+            </a:pPr>
+            <a:r>
+              <a:rPr kumimoji="1" lang="ja-JP" altLang="en-US" dirty="0">
+                <a:latin typeface="+mn-ea"/>
+              </a:rPr>
+              <a:t>計画性</a:t>
+            </a:r>
+            <a:r>
+              <a:rPr kumimoji="1" lang="en-US" altLang="ja-JP" dirty="0">
+                <a:latin typeface="+mn-ea"/>
+              </a:rPr>
+              <a:t>	</a:t>
+            </a:r>
+            <a:r>
+              <a:rPr kumimoji="1" lang="ja-JP" altLang="en-US" dirty="0">
+                <a:latin typeface="+mn-ea"/>
+              </a:rPr>
+              <a:t>外部設計段階で見切り発車だった</a:t>
+            </a:r>
+            <a:endParaRPr kumimoji="1" lang="en-US" altLang="ja-JP" dirty="0">
+              <a:latin typeface="+mn-ea"/>
+            </a:endParaRPr>
+          </a:p>
+          <a:p>
+            <a:pPr marL="0" indent="0">
+              <a:buNone/>
+            </a:pPr>
+            <a:r>
+              <a:rPr lang="en-US" altLang="ja-JP" dirty="0">
+                <a:latin typeface="+mn-ea"/>
+              </a:rPr>
+              <a:t>	</a:t>
+            </a:r>
+            <a:r>
+              <a:rPr lang="ja-JP" altLang="en-US" dirty="0">
+                <a:latin typeface="+mn-ea"/>
+              </a:rPr>
+              <a:t>具体的にどう実現できるか想像するべきだと学んだ</a:t>
+            </a:r>
+            <a:endParaRPr kumimoji="1" lang="en-US" altLang="ja-JP" dirty="0">
+              <a:latin typeface="+mn-ea"/>
+            </a:endParaRPr>
+          </a:p>
+          <a:p>
+            <a:pPr marL="0" indent="0">
+              <a:buNone/>
+            </a:pPr>
+            <a:r>
+              <a:rPr lang="en-US" altLang="ja-JP" sz="1000" dirty="0">
+                <a:effectLst/>
+                <a:ea typeface="游明朝" panose="02020400000000000000" pitchFamily="18" charset="-128"/>
+                <a:cs typeface="Times New Roman" panose="02020603050405020304" pitchFamily="18" charset="0"/>
+              </a:rPr>
+              <a:t>	</a:t>
+            </a:r>
+            <a:r>
+              <a:rPr lang="ja-JP" altLang="ja-JP" sz="1000" dirty="0">
+                <a:effectLst/>
+                <a:ea typeface="游明朝" panose="02020400000000000000" pitchFamily="18" charset="-128"/>
+                <a:cs typeface="Times New Roman" panose="02020603050405020304" pitchFamily="18" charset="0"/>
+              </a:rPr>
+              <a:t>要件定義にない変更</a:t>
+            </a:r>
+            <a:r>
+              <a:rPr lang="ja-JP" altLang="en-US" sz="1000" dirty="0">
+                <a:effectLst/>
+                <a:ea typeface="游明朝" panose="02020400000000000000" pitchFamily="18" charset="-128"/>
+                <a:cs typeface="Times New Roman" panose="02020603050405020304" pitchFamily="18" charset="0"/>
+              </a:rPr>
+              <a:t>をすることに</a:t>
+            </a:r>
+            <a:r>
+              <a:rPr lang="ja-JP" altLang="ja-JP" sz="1000" dirty="0">
+                <a:effectLst/>
+                <a:ea typeface="游明朝" panose="02020400000000000000" pitchFamily="18" charset="-128"/>
+                <a:cs typeface="Times New Roman" panose="02020603050405020304" pitchFamily="18" charset="0"/>
+              </a:rPr>
+              <a:t>あまり抵抗がなく、設計書の重要性を理解していなかった</a:t>
+            </a:r>
+            <a:endParaRPr kumimoji="1" lang="en-US" altLang="ja-JP" dirty="0">
+              <a:latin typeface="+mn-ea"/>
+            </a:endParaRPr>
+          </a:p>
+          <a:p>
+            <a:pPr marL="0" indent="0">
+              <a:buNone/>
+            </a:pPr>
+            <a:endParaRPr kumimoji="1" lang="en-US" altLang="ja-JP" dirty="0">
+              <a:latin typeface="+mn-ea"/>
+            </a:endParaRPr>
+          </a:p>
+          <a:p>
+            <a:pPr marL="0" indent="0">
+              <a:buNone/>
+            </a:pPr>
+            <a:r>
+              <a:rPr kumimoji="1" lang="ja-JP" altLang="en-US" dirty="0">
+                <a:latin typeface="+mn-ea"/>
+              </a:rPr>
+              <a:t>技術</a:t>
+            </a:r>
+            <a:r>
+              <a:rPr kumimoji="1" lang="en-US" altLang="ja-JP" dirty="0">
+                <a:latin typeface="+mn-ea"/>
+              </a:rPr>
+              <a:t>	4</a:t>
+            </a:r>
+            <a:r>
+              <a:rPr kumimoji="1" lang="ja-JP" altLang="en-US" dirty="0">
+                <a:latin typeface="+mn-ea"/>
+              </a:rPr>
+              <a:t>･</a:t>
+            </a:r>
+            <a:r>
+              <a:rPr kumimoji="1" lang="en-US" altLang="ja-JP" dirty="0">
+                <a:latin typeface="+mn-ea"/>
+              </a:rPr>
+              <a:t>5</a:t>
+            </a:r>
+            <a:r>
+              <a:rPr kumimoji="1" lang="ja-JP" altLang="en-US" dirty="0">
+                <a:latin typeface="+mn-ea"/>
+              </a:rPr>
+              <a:t>月で学んだことの理解度が増した</a:t>
+            </a:r>
+            <a:endParaRPr kumimoji="1" lang="en-US" altLang="ja-JP" dirty="0">
+              <a:latin typeface="+mn-ea"/>
+            </a:endParaRPr>
+          </a:p>
+          <a:p>
+            <a:r>
+              <a:rPr lang="en-US" altLang="ja-JP" dirty="0">
+                <a:latin typeface="+mn-ea"/>
+              </a:rPr>
+              <a:t>	</a:t>
+            </a:r>
+            <a:r>
+              <a:rPr lang="ja-JP" altLang="en-US" dirty="0">
+                <a:latin typeface="+mn-ea"/>
+              </a:rPr>
+              <a:t>チーム内・講師に質問・コーディングを繰り返すことでスキルアップ</a:t>
+            </a:r>
+            <a:endParaRPr lang="en-US" altLang="ja-JP" dirty="0">
+              <a:latin typeface="+mn-ea"/>
+            </a:endParaRPr>
+          </a:p>
+          <a:p>
+            <a:r>
+              <a:rPr lang="en-US" altLang="ja-JP" dirty="0">
+                <a:latin typeface="+mn-ea"/>
+              </a:rPr>
+              <a:t>	</a:t>
+            </a:r>
+            <a:r>
+              <a:rPr lang="ja-JP" altLang="en-US" dirty="0">
+                <a:latin typeface="+mn-ea"/>
+              </a:rPr>
+              <a:t>学んだ技術を応用する難しさ</a:t>
+            </a:r>
+            <a:endParaRPr lang="en-US" altLang="ja-JP" dirty="0">
+              <a:latin typeface="+mn-ea"/>
+            </a:endParaRPr>
+          </a:p>
+          <a:p>
+            <a:endParaRPr kumimoji="1" lang="en-US" altLang="ja-JP" dirty="0"/>
+          </a:p>
+        </p:txBody>
+      </p:sp>
+      <p:sp>
+        <p:nvSpPr>
+          <p:cNvPr id="4" name="スライド番号プレースホルダー 3"/>
+          <p:cNvSpPr>
+            <a:spLocks noGrp="1"/>
+          </p:cNvSpPr>
+          <p:nvPr>
+            <p:ph type="sldNum" sz="quarter" idx="5"/>
+          </p:nvPr>
+        </p:nvSpPr>
+        <p:spPr/>
+        <p:txBody>
+          <a:bodyPr/>
+          <a:lstStyle/>
+          <a:p>
+            <a:fld id="{C59D74C6-9C2E-47F2-9943-FD41646989DE}" type="slidenum">
+              <a:rPr kumimoji="1" lang="ja-JP" altLang="en-US" smtClean="0"/>
+              <a:t>23</a:t>
+            </a:fld>
+            <a:endParaRPr kumimoji="1" lang="ja-JP" altLang="en-US"/>
+          </a:p>
+        </p:txBody>
+      </p:sp>
+    </p:spTree>
+    <p:extLst>
+      <p:ext uri="{BB962C8B-B14F-4D97-AF65-F5344CB8AC3E}">
+        <p14:creationId xmlns:p14="http://schemas.microsoft.com/office/powerpoint/2010/main" val="2634613038"/>
+      </p:ext>
+    </p:extLst>
+  </p:cSld>
+  <p:clrMapOvr>
+    <a:masterClrMapping/>
+  </p:clrMapOvr>
+</p:notes>
+</file>
+
+<file path=ppt/notesSlides/notesSlide19.xml><?xml version="1.0" encoding="utf-8"?>
+<p:notes xmlns:a="http://schemas.openxmlformats.org/drawingml/2006/main" xmlns:r="http://schemas.openxmlformats.org/officeDocument/2006/relationships" xmlns:p="http://schemas.openxmlformats.org/presentationml/2006/main">
+  <p:cSld>
+    <p:spTree>
+      <p:nvGrpSpPr>
+        <p:cNvPr id="1" name=""/>
+        <p:cNvGrpSpPr/>
+        <p:nvPr/>
+      </p:nvGrpSpPr>
+      <p:grpSpPr>
+        <a:xfrm>
+          <a:off x="0" y="0"/>
+          <a:ext cx="0" cy="0"/>
+          <a:chOff x="0" y="0"/>
+          <a:chExt cx="0" cy="0"/>
+        </a:xfrm>
+      </p:grpSpPr>
+      <p:sp>
+        <p:nvSpPr>
+          <p:cNvPr id="2" name="スライド イメージ プレースホルダー 1"/>
+          <p:cNvSpPr>
+            <a:spLocks noGrp="1" noRot="1" noChangeAspect="1"/>
+          </p:cNvSpPr>
+          <p:nvPr>
+            <p:ph type="sldImg"/>
+          </p:nvPr>
+        </p:nvSpPr>
+        <p:spPr/>
+      </p:sp>
+      <p:sp>
+        <p:nvSpPr>
+          <p:cNvPr id="3" name="ノート プレースホルダー 2"/>
+          <p:cNvSpPr>
+            <a:spLocks noGrp="1"/>
+          </p:cNvSpPr>
+          <p:nvPr>
+            <p:ph type="body" idx="1"/>
+          </p:nvPr>
+        </p:nvSpPr>
+        <p:spPr/>
+        <p:txBody>
+          <a:bodyPr/>
+          <a:lstStyle/>
+          <a:p>
+            <a:endParaRPr kumimoji="1" lang="ja-JP" altLang="en-US"/>
+          </a:p>
+        </p:txBody>
+      </p:sp>
+      <p:sp>
+        <p:nvSpPr>
+          <p:cNvPr id="4" name="スライド番号プレースホルダー 3"/>
+          <p:cNvSpPr>
+            <a:spLocks noGrp="1"/>
+          </p:cNvSpPr>
+          <p:nvPr>
+            <p:ph type="sldNum" sz="quarter" idx="5"/>
+          </p:nvPr>
+        </p:nvSpPr>
+        <p:spPr/>
+        <p:txBody>
+          <a:bodyPr/>
+          <a:lstStyle/>
+          <a:p>
+            <a:fld id="{D4CB765E-9AF7-4318-BD2A-D662ADA2D2AB}" type="slidenum">
+              <a:rPr kumimoji="1" lang="ja-JP" altLang="en-US" smtClean="0"/>
+              <a:t>24</a:t>
+            </a:fld>
+            <a:endParaRPr kumimoji="1" lang="ja-JP" altLang="en-US"/>
+          </a:p>
+        </p:txBody>
+      </p:sp>
+    </p:spTree>
+    <p:extLst>
+      <p:ext uri="{BB962C8B-B14F-4D97-AF65-F5344CB8AC3E}">
+        <p14:creationId xmlns:p14="http://schemas.microsoft.com/office/powerpoint/2010/main" val="1533159908"/>
       </p:ext>
     </p:extLst>
   </p:cSld>
@@ -5513,7 +6062,7 @@
           <a:p>
             <a:r>
               <a:rPr kumimoji="1" lang="ja-JP" altLang="en-US" dirty="0"/>
-              <a:t>ここから、それぞれについて詳しく説明していきます。</a:t>
+              <a:t>ここから、それぞれについて説明していきます。</a:t>
             </a:r>
             <a:r>
               <a:rPr kumimoji="1" lang="en-US" altLang="ja-JP" dirty="0"/>
@@ -5697,18 +6246,14 @@
           <a:p>
             <a:r>
               <a:rPr kumimoji="1" lang="ja-JP" altLang="en-US" dirty="0"/>
-              <a:t>「きょうから」には、交流できる場として、匿名掲示板があります。アカウント</a:t>
-            </a:r>
-            <a:r>
-              <a:rPr kumimoji="1" lang="ja-JP" altLang="en-US"/>
-              <a:t>があれば、掲示板への閲覧・書き込みが可能です</a:t>
+              <a:t>「きょうから」には、交流できる場として、匿名掲示板があります。アカウントがあれば、掲示板への閲覧・書き込みが可能です。</a:t>
             </a:r>
             <a:endParaRPr kumimoji="1" lang="en-US" altLang="ja-JP" dirty="0"/>
           </a:p>
           <a:p>
             <a:r>
               <a:rPr kumimoji="1" lang="ja-JP" altLang="en-US" dirty="0"/>
-              <a:t>このように、ニックネームをクリックすると、そのユーザの登録情報を見ることもできます。</a:t>
+              <a:t>また、掲示板から、他ユーザの情報が閲覧できます。この機能によっていい刺激を受けたり、今後の参考にすることができます。</a:t>
             </a:r>
             <a:endParaRPr kumimoji="1" lang="en-US" altLang="ja-JP" dirty="0"/>
           </a:p>
@@ -13299,7 +13844,7 @@
             </a:r>
             <a:r>
               <a:rPr lang="ja-JP" altLang="en-US" dirty="0"/>
-              <a:t>青で食欲減退</a:t>
+              <a:t>青をメインにして食欲減退</a:t>
             </a:r>
             <a:r>
               <a:rPr lang="en-US" altLang="ja-JP" sz="3600" b="1" dirty="0">
@@ -13667,7 +14212,7 @@
         </p:spPr>
         <p:txBody>
           <a:bodyPr>
-            <a:normAutofit lnSpcReduction="10000"/>
+            <a:normAutofit/>
           </a:bodyPr>
           <a:lstStyle/>
           <a:p>
@@ -13719,25 +14264,7 @@
             <a:pPr marL="0" indent="0">
               <a:buNone/>
             </a:pPr>
-            <a:r>
-              <a:rPr lang="en-US" altLang="ja-JP" dirty="0"/>
-              <a:t>		</a:t>
-            </a:r>
-            <a:r>
-              <a:rPr kumimoji="1" lang="ja-JP" altLang="en-US" dirty="0"/>
-              <a:t>要件定義書にない変更することに抵抗がなかった</a:t>
-            </a:r>
             <a:endParaRPr kumimoji="1" lang="en-US" altLang="ja-JP" b="1" dirty="0">
-              <a:solidFill>
-                <a:srgbClr val="FF9999"/>
-              </a:solidFill>
-            </a:endParaRPr>
-          </a:p>
-          <a:p>
-            <a:pPr marL="0" indent="0">
-              <a:buNone/>
-            </a:pPr>
-            <a:endParaRPr kumimoji="1" lang="en-US" altLang="ja-JP" sz="3600" b="1" dirty="0">
               <a:solidFill>
                 <a:srgbClr val="FF9999"/>
               </a:solidFill>
@@ -13834,7 +14361,7 @@
           <p:cNvPr id="2" name="タイトル 1">
             <a:extLst>
               <a:ext uri="{FF2B5EF4-FFF2-40B4-BE49-F238E27FC236}">
-                <a16:creationId xmlns:a16="http://schemas.microsoft.com/office/drawing/2014/main" id="{04932E93-EEA8-4F13-BD06-29395C5370FE}"/>
+                <a16:creationId xmlns:a16="http://schemas.microsoft.com/office/drawing/2014/main" id="{E03FAFE4-D598-42B7-AB36-5CF3DAD87568}"/>
               </a:ext>
             </a:extLst>
           </p:cNvPr>
@@ -13845,12 +14372,41 @@
             <p:ph type="title"/>
           </p:nvPr>
         </p:nvSpPr>
-        <p:spPr/>
+        <p:spPr>
+          <a:xfrm>
+            <a:off x="838200" y="312874"/>
+            <a:ext cx="10515600" cy="1325563"/>
+          </a:xfrm>
+        </p:spPr>
         <p:txBody>
           <a:bodyPr/>
           <a:lstStyle/>
           <a:p>
-            <a:endParaRPr kumimoji="1" lang="ja-JP" altLang="en-US"/>
+            <a:r>
+              <a:rPr lang="ja-JP" altLang="en-US" b="1" dirty="0">
+                <a:latin typeface="+mn-ea"/>
+                <a:ea typeface="+mn-ea"/>
+              </a:rPr>
+              <a:t>５</a:t>
+            </a:r>
+            <a:r>
+              <a:rPr lang="en-US" altLang="ja-JP" b="1" dirty="0">
+                <a:latin typeface="+mn-ea"/>
+                <a:ea typeface="+mn-ea"/>
+              </a:rPr>
+              <a:t>.</a:t>
+            </a:r>
+            <a:r>
+              <a:rPr lang="ja-JP" altLang="en-US" b="1" dirty="0">
+                <a:latin typeface="+mn-ea"/>
+                <a:ea typeface="+mn-ea"/>
+              </a:rPr>
+              <a:t>学んだこと</a:t>
+            </a:r>
+            <a:endParaRPr kumimoji="1" lang="ja-JP" altLang="en-US" b="1" dirty="0">
+              <a:latin typeface="+mn-ea"/>
+              <a:ea typeface="+mn-ea"/>
+            </a:endParaRPr>
           </a:p>
         </p:txBody>
       </p:sp>
@@ -13859,7 +14415,134 @@
           <p:cNvPr id="3" name="コンテンツ プレースホルダー 2">
             <a:extLst>
               <a:ext uri="{FF2B5EF4-FFF2-40B4-BE49-F238E27FC236}">
-                <a16:creationId xmlns:a16="http://schemas.microsoft.com/office/drawing/2014/main" id="{989451C7-277E-41E2-8802-5011D8CEB13A}"/>
+                <a16:creationId xmlns:a16="http://schemas.microsoft.com/office/drawing/2014/main" id="{AB00AC63-DC37-4C9E-B71E-0A69735925B6}"/>
+              </a:ext>
+            </a:extLst>
+          </p:cNvPr>
+          <p:cNvSpPr>
+            <a:spLocks noGrp="1"/>
+          </p:cNvSpPr>
+          <p:nvPr>
+            <p:ph idx="1"/>
+          </p:nvPr>
+        </p:nvSpPr>
+        <p:spPr>
+          <a:xfrm>
+            <a:off x="838200" y="1799500"/>
+            <a:ext cx="10515600" cy="4351338"/>
+          </a:xfrm>
+        </p:spPr>
+        <p:txBody>
+          <a:bodyPr>
+            <a:normAutofit/>
+          </a:bodyPr>
+          <a:lstStyle/>
+          <a:p>
+            <a:pPr marL="0" indent="0">
+              <a:buNone/>
+            </a:pPr>
+            <a:r>
+              <a:rPr kumimoji="1" lang="ja-JP" altLang="en-US" sz="3600" b="1" dirty="0">
+                <a:solidFill>
+                  <a:srgbClr val="FF9999"/>
+                </a:solidFill>
+              </a:rPr>
+              <a:t>今後</a:t>
+            </a:r>
+            <a:endParaRPr kumimoji="1" lang="en-US" altLang="ja-JP" dirty="0"/>
+          </a:p>
+        </p:txBody>
+      </p:sp>
+    </p:spTree>
+    <p:extLst>
+      <p:ext uri="{BB962C8B-B14F-4D97-AF65-F5344CB8AC3E}">
+        <p14:creationId xmlns:p14="http://schemas.microsoft.com/office/powerpoint/2010/main" val="2142482098"/>
+      </p:ext>
+    </p:extLst>
+  </p:cSld>
+  <p:clrMapOvr>
+    <a:masterClrMapping/>
+  </p:clrMapOvr>
+  <mc:AlternateContent xmlns:mc="http://schemas.openxmlformats.org/markup-compatibility/2006" xmlns:p14="http://schemas.microsoft.com/office/powerpoint/2010/main">
+    <mc:Choice Requires="p14">
+      <p:transition spd="med" p14:dur="700">
+        <p:fade/>
+      </p:transition>
+    </mc:Choice>
+    <mc:Fallback xmlns="">
+      <p:transition spd="med">
+        <p:fade/>
+      </p:transition>
+    </mc:Fallback>
+  </mc:AlternateContent>
+</p:sld>
+</file>
+
+<file path=ppt/slides/slide24.xml><?xml version="1.0" encoding="utf-8"?>
+<p:sld xmlns:a="http://schemas.openxmlformats.org/drawingml/2006/main" xmlns:r="http://schemas.openxmlformats.org/officeDocument/2006/relationships" xmlns:p="http://schemas.openxmlformats.org/presentationml/2006/main">
+  <p:cSld>
+    <p:spTree>
+      <p:nvGrpSpPr>
+        <p:cNvPr id="1" name=""/>
+        <p:cNvGrpSpPr/>
+        <p:nvPr/>
+      </p:nvGrpSpPr>
+      <p:grpSpPr>
+        <a:xfrm>
+          <a:off x="0" y="0"/>
+          <a:ext cx="0" cy="0"/>
+          <a:chOff x="0" y="0"/>
+          <a:chExt cx="0" cy="0"/>
+        </a:xfrm>
+      </p:grpSpPr>
+      <p:sp>
+        <p:nvSpPr>
+          <p:cNvPr id="2" name="タイトル 1">
+            <a:extLst>
+              <a:ext uri="{FF2B5EF4-FFF2-40B4-BE49-F238E27FC236}">
+                <a16:creationId xmlns:a16="http://schemas.microsoft.com/office/drawing/2014/main" id="{4156CD7B-AE3C-468C-ACFC-12AD48CB2581}"/>
+              </a:ext>
+            </a:extLst>
+          </p:cNvPr>
+          <p:cNvSpPr>
+            <a:spLocks noGrp="1"/>
+          </p:cNvSpPr>
+          <p:nvPr>
+            <p:ph type="title"/>
+          </p:nvPr>
+        </p:nvSpPr>
+        <p:spPr>
+          <a:xfrm>
+            <a:off x="838200" y="299810"/>
+            <a:ext cx="10515600" cy="1325563"/>
+          </a:xfrm>
+        </p:spPr>
+        <p:txBody>
+          <a:bodyPr>
+            <a:normAutofit/>
+          </a:bodyPr>
+          <a:lstStyle/>
+          <a:p>
+            <a:r>
+              <a:rPr lang="ja-JP" altLang="en-US" b="1" dirty="0">
+                <a:latin typeface="+mn-ea"/>
+                <a:ea typeface="+mn-ea"/>
+              </a:rPr>
+              <a:t>謝辞</a:t>
+            </a:r>
+            <a:endParaRPr kumimoji="1" lang="ja-JP" altLang="en-US" b="1" dirty="0">
+              <a:latin typeface="+mn-ea"/>
+              <a:ea typeface="+mn-ea"/>
+            </a:endParaRPr>
+          </a:p>
+        </p:txBody>
+      </p:sp>
+      <p:sp>
+        <p:nvSpPr>
+          <p:cNvPr id="3" name="コンテンツ プレースホルダー 2">
+            <a:extLst>
+              <a:ext uri="{FF2B5EF4-FFF2-40B4-BE49-F238E27FC236}">
+                <a16:creationId xmlns:a16="http://schemas.microsoft.com/office/drawing/2014/main" id="{42268219-C040-410E-8B57-0FEAC66D09C2}"/>
               </a:ext>
             </a:extLst>
           </p:cNvPr>
@@ -13872,89 +14555,53 @@
         </p:nvSpPr>
         <p:spPr/>
         <p:txBody>
-          <a:bodyPr/>
+          <a:bodyPr>
+            <a:normAutofit/>
+          </a:bodyPr>
           <a:lstStyle/>
           <a:p>
-            <a:r>
-              <a:rPr lang="ja-JP" altLang="en-US" dirty="0">
-                <a:hlinkClick r:id="rId2"/>
+            <a:pPr marL="0" indent="0">
+              <a:buNone/>
+            </a:pPr>
+            <a:endParaRPr lang="en-US" altLang="ja-JP" sz="4000" b="1" i="0" dirty="0">
+              <a:effectLst/>
+              <a:latin typeface="Courier New" panose="02070309020205020404" pitchFamily="49" charset="0"/>
+            </a:endParaRPr>
+          </a:p>
+          <a:p>
+            <a:pPr marL="0" indent="0">
+              <a:buNone/>
+            </a:pPr>
+            <a:r>
+              <a:rPr lang="ja-JP" altLang="en-US" sz="4000" b="1" i="0" dirty="0">
+                <a:effectLst/>
+                <a:latin typeface="Courier New" panose="02070309020205020404" pitchFamily="49" charset="0"/>
               </a:rPr>
-              <a:t>新型コロナウイルスの流行で増加する“コロナ太り” 原因と体への影響は？ </a:t>
-            </a:r>
-            <a:r>
-              <a:rPr lang="en-US" altLang="ja-JP" dirty="0">
-                <a:hlinkClick r:id="rId2"/>
+              <a:t>　研修講師の皆様、ならびに研修事務局の皆様、一緒に学習してくれたクラスのみなさま、関係者のみなさまに御礼申し上げます。</a:t>
+            </a:r>
+            <a:endParaRPr lang="en-US" altLang="ja-JP" sz="4000" b="1" i="0" dirty="0">
+              <a:effectLst/>
+              <a:latin typeface="Courier New" panose="02070309020205020404" pitchFamily="49" charset="0"/>
+            </a:endParaRPr>
+          </a:p>
+          <a:p>
+            <a:pPr marL="0" indent="0">
+              <a:buNone/>
+            </a:pPr>
+            <a:r>
+              <a:rPr kumimoji="1" lang="ja-JP" altLang="en-US" sz="4000" b="1" dirty="0">
+                <a:latin typeface="Courier New" panose="02070309020205020404" pitchFamily="49" charset="0"/>
               </a:rPr>
-              <a:t>| NHK</a:t>
-            </a:r>
-            <a:r>
-              <a:rPr lang="ja-JP" altLang="en-US" dirty="0">
-                <a:hlinkClick r:id="rId2"/>
-              </a:rPr>
-              <a:t>健康チャンネル</a:t>
-            </a:r>
-            <a:endParaRPr lang="en-US" altLang="ja-JP" dirty="0"/>
-          </a:p>
-          <a:p>
-            <a:r>
-              <a:rPr lang="ja-JP" altLang="en-US" dirty="0">
-                <a:hlinkClick r:id="rId3"/>
-              </a:rPr>
-              <a:t>マルハニチロ「</a:t>
-            </a:r>
-            <a:r>
-              <a:rPr lang="en-US" altLang="ja-JP" dirty="0">
-                <a:hlinkClick r:id="rId3"/>
-              </a:rPr>
-              <a:t>20</a:t>
-            </a:r>
-            <a:r>
-              <a:rPr lang="ja-JP" altLang="en-US" dirty="0">
-                <a:hlinkClick r:id="rId3"/>
-              </a:rPr>
-              <a:t>代の健康と食生活に関する意識・実態調査」実施 </a:t>
-            </a:r>
-            <a:r>
-              <a:rPr lang="en-US" altLang="ja-JP" dirty="0">
-                <a:hlinkClick r:id="rId3"/>
-              </a:rPr>
-              <a:t>(maruha-nichiro.co.jp)</a:t>
-            </a:r>
-            <a:endParaRPr lang="en-US" altLang="ja-JP" dirty="0"/>
-          </a:p>
-          <a:p>
-            <a:r>
-              <a:rPr lang="ja-JP" altLang="en-US" dirty="0">
-                <a:hlinkClick r:id="rId4"/>
-              </a:rPr>
-              <a:t>ボタン・システム音</a:t>
-            </a:r>
-            <a:r>
-              <a:rPr lang="en-US" altLang="ja-JP" dirty="0">
-                <a:hlinkClick r:id="rId4"/>
-              </a:rPr>
-              <a:t>[1]</a:t>
-            </a:r>
-            <a:r>
-              <a:rPr lang="ja-JP" altLang="en-US" dirty="0">
-                <a:hlinkClick r:id="rId4"/>
-              </a:rPr>
-              <a:t>｜効果音ラボ </a:t>
-            </a:r>
-            <a:r>
-              <a:rPr lang="en-US" altLang="ja-JP" dirty="0">
-                <a:hlinkClick r:id="rId4"/>
-              </a:rPr>
-              <a:t>(soundeffect-lab.info)</a:t>
-            </a:r>
-            <a:endParaRPr kumimoji="1" lang="ja-JP" altLang="en-US" dirty="0"/>
+              <a:t>　ご清聴ありがとうございました。</a:t>
+            </a:r>
+            <a:endParaRPr kumimoji="1" lang="ja-JP" altLang="en-US" sz="4000" b="1" dirty="0"/>
           </a:p>
         </p:txBody>
       </p:sp>
     </p:spTree>
     <p:extLst>
       <p:ext uri="{BB962C8B-B14F-4D97-AF65-F5344CB8AC3E}">
-        <p14:creationId xmlns:p14="http://schemas.microsoft.com/office/powerpoint/2010/main" val="1379660053"/>
+        <p14:creationId xmlns:p14="http://schemas.microsoft.com/office/powerpoint/2010/main" val="3968158216"/>
       </p:ext>
     </p:extLst>
   </p:cSld>

--- a/共有用フォルダー/成果発表.pptx
+++ b/共有用フォルダー/成果発表.pptx
@@ -5,7 +5,7 @@
     <p:sldMasterId id="2147483648" r:id="rId1"/>
   </p:sldMasterIdLst>
   <p:notesMasterIdLst>
-    <p:notesMasterId r:id="rId26"/>
+    <p:notesMasterId r:id="rId28"/>
   </p:notesMasterIdLst>
   <p:sldIdLst>
     <p:sldId id="256" r:id="rId2"/>
@@ -23,15 +23,17 @@
     <p:sldId id="269" r:id="rId14"/>
     <p:sldId id="266" r:id="rId15"/>
     <p:sldId id="274" r:id="rId16"/>
-    <p:sldId id="268" r:id="rId17"/>
-    <p:sldId id="289" r:id="rId18"/>
-    <p:sldId id="279" r:id="rId19"/>
-    <p:sldId id="285" r:id="rId20"/>
-    <p:sldId id="292" r:id="rId21"/>
-    <p:sldId id="286" r:id="rId22"/>
-    <p:sldId id="291" r:id="rId23"/>
-    <p:sldId id="293" r:id="rId24"/>
-    <p:sldId id="295" r:id="rId25"/>
+    <p:sldId id="289" r:id="rId17"/>
+    <p:sldId id="279" r:id="rId18"/>
+    <p:sldId id="285" r:id="rId19"/>
+    <p:sldId id="292" r:id="rId20"/>
+    <p:sldId id="296" r:id="rId21"/>
+    <p:sldId id="298" r:id="rId22"/>
+    <p:sldId id="297" r:id="rId23"/>
+    <p:sldId id="286" r:id="rId24"/>
+    <p:sldId id="291" r:id="rId25"/>
+    <p:sldId id="293" r:id="rId26"/>
+    <p:sldId id="295" r:id="rId27"/>
   </p:sldIdLst>
   <p:sldSz cx="12192000" cy="6858000"/>
   <p:notesSz cx="6858000" cy="9144000"/>
@@ -4268,7 +4270,9 @@
           <a:bodyPr/>
           <a:lstStyle/>
           <a:p>
-            <a:endParaRPr kumimoji="1" lang="ja-JP" altLang="en-US" dirty="0"/>
+            <a:endParaRPr lang="en-US" altLang="ja-JP" sz="1200" b="0" dirty="0">
+              <a:latin typeface="+mn-ea"/>
+            </a:endParaRPr>
           </a:p>
         </p:txBody>
       </p:sp>
@@ -4289,7 +4293,7 @@
           <a:p>
             <a:fld id="{C59D74C6-9C2E-47F2-9943-FD41646989DE}" type="slidenum">
               <a:rPr kumimoji="1" lang="ja-JP" altLang="en-US" smtClean="0"/>
-              <a:t>16</a:t>
+              <a:t>17</a:t>
             </a:fld>
             <a:endParaRPr kumimoji="1" lang="ja-JP" altLang="en-US"/>
           </a:p>
@@ -4298,7 +4302,7 @@
     </p:spTree>
     <p:extLst>
       <p:ext uri="{BB962C8B-B14F-4D97-AF65-F5344CB8AC3E}">
-        <p14:creationId xmlns:p14="http://schemas.microsoft.com/office/powerpoint/2010/main" val="3626295908"/>
+        <p14:creationId xmlns:p14="http://schemas.microsoft.com/office/powerpoint/2010/main" val="1952297387"/>
       </p:ext>
     </p:extLst>
   </p:cSld>
@@ -4352,9 +4356,286 @@
           <a:bodyPr/>
           <a:lstStyle/>
           <a:p>
-            <a:endParaRPr lang="en-US" altLang="ja-JP" sz="1200" b="0" dirty="0">
+            <a:r>
+              <a:rPr kumimoji="1" lang="ja-JP" altLang="en-US" dirty="0">
+                <a:latin typeface="+mn-ea"/>
+              </a:rPr>
+              <a:t>デザイン</a:t>
+            </a:r>
+            <a:r>
+              <a:rPr kumimoji="1" lang="en-US" altLang="ja-JP" dirty="0">
+                <a:latin typeface="+mn-ea"/>
+              </a:rPr>
+              <a:t>	</a:t>
+            </a:r>
+            <a:r>
+              <a:rPr kumimoji="1" lang="ja-JP" altLang="en-US" dirty="0">
+                <a:latin typeface="+mn-ea"/>
+              </a:rPr>
+              <a:t>青で食欲減退</a:t>
+            </a:r>
+            <a:endParaRPr kumimoji="1" lang="en-US" altLang="ja-JP" dirty="0">
               <a:latin typeface="+mn-ea"/>
             </a:endParaRPr>
+          </a:p>
+          <a:p>
+            <a:endParaRPr lang="en-US" altLang="ja-JP" kern="100" dirty="0">
+              <a:effectLst/>
+              <a:latin typeface="+mn-ea"/>
+              <a:cs typeface="Times New Roman" panose="02020603050405020304" pitchFamily="18" charset="0"/>
+            </a:endParaRPr>
+          </a:p>
+          <a:p>
+            <a:r>
+              <a:rPr lang="ja-JP" altLang="en-US" kern="100" dirty="0">
+                <a:latin typeface="+mn-ea"/>
+                <a:cs typeface="Times New Roman" panose="02020603050405020304" pitchFamily="18" charset="0"/>
+              </a:rPr>
+              <a:t>認識合わせ</a:t>
+            </a:r>
+            <a:r>
+              <a:rPr lang="en-US" altLang="ja-JP" kern="100" dirty="0">
+                <a:latin typeface="+mn-ea"/>
+                <a:cs typeface="Times New Roman" panose="02020603050405020304" pitchFamily="18" charset="0"/>
+              </a:rPr>
+              <a:t>	</a:t>
+            </a:r>
+            <a:r>
+              <a:rPr lang="ja-JP" altLang="ja-JP" kern="100" dirty="0">
+                <a:effectLst/>
+                <a:latin typeface="+mn-ea"/>
+                <a:cs typeface="Times New Roman" panose="02020603050405020304" pitchFamily="18" charset="0"/>
+              </a:rPr>
+              <a:t>進捗管理（</a:t>
+            </a:r>
+            <a:r>
+              <a:rPr lang="ja-JP" altLang="en-US" dirty="0"/>
+              <a:t>口頭・ガントチャート</a:t>
+            </a:r>
+            <a:r>
+              <a:rPr lang="ja-JP" altLang="ja-JP" kern="100" dirty="0">
+                <a:effectLst/>
+                <a:latin typeface="+mn-ea"/>
+                <a:cs typeface="Times New Roman" panose="02020603050405020304" pitchFamily="18" charset="0"/>
+              </a:rPr>
+              <a:t>）</a:t>
+            </a:r>
+            <a:r>
+              <a:rPr lang="ja-JP" altLang="en-US" kern="100" dirty="0">
+                <a:effectLst/>
+                <a:latin typeface="+mn-ea"/>
+                <a:cs typeface="Times New Roman" panose="02020603050405020304" pitchFamily="18" charset="0"/>
+              </a:rPr>
+              <a:t>　</a:t>
+            </a:r>
+            <a:endParaRPr lang="en-US" altLang="ja-JP" kern="100" dirty="0">
+              <a:effectLst/>
+              <a:latin typeface="+mn-ea"/>
+              <a:cs typeface="Times New Roman" panose="02020603050405020304" pitchFamily="18" charset="0"/>
+            </a:endParaRPr>
+          </a:p>
+          <a:p>
+            <a:pPr marL="0" indent="0" algn="l">
+              <a:buNone/>
+            </a:pPr>
+            <a:r>
+              <a:rPr lang="en-US" altLang="ja-JP" kern="100" dirty="0">
+                <a:effectLst/>
+                <a:latin typeface="+mn-ea"/>
+                <a:cs typeface="Times New Roman" panose="02020603050405020304" pitchFamily="18" charset="0"/>
+              </a:rPr>
+              <a:t>	</a:t>
+            </a:r>
+            <a:r>
+              <a:rPr lang="ja-JP" altLang="ja-JP" kern="100" dirty="0">
+                <a:effectLst/>
+                <a:latin typeface="+mn-ea"/>
+                <a:cs typeface="Times New Roman" panose="02020603050405020304" pitchFamily="18" charset="0"/>
+              </a:rPr>
+              <a:t>朝にその日に取り組むことを共有</a:t>
+            </a:r>
+            <a:endParaRPr lang="en-US" altLang="ja-JP" kern="100" dirty="0">
+              <a:effectLst/>
+              <a:latin typeface="+mn-ea"/>
+              <a:cs typeface="Times New Roman" panose="02020603050405020304" pitchFamily="18" charset="0"/>
+            </a:endParaRPr>
+          </a:p>
+          <a:p>
+            <a:pPr marL="0" indent="0" algn="l">
+              <a:buNone/>
+            </a:pPr>
+            <a:r>
+              <a:rPr lang="en-US" altLang="ja-JP" kern="100" dirty="0">
+                <a:effectLst/>
+                <a:latin typeface="+mn-ea"/>
+                <a:cs typeface="Times New Roman" panose="02020603050405020304" pitchFamily="18" charset="0"/>
+              </a:rPr>
+              <a:t>	</a:t>
+            </a:r>
+            <a:r>
+              <a:rPr lang="ja-JP" altLang="en-US" kern="100" dirty="0">
+                <a:effectLst/>
+                <a:latin typeface="+mn-ea"/>
+                <a:cs typeface="Times New Roman" panose="02020603050405020304" pitchFamily="18" charset="0"/>
+              </a:rPr>
+              <a:t>終業前に</a:t>
+            </a:r>
+            <a:r>
+              <a:rPr lang="ja-JP" altLang="ja-JP" kern="100" dirty="0">
+                <a:effectLst/>
+                <a:latin typeface="+mn-ea"/>
+                <a:cs typeface="Times New Roman" panose="02020603050405020304" pitchFamily="18" charset="0"/>
+              </a:rPr>
+              <a:t>その日のまとめと翌日に行うことの共有</a:t>
+            </a:r>
+          </a:p>
+          <a:p>
+            <a:pPr algn="l"/>
+            <a:endParaRPr lang="en-US" altLang="ja-JP" kern="100" dirty="0">
+              <a:effectLst/>
+              <a:latin typeface="+mn-ea"/>
+              <a:cs typeface="Times New Roman" panose="02020603050405020304" pitchFamily="18" charset="0"/>
+            </a:endParaRPr>
+          </a:p>
+          <a:p>
+            <a:pPr algn="l"/>
+            <a:r>
+              <a:rPr lang="ja-JP" altLang="en-US" kern="100" dirty="0">
+                <a:effectLst/>
+                <a:latin typeface="+mn-ea"/>
+                <a:cs typeface="Times New Roman" panose="02020603050405020304" pitchFamily="18" charset="0"/>
+              </a:rPr>
+              <a:t>教えあい</a:t>
+            </a:r>
+            <a:r>
+              <a:rPr lang="en-US" altLang="ja-JP" kern="100" dirty="0">
+                <a:effectLst/>
+                <a:latin typeface="+mn-ea"/>
+                <a:cs typeface="Times New Roman" panose="02020603050405020304" pitchFamily="18" charset="0"/>
+              </a:rPr>
+              <a:t>	</a:t>
+            </a:r>
+            <a:r>
+              <a:rPr lang="ja-JP" altLang="ja-JP" kern="100" dirty="0">
+                <a:effectLst/>
+                <a:latin typeface="+mn-ea"/>
+                <a:cs typeface="Times New Roman" panose="02020603050405020304" pitchFamily="18" charset="0"/>
+              </a:rPr>
+              <a:t>チーム作業（教え合い）</a:t>
+            </a:r>
+            <a:r>
+              <a:rPr lang="ja-JP" altLang="en-US" kern="100" dirty="0">
+                <a:effectLst/>
+                <a:latin typeface="+mn-ea"/>
+                <a:cs typeface="Times New Roman" panose="02020603050405020304" pitchFamily="18" charset="0"/>
+              </a:rPr>
+              <a:t>ブレイクアウトルームに分かれて分担</a:t>
+            </a:r>
+            <a:endParaRPr lang="en-US" altLang="ja-JP" kern="100" dirty="0">
+              <a:effectLst/>
+              <a:latin typeface="+mn-ea"/>
+              <a:cs typeface="Times New Roman" panose="02020603050405020304" pitchFamily="18" charset="0"/>
+            </a:endParaRPr>
+          </a:p>
+          <a:p>
+            <a:pPr marL="0" indent="0" algn="l">
+              <a:buNone/>
+            </a:pPr>
+            <a:r>
+              <a:rPr lang="en-US" altLang="ja-JP" kern="100" dirty="0">
+                <a:latin typeface="+mn-ea"/>
+                <a:cs typeface="Times New Roman" panose="02020603050405020304" pitchFamily="18" charset="0"/>
+              </a:rPr>
+              <a:t>	</a:t>
+            </a:r>
+            <a:r>
+              <a:rPr lang="ja-JP" altLang="en-US" kern="100" dirty="0">
+                <a:latin typeface="+mn-ea"/>
+                <a:cs typeface="Times New Roman" panose="02020603050405020304" pitchFamily="18" charset="0"/>
+              </a:rPr>
+              <a:t>勉強会で全体のボトムアップ</a:t>
+            </a:r>
+            <a:endParaRPr lang="en-US" altLang="ja-JP" kern="100" dirty="0">
+              <a:latin typeface="+mn-ea"/>
+              <a:cs typeface="Times New Roman" panose="02020603050405020304" pitchFamily="18" charset="0"/>
+            </a:endParaRPr>
+          </a:p>
+          <a:p>
+            <a:pPr marL="0" indent="0" algn="l">
+              <a:buNone/>
+            </a:pPr>
+            <a:endParaRPr lang="en-US" altLang="ja-JP" kern="100" dirty="0">
+              <a:latin typeface="+mn-ea"/>
+              <a:cs typeface="Times New Roman" panose="02020603050405020304" pitchFamily="18" charset="0"/>
+            </a:endParaRPr>
+          </a:p>
+          <a:p>
+            <a:r>
+              <a:rPr kumimoji="1" lang="ja-JP" altLang="en-US" dirty="0">
+                <a:latin typeface="+mn-ea"/>
+              </a:rPr>
+              <a:t>実現したかったこと</a:t>
+            </a:r>
+            <a:endParaRPr kumimoji="1" lang="en-US" altLang="ja-JP" dirty="0">
+              <a:latin typeface="+mn-ea"/>
+            </a:endParaRPr>
+          </a:p>
+          <a:p>
+            <a:pPr marL="0" indent="0">
+              <a:buNone/>
+            </a:pPr>
+            <a:r>
+              <a:rPr kumimoji="1" lang="en-US" altLang="ja-JP" dirty="0">
+                <a:latin typeface="+mn-ea"/>
+              </a:rPr>
+              <a:t>―</a:t>
+            </a:r>
+            <a:r>
+              <a:rPr kumimoji="1" lang="ja-JP" altLang="en-US" dirty="0">
+                <a:latin typeface="+mn-ea"/>
+              </a:rPr>
+              <a:t>掲示板にいいね機能</a:t>
+            </a:r>
+            <a:endParaRPr kumimoji="1" lang="en-US" altLang="ja-JP" dirty="0">
+              <a:latin typeface="+mn-ea"/>
+            </a:endParaRPr>
+          </a:p>
+          <a:p>
+            <a:pPr marL="0" indent="0">
+              <a:buNone/>
+            </a:pPr>
+            <a:r>
+              <a:rPr lang="en-US" altLang="ja-JP" dirty="0">
+                <a:latin typeface="+mn-ea"/>
+              </a:rPr>
+              <a:t>―</a:t>
+            </a:r>
+            <a:r>
+              <a:rPr kumimoji="1" lang="ja-JP" altLang="en-US" dirty="0">
+                <a:latin typeface="+mn-ea"/>
+              </a:rPr>
+              <a:t>運動した日にスタンプ表示</a:t>
+            </a:r>
+            <a:endParaRPr kumimoji="1" lang="en-US" altLang="ja-JP" dirty="0">
+              <a:latin typeface="+mn-ea"/>
+            </a:endParaRPr>
+          </a:p>
+          <a:p>
+            <a:pPr marL="0" indent="0">
+              <a:buNone/>
+            </a:pPr>
+            <a:r>
+              <a:rPr lang="en-US" altLang="ja-JP" dirty="0">
+                <a:latin typeface="+mn-ea"/>
+              </a:rPr>
+              <a:t>―</a:t>
+            </a:r>
+            <a:r>
+              <a:rPr lang="ja-JP" altLang="en-US" dirty="0">
+                <a:latin typeface="+mn-ea"/>
+              </a:rPr>
+              <a:t>コラ画像</a:t>
+            </a:r>
           </a:p>
         </p:txBody>
       </p:sp>
@@ -4375,7 +4656,7 @@
           <a:p>
             <a:fld id="{C59D74C6-9C2E-47F2-9943-FD41646989DE}" type="slidenum">
               <a:rPr kumimoji="1" lang="ja-JP" altLang="en-US" smtClean="0"/>
-              <a:t>18</a:t>
+              <a:t>19</a:t>
             </a:fld>
             <a:endParaRPr kumimoji="1" lang="ja-JP" altLang="en-US"/>
           </a:p>
@@ -4384,7 +4665,7 @@
     </p:spTree>
     <p:extLst>
       <p:ext uri="{BB962C8B-B14F-4D97-AF65-F5344CB8AC3E}">
-        <p14:creationId xmlns:p14="http://schemas.microsoft.com/office/powerpoint/2010/main" val="1952297387"/>
+        <p14:creationId xmlns:p14="http://schemas.microsoft.com/office/powerpoint/2010/main" val="3734896416"/>
       </p:ext>
     </p:extLst>
   </p:cSld>
@@ -4438,11 +4719,14 @@
           <a:bodyPr/>
           <a:lstStyle/>
           <a:p>
+            <a:pPr marL="0" indent="0">
+              <a:buNone/>
+            </a:pPr>
             <a:r>
               <a:rPr kumimoji="1" lang="ja-JP" altLang="en-US" dirty="0">
                 <a:latin typeface="+mn-ea"/>
               </a:rPr>
-              <a:t>デザイン</a:t>
+              <a:t>計画性</a:t>
             </a:r>
             <a:r>
               <a:rPr kumimoji="1" lang="en-US" altLang="ja-JP" dirty="0">
@@ -4454,209 +4738,27 @@
               <a:rPr kumimoji="1" lang="ja-JP" altLang="en-US" dirty="0">
                 <a:latin typeface="+mn-ea"/>
               </a:rPr>
-              <a:t>青で食欲減退</a:t>
+              <a:t>外部設計段階で見切り発車だった</a:t>
             </a:r>
             <a:endParaRPr kumimoji="1" lang="en-US" altLang="ja-JP" dirty="0">
               <a:latin typeface="+mn-ea"/>
             </a:endParaRPr>
           </a:p>
           <a:p>
-            <a:endParaRPr lang="en-US" altLang="ja-JP" kern="100" dirty="0">
-              <a:effectLst/>
-              <a:latin typeface="+mn-ea"/>
-              <a:cs typeface="Times New Roman" panose="02020603050405020304" pitchFamily="18" charset="0"/>
-            </a:endParaRPr>
-          </a:p>
-          <a:p>
-            <a:r>
-              <a:rPr lang="ja-JP" altLang="en-US" kern="100" dirty="0">
-                <a:latin typeface="+mn-ea"/>
-                <a:cs typeface="Times New Roman" panose="02020603050405020304" pitchFamily="18" charset="0"/>
-              </a:rPr>
-              <a:t>認識合わせ</a:t>
-            </a:r>
-            <a:r>
-              <a:rPr lang="en-US" altLang="ja-JP" kern="100" dirty="0">
-                <a:latin typeface="+mn-ea"/>
-                <a:cs typeface="Times New Roman" panose="02020603050405020304" pitchFamily="18" charset="0"/>
-              </a:rPr>
-              <a:t>	</a:t>
-            </a:r>
-            <a:r>
-              <a:rPr lang="ja-JP" altLang="ja-JP" kern="100" dirty="0">
-                <a:effectLst/>
-                <a:latin typeface="+mn-ea"/>
-                <a:cs typeface="Times New Roman" panose="02020603050405020304" pitchFamily="18" charset="0"/>
-              </a:rPr>
-              <a:t>進捗管理（</a:t>
-            </a:r>
-            <a:r>
-              <a:rPr lang="ja-JP" altLang="en-US" dirty="0"/>
-              <a:t>口頭・ガントチャート</a:t>
-            </a:r>
-            <a:r>
-              <a:rPr lang="ja-JP" altLang="ja-JP" kern="100" dirty="0">
-                <a:effectLst/>
-                <a:latin typeface="+mn-ea"/>
-                <a:cs typeface="Times New Roman" panose="02020603050405020304" pitchFamily="18" charset="0"/>
-              </a:rPr>
-              <a:t>）</a:t>
-            </a:r>
-            <a:r>
-              <a:rPr lang="ja-JP" altLang="en-US" kern="100" dirty="0">
-                <a:effectLst/>
-                <a:latin typeface="+mn-ea"/>
-                <a:cs typeface="Times New Roman" panose="02020603050405020304" pitchFamily="18" charset="0"/>
-              </a:rPr>
-              <a:t>　</a:t>
-            </a:r>
-            <a:endParaRPr lang="en-US" altLang="ja-JP" kern="100" dirty="0">
-              <a:effectLst/>
-              <a:latin typeface="+mn-ea"/>
-              <a:cs typeface="Times New Roman" panose="02020603050405020304" pitchFamily="18" charset="0"/>
-            </a:endParaRPr>
-          </a:p>
-          <a:p>
-            <a:pPr marL="0" indent="0" algn="l">
+            <a:pPr marL="0" indent="0">
               <a:buNone/>
             </a:pPr>
             <a:r>
-              <a:rPr lang="en-US" altLang="ja-JP" kern="100" dirty="0">
-                <a:effectLst/>
-                <a:latin typeface="+mn-ea"/>
-                <a:cs typeface="Times New Roman" panose="02020603050405020304" pitchFamily="18" charset="0"/>
+              <a:rPr lang="en-US" altLang="ja-JP" dirty="0">
+                <a:latin typeface="+mn-ea"/>
               </a:rPr>
               <a:t>	</a:t>
             </a:r>
             <a:r>
-              <a:rPr lang="ja-JP" altLang="ja-JP" kern="100" dirty="0">
-                <a:effectLst/>
-                <a:latin typeface="+mn-ea"/>
-                <a:cs typeface="Times New Roman" panose="02020603050405020304" pitchFamily="18" charset="0"/>
-              </a:rPr>
-              <a:t>朝にその日に取り組むことを共有</a:t>
-            </a:r>
-            <a:endParaRPr lang="en-US" altLang="ja-JP" kern="100" dirty="0">
-              <a:effectLst/>
-              <a:latin typeface="+mn-ea"/>
-              <a:cs typeface="Times New Roman" panose="02020603050405020304" pitchFamily="18" charset="0"/>
-            </a:endParaRPr>
-          </a:p>
-          <a:p>
-            <a:pPr marL="0" indent="0" algn="l">
-              <a:buNone/>
-            </a:pPr>
-            <a:r>
-              <a:rPr lang="en-US" altLang="ja-JP" kern="100" dirty="0">
-                <a:effectLst/>
-                <a:latin typeface="+mn-ea"/>
-                <a:cs typeface="Times New Roman" panose="02020603050405020304" pitchFamily="18" charset="0"/>
-              </a:rPr>
-              <a:t>	</a:t>
-            </a:r>
-            <a:r>
-              <a:rPr lang="ja-JP" altLang="en-US" kern="100" dirty="0">
-                <a:effectLst/>
-                <a:latin typeface="+mn-ea"/>
-                <a:cs typeface="Times New Roman" panose="02020603050405020304" pitchFamily="18" charset="0"/>
-              </a:rPr>
-              <a:t>終業前に</a:t>
-            </a:r>
-            <a:r>
-              <a:rPr lang="ja-JP" altLang="ja-JP" kern="100" dirty="0">
-                <a:effectLst/>
-                <a:latin typeface="+mn-ea"/>
-                <a:cs typeface="Times New Roman" panose="02020603050405020304" pitchFamily="18" charset="0"/>
-              </a:rPr>
-              <a:t>その日のまとめと翌日に行うことの共有</a:t>
-            </a:r>
-          </a:p>
-          <a:p>
-            <a:pPr algn="l"/>
-            <a:endParaRPr lang="en-US" altLang="ja-JP" kern="100" dirty="0">
-              <a:effectLst/>
-              <a:latin typeface="+mn-ea"/>
-              <a:cs typeface="Times New Roman" panose="02020603050405020304" pitchFamily="18" charset="0"/>
-            </a:endParaRPr>
-          </a:p>
-          <a:p>
-            <a:pPr algn="l"/>
-            <a:r>
-              <a:rPr lang="ja-JP" altLang="en-US" kern="100" dirty="0">
-                <a:effectLst/>
-                <a:latin typeface="+mn-ea"/>
-                <a:cs typeface="Times New Roman" panose="02020603050405020304" pitchFamily="18" charset="0"/>
-              </a:rPr>
-              <a:t>教えあい</a:t>
-            </a:r>
-            <a:r>
-              <a:rPr lang="en-US" altLang="ja-JP" kern="100" dirty="0">
-                <a:effectLst/>
-                <a:latin typeface="+mn-ea"/>
-                <a:cs typeface="Times New Roman" panose="02020603050405020304" pitchFamily="18" charset="0"/>
-              </a:rPr>
-              <a:t>	</a:t>
-            </a:r>
-            <a:r>
-              <a:rPr lang="ja-JP" altLang="ja-JP" kern="100" dirty="0">
-                <a:effectLst/>
-                <a:latin typeface="+mn-ea"/>
-                <a:cs typeface="Times New Roman" panose="02020603050405020304" pitchFamily="18" charset="0"/>
-              </a:rPr>
-              <a:t>チーム作業（教え合い）</a:t>
-            </a:r>
-            <a:r>
-              <a:rPr lang="ja-JP" altLang="en-US" kern="100" dirty="0">
-                <a:effectLst/>
-                <a:latin typeface="+mn-ea"/>
-                <a:cs typeface="Times New Roman" panose="02020603050405020304" pitchFamily="18" charset="0"/>
-              </a:rPr>
-              <a:t>ブレイクアウトルームに分かれて分担</a:t>
-            </a:r>
-            <a:endParaRPr lang="en-US" altLang="ja-JP" kern="100" dirty="0">
-              <a:effectLst/>
-              <a:latin typeface="+mn-ea"/>
-              <a:cs typeface="Times New Roman" panose="02020603050405020304" pitchFamily="18" charset="0"/>
-            </a:endParaRPr>
-          </a:p>
-          <a:p>
-            <a:pPr marL="0" indent="0" algn="l">
-              <a:buNone/>
-            </a:pPr>
-            <a:r>
-              <a:rPr lang="en-US" altLang="ja-JP" kern="100" dirty="0">
-                <a:latin typeface="+mn-ea"/>
-                <a:cs typeface="Times New Roman" panose="02020603050405020304" pitchFamily="18" charset="0"/>
-              </a:rPr>
-              <a:t>	</a:t>
-            </a:r>
-            <a:r>
-              <a:rPr lang="ja-JP" altLang="en-US" kern="100" dirty="0">
-                <a:latin typeface="+mn-ea"/>
-                <a:cs typeface="Times New Roman" panose="02020603050405020304" pitchFamily="18" charset="0"/>
-              </a:rPr>
-              <a:t>勉強会で全体のボトムアップ</a:t>
-            </a:r>
-            <a:endParaRPr lang="en-US" altLang="ja-JP" kern="100" dirty="0">
-              <a:latin typeface="+mn-ea"/>
-              <a:cs typeface="Times New Roman" panose="02020603050405020304" pitchFamily="18" charset="0"/>
-            </a:endParaRPr>
-          </a:p>
-          <a:p>
-            <a:pPr marL="0" indent="0" algn="l">
-              <a:buNone/>
-            </a:pPr>
-            <a:endParaRPr lang="en-US" altLang="ja-JP" kern="100" dirty="0">
-              <a:latin typeface="+mn-ea"/>
-              <a:cs typeface="Times New Roman" panose="02020603050405020304" pitchFamily="18" charset="0"/>
-            </a:endParaRPr>
-          </a:p>
-          <a:p>
-            <a:r>
-              <a:rPr kumimoji="1" lang="ja-JP" altLang="en-US" dirty="0">
-                <a:latin typeface="+mn-ea"/>
-              </a:rPr>
-              <a:t>実現したかったこと</a:t>
+              <a:rPr lang="ja-JP" altLang="en-US" dirty="0">
+                <a:latin typeface="+mn-ea"/>
+              </a:rPr>
+              <a:t>具体的にどう実現できるか想像するべきだと学んだ</a:t>
             </a:r>
             <a:endParaRPr kumimoji="1" lang="en-US" altLang="ja-JP" dirty="0">
               <a:latin typeface="+mn-ea"/>
@@ -4667,16 +4769,36 @@
               <a:buNone/>
             </a:pPr>
             <a:r>
-              <a:rPr kumimoji="1" lang="en-US" altLang="ja-JP" dirty="0">
-                <a:latin typeface="+mn-ea"/>
-              </a:rPr>
-              <a:t>―</a:t>
-            </a:r>
-            <a:r>
-              <a:rPr kumimoji="1" lang="ja-JP" altLang="en-US" dirty="0">
-                <a:latin typeface="+mn-ea"/>
-              </a:rPr>
-              <a:t>掲示板にいいね機能</a:t>
+              <a:rPr lang="en-US" altLang="ja-JP" sz="1000" dirty="0">
+                <a:effectLst/>
+                <a:ea typeface="游明朝" panose="02020400000000000000" pitchFamily="18" charset="-128"/>
+                <a:cs typeface="Times New Roman" panose="02020603050405020304" pitchFamily="18" charset="0"/>
+              </a:rPr>
+              <a:t>	</a:t>
+            </a:r>
+            <a:r>
+              <a:rPr lang="ja-JP" altLang="ja-JP" sz="1000" dirty="0">
+                <a:effectLst/>
+                <a:ea typeface="游明朝" panose="02020400000000000000" pitchFamily="18" charset="-128"/>
+                <a:cs typeface="Times New Roman" panose="02020603050405020304" pitchFamily="18" charset="0"/>
+              </a:rPr>
+              <a:t>要件定義にない変更</a:t>
+            </a:r>
+            <a:r>
+              <a:rPr lang="ja-JP" altLang="en-US" sz="1000" dirty="0">
+                <a:effectLst/>
+                <a:ea typeface="游明朝" panose="02020400000000000000" pitchFamily="18" charset="-128"/>
+                <a:cs typeface="Times New Roman" panose="02020603050405020304" pitchFamily="18" charset="0"/>
+              </a:rPr>
+              <a:t>をすることに</a:t>
+            </a:r>
+            <a:r>
+              <a:rPr lang="ja-JP" altLang="ja-JP" sz="1000" dirty="0">
+                <a:effectLst/>
+                <a:ea typeface="游明朝" panose="02020400000000000000" pitchFamily="18" charset="-128"/>
+                <a:cs typeface="Times New Roman" panose="02020603050405020304" pitchFamily="18" charset="0"/>
+              </a:rPr>
+              <a:t>あまり抵抗がなく、設計書の重要性を理解していなかった</a:t>
             </a:r>
             <a:endParaRPr kumimoji="1" lang="en-US" altLang="ja-JP" dirty="0">
               <a:latin typeface="+mn-ea"/>
@@ -4686,18 +4808,6 @@
             <a:pPr marL="0" indent="0">
               <a:buNone/>
             </a:pPr>
-            <a:r>
-              <a:rPr lang="en-US" altLang="ja-JP" dirty="0">
-                <a:latin typeface="+mn-ea"/>
-              </a:rPr>
-              <a:t>―</a:t>
-            </a:r>
-            <a:r>
-              <a:rPr kumimoji="1" lang="ja-JP" altLang="en-US" dirty="0">
-                <a:latin typeface="+mn-ea"/>
-              </a:rPr>
-              <a:t>運動した日にスタンプ表示</a:t>
-            </a:r>
             <a:endParaRPr kumimoji="1" lang="en-US" altLang="ja-JP" dirty="0">
               <a:latin typeface="+mn-ea"/>
             </a:endParaRPr>
@@ -4707,17 +4817,75 @@
               <a:buNone/>
             </a:pPr>
             <a:r>
+              <a:rPr kumimoji="1" lang="ja-JP" altLang="en-US" dirty="0">
+                <a:latin typeface="+mn-ea"/>
+              </a:rPr>
+              <a:t>技術</a:t>
+            </a:r>
+            <a:r>
+              <a:rPr kumimoji="1" lang="en-US" altLang="ja-JP" dirty="0">
+                <a:latin typeface="+mn-ea"/>
+              </a:rPr>
+              <a:t>	4</a:t>
+            </a:r>
+            <a:r>
+              <a:rPr kumimoji="1" lang="ja-JP" altLang="en-US" dirty="0">
+                <a:latin typeface="+mn-ea"/>
+              </a:rPr>
+              <a:t>･</a:t>
+            </a:r>
+            <a:r>
+              <a:rPr kumimoji="1" lang="en-US" altLang="ja-JP" dirty="0">
+                <a:latin typeface="+mn-ea"/>
+              </a:rPr>
+              <a:t>5</a:t>
+            </a:r>
+            <a:r>
+              <a:rPr kumimoji="1" lang="ja-JP" altLang="en-US" dirty="0">
+                <a:latin typeface="+mn-ea"/>
+              </a:rPr>
+              <a:t>月で学んだことの理解度が増した</a:t>
+            </a:r>
+            <a:endParaRPr kumimoji="1" lang="en-US" altLang="ja-JP" dirty="0">
+              <a:latin typeface="+mn-ea"/>
+            </a:endParaRPr>
+          </a:p>
+          <a:p>
+            <a:r>
               <a:rPr lang="en-US" altLang="ja-JP" dirty="0">
                 <a:latin typeface="+mn-ea"/>
               </a:rPr>
-              <a:t>―</a:t>
+              <a:t>	</a:t>
             </a:r>
             <a:r>
               <a:rPr lang="ja-JP" altLang="en-US" dirty="0">
                 <a:latin typeface="+mn-ea"/>
               </a:rPr>
-              <a:t>コラ画像</a:t>
-            </a:r>
+              <a:t>チーム内・講師に質問・コーディングを繰り返すことでスキルアップ</a:t>
+            </a:r>
+            <a:endParaRPr lang="en-US" altLang="ja-JP" dirty="0">
+              <a:latin typeface="+mn-ea"/>
+            </a:endParaRPr>
+          </a:p>
+          <a:p>
+            <a:r>
+              <a:rPr lang="en-US" altLang="ja-JP" dirty="0">
+                <a:latin typeface="+mn-ea"/>
+              </a:rPr>
+              <a:t>	</a:t>
+            </a:r>
+            <a:r>
+              <a:rPr lang="ja-JP" altLang="en-US" dirty="0">
+                <a:latin typeface="+mn-ea"/>
+              </a:rPr>
+              <a:t>学んだ技術を応用する難しさ</a:t>
+            </a:r>
+            <a:endParaRPr lang="en-US" altLang="ja-JP" dirty="0">
+              <a:latin typeface="+mn-ea"/>
+            </a:endParaRPr>
+          </a:p>
+          <a:p>
+            <a:endParaRPr kumimoji="1" lang="en-US" altLang="ja-JP" dirty="0"/>
           </a:p>
         </p:txBody>
       </p:sp>
@@ -4738,7 +4906,7 @@
           <a:p>
             <a:fld id="{C59D74C6-9C2E-47F2-9943-FD41646989DE}" type="slidenum">
               <a:rPr kumimoji="1" lang="ja-JP" altLang="en-US" smtClean="0"/>
-              <a:t>20</a:t>
+              <a:t>24</a:t>
             </a:fld>
             <a:endParaRPr kumimoji="1" lang="ja-JP" altLang="en-US"/>
           </a:p>
@@ -4747,7 +4915,7 @@
     </p:spTree>
     <p:extLst>
       <p:ext uri="{BB962C8B-B14F-4D97-AF65-F5344CB8AC3E}">
-        <p14:creationId xmlns:p14="http://schemas.microsoft.com/office/powerpoint/2010/main" val="3734896416"/>
+        <p14:creationId xmlns:p14="http://schemas.microsoft.com/office/powerpoint/2010/main" val="2421870203"/>
       </p:ext>
     </p:extLst>
   </p:cSld>
@@ -4988,7 +5156,7 @@
           <a:p>
             <a:fld id="{C59D74C6-9C2E-47F2-9943-FD41646989DE}" type="slidenum">
               <a:rPr kumimoji="1" lang="ja-JP" altLang="en-US" smtClean="0"/>
-              <a:t>22</a:t>
+              <a:t>25</a:t>
             </a:fld>
             <a:endParaRPr kumimoji="1" lang="ja-JP" altLang="en-US"/>
           </a:p>
@@ -4997,7 +5165,7 @@
     </p:spTree>
     <p:extLst>
       <p:ext uri="{BB962C8B-B14F-4D97-AF65-F5344CB8AC3E}">
-        <p14:creationId xmlns:p14="http://schemas.microsoft.com/office/powerpoint/2010/main" val="2421870203"/>
+        <p14:creationId xmlns:p14="http://schemas.microsoft.com/office/powerpoint/2010/main" val="2634613038"/>
       </p:ext>
     </p:extLst>
   </p:cSld>
@@ -5051,173 +5219,7 @@
           <a:bodyPr/>
           <a:lstStyle/>
           <a:p>
-            <a:pPr marL="0" indent="0">
-              <a:buNone/>
-            </a:pPr>
-            <a:r>
-              <a:rPr kumimoji="1" lang="ja-JP" altLang="en-US" dirty="0">
-                <a:latin typeface="+mn-ea"/>
-              </a:rPr>
-              <a:t>計画性</a:t>
-            </a:r>
-            <a:r>
-              <a:rPr kumimoji="1" lang="en-US" altLang="ja-JP" dirty="0">
-                <a:latin typeface="+mn-ea"/>
-              </a:rPr>
-              <a:t>	</a:t>
-            </a:r>
-            <a:r>
-              <a:rPr kumimoji="1" lang="ja-JP" altLang="en-US" dirty="0">
-                <a:latin typeface="+mn-ea"/>
-              </a:rPr>
-              <a:t>外部設計段階で見切り発車だった</a:t>
-            </a:r>
-            <a:endParaRPr kumimoji="1" lang="en-US" altLang="ja-JP" dirty="0">
-              <a:latin typeface="+mn-ea"/>
-            </a:endParaRPr>
-          </a:p>
-          <a:p>
-            <a:pPr marL="0" indent="0">
-              <a:buNone/>
-            </a:pPr>
-            <a:r>
-              <a:rPr lang="en-US" altLang="ja-JP" dirty="0">
-                <a:latin typeface="+mn-ea"/>
-              </a:rPr>
-              <a:t>	</a:t>
-            </a:r>
-            <a:r>
-              <a:rPr lang="ja-JP" altLang="en-US" dirty="0">
-                <a:latin typeface="+mn-ea"/>
-              </a:rPr>
-              <a:t>具体的にどう実現できるか想像するべきだと学んだ</a:t>
-            </a:r>
-            <a:endParaRPr kumimoji="1" lang="en-US" altLang="ja-JP" dirty="0">
-              <a:latin typeface="+mn-ea"/>
-            </a:endParaRPr>
-          </a:p>
-          <a:p>
-            <a:pPr marL="0" indent="0">
-              <a:buNone/>
-            </a:pPr>
-            <a:r>
-              <a:rPr lang="en-US" altLang="ja-JP" sz="1000" dirty="0">
-                <a:effectLst/>
-                <a:ea typeface="游明朝" panose="02020400000000000000" pitchFamily="18" charset="-128"/>
-                <a:cs typeface="Times New Roman" panose="02020603050405020304" pitchFamily="18" charset="0"/>
-              </a:rPr>
-              <a:t>	</a:t>
-            </a:r>
-            <a:r>
-              <a:rPr lang="ja-JP" altLang="ja-JP" sz="1000" dirty="0">
-                <a:effectLst/>
-                <a:ea typeface="游明朝" panose="02020400000000000000" pitchFamily="18" charset="-128"/>
-                <a:cs typeface="Times New Roman" panose="02020603050405020304" pitchFamily="18" charset="0"/>
-              </a:rPr>
-              <a:t>要件定義にない変更</a:t>
-            </a:r>
-            <a:r>
-              <a:rPr lang="ja-JP" altLang="en-US" sz="1000" dirty="0">
-                <a:effectLst/>
-                <a:ea typeface="游明朝" panose="02020400000000000000" pitchFamily="18" charset="-128"/>
-                <a:cs typeface="Times New Roman" panose="02020603050405020304" pitchFamily="18" charset="0"/>
-              </a:rPr>
-              <a:t>をすることに</a:t>
-            </a:r>
-            <a:r>
-              <a:rPr lang="ja-JP" altLang="ja-JP" sz="1000" dirty="0">
-                <a:effectLst/>
-                <a:ea typeface="游明朝" panose="02020400000000000000" pitchFamily="18" charset="-128"/>
-                <a:cs typeface="Times New Roman" panose="02020603050405020304" pitchFamily="18" charset="0"/>
-              </a:rPr>
-              <a:t>あまり抵抗がなく、設計書の重要性を理解していなかった</a:t>
-            </a:r>
-            <a:endParaRPr kumimoji="1" lang="en-US" altLang="ja-JP" dirty="0">
-              <a:latin typeface="+mn-ea"/>
-            </a:endParaRPr>
-          </a:p>
-          <a:p>
-            <a:pPr marL="0" indent="0">
-              <a:buNone/>
-            </a:pPr>
-            <a:endParaRPr kumimoji="1" lang="en-US" altLang="ja-JP" dirty="0">
-              <a:latin typeface="+mn-ea"/>
-            </a:endParaRPr>
-          </a:p>
-          <a:p>
-            <a:pPr marL="0" indent="0">
-              <a:buNone/>
-            </a:pPr>
-            <a:r>
-              <a:rPr kumimoji="1" lang="ja-JP" altLang="en-US" dirty="0">
-                <a:latin typeface="+mn-ea"/>
-              </a:rPr>
-              <a:t>技術</a:t>
-            </a:r>
-            <a:r>
-              <a:rPr kumimoji="1" lang="en-US" altLang="ja-JP" dirty="0">
-                <a:latin typeface="+mn-ea"/>
-              </a:rPr>
-              <a:t>	4</a:t>
-            </a:r>
-            <a:r>
-              <a:rPr kumimoji="1" lang="ja-JP" altLang="en-US" dirty="0">
-                <a:latin typeface="+mn-ea"/>
-              </a:rPr>
-              <a:t>･</a:t>
-            </a:r>
-            <a:r>
-              <a:rPr kumimoji="1" lang="en-US" altLang="ja-JP" dirty="0">
-                <a:latin typeface="+mn-ea"/>
-              </a:rPr>
-              <a:t>5</a:t>
-            </a:r>
-            <a:r>
-              <a:rPr kumimoji="1" lang="ja-JP" altLang="en-US" dirty="0">
-                <a:latin typeface="+mn-ea"/>
-              </a:rPr>
-              <a:t>月で学んだことの理解度が増した</a:t>
-            </a:r>
-            <a:endParaRPr kumimoji="1" lang="en-US" altLang="ja-JP" dirty="0">
-              <a:latin typeface="+mn-ea"/>
-            </a:endParaRPr>
-          </a:p>
-          <a:p>
-            <a:r>
-              <a:rPr lang="en-US" altLang="ja-JP" dirty="0">
-                <a:latin typeface="+mn-ea"/>
-              </a:rPr>
-              <a:t>	</a:t>
-            </a:r>
-            <a:r>
-              <a:rPr lang="ja-JP" altLang="en-US" dirty="0">
-                <a:latin typeface="+mn-ea"/>
-              </a:rPr>
-              <a:t>チーム内・講師に質問・コーディングを繰り返すことでスキルアップ</a:t>
-            </a:r>
-            <a:endParaRPr lang="en-US" altLang="ja-JP" dirty="0">
-              <a:latin typeface="+mn-ea"/>
-            </a:endParaRPr>
-          </a:p>
-          <a:p>
-            <a:r>
-              <a:rPr lang="en-US" altLang="ja-JP" dirty="0">
-                <a:latin typeface="+mn-ea"/>
-              </a:rPr>
-              <a:t>	</a:t>
-            </a:r>
-            <a:r>
-              <a:rPr lang="ja-JP" altLang="en-US" dirty="0">
-                <a:latin typeface="+mn-ea"/>
-              </a:rPr>
-              <a:t>学んだ技術を応用する難しさ</a:t>
-            </a:r>
-            <a:endParaRPr lang="en-US" altLang="ja-JP" dirty="0">
-              <a:latin typeface="+mn-ea"/>
-            </a:endParaRPr>
-          </a:p>
-          <a:p>
-            <a:endParaRPr kumimoji="1" lang="en-US" altLang="ja-JP" dirty="0"/>
+            <a:endParaRPr kumimoji="1" lang="ja-JP" altLang="en-US"/>
           </a:p>
         </p:txBody>
       </p:sp>
@@ -5236,93 +5238,9 @@
           <a:bodyPr/>
           <a:lstStyle/>
           <a:p>
-            <a:fld id="{C59D74C6-9C2E-47F2-9943-FD41646989DE}" type="slidenum">
-              <a:rPr kumimoji="1" lang="ja-JP" altLang="en-US" smtClean="0"/>
-              <a:t>23</a:t>
-            </a:fld>
-            <a:endParaRPr kumimoji="1" lang="ja-JP" altLang="en-US"/>
-          </a:p>
-        </p:txBody>
-      </p:sp>
-    </p:spTree>
-    <p:extLst>
-      <p:ext uri="{BB962C8B-B14F-4D97-AF65-F5344CB8AC3E}">
-        <p14:creationId xmlns:p14="http://schemas.microsoft.com/office/powerpoint/2010/main" val="2634613038"/>
-      </p:ext>
-    </p:extLst>
-  </p:cSld>
-  <p:clrMapOvr>
-    <a:masterClrMapping/>
-  </p:clrMapOvr>
-</p:notes>
-</file>
-
-<file path=ppt/notesSlides/notesSlide19.xml><?xml version="1.0" encoding="utf-8"?>
-<p:notes xmlns:a="http://schemas.openxmlformats.org/drawingml/2006/main" xmlns:r="http://schemas.openxmlformats.org/officeDocument/2006/relationships" xmlns:p="http://schemas.openxmlformats.org/presentationml/2006/main">
-  <p:cSld>
-    <p:spTree>
-      <p:nvGrpSpPr>
-        <p:cNvPr id="1" name=""/>
-        <p:cNvGrpSpPr/>
-        <p:nvPr/>
-      </p:nvGrpSpPr>
-      <p:grpSpPr>
-        <a:xfrm>
-          <a:off x="0" y="0"/>
-          <a:ext cx="0" cy="0"/>
-          <a:chOff x="0" y="0"/>
-          <a:chExt cx="0" cy="0"/>
-        </a:xfrm>
-      </p:grpSpPr>
-      <p:sp>
-        <p:nvSpPr>
-          <p:cNvPr id="2" name="スライド イメージ プレースホルダー 1"/>
-          <p:cNvSpPr>
-            <a:spLocks noGrp="1" noRot="1" noChangeAspect="1"/>
-          </p:cNvSpPr>
-          <p:nvPr>
-            <p:ph type="sldImg"/>
-          </p:nvPr>
-        </p:nvSpPr>
-        <p:spPr/>
-      </p:sp>
-      <p:sp>
-        <p:nvSpPr>
-          <p:cNvPr id="3" name="ノート プレースホルダー 2"/>
-          <p:cNvSpPr>
-            <a:spLocks noGrp="1"/>
-          </p:cNvSpPr>
-          <p:nvPr>
-            <p:ph type="body" idx="1"/>
-          </p:nvPr>
-        </p:nvSpPr>
-        <p:spPr/>
-        <p:txBody>
-          <a:bodyPr/>
-          <a:lstStyle/>
-          <a:p>
-            <a:endParaRPr kumimoji="1" lang="ja-JP" altLang="en-US"/>
-          </a:p>
-        </p:txBody>
-      </p:sp>
-      <p:sp>
-        <p:nvSpPr>
-          <p:cNvPr id="4" name="スライド番号プレースホルダー 3"/>
-          <p:cNvSpPr>
-            <a:spLocks noGrp="1"/>
-          </p:cNvSpPr>
-          <p:nvPr>
-            <p:ph type="sldNum" sz="quarter" idx="5"/>
-          </p:nvPr>
-        </p:nvSpPr>
-        <p:spPr/>
-        <p:txBody>
-          <a:bodyPr/>
-          <a:lstStyle/>
-          <a:p>
             <a:fld id="{D4CB765E-9AF7-4318-BD2A-D662ADA2D2AB}" type="slidenum">
               <a:rPr kumimoji="1" lang="ja-JP" altLang="en-US" smtClean="0"/>
-              <a:t>24</a:t>
+              <a:t>26</a:t>
             </a:fld>
             <a:endParaRPr kumimoji="1" lang="ja-JP" altLang="en-US"/>
           </a:p>
@@ -10761,16 +10679,6 @@
               </a:rPr>
               <a:t>匿名掲示板</a:t>
             </a:r>
-            <a:endParaRPr lang="en-US" altLang="ja-JP" sz="3600" b="1" dirty="0">
-              <a:solidFill>
-                <a:schemeClr val="accent1"/>
-              </a:solidFill>
-            </a:endParaRPr>
-          </a:p>
-          <a:p>
-            <a:pPr marL="0" indent="0">
-              <a:buNone/>
-            </a:pPr>
             <a:r>
               <a:rPr lang="ja-JP" altLang="en-US" dirty="0"/>
               <a:t>　</a:t>
@@ -10818,7 +10726,7 @@
               <a:t>	</a:t>
             </a:r>
             <a:r>
-              <a:rPr lang="ja-JP" altLang="en-US" sz="3600" b="1" dirty="0">
+              <a:rPr lang="ja-JP" altLang="en-US" sz="4000" b="1" dirty="0">
                 <a:solidFill>
                   <a:srgbClr val="FF0000"/>
                 </a:solidFill>
@@ -11548,7 +11456,7 @@
         <p:spPr/>
         <p:txBody>
           <a:bodyPr>
-            <a:normAutofit lnSpcReduction="10000"/>
+            <a:normAutofit/>
           </a:bodyPr>
           <a:lstStyle/>
           <a:p>
@@ -11616,47 +11524,6 @@
               <a:rPr lang="ja-JP" altLang="en-US" dirty="0"/>
               <a:t>体重の変化を可視化</a:t>
             </a:r>
-            <a:endParaRPr lang="en-US" altLang="ja-JP" dirty="0"/>
-          </a:p>
-          <a:p>
-            <a:pPr marL="0" indent="0">
-              <a:buNone/>
-            </a:pPr>
-            <a:endParaRPr lang="ja-JP" altLang="en-US" dirty="0"/>
-          </a:p>
-          <a:p>
-            <a:pPr marL="0" indent="0">
-              <a:buNone/>
-            </a:pPr>
-            <a:r>
-              <a:rPr lang="ja-JP" altLang="en-US" sz="3600" b="1" dirty="0">
-                <a:solidFill>
-                  <a:schemeClr val="accent2"/>
-                </a:solidFill>
-              </a:rPr>
-              <a:t>ランク制度</a:t>
-            </a:r>
-            <a:endParaRPr lang="en-US" altLang="ja-JP" sz="3600" b="1" dirty="0">
-              <a:solidFill>
-                <a:schemeClr val="accent2"/>
-              </a:solidFill>
-            </a:endParaRPr>
-          </a:p>
-          <a:p>
-            <a:pPr marL="0" indent="0">
-              <a:buNone/>
-            </a:pPr>
-            <a:r>
-              <a:rPr lang="en-US" altLang="ja-JP" dirty="0"/>
-              <a:t>	</a:t>
-            </a:r>
-            <a:r>
-              <a:rPr lang="ja-JP" altLang="en-US" dirty="0"/>
-              <a:t>（継続できるとランクが上がる）</a:t>
-            </a:r>
-            <a:endParaRPr lang="en-US" altLang="ja-JP" dirty="0"/>
-          </a:p>
-          <a:p>
             <a:endParaRPr lang="en-US" altLang="ja-JP" dirty="0"/>
           </a:p>
         </p:txBody>
@@ -12362,7 +12229,7 @@
         <p:spPr/>
         <p:txBody>
           <a:bodyPr>
-            <a:normAutofit/>
+            <a:normAutofit lnSpcReduction="10000"/>
           </a:bodyPr>
           <a:lstStyle/>
           <a:p>
@@ -12377,11 +12244,110 @@
               </a:rPr>
               <a:t>ゆるい食事記録</a:t>
             </a:r>
-            <a:endParaRPr lang="en-US" altLang="ja-JP" sz="3600" b="1" dirty="0">
+            <a:endParaRPr lang="en-US" altLang="ja-JP" b="1" dirty="0">
               <a:solidFill>
                 <a:srgbClr val="00B050"/>
               </a:solidFill>
             </a:endParaRPr>
+          </a:p>
+          <a:p>
+            <a:pPr marL="0" indent="0">
+              <a:buNone/>
+            </a:pPr>
+            <a:r>
+              <a:rPr lang="en-US" altLang="ja-JP" dirty="0"/>
+              <a:t>	</a:t>
+            </a:r>
+            <a:r>
+              <a:rPr lang="ja-JP" altLang="en-US" dirty="0"/>
+              <a:t>制限・縛りなし</a:t>
+            </a:r>
+            <a:endParaRPr lang="en-US" altLang="ja-JP" dirty="0"/>
+          </a:p>
+          <a:p>
+            <a:pPr marL="0" indent="0">
+              <a:buNone/>
+            </a:pPr>
+            <a:r>
+              <a:rPr lang="en-US" altLang="ja-JP" dirty="0"/>
+              <a:t>		</a:t>
+            </a:r>
+            <a:r>
+              <a:rPr lang="ja-JP" altLang="en-US" dirty="0"/>
+              <a:t>記録することで、</a:t>
+            </a:r>
+            <a:r>
+              <a:rPr lang="ja-JP" altLang="en-US" b="1" dirty="0"/>
+              <a:t>自分の食事の傾向を再発見</a:t>
+            </a:r>
+            <a:r>
+              <a:rPr lang="ja-JP" altLang="en-US" dirty="0"/>
+              <a:t>できる</a:t>
+            </a:r>
+            <a:r>
+              <a:rPr lang="en-US" altLang="ja-JP" b="1" dirty="0"/>
+              <a:t>	</a:t>
+            </a:r>
+            <a:endParaRPr lang="en-US" altLang="ja-JP" dirty="0"/>
+          </a:p>
+          <a:p>
+            <a:pPr marL="0" indent="0">
+              <a:buNone/>
+            </a:pPr>
+            <a:r>
+              <a:rPr lang="en-US" altLang="ja-JP" dirty="0"/>
+              <a:t>	</a:t>
+            </a:r>
+            <a:r>
+              <a:rPr lang="ja-JP" altLang="en-US" dirty="0"/>
+              <a:t>飲酒・運動についてもあり</a:t>
+            </a:r>
+            <a:r>
+              <a:rPr lang="en-US" altLang="ja-JP" dirty="0"/>
+              <a:t>/</a:t>
+            </a:r>
+            <a:r>
+              <a:rPr lang="ja-JP" altLang="en-US" dirty="0"/>
+              <a:t>なしのみ記録</a:t>
+            </a:r>
+            <a:endParaRPr lang="en-US" altLang="ja-JP" dirty="0"/>
+          </a:p>
+          <a:p>
+            <a:pPr marL="0" indent="0">
+              <a:buNone/>
+            </a:pPr>
+            <a:r>
+              <a:rPr lang="en-US" altLang="ja-JP" sz="3600" b="1" dirty="0">
+                <a:solidFill>
+                  <a:srgbClr val="FF0000"/>
+                </a:solidFill>
+              </a:rPr>
+              <a:t>	</a:t>
+            </a:r>
+            <a:r>
+              <a:rPr lang="ja-JP" altLang="en-US" sz="4000" b="1" dirty="0">
+                <a:solidFill>
+                  <a:srgbClr val="FF0000"/>
+                </a:solidFill>
+              </a:rPr>
+              <a:t>＋</a:t>
+            </a:r>
+            <a:r>
+              <a:rPr lang="ja-JP" altLang="en-US" dirty="0"/>
+              <a:t>少しの散歩でも記録。見返したときに</a:t>
+            </a:r>
+            <a:r>
+              <a:rPr lang="ja-JP" altLang="en-US" b="1" dirty="0"/>
+              <a:t>達成感</a:t>
+            </a:r>
+            <a:r>
+              <a:rPr lang="ja-JP" altLang="en-US" dirty="0"/>
+              <a:t>を得る　</a:t>
+            </a:r>
+            <a:r>
+              <a:rPr lang="en-US" altLang="ja-JP" dirty="0"/>
+              <a:t>	</a:t>
+            </a:r>
           </a:p>
           <a:p>
             <a:pPr marL="0" indent="0">
@@ -12398,12 +12364,12 @@
               <a:buNone/>
             </a:pPr>
             <a:r>
-              <a:rPr lang="en-US" altLang="ja-JP" dirty="0"/>
-              <a:t>	</a:t>
-            </a:r>
-            <a:r>
-              <a:rPr lang="ja-JP" altLang="en-US" dirty="0"/>
-              <a:t>制限・縛りなし</a:t>
+              <a:rPr lang="ja-JP" altLang="en-US" sz="3600" b="1" dirty="0">
+                <a:solidFill>
+                  <a:srgbClr val="00B050"/>
+                </a:solidFill>
+              </a:rPr>
+              <a:t>目標体重の設定</a:t>
             </a:r>
             <a:endParaRPr lang="en-US" altLang="ja-JP" dirty="0"/>
           </a:p>
@@ -12413,23 +12379,19 @@
             </a:pPr>
             <a:r>
               <a:rPr lang="en-US" altLang="ja-JP" dirty="0"/>
-              <a:t>		</a:t>
+              <a:t>	</a:t>
             </a:r>
             <a:r>
               <a:rPr lang="ja-JP" altLang="en-US" dirty="0"/>
-              <a:t>記録することで、</a:t>
+              <a:t>目標体重が</a:t>
             </a:r>
             <a:r>
               <a:rPr lang="ja-JP" altLang="en-US" b="1" dirty="0"/>
-              <a:t>自分の食事の傾向を再発見</a:t>
+              <a:t>常に表示される</a:t>
             </a:r>
             <a:r>
               <a:rPr lang="ja-JP" altLang="en-US" dirty="0"/>
-              <a:t>できる</a:t>
-            </a:r>
-            <a:r>
-              <a:rPr lang="en-US" altLang="ja-JP" b="1" dirty="0"/>
-              <a:t>	</a:t>
+              <a:t>ので意識に刷り込まれる</a:t>
             </a:r>
             <a:endParaRPr lang="en-US" altLang="ja-JP" dirty="0"/>
           </a:p>
@@ -12437,69 +12399,7 @@
             <a:pPr marL="0" indent="0">
               <a:buNone/>
             </a:pPr>
-            <a:r>
-              <a:rPr lang="en-US" altLang="ja-JP" dirty="0"/>
-              <a:t>	</a:t>
-            </a:r>
-          </a:p>
-          <a:p>
-            <a:pPr marL="0" indent="0">
-              <a:buNone/>
-            </a:pPr>
-            <a:r>
-              <a:rPr lang="en-US" altLang="ja-JP" dirty="0"/>
-              <a:t>	</a:t>
-            </a:r>
-            <a:r>
-              <a:rPr lang="ja-JP" altLang="en-US" dirty="0"/>
-              <a:t>飲酒・運動についてもあり</a:t>
-            </a:r>
-            <a:r>
-              <a:rPr lang="en-US" altLang="ja-JP" dirty="0"/>
-              <a:t>/</a:t>
-            </a:r>
-            <a:r>
-              <a:rPr lang="ja-JP" altLang="en-US" dirty="0"/>
-              <a:t>なしのみ記録</a:t>
-            </a:r>
             <a:endParaRPr lang="en-US" altLang="ja-JP" dirty="0"/>
-          </a:p>
-          <a:p>
-            <a:pPr marL="0" indent="0">
-              <a:buNone/>
-            </a:pPr>
-            <a:r>
-              <a:rPr lang="en-US" altLang="ja-JP" sz="3600" b="1" dirty="0">
-                <a:solidFill>
-                  <a:srgbClr val="FF0000"/>
-                </a:solidFill>
-              </a:rPr>
-              <a:t>	</a:t>
-            </a:r>
-            <a:r>
-              <a:rPr lang="ja-JP" altLang="en-US" sz="3600" b="1" dirty="0">
-                <a:solidFill>
-                  <a:srgbClr val="FF0000"/>
-                </a:solidFill>
-              </a:rPr>
-              <a:t>＋</a:t>
-            </a:r>
-            <a:r>
-              <a:rPr lang="ja-JP" altLang="en-US" dirty="0"/>
-              <a:t>少しの散歩でも記録。見返したときに</a:t>
-            </a:r>
-            <a:r>
-              <a:rPr lang="ja-JP" altLang="en-US" b="1" dirty="0"/>
-              <a:t>達成感</a:t>
-            </a:r>
-            <a:r>
-              <a:rPr lang="ja-JP" altLang="en-US" dirty="0"/>
-              <a:t>を得る　</a:t>
-            </a:r>
-            <a:r>
-              <a:rPr lang="en-US" altLang="ja-JP" dirty="0"/>
-              <a:t>	</a:t>
-            </a:r>
           </a:p>
         </p:txBody>
       </p:sp>
@@ -12529,220 +12429,6 @@
 </file>
 
 <file path=ppt/slides/slide16.xml><?xml version="1.0" encoding="utf-8"?>
-<p:sld xmlns:a="http://schemas.openxmlformats.org/drawingml/2006/main" xmlns:r="http://schemas.openxmlformats.org/officeDocument/2006/relationships" xmlns:p="http://schemas.openxmlformats.org/presentationml/2006/main">
-  <p:cSld>
-    <p:spTree>
-      <p:nvGrpSpPr>
-        <p:cNvPr id="1" name=""/>
-        <p:cNvGrpSpPr/>
-        <p:nvPr/>
-      </p:nvGrpSpPr>
-      <p:grpSpPr>
-        <a:xfrm>
-          <a:off x="0" y="0"/>
-          <a:ext cx="0" cy="0"/>
-          <a:chOff x="0" y="0"/>
-          <a:chExt cx="0" cy="0"/>
-        </a:xfrm>
-      </p:grpSpPr>
-      <p:sp>
-        <p:nvSpPr>
-          <p:cNvPr id="5" name="タイトル 4">
-            <a:extLst>
-              <a:ext uri="{FF2B5EF4-FFF2-40B4-BE49-F238E27FC236}">
-                <a16:creationId xmlns:a16="http://schemas.microsoft.com/office/drawing/2014/main" id="{A3A4102F-4242-4FEE-9849-B9FB27842B80}"/>
-              </a:ext>
-            </a:extLst>
-          </p:cNvPr>
-          <p:cNvSpPr>
-            <a:spLocks noGrp="1"/>
-          </p:cNvSpPr>
-          <p:nvPr>
-            <p:ph type="title"/>
-          </p:nvPr>
-        </p:nvSpPr>
-        <p:spPr/>
-        <p:txBody>
-          <a:bodyPr>
-            <a:normAutofit/>
-          </a:bodyPr>
-          <a:lstStyle/>
-          <a:p>
-            <a:pPr marL="0" lvl="0" indent="0" defTabSz="1600200">
-              <a:lnSpc>
-                <a:spcPct val="90000"/>
-              </a:lnSpc>
-              <a:spcBef>
-                <a:spcPct val="0"/>
-              </a:spcBef>
-              <a:spcAft>
-                <a:spcPct val="35000"/>
-              </a:spcAft>
-              <a:buNone/>
-            </a:pPr>
-            <a:r>
-              <a:rPr kumimoji="1" lang="ja-JP" altLang="en-US" sz="6000" b="1" kern="1200" dirty="0">
-                <a:solidFill>
-                  <a:srgbClr val="00B050"/>
-                </a:solidFill>
-                <a:latin typeface="+mn-ea"/>
-                <a:ea typeface="+mn-ea"/>
-              </a:rPr>
-              <a:t>意識</a:t>
-            </a:r>
-            <a:r>
-              <a:rPr kumimoji="1" lang="ja-JP" altLang="en-US" sz="4400" b="1" kern="1200" dirty="0">
-                <a:latin typeface="+mn-ea"/>
-                <a:ea typeface="+mn-ea"/>
-              </a:rPr>
-              <a:t>が変わる</a:t>
-            </a:r>
-            <a:endParaRPr lang="ja-JP" altLang="en-US" b="1" dirty="0">
-              <a:latin typeface="+mn-ea"/>
-              <a:ea typeface="+mn-ea"/>
-            </a:endParaRPr>
-          </a:p>
-        </p:txBody>
-      </p:sp>
-      <p:sp>
-        <p:nvSpPr>
-          <p:cNvPr id="8" name="コンテンツ プレースホルダー 7">
-            <a:extLst>
-              <a:ext uri="{FF2B5EF4-FFF2-40B4-BE49-F238E27FC236}">
-                <a16:creationId xmlns:a16="http://schemas.microsoft.com/office/drawing/2014/main" id="{249AB278-C065-439D-9783-30EF404C910D}"/>
-              </a:ext>
-            </a:extLst>
-          </p:cNvPr>
-          <p:cNvSpPr>
-            <a:spLocks noGrp="1"/>
-          </p:cNvSpPr>
-          <p:nvPr>
-            <p:ph idx="1"/>
-          </p:nvPr>
-        </p:nvSpPr>
-        <p:spPr/>
-        <p:txBody>
-          <a:bodyPr>
-            <a:normAutofit/>
-          </a:bodyPr>
-          <a:lstStyle/>
-          <a:p>
-            <a:pPr marL="0" indent="0">
-              <a:buNone/>
-            </a:pPr>
-            <a:r>
-              <a:rPr lang="ja-JP" altLang="en-US" sz="3600" b="1" dirty="0">
-                <a:solidFill>
-                  <a:srgbClr val="00B050"/>
-                </a:solidFill>
-              </a:rPr>
-              <a:t>目標体重の設定</a:t>
-            </a:r>
-            <a:endParaRPr lang="en-US" altLang="ja-JP" sz="3600" b="1" dirty="0">
-              <a:solidFill>
-                <a:srgbClr val="00B050"/>
-              </a:solidFill>
-            </a:endParaRPr>
-          </a:p>
-          <a:p>
-            <a:pPr marL="0" indent="0">
-              <a:buNone/>
-            </a:pPr>
-            <a:endParaRPr lang="en-US" altLang="ja-JP" dirty="0"/>
-          </a:p>
-          <a:p>
-            <a:pPr marL="0" indent="0">
-              <a:buNone/>
-            </a:pPr>
-            <a:r>
-              <a:rPr lang="en-US" altLang="ja-JP" dirty="0"/>
-              <a:t>	</a:t>
-            </a:r>
-            <a:r>
-              <a:rPr lang="ja-JP" altLang="en-US" dirty="0"/>
-              <a:t>目標体重が</a:t>
-            </a:r>
-            <a:r>
-              <a:rPr lang="ja-JP" altLang="en-US" b="1" dirty="0"/>
-              <a:t>常に表示される</a:t>
-            </a:r>
-            <a:r>
-              <a:rPr lang="ja-JP" altLang="en-US" dirty="0"/>
-              <a:t>ので意識に刷り込まれる</a:t>
-            </a:r>
-            <a:endParaRPr lang="en-US" altLang="ja-JP" dirty="0"/>
-          </a:p>
-          <a:p>
-            <a:pPr marL="0" indent="0">
-              <a:buNone/>
-            </a:pPr>
-            <a:endParaRPr lang="en-US" altLang="ja-JP" dirty="0"/>
-          </a:p>
-          <a:p>
-            <a:pPr marL="0" indent="0">
-              <a:buNone/>
-            </a:pPr>
-            <a:r>
-              <a:rPr lang="ja-JP" altLang="en-US" sz="3600" b="1" dirty="0">
-                <a:solidFill>
-                  <a:srgbClr val="00B050"/>
-                </a:solidFill>
-              </a:rPr>
-              <a:t>ランク制度</a:t>
-            </a:r>
-            <a:endParaRPr lang="en-US" altLang="ja-JP" sz="3600" b="1" dirty="0">
-              <a:solidFill>
-                <a:srgbClr val="00B050"/>
-              </a:solidFill>
-            </a:endParaRPr>
-          </a:p>
-          <a:p>
-            <a:pPr marL="0" indent="0">
-              <a:buNone/>
-            </a:pPr>
-            <a:endParaRPr lang="en-US" altLang="ja-JP" dirty="0"/>
-          </a:p>
-          <a:p>
-            <a:pPr marL="0" indent="0">
-              <a:buNone/>
-            </a:pPr>
-            <a:r>
-              <a:rPr lang="en-US" altLang="ja-JP" dirty="0"/>
-              <a:t>	</a:t>
-            </a:r>
-            <a:r>
-              <a:rPr lang="ja-JP" altLang="en-US" dirty="0"/>
-              <a:t>食事登録するとポイントがたまり、ランクアップ</a:t>
-            </a:r>
-          </a:p>
-        </p:txBody>
-      </p:sp>
-    </p:spTree>
-    <p:extLst>
-      <p:ext uri="{BB962C8B-B14F-4D97-AF65-F5344CB8AC3E}">
-        <p14:creationId xmlns:p14="http://schemas.microsoft.com/office/powerpoint/2010/main" val="2168154454"/>
-      </p:ext>
-    </p:extLst>
-  </p:cSld>
-  <p:clrMapOvr>
-    <a:masterClrMapping/>
-  </p:clrMapOvr>
-  <mc:AlternateContent xmlns:mc="http://schemas.openxmlformats.org/markup-compatibility/2006" xmlns:p14="http://schemas.microsoft.com/office/powerpoint/2010/main">
-    <mc:Choice Requires="p14">
-      <p:transition spd="med" p14:dur="700">
-        <p:fade/>
-      </p:transition>
-    </mc:Choice>
-    <mc:Fallback xmlns="">
-      <p:transition spd="med">
-        <p:fade/>
-      </p:transition>
-    </mc:Fallback>
-  </mc:AlternateContent>
-</p:sld>
-</file>
-
-<file path=ppt/slides/slide17.xml><?xml version="1.0" encoding="utf-8"?>
 <p:sld xmlns:a="http://schemas.openxmlformats.org/drawingml/2006/main" xmlns:r="http://schemas.openxmlformats.org/officeDocument/2006/relationships" xmlns:p="http://schemas.openxmlformats.org/presentationml/2006/main">
   <p:cSld>
     <p:spTree>
@@ -12855,7 +12541,7 @@
 </p:sld>
 </file>
 
-<file path=ppt/slides/slide18.xml><?xml version="1.0" encoding="utf-8"?>
+<file path=ppt/slides/slide17.xml><?xml version="1.0" encoding="utf-8"?>
 <p:sld xmlns:a="http://schemas.openxmlformats.org/drawingml/2006/main" xmlns:r="http://schemas.openxmlformats.org/officeDocument/2006/relationships" xmlns:p="http://schemas.openxmlformats.org/presentationml/2006/main">
   <p:cSld>
     <p:spTree>
@@ -13031,7 +12717,7 @@
         </p:nvSpPr>
         <p:spPr>
           <a:xfrm>
-            <a:off x="6950981" y="1459478"/>
+            <a:off x="7205114" y="1444201"/>
             <a:ext cx="4783781" cy="2968668"/>
           </a:xfrm>
           <a:prstGeom prst="cloudCallout">
@@ -13065,6 +12751,10 @@
           <a:lstStyle/>
           <a:p>
             <a:pPr algn="ctr"/>
+            <a:endParaRPr kumimoji="1" lang="en-US" altLang="ja-JP" sz="3200" b="1" dirty="0"/>
+          </a:p>
+          <a:p>
+            <a:pPr algn="ctr"/>
             <a:r>
               <a:rPr kumimoji="1" lang="ja-JP" altLang="en-US" sz="3200" b="1" dirty="0"/>
               <a:t>掲示板で</a:t>
@@ -13099,7 +12789,7 @@
         </p:nvSpPr>
         <p:spPr>
           <a:xfrm>
-            <a:off x="6437557" y="3372885"/>
+            <a:off x="6570019" y="3294508"/>
             <a:ext cx="4783781" cy="2968668"/>
           </a:xfrm>
           <a:prstGeom prst="cloudCallout">
@@ -13368,7 +13058,7 @@
 </p:sld>
 </file>
 
-<file path=ppt/slides/slide19.xml><?xml version="1.0" encoding="utf-8"?>
+<file path=ppt/slides/slide18.xml><?xml version="1.0" encoding="utf-8"?>
 <p:sld xmlns:a="http://schemas.openxmlformats.org/drawingml/2006/main" xmlns:r="http://schemas.openxmlformats.org/officeDocument/2006/relationships" xmlns:p="http://schemas.openxmlformats.org/presentationml/2006/main">
   <p:cSld>
     <p:spTree>
@@ -13460,6 +13150,292 @@
     <p:extLst>
       <p:ext uri="{BB962C8B-B14F-4D97-AF65-F5344CB8AC3E}">
         <p14:creationId xmlns:p14="http://schemas.microsoft.com/office/powerpoint/2010/main" val="2360142203"/>
+      </p:ext>
+    </p:extLst>
+  </p:cSld>
+  <p:clrMapOvr>
+    <a:masterClrMapping/>
+  </p:clrMapOvr>
+  <mc:AlternateContent xmlns:mc="http://schemas.openxmlformats.org/markup-compatibility/2006" xmlns:p14="http://schemas.microsoft.com/office/powerpoint/2010/main">
+    <mc:Choice Requires="p14">
+      <p:transition spd="med" p14:dur="700">
+        <p:fade/>
+      </p:transition>
+    </mc:Choice>
+    <mc:Fallback xmlns="">
+      <p:transition spd="med">
+        <p:fade/>
+      </p:transition>
+    </mc:Fallback>
+  </mc:AlternateContent>
+</p:sld>
+</file>
+
+<file path=ppt/slides/slide19.xml><?xml version="1.0" encoding="utf-8"?>
+<p:sld xmlns:a="http://schemas.openxmlformats.org/drawingml/2006/main" xmlns:r="http://schemas.openxmlformats.org/officeDocument/2006/relationships" xmlns:p="http://schemas.openxmlformats.org/presentationml/2006/main">
+  <p:cSld>
+    <p:spTree>
+      <p:nvGrpSpPr>
+        <p:cNvPr id="1" name=""/>
+        <p:cNvGrpSpPr/>
+        <p:nvPr/>
+      </p:nvGrpSpPr>
+      <p:grpSpPr>
+        <a:xfrm>
+          <a:off x="0" y="0"/>
+          <a:ext cx="0" cy="0"/>
+          <a:chOff x="0" y="0"/>
+          <a:chExt cx="0" cy="0"/>
+        </a:xfrm>
+      </p:grpSpPr>
+      <p:sp>
+        <p:nvSpPr>
+          <p:cNvPr id="2" name="タイトル 1">
+            <a:extLst>
+              <a:ext uri="{FF2B5EF4-FFF2-40B4-BE49-F238E27FC236}">
+                <a16:creationId xmlns:a16="http://schemas.microsoft.com/office/drawing/2014/main" id="{E03FAFE4-D598-42B7-AB36-5CF3DAD87568}"/>
+              </a:ext>
+            </a:extLst>
+          </p:cNvPr>
+          <p:cNvSpPr>
+            <a:spLocks noGrp="1"/>
+          </p:cNvSpPr>
+          <p:nvPr>
+            <p:ph type="title"/>
+          </p:nvPr>
+        </p:nvSpPr>
+        <p:spPr>
+          <a:xfrm>
+            <a:off x="838200" y="312874"/>
+            <a:ext cx="10515600" cy="1325563"/>
+          </a:xfrm>
+        </p:spPr>
+        <p:txBody>
+          <a:bodyPr/>
+          <a:lstStyle/>
+          <a:p>
+            <a:r>
+              <a:rPr lang="ja-JP" altLang="en-US" b="1" dirty="0">
+                <a:latin typeface="+mn-ea"/>
+                <a:ea typeface="+mn-ea"/>
+              </a:rPr>
+              <a:t>４</a:t>
+            </a:r>
+            <a:r>
+              <a:rPr lang="en-US" altLang="ja-JP" b="1" dirty="0">
+                <a:latin typeface="+mn-ea"/>
+                <a:ea typeface="+mn-ea"/>
+              </a:rPr>
+              <a:t>.</a:t>
+            </a:r>
+            <a:r>
+              <a:rPr lang="ja-JP" altLang="en-US" b="1" dirty="0">
+                <a:latin typeface="+mn-ea"/>
+                <a:ea typeface="+mn-ea"/>
+              </a:rPr>
+              <a:t>工夫したこと</a:t>
+            </a:r>
+          </a:p>
+        </p:txBody>
+      </p:sp>
+      <p:sp>
+        <p:nvSpPr>
+          <p:cNvPr id="3" name="コンテンツ プレースホルダー 2">
+            <a:extLst>
+              <a:ext uri="{FF2B5EF4-FFF2-40B4-BE49-F238E27FC236}">
+                <a16:creationId xmlns:a16="http://schemas.microsoft.com/office/drawing/2014/main" id="{AB00AC63-DC37-4C9E-B71E-0A69735925B6}"/>
+              </a:ext>
+            </a:extLst>
+          </p:cNvPr>
+          <p:cNvSpPr>
+            <a:spLocks noGrp="1"/>
+          </p:cNvSpPr>
+          <p:nvPr>
+            <p:ph idx="1"/>
+          </p:nvPr>
+        </p:nvSpPr>
+        <p:spPr>
+          <a:xfrm>
+            <a:off x="838200" y="1799500"/>
+            <a:ext cx="10515600" cy="4351338"/>
+          </a:xfrm>
+        </p:spPr>
+        <p:txBody>
+          <a:bodyPr>
+            <a:normAutofit fontScale="92500" lnSpcReduction="10000"/>
+          </a:bodyPr>
+          <a:lstStyle/>
+          <a:p>
+            <a:pPr marL="0" indent="0">
+              <a:buNone/>
+            </a:pPr>
+            <a:r>
+              <a:rPr kumimoji="1" lang="ja-JP" altLang="en-US" sz="3500" b="1" dirty="0">
+                <a:solidFill>
+                  <a:srgbClr val="FF9999"/>
+                </a:solidFill>
+              </a:rPr>
+              <a:t>デザイン</a:t>
+            </a:r>
+            <a:endParaRPr kumimoji="1" lang="en-US" altLang="ja-JP" sz="3500" b="1" dirty="0">
+              <a:solidFill>
+                <a:srgbClr val="FF9999"/>
+              </a:solidFill>
+            </a:endParaRPr>
+          </a:p>
+          <a:p>
+            <a:pPr marL="0" indent="0">
+              <a:buNone/>
+            </a:pPr>
+            <a:r>
+              <a:rPr lang="en-US" altLang="ja-JP" sz="3600" b="1" dirty="0">
+                <a:solidFill>
+                  <a:srgbClr val="FF9999"/>
+                </a:solidFill>
+              </a:rPr>
+              <a:t>	</a:t>
+            </a:r>
+            <a:r>
+              <a:rPr lang="ja-JP" altLang="en-US" dirty="0"/>
+              <a:t>青をメインにして食欲減退</a:t>
+            </a:r>
+            <a:r>
+              <a:rPr lang="en-US" altLang="ja-JP" sz="3600" b="1" dirty="0">
+                <a:solidFill>
+                  <a:srgbClr val="FF9999"/>
+                </a:solidFill>
+              </a:rPr>
+              <a:t>	</a:t>
+            </a:r>
+          </a:p>
+          <a:p>
+            <a:pPr marL="0" indent="0">
+              <a:buNone/>
+            </a:pPr>
+            <a:r>
+              <a:rPr lang="ja-JP" altLang="en-US" sz="3500" b="1" dirty="0">
+                <a:solidFill>
+                  <a:srgbClr val="FF9999"/>
+                </a:solidFill>
+              </a:rPr>
+              <a:t>認識合わせ</a:t>
+            </a:r>
+            <a:endParaRPr lang="en-US" altLang="ja-JP" sz="3500" b="1" dirty="0">
+              <a:solidFill>
+                <a:srgbClr val="FF9999"/>
+              </a:solidFill>
+            </a:endParaRPr>
+          </a:p>
+          <a:p>
+            <a:pPr marL="0" indent="0">
+              <a:buNone/>
+            </a:pPr>
+            <a:r>
+              <a:rPr lang="en-US" altLang="ja-JP" dirty="0"/>
+              <a:t>	</a:t>
+            </a:r>
+            <a:r>
+              <a:rPr lang="ja-JP" altLang="en-US" u="sng" dirty="0"/>
+              <a:t>進捗管理</a:t>
+            </a:r>
+            <a:r>
+              <a:rPr lang="en-US" altLang="ja-JP" dirty="0"/>
+              <a:t>	</a:t>
+            </a:r>
+            <a:r>
+              <a:rPr lang="ja-JP" altLang="en-US" dirty="0"/>
+              <a:t>口頭・ガントチャート</a:t>
+            </a:r>
+            <a:endParaRPr lang="en-US" altLang="ja-JP" dirty="0"/>
+          </a:p>
+          <a:p>
+            <a:pPr marL="0" indent="0">
+              <a:buNone/>
+            </a:pPr>
+            <a:r>
+              <a:rPr lang="en-US" altLang="ja-JP" dirty="0"/>
+              <a:t>	</a:t>
+            </a:r>
+            <a:r>
+              <a:rPr lang="ja-JP" altLang="en-US" u="sng" dirty="0"/>
+              <a:t>情報共有</a:t>
+            </a:r>
+            <a:r>
+              <a:rPr lang="en-US" altLang="ja-JP" dirty="0"/>
+              <a:t>	</a:t>
+            </a:r>
+            <a:r>
+              <a:rPr lang="ja-JP" altLang="en-US" dirty="0"/>
+              <a:t>朝：その日に取り組むこと</a:t>
+            </a:r>
+            <a:endParaRPr lang="en-US" altLang="ja-JP" dirty="0"/>
+          </a:p>
+          <a:p>
+            <a:pPr marL="0" indent="0">
+              <a:buNone/>
+            </a:pPr>
+            <a:r>
+              <a:rPr lang="en-US" altLang="ja-JP" dirty="0"/>
+              <a:t>			</a:t>
+            </a:r>
+            <a:r>
+              <a:rPr lang="ja-JP" altLang="en-US" dirty="0"/>
+              <a:t>終業前：その日のまとめと翌日に行うこと</a:t>
+            </a:r>
+            <a:endParaRPr lang="en-US" altLang="ja-JP" dirty="0"/>
+          </a:p>
+          <a:p>
+            <a:pPr marL="0" indent="0">
+              <a:buNone/>
+            </a:pPr>
+            <a:r>
+              <a:rPr kumimoji="1" lang="ja-JP" altLang="en-US" sz="3500" b="1" dirty="0">
+                <a:solidFill>
+                  <a:srgbClr val="FF9999"/>
+                </a:solidFill>
+              </a:rPr>
+              <a:t>教えあい</a:t>
+            </a:r>
+            <a:endParaRPr kumimoji="1" lang="en-US" altLang="ja-JP" sz="3500" b="1" dirty="0">
+              <a:solidFill>
+                <a:srgbClr val="FF9999"/>
+              </a:solidFill>
+            </a:endParaRPr>
+          </a:p>
+          <a:p>
+            <a:pPr marL="0" indent="0">
+              <a:buNone/>
+            </a:pPr>
+            <a:r>
+              <a:rPr lang="en-US" altLang="ja-JP" dirty="0"/>
+              <a:t>	</a:t>
+            </a:r>
+            <a:r>
+              <a:rPr lang="ja-JP" altLang="en-US" dirty="0"/>
+              <a:t>チーム作業</a:t>
+            </a:r>
+            <a:endParaRPr lang="en-US" altLang="ja-JP" dirty="0"/>
+          </a:p>
+          <a:p>
+            <a:pPr marL="0" indent="0">
+              <a:buNone/>
+            </a:pPr>
+            <a:r>
+              <a:rPr kumimoji="1" lang="en-US" altLang="ja-JP" dirty="0"/>
+              <a:t>	</a:t>
+            </a:r>
+            <a:r>
+              <a:rPr kumimoji="1" lang="ja-JP" altLang="en-US" dirty="0"/>
+              <a:t>勉強会で全体のボトムアップ</a:t>
+            </a:r>
+            <a:endParaRPr kumimoji="1" lang="en-US" altLang="ja-JP" dirty="0"/>
+          </a:p>
+        </p:txBody>
+      </p:sp>
+    </p:spTree>
+    <p:extLst>
+      <p:ext uri="{BB962C8B-B14F-4D97-AF65-F5344CB8AC3E}">
+        <p14:creationId xmlns:p14="http://schemas.microsoft.com/office/powerpoint/2010/main" val="4266937789"/>
       </p:ext>
     </p:extLst>
   </p:cSld>
@@ -13721,6 +13697,18 @@
 <file path=ppt/slides/slide20.xml><?xml version="1.0" encoding="utf-8"?>
 <p:sld xmlns:a="http://schemas.openxmlformats.org/drawingml/2006/main" xmlns:r="http://schemas.openxmlformats.org/officeDocument/2006/relationships" xmlns:p="http://schemas.openxmlformats.org/presentationml/2006/main">
   <p:cSld>
+    <p:bg>
+      <p:bgPr>
+        <a:solidFill>
+          <a:schemeClr val="accent1">
+            <a:lumMod val="60000"/>
+            <a:lumOff val="40000"/>
+            <a:alpha val="45000"/>
+          </a:schemeClr>
+        </a:solidFill>
+        <a:effectLst/>
+      </p:bgPr>
+    </p:bg>
     <p:spTree>
       <p:nvGrpSpPr>
         <p:cNvPr id="1" name=""/>
@@ -13740,7 +13728,7 @@
           <p:cNvPr id="2" name="タイトル 1">
             <a:extLst>
               <a:ext uri="{FF2B5EF4-FFF2-40B4-BE49-F238E27FC236}">
-                <a16:creationId xmlns:a16="http://schemas.microsoft.com/office/drawing/2014/main" id="{E03FAFE4-D598-42B7-AB36-5CF3DAD87568}"/>
+                <a16:creationId xmlns:a16="http://schemas.microsoft.com/office/drawing/2014/main" id="{B47B7107-4F05-493F-AE6E-8E6721BB548C}"/>
               </a:ext>
             </a:extLst>
           </p:cNvPr>
@@ -13751,36 +13739,17 @@
             <p:ph type="title"/>
           </p:nvPr>
         </p:nvSpPr>
-        <p:spPr>
-          <a:xfrm>
-            <a:off x="838200" y="312874"/>
-            <a:ext cx="10515600" cy="1325563"/>
-          </a:xfrm>
-        </p:spPr>
+        <p:spPr/>
         <p:txBody>
           <a:bodyPr/>
           <a:lstStyle/>
           <a:p>
             <a:r>
-              <a:rPr lang="ja-JP" altLang="en-US" b="1" dirty="0">
+              <a:rPr kumimoji="1" lang="ja-JP" altLang="en-US" b="1" dirty="0">
                 <a:latin typeface="+mn-ea"/>
                 <a:ea typeface="+mn-ea"/>
               </a:rPr>
-              <a:t>４</a:t>
-            </a:r>
-            <a:r>
-              <a:rPr lang="en-US" altLang="ja-JP" b="1" dirty="0">
-                <a:latin typeface="+mn-ea"/>
-                <a:ea typeface="+mn-ea"/>
-              </a:rPr>
-              <a:t>.</a:t>
-            </a:r>
-            <a:r>
-              <a:rPr lang="ja-JP" altLang="en-US" b="1" dirty="0">
-                <a:latin typeface="+mn-ea"/>
-                <a:ea typeface="+mn-ea"/>
-              </a:rPr>
-              <a:t>工夫したこと</a:t>
+              <a:t>ランク制度</a:t>
             </a:r>
           </a:p>
         </p:txBody>
@@ -13790,7 +13759,7 @@
           <p:cNvPr id="3" name="コンテンツ プレースホルダー 2">
             <a:extLst>
               <a:ext uri="{FF2B5EF4-FFF2-40B4-BE49-F238E27FC236}">
-                <a16:creationId xmlns:a16="http://schemas.microsoft.com/office/drawing/2014/main" id="{AB00AC63-DC37-4C9E-B71E-0A69735925B6}"/>
+                <a16:creationId xmlns:a16="http://schemas.microsoft.com/office/drawing/2014/main" id="{62A76065-E3B1-46D7-894F-997299D4A655}"/>
               </a:ext>
             </a:extLst>
           </p:cNvPr>
@@ -13801,188 +13770,525 @@
             <p:ph idx="1"/>
           </p:nvPr>
         </p:nvSpPr>
-        <p:spPr>
-          <a:xfrm>
-            <a:off x="838200" y="1799500"/>
-            <a:ext cx="10515600" cy="4351338"/>
-          </a:xfrm>
-        </p:spPr>
+        <p:spPr/>
         <p:txBody>
           <a:bodyPr>
-            <a:normAutofit fontScale="92500" lnSpcReduction="10000"/>
+            <a:normAutofit/>
           </a:bodyPr>
           <a:lstStyle/>
+          <a:p>
+            <a:r>
+              <a:rPr kumimoji="1" lang="en-US" altLang="ja-JP" dirty="0">
+                <a:latin typeface="+mn-ea"/>
+              </a:rPr>
+              <a:t>1</a:t>
+            </a:r>
+            <a:r>
+              <a:rPr kumimoji="1" lang="ja-JP" altLang="en-US" dirty="0">
+                <a:latin typeface="+mn-ea"/>
+              </a:rPr>
+              <a:t>日</a:t>
+            </a:r>
+            <a:r>
+              <a:rPr kumimoji="1" lang="en-US" altLang="ja-JP" dirty="0">
+                <a:latin typeface="+mn-ea"/>
+              </a:rPr>
+              <a:t>1</a:t>
+            </a:r>
+            <a:r>
+              <a:rPr kumimoji="1" lang="ja-JP" altLang="en-US" dirty="0">
+                <a:latin typeface="+mn-ea"/>
+              </a:rPr>
+              <a:t>回の登録で</a:t>
+            </a:r>
+            <a:r>
+              <a:rPr kumimoji="1" lang="en-US" altLang="ja-JP" dirty="0">
+                <a:latin typeface="+mn-ea"/>
+              </a:rPr>
+              <a:t>1</a:t>
+            </a:r>
+            <a:r>
+              <a:rPr kumimoji="1" lang="ja-JP" altLang="en-US" dirty="0">
+                <a:latin typeface="+mn-ea"/>
+              </a:rPr>
+              <a:t>ポイント増加する</a:t>
+            </a:r>
+            <a:endParaRPr kumimoji="1" lang="en-US" altLang="ja-JP" dirty="0">
+              <a:latin typeface="+mn-ea"/>
+            </a:endParaRPr>
+          </a:p>
           <a:p>
             <a:pPr marL="0" indent="0">
               <a:buNone/>
             </a:pPr>
             <a:r>
-              <a:rPr kumimoji="1" lang="ja-JP" altLang="en-US" sz="3500" b="1" dirty="0">
+              <a:rPr kumimoji="1" lang="en-US" altLang="ja-JP" dirty="0">
+                <a:latin typeface="+mn-ea"/>
+              </a:rPr>
+              <a:t>	AM3:00</a:t>
+            </a:r>
+            <a:r>
+              <a:rPr kumimoji="1" lang="ja-JP" altLang="en-US" dirty="0">
+                <a:latin typeface="+mn-ea"/>
+              </a:rPr>
+              <a:t>の更新時にランクアップが行われる</a:t>
+            </a:r>
+          </a:p>
+          <a:p>
+            <a:r>
+              <a:rPr kumimoji="1" lang="en-US" altLang="ja-JP" dirty="0">
+                <a:latin typeface="+mn-ea"/>
+              </a:rPr>
+              <a:t>AM3:00</a:t>
+            </a:r>
+            <a:r>
+              <a:rPr kumimoji="1" lang="ja-JP" altLang="en-US" dirty="0">
+                <a:latin typeface="+mn-ea"/>
+              </a:rPr>
+              <a:t>までに登録しなければ</a:t>
+            </a:r>
+            <a:r>
+              <a:rPr kumimoji="1" lang="en-US" altLang="ja-JP" dirty="0">
+                <a:latin typeface="+mn-ea"/>
+              </a:rPr>
+              <a:t>3</a:t>
+            </a:r>
+            <a:r>
+              <a:rPr kumimoji="1" lang="ja-JP" altLang="en-US" dirty="0">
+                <a:latin typeface="+mn-ea"/>
+              </a:rPr>
+              <a:t>ポイント減少する</a:t>
+            </a:r>
+            <a:endParaRPr kumimoji="1" lang="en-US" altLang="ja-JP" dirty="0">
+              <a:latin typeface="+mn-ea"/>
+            </a:endParaRPr>
+          </a:p>
+          <a:p>
+            <a:r>
+              <a:rPr lang="ja-JP" altLang="en-US" b="0" i="0" u="none" strike="noStrike" dirty="0">
                 <a:solidFill>
-                  <a:srgbClr val="FF9999"/>
+                  <a:srgbClr val="000000"/>
                 </a:solidFill>
-              </a:rPr>
-              <a:t>デザイン</a:t>
-            </a:r>
-            <a:endParaRPr kumimoji="1" lang="en-US" altLang="ja-JP" sz="3500" b="1" dirty="0">
-              <a:solidFill>
-                <a:srgbClr val="FF9999"/>
-              </a:solidFill>
+                <a:effectLst/>
+                <a:latin typeface="+mn-ea"/>
+              </a:rPr>
+              <a:t>ランクごとに称号を付与する</a:t>
+            </a:r>
+            <a:r>
+              <a:rPr lang="en-US" altLang="ja-JP" b="0" i="0" u="none" strike="noStrike" dirty="0">
+                <a:solidFill>
+                  <a:srgbClr val="000000"/>
+                </a:solidFill>
+                <a:effectLst/>
+                <a:latin typeface="+mn-ea"/>
+              </a:rPr>
+              <a:t>(6</a:t>
+            </a:r>
+            <a:r>
+              <a:rPr lang="ja-JP" altLang="en-US" b="0" i="0" u="none" strike="noStrike" dirty="0">
+                <a:solidFill>
+                  <a:srgbClr val="000000"/>
+                </a:solidFill>
+                <a:effectLst/>
+                <a:latin typeface="+mn-ea"/>
+              </a:rPr>
+              <a:t>段階</a:t>
+            </a:r>
+            <a:r>
+              <a:rPr lang="en-US" altLang="ja-JP" b="0" i="0" u="none" strike="noStrike" dirty="0">
+                <a:solidFill>
+                  <a:srgbClr val="000000"/>
+                </a:solidFill>
+                <a:effectLst/>
+                <a:latin typeface="+mn-ea"/>
+              </a:rPr>
+              <a:t>)</a:t>
+            </a:r>
+            <a:br>
+              <a:rPr lang="en-US" altLang="ja-JP" b="0" i="0" u="none" strike="noStrike" dirty="0">
+                <a:solidFill>
+                  <a:srgbClr val="000000"/>
+                </a:solidFill>
+                <a:effectLst/>
+                <a:latin typeface="+mn-ea"/>
+              </a:rPr>
+            </a:br>
+            <a:r>
+              <a:rPr lang="en-US" altLang="ja-JP" b="0" i="0" u="none" strike="noStrike" dirty="0">
+                <a:solidFill>
+                  <a:srgbClr val="000000"/>
+                </a:solidFill>
+                <a:effectLst/>
+                <a:latin typeface="+mn-ea"/>
+              </a:rPr>
+              <a:t>3</a:t>
+            </a:r>
+            <a:r>
+              <a:rPr lang="ja-JP" altLang="en-US" b="0" i="0" u="none" strike="noStrike" dirty="0">
+                <a:solidFill>
+                  <a:srgbClr val="000000"/>
+                </a:solidFill>
+                <a:effectLst/>
+                <a:latin typeface="+mn-ea"/>
+              </a:rPr>
+              <a:t>か月</a:t>
+            </a:r>
+            <a:r>
+              <a:rPr lang="en-US" altLang="ja-JP" b="0" i="0" u="none" strike="noStrike" dirty="0">
+                <a:solidFill>
+                  <a:srgbClr val="000000"/>
+                </a:solidFill>
+                <a:effectLst/>
+                <a:latin typeface="+mn-ea"/>
+              </a:rPr>
+              <a:t>(90</a:t>
+            </a:r>
+            <a:r>
+              <a:rPr lang="ja-JP" altLang="en-US" b="0" i="0" u="none" strike="noStrike" dirty="0">
+                <a:solidFill>
+                  <a:srgbClr val="000000"/>
+                </a:solidFill>
+                <a:effectLst/>
+                <a:latin typeface="+mn-ea"/>
+              </a:rPr>
+              <a:t>日</a:t>
+            </a:r>
+            <a:r>
+              <a:rPr lang="en-US" altLang="ja-JP" b="0" i="0" u="none" strike="noStrike" dirty="0">
+                <a:solidFill>
+                  <a:srgbClr val="000000"/>
+                </a:solidFill>
+                <a:effectLst/>
+                <a:latin typeface="+mn-ea"/>
+              </a:rPr>
+              <a:t>)</a:t>
+            </a:r>
+            <a:br>
+              <a:rPr lang="en-US" altLang="ja-JP" b="0" i="0" u="none" strike="noStrike" dirty="0">
+                <a:solidFill>
+                  <a:srgbClr val="000000"/>
+                </a:solidFill>
+                <a:effectLst/>
+                <a:latin typeface="+mn-ea"/>
+              </a:rPr>
+            </a:br>
+            <a:r>
+              <a:rPr lang="ja-JP" altLang="en-US" b="0" i="0" u="none" strike="noStrike" dirty="0">
+                <a:solidFill>
+                  <a:srgbClr val="000000"/>
+                </a:solidFill>
+                <a:effectLst/>
+                <a:latin typeface="+mn-ea"/>
+              </a:rPr>
+              <a:t>「怠惰</a:t>
+            </a:r>
+            <a:r>
+              <a:rPr lang="en-US" altLang="ja-JP" b="0" i="0" u="none" strike="noStrike" dirty="0">
+                <a:solidFill>
+                  <a:srgbClr val="000000"/>
+                </a:solidFill>
+                <a:effectLst/>
+                <a:latin typeface="+mn-ea"/>
+              </a:rPr>
+              <a:t>(0</a:t>
+            </a:r>
+            <a:r>
+              <a:rPr lang="ja-JP" altLang="en-US" b="0" i="0" u="none" strike="noStrike" dirty="0">
+                <a:solidFill>
+                  <a:srgbClr val="000000"/>
+                </a:solidFill>
+                <a:effectLst/>
+                <a:latin typeface="+mn-ea"/>
+              </a:rPr>
+              <a:t>ポイント</a:t>
+            </a:r>
+            <a:r>
+              <a:rPr lang="en-US" altLang="ja-JP" b="0" i="0" u="none" strike="noStrike" dirty="0">
+                <a:solidFill>
+                  <a:srgbClr val="000000"/>
+                </a:solidFill>
+                <a:effectLst/>
+                <a:latin typeface="+mn-ea"/>
+              </a:rPr>
+              <a:t>)</a:t>
+            </a:r>
+            <a:r>
+              <a:rPr lang="ja-JP" altLang="en-US" b="0" i="0" u="none" strike="noStrike" dirty="0">
+                <a:solidFill>
+                  <a:srgbClr val="000000"/>
+                </a:solidFill>
+                <a:effectLst/>
+                <a:latin typeface="+mn-ea"/>
+              </a:rPr>
+              <a:t>、怠け者</a:t>
+            </a:r>
+            <a:r>
+              <a:rPr lang="en-US" altLang="ja-JP" b="0" i="0" u="none" strike="noStrike" dirty="0">
+                <a:solidFill>
+                  <a:srgbClr val="000000"/>
+                </a:solidFill>
+                <a:effectLst/>
+                <a:latin typeface="+mn-ea"/>
+              </a:rPr>
+              <a:t>(4</a:t>
+            </a:r>
+            <a:r>
+              <a:rPr lang="ja-JP" altLang="en-US" b="0" i="0" u="none" strike="noStrike" dirty="0">
+                <a:solidFill>
+                  <a:srgbClr val="000000"/>
+                </a:solidFill>
+                <a:effectLst/>
+                <a:latin typeface="+mn-ea"/>
+              </a:rPr>
+              <a:t>ポイント</a:t>
+            </a:r>
+            <a:r>
+              <a:rPr lang="en-US" altLang="ja-JP" b="0" i="0" u="none" strike="noStrike" dirty="0">
+                <a:solidFill>
+                  <a:srgbClr val="000000"/>
+                </a:solidFill>
+                <a:effectLst/>
+                <a:latin typeface="+mn-ea"/>
+              </a:rPr>
+              <a:t>)</a:t>
+            </a:r>
+            <a:r>
+              <a:rPr lang="ja-JP" altLang="en-US" b="0" i="0" u="none" strike="noStrike" dirty="0">
+                <a:solidFill>
+                  <a:srgbClr val="000000"/>
+                </a:solidFill>
+                <a:effectLst/>
+                <a:latin typeface="+mn-ea"/>
+              </a:rPr>
+              <a:t>、一般人</a:t>
+            </a:r>
+            <a:r>
+              <a:rPr lang="en-US" altLang="ja-JP" b="0" i="0" u="none" strike="noStrike" dirty="0">
+                <a:solidFill>
+                  <a:srgbClr val="000000"/>
+                </a:solidFill>
+                <a:effectLst/>
+                <a:latin typeface="+mn-ea"/>
+              </a:rPr>
+              <a:t>(14</a:t>
+            </a:r>
+            <a:r>
+              <a:rPr lang="ja-JP" altLang="en-US" b="0" i="0" u="none" strike="noStrike" dirty="0">
+                <a:solidFill>
+                  <a:srgbClr val="000000"/>
+                </a:solidFill>
+                <a:effectLst/>
+                <a:latin typeface="+mn-ea"/>
+              </a:rPr>
+              <a:t>ポイント</a:t>
+            </a:r>
+            <a:r>
+              <a:rPr lang="en-US" altLang="ja-JP" b="0" i="0" u="none" strike="noStrike" dirty="0">
+                <a:solidFill>
+                  <a:srgbClr val="000000"/>
+                </a:solidFill>
+                <a:effectLst/>
+                <a:latin typeface="+mn-ea"/>
+              </a:rPr>
+              <a:t>)</a:t>
+            </a:r>
+            <a:r>
+              <a:rPr lang="ja-JP" altLang="en-US" b="0" i="0" u="none" strike="noStrike" dirty="0">
+                <a:solidFill>
+                  <a:srgbClr val="000000"/>
+                </a:solidFill>
+                <a:effectLst/>
+                <a:latin typeface="+mn-ea"/>
+              </a:rPr>
+              <a:t>、エリート</a:t>
+            </a:r>
+            <a:r>
+              <a:rPr lang="en-US" altLang="ja-JP" b="0" i="0" u="none" strike="noStrike" dirty="0">
+                <a:solidFill>
+                  <a:srgbClr val="000000"/>
+                </a:solidFill>
+                <a:effectLst/>
+                <a:latin typeface="+mn-ea"/>
+              </a:rPr>
+              <a:t>(28</a:t>
+            </a:r>
+            <a:r>
+              <a:rPr lang="ja-JP" altLang="en-US" b="0" i="0" u="none" strike="noStrike" dirty="0">
+                <a:solidFill>
+                  <a:srgbClr val="000000"/>
+                </a:solidFill>
+                <a:effectLst/>
+                <a:latin typeface="+mn-ea"/>
+              </a:rPr>
+              <a:t>ポイント</a:t>
+            </a:r>
+            <a:r>
+              <a:rPr lang="en-US" altLang="ja-JP" b="0" i="0" u="none" strike="noStrike" dirty="0">
+                <a:solidFill>
+                  <a:srgbClr val="000000"/>
+                </a:solidFill>
+                <a:effectLst/>
+                <a:latin typeface="+mn-ea"/>
+              </a:rPr>
+              <a:t>)</a:t>
+            </a:r>
+            <a:r>
+              <a:rPr lang="ja-JP" altLang="en-US" b="0" i="0" u="none" strike="noStrike" dirty="0">
+                <a:solidFill>
+                  <a:srgbClr val="000000"/>
+                </a:solidFill>
+                <a:effectLst/>
+                <a:latin typeface="+mn-ea"/>
+              </a:rPr>
+              <a:t>、プロ</a:t>
+            </a:r>
+            <a:r>
+              <a:rPr lang="en-US" altLang="ja-JP" b="0" i="0" u="none" strike="noStrike" dirty="0">
+                <a:solidFill>
+                  <a:srgbClr val="000000"/>
+                </a:solidFill>
+                <a:effectLst/>
+                <a:latin typeface="+mn-ea"/>
+              </a:rPr>
+              <a:t>(56</a:t>
+            </a:r>
+            <a:r>
+              <a:rPr lang="ja-JP" altLang="en-US" b="0" i="0" u="none" strike="noStrike" dirty="0">
+                <a:solidFill>
+                  <a:srgbClr val="000000"/>
+                </a:solidFill>
+                <a:effectLst/>
+                <a:latin typeface="+mn-ea"/>
+              </a:rPr>
+              <a:t>ポイント</a:t>
+            </a:r>
+            <a:r>
+              <a:rPr lang="en-US" altLang="ja-JP" b="0" i="0" u="none" strike="noStrike" dirty="0">
+                <a:solidFill>
+                  <a:srgbClr val="000000"/>
+                </a:solidFill>
+                <a:effectLst/>
+                <a:latin typeface="+mn-ea"/>
+              </a:rPr>
+              <a:t>)</a:t>
+            </a:r>
+            <a:r>
+              <a:rPr lang="ja-JP" altLang="en-US" b="0" i="0" u="none" strike="noStrike" dirty="0">
+                <a:solidFill>
+                  <a:srgbClr val="000000"/>
+                </a:solidFill>
+                <a:effectLst/>
+                <a:latin typeface="+mn-ea"/>
+              </a:rPr>
+              <a:t>、レジェンド</a:t>
+            </a:r>
+            <a:r>
+              <a:rPr lang="en-US" altLang="ja-JP" b="0" i="0" u="none" strike="noStrike" dirty="0">
+                <a:solidFill>
+                  <a:srgbClr val="000000"/>
+                </a:solidFill>
+                <a:effectLst/>
+                <a:latin typeface="+mn-ea"/>
+              </a:rPr>
+              <a:t>(85</a:t>
+            </a:r>
+            <a:r>
+              <a:rPr lang="ja-JP" altLang="en-US" b="0" i="0" u="none" strike="noStrike" dirty="0">
+                <a:solidFill>
+                  <a:srgbClr val="000000"/>
+                </a:solidFill>
+                <a:effectLst/>
+                <a:latin typeface="+mn-ea"/>
+              </a:rPr>
+              <a:t>ポイント</a:t>
+            </a:r>
+            <a:r>
+              <a:rPr lang="en-US" altLang="ja-JP" b="0" i="0" u="none" strike="noStrike" dirty="0">
+                <a:solidFill>
+                  <a:srgbClr val="000000"/>
+                </a:solidFill>
+                <a:effectLst/>
+                <a:latin typeface="+mn-ea"/>
+              </a:rPr>
+              <a:t>)</a:t>
+            </a:r>
+            <a:r>
+              <a:rPr lang="ja-JP" altLang="en-US" b="0" i="0" u="none" strike="noStrike" dirty="0">
+                <a:solidFill>
+                  <a:srgbClr val="000000"/>
+                </a:solidFill>
+                <a:effectLst/>
+                <a:latin typeface="+mn-ea"/>
+              </a:rPr>
+              <a:t>」</a:t>
+            </a:r>
+            <a:r>
+              <a:rPr lang="ja-JP" altLang="en-US" dirty="0">
+                <a:latin typeface="+mn-ea"/>
+              </a:rPr>
+              <a:t> </a:t>
+            </a:r>
+            <a:endParaRPr lang="en-US" altLang="ja-JP" dirty="0">
+              <a:latin typeface="+mn-ea"/>
             </a:endParaRPr>
           </a:p>
           <a:p>
-            <a:pPr marL="0" indent="0">
-              <a:buNone/>
-            </a:pPr>
-            <a:r>
-              <a:rPr lang="en-US" altLang="ja-JP" sz="3600" b="1" dirty="0">
+            <a:r>
+              <a:rPr lang="en-US" altLang="ja-JP" b="0" i="0" u="none" strike="noStrike" dirty="0">
                 <a:solidFill>
-                  <a:srgbClr val="FF9999"/>
+                  <a:srgbClr val="000000"/>
                 </a:solidFill>
-              </a:rPr>
-              <a:t>	</a:t>
-            </a:r>
-            <a:r>
-              <a:rPr lang="ja-JP" altLang="en-US" dirty="0"/>
-              <a:t>青をメインにして食欲減退</a:t>
-            </a:r>
-            <a:r>
-              <a:rPr lang="en-US" altLang="ja-JP" sz="3600" b="1" dirty="0">
+                <a:effectLst/>
+                <a:latin typeface="+mn-ea"/>
+              </a:rPr>
+              <a:t>1</a:t>
+            </a:r>
+            <a:r>
+              <a:rPr lang="ja-JP" altLang="en-US" b="0" i="0" u="none" strike="noStrike" dirty="0">
                 <a:solidFill>
-                  <a:srgbClr val="FF9999"/>
+                  <a:srgbClr val="000000"/>
                 </a:solidFill>
-              </a:rPr>
-              <a:t>	</a:t>
-            </a:r>
-          </a:p>
-          <a:p>
-            <a:pPr marL="0" indent="0">
-              <a:buNone/>
-            </a:pPr>
-            <a:r>
-              <a:rPr lang="ja-JP" altLang="en-US" sz="3500" b="1" dirty="0">
+                <a:effectLst/>
+                <a:latin typeface="+mn-ea"/>
+              </a:rPr>
+              <a:t>日の</a:t>
+            </a:r>
+            <a:r>
+              <a:rPr lang="en-US" altLang="ja-JP" b="0" i="0" u="none" strike="noStrike" dirty="0">
                 <a:solidFill>
-                  <a:srgbClr val="FF9999"/>
+                  <a:srgbClr val="000000"/>
                 </a:solidFill>
-              </a:rPr>
-              <a:t>認識合わせ</a:t>
-            </a:r>
-            <a:endParaRPr lang="en-US" altLang="ja-JP" sz="3500" b="1" dirty="0">
-              <a:solidFill>
-                <a:srgbClr val="FF9999"/>
-              </a:solidFill>
+                <a:effectLst/>
+                <a:latin typeface="+mn-ea"/>
+              </a:rPr>
+              <a:t>AM3:00</a:t>
+            </a:r>
+            <a:r>
+              <a:rPr lang="ja-JP" altLang="en-US" b="0" i="0" u="none" strike="noStrike" dirty="0">
+                <a:solidFill>
+                  <a:srgbClr val="000000"/>
+                </a:solidFill>
+                <a:effectLst/>
+                <a:latin typeface="+mn-ea"/>
+              </a:rPr>
+              <a:t>に一番下のランクにリセットする</a:t>
+            </a:r>
+            <a:r>
+              <a:rPr lang="ja-JP" altLang="en-US" dirty="0">
+                <a:latin typeface="+mn-ea"/>
+              </a:rPr>
+              <a:t> </a:t>
+            </a:r>
+            <a:endParaRPr kumimoji="1" lang="ja-JP" altLang="en-US" dirty="0">
+              <a:latin typeface="+mn-ea"/>
             </a:endParaRPr>
-          </a:p>
-          <a:p>
-            <a:pPr marL="0" indent="0">
-              <a:buNone/>
-            </a:pPr>
-            <a:r>
-              <a:rPr lang="en-US" altLang="ja-JP" dirty="0"/>
-              <a:t>	</a:t>
-            </a:r>
-            <a:r>
-              <a:rPr lang="ja-JP" altLang="en-US" u="sng" dirty="0"/>
-              <a:t>進捗管理</a:t>
-            </a:r>
-            <a:r>
-              <a:rPr lang="en-US" altLang="ja-JP" dirty="0"/>
-              <a:t>	</a:t>
-            </a:r>
-            <a:r>
-              <a:rPr lang="ja-JP" altLang="en-US" dirty="0"/>
-              <a:t>口頭・ガントチャート</a:t>
-            </a:r>
-            <a:endParaRPr lang="en-US" altLang="ja-JP" dirty="0"/>
-          </a:p>
-          <a:p>
-            <a:pPr marL="0" indent="0">
-              <a:buNone/>
-            </a:pPr>
-            <a:r>
-              <a:rPr lang="en-US" altLang="ja-JP" dirty="0"/>
-              <a:t>	</a:t>
-            </a:r>
-            <a:r>
-              <a:rPr lang="ja-JP" altLang="en-US" u="sng" dirty="0"/>
-              <a:t>情報共有</a:t>
-            </a:r>
-            <a:r>
-              <a:rPr lang="en-US" altLang="ja-JP" dirty="0"/>
-              <a:t>	</a:t>
-            </a:r>
-            <a:r>
-              <a:rPr lang="ja-JP" altLang="en-US" dirty="0"/>
-              <a:t>朝：その日に取り組むこと</a:t>
-            </a:r>
-            <a:endParaRPr lang="en-US" altLang="ja-JP" dirty="0"/>
-          </a:p>
-          <a:p>
-            <a:pPr marL="0" indent="0">
-              <a:buNone/>
-            </a:pPr>
-            <a:r>
-              <a:rPr lang="en-US" altLang="ja-JP" dirty="0"/>
-              <a:t>			</a:t>
-            </a:r>
-            <a:r>
-              <a:rPr lang="ja-JP" altLang="en-US" dirty="0"/>
-              <a:t>終業前：その日のまとめと翌日に行うこと</a:t>
-            </a:r>
-            <a:endParaRPr lang="en-US" altLang="ja-JP" dirty="0"/>
-          </a:p>
-          <a:p>
-            <a:pPr marL="0" indent="0">
-              <a:buNone/>
-            </a:pPr>
-            <a:r>
-              <a:rPr kumimoji="1" lang="ja-JP" altLang="en-US" sz="3500" b="1" dirty="0">
-                <a:solidFill>
-                  <a:srgbClr val="FF9999"/>
-                </a:solidFill>
-              </a:rPr>
-              <a:t>教えあい</a:t>
-            </a:r>
-            <a:endParaRPr kumimoji="1" lang="en-US" altLang="ja-JP" sz="3500" b="1" dirty="0">
-              <a:solidFill>
-                <a:srgbClr val="FF9999"/>
-              </a:solidFill>
-            </a:endParaRPr>
-          </a:p>
-          <a:p>
-            <a:pPr marL="0" indent="0">
-              <a:buNone/>
-            </a:pPr>
-            <a:r>
-              <a:rPr lang="en-US" altLang="ja-JP" dirty="0"/>
-              <a:t>	</a:t>
-            </a:r>
-            <a:r>
-              <a:rPr lang="ja-JP" altLang="en-US" dirty="0"/>
-              <a:t>チーム作業</a:t>
-            </a:r>
-            <a:endParaRPr lang="en-US" altLang="ja-JP" dirty="0"/>
-          </a:p>
-          <a:p>
-            <a:pPr marL="0" indent="0">
-              <a:buNone/>
-            </a:pPr>
-            <a:r>
-              <a:rPr kumimoji="1" lang="en-US" altLang="ja-JP" dirty="0"/>
-              <a:t>	</a:t>
-            </a:r>
-            <a:r>
-              <a:rPr kumimoji="1" lang="ja-JP" altLang="en-US" dirty="0"/>
-              <a:t>勉強会で全体のボトムアップ</a:t>
-            </a:r>
-            <a:endParaRPr kumimoji="1" lang="en-US" altLang="ja-JP" dirty="0"/>
           </a:p>
         </p:txBody>
       </p:sp>
     </p:spTree>
     <p:extLst>
       <p:ext uri="{BB962C8B-B14F-4D97-AF65-F5344CB8AC3E}">
-        <p14:creationId xmlns:p14="http://schemas.microsoft.com/office/powerpoint/2010/main" val="4266937789"/>
+        <p14:creationId xmlns:p14="http://schemas.microsoft.com/office/powerpoint/2010/main" val="1771887683"/>
       </p:ext>
     </p:extLst>
   </p:cSld>
@@ -14005,6 +14311,499 @@
 </file>
 
 <file path=ppt/slides/slide21.xml><?xml version="1.0" encoding="utf-8"?>
+<p:sld xmlns:a="http://schemas.openxmlformats.org/drawingml/2006/main" xmlns:r="http://schemas.openxmlformats.org/officeDocument/2006/relationships" xmlns:p="http://schemas.openxmlformats.org/presentationml/2006/main">
+  <p:cSld>
+    <p:bg>
+      <p:bgPr>
+        <a:solidFill>
+          <a:schemeClr val="accent1">
+            <a:lumMod val="60000"/>
+            <a:lumOff val="40000"/>
+            <a:alpha val="45000"/>
+          </a:schemeClr>
+        </a:solidFill>
+        <a:effectLst/>
+      </p:bgPr>
+    </p:bg>
+    <p:spTree>
+      <p:nvGrpSpPr>
+        <p:cNvPr id="1" name=""/>
+        <p:cNvGrpSpPr/>
+        <p:nvPr/>
+      </p:nvGrpSpPr>
+      <p:grpSpPr>
+        <a:xfrm>
+          <a:off x="0" y="0"/>
+          <a:ext cx="0" cy="0"/>
+          <a:chOff x="0" y="0"/>
+          <a:chExt cx="0" cy="0"/>
+        </a:xfrm>
+      </p:grpSpPr>
+      <p:sp>
+        <p:nvSpPr>
+          <p:cNvPr id="2" name="タイトル 1">
+            <a:extLst>
+              <a:ext uri="{FF2B5EF4-FFF2-40B4-BE49-F238E27FC236}">
+                <a16:creationId xmlns:a16="http://schemas.microsoft.com/office/drawing/2014/main" id="{D0B7B6A5-057F-4CF9-8DE4-B6B371F593E8}"/>
+              </a:ext>
+            </a:extLst>
+          </p:cNvPr>
+          <p:cNvSpPr>
+            <a:spLocks noGrp="1"/>
+          </p:cNvSpPr>
+          <p:nvPr>
+            <p:ph type="title"/>
+          </p:nvPr>
+        </p:nvSpPr>
+        <p:spPr/>
+        <p:txBody>
+          <a:bodyPr/>
+          <a:lstStyle/>
+          <a:p>
+            <a:r>
+              <a:rPr kumimoji="1" lang="ja-JP" altLang="en-US" b="1" dirty="0">
+                <a:latin typeface="+mn-ea"/>
+                <a:ea typeface="+mn-ea"/>
+              </a:rPr>
+              <a:t>ランク制度</a:t>
+            </a:r>
+          </a:p>
+        </p:txBody>
+      </p:sp>
+      <p:sp>
+        <p:nvSpPr>
+          <p:cNvPr id="3" name="コンテンツ プレースホルダー 2">
+            <a:extLst>
+              <a:ext uri="{FF2B5EF4-FFF2-40B4-BE49-F238E27FC236}">
+                <a16:creationId xmlns:a16="http://schemas.microsoft.com/office/drawing/2014/main" id="{5C3EADF8-C0B0-45FB-B899-B35F668D066C}"/>
+              </a:ext>
+            </a:extLst>
+          </p:cNvPr>
+          <p:cNvSpPr>
+            <a:spLocks noGrp="1"/>
+          </p:cNvSpPr>
+          <p:nvPr>
+            <p:ph idx="1"/>
+          </p:nvPr>
+        </p:nvSpPr>
+        <p:spPr/>
+        <p:txBody>
+          <a:bodyPr>
+            <a:normAutofit/>
+          </a:bodyPr>
+          <a:lstStyle/>
+          <a:p>
+            <a:pPr marL="0" indent="0">
+              <a:buNone/>
+            </a:pPr>
+            <a:r>
+              <a:rPr lang="ja-JP" altLang="en-US" sz="4000" b="0" i="0" u="none" strike="noStrike" dirty="0">
+                <a:solidFill>
+                  <a:srgbClr val="000000"/>
+                </a:solidFill>
+                <a:effectLst/>
+                <a:latin typeface="+mn-ea"/>
+              </a:rPr>
+              <a:t>怠惰</a:t>
+            </a:r>
+            <a:r>
+              <a:rPr lang="en-US" altLang="ja-JP" sz="4000" b="0" i="0" u="none" strike="noStrike" dirty="0">
+                <a:solidFill>
+                  <a:srgbClr val="000000"/>
+                </a:solidFill>
+                <a:effectLst/>
+                <a:latin typeface="+mn-ea"/>
+              </a:rPr>
+              <a:t>(0</a:t>
+            </a:r>
+            <a:r>
+              <a:rPr lang="ja-JP" altLang="en-US" sz="4000" b="0" i="0" u="none" strike="noStrike" dirty="0">
+                <a:solidFill>
+                  <a:srgbClr val="000000"/>
+                </a:solidFill>
+                <a:effectLst/>
+                <a:latin typeface="+mn-ea"/>
+              </a:rPr>
+              <a:t>ポイント</a:t>
+            </a:r>
+            <a:r>
+              <a:rPr lang="en-US" altLang="ja-JP" sz="4000" b="0" i="0" u="none" strike="noStrike" dirty="0">
+                <a:solidFill>
+                  <a:srgbClr val="000000"/>
+                </a:solidFill>
+                <a:effectLst/>
+                <a:latin typeface="+mn-ea"/>
+              </a:rPr>
+              <a:t>)</a:t>
+            </a:r>
+            <a:endParaRPr lang="en-US" altLang="ja-JP" sz="4000" dirty="0">
+              <a:solidFill>
+                <a:srgbClr val="000000"/>
+              </a:solidFill>
+              <a:latin typeface="+mn-ea"/>
+            </a:endParaRPr>
+          </a:p>
+          <a:p>
+            <a:pPr marL="0" indent="0">
+              <a:buNone/>
+            </a:pPr>
+            <a:r>
+              <a:rPr lang="ja-JP" altLang="en-US" sz="4000" b="0" i="0" u="none" strike="noStrike" dirty="0">
+                <a:solidFill>
+                  <a:srgbClr val="000000"/>
+                </a:solidFill>
+                <a:effectLst/>
+                <a:latin typeface="+mn-ea"/>
+              </a:rPr>
+              <a:t>怠け者</a:t>
+            </a:r>
+            <a:r>
+              <a:rPr lang="en-US" altLang="ja-JP" sz="4000" b="0" i="0" u="none" strike="noStrike" dirty="0">
+                <a:solidFill>
+                  <a:srgbClr val="000000"/>
+                </a:solidFill>
+                <a:effectLst/>
+                <a:latin typeface="+mn-ea"/>
+              </a:rPr>
+              <a:t>(4</a:t>
+            </a:r>
+            <a:r>
+              <a:rPr lang="ja-JP" altLang="en-US" sz="4000" b="0" i="0" u="none" strike="noStrike" dirty="0">
+                <a:solidFill>
+                  <a:srgbClr val="000000"/>
+                </a:solidFill>
+                <a:effectLst/>
+                <a:latin typeface="+mn-ea"/>
+              </a:rPr>
+              <a:t>ポイント</a:t>
+            </a:r>
+            <a:r>
+              <a:rPr lang="en-US" altLang="ja-JP" sz="4000" b="0" i="0" u="none" strike="noStrike" dirty="0">
+                <a:solidFill>
+                  <a:srgbClr val="000000"/>
+                </a:solidFill>
+                <a:effectLst/>
+                <a:latin typeface="+mn-ea"/>
+              </a:rPr>
+              <a:t>)</a:t>
+            </a:r>
+            <a:endParaRPr lang="en-US" altLang="ja-JP" sz="4000" dirty="0">
+              <a:solidFill>
+                <a:srgbClr val="000000"/>
+              </a:solidFill>
+              <a:latin typeface="+mn-ea"/>
+            </a:endParaRPr>
+          </a:p>
+          <a:p>
+            <a:pPr marL="0" indent="0">
+              <a:buNone/>
+            </a:pPr>
+            <a:r>
+              <a:rPr lang="ja-JP" altLang="en-US" sz="4000" b="0" i="0" u="none" strike="noStrike" dirty="0">
+                <a:solidFill>
+                  <a:srgbClr val="000000"/>
+                </a:solidFill>
+                <a:effectLst/>
+                <a:latin typeface="+mn-ea"/>
+              </a:rPr>
+              <a:t>一般人</a:t>
+            </a:r>
+            <a:r>
+              <a:rPr lang="en-US" altLang="ja-JP" sz="4000" b="0" i="0" u="none" strike="noStrike" dirty="0">
+                <a:solidFill>
+                  <a:srgbClr val="000000"/>
+                </a:solidFill>
+                <a:effectLst/>
+                <a:latin typeface="+mn-ea"/>
+              </a:rPr>
+              <a:t>(14</a:t>
+            </a:r>
+            <a:r>
+              <a:rPr lang="ja-JP" altLang="en-US" sz="4000" b="0" i="0" u="none" strike="noStrike" dirty="0">
+                <a:solidFill>
+                  <a:srgbClr val="000000"/>
+                </a:solidFill>
+                <a:effectLst/>
+                <a:latin typeface="+mn-ea"/>
+              </a:rPr>
+              <a:t>ポイント</a:t>
+            </a:r>
+            <a:r>
+              <a:rPr lang="en-US" altLang="ja-JP" sz="4000" b="0" i="0" u="none" strike="noStrike" dirty="0">
+                <a:solidFill>
+                  <a:srgbClr val="000000"/>
+                </a:solidFill>
+                <a:effectLst/>
+                <a:latin typeface="+mn-ea"/>
+              </a:rPr>
+              <a:t>)</a:t>
+            </a:r>
+            <a:endParaRPr lang="en-US" altLang="ja-JP" sz="4000" dirty="0">
+              <a:solidFill>
+                <a:srgbClr val="000000"/>
+              </a:solidFill>
+              <a:latin typeface="+mn-ea"/>
+            </a:endParaRPr>
+          </a:p>
+          <a:p>
+            <a:pPr marL="0" indent="0">
+              <a:buNone/>
+            </a:pPr>
+            <a:r>
+              <a:rPr lang="ja-JP" altLang="en-US" sz="4000" b="0" i="0" u="none" strike="noStrike" dirty="0">
+                <a:solidFill>
+                  <a:srgbClr val="000000"/>
+                </a:solidFill>
+                <a:effectLst/>
+                <a:latin typeface="+mn-ea"/>
+              </a:rPr>
+              <a:t>エリート</a:t>
+            </a:r>
+            <a:r>
+              <a:rPr lang="en-US" altLang="ja-JP" sz="4000" b="0" i="0" u="none" strike="noStrike" dirty="0">
+                <a:solidFill>
+                  <a:srgbClr val="000000"/>
+                </a:solidFill>
+                <a:effectLst/>
+                <a:latin typeface="+mn-ea"/>
+              </a:rPr>
+              <a:t>(28</a:t>
+            </a:r>
+            <a:r>
+              <a:rPr lang="ja-JP" altLang="en-US" sz="4000" b="0" i="0" u="none" strike="noStrike" dirty="0">
+                <a:solidFill>
+                  <a:srgbClr val="000000"/>
+                </a:solidFill>
+                <a:effectLst/>
+                <a:latin typeface="+mn-ea"/>
+              </a:rPr>
+              <a:t>ポイント</a:t>
+            </a:r>
+            <a:r>
+              <a:rPr lang="en-US" altLang="ja-JP" sz="4000" b="0" i="0" u="none" strike="noStrike" dirty="0">
+                <a:solidFill>
+                  <a:srgbClr val="000000"/>
+                </a:solidFill>
+                <a:effectLst/>
+                <a:latin typeface="+mn-ea"/>
+              </a:rPr>
+              <a:t>)</a:t>
+            </a:r>
+            <a:endParaRPr lang="en-US" altLang="ja-JP" sz="4000" dirty="0">
+              <a:solidFill>
+                <a:srgbClr val="000000"/>
+              </a:solidFill>
+              <a:latin typeface="+mn-ea"/>
+            </a:endParaRPr>
+          </a:p>
+          <a:p>
+            <a:pPr marL="0" indent="0">
+              <a:buNone/>
+            </a:pPr>
+            <a:r>
+              <a:rPr lang="ja-JP" altLang="en-US" sz="4000" b="0" i="0" u="none" strike="noStrike" dirty="0">
+                <a:solidFill>
+                  <a:srgbClr val="000000"/>
+                </a:solidFill>
+                <a:effectLst/>
+                <a:latin typeface="+mn-ea"/>
+              </a:rPr>
+              <a:t>プロ</a:t>
+            </a:r>
+            <a:r>
+              <a:rPr lang="en-US" altLang="ja-JP" sz="4000" b="0" i="0" u="none" strike="noStrike" dirty="0">
+                <a:solidFill>
+                  <a:srgbClr val="000000"/>
+                </a:solidFill>
+                <a:effectLst/>
+                <a:latin typeface="+mn-ea"/>
+              </a:rPr>
+              <a:t>(56</a:t>
+            </a:r>
+            <a:r>
+              <a:rPr lang="ja-JP" altLang="en-US" sz="4000" b="0" i="0" u="none" strike="noStrike" dirty="0">
+                <a:solidFill>
+                  <a:srgbClr val="000000"/>
+                </a:solidFill>
+                <a:effectLst/>
+                <a:latin typeface="+mn-ea"/>
+              </a:rPr>
+              <a:t>ポイント</a:t>
+            </a:r>
+            <a:r>
+              <a:rPr lang="en-US" altLang="ja-JP" sz="4000" b="0" i="0" u="none" strike="noStrike" dirty="0">
+                <a:solidFill>
+                  <a:srgbClr val="000000"/>
+                </a:solidFill>
+                <a:effectLst/>
+                <a:latin typeface="+mn-ea"/>
+              </a:rPr>
+              <a:t>)</a:t>
+            </a:r>
+            <a:endParaRPr lang="en-US" altLang="ja-JP" sz="4000" dirty="0">
+              <a:solidFill>
+                <a:srgbClr val="000000"/>
+              </a:solidFill>
+              <a:latin typeface="+mn-ea"/>
+            </a:endParaRPr>
+          </a:p>
+          <a:p>
+            <a:pPr marL="0" indent="0">
+              <a:buNone/>
+            </a:pPr>
+            <a:r>
+              <a:rPr lang="ja-JP" altLang="en-US" sz="4000" b="0" i="0" u="none" strike="noStrike" dirty="0">
+                <a:solidFill>
+                  <a:srgbClr val="000000"/>
+                </a:solidFill>
+                <a:effectLst/>
+                <a:latin typeface="+mn-ea"/>
+              </a:rPr>
+              <a:t>レジェンド</a:t>
+            </a:r>
+            <a:r>
+              <a:rPr lang="en-US" altLang="ja-JP" sz="4000" b="0" i="0" u="none" strike="noStrike" dirty="0">
+                <a:solidFill>
+                  <a:srgbClr val="000000"/>
+                </a:solidFill>
+                <a:effectLst/>
+                <a:latin typeface="+mn-ea"/>
+              </a:rPr>
+              <a:t>(85</a:t>
+            </a:r>
+            <a:r>
+              <a:rPr lang="ja-JP" altLang="en-US" sz="4000" b="0" i="0" u="none" strike="noStrike" dirty="0">
+                <a:solidFill>
+                  <a:srgbClr val="000000"/>
+                </a:solidFill>
+                <a:effectLst/>
+                <a:latin typeface="+mn-ea"/>
+              </a:rPr>
+              <a:t>ポイント</a:t>
+            </a:r>
+            <a:r>
+              <a:rPr lang="en-US" altLang="ja-JP" sz="4000" b="0" i="0" u="none" strike="noStrike" dirty="0">
+                <a:solidFill>
+                  <a:srgbClr val="000000"/>
+                </a:solidFill>
+                <a:effectLst/>
+                <a:latin typeface="+mn-ea"/>
+              </a:rPr>
+              <a:t>)</a:t>
+            </a:r>
+            <a:endParaRPr kumimoji="1" lang="ja-JP" altLang="en-US" sz="4000" dirty="0"/>
+          </a:p>
+        </p:txBody>
+      </p:sp>
+    </p:spTree>
+    <p:extLst>
+      <p:ext uri="{BB962C8B-B14F-4D97-AF65-F5344CB8AC3E}">
+        <p14:creationId xmlns:p14="http://schemas.microsoft.com/office/powerpoint/2010/main" val="2566152858"/>
+      </p:ext>
+    </p:extLst>
+  </p:cSld>
+  <p:clrMapOvr>
+    <a:masterClrMapping/>
+  </p:clrMapOvr>
+  <mc:AlternateContent xmlns:mc="http://schemas.openxmlformats.org/markup-compatibility/2006" xmlns:p14="http://schemas.microsoft.com/office/powerpoint/2010/main">
+    <mc:Choice Requires="p14">
+      <p:transition spd="med" p14:dur="700">
+        <p:fade/>
+      </p:transition>
+    </mc:Choice>
+    <mc:Fallback xmlns="">
+      <p:transition spd="med">
+        <p:fade/>
+      </p:transition>
+    </mc:Fallback>
+  </mc:AlternateContent>
+</p:sld>
+</file>
+
+<file path=ppt/slides/slide22.xml><?xml version="1.0" encoding="utf-8"?>
+<p:sld xmlns:a="http://schemas.openxmlformats.org/drawingml/2006/main" xmlns:r="http://schemas.openxmlformats.org/officeDocument/2006/relationships" xmlns:p="http://schemas.openxmlformats.org/presentationml/2006/main">
+  <p:cSld>
+    <p:bg>
+      <p:bgPr>
+        <a:solidFill>
+          <a:schemeClr val="accent1">
+            <a:lumMod val="60000"/>
+            <a:lumOff val="40000"/>
+            <a:alpha val="45000"/>
+          </a:schemeClr>
+        </a:solidFill>
+        <a:effectLst/>
+      </p:bgPr>
+    </p:bg>
+    <p:spTree>
+      <p:nvGrpSpPr>
+        <p:cNvPr id="1" name=""/>
+        <p:cNvGrpSpPr/>
+        <p:nvPr/>
+      </p:nvGrpSpPr>
+      <p:grpSpPr>
+        <a:xfrm>
+          <a:off x="0" y="0"/>
+          <a:ext cx="0" cy="0"/>
+          <a:chOff x="0" y="0"/>
+          <a:chExt cx="0" cy="0"/>
+        </a:xfrm>
+      </p:grpSpPr>
+      <p:pic>
+        <p:nvPicPr>
+          <p:cNvPr id="5" name="コンテンツ プレースホルダー 4">
+            <a:extLst>
+              <a:ext uri="{FF2B5EF4-FFF2-40B4-BE49-F238E27FC236}">
+                <a16:creationId xmlns:a16="http://schemas.microsoft.com/office/drawing/2014/main" id="{42A25BB5-6D17-4732-B2C3-646016417A44}"/>
+              </a:ext>
+            </a:extLst>
+          </p:cNvPr>
+          <p:cNvPicPr>
+            <a:picLocks noGrp="1" noChangeAspect="1"/>
+          </p:cNvPicPr>
+          <p:nvPr>
+            <p:ph idx="1"/>
+          </p:nvPr>
+        </p:nvPicPr>
+        <p:blipFill>
+          <a:blip r:embed="rId2"/>
+          <a:stretch>
+            <a:fillRect/>
+          </a:stretch>
+        </p:blipFill>
+        <p:spPr>
+          <a:xfrm>
+            <a:off x="2047692" y="212706"/>
+            <a:ext cx="8096615" cy="6432588"/>
+          </a:xfrm>
+        </p:spPr>
+      </p:pic>
+    </p:spTree>
+    <p:extLst>
+      <p:ext uri="{BB962C8B-B14F-4D97-AF65-F5344CB8AC3E}">
+        <p14:creationId xmlns:p14="http://schemas.microsoft.com/office/powerpoint/2010/main" val="1617141547"/>
+      </p:ext>
+    </p:extLst>
+  </p:cSld>
+  <p:clrMapOvr>
+    <a:masterClrMapping/>
+  </p:clrMapOvr>
+  <mc:AlternateContent xmlns:mc="http://schemas.openxmlformats.org/markup-compatibility/2006" xmlns:p14="http://schemas.microsoft.com/office/powerpoint/2010/main">
+    <mc:Choice Requires="p14">
+      <p:transition spd="med" p14:dur="700">
+        <p:fade/>
+      </p:transition>
+    </mc:Choice>
+    <mc:Fallback xmlns="">
+      <p:transition spd="med">
+        <p:fade/>
+      </p:transition>
+    </mc:Fallback>
+  </mc:AlternateContent>
+</p:sld>
+</file>
+
+<file path=ppt/slides/slide23.xml><?xml version="1.0" encoding="utf-8"?>
 <p:sld xmlns:a="http://schemas.openxmlformats.org/drawingml/2006/main" xmlns:r="http://schemas.openxmlformats.org/officeDocument/2006/relationships" xmlns:p="http://schemas.openxmlformats.org/presentationml/2006/main">
   <p:cSld>
     <p:spTree>
@@ -14117,7 +14916,7 @@
 </p:sld>
 </file>
 
-<file path=ppt/slides/slide22.xml><?xml version="1.0" encoding="utf-8"?>
+<file path=ppt/slides/slide24.xml><?xml version="1.0" encoding="utf-8"?>
 <p:sld xmlns:a="http://schemas.openxmlformats.org/drawingml/2006/main" xmlns:r="http://schemas.openxmlformats.org/officeDocument/2006/relationships" xmlns:p="http://schemas.openxmlformats.org/presentationml/2006/main">
   <p:cSld>
     <p:spTree>
@@ -14339,7 +15138,7 @@
 </p:sld>
 </file>
 
-<file path=ppt/slides/slide23.xml><?xml version="1.0" encoding="utf-8"?>
+<file path=ppt/slides/slide25.xml><?xml version="1.0" encoding="utf-8"?>
 <p:sld xmlns:a="http://schemas.openxmlformats.org/drawingml/2006/main" xmlns:r="http://schemas.openxmlformats.org/officeDocument/2006/relationships" xmlns:p="http://schemas.openxmlformats.org/presentationml/2006/main">
   <p:cSld>
     <p:spTree>
@@ -14478,7 +15277,7 @@
 </p:sld>
 </file>
 
-<file path=ppt/slides/slide24.xml><?xml version="1.0" encoding="utf-8"?>
+<file path=ppt/slides/slide26.xml><?xml version="1.0" encoding="utf-8"?>
 <p:sld xmlns:a="http://schemas.openxmlformats.org/drawingml/2006/main" xmlns:r="http://schemas.openxmlformats.org/officeDocument/2006/relationships" xmlns:p="http://schemas.openxmlformats.org/presentationml/2006/main">
   <p:cSld>
     <p:spTree>
@@ -15517,13 +16316,13 @@
         </p:nvSpPr>
         <p:spPr>
           <a:xfrm>
-            <a:off x="6230980" y="1206500"/>
+            <a:off x="5852383" y="1601418"/>
             <a:ext cx="5880100" cy="2093934"/>
           </a:xfrm>
           <a:prstGeom prst="cloudCallout">
             <a:avLst>
-              <a:gd name="adj1" fmla="val -44087"/>
-              <a:gd name="adj2" fmla="val 85521"/>
+              <a:gd name="adj1" fmla="val -44531"/>
+              <a:gd name="adj2" fmla="val 76163"/>
             </a:avLst>
           </a:prstGeom>
           <a:ln w="38100"/>

--- a/共有用フォルダー/成果発表.pptx
+++ b/共有用フォルダー/成果発表.pptx
@@ -14404,7 +14404,7 @@
                 <a:effectLst/>
                 <a:latin typeface="+mn-ea"/>
               </a:rPr>
-              <a:t>怠惰</a:t>
+              <a:t>　　怠惰</a:t>
             </a:r>
             <a:r>
               <a:rPr lang="en-US" altLang="ja-JP" sz="4000" b="0" i="0" u="none" strike="noStrike" dirty="0">
@@ -14455,7 +14455,7 @@
                 <a:effectLst/>
                 <a:latin typeface="+mn-ea"/>
               </a:rPr>
-              <a:t>怠け者</a:t>
+              <a:t>　　怠け者</a:t>
             </a:r>
             <a:r>
               <a:rPr lang="en-US" altLang="ja-JP" sz="4000" b="0" i="0" u="none" strike="noStrike" dirty="0">
@@ -14506,7 +14506,7 @@
                 <a:effectLst/>
                 <a:latin typeface="+mn-ea"/>
               </a:rPr>
-              <a:t>一般人</a:t>
+              <a:t>　　一般人</a:t>
             </a:r>
             <a:r>
               <a:rPr lang="en-US" altLang="ja-JP" sz="4000" b="0" i="0" u="none" strike="noStrike" dirty="0">
@@ -14557,7 +14557,7 @@
                 <a:effectLst/>
                 <a:latin typeface="+mn-ea"/>
               </a:rPr>
-              <a:t>エリート</a:t>
+              <a:t>　　エリート</a:t>
             </a:r>
             <a:r>
               <a:rPr lang="en-US" altLang="ja-JP" sz="4000" b="0" i="0" u="none" strike="noStrike" dirty="0">
@@ -14608,7 +14608,7 @@
                 <a:effectLst/>
                 <a:latin typeface="+mn-ea"/>
               </a:rPr>
-              <a:t>プロ</a:t>
+              <a:t>　　プロ</a:t>
             </a:r>
             <a:r>
               <a:rPr lang="en-US" altLang="ja-JP" sz="4000" b="0" i="0" u="none" strike="noStrike" dirty="0">
@@ -14659,7 +14659,7 @@
                 <a:effectLst/>
                 <a:latin typeface="+mn-ea"/>
               </a:rPr>
-              <a:t>レジェンド</a:t>
+              <a:t>　　レジェンド</a:t>
             </a:r>
             <a:r>
               <a:rPr lang="en-US" altLang="ja-JP" sz="4000" b="0" i="0" u="none" strike="noStrike" dirty="0">
@@ -14695,6 +14695,98 @@
           </a:p>
         </p:txBody>
       </p:sp>
+      <p:pic>
+        <p:nvPicPr>
+          <p:cNvPr id="1026" name="Picture 2" descr="ナマケモノのイラスト">
+            <a:extLst>
+              <a:ext uri="{FF2B5EF4-FFF2-40B4-BE49-F238E27FC236}">
+                <a16:creationId xmlns:a16="http://schemas.microsoft.com/office/drawing/2014/main" id="{F4D6A1BD-4D1E-432E-BB5C-B982F2CF632B}"/>
+              </a:ext>
+            </a:extLst>
+          </p:cNvPr>
+          <p:cNvPicPr>
+            <a:picLocks noChangeAspect="1" noChangeArrowheads="1"/>
+          </p:cNvPicPr>
+          <p:nvPr/>
+        </p:nvPicPr>
+        <p:blipFill>
+          <a:blip r:embed="rId2">
+            <a:extLst>
+              <a:ext uri="{28A0092B-C50C-407E-A947-70E740481C1C}">
+                <a14:useLocalDpi xmlns:a14="http://schemas.microsoft.com/office/drawing/2010/main" val="0"/>
+              </a:ext>
+            </a:extLst>
+          </a:blip>
+          <a:srcRect/>
+          <a:stretch>
+            <a:fillRect/>
+          </a:stretch>
+        </p:blipFill>
+        <p:spPr bwMode="auto">
+          <a:xfrm>
+            <a:off x="838200" y="2416629"/>
+            <a:ext cx="850718" cy="850718"/>
+          </a:xfrm>
+          <a:prstGeom prst="rect">
+            <a:avLst/>
+          </a:prstGeom>
+          <a:noFill/>
+          <a:extLst>
+            <a:ext uri="{909E8E84-426E-40DD-AFC4-6F175D3DCCD1}">
+              <a14:hiddenFill xmlns:a14="http://schemas.microsoft.com/office/drawing/2010/main">
+                <a:solidFill>
+                  <a:srgbClr val="FFFFFF"/>
+                </a:solidFill>
+              </a14:hiddenFill>
+            </a:ext>
+          </a:extLst>
+        </p:spPr>
+      </p:pic>
+      <p:pic>
+        <p:nvPicPr>
+          <p:cNvPr id="1028" name="Picture 4" descr="勲章・メダルのイラスト（赤）">
+            <a:extLst>
+              <a:ext uri="{FF2B5EF4-FFF2-40B4-BE49-F238E27FC236}">
+                <a16:creationId xmlns:a16="http://schemas.microsoft.com/office/drawing/2014/main" id="{2DF0F093-5510-492D-89EC-4D0D4D71FD79}"/>
+              </a:ext>
+            </a:extLst>
+          </p:cNvPr>
+          <p:cNvPicPr>
+            <a:picLocks noChangeAspect="1" noChangeArrowheads="1"/>
+          </p:cNvPicPr>
+          <p:nvPr/>
+        </p:nvPicPr>
+        <p:blipFill rotWithShape="1">
+          <a:blip r:embed="rId3">
+            <a:extLst>
+              <a:ext uri="{28A0092B-C50C-407E-A947-70E740481C1C}">
+                <a14:useLocalDpi xmlns:a14="http://schemas.microsoft.com/office/drawing/2010/main" val="0"/>
+              </a:ext>
+            </a:extLst>
+          </a:blip>
+          <a:srcRect l="-16338" t="24344" r="1"/>
+          <a:stretch/>
+        </p:blipFill>
+        <p:spPr bwMode="auto">
+          <a:xfrm>
+            <a:off x="933247" y="5081452"/>
+            <a:ext cx="660624" cy="850718"/>
+          </a:xfrm>
+          <a:prstGeom prst="rect">
+            <a:avLst/>
+          </a:prstGeom>
+          <a:noFill/>
+          <a:extLst>
+            <a:ext uri="{909E8E84-426E-40DD-AFC4-6F175D3DCCD1}">
+              <a14:hiddenFill xmlns:a14="http://schemas.microsoft.com/office/drawing/2010/main">
+                <a:solidFill>
+                  <a:srgbClr val="FFFFFF"/>
+                </a:solidFill>
+              </a14:hiddenFill>
+            </a:ext>
+          </a:extLst>
+        </p:spPr>
+      </p:pic>
     </p:spTree>
     <p:extLst>
       <p:ext uri="{BB962C8B-B14F-4D97-AF65-F5344CB8AC3E}">

--- a/共有用フォルダー/成果発表.pptx
+++ b/共有用フォルダー/成果発表.pptx
@@ -3995,6 +3995,31 @@
           <a:bodyPr/>
           <a:lstStyle/>
           <a:p>
+            <a:r>
+              <a:rPr kumimoji="1" lang="ja-JP" altLang="en-US" dirty="0"/>
+              <a:t>食事管理の機能に加えて、自分の写真をアップロードできます。</a:t>
+            </a:r>
+            <a:endParaRPr kumimoji="1" lang="en-US" altLang="ja-JP" dirty="0"/>
+          </a:p>
+          <a:p>
+            <a:r>
+              <a:rPr kumimoji="1" lang="ja-JP" altLang="en-US" dirty="0"/>
+              <a:t>その登録した写真をスライドショー形式で確認することで、変化が分かります。</a:t>
+            </a:r>
+            <a:endParaRPr kumimoji="1" lang="en-US" altLang="ja-JP" dirty="0"/>
+          </a:p>
+          <a:p>
+            <a:r>
+              <a:rPr kumimoji="1" lang="ja-JP" altLang="en-US" dirty="0"/>
+              <a:t>また、グラフが動的に表示されるため、変化が可視化されます。</a:t>
+            </a:r>
+            <a:endParaRPr kumimoji="1" lang="en-US" altLang="ja-JP" dirty="0"/>
+          </a:p>
+          <a:p>
+            <a:r>
+              <a:rPr kumimoji="1" lang="ja-JP" altLang="en-US"/>
+              <a:t>これらの機能によって、モチベーションの維持・</a:t>
+            </a:r>
             <a:endParaRPr kumimoji="1" lang="ja-JP" altLang="en-US" dirty="0"/>
           </a:p>
         </p:txBody>
@@ -10671,6 +10696,16 @@
             <a:pPr marL="0" indent="0">
               <a:buNone/>
             </a:pPr>
+            <a:endParaRPr lang="en-US" altLang="ja-JP" sz="3600" b="1" dirty="0">
+              <a:solidFill>
+                <a:schemeClr val="accent1"/>
+              </a:solidFill>
+            </a:endParaRPr>
+          </a:p>
+          <a:p>
+            <a:pPr marL="0" indent="0">
+              <a:buNone/>
+            </a:pPr>
             <a:r>
               <a:rPr lang="ja-JP" altLang="en-US" sz="3600" b="1" dirty="0">
                 <a:solidFill>
@@ -11459,6 +11494,16 @@
             <a:normAutofit/>
           </a:bodyPr>
           <a:lstStyle/>
+          <a:p>
+            <a:pPr marL="0" indent="0">
+              <a:buNone/>
+            </a:pPr>
+            <a:endParaRPr lang="en-US" altLang="ja-JP" sz="3600" b="1" dirty="0">
+              <a:solidFill>
+                <a:schemeClr val="accent2"/>
+              </a:solidFill>
+            </a:endParaRPr>
+          </a:p>
           <a:p>
             <a:pPr marL="0" indent="0">
               <a:buNone/>

--- a/共有用フォルダー/成果発表.pptx
+++ b/共有用フォルダー/成果発表.pptx
@@ -4211,7 +4211,47 @@
           <a:bodyPr/>
           <a:lstStyle/>
           <a:p>
-            <a:endParaRPr kumimoji="1" lang="ja-JP" altLang="en-US" dirty="0"/>
+            <a:r>
+              <a:rPr kumimoji="1" lang="ja-JP" altLang="en-US" dirty="0"/>
+              <a:t>「きょうから」食事記録には、制限や縛りがなく、食事についてざっくりと記録する設定になっています。</a:t>
+            </a:r>
+            <a:endParaRPr kumimoji="1" lang="en-US" altLang="ja-JP" dirty="0"/>
+          </a:p>
+          <a:p>
+            <a:r>
+              <a:rPr kumimoji="1" lang="ja-JP" altLang="en-US" dirty="0"/>
+              <a:t>記録することで、自分の食事の傾向を再発見してもらうためです。</a:t>
+            </a:r>
+            <a:endParaRPr kumimoji="1" lang="en-US" altLang="ja-JP" dirty="0"/>
+          </a:p>
+          <a:p>
+            <a:r>
+              <a:rPr kumimoji="1" lang="ja-JP" altLang="en-US" dirty="0"/>
+              <a:t>飲酒・運動についても、あり</a:t>
+            </a:r>
+            <a:r>
+              <a:rPr kumimoji="1" lang="en-US" altLang="ja-JP" dirty="0"/>
+              <a:t>/</a:t>
+            </a:r>
+            <a:r>
+              <a:rPr kumimoji="1" lang="ja-JP" altLang="en-US" dirty="0"/>
+              <a:t>なしのみの記録になっています。少しの散歩でも記録しておくことで、達成感を持てるようにしました。</a:t>
+            </a:r>
+            <a:endParaRPr kumimoji="1" lang="en-US" altLang="ja-JP" dirty="0"/>
+          </a:p>
+          <a:p>
+            <a:endParaRPr kumimoji="1" lang="en-US" altLang="ja-JP" dirty="0"/>
+          </a:p>
+          <a:p>
+            <a:r>
+              <a:rPr kumimoji="1" lang="ja-JP" altLang="en-US" dirty="0"/>
+              <a:t>また、ログイン後の画面の上部には、常に設定した目標体重が表示されます。これ</a:t>
+            </a:r>
+            <a:r>
+              <a:rPr kumimoji="1" lang="ja-JP" altLang="en-US"/>
+              <a:t>によって、目標体重を常に意識することができます。</a:t>
+            </a:r>
+            <a:endParaRPr kumimoji="1" lang="en-US" altLang="ja-JP" dirty="0"/>
           </a:p>
         </p:txBody>
       </p:sp>

--- a/共有用フォルダー/成果発表.pptx
+++ b/共有用フォルダー/成果発表.pptx
@@ -3997,7 +3997,7 @@
           <a:p>
             <a:r>
               <a:rPr kumimoji="1" lang="ja-JP" altLang="en-US" dirty="0"/>
-              <a:t>食事管理の機能に加えて、自分の写真をアップロードできます。</a:t>
+              <a:t>食事記録の機能に加えて、自分の写真をアップロードできます。</a:t>
             </a:r>
             <a:endParaRPr kumimoji="1" lang="en-US" altLang="ja-JP" dirty="0"/>
           </a:p>
@@ -4017,10 +4017,9 @@
           </a:p>
           <a:p>
             <a:r>
-              <a:rPr kumimoji="1" lang="ja-JP" altLang="en-US"/>
-              <a:t>これらの機能によって、モチベーションの維持・</a:t>
-            </a:r>
-            <a:endParaRPr kumimoji="1" lang="ja-JP" altLang="en-US" dirty="0"/>
+              <a:rPr kumimoji="1" lang="ja-JP" altLang="en-US" dirty="0"/>
+              <a:t>これらの機能によって、モチベーションの維持につながると考えられます。</a:t>
+            </a:r>
           </a:p>
         </p:txBody>
       </p:sp>
@@ -4245,11 +4244,18 @@
           <a:p>
             <a:r>
               <a:rPr kumimoji="1" lang="ja-JP" altLang="en-US" dirty="0"/>
-              <a:t>また、ログイン後の画面の上部には、常に設定した目標体重が表示されます。これ</a:t>
-            </a:r>
-            <a:r>
-              <a:rPr kumimoji="1" lang="ja-JP" altLang="en-US"/>
-              <a:t>によって、目標体重を常に意識することができます。</a:t>
+              <a:t>また、ログイン後の画面の上部には、常に設定した目標体重が表示されます。これによって、目標体重を常に意識することができます。</a:t>
+            </a:r>
+            <a:endParaRPr kumimoji="1" lang="en-US" altLang="ja-JP" dirty="0"/>
+          </a:p>
+          <a:p>
+            <a:r>
+              <a:rPr kumimoji="1" lang="en-US" altLang="ja-JP" dirty="0"/>
+              <a:t>3</a:t>
+            </a:r>
+            <a:r>
+              <a:rPr kumimoji="1" lang="ja-JP" altLang="en-US" dirty="0"/>
+              <a:t>分</a:t>
             </a:r>
             <a:endParaRPr kumimoji="1" lang="en-US" altLang="ja-JP" dirty="0"/>
           </a:p>
@@ -4335,9 +4341,30 @@
           <a:bodyPr/>
           <a:lstStyle/>
           <a:p>
-            <a:endParaRPr lang="en-US" altLang="ja-JP" sz="1200" b="0" dirty="0">
-              <a:latin typeface="+mn-ea"/>
-            </a:endParaRPr>
+            <a:pPr marL="0" indent="0">
+              <a:buNone/>
+            </a:pPr>
+            <a:r>
+              <a:rPr kumimoji="1" lang="ja-JP" altLang="en-US" sz="1600" b="1" dirty="0">
+                <a:solidFill>
+                  <a:srgbClr val="FF9999"/>
+                </a:solidFill>
+              </a:rPr>
+              <a:t>デザイン</a:t>
+            </a:r>
+            <a:r>
+              <a:rPr kumimoji="1" lang="en-US" altLang="ja-JP" sz="1600" b="1" dirty="0">
+                <a:solidFill>
+                  <a:srgbClr val="FF9999"/>
+                </a:solidFill>
+              </a:rPr>
+              <a:t>	</a:t>
+            </a:r>
+            <a:r>
+              <a:rPr lang="ja-JP" altLang="en-US" dirty="0"/>
+              <a:t>青をメインにして食欲減退</a:t>
+            </a:r>
+            <a:endParaRPr kumimoji="1" lang="ja-JP" altLang="en-US" dirty="0"/>
           </a:p>
         </p:txBody>
       </p:sp>
@@ -4358,7 +4385,7 @@
           <a:p>
             <a:fld id="{C59D74C6-9C2E-47F2-9943-FD41646989DE}" type="slidenum">
               <a:rPr kumimoji="1" lang="ja-JP" altLang="en-US" smtClean="0"/>
-              <a:t>17</a:t>
+              <a:t>16</a:t>
             </a:fld>
             <a:endParaRPr kumimoji="1" lang="ja-JP" altLang="en-US"/>
           </a:p>
@@ -4367,7 +4394,7 @@
     </p:spTree>
     <p:extLst>
       <p:ext uri="{BB962C8B-B14F-4D97-AF65-F5344CB8AC3E}">
-        <p14:creationId xmlns:p14="http://schemas.microsoft.com/office/powerpoint/2010/main" val="1952297387"/>
+        <p14:creationId xmlns:p14="http://schemas.microsoft.com/office/powerpoint/2010/main" val="2449209433"/>
       </p:ext>
     </p:extLst>
   </p:cSld>
@@ -4421,286 +4448,9 @@
           <a:bodyPr/>
           <a:lstStyle/>
           <a:p>
-            <a:r>
-              <a:rPr kumimoji="1" lang="ja-JP" altLang="en-US" dirty="0">
-                <a:latin typeface="+mn-ea"/>
-              </a:rPr>
-              <a:t>デザイン</a:t>
-            </a:r>
-            <a:r>
-              <a:rPr kumimoji="1" lang="en-US" altLang="ja-JP" dirty="0">
-                <a:latin typeface="+mn-ea"/>
-              </a:rPr>
-              <a:t>	</a:t>
-            </a:r>
-            <a:r>
-              <a:rPr kumimoji="1" lang="ja-JP" altLang="en-US" dirty="0">
-                <a:latin typeface="+mn-ea"/>
-              </a:rPr>
-              <a:t>青で食欲減退</a:t>
-            </a:r>
-            <a:endParaRPr kumimoji="1" lang="en-US" altLang="ja-JP" dirty="0">
+            <a:endParaRPr lang="en-US" altLang="ja-JP" sz="1200" b="0" dirty="0">
               <a:latin typeface="+mn-ea"/>
             </a:endParaRPr>
-          </a:p>
-          <a:p>
-            <a:endParaRPr lang="en-US" altLang="ja-JP" kern="100" dirty="0">
-              <a:effectLst/>
-              <a:latin typeface="+mn-ea"/>
-              <a:cs typeface="Times New Roman" panose="02020603050405020304" pitchFamily="18" charset="0"/>
-            </a:endParaRPr>
-          </a:p>
-          <a:p>
-            <a:r>
-              <a:rPr lang="ja-JP" altLang="en-US" kern="100" dirty="0">
-                <a:latin typeface="+mn-ea"/>
-                <a:cs typeface="Times New Roman" panose="02020603050405020304" pitchFamily="18" charset="0"/>
-              </a:rPr>
-              <a:t>認識合わせ</a:t>
-            </a:r>
-            <a:r>
-              <a:rPr lang="en-US" altLang="ja-JP" kern="100" dirty="0">
-                <a:latin typeface="+mn-ea"/>
-                <a:cs typeface="Times New Roman" panose="02020603050405020304" pitchFamily="18" charset="0"/>
-              </a:rPr>
-              <a:t>	</a:t>
-            </a:r>
-            <a:r>
-              <a:rPr lang="ja-JP" altLang="ja-JP" kern="100" dirty="0">
-                <a:effectLst/>
-                <a:latin typeface="+mn-ea"/>
-                <a:cs typeface="Times New Roman" panose="02020603050405020304" pitchFamily="18" charset="0"/>
-              </a:rPr>
-              <a:t>進捗管理（</a:t>
-            </a:r>
-            <a:r>
-              <a:rPr lang="ja-JP" altLang="en-US" dirty="0"/>
-              <a:t>口頭・ガントチャート</a:t>
-            </a:r>
-            <a:r>
-              <a:rPr lang="ja-JP" altLang="ja-JP" kern="100" dirty="0">
-                <a:effectLst/>
-                <a:latin typeface="+mn-ea"/>
-                <a:cs typeface="Times New Roman" panose="02020603050405020304" pitchFamily="18" charset="0"/>
-              </a:rPr>
-              <a:t>）</a:t>
-            </a:r>
-            <a:r>
-              <a:rPr lang="ja-JP" altLang="en-US" kern="100" dirty="0">
-                <a:effectLst/>
-                <a:latin typeface="+mn-ea"/>
-                <a:cs typeface="Times New Roman" panose="02020603050405020304" pitchFamily="18" charset="0"/>
-              </a:rPr>
-              <a:t>　</a:t>
-            </a:r>
-            <a:endParaRPr lang="en-US" altLang="ja-JP" kern="100" dirty="0">
-              <a:effectLst/>
-              <a:latin typeface="+mn-ea"/>
-              <a:cs typeface="Times New Roman" panose="02020603050405020304" pitchFamily="18" charset="0"/>
-            </a:endParaRPr>
-          </a:p>
-          <a:p>
-            <a:pPr marL="0" indent="0" algn="l">
-              <a:buNone/>
-            </a:pPr>
-            <a:r>
-              <a:rPr lang="en-US" altLang="ja-JP" kern="100" dirty="0">
-                <a:effectLst/>
-                <a:latin typeface="+mn-ea"/>
-                <a:cs typeface="Times New Roman" panose="02020603050405020304" pitchFamily="18" charset="0"/>
-              </a:rPr>
-              <a:t>	</a:t>
-            </a:r>
-            <a:r>
-              <a:rPr lang="ja-JP" altLang="ja-JP" kern="100" dirty="0">
-                <a:effectLst/>
-                <a:latin typeface="+mn-ea"/>
-                <a:cs typeface="Times New Roman" panose="02020603050405020304" pitchFamily="18" charset="0"/>
-              </a:rPr>
-              <a:t>朝にその日に取り組むことを共有</a:t>
-            </a:r>
-            <a:endParaRPr lang="en-US" altLang="ja-JP" kern="100" dirty="0">
-              <a:effectLst/>
-              <a:latin typeface="+mn-ea"/>
-              <a:cs typeface="Times New Roman" panose="02020603050405020304" pitchFamily="18" charset="0"/>
-            </a:endParaRPr>
-          </a:p>
-          <a:p>
-            <a:pPr marL="0" indent="0" algn="l">
-              <a:buNone/>
-            </a:pPr>
-            <a:r>
-              <a:rPr lang="en-US" altLang="ja-JP" kern="100" dirty="0">
-                <a:effectLst/>
-                <a:latin typeface="+mn-ea"/>
-                <a:cs typeface="Times New Roman" panose="02020603050405020304" pitchFamily="18" charset="0"/>
-              </a:rPr>
-              <a:t>	</a:t>
-            </a:r>
-            <a:r>
-              <a:rPr lang="ja-JP" altLang="en-US" kern="100" dirty="0">
-                <a:effectLst/>
-                <a:latin typeface="+mn-ea"/>
-                <a:cs typeface="Times New Roman" panose="02020603050405020304" pitchFamily="18" charset="0"/>
-              </a:rPr>
-              <a:t>終業前に</a:t>
-            </a:r>
-            <a:r>
-              <a:rPr lang="ja-JP" altLang="ja-JP" kern="100" dirty="0">
-                <a:effectLst/>
-                <a:latin typeface="+mn-ea"/>
-                <a:cs typeface="Times New Roman" panose="02020603050405020304" pitchFamily="18" charset="0"/>
-              </a:rPr>
-              <a:t>その日のまとめと翌日に行うことの共有</a:t>
-            </a:r>
-          </a:p>
-          <a:p>
-            <a:pPr algn="l"/>
-            <a:endParaRPr lang="en-US" altLang="ja-JP" kern="100" dirty="0">
-              <a:effectLst/>
-              <a:latin typeface="+mn-ea"/>
-              <a:cs typeface="Times New Roman" panose="02020603050405020304" pitchFamily="18" charset="0"/>
-            </a:endParaRPr>
-          </a:p>
-          <a:p>
-            <a:pPr algn="l"/>
-            <a:r>
-              <a:rPr lang="ja-JP" altLang="en-US" kern="100" dirty="0">
-                <a:effectLst/>
-                <a:latin typeface="+mn-ea"/>
-                <a:cs typeface="Times New Roman" panose="02020603050405020304" pitchFamily="18" charset="0"/>
-              </a:rPr>
-              <a:t>教えあい</a:t>
-            </a:r>
-            <a:r>
-              <a:rPr lang="en-US" altLang="ja-JP" kern="100" dirty="0">
-                <a:effectLst/>
-                <a:latin typeface="+mn-ea"/>
-                <a:cs typeface="Times New Roman" panose="02020603050405020304" pitchFamily="18" charset="0"/>
-              </a:rPr>
-              <a:t>	</a:t>
-            </a:r>
-            <a:r>
-              <a:rPr lang="ja-JP" altLang="ja-JP" kern="100" dirty="0">
-                <a:effectLst/>
-                <a:latin typeface="+mn-ea"/>
-                <a:cs typeface="Times New Roman" panose="02020603050405020304" pitchFamily="18" charset="0"/>
-              </a:rPr>
-              <a:t>チーム作業（教え合い）</a:t>
-            </a:r>
-            <a:r>
-              <a:rPr lang="ja-JP" altLang="en-US" kern="100" dirty="0">
-                <a:effectLst/>
-                <a:latin typeface="+mn-ea"/>
-                <a:cs typeface="Times New Roman" panose="02020603050405020304" pitchFamily="18" charset="0"/>
-              </a:rPr>
-              <a:t>ブレイクアウトルームに分かれて分担</a:t>
-            </a:r>
-            <a:endParaRPr lang="en-US" altLang="ja-JP" kern="100" dirty="0">
-              <a:effectLst/>
-              <a:latin typeface="+mn-ea"/>
-              <a:cs typeface="Times New Roman" panose="02020603050405020304" pitchFamily="18" charset="0"/>
-            </a:endParaRPr>
-          </a:p>
-          <a:p>
-            <a:pPr marL="0" indent="0" algn="l">
-              <a:buNone/>
-            </a:pPr>
-            <a:r>
-              <a:rPr lang="en-US" altLang="ja-JP" kern="100" dirty="0">
-                <a:latin typeface="+mn-ea"/>
-                <a:cs typeface="Times New Roman" panose="02020603050405020304" pitchFamily="18" charset="0"/>
-              </a:rPr>
-              <a:t>	</a:t>
-            </a:r>
-            <a:r>
-              <a:rPr lang="ja-JP" altLang="en-US" kern="100" dirty="0">
-                <a:latin typeface="+mn-ea"/>
-                <a:cs typeface="Times New Roman" panose="02020603050405020304" pitchFamily="18" charset="0"/>
-              </a:rPr>
-              <a:t>勉強会で全体のボトムアップ</a:t>
-            </a:r>
-            <a:endParaRPr lang="en-US" altLang="ja-JP" kern="100" dirty="0">
-              <a:latin typeface="+mn-ea"/>
-              <a:cs typeface="Times New Roman" panose="02020603050405020304" pitchFamily="18" charset="0"/>
-            </a:endParaRPr>
-          </a:p>
-          <a:p>
-            <a:pPr marL="0" indent="0" algn="l">
-              <a:buNone/>
-            </a:pPr>
-            <a:endParaRPr lang="en-US" altLang="ja-JP" kern="100" dirty="0">
-              <a:latin typeface="+mn-ea"/>
-              <a:cs typeface="Times New Roman" panose="02020603050405020304" pitchFamily="18" charset="0"/>
-            </a:endParaRPr>
-          </a:p>
-          <a:p>
-            <a:r>
-              <a:rPr kumimoji="1" lang="ja-JP" altLang="en-US" dirty="0">
-                <a:latin typeface="+mn-ea"/>
-              </a:rPr>
-              <a:t>実現したかったこと</a:t>
-            </a:r>
-            <a:endParaRPr kumimoji="1" lang="en-US" altLang="ja-JP" dirty="0">
-              <a:latin typeface="+mn-ea"/>
-            </a:endParaRPr>
-          </a:p>
-          <a:p>
-            <a:pPr marL="0" indent="0">
-              <a:buNone/>
-            </a:pPr>
-            <a:r>
-              <a:rPr kumimoji="1" lang="en-US" altLang="ja-JP" dirty="0">
-                <a:latin typeface="+mn-ea"/>
-              </a:rPr>
-              <a:t>―</a:t>
-            </a:r>
-            <a:r>
-              <a:rPr kumimoji="1" lang="ja-JP" altLang="en-US" dirty="0">
-                <a:latin typeface="+mn-ea"/>
-              </a:rPr>
-              <a:t>掲示板にいいね機能</a:t>
-            </a:r>
-            <a:endParaRPr kumimoji="1" lang="en-US" altLang="ja-JP" dirty="0">
-              <a:latin typeface="+mn-ea"/>
-            </a:endParaRPr>
-          </a:p>
-          <a:p>
-            <a:pPr marL="0" indent="0">
-              <a:buNone/>
-            </a:pPr>
-            <a:r>
-              <a:rPr lang="en-US" altLang="ja-JP" dirty="0">
-                <a:latin typeface="+mn-ea"/>
-              </a:rPr>
-              <a:t>―</a:t>
-            </a:r>
-            <a:r>
-              <a:rPr kumimoji="1" lang="ja-JP" altLang="en-US" dirty="0">
-                <a:latin typeface="+mn-ea"/>
-              </a:rPr>
-              <a:t>運動した日にスタンプ表示</a:t>
-            </a:r>
-            <a:endParaRPr kumimoji="1" lang="en-US" altLang="ja-JP" dirty="0">
-              <a:latin typeface="+mn-ea"/>
-            </a:endParaRPr>
-          </a:p>
-          <a:p>
-            <a:pPr marL="0" indent="0">
-              <a:buNone/>
-            </a:pPr>
-            <a:r>
-              <a:rPr lang="en-US" altLang="ja-JP" dirty="0">
-                <a:latin typeface="+mn-ea"/>
-              </a:rPr>
-              <a:t>―</a:t>
-            </a:r>
-            <a:r>
-              <a:rPr lang="ja-JP" altLang="en-US" dirty="0">
-                <a:latin typeface="+mn-ea"/>
-              </a:rPr>
-              <a:t>コラ画像</a:t>
-            </a:r>
           </a:p>
         </p:txBody>
       </p:sp>
@@ -4721,7 +4471,7 @@
           <a:p>
             <a:fld id="{C59D74C6-9C2E-47F2-9943-FD41646989DE}" type="slidenum">
               <a:rPr kumimoji="1" lang="ja-JP" altLang="en-US" smtClean="0"/>
-              <a:t>19</a:t>
+              <a:t>17</a:t>
             </a:fld>
             <a:endParaRPr kumimoji="1" lang="ja-JP" altLang="en-US"/>
           </a:p>
@@ -4730,7 +4480,7 @@
     </p:spTree>
     <p:extLst>
       <p:ext uri="{BB962C8B-B14F-4D97-AF65-F5344CB8AC3E}">
-        <p14:creationId xmlns:p14="http://schemas.microsoft.com/office/powerpoint/2010/main" val="3734896416"/>
+        <p14:creationId xmlns:p14="http://schemas.microsoft.com/office/powerpoint/2010/main" val="1952297387"/>
       </p:ext>
     </p:extLst>
   </p:cSld>
@@ -4784,26 +4534,215 @@
           <a:bodyPr/>
           <a:lstStyle/>
           <a:p>
+            <a:r>
+              <a:rPr lang="ja-JP" altLang="en-US" kern="100" dirty="0">
+                <a:latin typeface="+mn-ea"/>
+                <a:cs typeface="Times New Roman" panose="02020603050405020304" pitchFamily="18" charset="0"/>
+              </a:rPr>
+              <a:t>認識合わせ</a:t>
+            </a:r>
+            <a:r>
+              <a:rPr lang="en-US" altLang="ja-JP" kern="100" dirty="0">
+                <a:latin typeface="+mn-ea"/>
+                <a:cs typeface="Times New Roman" panose="02020603050405020304" pitchFamily="18" charset="0"/>
+              </a:rPr>
+              <a:t>	</a:t>
+            </a:r>
+            <a:r>
+              <a:rPr lang="ja-JP" altLang="ja-JP" kern="100" dirty="0">
+                <a:effectLst/>
+                <a:latin typeface="+mn-ea"/>
+                <a:cs typeface="Times New Roman" panose="02020603050405020304" pitchFamily="18" charset="0"/>
+              </a:rPr>
+              <a:t>進捗管理（</a:t>
+            </a:r>
+            <a:r>
+              <a:rPr lang="ja-JP" altLang="en-US" dirty="0"/>
+              <a:t>口頭・ガントチャート</a:t>
+            </a:r>
+            <a:r>
+              <a:rPr lang="ja-JP" altLang="ja-JP" kern="100" dirty="0">
+                <a:effectLst/>
+                <a:latin typeface="+mn-ea"/>
+                <a:cs typeface="Times New Roman" panose="02020603050405020304" pitchFamily="18" charset="0"/>
+              </a:rPr>
+              <a:t>）</a:t>
+            </a:r>
+            <a:r>
+              <a:rPr lang="ja-JP" altLang="en-US" kern="100" dirty="0">
+                <a:effectLst/>
+                <a:latin typeface="+mn-ea"/>
+                <a:cs typeface="Times New Roman" panose="02020603050405020304" pitchFamily="18" charset="0"/>
+              </a:rPr>
+              <a:t>　</a:t>
+            </a:r>
+            <a:endParaRPr lang="en-US" altLang="ja-JP" kern="100" dirty="0">
+              <a:effectLst/>
+              <a:latin typeface="+mn-ea"/>
+              <a:cs typeface="Times New Roman" panose="02020603050405020304" pitchFamily="18" charset="0"/>
+            </a:endParaRPr>
+          </a:p>
+          <a:p>
+            <a:pPr marL="0" indent="0" algn="l">
+              <a:buNone/>
+            </a:pPr>
+            <a:r>
+              <a:rPr lang="en-US" altLang="ja-JP" kern="100" dirty="0">
+                <a:effectLst/>
+                <a:latin typeface="+mn-ea"/>
+                <a:cs typeface="Times New Roman" panose="02020603050405020304" pitchFamily="18" charset="0"/>
+              </a:rPr>
+              <a:t>	</a:t>
+            </a:r>
+            <a:r>
+              <a:rPr lang="ja-JP" altLang="ja-JP" kern="100" dirty="0">
+                <a:effectLst/>
+                <a:latin typeface="+mn-ea"/>
+                <a:cs typeface="Times New Roman" panose="02020603050405020304" pitchFamily="18" charset="0"/>
+              </a:rPr>
+              <a:t>朝にその日に取り組むことを共有</a:t>
+            </a:r>
+            <a:endParaRPr lang="en-US" altLang="ja-JP" kern="100" dirty="0">
+              <a:effectLst/>
+              <a:latin typeface="+mn-ea"/>
+              <a:cs typeface="Times New Roman" panose="02020603050405020304" pitchFamily="18" charset="0"/>
+            </a:endParaRPr>
+          </a:p>
+          <a:p>
+            <a:pPr marL="0" indent="0" algn="l">
+              <a:buNone/>
+            </a:pPr>
+            <a:r>
+              <a:rPr lang="en-US" altLang="ja-JP" kern="100" dirty="0">
+                <a:effectLst/>
+                <a:latin typeface="+mn-ea"/>
+                <a:cs typeface="Times New Roman" panose="02020603050405020304" pitchFamily="18" charset="0"/>
+              </a:rPr>
+              <a:t>	</a:t>
+            </a:r>
+            <a:r>
+              <a:rPr lang="ja-JP" altLang="en-US" kern="100" dirty="0">
+                <a:effectLst/>
+                <a:latin typeface="+mn-ea"/>
+                <a:cs typeface="Times New Roman" panose="02020603050405020304" pitchFamily="18" charset="0"/>
+              </a:rPr>
+              <a:t>終業前に</a:t>
+            </a:r>
+            <a:r>
+              <a:rPr lang="ja-JP" altLang="ja-JP" kern="100" dirty="0">
+                <a:effectLst/>
+                <a:latin typeface="+mn-ea"/>
+                <a:cs typeface="Times New Roman" panose="02020603050405020304" pitchFamily="18" charset="0"/>
+              </a:rPr>
+              <a:t>その日のまとめと翌日に行うことの共有</a:t>
+            </a:r>
+          </a:p>
+          <a:p>
+            <a:pPr algn="l"/>
+            <a:endParaRPr lang="en-US" altLang="ja-JP" kern="100" dirty="0">
+              <a:effectLst/>
+              <a:latin typeface="+mn-ea"/>
+              <a:cs typeface="Times New Roman" panose="02020603050405020304" pitchFamily="18" charset="0"/>
+            </a:endParaRPr>
+          </a:p>
+          <a:p>
+            <a:pPr algn="l"/>
+            <a:r>
+              <a:rPr lang="ja-JP" altLang="en-US" kern="100" dirty="0">
+                <a:effectLst/>
+                <a:latin typeface="+mn-ea"/>
+                <a:cs typeface="Times New Roman" panose="02020603050405020304" pitchFamily="18" charset="0"/>
+              </a:rPr>
+              <a:t>教えあい</a:t>
+            </a:r>
+            <a:r>
+              <a:rPr lang="en-US" altLang="ja-JP" kern="100" dirty="0">
+                <a:effectLst/>
+                <a:latin typeface="+mn-ea"/>
+                <a:cs typeface="Times New Roman" panose="02020603050405020304" pitchFamily="18" charset="0"/>
+              </a:rPr>
+              <a:t>	</a:t>
+            </a:r>
+            <a:r>
+              <a:rPr lang="ja-JP" altLang="ja-JP" kern="100" dirty="0">
+                <a:effectLst/>
+                <a:latin typeface="+mn-ea"/>
+                <a:cs typeface="Times New Roman" panose="02020603050405020304" pitchFamily="18" charset="0"/>
+              </a:rPr>
+              <a:t>チーム作業</a:t>
+            </a:r>
+            <a:r>
+              <a:rPr lang="ja-JP" altLang="en-US" kern="100" dirty="0">
+                <a:effectLst/>
+                <a:latin typeface="+mn-ea"/>
+                <a:cs typeface="Times New Roman" panose="02020603050405020304" pitchFamily="18" charset="0"/>
+              </a:rPr>
+              <a:t>：ブレイクアウトルームに分かれて分担</a:t>
+            </a:r>
+            <a:endParaRPr lang="en-US" altLang="ja-JP" kern="100" dirty="0">
+              <a:effectLst/>
+              <a:latin typeface="+mn-ea"/>
+              <a:cs typeface="Times New Roman" panose="02020603050405020304" pitchFamily="18" charset="0"/>
+            </a:endParaRPr>
+          </a:p>
+          <a:p>
+            <a:pPr marL="0" indent="0" algn="l">
+              <a:buNone/>
+            </a:pPr>
+            <a:r>
+              <a:rPr lang="en-US" altLang="ja-JP" kern="100" dirty="0">
+                <a:latin typeface="+mn-ea"/>
+                <a:cs typeface="Times New Roman" panose="02020603050405020304" pitchFamily="18" charset="0"/>
+              </a:rPr>
+              <a:t>	</a:t>
+            </a:r>
+            <a:r>
+              <a:rPr lang="ja-JP" altLang="en-US" kern="100" dirty="0">
+                <a:latin typeface="+mn-ea"/>
+                <a:cs typeface="Times New Roman" panose="02020603050405020304" pitchFamily="18" charset="0"/>
+              </a:rPr>
+              <a:t>チーム内で勉強会を行い、全体のボトムアップを図った</a:t>
+            </a:r>
+            <a:endParaRPr lang="en-US" altLang="ja-JP" kern="100" dirty="0">
+              <a:latin typeface="+mn-ea"/>
+              <a:cs typeface="Times New Roman" panose="02020603050405020304" pitchFamily="18" charset="0"/>
+            </a:endParaRPr>
+          </a:p>
+          <a:p>
+            <a:pPr marL="0" indent="0" algn="l">
+              <a:buNone/>
+            </a:pPr>
+            <a:endParaRPr lang="en-US" altLang="ja-JP" kern="100" dirty="0">
+              <a:latin typeface="+mn-ea"/>
+              <a:cs typeface="Times New Roman" panose="02020603050405020304" pitchFamily="18" charset="0"/>
+            </a:endParaRPr>
+          </a:p>
+          <a:p>
+            <a:r>
+              <a:rPr kumimoji="1" lang="ja-JP" altLang="en-US" dirty="0">
+                <a:latin typeface="+mn-ea"/>
+              </a:rPr>
+              <a:t>実現したかったこと</a:t>
+            </a:r>
+            <a:endParaRPr kumimoji="1" lang="en-US" altLang="ja-JP" dirty="0">
+              <a:latin typeface="+mn-ea"/>
+            </a:endParaRPr>
+          </a:p>
+          <a:p>
             <a:pPr marL="0" indent="0">
               <a:buNone/>
             </a:pPr>
             <a:r>
+              <a:rPr kumimoji="1" lang="en-US" altLang="ja-JP" dirty="0">
+                <a:latin typeface="+mn-ea"/>
+              </a:rPr>
+              <a:t>―</a:t>
+            </a:r>
+            <a:r>
               <a:rPr kumimoji="1" lang="ja-JP" altLang="en-US" dirty="0">
                 <a:latin typeface="+mn-ea"/>
               </a:rPr>
-              <a:t>計画性</a:t>
-            </a:r>
-            <a:r>
-              <a:rPr kumimoji="1" lang="en-US" altLang="ja-JP" dirty="0">
-                <a:latin typeface="+mn-ea"/>
-              </a:rPr>
-              <a:t>	</a:t>
-            </a:r>
-            <a:r>
-              <a:rPr kumimoji="1" lang="ja-JP" altLang="en-US" dirty="0">
-                <a:latin typeface="+mn-ea"/>
-              </a:rPr>
-              <a:t>外部設計段階で見切り発車だった</a:t>
+              <a:t>掲示板にいいね機能</a:t>
             </a:r>
             <a:endParaRPr kumimoji="1" lang="en-US" altLang="ja-JP" dirty="0">
               <a:latin typeface="+mn-ea"/>
@@ -4817,13 +4756,13 @@
               <a:rPr lang="en-US" altLang="ja-JP" dirty="0">
                 <a:latin typeface="+mn-ea"/>
               </a:rPr>
-              <a:t>	</a:t>
-            </a:r>
-            <a:r>
-              <a:rPr lang="ja-JP" altLang="en-US" dirty="0">
-                <a:latin typeface="+mn-ea"/>
-              </a:rPr>
-              <a:t>具体的にどう実現できるか想像するべきだと学んだ</a:t>
+              <a:t>―</a:t>
+            </a:r>
+            <a:r>
+              <a:rPr kumimoji="1" lang="ja-JP" altLang="en-US" dirty="0">
+                <a:latin typeface="+mn-ea"/>
+              </a:rPr>
+              <a:t>運動した日にスタンプ表示</a:t>
             </a:r>
             <a:endParaRPr kumimoji="1" lang="en-US" altLang="ja-JP" dirty="0">
               <a:latin typeface="+mn-ea"/>
@@ -4834,123 +4773,17 @@
               <a:buNone/>
             </a:pPr>
             <a:r>
-              <a:rPr lang="en-US" altLang="ja-JP" sz="1000" dirty="0">
-                <a:effectLst/>
-                <a:ea typeface="游明朝" panose="02020400000000000000" pitchFamily="18" charset="-128"/>
-                <a:cs typeface="Times New Roman" panose="02020603050405020304" pitchFamily="18" charset="0"/>
-              </a:rPr>
-              <a:t>	</a:t>
-            </a:r>
-            <a:r>
-              <a:rPr lang="ja-JP" altLang="ja-JP" sz="1000" dirty="0">
-                <a:effectLst/>
-                <a:ea typeface="游明朝" panose="02020400000000000000" pitchFamily="18" charset="-128"/>
-                <a:cs typeface="Times New Roman" panose="02020603050405020304" pitchFamily="18" charset="0"/>
-              </a:rPr>
-              <a:t>要件定義にない変更</a:t>
-            </a:r>
-            <a:r>
-              <a:rPr lang="ja-JP" altLang="en-US" sz="1000" dirty="0">
-                <a:effectLst/>
-                <a:ea typeface="游明朝" panose="02020400000000000000" pitchFamily="18" charset="-128"/>
-                <a:cs typeface="Times New Roman" panose="02020603050405020304" pitchFamily="18" charset="0"/>
-              </a:rPr>
-              <a:t>をすることに</a:t>
-            </a:r>
-            <a:r>
-              <a:rPr lang="ja-JP" altLang="ja-JP" sz="1000" dirty="0">
-                <a:effectLst/>
-                <a:ea typeface="游明朝" panose="02020400000000000000" pitchFamily="18" charset="-128"/>
-                <a:cs typeface="Times New Roman" panose="02020603050405020304" pitchFamily="18" charset="0"/>
-              </a:rPr>
-              <a:t>あまり抵抗がなく、設計書の重要性を理解していなかった</a:t>
-            </a:r>
-            <a:endParaRPr kumimoji="1" lang="en-US" altLang="ja-JP" dirty="0">
-              <a:latin typeface="+mn-ea"/>
-            </a:endParaRPr>
-          </a:p>
-          <a:p>
-            <a:pPr marL="0" indent="0">
-              <a:buNone/>
-            </a:pPr>
-            <a:endParaRPr kumimoji="1" lang="en-US" altLang="ja-JP" dirty="0">
-              <a:latin typeface="+mn-ea"/>
-            </a:endParaRPr>
-          </a:p>
-          <a:p>
-            <a:pPr marL="0" indent="0">
-              <a:buNone/>
-            </a:pPr>
-            <a:r>
-              <a:rPr kumimoji="1" lang="ja-JP" altLang="en-US" dirty="0">
-                <a:latin typeface="+mn-ea"/>
-              </a:rPr>
-              <a:t>技術</a:t>
-            </a:r>
-            <a:r>
-              <a:rPr kumimoji="1" lang="en-US" altLang="ja-JP" dirty="0">
-                <a:latin typeface="+mn-ea"/>
-              </a:rPr>
-              <a:t>	4</a:t>
-            </a:r>
-            <a:r>
-              <a:rPr kumimoji="1" lang="ja-JP" altLang="en-US" dirty="0">
-                <a:latin typeface="+mn-ea"/>
-              </a:rPr>
-              <a:t>･</a:t>
-            </a:r>
-            <a:r>
-              <a:rPr kumimoji="1" lang="en-US" altLang="ja-JP" dirty="0">
-                <a:latin typeface="+mn-ea"/>
-              </a:rPr>
-              <a:t>5</a:t>
-            </a:r>
-            <a:r>
-              <a:rPr kumimoji="1" lang="ja-JP" altLang="en-US" dirty="0">
-                <a:latin typeface="+mn-ea"/>
-              </a:rPr>
-              <a:t>月で学んだことの理解度が増した</a:t>
-            </a:r>
-            <a:endParaRPr kumimoji="1" lang="en-US" altLang="ja-JP" dirty="0">
-              <a:latin typeface="+mn-ea"/>
-            </a:endParaRPr>
-          </a:p>
-          <a:p>
-            <a:r>
               <a:rPr lang="en-US" altLang="ja-JP" dirty="0">
                 <a:latin typeface="+mn-ea"/>
               </a:rPr>
-              <a:t>	</a:t>
+              <a:t>―</a:t>
             </a:r>
             <a:r>
               <a:rPr lang="ja-JP" altLang="en-US" dirty="0">
                 <a:latin typeface="+mn-ea"/>
               </a:rPr>
-              <a:t>チーム内・講師に質問・コーディングを繰り返すことでスキルアップ</a:t>
-            </a:r>
-            <a:endParaRPr lang="en-US" altLang="ja-JP" dirty="0">
-              <a:latin typeface="+mn-ea"/>
-            </a:endParaRPr>
-          </a:p>
-          <a:p>
-            <a:r>
-              <a:rPr lang="en-US" altLang="ja-JP" dirty="0">
-                <a:latin typeface="+mn-ea"/>
-              </a:rPr>
-              <a:t>	</a:t>
-            </a:r>
-            <a:r>
-              <a:rPr lang="ja-JP" altLang="en-US" dirty="0">
-                <a:latin typeface="+mn-ea"/>
-              </a:rPr>
-              <a:t>学んだ技術を応用する難しさ</a:t>
-            </a:r>
-            <a:endParaRPr lang="en-US" altLang="ja-JP" dirty="0">
-              <a:latin typeface="+mn-ea"/>
-            </a:endParaRPr>
-          </a:p>
-          <a:p>
-            <a:endParaRPr kumimoji="1" lang="en-US" altLang="ja-JP" dirty="0"/>
+              <a:t>コラ画像</a:t>
+            </a:r>
           </a:p>
         </p:txBody>
       </p:sp>
@@ -4971,7 +4804,7 @@
           <a:p>
             <a:fld id="{C59D74C6-9C2E-47F2-9943-FD41646989DE}" type="slidenum">
               <a:rPr kumimoji="1" lang="ja-JP" altLang="en-US" smtClean="0"/>
-              <a:t>24</a:t>
+              <a:t>19</a:t>
             </a:fld>
             <a:endParaRPr kumimoji="1" lang="ja-JP" altLang="en-US"/>
           </a:p>
@@ -4980,7 +4813,7 @@
     </p:spTree>
     <p:extLst>
       <p:ext uri="{BB962C8B-B14F-4D97-AF65-F5344CB8AC3E}">
-        <p14:creationId xmlns:p14="http://schemas.microsoft.com/office/powerpoint/2010/main" val="2421870203"/>
+        <p14:creationId xmlns:p14="http://schemas.microsoft.com/office/powerpoint/2010/main" val="3734896416"/>
       </p:ext>
     </p:extLst>
   </p:cSld>
@@ -5034,173 +4867,7 @@
           <a:bodyPr/>
           <a:lstStyle/>
           <a:p>
-            <a:pPr marL="0" indent="0">
-              <a:buNone/>
-            </a:pPr>
-            <a:r>
-              <a:rPr kumimoji="1" lang="ja-JP" altLang="en-US" dirty="0">
-                <a:latin typeface="+mn-ea"/>
-              </a:rPr>
-              <a:t>計画性</a:t>
-            </a:r>
-            <a:r>
-              <a:rPr kumimoji="1" lang="en-US" altLang="ja-JP" dirty="0">
-                <a:latin typeface="+mn-ea"/>
-              </a:rPr>
-              <a:t>	</a:t>
-            </a:r>
-            <a:r>
-              <a:rPr kumimoji="1" lang="ja-JP" altLang="en-US" dirty="0">
-                <a:latin typeface="+mn-ea"/>
-              </a:rPr>
-              <a:t>外部設計段階で見切り発車だった</a:t>
-            </a:r>
-            <a:endParaRPr kumimoji="1" lang="en-US" altLang="ja-JP" dirty="0">
-              <a:latin typeface="+mn-ea"/>
-            </a:endParaRPr>
-          </a:p>
-          <a:p>
-            <a:pPr marL="0" indent="0">
-              <a:buNone/>
-            </a:pPr>
-            <a:r>
-              <a:rPr lang="en-US" altLang="ja-JP" dirty="0">
-                <a:latin typeface="+mn-ea"/>
-              </a:rPr>
-              <a:t>	</a:t>
-            </a:r>
-            <a:r>
-              <a:rPr lang="ja-JP" altLang="en-US" dirty="0">
-                <a:latin typeface="+mn-ea"/>
-              </a:rPr>
-              <a:t>具体的にどう実現できるか想像するべきだと学んだ</a:t>
-            </a:r>
-            <a:endParaRPr kumimoji="1" lang="en-US" altLang="ja-JP" dirty="0">
-              <a:latin typeface="+mn-ea"/>
-            </a:endParaRPr>
-          </a:p>
-          <a:p>
-            <a:pPr marL="0" indent="0">
-              <a:buNone/>
-            </a:pPr>
-            <a:r>
-              <a:rPr lang="en-US" altLang="ja-JP" sz="1000" dirty="0">
-                <a:effectLst/>
-                <a:ea typeface="游明朝" panose="02020400000000000000" pitchFamily="18" charset="-128"/>
-                <a:cs typeface="Times New Roman" panose="02020603050405020304" pitchFamily="18" charset="0"/>
-              </a:rPr>
-              <a:t>	</a:t>
-            </a:r>
-            <a:r>
-              <a:rPr lang="ja-JP" altLang="ja-JP" sz="1000" dirty="0">
-                <a:effectLst/>
-                <a:ea typeface="游明朝" panose="02020400000000000000" pitchFamily="18" charset="-128"/>
-                <a:cs typeface="Times New Roman" panose="02020603050405020304" pitchFamily="18" charset="0"/>
-              </a:rPr>
-              <a:t>要件定義にない変更</a:t>
-            </a:r>
-            <a:r>
-              <a:rPr lang="ja-JP" altLang="en-US" sz="1000" dirty="0">
-                <a:effectLst/>
-                <a:ea typeface="游明朝" panose="02020400000000000000" pitchFamily="18" charset="-128"/>
-                <a:cs typeface="Times New Roman" panose="02020603050405020304" pitchFamily="18" charset="0"/>
-              </a:rPr>
-              <a:t>をすることに</a:t>
-            </a:r>
-            <a:r>
-              <a:rPr lang="ja-JP" altLang="ja-JP" sz="1000" dirty="0">
-                <a:effectLst/>
-                <a:ea typeface="游明朝" panose="02020400000000000000" pitchFamily="18" charset="-128"/>
-                <a:cs typeface="Times New Roman" panose="02020603050405020304" pitchFamily="18" charset="0"/>
-              </a:rPr>
-              <a:t>あまり抵抗がなく、設計書の重要性を理解していなかった</a:t>
-            </a:r>
-            <a:endParaRPr kumimoji="1" lang="en-US" altLang="ja-JP" dirty="0">
-              <a:latin typeface="+mn-ea"/>
-            </a:endParaRPr>
-          </a:p>
-          <a:p>
-            <a:pPr marL="0" indent="0">
-              <a:buNone/>
-            </a:pPr>
-            <a:endParaRPr kumimoji="1" lang="en-US" altLang="ja-JP" dirty="0">
-              <a:latin typeface="+mn-ea"/>
-            </a:endParaRPr>
-          </a:p>
-          <a:p>
-            <a:pPr marL="0" indent="0">
-              <a:buNone/>
-            </a:pPr>
-            <a:r>
-              <a:rPr kumimoji="1" lang="ja-JP" altLang="en-US" dirty="0">
-                <a:latin typeface="+mn-ea"/>
-              </a:rPr>
-              <a:t>技術</a:t>
-            </a:r>
-            <a:r>
-              <a:rPr kumimoji="1" lang="en-US" altLang="ja-JP" dirty="0">
-                <a:latin typeface="+mn-ea"/>
-              </a:rPr>
-              <a:t>	4</a:t>
-            </a:r>
-            <a:r>
-              <a:rPr kumimoji="1" lang="ja-JP" altLang="en-US" dirty="0">
-                <a:latin typeface="+mn-ea"/>
-              </a:rPr>
-              <a:t>･</a:t>
-            </a:r>
-            <a:r>
-              <a:rPr kumimoji="1" lang="en-US" altLang="ja-JP" dirty="0">
-                <a:latin typeface="+mn-ea"/>
-              </a:rPr>
-              <a:t>5</a:t>
-            </a:r>
-            <a:r>
-              <a:rPr kumimoji="1" lang="ja-JP" altLang="en-US" dirty="0">
-                <a:latin typeface="+mn-ea"/>
-              </a:rPr>
-              <a:t>月で学んだことの理解度が増した</a:t>
-            </a:r>
-            <a:endParaRPr kumimoji="1" lang="en-US" altLang="ja-JP" dirty="0">
-              <a:latin typeface="+mn-ea"/>
-            </a:endParaRPr>
-          </a:p>
-          <a:p>
-            <a:r>
-              <a:rPr lang="en-US" altLang="ja-JP" dirty="0">
-                <a:latin typeface="+mn-ea"/>
-              </a:rPr>
-              <a:t>	</a:t>
-            </a:r>
-            <a:r>
-              <a:rPr lang="ja-JP" altLang="en-US" dirty="0">
-                <a:latin typeface="+mn-ea"/>
-              </a:rPr>
-              <a:t>チーム内・講師に質問・コーディングを繰り返すことでスキルアップ</a:t>
-            </a:r>
-            <a:endParaRPr lang="en-US" altLang="ja-JP" dirty="0">
-              <a:latin typeface="+mn-ea"/>
-            </a:endParaRPr>
-          </a:p>
-          <a:p>
-            <a:r>
-              <a:rPr lang="en-US" altLang="ja-JP" dirty="0">
-                <a:latin typeface="+mn-ea"/>
-              </a:rPr>
-              <a:t>	</a:t>
-            </a:r>
-            <a:r>
-              <a:rPr lang="ja-JP" altLang="en-US" dirty="0">
-                <a:latin typeface="+mn-ea"/>
-              </a:rPr>
-              <a:t>学んだ技術を応用する難しさ</a:t>
-            </a:r>
-            <a:endParaRPr lang="en-US" altLang="ja-JP" dirty="0">
-              <a:latin typeface="+mn-ea"/>
-            </a:endParaRPr>
-          </a:p>
-          <a:p>
-            <a:endParaRPr kumimoji="1" lang="en-US" altLang="ja-JP" dirty="0"/>
+            <a:endParaRPr kumimoji="1" lang="ja-JP" altLang="en-US" dirty="0"/>
           </a:p>
         </p:txBody>
       </p:sp>
@@ -5221,7 +4888,7 @@
           <a:p>
             <a:fld id="{C59D74C6-9C2E-47F2-9943-FD41646989DE}" type="slidenum">
               <a:rPr kumimoji="1" lang="ja-JP" altLang="en-US" smtClean="0"/>
-              <a:t>25</a:t>
+              <a:t>20</a:t>
             </a:fld>
             <a:endParaRPr kumimoji="1" lang="ja-JP" altLang="en-US"/>
           </a:p>
@@ -5230,7 +4897,7 @@
     </p:spTree>
     <p:extLst>
       <p:ext uri="{BB962C8B-B14F-4D97-AF65-F5344CB8AC3E}">
-        <p14:creationId xmlns:p14="http://schemas.microsoft.com/office/powerpoint/2010/main" val="2634613038"/>
+        <p14:creationId xmlns:p14="http://schemas.microsoft.com/office/powerpoint/2010/main" val="1983420909"/>
       </p:ext>
     </p:extLst>
   </p:cSld>
@@ -5284,7 +4951,159 @@
           <a:bodyPr/>
           <a:lstStyle/>
           <a:p>
-            <a:endParaRPr kumimoji="1" lang="ja-JP" altLang="en-US"/>
+            <a:pPr marL="0" indent="0">
+              <a:buNone/>
+            </a:pPr>
+            <a:r>
+              <a:rPr kumimoji="1" lang="ja-JP" altLang="en-US" dirty="0">
+                <a:latin typeface="+mn-ea"/>
+              </a:rPr>
+              <a:t>計画性</a:t>
+            </a:r>
+            <a:r>
+              <a:rPr kumimoji="1" lang="en-US" altLang="ja-JP" dirty="0">
+                <a:latin typeface="+mn-ea"/>
+              </a:rPr>
+              <a:t>	</a:t>
+            </a:r>
+            <a:r>
+              <a:rPr kumimoji="1" lang="ja-JP" altLang="en-US" dirty="0">
+                <a:latin typeface="+mn-ea"/>
+              </a:rPr>
+              <a:t>外部設計段階で見切り発車だった。</a:t>
+            </a:r>
+            <a:r>
+              <a:rPr lang="ja-JP" altLang="en-US" dirty="0">
+                <a:latin typeface="+mn-ea"/>
+              </a:rPr>
+              <a:t>具体的にどう実現できるか想像するべきだと学んだ。</a:t>
+            </a:r>
+            <a:endParaRPr kumimoji="1" lang="en-US" altLang="ja-JP" dirty="0">
+              <a:latin typeface="+mn-ea"/>
+            </a:endParaRPr>
+          </a:p>
+          <a:p>
+            <a:pPr marL="0" indent="0">
+              <a:buNone/>
+            </a:pPr>
+            <a:r>
+              <a:rPr lang="en-US" altLang="ja-JP" sz="1000" dirty="0">
+                <a:effectLst/>
+                <a:ea typeface="游明朝" panose="02020400000000000000" pitchFamily="18" charset="-128"/>
+                <a:cs typeface="Times New Roman" panose="02020603050405020304" pitchFamily="18" charset="0"/>
+              </a:rPr>
+              <a:t>	</a:t>
+            </a:r>
+            <a:r>
+              <a:rPr lang="ja-JP" altLang="ja-JP" sz="1000" dirty="0">
+                <a:effectLst/>
+                <a:ea typeface="游明朝" panose="02020400000000000000" pitchFamily="18" charset="-128"/>
+                <a:cs typeface="Times New Roman" panose="02020603050405020304" pitchFamily="18" charset="0"/>
+              </a:rPr>
+              <a:t>要件定義にない変更</a:t>
+            </a:r>
+            <a:r>
+              <a:rPr lang="ja-JP" altLang="en-US" sz="1000" dirty="0">
+                <a:effectLst/>
+                <a:ea typeface="游明朝" panose="02020400000000000000" pitchFamily="18" charset="-128"/>
+                <a:cs typeface="Times New Roman" panose="02020603050405020304" pitchFamily="18" charset="0"/>
+              </a:rPr>
+              <a:t>をすることに</a:t>
+            </a:r>
+            <a:r>
+              <a:rPr lang="ja-JP" altLang="ja-JP" sz="1000" dirty="0">
+                <a:effectLst/>
+                <a:ea typeface="游明朝" panose="02020400000000000000" pitchFamily="18" charset="-128"/>
+                <a:cs typeface="Times New Roman" panose="02020603050405020304" pitchFamily="18" charset="0"/>
+              </a:rPr>
+              <a:t>あまり抵抗がなく、設計書の重要性を理解していなかった</a:t>
+            </a:r>
+            <a:endParaRPr kumimoji="1" lang="en-US" altLang="ja-JP" dirty="0">
+              <a:latin typeface="+mn-ea"/>
+            </a:endParaRPr>
+          </a:p>
+          <a:p>
+            <a:pPr marL="0" indent="0">
+              <a:buNone/>
+            </a:pPr>
+            <a:endParaRPr kumimoji="1" lang="en-US" altLang="ja-JP" dirty="0">
+              <a:latin typeface="+mn-ea"/>
+            </a:endParaRPr>
+          </a:p>
+          <a:p>
+            <a:pPr marL="0" indent="0">
+              <a:buNone/>
+            </a:pPr>
+            <a:r>
+              <a:rPr kumimoji="1" lang="ja-JP" altLang="en-US" dirty="0">
+                <a:latin typeface="+mn-ea"/>
+              </a:rPr>
+              <a:t>技術</a:t>
+            </a:r>
+            <a:r>
+              <a:rPr kumimoji="1" lang="en-US" altLang="ja-JP" dirty="0">
+                <a:latin typeface="+mn-ea"/>
+              </a:rPr>
+              <a:t>	4</a:t>
+            </a:r>
+            <a:r>
+              <a:rPr kumimoji="1" lang="ja-JP" altLang="en-US" dirty="0">
+                <a:latin typeface="+mn-ea"/>
+              </a:rPr>
+              <a:t>･</a:t>
+            </a:r>
+            <a:r>
+              <a:rPr kumimoji="1" lang="en-US" altLang="ja-JP" dirty="0">
+                <a:latin typeface="+mn-ea"/>
+              </a:rPr>
+              <a:t>5</a:t>
+            </a:r>
+            <a:r>
+              <a:rPr kumimoji="1" lang="ja-JP" altLang="en-US" dirty="0">
+                <a:latin typeface="+mn-ea"/>
+              </a:rPr>
+              <a:t>月で学んだことの理解度が増した</a:t>
+            </a:r>
+            <a:endParaRPr kumimoji="1" lang="en-US" altLang="ja-JP" dirty="0">
+              <a:latin typeface="+mn-ea"/>
+            </a:endParaRPr>
+          </a:p>
+          <a:p>
+            <a:r>
+              <a:rPr lang="en-US" altLang="ja-JP" dirty="0">
+                <a:latin typeface="+mn-ea"/>
+              </a:rPr>
+              <a:t>	</a:t>
+            </a:r>
+            <a:r>
+              <a:rPr lang="ja-JP" altLang="en-US" dirty="0">
+                <a:latin typeface="+mn-ea"/>
+              </a:rPr>
+              <a:t>チーム内・講師に質問・コーディングを繰り返すことでスキルアップ</a:t>
+            </a:r>
+            <a:endParaRPr lang="en-US" altLang="ja-JP" dirty="0">
+              <a:latin typeface="+mn-ea"/>
+            </a:endParaRPr>
+          </a:p>
+          <a:p>
+            <a:r>
+              <a:rPr lang="en-US" altLang="ja-JP" dirty="0">
+                <a:latin typeface="+mn-ea"/>
+              </a:rPr>
+              <a:t>	</a:t>
+            </a:r>
+            <a:r>
+              <a:rPr lang="ja-JP" altLang="en-US" dirty="0">
+                <a:latin typeface="+mn-ea"/>
+              </a:rPr>
+              <a:t>学んだ技術を応用する難しさ</a:t>
+            </a:r>
+            <a:endParaRPr lang="en-US" altLang="ja-JP" dirty="0">
+              <a:latin typeface="+mn-ea"/>
+            </a:endParaRPr>
+          </a:p>
+          <a:p>
+            <a:endParaRPr kumimoji="1" lang="en-US" altLang="ja-JP" dirty="0"/>
           </a:p>
         </p:txBody>
       </p:sp>
@@ -5303,9 +5122,9 @@
           <a:bodyPr/>
           <a:lstStyle/>
           <a:p>
-            <a:fld id="{D4CB765E-9AF7-4318-BD2A-D662ADA2D2AB}" type="slidenum">
+            <a:fld id="{C59D74C6-9C2E-47F2-9943-FD41646989DE}" type="slidenum">
               <a:rPr kumimoji="1" lang="ja-JP" altLang="en-US" smtClean="0"/>
-              <a:t>26</a:t>
+              <a:t>24</a:t>
             </a:fld>
             <a:endParaRPr kumimoji="1" lang="ja-JP" altLang="en-US"/>
           </a:p>
@@ -5314,7 +5133,257 @@
     </p:spTree>
     <p:extLst>
       <p:ext uri="{BB962C8B-B14F-4D97-AF65-F5344CB8AC3E}">
-        <p14:creationId xmlns:p14="http://schemas.microsoft.com/office/powerpoint/2010/main" val="1533159908"/>
+        <p14:creationId xmlns:p14="http://schemas.microsoft.com/office/powerpoint/2010/main" val="2421870203"/>
+      </p:ext>
+    </p:extLst>
+  </p:cSld>
+  <p:clrMapOvr>
+    <a:masterClrMapping/>
+  </p:clrMapOvr>
+</p:notes>
+</file>
+
+<file path=ppt/notesSlides/notesSlide19.xml><?xml version="1.0" encoding="utf-8"?>
+<p:notes xmlns:a="http://schemas.openxmlformats.org/drawingml/2006/main" xmlns:r="http://schemas.openxmlformats.org/officeDocument/2006/relationships" xmlns:p="http://schemas.openxmlformats.org/presentationml/2006/main">
+  <p:cSld>
+    <p:spTree>
+      <p:nvGrpSpPr>
+        <p:cNvPr id="1" name=""/>
+        <p:cNvGrpSpPr/>
+        <p:nvPr/>
+      </p:nvGrpSpPr>
+      <p:grpSpPr>
+        <a:xfrm>
+          <a:off x="0" y="0"/>
+          <a:ext cx="0" cy="0"/>
+          <a:chOff x="0" y="0"/>
+          <a:chExt cx="0" cy="0"/>
+        </a:xfrm>
+      </p:grpSpPr>
+      <p:sp>
+        <p:nvSpPr>
+          <p:cNvPr id="2" name="スライド イメージ プレースホルダー 1"/>
+          <p:cNvSpPr>
+            <a:spLocks noGrp="1" noRot="1" noChangeAspect="1"/>
+          </p:cNvSpPr>
+          <p:nvPr>
+            <p:ph type="sldImg"/>
+          </p:nvPr>
+        </p:nvSpPr>
+        <p:spPr/>
+      </p:sp>
+      <p:sp>
+        <p:nvSpPr>
+          <p:cNvPr id="3" name="ノート プレースホルダー 2"/>
+          <p:cNvSpPr>
+            <a:spLocks noGrp="1"/>
+          </p:cNvSpPr>
+          <p:nvPr>
+            <p:ph type="body" idx="1"/>
+          </p:nvPr>
+        </p:nvSpPr>
+        <p:spPr/>
+        <p:txBody>
+          <a:bodyPr/>
+          <a:lstStyle/>
+          <a:p>
+            <a:pPr marL="0" indent="0">
+              <a:buNone/>
+            </a:pPr>
+            <a:r>
+              <a:rPr kumimoji="1" lang="ja-JP" altLang="en-US" dirty="0">
+                <a:latin typeface="+mn-ea"/>
+              </a:rPr>
+              <a:t>計画性</a:t>
+            </a:r>
+            <a:r>
+              <a:rPr kumimoji="1" lang="en-US" altLang="ja-JP" dirty="0">
+                <a:latin typeface="+mn-ea"/>
+              </a:rPr>
+              <a:t>	</a:t>
+            </a:r>
+            <a:r>
+              <a:rPr kumimoji="1" lang="ja-JP" altLang="en-US" dirty="0">
+                <a:latin typeface="+mn-ea"/>
+              </a:rPr>
+              <a:t>外部設計段階で見切り発車だった</a:t>
+            </a:r>
+            <a:endParaRPr kumimoji="1" lang="en-US" altLang="ja-JP" dirty="0">
+              <a:latin typeface="+mn-ea"/>
+            </a:endParaRPr>
+          </a:p>
+          <a:p>
+            <a:pPr marL="0" indent="0">
+              <a:buNone/>
+            </a:pPr>
+            <a:r>
+              <a:rPr lang="en-US" altLang="ja-JP" dirty="0">
+                <a:latin typeface="+mn-ea"/>
+              </a:rPr>
+              <a:t>	</a:t>
+            </a:r>
+            <a:r>
+              <a:rPr lang="ja-JP" altLang="en-US" dirty="0">
+                <a:latin typeface="+mn-ea"/>
+              </a:rPr>
+              <a:t>具体的にどう実現できるか想像するべきだと学んだ</a:t>
+            </a:r>
+            <a:endParaRPr kumimoji="1" lang="en-US" altLang="ja-JP" dirty="0">
+              <a:latin typeface="+mn-ea"/>
+            </a:endParaRPr>
+          </a:p>
+          <a:p>
+            <a:pPr marL="0" indent="0">
+              <a:buNone/>
+            </a:pPr>
+            <a:r>
+              <a:rPr lang="en-US" altLang="ja-JP" sz="1000" dirty="0">
+                <a:effectLst/>
+                <a:ea typeface="游明朝" panose="02020400000000000000" pitchFamily="18" charset="-128"/>
+                <a:cs typeface="Times New Roman" panose="02020603050405020304" pitchFamily="18" charset="0"/>
+              </a:rPr>
+              <a:t>	</a:t>
+            </a:r>
+            <a:r>
+              <a:rPr lang="ja-JP" altLang="ja-JP" sz="1000" dirty="0">
+                <a:effectLst/>
+                <a:ea typeface="游明朝" panose="02020400000000000000" pitchFamily="18" charset="-128"/>
+                <a:cs typeface="Times New Roman" panose="02020603050405020304" pitchFamily="18" charset="0"/>
+              </a:rPr>
+              <a:t>要件定義にない変更</a:t>
+            </a:r>
+            <a:r>
+              <a:rPr lang="ja-JP" altLang="en-US" sz="1000" dirty="0">
+                <a:effectLst/>
+                <a:ea typeface="游明朝" panose="02020400000000000000" pitchFamily="18" charset="-128"/>
+                <a:cs typeface="Times New Roman" panose="02020603050405020304" pitchFamily="18" charset="0"/>
+              </a:rPr>
+              <a:t>をすることに</a:t>
+            </a:r>
+            <a:r>
+              <a:rPr lang="ja-JP" altLang="ja-JP" sz="1000" dirty="0">
+                <a:effectLst/>
+                <a:ea typeface="游明朝" panose="02020400000000000000" pitchFamily="18" charset="-128"/>
+                <a:cs typeface="Times New Roman" panose="02020603050405020304" pitchFamily="18" charset="0"/>
+              </a:rPr>
+              <a:t>あまり抵抗がなく、設計書の重要性を理解していなかった</a:t>
+            </a:r>
+            <a:endParaRPr kumimoji="1" lang="en-US" altLang="ja-JP" dirty="0">
+              <a:latin typeface="+mn-ea"/>
+            </a:endParaRPr>
+          </a:p>
+          <a:p>
+            <a:pPr marL="0" indent="0">
+              <a:buNone/>
+            </a:pPr>
+            <a:endParaRPr kumimoji="1" lang="en-US" altLang="ja-JP" dirty="0">
+              <a:latin typeface="+mn-ea"/>
+            </a:endParaRPr>
+          </a:p>
+          <a:p>
+            <a:pPr marL="0" indent="0">
+              <a:buNone/>
+            </a:pPr>
+            <a:r>
+              <a:rPr kumimoji="1" lang="ja-JP" altLang="en-US" dirty="0">
+                <a:latin typeface="+mn-ea"/>
+              </a:rPr>
+              <a:t>技術</a:t>
+            </a:r>
+            <a:r>
+              <a:rPr kumimoji="1" lang="en-US" altLang="ja-JP" dirty="0">
+                <a:latin typeface="+mn-ea"/>
+              </a:rPr>
+              <a:t>	4</a:t>
+            </a:r>
+            <a:r>
+              <a:rPr kumimoji="1" lang="ja-JP" altLang="en-US" dirty="0">
+                <a:latin typeface="+mn-ea"/>
+              </a:rPr>
+              <a:t>･</a:t>
+            </a:r>
+            <a:r>
+              <a:rPr kumimoji="1" lang="en-US" altLang="ja-JP" dirty="0">
+                <a:latin typeface="+mn-ea"/>
+              </a:rPr>
+              <a:t>5</a:t>
+            </a:r>
+            <a:r>
+              <a:rPr kumimoji="1" lang="ja-JP" altLang="en-US" dirty="0">
+                <a:latin typeface="+mn-ea"/>
+              </a:rPr>
+              <a:t>月で学んだことの理解度が増した</a:t>
+            </a:r>
+            <a:endParaRPr kumimoji="1" lang="en-US" altLang="ja-JP" dirty="0">
+              <a:latin typeface="+mn-ea"/>
+            </a:endParaRPr>
+          </a:p>
+          <a:p>
+            <a:r>
+              <a:rPr lang="en-US" altLang="ja-JP" dirty="0">
+                <a:latin typeface="+mn-ea"/>
+              </a:rPr>
+              <a:t>	</a:t>
+            </a:r>
+            <a:r>
+              <a:rPr lang="ja-JP" altLang="en-US" dirty="0">
+                <a:latin typeface="+mn-ea"/>
+              </a:rPr>
+              <a:t>チーム内・講師に質問・コーディングを繰り返すことでスキルアップ</a:t>
+            </a:r>
+            <a:endParaRPr lang="en-US" altLang="ja-JP" dirty="0">
+              <a:latin typeface="+mn-ea"/>
+            </a:endParaRPr>
+          </a:p>
+          <a:p>
+            <a:r>
+              <a:rPr lang="en-US" altLang="ja-JP" dirty="0">
+                <a:latin typeface="+mn-ea"/>
+              </a:rPr>
+              <a:t>	</a:t>
+            </a:r>
+            <a:r>
+              <a:rPr lang="ja-JP" altLang="en-US" dirty="0">
+                <a:latin typeface="+mn-ea"/>
+              </a:rPr>
+              <a:t>学んだ技術を応用する難しさ</a:t>
+            </a:r>
+            <a:endParaRPr lang="en-US" altLang="ja-JP" dirty="0">
+              <a:latin typeface="+mn-ea"/>
+            </a:endParaRPr>
+          </a:p>
+          <a:p>
+            <a:endParaRPr kumimoji="1" lang="en-US" altLang="ja-JP" dirty="0"/>
+          </a:p>
+        </p:txBody>
+      </p:sp>
+      <p:sp>
+        <p:nvSpPr>
+          <p:cNvPr id="4" name="スライド番号プレースホルダー 3"/>
+          <p:cNvSpPr>
+            <a:spLocks noGrp="1"/>
+          </p:cNvSpPr>
+          <p:nvPr>
+            <p:ph type="sldNum" sz="quarter" idx="5"/>
+          </p:nvPr>
+        </p:nvSpPr>
+        <p:spPr/>
+        <p:txBody>
+          <a:bodyPr/>
+          <a:lstStyle/>
+          <a:p>
+            <a:fld id="{C59D74C6-9C2E-47F2-9943-FD41646989DE}" type="slidenum">
+              <a:rPr kumimoji="1" lang="ja-JP" altLang="en-US" smtClean="0"/>
+              <a:t>25</a:t>
+            </a:fld>
+            <a:endParaRPr kumimoji="1" lang="ja-JP" altLang="en-US"/>
+          </a:p>
+        </p:txBody>
+      </p:sp>
+    </p:spTree>
+    <p:extLst>
+      <p:ext uri="{BB962C8B-B14F-4D97-AF65-F5344CB8AC3E}">
+        <p14:creationId xmlns:p14="http://schemas.microsoft.com/office/powerpoint/2010/main" val="2634613038"/>
       </p:ext>
     </p:extLst>
   </p:cSld>
@@ -5399,6 +5468,90 @@
     <p:extLst>
       <p:ext uri="{BB962C8B-B14F-4D97-AF65-F5344CB8AC3E}">
         <p14:creationId xmlns:p14="http://schemas.microsoft.com/office/powerpoint/2010/main" val="170412088"/>
+      </p:ext>
+    </p:extLst>
+  </p:cSld>
+  <p:clrMapOvr>
+    <a:masterClrMapping/>
+  </p:clrMapOvr>
+</p:notes>
+</file>
+
+<file path=ppt/notesSlides/notesSlide20.xml><?xml version="1.0" encoding="utf-8"?>
+<p:notes xmlns:a="http://schemas.openxmlformats.org/drawingml/2006/main" xmlns:r="http://schemas.openxmlformats.org/officeDocument/2006/relationships" xmlns:p="http://schemas.openxmlformats.org/presentationml/2006/main">
+  <p:cSld>
+    <p:spTree>
+      <p:nvGrpSpPr>
+        <p:cNvPr id="1" name=""/>
+        <p:cNvGrpSpPr/>
+        <p:nvPr/>
+      </p:nvGrpSpPr>
+      <p:grpSpPr>
+        <a:xfrm>
+          <a:off x="0" y="0"/>
+          <a:ext cx="0" cy="0"/>
+          <a:chOff x="0" y="0"/>
+          <a:chExt cx="0" cy="0"/>
+        </a:xfrm>
+      </p:grpSpPr>
+      <p:sp>
+        <p:nvSpPr>
+          <p:cNvPr id="2" name="スライド イメージ プレースホルダー 1"/>
+          <p:cNvSpPr>
+            <a:spLocks noGrp="1" noRot="1" noChangeAspect="1"/>
+          </p:cNvSpPr>
+          <p:nvPr>
+            <p:ph type="sldImg"/>
+          </p:nvPr>
+        </p:nvSpPr>
+        <p:spPr/>
+      </p:sp>
+      <p:sp>
+        <p:nvSpPr>
+          <p:cNvPr id="3" name="ノート プレースホルダー 2"/>
+          <p:cNvSpPr>
+            <a:spLocks noGrp="1"/>
+          </p:cNvSpPr>
+          <p:nvPr>
+            <p:ph type="body" idx="1"/>
+          </p:nvPr>
+        </p:nvSpPr>
+        <p:spPr/>
+        <p:txBody>
+          <a:bodyPr/>
+          <a:lstStyle/>
+          <a:p>
+            <a:endParaRPr kumimoji="1" lang="ja-JP" altLang="en-US"/>
+          </a:p>
+        </p:txBody>
+      </p:sp>
+      <p:sp>
+        <p:nvSpPr>
+          <p:cNvPr id="4" name="スライド番号プレースホルダー 3"/>
+          <p:cNvSpPr>
+            <a:spLocks noGrp="1"/>
+          </p:cNvSpPr>
+          <p:nvPr>
+            <p:ph type="sldNum" sz="quarter" idx="5"/>
+          </p:nvPr>
+        </p:nvSpPr>
+        <p:spPr/>
+        <p:txBody>
+          <a:bodyPr/>
+          <a:lstStyle/>
+          <a:p>
+            <a:fld id="{D4CB765E-9AF7-4318-BD2A-D662ADA2D2AB}" type="slidenum">
+              <a:rPr kumimoji="1" lang="ja-JP" altLang="en-US" smtClean="0"/>
+              <a:t>26</a:t>
+            </a:fld>
+            <a:endParaRPr kumimoji="1" lang="ja-JP" altLang="en-US"/>
+          </a:p>
+        </p:txBody>
+      </p:sp>
+    </p:spTree>
+    <p:extLst>
+      <p:ext uri="{BB962C8B-B14F-4D97-AF65-F5344CB8AC3E}">
+        <p14:creationId xmlns:p14="http://schemas.microsoft.com/office/powerpoint/2010/main" val="1533159908"/>
       </p:ext>
     </p:extLst>
   </p:cSld>
@@ -13347,7 +13500,7 @@
         </p:spPr>
         <p:txBody>
           <a:bodyPr>
-            <a:normAutofit fontScale="92500" lnSpcReduction="10000"/>
+            <a:normAutofit/>
           </a:bodyPr>
           <a:lstStyle/>
           <a:p>
@@ -13355,13 +13508,81 @@
               <a:buNone/>
             </a:pPr>
             <a:r>
-              <a:rPr kumimoji="1" lang="ja-JP" altLang="en-US" sz="3500" b="1" dirty="0">
+              <a:rPr lang="ja-JP" altLang="en-US" sz="3500" b="1" dirty="0">
                 <a:solidFill>
                   <a:srgbClr val="FF9999"/>
                 </a:solidFill>
               </a:rPr>
-              <a:t>デザイン</a:t>
-            </a:r>
+              <a:t>認識合わせ</a:t>
+            </a:r>
+            <a:endParaRPr lang="en-US" altLang="ja-JP" sz="3500" b="1" dirty="0">
+              <a:solidFill>
+                <a:srgbClr val="FF9999"/>
+              </a:solidFill>
+            </a:endParaRPr>
+          </a:p>
+          <a:p>
+            <a:pPr marL="0" indent="0">
+              <a:buNone/>
+            </a:pPr>
+            <a:r>
+              <a:rPr lang="en-US" altLang="ja-JP" dirty="0"/>
+              <a:t>	</a:t>
+            </a:r>
+            <a:r>
+              <a:rPr lang="ja-JP" altLang="en-US" u="sng" dirty="0"/>
+              <a:t>進捗管理</a:t>
+            </a:r>
+            <a:r>
+              <a:rPr lang="en-US" altLang="ja-JP" dirty="0"/>
+              <a:t>	</a:t>
+            </a:r>
+            <a:r>
+              <a:rPr lang="ja-JP" altLang="en-US" dirty="0"/>
+              <a:t>口頭・ガントチャート</a:t>
+            </a:r>
+            <a:endParaRPr lang="en-US" altLang="ja-JP" dirty="0"/>
+          </a:p>
+          <a:p>
+            <a:pPr marL="0" indent="0">
+              <a:buNone/>
+            </a:pPr>
+            <a:r>
+              <a:rPr lang="en-US" altLang="ja-JP" dirty="0"/>
+              <a:t>	</a:t>
+            </a:r>
+            <a:r>
+              <a:rPr lang="ja-JP" altLang="en-US" u="sng" dirty="0"/>
+              <a:t>情報共有</a:t>
+            </a:r>
+            <a:r>
+              <a:rPr lang="en-US" altLang="ja-JP" dirty="0"/>
+              <a:t>	</a:t>
+            </a:r>
+            <a:r>
+              <a:rPr lang="ja-JP" altLang="en-US" dirty="0"/>
+              <a:t>朝：その日に取り組むこと</a:t>
+            </a:r>
+            <a:endParaRPr lang="en-US" altLang="ja-JP" dirty="0"/>
+          </a:p>
+          <a:p>
+            <a:pPr marL="0" indent="0">
+              <a:buNone/>
+            </a:pPr>
+            <a:r>
+              <a:rPr lang="en-US" altLang="ja-JP" dirty="0"/>
+              <a:t>			</a:t>
+            </a:r>
+            <a:r>
+              <a:rPr lang="ja-JP" altLang="en-US" dirty="0"/>
+              <a:t>終業前：その日のまとめと翌日に行うこと</a:t>
+            </a:r>
+            <a:endParaRPr lang="en-US" altLang="ja-JP" dirty="0"/>
+          </a:p>
+          <a:p>
+            <a:pPr marL="0" indent="0">
+              <a:buNone/>
+            </a:pPr>
             <a:endParaRPr kumimoji="1" lang="en-US" altLang="ja-JP" sz="3500" b="1" dirty="0">
               <a:solidFill>
                 <a:srgbClr val="FF9999"/>
@@ -13373,107 +13594,6 @@
               <a:buNone/>
             </a:pPr>
             <a:r>
-              <a:rPr lang="en-US" altLang="ja-JP" sz="3600" b="1" dirty="0">
-                <a:solidFill>
-                  <a:srgbClr val="FF9999"/>
-                </a:solidFill>
-              </a:rPr>
-              <a:t>	</a:t>
-            </a:r>
-            <a:r>
-              <a:rPr lang="ja-JP" altLang="en-US" dirty="0"/>
-              <a:t>青をメインにして食欲減退</a:t>
-            </a:r>
-            <a:r>
-              <a:rPr lang="en-US" altLang="ja-JP" sz="3600" b="1" dirty="0">
-                <a:solidFill>
-                  <a:srgbClr val="FF9999"/>
-                </a:solidFill>
-              </a:rPr>
-              <a:t>	</a:t>
-            </a:r>
-          </a:p>
-          <a:p>
-            <a:pPr marL="0" indent="0">
-              <a:buNone/>
-            </a:pPr>
-            <a:r>
-              <a:rPr lang="ja-JP" altLang="en-US" sz="3500" b="1" dirty="0">
-                <a:solidFill>
-                  <a:srgbClr val="FF9999"/>
-                </a:solidFill>
-              </a:rPr>
-              <a:t>認識合わせ</a:t>
-            </a:r>
-            <a:endParaRPr lang="en-US" altLang="ja-JP" sz="3500" b="1" dirty="0">
-              <a:solidFill>
-                <a:srgbClr val="FF9999"/>
-              </a:solidFill>
-            </a:endParaRPr>
-          </a:p>
-          <a:p>
-            <a:pPr marL="0" indent="0">
-              <a:buNone/>
-            </a:pPr>
-            <a:r>
-              <a:rPr lang="en-US" altLang="ja-JP" dirty="0"/>
-              <a:t>	</a:t>
-            </a:r>
-            <a:r>
-              <a:rPr lang="ja-JP" altLang="en-US" u="sng" dirty="0"/>
-              <a:t>進捗管理</a:t>
-            </a:r>
-            <a:r>
-              <a:rPr lang="en-US" altLang="ja-JP" dirty="0"/>
-              <a:t>	</a:t>
-            </a:r>
-            <a:r>
-              <a:rPr lang="ja-JP" altLang="en-US" dirty="0"/>
-              <a:t>口頭・ガントチャート</a:t>
-            </a:r>
-            <a:endParaRPr lang="en-US" altLang="ja-JP" dirty="0"/>
-          </a:p>
-          <a:p>
-            <a:pPr marL="0" indent="0">
-              <a:buNone/>
-            </a:pPr>
-            <a:r>
-              <a:rPr lang="en-US" altLang="ja-JP" dirty="0"/>
-              <a:t>	</a:t>
-            </a:r>
-            <a:r>
-              <a:rPr lang="ja-JP" altLang="en-US" u="sng" dirty="0"/>
-              <a:t>情報共有</a:t>
-            </a:r>
-            <a:r>
-              <a:rPr lang="en-US" altLang="ja-JP" dirty="0"/>
-              <a:t>	</a:t>
-            </a:r>
-            <a:r>
-              <a:rPr lang="ja-JP" altLang="en-US" dirty="0"/>
-              <a:t>朝：その日に取り組むこと</a:t>
-            </a:r>
-            <a:endParaRPr lang="en-US" altLang="ja-JP" dirty="0"/>
-          </a:p>
-          <a:p>
-            <a:pPr marL="0" indent="0">
-              <a:buNone/>
-            </a:pPr>
-            <a:r>
-              <a:rPr lang="en-US" altLang="ja-JP" dirty="0"/>
-              <a:t>			</a:t>
-            </a:r>
-            <a:r>
-              <a:rPr lang="ja-JP" altLang="en-US" dirty="0"/>
-              <a:t>終業前：その日のまとめと翌日に行うこと</a:t>
-            </a:r>
-            <a:endParaRPr lang="en-US" altLang="ja-JP" dirty="0"/>
-          </a:p>
-          <a:p>
-            <a:pPr marL="0" indent="0">
-              <a:buNone/>
-            </a:pPr>
-            <a:r>
               <a:rPr kumimoji="1" lang="ja-JP" altLang="en-US" sz="3500" b="1" dirty="0">
                 <a:solidFill>
                   <a:srgbClr val="FF9999"/>
@@ -13497,7 +13617,7 @@
             </a:r>
             <a:r>
               <a:rPr lang="ja-JP" altLang="en-US" dirty="0"/>
-              <a:t>チーム作業</a:t>
+              <a:t>チームに分かれて作業</a:t>
             </a:r>
             <a:endParaRPr lang="en-US" altLang="ja-JP" dirty="0"/>
           </a:p>
@@ -13780,7 +13900,7 @@
 </file>
 
 <file path=ppt/slides/slide20.xml><?xml version="1.0" encoding="utf-8"?>
-<p:sld xmlns:a="http://schemas.openxmlformats.org/drawingml/2006/main" xmlns:r="http://schemas.openxmlformats.org/officeDocument/2006/relationships" xmlns:p="http://schemas.openxmlformats.org/presentationml/2006/main">
+<p:sld xmlns:a="http://schemas.openxmlformats.org/drawingml/2006/main" xmlns:r="http://schemas.openxmlformats.org/officeDocument/2006/relationships" xmlns:p="http://schemas.openxmlformats.org/presentationml/2006/main" show="0">
   <p:cSld>
     <p:bg>
       <p:bgPr>
@@ -14380,13 +14500,13 @@
   <p:clrMapOvr>
     <a:masterClrMapping/>
   </p:clrMapOvr>
-  <mc:AlternateContent xmlns:mc="http://schemas.openxmlformats.org/markup-compatibility/2006" xmlns:p14="http://schemas.microsoft.com/office/powerpoint/2010/main">
-    <mc:Choice Requires="p14">
+  <mc:AlternateContent xmlns:mc="http://schemas.openxmlformats.org/markup-compatibility/2006">
+    <mc:Choice xmlns:p14="http://schemas.microsoft.com/office/powerpoint/2010/main" Requires="p14">
       <p:transition spd="med" p14:dur="700">
         <p:fade/>
       </p:transition>
     </mc:Choice>
-    <mc:Fallback xmlns="">
+    <mc:Fallback>
       <p:transition spd="med">
         <p:fade/>
       </p:transition>
@@ -14396,7 +14516,7 @@
 </file>
 
 <file path=ppt/slides/slide21.xml><?xml version="1.0" encoding="utf-8"?>
-<p:sld xmlns:a="http://schemas.openxmlformats.org/drawingml/2006/main" xmlns:r="http://schemas.openxmlformats.org/officeDocument/2006/relationships" xmlns:p="http://schemas.openxmlformats.org/presentationml/2006/main">
+<p:sld xmlns:a="http://schemas.openxmlformats.org/drawingml/2006/main" xmlns:r="http://schemas.openxmlformats.org/officeDocument/2006/relationships" xmlns:p="http://schemas.openxmlformats.org/presentationml/2006/main" show="0">
   <p:cSld>
     <p:bg>
       <p:bgPr>
@@ -14809,8 +14929,8 @@
         </p:blipFill>
         <p:spPr bwMode="auto">
           <a:xfrm>
-            <a:off x="838200" y="2416629"/>
-            <a:ext cx="850718" cy="850718"/>
+            <a:off x="933247" y="2451782"/>
+            <a:ext cx="667838" cy="667838"/>
           </a:xfrm>
           <a:prstGeom prst="rect">
             <a:avLst/>
@@ -14854,8 +14974,8 @@
         </p:blipFill>
         <p:spPr bwMode="auto">
           <a:xfrm>
-            <a:off x="933247" y="5081452"/>
-            <a:ext cx="660624" cy="850718"/>
+            <a:off x="933247" y="5172891"/>
+            <a:ext cx="627263" cy="807756"/>
           </a:xfrm>
           <a:prstGeom prst="rect">
             <a:avLst/>
@@ -14882,13 +15002,13 @@
   <p:clrMapOvr>
     <a:masterClrMapping/>
   </p:clrMapOvr>
-  <mc:AlternateContent xmlns:mc="http://schemas.openxmlformats.org/markup-compatibility/2006" xmlns:p14="http://schemas.microsoft.com/office/powerpoint/2010/main">
-    <mc:Choice Requires="p14">
+  <mc:AlternateContent xmlns:mc="http://schemas.openxmlformats.org/markup-compatibility/2006">
+    <mc:Choice xmlns:p14="http://schemas.microsoft.com/office/powerpoint/2010/main" Requires="p14">
       <p:transition spd="med" p14:dur="700">
         <p:fade/>
       </p:transition>
     </mc:Choice>
-    <mc:Fallback xmlns="">
+    <mc:Fallback>
       <p:transition spd="med">
         <p:fade/>
       </p:transition>
@@ -14898,7 +15018,7 @@
 </file>
 
 <file path=ppt/slides/slide22.xml><?xml version="1.0" encoding="utf-8"?>
-<p:sld xmlns:a="http://schemas.openxmlformats.org/drawingml/2006/main" xmlns:r="http://schemas.openxmlformats.org/officeDocument/2006/relationships" xmlns:p="http://schemas.openxmlformats.org/presentationml/2006/main">
+<p:sld xmlns:a="http://schemas.openxmlformats.org/drawingml/2006/main" xmlns:r="http://schemas.openxmlformats.org/officeDocument/2006/relationships" xmlns:p="http://schemas.openxmlformats.org/presentationml/2006/main" show="0">
   <p:cSld>
     <p:bg>
       <p:bgPr>
@@ -14965,13 +15085,13 @@
   <p:clrMapOvr>
     <a:masterClrMapping/>
   </p:clrMapOvr>
-  <mc:AlternateContent xmlns:mc="http://schemas.openxmlformats.org/markup-compatibility/2006" xmlns:p14="http://schemas.microsoft.com/office/powerpoint/2010/main">
-    <mc:Choice Requires="p14">
+  <mc:AlternateContent xmlns:mc="http://schemas.openxmlformats.org/markup-compatibility/2006">
+    <mc:Choice xmlns:p14="http://schemas.microsoft.com/office/powerpoint/2010/main" Requires="p14">
       <p:transition spd="med" p14:dur="700">
         <p:fade/>
       </p:transition>
     </mc:Choice>
-    <mc:Fallback xmlns="">
+    <mc:Fallback>
       <p:transition spd="med">
         <p:fade/>
       </p:transition>
@@ -15316,7 +15436,7 @@
 </file>
 
 <file path=ppt/slides/slide25.xml><?xml version="1.0" encoding="utf-8"?>
-<p:sld xmlns:a="http://schemas.openxmlformats.org/drawingml/2006/main" xmlns:r="http://schemas.openxmlformats.org/officeDocument/2006/relationships" xmlns:p="http://schemas.openxmlformats.org/presentationml/2006/main">
+<p:sld xmlns:a="http://schemas.openxmlformats.org/drawingml/2006/main" xmlns:r="http://schemas.openxmlformats.org/officeDocument/2006/relationships" xmlns:p="http://schemas.openxmlformats.org/presentationml/2006/main" show="0">
   <p:cSld>
     <p:spTree>
       <p:nvGrpSpPr>
@@ -15439,13 +15559,13 @@
   <p:clrMapOvr>
     <a:masterClrMapping/>
   </p:clrMapOvr>
-  <mc:AlternateContent xmlns:mc="http://schemas.openxmlformats.org/markup-compatibility/2006" xmlns:p14="http://schemas.microsoft.com/office/powerpoint/2010/main">
-    <mc:Choice Requires="p14">
+  <mc:AlternateContent xmlns:mc="http://schemas.openxmlformats.org/markup-compatibility/2006">
+    <mc:Choice xmlns:p14="http://schemas.microsoft.com/office/powerpoint/2010/main" Requires="p14">
       <p:transition spd="med" p14:dur="700">
         <p:fade/>
       </p:transition>
     </mc:Choice>
-    <mc:Fallback xmlns="">
+    <mc:Fallback>
       <p:transition spd="med">
         <p:fade/>
       </p:transition>

--- a/共有用フォルダー/成果発表.pptx
+++ b/共有用フォルダー/成果発表.pptx
@@ -15,14 +15,14 @@
     <p:sldId id="280" r:id="rId6"/>
     <p:sldId id="273" r:id="rId7"/>
     <p:sldId id="270" r:id="rId8"/>
-    <p:sldId id="258" r:id="rId9"/>
+    <p:sldId id="299" r:id="rId9"/>
     <p:sldId id="284" r:id="rId10"/>
     <p:sldId id="264" r:id="rId11"/>
-    <p:sldId id="265" r:id="rId12"/>
+    <p:sldId id="269" r:id="rId12"/>
     <p:sldId id="267" r:id="rId13"/>
-    <p:sldId id="269" r:id="rId14"/>
+    <p:sldId id="274" r:id="rId14"/>
     <p:sldId id="266" r:id="rId15"/>
-    <p:sldId id="274" r:id="rId16"/>
+    <p:sldId id="265" r:id="rId16"/>
     <p:sldId id="289" r:id="rId17"/>
     <p:sldId id="279" r:id="rId18"/>
     <p:sldId id="285" r:id="rId19"/>
@@ -940,17 +940,41 @@
         <a:lstStyle/>
         <a:p>
           <a:r>
-            <a:rPr kumimoji="1" lang="ja-JP" altLang="en-US" sz="4800" b="1" u="none" dirty="0">
+            <a:rPr kumimoji="1" lang="ja-JP" altLang="en-US" sz="4800" b="1" dirty="0">
               <a:solidFill>
                 <a:schemeClr val="bg1"/>
               </a:solidFill>
             </a:rPr>
-            <a:t>交流</a:t>
+            <a:t>変化</a:t>
           </a:r>
           <a:r>
-            <a:rPr kumimoji="1" lang="ja-JP" altLang="en-US" sz="3600" b="1" dirty="0"/>
-            <a:t>できる</a:t>
+            <a:rPr kumimoji="1" lang="ja-JP" altLang="en-US" sz="3600" b="1" dirty="0">
+              <a:solidFill>
+                <a:schemeClr val="tx1"/>
+              </a:solidFill>
+            </a:rPr>
+            <a:t>が</a:t>
           </a:r>
+          <a:endParaRPr kumimoji="1" lang="en-US" altLang="ja-JP" sz="3600" b="1" dirty="0">
+            <a:solidFill>
+              <a:schemeClr val="tx1"/>
+            </a:solidFill>
+          </a:endParaRPr>
+        </a:p>
+        <a:p>
+          <a:r>
+            <a:rPr kumimoji="1" lang="ja-JP" altLang="en-US" sz="3600" b="1" dirty="0">
+              <a:solidFill>
+                <a:schemeClr val="tx1"/>
+              </a:solidFill>
+            </a:rPr>
+            <a:t>分かる</a:t>
+          </a:r>
+          <a:endParaRPr kumimoji="1" lang="ja-JP" altLang="en-US" sz="2400" b="1" dirty="0">
+            <a:solidFill>
+              <a:schemeClr val="tx1"/>
+            </a:solidFill>
+          </a:endParaRPr>
         </a:p>
       </dgm:t>
     </dgm:pt>
@@ -989,7 +1013,7 @@
                 <a:schemeClr val="bg1"/>
               </a:solidFill>
             </a:rPr>
-            <a:t>変化</a:t>
+            <a:t>意識</a:t>
           </a:r>
           <a:r>
             <a:rPr kumimoji="1" lang="ja-JP" altLang="en-US" sz="3600" b="1" dirty="0"/>
@@ -1000,7 +1024,7 @@
         <a:p>
           <a:r>
             <a:rPr kumimoji="1" lang="ja-JP" altLang="en-US" sz="3600" b="1" dirty="0"/>
-            <a:t>分かる</a:t>
+            <a:t>変わる</a:t>
           </a:r>
         </a:p>
       </dgm:t>
@@ -1040,19 +1064,20 @@
                 <a:schemeClr val="bg1"/>
               </a:solidFill>
             </a:rPr>
-            <a:t>意識</a:t>
+            <a:t>交流</a:t>
           </a:r>
-          <a:r>
-            <a:rPr kumimoji="1" lang="ja-JP" altLang="en-US" sz="3600" b="1" dirty="0"/>
-            <a:t>が</a:t>
-          </a:r>
-          <a:endParaRPr kumimoji="1" lang="en-US" altLang="ja-JP" sz="3600" b="1" dirty="0"/>
+          <a:endParaRPr kumimoji="1" lang="en-US" altLang="ja-JP" sz="4800" b="1" dirty="0">
+            <a:solidFill>
+              <a:schemeClr val="bg1"/>
+            </a:solidFill>
+          </a:endParaRPr>
         </a:p>
         <a:p>
           <a:r>
             <a:rPr kumimoji="1" lang="ja-JP" altLang="en-US" sz="3600" b="1" dirty="0"/>
-            <a:t>変わる</a:t>
+            <a:t>できる</a:t>
           </a:r>
+          <a:endParaRPr kumimoji="1" lang="en-US" altLang="ja-JP" sz="3600" b="1" dirty="0"/>
         </a:p>
       </dgm:t>
     </dgm:pt>
@@ -1174,8 +1199,8 @@
       </dsp:nvSpPr>
       <dsp:spPr>
         <a:xfrm>
-          <a:off x="3976687" y="73822"/>
-          <a:ext cx="4000499" cy="4000499"/>
+          <a:off x="4040587" y="177963"/>
+          <a:ext cx="3872700" cy="3872700"/>
         </a:xfrm>
         <a:prstGeom prst="ellipse">
           <a:avLst/>
@@ -1236,93 +1261,6 @@
             <a:buNone/>
           </a:pPr>
           <a:r>
-            <a:rPr kumimoji="1" lang="ja-JP" altLang="en-US" sz="4800" b="1" u="none" kern="1200" dirty="0">
-              <a:solidFill>
-                <a:schemeClr val="bg1"/>
-              </a:solidFill>
-            </a:rPr>
-            <a:t>交流</a:t>
-          </a:r>
-          <a:r>
-            <a:rPr kumimoji="1" lang="ja-JP" altLang="en-US" sz="3600" b="1" kern="1200" dirty="0"/>
-            <a:t>できる</a:t>
-          </a:r>
-        </a:p>
-      </dsp:txBody>
-      <dsp:txXfrm>
-        <a:off x="4510087" y="773909"/>
-        <a:ext cx="2933699" cy="1800224"/>
-      </dsp:txXfrm>
-    </dsp:sp>
-    <dsp:sp modelId="{B2B7AE45-C533-4EC8-8AA4-D6CC244384F6}">
-      <dsp:nvSpPr>
-        <dsp:cNvPr id="0" name=""/>
-        <dsp:cNvSpPr/>
-      </dsp:nvSpPr>
-      <dsp:spPr>
-        <a:xfrm>
-          <a:off x="5420201" y="2583655"/>
-          <a:ext cx="4000499" cy="4000499"/>
-        </a:xfrm>
-        <a:prstGeom prst="ellipse">
-          <a:avLst/>
-        </a:prstGeom>
-        <a:solidFill>
-          <a:schemeClr val="accent5">
-            <a:alpha val="50000"/>
-            <a:hueOff val="-3379271"/>
-            <a:satOff val="-8710"/>
-            <a:lumOff val="-5883"/>
-            <a:alphaOff val="0"/>
-          </a:schemeClr>
-        </a:solidFill>
-        <a:ln w="12700" cap="flat" cmpd="sng" algn="ctr">
-          <a:solidFill>
-            <a:schemeClr val="lt1">
-              <a:hueOff val="0"/>
-              <a:satOff val="0"/>
-              <a:lumOff val="0"/>
-              <a:alphaOff val="0"/>
-            </a:schemeClr>
-          </a:solidFill>
-          <a:prstDash val="solid"/>
-          <a:miter lim="800000"/>
-        </a:ln>
-        <a:effectLst/>
-      </dsp:spPr>
-      <dsp:style>
-        <a:lnRef idx="2">
-          <a:scrgbClr r="0" g="0" b="0"/>
-        </a:lnRef>
-        <a:fillRef idx="1">
-          <a:scrgbClr r="0" g="0" b="0"/>
-        </a:fillRef>
-        <a:effectRef idx="0">
-          <a:scrgbClr r="0" g="0" b="0"/>
-        </a:effectRef>
-        <a:fontRef idx="minor">
-          <a:schemeClr val="tx1"/>
-        </a:fontRef>
-      </dsp:style>
-      <dsp:txBody>
-        <a:bodyPr spcFirstLastPara="0" vert="horz" wrap="square" lIns="0" tIns="0" rIns="0" bIns="0" numCol="1" spcCol="1270" anchor="ctr" anchorCtr="0">
-          <a:noAutofit/>
-        </a:bodyPr>
-        <a:lstStyle/>
-        <a:p>
-          <a:pPr marL="0" lvl="0" indent="0" algn="ctr" defTabSz="2133600">
-            <a:lnSpc>
-              <a:spcPct val="90000"/>
-            </a:lnSpc>
-            <a:spcBef>
-              <a:spcPct val="0"/>
-            </a:spcBef>
-            <a:spcAft>
-              <a:spcPct val="35000"/>
-            </a:spcAft>
-            <a:buNone/>
-          </a:pPr>
-          <a:r>
             <a:rPr kumimoji="1" lang="ja-JP" altLang="en-US" sz="4800" b="1" kern="1200" dirty="0">
               <a:solidFill>
                 <a:schemeClr val="bg1"/>
@@ -1331,10 +1269,18 @@
             <a:t>変化</a:t>
           </a:r>
           <a:r>
-            <a:rPr kumimoji="1" lang="ja-JP" altLang="en-US" sz="3600" b="1" kern="1200" dirty="0"/>
+            <a:rPr kumimoji="1" lang="ja-JP" altLang="en-US" sz="3600" b="1" kern="1200" dirty="0">
+              <a:solidFill>
+                <a:schemeClr val="tx1"/>
+              </a:solidFill>
+            </a:rPr>
             <a:t>が</a:t>
           </a:r>
-          <a:endParaRPr kumimoji="1" lang="en-US" altLang="ja-JP" sz="3600" b="1" kern="1200" dirty="0"/>
+          <a:endParaRPr kumimoji="1" lang="en-US" altLang="ja-JP" sz="3600" b="1" kern="1200" dirty="0">
+            <a:solidFill>
+              <a:schemeClr val="tx1"/>
+            </a:solidFill>
+          </a:endParaRPr>
         </a:p>
         <a:p>
           <a:pPr marL="0" lvl="0" indent="0" algn="ctr" defTabSz="2133600">
@@ -1350,25 +1296,34 @@
             <a:buNone/>
           </a:pPr>
           <a:r>
-            <a:rPr kumimoji="1" lang="ja-JP" altLang="en-US" sz="3600" b="1" kern="1200" dirty="0"/>
+            <a:rPr kumimoji="1" lang="ja-JP" altLang="en-US" sz="3600" b="1" kern="1200" dirty="0">
+              <a:solidFill>
+                <a:schemeClr val="tx1"/>
+              </a:solidFill>
+            </a:rPr>
             <a:t>分かる</a:t>
           </a:r>
+          <a:endParaRPr kumimoji="1" lang="ja-JP" altLang="en-US" sz="2400" b="1" kern="1200" dirty="0">
+            <a:solidFill>
+              <a:schemeClr val="tx1"/>
+            </a:solidFill>
+          </a:endParaRPr>
         </a:p>
       </dsp:txBody>
       <dsp:txXfrm>
-        <a:off x="6643687" y="3617118"/>
-        <a:ext cx="2400299" cy="2200274"/>
+        <a:off x="4556947" y="855686"/>
+        <a:ext cx="2839980" cy="1742715"/>
       </dsp:txXfrm>
     </dsp:sp>
-    <dsp:sp modelId="{0E8E11A4-E532-42F7-A1D5-0D1AD07FD92E}">
+    <dsp:sp modelId="{B2B7AE45-C533-4EC8-8AA4-D6CC244384F6}">
       <dsp:nvSpPr>
         <dsp:cNvPr id="0" name=""/>
         <dsp:cNvSpPr/>
       </dsp:nvSpPr>
       <dsp:spPr>
         <a:xfrm>
-          <a:off x="2533174" y="2583655"/>
-          <a:ext cx="4000499" cy="4000499"/>
+          <a:off x="5437986" y="2607618"/>
+          <a:ext cx="3872700" cy="3872700"/>
         </a:xfrm>
         <a:prstGeom prst="ellipse">
           <a:avLst/>
@@ -1376,9 +1331,9 @@
         <a:solidFill>
           <a:schemeClr val="accent5">
             <a:alpha val="50000"/>
-            <a:hueOff val="-6758543"/>
-            <a:satOff val="-17419"/>
-            <a:lumOff val="-11765"/>
+            <a:hueOff val="-3379271"/>
+            <a:satOff val="-8710"/>
+            <a:lumOff val="-5883"/>
             <a:alphaOff val="0"/>
           </a:schemeClr>
         </a:solidFill>
@@ -1462,8 +1417,115 @@
         </a:p>
       </dsp:txBody>
       <dsp:txXfrm>
-        <a:off x="2909887" y="3617118"/>
-        <a:ext cx="2400299" cy="2200274"/>
+        <a:off x="6622387" y="3608065"/>
+        <a:ext cx="2323620" cy="2129985"/>
+      </dsp:txXfrm>
+    </dsp:sp>
+    <dsp:sp modelId="{0E8E11A4-E532-42F7-A1D5-0D1AD07FD92E}">
+      <dsp:nvSpPr>
+        <dsp:cNvPr id="0" name=""/>
+        <dsp:cNvSpPr/>
+      </dsp:nvSpPr>
+      <dsp:spPr>
+        <a:xfrm>
+          <a:off x="2643187" y="2607618"/>
+          <a:ext cx="3872700" cy="3872700"/>
+        </a:xfrm>
+        <a:prstGeom prst="ellipse">
+          <a:avLst/>
+        </a:prstGeom>
+        <a:solidFill>
+          <a:schemeClr val="accent5">
+            <a:alpha val="50000"/>
+            <a:hueOff val="-6758543"/>
+            <a:satOff val="-17419"/>
+            <a:lumOff val="-11765"/>
+            <a:alphaOff val="0"/>
+          </a:schemeClr>
+        </a:solidFill>
+        <a:ln w="12700" cap="flat" cmpd="sng" algn="ctr">
+          <a:solidFill>
+            <a:schemeClr val="lt1">
+              <a:hueOff val="0"/>
+              <a:satOff val="0"/>
+              <a:lumOff val="0"/>
+              <a:alphaOff val="0"/>
+            </a:schemeClr>
+          </a:solidFill>
+          <a:prstDash val="solid"/>
+          <a:miter lim="800000"/>
+        </a:ln>
+        <a:effectLst/>
+      </dsp:spPr>
+      <dsp:style>
+        <a:lnRef idx="2">
+          <a:scrgbClr r="0" g="0" b="0"/>
+        </a:lnRef>
+        <a:fillRef idx="1">
+          <a:scrgbClr r="0" g="0" b="0"/>
+        </a:fillRef>
+        <a:effectRef idx="0">
+          <a:scrgbClr r="0" g="0" b="0"/>
+        </a:effectRef>
+        <a:fontRef idx="minor">
+          <a:schemeClr val="tx1"/>
+        </a:fontRef>
+      </dsp:style>
+      <dsp:txBody>
+        <a:bodyPr spcFirstLastPara="0" vert="horz" wrap="square" lIns="0" tIns="0" rIns="0" bIns="0" numCol="1" spcCol="1270" anchor="ctr" anchorCtr="0">
+          <a:noAutofit/>
+        </a:bodyPr>
+        <a:lstStyle/>
+        <a:p>
+          <a:pPr marL="0" lvl="0" indent="0" algn="ctr" defTabSz="2133600">
+            <a:lnSpc>
+              <a:spcPct val="90000"/>
+            </a:lnSpc>
+            <a:spcBef>
+              <a:spcPct val="0"/>
+            </a:spcBef>
+            <a:spcAft>
+              <a:spcPct val="35000"/>
+            </a:spcAft>
+            <a:buNone/>
+          </a:pPr>
+          <a:r>
+            <a:rPr kumimoji="1" lang="ja-JP" altLang="en-US" sz="4800" b="1" kern="1200" dirty="0">
+              <a:solidFill>
+                <a:schemeClr val="bg1"/>
+              </a:solidFill>
+            </a:rPr>
+            <a:t>交流</a:t>
+          </a:r>
+          <a:endParaRPr kumimoji="1" lang="en-US" altLang="ja-JP" sz="4800" b="1" kern="1200" dirty="0">
+            <a:solidFill>
+              <a:schemeClr val="bg1"/>
+            </a:solidFill>
+          </a:endParaRPr>
+        </a:p>
+        <a:p>
+          <a:pPr marL="0" lvl="0" indent="0" algn="ctr" defTabSz="2133600">
+            <a:lnSpc>
+              <a:spcPct val="90000"/>
+            </a:lnSpc>
+            <a:spcBef>
+              <a:spcPct val="0"/>
+            </a:spcBef>
+            <a:spcAft>
+              <a:spcPct val="35000"/>
+            </a:spcAft>
+            <a:buNone/>
+          </a:pPr>
+          <a:r>
+            <a:rPr kumimoji="1" lang="ja-JP" altLang="en-US" sz="3600" b="1" kern="1200" dirty="0"/>
+            <a:t>できる</a:t>
+          </a:r>
+          <a:endParaRPr kumimoji="1" lang="en-US" altLang="ja-JP" sz="3600" b="1" kern="1200" dirty="0"/>
+        </a:p>
+      </dsp:txBody>
+      <dsp:txXfrm>
+        <a:off x="3007867" y="3608065"/>
+        <a:ext cx="2323620" cy="2129985"/>
       </dsp:txXfrm>
     </dsp:sp>
   </dsp:spTree>
@@ -3907,7 +3969,7 @@
             </a:pPr>
             <a:r>
               <a:rPr kumimoji="1" lang="ja-JP" altLang="en-US" dirty="0"/>
-              <a:t>２つ目、「変化が分かる」についてです。</a:t>
+              <a:t>２つ目、「意識が変わる」についてです。</a:t>
             </a:r>
           </a:p>
           <a:p>
@@ -3997,29 +4059,44 @@
           <a:p>
             <a:r>
               <a:rPr kumimoji="1" lang="ja-JP" altLang="en-US" dirty="0"/>
-              <a:t>食事記録の機能に加えて、自分の写真をアップロードできます。</a:t>
+              <a:t>「きょうから」の食事記録には、制限や縛りがなく、食事についてざっくりと記録する設定になっています。</a:t>
             </a:r>
             <a:endParaRPr kumimoji="1" lang="en-US" altLang="ja-JP" dirty="0"/>
           </a:p>
           <a:p>
             <a:r>
               <a:rPr kumimoji="1" lang="ja-JP" altLang="en-US" dirty="0"/>
-              <a:t>その登録した写真をスライドショー形式で確認することで、変化が分かります。</a:t>
+              <a:t>記録することで、自分の食事の傾向を再発見してもらうためです。</a:t>
             </a:r>
             <a:endParaRPr kumimoji="1" lang="en-US" altLang="ja-JP" dirty="0"/>
           </a:p>
           <a:p>
             <a:r>
               <a:rPr kumimoji="1" lang="ja-JP" altLang="en-US" dirty="0"/>
-              <a:t>また、グラフが動的に表示されるため、変化が可視化されます。</a:t>
+              <a:t>飲酒・運動についても、あり</a:t>
+            </a:r>
+            <a:r>
+              <a:rPr kumimoji="1" lang="en-US" altLang="ja-JP" dirty="0"/>
+              <a:t>/</a:t>
+            </a:r>
+            <a:r>
+              <a:rPr kumimoji="1" lang="ja-JP" altLang="en-US" dirty="0"/>
+              <a:t>なしのみの記録になっています。少しの散歩でも記録しておくことで、達成感を持てるようにしました。</a:t>
             </a:r>
             <a:endParaRPr kumimoji="1" lang="en-US" altLang="ja-JP" dirty="0"/>
           </a:p>
           <a:p>
+            <a:endParaRPr kumimoji="1" lang="en-US" altLang="ja-JP" dirty="0"/>
+          </a:p>
+          <a:p>
             <a:r>
               <a:rPr kumimoji="1" lang="ja-JP" altLang="en-US" dirty="0"/>
-              <a:t>これらの機能によって、モチベーションの維持につながると考えられます。</a:t>
-            </a:r>
+              <a:t>また、ログイン後の画面の上部には、設定した目標体重が表示されます。これによって、目標体重を常に意識することができます。</a:t>
+            </a:r>
+            <a:endParaRPr kumimoji="1" lang="en-US" altLang="ja-JP" dirty="0"/>
+          </a:p>
+          <a:p>
+            <a:endParaRPr kumimoji="1" lang="en-US" altLang="ja-JP" dirty="0"/>
           </a:p>
         </p:txBody>
       </p:sp>
@@ -4049,7 +4126,7 @@
     </p:spTree>
     <p:extLst>
       <p:ext uri="{BB962C8B-B14F-4D97-AF65-F5344CB8AC3E}">
-        <p14:creationId xmlns:p14="http://schemas.microsoft.com/office/powerpoint/2010/main" val="2337115857"/>
+        <p14:creationId xmlns:p14="http://schemas.microsoft.com/office/powerpoint/2010/main" val="1290740861"/>
       </p:ext>
     </p:extLst>
   </p:cSld>
@@ -4122,7 +4199,7 @@
             </a:pPr>
             <a:r>
               <a:rPr kumimoji="1" lang="ja-JP" altLang="en-US" dirty="0"/>
-              <a:t>３つ目、「意識が変わる」についてです。</a:t>
+              <a:t>３つ目、「交流できる」についてです。</a:t>
             </a:r>
           </a:p>
           <a:p>
@@ -4212,50 +4289,14 @@
           <a:p>
             <a:r>
               <a:rPr kumimoji="1" lang="ja-JP" altLang="en-US" dirty="0"/>
-              <a:t>「きょうから」食事記録には、制限や縛りがなく、食事についてざっくりと記録する設定になっています。</a:t>
+              <a:t>「きょうから」には、交流できる場として、匿名掲示板があります。アカウントがあれば、掲示板への閲覧・書き込みが可能です。</a:t>
             </a:r>
             <a:endParaRPr kumimoji="1" lang="en-US" altLang="ja-JP" dirty="0"/>
           </a:p>
           <a:p>
             <a:r>
               <a:rPr kumimoji="1" lang="ja-JP" altLang="en-US" dirty="0"/>
-              <a:t>記録することで、自分の食事の傾向を再発見してもらうためです。</a:t>
-            </a:r>
-            <a:endParaRPr kumimoji="1" lang="en-US" altLang="ja-JP" dirty="0"/>
-          </a:p>
-          <a:p>
-            <a:r>
-              <a:rPr kumimoji="1" lang="ja-JP" altLang="en-US" dirty="0"/>
-              <a:t>飲酒・運動についても、あり</a:t>
-            </a:r>
-            <a:r>
-              <a:rPr kumimoji="1" lang="en-US" altLang="ja-JP" dirty="0"/>
-              <a:t>/</a:t>
-            </a:r>
-            <a:r>
-              <a:rPr kumimoji="1" lang="ja-JP" altLang="en-US" dirty="0"/>
-              <a:t>なしのみの記録になっています。少しの散歩でも記録しておくことで、達成感を持てるようにしました。</a:t>
-            </a:r>
-            <a:endParaRPr kumimoji="1" lang="en-US" altLang="ja-JP" dirty="0"/>
-          </a:p>
-          <a:p>
-            <a:endParaRPr kumimoji="1" lang="en-US" altLang="ja-JP" dirty="0"/>
-          </a:p>
-          <a:p>
-            <a:r>
-              <a:rPr kumimoji="1" lang="ja-JP" altLang="en-US" dirty="0"/>
-              <a:t>また、ログイン後の画面の上部には、常に設定した目標体重が表示されます。これによって、目標体重を常に意識することができます。</a:t>
-            </a:r>
-            <a:endParaRPr kumimoji="1" lang="en-US" altLang="ja-JP" dirty="0"/>
-          </a:p>
-          <a:p>
-            <a:r>
-              <a:rPr kumimoji="1" lang="en-US" altLang="ja-JP" dirty="0"/>
-              <a:t>3</a:t>
-            </a:r>
-            <a:r>
-              <a:rPr kumimoji="1" lang="ja-JP" altLang="en-US" dirty="0"/>
-              <a:t>分</a:t>
+              <a:t>また、掲示板から、他ユーザの情報が閲覧できます。この機能によっていい刺激を受けたり、今後の参考にすることができます。</a:t>
             </a:r>
             <a:endParaRPr kumimoji="1" lang="en-US" altLang="ja-JP" dirty="0"/>
           </a:p>
@@ -4287,7 +4328,7 @@
     </p:spTree>
     <p:extLst>
       <p:ext uri="{BB962C8B-B14F-4D97-AF65-F5344CB8AC3E}">
-        <p14:creationId xmlns:p14="http://schemas.microsoft.com/office/powerpoint/2010/main" val="1290740861"/>
+        <p14:creationId xmlns:p14="http://schemas.microsoft.com/office/powerpoint/2010/main" val="1376702108"/>
       </p:ext>
     </p:extLst>
   </p:cSld>
@@ -4344,26 +4385,6 @@
             <a:pPr marL="0" indent="0">
               <a:buNone/>
             </a:pPr>
-            <a:r>
-              <a:rPr kumimoji="1" lang="ja-JP" altLang="en-US" sz="1600" b="1" dirty="0">
-                <a:solidFill>
-                  <a:srgbClr val="FF9999"/>
-                </a:solidFill>
-              </a:rPr>
-              <a:t>デザイン</a:t>
-            </a:r>
-            <a:r>
-              <a:rPr kumimoji="1" lang="en-US" altLang="ja-JP" sz="1600" b="1" dirty="0">
-                <a:solidFill>
-                  <a:srgbClr val="FF9999"/>
-                </a:solidFill>
-              </a:rPr>
-              <a:t>	</a:t>
-            </a:r>
-            <a:r>
-              <a:rPr lang="ja-JP" altLang="en-US" dirty="0"/>
-              <a:t>青をメインにして食欲減退</a:t>
-            </a:r>
             <a:endParaRPr kumimoji="1" lang="ja-JP" altLang="en-US" dirty="0"/>
           </a:p>
         </p:txBody>
@@ -5521,7 +5542,7 @@
           <a:bodyPr/>
           <a:lstStyle/>
           <a:p>
-            <a:endParaRPr kumimoji="1" lang="ja-JP" altLang="en-US"/>
+            <a:endParaRPr kumimoji="1" lang="ja-JP" altLang="en-US" dirty="0"/>
           </a:p>
         </p:txBody>
       </p:sp>
@@ -6239,7 +6260,7 @@
     </p:spTree>
     <p:extLst>
       <p:ext uri="{BB962C8B-B14F-4D97-AF65-F5344CB8AC3E}">
-        <p14:creationId xmlns:p14="http://schemas.microsoft.com/office/powerpoint/2010/main" val="2333053552"/>
+        <p14:creationId xmlns:p14="http://schemas.microsoft.com/office/powerpoint/2010/main" val="1918092922"/>
       </p:ext>
     </p:extLst>
   </p:cSld>
@@ -6295,7 +6316,7 @@
           <a:p>
             <a:r>
               <a:rPr kumimoji="1" lang="ja-JP" altLang="en-US" dirty="0"/>
-              <a:t>１つ目、「交流できる」についてです。</a:t>
+              <a:t>１つ目、「変化が分かる」についてです。</a:t>
             </a:r>
           </a:p>
         </p:txBody>
@@ -6382,16 +6403,29 @@
           <a:p>
             <a:r>
               <a:rPr kumimoji="1" lang="ja-JP" altLang="en-US" dirty="0"/>
-              <a:t>「きょうから」には、交流できる場として、匿名掲示板があります。アカウントがあれば、掲示板への閲覧・書き込みが可能です。</a:t>
+              <a:t>「きょうから」には、食事記録の機能に加えて、自分の写真をアップロードできる機能があります。</a:t>
             </a:r>
             <a:endParaRPr kumimoji="1" lang="en-US" altLang="ja-JP" dirty="0"/>
           </a:p>
           <a:p>
             <a:r>
               <a:rPr kumimoji="1" lang="ja-JP" altLang="en-US" dirty="0"/>
-              <a:t>また、掲示板から、他ユーザの情報が閲覧できます。この機能によっていい刺激を受けたり、今後の参考にすることができます。</a:t>
+              <a:t>その登録した写真をスライドショー形式で確認することで、変化が分かります。</a:t>
             </a:r>
             <a:endParaRPr kumimoji="1" lang="en-US" altLang="ja-JP" dirty="0"/>
+          </a:p>
+          <a:p>
+            <a:r>
+              <a:rPr kumimoji="1" lang="ja-JP" altLang="en-US" dirty="0"/>
+              <a:t>また、グラフが動的に表示されるため、変化が可視化されます。</a:t>
+            </a:r>
+            <a:endParaRPr kumimoji="1" lang="en-US" altLang="ja-JP" dirty="0"/>
+          </a:p>
+          <a:p>
+            <a:r>
+              <a:rPr kumimoji="1" lang="ja-JP" altLang="en-US" dirty="0"/>
+              <a:t>これらの機能によって、モチベーションの維持につながると考えられます。</a:t>
+            </a:r>
           </a:p>
         </p:txBody>
       </p:sp>
@@ -6421,7 +6455,7 @@
     </p:spTree>
     <p:extLst>
       <p:ext uri="{BB962C8B-B14F-4D97-AF65-F5344CB8AC3E}">
-        <p14:creationId xmlns:p14="http://schemas.microsoft.com/office/powerpoint/2010/main" val="1376702108"/>
+        <p14:creationId xmlns:p14="http://schemas.microsoft.com/office/powerpoint/2010/main" val="2337115857"/>
       </p:ext>
     </p:extLst>
   </p:cSld>
@@ -10358,12 +10392,12 @@
               <a:buNone/>
             </a:pPr>
             <a:r>
-              <a:rPr kumimoji="1" lang="ja-JP" altLang="en-US" sz="4800" b="1" kern="1200" dirty="0">
+              <a:rPr lang="ja-JP" altLang="en-US" sz="4800" b="1" dirty="0">
                 <a:solidFill>
                   <a:schemeClr val="bg1"/>
                 </a:solidFill>
               </a:rPr>
-              <a:t>変化</a:t>
+              <a:t>意識</a:t>
             </a:r>
             <a:r>
               <a:rPr kumimoji="1" lang="ja-JP" altLang="en-US" sz="3600" b="1" kern="1200" dirty="0"/>
@@ -10385,9 +10419,10 @@
               <a:buNone/>
             </a:pPr>
             <a:r>
-              <a:rPr kumimoji="1" lang="ja-JP" altLang="en-US" sz="3600" b="1" kern="1200" dirty="0"/>
-              <a:t>分かる</a:t>
-            </a:r>
+              <a:rPr lang="ja-JP" altLang="en-US" sz="3600" b="1" dirty="0"/>
+              <a:t>変わる</a:t>
+            </a:r>
+            <a:endParaRPr kumimoji="1" lang="ja-JP" altLang="en-US" sz="3600" b="1" kern="1200" dirty="0"/>
           </a:p>
         </p:txBody>
       </p:sp>
@@ -10529,13 +10564,13 @@
                   <a:schemeClr val="bg1"/>
                 </a:solidFill>
               </a:rPr>
-              <a:t>意識</a:t>
-            </a:r>
-            <a:r>
-              <a:rPr kumimoji="1" lang="ja-JP" altLang="en-US" sz="3600" b="1" kern="1200" dirty="0"/>
-              <a:t>が</a:t>
-            </a:r>
-            <a:endParaRPr kumimoji="1" lang="en-US" altLang="ja-JP" sz="3600" b="1" kern="1200" dirty="0"/>
+              <a:t>交流</a:t>
+            </a:r>
+            <a:endParaRPr kumimoji="1" lang="en-US" altLang="ja-JP" sz="4800" b="1" kern="1200" dirty="0">
+              <a:solidFill>
+                <a:schemeClr val="bg1"/>
+              </a:solidFill>
+            </a:endParaRPr>
           </a:p>
           <a:p>
             <a:pPr marL="0" lvl="0" indent="0" algn="ctr" defTabSz="1600200">
@@ -10552,7 +10587,7 @@
             </a:pPr>
             <a:r>
               <a:rPr kumimoji="1" lang="ja-JP" altLang="en-US" sz="3600" b="1" kern="1200" dirty="0"/>
-              <a:t>変わる</a:t>
+              <a:t>できる</a:t>
             </a:r>
           </a:p>
         </p:txBody>
@@ -10571,7 +10606,7 @@
         </p:nvSpPr>
         <p:spPr>
           <a:xfrm>
-            <a:off x="4095750" y="150021"/>
+            <a:off x="4095750" y="171041"/>
             <a:ext cx="4000499" cy="4000499"/>
           </a:xfrm>
           <a:custGeom>
@@ -10675,12 +10710,56 @@
                   <a:schemeClr val="accent1"/>
                 </a:solidFill>
               </a:rPr>
-              <a:t>交流</a:t>
-            </a:r>
-            <a:r>
-              <a:rPr kumimoji="1" lang="ja-JP" altLang="en-US" sz="3600" b="1" kern="1200" dirty="0"/>
-              <a:t>できる</a:t>
-            </a:r>
+              <a:t>変化</a:t>
+            </a:r>
+            <a:r>
+              <a:rPr kumimoji="1" lang="ja-JP" altLang="en-US" sz="3600" b="1" kern="1200" dirty="0">
+                <a:solidFill>
+                  <a:schemeClr val="tx1"/>
+                </a:solidFill>
+              </a:rPr>
+              <a:t>が</a:t>
+            </a:r>
+            <a:endParaRPr kumimoji="1" lang="en-US" altLang="ja-JP" sz="3600" b="1" kern="1200" dirty="0">
+              <a:solidFill>
+                <a:schemeClr val="tx1"/>
+              </a:solidFill>
+            </a:endParaRPr>
+          </a:p>
+          <a:p>
+            <a:pPr marL="0" lvl="0" indent="0" algn="ctr" defTabSz="1600200">
+              <a:lnSpc>
+                <a:spcPct val="90000"/>
+              </a:lnSpc>
+              <a:spcBef>
+                <a:spcPct val="0"/>
+              </a:spcBef>
+              <a:spcAft>
+                <a:spcPct val="35000"/>
+              </a:spcAft>
+              <a:buNone/>
+            </a:pPr>
+            <a:r>
+              <a:rPr lang="ja-JP" altLang="en-US" sz="3600" b="1" dirty="0">
+                <a:solidFill>
+                  <a:schemeClr val="tx1"/>
+                </a:solidFill>
+              </a:rPr>
+              <a:t>分</a:t>
+            </a:r>
+            <a:r>
+              <a:rPr kumimoji="1" lang="ja-JP" altLang="en-US" sz="3600" b="1" kern="1200" dirty="0">
+                <a:solidFill>
+                  <a:schemeClr val="tx1"/>
+                </a:solidFill>
+              </a:rPr>
+              <a:t>かる</a:t>
+            </a:r>
+            <a:endParaRPr kumimoji="1" lang="ja-JP" altLang="en-US" sz="2400" b="1" kern="1200" dirty="0">
+              <a:solidFill>
+                <a:schemeClr val="tx1"/>
+              </a:solidFill>
+            </a:endParaRPr>
           </a:p>
         </p:txBody>
       </p:sp>
@@ -10830,7 +10909,9 @@
         </p:nvSpPr>
         <p:spPr/>
         <p:txBody>
-          <a:bodyPr/>
+          <a:bodyPr>
+            <a:normAutofit/>
+          </a:bodyPr>
           <a:lstStyle/>
           <a:p>
             <a:pPr marL="0" lvl="0" indent="0" defTabSz="1600200">
@@ -10853,14 +10934,14 @@
                 <a:latin typeface="+mn-ea"/>
                 <a:ea typeface="+mn-ea"/>
               </a:rPr>
-              <a:t>交流</a:t>
+              <a:t>変化</a:t>
             </a:r>
             <a:r>
               <a:rPr kumimoji="1" lang="ja-JP" altLang="en-US" sz="4400" b="1" kern="1200" dirty="0">
                 <a:latin typeface="+mn-ea"/>
                 <a:ea typeface="+mn-ea"/>
               </a:rPr>
-              <a:t>できる</a:t>
+              <a:t>が分かる</a:t>
             </a:r>
           </a:p>
         </p:txBody>
@@ -10883,7 +10964,9 @@
         </p:nvSpPr>
         <p:spPr/>
         <p:txBody>
-          <a:bodyPr/>
+          <a:bodyPr>
+            <a:normAutofit/>
+          </a:bodyPr>
           <a:lstStyle/>
           <a:p>
             <a:pPr marL="0" indent="0">
@@ -10891,7 +10974,7 @@
             </a:pPr>
             <a:endParaRPr lang="en-US" altLang="ja-JP" sz="3600" b="1" dirty="0">
               <a:solidFill>
-                <a:schemeClr val="accent1"/>
+                <a:schemeClr val="accent2"/>
               </a:solidFill>
             </a:endParaRPr>
           </a:p>
@@ -10905,13 +10988,13 @@
                   <a:schemeClr val="accent1"/>
                 </a:solidFill>
               </a:rPr>
-              <a:t>匿名掲示板</a:t>
-            </a:r>
-            <a:r>
-              <a:rPr lang="ja-JP" altLang="en-US" dirty="0"/>
-              <a:t>　</a:t>
-            </a:r>
-            <a:endParaRPr lang="en-US" altLang="ja-JP" dirty="0"/>
+              <a:t>スライドショー</a:t>
+            </a:r>
+            <a:endParaRPr lang="en-US" altLang="ja-JP" sz="3600" b="1" dirty="0">
+              <a:solidFill>
+                <a:schemeClr val="accent1"/>
+              </a:solidFill>
+            </a:endParaRPr>
           </a:p>
           <a:p>
             <a:pPr marL="0" indent="0">
@@ -10923,65 +11006,42 @@
             </a:r>
             <a:r>
               <a:rPr lang="ja-JP" altLang="en-US" dirty="0"/>
-              <a:t>アカウントがあれば、</a:t>
-            </a:r>
-            <a:r>
-              <a:rPr lang="ja-JP" altLang="en-US" b="1" dirty="0"/>
-              <a:t>掲示板の閲覧・書き込み</a:t>
-            </a:r>
-            <a:r>
-              <a:rPr lang="ja-JP" altLang="en-US" dirty="0"/>
-              <a:t>ができる</a:t>
-            </a:r>
+              <a:t>登録した写真をスライドショー形式でみることができる</a:t>
+            </a:r>
+            <a:endParaRPr lang="en-US" altLang="ja-JP" dirty="0"/>
+          </a:p>
+          <a:p>
             <a:endParaRPr lang="en-US" altLang="ja-JP" dirty="0"/>
           </a:p>
           <a:p>
             <a:pPr marL="0" indent="0">
               <a:buNone/>
             </a:pPr>
-            <a:endParaRPr lang="en-US" altLang="ja-JP" dirty="0"/>
+            <a:r>
+              <a:rPr lang="ja-JP" altLang="en-US" sz="3600" b="1" dirty="0">
+                <a:solidFill>
+                  <a:schemeClr val="accent1"/>
+                </a:solidFill>
+              </a:rPr>
+              <a:t>グラフ</a:t>
+            </a:r>
+            <a:endParaRPr lang="en-US" altLang="ja-JP" sz="3600" b="1" dirty="0">
+              <a:solidFill>
+                <a:schemeClr val="accent1"/>
+              </a:solidFill>
+            </a:endParaRPr>
           </a:p>
           <a:p>
             <a:pPr marL="0" indent="0">
               <a:buNone/>
             </a:pPr>
             <a:r>
-              <a:rPr lang="ja-JP" altLang="en-US" dirty="0"/>
-              <a:t>　</a:t>
-            </a:r>
-            <a:r>
               <a:rPr lang="en-US" altLang="ja-JP" dirty="0"/>
               <a:t>	</a:t>
             </a:r>
             <a:r>
-              <a:rPr lang="ja-JP" altLang="en-US" sz="4000" b="1" dirty="0">
-                <a:solidFill>
-                  <a:srgbClr val="FF0000"/>
-                </a:solidFill>
-              </a:rPr>
-              <a:t>＋</a:t>
-            </a:r>
-            <a:r>
               <a:rPr lang="ja-JP" altLang="en-US" dirty="0"/>
-              <a:t>掲示板から、他ユーザの情報が閲覧できる</a:t>
-            </a:r>
-            <a:endParaRPr lang="en-US" altLang="ja-JP" dirty="0"/>
-          </a:p>
-          <a:p>
-            <a:pPr marL="0" indent="0">
-              <a:buNone/>
-            </a:pPr>
-            <a:r>
-              <a:rPr lang="en-US" altLang="ja-JP" b="1" dirty="0"/>
-              <a:t>		</a:t>
-            </a:r>
-            <a:r>
-              <a:rPr lang="ja-JP" altLang="en-US" b="1" dirty="0"/>
-              <a:t>良い刺激を受けたり、今後の参考に</a:t>
-            </a:r>
-            <a:r>
-              <a:rPr lang="ja-JP" altLang="en-US" dirty="0"/>
-              <a:t>できる</a:t>
+              <a:t>体重の変化を可視化</a:t>
             </a:r>
             <a:endParaRPr lang="en-US" altLang="ja-JP" dirty="0"/>
           </a:p>
@@ -10990,7 +11050,7 @@
     </p:spTree>
     <p:extLst>
       <p:ext uri="{BB962C8B-B14F-4D97-AF65-F5344CB8AC3E}">
-        <p14:creationId xmlns:p14="http://schemas.microsoft.com/office/powerpoint/2010/main" val="1022598026"/>
+        <p14:creationId xmlns:p14="http://schemas.microsoft.com/office/powerpoint/2010/main" val="811272287"/>
       </p:ext>
     </p:extLst>
   </p:cSld>
@@ -11164,12 +11224,32 @@
                   <a:schemeClr val="bg1"/>
                 </a:solidFill>
               </a:rPr>
-              <a:t>交流</a:t>
+              <a:t>変化</a:t>
             </a:r>
             <a:r>
               <a:rPr kumimoji="1" lang="ja-JP" altLang="en-US" sz="3600" b="1" kern="1200" dirty="0"/>
-              <a:t>できる</a:t>
-            </a:r>
+              <a:t>が</a:t>
+            </a:r>
+            <a:endParaRPr kumimoji="1" lang="en-US" altLang="ja-JP" sz="3600" b="1" kern="1200" dirty="0"/>
+          </a:p>
+          <a:p>
+            <a:pPr marL="0" lvl="0" indent="0" algn="ctr" defTabSz="1600200">
+              <a:lnSpc>
+                <a:spcPct val="90000"/>
+              </a:lnSpc>
+              <a:spcBef>
+                <a:spcPct val="0"/>
+              </a:spcBef>
+              <a:spcAft>
+                <a:spcPct val="35000"/>
+              </a:spcAft>
+              <a:buNone/>
+            </a:pPr>
+            <a:r>
+              <a:rPr lang="ja-JP" altLang="en-US" sz="3600" b="1" dirty="0"/>
+              <a:t>分かる</a:t>
+            </a:r>
+            <a:endParaRPr kumimoji="1" lang="ja-JP" altLang="en-US" sz="3600" b="1" kern="1200" dirty="0"/>
           </a:p>
         </p:txBody>
       </p:sp>
@@ -11303,16 +11383,12 @@
               <a:buNone/>
             </a:pPr>
             <a:r>
-              <a:rPr kumimoji="1" lang="ja-JP" altLang="en-US" sz="4800" b="1" kern="1200" dirty="0">
+              <a:rPr lang="ja-JP" altLang="en-US" sz="4800" b="1" dirty="0">
                 <a:solidFill>
                   <a:schemeClr val="bg1"/>
                 </a:solidFill>
               </a:rPr>
-              <a:t>意識</a:t>
-            </a:r>
-            <a:r>
-              <a:rPr kumimoji="1" lang="ja-JP" altLang="en-US" sz="3600" b="1" kern="1200" dirty="0"/>
-              <a:t>が</a:t>
+              <a:t>交流</a:t>
             </a:r>
             <a:endParaRPr kumimoji="1" lang="en-US" altLang="ja-JP" sz="3600" b="1" kern="1200" dirty="0"/>
           </a:p>
@@ -11330,9 +11406,10 @@
               <a:buNone/>
             </a:pPr>
             <a:r>
-              <a:rPr kumimoji="1" lang="ja-JP" altLang="en-US" sz="3600" b="1" kern="1200" dirty="0"/>
-              <a:t>変わる</a:t>
-            </a:r>
+              <a:rPr lang="ja-JP" altLang="en-US" sz="3600" b="1" dirty="0"/>
+              <a:t>できる</a:t>
+            </a:r>
+            <a:endParaRPr kumimoji="1" lang="ja-JP" altLang="en-US" sz="3600" b="1" kern="1200" dirty="0"/>
           </a:p>
         </p:txBody>
       </p:sp>
@@ -11454,7 +11531,7 @@
                   <a:schemeClr val="accent2"/>
                 </a:solidFill>
               </a:rPr>
-              <a:t>変化</a:t>
+              <a:t>意識</a:t>
             </a:r>
             <a:r>
               <a:rPr kumimoji="1" lang="ja-JP" altLang="en-US" sz="3600" b="1" kern="1200" dirty="0"/>
@@ -11476,9 +11553,10 @@
               <a:buNone/>
             </a:pPr>
             <a:r>
-              <a:rPr kumimoji="1" lang="ja-JP" altLang="en-US" sz="3600" b="1" kern="1200" dirty="0"/>
-              <a:t>分かる</a:t>
-            </a:r>
+              <a:rPr lang="ja-JP" altLang="en-US" sz="3600" b="1" dirty="0"/>
+              <a:t>変わる</a:t>
+            </a:r>
+            <a:endParaRPr kumimoji="1" lang="ja-JP" altLang="en-US" sz="3600" b="1" kern="1200" dirty="0"/>
           </a:p>
         </p:txBody>
       </p:sp>
@@ -11653,15 +11731,19 @@
                 <a:latin typeface="+mn-ea"/>
                 <a:ea typeface="+mn-ea"/>
               </a:rPr>
-              <a:t>変化</a:t>
+              <a:t>意識</a:t>
             </a:r>
             <a:r>
               <a:rPr kumimoji="1" lang="ja-JP" altLang="en-US" sz="4400" b="1" kern="1200" dirty="0">
                 <a:latin typeface="+mn-ea"/>
                 <a:ea typeface="+mn-ea"/>
               </a:rPr>
-              <a:t>が分かる</a:t>
-            </a:r>
+              <a:t>が変わる</a:t>
+            </a:r>
+            <a:endParaRPr lang="ja-JP" altLang="en-US" b="1" dirty="0">
+              <a:latin typeface="+mn-ea"/>
+              <a:ea typeface="+mn-ea"/>
+            </a:endParaRPr>
           </a:p>
         </p:txBody>
       </p:sp>
@@ -11684,14 +11766,22 @@
         <p:spPr/>
         <p:txBody>
           <a:bodyPr>
-            <a:normAutofit/>
+            <a:normAutofit lnSpcReduction="10000"/>
           </a:bodyPr>
           <a:lstStyle/>
           <a:p>
             <a:pPr marL="0" indent="0">
               <a:buNone/>
             </a:pPr>
-            <a:endParaRPr lang="en-US" altLang="ja-JP" sz="3600" b="1" dirty="0">
+            <a:r>
+              <a:rPr lang="ja-JP" altLang="en-US" sz="3600" b="1" dirty="0">
+                <a:solidFill>
+                  <a:schemeClr val="accent2"/>
+                </a:solidFill>
+              </a:rPr>
+              <a:t>ゆるい食事記録</a:t>
+            </a:r>
+            <a:endParaRPr lang="en-US" altLang="ja-JP" b="1" dirty="0">
               <a:solidFill>
                 <a:schemeClr val="accent2"/>
               </a:solidFill>
@@ -11702,14 +11792,123 @@
               <a:buNone/>
             </a:pPr>
             <a:r>
+              <a:rPr lang="en-US" altLang="ja-JP" dirty="0"/>
+              <a:t>	</a:t>
+            </a:r>
+            <a:r>
+              <a:rPr lang="ja-JP" altLang="en-US" dirty="0"/>
+              <a:t>制限・縛りなし</a:t>
+            </a:r>
+            <a:endParaRPr lang="en-US" altLang="ja-JP" dirty="0"/>
+          </a:p>
+          <a:p>
+            <a:pPr marL="0" indent="0">
+              <a:buNone/>
+            </a:pPr>
+            <a:r>
+              <a:rPr lang="en-US" altLang="ja-JP" dirty="0"/>
+              <a:t>		</a:t>
+            </a:r>
+            <a:r>
+              <a:rPr lang="ja-JP" altLang="en-US" dirty="0"/>
+              <a:t>記録することで、</a:t>
+            </a:r>
+            <a:r>
+              <a:rPr lang="ja-JP" altLang="en-US" b="1" dirty="0"/>
+              <a:t>自分の食事の傾向を再発見</a:t>
+            </a:r>
+            <a:r>
+              <a:rPr lang="ja-JP" altLang="en-US" dirty="0"/>
+              <a:t>できる</a:t>
+            </a:r>
+            <a:r>
+              <a:rPr lang="en-US" altLang="ja-JP" b="1" dirty="0"/>
+              <a:t>	</a:t>
+            </a:r>
+            <a:endParaRPr lang="en-US" altLang="ja-JP" dirty="0"/>
+          </a:p>
+          <a:p>
+            <a:pPr marL="0" indent="0">
+              <a:buNone/>
+            </a:pPr>
+            <a:r>
+              <a:rPr lang="en-US" altLang="ja-JP" dirty="0"/>
+              <a:t>	</a:t>
+            </a:r>
+            <a:r>
+              <a:rPr lang="ja-JP" altLang="en-US" dirty="0"/>
+              <a:t>飲酒・運動についてもあり</a:t>
+            </a:r>
+            <a:r>
+              <a:rPr lang="en-US" altLang="ja-JP" dirty="0"/>
+              <a:t>/</a:t>
+            </a:r>
+            <a:r>
+              <a:rPr lang="ja-JP" altLang="en-US" dirty="0"/>
+              <a:t>なしのみ記録</a:t>
+            </a:r>
+            <a:endParaRPr lang="en-US" altLang="ja-JP" dirty="0"/>
+          </a:p>
+          <a:p>
+            <a:pPr marL="0" indent="0">
+              <a:buNone/>
+            </a:pPr>
+            <a:r>
+              <a:rPr lang="en-US" altLang="ja-JP" sz="3600" b="1" dirty="0">
+                <a:solidFill>
+                  <a:srgbClr val="FF0000"/>
+                </a:solidFill>
+              </a:rPr>
+              <a:t>	</a:t>
+            </a:r>
+            <a:r>
+              <a:rPr lang="ja-JP" altLang="en-US" sz="4000" b="1" dirty="0">
+                <a:solidFill>
+                  <a:srgbClr val="FF0000"/>
+                </a:solidFill>
+              </a:rPr>
+              <a:t>＋</a:t>
+            </a:r>
+            <a:r>
+              <a:rPr lang="ja-JP" altLang="en-US" dirty="0"/>
+              <a:t>少しの散歩でも記録。見返したときに</a:t>
+            </a:r>
+            <a:r>
+              <a:rPr lang="ja-JP" altLang="en-US" b="1" dirty="0"/>
+              <a:t>達成感</a:t>
+            </a:r>
+            <a:r>
+              <a:rPr lang="ja-JP" altLang="en-US" dirty="0"/>
+              <a:t>を得る　</a:t>
+            </a:r>
+            <a:r>
+              <a:rPr lang="en-US" altLang="ja-JP" dirty="0"/>
+              <a:t>	</a:t>
+            </a:r>
+          </a:p>
+          <a:p>
+            <a:pPr marL="0" indent="0">
+              <a:buNone/>
+            </a:pPr>
+            <a:endParaRPr lang="en-US" altLang="ja-JP" b="1" dirty="0">
+              <a:solidFill>
+                <a:srgbClr val="00B050"/>
+              </a:solidFill>
+            </a:endParaRPr>
+          </a:p>
+          <a:p>
+            <a:pPr marL="0" indent="0">
+              <a:buNone/>
+            </a:pPr>
+            <a:r>
               <a:rPr lang="ja-JP" altLang="en-US" sz="3600" b="1" dirty="0">
                 <a:solidFill>
                   <a:schemeClr val="accent2"/>
                 </a:solidFill>
               </a:rPr>
-              <a:t>スライドショー</a:t>
-            </a:r>
-            <a:endParaRPr lang="en-US" altLang="ja-JP" sz="3600" b="1" dirty="0">
+              <a:t>目標体重の設定</a:t>
+            </a:r>
+            <a:endParaRPr lang="en-US" altLang="ja-JP" dirty="0">
               <a:solidFill>
                 <a:schemeClr val="accent2"/>
               </a:solidFill>
@@ -11725,43 +11924,22 @@
             </a:r>
             <a:r>
               <a:rPr lang="ja-JP" altLang="en-US" dirty="0"/>
-              <a:t>登録した写真をスライドショー形式でみることができる</a:t>
-            </a:r>
-            <a:endParaRPr lang="en-US" altLang="ja-JP" dirty="0"/>
-          </a:p>
-          <a:p>
+              <a:t>目標体重が</a:t>
+            </a:r>
+            <a:r>
+              <a:rPr lang="ja-JP" altLang="en-US" b="1" dirty="0"/>
+              <a:t>常に表示される</a:t>
+            </a:r>
+            <a:r>
+              <a:rPr lang="ja-JP" altLang="en-US" dirty="0"/>
+              <a:t>ので意識に刷り込まれる</a:t>
+            </a:r>
             <a:endParaRPr lang="en-US" altLang="ja-JP" dirty="0"/>
           </a:p>
           <a:p>
             <a:pPr marL="0" indent="0">
               <a:buNone/>
             </a:pPr>
-            <a:r>
-              <a:rPr lang="ja-JP" altLang="en-US" sz="3600" b="1" dirty="0">
-                <a:solidFill>
-                  <a:schemeClr val="accent2"/>
-                </a:solidFill>
-              </a:rPr>
-              <a:t>グラフ</a:t>
-            </a:r>
-            <a:endParaRPr lang="en-US" altLang="ja-JP" sz="3600" b="1" dirty="0">
-              <a:solidFill>
-                <a:schemeClr val="accent2"/>
-              </a:solidFill>
-            </a:endParaRPr>
-          </a:p>
-          <a:p>
-            <a:pPr marL="0" indent="0">
-              <a:buNone/>
-            </a:pPr>
-            <a:r>
-              <a:rPr lang="en-US" altLang="ja-JP" dirty="0"/>
-              <a:t>	</a:t>
-            </a:r>
-            <a:r>
-              <a:rPr lang="ja-JP" altLang="en-US" dirty="0"/>
-              <a:t>体重の変化を可視化</a:t>
-            </a:r>
             <a:endParaRPr lang="en-US" altLang="ja-JP" dirty="0"/>
           </a:p>
         </p:txBody>
@@ -11769,7 +11947,7 @@
     </p:spTree>
     <p:extLst>
       <p:ext uri="{BB962C8B-B14F-4D97-AF65-F5344CB8AC3E}">
-        <p14:creationId xmlns:p14="http://schemas.microsoft.com/office/powerpoint/2010/main" val="811272287"/>
+        <p14:creationId xmlns:p14="http://schemas.microsoft.com/office/powerpoint/2010/main" val="2928519303"/>
       </p:ext>
     </p:extLst>
   </p:cSld>
@@ -11943,12 +12121,32 @@
                   <a:schemeClr val="bg1"/>
                 </a:solidFill>
               </a:rPr>
-              <a:t>交流</a:t>
+              <a:t>変化</a:t>
             </a:r>
             <a:r>
               <a:rPr kumimoji="1" lang="ja-JP" altLang="en-US" sz="3600" b="1" kern="1200" dirty="0"/>
-              <a:t>できる</a:t>
-            </a:r>
+              <a:t>が</a:t>
+            </a:r>
+            <a:endParaRPr kumimoji="1" lang="en-US" altLang="ja-JP" sz="3600" b="1" kern="1200" dirty="0"/>
+          </a:p>
+          <a:p>
+            <a:pPr marL="0" lvl="0" indent="0" algn="ctr" defTabSz="1600200">
+              <a:lnSpc>
+                <a:spcPct val="90000"/>
+              </a:lnSpc>
+              <a:spcBef>
+                <a:spcPct val="0"/>
+              </a:spcBef>
+              <a:spcAft>
+                <a:spcPct val="35000"/>
+              </a:spcAft>
+              <a:buNone/>
+            </a:pPr>
+            <a:r>
+              <a:rPr lang="ja-JP" altLang="en-US" sz="3600" b="1" dirty="0"/>
+              <a:t>分かる</a:t>
+            </a:r>
+            <a:endParaRPr kumimoji="1" lang="ja-JP" altLang="en-US" sz="3600" b="1" kern="1200" dirty="0"/>
           </a:p>
         </p:txBody>
       </p:sp>
@@ -12087,7 +12285,7 @@
                   <a:schemeClr val="bg1"/>
                 </a:solidFill>
               </a:rPr>
-              <a:t>変化</a:t>
+              <a:t>意識</a:t>
             </a:r>
             <a:r>
               <a:rPr kumimoji="1" lang="ja-JP" altLang="en-US" sz="3600" b="1" kern="1200" dirty="0"/>
@@ -12109,9 +12307,10 @@
               <a:buNone/>
             </a:pPr>
             <a:r>
-              <a:rPr kumimoji="1" lang="ja-JP" altLang="en-US" sz="3600" b="1" kern="1200" dirty="0"/>
-              <a:t>分かる</a:t>
-            </a:r>
+              <a:rPr lang="ja-JP" altLang="en-US" sz="3600" b="1" dirty="0"/>
+              <a:t>変わる</a:t>
+            </a:r>
+            <a:endParaRPr kumimoji="1" lang="ja-JP" altLang="en-US" sz="3600" b="1" kern="1200" dirty="0"/>
           </a:p>
         </p:txBody>
       </p:sp>
@@ -12233,13 +12432,9 @@
                   <a:srgbClr val="00B050"/>
                 </a:solidFill>
               </a:rPr>
-              <a:t>意識</a:t>
-            </a:r>
-            <a:r>
-              <a:rPr kumimoji="1" lang="ja-JP" altLang="en-US" sz="3600" b="1" kern="1200" dirty="0"/>
-              <a:t>が</a:t>
-            </a:r>
-            <a:endParaRPr kumimoji="1" lang="en-US" altLang="ja-JP" sz="3600" b="1" kern="1200" dirty="0"/>
+              <a:t>交流</a:t>
+            </a:r>
+            <a:endParaRPr lang="en-US" altLang="ja-JP" sz="3600" b="1" dirty="0"/>
           </a:p>
           <a:p>
             <a:pPr marL="0" lvl="0" indent="0" algn="ctr" defTabSz="1600200">
@@ -12256,8 +12451,9 @@
             </a:pPr>
             <a:r>
               <a:rPr kumimoji="1" lang="ja-JP" altLang="en-US" sz="3600" b="1" kern="1200" dirty="0"/>
-              <a:t>変わる</a:t>
-            </a:r>
+              <a:t>できる</a:t>
+            </a:r>
+            <a:endParaRPr kumimoji="1" lang="en-US" altLang="ja-JP" sz="3600" b="1" kern="1200" dirty="0"/>
           </a:p>
         </p:txBody>
       </p:sp>
@@ -12407,9 +12603,7 @@
         </p:nvSpPr>
         <p:spPr/>
         <p:txBody>
-          <a:bodyPr>
-            <a:normAutofit/>
-          </a:bodyPr>
+          <a:bodyPr/>
           <a:lstStyle/>
           <a:p>
             <a:pPr marL="0" lvl="0" indent="0" defTabSz="1600200">
@@ -12432,19 +12626,15 @@
                 <a:latin typeface="+mn-ea"/>
                 <a:ea typeface="+mn-ea"/>
               </a:rPr>
-              <a:t>意識</a:t>
+              <a:t>交流</a:t>
             </a:r>
             <a:r>
               <a:rPr kumimoji="1" lang="ja-JP" altLang="en-US" sz="4400" b="1" kern="1200" dirty="0">
                 <a:latin typeface="+mn-ea"/>
                 <a:ea typeface="+mn-ea"/>
               </a:rPr>
-              <a:t>が変わる</a:t>
-            </a:r>
-            <a:endParaRPr lang="ja-JP" altLang="en-US" b="1" dirty="0">
-              <a:latin typeface="+mn-ea"/>
-              <a:ea typeface="+mn-ea"/>
-            </a:endParaRPr>
+              <a:t>できる</a:t>
+            </a:r>
           </a:p>
         </p:txBody>
       </p:sp>
@@ -12466,10 +12656,18 @@
         </p:nvSpPr>
         <p:spPr/>
         <p:txBody>
-          <a:bodyPr>
-            <a:normAutofit lnSpcReduction="10000"/>
-          </a:bodyPr>
+          <a:bodyPr/>
           <a:lstStyle/>
+          <a:p>
+            <a:pPr marL="0" indent="0">
+              <a:buNone/>
+            </a:pPr>
+            <a:endParaRPr lang="en-US" altLang="ja-JP" sz="3600" b="1" dirty="0">
+              <a:solidFill>
+                <a:schemeClr val="accent1"/>
+              </a:solidFill>
+            </a:endParaRPr>
+          </a:p>
           <a:p>
             <a:pPr marL="0" indent="0">
               <a:buNone/>
@@ -12480,9 +12678,17 @@
                   <a:srgbClr val="00B050"/>
                 </a:solidFill>
               </a:rPr>
-              <a:t>ゆるい食事記録</a:t>
-            </a:r>
-            <a:endParaRPr lang="en-US" altLang="ja-JP" b="1" dirty="0">
+              <a:t>匿名掲示板</a:t>
+            </a:r>
+            <a:r>
+              <a:rPr lang="ja-JP" altLang="en-US" dirty="0">
+                <a:solidFill>
+                  <a:srgbClr val="00B050"/>
+                </a:solidFill>
+              </a:rPr>
+              <a:t>　</a:t>
+            </a:r>
+            <a:endParaRPr lang="en-US" altLang="ja-JP" dirty="0">
               <a:solidFill>
                 <a:srgbClr val="00B050"/>
               </a:solidFill>
@@ -12498,7 +12704,15 @@
             </a:r>
             <a:r>
               <a:rPr lang="ja-JP" altLang="en-US" dirty="0"/>
-              <a:t>制限・縛りなし</a:t>
+              <a:t>アカウントがあれば、</a:t>
+            </a:r>
+            <a:r>
+              <a:rPr lang="ja-JP" altLang="en-US" b="1" dirty="0"/>
+              <a:t>掲示板の閲覧・書き込み</a:t>
+            </a:r>
+            <a:r>
+              <a:rPr lang="ja-JP" altLang="en-US" dirty="0"/>
+              <a:t>ができる</a:t>
             </a:r>
             <a:endParaRPr lang="en-US" altLang="ja-JP" dirty="0"/>
           </a:p>
@@ -12506,26 +12720,6 @@
             <a:pPr marL="0" indent="0">
               <a:buNone/>
             </a:pPr>
-            <a:r>
-              <a:rPr lang="en-US" altLang="ja-JP" dirty="0"/>
-              <a:t>		</a:t>
-            </a:r>
-            <a:r>
-              <a:rPr lang="ja-JP" altLang="en-US" dirty="0"/>
-              <a:t>記録することで、</a:t>
-            </a:r>
-            <a:r>
-              <a:rPr lang="ja-JP" altLang="en-US" b="1" dirty="0"/>
-              <a:t>自分の食事の傾向を再発見</a:t>
-            </a:r>
-            <a:r>
-              <a:rPr lang="ja-JP" altLang="en-US" dirty="0"/>
-              <a:t>できる</a:t>
-            </a:r>
-            <a:r>
-              <a:rPr lang="en-US" altLang="ja-JP" b="1" dirty="0"/>
-              <a:t>	</a:t>
-            </a:r>
             <a:endParaRPr lang="en-US" altLang="ja-JP" dirty="0"/>
           </a:p>
           <a:p>
@@ -12533,33 +12727,11 @@
               <a:buNone/>
             </a:pPr>
             <a:r>
+              <a:rPr lang="ja-JP" altLang="en-US" dirty="0"/>
+              <a:t>　</a:t>
+            </a:r>
+            <a:r>
               <a:rPr lang="en-US" altLang="ja-JP" dirty="0"/>
-              <a:t>	</a:t>
-            </a:r>
-            <a:r>
-              <a:rPr lang="ja-JP" altLang="en-US" dirty="0"/>
-              <a:t>飲酒・運動についてもあり</a:t>
-            </a:r>
-            <a:r>
-              <a:rPr lang="en-US" altLang="ja-JP" dirty="0"/>
-              <a:t>/</a:t>
-            </a:r>
-            <a:r>
-              <a:rPr lang="ja-JP" altLang="en-US" dirty="0"/>
-              <a:t>なしのみ記録</a:t>
-            </a:r>
-            <a:endParaRPr lang="en-US" altLang="ja-JP" dirty="0"/>
-          </a:p>
-          <a:p>
-            <a:pPr marL="0" indent="0">
-              <a:buNone/>
-            </a:pPr>
-            <a:r>
-              <a:rPr lang="en-US" altLang="ja-JP" sz="3600" b="1" dirty="0">
-                <a:solidFill>
-                  <a:srgbClr val="FF0000"/>
-                </a:solidFill>
-              </a:rPr>
               <a:t>	</a:t>
             </a:r>
             <a:r>
@@ -12572,71 +12744,26 @@
             </a:r>
             <a:r>
               <a:rPr lang="ja-JP" altLang="en-US" dirty="0"/>
-              <a:t>少しの散歩でも記録。見返したときに</a:t>
-            </a:r>
-            <a:r>
-              <a:rPr lang="ja-JP" altLang="en-US" b="1" dirty="0"/>
-              <a:t>達成感</a:t>
-            </a:r>
-            <a:r>
-              <a:rPr lang="ja-JP" altLang="en-US" dirty="0"/>
-              <a:t>を得る　</a:t>
-            </a:r>
-            <a:r>
-              <a:rPr lang="en-US" altLang="ja-JP" dirty="0"/>
-              <a:t>	</a:t>
-            </a:r>
+              <a:t>掲示板から、他ユーザの情報が閲覧できる</a:t>
+            </a:r>
+            <a:endParaRPr lang="en-US" altLang="ja-JP" dirty="0"/>
           </a:p>
           <a:p>
             <a:pPr marL="0" indent="0">
               <a:buNone/>
             </a:pPr>
-            <a:endParaRPr lang="en-US" altLang="ja-JP" b="1" dirty="0">
-              <a:solidFill>
-                <a:srgbClr val="00B050"/>
-              </a:solidFill>
-            </a:endParaRPr>
-          </a:p>
-          <a:p>
-            <a:pPr marL="0" indent="0">
-              <a:buNone/>
-            </a:pPr>
-            <a:r>
-              <a:rPr lang="ja-JP" altLang="en-US" sz="3600" b="1" dirty="0">
-                <a:solidFill>
-                  <a:srgbClr val="00B050"/>
-                </a:solidFill>
-              </a:rPr>
-              <a:t>目標体重の設定</a:t>
-            </a:r>
-            <a:endParaRPr lang="en-US" altLang="ja-JP" dirty="0"/>
-          </a:p>
-          <a:p>
-            <a:pPr marL="0" indent="0">
-              <a:buNone/>
-            </a:pPr>
-            <a:r>
-              <a:rPr lang="en-US" altLang="ja-JP" dirty="0"/>
-              <a:t>	</a:t>
+            <a:r>
+              <a:rPr lang="en-US" altLang="ja-JP" b="1" dirty="0"/>
+              <a:t>		</a:t>
+            </a:r>
+            <a:r>
+              <a:rPr lang="ja-JP" altLang="en-US" b="1" dirty="0"/>
+              <a:t>良い刺激を受けたり、今後の参考に</a:t>
             </a:r>
             <a:r>
               <a:rPr lang="ja-JP" altLang="en-US" dirty="0"/>
-              <a:t>目標体重が</a:t>
-            </a:r>
-            <a:r>
-              <a:rPr lang="ja-JP" altLang="en-US" b="1" dirty="0"/>
-              <a:t>常に表示される</a:t>
-            </a:r>
-            <a:r>
-              <a:rPr lang="ja-JP" altLang="en-US" dirty="0"/>
-              <a:t>ので意識に刷り込まれる</a:t>
-            </a:r>
-            <a:endParaRPr lang="en-US" altLang="ja-JP" dirty="0"/>
-          </a:p>
-          <a:p>
-            <a:pPr marL="0" indent="0">
-              <a:buNone/>
-            </a:pPr>
+              <a:t>できる</a:t>
+            </a:r>
             <a:endParaRPr lang="en-US" altLang="ja-JP" dirty="0"/>
           </a:p>
         </p:txBody>
@@ -12644,7 +12771,7 @@
     </p:spTree>
     <p:extLst>
       <p:ext uri="{BB962C8B-B14F-4D97-AF65-F5344CB8AC3E}">
-        <p14:creationId xmlns:p14="http://schemas.microsoft.com/office/powerpoint/2010/main" val="2928519303"/>
+        <p14:creationId xmlns:p14="http://schemas.microsoft.com/office/powerpoint/2010/main" val="1022598026"/>
       </p:ext>
     </p:extLst>
   </p:cSld>
@@ -12899,7 +13026,7 @@
         </p:nvSpPr>
         <p:spPr>
           <a:xfrm>
-            <a:off x="4813224" y="1233530"/>
+            <a:off x="5013640" y="1128221"/>
             <a:ext cx="4783781" cy="2968668"/>
           </a:xfrm>
           <a:prstGeom prst="cloudCallout">
@@ -12955,7 +13082,7 @@
         </p:nvSpPr>
         <p:spPr>
           <a:xfrm>
-            <a:off x="7205114" y="1444201"/>
+            <a:off x="6570018" y="1585266"/>
             <a:ext cx="4783781" cy="2968668"/>
           </a:xfrm>
           <a:prstGeom prst="cloudCallout">
@@ -13027,7 +13154,7 @@
         </p:nvSpPr>
         <p:spPr>
           <a:xfrm>
-            <a:off x="6570019" y="3294508"/>
+            <a:off x="6380833" y="3429000"/>
             <a:ext cx="4783781" cy="2968668"/>
           </a:xfrm>
           <a:prstGeom prst="cloudCallout">
@@ -14500,13 +14627,13 @@
   <p:clrMapOvr>
     <a:masterClrMapping/>
   </p:clrMapOvr>
-  <mc:AlternateContent xmlns:mc="http://schemas.openxmlformats.org/markup-compatibility/2006">
-    <mc:Choice xmlns:p14="http://schemas.microsoft.com/office/powerpoint/2010/main" Requires="p14">
+  <mc:AlternateContent xmlns:mc="http://schemas.openxmlformats.org/markup-compatibility/2006" xmlns:p14="http://schemas.microsoft.com/office/powerpoint/2010/main">
+    <mc:Choice Requires="p14">
       <p:transition spd="med" p14:dur="700">
         <p:fade/>
       </p:transition>
     </mc:Choice>
-    <mc:Fallback>
+    <mc:Fallback xmlns="">
       <p:transition spd="med">
         <p:fade/>
       </p:transition>
@@ -15002,13 +15129,13 @@
   <p:clrMapOvr>
     <a:masterClrMapping/>
   </p:clrMapOvr>
-  <mc:AlternateContent xmlns:mc="http://schemas.openxmlformats.org/markup-compatibility/2006">
-    <mc:Choice xmlns:p14="http://schemas.microsoft.com/office/powerpoint/2010/main" Requires="p14">
+  <mc:AlternateContent xmlns:mc="http://schemas.openxmlformats.org/markup-compatibility/2006" xmlns:p14="http://schemas.microsoft.com/office/powerpoint/2010/main">
+    <mc:Choice Requires="p14">
       <p:transition spd="med" p14:dur="700">
         <p:fade/>
       </p:transition>
     </mc:Choice>
-    <mc:Fallback>
+    <mc:Fallback xmlns="">
       <p:transition spd="med">
         <p:fade/>
       </p:transition>
@@ -15085,13 +15212,13 @@
   <p:clrMapOvr>
     <a:masterClrMapping/>
   </p:clrMapOvr>
-  <mc:AlternateContent xmlns:mc="http://schemas.openxmlformats.org/markup-compatibility/2006">
-    <mc:Choice xmlns:p14="http://schemas.microsoft.com/office/powerpoint/2010/main" Requires="p14">
+  <mc:AlternateContent xmlns:mc="http://schemas.openxmlformats.org/markup-compatibility/2006" xmlns:p14="http://schemas.microsoft.com/office/powerpoint/2010/main">
+    <mc:Choice Requires="p14">
       <p:transition spd="med" p14:dur="700">
         <p:fade/>
       </p:transition>
     </mc:Choice>
-    <mc:Fallback>
+    <mc:Fallback xmlns="">
       <p:transition spd="med">
         <p:fade/>
       </p:transition>
@@ -15559,13 +15686,13 @@
   <p:clrMapOvr>
     <a:masterClrMapping/>
   </p:clrMapOvr>
-  <mc:AlternateContent xmlns:mc="http://schemas.openxmlformats.org/markup-compatibility/2006">
-    <mc:Choice xmlns:p14="http://schemas.microsoft.com/office/powerpoint/2010/main" Requires="p14">
+  <mc:AlternateContent xmlns:mc="http://schemas.openxmlformats.org/markup-compatibility/2006" xmlns:p14="http://schemas.microsoft.com/office/powerpoint/2010/main">
+    <mc:Choice Requires="p14">
       <p:transition spd="med" p14:dur="700">
         <p:fade/>
       </p:transition>
     </mc:Choice>
-    <mc:Fallback>
+    <mc:Fallback xmlns="">
       <p:transition spd="med">
         <p:fade/>
       </p:transition>
@@ -17803,7 +17930,7 @@
           <p:nvPr>
             <p:extLst>
               <p:ext uri="{D42A27DB-BD31-4B8C-83A1-F6EECF244321}">
-                <p14:modId xmlns:p14="http://schemas.microsoft.com/office/powerpoint/2010/main" val="3757956402"/>
+                <p14:modId xmlns:p14="http://schemas.microsoft.com/office/powerpoint/2010/main" val="80653661"/>
               </p:ext>
             </p:extLst>
           </p:nvPr>
@@ -17832,13 +17959,13 @@
         </p:nvSpPr>
         <p:spPr>
           <a:xfrm>
-            <a:off x="8143875" y="1298938"/>
-            <a:ext cx="3943350" cy="2571750"/>
+            <a:off x="642144" y="64861"/>
+            <a:ext cx="3782711" cy="2571750"/>
           </a:xfrm>
           <a:prstGeom prst="wedgeEllipseCallout">
             <a:avLst>
-              <a:gd name="adj1" fmla="val -41829"/>
-              <a:gd name="adj2" fmla="val 46945"/>
+              <a:gd name="adj1" fmla="val 55189"/>
+              <a:gd name="adj2" fmla="val 16294"/>
             </a:avLst>
           </a:prstGeom>
           <a:solidFill>
@@ -17910,8 +18037,8 @@
         </p:nvSpPr>
         <p:spPr>
           <a:xfrm>
-            <a:off x="752476" y="104775"/>
-            <a:ext cx="3295650" cy="2571750"/>
+            <a:off x="104775" y="3710151"/>
+            <a:ext cx="3142922" cy="2479151"/>
           </a:xfrm>
           <a:prstGeom prst="wedgeEllipseCallout">
             <a:avLst>
@@ -17977,13 +18104,13 @@
         </p:nvSpPr>
         <p:spPr>
           <a:xfrm>
-            <a:off x="133350" y="4200523"/>
+            <a:off x="9197747" y="1714638"/>
             <a:ext cx="2860903" cy="2571751"/>
           </a:xfrm>
           <a:prstGeom prst="wedgeEllipseCallout">
             <a:avLst>
-              <a:gd name="adj1" fmla="val 51285"/>
-              <a:gd name="adj2" fmla="val -22442"/>
+              <a:gd name="adj1" fmla="val -58561"/>
+              <a:gd name="adj2" fmla="val 33956"/>
             </a:avLst>
           </a:prstGeom>
           <a:solidFill>
@@ -18039,8 +18166,8 @@
         </p:nvSpPr>
         <p:spPr>
           <a:xfrm>
-            <a:off x="1280318" y="1857490"/>
-            <a:ext cx="9572625" cy="3228975"/>
+            <a:off x="1117432" y="2090159"/>
+            <a:ext cx="9985710" cy="3239984"/>
           </a:xfrm>
           <a:prstGeom prst="flowChartAlternateProcess">
             <a:avLst/>
@@ -18219,7 +18346,7 @@
     </p:spTree>
     <p:extLst>
       <p:ext uri="{BB962C8B-B14F-4D97-AF65-F5344CB8AC3E}">
-        <p14:creationId xmlns:p14="http://schemas.microsoft.com/office/powerpoint/2010/main" val="1697563997"/>
+        <p14:creationId xmlns:p14="http://schemas.microsoft.com/office/powerpoint/2010/main" val="591628627"/>
       </p:ext>
     </p:extLst>
   </p:cSld>
@@ -18272,7 +18399,7 @@
                                           </p:stCondLst>
                                         </p:cTn>
                                         <p:tgtEl>
-                                          <p:spTgt spid="7"/>
+                                          <p:spTgt spid="8"/>
                                         </p:tgtEl>
                                         <p:attrNameLst>
                                           <p:attrName>style.visibility</p:attrName>
@@ -18286,7 +18413,7 @@
                                       <p:cBhvr>
                                         <p:cTn id="7" dur="500"/>
                                         <p:tgtEl>
-                                          <p:spTgt spid="7"/>
+                                          <p:spTgt spid="8"/>
                                         </p:tgtEl>
                                       </p:cBhvr>
                                     </p:animEffect>
@@ -18342,7 +18469,7 @@
                                           </p:stCondLst>
                                         </p:cTn>
                                         <p:tgtEl>
-                                          <p:spTgt spid="8"/>
+                                          <p:spTgt spid="9"/>
                                         </p:tgtEl>
                                         <p:attrNameLst>
                                           <p:attrName>style.visibility</p:attrName>
@@ -18356,7 +18483,7 @@
                                       <p:cBhvr>
                                         <p:cTn id="14" dur="500"/>
                                         <p:tgtEl>
-                                          <p:spTgt spid="8"/>
+                                          <p:spTgt spid="9"/>
                                         </p:tgtEl>
                                       </p:cBhvr>
                                     </p:animEffect>
@@ -18412,7 +18539,7 @@
                                           </p:stCondLst>
                                         </p:cTn>
                                         <p:tgtEl>
-                                          <p:spTgt spid="9"/>
+                                          <p:spTgt spid="7"/>
                                         </p:tgtEl>
                                         <p:attrNameLst>
                                           <p:attrName>style.visibility</p:attrName>
@@ -18426,7 +18553,7 @@
                                       <p:cBhvr>
                                         <p:cTn id="21" dur="500"/>
                                         <p:tgtEl>
-                                          <p:spTgt spid="9"/>
+                                          <p:spTgt spid="7"/>
                                         </p:tgtEl>
                                       </p:cBhvr>
                                     </p:animEffect>

--- a/共有用フォルダー/成果発表.pptx
+++ b/共有用フォルダー/成果発表.pptx
@@ -5,39 +5,38 @@
     <p:sldMasterId id="2147483648" r:id="rId1"/>
   </p:sldMasterIdLst>
   <p:notesMasterIdLst>
-    <p:notesMasterId r:id="rId32"/>
+    <p:notesMasterId r:id="rId31"/>
   </p:notesMasterIdLst>
   <p:sldIdLst>
     <p:sldId id="256" r:id="rId2"/>
     <p:sldId id="300" r:id="rId3"/>
     <p:sldId id="288" r:id="rId4"/>
-    <p:sldId id="301" r:id="rId5"/>
-    <p:sldId id="282" r:id="rId6"/>
-    <p:sldId id="257" r:id="rId7"/>
-    <p:sldId id="280" r:id="rId8"/>
-    <p:sldId id="273" r:id="rId9"/>
-    <p:sldId id="270" r:id="rId10"/>
-    <p:sldId id="299" r:id="rId11"/>
-    <p:sldId id="284" r:id="rId12"/>
-    <p:sldId id="264" r:id="rId13"/>
-    <p:sldId id="269" r:id="rId14"/>
-    <p:sldId id="267" r:id="rId15"/>
-    <p:sldId id="274" r:id="rId16"/>
-    <p:sldId id="266" r:id="rId17"/>
-    <p:sldId id="265" r:id="rId18"/>
-    <p:sldId id="289" r:id="rId19"/>
-    <p:sldId id="303" r:id="rId20"/>
-    <p:sldId id="302" r:id="rId21"/>
-    <p:sldId id="279" r:id="rId22"/>
-    <p:sldId id="285" r:id="rId23"/>
-    <p:sldId id="292" r:id="rId24"/>
-    <p:sldId id="296" r:id="rId25"/>
-    <p:sldId id="298" r:id="rId26"/>
-    <p:sldId id="297" r:id="rId27"/>
-    <p:sldId id="286" r:id="rId28"/>
-    <p:sldId id="291" r:id="rId29"/>
-    <p:sldId id="293" r:id="rId30"/>
-    <p:sldId id="295" r:id="rId31"/>
+    <p:sldId id="282" r:id="rId5"/>
+    <p:sldId id="257" r:id="rId6"/>
+    <p:sldId id="280" r:id="rId7"/>
+    <p:sldId id="273" r:id="rId8"/>
+    <p:sldId id="270" r:id="rId9"/>
+    <p:sldId id="299" r:id="rId10"/>
+    <p:sldId id="284" r:id="rId11"/>
+    <p:sldId id="264" r:id="rId12"/>
+    <p:sldId id="269" r:id="rId13"/>
+    <p:sldId id="267" r:id="rId14"/>
+    <p:sldId id="274" r:id="rId15"/>
+    <p:sldId id="266" r:id="rId16"/>
+    <p:sldId id="265" r:id="rId17"/>
+    <p:sldId id="289" r:id="rId18"/>
+    <p:sldId id="303" r:id="rId19"/>
+    <p:sldId id="302" r:id="rId20"/>
+    <p:sldId id="279" r:id="rId21"/>
+    <p:sldId id="285" r:id="rId22"/>
+    <p:sldId id="292" r:id="rId23"/>
+    <p:sldId id="296" r:id="rId24"/>
+    <p:sldId id="298" r:id="rId25"/>
+    <p:sldId id="297" r:id="rId26"/>
+    <p:sldId id="286" r:id="rId27"/>
+    <p:sldId id="291" r:id="rId28"/>
+    <p:sldId id="293" r:id="rId29"/>
+    <p:sldId id="295" r:id="rId30"/>
   </p:sldIdLst>
   <p:sldSz cx="12192000" cy="6858000"/>
   <p:notesSz cx="6858000" cy="9144000"/>
@@ -3527,7 +3526,7 @@
           <a:p>
             <a:fld id="{C55AA692-620D-4560-A6AD-CE7F8ECBB0DB}" type="datetimeFigureOut">
               <a:rPr kumimoji="1" lang="ja-JP" altLang="en-US" smtClean="0"/>
-              <a:t>2023/6/28</a:t>
+              <a:t>2023/6/29</a:t>
             </a:fld>
             <a:endParaRPr kumimoji="1" lang="ja-JP" altLang="en-US"/>
           </a:p>
@@ -3954,30 +3953,31 @@
           <a:bodyPr/>
           <a:lstStyle/>
           <a:p>
-            <a:pPr marL="0" marR="0" lvl="0" indent="0" algn="l" defTabSz="914400" rtl="0" eaLnBrk="1" fontAlgn="auto" latinLnBrk="0" hangingPunct="1">
-              <a:lnSpc>
-                <a:spcPct val="100000"/>
-              </a:lnSpc>
-              <a:spcBef>
-                <a:spcPts val="0"/>
-              </a:spcBef>
-              <a:spcAft>
-                <a:spcPts val="0"/>
-              </a:spcAft>
-              <a:buClrTx/>
-              <a:buSzTx/>
-              <a:buFontTx/>
-              <a:buNone/>
-              <a:tabLst/>
-              <a:defRPr/>
-            </a:pPr>
             <a:r>
               <a:rPr kumimoji="1" lang="ja-JP" altLang="en-US" dirty="0"/>
-              <a:t>２つ目、「意識が変わる」についてです。</a:t>
-            </a:r>
-          </a:p>
-          <a:p>
-            <a:endParaRPr kumimoji="1" lang="ja-JP" altLang="en-US" dirty="0"/>
+              <a:t>「きょうから」には、食事記録の機能に加えて、自分の写真をアップロードできる機能があります。</a:t>
+            </a:r>
+            <a:endParaRPr kumimoji="1" lang="en-US" altLang="ja-JP" dirty="0"/>
+          </a:p>
+          <a:p>
+            <a:r>
+              <a:rPr kumimoji="1" lang="ja-JP" altLang="en-US" dirty="0"/>
+              <a:t>その登録した写真をスライドショー形式で確認することで、変化が分かります。</a:t>
+            </a:r>
+            <a:endParaRPr kumimoji="1" lang="en-US" altLang="ja-JP" dirty="0"/>
+          </a:p>
+          <a:p>
+            <a:r>
+              <a:rPr kumimoji="1" lang="ja-JP" altLang="en-US" dirty="0"/>
+              <a:t>また、グラフが動的に表示されるため、変化が可視化されます。</a:t>
+            </a:r>
+            <a:endParaRPr kumimoji="1" lang="en-US" altLang="ja-JP" dirty="0"/>
+          </a:p>
+          <a:p>
+            <a:r>
+              <a:rPr kumimoji="1" lang="ja-JP" altLang="en-US" dirty="0"/>
+              <a:t>これらの機能によって、モチベーションの維持につながると考えられます。</a:t>
+            </a:r>
           </a:p>
         </p:txBody>
       </p:sp>
@@ -3998,7 +3998,7 @@
           <a:p>
             <a:fld id="{C59D74C6-9C2E-47F2-9943-FD41646989DE}" type="slidenum">
               <a:rPr kumimoji="1" lang="ja-JP" altLang="en-US" smtClean="0"/>
-              <a:t>14</a:t>
+              <a:t>12</a:t>
             </a:fld>
             <a:endParaRPr kumimoji="1" lang="ja-JP" altLang="en-US"/>
           </a:p>
@@ -4007,7 +4007,7 @@
     </p:spTree>
     <p:extLst>
       <p:ext uri="{BB962C8B-B14F-4D97-AF65-F5344CB8AC3E}">
-        <p14:creationId xmlns:p14="http://schemas.microsoft.com/office/powerpoint/2010/main" val="1302370530"/>
+        <p14:creationId xmlns:p14="http://schemas.microsoft.com/office/powerpoint/2010/main" val="2337115857"/>
       </p:ext>
     </p:extLst>
   </p:cSld>
@@ -4061,46 +4061,30 @@
           <a:bodyPr/>
           <a:lstStyle/>
           <a:p>
+            <a:pPr marL="0" marR="0" lvl="0" indent="0" algn="l" defTabSz="914400" rtl="0" eaLnBrk="1" fontAlgn="auto" latinLnBrk="0" hangingPunct="1">
+              <a:lnSpc>
+                <a:spcPct val="100000"/>
+              </a:lnSpc>
+              <a:spcBef>
+                <a:spcPts val="0"/>
+              </a:spcBef>
+              <a:spcAft>
+                <a:spcPts val="0"/>
+              </a:spcAft>
+              <a:buClrTx/>
+              <a:buSzTx/>
+              <a:buFontTx/>
+              <a:buNone/>
+              <a:tabLst/>
+              <a:defRPr/>
+            </a:pPr>
             <a:r>
               <a:rPr kumimoji="1" lang="ja-JP" altLang="en-US" dirty="0"/>
-              <a:t>「きょうから」の食事記録には、制限や縛りがなく、食事についてざっくりと記録する設定になっています。</a:t>
-            </a:r>
-            <a:endParaRPr kumimoji="1" lang="en-US" altLang="ja-JP" dirty="0"/>
-          </a:p>
-          <a:p>
-            <a:r>
-              <a:rPr kumimoji="1" lang="ja-JP" altLang="en-US" dirty="0"/>
-              <a:t>記録することで、自分の食事の傾向を再発見してもらうためです。</a:t>
-            </a:r>
-            <a:endParaRPr kumimoji="1" lang="en-US" altLang="ja-JP" dirty="0"/>
-          </a:p>
-          <a:p>
-            <a:r>
-              <a:rPr kumimoji="1" lang="ja-JP" altLang="en-US" dirty="0"/>
-              <a:t>飲酒・運動についても、あり</a:t>
-            </a:r>
-            <a:r>
-              <a:rPr kumimoji="1" lang="en-US" altLang="ja-JP" dirty="0"/>
-              <a:t>/</a:t>
-            </a:r>
-            <a:r>
-              <a:rPr kumimoji="1" lang="ja-JP" altLang="en-US" dirty="0"/>
-              <a:t>なしのみの記録になっています。少しの散歩でも記録しておくことで、達成感を持てるようにしました。</a:t>
-            </a:r>
-            <a:endParaRPr kumimoji="1" lang="en-US" altLang="ja-JP" dirty="0"/>
-          </a:p>
-          <a:p>
-            <a:endParaRPr kumimoji="1" lang="en-US" altLang="ja-JP" dirty="0"/>
-          </a:p>
-          <a:p>
-            <a:r>
-              <a:rPr kumimoji="1" lang="ja-JP" altLang="en-US" dirty="0"/>
-              <a:t>また、ログイン後の画面の上部には、設定した目標体重が表示されます。これによって、目標体重を常に意識することができます。</a:t>
-            </a:r>
-            <a:endParaRPr kumimoji="1" lang="en-US" altLang="ja-JP" dirty="0"/>
-          </a:p>
-          <a:p>
-            <a:endParaRPr kumimoji="1" lang="en-US" altLang="ja-JP" dirty="0"/>
+              <a:t>２つ目、「意識が変わる」についてです。</a:t>
+            </a:r>
+          </a:p>
+          <a:p>
+            <a:endParaRPr kumimoji="1" lang="ja-JP" altLang="en-US" dirty="0"/>
           </a:p>
         </p:txBody>
       </p:sp>
@@ -4121,7 +4105,7 @@
           <a:p>
             <a:fld id="{C59D74C6-9C2E-47F2-9943-FD41646989DE}" type="slidenum">
               <a:rPr kumimoji="1" lang="ja-JP" altLang="en-US" smtClean="0"/>
-              <a:t>15</a:t>
+              <a:t>13</a:t>
             </a:fld>
             <a:endParaRPr kumimoji="1" lang="ja-JP" altLang="en-US"/>
           </a:p>
@@ -4130,7 +4114,7 @@
     </p:spTree>
     <p:extLst>
       <p:ext uri="{BB962C8B-B14F-4D97-AF65-F5344CB8AC3E}">
-        <p14:creationId xmlns:p14="http://schemas.microsoft.com/office/powerpoint/2010/main" val="1290740861"/>
+        <p14:creationId xmlns:p14="http://schemas.microsoft.com/office/powerpoint/2010/main" val="1302370530"/>
       </p:ext>
     </p:extLst>
   </p:cSld>
@@ -4184,30 +4168,46 @@
           <a:bodyPr/>
           <a:lstStyle/>
           <a:p>
-            <a:pPr marL="0" marR="0" lvl="0" indent="0" algn="l" defTabSz="914400" rtl="0" eaLnBrk="1" fontAlgn="auto" latinLnBrk="0" hangingPunct="1">
-              <a:lnSpc>
-                <a:spcPct val="100000"/>
-              </a:lnSpc>
-              <a:spcBef>
-                <a:spcPts val="0"/>
-              </a:spcBef>
-              <a:spcAft>
-                <a:spcPts val="0"/>
-              </a:spcAft>
-              <a:buClrTx/>
-              <a:buSzTx/>
-              <a:buFontTx/>
-              <a:buNone/>
-              <a:tabLst/>
-              <a:defRPr/>
-            </a:pPr>
             <a:r>
               <a:rPr kumimoji="1" lang="ja-JP" altLang="en-US" dirty="0"/>
-              <a:t>３つ目、「交流できる」についてです。</a:t>
-            </a:r>
-          </a:p>
-          <a:p>
-            <a:endParaRPr kumimoji="1" lang="ja-JP" altLang="en-US" dirty="0"/>
+              <a:t>「きょうから」の食事記録には、制限や縛りがなく、食事についてざっくりと記録する設定になっています。</a:t>
+            </a:r>
+            <a:endParaRPr kumimoji="1" lang="en-US" altLang="ja-JP" dirty="0"/>
+          </a:p>
+          <a:p>
+            <a:r>
+              <a:rPr kumimoji="1" lang="ja-JP" altLang="en-US" dirty="0"/>
+              <a:t>記録することで、自分の食事の傾向を再発見してもらうためです。</a:t>
+            </a:r>
+            <a:endParaRPr kumimoji="1" lang="en-US" altLang="ja-JP" dirty="0"/>
+          </a:p>
+          <a:p>
+            <a:r>
+              <a:rPr kumimoji="1" lang="ja-JP" altLang="en-US" dirty="0"/>
+              <a:t>飲酒・運動についても、あり</a:t>
+            </a:r>
+            <a:r>
+              <a:rPr kumimoji="1" lang="en-US" altLang="ja-JP" dirty="0"/>
+              <a:t>/</a:t>
+            </a:r>
+            <a:r>
+              <a:rPr kumimoji="1" lang="ja-JP" altLang="en-US" dirty="0"/>
+              <a:t>なしのみの記録になっています。少しの散歩でも記録しておくことで、達成感を持てるようにしました。</a:t>
+            </a:r>
+            <a:endParaRPr kumimoji="1" lang="en-US" altLang="ja-JP" dirty="0"/>
+          </a:p>
+          <a:p>
+            <a:endParaRPr kumimoji="1" lang="en-US" altLang="ja-JP" dirty="0"/>
+          </a:p>
+          <a:p>
+            <a:r>
+              <a:rPr kumimoji="1" lang="ja-JP" altLang="en-US" dirty="0"/>
+              <a:t>また、ログイン後の画面の上部には、設定した目標体重が表示されます。これによって、目標体重を常に意識することができます。</a:t>
+            </a:r>
+            <a:endParaRPr kumimoji="1" lang="en-US" altLang="ja-JP" dirty="0"/>
+          </a:p>
+          <a:p>
+            <a:endParaRPr kumimoji="1" lang="en-US" altLang="ja-JP" dirty="0"/>
           </a:p>
         </p:txBody>
       </p:sp>
@@ -4228,7 +4228,7 @@
           <a:p>
             <a:fld id="{C59D74C6-9C2E-47F2-9943-FD41646989DE}" type="slidenum">
               <a:rPr kumimoji="1" lang="ja-JP" altLang="en-US" smtClean="0"/>
-              <a:t>16</a:t>
+              <a:t>14</a:t>
             </a:fld>
             <a:endParaRPr kumimoji="1" lang="ja-JP" altLang="en-US"/>
           </a:p>
@@ -4237,7 +4237,7 @@
     </p:spTree>
     <p:extLst>
       <p:ext uri="{BB962C8B-B14F-4D97-AF65-F5344CB8AC3E}">
-        <p14:creationId xmlns:p14="http://schemas.microsoft.com/office/powerpoint/2010/main" val="2435509904"/>
+        <p14:creationId xmlns:p14="http://schemas.microsoft.com/office/powerpoint/2010/main" val="1290740861"/>
       </p:ext>
     </p:extLst>
   </p:cSld>
@@ -4291,18 +4291,30 @@
           <a:bodyPr/>
           <a:lstStyle/>
           <a:p>
+            <a:pPr marL="0" marR="0" lvl="0" indent="0" algn="l" defTabSz="914400" rtl="0" eaLnBrk="1" fontAlgn="auto" latinLnBrk="0" hangingPunct="1">
+              <a:lnSpc>
+                <a:spcPct val="100000"/>
+              </a:lnSpc>
+              <a:spcBef>
+                <a:spcPts val="0"/>
+              </a:spcBef>
+              <a:spcAft>
+                <a:spcPts val="0"/>
+              </a:spcAft>
+              <a:buClrTx/>
+              <a:buSzTx/>
+              <a:buFontTx/>
+              <a:buNone/>
+              <a:tabLst/>
+              <a:defRPr/>
+            </a:pPr>
             <a:r>
               <a:rPr kumimoji="1" lang="ja-JP" altLang="en-US" dirty="0"/>
-              <a:t>「きょうから」には、交流できる場として、匿名掲示板があります。アカウントがあれば、掲示板への閲覧・書き込みが可能です。</a:t>
-            </a:r>
-            <a:endParaRPr kumimoji="1" lang="en-US" altLang="ja-JP" dirty="0"/>
-          </a:p>
-          <a:p>
-            <a:r>
-              <a:rPr kumimoji="1" lang="ja-JP" altLang="en-US" dirty="0"/>
-              <a:t>また、掲示板から、他ユーザの情報が閲覧できます。この機能によっていい刺激を受けたり、今後の参考にすることができます。</a:t>
-            </a:r>
-            <a:endParaRPr kumimoji="1" lang="en-US" altLang="ja-JP" dirty="0"/>
+              <a:t>３つ目、「交流できる」についてです。</a:t>
+            </a:r>
+          </a:p>
+          <a:p>
+            <a:endParaRPr kumimoji="1" lang="ja-JP" altLang="en-US" dirty="0"/>
           </a:p>
         </p:txBody>
       </p:sp>
@@ -4323,7 +4335,7 @@
           <a:p>
             <a:fld id="{C59D74C6-9C2E-47F2-9943-FD41646989DE}" type="slidenum">
               <a:rPr kumimoji="1" lang="ja-JP" altLang="en-US" smtClean="0"/>
-              <a:t>17</a:t>
+              <a:t>15</a:t>
             </a:fld>
             <a:endParaRPr kumimoji="1" lang="ja-JP" altLang="en-US"/>
           </a:p>
@@ -4332,7 +4344,7 @@
     </p:spTree>
     <p:extLst>
       <p:ext uri="{BB962C8B-B14F-4D97-AF65-F5344CB8AC3E}">
-        <p14:creationId xmlns:p14="http://schemas.microsoft.com/office/powerpoint/2010/main" val="1376702108"/>
+        <p14:creationId xmlns:p14="http://schemas.microsoft.com/office/powerpoint/2010/main" val="2435509904"/>
       </p:ext>
     </p:extLst>
   </p:cSld>
@@ -4386,10 +4398,18 @@
           <a:bodyPr/>
           <a:lstStyle/>
           <a:p>
-            <a:pPr marL="0" indent="0">
-              <a:buNone/>
-            </a:pPr>
-            <a:endParaRPr kumimoji="1" lang="ja-JP" altLang="en-US" dirty="0"/>
+            <a:r>
+              <a:rPr kumimoji="1" lang="ja-JP" altLang="en-US" dirty="0"/>
+              <a:t>「きょうから」には、交流できる場として、匿名掲示板があります。アカウントがあれば、掲示板への閲覧・書き込みが可能です。</a:t>
+            </a:r>
+            <a:endParaRPr kumimoji="1" lang="en-US" altLang="ja-JP" dirty="0"/>
+          </a:p>
+          <a:p>
+            <a:r>
+              <a:rPr kumimoji="1" lang="ja-JP" altLang="en-US" dirty="0"/>
+              <a:t>また、掲示板から、他ユーザの情報が閲覧できます。この機能によっていい刺激を受けたり、今後の参考にすることができます。</a:t>
+            </a:r>
+            <a:endParaRPr kumimoji="1" lang="en-US" altLang="ja-JP" dirty="0"/>
           </a:p>
         </p:txBody>
       </p:sp>
@@ -4410,7 +4430,7 @@
           <a:p>
             <a:fld id="{C59D74C6-9C2E-47F2-9943-FD41646989DE}" type="slidenum">
               <a:rPr kumimoji="1" lang="ja-JP" altLang="en-US" smtClean="0"/>
-              <a:t>18</a:t>
+              <a:t>16</a:t>
             </a:fld>
             <a:endParaRPr kumimoji="1" lang="ja-JP" altLang="en-US"/>
           </a:p>
@@ -4419,7 +4439,7 @@
     </p:spTree>
     <p:extLst>
       <p:ext uri="{BB962C8B-B14F-4D97-AF65-F5344CB8AC3E}">
-        <p14:creationId xmlns:p14="http://schemas.microsoft.com/office/powerpoint/2010/main" val="2449209433"/>
+        <p14:creationId xmlns:p14="http://schemas.microsoft.com/office/powerpoint/2010/main" val="1376702108"/>
       </p:ext>
     </p:extLst>
   </p:cSld>
@@ -4473,11 +4493,10 @@
           <a:bodyPr/>
           <a:lstStyle/>
           <a:p>
-            <a:r>
-              <a:rPr kumimoji="1" lang="ja-JP" altLang="en-US" dirty="0"/>
-              <a:t>もういちど、ダイエットのハードルを思い出してみましょう。</a:t>
-            </a:r>
-            <a:endParaRPr kumimoji="1" lang="en-US" altLang="ja-JP" b="0" dirty="0"/>
+            <a:pPr marL="0" indent="0">
+              <a:buNone/>
+            </a:pPr>
+            <a:endParaRPr kumimoji="1" lang="ja-JP" altLang="en-US" dirty="0"/>
           </a:p>
         </p:txBody>
       </p:sp>
@@ -4498,7 +4517,7 @@
           <a:p>
             <a:fld id="{C59D74C6-9C2E-47F2-9943-FD41646989DE}" type="slidenum">
               <a:rPr kumimoji="1" lang="ja-JP" altLang="en-US" smtClean="0"/>
-              <a:t>19</a:t>
+              <a:t>17</a:t>
             </a:fld>
             <a:endParaRPr kumimoji="1" lang="ja-JP" altLang="en-US"/>
           </a:p>
@@ -4507,7 +4526,7 @@
     </p:spTree>
     <p:extLst>
       <p:ext uri="{BB962C8B-B14F-4D97-AF65-F5344CB8AC3E}">
-        <p14:creationId xmlns:p14="http://schemas.microsoft.com/office/powerpoint/2010/main" val="933163988"/>
+        <p14:creationId xmlns:p14="http://schemas.microsoft.com/office/powerpoint/2010/main" val="2449209433"/>
       </p:ext>
     </p:extLst>
   </p:cSld>
@@ -4561,6 +4580,10 @@
           <a:bodyPr/>
           <a:lstStyle/>
           <a:p>
+            <a:r>
+              <a:rPr kumimoji="1" lang="ja-JP" altLang="en-US" dirty="0"/>
+              <a:t>もういちど、ダイエットのハードルを思い出してみましょう。</a:t>
+            </a:r>
             <a:endParaRPr kumimoji="1" lang="en-US" altLang="ja-JP" b="0" dirty="0"/>
           </a:p>
         </p:txBody>
@@ -4582,7 +4605,7 @@
           <a:p>
             <a:fld id="{C59D74C6-9C2E-47F2-9943-FD41646989DE}" type="slidenum">
               <a:rPr kumimoji="1" lang="ja-JP" altLang="en-US" smtClean="0"/>
-              <a:t>20</a:t>
+              <a:t>18</a:t>
             </a:fld>
             <a:endParaRPr kumimoji="1" lang="ja-JP" altLang="en-US"/>
           </a:p>
@@ -4591,7 +4614,7 @@
     </p:spTree>
     <p:extLst>
       <p:ext uri="{BB962C8B-B14F-4D97-AF65-F5344CB8AC3E}">
-        <p14:creationId xmlns:p14="http://schemas.microsoft.com/office/powerpoint/2010/main" val="599486072"/>
+        <p14:creationId xmlns:p14="http://schemas.microsoft.com/office/powerpoint/2010/main" val="933163988"/>
       </p:ext>
     </p:extLst>
   </p:cSld>
@@ -4645,9 +4668,7 @@
           <a:bodyPr/>
           <a:lstStyle/>
           <a:p>
-            <a:endParaRPr lang="en-US" altLang="ja-JP" sz="1200" b="0" dirty="0">
-              <a:latin typeface="+mn-ea"/>
-            </a:endParaRPr>
+            <a:endParaRPr kumimoji="1" lang="en-US" altLang="ja-JP" b="0" dirty="0"/>
           </a:p>
         </p:txBody>
       </p:sp>
@@ -4668,7 +4689,7 @@
           <a:p>
             <a:fld id="{C59D74C6-9C2E-47F2-9943-FD41646989DE}" type="slidenum">
               <a:rPr kumimoji="1" lang="ja-JP" altLang="en-US" smtClean="0"/>
-              <a:t>21</a:t>
+              <a:t>19</a:t>
             </a:fld>
             <a:endParaRPr kumimoji="1" lang="ja-JP" altLang="en-US"/>
           </a:p>
@@ -4677,7 +4698,7 @@
     </p:spTree>
     <p:extLst>
       <p:ext uri="{BB962C8B-B14F-4D97-AF65-F5344CB8AC3E}">
-        <p14:creationId xmlns:p14="http://schemas.microsoft.com/office/powerpoint/2010/main" val="1952297387"/>
+        <p14:creationId xmlns:p14="http://schemas.microsoft.com/office/powerpoint/2010/main" val="599486072"/>
       </p:ext>
     </p:extLst>
   </p:cSld>
@@ -4731,256 +4752,9 @@
           <a:bodyPr/>
           <a:lstStyle/>
           <a:p>
-            <a:r>
-              <a:rPr lang="ja-JP" altLang="en-US" kern="100" dirty="0">
-                <a:latin typeface="+mn-ea"/>
-                <a:cs typeface="Times New Roman" panose="02020603050405020304" pitchFamily="18" charset="0"/>
-              </a:rPr>
-              <a:t>認識合わせ</a:t>
-            </a:r>
-            <a:r>
-              <a:rPr lang="en-US" altLang="ja-JP" kern="100" dirty="0">
-                <a:latin typeface="+mn-ea"/>
-                <a:cs typeface="Times New Roman" panose="02020603050405020304" pitchFamily="18" charset="0"/>
-              </a:rPr>
-              <a:t>	</a:t>
-            </a:r>
-            <a:r>
-              <a:rPr lang="ja-JP" altLang="ja-JP" kern="100" dirty="0">
-                <a:effectLst/>
-                <a:latin typeface="+mn-ea"/>
-                <a:cs typeface="Times New Roman" panose="02020603050405020304" pitchFamily="18" charset="0"/>
-              </a:rPr>
-              <a:t>進捗管理（</a:t>
-            </a:r>
-            <a:r>
-              <a:rPr lang="ja-JP" altLang="en-US" dirty="0"/>
-              <a:t>口頭・ガントチャート</a:t>
-            </a:r>
-            <a:r>
-              <a:rPr lang="ja-JP" altLang="ja-JP" kern="100" dirty="0">
-                <a:effectLst/>
-                <a:latin typeface="+mn-ea"/>
-                <a:cs typeface="Times New Roman" panose="02020603050405020304" pitchFamily="18" charset="0"/>
-              </a:rPr>
-              <a:t>）</a:t>
-            </a:r>
-            <a:r>
-              <a:rPr lang="ja-JP" altLang="en-US" kern="100" dirty="0">
-                <a:effectLst/>
-                <a:latin typeface="+mn-ea"/>
-                <a:cs typeface="Times New Roman" panose="02020603050405020304" pitchFamily="18" charset="0"/>
-              </a:rPr>
-              <a:t>　</a:t>
-            </a:r>
-            <a:endParaRPr lang="en-US" altLang="ja-JP" kern="100" dirty="0">
-              <a:effectLst/>
-              <a:latin typeface="+mn-ea"/>
-              <a:cs typeface="Times New Roman" panose="02020603050405020304" pitchFamily="18" charset="0"/>
-            </a:endParaRPr>
-          </a:p>
-          <a:p>
-            <a:pPr marL="0" indent="0" algn="l">
-              <a:buNone/>
-            </a:pPr>
-            <a:r>
-              <a:rPr lang="en-US" altLang="ja-JP" kern="100" dirty="0">
-                <a:effectLst/>
-                <a:latin typeface="+mn-ea"/>
-                <a:cs typeface="Times New Roman" panose="02020603050405020304" pitchFamily="18" charset="0"/>
-              </a:rPr>
-              <a:t>	</a:t>
-            </a:r>
-            <a:r>
-              <a:rPr lang="ja-JP" altLang="ja-JP" kern="100" dirty="0">
-                <a:effectLst/>
-                <a:latin typeface="+mn-ea"/>
-                <a:cs typeface="Times New Roman" panose="02020603050405020304" pitchFamily="18" charset="0"/>
-              </a:rPr>
-              <a:t>朝にその日に取り組むことを共有</a:t>
-            </a:r>
-            <a:endParaRPr lang="en-US" altLang="ja-JP" kern="100" dirty="0">
-              <a:effectLst/>
-              <a:latin typeface="+mn-ea"/>
-              <a:cs typeface="Times New Roman" panose="02020603050405020304" pitchFamily="18" charset="0"/>
-            </a:endParaRPr>
-          </a:p>
-          <a:p>
-            <a:pPr marL="0" indent="0" algn="l">
-              <a:buNone/>
-            </a:pPr>
-            <a:r>
-              <a:rPr lang="en-US" altLang="ja-JP" kern="100" dirty="0">
-                <a:effectLst/>
-                <a:latin typeface="+mn-ea"/>
-                <a:cs typeface="Times New Roman" panose="02020603050405020304" pitchFamily="18" charset="0"/>
-              </a:rPr>
-              <a:t>	</a:t>
-            </a:r>
-            <a:r>
-              <a:rPr lang="ja-JP" altLang="en-US" kern="100" dirty="0">
-                <a:effectLst/>
-                <a:latin typeface="+mn-ea"/>
-                <a:cs typeface="Times New Roman" panose="02020603050405020304" pitchFamily="18" charset="0"/>
-              </a:rPr>
-              <a:t>終業前に</a:t>
-            </a:r>
-            <a:r>
-              <a:rPr lang="ja-JP" altLang="ja-JP" kern="100" dirty="0">
-                <a:effectLst/>
-                <a:latin typeface="+mn-ea"/>
-                <a:cs typeface="Times New Roman" panose="02020603050405020304" pitchFamily="18" charset="0"/>
-              </a:rPr>
-              <a:t>その日のまとめと翌日に行うことの共有</a:t>
-            </a:r>
-          </a:p>
-          <a:p>
-            <a:pPr algn="l"/>
-            <a:endParaRPr lang="en-US" altLang="ja-JP" kern="100" dirty="0">
-              <a:effectLst/>
-              <a:latin typeface="+mn-ea"/>
-              <a:cs typeface="Times New Roman" panose="02020603050405020304" pitchFamily="18" charset="0"/>
-            </a:endParaRPr>
-          </a:p>
-          <a:p>
-            <a:pPr algn="l"/>
-            <a:r>
-              <a:rPr lang="ja-JP" altLang="en-US" kern="100" dirty="0">
-                <a:effectLst/>
-                <a:latin typeface="+mn-ea"/>
-                <a:cs typeface="Times New Roman" panose="02020603050405020304" pitchFamily="18" charset="0"/>
-              </a:rPr>
-              <a:t>教えあい</a:t>
-            </a:r>
-            <a:r>
-              <a:rPr lang="en-US" altLang="ja-JP" kern="100" dirty="0">
-                <a:effectLst/>
-                <a:latin typeface="+mn-ea"/>
-                <a:cs typeface="Times New Roman" panose="02020603050405020304" pitchFamily="18" charset="0"/>
-              </a:rPr>
-              <a:t>	</a:t>
-            </a:r>
-            <a:r>
-              <a:rPr lang="ja-JP" altLang="ja-JP" kern="100" dirty="0">
-                <a:effectLst/>
-                <a:latin typeface="+mn-ea"/>
-                <a:cs typeface="Times New Roman" panose="02020603050405020304" pitchFamily="18" charset="0"/>
-              </a:rPr>
-              <a:t>チーム作業</a:t>
-            </a:r>
-            <a:r>
-              <a:rPr lang="ja-JP" altLang="en-US" kern="100" dirty="0">
-                <a:effectLst/>
-                <a:latin typeface="+mn-ea"/>
-                <a:cs typeface="Times New Roman" panose="02020603050405020304" pitchFamily="18" charset="0"/>
-              </a:rPr>
-              <a:t>：ブレイクアウトルームに分かれて分担</a:t>
-            </a:r>
-            <a:endParaRPr lang="en-US" altLang="ja-JP" kern="100" dirty="0">
-              <a:effectLst/>
-              <a:latin typeface="+mn-ea"/>
-              <a:cs typeface="Times New Roman" panose="02020603050405020304" pitchFamily="18" charset="0"/>
-            </a:endParaRPr>
-          </a:p>
-          <a:p>
-            <a:pPr marL="0" indent="0" algn="l">
-              <a:buNone/>
-            </a:pPr>
-            <a:r>
-              <a:rPr lang="en-US" altLang="ja-JP" kern="100" dirty="0">
-                <a:latin typeface="+mn-ea"/>
-                <a:cs typeface="Times New Roman" panose="02020603050405020304" pitchFamily="18" charset="0"/>
-              </a:rPr>
-              <a:t>	</a:t>
-            </a:r>
-            <a:r>
-              <a:rPr lang="ja-JP" altLang="en-US" kern="100" dirty="0">
-                <a:latin typeface="+mn-ea"/>
-                <a:cs typeface="Times New Roman" panose="02020603050405020304" pitchFamily="18" charset="0"/>
-              </a:rPr>
-              <a:t>チーム内で勉強会を行い、全体のボトムアップを図った</a:t>
-            </a:r>
-            <a:endParaRPr lang="en-US" altLang="ja-JP" kern="100" dirty="0">
-              <a:latin typeface="+mn-ea"/>
-              <a:cs typeface="Times New Roman" panose="02020603050405020304" pitchFamily="18" charset="0"/>
-            </a:endParaRPr>
-          </a:p>
-          <a:p>
-            <a:pPr marL="0" indent="0" algn="l">
-              <a:buNone/>
-            </a:pPr>
-            <a:endParaRPr lang="en-US" altLang="ja-JP" kern="100" dirty="0">
-              <a:latin typeface="+mn-ea"/>
-              <a:cs typeface="Times New Roman" panose="02020603050405020304" pitchFamily="18" charset="0"/>
-            </a:endParaRPr>
-          </a:p>
-          <a:p>
-            <a:r>
-              <a:rPr kumimoji="1" lang="ja-JP" altLang="en-US" dirty="0">
-                <a:latin typeface="+mn-ea"/>
-              </a:rPr>
-              <a:t>実現したかったこと</a:t>
-            </a:r>
-            <a:endParaRPr kumimoji="1" lang="en-US" altLang="ja-JP" dirty="0">
+            <a:endParaRPr lang="en-US" altLang="ja-JP" sz="1200" b="0" dirty="0">
               <a:latin typeface="+mn-ea"/>
             </a:endParaRPr>
-          </a:p>
-          <a:p>
-            <a:pPr marL="0" indent="0">
-              <a:buNone/>
-            </a:pPr>
-            <a:r>
-              <a:rPr kumimoji="1" lang="en-US" altLang="ja-JP" dirty="0">
-                <a:latin typeface="+mn-ea"/>
-              </a:rPr>
-              <a:t>―</a:t>
-            </a:r>
-            <a:r>
-              <a:rPr kumimoji="1" lang="ja-JP" altLang="en-US" dirty="0">
-                <a:latin typeface="+mn-ea"/>
-              </a:rPr>
-              <a:t>掲示板にいいね機能</a:t>
-            </a:r>
-            <a:endParaRPr kumimoji="1" lang="en-US" altLang="ja-JP" dirty="0">
-              <a:latin typeface="+mn-ea"/>
-            </a:endParaRPr>
-          </a:p>
-          <a:p>
-            <a:pPr marL="0" indent="0">
-              <a:buNone/>
-            </a:pPr>
-            <a:r>
-              <a:rPr lang="en-US" altLang="ja-JP" dirty="0">
-                <a:latin typeface="+mn-ea"/>
-              </a:rPr>
-              <a:t>―</a:t>
-            </a:r>
-            <a:r>
-              <a:rPr kumimoji="1" lang="ja-JP" altLang="en-US" dirty="0">
-                <a:latin typeface="+mn-ea"/>
-              </a:rPr>
-              <a:t>運動した日にスタンプ表示</a:t>
-            </a:r>
-            <a:endParaRPr kumimoji="1" lang="en-US" altLang="ja-JP" dirty="0">
-              <a:latin typeface="+mn-ea"/>
-            </a:endParaRPr>
-          </a:p>
-          <a:p>
-            <a:pPr marL="0" indent="0">
-              <a:buNone/>
-            </a:pPr>
-            <a:r>
-              <a:rPr lang="en-US" altLang="ja-JP" dirty="0">
-                <a:latin typeface="+mn-ea"/>
-              </a:rPr>
-              <a:t>―</a:t>
-            </a:r>
-            <a:r>
-              <a:rPr lang="ja-JP" altLang="en-US" dirty="0">
-                <a:latin typeface="+mn-ea"/>
-              </a:rPr>
-              <a:t>コラ画像</a:t>
-            </a:r>
           </a:p>
         </p:txBody>
       </p:sp>
@@ -5001,7 +4775,7 @@
           <a:p>
             <a:fld id="{C59D74C6-9C2E-47F2-9943-FD41646989DE}" type="slidenum">
               <a:rPr kumimoji="1" lang="ja-JP" altLang="en-US" smtClean="0"/>
-              <a:t>23</a:t>
+              <a:t>20</a:t>
             </a:fld>
             <a:endParaRPr kumimoji="1" lang="ja-JP" altLang="en-US"/>
           </a:p>
@@ -5010,7 +4784,7 @@
     </p:spTree>
     <p:extLst>
       <p:ext uri="{BB962C8B-B14F-4D97-AF65-F5344CB8AC3E}">
-        <p14:creationId xmlns:p14="http://schemas.microsoft.com/office/powerpoint/2010/main" val="3734896416"/>
+        <p14:creationId xmlns:p14="http://schemas.microsoft.com/office/powerpoint/2010/main" val="1952297387"/>
       </p:ext>
     </p:extLst>
   </p:cSld>
@@ -5064,7 +4838,256 @@
           <a:bodyPr/>
           <a:lstStyle/>
           <a:p>
-            <a:endParaRPr kumimoji="1" lang="ja-JP" altLang="en-US" dirty="0"/>
+            <a:r>
+              <a:rPr lang="ja-JP" altLang="en-US" kern="100" dirty="0">
+                <a:latin typeface="+mn-ea"/>
+                <a:cs typeface="Times New Roman" panose="02020603050405020304" pitchFamily="18" charset="0"/>
+              </a:rPr>
+              <a:t>認識合わせ</a:t>
+            </a:r>
+            <a:r>
+              <a:rPr lang="en-US" altLang="ja-JP" kern="100" dirty="0">
+                <a:latin typeface="+mn-ea"/>
+                <a:cs typeface="Times New Roman" panose="02020603050405020304" pitchFamily="18" charset="0"/>
+              </a:rPr>
+              <a:t>	</a:t>
+            </a:r>
+            <a:r>
+              <a:rPr lang="ja-JP" altLang="ja-JP" kern="100" dirty="0">
+                <a:effectLst/>
+                <a:latin typeface="+mn-ea"/>
+                <a:cs typeface="Times New Roman" panose="02020603050405020304" pitchFamily="18" charset="0"/>
+              </a:rPr>
+              <a:t>進捗管理（</a:t>
+            </a:r>
+            <a:r>
+              <a:rPr lang="ja-JP" altLang="en-US" dirty="0"/>
+              <a:t>口頭・ガントチャート</a:t>
+            </a:r>
+            <a:r>
+              <a:rPr lang="ja-JP" altLang="ja-JP" kern="100" dirty="0">
+                <a:effectLst/>
+                <a:latin typeface="+mn-ea"/>
+                <a:cs typeface="Times New Roman" panose="02020603050405020304" pitchFamily="18" charset="0"/>
+              </a:rPr>
+              <a:t>）</a:t>
+            </a:r>
+            <a:r>
+              <a:rPr lang="ja-JP" altLang="en-US" kern="100" dirty="0">
+                <a:effectLst/>
+                <a:latin typeface="+mn-ea"/>
+                <a:cs typeface="Times New Roman" panose="02020603050405020304" pitchFamily="18" charset="0"/>
+              </a:rPr>
+              <a:t>　</a:t>
+            </a:r>
+            <a:endParaRPr lang="en-US" altLang="ja-JP" kern="100" dirty="0">
+              <a:effectLst/>
+              <a:latin typeface="+mn-ea"/>
+              <a:cs typeface="Times New Roman" panose="02020603050405020304" pitchFamily="18" charset="0"/>
+            </a:endParaRPr>
+          </a:p>
+          <a:p>
+            <a:pPr marL="0" indent="0" algn="l">
+              <a:buNone/>
+            </a:pPr>
+            <a:r>
+              <a:rPr lang="en-US" altLang="ja-JP" kern="100" dirty="0">
+                <a:effectLst/>
+                <a:latin typeface="+mn-ea"/>
+                <a:cs typeface="Times New Roman" panose="02020603050405020304" pitchFamily="18" charset="0"/>
+              </a:rPr>
+              <a:t>	</a:t>
+            </a:r>
+            <a:r>
+              <a:rPr lang="ja-JP" altLang="ja-JP" kern="100" dirty="0">
+                <a:effectLst/>
+                <a:latin typeface="+mn-ea"/>
+                <a:cs typeface="Times New Roman" panose="02020603050405020304" pitchFamily="18" charset="0"/>
+              </a:rPr>
+              <a:t>朝にその日に取り組むことを共有</a:t>
+            </a:r>
+            <a:endParaRPr lang="en-US" altLang="ja-JP" kern="100" dirty="0">
+              <a:effectLst/>
+              <a:latin typeface="+mn-ea"/>
+              <a:cs typeface="Times New Roman" panose="02020603050405020304" pitchFamily="18" charset="0"/>
+            </a:endParaRPr>
+          </a:p>
+          <a:p>
+            <a:pPr marL="0" indent="0" algn="l">
+              <a:buNone/>
+            </a:pPr>
+            <a:r>
+              <a:rPr lang="en-US" altLang="ja-JP" kern="100" dirty="0">
+                <a:effectLst/>
+                <a:latin typeface="+mn-ea"/>
+                <a:cs typeface="Times New Roman" panose="02020603050405020304" pitchFamily="18" charset="0"/>
+              </a:rPr>
+              <a:t>	</a:t>
+            </a:r>
+            <a:r>
+              <a:rPr lang="ja-JP" altLang="en-US" kern="100" dirty="0">
+                <a:effectLst/>
+                <a:latin typeface="+mn-ea"/>
+                <a:cs typeface="Times New Roman" panose="02020603050405020304" pitchFamily="18" charset="0"/>
+              </a:rPr>
+              <a:t>終業前に</a:t>
+            </a:r>
+            <a:r>
+              <a:rPr lang="ja-JP" altLang="ja-JP" kern="100" dirty="0">
+                <a:effectLst/>
+                <a:latin typeface="+mn-ea"/>
+                <a:cs typeface="Times New Roman" panose="02020603050405020304" pitchFamily="18" charset="0"/>
+              </a:rPr>
+              <a:t>その日のまとめと翌日に行うことの共有</a:t>
+            </a:r>
+          </a:p>
+          <a:p>
+            <a:pPr algn="l"/>
+            <a:endParaRPr lang="en-US" altLang="ja-JP" kern="100" dirty="0">
+              <a:effectLst/>
+              <a:latin typeface="+mn-ea"/>
+              <a:cs typeface="Times New Roman" panose="02020603050405020304" pitchFamily="18" charset="0"/>
+            </a:endParaRPr>
+          </a:p>
+          <a:p>
+            <a:pPr algn="l"/>
+            <a:r>
+              <a:rPr lang="ja-JP" altLang="en-US" kern="100" dirty="0">
+                <a:effectLst/>
+                <a:latin typeface="+mn-ea"/>
+                <a:cs typeface="Times New Roman" panose="02020603050405020304" pitchFamily="18" charset="0"/>
+              </a:rPr>
+              <a:t>教えあい</a:t>
+            </a:r>
+            <a:r>
+              <a:rPr lang="en-US" altLang="ja-JP" kern="100" dirty="0">
+                <a:effectLst/>
+                <a:latin typeface="+mn-ea"/>
+                <a:cs typeface="Times New Roman" panose="02020603050405020304" pitchFamily="18" charset="0"/>
+              </a:rPr>
+              <a:t>	</a:t>
+            </a:r>
+            <a:r>
+              <a:rPr lang="ja-JP" altLang="ja-JP" kern="100" dirty="0">
+                <a:effectLst/>
+                <a:latin typeface="+mn-ea"/>
+                <a:cs typeface="Times New Roman" panose="02020603050405020304" pitchFamily="18" charset="0"/>
+              </a:rPr>
+              <a:t>チーム作業</a:t>
+            </a:r>
+            <a:r>
+              <a:rPr lang="ja-JP" altLang="en-US" kern="100" dirty="0">
+                <a:effectLst/>
+                <a:latin typeface="+mn-ea"/>
+                <a:cs typeface="Times New Roman" panose="02020603050405020304" pitchFamily="18" charset="0"/>
+              </a:rPr>
+              <a:t>：ブレイクアウトルームに分かれて分担</a:t>
+            </a:r>
+            <a:endParaRPr lang="en-US" altLang="ja-JP" kern="100" dirty="0">
+              <a:effectLst/>
+              <a:latin typeface="+mn-ea"/>
+              <a:cs typeface="Times New Roman" panose="02020603050405020304" pitchFamily="18" charset="0"/>
+            </a:endParaRPr>
+          </a:p>
+          <a:p>
+            <a:pPr marL="0" indent="0" algn="l">
+              <a:buNone/>
+            </a:pPr>
+            <a:r>
+              <a:rPr lang="en-US" altLang="ja-JP" kern="100" dirty="0">
+                <a:latin typeface="+mn-ea"/>
+                <a:cs typeface="Times New Roman" panose="02020603050405020304" pitchFamily="18" charset="0"/>
+              </a:rPr>
+              <a:t>	</a:t>
+            </a:r>
+            <a:r>
+              <a:rPr lang="ja-JP" altLang="en-US" kern="100" dirty="0">
+                <a:latin typeface="+mn-ea"/>
+                <a:cs typeface="Times New Roman" panose="02020603050405020304" pitchFamily="18" charset="0"/>
+              </a:rPr>
+              <a:t>チーム内で勉強会を行い、全体のボトムアップを図った</a:t>
+            </a:r>
+            <a:endParaRPr lang="en-US" altLang="ja-JP" kern="100" dirty="0">
+              <a:latin typeface="+mn-ea"/>
+              <a:cs typeface="Times New Roman" panose="02020603050405020304" pitchFamily="18" charset="0"/>
+            </a:endParaRPr>
+          </a:p>
+          <a:p>
+            <a:pPr marL="0" indent="0" algn="l">
+              <a:buNone/>
+            </a:pPr>
+            <a:endParaRPr lang="en-US" altLang="ja-JP" kern="100" dirty="0">
+              <a:latin typeface="+mn-ea"/>
+              <a:cs typeface="Times New Roman" panose="02020603050405020304" pitchFamily="18" charset="0"/>
+            </a:endParaRPr>
+          </a:p>
+          <a:p>
+            <a:r>
+              <a:rPr kumimoji="1" lang="ja-JP" altLang="en-US" dirty="0">
+                <a:latin typeface="+mn-ea"/>
+              </a:rPr>
+              <a:t>実現したかったこと</a:t>
+            </a:r>
+            <a:endParaRPr kumimoji="1" lang="en-US" altLang="ja-JP" dirty="0">
+              <a:latin typeface="+mn-ea"/>
+            </a:endParaRPr>
+          </a:p>
+          <a:p>
+            <a:pPr marL="0" indent="0">
+              <a:buNone/>
+            </a:pPr>
+            <a:r>
+              <a:rPr kumimoji="1" lang="en-US" altLang="ja-JP" dirty="0">
+                <a:latin typeface="+mn-ea"/>
+              </a:rPr>
+              <a:t>―</a:t>
+            </a:r>
+            <a:r>
+              <a:rPr kumimoji="1" lang="ja-JP" altLang="en-US" dirty="0">
+                <a:latin typeface="+mn-ea"/>
+              </a:rPr>
+              <a:t>掲示板にいいね機能</a:t>
+            </a:r>
+            <a:endParaRPr kumimoji="1" lang="en-US" altLang="ja-JP" dirty="0">
+              <a:latin typeface="+mn-ea"/>
+            </a:endParaRPr>
+          </a:p>
+          <a:p>
+            <a:pPr marL="0" indent="0">
+              <a:buNone/>
+            </a:pPr>
+            <a:r>
+              <a:rPr lang="en-US" altLang="ja-JP" dirty="0">
+                <a:latin typeface="+mn-ea"/>
+              </a:rPr>
+              <a:t>―</a:t>
+            </a:r>
+            <a:r>
+              <a:rPr kumimoji="1" lang="ja-JP" altLang="en-US" dirty="0">
+                <a:latin typeface="+mn-ea"/>
+              </a:rPr>
+              <a:t>運動した日にスタンプ表示</a:t>
+            </a:r>
+            <a:endParaRPr kumimoji="1" lang="en-US" altLang="ja-JP" dirty="0">
+              <a:latin typeface="+mn-ea"/>
+            </a:endParaRPr>
+          </a:p>
+          <a:p>
+            <a:pPr marL="0" indent="0">
+              <a:buNone/>
+            </a:pPr>
+            <a:r>
+              <a:rPr lang="en-US" altLang="ja-JP" dirty="0">
+                <a:latin typeface="+mn-ea"/>
+              </a:rPr>
+              <a:t>―</a:t>
+            </a:r>
+            <a:r>
+              <a:rPr lang="ja-JP" altLang="en-US" dirty="0">
+                <a:latin typeface="+mn-ea"/>
+              </a:rPr>
+              <a:t>コラ画像</a:t>
+            </a:r>
           </a:p>
         </p:txBody>
       </p:sp>
@@ -5085,7 +5108,7 @@
           <a:p>
             <a:fld id="{C59D74C6-9C2E-47F2-9943-FD41646989DE}" type="slidenum">
               <a:rPr kumimoji="1" lang="ja-JP" altLang="en-US" smtClean="0"/>
-              <a:t>24</a:t>
+              <a:t>22</a:t>
             </a:fld>
             <a:endParaRPr kumimoji="1" lang="ja-JP" altLang="en-US"/>
           </a:p>
@@ -5094,7 +5117,7 @@
     </p:spTree>
     <p:extLst>
       <p:ext uri="{BB962C8B-B14F-4D97-AF65-F5344CB8AC3E}">
-        <p14:creationId xmlns:p14="http://schemas.microsoft.com/office/powerpoint/2010/main" val="1983420909"/>
+        <p14:creationId xmlns:p14="http://schemas.microsoft.com/office/powerpoint/2010/main" val="3734896416"/>
       </p:ext>
     </p:extLst>
   </p:cSld>
@@ -5148,7 +5171,7 @@
           <a:bodyPr/>
           <a:lstStyle/>
           <a:p>
-            <a:endParaRPr kumimoji="1" lang="en-US" altLang="ja-JP" dirty="0"/>
+            <a:endParaRPr kumimoji="1" lang="ja-JP" altLang="en-US" dirty="0"/>
           </a:p>
         </p:txBody>
       </p:sp>
@@ -5169,7 +5192,7 @@
           <a:p>
             <a:fld id="{C59D74C6-9C2E-47F2-9943-FD41646989DE}" type="slidenum">
               <a:rPr kumimoji="1" lang="ja-JP" altLang="en-US" smtClean="0"/>
-              <a:t>3</a:t>
+              <a:t>2</a:t>
             </a:fld>
             <a:endParaRPr kumimoji="1" lang="ja-JP" altLang="en-US"/>
           </a:p>
@@ -5178,7 +5201,7 @@
     </p:spTree>
     <p:extLst>
       <p:ext uri="{BB962C8B-B14F-4D97-AF65-F5344CB8AC3E}">
-        <p14:creationId xmlns:p14="http://schemas.microsoft.com/office/powerpoint/2010/main" val="170412088"/>
+        <p14:creationId xmlns:p14="http://schemas.microsoft.com/office/powerpoint/2010/main" val="167802951"/>
       </p:ext>
     </p:extLst>
   </p:cSld>
@@ -5232,159 +5255,7 @@
           <a:bodyPr/>
           <a:lstStyle/>
           <a:p>
-            <a:pPr marL="0" indent="0">
-              <a:buNone/>
-            </a:pPr>
-            <a:r>
-              <a:rPr kumimoji="1" lang="ja-JP" altLang="en-US" dirty="0">
-                <a:latin typeface="+mn-ea"/>
-              </a:rPr>
-              <a:t>計画性</a:t>
-            </a:r>
-            <a:r>
-              <a:rPr kumimoji="1" lang="en-US" altLang="ja-JP" dirty="0">
-                <a:latin typeface="+mn-ea"/>
-              </a:rPr>
-              <a:t>	</a:t>
-            </a:r>
-            <a:r>
-              <a:rPr kumimoji="1" lang="ja-JP" altLang="en-US" dirty="0">
-                <a:latin typeface="+mn-ea"/>
-              </a:rPr>
-              <a:t>外部設計段階で見切り発車だった。</a:t>
-            </a:r>
-            <a:r>
-              <a:rPr lang="ja-JP" altLang="en-US" dirty="0">
-                <a:latin typeface="+mn-ea"/>
-              </a:rPr>
-              <a:t>具体的にどう実現できるか想像するべきだと学んだ。</a:t>
-            </a:r>
-            <a:endParaRPr kumimoji="1" lang="en-US" altLang="ja-JP" dirty="0">
-              <a:latin typeface="+mn-ea"/>
-            </a:endParaRPr>
-          </a:p>
-          <a:p>
-            <a:pPr marL="0" indent="0">
-              <a:buNone/>
-            </a:pPr>
-            <a:r>
-              <a:rPr lang="en-US" altLang="ja-JP" sz="1000" dirty="0">
-                <a:effectLst/>
-                <a:ea typeface="游明朝" panose="02020400000000000000" pitchFamily="18" charset="-128"/>
-                <a:cs typeface="Times New Roman" panose="02020603050405020304" pitchFamily="18" charset="0"/>
-              </a:rPr>
-              <a:t>	</a:t>
-            </a:r>
-            <a:r>
-              <a:rPr lang="ja-JP" altLang="ja-JP" sz="1000" dirty="0">
-                <a:effectLst/>
-                <a:ea typeface="游明朝" panose="02020400000000000000" pitchFamily="18" charset="-128"/>
-                <a:cs typeface="Times New Roman" panose="02020603050405020304" pitchFamily="18" charset="0"/>
-              </a:rPr>
-              <a:t>要件定義にない変更</a:t>
-            </a:r>
-            <a:r>
-              <a:rPr lang="ja-JP" altLang="en-US" sz="1000" dirty="0">
-                <a:effectLst/>
-                <a:ea typeface="游明朝" panose="02020400000000000000" pitchFamily="18" charset="-128"/>
-                <a:cs typeface="Times New Roman" panose="02020603050405020304" pitchFamily="18" charset="0"/>
-              </a:rPr>
-              <a:t>をすることに</a:t>
-            </a:r>
-            <a:r>
-              <a:rPr lang="ja-JP" altLang="ja-JP" sz="1000" dirty="0">
-                <a:effectLst/>
-                <a:ea typeface="游明朝" panose="02020400000000000000" pitchFamily="18" charset="-128"/>
-                <a:cs typeface="Times New Roman" panose="02020603050405020304" pitchFamily="18" charset="0"/>
-              </a:rPr>
-              <a:t>あまり抵抗がなく、設計書の重要性を理解していなかった</a:t>
-            </a:r>
-            <a:endParaRPr kumimoji="1" lang="en-US" altLang="ja-JP" dirty="0">
-              <a:latin typeface="+mn-ea"/>
-            </a:endParaRPr>
-          </a:p>
-          <a:p>
-            <a:pPr marL="0" indent="0">
-              <a:buNone/>
-            </a:pPr>
-            <a:endParaRPr kumimoji="1" lang="en-US" altLang="ja-JP" dirty="0">
-              <a:latin typeface="+mn-ea"/>
-            </a:endParaRPr>
-          </a:p>
-          <a:p>
-            <a:pPr marL="0" indent="0">
-              <a:buNone/>
-            </a:pPr>
-            <a:r>
-              <a:rPr kumimoji="1" lang="ja-JP" altLang="en-US" dirty="0">
-                <a:latin typeface="+mn-ea"/>
-              </a:rPr>
-              <a:t>技術</a:t>
-            </a:r>
-            <a:r>
-              <a:rPr kumimoji="1" lang="en-US" altLang="ja-JP" dirty="0">
-                <a:latin typeface="+mn-ea"/>
-              </a:rPr>
-              <a:t>	4</a:t>
-            </a:r>
-            <a:r>
-              <a:rPr kumimoji="1" lang="ja-JP" altLang="en-US" dirty="0">
-                <a:latin typeface="+mn-ea"/>
-              </a:rPr>
-              <a:t>･</a:t>
-            </a:r>
-            <a:r>
-              <a:rPr kumimoji="1" lang="en-US" altLang="ja-JP" dirty="0">
-                <a:latin typeface="+mn-ea"/>
-              </a:rPr>
-              <a:t>5</a:t>
-            </a:r>
-            <a:r>
-              <a:rPr kumimoji="1" lang="ja-JP" altLang="en-US" dirty="0">
-                <a:latin typeface="+mn-ea"/>
-              </a:rPr>
-              <a:t>月で学んだことの理解度が増した</a:t>
-            </a:r>
-            <a:endParaRPr kumimoji="1" lang="en-US" altLang="ja-JP" dirty="0">
-              <a:latin typeface="+mn-ea"/>
-            </a:endParaRPr>
-          </a:p>
-          <a:p>
-            <a:r>
-              <a:rPr lang="en-US" altLang="ja-JP" dirty="0">
-                <a:latin typeface="+mn-ea"/>
-              </a:rPr>
-              <a:t>	</a:t>
-            </a:r>
-            <a:r>
-              <a:rPr lang="ja-JP" altLang="en-US" dirty="0">
-                <a:latin typeface="+mn-ea"/>
-              </a:rPr>
-              <a:t>チーム内・講師に質問・コーディングを繰り返すことでスキルアップ</a:t>
-            </a:r>
-            <a:endParaRPr lang="en-US" altLang="ja-JP" dirty="0">
-              <a:latin typeface="+mn-ea"/>
-            </a:endParaRPr>
-          </a:p>
-          <a:p>
-            <a:r>
-              <a:rPr lang="en-US" altLang="ja-JP" dirty="0">
-                <a:latin typeface="+mn-ea"/>
-              </a:rPr>
-              <a:t>	</a:t>
-            </a:r>
-            <a:r>
-              <a:rPr lang="ja-JP" altLang="en-US" dirty="0">
-                <a:latin typeface="+mn-ea"/>
-              </a:rPr>
-              <a:t>学んだ技術を応用する難しさ</a:t>
-            </a:r>
-            <a:endParaRPr lang="en-US" altLang="ja-JP" dirty="0">
-              <a:latin typeface="+mn-ea"/>
-            </a:endParaRPr>
-          </a:p>
-          <a:p>
-            <a:endParaRPr kumimoji="1" lang="en-US" altLang="ja-JP" dirty="0"/>
+            <a:endParaRPr kumimoji="1" lang="ja-JP" altLang="en-US" dirty="0"/>
           </a:p>
         </p:txBody>
       </p:sp>
@@ -5405,7 +5276,7 @@
           <a:p>
             <a:fld id="{C59D74C6-9C2E-47F2-9943-FD41646989DE}" type="slidenum">
               <a:rPr kumimoji="1" lang="ja-JP" altLang="en-US" smtClean="0"/>
-              <a:t>28</a:t>
+              <a:t>23</a:t>
             </a:fld>
             <a:endParaRPr kumimoji="1" lang="ja-JP" altLang="en-US"/>
           </a:p>
@@ -5414,7 +5285,7 @@
     </p:spTree>
     <p:extLst>
       <p:ext uri="{BB962C8B-B14F-4D97-AF65-F5344CB8AC3E}">
-        <p14:creationId xmlns:p14="http://schemas.microsoft.com/office/powerpoint/2010/main" val="2421870203"/>
+        <p14:creationId xmlns:p14="http://schemas.microsoft.com/office/powerpoint/2010/main" val="1983420909"/>
       </p:ext>
     </p:extLst>
   </p:cSld>
@@ -5468,6 +5339,158 @@
           <a:bodyPr/>
           <a:lstStyle/>
           <a:p>
+            <a:pPr marL="0" indent="0">
+              <a:buNone/>
+            </a:pPr>
+            <a:r>
+              <a:rPr kumimoji="1" lang="ja-JP" altLang="en-US" dirty="0">
+                <a:latin typeface="+mn-ea"/>
+              </a:rPr>
+              <a:t>計画性</a:t>
+            </a:r>
+            <a:r>
+              <a:rPr kumimoji="1" lang="en-US" altLang="ja-JP" dirty="0">
+                <a:latin typeface="+mn-ea"/>
+              </a:rPr>
+              <a:t>	</a:t>
+            </a:r>
+            <a:r>
+              <a:rPr kumimoji="1" lang="ja-JP" altLang="en-US" dirty="0">
+                <a:latin typeface="+mn-ea"/>
+              </a:rPr>
+              <a:t>外部設計段階で見切り発車だった。</a:t>
+            </a:r>
+            <a:r>
+              <a:rPr lang="ja-JP" altLang="en-US" dirty="0">
+                <a:latin typeface="+mn-ea"/>
+              </a:rPr>
+              <a:t>具体的にどう実現できるか想像するべきだと学んだ。</a:t>
+            </a:r>
+            <a:endParaRPr kumimoji="1" lang="en-US" altLang="ja-JP" dirty="0">
+              <a:latin typeface="+mn-ea"/>
+            </a:endParaRPr>
+          </a:p>
+          <a:p>
+            <a:pPr marL="0" indent="0">
+              <a:buNone/>
+            </a:pPr>
+            <a:r>
+              <a:rPr lang="en-US" altLang="ja-JP" sz="1000" dirty="0">
+                <a:effectLst/>
+                <a:ea typeface="游明朝" panose="02020400000000000000" pitchFamily="18" charset="-128"/>
+                <a:cs typeface="Times New Roman" panose="02020603050405020304" pitchFamily="18" charset="0"/>
+              </a:rPr>
+              <a:t>	</a:t>
+            </a:r>
+            <a:r>
+              <a:rPr lang="ja-JP" altLang="ja-JP" sz="1000" dirty="0">
+                <a:effectLst/>
+                <a:ea typeface="游明朝" panose="02020400000000000000" pitchFamily="18" charset="-128"/>
+                <a:cs typeface="Times New Roman" panose="02020603050405020304" pitchFamily="18" charset="0"/>
+              </a:rPr>
+              <a:t>要件定義にない変更</a:t>
+            </a:r>
+            <a:r>
+              <a:rPr lang="ja-JP" altLang="en-US" sz="1000" dirty="0">
+                <a:effectLst/>
+                <a:ea typeface="游明朝" panose="02020400000000000000" pitchFamily="18" charset="-128"/>
+                <a:cs typeface="Times New Roman" panose="02020603050405020304" pitchFamily="18" charset="0"/>
+              </a:rPr>
+              <a:t>をすることに</a:t>
+            </a:r>
+            <a:r>
+              <a:rPr lang="ja-JP" altLang="ja-JP" sz="1000" dirty="0">
+                <a:effectLst/>
+                <a:ea typeface="游明朝" panose="02020400000000000000" pitchFamily="18" charset="-128"/>
+                <a:cs typeface="Times New Roman" panose="02020603050405020304" pitchFamily="18" charset="0"/>
+              </a:rPr>
+              <a:t>あまり抵抗がなく、設計書の重要性を理解していなかった</a:t>
+            </a:r>
+            <a:endParaRPr kumimoji="1" lang="en-US" altLang="ja-JP" dirty="0">
+              <a:latin typeface="+mn-ea"/>
+            </a:endParaRPr>
+          </a:p>
+          <a:p>
+            <a:pPr marL="0" indent="0">
+              <a:buNone/>
+            </a:pPr>
+            <a:endParaRPr kumimoji="1" lang="en-US" altLang="ja-JP" dirty="0">
+              <a:latin typeface="+mn-ea"/>
+            </a:endParaRPr>
+          </a:p>
+          <a:p>
+            <a:pPr marL="0" indent="0">
+              <a:buNone/>
+            </a:pPr>
+            <a:r>
+              <a:rPr kumimoji="1" lang="ja-JP" altLang="en-US" dirty="0">
+                <a:latin typeface="+mn-ea"/>
+              </a:rPr>
+              <a:t>技術</a:t>
+            </a:r>
+            <a:r>
+              <a:rPr kumimoji="1" lang="en-US" altLang="ja-JP" dirty="0">
+                <a:latin typeface="+mn-ea"/>
+              </a:rPr>
+              <a:t>	4</a:t>
+            </a:r>
+            <a:r>
+              <a:rPr kumimoji="1" lang="ja-JP" altLang="en-US" dirty="0">
+                <a:latin typeface="+mn-ea"/>
+              </a:rPr>
+              <a:t>･</a:t>
+            </a:r>
+            <a:r>
+              <a:rPr kumimoji="1" lang="en-US" altLang="ja-JP" dirty="0">
+                <a:latin typeface="+mn-ea"/>
+              </a:rPr>
+              <a:t>5</a:t>
+            </a:r>
+            <a:r>
+              <a:rPr kumimoji="1" lang="ja-JP" altLang="en-US" dirty="0">
+                <a:latin typeface="+mn-ea"/>
+              </a:rPr>
+              <a:t>月で学んだことの理解度が増した</a:t>
+            </a:r>
+            <a:endParaRPr kumimoji="1" lang="en-US" altLang="ja-JP" dirty="0">
+              <a:latin typeface="+mn-ea"/>
+            </a:endParaRPr>
+          </a:p>
+          <a:p>
+            <a:r>
+              <a:rPr lang="en-US" altLang="ja-JP" dirty="0">
+                <a:latin typeface="+mn-ea"/>
+              </a:rPr>
+              <a:t>	</a:t>
+            </a:r>
+            <a:r>
+              <a:rPr lang="ja-JP" altLang="en-US" dirty="0">
+                <a:latin typeface="+mn-ea"/>
+              </a:rPr>
+              <a:t>チーム内・講師に質問・コーディングを繰り返すことでスキルアップ</a:t>
+            </a:r>
+            <a:endParaRPr lang="en-US" altLang="ja-JP" dirty="0">
+              <a:latin typeface="+mn-ea"/>
+            </a:endParaRPr>
+          </a:p>
+          <a:p>
+            <a:r>
+              <a:rPr lang="en-US" altLang="ja-JP" dirty="0">
+                <a:latin typeface="+mn-ea"/>
+              </a:rPr>
+              <a:t>	</a:t>
+            </a:r>
+            <a:r>
+              <a:rPr lang="ja-JP" altLang="en-US" dirty="0">
+                <a:latin typeface="+mn-ea"/>
+              </a:rPr>
+              <a:t>学んだ技術を応用する難しさ</a:t>
+            </a:r>
+            <a:endParaRPr lang="en-US" altLang="ja-JP" dirty="0">
+              <a:latin typeface="+mn-ea"/>
+            </a:endParaRPr>
+          </a:p>
+          <a:p>
             <a:endParaRPr kumimoji="1" lang="en-US" altLang="ja-JP" dirty="0"/>
           </a:p>
         </p:txBody>
@@ -5489,7 +5512,7 @@
           <a:p>
             <a:fld id="{C59D74C6-9C2E-47F2-9943-FD41646989DE}" type="slidenum">
               <a:rPr kumimoji="1" lang="ja-JP" altLang="en-US" smtClean="0"/>
-              <a:t>29</a:t>
+              <a:t>27</a:t>
             </a:fld>
             <a:endParaRPr kumimoji="1" lang="ja-JP" altLang="en-US"/>
           </a:p>
@@ -5498,7 +5521,7 @@
     </p:spTree>
     <p:extLst>
       <p:ext uri="{BB962C8B-B14F-4D97-AF65-F5344CB8AC3E}">
-        <p14:creationId xmlns:p14="http://schemas.microsoft.com/office/powerpoint/2010/main" val="2634613038"/>
+        <p14:creationId xmlns:p14="http://schemas.microsoft.com/office/powerpoint/2010/main" val="2421870203"/>
       </p:ext>
     </p:extLst>
   </p:cSld>
@@ -5552,7 +5575,7 @@
           <a:bodyPr/>
           <a:lstStyle/>
           <a:p>
-            <a:endParaRPr kumimoji="1" lang="ja-JP" altLang="en-US" dirty="0"/>
+            <a:endParaRPr kumimoji="1" lang="en-US" altLang="ja-JP" dirty="0"/>
           </a:p>
         </p:txBody>
       </p:sp>
@@ -5571,9 +5594,93 @@
           <a:bodyPr/>
           <a:lstStyle/>
           <a:p>
+            <a:fld id="{C59D74C6-9C2E-47F2-9943-FD41646989DE}" type="slidenum">
+              <a:rPr kumimoji="1" lang="ja-JP" altLang="en-US" smtClean="0"/>
+              <a:t>28</a:t>
+            </a:fld>
+            <a:endParaRPr kumimoji="1" lang="ja-JP" altLang="en-US"/>
+          </a:p>
+        </p:txBody>
+      </p:sp>
+    </p:spTree>
+    <p:extLst>
+      <p:ext uri="{BB962C8B-B14F-4D97-AF65-F5344CB8AC3E}">
+        <p14:creationId xmlns:p14="http://schemas.microsoft.com/office/powerpoint/2010/main" val="2634613038"/>
+      </p:ext>
+    </p:extLst>
+  </p:cSld>
+  <p:clrMapOvr>
+    <a:masterClrMapping/>
+  </p:clrMapOvr>
+</p:notes>
+</file>
+
+<file path=ppt/notesSlides/notesSlide23.xml><?xml version="1.0" encoding="utf-8"?>
+<p:notes xmlns:a="http://schemas.openxmlformats.org/drawingml/2006/main" xmlns:r="http://schemas.openxmlformats.org/officeDocument/2006/relationships" xmlns:p="http://schemas.openxmlformats.org/presentationml/2006/main">
+  <p:cSld>
+    <p:spTree>
+      <p:nvGrpSpPr>
+        <p:cNvPr id="1" name=""/>
+        <p:cNvGrpSpPr/>
+        <p:nvPr/>
+      </p:nvGrpSpPr>
+      <p:grpSpPr>
+        <a:xfrm>
+          <a:off x="0" y="0"/>
+          <a:ext cx="0" cy="0"/>
+          <a:chOff x="0" y="0"/>
+          <a:chExt cx="0" cy="0"/>
+        </a:xfrm>
+      </p:grpSpPr>
+      <p:sp>
+        <p:nvSpPr>
+          <p:cNvPr id="2" name="スライド イメージ プレースホルダー 1"/>
+          <p:cNvSpPr>
+            <a:spLocks noGrp="1" noRot="1" noChangeAspect="1"/>
+          </p:cNvSpPr>
+          <p:nvPr>
+            <p:ph type="sldImg"/>
+          </p:nvPr>
+        </p:nvSpPr>
+        <p:spPr/>
+      </p:sp>
+      <p:sp>
+        <p:nvSpPr>
+          <p:cNvPr id="3" name="ノート プレースホルダー 2"/>
+          <p:cNvSpPr>
+            <a:spLocks noGrp="1"/>
+          </p:cNvSpPr>
+          <p:nvPr>
+            <p:ph type="body" idx="1"/>
+          </p:nvPr>
+        </p:nvSpPr>
+        <p:spPr/>
+        <p:txBody>
+          <a:bodyPr/>
+          <a:lstStyle/>
+          <a:p>
+            <a:endParaRPr kumimoji="1" lang="ja-JP" altLang="en-US" dirty="0"/>
+          </a:p>
+        </p:txBody>
+      </p:sp>
+      <p:sp>
+        <p:nvSpPr>
+          <p:cNvPr id="4" name="スライド番号プレースホルダー 3"/>
+          <p:cNvSpPr>
+            <a:spLocks noGrp="1"/>
+          </p:cNvSpPr>
+          <p:nvPr>
+            <p:ph type="sldNum" sz="quarter" idx="5"/>
+          </p:nvPr>
+        </p:nvSpPr>
+        <p:spPr/>
+        <p:txBody>
+          <a:bodyPr/>
+          <a:lstStyle/>
+          <a:p>
             <a:fld id="{D4CB765E-9AF7-4318-BD2A-D662ADA2D2AB}" type="slidenum">
               <a:rPr kumimoji="1" lang="ja-JP" altLang="en-US" smtClean="0"/>
-              <a:t>30</a:t>
+              <a:t>29</a:t>
             </a:fld>
             <a:endParaRPr kumimoji="1" lang="ja-JP" altLang="en-US"/>
           </a:p>
@@ -5636,31 +5743,6 @@
           <a:bodyPr/>
           <a:lstStyle/>
           <a:p>
-            <a:r>
-              <a:rPr kumimoji="1" lang="ja-JP" altLang="en-US" dirty="0"/>
-              <a:t>今回の開発テーマです。</a:t>
-            </a:r>
-            <a:endParaRPr kumimoji="1" lang="en-US" altLang="ja-JP" dirty="0"/>
-          </a:p>
-          <a:p>
-            <a:r>
-              <a:rPr kumimoji="1" lang="ja-JP" altLang="en-US" dirty="0"/>
-              <a:t>ターゲットは、同年代の一人暮らし会社員に設定しました。運動不足に悩み、ダイエットしなければいけないけどどう変えればいいのか悩んでいる人に向けています。</a:t>
-            </a:r>
-            <a:endParaRPr kumimoji="1" lang="en-US" altLang="ja-JP" dirty="0"/>
-          </a:p>
-          <a:p>
-            <a:r>
-              <a:rPr kumimoji="1" lang="ja-JP" altLang="en-US" dirty="0"/>
-              <a:t>アプリの目的は、利用者にダイエットの意識が生まれる・利用者がアプリの利用を継続できることです。</a:t>
-            </a:r>
-            <a:endParaRPr kumimoji="1" lang="en-US" altLang="ja-JP" dirty="0"/>
-          </a:p>
-          <a:p>
-            <a:r>
-              <a:rPr kumimoji="1" lang="ja-JP" altLang="en-US" dirty="0"/>
-              <a:t>この目的を達成するためには、ターゲットにダイエットに対する意識を高めてもらう必要があります</a:t>
-            </a:r>
             <a:endParaRPr kumimoji="1" lang="en-US" altLang="ja-JP" dirty="0"/>
           </a:p>
         </p:txBody>
@@ -5682,7 +5764,7 @@
           <a:p>
             <a:fld id="{C59D74C6-9C2E-47F2-9943-FD41646989DE}" type="slidenum">
               <a:rPr kumimoji="1" lang="ja-JP" altLang="en-US" smtClean="0"/>
-              <a:t>6</a:t>
+              <a:t>3</a:t>
             </a:fld>
             <a:endParaRPr kumimoji="1" lang="ja-JP" altLang="en-US"/>
           </a:p>
@@ -5691,7 +5773,7 @@
     </p:spTree>
     <p:extLst>
       <p:ext uri="{BB962C8B-B14F-4D97-AF65-F5344CB8AC3E}">
-        <p14:creationId xmlns:p14="http://schemas.microsoft.com/office/powerpoint/2010/main" val="1132183257"/>
+        <p14:creationId xmlns:p14="http://schemas.microsoft.com/office/powerpoint/2010/main" val="170412088"/>
       </p:ext>
     </p:extLst>
   </p:cSld>
@@ -5747,47 +5829,30 @@
           <a:p>
             <a:r>
               <a:rPr kumimoji="1" lang="ja-JP" altLang="en-US" dirty="0"/>
-              <a:t>では、ターゲットにダイエットに対する意識を高めてもらうには、どうすればいいでしょうか。</a:t>
+              <a:t>今回の開発テーマです。</a:t>
             </a:r>
             <a:endParaRPr kumimoji="1" lang="en-US" altLang="ja-JP" dirty="0"/>
           </a:p>
           <a:p>
             <a:r>
               <a:rPr kumimoji="1" lang="ja-JP" altLang="en-US" dirty="0"/>
-              <a:t>私たちは、ダイエットに対するハードルが高いのではないかと考えました。</a:t>
+              <a:t>ターゲットは、同年代の一人暮らし会社員に設定しました。運動不足に悩み、ダイエットしなければいけないけどどう変えればいいのか悩んでいる人に向けています。</a:t>
             </a:r>
             <a:endParaRPr kumimoji="1" lang="en-US" altLang="ja-JP" dirty="0"/>
           </a:p>
           <a:p>
             <a:r>
-              <a:rPr kumimoji="1" lang="ja-JP" altLang="en-US" b="0" dirty="0"/>
-              <a:t>例えば、～といったような要因です。</a:t>
-            </a:r>
-            <a:endParaRPr kumimoji="1" lang="en-US" altLang="ja-JP" b="0" dirty="0"/>
-          </a:p>
-          <a:p>
-            <a:pPr marL="0" marR="0" lvl="0" indent="0" algn="l" defTabSz="914400" rtl="0" eaLnBrk="1" fontAlgn="auto" latinLnBrk="0" hangingPunct="1">
-              <a:lnSpc>
-                <a:spcPct val="100000"/>
-              </a:lnSpc>
-              <a:spcBef>
-                <a:spcPts val="0"/>
-              </a:spcBef>
-              <a:spcAft>
-                <a:spcPts val="0"/>
-              </a:spcAft>
-              <a:buClrTx/>
-              <a:buSzTx/>
-              <a:buFontTx/>
-              <a:buNone/>
-              <a:tabLst/>
-              <a:defRPr/>
-            </a:pPr>
-            <a:r>
-              <a:rPr kumimoji="1" lang="ja-JP" altLang="en-US" b="0" dirty="0"/>
-              <a:t>これらのハードルを下げることができれば、ターゲットの意識が変わり、役に立つアプリになると考えました。</a:t>
-            </a:r>
-            <a:endParaRPr kumimoji="1" lang="en-US" altLang="ja-JP" b="0" dirty="0"/>
+              <a:rPr kumimoji="1" lang="ja-JP" altLang="en-US" dirty="0"/>
+              <a:t>アプリの目的は、利用者にダイエットの意識が生まれる・利用者がアプリの利用を継続できることです。</a:t>
+            </a:r>
+            <a:endParaRPr kumimoji="1" lang="en-US" altLang="ja-JP" dirty="0"/>
+          </a:p>
+          <a:p>
+            <a:r>
+              <a:rPr kumimoji="1" lang="ja-JP" altLang="en-US" dirty="0"/>
+              <a:t>この目的を達成するためには、ターゲットにダイエットに対する意識を高めてもらう必要があります</a:t>
+            </a:r>
+            <a:endParaRPr kumimoji="1" lang="en-US" altLang="ja-JP" dirty="0"/>
           </a:p>
         </p:txBody>
       </p:sp>
@@ -5808,7 +5873,7 @@
           <a:p>
             <a:fld id="{C59D74C6-9C2E-47F2-9943-FD41646989DE}" type="slidenum">
               <a:rPr kumimoji="1" lang="ja-JP" altLang="en-US" smtClean="0"/>
-              <a:t>7</a:t>
+              <a:t>5</a:t>
             </a:fld>
             <a:endParaRPr kumimoji="1" lang="ja-JP" altLang="en-US"/>
           </a:p>
@@ -5817,7 +5882,7 @@
     </p:spTree>
     <p:extLst>
       <p:ext uri="{BB962C8B-B14F-4D97-AF65-F5344CB8AC3E}">
-        <p14:creationId xmlns:p14="http://schemas.microsoft.com/office/powerpoint/2010/main" val="1621010466"/>
+        <p14:creationId xmlns:p14="http://schemas.microsoft.com/office/powerpoint/2010/main" val="1132183257"/>
       </p:ext>
     </p:extLst>
   </p:cSld>
@@ -5871,6 +5936,27 @@
           <a:bodyPr/>
           <a:lstStyle/>
           <a:p>
+            <a:r>
+              <a:rPr kumimoji="1" lang="ja-JP" altLang="en-US" dirty="0"/>
+              <a:t>では、ターゲットにダイエットに対する意識を高めてもらうには、どうすればいいでしょうか。</a:t>
+            </a:r>
+            <a:endParaRPr kumimoji="1" lang="en-US" altLang="ja-JP" dirty="0"/>
+          </a:p>
+          <a:p>
+            <a:r>
+              <a:rPr kumimoji="1" lang="ja-JP" altLang="en-US" dirty="0"/>
+              <a:t>私たちは、ダイエットに対するハードルが高いのではないかと考えました。</a:t>
+            </a:r>
+            <a:endParaRPr kumimoji="1" lang="en-US" altLang="ja-JP" dirty="0"/>
+          </a:p>
+          <a:p>
+            <a:r>
+              <a:rPr kumimoji="1" lang="ja-JP" altLang="en-US" b="0" dirty="0"/>
+              <a:t>例えば、～といったような要因です。</a:t>
+            </a:r>
+            <a:endParaRPr kumimoji="1" lang="en-US" altLang="ja-JP" b="0" dirty="0"/>
+          </a:p>
+          <a:p>
             <a:pPr marL="0" marR="0" lvl="0" indent="0" algn="l" defTabSz="914400" rtl="0" eaLnBrk="1" fontAlgn="auto" latinLnBrk="0" hangingPunct="1">
               <a:lnSpc>
                 <a:spcPct val="100000"/>
@@ -5889,14 +5975,10 @@
               <a:defRPr/>
             </a:pPr>
             <a:r>
-              <a:rPr kumimoji="1" lang="ja-JP" altLang="en-US" sz="1200" b="0" dirty="0">
-                <a:latin typeface="+mn-ea"/>
-              </a:rPr>
-              <a:t>私たちは、これらのハードルを下げ、ゆるく意識を変えていけるようなアプリを目指しました。</a:t>
-            </a:r>
-            <a:endParaRPr kumimoji="1" lang="en-US" altLang="ja-JP" sz="1200" b="0" dirty="0">
-              <a:latin typeface="+mn-ea"/>
-            </a:endParaRPr>
+              <a:rPr kumimoji="1" lang="ja-JP" altLang="en-US" b="0" dirty="0"/>
+              <a:t>これらのハードルを下げることができれば、ターゲットの意識が変わり、役に立つアプリになると考えました。</a:t>
+            </a:r>
+            <a:endParaRPr kumimoji="1" lang="en-US" altLang="ja-JP" b="0" dirty="0"/>
           </a:p>
         </p:txBody>
       </p:sp>
@@ -5917,7 +5999,7 @@
           <a:p>
             <a:fld id="{C59D74C6-9C2E-47F2-9943-FD41646989DE}" type="slidenum">
               <a:rPr kumimoji="1" lang="ja-JP" altLang="en-US" smtClean="0"/>
-              <a:t>8</a:t>
+              <a:t>6</a:t>
             </a:fld>
             <a:endParaRPr kumimoji="1" lang="ja-JP" altLang="en-US"/>
           </a:p>
@@ -5926,7 +6008,7 @@
     </p:spTree>
     <p:extLst>
       <p:ext uri="{BB962C8B-B14F-4D97-AF65-F5344CB8AC3E}">
-        <p14:creationId xmlns:p14="http://schemas.microsoft.com/office/powerpoint/2010/main" val="2286980940"/>
+        <p14:creationId xmlns:p14="http://schemas.microsoft.com/office/powerpoint/2010/main" val="1621010466"/>
       </p:ext>
     </p:extLst>
   </p:cSld>
@@ -5998,130 +6080,14 @@
               <a:defRPr/>
             </a:pPr>
             <a:r>
-              <a:rPr kumimoji="1" lang="ja-JP" altLang="en-US" dirty="0"/>
-              <a:t>では、アプリの内容に入っていきます。</a:t>
-            </a:r>
-            <a:endParaRPr kumimoji="1" lang="en-US" altLang="ja-JP" dirty="0"/>
-          </a:p>
-          <a:p>
-            <a:pPr marL="0" marR="0" lvl="0" indent="0" algn="l" defTabSz="914400" rtl="0" eaLnBrk="1" fontAlgn="auto" latinLnBrk="0" hangingPunct="1">
-              <a:lnSpc>
-                <a:spcPct val="100000"/>
-              </a:lnSpc>
-              <a:spcBef>
-                <a:spcPts val="0"/>
-              </a:spcBef>
-              <a:spcAft>
-                <a:spcPts val="0"/>
-              </a:spcAft>
-              <a:buClrTx/>
-              <a:buSzTx/>
-              <a:buFontTx/>
-              <a:buNone/>
-              <a:tabLst/>
-              <a:defRPr/>
-            </a:pPr>
-            <a:r>
-              <a:rPr kumimoji="1" lang="ja-JP" altLang="en-US" dirty="0"/>
-              <a:t>私たちが作ったアプリ名は、「きょうから」です。</a:t>
-            </a:r>
-            <a:endParaRPr kumimoji="1" lang="en-US" altLang="ja-JP" dirty="0"/>
-          </a:p>
-          <a:p>
-            <a:pPr marL="0" marR="0" lvl="0" indent="0" algn="l" defTabSz="914400" rtl="0" eaLnBrk="1" fontAlgn="auto" latinLnBrk="0" hangingPunct="1">
-              <a:lnSpc>
-                <a:spcPct val="100000"/>
-              </a:lnSpc>
-              <a:spcBef>
-                <a:spcPts val="0"/>
-              </a:spcBef>
-              <a:spcAft>
-                <a:spcPts val="0"/>
-              </a:spcAft>
-              <a:buClrTx/>
-              <a:buSzTx/>
-              <a:buFontTx/>
-              <a:buNone/>
-              <a:tabLst/>
-              <a:defRPr/>
-            </a:pPr>
-            <a:r>
-              <a:rPr kumimoji="1" lang="ja-JP" altLang="en-US" dirty="0"/>
-              <a:t>このアプリ名には・</a:t>
-            </a:r>
-            <a:r>
-              <a:rPr lang="ja-JP" altLang="en-US" sz="1400" b="1" dirty="0">
+              <a:rPr kumimoji="1" lang="ja-JP" altLang="en-US" sz="1200" b="0" dirty="0">
                 <a:latin typeface="+mn-ea"/>
               </a:rPr>
-              <a:t>きょうから</a:t>
-            </a:r>
-            <a:r>
-              <a:rPr lang="ja-JP" altLang="en-US" sz="1200" dirty="0">
-                <a:latin typeface="+mn-ea"/>
-              </a:rPr>
-              <a:t>意識を変えていこう・</a:t>
-            </a:r>
-            <a:r>
-              <a:rPr lang="ja-JP" altLang="en-US" sz="1400" b="1" dirty="0">
-                <a:latin typeface="+mn-ea"/>
-              </a:rPr>
-              <a:t>きょうのからだ</a:t>
-            </a:r>
-            <a:r>
-              <a:rPr lang="ja-JP" altLang="en-US" sz="1200" dirty="0">
-                <a:latin typeface="+mn-ea"/>
-              </a:rPr>
-              <a:t>を記録しようという、２つの意味があります。</a:t>
-            </a:r>
-            <a:endParaRPr kumimoji="1" lang="en-US" altLang="ja-JP" dirty="0"/>
-          </a:p>
-          <a:p>
-            <a:pPr marL="0" marR="0" lvl="0" indent="0" algn="l" defTabSz="914400" rtl="0" eaLnBrk="1" fontAlgn="auto" latinLnBrk="0" hangingPunct="1">
-              <a:lnSpc>
-                <a:spcPct val="100000"/>
-              </a:lnSpc>
-              <a:spcBef>
-                <a:spcPts val="0"/>
-              </a:spcBef>
-              <a:spcAft>
-                <a:spcPts val="0"/>
-              </a:spcAft>
-              <a:buClrTx/>
-              <a:buSzTx/>
-              <a:buFontTx/>
-              <a:buNone/>
-              <a:tabLst/>
-              <a:defRPr/>
-            </a:pPr>
-            <a:r>
-              <a:rPr kumimoji="1" lang="ja-JP" altLang="en-US" dirty="0"/>
-              <a:t>また、ひらがなにすることで柔らかい雰囲気にしました。</a:t>
-            </a:r>
-            <a:endParaRPr kumimoji="1" lang="en-US" altLang="ja-JP" dirty="0"/>
-          </a:p>
-          <a:p>
-            <a:pPr marL="0" marR="0" lvl="0" indent="0" algn="l" defTabSz="914400" rtl="0" eaLnBrk="1" fontAlgn="auto" latinLnBrk="0" hangingPunct="1">
-              <a:lnSpc>
-                <a:spcPct val="100000"/>
-              </a:lnSpc>
-              <a:spcBef>
-                <a:spcPts val="0"/>
-              </a:spcBef>
-              <a:spcAft>
-                <a:spcPts val="0"/>
-              </a:spcAft>
-              <a:buClrTx/>
-              <a:buSzTx/>
-              <a:buFontTx/>
-              <a:buNone/>
-              <a:tabLst/>
-              <a:defRPr/>
-            </a:pPr>
-            <a:r>
-              <a:rPr kumimoji="1" lang="ja-JP" altLang="en-US" dirty="0"/>
-              <a:t>次のスライドからは、「きょうから」の強みを３つに分けてお伝えします。</a:t>
-            </a:r>
-            <a:endParaRPr kumimoji="1" lang="en-US" altLang="ja-JP" dirty="0"/>
+              <a:t>私たちは、これらのハードルを下げ、ゆるく意識を変えていけるようなアプリを目指しました。</a:t>
+            </a:r>
+            <a:endParaRPr kumimoji="1" lang="en-US" altLang="ja-JP" sz="1200" b="0" dirty="0">
+              <a:latin typeface="+mn-ea"/>
+            </a:endParaRPr>
           </a:p>
         </p:txBody>
       </p:sp>
@@ -6142,7 +6108,7 @@
           <a:p>
             <a:fld id="{C59D74C6-9C2E-47F2-9943-FD41646989DE}" type="slidenum">
               <a:rPr kumimoji="1" lang="ja-JP" altLang="en-US" smtClean="0"/>
-              <a:t>9</a:t>
+              <a:t>7</a:t>
             </a:fld>
             <a:endParaRPr kumimoji="1" lang="ja-JP" altLang="en-US"/>
           </a:p>
@@ -6151,7 +6117,7 @@
     </p:spTree>
     <p:extLst>
       <p:ext uri="{BB962C8B-B14F-4D97-AF65-F5344CB8AC3E}">
-        <p14:creationId xmlns:p14="http://schemas.microsoft.com/office/powerpoint/2010/main" val="56062860"/>
+        <p14:creationId xmlns:p14="http://schemas.microsoft.com/office/powerpoint/2010/main" val="2286980940"/>
       </p:ext>
     </p:extLst>
   </p:cSld>
@@ -6205,42 +6171,148 @@
           <a:bodyPr/>
           <a:lstStyle/>
           <a:p>
+            <a:pPr marL="0" marR="0" lvl="0" indent="0" algn="l" defTabSz="914400" rtl="0" eaLnBrk="1" fontAlgn="auto" latinLnBrk="0" hangingPunct="1">
+              <a:lnSpc>
+                <a:spcPct val="100000"/>
+              </a:lnSpc>
+              <a:spcBef>
+                <a:spcPts val="0"/>
+              </a:spcBef>
+              <a:spcAft>
+                <a:spcPts val="0"/>
+              </a:spcAft>
+              <a:buClrTx/>
+              <a:buSzTx/>
+              <a:buFontTx/>
+              <a:buNone/>
+              <a:tabLst/>
+              <a:defRPr/>
+            </a:pPr>
             <a:r>
               <a:rPr kumimoji="1" lang="ja-JP" altLang="en-US" dirty="0"/>
-              <a:t>「きょうから」の強みはこの大きくこの</a:t>
-            </a:r>
-            <a:r>
-              <a:rPr kumimoji="1" lang="en-US" altLang="ja-JP" dirty="0"/>
-              <a:t>3</a:t>
-            </a:r>
+              <a:t>では、アプリの内容に入っていきます。</a:t>
+            </a:r>
+            <a:endParaRPr kumimoji="1" lang="en-US" altLang="ja-JP" dirty="0"/>
+          </a:p>
+          <a:p>
+            <a:pPr marL="0" marR="0" lvl="0" indent="0" algn="l" defTabSz="914400" rtl="0" eaLnBrk="1" fontAlgn="auto" latinLnBrk="0" hangingPunct="1">
+              <a:lnSpc>
+                <a:spcPct val="100000"/>
+              </a:lnSpc>
+              <a:spcBef>
+                <a:spcPts val="0"/>
+              </a:spcBef>
+              <a:spcAft>
+                <a:spcPts val="0"/>
+              </a:spcAft>
+              <a:buClrTx/>
+              <a:buSzTx/>
+              <a:buFontTx/>
+              <a:buNone/>
+              <a:tabLst/>
+              <a:defRPr/>
+            </a:pPr>
             <a:r>
               <a:rPr kumimoji="1" lang="ja-JP" altLang="en-US" dirty="0"/>
-              <a:t>つに分けられます</a:t>
+              <a:t>私たちが作ったアプリ名は、「きょうから」です。</a:t>
             </a:r>
             <a:endParaRPr kumimoji="1" lang="en-US" altLang="ja-JP" dirty="0"/>
           </a:p>
           <a:p>
+            <a:pPr marL="0" marR="0" lvl="0" indent="0" algn="l" defTabSz="914400" rtl="0" eaLnBrk="1" fontAlgn="auto" latinLnBrk="0" hangingPunct="1">
+              <a:lnSpc>
+                <a:spcPct val="100000"/>
+              </a:lnSpc>
+              <a:spcBef>
+                <a:spcPts val="0"/>
+              </a:spcBef>
+              <a:spcAft>
+                <a:spcPts val="0"/>
+              </a:spcAft>
+              <a:buClrTx/>
+              <a:buSzTx/>
+              <a:buFontTx/>
+              <a:buNone/>
+              <a:tabLst/>
+              <a:defRPr/>
+            </a:pPr>
             <a:r>
               <a:rPr kumimoji="1" lang="ja-JP" altLang="en-US" dirty="0"/>
-              <a:t>「スライドショー・グラフ機能で変化が分かる」・「食事記録で意識が変わる」・「匿名掲示板で交流できる」ことで、継続できるアプリにしました。</a:t>
+              <a:t>このアプリ名には・</a:t>
+            </a:r>
+            <a:r>
+              <a:rPr lang="ja-JP" altLang="en-US" sz="1400" b="1" dirty="0">
+                <a:latin typeface="+mn-ea"/>
+              </a:rPr>
+              <a:t>きょうから</a:t>
+            </a:r>
+            <a:r>
+              <a:rPr lang="ja-JP" altLang="en-US" sz="1200" dirty="0">
+                <a:latin typeface="+mn-ea"/>
+              </a:rPr>
+              <a:t>意識を変えていこう・</a:t>
+            </a:r>
+            <a:r>
+              <a:rPr lang="ja-JP" altLang="en-US" sz="1400" b="1" dirty="0">
+                <a:latin typeface="+mn-ea"/>
+              </a:rPr>
+              <a:t>きょうのからだ</a:t>
+            </a:r>
+            <a:r>
+              <a:rPr lang="ja-JP" altLang="en-US" sz="1200" dirty="0">
+                <a:latin typeface="+mn-ea"/>
+              </a:rPr>
+              <a:t>を記録しようという、２つの意味があります。</a:t>
             </a:r>
             <a:endParaRPr kumimoji="1" lang="en-US" altLang="ja-JP" dirty="0"/>
           </a:p>
           <a:p>
+            <a:pPr marL="0" marR="0" lvl="0" indent="0" algn="l" defTabSz="914400" rtl="0" eaLnBrk="1" fontAlgn="auto" latinLnBrk="0" hangingPunct="1">
+              <a:lnSpc>
+                <a:spcPct val="100000"/>
+              </a:lnSpc>
+              <a:spcBef>
+                <a:spcPts val="0"/>
+              </a:spcBef>
+              <a:spcAft>
+                <a:spcPts val="0"/>
+              </a:spcAft>
+              <a:buClrTx/>
+              <a:buSzTx/>
+              <a:buFontTx/>
+              <a:buNone/>
+              <a:tabLst/>
+              <a:defRPr/>
+            </a:pPr>
             <a:r>
               <a:rPr kumimoji="1" lang="ja-JP" altLang="en-US" dirty="0"/>
-              <a:t>ここから、それぞれについて説明していきます。</a:t>
-            </a:r>
-            <a:r>
-              <a:rPr kumimoji="1" lang="en-US" altLang="ja-JP" dirty="0"/>
-              <a:t>	</a:t>
-            </a:r>
-          </a:p>
-          <a:p>
+              <a:t>また、ひらがなにすることで柔らかい雰囲気にしました。</a:t>
+            </a:r>
+            <a:endParaRPr kumimoji="1" lang="en-US" altLang="ja-JP" dirty="0"/>
+          </a:p>
+          <a:p>
+            <a:pPr marL="0" marR="0" lvl="0" indent="0" algn="l" defTabSz="914400" rtl="0" eaLnBrk="1" fontAlgn="auto" latinLnBrk="0" hangingPunct="1">
+              <a:lnSpc>
+                <a:spcPct val="100000"/>
+              </a:lnSpc>
+              <a:spcBef>
+                <a:spcPts val="0"/>
+              </a:spcBef>
+              <a:spcAft>
+                <a:spcPts val="0"/>
+              </a:spcAft>
+              <a:buClrTx/>
+              <a:buSzTx/>
+              <a:buFontTx/>
+              <a:buNone/>
+              <a:tabLst/>
+              <a:defRPr/>
+            </a:pPr>
             <a:r>
               <a:rPr kumimoji="1" lang="ja-JP" altLang="en-US" dirty="0"/>
-              <a:t>２分</a:t>
-            </a:r>
+              <a:t>次のスライドからは、「きょうから」の強みを３つに分けてお伝えします。</a:t>
+            </a:r>
+            <a:endParaRPr kumimoji="1" lang="en-US" altLang="ja-JP" dirty="0"/>
           </a:p>
         </p:txBody>
       </p:sp>
@@ -6261,7 +6333,7 @@
           <a:p>
             <a:fld id="{C59D74C6-9C2E-47F2-9943-FD41646989DE}" type="slidenum">
               <a:rPr kumimoji="1" lang="ja-JP" altLang="en-US" smtClean="0"/>
-              <a:t>10</a:t>
+              <a:t>8</a:t>
             </a:fld>
             <a:endParaRPr kumimoji="1" lang="ja-JP" altLang="en-US"/>
           </a:p>
@@ -6270,7 +6342,7 @@
     </p:spTree>
     <p:extLst>
       <p:ext uri="{BB962C8B-B14F-4D97-AF65-F5344CB8AC3E}">
-        <p14:creationId xmlns:p14="http://schemas.microsoft.com/office/powerpoint/2010/main" val="1918092922"/>
+        <p14:creationId xmlns:p14="http://schemas.microsoft.com/office/powerpoint/2010/main" val="56062860"/>
       </p:ext>
     </p:extLst>
   </p:cSld>
@@ -6326,7 +6398,39 @@
           <a:p>
             <a:r>
               <a:rPr kumimoji="1" lang="ja-JP" altLang="en-US" dirty="0"/>
-              <a:t>１つ目、「変化が分かる」についてです。</a:t>
+              <a:t>「きょうから」の強みはこの大きくこの</a:t>
+            </a:r>
+            <a:r>
+              <a:rPr kumimoji="1" lang="en-US" altLang="ja-JP" dirty="0"/>
+              <a:t>3</a:t>
+            </a:r>
+            <a:r>
+              <a:rPr kumimoji="1" lang="ja-JP" altLang="en-US" dirty="0"/>
+              <a:t>つに分けられます</a:t>
+            </a:r>
+            <a:endParaRPr kumimoji="1" lang="en-US" altLang="ja-JP" dirty="0"/>
+          </a:p>
+          <a:p>
+            <a:r>
+              <a:rPr kumimoji="1" lang="ja-JP" altLang="en-US" dirty="0"/>
+              <a:t>「スライドショー・グラフ機能で変化が分かる」・「食事記録で意識が変わる」・「匿名掲示板で交流できる」ことで、継続できるアプリにしました。</a:t>
+            </a:r>
+            <a:endParaRPr kumimoji="1" lang="en-US" altLang="ja-JP" dirty="0"/>
+          </a:p>
+          <a:p>
+            <a:r>
+              <a:rPr kumimoji="1" lang="ja-JP" altLang="en-US" dirty="0"/>
+              <a:t>ここから、それぞれについて説明していきます。</a:t>
+            </a:r>
+            <a:r>
+              <a:rPr kumimoji="1" lang="en-US" altLang="ja-JP" dirty="0"/>
+              <a:t>	</a:t>
+            </a:r>
+          </a:p>
+          <a:p>
+            <a:r>
+              <a:rPr kumimoji="1" lang="ja-JP" altLang="en-US" dirty="0"/>
+              <a:t>２分</a:t>
             </a:r>
           </a:p>
         </p:txBody>
@@ -6348,7 +6452,7 @@
           <a:p>
             <a:fld id="{C59D74C6-9C2E-47F2-9943-FD41646989DE}" type="slidenum">
               <a:rPr kumimoji="1" lang="ja-JP" altLang="en-US" smtClean="0"/>
-              <a:t>12</a:t>
+              <a:t>9</a:t>
             </a:fld>
             <a:endParaRPr kumimoji="1" lang="ja-JP" altLang="en-US"/>
           </a:p>
@@ -6357,7 +6461,7 @@
     </p:spTree>
     <p:extLst>
       <p:ext uri="{BB962C8B-B14F-4D97-AF65-F5344CB8AC3E}">
-        <p14:creationId xmlns:p14="http://schemas.microsoft.com/office/powerpoint/2010/main" val="1374128282"/>
+        <p14:creationId xmlns:p14="http://schemas.microsoft.com/office/powerpoint/2010/main" val="1918092922"/>
       </p:ext>
     </p:extLst>
   </p:cSld>
@@ -6413,28 +6517,7 @@
           <a:p>
             <a:r>
               <a:rPr kumimoji="1" lang="ja-JP" altLang="en-US" dirty="0"/>
-              <a:t>「きょうから」には、食事記録の機能に加えて、自分の写真をアップロードできる機能があります。</a:t>
-            </a:r>
-            <a:endParaRPr kumimoji="1" lang="en-US" altLang="ja-JP" dirty="0"/>
-          </a:p>
-          <a:p>
-            <a:r>
-              <a:rPr kumimoji="1" lang="ja-JP" altLang="en-US" dirty="0"/>
-              <a:t>その登録した写真をスライドショー形式で確認することで、変化が分かります。</a:t>
-            </a:r>
-            <a:endParaRPr kumimoji="1" lang="en-US" altLang="ja-JP" dirty="0"/>
-          </a:p>
-          <a:p>
-            <a:r>
-              <a:rPr kumimoji="1" lang="ja-JP" altLang="en-US" dirty="0"/>
-              <a:t>また、グラフが動的に表示されるため、変化が可視化されます。</a:t>
-            </a:r>
-            <a:endParaRPr kumimoji="1" lang="en-US" altLang="ja-JP" dirty="0"/>
-          </a:p>
-          <a:p>
-            <a:r>
-              <a:rPr kumimoji="1" lang="ja-JP" altLang="en-US" dirty="0"/>
-              <a:t>これらの機能によって、モチベーションの維持につながると考えられます。</a:t>
+              <a:t>１つ目、「変化が分かる」についてです。</a:t>
             </a:r>
           </a:p>
         </p:txBody>
@@ -6456,7 +6539,7 @@
           <a:p>
             <a:fld id="{C59D74C6-9C2E-47F2-9943-FD41646989DE}" type="slidenum">
               <a:rPr kumimoji="1" lang="ja-JP" altLang="en-US" smtClean="0"/>
-              <a:t>13</a:t>
+              <a:t>11</a:t>
             </a:fld>
             <a:endParaRPr kumimoji="1" lang="ja-JP" altLang="en-US"/>
           </a:p>
@@ -6465,7 +6548,7 @@
     </p:spTree>
     <p:extLst>
       <p:ext uri="{BB962C8B-B14F-4D97-AF65-F5344CB8AC3E}">
-        <p14:creationId xmlns:p14="http://schemas.microsoft.com/office/powerpoint/2010/main" val="2337115857"/>
+        <p14:creationId xmlns:p14="http://schemas.microsoft.com/office/powerpoint/2010/main" val="1374128282"/>
       </p:ext>
     </p:extLst>
   </p:cSld>
@@ -6622,7 +6705,7 @@
           <a:p>
             <a:fld id="{532EB36F-6515-496E-BFCD-D81BFF0296A9}" type="datetimeFigureOut">
               <a:rPr kumimoji="1" lang="ja-JP" altLang="en-US" smtClean="0"/>
-              <a:t>2023/6/28</a:t>
+              <a:t>2023/6/29</a:t>
             </a:fld>
             <a:endParaRPr kumimoji="1" lang="ja-JP" altLang="en-US"/>
           </a:p>
@@ -6864,7 +6947,7 @@
           <a:p>
             <a:fld id="{532EB36F-6515-496E-BFCD-D81BFF0296A9}" type="datetimeFigureOut">
               <a:rPr kumimoji="1" lang="ja-JP" altLang="en-US" smtClean="0"/>
-              <a:t>2023/6/28</a:t>
+              <a:t>2023/6/29</a:t>
             </a:fld>
             <a:endParaRPr kumimoji="1" lang="ja-JP" altLang="en-US"/>
           </a:p>
@@ -7116,7 +7199,7 @@
           <a:p>
             <a:fld id="{532EB36F-6515-496E-BFCD-D81BFF0296A9}" type="datetimeFigureOut">
               <a:rPr kumimoji="1" lang="ja-JP" altLang="en-US" smtClean="0"/>
-              <a:t>2023/6/28</a:t>
+              <a:t>2023/6/29</a:t>
             </a:fld>
             <a:endParaRPr kumimoji="1" lang="ja-JP" altLang="en-US"/>
           </a:p>
@@ -7452,7 +7535,7 @@
           <a:p>
             <a:fld id="{BF80A5BA-5808-439D-8F14-DD23526067FA}" type="datetimeFigureOut">
               <a:rPr kumimoji="1" lang="ja-JP" altLang="en-US" smtClean="0"/>
-              <a:t>2023/6/28</a:t>
+              <a:t>2023/6/29</a:t>
             </a:fld>
             <a:endParaRPr kumimoji="1" lang="ja-JP" altLang="en-US"/>
           </a:p>
@@ -8106,7 +8189,7 @@
           <a:p>
             <a:fld id="{532EB36F-6515-496E-BFCD-D81BFF0296A9}" type="datetimeFigureOut">
               <a:rPr kumimoji="1" lang="ja-JP" altLang="en-US" smtClean="0"/>
-              <a:t>2023/6/28</a:t>
+              <a:t>2023/6/29</a:t>
             </a:fld>
             <a:endParaRPr kumimoji="1" lang="ja-JP" altLang="en-US"/>
           </a:p>
@@ -8393,7 +8476,7 @@
           <a:p>
             <a:fld id="{532EB36F-6515-496E-BFCD-D81BFF0296A9}" type="datetimeFigureOut">
               <a:rPr kumimoji="1" lang="ja-JP" altLang="en-US" smtClean="0"/>
-              <a:t>2023/6/28</a:t>
+              <a:t>2023/6/29</a:t>
             </a:fld>
             <a:endParaRPr kumimoji="1" lang="ja-JP" altLang="en-US"/>
           </a:p>
@@ -8734,7 +8817,7 @@
           <a:p>
             <a:fld id="{532EB36F-6515-496E-BFCD-D81BFF0296A9}" type="datetimeFigureOut">
               <a:rPr kumimoji="1" lang="ja-JP" altLang="en-US" smtClean="0"/>
-              <a:t>2023/6/28</a:t>
+              <a:t>2023/6/29</a:t>
             </a:fld>
             <a:endParaRPr kumimoji="1" lang="ja-JP" altLang="en-US"/>
           </a:p>
@@ -9222,7 +9305,7 @@
           <a:p>
             <a:fld id="{532EB36F-6515-496E-BFCD-D81BFF0296A9}" type="datetimeFigureOut">
               <a:rPr kumimoji="1" lang="ja-JP" altLang="en-US" smtClean="0"/>
-              <a:t>2023/6/28</a:t>
+              <a:t>2023/6/29</a:t>
             </a:fld>
             <a:endParaRPr kumimoji="1" lang="ja-JP" altLang="en-US"/>
           </a:p>
@@ -9375,7 +9458,7 @@
           <a:p>
             <a:fld id="{532EB36F-6515-496E-BFCD-D81BFF0296A9}" type="datetimeFigureOut">
               <a:rPr kumimoji="1" lang="ja-JP" altLang="en-US" smtClean="0"/>
-              <a:t>2023/6/28</a:t>
+              <a:t>2023/6/29</a:t>
             </a:fld>
             <a:endParaRPr kumimoji="1" lang="ja-JP" altLang="en-US"/>
           </a:p>
@@ -9500,7 +9583,7 @@
           <a:p>
             <a:fld id="{532EB36F-6515-496E-BFCD-D81BFF0296A9}" type="datetimeFigureOut">
               <a:rPr kumimoji="1" lang="ja-JP" altLang="en-US" smtClean="0"/>
-              <a:t>2023/6/28</a:t>
+              <a:t>2023/6/29</a:t>
             </a:fld>
             <a:endParaRPr kumimoji="1" lang="ja-JP" altLang="en-US"/>
           </a:p>
@@ -9855,7 +9938,7 @@
           <a:p>
             <a:fld id="{532EB36F-6515-496E-BFCD-D81BFF0296A9}" type="datetimeFigureOut">
               <a:rPr kumimoji="1" lang="ja-JP" altLang="en-US" smtClean="0"/>
-              <a:t>2023/6/28</a:t>
+              <a:t>2023/6/29</a:t>
             </a:fld>
             <a:endParaRPr kumimoji="1" lang="ja-JP" altLang="en-US"/>
           </a:p>
@@ -10155,7 +10238,7 @@
           <a:p>
             <a:fld id="{532EB36F-6515-496E-BFCD-D81BFF0296A9}" type="datetimeFigureOut">
               <a:rPr kumimoji="1" lang="ja-JP" altLang="en-US" smtClean="0"/>
-              <a:t>2023/6/28</a:t>
+              <a:t>2023/6/29</a:t>
             </a:fld>
             <a:endParaRPr kumimoji="1" lang="ja-JP" altLang="en-US"/>
           </a:p>
@@ -10445,7 +10528,7 @@
           <a:p>
             <a:fld id="{532EB36F-6515-496E-BFCD-D81BFF0296A9}" type="datetimeFigureOut">
               <a:rPr kumimoji="1" lang="ja-JP" altLang="en-US" smtClean="0"/>
-              <a:t>2023/6/28</a:t>
+              <a:t>2023/6/29</a:t>
             </a:fld>
             <a:endParaRPr kumimoji="1" lang="ja-JP" altLang="en-US"/>
           </a:p>
@@ -11018,830 +11101,6 @@
           <a:chExt cx="0" cy="0"/>
         </a:xfrm>
       </p:grpSpPr>
-      <p:graphicFrame>
-        <p:nvGraphicFramePr>
-          <p:cNvPr id="4" name="図表 3">
-            <a:extLst>
-              <a:ext uri="{FF2B5EF4-FFF2-40B4-BE49-F238E27FC236}">
-                <a16:creationId xmlns:a16="http://schemas.microsoft.com/office/drawing/2014/main" id="{DC96C5FE-0E78-4B6F-BAB5-9CF2D1AA233D}"/>
-              </a:ext>
-            </a:extLst>
-          </p:cNvPr>
-          <p:cNvGraphicFramePr/>
-          <p:nvPr>
-            <p:extLst>
-              <p:ext uri="{D42A27DB-BD31-4B8C-83A1-F6EECF244321}">
-                <p14:modId xmlns:p14="http://schemas.microsoft.com/office/powerpoint/2010/main" val="80653661"/>
-              </p:ext>
-            </p:extLst>
-          </p:nvPr>
-        </p:nvGraphicFramePr>
-        <p:xfrm>
-          <a:off x="133350" y="138229"/>
-          <a:ext cx="11953875" cy="6667499"/>
-        </p:xfrm>
-        <a:graphic>
-          <a:graphicData uri="http://schemas.openxmlformats.org/drawingml/2006/diagram">
-            <dgm:relIds xmlns:dgm="http://schemas.openxmlformats.org/drawingml/2006/diagram" xmlns:r="http://schemas.openxmlformats.org/officeDocument/2006/relationships" r:dm="rId5" r:lo="rId6" r:qs="rId7" r:cs="rId8"/>
-          </a:graphicData>
-        </a:graphic>
-      </p:graphicFrame>
-      <p:sp>
-        <p:nvSpPr>
-          <p:cNvPr id="8" name="吹き出し: 円形 7">
-            <a:extLst>
-              <a:ext uri="{FF2B5EF4-FFF2-40B4-BE49-F238E27FC236}">
-                <a16:creationId xmlns:a16="http://schemas.microsoft.com/office/drawing/2014/main" id="{DC3937B8-717F-432B-A964-1357286FC079}"/>
-              </a:ext>
-            </a:extLst>
-          </p:cNvPr>
-          <p:cNvSpPr/>
-          <p:nvPr/>
-        </p:nvSpPr>
-        <p:spPr>
-          <a:xfrm>
-            <a:off x="642144" y="64861"/>
-            <a:ext cx="3782711" cy="2571750"/>
-          </a:xfrm>
-          <a:prstGeom prst="wedgeEllipseCallout">
-            <a:avLst>
-              <a:gd name="adj1" fmla="val 55189"/>
-              <a:gd name="adj2" fmla="val 16294"/>
-            </a:avLst>
-          </a:prstGeom>
-          <a:solidFill>
-            <a:schemeClr val="accent4">
-              <a:alpha val="50000"/>
-            </a:schemeClr>
-          </a:solidFill>
-          <a:ln>
-            <a:noFill/>
-          </a:ln>
-        </p:spPr>
-        <p:style>
-          <a:lnRef idx="0">
-            <a:scrgbClr r="0" g="0" b="0"/>
-          </a:lnRef>
-          <a:fillRef idx="0">
-            <a:scrgbClr r="0" g="0" b="0"/>
-          </a:fillRef>
-          <a:effectRef idx="0">
-            <a:scrgbClr r="0" g="0" b="0"/>
-          </a:effectRef>
-          <a:fontRef idx="minor">
-            <a:schemeClr val="lt1"/>
-          </a:fontRef>
-        </p:style>
-        <p:txBody>
-          <a:bodyPr rtlCol="0" anchor="ctr"/>
-          <a:lstStyle/>
-          <a:p>
-            <a:pPr algn="ctr"/>
-            <a:r>
-              <a:rPr lang="ja-JP" altLang="en-US" sz="2800" b="1" dirty="0">
-                <a:solidFill>
-                  <a:schemeClr val="bg1"/>
-                </a:solidFill>
-              </a:rPr>
-              <a:t>スライドショー</a:t>
-            </a:r>
-            <a:endParaRPr lang="en-US" altLang="ja-JP" sz="2800" b="1" dirty="0">
-              <a:solidFill>
-                <a:schemeClr val="bg1"/>
-              </a:solidFill>
-            </a:endParaRPr>
-          </a:p>
-          <a:p>
-            <a:pPr algn="ctr"/>
-            <a:r>
-              <a:rPr kumimoji="1" lang="ja-JP" altLang="en-US" sz="2800" b="1" dirty="0">
-                <a:solidFill>
-                  <a:schemeClr val="bg1"/>
-                </a:solidFill>
-              </a:rPr>
-              <a:t>グラフ</a:t>
-            </a:r>
-          </a:p>
-        </p:txBody>
-      </p:sp>
-      <p:sp>
-        <p:nvSpPr>
-          <p:cNvPr id="7" name="吹き出し: 円形 6">
-            <a:extLst>
-              <a:ext uri="{FF2B5EF4-FFF2-40B4-BE49-F238E27FC236}">
-                <a16:creationId xmlns:a16="http://schemas.microsoft.com/office/drawing/2014/main" id="{6AAF0904-1479-4BCD-8997-8289ECBDD9BF}"/>
-              </a:ext>
-            </a:extLst>
-          </p:cNvPr>
-          <p:cNvSpPr/>
-          <p:nvPr/>
-        </p:nvSpPr>
-        <p:spPr>
-          <a:xfrm>
-            <a:off x="104775" y="3710151"/>
-            <a:ext cx="3142922" cy="2479151"/>
-          </a:xfrm>
-          <a:prstGeom prst="wedgeEllipseCallout">
-            <a:avLst>
-              <a:gd name="adj1" fmla="val 58068"/>
-              <a:gd name="adj2" fmla="val 4352"/>
-            </a:avLst>
-          </a:prstGeom>
-          <a:solidFill>
-            <a:schemeClr val="accent4">
-              <a:alpha val="50000"/>
-            </a:schemeClr>
-          </a:solidFill>
-          <a:ln>
-            <a:noFill/>
-          </a:ln>
-        </p:spPr>
-        <p:style>
-          <a:lnRef idx="0">
-            <a:scrgbClr r="0" g="0" b="0"/>
-          </a:lnRef>
-          <a:fillRef idx="0">
-            <a:scrgbClr r="0" g="0" b="0"/>
-          </a:fillRef>
-          <a:effectRef idx="0">
-            <a:scrgbClr r="0" g="0" b="0"/>
-          </a:effectRef>
-          <a:fontRef idx="minor">
-            <a:schemeClr val="lt1"/>
-          </a:fontRef>
-        </p:style>
-        <p:txBody>
-          <a:bodyPr rtlCol="0" anchor="ctr"/>
-          <a:lstStyle/>
-          <a:p>
-            <a:pPr algn="ctr"/>
-            <a:r>
-              <a:rPr lang="ja-JP" altLang="en-US" sz="3200" b="1" dirty="0">
-                <a:solidFill>
-                  <a:schemeClr val="bg1"/>
-                </a:solidFill>
-              </a:rPr>
-              <a:t>匿名掲示板</a:t>
-            </a:r>
-            <a:endParaRPr kumimoji="1" lang="ja-JP" altLang="en-US" sz="3200" b="1" dirty="0">
-              <a:solidFill>
-                <a:schemeClr val="bg1"/>
-              </a:solidFill>
-            </a:endParaRPr>
-          </a:p>
-        </p:txBody>
-      </p:sp>
-      <p:sp>
-        <p:nvSpPr>
-          <p:cNvPr id="9" name="吹き出し: 円形 8">
-            <a:extLst>
-              <a:ext uri="{FF2B5EF4-FFF2-40B4-BE49-F238E27FC236}">
-                <a16:creationId xmlns:a16="http://schemas.microsoft.com/office/drawing/2014/main" id="{D27DC7A7-FD68-4C28-AA6F-87C3EDD4D3FE}"/>
-              </a:ext>
-            </a:extLst>
-          </p:cNvPr>
-          <p:cNvSpPr/>
-          <p:nvPr/>
-        </p:nvSpPr>
-        <p:spPr>
-          <a:xfrm>
-            <a:off x="9197747" y="1714638"/>
-            <a:ext cx="2860903" cy="2571751"/>
-          </a:xfrm>
-          <a:prstGeom prst="wedgeEllipseCallout">
-            <a:avLst>
-              <a:gd name="adj1" fmla="val -58561"/>
-              <a:gd name="adj2" fmla="val 33956"/>
-            </a:avLst>
-          </a:prstGeom>
-          <a:solidFill>
-            <a:schemeClr val="accent4">
-              <a:alpha val="50000"/>
-            </a:schemeClr>
-          </a:solidFill>
-          <a:ln>
-            <a:noFill/>
-          </a:ln>
-        </p:spPr>
-        <p:style>
-          <a:lnRef idx="0">
-            <a:scrgbClr r="0" g="0" b="0"/>
-          </a:lnRef>
-          <a:fillRef idx="0">
-            <a:scrgbClr r="0" g="0" b="0"/>
-          </a:fillRef>
-          <a:effectRef idx="0">
-            <a:scrgbClr r="0" g="0" b="0"/>
-          </a:effectRef>
-          <a:fontRef idx="minor">
-            <a:schemeClr val="lt1"/>
-          </a:fontRef>
-        </p:style>
-        <p:txBody>
-          <a:bodyPr rtlCol="0" anchor="ctr"/>
-          <a:lstStyle/>
-          <a:p>
-            <a:pPr algn="ctr"/>
-            <a:r>
-              <a:rPr kumimoji="1" lang="ja-JP" altLang="en-US" sz="3200" b="1" dirty="0">
-                <a:solidFill>
-                  <a:schemeClr val="bg1"/>
-                </a:solidFill>
-              </a:rPr>
-              <a:t>食事記録</a:t>
-            </a:r>
-          </a:p>
-        </p:txBody>
-      </p:sp>
-      <p:sp>
-        <p:nvSpPr>
-          <p:cNvPr id="10" name="フローチャート: 代替処理 9">
-            <a:extLst>
-              <a:ext uri="{FF2B5EF4-FFF2-40B4-BE49-F238E27FC236}">
-                <a16:creationId xmlns:a16="http://schemas.microsoft.com/office/drawing/2014/main" id="{069484DC-D2BA-41B9-81A7-5FCC9F6C1AC1}"/>
-              </a:ext>
-            </a:extLst>
-          </p:cNvPr>
-          <p:cNvSpPr/>
-          <p:nvPr/>
-        </p:nvSpPr>
-        <p:spPr>
-          <a:xfrm>
-            <a:off x="1117432" y="2090159"/>
-            <a:ext cx="9985710" cy="3239984"/>
-          </a:xfrm>
-          <a:prstGeom prst="flowChartAlternateProcess">
-            <a:avLst/>
-          </a:prstGeom>
-          <a:ln w="57150">
-            <a:solidFill>
-              <a:schemeClr val="accent5">
-                <a:lumMod val="75000"/>
-              </a:schemeClr>
-            </a:solidFill>
-          </a:ln>
-        </p:spPr>
-        <p:style>
-          <a:lnRef idx="2">
-            <a:schemeClr val="accent6"/>
-          </a:lnRef>
-          <a:fillRef idx="1">
-            <a:schemeClr val="lt1"/>
-          </a:fillRef>
-          <a:effectRef idx="0">
-            <a:schemeClr val="accent6"/>
-          </a:effectRef>
-          <a:fontRef idx="minor">
-            <a:schemeClr val="dk1"/>
-          </a:fontRef>
-        </p:style>
-        <p:txBody>
-          <a:bodyPr rtlCol="0" anchor="ctr"/>
-          <a:lstStyle/>
-          <a:p>
-            <a:pPr algn="ctr"/>
-            <a:r>
-              <a:rPr kumimoji="1" lang="ja-JP" altLang="en-US" sz="7200" b="1" dirty="0">
-                <a:solidFill>
-                  <a:schemeClr val="accent5">
-                    <a:lumMod val="75000"/>
-                  </a:schemeClr>
-                </a:solidFill>
-              </a:rPr>
-              <a:t>継続</a:t>
-            </a:r>
-            <a:r>
-              <a:rPr lang="ja-JP" altLang="en-US" sz="7200" b="1" dirty="0">
-                <a:solidFill>
-                  <a:schemeClr val="accent5">
-                    <a:lumMod val="75000"/>
-                  </a:schemeClr>
-                </a:solidFill>
-              </a:rPr>
-              <a:t>できる</a:t>
-            </a:r>
-            <a:endParaRPr kumimoji="1" lang="ja-JP" altLang="en-US" sz="7200" b="1" dirty="0">
-              <a:solidFill>
-                <a:schemeClr val="accent5">
-                  <a:lumMod val="75000"/>
-                </a:schemeClr>
-              </a:solidFill>
-            </a:endParaRPr>
-          </a:p>
-        </p:txBody>
-      </p:sp>
-      <p:pic>
-        <p:nvPicPr>
-          <p:cNvPr id="2" name="パパッ">
-            <a:hlinkClick r:id="" action="ppaction://media"/>
-            <a:extLst>
-              <a:ext uri="{FF2B5EF4-FFF2-40B4-BE49-F238E27FC236}">
-                <a16:creationId xmlns:a16="http://schemas.microsoft.com/office/drawing/2014/main" id="{0D0599C5-78A4-4427-8015-D20D155F00D4}"/>
-              </a:ext>
-            </a:extLst>
-          </p:cNvPr>
-          <p:cNvPicPr>
-            <a:picLocks noChangeAspect="1"/>
-          </p:cNvPicPr>
-          <p:nvPr>
-            <a:audioFile r:link="rId2"/>
-            <p:extLst>
-              <p:ext uri="{DAA4B4D4-6D71-4841-9C94-3DE7FCFB9230}">
-                <p14:media xmlns:p14="http://schemas.microsoft.com/office/powerpoint/2010/main" r:embed="rId1"/>
-              </p:ext>
-            </p:extLst>
-          </p:nvPr>
-        </p:nvPicPr>
-        <p:blipFill>
-          <a:blip r:embed="rId10"/>
-          <a:stretch>
-            <a:fillRect/>
-          </a:stretch>
-        </p:blipFill>
-        <p:spPr>
-          <a:xfrm>
-            <a:off x="5376863" y="-3098801"/>
-            <a:ext cx="1074737" cy="1066801"/>
-          </a:xfrm>
-          <a:prstGeom prst="rect">
-            <a:avLst/>
-          </a:prstGeom>
-        </p:spPr>
-      </p:pic>
-      <p:pic>
-        <p:nvPicPr>
-          <p:cNvPr id="12" name="パパッ">
-            <a:hlinkClick r:id="" action="ppaction://media"/>
-            <a:extLst>
-              <a:ext uri="{FF2B5EF4-FFF2-40B4-BE49-F238E27FC236}">
-                <a16:creationId xmlns:a16="http://schemas.microsoft.com/office/drawing/2014/main" id="{AF6043EF-FDE0-4F36-8053-B40B1D759430}"/>
-              </a:ext>
-            </a:extLst>
-          </p:cNvPr>
-          <p:cNvPicPr>
-            <a:picLocks noChangeAspect="1"/>
-          </p:cNvPicPr>
-          <p:nvPr>
-            <a:audioFile r:link="rId2"/>
-            <p:extLst>
-              <p:ext uri="{DAA4B4D4-6D71-4841-9C94-3DE7FCFB9230}">
-                <p14:media xmlns:p14="http://schemas.microsoft.com/office/powerpoint/2010/main" r:embed="rId1"/>
-              </p:ext>
-            </p:extLst>
-          </p:nvPr>
-        </p:nvPicPr>
-        <p:blipFill>
-          <a:blip r:embed="rId10"/>
-          <a:stretch>
-            <a:fillRect/>
-          </a:stretch>
-        </p:blipFill>
-        <p:spPr>
-          <a:xfrm>
-            <a:off x="5529263" y="-2576749"/>
-            <a:ext cx="1074737" cy="1066801"/>
-          </a:xfrm>
-          <a:prstGeom prst="rect">
-            <a:avLst/>
-          </a:prstGeom>
-        </p:spPr>
-      </p:pic>
-      <p:pic>
-        <p:nvPicPr>
-          <p:cNvPr id="13" name="パパッ">
-            <a:hlinkClick r:id="" action="ppaction://media"/>
-            <a:extLst>
-              <a:ext uri="{FF2B5EF4-FFF2-40B4-BE49-F238E27FC236}">
-                <a16:creationId xmlns:a16="http://schemas.microsoft.com/office/drawing/2014/main" id="{6AEC36F1-9788-45FD-8B46-D8A3662B00AC}"/>
-              </a:ext>
-            </a:extLst>
-          </p:cNvPr>
-          <p:cNvPicPr>
-            <a:picLocks noChangeAspect="1"/>
-          </p:cNvPicPr>
-          <p:nvPr>
-            <a:audioFile r:link="rId2"/>
-            <p:extLst>
-              <p:ext uri="{DAA4B4D4-6D71-4841-9C94-3DE7FCFB9230}">
-                <p14:media xmlns:p14="http://schemas.microsoft.com/office/powerpoint/2010/main" r:embed="rId1"/>
-              </p:ext>
-            </p:extLst>
-          </p:nvPr>
-        </p:nvPicPr>
-        <p:blipFill>
-          <a:blip r:embed="rId10"/>
-          <a:stretch>
-            <a:fillRect/>
-          </a:stretch>
-        </p:blipFill>
-        <p:spPr>
-          <a:xfrm>
-            <a:off x="3510757" y="-2305165"/>
-            <a:ext cx="1074737" cy="1066801"/>
-          </a:xfrm>
-          <a:prstGeom prst="rect">
-            <a:avLst/>
-          </a:prstGeom>
-        </p:spPr>
-      </p:pic>
-    </p:spTree>
-    <p:extLst>
-      <p:ext uri="{BB962C8B-B14F-4D97-AF65-F5344CB8AC3E}">
-        <p14:creationId xmlns:p14="http://schemas.microsoft.com/office/powerpoint/2010/main" val="591628627"/>
-      </p:ext>
-    </p:extLst>
-  </p:cSld>
-  <p:clrMapOvr>
-    <a:masterClrMapping/>
-  </p:clrMapOvr>
-  <mc:AlternateContent xmlns:mc="http://schemas.openxmlformats.org/markup-compatibility/2006" xmlns:p14="http://schemas.microsoft.com/office/powerpoint/2010/main">
-    <mc:Choice Requires="p14">
-      <p:transition spd="med" p14:dur="700">
-        <p:fade/>
-      </p:transition>
-    </mc:Choice>
-    <mc:Fallback xmlns="">
-      <p:transition spd="med">
-        <p:fade/>
-      </p:transition>
-    </mc:Fallback>
-  </mc:AlternateContent>
-  <p:timing>
-    <p:tnLst>
-      <p:par>
-        <p:cTn id="1" dur="indefinite" restart="never" nodeType="tmRoot">
-          <p:childTnLst>
-            <p:seq concurrent="1" nextAc="seek">
-              <p:cTn id="2" dur="indefinite" nodeType="mainSeq">
-                <p:childTnLst>
-                  <p:par>
-                    <p:cTn id="3" fill="hold">
-                      <p:stCondLst>
-                        <p:cond delay="indefinite"/>
-                      </p:stCondLst>
-                      <p:childTnLst>
-                        <p:par>
-                          <p:cTn id="4" fill="hold">
-                            <p:stCondLst>
-                              <p:cond delay="0"/>
-                            </p:stCondLst>
-                            <p:childTnLst>
-                              <p:par>
-                                <p:cTn id="5" presetID="10" presetClass="entr" presetSubtype="0" fill="hold" grpId="0" nodeType="clickEffect">
-                                  <p:stCondLst>
-                                    <p:cond delay="0"/>
-                                  </p:stCondLst>
-                                  <p:childTnLst>
-                                    <p:set>
-                                      <p:cBhvr>
-                                        <p:cTn id="6" dur="1" fill="hold">
-                                          <p:stCondLst>
-                                            <p:cond delay="0"/>
-                                          </p:stCondLst>
-                                        </p:cTn>
-                                        <p:tgtEl>
-                                          <p:spTgt spid="8"/>
-                                        </p:tgtEl>
-                                        <p:attrNameLst>
-                                          <p:attrName>style.visibility</p:attrName>
-                                        </p:attrNameLst>
-                                      </p:cBhvr>
-                                      <p:to>
-                                        <p:strVal val="visible"/>
-                                      </p:to>
-                                    </p:set>
-                                    <p:animEffect transition="in" filter="fade">
-                                      <p:cBhvr>
-                                        <p:cTn id="7" dur="500"/>
-                                        <p:tgtEl>
-                                          <p:spTgt spid="8"/>
-                                        </p:tgtEl>
-                                      </p:cBhvr>
-                                    </p:animEffect>
-                                  </p:childTnLst>
-                                </p:cTn>
-                              </p:par>
-                              <p:par>
-                                <p:cTn id="8" presetID="1" presetClass="mediacall" presetSubtype="0" fill="hold" nodeType="withEffect">
-                                  <p:stCondLst>
-                                    <p:cond delay="0"/>
-                                  </p:stCondLst>
-                                  <p:childTnLst>
-                                    <p:cmd type="call" cmd="playFrom(0.0)">
-                                      <p:cBhvr>
-                                        <p:cTn id="9" dur="914" fill="hold"/>
-                                        <p:tgtEl>
-                                          <p:spTgt spid="2"/>
-                                        </p:tgtEl>
-                                      </p:cBhvr>
-                                    </p:cmd>
-                                  </p:childTnLst>
-                                </p:cTn>
-                              </p:par>
-                            </p:childTnLst>
-                          </p:cTn>
-                        </p:par>
-                      </p:childTnLst>
-                    </p:cTn>
-                  </p:par>
-                  <p:par>
-                    <p:cTn id="10" fill="hold">
-                      <p:stCondLst>
-                        <p:cond delay="indefinite"/>
-                      </p:stCondLst>
-                      <p:childTnLst>
-                        <p:par>
-                          <p:cTn id="11" fill="hold">
-                            <p:stCondLst>
-                              <p:cond delay="0"/>
-                            </p:stCondLst>
-                            <p:childTnLst>
-                              <p:par>
-                                <p:cTn id="12" presetID="10" presetClass="entr" presetSubtype="0" fill="hold" grpId="0" nodeType="clickEffect">
-                                  <p:stCondLst>
-                                    <p:cond delay="0"/>
-                                  </p:stCondLst>
-                                  <p:childTnLst>
-                                    <p:set>
-                                      <p:cBhvr>
-                                        <p:cTn id="13" dur="1" fill="hold">
-                                          <p:stCondLst>
-                                            <p:cond delay="0"/>
-                                          </p:stCondLst>
-                                        </p:cTn>
-                                        <p:tgtEl>
-                                          <p:spTgt spid="9"/>
-                                        </p:tgtEl>
-                                        <p:attrNameLst>
-                                          <p:attrName>style.visibility</p:attrName>
-                                        </p:attrNameLst>
-                                      </p:cBhvr>
-                                      <p:to>
-                                        <p:strVal val="visible"/>
-                                      </p:to>
-                                    </p:set>
-                                    <p:animEffect transition="in" filter="fade">
-                                      <p:cBhvr>
-                                        <p:cTn id="14" dur="500"/>
-                                        <p:tgtEl>
-                                          <p:spTgt spid="9"/>
-                                        </p:tgtEl>
-                                      </p:cBhvr>
-                                    </p:animEffect>
-                                  </p:childTnLst>
-                                </p:cTn>
-                              </p:par>
-                              <p:par>
-                                <p:cTn id="15" presetID="1" presetClass="mediacall" presetSubtype="0" fill="hold" nodeType="withEffect">
-                                  <p:stCondLst>
-                                    <p:cond delay="0"/>
-                                  </p:stCondLst>
-                                  <p:childTnLst>
-                                    <p:cmd type="call" cmd="playFrom(0.0)">
-                                      <p:cBhvr>
-                                        <p:cTn id="16" dur="914" fill="hold"/>
-                                        <p:tgtEl>
-                                          <p:spTgt spid="12"/>
-                                        </p:tgtEl>
-                                      </p:cBhvr>
-                                    </p:cmd>
-                                  </p:childTnLst>
-                                </p:cTn>
-                              </p:par>
-                            </p:childTnLst>
-                          </p:cTn>
-                        </p:par>
-                      </p:childTnLst>
-                    </p:cTn>
-                  </p:par>
-                  <p:par>
-                    <p:cTn id="17" fill="hold">
-                      <p:stCondLst>
-                        <p:cond delay="indefinite"/>
-                      </p:stCondLst>
-                      <p:childTnLst>
-                        <p:par>
-                          <p:cTn id="18" fill="hold">
-                            <p:stCondLst>
-                              <p:cond delay="0"/>
-                            </p:stCondLst>
-                            <p:childTnLst>
-                              <p:par>
-                                <p:cTn id="19" presetID="10" presetClass="entr" presetSubtype="0" fill="hold" grpId="0" nodeType="clickEffect">
-                                  <p:stCondLst>
-                                    <p:cond delay="0"/>
-                                  </p:stCondLst>
-                                  <p:childTnLst>
-                                    <p:set>
-                                      <p:cBhvr>
-                                        <p:cTn id="20" dur="1" fill="hold">
-                                          <p:stCondLst>
-                                            <p:cond delay="0"/>
-                                          </p:stCondLst>
-                                        </p:cTn>
-                                        <p:tgtEl>
-                                          <p:spTgt spid="7"/>
-                                        </p:tgtEl>
-                                        <p:attrNameLst>
-                                          <p:attrName>style.visibility</p:attrName>
-                                        </p:attrNameLst>
-                                      </p:cBhvr>
-                                      <p:to>
-                                        <p:strVal val="visible"/>
-                                      </p:to>
-                                    </p:set>
-                                    <p:animEffect transition="in" filter="fade">
-                                      <p:cBhvr>
-                                        <p:cTn id="21" dur="500"/>
-                                        <p:tgtEl>
-                                          <p:spTgt spid="7"/>
-                                        </p:tgtEl>
-                                      </p:cBhvr>
-                                    </p:animEffect>
-                                  </p:childTnLst>
-                                </p:cTn>
-                              </p:par>
-                              <p:par>
-                                <p:cTn id="22" presetID="1" presetClass="mediacall" presetSubtype="0" fill="hold" nodeType="withEffect">
-                                  <p:stCondLst>
-                                    <p:cond delay="0"/>
-                                  </p:stCondLst>
-                                  <p:childTnLst>
-                                    <p:cmd type="call" cmd="playFrom(0.0)">
-                                      <p:cBhvr>
-                                        <p:cTn id="23" dur="914" fill="hold"/>
-                                        <p:tgtEl>
-                                          <p:spTgt spid="13"/>
-                                        </p:tgtEl>
-                                      </p:cBhvr>
-                                    </p:cmd>
-                                  </p:childTnLst>
-                                </p:cTn>
-                              </p:par>
-                            </p:childTnLst>
-                          </p:cTn>
-                        </p:par>
-                      </p:childTnLst>
-                    </p:cTn>
-                  </p:par>
-                  <p:par>
-                    <p:cTn id="24" fill="hold">
-                      <p:stCondLst>
-                        <p:cond delay="indefinite"/>
-                      </p:stCondLst>
-                      <p:childTnLst>
-                        <p:par>
-                          <p:cTn id="25" fill="hold">
-                            <p:stCondLst>
-                              <p:cond delay="0"/>
-                            </p:stCondLst>
-                            <p:childTnLst>
-                              <p:par>
-                                <p:cTn id="26" presetID="16" presetClass="entr" presetSubtype="21" fill="hold" grpId="0" nodeType="clickEffect">
-                                  <p:stCondLst>
-                                    <p:cond delay="0"/>
-                                  </p:stCondLst>
-                                  <p:childTnLst>
-                                    <p:set>
-                                      <p:cBhvr>
-                                        <p:cTn id="27" dur="1" fill="hold">
-                                          <p:stCondLst>
-                                            <p:cond delay="0"/>
-                                          </p:stCondLst>
-                                        </p:cTn>
-                                        <p:tgtEl>
-                                          <p:spTgt spid="10"/>
-                                        </p:tgtEl>
-                                        <p:attrNameLst>
-                                          <p:attrName>style.visibility</p:attrName>
-                                        </p:attrNameLst>
-                                      </p:cBhvr>
-                                      <p:to>
-                                        <p:strVal val="visible"/>
-                                      </p:to>
-                                    </p:set>
-                                    <p:animEffect transition="in" filter="barn(inVertical)">
-                                      <p:cBhvr>
-                                        <p:cTn id="28" dur="500"/>
-                                        <p:tgtEl>
-                                          <p:spTgt spid="10"/>
-                                        </p:tgtEl>
-                                      </p:cBhvr>
-                                    </p:animEffect>
-                                  </p:childTnLst>
-                                </p:cTn>
-                              </p:par>
-                            </p:childTnLst>
-                          </p:cTn>
-                        </p:par>
-                      </p:childTnLst>
-                    </p:cTn>
-                  </p:par>
-                </p:childTnLst>
-              </p:cTn>
-              <p:prevCondLst>
-                <p:cond evt="onPrev" delay="0">
-                  <p:tgtEl>
-                    <p:sldTgt/>
-                  </p:tgtEl>
-                </p:cond>
-              </p:prevCondLst>
-              <p:nextCondLst>
-                <p:cond evt="onNext" delay="0">
-                  <p:tgtEl>
-                    <p:sldTgt/>
-                  </p:tgtEl>
-                </p:cond>
-              </p:nextCondLst>
-            </p:seq>
-            <p:audio>
-              <p:cMediaNode vol="39796">
-                <p:cTn id="29" fill="hold" display="0">
-                  <p:stCondLst>
-                    <p:cond delay="indefinite"/>
-                  </p:stCondLst>
-                  <p:endCondLst>
-                    <p:cond evt="onStopAudio" delay="0">
-                      <p:tgtEl>
-                        <p:sldTgt/>
-                      </p:tgtEl>
-                    </p:cond>
-                  </p:endCondLst>
-                </p:cTn>
-                <p:tgtEl>
-                  <p:spTgt spid="2"/>
-                </p:tgtEl>
-              </p:cMediaNode>
-            </p:audio>
-            <p:audio>
-              <p:cMediaNode vol="31633">
-                <p:cTn id="30" fill="hold" display="0">
-                  <p:stCondLst>
-                    <p:cond delay="indefinite"/>
-                  </p:stCondLst>
-                  <p:endCondLst>
-                    <p:cond evt="onStopAudio" delay="0">
-                      <p:tgtEl>
-                        <p:sldTgt/>
-                      </p:tgtEl>
-                    </p:cond>
-                  </p:endCondLst>
-                </p:cTn>
-                <p:tgtEl>
-                  <p:spTgt spid="12"/>
-                </p:tgtEl>
-              </p:cMediaNode>
-            </p:audio>
-            <p:audio>
-              <p:cMediaNode vol="39796">
-                <p:cTn id="31" fill="hold" display="0">
-                  <p:stCondLst>
-                    <p:cond delay="indefinite"/>
-                  </p:stCondLst>
-                  <p:endCondLst>
-                    <p:cond evt="onStopAudio" delay="0">
-                      <p:tgtEl>
-                        <p:sldTgt/>
-                      </p:tgtEl>
-                    </p:cond>
-                  </p:endCondLst>
-                </p:cTn>
-                <p:tgtEl>
-                  <p:spTgt spid="13"/>
-                </p:tgtEl>
-              </p:cMediaNode>
-            </p:audio>
-          </p:childTnLst>
-        </p:cTn>
-      </p:par>
-    </p:tnLst>
-    <p:bldLst>
-      <p:bldP spid="8" grpId="0" animBg="1"/>
-      <p:bldP spid="7" grpId="0" animBg="1"/>
-      <p:bldP spid="9" grpId="0" animBg="1"/>
-      <p:bldP spid="10" grpId="0" animBg="1"/>
-    </p:bldLst>
-  </p:timing>
-</p:sld>
-</file>
-
-<file path=ppt/slides/slide11.xml><?xml version="1.0" encoding="utf-8"?>
-<p:sld xmlns:a="http://schemas.openxmlformats.org/drawingml/2006/main" xmlns:r="http://schemas.openxmlformats.org/officeDocument/2006/relationships" xmlns:p="http://schemas.openxmlformats.org/presentationml/2006/main">
-  <p:cSld>
-    <p:spTree>
-      <p:nvGrpSpPr>
-        <p:cNvPr id="1" name=""/>
-        <p:cNvGrpSpPr/>
-        <p:nvPr/>
-      </p:nvGrpSpPr>
-      <p:grpSpPr>
-        <a:xfrm>
-          <a:off x="0" y="0"/>
-          <a:ext cx="0" cy="0"/>
-          <a:chOff x="0" y="0"/>
-          <a:chExt cx="0" cy="0"/>
-        </a:xfrm>
-      </p:grpSpPr>
       <p:sp>
         <p:nvSpPr>
           <p:cNvPr id="2" name="タイトル 1">
@@ -11938,7 +11197,7 @@
 </p:sld>
 </file>
 
-<file path=ppt/slides/slide12.xml><?xml version="1.0" encoding="utf-8"?>
+<file path=ppt/slides/slide11.xml><?xml version="1.0" encoding="utf-8"?>
 <p:sld xmlns:a="http://schemas.openxmlformats.org/drawingml/2006/main" xmlns:r="http://schemas.openxmlformats.org/officeDocument/2006/relationships" xmlns:p="http://schemas.openxmlformats.org/presentationml/2006/main">
   <p:cSld>
     <p:spTree>
@@ -12570,7 +11829,7 @@
 </p:sld>
 </file>
 
-<file path=ppt/slides/slide13.xml><?xml version="1.0" encoding="utf-8"?>
+<file path=ppt/slides/slide12.xml><?xml version="1.0" encoding="utf-8"?>
 <p:sld xmlns:a="http://schemas.openxmlformats.org/drawingml/2006/main" xmlns:r="http://schemas.openxmlformats.org/officeDocument/2006/relationships" xmlns:p="http://schemas.openxmlformats.org/presentationml/2006/main">
   <p:cSld>
     <p:spTree>
@@ -12768,7 +12027,7 @@
 </p:sld>
 </file>
 
-<file path=ppt/slides/slide14.xml><?xml version="1.0" encoding="utf-8"?>
+<file path=ppt/slides/slide13.xml><?xml version="1.0" encoding="utf-8"?>
 <p:sld xmlns:a="http://schemas.openxmlformats.org/drawingml/2006/main" xmlns:r="http://schemas.openxmlformats.org/officeDocument/2006/relationships" xmlns:p="http://schemas.openxmlformats.org/presentationml/2006/main">
   <p:cSld>
     <p:spTree>
@@ -13367,7 +12626,7 @@
 </p:sld>
 </file>
 
-<file path=ppt/slides/slide15.xml><?xml version="1.0" encoding="utf-8"?>
+<file path=ppt/slides/slide14.xml><?xml version="1.0" encoding="utf-8"?>
 <p:sld xmlns:a="http://schemas.openxmlformats.org/drawingml/2006/main" xmlns:r="http://schemas.openxmlformats.org/officeDocument/2006/relationships" xmlns:p="http://schemas.openxmlformats.org/presentationml/2006/main">
   <p:cSld>
     <p:spTree>
@@ -13665,7 +12924,7 @@
 </p:sld>
 </file>
 
-<file path=ppt/slides/slide16.xml><?xml version="1.0" encoding="utf-8"?>
+<file path=ppt/slides/slide15.xml><?xml version="1.0" encoding="utf-8"?>
 <p:sld xmlns:a="http://schemas.openxmlformats.org/drawingml/2006/main" xmlns:r="http://schemas.openxmlformats.org/officeDocument/2006/relationships" xmlns:p="http://schemas.openxmlformats.org/presentationml/2006/main">
   <p:cSld>
     <p:spTree>
@@ -14264,7 +13523,7 @@
 </p:sld>
 </file>
 
-<file path=ppt/slides/slide17.xml><?xml version="1.0" encoding="utf-8"?>
+<file path=ppt/slides/slide16.xml><?xml version="1.0" encoding="utf-8"?>
 <p:sld xmlns:a="http://schemas.openxmlformats.org/drawingml/2006/main" xmlns:r="http://schemas.openxmlformats.org/officeDocument/2006/relationships" xmlns:p="http://schemas.openxmlformats.org/presentationml/2006/main">
   <p:cSld>
     <p:spTree>
@@ -14489,7 +13748,7 @@
 </p:sld>
 </file>
 
-<file path=ppt/slides/slide18.xml><?xml version="1.0" encoding="utf-8"?>
+<file path=ppt/slides/slide17.xml><?xml version="1.0" encoding="utf-8"?>
 <p:sld xmlns:a="http://schemas.openxmlformats.org/drawingml/2006/main" xmlns:r="http://schemas.openxmlformats.org/officeDocument/2006/relationships" xmlns:p="http://schemas.openxmlformats.org/presentationml/2006/main">
   <p:cSld>
     <p:spTree>
@@ -14602,7 +13861,7 @@
 </p:sld>
 </file>
 
-<file path=ppt/slides/slide19.xml><?xml version="1.0" encoding="utf-8"?>
+<file path=ppt/slides/slide18.xml><?xml version="1.0" encoding="utf-8"?>
 <p:sld xmlns:a="http://schemas.openxmlformats.org/drawingml/2006/main" xmlns:r="http://schemas.openxmlformats.org/officeDocument/2006/relationships" xmlns:p="http://schemas.openxmlformats.org/presentationml/2006/main">
   <p:cSld>
     <p:spTree>
@@ -15194,181 +14453,7 @@
 </p:sld>
 </file>
 
-<file path=ppt/slides/slide2.xml><?xml version="1.0" encoding="utf-8"?>
-<p:sld xmlns:a="http://schemas.openxmlformats.org/drawingml/2006/main" xmlns:r="http://schemas.openxmlformats.org/officeDocument/2006/relationships" xmlns:p="http://schemas.openxmlformats.org/presentationml/2006/main">
-  <p:cSld>
-    <p:spTree>
-      <p:nvGrpSpPr>
-        <p:cNvPr id="1" name=""/>
-        <p:cNvGrpSpPr/>
-        <p:nvPr/>
-      </p:nvGrpSpPr>
-      <p:grpSpPr>
-        <a:xfrm>
-          <a:off x="0" y="0"/>
-          <a:ext cx="0" cy="0"/>
-          <a:chOff x="0" y="0"/>
-          <a:chExt cx="0" cy="0"/>
-        </a:xfrm>
-      </p:grpSpPr>
-      <p:sp>
-        <p:nvSpPr>
-          <p:cNvPr id="3" name="コンテンツ プレースホルダー 2">
-            <a:extLst>
-              <a:ext uri="{FF2B5EF4-FFF2-40B4-BE49-F238E27FC236}">
-                <a16:creationId xmlns:a16="http://schemas.microsoft.com/office/drawing/2014/main" id="{51FC5B96-CB86-4D97-83E1-D50ED26DADE3}"/>
-              </a:ext>
-            </a:extLst>
-          </p:cNvPr>
-          <p:cNvSpPr>
-            <a:spLocks noGrp="1"/>
-          </p:cNvSpPr>
-          <p:nvPr>
-            <p:ph idx="1"/>
-          </p:nvPr>
-        </p:nvSpPr>
-        <p:spPr>
-          <a:xfrm>
-            <a:off x="764088" y="701458"/>
-            <a:ext cx="10589712" cy="5475505"/>
-          </a:xfrm>
-        </p:spPr>
-        <p:txBody>
-          <a:bodyPr>
-            <a:normAutofit/>
-          </a:bodyPr>
-          <a:lstStyle/>
-          <a:p>
-            <a:pPr>
-              <a:buFont typeface="Wingdings" panose="05000000000000000000" pitchFamily="2" charset="2"/>
-              <a:buChar char="p"/>
-            </a:pPr>
-            <a:r>
-              <a:rPr kumimoji="1" lang="en-US" altLang="ja-JP" dirty="0"/>
-              <a:t>5</a:t>
-            </a:r>
-            <a:r>
-              <a:rPr kumimoji="1" lang="ja-JP" altLang="en-US" dirty="0"/>
-              <a:t>分余っている</a:t>
-            </a:r>
-            <a:endParaRPr kumimoji="1" lang="en-US" altLang="ja-JP" dirty="0"/>
-          </a:p>
-          <a:p>
-            <a:pPr>
-              <a:buFont typeface="Wingdings" panose="05000000000000000000" pitchFamily="2" charset="2"/>
-              <a:buChar char="p"/>
-            </a:pPr>
-            <a:r>
-              <a:rPr lang="ja-JP" altLang="en-US" dirty="0"/>
-              <a:t>個人個人の成長？</a:t>
-            </a:r>
-            <a:endParaRPr kumimoji="1" lang="en-US" altLang="ja-JP" dirty="0"/>
-          </a:p>
-          <a:p>
-            <a:pPr>
-              <a:buFont typeface="Wingdings" panose="05000000000000000000" pitchFamily="2" charset="2"/>
-              <a:buChar char="p"/>
-            </a:pPr>
-            <a:r>
-              <a:rPr kumimoji="1" lang="ja-JP" altLang="en-US" dirty="0"/>
-              <a:t>実際のガントチャート</a:t>
-            </a:r>
-            <a:endParaRPr kumimoji="1" lang="en-US" altLang="ja-JP" dirty="0"/>
-          </a:p>
-          <a:p>
-            <a:pPr>
-              <a:buFont typeface="Wingdings" panose="05000000000000000000" pitchFamily="2" charset="2"/>
-              <a:buChar char="p"/>
-            </a:pPr>
-            <a:r>
-              <a:rPr lang="ja-JP" altLang="en-US" dirty="0"/>
-              <a:t>グラフの日付</a:t>
-            </a:r>
-            <a:endParaRPr lang="en-US" altLang="ja-JP" dirty="0"/>
-          </a:p>
-          <a:p>
-            <a:pPr>
-              <a:buFont typeface="Wingdings" panose="05000000000000000000" pitchFamily="2" charset="2"/>
-              <a:buChar char="p"/>
-            </a:pPr>
-            <a:r>
-              <a:rPr kumimoji="1" lang="ja-JP" altLang="en-US" dirty="0"/>
-              <a:t>スライドショーの写真</a:t>
-            </a:r>
-            <a:endParaRPr kumimoji="1" lang="en-US" altLang="ja-JP" dirty="0"/>
-          </a:p>
-          <a:p>
-            <a:pPr>
-              <a:buFont typeface="Wingdings" panose="05000000000000000000" pitchFamily="2" charset="2"/>
-              <a:buChar char="p"/>
-            </a:pPr>
-            <a:r>
-              <a:rPr lang="ja-JP" altLang="en-US" dirty="0"/>
-              <a:t>ランク</a:t>
-            </a:r>
-            <a:endParaRPr lang="en-US" altLang="ja-JP" dirty="0"/>
-          </a:p>
-          <a:p>
-            <a:pPr>
-              <a:buFont typeface="Wingdings" panose="05000000000000000000" pitchFamily="2" charset="2"/>
-              <a:buChar char="p"/>
-            </a:pPr>
-            <a:r>
-              <a:rPr kumimoji="1" lang="ja-JP" altLang="en-US" dirty="0"/>
-              <a:t>時間配分決める？</a:t>
-            </a:r>
-            <a:endParaRPr kumimoji="1" lang="en-US" altLang="ja-JP" dirty="0"/>
-          </a:p>
-          <a:p>
-            <a:pPr>
-              <a:buFont typeface="Wingdings" panose="05000000000000000000" pitchFamily="2" charset="2"/>
-              <a:buChar char="ü"/>
-            </a:pPr>
-            <a:r>
-              <a:rPr kumimoji="1" lang="ja-JP" altLang="en-US" dirty="0"/>
-              <a:t>バナー</a:t>
-            </a:r>
-            <a:endParaRPr kumimoji="1" lang="en-US" altLang="ja-JP" dirty="0"/>
-          </a:p>
-          <a:p>
-            <a:pPr>
-              <a:buFont typeface="Wingdings" panose="05000000000000000000" pitchFamily="2" charset="2"/>
-              <a:buChar char="ü"/>
-            </a:pPr>
-            <a:r>
-              <a:rPr lang="ja-JP" altLang="en-US" dirty="0"/>
-              <a:t>変化・意識・交流の順番にする</a:t>
-            </a:r>
-            <a:endParaRPr kumimoji="1" lang="en-US" altLang="ja-JP" dirty="0"/>
-          </a:p>
-        </p:txBody>
-      </p:sp>
-    </p:spTree>
-    <p:extLst>
-      <p:ext uri="{BB962C8B-B14F-4D97-AF65-F5344CB8AC3E}">
-        <p14:creationId xmlns:p14="http://schemas.microsoft.com/office/powerpoint/2010/main" val="1935170719"/>
-      </p:ext>
-    </p:extLst>
-  </p:cSld>
-  <p:clrMapOvr>
-    <a:masterClrMapping/>
-  </p:clrMapOvr>
-  <mc:AlternateContent xmlns:mc="http://schemas.openxmlformats.org/markup-compatibility/2006" xmlns:p14="http://schemas.microsoft.com/office/powerpoint/2010/main">
-    <mc:Choice Requires="p14">
-      <p:transition spd="med" p14:dur="700">
-        <p:fade/>
-      </p:transition>
-    </mc:Choice>
-    <mc:Fallback xmlns="">
-      <p:transition spd="med">
-        <p:fade/>
-      </p:transition>
-    </mc:Fallback>
-  </mc:AlternateContent>
-</p:sld>
-</file>
-
-<file path=ppt/slides/slide20.xml><?xml version="1.0" encoding="utf-8"?>
+<file path=ppt/slides/slide19.xml><?xml version="1.0" encoding="utf-8"?>
 <p:sld xmlns:a="http://schemas.openxmlformats.org/drawingml/2006/main" xmlns:r="http://schemas.openxmlformats.org/officeDocument/2006/relationships" xmlns:p="http://schemas.openxmlformats.org/presentationml/2006/main">
   <p:cSld>
     <p:spTree>
@@ -16602,7 +15687,187 @@
 </p:sld>
 </file>
 
-<file path=ppt/slides/slide21.xml><?xml version="1.0" encoding="utf-8"?>
+<file path=ppt/slides/slide2.xml><?xml version="1.0" encoding="utf-8"?>
+<p:sld xmlns:a="http://schemas.openxmlformats.org/drawingml/2006/main" xmlns:r="http://schemas.openxmlformats.org/officeDocument/2006/relationships" xmlns:p="http://schemas.openxmlformats.org/presentationml/2006/main">
+  <p:cSld>
+    <p:spTree>
+      <p:nvGrpSpPr>
+        <p:cNvPr id="1" name=""/>
+        <p:cNvGrpSpPr/>
+        <p:nvPr/>
+      </p:nvGrpSpPr>
+      <p:grpSpPr>
+        <a:xfrm>
+          <a:off x="0" y="0"/>
+          <a:ext cx="0" cy="0"/>
+          <a:chOff x="0" y="0"/>
+          <a:chExt cx="0" cy="0"/>
+        </a:xfrm>
+      </p:grpSpPr>
+      <p:sp>
+        <p:nvSpPr>
+          <p:cNvPr id="3" name="コンテンツ プレースホルダー 2">
+            <a:extLst>
+              <a:ext uri="{FF2B5EF4-FFF2-40B4-BE49-F238E27FC236}">
+                <a16:creationId xmlns:a16="http://schemas.microsoft.com/office/drawing/2014/main" id="{51FC5B96-CB86-4D97-83E1-D50ED26DADE3}"/>
+              </a:ext>
+            </a:extLst>
+          </p:cNvPr>
+          <p:cNvSpPr>
+            <a:spLocks noGrp="1"/>
+          </p:cNvSpPr>
+          <p:nvPr>
+            <p:ph idx="1"/>
+          </p:nvPr>
+        </p:nvSpPr>
+        <p:spPr>
+          <a:xfrm>
+            <a:off x="764088" y="701458"/>
+            <a:ext cx="10589712" cy="5475505"/>
+          </a:xfrm>
+        </p:spPr>
+        <p:txBody>
+          <a:bodyPr>
+            <a:normAutofit/>
+          </a:bodyPr>
+          <a:lstStyle/>
+          <a:p>
+            <a:pPr>
+              <a:buFont typeface="Wingdings" panose="05000000000000000000" pitchFamily="2" charset="2"/>
+              <a:buChar char="p"/>
+            </a:pPr>
+            <a:r>
+              <a:rPr kumimoji="1" lang="en-US" altLang="ja-JP" dirty="0"/>
+              <a:t>5</a:t>
+            </a:r>
+            <a:r>
+              <a:rPr kumimoji="1" lang="ja-JP" altLang="en-US" dirty="0"/>
+              <a:t>分余っている</a:t>
+            </a:r>
+            <a:endParaRPr kumimoji="1" lang="en-US" altLang="ja-JP" dirty="0"/>
+          </a:p>
+          <a:p>
+            <a:pPr>
+              <a:buFont typeface="Wingdings" panose="05000000000000000000" pitchFamily="2" charset="2"/>
+              <a:buChar char="p"/>
+            </a:pPr>
+            <a:r>
+              <a:rPr lang="ja-JP" altLang="en-US" dirty="0"/>
+              <a:t>個人個人の成長？</a:t>
+            </a:r>
+            <a:endParaRPr kumimoji="1" lang="en-US" altLang="ja-JP" dirty="0"/>
+          </a:p>
+          <a:p>
+            <a:pPr>
+              <a:buFont typeface="Wingdings" panose="05000000000000000000" pitchFamily="2" charset="2"/>
+              <a:buChar char="p"/>
+            </a:pPr>
+            <a:r>
+              <a:rPr kumimoji="1" lang="ja-JP" altLang="en-US" dirty="0"/>
+              <a:t>実際のガントチャート</a:t>
+            </a:r>
+            <a:endParaRPr kumimoji="1" lang="en-US" altLang="ja-JP" dirty="0"/>
+          </a:p>
+          <a:p>
+            <a:pPr>
+              <a:buFont typeface="Wingdings" panose="05000000000000000000" pitchFamily="2" charset="2"/>
+              <a:buChar char="p"/>
+            </a:pPr>
+            <a:r>
+              <a:rPr lang="ja-JP" altLang="en-US" dirty="0"/>
+              <a:t>グラフの日付</a:t>
+            </a:r>
+            <a:endParaRPr lang="en-US" altLang="ja-JP" dirty="0"/>
+          </a:p>
+          <a:p>
+            <a:pPr>
+              <a:buFont typeface="Wingdings" panose="05000000000000000000" pitchFamily="2" charset="2"/>
+              <a:buChar char="p"/>
+            </a:pPr>
+            <a:r>
+              <a:rPr kumimoji="1" lang="ja-JP" altLang="en-US" dirty="0"/>
+              <a:t>スライドショーの写真</a:t>
+            </a:r>
+            <a:endParaRPr kumimoji="1" lang="en-US" altLang="ja-JP" dirty="0"/>
+          </a:p>
+          <a:p>
+            <a:pPr>
+              <a:buFont typeface="Wingdings" panose="05000000000000000000" pitchFamily="2" charset="2"/>
+              <a:buChar char="p"/>
+            </a:pPr>
+            <a:r>
+              <a:rPr lang="ja-JP" altLang="en-US" dirty="0"/>
+              <a:t>ランク</a:t>
+            </a:r>
+            <a:endParaRPr lang="en-US" altLang="ja-JP" dirty="0"/>
+          </a:p>
+          <a:p>
+            <a:pPr>
+              <a:buFont typeface="Wingdings" panose="05000000000000000000" pitchFamily="2" charset="2"/>
+              <a:buChar char="p"/>
+            </a:pPr>
+            <a:r>
+              <a:rPr kumimoji="1" lang="ja-JP" altLang="en-US" dirty="0"/>
+              <a:t>時間配分決める？</a:t>
+            </a:r>
+            <a:endParaRPr lang="en-US" altLang="ja-JP" dirty="0"/>
+          </a:p>
+          <a:p>
+            <a:pPr>
+              <a:buFont typeface="Wingdings" panose="05000000000000000000" pitchFamily="2" charset="2"/>
+              <a:buChar char="p"/>
+            </a:pPr>
+            <a:r>
+              <a:rPr lang="ja-JP" altLang="en-US" dirty="0"/>
+              <a:t>広告画像変更</a:t>
+            </a:r>
+            <a:endParaRPr lang="en-US" altLang="ja-JP" dirty="0"/>
+          </a:p>
+          <a:p>
+            <a:pPr marL="0" indent="0">
+              <a:buNone/>
+            </a:pPr>
+            <a:endParaRPr kumimoji="1" lang="en-US" altLang="ja-JP" dirty="0"/>
+          </a:p>
+          <a:p>
+            <a:pPr>
+              <a:buFont typeface="Wingdings" panose="05000000000000000000" pitchFamily="2" charset="2"/>
+              <a:buChar char="ü"/>
+            </a:pPr>
+            <a:r>
+              <a:rPr lang="ja-JP" altLang="en-US" dirty="0"/>
+              <a:t>変化・意識・交流の順番にする</a:t>
+            </a:r>
+            <a:endParaRPr kumimoji="1" lang="en-US" altLang="ja-JP" dirty="0"/>
+          </a:p>
+        </p:txBody>
+      </p:sp>
+    </p:spTree>
+    <p:extLst>
+      <p:ext uri="{BB962C8B-B14F-4D97-AF65-F5344CB8AC3E}">
+        <p14:creationId xmlns:p14="http://schemas.microsoft.com/office/powerpoint/2010/main" val="1935170719"/>
+      </p:ext>
+    </p:extLst>
+  </p:cSld>
+  <p:clrMapOvr>
+    <a:masterClrMapping/>
+  </p:clrMapOvr>
+  <mc:AlternateContent xmlns:mc="http://schemas.openxmlformats.org/markup-compatibility/2006" xmlns:p14="http://schemas.microsoft.com/office/powerpoint/2010/main">
+    <mc:Choice Requires="p14">
+      <p:transition spd="med" p14:dur="700">
+        <p:fade/>
+      </p:transition>
+    </mc:Choice>
+    <mc:Fallback xmlns="">
+      <p:transition spd="med">
+        <p:fade/>
+      </p:transition>
+    </mc:Fallback>
+  </mc:AlternateContent>
+</p:sld>
+</file>
+
+<file path=ppt/slides/slide20.xml><?xml version="1.0" encoding="utf-8"?>
 <p:sld xmlns:a="http://schemas.openxmlformats.org/drawingml/2006/main" xmlns:r="http://schemas.openxmlformats.org/officeDocument/2006/relationships" xmlns:p="http://schemas.openxmlformats.org/presentationml/2006/main">
   <p:cSld>
     <p:spTree>
@@ -17124,7 +16389,7 @@
 </p:sld>
 </file>
 
-<file path=ppt/slides/slide22.xml><?xml version="1.0" encoding="utf-8"?>
+<file path=ppt/slides/slide21.xml><?xml version="1.0" encoding="utf-8"?>
 <p:sld xmlns:a="http://schemas.openxmlformats.org/drawingml/2006/main" xmlns:r="http://schemas.openxmlformats.org/officeDocument/2006/relationships" xmlns:p="http://schemas.openxmlformats.org/presentationml/2006/main">
   <p:cSld>
     <p:spTree>
@@ -17237,7 +16502,7 @@
 </p:sld>
 </file>
 
-<file path=ppt/slides/slide23.xml><?xml version="1.0" encoding="utf-8"?>
+<file path=ppt/slides/slide22.xml><?xml version="1.0" encoding="utf-8"?>
 <p:sld xmlns:a="http://schemas.openxmlformats.org/drawingml/2006/main" xmlns:r="http://schemas.openxmlformats.org/officeDocument/2006/relationships" xmlns:p="http://schemas.openxmlformats.org/presentationml/2006/main">
   <p:cSld>
     <p:spTree>
@@ -17490,7 +16755,7 @@
 </p:sld>
 </file>
 
-<file path=ppt/slides/slide24.xml><?xml version="1.0" encoding="utf-8"?>
+<file path=ppt/slides/slide23.xml><?xml version="1.0" encoding="utf-8"?>
 <p:sld xmlns:a="http://schemas.openxmlformats.org/drawingml/2006/main" xmlns:r="http://schemas.openxmlformats.org/officeDocument/2006/relationships" xmlns:p="http://schemas.openxmlformats.org/presentationml/2006/main" show="0">
   <p:cSld>
     <p:bg>
@@ -18106,7 +17371,7 @@
 </p:sld>
 </file>
 
-<file path=ppt/slides/slide25.xml><?xml version="1.0" encoding="utf-8"?>
+<file path=ppt/slides/slide24.xml><?xml version="1.0" encoding="utf-8"?>
 <p:sld xmlns:a="http://schemas.openxmlformats.org/drawingml/2006/main" xmlns:r="http://schemas.openxmlformats.org/officeDocument/2006/relationships" xmlns:p="http://schemas.openxmlformats.org/presentationml/2006/main" show="0">
   <p:cSld>
     <p:bg>
@@ -18608,7 +17873,7 @@
 </p:sld>
 </file>
 
-<file path=ppt/slides/slide26.xml><?xml version="1.0" encoding="utf-8"?>
+<file path=ppt/slides/slide25.xml><?xml version="1.0" encoding="utf-8"?>
 <p:sld xmlns:a="http://schemas.openxmlformats.org/drawingml/2006/main" xmlns:r="http://schemas.openxmlformats.org/officeDocument/2006/relationships" xmlns:p="http://schemas.openxmlformats.org/presentationml/2006/main" show="0">
   <p:cSld>
     <p:bg>
@@ -18691,7 +17956,7 @@
 </p:sld>
 </file>
 
-<file path=ppt/slides/slide27.xml><?xml version="1.0" encoding="utf-8"?>
+<file path=ppt/slides/slide26.xml><?xml version="1.0" encoding="utf-8"?>
 <p:sld xmlns:a="http://schemas.openxmlformats.org/drawingml/2006/main" xmlns:r="http://schemas.openxmlformats.org/officeDocument/2006/relationships" xmlns:p="http://schemas.openxmlformats.org/presentationml/2006/main">
   <p:cSld>
     <p:spTree>
@@ -18804,7 +18069,7 @@
 </p:sld>
 </file>
 
-<file path=ppt/slides/slide28.xml><?xml version="1.0" encoding="utf-8"?>
+<file path=ppt/slides/slide27.xml><?xml version="1.0" encoding="utf-8"?>
 <p:sld xmlns:a="http://schemas.openxmlformats.org/drawingml/2006/main" xmlns:r="http://schemas.openxmlformats.org/officeDocument/2006/relationships" xmlns:p="http://schemas.openxmlformats.org/presentationml/2006/main">
   <p:cSld>
     <p:spTree>
@@ -19026,7 +18291,7 @@
 </p:sld>
 </file>
 
-<file path=ppt/slides/slide29.xml><?xml version="1.0" encoding="utf-8"?>
+<file path=ppt/slides/slide28.xml><?xml version="1.0" encoding="utf-8"?>
 <p:sld xmlns:a="http://schemas.openxmlformats.org/drawingml/2006/main" xmlns:r="http://schemas.openxmlformats.org/officeDocument/2006/relationships" xmlns:p="http://schemas.openxmlformats.org/presentationml/2006/main" show="0">
   <p:cSld>
     <p:spTree>
@@ -19144,6 +18409,151 @@
     <p:extLst>
       <p:ext uri="{BB962C8B-B14F-4D97-AF65-F5344CB8AC3E}">
         <p14:creationId xmlns:p14="http://schemas.microsoft.com/office/powerpoint/2010/main" val="2142482098"/>
+      </p:ext>
+    </p:extLst>
+  </p:cSld>
+  <p:clrMapOvr>
+    <a:masterClrMapping/>
+  </p:clrMapOvr>
+  <mc:AlternateContent xmlns:mc="http://schemas.openxmlformats.org/markup-compatibility/2006" xmlns:p14="http://schemas.microsoft.com/office/powerpoint/2010/main">
+    <mc:Choice Requires="p14">
+      <p:transition spd="med" p14:dur="700">
+        <p:fade/>
+      </p:transition>
+    </mc:Choice>
+    <mc:Fallback xmlns="">
+      <p:transition spd="med">
+        <p:fade/>
+      </p:transition>
+    </mc:Fallback>
+  </mc:AlternateContent>
+</p:sld>
+</file>
+
+<file path=ppt/slides/slide29.xml><?xml version="1.0" encoding="utf-8"?>
+<p:sld xmlns:a="http://schemas.openxmlformats.org/drawingml/2006/main" xmlns:r="http://schemas.openxmlformats.org/officeDocument/2006/relationships" xmlns:p="http://schemas.openxmlformats.org/presentationml/2006/main">
+  <p:cSld>
+    <p:spTree>
+      <p:nvGrpSpPr>
+        <p:cNvPr id="1" name=""/>
+        <p:cNvGrpSpPr/>
+        <p:nvPr/>
+      </p:nvGrpSpPr>
+      <p:grpSpPr>
+        <a:xfrm>
+          <a:off x="0" y="0"/>
+          <a:ext cx="0" cy="0"/>
+          <a:chOff x="0" y="0"/>
+          <a:chExt cx="0" cy="0"/>
+        </a:xfrm>
+      </p:grpSpPr>
+      <p:sp>
+        <p:nvSpPr>
+          <p:cNvPr id="2" name="タイトル 1">
+            <a:extLst>
+              <a:ext uri="{FF2B5EF4-FFF2-40B4-BE49-F238E27FC236}">
+                <a16:creationId xmlns:a16="http://schemas.microsoft.com/office/drawing/2014/main" id="{4156CD7B-AE3C-468C-ACFC-12AD48CB2581}"/>
+              </a:ext>
+            </a:extLst>
+          </p:cNvPr>
+          <p:cNvSpPr>
+            <a:spLocks noGrp="1"/>
+          </p:cNvSpPr>
+          <p:nvPr>
+            <p:ph type="title"/>
+          </p:nvPr>
+        </p:nvSpPr>
+        <p:spPr>
+          <a:xfrm>
+            <a:off x="838200" y="299810"/>
+            <a:ext cx="10515600" cy="1325563"/>
+          </a:xfrm>
+        </p:spPr>
+        <p:txBody>
+          <a:bodyPr>
+            <a:normAutofit/>
+          </a:bodyPr>
+          <a:lstStyle/>
+          <a:p>
+            <a:r>
+              <a:rPr lang="ja-JP" altLang="en-US" b="1" dirty="0">
+                <a:latin typeface="+mn-ea"/>
+                <a:ea typeface="+mn-ea"/>
+              </a:rPr>
+              <a:t>謝辞</a:t>
+            </a:r>
+            <a:endParaRPr kumimoji="1" lang="ja-JP" altLang="en-US" b="1" dirty="0">
+              <a:latin typeface="+mn-ea"/>
+              <a:ea typeface="+mn-ea"/>
+            </a:endParaRPr>
+          </a:p>
+        </p:txBody>
+      </p:sp>
+      <p:sp>
+        <p:nvSpPr>
+          <p:cNvPr id="3" name="コンテンツ プレースホルダー 2">
+            <a:extLst>
+              <a:ext uri="{FF2B5EF4-FFF2-40B4-BE49-F238E27FC236}">
+                <a16:creationId xmlns:a16="http://schemas.microsoft.com/office/drawing/2014/main" id="{42268219-C040-410E-8B57-0FEAC66D09C2}"/>
+              </a:ext>
+            </a:extLst>
+          </p:cNvPr>
+          <p:cNvSpPr>
+            <a:spLocks noGrp="1"/>
+          </p:cNvSpPr>
+          <p:nvPr>
+            <p:ph idx="1"/>
+          </p:nvPr>
+        </p:nvSpPr>
+        <p:spPr/>
+        <p:txBody>
+          <a:bodyPr>
+            <a:normAutofit/>
+          </a:bodyPr>
+          <a:lstStyle/>
+          <a:p>
+            <a:pPr marL="0" indent="0">
+              <a:buNone/>
+            </a:pPr>
+            <a:endParaRPr lang="en-US" altLang="ja-JP" sz="4000" b="1" i="0" dirty="0">
+              <a:effectLst/>
+              <a:latin typeface="Courier New" panose="02070309020205020404" pitchFamily="49" charset="0"/>
+            </a:endParaRPr>
+          </a:p>
+          <a:p>
+            <a:pPr marL="0" indent="0">
+              <a:buNone/>
+            </a:pPr>
+            <a:r>
+              <a:rPr lang="ja-JP" altLang="en-US" sz="4000" b="1" i="0" dirty="0">
+                <a:effectLst/>
+                <a:latin typeface="Courier New" panose="02070309020205020404" pitchFamily="49" charset="0"/>
+              </a:rPr>
+              <a:t>　研修講師の皆様、ならびに研修事務局の皆様、一緒に学習してくれたクラスのみなさま、関係者のみなさまに御礼申し上げます。</a:t>
+            </a:r>
+            <a:endParaRPr lang="en-US" altLang="ja-JP" sz="4000" b="1" i="0" dirty="0">
+              <a:effectLst/>
+              <a:latin typeface="Courier New" panose="02070309020205020404" pitchFamily="49" charset="0"/>
+            </a:endParaRPr>
+          </a:p>
+          <a:p>
+            <a:pPr marL="0" indent="0">
+              <a:buNone/>
+            </a:pPr>
+            <a:r>
+              <a:rPr kumimoji="1" lang="ja-JP" altLang="en-US" sz="4000" b="1" dirty="0">
+                <a:latin typeface="Courier New" panose="02070309020205020404" pitchFamily="49" charset="0"/>
+              </a:rPr>
+              <a:t>　ご清聴ありがとうございました。</a:t>
+            </a:r>
+            <a:endParaRPr kumimoji="1" lang="ja-JP" altLang="en-US" sz="4000" b="1" dirty="0"/>
+          </a:p>
+        </p:txBody>
+      </p:sp>
+    </p:spTree>
+    <p:extLst>
+      <p:ext uri="{BB962C8B-B14F-4D97-AF65-F5344CB8AC3E}">
+        <p14:creationId xmlns:p14="http://schemas.microsoft.com/office/powerpoint/2010/main" val="3968158216"/>
       </p:ext>
     </p:extLst>
   </p:cSld>
@@ -19402,835 +18812,7 @@
 </p:sld>
 </file>
 
-<file path=ppt/slides/slide30.xml><?xml version="1.0" encoding="utf-8"?>
-<p:sld xmlns:a="http://schemas.openxmlformats.org/drawingml/2006/main" xmlns:r="http://schemas.openxmlformats.org/officeDocument/2006/relationships" xmlns:p="http://schemas.openxmlformats.org/presentationml/2006/main">
-  <p:cSld>
-    <p:spTree>
-      <p:nvGrpSpPr>
-        <p:cNvPr id="1" name=""/>
-        <p:cNvGrpSpPr/>
-        <p:nvPr/>
-      </p:nvGrpSpPr>
-      <p:grpSpPr>
-        <a:xfrm>
-          <a:off x="0" y="0"/>
-          <a:ext cx="0" cy="0"/>
-          <a:chOff x="0" y="0"/>
-          <a:chExt cx="0" cy="0"/>
-        </a:xfrm>
-      </p:grpSpPr>
-      <p:sp>
-        <p:nvSpPr>
-          <p:cNvPr id="2" name="タイトル 1">
-            <a:extLst>
-              <a:ext uri="{FF2B5EF4-FFF2-40B4-BE49-F238E27FC236}">
-                <a16:creationId xmlns:a16="http://schemas.microsoft.com/office/drawing/2014/main" id="{4156CD7B-AE3C-468C-ACFC-12AD48CB2581}"/>
-              </a:ext>
-            </a:extLst>
-          </p:cNvPr>
-          <p:cNvSpPr>
-            <a:spLocks noGrp="1"/>
-          </p:cNvSpPr>
-          <p:nvPr>
-            <p:ph type="title"/>
-          </p:nvPr>
-        </p:nvSpPr>
-        <p:spPr>
-          <a:xfrm>
-            <a:off x="838200" y="299810"/>
-            <a:ext cx="10515600" cy="1325563"/>
-          </a:xfrm>
-        </p:spPr>
-        <p:txBody>
-          <a:bodyPr>
-            <a:normAutofit/>
-          </a:bodyPr>
-          <a:lstStyle/>
-          <a:p>
-            <a:r>
-              <a:rPr lang="ja-JP" altLang="en-US" b="1" dirty="0">
-                <a:latin typeface="+mn-ea"/>
-                <a:ea typeface="+mn-ea"/>
-              </a:rPr>
-              <a:t>謝辞</a:t>
-            </a:r>
-            <a:endParaRPr kumimoji="1" lang="ja-JP" altLang="en-US" b="1" dirty="0">
-              <a:latin typeface="+mn-ea"/>
-              <a:ea typeface="+mn-ea"/>
-            </a:endParaRPr>
-          </a:p>
-        </p:txBody>
-      </p:sp>
-      <p:sp>
-        <p:nvSpPr>
-          <p:cNvPr id="3" name="コンテンツ プレースホルダー 2">
-            <a:extLst>
-              <a:ext uri="{FF2B5EF4-FFF2-40B4-BE49-F238E27FC236}">
-                <a16:creationId xmlns:a16="http://schemas.microsoft.com/office/drawing/2014/main" id="{42268219-C040-410E-8B57-0FEAC66D09C2}"/>
-              </a:ext>
-            </a:extLst>
-          </p:cNvPr>
-          <p:cNvSpPr>
-            <a:spLocks noGrp="1"/>
-          </p:cNvSpPr>
-          <p:nvPr>
-            <p:ph idx="1"/>
-          </p:nvPr>
-        </p:nvSpPr>
-        <p:spPr/>
-        <p:txBody>
-          <a:bodyPr>
-            <a:normAutofit/>
-          </a:bodyPr>
-          <a:lstStyle/>
-          <a:p>
-            <a:pPr marL="0" indent="0">
-              <a:buNone/>
-            </a:pPr>
-            <a:endParaRPr lang="en-US" altLang="ja-JP" sz="4000" b="1" i="0" dirty="0">
-              <a:effectLst/>
-              <a:latin typeface="Courier New" panose="02070309020205020404" pitchFamily="49" charset="0"/>
-            </a:endParaRPr>
-          </a:p>
-          <a:p>
-            <a:pPr marL="0" indent="0">
-              <a:buNone/>
-            </a:pPr>
-            <a:r>
-              <a:rPr lang="ja-JP" altLang="en-US" sz="4000" b="1" i="0" dirty="0">
-                <a:effectLst/>
-                <a:latin typeface="Courier New" panose="02070309020205020404" pitchFamily="49" charset="0"/>
-              </a:rPr>
-              <a:t>　研修講師の皆様、ならびに研修事務局の皆様、一緒に学習してくれたクラスのみなさま、関係者のみなさまに御礼申し上げます。</a:t>
-            </a:r>
-            <a:endParaRPr lang="en-US" altLang="ja-JP" sz="4000" b="1" i="0" dirty="0">
-              <a:effectLst/>
-              <a:latin typeface="Courier New" panose="02070309020205020404" pitchFamily="49" charset="0"/>
-            </a:endParaRPr>
-          </a:p>
-          <a:p>
-            <a:pPr marL="0" indent="0">
-              <a:buNone/>
-            </a:pPr>
-            <a:r>
-              <a:rPr kumimoji="1" lang="ja-JP" altLang="en-US" sz="4000" b="1" dirty="0">
-                <a:latin typeface="Courier New" panose="02070309020205020404" pitchFamily="49" charset="0"/>
-              </a:rPr>
-              <a:t>　ご清聴ありがとうございました。</a:t>
-            </a:r>
-            <a:endParaRPr kumimoji="1" lang="ja-JP" altLang="en-US" sz="4000" b="1" dirty="0"/>
-          </a:p>
-        </p:txBody>
-      </p:sp>
-    </p:spTree>
-    <p:extLst>
-      <p:ext uri="{BB962C8B-B14F-4D97-AF65-F5344CB8AC3E}">
-        <p14:creationId xmlns:p14="http://schemas.microsoft.com/office/powerpoint/2010/main" val="3968158216"/>
-      </p:ext>
-    </p:extLst>
-  </p:cSld>
-  <p:clrMapOvr>
-    <a:masterClrMapping/>
-  </p:clrMapOvr>
-  <mc:AlternateContent xmlns:mc="http://schemas.openxmlformats.org/markup-compatibility/2006" xmlns:p14="http://schemas.microsoft.com/office/powerpoint/2010/main">
-    <mc:Choice Requires="p14">
-      <p:transition spd="med" p14:dur="700">
-        <p:fade/>
-      </p:transition>
-    </mc:Choice>
-    <mc:Fallback xmlns="">
-      <p:transition spd="med">
-        <p:fade/>
-      </p:transition>
-    </mc:Fallback>
-  </mc:AlternateContent>
-</p:sld>
-</file>
-
 <file path=ppt/slides/slide4.xml><?xml version="1.0" encoding="utf-8"?>
-<p:sld xmlns:a="http://schemas.openxmlformats.org/drawingml/2006/main" xmlns:r="http://schemas.openxmlformats.org/officeDocument/2006/relationships" xmlns:p="http://schemas.openxmlformats.org/presentationml/2006/main">
-  <p:cSld>
-    <p:spTree>
-      <p:nvGrpSpPr>
-        <p:cNvPr id="1" name=""/>
-        <p:cNvGrpSpPr/>
-        <p:nvPr/>
-      </p:nvGrpSpPr>
-      <p:grpSpPr>
-        <a:xfrm>
-          <a:off x="0" y="0"/>
-          <a:ext cx="0" cy="0"/>
-          <a:chOff x="0" y="0"/>
-          <a:chExt cx="0" cy="0"/>
-        </a:xfrm>
-      </p:grpSpPr>
-      <p:sp>
-        <p:nvSpPr>
-          <p:cNvPr id="6" name="コンテンツ プレースホルダー 5">
-            <a:extLst>
-              <a:ext uri="{FF2B5EF4-FFF2-40B4-BE49-F238E27FC236}">
-                <a16:creationId xmlns:a16="http://schemas.microsoft.com/office/drawing/2014/main" id="{592C0A9F-32A9-19BE-516C-A3CE839FBEB9}"/>
-              </a:ext>
-            </a:extLst>
-          </p:cNvPr>
-          <p:cNvSpPr>
-            <a:spLocks noGrp="1"/>
-          </p:cNvSpPr>
-          <p:nvPr>
-            <p:ph idx="4294967295"/>
-          </p:nvPr>
-        </p:nvSpPr>
-        <p:spPr>
-          <a:xfrm>
-            <a:off x="3340100" y="292101"/>
-            <a:ext cx="8851900" cy="2298700"/>
-          </a:xfrm>
-        </p:spPr>
-        <p:txBody>
-          <a:bodyPr>
-            <a:normAutofit fontScale="62500" lnSpcReduction="20000"/>
-          </a:bodyPr>
-          <a:lstStyle/>
-          <a:p>
-            <a:r>
-              <a:rPr lang="ja-JP" altLang="en-US" dirty="0"/>
-              <a:t>就職活動に力を入れ大手保険会社に入社したはいいものの激務のストレスからお酒に逃げる。仕事にはやりがいを感じている。入社</a:t>
-            </a:r>
-            <a:r>
-              <a:rPr lang="en-US" altLang="ja-JP" dirty="0"/>
-              <a:t>4</a:t>
-            </a:r>
-            <a:r>
-              <a:rPr lang="ja-JP" altLang="en-US" dirty="0"/>
-              <a:t>年目で業務にも慣れてきているが健康診断の結果が悪く健康を意識し始める。</a:t>
-            </a:r>
-            <a:r>
-              <a:rPr lang="en-US" altLang="ja-JP" dirty="0"/>
-              <a:t>15</a:t>
-            </a:r>
-            <a:r>
-              <a:rPr lang="ja-JP" altLang="en-US" dirty="0"/>
-              <a:t>キロ太った。</a:t>
-            </a:r>
-            <a:endParaRPr lang="en-US" altLang="ja-JP" dirty="0"/>
-          </a:p>
-          <a:p>
-            <a:r>
-              <a:rPr lang="ja-JP" altLang="en-US" dirty="0"/>
-              <a:t>生活</a:t>
-            </a:r>
-            <a:endParaRPr lang="en-US" altLang="ja-JP" dirty="0"/>
-          </a:p>
-          <a:p>
-            <a:r>
-              <a:rPr lang="ja-JP" altLang="en-US" dirty="0"/>
-              <a:t>通勤時間　電車</a:t>
-            </a:r>
-            <a:r>
-              <a:rPr lang="en-US" altLang="ja-JP" dirty="0"/>
-              <a:t>30</a:t>
-            </a:r>
-            <a:r>
-              <a:rPr lang="ja-JP" altLang="en-US" dirty="0"/>
-              <a:t>分、徒歩</a:t>
-            </a:r>
-            <a:r>
-              <a:rPr lang="en-US" altLang="ja-JP" dirty="0"/>
-              <a:t>10</a:t>
-            </a:r>
-            <a:r>
-              <a:rPr lang="ja-JP" altLang="en-US" dirty="0"/>
-              <a:t>分</a:t>
-            </a:r>
-            <a:endParaRPr lang="en-US" altLang="ja-JP" dirty="0"/>
-          </a:p>
-          <a:p>
-            <a:r>
-              <a:rPr lang="ja-JP" altLang="en-US" dirty="0"/>
-              <a:t>勤務時間　定時</a:t>
-            </a:r>
-            <a:r>
-              <a:rPr lang="en-US" altLang="ja-JP" dirty="0"/>
-              <a:t>9:00~18:00</a:t>
-            </a:r>
-            <a:r>
-              <a:rPr lang="ja-JP" altLang="en-US" dirty="0"/>
-              <a:t>　実際はお客様都合で休日出勤・残業が多い</a:t>
-            </a:r>
-            <a:endParaRPr lang="en-US" altLang="ja-JP" dirty="0"/>
-          </a:p>
-          <a:p>
-            <a:r>
-              <a:rPr lang="ja-JP" altLang="en-US" dirty="0"/>
-              <a:t>休み　　　不定期（週休二日制）</a:t>
-            </a:r>
-            <a:endParaRPr lang="en-US" altLang="ja-JP" dirty="0"/>
-          </a:p>
-          <a:p>
-            <a:r>
-              <a:rPr lang="ja-JP" altLang="en-US" dirty="0"/>
-              <a:t>休みの日にすること　インドア：ゲーム</a:t>
-            </a:r>
-            <a:r>
-              <a:rPr lang="en-US" altLang="ja-JP" dirty="0"/>
-              <a:t>	</a:t>
-            </a:r>
-            <a:r>
-              <a:rPr lang="ja-JP" altLang="en-US" dirty="0"/>
-              <a:t>　　：映画</a:t>
-            </a:r>
-            <a:endParaRPr lang="en-US" altLang="ja-JP" dirty="0"/>
-          </a:p>
-        </p:txBody>
-      </p:sp>
-      <p:pic>
-        <p:nvPicPr>
-          <p:cNvPr id="3" name="図プレースホルダー 2" descr="スーツを着た男性&#10;&#10;自動的に生成された説明">
-            <a:extLst>
-              <a:ext uri="{FF2B5EF4-FFF2-40B4-BE49-F238E27FC236}">
-                <a16:creationId xmlns:a16="http://schemas.microsoft.com/office/drawing/2014/main" id="{DE3A38C2-EBA6-452A-9C57-C8367CBEE8EF}"/>
-              </a:ext>
-            </a:extLst>
-          </p:cNvPr>
-          <p:cNvPicPr>
-            <a:picLocks noGrp="1" noChangeAspect="1"/>
-          </p:cNvPicPr>
-          <p:nvPr>
-            <p:ph type="pic" idx="4294967295"/>
-          </p:nvPr>
-        </p:nvPicPr>
-        <p:blipFill>
-          <a:blip r:embed="rId2">
-            <a:extLst>
-              <a:ext uri="{28A0092B-C50C-407E-A947-70E740481C1C}">
-                <a14:useLocalDpi xmlns:a14="http://schemas.microsoft.com/office/drawing/2010/main" val="0"/>
-              </a:ext>
-            </a:extLst>
-          </a:blip>
-          <a:srcRect l="1816" r="1816"/>
-          <a:stretch>
-            <a:fillRect/>
-          </a:stretch>
-        </p:blipFill>
-        <p:spPr>
-          <a:xfrm>
-            <a:off x="112027" y="185003"/>
-            <a:ext cx="3125788" cy="2162175"/>
-          </a:xfrm>
-        </p:spPr>
-      </p:pic>
-      <p:sp>
-        <p:nvSpPr>
-          <p:cNvPr id="8" name="コンテンツ プレースホルダー 7">
-            <a:extLst>
-              <a:ext uri="{FF2B5EF4-FFF2-40B4-BE49-F238E27FC236}">
-                <a16:creationId xmlns:a16="http://schemas.microsoft.com/office/drawing/2014/main" id="{379FC890-E959-B17C-0B67-60764F38B270}"/>
-              </a:ext>
-            </a:extLst>
-          </p:cNvPr>
-          <p:cNvSpPr>
-            <a:spLocks noGrp="1"/>
-          </p:cNvSpPr>
-          <p:nvPr>
-            <p:ph idx="4294967295"/>
-          </p:nvPr>
-        </p:nvSpPr>
-        <p:spPr>
-          <a:xfrm>
-            <a:off x="0" y="2590800"/>
-            <a:ext cx="3883068" cy="4082197"/>
-          </a:xfrm>
-        </p:spPr>
-        <p:txBody>
-          <a:bodyPr>
-            <a:normAutofit fontScale="92500" lnSpcReduction="10000"/>
-          </a:bodyPr>
-          <a:lstStyle/>
-          <a:p>
-            <a:r>
-              <a:rPr lang="ja-JP" altLang="en-US" sz="1800" dirty="0"/>
-              <a:t>氏名：山田夕貴 やまだゆうき</a:t>
-            </a:r>
-            <a:endParaRPr lang="en-US" altLang="ja-JP" sz="1800" dirty="0"/>
-          </a:p>
-          <a:p>
-            <a:r>
-              <a:rPr lang="ja-JP" altLang="en-US" sz="1800" dirty="0"/>
-              <a:t>年齢：</a:t>
-            </a:r>
-            <a:r>
-              <a:rPr lang="en-US" altLang="ja-JP" sz="1800" dirty="0"/>
-              <a:t>26</a:t>
-            </a:r>
-            <a:r>
-              <a:rPr lang="ja-JP" altLang="en-US" sz="1800" dirty="0"/>
-              <a:t>歳</a:t>
-            </a:r>
-            <a:endParaRPr lang="en-US" altLang="ja-JP" sz="1800" dirty="0"/>
-          </a:p>
-          <a:p>
-            <a:r>
-              <a:rPr lang="ja-JP" altLang="en-US" sz="1800" dirty="0"/>
-              <a:t>身長：</a:t>
-            </a:r>
-            <a:r>
-              <a:rPr lang="en-US" altLang="ja-JP" sz="1800" dirty="0"/>
-              <a:t>173cm</a:t>
-            </a:r>
-          </a:p>
-          <a:p>
-            <a:r>
-              <a:rPr lang="ja-JP" altLang="en-US" sz="1800" dirty="0"/>
-              <a:t>体重：</a:t>
-            </a:r>
-            <a:r>
-              <a:rPr lang="en-US" altLang="ja-JP" sz="1800" dirty="0"/>
-              <a:t>78kg</a:t>
-            </a:r>
-            <a:r>
-              <a:rPr lang="ja-JP" altLang="en-US" sz="1800" dirty="0"/>
-              <a:t>（入社時は</a:t>
-            </a:r>
-            <a:r>
-              <a:rPr lang="en-US" altLang="ja-JP" sz="1800" dirty="0"/>
-              <a:t>63kg</a:t>
-            </a:r>
-            <a:r>
-              <a:rPr lang="ja-JP" altLang="en-US" sz="1800" dirty="0"/>
-              <a:t>）</a:t>
-            </a:r>
-            <a:endParaRPr lang="en-US" altLang="ja-JP" sz="1800" dirty="0"/>
-          </a:p>
-          <a:p>
-            <a:r>
-              <a:rPr lang="ja-JP" altLang="en-US" sz="1800" dirty="0"/>
-              <a:t>職業：保険営業</a:t>
-            </a:r>
-            <a:endParaRPr lang="en-US" altLang="ja-JP" sz="1800" dirty="0"/>
-          </a:p>
-          <a:p>
-            <a:r>
-              <a:rPr lang="ja-JP" altLang="en-US" sz="1800" dirty="0"/>
-              <a:t>収入：</a:t>
-            </a:r>
-            <a:r>
-              <a:rPr lang="en-US" altLang="ja-JP" sz="1800" dirty="0"/>
-              <a:t>460</a:t>
-            </a:r>
-            <a:r>
-              <a:rPr lang="ja-JP" altLang="en-US" sz="1800" dirty="0"/>
-              <a:t>万円</a:t>
-            </a:r>
-            <a:endParaRPr lang="en-US" altLang="ja-JP" sz="1800" dirty="0"/>
-          </a:p>
-          <a:p>
-            <a:r>
-              <a:rPr lang="ja-JP" altLang="en-US" sz="1800" dirty="0"/>
-              <a:t>学歴：大卒</a:t>
-            </a:r>
-            <a:endParaRPr lang="en-US" altLang="ja-JP" sz="1800" dirty="0"/>
-          </a:p>
-          <a:p>
-            <a:r>
-              <a:rPr lang="ja-JP" altLang="en-US" sz="1800" dirty="0"/>
-              <a:t>出生：神奈川</a:t>
-            </a:r>
-            <a:endParaRPr lang="en-US" altLang="ja-JP" sz="1800" dirty="0"/>
-          </a:p>
-          <a:p>
-            <a:r>
-              <a:rPr lang="ja-JP" altLang="en-US" sz="1800" dirty="0"/>
-              <a:t>家族：一人暮らし</a:t>
-            </a:r>
-            <a:endParaRPr lang="en-US" altLang="ja-JP" sz="1800" dirty="0"/>
-          </a:p>
-          <a:p>
-            <a:r>
-              <a:rPr lang="ja-JP" altLang="en-US" sz="1800" dirty="0"/>
-              <a:t>特徴：飲み会が多く下腹が出てきた。</a:t>
-            </a:r>
-            <a:endParaRPr lang="en-US" altLang="ja-JP" sz="1800" dirty="0"/>
-          </a:p>
-          <a:p>
-            <a:r>
-              <a:rPr lang="ja-JP" altLang="en-US" sz="1800" dirty="0"/>
-              <a:t>普段は自炊せずに外食・コンビニが多い。仕事終わりに晩酌するのが趣味。好きな酒はビール。</a:t>
-            </a:r>
-          </a:p>
-        </p:txBody>
-      </p:sp>
-      <p:sp>
-        <p:nvSpPr>
-          <p:cNvPr id="9" name="コンテンツ プレースホルダー 8">
-            <a:extLst>
-              <a:ext uri="{FF2B5EF4-FFF2-40B4-BE49-F238E27FC236}">
-                <a16:creationId xmlns:a16="http://schemas.microsoft.com/office/drawing/2014/main" id="{493798B9-4269-FE7D-9164-A9C163CDA212}"/>
-              </a:ext>
-            </a:extLst>
-          </p:cNvPr>
-          <p:cNvSpPr>
-            <a:spLocks noGrp="1"/>
-          </p:cNvSpPr>
-          <p:nvPr>
-            <p:ph idx="4294967295"/>
-          </p:nvPr>
-        </p:nvSpPr>
-        <p:spPr>
-          <a:xfrm>
-            <a:off x="8807450" y="2590799"/>
-            <a:ext cx="3340100" cy="4082197"/>
-          </a:xfrm>
-        </p:spPr>
-        <p:txBody>
-          <a:bodyPr>
-            <a:normAutofit fontScale="62500" lnSpcReduction="20000"/>
-          </a:bodyPr>
-          <a:lstStyle/>
-          <a:p>
-            <a:r>
-              <a:rPr lang="en-US" altLang="ja-JP" dirty="0"/>
-              <a:t>LINE</a:t>
-            </a:r>
-            <a:r>
-              <a:rPr lang="ja-JP" altLang="en-US" dirty="0"/>
-              <a:t>：毎日。タイムラインは見ない。</a:t>
-            </a:r>
-            <a:endParaRPr lang="en-US" altLang="ja-JP" dirty="0"/>
-          </a:p>
-          <a:p>
-            <a:endParaRPr lang="ja-JP" altLang="en-US" dirty="0"/>
-          </a:p>
-          <a:p>
-            <a:r>
-              <a:rPr lang="en-US" altLang="ja-JP" dirty="0"/>
-              <a:t>Twitter</a:t>
-            </a:r>
-            <a:r>
-              <a:rPr lang="ja-JP" altLang="en-US" dirty="0"/>
-              <a:t>：おつまみの写真を投稿。</a:t>
-            </a:r>
-            <a:endParaRPr lang="en-US" altLang="ja-JP" dirty="0"/>
-          </a:p>
-          <a:p>
-            <a:endParaRPr lang="en-US" altLang="ja-JP" dirty="0"/>
-          </a:p>
-          <a:p>
-            <a:r>
-              <a:rPr lang="en-US" altLang="ja-JP" dirty="0"/>
-              <a:t>Instagram</a:t>
-            </a:r>
-            <a:r>
-              <a:rPr lang="ja-JP" altLang="en-US" dirty="0"/>
-              <a:t>：食事の写真を投稿。</a:t>
-            </a:r>
-          </a:p>
-          <a:p>
-            <a:endParaRPr lang="en-US" altLang="ja-JP" dirty="0"/>
-          </a:p>
-          <a:p>
-            <a:r>
-              <a:rPr lang="en-US" altLang="ja-JP" dirty="0"/>
-              <a:t>Facebook</a:t>
-            </a:r>
-            <a:r>
-              <a:rPr lang="ja-JP" altLang="en-US" dirty="0"/>
-              <a:t>：登録はした。</a:t>
-            </a:r>
-            <a:endParaRPr lang="en-US" altLang="ja-JP" dirty="0"/>
-          </a:p>
-          <a:p>
-            <a:endParaRPr lang="ja-JP" altLang="en-US" dirty="0"/>
-          </a:p>
-          <a:p>
-            <a:r>
-              <a:rPr lang="en-US" altLang="ja-JP" dirty="0"/>
-              <a:t>YouTube</a:t>
-            </a:r>
-            <a:r>
-              <a:rPr lang="ja-JP" altLang="en-US" dirty="0"/>
-              <a:t>：家に帰ってからはよく見ている。ダイエット動画がおすすめに表示されるようになった。</a:t>
-            </a:r>
-          </a:p>
-        </p:txBody>
-      </p:sp>
-      <p:sp>
-        <p:nvSpPr>
-          <p:cNvPr id="10" name="コンテンツ プレースホルダー 9">
-            <a:extLst>
-              <a:ext uri="{FF2B5EF4-FFF2-40B4-BE49-F238E27FC236}">
-                <a16:creationId xmlns:a16="http://schemas.microsoft.com/office/drawing/2014/main" id="{C50AD0BA-A02F-B48B-174F-11495177E997}"/>
-              </a:ext>
-            </a:extLst>
-          </p:cNvPr>
-          <p:cNvSpPr>
-            <a:spLocks noGrp="1"/>
-          </p:cNvSpPr>
-          <p:nvPr>
-            <p:ph idx="4294967295"/>
-          </p:nvPr>
-        </p:nvSpPr>
-        <p:spPr>
-          <a:xfrm>
-            <a:off x="4064000" y="2590800"/>
-            <a:ext cx="4876800" cy="4082197"/>
-          </a:xfrm>
-        </p:spPr>
-        <p:txBody>
-          <a:bodyPr>
-            <a:normAutofit fontScale="92500" lnSpcReduction="10000"/>
-          </a:bodyPr>
-          <a:lstStyle/>
-          <a:p>
-            <a:r>
-              <a:rPr lang="ja-JP" altLang="en-US" sz="1800" dirty="0"/>
-              <a:t>不満：激務によりプライベートの時間が取れない。仕事の付き合いの飲み会が多い。最近は同期グループの</a:t>
-            </a:r>
-            <a:r>
-              <a:rPr lang="en-US" altLang="ja-JP" sz="1800" dirty="0"/>
-              <a:t>LINE</a:t>
-            </a:r>
-            <a:r>
-              <a:rPr lang="ja-JP" altLang="en-US" sz="1800" dirty="0"/>
-              <a:t>に反応するのも面倒になってきた。</a:t>
-            </a:r>
-            <a:endParaRPr lang="en-US" altLang="ja-JP" sz="1800" dirty="0"/>
-          </a:p>
-          <a:p>
-            <a:r>
-              <a:rPr lang="ja-JP" altLang="en-US" sz="1800" dirty="0"/>
-              <a:t>満足：社内の人間関係には満足している。業績にあった評価をしてもらえている。</a:t>
-            </a:r>
-            <a:endParaRPr lang="en-US" altLang="ja-JP" sz="1800" dirty="0"/>
-          </a:p>
-          <a:p>
-            <a:r>
-              <a:rPr lang="ja-JP" altLang="en-US" sz="1800" dirty="0"/>
-              <a:t>欲求：痩せたい。プライベートの時間が欲しい。</a:t>
-            </a:r>
-            <a:endParaRPr lang="en-US" altLang="ja-JP" sz="1800" dirty="0"/>
-          </a:p>
-          <a:p>
-            <a:r>
-              <a:rPr lang="ja-JP" altLang="en-US" sz="1800" dirty="0"/>
-              <a:t>問題点：肥満傾向・プライベートの時間がない・外食が多い・運動不足・ストレスの解消先がない・睡眠不足・</a:t>
-            </a:r>
-            <a:endParaRPr lang="en-US" altLang="ja-JP" sz="1800" dirty="0"/>
-          </a:p>
-          <a:p>
-            <a:r>
-              <a:rPr lang="ja-JP" altLang="en-US" sz="1800" dirty="0"/>
-              <a:t>性格：野球部・温和・大雑把（ポテチを食べながらゲームのコントローラーを触る）・</a:t>
-            </a:r>
-            <a:endParaRPr lang="en-US" altLang="ja-JP" sz="1800" dirty="0"/>
-          </a:p>
-          <a:p>
-            <a:r>
-              <a:rPr lang="ja-JP" altLang="en-US" sz="1800" dirty="0"/>
-              <a:t>生活リズム（スケジュール）・運動・栄養・睡眠（睡眠時間）・健康・ストレス解消</a:t>
-            </a:r>
-            <a:endParaRPr lang="en-US" altLang="ja-JP" sz="1800" dirty="0"/>
-          </a:p>
-          <a:p>
-            <a:endParaRPr lang="en-US" altLang="ja-JP" sz="1800" dirty="0"/>
-          </a:p>
-        </p:txBody>
-      </p:sp>
-      <p:sp>
-        <p:nvSpPr>
-          <p:cNvPr id="4" name="正方形/長方形 3">
-            <a:extLst>
-              <a:ext uri="{FF2B5EF4-FFF2-40B4-BE49-F238E27FC236}">
-                <a16:creationId xmlns:a16="http://schemas.microsoft.com/office/drawing/2014/main" id="{2C4978C8-D678-4BB7-A826-005DCDB2238F}"/>
-              </a:ext>
-            </a:extLst>
-          </p:cNvPr>
-          <p:cNvSpPr/>
-          <p:nvPr/>
-        </p:nvSpPr>
-        <p:spPr>
-          <a:xfrm>
-            <a:off x="201036" y="185002"/>
-            <a:ext cx="3925779" cy="1790700"/>
-          </a:xfrm>
-          <a:prstGeom prst="rect">
-            <a:avLst/>
-          </a:prstGeom>
-          <a:ln/>
-        </p:spPr>
-        <p:style>
-          <a:lnRef idx="1">
-            <a:schemeClr val="accent2"/>
-          </a:lnRef>
-          <a:fillRef idx="3">
-            <a:schemeClr val="accent2"/>
-          </a:fillRef>
-          <a:effectRef idx="2">
-            <a:schemeClr val="accent2"/>
-          </a:effectRef>
-          <a:fontRef idx="minor">
-            <a:schemeClr val="lt1"/>
-          </a:fontRef>
-        </p:style>
-        <p:txBody>
-          <a:bodyPr rtlCol="0" anchor="ctr"/>
-          <a:lstStyle/>
-          <a:p>
-            <a:pPr algn="ctr"/>
-            <a:r>
-              <a:rPr kumimoji="1" lang="ja-JP" altLang="en-US" sz="2400" b="1" dirty="0"/>
-              <a:t>やる気はあまりないが健康に意識が向き始める</a:t>
-            </a:r>
-            <a:endParaRPr kumimoji="1" lang="en-US" altLang="ja-JP" sz="2400" b="1" dirty="0"/>
-          </a:p>
-          <a:p>
-            <a:pPr algn="ctr"/>
-            <a:r>
-              <a:rPr lang="ja-JP" altLang="en-US" sz="2400" b="1" dirty="0"/>
-              <a:t>シンプルな操作が合う</a:t>
-            </a:r>
-            <a:endParaRPr kumimoji="1" lang="en-US" altLang="ja-JP" sz="2400" b="1" dirty="0"/>
-          </a:p>
-        </p:txBody>
-      </p:sp>
-      <p:sp>
-        <p:nvSpPr>
-          <p:cNvPr id="11" name="正方形/長方形 10">
-            <a:extLst>
-              <a:ext uri="{FF2B5EF4-FFF2-40B4-BE49-F238E27FC236}">
-                <a16:creationId xmlns:a16="http://schemas.microsoft.com/office/drawing/2014/main" id="{FCF936C5-E30A-4039-9893-DA3A2BE55A28}"/>
-              </a:ext>
-            </a:extLst>
-          </p:cNvPr>
-          <p:cNvSpPr/>
-          <p:nvPr/>
-        </p:nvSpPr>
-        <p:spPr>
-          <a:xfrm>
-            <a:off x="226436" y="2102703"/>
-            <a:ext cx="3925779" cy="1790700"/>
-          </a:xfrm>
-          <a:prstGeom prst="rect">
-            <a:avLst/>
-          </a:prstGeom>
-          <a:ln/>
-        </p:spPr>
-        <p:style>
-          <a:lnRef idx="1">
-            <a:schemeClr val="accent2"/>
-          </a:lnRef>
-          <a:fillRef idx="3">
-            <a:schemeClr val="accent2"/>
-          </a:fillRef>
-          <a:effectRef idx="2">
-            <a:schemeClr val="accent2"/>
-          </a:effectRef>
-          <a:fontRef idx="minor">
-            <a:schemeClr val="lt1"/>
-          </a:fontRef>
-        </p:style>
-        <p:txBody>
-          <a:bodyPr rtlCol="0" anchor="ctr"/>
-          <a:lstStyle/>
-          <a:p>
-            <a:pPr algn="ctr"/>
-            <a:r>
-              <a:rPr kumimoji="1" lang="ja-JP" altLang="en-US" sz="2400" b="1" dirty="0"/>
-              <a:t>仕事に追われている</a:t>
-            </a:r>
-            <a:endParaRPr lang="en-US" altLang="ja-JP" sz="2400" b="1" dirty="0"/>
-          </a:p>
-          <a:p>
-            <a:pPr algn="ctr"/>
-            <a:r>
-              <a:rPr kumimoji="1" lang="ja-JP" altLang="en-US" sz="2400" b="1" dirty="0"/>
-              <a:t>アバウトな記録が助かる</a:t>
-            </a:r>
-          </a:p>
-        </p:txBody>
-      </p:sp>
-      <p:sp>
-        <p:nvSpPr>
-          <p:cNvPr id="12" name="正方形/長方形 11">
-            <a:extLst>
-              <a:ext uri="{FF2B5EF4-FFF2-40B4-BE49-F238E27FC236}">
-                <a16:creationId xmlns:a16="http://schemas.microsoft.com/office/drawing/2014/main" id="{81EB01A0-4075-4E7A-BFCB-03F6AC285955}"/>
-              </a:ext>
-            </a:extLst>
-          </p:cNvPr>
-          <p:cNvSpPr/>
-          <p:nvPr/>
-        </p:nvSpPr>
-        <p:spPr>
-          <a:xfrm>
-            <a:off x="226436" y="4157780"/>
-            <a:ext cx="3925779" cy="1790700"/>
-          </a:xfrm>
-          <a:prstGeom prst="rect">
-            <a:avLst/>
-          </a:prstGeom>
-          <a:ln/>
-        </p:spPr>
-        <p:style>
-          <a:lnRef idx="1">
-            <a:schemeClr val="accent2"/>
-          </a:lnRef>
-          <a:fillRef idx="3">
-            <a:schemeClr val="accent2"/>
-          </a:fillRef>
-          <a:effectRef idx="2">
-            <a:schemeClr val="accent2"/>
-          </a:effectRef>
-          <a:fontRef idx="minor">
-            <a:schemeClr val="lt1"/>
-          </a:fontRef>
-        </p:style>
-        <p:txBody>
-          <a:bodyPr rtlCol="0" anchor="ctr"/>
-          <a:lstStyle/>
-          <a:p>
-            <a:pPr algn="ctr"/>
-            <a:r>
-              <a:rPr kumimoji="1" lang="ja-JP" altLang="en-US" sz="2400" b="1" dirty="0"/>
-              <a:t>職場の人間関係が主</a:t>
-            </a:r>
-            <a:endParaRPr kumimoji="1" lang="en-US" altLang="ja-JP" sz="2400" b="1" dirty="0"/>
-          </a:p>
-          <a:p>
-            <a:pPr algn="ctr"/>
-            <a:r>
-              <a:rPr lang="ja-JP" altLang="en-US" sz="2400" b="1" dirty="0"/>
-              <a:t>掲示板で普段で合えない人と交流できる</a:t>
-            </a:r>
-            <a:endParaRPr kumimoji="1" lang="en-US" altLang="ja-JP" sz="2400" b="1" dirty="0"/>
-          </a:p>
-        </p:txBody>
-      </p:sp>
-    </p:spTree>
-    <p:extLst>
-      <p:ext uri="{BB962C8B-B14F-4D97-AF65-F5344CB8AC3E}">
-        <p14:creationId xmlns:p14="http://schemas.microsoft.com/office/powerpoint/2010/main" val="70059969"/>
-      </p:ext>
-    </p:extLst>
-  </p:cSld>
-  <p:clrMapOvr>
-    <a:masterClrMapping/>
-  </p:clrMapOvr>
-  <mc:AlternateContent xmlns:mc="http://schemas.openxmlformats.org/markup-compatibility/2006" xmlns:p14="http://schemas.microsoft.com/office/powerpoint/2010/main">
-    <mc:Choice Requires="p14">
-      <p:transition spd="med" p14:dur="700">
-        <p:fade/>
-      </p:transition>
-    </mc:Choice>
-    <mc:Fallback xmlns="">
-      <p:transition spd="med">
-        <p:fade/>
-      </p:transition>
-    </mc:Fallback>
-  </mc:AlternateContent>
-</p:sld>
-</file>
-
-<file path=ppt/slides/slide5.xml><?xml version="1.0" encoding="utf-8"?>
 <p:sld xmlns:a="http://schemas.openxmlformats.org/drawingml/2006/main" xmlns:r="http://schemas.openxmlformats.org/officeDocument/2006/relationships" xmlns:p="http://schemas.openxmlformats.org/presentationml/2006/main">
   <p:cSld>
     <p:spTree>
@@ -20343,7 +18925,7 @@
 </p:sld>
 </file>
 
-<file path=ppt/slides/slide6.xml><?xml version="1.0" encoding="utf-8"?>
+<file path=ppt/slides/slide5.xml><?xml version="1.0" encoding="utf-8"?>
 <p:sld xmlns:a="http://schemas.openxmlformats.org/drawingml/2006/main" xmlns:r="http://schemas.openxmlformats.org/officeDocument/2006/relationships" xmlns:p="http://schemas.openxmlformats.org/presentationml/2006/main">
   <p:cSld>
     <p:spTree>
@@ -20902,7 +19484,7 @@
 </p:sld>
 </file>
 
-<file path=ppt/slides/slide7.xml><?xml version="1.0" encoding="utf-8"?>
+<file path=ppt/slides/slide6.xml><?xml version="1.0" encoding="utf-8"?>
 <p:sld xmlns:a="http://schemas.openxmlformats.org/drawingml/2006/main" xmlns:r="http://schemas.openxmlformats.org/officeDocument/2006/relationships" xmlns:p="http://schemas.openxmlformats.org/presentationml/2006/main">
   <p:cSld>
     <p:spTree>
@@ -21494,7 +20076,7 @@
 </p:sld>
 </file>
 
-<file path=ppt/slides/slide8.xml><?xml version="1.0" encoding="utf-8"?>
+<file path=ppt/slides/slide7.xml><?xml version="1.0" encoding="utf-8"?>
 <p:sld xmlns:a="http://schemas.openxmlformats.org/drawingml/2006/main" xmlns:r="http://schemas.openxmlformats.org/officeDocument/2006/relationships" xmlns:p="http://schemas.openxmlformats.org/presentationml/2006/main">
   <p:cSld>
     <p:spTree>
@@ -21692,7 +20274,7 @@
 </p:sld>
 </file>
 
-<file path=ppt/slides/slide9.xml><?xml version="1.0" encoding="utf-8"?>
+<file path=ppt/slides/slide8.xml><?xml version="1.0" encoding="utf-8"?>
 <p:sld xmlns:a="http://schemas.openxmlformats.org/drawingml/2006/main" xmlns:r="http://schemas.openxmlformats.org/officeDocument/2006/relationships" xmlns:p="http://schemas.openxmlformats.org/presentationml/2006/main">
   <p:cSld>
     <p:spTree>
@@ -22279,6 +20861,830 @@
     </p:tnLst>
     <p:bldLst>
       <p:bldP spid="6" grpId="0" build="p"/>
+    </p:bldLst>
+  </p:timing>
+</p:sld>
+</file>
+
+<file path=ppt/slides/slide9.xml><?xml version="1.0" encoding="utf-8"?>
+<p:sld xmlns:a="http://schemas.openxmlformats.org/drawingml/2006/main" xmlns:r="http://schemas.openxmlformats.org/officeDocument/2006/relationships" xmlns:p="http://schemas.openxmlformats.org/presentationml/2006/main">
+  <p:cSld>
+    <p:spTree>
+      <p:nvGrpSpPr>
+        <p:cNvPr id="1" name=""/>
+        <p:cNvGrpSpPr/>
+        <p:nvPr/>
+      </p:nvGrpSpPr>
+      <p:grpSpPr>
+        <a:xfrm>
+          <a:off x="0" y="0"/>
+          <a:ext cx="0" cy="0"/>
+          <a:chOff x="0" y="0"/>
+          <a:chExt cx="0" cy="0"/>
+        </a:xfrm>
+      </p:grpSpPr>
+      <p:graphicFrame>
+        <p:nvGraphicFramePr>
+          <p:cNvPr id="4" name="図表 3">
+            <a:extLst>
+              <a:ext uri="{FF2B5EF4-FFF2-40B4-BE49-F238E27FC236}">
+                <a16:creationId xmlns:a16="http://schemas.microsoft.com/office/drawing/2014/main" id="{DC96C5FE-0E78-4B6F-BAB5-9CF2D1AA233D}"/>
+              </a:ext>
+            </a:extLst>
+          </p:cNvPr>
+          <p:cNvGraphicFramePr/>
+          <p:nvPr>
+            <p:extLst>
+              <p:ext uri="{D42A27DB-BD31-4B8C-83A1-F6EECF244321}">
+                <p14:modId xmlns:p14="http://schemas.microsoft.com/office/powerpoint/2010/main" val="80653661"/>
+              </p:ext>
+            </p:extLst>
+          </p:nvPr>
+        </p:nvGraphicFramePr>
+        <p:xfrm>
+          <a:off x="133350" y="138229"/>
+          <a:ext cx="11953875" cy="6667499"/>
+        </p:xfrm>
+        <a:graphic>
+          <a:graphicData uri="http://schemas.openxmlformats.org/drawingml/2006/diagram">
+            <dgm:relIds xmlns:dgm="http://schemas.openxmlformats.org/drawingml/2006/diagram" xmlns:r="http://schemas.openxmlformats.org/officeDocument/2006/relationships" r:dm="rId5" r:lo="rId6" r:qs="rId7" r:cs="rId8"/>
+          </a:graphicData>
+        </a:graphic>
+      </p:graphicFrame>
+      <p:sp>
+        <p:nvSpPr>
+          <p:cNvPr id="8" name="吹き出し: 円形 7">
+            <a:extLst>
+              <a:ext uri="{FF2B5EF4-FFF2-40B4-BE49-F238E27FC236}">
+                <a16:creationId xmlns:a16="http://schemas.microsoft.com/office/drawing/2014/main" id="{DC3937B8-717F-432B-A964-1357286FC079}"/>
+              </a:ext>
+            </a:extLst>
+          </p:cNvPr>
+          <p:cNvSpPr/>
+          <p:nvPr/>
+        </p:nvSpPr>
+        <p:spPr>
+          <a:xfrm>
+            <a:off x="642144" y="64861"/>
+            <a:ext cx="3782711" cy="2571750"/>
+          </a:xfrm>
+          <a:prstGeom prst="wedgeEllipseCallout">
+            <a:avLst>
+              <a:gd name="adj1" fmla="val 55189"/>
+              <a:gd name="adj2" fmla="val 16294"/>
+            </a:avLst>
+          </a:prstGeom>
+          <a:solidFill>
+            <a:schemeClr val="accent4">
+              <a:alpha val="50000"/>
+            </a:schemeClr>
+          </a:solidFill>
+          <a:ln>
+            <a:noFill/>
+          </a:ln>
+        </p:spPr>
+        <p:style>
+          <a:lnRef idx="0">
+            <a:scrgbClr r="0" g="0" b="0"/>
+          </a:lnRef>
+          <a:fillRef idx="0">
+            <a:scrgbClr r="0" g="0" b="0"/>
+          </a:fillRef>
+          <a:effectRef idx="0">
+            <a:scrgbClr r="0" g="0" b="0"/>
+          </a:effectRef>
+          <a:fontRef idx="minor">
+            <a:schemeClr val="lt1"/>
+          </a:fontRef>
+        </p:style>
+        <p:txBody>
+          <a:bodyPr rtlCol="0" anchor="ctr"/>
+          <a:lstStyle/>
+          <a:p>
+            <a:pPr algn="ctr"/>
+            <a:r>
+              <a:rPr lang="ja-JP" altLang="en-US" sz="2800" b="1" dirty="0">
+                <a:solidFill>
+                  <a:schemeClr val="bg1"/>
+                </a:solidFill>
+              </a:rPr>
+              <a:t>スライドショー</a:t>
+            </a:r>
+            <a:endParaRPr lang="en-US" altLang="ja-JP" sz="2800" b="1" dirty="0">
+              <a:solidFill>
+                <a:schemeClr val="bg1"/>
+              </a:solidFill>
+            </a:endParaRPr>
+          </a:p>
+          <a:p>
+            <a:pPr algn="ctr"/>
+            <a:r>
+              <a:rPr kumimoji="1" lang="ja-JP" altLang="en-US" sz="2800" b="1" dirty="0">
+                <a:solidFill>
+                  <a:schemeClr val="bg1"/>
+                </a:solidFill>
+              </a:rPr>
+              <a:t>グラフ</a:t>
+            </a:r>
+          </a:p>
+        </p:txBody>
+      </p:sp>
+      <p:sp>
+        <p:nvSpPr>
+          <p:cNvPr id="7" name="吹き出し: 円形 6">
+            <a:extLst>
+              <a:ext uri="{FF2B5EF4-FFF2-40B4-BE49-F238E27FC236}">
+                <a16:creationId xmlns:a16="http://schemas.microsoft.com/office/drawing/2014/main" id="{6AAF0904-1479-4BCD-8997-8289ECBDD9BF}"/>
+              </a:ext>
+            </a:extLst>
+          </p:cNvPr>
+          <p:cNvSpPr/>
+          <p:nvPr/>
+        </p:nvSpPr>
+        <p:spPr>
+          <a:xfrm>
+            <a:off x="104775" y="3710151"/>
+            <a:ext cx="3142922" cy="2479151"/>
+          </a:xfrm>
+          <a:prstGeom prst="wedgeEllipseCallout">
+            <a:avLst>
+              <a:gd name="adj1" fmla="val 58068"/>
+              <a:gd name="adj2" fmla="val 4352"/>
+            </a:avLst>
+          </a:prstGeom>
+          <a:solidFill>
+            <a:schemeClr val="accent4">
+              <a:alpha val="50000"/>
+            </a:schemeClr>
+          </a:solidFill>
+          <a:ln>
+            <a:noFill/>
+          </a:ln>
+        </p:spPr>
+        <p:style>
+          <a:lnRef idx="0">
+            <a:scrgbClr r="0" g="0" b="0"/>
+          </a:lnRef>
+          <a:fillRef idx="0">
+            <a:scrgbClr r="0" g="0" b="0"/>
+          </a:fillRef>
+          <a:effectRef idx="0">
+            <a:scrgbClr r="0" g="0" b="0"/>
+          </a:effectRef>
+          <a:fontRef idx="minor">
+            <a:schemeClr val="lt1"/>
+          </a:fontRef>
+        </p:style>
+        <p:txBody>
+          <a:bodyPr rtlCol="0" anchor="ctr"/>
+          <a:lstStyle/>
+          <a:p>
+            <a:pPr algn="ctr"/>
+            <a:r>
+              <a:rPr lang="ja-JP" altLang="en-US" sz="3200" b="1" dirty="0">
+                <a:solidFill>
+                  <a:schemeClr val="bg1"/>
+                </a:solidFill>
+              </a:rPr>
+              <a:t>匿名掲示板</a:t>
+            </a:r>
+            <a:endParaRPr kumimoji="1" lang="ja-JP" altLang="en-US" sz="3200" b="1" dirty="0">
+              <a:solidFill>
+                <a:schemeClr val="bg1"/>
+              </a:solidFill>
+            </a:endParaRPr>
+          </a:p>
+        </p:txBody>
+      </p:sp>
+      <p:sp>
+        <p:nvSpPr>
+          <p:cNvPr id="9" name="吹き出し: 円形 8">
+            <a:extLst>
+              <a:ext uri="{FF2B5EF4-FFF2-40B4-BE49-F238E27FC236}">
+                <a16:creationId xmlns:a16="http://schemas.microsoft.com/office/drawing/2014/main" id="{D27DC7A7-FD68-4C28-AA6F-87C3EDD4D3FE}"/>
+              </a:ext>
+            </a:extLst>
+          </p:cNvPr>
+          <p:cNvSpPr/>
+          <p:nvPr/>
+        </p:nvSpPr>
+        <p:spPr>
+          <a:xfrm>
+            <a:off x="9197747" y="1714638"/>
+            <a:ext cx="2860903" cy="2571751"/>
+          </a:xfrm>
+          <a:prstGeom prst="wedgeEllipseCallout">
+            <a:avLst>
+              <a:gd name="adj1" fmla="val -58561"/>
+              <a:gd name="adj2" fmla="val 33956"/>
+            </a:avLst>
+          </a:prstGeom>
+          <a:solidFill>
+            <a:schemeClr val="accent4">
+              <a:alpha val="50000"/>
+            </a:schemeClr>
+          </a:solidFill>
+          <a:ln>
+            <a:noFill/>
+          </a:ln>
+        </p:spPr>
+        <p:style>
+          <a:lnRef idx="0">
+            <a:scrgbClr r="0" g="0" b="0"/>
+          </a:lnRef>
+          <a:fillRef idx="0">
+            <a:scrgbClr r="0" g="0" b="0"/>
+          </a:fillRef>
+          <a:effectRef idx="0">
+            <a:scrgbClr r="0" g="0" b="0"/>
+          </a:effectRef>
+          <a:fontRef idx="minor">
+            <a:schemeClr val="lt1"/>
+          </a:fontRef>
+        </p:style>
+        <p:txBody>
+          <a:bodyPr rtlCol="0" anchor="ctr"/>
+          <a:lstStyle/>
+          <a:p>
+            <a:pPr algn="ctr"/>
+            <a:r>
+              <a:rPr kumimoji="1" lang="ja-JP" altLang="en-US" sz="3200" b="1" dirty="0">
+                <a:solidFill>
+                  <a:schemeClr val="bg1"/>
+                </a:solidFill>
+              </a:rPr>
+              <a:t>食事記録</a:t>
+            </a:r>
+          </a:p>
+        </p:txBody>
+      </p:sp>
+      <p:sp>
+        <p:nvSpPr>
+          <p:cNvPr id="10" name="フローチャート: 代替処理 9">
+            <a:extLst>
+              <a:ext uri="{FF2B5EF4-FFF2-40B4-BE49-F238E27FC236}">
+                <a16:creationId xmlns:a16="http://schemas.microsoft.com/office/drawing/2014/main" id="{069484DC-D2BA-41B9-81A7-5FCC9F6C1AC1}"/>
+              </a:ext>
+            </a:extLst>
+          </p:cNvPr>
+          <p:cNvSpPr/>
+          <p:nvPr/>
+        </p:nvSpPr>
+        <p:spPr>
+          <a:xfrm>
+            <a:off x="1117432" y="2090159"/>
+            <a:ext cx="9985710" cy="3239984"/>
+          </a:xfrm>
+          <a:prstGeom prst="flowChartAlternateProcess">
+            <a:avLst/>
+          </a:prstGeom>
+          <a:ln w="57150">
+            <a:solidFill>
+              <a:schemeClr val="accent5">
+                <a:lumMod val="75000"/>
+              </a:schemeClr>
+            </a:solidFill>
+          </a:ln>
+        </p:spPr>
+        <p:style>
+          <a:lnRef idx="2">
+            <a:schemeClr val="accent6"/>
+          </a:lnRef>
+          <a:fillRef idx="1">
+            <a:schemeClr val="lt1"/>
+          </a:fillRef>
+          <a:effectRef idx="0">
+            <a:schemeClr val="accent6"/>
+          </a:effectRef>
+          <a:fontRef idx="minor">
+            <a:schemeClr val="dk1"/>
+          </a:fontRef>
+        </p:style>
+        <p:txBody>
+          <a:bodyPr rtlCol="0" anchor="ctr"/>
+          <a:lstStyle/>
+          <a:p>
+            <a:pPr algn="ctr"/>
+            <a:r>
+              <a:rPr kumimoji="1" lang="ja-JP" altLang="en-US" sz="7200" b="1" dirty="0">
+                <a:solidFill>
+                  <a:schemeClr val="accent5">
+                    <a:lumMod val="75000"/>
+                  </a:schemeClr>
+                </a:solidFill>
+              </a:rPr>
+              <a:t>継続</a:t>
+            </a:r>
+            <a:r>
+              <a:rPr lang="ja-JP" altLang="en-US" sz="7200" b="1" dirty="0">
+                <a:solidFill>
+                  <a:schemeClr val="accent5">
+                    <a:lumMod val="75000"/>
+                  </a:schemeClr>
+                </a:solidFill>
+              </a:rPr>
+              <a:t>できる</a:t>
+            </a:r>
+            <a:endParaRPr kumimoji="1" lang="ja-JP" altLang="en-US" sz="7200" b="1" dirty="0">
+              <a:solidFill>
+                <a:schemeClr val="accent5">
+                  <a:lumMod val="75000"/>
+                </a:schemeClr>
+              </a:solidFill>
+            </a:endParaRPr>
+          </a:p>
+        </p:txBody>
+      </p:sp>
+      <p:pic>
+        <p:nvPicPr>
+          <p:cNvPr id="2" name="パパッ">
+            <a:hlinkClick r:id="" action="ppaction://media"/>
+            <a:extLst>
+              <a:ext uri="{FF2B5EF4-FFF2-40B4-BE49-F238E27FC236}">
+                <a16:creationId xmlns:a16="http://schemas.microsoft.com/office/drawing/2014/main" id="{0D0599C5-78A4-4427-8015-D20D155F00D4}"/>
+              </a:ext>
+            </a:extLst>
+          </p:cNvPr>
+          <p:cNvPicPr>
+            <a:picLocks noChangeAspect="1"/>
+          </p:cNvPicPr>
+          <p:nvPr>
+            <a:audioFile r:link="rId2"/>
+            <p:extLst>
+              <p:ext uri="{DAA4B4D4-6D71-4841-9C94-3DE7FCFB9230}">
+                <p14:media xmlns:p14="http://schemas.microsoft.com/office/powerpoint/2010/main" r:embed="rId1"/>
+              </p:ext>
+            </p:extLst>
+          </p:nvPr>
+        </p:nvPicPr>
+        <p:blipFill>
+          <a:blip r:embed="rId10"/>
+          <a:stretch>
+            <a:fillRect/>
+          </a:stretch>
+        </p:blipFill>
+        <p:spPr>
+          <a:xfrm>
+            <a:off x="5376863" y="-3098801"/>
+            <a:ext cx="1074737" cy="1066801"/>
+          </a:xfrm>
+          <a:prstGeom prst="rect">
+            <a:avLst/>
+          </a:prstGeom>
+        </p:spPr>
+      </p:pic>
+      <p:pic>
+        <p:nvPicPr>
+          <p:cNvPr id="12" name="パパッ">
+            <a:hlinkClick r:id="" action="ppaction://media"/>
+            <a:extLst>
+              <a:ext uri="{FF2B5EF4-FFF2-40B4-BE49-F238E27FC236}">
+                <a16:creationId xmlns:a16="http://schemas.microsoft.com/office/drawing/2014/main" id="{AF6043EF-FDE0-4F36-8053-B40B1D759430}"/>
+              </a:ext>
+            </a:extLst>
+          </p:cNvPr>
+          <p:cNvPicPr>
+            <a:picLocks noChangeAspect="1"/>
+          </p:cNvPicPr>
+          <p:nvPr>
+            <a:audioFile r:link="rId2"/>
+            <p:extLst>
+              <p:ext uri="{DAA4B4D4-6D71-4841-9C94-3DE7FCFB9230}">
+                <p14:media xmlns:p14="http://schemas.microsoft.com/office/powerpoint/2010/main" r:embed="rId1"/>
+              </p:ext>
+            </p:extLst>
+          </p:nvPr>
+        </p:nvPicPr>
+        <p:blipFill>
+          <a:blip r:embed="rId10"/>
+          <a:stretch>
+            <a:fillRect/>
+          </a:stretch>
+        </p:blipFill>
+        <p:spPr>
+          <a:xfrm>
+            <a:off x="5529263" y="-2576749"/>
+            <a:ext cx="1074737" cy="1066801"/>
+          </a:xfrm>
+          <a:prstGeom prst="rect">
+            <a:avLst/>
+          </a:prstGeom>
+        </p:spPr>
+      </p:pic>
+      <p:pic>
+        <p:nvPicPr>
+          <p:cNvPr id="13" name="パパッ">
+            <a:hlinkClick r:id="" action="ppaction://media"/>
+            <a:extLst>
+              <a:ext uri="{FF2B5EF4-FFF2-40B4-BE49-F238E27FC236}">
+                <a16:creationId xmlns:a16="http://schemas.microsoft.com/office/drawing/2014/main" id="{6AEC36F1-9788-45FD-8B46-D8A3662B00AC}"/>
+              </a:ext>
+            </a:extLst>
+          </p:cNvPr>
+          <p:cNvPicPr>
+            <a:picLocks noChangeAspect="1"/>
+          </p:cNvPicPr>
+          <p:nvPr>
+            <a:audioFile r:link="rId2"/>
+            <p:extLst>
+              <p:ext uri="{DAA4B4D4-6D71-4841-9C94-3DE7FCFB9230}">
+                <p14:media xmlns:p14="http://schemas.microsoft.com/office/powerpoint/2010/main" r:embed="rId1"/>
+              </p:ext>
+            </p:extLst>
+          </p:nvPr>
+        </p:nvPicPr>
+        <p:blipFill>
+          <a:blip r:embed="rId10"/>
+          <a:stretch>
+            <a:fillRect/>
+          </a:stretch>
+        </p:blipFill>
+        <p:spPr>
+          <a:xfrm>
+            <a:off x="3510757" y="-2305165"/>
+            <a:ext cx="1074737" cy="1066801"/>
+          </a:xfrm>
+          <a:prstGeom prst="rect">
+            <a:avLst/>
+          </a:prstGeom>
+        </p:spPr>
+      </p:pic>
+    </p:spTree>
+    <p:extLst>
+      <p:ext uri="{BB962C8B-B14F-4D97-AF65-F5344CB8AC3E}">
+        <p14:creationId xmlns:p14="http://schemas.microsoft.com/office/powerpoint/2010/main" val="591628627"/>
+      </p:ext>
+    </p:extLst>
+  </p:cSld>
+  <p:clrMapOvr>
+    <a:masterClrMapping/>
+  </p:clrMapOvr>
+  <mc:AlternateContent xmlns:mc="http://schemas.openxmlformats.org/markup-compatibility/2006" xmlns:p14="http://schemas.microsoft.com/office/powerpoint/2010/main">
+    <mc:Choice Requires="p14">
+      <p:transition spd="med" p14:dur="700">
+        <p:fade/>
+      </p:transition>
+    </mc:Choice>
+    <mc:Fallback xmlns="">
+      <p:transition spd="med">
+        <p:fade/>
+      </p:transition>
+    </mc:Fallback>
+  </mc:AlternateContent>
+  <p:timing>
+    <p:tnLst>
+      <p:par>
+        <p:cTn id="1" dur="indefinite" restart="never" nodeType="tmRoot">
+          <p:childTnLst>
+            <p:seq concurrent="1" nextAc="seek">
+              <p:cTn id="2" dur="indefinite" nodeType="mainSeq">
+                <p:childTnLst>
+                  <p:par>
+                    <p:cTn id="3" fill="hold">
+                      <p:stCondLst>
+                        <p:cond delay="indefinite"/>
+                      </p:stCondLst>
+                      <p:childTnLst>
+                        <p:par>
+                          <p:cTn id="4" fill="hold">
+                            <p:stCondLst>
+                              <p:cond delay="0"/>
+                            </p:stCondLst>
+                            <p:childTnLst>
+                              <p:par>
+                                <p:cTn id="5" presetID="10" presetClass="entr" presetSubtype="0" fill="hold" grpId="0" nodeType="clickEffect">
+                                  <p:stCondLst>
+                                    <p:cond delay="0"/>
+                                  </p:stCondLst>
+                                  <p:childTnLst>
+                                    <p:set>
+                                      <p:cBhvr>
+                                        <p:cTn id="6" dur="1" fill="hold">
+                                          <p:stCondLst>
+                                            <p:cond delay="0"/>
+                                          </p:stCondLst>
+                                        </p:cTn>
+                                        <p:tgtEl>
+                                          <p:spTgt spid="8"/>
+                                        </p:tgtEl>
+                                        <p:attrNameLst>
+                                          <p:attrName>style.visibility</p:attrName>
+                                        </p:attrNameLst>
+                                      </p:cBhvr>
+                                      <p:to>
+                                        <p:strVal val="visible"/>
+                                      </p:to>
+                                    </p:set>
+                                    <p:animEffect transition="in" filter="fade">
+                                      <p:cBhvr>
+                                        <p:cTn id="7" dur="500"/>
+                                        <p:tgtEl>
+                                          <p:spTgt spid="8"/>
+                                        </p:tgtEl>
+                                      </p:cBhvr>
+                                    </p:animEffect>
+                                  </p:childTnLst>
+                                </p:cTn>
+                              </p:par>
+                              <p:par>
+                                <p:cTn id="8" presetID="1" presetClass="mediacall" presetSubtype="0" fill="hold" nodeType="withEffect">
+                                  <p:stCondLst>
+                                    <p:cond delay="0"/>
+                                  </p:stCondLst>
+                                  <p:childTnLst>
+                                    <p:cmd type="call" cmd="playFrom(0.0)">
+                                      <p:cBhvr>
+                                        <p:cTn id="9" dur="914" fill="hold"/>
+                                        <p:tgtEl>
+                                          <p:spTgt spid="2"/>
+                                        </p:tgtEl>
+                                      </p:cBhvr>
+                                    </p:cmd>
+                                  </p:childTnLst>
+                                </p:cTn>
+                              </p:par>
+                            </p:childTnLst>
+                          </p:cTn>
+                        </p:par>
+                      </p:childTnLst>
+                    </p:cTn>
+                  </p:par>
+                  <p:par>
+                    <p:cTn id="10" fill="hold">
+                      <p:stCondLst>
+                        <p:cond delay="indefinite"/>
+                      </p:stCondLst>
+                      <p:childTnLst>
+                        <p:par>
+                          <p:cTn id="11" fill="hold">
+                            <p:stCondLst>
+                              <p:cond delay="0"/>
+                            </p:stCondLst>
+                            <p:childTnLst>
+                              <p:par>
+                                <p:cTn id="12" presetID="10" presetClass="entr" presetSubtype="0" fill="hold" grpId="0" nodeType="clickEffect">
+                                  <p:stCondLst>
+                                    <p:cond delay="0"/>
+                                  </p:stCondLst>
+                                  <p:childTnLst>
+                                    <p:set>
+                                      <p:cBhvr>
+                                        <p:cTn id="13" dur="1" fill="hold">
+                                          <p:stCondLst>
+                                            <p:cond delay="0"/>
+                                          </p:stCondLst>
+                                        </p:cTn>
+                                        <p:tgtEl>
+                                          <p:spTgt spid="9"/>
+                                        </p:tgtEl>
+                                        <p:attrNameLst>
+                                          <p:attrName>style.visibility</p:attrName>
+                                        </p:attrNameLst>
+                                      </p:cBhvr>
+                                      <p:to>
+                                        <p:strVal val="visible"/>
+                                      </p:to>
+                                    </p:set>
+                                    <p:animEffect transition="in" filter="fade">
+                                      <p:cBhvr>
+                                        <p:cTn id="14" dur="500"/>
+                                        <p:tgtEl>
+                                          <p:spTgt spid="9"/>
+                                        </p:tgtEl>
+                                      </p:cBhvr>
+                                    </p:animEffect>
+                                  </p:childTnLst>
+                                </p:cTn>
+                              </p:par>
+                              <p:par>
+                                <p:cTn id="15" presetID="1" presetClass="mediacall" presetSubtype="0" fill="hold" nodeType="withEffect">
+                                  <p:stCondLst>
+                                    <p:cond delay="0"/>
+                                  </p:stCondLst>
+                                  <p:childTnLst>
+                                    <p:cmd type="call" cmd="playFrom(0.0)">
+                                      <p:cBhvr>
+                                        <p:cTn id="16" dur="914" fill="hold"/>
+                                        <p:tgtEl>
+                                          <p:spTgt spid="12"/>
+                                        </p:tgtEl>
+                                      </p:cBhvr>
+                                    </p:cmd>
+                                  </p:childTnLst>
+                                </p:cTn>
+                              </p:par>
+                            </p:childTnLst>
+                          </p:cTn>
+                        </p:par>
+                      </p:childTnLst>
+                    </p:cTn>
+                  </p:par>
+                  <p:par>
+                    <p:cTn id="17" fill="hold">
+                      <p:stCondLst>
+                        <p:cond delay="indefinite"/>
+                      </p:stCondLst>
+                      <p:childTnLst>
+                        <p:par>
+                          <p:cTn id="18" fill="hold">
+                            <p:stCondLst>
+                              <p:cond delay="0"/>
+                            </p:stCondLst>
+                            <p:childTnLst>
+                              <p:par>
+                                <p:cTn id="19" presetID="10" presetClass="entr" presetSubtype="0" fill="hold" grpId="0" nodeType="clickEffect">
+                                  <p:stCondLst>
+                                    <p:cond delay="0"/>
+                                  </p:stCondLst>
+                                  <p:childTnLst>
+                                    <p:set>
+                                      <p:cBhvr>
+                                        <p:cTn id="20" dur="1" fill="hold">
+                                          <p:stCondLst>
+                                            <p:cond delay="0"/>
+                                          </p:stCondLst>
+                                        </p:cTn>
+                                        <p:tgtEl>
+                                          <p:spTgt spid="7"/>
+                                        </p:tgtEl>
+                                        <p:attrNameLst>
+                                          <p:attrName>style.visibility</p:attrName>
+                                        </p:attrNameLst>
+                                      </p:cBhvr>
+                                      <p:to>
+                                        <p:strVal val="visible"/>
+                                      </p:to>
+                                    </p:set>
+                                    <p:animEffect transition="in" filter="fade">
+                                      <p:cBhvr>
+                                        <p:cTn id="21" dur="500"/>
+                                        <p:tgtEl>
+                                          <p:spTgt spid="7"/>
+                                        </p:tgtEl>
+                                      </p:cBhvr>
+                                    </p:animEffect>
+                                  </p:childTnLst>
+                                </p:cTn>
+                              </p:par>
+                              <p:par>
+                                <p:cTn id="22" presetID="1" presetClass="mediacall" presetSubtype="0" fill="hold" nodeType="withEffect">
+                                  <p:stCondLst>
+                                    <p:cond delay="0"/>
+                                  </p:stCondLst>
+                                  <p:childTnLst>
+                                    <p:cmd type="call" cmd="playFrom(0.0)">
+                                      <p:cBhvr>
+                                        <p:cTn id="23" dur="914" fill="hold"/>
+                                        <p:tgtEl>
+                                          <p:spTgt spid="13"/>
+                                        </p:tgtEl>
+                                      </p:cBhvr>
+                                    </p:cmd>
+                                  </p:childTnLst>
+                                </p:cTn>
+                              </p:par>
+                            </p:childTnLst>
+                          </p:cTn>
+                        </p:par>
+                      </p:childTnLst>
+                    </p:cTn>
+                  </p:par>
+                  <p:par>
+                    <p:cTn id="24" fill="hold">
+                      <p:stCondLst>
+                        <p:cond delay="indefinite"/>
+                      </p:stCondLst>
+                      <p:childTnLst>
+                        <p:par>
+                          <p:cTn id="25" fill="hold">
+                            <p:stCondLst>
+                              <p:cond delay="0"/>
+                            </p:stCondLst>
+                            <p:childTnLst>
+                              <p:par>
+                                <p:cTn id="26" presetID="16" presetClass="entr" presetSubtype="21" fill="hold" grpId="0" nodeType="clickEffect">
+                                  <p:stCondLst>
+                                    <p:cond delay="0"/>
+                                  </p:stCondLst>
+                                  <p:childTnLst>
+                                    <p:set>
+                                      <p:cBhvr>
+                                        <p:cTn id="27" dur="1" fill="hold">
+                                          <p:stCondLst>
+                                            <p:cond delay="0"/>
+                                          </p:stCondLst>
+                                        </p:cTn>
+                                        <p:tgtEl>
+                                          <p:spTgt spid="10"/>
+                                        </p:tgtEl>
+                                        <p:attrNameLst>
+                                          <p:attrName>style.visibility</p:attrName>
+                                        </p:attrNameLst>
+                                      </p:cBhvr>
+                                      <p:to>
+                                        <p:strVal val="visible"/>
+                                      </p:to>
+                                    </p:set>
+                                    <p:animEffect transition="in" filter="barn(inVertical)">
+                                      <p:cBhvr>
+                                        <p:cTn id="28" dur="500"/>
+                                        <p:tgtEl>
+                                          <p:spTgt spid="10"/>
+                                        </p:tgtEl>
+                                      </p:cBhvr>
+                                    </p:animEffect>
+                                  </p:childTnLst>
+                                </p:cTn>
+                              </p:par>
+                            </p:childTnLst>
+                          </p:cTn>
+                        </p:par>
+                      </p:childTnLst>
+                    </p:cTn>
+                  </p:par>
+                </p:childTnLst>
+              </p:cTn>
+              <p:prevCondLst>
+                <p:cond evt="onPrev" delay="0">
+                  <p:tgtEl>
+                    <p:sldTgt/>
+                  </p:tgtEl>
+                </p:cond>
+              </p:prevCondLst>
+              <p:nextCondLst>
+                <p:cond evt="onNext" delay="0">
+                  <p:tgtEl>
+                    <p:sldTgt/>
+                  </p:tgtEl>
+                </p:cond>
+              </p:nextCondLst>
+            </p:seq>
+            <p:audio>
+              <p:cMediaNode vol="39796">
+                <p:cTn id="29" fill="hold" display="0">
+                  <p:stCondLst>
+                    <p:cond delay="indefinite"/>
+                  </p:stCondLst>
+                  <p:endCondLst>
+                    <p:cond evt="onStopAudio" delay="0">
+                      <p:tgtEl>
+                        <p:sldTgt/>
+                      </p:tgtEl>
+                    </p:cond>
+                  </p:endCondLst>
+                </p:cTn>
+                <p:tgtEl>
+                  <p:spTgt spid="2"/>
+                </p:tgtEl>
+              </p:cMediaNode>
+            </p:audio>
+            <p:audio>
+              <p:cMediaNode vol="31633">
+                <p:cTn id="30" fill="hold" display="0">
+                  <p:stCondLst>
+                    <p:cond delay="indefinite"/>
+                  </p:stCondLst>
+                  <p:endCondLst>
+                    <p:cond evt="onStopAudio" delay="0">
+                      <p:tgtEl>
+                        <p:sldTgt/>
+                      </p:tgtEl>
+                    </p:cond>
+                  </p:endCondLst>
+                </p:cTn>
+                <p:tgtEl>
+                  <p:spTgt spid="12"/>
+                </p:tgtEl>
+              </p:cMediaNode>
+            </p:audio>
+            <p:audio>
+              <p:cMediaNode vol="39796">
+                <p:cTn id="31" fill="hold" display="0">
+                  <p:stCondLst>
+                    <p:cond delay="indefinite"/>
+                  </p:stCondLst>
+                  <p:endCondLst>
+                    <p:cond evt="onStopAudio" delay="0">
+                      <p:tgtEl>
+                        <p:sldTgt/>
+                      </p:tgtEl>
+                    </p:cond>
+                  </p:endCondLst>
+                </p:cTn>
+                <p:tgtEl>
+                  <p:spTgt spid="13"/>
+                </p:tgtEl>
+              </p:cMediaNode>
+            </p:audio>
+          </p:childTnLst>
+        </p:cTn>
+      </p:par>
+    </p:tnLst>
+    <p:bldLst>
+      <p:bldP spid="8" grpId="0" animBg="1"/>
+      <p:bldP spid="7" grpId="0" animBg="1"/>
+      <p:bldP spid="9" grpId="0" animBg="1"/>
+      <p:bldP spid="10" grpId="0" animBg="1"/>
     </p:bldLst>
   </p:timing>
 </p:sld>

--- a/共有用フォルダー/成果発表.pptx
+++ b/共有用フォルダー/成果発表.pptx
@@ -28,11 +28,11 @@
     <p:sldId id="303" r:id="rId19"/>
     <p:sldId id="302" r:id="rId20"/>
     <p:sldId id="279" r:id="rId21"/>
-    <p:sldId id="285" r:id="rId22"/>
-    <p:sldId id="292" r:id="rId23"/>
-    <p:sldId id="296" r:id="rId24"/>
-    <p:sldId id="298" r:id="rId25"/>
-    <p:sldId id="297" r:id="rId26"/>
+    <p:sldId id="296" r:id="rId22"/>
+    <p:sldId id="304" r:id="rId23"/>
+    <p:sldId id="285" r:id="rId24"/>
+    <p:sldId id="292" r:id="rId25"/>
+    <p:sldId id="305" r:id="rId26"/>
     <p:sldId id="286" r:id="rId27"/>
     <p:sldId id="291" r:id="rId28"/>
     <p:sldId id="293" r:id="rId29"/>
@@ -4839,194 +4839,40 @@
           <a:lstStyle/>
           <a:p>
             <a:r>
-              <a:rPr lang="ja-JP" altLang="en-US" kern="100" dirty="0">
-                <a:latin typeface="+mn-ea"/>
-                <a:cs typeface="Times New Roman" panose="02020603050405020304" pitchFamily="18" charset="0"/>
-              </a:rPr>
-              <a:t>認識合わせ</a:t>
-            </a:r>
-            <a:r>
-              <a:rPr lang="en-US" altLang="ja-JP" kern="100" dirty="0">
-                <a:latin typeface="+mn-ea"/>
-                <a:cs typeface="Times New Roman" panose="02020603050405020304" pitchFamily="18" charset="0"/>
-              </a:rPr>
-              <a:t>	</a:t>
-            </a:r>
-            <a:r>
-              <a:rPr lang="ja-JP" altLang="ja-JP" kern="100" dirty="0">
-                <a:effectLst/>
-                <a:latin typeface="+mn-ea"/>
-                <a:cs typeface="Times New Roman" panose="02020603050405020304" pitchFamily="18" charset="0"/>
-              </a:rPr>
-              <a:t>進捗管理（</a:t>
-            </a:r>
-            <a:r>
-              <a:rPr lang="ja-JP" altLang="en-US" dirty="0"/>
-              <a:t>口頭・ガントチャート</a:t>
-            </a:r>
-            <a:r>
-              <a:rPr lang="ja-JP" altLang="ja-JP" kern="100" dirty="0">
-                <a:effectLst/>
-                <a:latin typeface="+mn-ea"/>
-                <a:cs typeface="Times New Roman" panose="02020603050405020304" pitchFamily="18" charset="0"/>
-              </a:rPr>
-              <a:t>）</a:t>
-            </a:r>
-            <a:r>
-              <a:rPr lang="ja-JP" altLang="en-US" kern="100" dirty="0">
-                <a:effectLst/>
-                <a:latin typeface="+mn-ea"/>
-                <a:cs typeface="Times New Roman" panose="02020603050405020304" pitchFamily="18" charset="0"/>
-              </a:rPr>
-              <a:t>　</a:t>
-            </a:r>
-            <a:endParaRPr lang="en-US" altLang="ja-JP" kern="100" dirty="0">
-              <a:effectLst/>
-              <a:latin typeface="+mn-ea"/>
-              <a:cs typeface="Times New Roman" panose="02020603050405020304" pitchFamily="18" charset="0"/>
-            </a:endParaRPr>
-          </a:p>
-          <a:p>
-            <a:pPr marL="0" indent="0" algn="l">
-              <a:buNone/>
-            </a:pPr>
-            <a:r>
-              <a:rPr lang="en-US" altLang="ja-JP" kern="100" dirty="0">
-                <a:effectLst/>
-                <a:latin typeface="+mn-ea"/>
-                <a:cs typeface="Times New Roman" panose="02020603050405020304" pitchFamily="18" charset="0"/>
-              </a:rPr>
-              <a:t>	</a:t>
-            </a:r>
-            <a:r>
-              <a:rPr lang="ja-JP" altLang="ja-JP" kern="100" dirty="0">
-                <a:effectLst/>
-                <a:latin typeface="+mn-ea"/>
-                <a:cs typeface="Times New Roman" panose="02020603050405020304" pitchFamily="18" charset="0"/>
-              </a:rPr>
-              <a:t>朝にその日に取り組むことを共有</a:t>
-            </a:r>
-            <a:endParaRPr lang="en-US" altLang="ja-JP" kern="100" dirty="0">
-              <a:effectLst/>
-              <a:latin typeface="+mn-ea"/>
-              <a:cs typeface="Times New Roman" panose="02020603050405020304" pitchFamily="18" charset="0"/>
-            </a:endParaRPr>
-          </a:p>
-          <a:p>
-            <a:pPr marL="0" indent="0" algn="l">
-              <a:buNone/>
-            </a:pPr>
-            <a:r>
-              <a:rPr lang="en-US" altLang="ja-JP" kern="100" dirty="0">
-                <a:effectLst/>
-                <a:latin typeface="+mn-ea"/>
-                <a:cs typeface="Times New Roman" panose="02020603050405020304" pitchFamily="18" charset="0"/>
-              </a:rPr>
-              <a:t>	</a:t>
-            </a:r>
-            <a:r>
-              <a:rPr lang="ja-JP" altLang="en-US" kern="100" dirty="0">
-                <a:effectLst/>
-                <a:latin typeface="+mn-ea"/>
-                <a:cs typeface="Times New Roman" panose="02020603050405020304" pitchFamily="18" charset="0"/>
-              </a:rPr>
-              <a:t>終業前に</a:t>
-            </a:r>
-            <a:r>
-              <a:rPr lang="ja-JP" altLang="ja-JP" kern="100" dirty="0">
-                <a:effectLst/>
-                <a:latin typeface="+mn-ea"/>
-                <a:cs typeface="Times New Roman" panose="02020603050405020304" pitchFamily="18" charset="0"/>
-              </a:rPr>
-              <a:t>その日のまとめと翌日に行うことの共有</a:t>
-            </a:r>
-          </a:p>
-          <a:p>
-            <a:pPr algn="l"/>
-            <a:endParaRPr lang="en-US" altLang="ja-JP" kern="100" dirty="0">
-              <a:effectLst/>
-              <a:latin typeface="+mn-ea"/>
-              <a:cs typeface="Times New Roman" panose="02020603050405020304" pitchFamily="18" charset="0"/>
-            </a:endParaRPr>
-          </a:p>
-          <a:p>
-            <a:pPr algn="l"/>
-            <a:r>
-              <a:rPr lang="ja-JP" altLang="en-US" kern="100" dirty="0">
-                <a:effectLst/>
-                <a:latin typeface="+mn-ea"/>
-                <a:cs typeface="Times New Roman" panose="02020603050405020304" pitchFamily="18" charset="0"/>
-              </a:rPr>
-              <a:t>教えあい</a:t>
-            </a:r>
-            <a:r>
-              <a:rPr lang="en-US" altLang="ja-JP" kern="100" dirty="0">
-                <a:effectLst/>
-                <a:latin typeface="+mn-ea"/>
-                <a:cs typeface="Times New Roman" panose="02020603050405020304" pitchFamily="18" charset="0"/>
-              </a:rPr>
-              <a:t>	</a:t>
-            </a:r>
-            <a:r>
-              <a:rPr lang="ja-JP" altLang="ja-JP" kern="100" dirty="0">
-                <a:effectLst/>
-                <a:latin typeface="+mn-ea"/>
-                <a:cs typeface="Times New Roman" panose="02020603050405020304" pitchFamily="18" charset="0"/>
-              </a:rPr>
-              <a:t>チーム作業</a:t>
-            </a:r>
-            <a:r>
-              <a:rPr lang="ja-JP" altLang="en-US" kern="100" dirty="0">
-                <a:effectLst/>
-                <a:latin typeface="+mn-ea"/>
-                <a:cs typeface="Times New Roman" panose="02020603050405020304" pitchFamily="18" charset="0"/>
-              </a:rPr>
-              <a:t>：ブレイクアウトルームに分かれて分担</a:t>
-            </a:r>
-            <a:endParaRPr lang="en-US" altLang="ja-JP" kern="100" dirty="0">
-              <a:effectLst/>
-              <a:latin typeface="+mn-ea"/>
-              <a:cs typeface="Times New Roman" panose="02020603050405020304" pitchFamily="18" charset="0"/>
-            </a:endParaRPr>
-          </a:p>
-          <a:p>
-            <a:pPr marL="0" indent="0" algn="l">
-              <a:buNone/>
-            </a:pPr>
-            <a:r>
-              <a:rPr lang="en-US" altLang="ja-JP" kern="100" dirty="0">
-                <a:latin typeface="+mn-ea"/>
-                <a:cs typeface="Times New Roman" panose="02020603050405020304" pitchFamily="18" charset="0"/>
-              </a:rPr>
-              <a:t>	</a:t>
-            </a:r>
-            <a:r>
-              <a:rPr lang="ja-JP" altLang="en-US" kern="100" dirty="0">
-                <a:latin typeface="+mn-ea"/>
-                <a:cs typeface="Times New Roman" panose="02020603050405020304" pitchFamily="18" charset="0"/>
-              </a:rPr>
-              <a:t>チーム内で勉強会を行い、全体のボトムアップを図った</a:t>
-            </a:r>
-            <a:endParaRPr lang="en-US" altLang="ja-JP" kern="100" dirty="0">
-              <a:latin typeface="+mn-ea"/>
-              <a:cs typeface="Times New Roman" panose="02020603050405020304" pitchFamily="18" charset="0"/>
-            </a:endParaRPr>
-          </a:p>
-          <a:p>
-            <a:pPr marL="0" indent="0" algn="l">
-              <a:buNone/>
-            </a:pPr>
-            <a:endParaRPr lang="en-US" altLang="ja-JP" kern="100" dirty="0">
-              <a:latin typeface="+mn-ea"/>
-              <a:cs typeface="Times New Roman" panose="02020603050405020304" pitchFamily="18" charset="0"/>
-            </a:endParaRPr>
-          </a:p>
-          <a:p>
+              <a:rPr kumimoji="1" lang="en-US" altLang="ja-JP" dirty="0">
+                <a:latin typeface="+mn-ea"/>
+              </a:rPr>
+              <a:t>1</a:t>
+            </a:r>
             <a:r>
               <a:rPr kumimoji="1" lang="ja-JP" altLang="en-US" dirty="0">
                 <a:latin typeface="+mn-ea"/>
               </a:rPr>
-              <a:t>実現したかったこと</a:t>
+              <a:t>日</a:t>
+            </a:r>
+            <a:r>
+              <a:rPr kumimoji="1" lang="en-US" altLang="ja-JP" dirty="0">
+                <a:latin typeface="+mn-ea"/>
+              </a:rPr>
+              <a:t>1</a:t>
+            </a:r>
+            <a:r>
+              <a:rPr kumimoji="1" lang="ja-JP" altLang="en-US" dirty="0">
+                <a:latin typeface="+mn-ea"/>
+              </a:rPr>
+              <a:t>回の登録で</a:t>
+            </a:r>
+            <a:r>
+              <a:rPr kumimoji="1" lang="en-US" altLang="ja-JP" dirty="0">
+                <a:latin typeface="+mn-ea"/>
+              </a:rPr>
+              <a:t>1</a:t>
+            </a:r>
+            <a:r>
+              <a:rPr kumimoji="1" lang="ja-JP" altLang="en-US" dirty="0">
+                <a:latin typeface="+mn-ea"/>
+              </a:rPr>
+              <a:t>ポイント増加する</a:t>
             </a:r>
             <a:endParaRPr kumimoji="1" lang="en-US" altLang="ja-JP" dirty="0">
               <a:latin typeface="+mn-ea"/>
@@ -5040,54 +4886,463 @@
               <a:rPr kumimoji="1" lang="en-US" altLang="ja-JP" dirty="0">
                 <a:latin typeface="+mn-ea"/>
               </a:rPr>
-              <a:t>―</a:t>
+              <a:t>AM3:00</a:t>
             </a:r>
             <a:r>
               <a:rPr kumimoji="1" lang="ja-JP" altLang="en-US" dirty="0">
                 <a:latin typeface="+mn-ea"/>
               </a:rPr>
-              <a:t>掲示板にいいね機能</a:t>
+              <a:t>の更新時にランクアップが行われる</a:t>
+            </a:r>
+          </a:p>
+          <a:p>
+            <a:r>
+              <a:rPr kumimoji="1" lang="en-US" altLang="ja-JP" dirty="0">
+                <a:latin typeface="+mn-ea"/>
+              </a:rPr>
+              <a:t>AM3:00</a:t>
+            </a:r>
+            <a:r>
+              <a:rPr kumimoji="1" lang="ja-JP" altLang="en-US" dirty="0">
+                <a:latin typeface="+mn-ea"/>
+              </a:rPr>
+              <a:t>までに登録しなければ</a:t>
+            </a:r>
+            <a:r>
+              <a:rPr kumimoji="1" lang="en-US" altLang="ja-JP" dirty="0">
+                <a:latin typeface="+mn-ea"/>
+              </a:rPr>
+              <a:t>3</a:t>
+            </a:r>
+            <a:r>
+              <a:rPr kumimoji="1" lang="ja-JP" altLang="en-US" dirty="0">
+                <a:latin typeface="+mn-ea"/>
+              </a:rPr>
+              <a:t>ポイント減少する</a:t>
             </a:r>
             <a:endParaRPr kumimoji="1" lang="en-US" altLang="ja-JP" dirty="0">
               <a:latin typeface="+mn-ea"/>
             </a:endParaRPr>
           </a:p>
           <a:p>
-            <a:pPr marL="0" indent="0">
-              <a:buNone/>
-            </a:pPr>
-            <a:r>
-              <a:rPr lang="en-US" altLang="ja-JP" dirty="0">
-                <a:latin typeface="+mn-ea"/>
-              </a:rPr>
-              <a:t>―</a:t>
-            </a:r>
-            <a:r>
-              <a:rPr kumimoji="1" lang="ja-JP" altLang="en-US" dirty="0">
-                <a:latin typeface="+mn-ea"/>
-              </a:rPr>
-              <a:t>運動した日にスタンプ表示</a:t>
-            </a:r>
-            <a:endParaRPr kumimoji="1" lang="en-US" altLang="ja-JP" dirty="0">
+            <a:r>
+              <a:rPr lang="ja-JP" altLang="en-US" b="0" i="0" u="none" strike="noStrike" dirty="0">
+                <a:solidFill>
+                  <a:srgbClr val="000000"/>
+                </a:solidFill>
+                <a:effectLst/>
+                <a:latin typeface="+mn-ea"/>
+              </a:rPr>
+              <a:t>ランクごとに称号を付与する</a:t>
+            </a:r>
+            <a:r>
+              <a:rPr lang="en-US" altLang="ja-JP" b="0" i="0" u="none" strike="noStrike" dirty="0">
+                <a:solidFill>
+                  <a:srgbClr val="000000"/>
+                </a:solidFill>
+                <a:effectLst/>
+                <a:latin typeface="+mn-ea"/>
+              </a:rPr>
+              <a:t>(6</a:t>
+            </a:r>
+            <a:r>
+              <a:rPr lang="ja-JP" altLang="en-US" b="0" i="0" u="none" strike="noStrike" dirty="0">
+                <a:solidFill>
+                  <a:srgbClr val="000000"/>
+                </a:solidFill>
+                <a:effectLst/>
+                <a:latin typeface="+mn-ea"/>
+              </a:rPr>
+              <a:t>段階</a:t>
+            </a:r>
+            <a:r>
+              <a:rPr lang="en-US" altLang="ja-JP" b="0" i="0" u="none" strike="noStrike" dirty="0">
+                <a:solidFill>
+                  <a:srgbClr val="000000"/>
+                </a:solidFill>
+                <a:effectLst/>
+                <a:latin typeface="+mn-ea"/>
+              </a:rPr>
+              <a:t>)</a:t>
+            </a:r>
+            <a:br>
+              <a:rPr lang="en-US" altLang="ja-JP" b="0" i="0" u="none" strike="noStrike" dirty="0">
+                <a:solidFill>
+                  <a:srgbClr val="000000"/>
+                </a:solidFill>
+                <a:effectLst/>
+                <a:latin typeface="+mn-ea"/>
+              </a:rPr>
+            </a:br>
+            <a:r>
+              <a:rPr lang="en-US" altLang="ja-JP" b="0" i="0" u="none" strike="noStrike" dirty="0">
+                <a:solidFill>
+                  <a:srgbClr val="000000"/>
+                </a:solidFill>
+                <a:effectLst/>
+                <a:latin typeface="+mn-ea"/>
+              </a:rPr>
+              <a:t>3</a:t>
+            </a:r>
+            <a:r>
+              <a:rPr lang="ja-JP" altLang="en-US" b="0" i="0" u="none" strike="noStrike" dirty="0">
+                <a:solidFill>
+                  <a:srgbClr val="000000"/>
+                </a:solidFill>
+                <a:effectLst/>
+                <a:latin typeface="+mn-ea"/>
+              </a:rPr>
+              <a:t>か月</a:t>
+            </a:r>
+            <a:r>
+              <a:rPr lang="en-US" altLang="ja-JP" b="0" i="0" u="none" strike="noStrike" dirty="0">
+                <a:solidFill>
+                  <a:srgbClr val="000000"/>
+                </a:solidFill>
+                <a:effectLst/>
+                <a:latin typeface="+mn-ea"/>
+              </a:rPr>
+              <a:t>(90</a:t>
+            </a:r>
+            <a:r>
+              <a:rPr lang="ja-JP" altLang="en-US" b="0" i="0" u="none" strike="noStrike" dirty="0">
+                <a:solidFill>
+                  <a:srgbClr val="000000"/>
+                </a:solidFill>
+                <a:effectLst/>
+                <a:latin typeface="+mn-ea"/>
+              </a:rPr>
+              <a:t>日</a:t>
+            </a:r>
+            <a:r>
+              <a:rPr lang="en-US" altLang="ja-JP" b="0" i="0" u="none" strike="noStrike" dirty="0">
+                <a:solidFill>
+                  <a:srgbClr val="000000"/>
+                </a:solidFill>
+                <a:effectLst/>
+                <a:latin typeface="+mn-ea"/>
+              </a:rPr>
+              <a:t>)</a:t>
+            </a:r>
+            <a:br>
+              <a:rPr lang="en-US" altLang="ja-JP" b="0" i="0" u="none" strike="noStrike" dirty="0">
+                <a:solidFill>
+                  <a:srgbClr val="000000"/>
+                </a:solidFill>
+                <a:effectLst/>
+                <a:latin typeface="+mn-ea"/>
+              </a:rPr>
+            </a:br>
+            <a:r>
+              <a:rPr lang="ja-JP" altLang="en-US" b="0" i="0" u="none" strike="noStrike" dirty="0">
+                <a:solidFill>
+                  <a:srgbClr val="000000"/>
+                </a:solidFill>
+                <a:effectLst/>
+                <a:latin typeface="+mn-ea"/>
+              </a:rPr>
+              <a:t>「怠惰</a:t>
+            </a:r>
+            <a:r>
+              <a:rPr lang="en-US" altLang="ja-JP" b="0" i="0" u="none" strike="noStrike" dirty="0">
+                <a:solidFill>
+                  <a:srgbClr val="000000"/>
+                </a:solidFill>
+                <a:effectLst/>
+                <a:latin typeface="+mn-ea"/>
+              </a:rPr>
+              <a:t>(0</a:t>
+            </a:r>
+            <a:r>
+              <a:rPr lang="ja-JP" altLang="en-US" b="0" i="0" u="none" strike="noStrike" dirty="0">
+                <a:solidFill>
+                  <a:srgbClr val="000000"/>
+                </a:solidFill>
+                <a:effectLst/>
+                <a:latin typeface="+mn-ea"/>
+              </a:rPr>
+              <a:t>ポイント</a:t>
+            </a:r>
+            <a:r>
+              <a:rPr lang="en-US" altLang="ja-JP" b="0" i="0" u="none" strike="noStrike" dirty="0">
+                <a:solidFill>
+                  <a:srgbClr val="000000"/>
+                </a:solidFill>
+                <a:effectLst/>
+                <a:latin typeface="+mn-ea"/>
+              </a:rPr>
+              <a:t>)</a:t>
+            </a:r>
+            <a:r>
+              <a:rPr lang="ja-JP" altLang="en-US" b="0" i="0" u="none" strike="noStrike" dirty="0">
+                <a:solidFill>
+                  <a:srgbClr val="000000"/>
+                </a:solidFill>
+                <a:effectLst/>
+                <a:latin typeface="+mn-ea"/>
+              </a:rPr>
+              <a:t>、怠け者</a:t>
+            </a:r>
+            <a:r>
+              <a:rPr lang="en-US" altLang="ja-JP" b="0" i="0" u="none" strike="noStrike" dirty="0">
+                <a:solidFill>
+                  <a:srgbClr val="000000"/>
+                </a:solidFill>
+                <a:effectLst/>
+                <a:latin typeface="+mn-ea"/>
+              </a:rPr>
+              <a:t>(4</a:t>
+            </a:r>
+            <a:r>
+              <a:rPr lang="ja-JP" altLang="en-US" b="0" i="0" u="none" strike="noStrike" dirty="0">
+                <a:solidFill>
+                  <a:srgbClr val="000000"/>
+                </a:solidFill>
+                <a:effectLst/>
+                <a:latin typeface="+mn-ea"/>
+              </a:rPr>
+              <a:t>ポイント</a:t>
+            </a:r>
+            <a:r>
+              <a:rPr lang="en-US" altLang="ja-JP" b="0" i="0" u="none" strike="noStrike" dirty="0">
+                <a:solidFill>
+                  <a:srgbClr val="000000"/>
+                </a:solidFill>
+                <a:effectLst/>
+                <a:latin typeface="+mn-ea"/>
+              </a:rPr>
+              <a:t>)</a:t>
+            </a:r>
+            <a:r>
+              <a:rPr lang="ja-JP" altLang="en-US" b="0" i="0" u="none" strike="noStrike" dirty="0">
+                <a:solidFill>
+                  <a:srgbClr val="000000"/>
+                </a:solidFill>
+                <a:effectLst/>
+                <a:latin typeface="+mn-ea"/>
+              </a:rPr>
+              <a:t>、一般人</a:t>
+            </a:r>
+            <a:r>
+              <a:rPr lang="en-US" altLang="ja-JP" b="0" i="0" u="none" strike="noStrike" dirty="0">
+                <a:solidFill>
+                  <a:srgbClr val="000000"/>
+                </a:solidFill>
+                <a:effectLst/>
+                <a:latin typeface="+mn-ea"/>
+              </a:rPr>
+              <a:t>(14</a:t>
+            </a:r>
+            <a:r>
+              <a:rPr lang="ja-JP" altLang="en-US" b="0" i="0" u="none" strike="noStrike" dirty="0">
+                <a:solidFill>
+                  <a:srgbClr val="000000"/>
+                </a:solidFill>
+                <a:effectLst/>
+                <a:latin typeface="+mn-ea"/>
+              </a:rPr>
+              <a:t>ポイント</a:t>
+            </a:r>
+            <a:r>
+              <a:rPr lang="en-US" altLang="ja-JP" b="0" i="0" u="none" strike="noStrike" dirty="0">
+                <a:solidFill>
+                  <a:srgbClr val="000000"/>
+                </a:solidFill>
+                <a:effectLst/>
+                <a:latin typeface="+mn-ea"/>
+              </a:rPr>
+              <a:t>)</a:t>
+            </a:r>
+            <a:r>
+              <a:rPr lang="ja-JP" altLang="en-US" b="0" i="0" u="none" strike="noStrike" dirty="0">
+                <a:solidFill>
+                  <a:srgbClr val="000000"/>
+                </a:solidFill>
+                <a:effectLst/>
+                <a:latin typeface="+mn-ea"/>
+              </a:rPr>
+              <a:t>、エリート</a:t>
+            </a:r>
+            <a:r>
+              <a:rPr lang="en-US" altLang="ja-JP" b="0" i="0" u="none" strike="noStrike" dirty="0">
+                <a:solidFill>
+                  <a:srgbClr val="000000"/>
+                </a:solidFill>
+                <a:effectLst/>
+                <a:latin typeface="+mn-ea"/>
+              </a:rPr>
+              <a:t>(28</a:t>
+            </a:r>
+            <a:r>
+              <a:rPr lang="ja-JP" altLang="en-US" b="0" i="0" u="none" strike="noStrike" dirty="0">
+                <a:solidFill>
+                  <a:srgbClr val="000000"/>
+                </a:solidFill>
+                <a:effectLst/>
+                <a:latin typeface="+mn-ea"/>
+              </a:rPr>
+              <a:t>ポイント</a:t>
+            </a:r>
+            <a:r>
+              <a:rPr lang="en-US" altLang="ja-JP" b="0" i="0" u="none" strike="noStrike" dirty="0">
+                <a:solidFill>
+                  <a:srgbClr val="000000"/>
+                </a:solidFill>
+                <a:effectLst/>
+                <a:latin typeface="+mn-ea"/>
+              </a:rPr>
+              <a:t>)</a:t>
+            </a:r>
+            <a:r>
+              <a:rPr lang="ja-JP" altLang="en-US" b="0" i="0" u="none" strike="noStrike" dirty="0">
+                <a:solidFill>
+                  <a:srgbClr val="000000"/>
+                </a:solidFill>
+                <a:effectLst/>
+                <a:latin typeface="+mn-ea"/>
+              </a:rPr>
+              <a:t>、プロ</a:t>
+            </a:r>
+            <a:r>
+              <a:rPr lang="en-US" altLang="ja-JP" b="0" i="0" u="none" strike="noStrike" dirty="0">
+                <a:solidFill>
+                  <a:srgbClr val="000000"/>
+                </a:solidFill>
+                <a:effectLst/>
+                <a:latin typeface="+mn-ea"/>
+              </a:rPr>
+              <a:t>(56</a:t>
+            </a:r>
+            <a:r>
+              <a:rPr lang="ja-JP" altLang="en-US" b="0" i="0" u="none" strike="noStrike" dirty="0">
+                <a:solidFill>
+                  <a:srgbClr val="000000"/>
+                </a:solidFill>
+                <a:effectLst/>
+                <a:latin typeface="+mn-ea"/>
+              </a:rPr>
+              <a:t>ポイント</a:t>
+            </a:r>
+            <a:r>
+              <a:rPr lang="en-US" altLang="ja-JP" b="0" i="0" u="none" strike="noStrike" dirty="0">
+                <a:solidFill>
+                  <a:srgbClr val="000000"/>
+                </a:solidFill>
+                <a:effectLst/>
+                <a:latin typeface="+mn-ea"/>
+              </a:rPr>
+              <a:t>)</a:t>
+            </a:r>
+            <a:r>
+              <a:rPr lang="ja-JP" altLang="en-US" b="0" i="0" u="none" strike="noStrike" dirty="0">
+                <a:solidFill>
+                  <a:srgbClr val="000000"/>
+                </a:solidFill>
+                <a:effectLst/>
+                <a:latin typeface="+mn-ea"/>
+              </a:rPr>
+              <a:t>、レジェンド</a:t>
+            </a:r>
+            <a:r>
+              <a:rPr lang="en-US" altLang="ja-JP" b="0" i="0" u="none" strike="noStrike" dirty="0">
+                <a:solidFill>
+                  <a:srgbClr val="000000"/>
+                </a:solidFill>
+                <a:effectLst/>
+                <a:latin typeface="+mn-ea"/>
+              </a:rPr>
+              <a:t>(85</a:t>
+            </a:r>
+            <a:r>
+              <a:rPr lang="ja-JP" altLang="en-US" b="0" i="0" u="none" strike="noStrike" dirty="0">
+                <a:solidFill>
+                  <a:srgbClr val="000000"/>
+                </a:solidFill>
+                <a:effectLst/>
+                <a:latin typeface="+mn-ea"/>
+              </a:rPr>
+              <a:t>ポイント</a:t>
+            </a:r>
+            <a:r>
+              <a:rPr lang="en-US" altLang="ja-JP" b="0" i="0" u="none" strike="noStrike" dirty="0">
+                <a:solidFill>
+                  <a:srgbClr val="000000"/>
+                </a:solidFill>
+                <a:effectLst/>
+                <a:latin typeface="+mn-ea"/>
+              </a:rPr>
+              <a:t>)</a:t>
+            </a:r>
+            <a:r>
+              <a:rPr lang="ja-JP" altLang="en-US" b="0" i="0" u="none" strike="noStrike" dirty="0">
+                <a:solidFill>
+                  <a:srgbClr val="000000"/>
+                </a:solidFill>
+                <a:effectLst/>
+                <a:latin typeface="+mn-ea"/>
+              </a:rPr>
+              <a:t>」</a:t>
+            </a:r>
+            <a:r>
+              <a:rPr lang="ja-JP" altLang="en-US" dirty="0">
+                <a:latin typeface="+mn-ea"/>
+              </a:rPr>
+              <a:t> </a:t>
+            </a:r>
+            <a:endParaRPr lang="en-US" altLang="ja-JP" dirty="0">
               <a:latin typeface="+mn-ea"/>
             </a:endParaRPr>
           </a:p>
           <a:p>
-            <a:pPr marL="0" indent="0">
-              <a:buNone/>
-            </a:pPr>
-            <a:r>
-              <a:rPr lang="en-US" altLang="ja-JP" dirty="0">
-                <a:latin typeface="+mn-ea"/>
-              </a:rPr>
-              <a:t>―</a:t>
+            <a:r>
+              <a:rPr lang="en-US" altLang="ja-JP" b="0" i="0" u="none" strike="noStrike" dirty="0">
+                <a:solidFill>
+                  <a:srgbClr val="000000"/>
+                </a:solidFill>
+                <a:effectLst/>
+                <a:latin typeface="+mn-ea"/>
+              </a:rPr>
+              <a:t>1</a:t>
+            </a:r>
+            <a:r>
+              <a:rPr lang="ja-JP" altLang="en-US" b="0" i="0" u="none" strike="noStrike" dirty="0">
+                <a:solidFill>
+                  <a:srgbClr val="000000"/>
+                </a:solidFill>
+                <a:effectLst/>
+                <a:latin typeface="+mn-ea"/>
+              </a:rPr>
+              <a:t>日の</a:t>
+            </a:r>
+            <a:r>
+              <a:rPr lang="en-US" altLang="ja-JP" b="0" i="0" u="none" strike="noStrike" dirty="0">
+                <a:solidFill>
+                  <a:srgbClr val="000000"/>
+                </a:solidFill>
+                <a:effectLst/>
+                <a:latin typeface="+mn-ea"/>
+              </a:rPr>
+              <a:t>AM3:00</a:t>
+            </a:r>
+            <a:r>
+              <a:rPr lang="ja-JP" altLang="en-US" b="0" i="0" u="none" strike="noStrike" dirty="0">
+                <a:solidFill>
+                  <a:srgbClr val="000000"/>
+                </a:solidFill>
+                <a:effectLst/>
+                <a:latin typeface="+mn-ea"/>
+              </a:rPr>
+              <a:t>に一番下のランクにリセットする</a:t>
             </a:r>
             <a:r>
               <a:rPr lang="ja-JP" altLang="en-US" dirty="0">
                 <a:latin typeface="+mn-ea"/>
               </a:rPr>
-              <a:t>コラ画像</a:t>
-            </a:r>
+              <a:t> </a:t>
+            </a:r>
+            <a:endParaRPr kumimoji="1" lang="ja-JP" altLang="en-US" dirty="0">
+              <a:latin typeface="+mn-ea"/>
+            </a:endParaRPr>
           </a:p>
         </p:txBody>
       </p:sp>
@@ -5108,7 +5363,7 @@
           <a:p>
             <a:fld id="{C59D74C6-9C2E-47F2-9943-FD41646989DE}" type="slidenum">
               <a:rPr kumimoji="1" lang="ja-JP" altLang="en-US" smtClean="0"/>
-              <a:t>22</a:t>
+              <a:t>21</a:t>
             </a:fld>
             <a:endParaRPr kumimoji="1" lang="ja-JP" altLang="en-US"/>
           </a:p>
@@ -5117,7 +5372,7 @@
     </p:spTree>
     <p:extLst>
       <p:ext uri="{BB962C8B-B14F-4D97-AF65-F5344CB8AC3E}">
-        <p14:creationId xmlns:p14="http://schemas.microsoft.com/office/powerpoint/2010/main" val="3734896416"/>
+        <p14:creationId xmlns:p14="http://schemas.microsoft.com/office/powerpoint/2010/main" val="1983420909"/>
       </p:ext>
     </p:extLst>
   </p:cSld>
@@ -5255,7 +5510,38 @@
           <a:bodyPr/>
           <a:lstStyle/>
           <a:p>
-            <a:endParaRPr kumimoji="1" lang="ja-JP" altLang="en-US" dirty="0"/>
+            <a:pPr marL="0" indent="0">
+              <a:buNone/>
+            </a:pPr>
+            <a:r>
+              <a:rPr lang="ja-JP" altLang="en-US" dirty="0">
+                <a:latin typeface="+mn-ea"/>
+              </a:rPr>
+              <a:t>時間による処理が難しかった</a:t>
+            </a:r>
+            <a:endParaRPr lang="en-US" altLang="ja-JP" dirty="0">
+              <a:latin typeface="+mn-ea"/>
+            </a:endParaRPr>
+          </a:p>
+          <a:p>
+            <a:pPr marL="0" indent="0">
+              <a:buNone/>
+            </a:pPr>
+            <a:r>
+              <a:rPr lang="ja-JP" altLang="en-US" dirty="0">
+                <a:latin typeface="+mn-ea"/>
+              </a:rPr>
+              <a:t>ランク制度以外の機能に時間がかかった</a:t>
+            </a:r>
+            <a:r>
+              <a:rPr kumimoji="1" lang="ja-JP" altLang="en-US" dirty="0">
+                <a:latin typeface="+mn-ea"/>
+              </a:rPr>
+              <a:t>ー人員不足</a:t>
+            </a:r>
+            <a:endParaRPr lang="en-US" altLang="ja-JP" dirty="0">
+              <a:latin typeface="+mn-ea"/>
+            </a:endParaRPr>
           </a:p>
         </p:txBody>
       </p:sp>
@@ -5276,7 +5562,7 @@
           <a:p>
             <a:fld id="{C59D74C6-9C2E-47F2-9943-FD41646989DE}" type="slidenum">
               <a:rPr kumimoji="1" lang="ja-JP" altLang="en-US" smtClean="0"/>
-              <a:t>23</a:t>
+              <a:t>22</a:t>
             </a:fld>
             <a:endParaRPr kumimoji="1" lang="ja-JP" altLang="en-US"/>
           </a:p>
@@ -5285,7 +5571,7 @@
     </p:spTree>
     <p:extLst>
       <p:ext uri="{BB962C8B-B14F-4D97-AF65-F5344CB8AC3E}">
-        <p14:creationId xmlns:p14="http://schemas.microsoft.com/office/powerpoint/2010/main" val="1983420909"/>
+        <p14:creationId xmlns:p14="http://schemas.microsoft.com/office/powerpoint/2010/main" val="2422432370"/>
       </p:ext>
     </p:extLst>
   </p:cSld>
@@ -5339,32 +5625,215 @@
           <a:bodyPr/>
           <a:lstStyle/>
           <a:p>
+            <a:r>
+              <a:rPr lang="ja-JP" altLang="en-US" kern="100" dirty="0">
+                <a:latin typeface="+mn-ea"/>
+                <a:cs typeface="Times New Roman" panose="02020603050405020304" pitchFamily="18" charset="0"/>
+              </a:rPr>
+              <a:t>認識合わせ</a:t>
+            </a:r>
+            <a:r>
+              <a:rPr lang="en-US" altLang="ja-JP" kern="100" dirty="0">
+                <a:latin typeface="+mn-ea"/>
+                <a:cs typeface="Times New Roman" panose="02020603050405020304" pitchFamily="18" charset="0"/>
+              </a:rPr>
+              <a:t>	</a:t>
+            </a:r>
+            <a:r>
+              <a:rPr lang="ja-JP" altLang="ja-JP" kern="100" dirty="0">
+                <a:effectLst/>
+                <a:latin typeface="+mn-ea"/>
+                <a:cs typeface="Times New Roman" panose="02020603050405020304" pitchFamily="18" charset="0"/>
+              </a:rPr>
+              <a:t>進捗管理（</a:t>
+            </a:r>
+            <a:r>
+              <a:rPr lang="ja-JP" altLang="en-US" dirty="0"/>
+              <a:t>口頭・ガントチャート</a:t>
+            </a:r>
+            <a:r>
+              <a:rPr lang="ja-JP" altLang="ja-JP" kern="100" dirty="0">
+                <a:effectLst/>
+                <a:latin typeface="+mn-ea"/>
+                <a:cs typeface="Times New Roman" panose="02020603050405020304" pitchFamily="18" charset="0"/>
+              </a:rPr>
+              <a:t>）</a:t>
+            </a:r>
+            <a:r>
+              <a:rPr lang="ja-JP" altLang="en-US" kern="100" dirty="0">
+                <a:effectLst/>
+                <a:latin typeface="+mn-ea"/>
+                <a:cs typeface="Times New Roman" panose="02020603050405020304" pitchFamily="18" charset="0"/>
+              </a:rPr>
+              <a:t>　</a:t>
+            </a:r>
+            <a:endParaRPr lang="en-US" altLang="ja-JP" kern="100" dirty="0">
+              <a:effectLst/>
+              <a:latin typeface="+mn-ea"/>
+              <a:cs typeface="Times New Roman" panose="02020603050405020304" pitchFamily="18" charset="0"/>
+            </a:endParaRPr>
+          </a:p>
+          <a:p>
+            <a:pPr marL="0" indent="0" algn="l">
+              <a:buNone/>
+            </a:pPr>
+            <a:r>
+              <a:rPr lang="en-US" altLang="ja-JP" kern="100" dirty="0">
+                <a:effectLst/>
+                <a:latin typeface="+mn-ea"/>
+                <a:cs typeface="Times New Roman" panose="02020603050405020304" pitchFamily="18" charset="0"/>
+              </a:rPr>
+              <a:t>	</a:t>
+            </a:r>
+            <a:r>
+              <a:rPr lang="ja-JP" altLang="ja-JP" kern="100" dirty="0">
+                <a:effectLst/>
+                <a:latin typeface="+mn-ea"/>
+                <a:cs typeface="Times New Roman" panose="02020603050405020304" pitchFamily="18" charset="0"/>
+              </a:rPr>
+              <a:t>朝にその日に取り組むことを共有</a:t>
+            </a:r>
+            <a:endParaRPr lang="en-US" altLang="ja-JP" kern="100" dirty="0">
+              <a:effectLst/>
+              <a:latin typeface="+mn-ea"/>
+              <a:cs typeface="Times New Roman" panose="02020603050405020304" pitchFamily="18" charset="0"/>
+            </a:endParaRPr>
+          </a:p>
+          <a:p>
+            <a:pPr marL="0" indent="0" algn="l">
+              <a:buNone/>
+            </a:pPr>
+            <a:r>
+              <a:rPr lang="en-US" altLang="ja-JP" kern="100" dirty="0">
+                <a:effectLst/>
+                <a:latin typeface="+mn-ea"/>
+                <a:cs typeface="Times New Roman" panose="02020603050405020304" pitchFamily="18" charset="0"/>
+              </a:rPr>
+              <a:t>	</a:t>
+            </a:r>
+            <a:r>
+              <a:rPr lang="ja-JP" altLang="en-US" kern="100" dirty="0">
+                <a:effectLst/>
+                <a:latin typeface="+mn-ea"/>
+                <a:cs typeface="Times New Roman" panose="02020603050405020304" pitchFamily="18" charset="0"/>
+              </a:rPr>
+              <a:t>終業前に</a:t>
+            </a:r>
+            <a:r>
+              <a:rPr lang="ja-JP" altLang="ja-JP" kern="100" dirty="0">
+                <a:effectLst/>
+                <a:latin typeface="+mn-ea"/>
+                <a:cs typeface="Times New Roman" panose="02020603050405020304" pitchFamily="18" charset="0"/>
+              </a:rPr>
+              <a:t>その日のまとめと翌日に行うことの共有</a:t>
+            </a:r>
+          </a:p>
+          <a:p>
+            <a:pPr algn="l"/>
+            <a:endParaRPr lang="en-US" altLang="ja-JP" kern="100" dirty="0">
+              <a:effectLst/>
+              <a:latin typeface="+mn-ea"/>
+              <a:cs typeface="Times New Roman" panose="02020603050405020304" pitchFamily="18" charset="0"/>
+            </a:endParaRPr>
+          </a:p>
+          <a:p>
+            <a:pPr algn="l"/>
+            <a:r>
+              <a:rPr lang="ja-JP" altLang="en-US" kern="100" dirty="0">
+                <a:effectLst/>
+                <a:latin typeface="+mn-ea"/>
+                <a:cs typeface="Times New Roman" panose="02020603050405020304" pitchFamily="18" charset="0"/>
+              </a:rPr>
+              <a:t>教えあい</a:t>
+            </a:r>
+            <a:r>
+              <a:rPr lang="en-US" altLang="ja-JP" kern="100" dirty="0">
+                <a:effectLst/>
+                <a:latin typeface="+mn-ea"/>
+                <a:cs typeface="Times New Roman" panose="02020603050405020304" pitchFamily="18" charset="0"/>
+              </a:rPr>
+              <a:t>	</a:t>
+            </a:r>
+            <a:r>
+              <a:rPr lang="ja-JP" altLang="ja-JP" kern="100" dirty="0">
+                <a:effectLst/>
+                <a:latin typeface="+mn-ea"/>
+                <a:cs typeface="Times New Roman" panose="02020603050405020304" pitchFamily="18" charset="0"/>
+              </a:rPr>
+              <a:t>チーム作業</a:t>
+            </a:r>
+            <a:r>
+              <a:rPr lang="ja-JP" altLang="en-US" kern="100" dirty="0">
+                <a:effectLst/>
+                <a:latin typeface="+mn-ea"/>
+                <a:cs typeface="Times New Roman" panose="02020603050405020304" pitchFamily="18" charset="0"/>
+              </a:rPr>
+              <a:t>：ブレイクアウトルームに分かれて分担</a:t>
+            </a:r>
+            <a:endParaRPr lang="en-US" altLang="ja-JP" kern="100" dirty="0">
+              <a:effectLst/>
+              <a:latin typeface="+mn-ea"/>
+              <a:cs typeface="Times New Roman" panose="02020603050405020304" pitchFamily="18" charset="0"/>
+            </a:endParaRPr>
+          </a:p>
+          <a:p>
+            <a:pPr marL="0" indent="0" algn="l">
+              <a:buNone/>
+            </a:pPr>
+            <a:r>
+              <a:rPr lang="en-US" altLang="ja-JP" kern="100" dirty="0">
+                <a:latin typeface="+mn-ea"/>
+                <a:cs typeface="Times New Roman" panose="02020603050405020304" pitchFamily="18" charset="0"/>
+              </a:rPr>
+              <a:t>	</a:t>
+            </a:r>
+            <a:r>
+              <a:rPr lang="ja-JP" altLang="en-US" kern="100" dirty="0">
+                <a:latin typeface="+mn-ea"/>
+                <a:cs typeface="Times New Roman" panose="02020603050405020304" pitchFamily="18" charset="0"/>
+              </a:rPr>
+              <a:t>チーム内で勉強会を行い、全体のボトムアップを図った</a:t>
+            </a:r>
+            <a:endParaRPr lang="en-US" altLang="ja-JP" kern="100" dirty="0">
+              <a:latin typeface="+mn-ea"/>
+              <a:cs typeface="Times New Roman" panose="02020603050405020304" pitchFamily="18" charset="0"/>
+            </a:endParaRPr>
+          </a:p>
+          <a:p>
+            <a:pPr marL="0" indent="0" algn="l">
+              <a:buNone/>
+            </a:pPr>
+            <a:endParaRPr lang="en-US" altLang="ja-JP" kern="100" dirty="0">
+              <a:latin typeface="+mn-ea"/>
+              <a:cs typeface="Times New Roman" panose="02020603050405020304" pitchFamily="18" charset="0"/>
+            </a:endParaRPr>
+          </a:p>
+          <a:p>
+            <a:r>
+              <a:rPr kumimoji="1" lang="ja-JP" altLang="en-US" dirty="0">
+                <a:latin typeface="+mn-ea"/>
+              </a:rPr>
+              <a:t>実現したかったこと</a:t>
+            </a:r>
+            <a:endParaRPr kumimoji="1" lang="en-US" altLang="ja-JP" dirty="0">
+              <a:latin typeface="+mn-ea"/>
+            </a:endParaRPr>
+          </a:p>
+          <a:p>
             <a:pPr marL="0" indent="0">
               <a:buNone/>
             </a:pPr>
             <a:r>
+              <a:rPr kumimoji="1" lang="en-US" altLang="ja-JP" dirty="0">
+                <a:latin typeface="+mn-ea"/>
+              </a:rPr>
+              <a:t>―</a:t>
+            </a:r>
+            <a:r>
               <a:rPr kumimoji="1" lang="ja-JP" altLang="en-US" dirty="0">
                 <a:latin typeface="+mn-ea"/>
               </a:rPr>
-              <a:t>計画性</a:t>
-            </a:r>
-            <a:r>
-              <a:rPr kumimoji="1" lang="en-US" altLang="ja-JP" dirty="0">
-                <a:latin typeface="+mn-ea"/>
-              </a:rPr>
-              <a:t>	</a:t>
-            </a:r>
-            <a:r>
-              <a:rPr kumimoji="1" lang="ja-JP" altLang="en-US" dirty="0">
-                <a:latin typeface="+mn-ea"/>
-              </a:rPr>
-              <a:t>外部設計段階で見切り発車だった。</a:t>
-            </a:r>
-            <a:r>
-              <a:rPr lang="ja-JP" altLang="en-US" dirty="0">
-                <a:latin typeface="+mn-ea"/>
-              </a:rPr>
-              <a:t>具体的にどう実現できるか想像するべきだと学んだ。</a:t>
+              <a:t>掲示板にいいね機能</a:t>
             </a:r>
             <a:endParaRPr kumimoji="1" lang="en-US" altLang="ja-JP" dirty="0">
               <a:latin typeface="+mn-ea"/>
@@ -5375,36 +5844,16 @@
               <a:buNone/>
             </a:pPr>
             <a:r>
-              <a:rPr lang="en-US" altLang="ja-JP" sz="1000" dirty="0">
-                <a:effectLst/>
-                <a:ea typeface="游明朝" panose="02020400000000000000" pitchFamily="18" charset="-128"/>
-                <a:cs typeface="Times New Roman" panose="02020603050405020304" pitchFamily="18" charset="0"/>
-              </a:rPr>
-              <a:t>	</a:t>
-            </a:r>
-            <a:r>
-              <a:rPr lang="ja-JP" altLang="ja-JP" sz="1000" dirty="0">
-                <a:effectLst/>
-                <a:ea typeface="游明朝" panose="02020400000000000000" pitchFamily="18" charset="-128"/>
-                <a:cs typeface="Times New Roman" panose="02020603050405020304" pitchFamily="18" charset="0"/>
-              </a:rPr>
-              <a:t>要件定義にない変更</a:t>
-            </a:r>
-            <a:r>
-              <a:rPr lang="ja-JP" altLang="en-US" sz="1000" dirty="0">
-                <a:effectLst/>
-                <a:ea typeface="游明朝" panose="02020400000000000000" pitchFamily="18" charset="-128"/>
-                <a:cs typeface="Times New Roman" panose="02020603050405020304" pitchFamily="18" charset="0"/>
-              </a:rPr>
-              <a:t>をすることに</a:t>
-            </a:r>
-            <a:r>
-              <a:rPr lang="ja-JP" altLang="ja-JP" sz="1000" dirty="0">
-                <a:effectLst/>
-                <a:ea typeface="游明朝" panose="02020400000000000000" pitchFamily="18" charset="-128"/>
-                <a:cs typeface="Times New Roman" panose="02020603050405020304" pitchFamily="18" charset="0"/>
-              </a:rPr>
-              <a:t>あまり抵抗がなく、設計書の重要性を理解していなかった</a:t>
+              <a:rPr lang="en-US" altLang="ja-JP" dirty="0">
+                <a:latin typeface="+mn-ea"/>
+              </a:rPr>
+              <a:t>―</a:t>
+            </a:r>
+            <a:r>
+              <a:rPr kumimoji="1" lang="ja-JP" altLang="en-US" dirty="0">
+                <a:latin typeface="+mn-ea"/>
+              </a:rPr>
+              <a:t>運動した日にスタンプ表示</a:t>
             </a:r>
             <a:endParaRPr kumimoji="1" lang="en-US" altLang="ja-JP" dirty="0">
               <a:latin typeface="+mn-ea"/>
@@ -5414,84 +5863,18 @@
             <a:pPr marL="0" indent="0">
               <a:buNone/>
             </a:pPr>
-            <a:endParaRPr kumimoji="1" lang="en-US" altLang="ja-JP" dirty="0">
-              <a:latin typeface="+mn-ea"/>
-            </a:endParaRPr>
-          </a:p>
-          <a:p>
-            <a:pPr marL="0" indent="0">
-              <a:buNone/>
-            </a:pPr>
-            <a:r>
-              <a:rPr kumimoji="1" lang="ja-JP" altLang="en-US" dirty="0">
-                <a:latin typeface="+mn-ea"/>
-              </a:rPr>
-              <a:t>技術</a:t>
-            </a:r>
-            <a:r>
-              <a:rPr kumimoji="1" lang="en-US" altLang="ja-JP" dirty="0">
-                <a:latin typeface="+mn-ea"/>
-              </a:rPr>
-              <a:t>	4</a:t>
-            </a:r>
-            <a:r>
-              <a:rPr kumimoji="1" lang="ja-JP" altLang="en-US" dirty="0">
-                <a:latin typeface="+mn-ea"/>
-              </a:rPr>
-              <a:t>･</a:t>
-            </a:r>
-            <a:r>
-              <a:rPr kumimoji="1" lang="en-US" altLang="ja-JP" dirty="0">
-                <a:latin typeface="+mn-ea"/>
-              </a:rPr>
-              <a:t>5</a:t>
-            </a:r>
-            <a:r>
-              <a:rPr kumimoji="1" lang="ja-JP" altLang="en-US" dirty="0">
-                <a:latin typeface="+mn-ea"/>
-              </a:rPr>
-              <a:t>月で学んだことの理解度が増した</a:t>
-            </a:r>
-            <a:endParaRPr kumimoji="1" lang="en-US" altLang="ja-JP" dirty="0">
-              <a:latin typeface="+mn-ea"/>
-            </a:endParaRPr>
-          </a:p>
-          <a:p>
             <a:r>
               <a:rPr lang="en-US" altLang="ja-JP" dirty="0">
                 <a:latin typeface="+mn-ea"/>
               </a:rPr>
-              <a:t>	</a:t>
+              <a:t>―</a:t>
             </a:r>
             <a:r>
               <a:rPr lang="ja-JP" altLang="en-US" dirty="0">
                 <a:latin typeface="+mn-ea"/>
               </a:rPr>
-              <a:t>チーム内・講師に質問・コーディングを繰り返すことでスキルアップ</a:t>
-            </a:r>
-            <a:endParaRPr lang="en-US" altLang="ja-JP" dirty="0">
-              <a:latin typeface="+mn-ea"/>
-            </a:endParaRPr>
-          </a:p>
-          <a:p>
-            <a:r>
-              <a:rPr lang="en-US" altLang="ja-JP" dirty="0">
-                <a:latin typeface="+mn-ea"/>
-              </a:rPr>
-              <a:t>	</a:t>
-            </a:r>
-            <a:r>
-              <a:rPr lang="ja-JP" altLang="en-US" dirty="0">
-                <a:latin typeface="+mn-ea"/>
-              </a:rPr>
-              <a:t>学んだ技術を応用する難しさ</a:t>
-            </a:r>
-            <a:endParaRPr lang="en-US" altLang="ja-JP" dirty="0">
-              <a:latin typeface="+mn-ea"/>
-            </a:endParaRPr>
-          </a:p>
-          <a:p>
-            <a:endParaRPr kumimoji="1" lang="en-US" altLang="ja-JP" dirty="0"/>
+              <a:t>コラ画像</a:t>
+            </a:r>
           </a:p>
         </p:txBody>
       </p:sp>
@@ -5512,7 +5895,7 @@
           <a:p>
             <a:fld id="{C59D74C6-9C2E-47F2-9943-FD41646989DE}" type="slidenum">
               <a:rPr kumimoji="1" lang="ja-JP" altLang="en-US" smtClean="0"/>
-              <a:t>27</a:t>
+              <a:t>24</a:t>
             </a:fld>
             <a:endParaRPr kumimoji="1" lang="ja-JP" altLang="en-US"/>
           </a:p>
@@ -5521,7 +5904,7 @@
     </p:spTree>
     <p:extLst>
       <p:ext uri="{BB962C8B-B14F-4D97-AF65-F5344CB8AC3E}">
-        <p14:creationId xmlns:p14="http://schemas.microsoft.com/office/powerpoint/2010/main" val="2421870203"/>
+        <p14:creationId xmlns:p14="http://schemas.microsoft.com/office/powerpoint/2010/main" val="3734896416"/>
       </p:ext>
     </p:extLst>
   </p:cSld>
@@ -5575,6 +5958,158 @@
           <a:bodyPr/>
           <a:lstStyle/>
           <a:p>
+            <a:pPr marL="0" indent="0">
+              <a:buNone/>
+            </a:pPr>
+            <a:r>
+              <a:rPr kumimoji="1" lang="ja-JP" altLang="en-US" dirty="0">
+                <a:latin typeface="+mn-ea"/>
+              </a:rPr>
+              <a:t>計画性</a:t>
+            </a:r>
+            <a:r>
+              <a:rPr kumimoji="1" lang="en-US" altLang="ja-JP" dirty="0">
+                <a:latin typeface="+mn-ea"/>
+              </a:rPr>
+              <a:t>	</a:t>
+            </a:r>
+            <a:r>
+              <a:rPr kumimoji="1" lang="ja-JP" altLang="en-US" dirty="0">
+                <a:latin typeface="+mn-ea"/>
+              </a:rPr>
+              <a:t>外部設計段階で見切り発車だった。</a:t>
+            </a:r>
+            <a:r>
+              <a:rPr lang="ja-JP" altLang="en-US" dirty="0">
+                <a:latin typeface="+mn-ea"/>
+              </a:rPr>
+              <a:t>具体的にどう実現できるか想像するべきだと学んだ。</a:t>
+            </a:r>
+            <a:endParaRPr kumimoji="1" lang="en-US" altLang="ja-JP" dirty="0">
+              <a:latin typeface="+mn-ea"/>
+            </a:endParaRPr>
+          </a:p>
+          <a:p>
+            <a:pPr marL="0" indent="0">
+              <a:buNone/>
+            </a:pPr>
+            <a:r>
+              <a:rPr lang="en-US" altLang="ja-JP" sz="1000" dirty="0">
+                <a:effectLst/>
+                <a:ea typeface="游明朝" panose="02020400000000000000" pitchFamily="18" charset="-128"/>
+                <a:cs typeface="Times New Roman" panose="02020603050405020304" pitchFamily="18" charset="0"/>
+              </a:rPr>
+              <a:t>	</a:t>
+            </a:r>
+            <a:r>
+              <a:rPr lang="ja-JP" altLang="ja-JP" sz="1000" dirty="0">
+                <a:effectLst/>
+                <a:ea typeface="游明朝" panose="02020400000000000000" pitchFamily="18" charset="-128"/>
+                <a:cs typeface="Times New Roman" panose="02020603050405020304" pitchFamily="18" charset="0"/>
+              </a:rPr>
+              <a:t>要件定義にない変更</a:t>
+            </a:r>
+            <a:r>
+              <a:rPr lang="ja-JP" altLang="en-US" sz="1000" dirty="0">
+                <a:effectLst/>
+                <a:ea typeface="游明朝" panose="02020400000000000000" pitchFamily="18" charset="-128"/>
+                <a:cs typeface="Times New Roman" panose="02020603050405020304" pitchFamily="18" charset="0"/>
+              </a:rPr>
+              <a:t>をすることに</a:t>
+            </a:r>
+            <a:r>
+              <a:rPr lang="ja-JP" altLang="ja-JP" sz="1000" dirty="0">
+                <a:effectLst/>
+                <a:ea typeface="游明朝" panose="02020400000000000000" pitchFamily="18" charset="-128"/>
+                <a:cs typeface="Times New Roman" panose="02020603050405020304" pitchFamily="18" charset="0"/>
+              </a:rPr>
+              <a:t>あまり抵抗がなく、設計書の重要性を理解していなかった</a:t>
+            </a:r>
+            <a:endParaRPr kumimoji="1" lang="en-US" altLang="ja-JP" dirty="0">
+              <a:latin typeface="+mn-ea"/>
+            </a:endParaRPr>
+          </a:p>
+          <a:p>
+            <a:pPr marL="0" indent="0">
+              <a:buNone/>
+            </a:pPr>
+            <a:endParaRPr kumimoji="1" lang="en-US" altLang="ja-JP" dirty="0">
+              <a:latin typeface="+mn-ea"/>
+            </a:endParaRPr>
+          </a:p>
+          <a:p>
+            <a:pPr marL="0" indent="0">
+              <a:buNone/>
+            </a:pPr>
+            <a:r>
+              <a:rPr kumimoji="1" lang="ja-JP" altLang="en-US" dirty="0">
+                <a:latin typeface="+mn-ea"/>
+              </a:rPr>
+              <a:t>技術</a:t>
+            </a:r>
+            <a:r>
+              <a:rPr kumimoji="1" lang="en-US" altLang="ja-JP" dirty="0">
+                <a:latin typeface="+mn-ea"/>
+              </a:rPr>
+              <a:t>	4</a:t>
+            </a:r>
+            <a:r>
+              <a:rPr kumimoji="1" lang="ja-JP" altLang="en-US" dirty="0">
+                <a:latin typeface="+mn-ea"/>
+              </a:rPr>
+              <a:t>･</a:t>
+            </a:r>
+            <a:r>
+              <a:rPr kumimoji="1" lang="en-US" altLang="ja-JP" dirty="0">
+                <a:latin typeface="+mn-ea"/>
+              </a:rPr>
+              <a:t>5</a:t>
+            </a:r>
+            <a:r>
+              <a:rPr kumimoji="1" lang="ja-JP" altLang="en-US" dirty="0">
+                <a:latin typeface="+mn-ea"/>
+              </a:rPr>
+              <a:t>月で学んだことの理解度が増した</a:t>
+            </a:r>
+            <a:endParaRPr kumimoji="1" lang="en-US" altLang="ja-JP" dirty="0">
+              <a:latin typeface="+mn-ea"/>
+            </a:endParaRPr>
+          </a:p>
+          <a:p>
+            <a:r>
+              <a:rPr lang="en-US" altLang="ja-JP" dirty="0">
+                <a:latin typeface="+mn-ea"/>
+              </a:rPr>
+              <a:t>	</a:t>
+            </a:r>
+            <a:r>
+              <a:rPr lang="ja-JP" altLang="en-US" dirty="0">
+                <a:latin typeface="+mn-ea"/>
+              </a:rPr>
+              <a:t>チーム内・講師に質問・コーディングを繰り返すことでスキルアップ</a:t>
+            </a:r>
+            <a:endParaRPr lang="en-US" altLang="ja-JP" dirty="0">
+              <a:latin typeface="+mn-ea"/>
+            </a:endParaRPr>
+          </a:p>
+          <a:p>
+            <a:r>
+              <a:rPr lang="en-US" altLang="ja-JP" dirty="0">
+                <a:latin typeface="+mn-ea"/>
+              </a:rPr>
+              <a:t>	</a:t>
+            </a:r>
+            <a:r>
+              <a:rPr lang="ja-JP" altLang="en-US" dirty="0">
+                <a:latin typeface="+mn-ea"/>
+              </a:rPr>
+              <a:t>学んだ技術を応用する難しさ</a:t>
+            </a:r>
+            <a:endParaRPr lang="en-US" altLang="ja-JP" dirty="0">
+              <a:latin typeface="+mn-ea"/>
+            </a:endParaRPr>
+          </a:p>
+          <a:p>
             <a:endParaRPr kumimoji="1" lang="en-US" altLang="ja-JP" dirty="0"/>
           </a:p>
         </p:txBody>
@@ -5596,6 +6131,90 @@
           <a:p>
             <a:fld id="{C59D74C6-9C2E-47F2-9943-FD41646989DE}" type="slidenum">
               <a:rPr kumimoji="1" lang="ja-JP" altLang="en-US" smtClean="0"/>
+              <a:t>27</a:t>
+            </a:fld>
+            <a:endParaRPr kumimoji="1" lang="ja-JP" altLang="en-US"/>
+          </a:p>
+        </p:txBody>
+      </p:sp>
+    </p:spTree>
+    <p:extLst>
+      <p:ext uri="{BB962C8B-B14F-4D97-AF65-F5344CB8AC3E}">
+        <p14:creationId xmlns:p14="http://schemas.microsoft.com/office/powerpoint/2010/main" val="2421870203"/>
+      </p:ext>
+    </p:extLst>
+  </p:cSld>
+  <p:clrMapOvr>
+    <a:masterClrMapping/>
+  </p:clrMapOvr>
+</p:notes>
+</file>
+
+<file path=ppt/notesSlides/notesSlide23.xml><?xml version="1.0" encoding="utf-8"?>
+<p:notes xmlns:a="http://schemas.openxmlformats.org/drawingml/2006/main" xmlns:r="http://schemas.openxmlformats.org/officeDocument/2006/relationships" xmlns:p="http://schemas.openxmlformats.org/presentationml/2006/main">
+  <p:cSld>
+    <p:spTree>
+      <p:nvGrpSpPr>
+        <p:cNvPr id="1" name=""/>
+        <p:cNvGrpSpPr/>
+        <p:nvPr/>
+      </p:nvGrpSpPr>
+      <p:grpSpPr>
+        <a:xfrm>
+          <a:off x="0" y="0"/>
+          <a:ext cx="0" cy="0"/>
+          <a:chOff x="0" y="0"/>
+          <a:chExt cx="0" cy="0"/>
+        </a:xfrm>
+      </p:grpSpPr>
+      <p:sp>
+        <p:nvSpPr>
+          <p:cNvPr id="2" name="スライド イメージ プレースホルダー 1"/>
+          <p:cNvSpPr>
+            <a:spLocks noGrp="1" noRot="1" noChangeAspect="1"/>
+          </p:cNvSpPr>
+          <p:nvPr>
+            <p:ph type="sldImg"/>
+          </p:nvPr>
+        </p:nvSpPr>
+        <p:spPr/>
+      </p:sp>
+      <p:sp>
+        <p:nvSpPr>
+          <p:cNvPr id="3" name="ノート プレースホルダー 2"/>
+          <p:cNvSpPr>
+            <a:spLocks noGrp="1"/>
+          </p:cNvSpPr>
+          <p:nvPr>
+            <p:ph type="body" idx="1"/>
+          </p:nvPr>
+        </p:nvSpPr>
+        <p:spPr/>
+        <p:txBody>
+          <a:bodyPr/>
+          <a:lstStyle/>
+          <a:p>
+            <a:endParaRPr kumimoji="1" lang="en-US" altLang="ja-JP" dirty="0"/>
+          </a:p>
+        </p:txBody>
+      </p:sp>
+      <p:sp>
+        <p:nvSpPr>
+          <p:cNvPr id="4" name="スライド番号プレースホルダー 3"/>
+          <p:cNvSpPr>
+            <a:spLocks noGrp="1"/>
+          </p:cNvSpPr>
+          <p:nvPr>
+            <p:ph type="sldNum" sz="quarter" idx="5"/>
+          </p:nvPr>
+        </p:nvSpPr>
+        <p:spPr/>
+        <p:txBody>
+          <a:bodyPr/>
+          <a:lstStyle/>
+          <a:p>
+            <a:fld id="{C59D74C6-9C2E-47F2-9943-FD41646989DE}" type="slidenum">
+              <a:rPr kumimoji="1" lang="ja-JP" altLang="en-US" smtClean="0"/>
               <a:t>28</a:t>
             </a:fld>
             <a:endParaRPr kumimoji="1" lang="ja-JP" altLang="en-US"/>
@@ -5615,7 +6234,7 @@
 </p:notes>
 </file>
 
-<file path=ppt/notesSlides/notesSlide23.xml><?xml version="1.0" encoding="utf-8"?>
+<file path=ppt/notesSlides/notesSlide24.xml><?xml version="1.0" encoding="utf-8"?>
 <p:notes xmlns:a="http://schemas.openxmlformats.org/drawingml/2006/main" xmlns:r="http://schemas.openxmlformats.org/officeDocument/2006/relationships" xmlns:p="http://schemas.openxmlformats.org/presentationml/2006/main">
   <p:cSld>
     <p:spTree>
@@ -16392,6 +17011,837 @@
 <file path=ppt/slides/slide21.xml><?xml version="1.0" encoding="utf-8"?>
 <p:sld xmlns:a="http://schemas.openxmlformats.org/drawingml/2006/main" xmlns:r="http://schemas.openxmlformats.org/officeDocument/2006/relationships" xmlns:p="http://schemas.openxmlformats.org/presentationml/2006/main">
   <p:cSld>
+    <p:bg>
+      <p:bgPr>
+        <a:solidFill>
+          <a:schemeClr val="accent1">
+            <a:lumMod val="60000"/>
+            <a:lumOff val="40000"/>
+            <a:alpha val="45000"/>
+          </a:schemeClr>
+        </a:solidFill>
+        <a:effectLst/>
+      </p:bgPr>
+    </p:bg>
+    <p:spTree>
+      <p:nvGrpSpPr>
+        <p:cNvPr id="1" name=""/>
+        <p:cNvGrpSpPr/>
+        <p:nvPr/>
+      </p:nvGrpSpPr>
+      <p:grpSpPr>
+        <a:xfrm>
+          <a:off x="0" y="0"/>
+          <a:ext cx="0" cy="0"/>
+          <a:chOff x="0" y="0"/>
+          <a:chExt cx="0" cy="0"/>
+        </a:xfrm>
+      </p:grpSpPr>
+      <p:sp>
+        <p:nvSpPr>
+          <p:cNvPr id="2" name="タイトル 1">
+            <a:extLst>
+              <a:ext uri="{FF2B5EF4-FFF2-40B4-BE49-F238E27FC236}">
+                <a16:creationId xmlns:a16="http://schemas.microsoft.com/office/drawing/2014/main" id="{B47B7107-4F05-493F-AE6E-8E6721BB548C}"/>
+              </a:ext>
+            </a:extLst>
+          </p:cNvPr>
+          <p:cNvSpPr>
+            <a:spLocks noGrp="1"/>
+          </p:cNvSpPr>
+          <p:nvPr>
+            <p:ph type="title"/>
+          </p:nvPr>
+        </p:nvSpPr>
+        <p:spPr/>
+        <p:txBody>
+          <a:bodyPr/>
+          <a:lstStyle/>
+          <a:p>
+            <a:r>
+              <a:rPr lang="ja-JP" altLang="en-US" b="1" dirty="0">
+                <a:latin typeface="+mn-ea"/>
+                <a:ea typeface="+mn-ea"/>
+              </a:rPr>
+              <a:t>実現したかったこと</a:t>
+            </a:r>
+            <a:endParaRPr kumimoji="1" lang="ja-JP" altLang="en-US" b="1" dirty="0">
+              <a:latin typeface="+mn-ea"/>
+              <a:ea typeface="+mn-ea"/>
+            </a:endParaRPr>
+          </a:p>
+        </p:txBody>
+      </p:sp>
+      <p:sp>
+        <p:nvSpPr>
+          <p:cNvPr id="3" name="コンテンツ プレースホルダー 2">
+            <a:extLst>
+              <a:ext uri="{FF2B5EF4-FFF2-40B4-BE49-F238E27FC236}">
+                <a16:creationId xmlns:a16="http://schemas.microsoft.com/office/drawing/2014/main" id="{62A76065-E3B1-46D7-894F-997299D4A655}"/>
+              </a:ext>
+            </a:extLst>
+          </p:cNvPr>
+          <p:cNvSpPr>
+            <a:spLocks noGrp="1"/>
+          </p:cNvSpPr>
+          <p:nvPr>
+            <p:ph idx="1"/>
+          </p:nvPr>
+        </p:nvSpPr>
+        <p:spPr/>
+        <p:txBody>
+          <a:bodyPr>
+            <a:normAutofit lnSpcReduction="10000"/>
+          </a:bodyPr>
+          <a:lstStyle/>
+          <a:p>
+            <a:pPr marL="0" indent="0">
+              <a:buNone/>
+            </a:pPr>
+            <a:r>
+              <a:rPr kumimoji="1" lang="ja-JP" altLang="en-US" sz="3600" b="1" dirty="0">
+                <a:latin typeface="+mn-ea"/>
+              </a:rPr>
+              <a:t>ランク制度</a:t>
+            </a:r>
+            <a:endParaRPr kumimoji="1" lang="en-US" altLang="ja-JP" sz="3600" b="1" dirty="0">
+              <a:latin typeface="+mn-ea"/>
+            </a:endParaRPr>
+          </a:p>
+          <a:p>
+            <a:pPr marL="0" indent="0">
+              <a:buNone/>
+            </a:pPr>
+            <a:r>
+              <a:rPr lang="en-US" altLang="ja-JP" dirty="0">
+                <a:solidFill>
+                  <a:srgbClr val="000000"/>
+                </a:solidFill>
+                <a:latin typeface="+mn-ea"/>
+              </a:rPr>
+              <a:t>1</a:t>
+            </a:r>
+            <a:r>
+              <a:rPr lang="ja-JP" altLang="en-US" dirty="0">
+                <a:solidFill>
+                  <a:srgbClr val="000000"/>
+                </a:solidFill>
+                <a:latin typeface="+mn-ea"/>
+              </a:rPr>
+              <a:t>日</a:t>
+            </a:r>
+            <a:r>
+              <a:rPr lang="en-US" altLang="ja-JP" dirty="0">
+                <a:solidFill>
+                  <a:srgbClr val="000000"/>
+                </a:solidFill>
+                <a:latin typeface="+mn-ea"/>
+              </a:rPr>
+              <a:t>1</a:t>
+            </a:r>
+            <a:r>
+              <a:rPr lang="ja-JP" altLang="en-US" dirty="0">
+                <a:solidFill>
+                  <a:srgbClr val="000000"/>
+                </a:solidFill>
+                <a:latin typeface="+mn-ea"/>
+              </a:rPr>
+              <a:t>回の登録でポイントがたまり、ランクとして反映される</a:t>
+            </a:r>
+            <a:endParaRPr lang="en-US" altLang="ja-JP" dirty="0">
+              <a:solidFill>
+                <a:srgbClr val="000000"/>
+              </a:solidFill>
+              <a:latin typeface="+mn-ea"/>
+            </a:endParaRPr>
+          </a:p>
+          <a:p>
+            <a:pPr marL="0" indent="0">
+              <a:buNone/>
+            </a:pPr>
+            <a:r>
+              <a:rPr lang="ja-JP" altLang="en-US" b="0" i="0" u="none" strike="noStrike" dirty="0">
+                <a:solidFill>
+                  <a:srgbClr val="000000"/>
+                </a:solidFill>
+                <a:effectLst/>
+                <a:latin typeface="+mn-ea"/>
+              </a:rPr>
+              <a:t>毎日</a:t>
+            </a:r>
+            <a:r>
+              <a:rPr lang="en-US" altLang="ja-JP" b="0" i="0" u="none" strike="noStrike" dirty="0">
+                <a:solidFill>
+                  <a:srgbClr val="000000"/>
+                </a:solidFill>
+                <a:effectLst/>
+                <a:latin typeface="+mn-ea"/>
+              </a:rPr>
+              <a:t>AM3</a:t>
+            </a:r>
+            <a:r>
+              <a:rPr lang="en-US" altLang="ja-JP" dirty="0">
+                <a:solidFill>
+                  <a:srgbClr val="000000"/>
+                </a:solidFill>
+                <a:latin typeface="+mn-ea"/>
+              </a:rPr>
+              <a:t>:00</a:t>
+            </a:r>
+            <a:r>
+              <a:rPr lang="ja-JP" altLang="en-US" b="0" i="0" u="none" strike="noStrike" dirty="0">
+                <a:solidFill>
+                  <a:srgbClr val="000000"/>
+                </a:solidFill>
+                <a:effectLst/>
+                <a:latin typeface="+mn-ea"/>
+              </a:rPr>
+              <a:t>に一斉更新</a:t>
+            </a:r>
+            <a:endParaRPr lang="en-US" altLang="ja-JP" b="0" i="0" u="none" strike="noStrike" dirty="0">
+              <a:solidFill>
+                <a:srgbClr val="000000"/>
+              </a:solidFill>
+              <a:effectLst/>
+              <a:latin typeface="+mn-ea"/>
+            </a:endParaRPr>
+          </a:p>
+          <a:p>
+            <a:pPr marL="0" indent="0">
+              <a:buNone/>
+            </a:pPr>
+            <a:r>
+              <a:rPr lang="en-US" altLang="ja-JP" b="0" i="0" u="none" strike="noStrike" dirty="0">
+                <a:solidFill>
+                  <a:srgbClr val="000000"/>
+                </a:solidFill>
+                <a:effectLst/>
+                <a:latin typeface="+mn-ea"/>
+              </a:rPr>
+              <a:t>3</a:t>
+            </a:r>
+            <a:r>
+              <a:rPr lang="ja-JP" altLang="en-US" b="0" i="0" u="none" strike="noStrike" dirty="0">
+                <a:solidFill>
+                  <a:srgbClr val="000000"/>
+                </a:solidFill>
+                <a:effectLst/>
+                <a:latin typeface="+mn-ea"/>
+              </a:rPr>
+              <a:t>か月</a:t>
+            </a:r>
+            <a:r>
+              <a:rPr lang="en-US" altLang="ja-JP" b="0" i="0" u="none" strike="noStrike" dirty="0">
+                <a:solidFill>
+                  <a:srgbClr val="000000"/>
+                </a:solidFill>
+                <a:effectLst/>
+                <a:latin typeface="+mn-ea"/>
+              </a:rPr>
+              <a:t>(90</a:t>
+            </a:r>
+            <a:r>
+              <a:rPr lang="ja-JP" altLang="en-US" b="0" i="0" u="none" strike="noStrike" dirty="0">
+                <a:solidFill>
+                  <a:srgbClr val="000000"/>
+                </a:solidFill>
+                <a:effectLst/>
+                <a:latin typeface="+mn-ea"/>
+              </a:rPr>
+              <a:t>日</a:t>
+            </a:r>
+            <a:r>
+              <a:rPr lang="en-US" altLang="ja-JP" b="0" i="0" u="none" strike="noStrike" dirty="0">
+                <a:solidFill>
+                  <a:srgbClr val="000000"/>
+                </a:solidFill>
+                <a:effectLst/>
+                <a:latin typeface="+mn-ea"/>
+              </a:rPr>
+              <a:t>)</a:t>
+            </a:r>
+            <a:r>
+              <a:rPr lang="ja-JP" altLang="en-US" b="0" i="0" u="none" strike="noStrike" dirty="0">
+                <a:solidFill>
+                  <a:srgbClr val="000000"/>
+                </a:solidFill>
+                <a:effectLst/>
+                <a:latin typeface="+mn-ea"/>
+              </a:rPr>
+              <a:t>でリセット</a:t>
+            </a:r>
+            <a:endParaRPr lang="en-US" altLang="ja-JP" b="0" i="0" u="none" strike="noStrike" dirty="0">
+              <a:solidFill>
+                <a:srgbClr val="000000"/>
+              </a:solidFill>
+              <a:effectLst/>
+              <a:latin typeface="+mn-ea"/>
+            </a:endParaRPr>
+          </a:p>
+          <a:p>
+            <a:pPr marL="0" indent="0">
+              <a:buNone/>
+            </a:pPr>
+            <a:r>
+              <a:rPr lang="ja-JP" altLang="en-US" b="1" i="0" u="none" strike="noStrike" dirty="0">
+                <a:solidFill>
+                  <a:srgbClr val="000000"/>
+                </a:solidFill>
+                <a:effectLst/>
+                <a:latin typeface="+mn-ea"/>
+              </a:rPr>
+              <a:t>→モチベーションの維持</a:t>
+            </a:r>
+            <a:endParaRPr lang="en-US" altLang="ja-JP" b="1" i="0" u="none" strike="noStrike" dirty="0">
+              <a:solidFill>
+                <a:srgbClr val="000000"/>
+              </a:solidFill>
+              <a:effectLst/>
+              <a:latin typeface="+mn-ea"/>
+            </a:endParaRPr>
+          </a:p>
+          <a:p>
+            <a:pPr marL="0" indent="0">
+              <a:buNone/>
+            </a:pPr>
+            <a:r>
+              <a:rPr lang="ja-JP" altLang="en-US" b="0" i="0" u="none" strike="noStrike" dirty="0">
+                <a:solidFill>
+                  <a:srgbClr val="000000"/>
+                </a:solidFill>
+                <a:effectLst/>
+                <a:latin typeface="+mn-ea"/>
+              </a:rPr>
+              <a:t>ランクごとに称号を付与する</a:t>
+            </a:r>
+            <a:r>
+              <a:rPr lang="en-US" altLang="ja-JP" b="0" i="0" u="none" strike="noStrike" dirty="0">
+                <a:solidFill>
+                  <a:srgbClr val="000000"/>
+                </a:solidFill>
+                <a:effectLst/>
+                <a:latin typeface="+mn-ea"/>
+              </a:rPr>
+              <a:t>(6</a:t>
+            </a:r>
+            <a:r>
+              <a:rPr lang="ja-JP" altLang="en-US" b="0" i="0" u="none" strike="noStrike" dirty="0">
+                <a:solidFill>
+                  <a:srgbClr val="000000"/>
+                </a:solidFill>
+                <a:effectLst/>
+                <a:latin typeface="+mn-ea"/>
+              </a:rPr>
+              <a:t>段階</a:t>
+            </a:r>
+            <a:r>
+              <a:rPr lang="en-US" altLang="ja-JP" b="0" i="0" u="none" strike="noStrike" dirty="0">
+                <a:solidFill>
+                  <a:srgbClr val="000000"/>
+                </a:solidFill>
+                <a:effectLst/>
+                <a:latin typeface="+mn-ea"/>
+              </a:rPr>
+              <a:t>)</a:t>
+            </a:r>
+            <a:br>
+              <a:rPr lang="en-US" altLang="ja-JP" b="0" i="0" u="none" strike="noStrike" dirty="0">
+                <a:solidFill>
+                  <a:srgbClr val="000000"/>
+                </a:solidFill>
+                <a:effectLst/>
+                <a:latin typeface="+mn-ea"/>
+              </a:rPr>
+            </a:br>
+            <a:r>
+              <a:rPr lang="ja-JP" altLang="en-US" b="0" i="0" u="none" strike="noStrike" dirty="0">
+                <a:solidFill>
+                  <a:srgbClr val="000000"/>
+                </a:solidFill>
+                <a:effectLst/>
+                <a:latin typeface="+mn-ea"/>
+              </a:rPr>
+              <a:t>怠惰</a:t>
+            </a:r>
+            <a:r>
+              <a:rPr lang="en-US" altLang="ja-JP" b="0" i="0" u="none" strike="noStrike" dirty="0">
+                <a:solidFill>
+                  <a:srgbClr val="000000"/>
+                </a:solidFill>
+                <a:effectLst/>
+                <a:latin typeface="+mn-ea"/>
+              </a:rPr>
+              <a:t>(0</a:t>
+            </a:r>
+            <a:r>
+              <a:rPr lang="ja-JP" altLang="en-US" b="0" i="0" u="none" strike="noStrike" dirty="0">
+                <a:solidFill>
+                  <a:srgbClr val="000000"/>
+                </a:solidFill>
+                <a:effectLst/>
+                <a:latin typeface="+mn-ea"/>
+              </a:rPr>
+              <a:t>ポイント</a:t>
+            </a:r>
+            <a:r>
+              <a:rPr lang="en-US" altLang="ja-JP" b="0" i="0" u="none" strike="noStrike" dirty="0">
+                <a:solidFill>
+                  <a:srgbClr val="000000"/>
+                </a:solidFill>
+                <a:effectLst/>
+                <a:latin typeface="+mn-ea"/>
+              </a:rPr>
+              <a:t>)</a:t>
+            </a:r>
+            <a:r>
+              <a:rPr lang="ja-JP" altLang="en-US" b="0" i="0" u="none" strike="noStrike" dirty="0">
+                <a:solidFill>
+                  <a:srgbClr val="000000"/>
+                </a:solidFill>
+                <a:effectLst/>
+                <a:latin typeface="+mn-ea"/>
+              </a:rPr>
+              <a:t>：怠け者</a:t>
+            </a:r>
+            <a:r>
+              <a:rPr lang="en-US" altLang="ja-JP" b="0" i="0" u="none" strike="noStrike" dirty="0">
+                <a:solidFill>
+                  <a:srgbClr val="000000"/>
+                </a:solidFill>
+                <a:effectLst/>
+                <a:latin typeface="+mn-ea"/>
+              </a:rPr>
+              <a:t>(4</a:t>
+            </a:r>
+            <a:r>
+              <a:rPr lang="ja-JP" altLang="en-US" b="0" i="0" u="none" strike="noStrike" dirty="0">
+                <a:solidFill>
+                  <a:srgbClr val="000000"/>
+                </a:solidFill>
+                <a:effectLst/>
+                <a:latin typeface="+mn-ea"/>
+              </a:rPr>
+              <a:t>ポイント</a:t>
+            </a:r>
+            <a:r>
+              <a:rPr lang="en-US" altLang="ja-JP" b="0" i="0" u="none" strike="noStrike" dirty="0">
+                <a:solidFill>
+                  <a:srgbClr val="000000"/>
+                </a:solidFill>
+                <a:effectLst/>
+                <a:latin typeface="+mn-ea"/>
+              </a:rPr>
+              <a:t>)</a:t>
+            </a:r>
+            <a:r>
+              <a:rPr lang="ja-JP" altLang="en-US" b="0" i="0" u="none" strike="noStrike" dirty="0">
+                <a:solidFill>
+                  <a:srgbClr val="000000"/>
+                </a:solidFill>
+                <a:effectLst/>
+                <a:latin typeface="+mn-ea"/>
+              </a:rPr>
+              <a:t>：一般人</a:t>
+            </a:r>
+            <a:r>
+              <a:rPr lang="en-US" altLang="ja-JP" b="0" i="0" u="none" strike="noStrike" dirty="0">
+                <a:solidFill>
+                  <a:srgbClr val="000000"/>
+                </a:solidFill>
+                <a:effectLst/>
+                <a:latin typeface="+mn-ea"/>
+              </a:rPr>
+              <a:t>(14</a:t>
+            </a:r>
+            <a:r>
+              <a:rPr lang="ja-JP" altLang="en-US" b="0" i="0" u="none" strike="noStrike" dirty="0">
+                <a:solidFill>
+                  <a:srgbClr val="000000"/>
+                </a:solidFill>
+                <a:effectLst/>
+                <a:latin typeface="+mn-ea"/>
+              </a:rPr>
+              <a:t>ポイント</a:t>
+            </a:r>
+            <a:r>
+              <a:rPr lang="en-US" altLang="ja-JP" b="0" i="0" u="none" strike="noStrike" dirty="0">
+                <a:solidFill>
+                  <a:srgbClr val="000000"/>
+                </a:solidFill>
+                <a:effectLst/>
+                <a:latin typeface="+mn-ea"/>
+              </a:rPr>
+              <a:t>)</a:t>
+            </a:r>
+            <a:r>
+              <a:rPr lang="ja-JP" altLang="en-US" b="0" i="0" u="none" strike="noStrike" dirty="0">
+                <a:solidFill>
+                  <a:srgbClr val="000000"/>
+                </a:solidFill>
+                <a:effectLst/>
+                <a:latin typeface="+mn-ea"/>
+              </a:rPr>
+              <a:t>：</a:t>
+            </a:r>
+            <a:endParaRPr lang="en-US" altLang="ja-JP" dirty="0">
+              <a:solidFill>
+                <a:srgbClr val="000000"/>
+              </a:solidFill>
+              <a:latin typeface="+mn-ea"/>
+            </a:endParaRPr>
+          </a:p>
+          <a:p>
+            <a:pPr marL="0" indent="0">
+              <a:buNone/>
+            </a:pPr>
+            <a:r>
+              <a:rPr lang="ja-JP" altLang="en-US" b="0" i="0" u="none" strike="noStrike" dirty="0">
+                <a:solidFill>
+                  <a:srgbClr val="000000"/>
+                </a:solidFill>
+                <a:effectLst/>
+                <a:latin typeface="+mn-ea"/>
+              </a:rPr>
+              <a:t>エリート</a:t>
+            </a:r>
+            <a:r>
+              <a:rPr lang="en-US" altLang="ja-JP" b="0" i="0" u="none" strike="noStrike" dirty="0">
+                <a:solidFill>
+                  <a:srgbClr val="000000"/>
+                </a:solidFill>
+                <a:effectLst/>
+                <a:latin typeface="+mn-ea"/>
+              </a:rPr>
+              <a:t>(28</a:t>
+            </a:r>
+            <a:r>
+              <a:rPr lang="ja-JP" altLang="en-US" b="0" i="0" u="none" strike="noStrike" dirty="0">
+                <a:solidFill>
+                  <a:srgbClr val="000000"/>
+                </a:solidFill>
+                <a:effectLst/>
+                <a:latin typeface="+mn-ea"/>
+              </a:rPr>
+              <a:t>ポイント</a:t>
+            </a:r>
+            <a:r>
+              <a:rPr lang="en-US" altLang="ja-JP" b="0" i="0" u="none" strike="noStrike" dirty="0">
+                <a:solidFill>
+                  <a:srgbClr val="000000"/>
+                </a:solidFill>
+                <a:effectLst/>
+                <a:latin typeface="+mn-ea"/>
+              </a:rPr>
+              <a:t>)</a:t>
+            </a:r>
+            <a:r>
+              <a:rPr lang="ja-JP" altLang="en-US" dirty="0">
+                <a:solidFill>
+                  <a:srgbClr val="000000"/>
+                </a:solidFill>
+                <a:latin typeface="+mn-ea"/>
+              </a:rPr>
+              <a:t>：</a:t>
+            </a:r>
+            <a:r>
+              <a:rPr lang="ja-JP" altLang="en-US" b="0" i="0" u="none" strike="noStrike" dirty="0">
+                <a:solidFill>
+                  <a:srgbClr val="000000"/>
+                </a:solidFill>
+                <a:effectLst/>
+                <a:latin typeface="+mn-ea"/>
+              </a:rPr>
+              <a:t>プロ</a:t>
+            </a:r>
+            <a:r>
+              <a:rPr lang="en-US" altLang="ja-JP" b="0" i="0" u="none" strike="noStrike" dirty="0">
+                <a:solidFill>
+                  <a:srgbClr val="000000"/>
+                </a:solidFill>
+                <a:effectLst/>
+                <a:latin typeface="+mn-ea"/>
+              </a:rPr>
+              <a:t>(56</a:t>
+            </a:r>
+            <a:r>
+              <a:rPr lang="ja-JP" altLang="en-US" b="0" i="0" u="none" strike="noStrike" dirty="0">
+                <a:solidFill>
+                  <a:srgbClr val="000000"/>
+                </a:solidFill>
+                <a:effectLst/>
+                <a:latin typeface="+mn-ea"/>
+              </a:rPr>
+              <a:t>ポイント</a:t>
+            </a:r>
+            <a:r>
+              <a:rPr lang="en-US" altLang="ja-JP" b="0" i="0" u="none" strike="noStrike" dirty="0">
+                <a:solidFill>
+                  <a:srgbClr val="000000"/>
+                </a:solidFill>
+                <a:effectLst/>
+                <a:latin typeface="+mn-ea"/>
+              </a:rPr>
+              <a:t>)</a:t>
+            </a:r>
+            <a:r>
+              <a:rPr lang="ja-JP" altLang="en-US" dirty="0">
+                <a:solidFill>
+                  <a:srgbClr val="000000"/>
+                </a:solidFill>
+                <a:latin typeface="+mn-ea"/>
+              </a:rPr>
+              <a:t>：</a:t>
+            </a:r>
+            <a:r>
+              <a:rPr lang="ja-JP" altLang="en-US" b="0" i="0" u="none" strike="noStrike" dirty="0">
+                <a:solidFill>
+                  <a:srgbClr val="000000"/>
+                </a:solidFill>
+                <a:effectLst/>
+                <a:latin typeface="+mn-ea"/>
+              </a:rPr>
+              <a:t>レジェンド</a:t>
+            </a:r>
+            <a:r>
+              <a:rPr lang="en-US" altLang="ja-JP" b="0" i="0" u="none" strike="noStrike" dirty="0">
+                <a:solidFill>
+                  <a:srgbClr val="000000"/>
+                </a:solidFill>
+                <a:effectLst/>
+                <a:latin typeface="+mn-ea"/>
+              </a:rPr>
+              <a:t>(85</a:t>
+            </a:r>
+            <a:r>
+              <a:rPr lang="ja-JP" altLang="en-US" b="0" i="0" u="none" strike="noStrike" dirty="0">
+                <a:solidFill>
+                  <a:srgbClr val="000000"/>
+                </a:solidFill>
+                <a:effectLst/>
+                <a:latin typeface="+mn-ea"/>
+              </a:rPr>
+              <a:t>ポイント</a:t>
+            </a:r>
+            <a:r>
+              <a:rPr lang="en-US" altLang="ja-JP" b="0" i="0" u="none" strike="noStrike" dirty="0">
+                <a:solidFill>
+                  <a:srgbClr val="000000"/>
+                </a:solidFill>
+                <a:effectLst/>
+                <a:latin typeface="+mn-ea"/>
+              </a:rPr>
+              <a:t>)</a:t>
+            </a:r>
+            <a:endParaRPr lang="en-US" altLang="ja-JP" dirty="0">
+              <a:latin typeface="+mn-ea"/>
+            </a:endParaRPr>
+          </a:p>
+        </p:txBody>
+      </p:sp>
+    </p:spTree>
+    <p:extLst>
+      <p:ext uri="{BB962C8B-B14F-4D97-AF65-F5344CB8AC3E}">
+        <p14:creationId xmlns:p14="http://schemas.microsoft.com/office/powerpoint/2010/main" val="1771887683"/>
+      </p:ext>
+    </p:extLst>
+  </p:cSld>
+  <p:clrMapOvr>
+    <a:masterClrMapping/>
+  </p:clrMapOvr>
+  <mc:AlternateContent xmlns:mc="http://schemas.openxmlformats.org/markup-compatibility/2006">
+    <mc:Choice xmlns:p14="http://schemas.microsoft.com/office/powerpoint/2010/main" Requires="p14">
+      <p:transition spd="med" p14:dur="700">
+        <p:fade/>
+      </p:transition>
+    </mc:Choice>
+    <mc:Fallback>
+      <p:transition spd="med">
+        <p:fade/>
+      </p:transition>
+    </mc:Fallback>
+  </mc:AlternateContent>
+</p:sld>
+</file>
+
+<file path=ppt/slides/slide22.xml><?xml version="1.0" encoding="utf-8"?>
+<p:sld xmlns:a="http://schemas.openxmlformats.org/drawingml/2006/main" xmlns:r="http://schemas.openxmlformats.org/officeDocument/2006/relationships" xmlns:p="http://schemas.openxmlformats.org/presentationml/2006/main">
+  <p:cSld>
+    <p:bg>
+      <p:bgPr>
+        <a:solidFill>
+          <a:schemeClr val="accent1">
+            <a:lumMod val="60000"/>
+            <a:lumOff val="40000"/>
+            <a:alpha val="45000"/>
+          </a:schemeClr>
+        </a:solidFill>
+        <a:effectLst/>
+      </p:bgPr>
+    </p:bg>
+    <p:spTree>
+      <p:nvGrpSpPr>
+        <p:cNvPr id="1" name=""/>
+        <p:cNvGrpSpPr/>
+        <p:nvPr/>
+      </p:nvGrpSpPr>
+      <p:grpSpPr>
+        <a:xfrm>
+          <a:off x="0" y="0"/>
+          <a:ext cx="0" cy="0"/>
+          <a:chOff x="0" y="0"/>
+          <a:chExt cx="0" cy="0"/>
+        </a:xfrm>
+      </p:grpSpPr>
+      <p:sp>
+        <p:nvSpPr>
+          <p:cNvPr id="2" name="タイトル 1">
+            <a:extLst>
+              <a:ext uri="{FF2B5EF4-FFF2-40B4-BE49-F238E27FC236}">
+                <a16:creationId xmlns:a16="http://schemas.microsoft.com/office/drawing/2014/main" id="{B47B7107-4F05-493F-AE6E-8E6721BB548C}"/>
+              </a:ext>
+            </a:extLst>
+          </p:cNvPr>
+          <p:cNvSpPr>
+            <a:spLocks noGrp="1"/>
+          </p:cNvSpPr>
+          <p:nvPr>
+            <p:ph type="title"/>
+          </p:nvPr>
+        </p:nvSpPr>
+        <p:spPr/>
+        <p:txBody>
+          <a:bodyPr/>
+          <a:lstStyle/>
+          <a:p>
+            <a:r>
+              <a:rPr lang="ja-JP" altLang="en-US" b="1" dirty="0">
+                <a:latin typeface="+mn-ea"/>
+                <a:ea typeface="+mn-ea"/>
+              </a:rPr>
+              <a:t>実現したかったこと</a:t>
+            </a:r>
+            <a:endParaRPr kumimoji="1" lang="ja-JP" altLang="en-US" b="1" dirty="0">
+              <a:latin typeface="+mn-ea"/>
+              <a:ea typeface="+mn-ea"/>
+            </a:endParaRPr>
+          </a:p>
+        </p:txBody>
+      </p:sp>
+      <p:sp>
+        <p:nvSpPr>
+          <p:cNvPr id="3" name="コンテンツ プレースホルダー 2">
+            <a:extLst>
+              <a:ext uri="{FF2B5EF4-FFF2-40B4-BE49-F238E27FC236}">
+                <a16:creationId xmlns:a16="http://schemas.microsoft.com/office/drawing/2014/main" id="{62A76065-E3B1-46D7-894F-997299D4A655}"/>
+              </a:ext>
+            </a:extLst>
+          </p:cNvPr>
+          <p:cNvSpPr>
+            <a:spLocks noGrp="1"/>
+          </p:cNvSpPr>
+          <p:nvPr>
+            <p:ph idx="1"/>
+          </p:nvPr>
+        </p:nvSpPr>
+        <p:spPr/>
+        <p:txBody>
+          <a:bodyPr>
+            <a:normAutofit/>
+          </a:bodyPr>
+          <a:lstStyle/>
+          <a:p>
+            <a:pPr marL="0" indent="0">
+              <a:buNone/>
+            </a:pPr>
+            <a:r>
+              <a:rPr lang="ja-JP" altLang="en-US" sz="3600" b="1" dirty="0">
+                <a:solidFill>
+                  <a:srgbClr val="000000"/>
+                </a:solidFill>
+                <a:latin typeface="+mn-ea"/>
+              </a:rPr>
+              <a:t>出来なかった理由</a:t>
+            </a:r>
+            <a:endParaRPr lang="en-US" altLang="ja-JP" sz="3600" b="1" dirty="0">
+              <a:solidFill>
+                <a:srgbClr val="000000"/>
+              </a:solidFill>
+              <a:latin typeface="+mn-ea"/>
+            </a:endParaRPr>
+          </a:p>
+          <a:p>
+            <a:pPr marL="0" indent="0">
+              <a:buNone/>
+            </a:pPr>
+            <a:endParaRPr lang="en-US" altLang="ja-JP" sz="3600" b="1" dirty="0">
+              <a:solidFill>
+                <a:srgbClr val="000000"/>
+              </a:solidFill>
+              <a:latin typeface="+mn-ea"/>
+            </a:endParaRPr>
+          </a:p>
+          <a:p>
+            <a:r>
+              <a:rPr lang="ja-JP" altLang="en-US" dirty="0">
+                <a:latin typeface="+mn-ea"/>
+              </a:rPr>
+              <a:t>時間による処理が難しかった</a:t>
+            </a:r>
+            <a:endParaRPr lang="en-US" altLang="ja-JP" dirty="0">
+              <a:latin typeface="+mn-ea"/>
+            </a:endParaRPr>
+          </a:p>
+          <a:p>
+            <a:endParaRPr lang="en-US" altLang="ja-JP" dirty="0">
+              <a:latin typeface="+mn-ea"/>
+            </a:endParaRPr>
+          </a:p>
+          <a:p>
+            <a:r>
+              <a:rPr lang="ja-JP" altLang="en-US" dirty="0">
+                <a:latin typeface="+mn-ea"/>
+              </a:rPr>
+              <a:t>ランク制度以外の機能に時間がかかった</a:t>
+            </a:r>
+            <a:endParaRPr lang="en-US" altLang="ja-JP" dirty="0">
+              <a:latin typeface="+mn-ea"/>
+            </a:endParaRPr>
+          </a:p>
+          <a:p>
+            <a:endParaRPr lang="en-US" altLang="ja-JP" dirty="0">
+              <a:latin typeface="+mn-ea"/>
+            </a:endParaRPr>
+          </a:p>
+        </p:txBody>
+      </p:sp>
+    </p:spTree>
+    <p:extLst>
+      <p:ext uri="{BB962C8B-B14F-4D97-AF65-F5344CB8AC3E}">
+        <p14:creationId xmlns:p14="http://schemas.microsoft.com/office/powerpoint/2010/main" val="1058877067"/>
+      </p:ext>
+    </p:extLst>
+  </p:cSld>
+  <p:clrMapOvr>
+    <a:masterClrMapping/>
+  </p:clrMapOvr>
+  <mc:AlternateContent xmlns:mc="http://schemas.openxmlformats.org/markup-compatibility/2006">
+    <mc:Choice xmlns:p14="http://schemas.microsoft.com/office/powerpoint/2010/main" Requires="p14">
+      <p:transition spd="med" p14:dur="700">
+        <p:fade/>
+      </p:transition>
+    </mc:Choice>
+    <mc:Fallback>
+      <p:transition spd="med">
+        <p:fade/>
+      </p:transition>
+    </mc:Fallback>
+  </mc:AlternateContent>
+</p:sld>
+</file>
+
+<file path=ppt/slides/slide23.xml><?xml version="1.0" encoding="utf-8"?>
+<p:sld xmlns:a="http://schemas.openxmlformats.org/drawingml/2006/main" xmlns:r="http://schemas.openxmlformats.org/officeDocument/2006/relationships" xmlns:p="http://schemas.openxmlformats.org/presentationml/2006/main">
+  <p:cSld>
     <p:spTree>
       <p:nvGrpSpPr>
         <p:cNvPr id="1" name=""/>
@@ -16502,7 +17952,7 @@
 </p:sld>
 </file>
 
-<file path=ppt/slides/slide22.xml><?xml version="1.0" encoding="utf-8"?>
+<file path=ppt/slides/slide24.xml><?xml version="1.0" encoding="utf-8"?>
 <p:sld xmlns:a="http://schemas.openxmlformats.org/drawingml/2006/main" xmlns:r="http://schemas.openxmlformats.org/officeDocument/2006/relationships" xmlns:p="http://schemas.openxmlformats.org/presentationml/2006/main">
   <p:cSld>
     <p:spTree>
@@ -16755,21 +18205,9 @@
 </p:sld>
 </file>
 
-<file path=ppt/slides/slide23.xml><?xml version="1.0" encoding="utf-8"?>
-<p:sld xmlns:a="http://schemas.openxmlformats.org/drawingml/2006/main" xmlns:r="http://schemas.openxmlformats.org/officeDocument/2006/relationships" xmlns:p="http://schemas.openxmlformats.org/presentationml/2006/main" show="0">
+<file path=ppt/slides/slide25.xml><?xml version="1.0" encoding="utf-8"?>
+<p:sld xmlns:a="http://schemas.openxmlformats.org/drawingml/2006/main" xmlns:r="http://schemas.openxmlformats.org/officeDocument/2006/relationships" xmlns:p="http://schemas.openxmlformats.org/presentationml/2006/main">
   <p:cSld>
-    <p:bg>
-      <p:bgPr>
-        <a:solidFill>
-          <a:schemeClr val="accent1">
-            <a:lumMod val="60000"/>
-            <a:lumOff val="40000"/>
-            <a:alpha val="45000"/>
-          </a:schemeClr>
-        </a:solidFill>
-        <a:effectLst/>
-      </p:bgPr>
-    </p:bg>
     <p:spTree>
       <p:nvGrpSpPr>
         <p:cNvPr id="1" name=""/>
@@ -16789,7 +18227,7 @@
           <p:cNvPr id="2" name="タイトル 1">
             <a:extLst>
               <a:ext uri="{FF2B5EF4-FFF2-40B4-BE49-F238E27FC236}">
-                <a16:creationId xmlns:a16="http://schemas.microsoft.com/office/drawing/2014/main" id="{B47B7107-4F05-493F-AE6E-8E6721BB548C}"/>
+                <a16:creationId xmlns:a16="http://schemas.microsoft.com/office/drawing/2014/main" id="{55FA5A01-0A6E-4778-9B9C-F6DE901AD269}"/>
               </a:ext>
             </a:extLst>
           </p:cNvPr>
@@ -16810,7 +18248,7 @@
                 <a:latin typeface="+mn-ea"/>
                 <a:ea typeface="+mn-ea"/>
               </a:rPr>
-              <a:t>ランク制度</a:t>
+              <a:t>実際のガントチャート</a:t>
             </a:r>
           </a:p>
         </p:txBody>
@@ -16820,7 +18258,7 @@
           <p:cNvPr id="3" name="コンテンツ プレースホルダー 2">
             <a:extLst>
               <a:ext uri="{FF2B5EF4-FFF2-40B4-BE49-F238E27FC236}">
-                <a16:creationId xmlns:a16="http://schemas.microsoft.com/office/drawing/2014/main" id="{62A76065-E3B1-46D7-894F-997299D4A655}"/>
+                <a16:creationId xmlns:a16="http://schemas.microsoft.com/office/drawing/2014/main" id="{182A9059-191E-4CF7-97DA-91C73EC193A7}"/>
               </a:ext>
             </a:extLst>
           </p:cNvPr>
@@ -16833,1108 +18271,17 @@
         </p:nvSpPr>
         <p:spPr/>
         <p:txBody>
-          <a:bodyPr>
-            <a:normAutofit/>
-          </a:bodyPr>
+          <a:bodyPr/>
           <a:lstStyle/>
           <a:p>
-            <a:r>
-              <a:rPr kumimoji="1" lang="en-US" altLang="ja-JP" dirty="0">
-                <a:latin typeface="+mn-ea"/>
-              </a:rPr>
-              <a:t>1</a:t>
-            </a:r>
-            <a:r>
-              <a:rPr kumimoji="1" lang="ja-JP" altLang="en-US" dirty="0">
-                <a:latin typeface="+mn-ea"/>
-              </a:rPr>
-              <a:t>日</a:t>
-            </a:r>
-            <a:r>
-              <a:rPr kumimoji="1" lang="en-US" altLang="ja-JP" dirty="0">
-                <a:latin typeface="+mn-ea"/>
-              </a:rPr>
-              <a:t>1</a:t>
-            </a:r>
-            <a:r>
-              <a:rPr kumimoji="1" lang="ja-JP" altLang="en-US" dirty="0">
-                <a:latin typeface="+mn-ea"/>
-              </a:rPr>
-              <a:t>回の登録で</a:t>
-            </a:r>
-            <a:r>
-              <a:rPr kumimoji="1" lang="en-US" altLang="ja-JP" dirty="0">
-                <a:latin typeface="+mn-ea"/>
-              </a:rPr>
-              <a:t>1</a:t>
-            </a:r>
-            <a:r>
-              <a:rPr kumimoji="1" lang="ja-JP" altLang="en-US" dirty="0">
-                <a:latin typeface="+mn-ea"/>
-              </a:rPr>
-              <a:t>ポイント増加する</a:t>
-            </a:r>
-            <a:endParaRPr kumimoji="1" lang="en-US" altLang="ja-JP" dirty="0">
-              <a:latin typeface="+mn-ea"/>
-            </a:endParaRPr>
-          </a:p>
-          <a:p>
-            <a:pPr marL="0" indent="0">
-              <a:buNone/>
-            </a:pPr>
-            <a:r>
-              <a:rPr kumimoji="1" lang="en-US" altLang="ja-JP" dirty="0">
-                <a:latin typeface="+mn-ea"/>
-              </a:rPr>
-              <a:t>	AM3:00</a:t>
-            </a:r>
-            <a:r>
-              <a:rPr kumimoji="1" lang="ja-JP" altLang="en-US" dirty="0">
-                <a:latin typeface="+mn-ea"/>
-              </a:rPr>
-              <a:t>の更新時にランクアップが行われる</a:t>
-            </a:r>
-          </a:p>
-          <a:p>
-            <a:r>
-              <a:rPr kumimoji="1" lang="en-US" altLang="ja-JP" dirty="0">
-                <a:latin typeface="+mn-ea"/>
-              </a:rPr>
-              <a:t>AM3:00</a:t>
-            </a:r>
-            <a:r>
-              <a:rPr kumimoji="1" lang="ja-JP" altLang="en-US" dirty="0">
-                <a:latin typeface="+mn-ea"/>
-              </a:rPr>
-              <a:t>までに登録しなければ</a:t>
-            </a:r>
-            <a:r>
-              <a:rPr kumimoji="1" lang="en-US" altLang="ja-JP" dirty="0">
-                <a:latin typeface="+mn-ea"/>
-              </a:rPr>
-              <a:t>3</a:t>
-            </a:r>
-            <a:r>
-              <a:rPr kumimoji="1" lang="ja-JP" altLang="en-US" dirty="0">
-                <a:latin typeface="+mn-ea"/>
-              </a:rPr>
-              <a:t>ポイント減少する</a:t>
-            </a:r>
-            <a:endParaRPr kumimoji="1" lang="en-US" altLang="ja-JP" dirty="0">
-              <a:latin typeface="+mn-ea"/>
-            </a:endParaRPr>
-          </a:p>
-          <a:p>
-            <a:r>
-              <a:rPr lang="ja-JP" altLang="en-US" b="0" i="0" u="none" strike="noStrike" dirty="0">
-                <a:solidFill>
-                  <a:srgbClr val="000000"/>
-                </a:solidFill>
-                <a:effectLst/>
-                <a:latin typeface="+mn-ea"/>
-              </a:rPr>
-              <a:t>ランクごとに称号を付与する</a:t>
-            </a:r>
-            <a:r>
-              <a:rPr lang="en-US" altLang="ja-JP" b="0" i="0" u="none" strike="noStrike" dirty="0">
-                <a:solidFill>
-                  <a:srgbClr val="000000"/>
-                </a:solidFill>
-                <a:effectLst/>
-                <a:latin typeface="+mn-ea"/>
-              </a:rPr>
-              <a:t>(6</a:t>
-            </a:r>
-            <a:r>
-              <a:rPr lang="ja-JP" altLang="en-US" b="0" i="0" u="none" strike="noStrike" dirty="0">
-                <a:solidFill>
-                  <a:srgbClr val="000000"/>
-                </a:solidFill>
-                <a:effectLst/>
-                <a:latin typeface="+mn-ea"/>
-              </a:rPr>
-              <a:t>段階</a:t>
-            </a:r>
-            <a:r>
-              <a:rPr lang="en-US" altLang="ja-JP" b="0" i="0" u="none" strike="noStrike" dirty="0">
-                <a:solidFill>
-                  <a:srgbClr val="000000"/>
-                </a:solidFill>
-                <a:effectLst/>
-                <a:latin typeface="+mn-ea"/>
-              </a:rPr>
-              <a:t>)</a:t>
-            </a:r>
-            <a:br>
-              <a:rPr lang="en-US" altLang="ja-JP" b="0" i="0" u="none" strike="noStrike" dirty="0">
-                <a:solidFill>
-                  <a:srgbClr val="000000"/>
-                </a:solidFill>
-                <a:effectLst/>
-                <a:latin typeface="+mn-ea"/>
-              </a:rPr>
-            </a:br>
-            <a:r>
-              <a:rPr lang="en-US" altLang="ja-JP" b="0" i="0" u="none" strike="noStrike" dirty="0">
-                <a:solidFill>
-                  <a:srgbClr val="000000"/>
-                </a:solidFill>
-                <a:effectLst/>
-                <a:latin typeface="+mn-ea"/>
-              </a:rPr>
-              <a:t>3</a:t>
-            </a:r>
-            <a:r>
-              <a:rPr lang="ja-JP" altLang="en-US" b="0" i="0" u="none" strike="noStrike" dirty="0">
-                <a:solidFill>
-                  <a:srgbClr val="000000"/>
-                </a:solidFill>
-                <a:effectLst/>
-                <a:latin typeface="+mn-ea"/>
-              </a:rPr>
-              <a:t>か月</a:t>
-            </a:r>
-            <a:r>
-              <a:rPr lang="en-US" altLang="ja-JP" b="0" i="0" u="none" strike="noStrike" dirty="0">
-                <a:solidFill>
-                  <a:srgbClr val="000000"/>
-                </a:solidFill>
-                <a:effectLst/>
-                <a:latin typeface="+mn-ea"/>
-              </a:rPr>
-              <a:t>(90</a:t>
-            </a:r>
-            <a:r>
-              <a:rPr lang="ja-JP" altLang="en-US" b="0" i="0" u="none" strike="noStrike" dirty="0">
-                <a:solidFill>
-                  <a:srgbClr val="000000"/>
-                </a:solidFill>
-                <a:effectLst/>
-                <a:latin typeface="+mn-ea"/>
-              </a:rPr>
-              <a:t>日</a:t>
-            </a:r>
-            <a:r>
-              <a:rPr lang="en-US" altLang="ja-JP" b="0" i="0" u="none" strike="noStrike" dirty="0">
-                <a:solidFill>
-                  <a:srgbClr val="000000"/>
-                </a:solidFill>
-                <a:effectLst/>
-                <a:latin typeface="+mn-ea"/>
-              </a:rPr>
-              <a:t>)</a:t>
-            </a:r>
-            <a:br>
-              <a:rPr lang="en-US" altLang="ja-JP" b="0" i="0" u="none" strike="noStrike" dirty="0">
-                <a:solidFill>
-                  <a:srgbClr val="000000"/>
-                </a:solidFill>
-                <a:effectLst/>
-                <a:latin typeface="+mn-ea"/>
-              </a:rPr>
-            </a:br>
-            <a:r>
-              <a:rPr lang="ja-JP" altLang="en-US" b="0" i="0" u="none" strike="noStrike" dirty="0">
-                <a:solidFill>
-                  <a:srgbClr val="000000"/>
-                </a:solidFill>
-                <a:effectLst/>
-                <a:latin typeface="+mn-ea"/>
-              </a:rPr>
-              <a:t>「怠惰</a:t>
-            </a:r>
-            <a:r>
-              <a:rPr lang="en-US" altLang="ja-JP" b="0" i="0" u="none" strike="noStrike" dirty="0">
-                <a:solidFill>
-                  <a:srgbClr val="000000"/>
-                </a:solidFill>
-                <a:effectLst/>
-                <a:latin typeface="+mn-ea"/>
-              </a:rPr>
-              <a:t>(0</a:t>
-            </a:r>
-            <a:r>
-              <a:rPr lang="ja-JP" altLang="en-US" b="0" i="0" u="none" strike="noStrike" dirty="0">
-                <a:solidFill>
-                  <a:srgbClr val="000000"/>
-                </a:solidFill>
-                <a:effectLst/>
-                <a:latin typeface="+mn-ea"/>
-              </a:rPr>
-              <a:t>ポイント</a:t>
-            </a:r>
-            <a:r>
-              <a:rPr lang="en-US" altLang="ja-JP" b="0" i="0" u="none" strike="noStrike" dirty="0">
-                <a:solidFill>
-                  <a:srgbClr val="000000"/>
-                </a:solidFill>
-                <a:effectLst/>
-                <a:latin typeface="+mn-ea"/>
-              </a:rPr>
-              <a:t>)</a:t>
-            </a:r>
-            <a:r>
-              <a:rPr lang="ja-JP" altLang="en-US" b="0" i="0" u="none" strike="noStrike" dirty="0">
-                <a:solidFill>
-                  <a:srgbClr val="000000"/>
-                </a:solidFill>
-                <a:effectLst/>
-                <a:latin typeface="+mn-ea"/>
-              </a:rPr>
-              <a:t>、怠け者</a:t>
-            </a:r>
-            <a:r>
-              <a:rPr lang="en-US" altLang="ja-JP" b="0" i="0" u="none" strike="noStrike" dirty="0">
-                <a:solidFill>
-                  <a:srgbClr val="000000"/>
-                </a:solidFill>
-                <a:effectLst/>
-                <a:latin typeface="+mn-ea"/>
-              </a:rPr>
-              <a:t>(4</a:t>
-            </a:r>
-            <a:r>
-              <a:rPr lang="ja-JP" altLang="en-US" b="0" i="0" u="none" strike="noStrike" dirty="0">
-                <a:solidFill>
-                  <a:srgbClr val="000000"/>
-                </a:solidFill>
-                <a:effectLst/>
-                <a:latin typeface="+mn-ea"/>
-              </a:rPr>
-              <a:t>ポイント</a:t>
-            </a:r>
-            <a:r>
-              <a:rPr lang="en-US" altLang="ja-JP" b="0" i="0" u="none" strike="noStrike" dirty="0">
-                <a:solidFill>
-                  <a:srgbClr val="000000"/>
-                </a:solidFill>
-                <a:effectLst/>
-                <a:latin typeface="+mn-ea"/>
-              </a:rPr>
-              <a:t>)</a:t>
-            </a:r>
-            <a:r>
-              <a:rPr lang="ja-JP" altLang="en-US" b="0" i="0" u="none" strike="noStrike" dirty="0">
-                <a:solidFill>
-                  <a:srgbClr val="000000"/>
-                </a:solidFill>
-                <a:effectLst/>
-                <a:latin typeface="+mn-ea"/>
-              </a:rPr>
-              <a:t>、一般人</a:t>
-            </a:r>
-            <a:r>
-              <a:rPr lang="en-US" altLang="ja-JP" b="0" i="0" u="none" strike="noStrike" dirty="0">
-                <a:solidFill>
-                  <a:srgbClr val="000000"/>
-                </a:solidFill>
-                <a:effectLst/>
-                <a:latin typeface="+mn-ea"/>
-              </a:rPr>
-              <a:t>(14</a:t>
-            </a:r>
-            <a:r>
-              <a:rPr lang="ja-JP" altLang="en-US" b="0" i="0" u="none" strike="noStrike" dirty="0">
-                <a:solidFill>
-                  <a:srgbClr val="000000"/>
-                </a:solidFill>
-                <a:effectLst/>
-                <a:latin typeface="+mn-ea"/>
-              </a:rPr>
-              <a:t>ポイント</a:t>
-            </a:r>
-            <a:r>
-              <a:rPr lang="en-US" altLang="ja-JP" b="0" i="0" u="none" strike="noStrike" dirty="0">
-                <a:solidFill>
-                  <a:srgbClr val="000000"/>
-                </a:solidFill>
-                <a:effectLst/>
-                <a:latin typeface="+mn-ea"/>
-              </a:rPr>
-              <a:t>)</a:t>
-            </a:r>
-            <a:r>
-              <a:rPr lang="ja-JP" altLang="en-US" b="0" i="0" u="none" strike="noStrike" dirty="0">
-                <a:solidFill>
-                  <a:srgbClr val="000000"/>
-                </a:solidFill>
-                <a:effectLst/>
-                <a:latin typeface="+mn-ea"/>
-              </a:rPr>
-              <a:t>、エリート</a:t>
-            </a:r>
-            <a:r>
-              <a:rPr lang="en-US" altLang="ja-JP" b="0" i="0" u="none" strike="noStrike" dirty="0">
-                <a:solidFill>
-                  <a:srgbClr val="000000"/>
-                </a:solidFill>
-                <a:effectLst/>
-                <a:latin typeface="+mn-ea"/>
-              </a:rPr>
-              <a:t>(28</a:t>
-            </a:r>
-            <a:r>
-              <a:rPr lang="ja-JP" altLang="en-US" b="0" i="0" u="none" strike="noStrike" dirty="0">
-                <a:solidFill>
-                  <a:srgbClr val="000000"/>
-                </a:solidFill>
-                <a:effectLst/>
-                <a:latin typeface="+mn-ea"/>
-              </a:rPr>
-              <a:t>ポイント</a:t>
-            </a:r>
-            <a:r>
-              <a:rPr lang="en-US" altLang="ja-JP" b="0" i="0" u="none" strike="noStrike" dirty="0">
-                <a:solidFill>
-                  <a:srgbClr val="000000"/>
-                </a:solidFill>
-                <a:effectLst/>
-                <a:latin typeface="+mn-ea"/>
-              </a:rPr>
-              <a:t>)</a:t>
-            </a:r>
-            <a:r>
-              <a:rPr lang="ja-JP" altLang="en-US" b="0" i="0" u="none" strike="noStrike" dirty="0">
-                <a:solidFill>
-                  <a:srgbClr val="000000"/>
-                </a:solidFill>
-                <a:effectLst/>
-                <a:latin typeface="+mn-ea"/>
-              </a:rPr>
-              <a:t>、プロ</a:t>
-            </a:r>
-            <a:r>
-              <a:rPr lang="en-US" altLang="ja-JP" b="0" i="0" u="none" strike="noStrike" dirty="0">
-                <a:solidFill>
-                  <a:srgbClr val="000000"/>
-                </a:solidFill>
-                <a:effectLst/>
-                <a:latin typeface="+mn-ea"/>
-              </a:rPr>
-              <a:t>(56</a:t>
-            </a:r>
-            <a:r>
-              <a:rPr lang="ja-JP" altLang="en-US" b="0" i="0" u="none" strike="noStrike" dirty="0">
-                <a:solidFill>
-                  <a:srgbClr val="000000"/>
-                </a:solidFill>
-                <a:effectLst/>
-                <a:latin typeface="+mn-ea"/>
-              </a:rPr>
-              <a:t>ポイント</a:t>
-            </a:r>
-            <a:r>
-              <a:rPr lang="en-US" altLang="ja-JP" b="0" i="0" u="none" strike="noStrike" dirty="0">
-                <a:solidFill>
-                  <a:srgbClr val="000000"/>
-                </a:solidFill>
-                <a:effectLst/>
-                <a:latin typeface="+mn-ea"/>
-              </a:rPr>
-              <a:t>)</a:t>
-            </a:r>
-            <a:r>
-              <a:rPr lang="ja-JP" altLang="en-US" b="0" i="0" u="none" strike="noStrike" dirty="0">
-                <a:solidFill>
-                  <a:srgbClr val="000000"/>
-                </a:solidFill>
-                <a:effectLst/>
-                <a:latin typeface="+mn-ea"/>
-              </a:rPr>
-              <a:t>、レジェンド</a:t>
-            </a:r>
-            <a:r>
-              <a:rPr lang="en-US" altLang="ja-JP" b="0" i="0" u="none" strike="noStrike" dirty="0">
-                <a:solidFill>
-                  <a:srgbClr val="000000"/>
-                </a:solidFill>
-                <a:effectLst/>
-                <a:latin typeface="+mn-ea"/>
-              </a:rPr>
-              <a:t>(85</a:t>
-            </a:r>
-            <a:r>
-              <a:rPr lang="ja-JP" altLang="en-US" b="0" i="0" u="none" strike="noStrike" dirty="0">
-                <a:solidFill>
-                  <a:srgbClr val="000000"/>
-                </a:solidFill>
-                <a:effectLst/>
-                <a:latin typeface="+mn-ea"/>
-              </a:rPr>
-              <a:t>ポイント</a:t>
-            </a:r>
-            <a:r>
-              <a:rPr lang="en-US" altLang="ja-JP" b="0" i="0" u="none" strike="noStrike" dirty="0">
-                <a:solidFill>
-                  <a:srgbClr val="000000"/>
-                </a:solidFill>
-                <a:effectLst/>
-                <a:latin typeface="+mn-ea"/>
-              </a:rPr>
-              <a:t>)</a:t>
-            </a:r>
-            <a:r>
-              <a:rPr lang="ja-JP" altLang="en-US" b="0" i="0" u="none" strike="noStrike" dirty="0">
-                <a:solidFill>
-                  <a:srgbClr val="000000"/>
-                </a:solidFill>
-                <a:effectLst/>
-                <a:latin typeface="+mn-ea"/>
-              </a:rPr>
-              <a:t>」</a:t>
-            </a:r>
-            <a:r>
-              <a:rPr lang="ja-JP" altLang="en-US" dirty="0">
-                <a:latin typeface="+mn-ea"/>
-              </a:rPr>
-              <a:t> </a:t>
-            </a:r>
-            <a:endParaRPr lang="en-US" altLang="ja-JP" dirty="0">
-              <a:latin typeface="+mn-ea"/>
-            </a:endParaRPr>
-          </a:p>
-          <a:p>
-            <a:r>
-              <a:rPr lang="en-US" altLang="ja-JP" b="0" i="0" u="none" strike="noStrike" dirty="0">
-                <a:solidFill>
-                  <a:srgbClr val="000000"/>
-                </a:solidFill>
-                <a:effectLst/>
-                <a:latin typeface="+mn-ea"/>
-              </a:rPr>
-              <a:t>1</a:t>
-            </a:r>
-            <a:r>
-              <a:rPr lang="ja-JP" altLang="en-US" b="0" i="0" u="none" strike="noStrike" dirty="0">
-                <a:solidFill>
-                  <a:srgbClr val="000000"/>
-                </a:solidFill>
-                <a:effectLst/>
-                <a:latin typeface="+mn-ea"/>
-              </a:rPr>
-              <a:t>日の</a:t>
-            </a:r>
-            <a:r>
-              <a:rPr lang="en-US" altLang="ja-JP" b="0" i="0" u="none" strike="noStrike" dirty="0">
-                <a:solidFill>
-                  <a:srgbClr val="000000"/>
-                </a:solidFill>
-                <a:effectLst/>
-                <a:latin typeface="+mn-ea"/>
-              </a:rPr>
-              <a:t>AM3:00</a:t>
-            </a:r>
-            <a:r>
-              <a:rPr lang="ja-JP" altLang="en-US" b="0" i="0" u="none" strike="noStrike" dirty="0">
-                <a:solidFill>
-                  <a:srgbClr val="000000"/>
-                </a:solidFill>
-                <a:effectLst/>
-                <a:latin typeface="+mn-ea"/>
-              </a:rPr>
-              <a:t>に一番下のランクにリセットする</a:t>
-            </a:r>
-            <a:r>
-              <a:rPr lang="ja-JP" altLang="en-US" dirty="0">
-                <a:latin typeface="+mn-ea"/>
-              </a:rPr>
-              <a:t> </a:t>
-            </a:r>
-            <a:endParaRPr kumimoji="1" lang="ja-JP" altLang="en-US" dirty="0">
-              <a:latin typeface="+mn-ea"/>
-            </a:endParaRPr>
+            <a:endParaRPr kumimoji="1" lang="ja-JP" altLang="en-US" dirty="0"/>
           </a:p>
         </p:txBody>
       </p:sp>
     </p:spTree>
     <p:extLst>
       <p:ext uri="{BB962C8B-B14F-4D97-AF65-F5344CB8AC3E}">
-        <p14:creationId xmlns:p14="http://schemas.microsoft.com/office/powerpoint/2010/main" val="1771887683"/>
-      </p:ext>
-    </p:extLst>
-  </p:cSld>
-  <p:clrMapOvr>
-    <a:masterClrMapping/>
-  </p:clrMapOvr>
-  <mc:AlternateContent xmlns:mc="http://schemas.openxmlformats.org/markup-compatibility/2006" xmlns:p14="http://schemas.microsoft.com/office/powerpoint/2010/main">
-    <mc:Choice Requires="p14">
-      <p:transition spd="med" p14:dur="700">
-        <p:fade/>
-      </p:transition>
-    </mc:Choice>
-    <mc:Fallback xmlns="">
-      <p:transition spd="med">
-        <p:fade/>
-      </p:transition>
-    </mc:Fallback>
-  </mc:AlternateContent>
-</p:sld>
-</file>
-
-<file path=ppt/slides/slide24.xml><?xml version="1.0" encoding="utf-8"?>
-<p:sld xmlns:a="http://schemas.openxmlformats.org/drawingml/2006/main" xmlns:r="http://schemas.openxmlformats.org/officeDocument/2006/relationships" xmlns:p="http://schemas.openxmlformats.org/presentationml/2006/main" show="0">
-  <p:cSld>
-    <p:bg>
-      <p:bgPr>
-        <a:solidFill>
-          <a:schemeClr val="accent1">
-            <a:lumMod val="60000"/>
-            <a:lumOff val="40000"/>
-            <a:alpha val="45000"/>
-          </a:schemeClr>
-        </a:solidFill>
-        <a:effectLst/>
-      </p:bgPr>
-    </p:bg>
-    <p:spTree>
-      <p:nvGrpSpPr>
-        <p:cNvPr id="1" name=""/>
-        <p:cNvGrpSpPr/>
-        <p:nvPr/>
-      </p:nvGrpSpPr>
-      <p:grpSpPr>
-        <a:xfrm>
-          <a:off x="0" y="0"/>
-          <a:ext cx="0" cy="0"/>
-          <a:chOff x="0" y="0"/>
-          <a:chExt cx="0" cy="0"/>
-        </a:xfrm>
-      </p:grpSpPr>
-      <p:sp>
-        <p:nvSpPr>
-          <p:cNvPr id="2" name="タイトル 1">
-            <a:extLst>
-              <a:ext uri="{FF2B5EF4-FFF2-40B4-BE49-F238E27FC236}">
-                <a16:creationId xmlns:a16="http://schemas.microsoft.com/office/drawing/2014/main" id="{D0B7B6A5-057F-4CF9-8DE4-B6B371F593E8}"/>
-              </a:ext>
-            </a:extLst>
-          </p:cNvPr>
-          <p:cNvSpPr>
-            <a:spLocks noGrp="1"/>
-          </p:cNvSpPr>
-          <p:nvPr>
-            <p:ph type="title"/>
-          </p:nvPr>
-        </p:nvSpPr>
-        <p:spPr/>
-        <p:txBody>
-          <a:bodyPr/>
-          <a:lstStyle/>
-          <a:p>
-            <a:r>
-              <a:rPr kumimoji="1" lang="ja-JP" altLang="en-US" b="1" dirty="0">
-                <a:latin typeface="+mn-ea"/>
-                <a:ea typeface="+mn-ea"/>
-              </a:rPr>
-              <a:t>ランク制度</a:t>
-            </a:r>
-          </a:p>
-        </p:txBody>
-      </p:sp>
-      <p:sp>
-        <p:nvSpPr>
-          <p:cNvPr id="3" name="コンテンツ プレースホルダー 2">
-            <a:extLst>
-              <a:ext uri="{FF2B5EF4-FFF2-40B4-BE49-F238E27FC236}">
-                <a16:creationId xmlns:a16="http://schemas.microsoft.com/office/drawing/2014/main" id="{5C3EADF8-C0B0-45FB-B899-B35F668D066C}"/>
-              </a:ext>
-            </a:extLst>
-          </p:cNvPr>
-          <p:cNvSpPr>
-            <a:spLocks noGrp="1"/>
-          </p:cNvSpPr>
-          <p:nvPr>
-            <p:ph idx="1"/>
-          </p:nvPr>
-        </p:nvSpPr>
-        <p:spPr/>
-        <p:txBody>
-          <a:bodyPr>
-            <a:normAutofit/>
-          </a:bodyPr>
-          <a:lstStyle/>
-          <a:p>
-            <a:pPr marL="0" indent="0">
-              <a:buNone/>
-            </a:pPr>
-            <a:r>
-              <a:rPr lang="ja-JP" altLang="en-US" sz="4000" b="0" i="0" u="none" strike="noStrike" dirty="0">
-                <a:solidFill>
-                  <a:srgbClr val="000000"/>
-                </a:solidFill>
-                <a:effectLst/>
-                <a:latin typeface="+mn-ea"/>
-              </a:rPr>
-              <a:t>　　怠惰</a:t>
-            </a:r>
-            <a:r>
-              <a:rPr lang="en-US" altLang="ja-JP" sz="4000" b="0" i="0" u="none" strike="noStrike" dirty="0">
-                <a:solidFill>
-                  <a:srgbClr val="000000"/>
-                </a:solidFill>
-                <a:effectLst/>
-                <a:latin typeface="+mn-ea"/>
-              </a:rPr>
-              <a:t>(0</a:t>
-            </a:r>
-            <a:r>
-              <a:rPr lang="ja-JP" altLang="en-US" sz="4000" b="0" i="0" u="none" strike="noStrike" dirty="0">
-                <a:solidFill>
-                  <a:srgbClr val="000000"/>
-                </a:solidFill>
-                <a:effectLst/>
-                <a:latin typeface="+mn-ea"/>
-              </a:rPr>
-              <a:t>ポイント</a:t>
-            </a:r>
-            <a:r>
-              <a:rPr lang="en-US" altLang="ja-JP" sz="4000" b="0" i="0" u="none" strike="noStrike" dirty="0">
-                <a:solidFill>
-                  <a:srgbClr val="000000"/>
-                </a:solidFill>
-                <a:effectLst/>
-                <a:latin typeface="+mn-ea"/>
-              </a:rPr>
-              <a:t>)</a:t>
-            </a:r>
-            <a:endParaRPr lang="en-US" altLang="ja-JP" sz="4000" dirty="0">
-              <a:solidFill>
-                <a:srgbClr val="000000"/>
-              </a:solidFill>
-              <a:latin typeface="+mn-ea"/>
-            </a:endParaRPr>
-          </a:p>
-          <a:p>
-            <a:pPr marL="0" indent="0">
-              <a:buNone/>
-            </a:pPr>
-            <a:r>
-              <a:rPr lang="ja-JP" altLang="en-US" sz="4000" b="0" i="0" u="none" strike="noStrike" dirty="0">
-                <a:solidFill>
-                  <a:srgbClr val="000000"/>
-                </a:solidFill>
-                <a:effectLst/>
-                <a:latin typeface="+mn-ea"/>
-              </a:rPr>
-              <a:t>　　怠け者</a:t>
-            </a:r>
-            <a:r>
-              <a:rPr lang="en-US" altLang="ja-JP" sz="4000" b="0" i="0" u="none" strike="noStrike" dirty="0">
-                <a:solidFill>
-                  <a:srgbClr val="000000"/>
-                </a:solidFill>
-                <a:effectLst/>
-                <a:latin typeface="+mn-ea"/>
-              </a:rPr>
-              <a:t>(4</a:t>
-            </a:r>
-            <a:r>
-              <a:rPr lang="ja-JP" altLang="en-US" sz="4000" b="0" i="0" u="none" strike="noStrike" dirty="0">
-                <a:solidFill>
-                  <a:srgbClr val="000000"/>
-                </a:solidFill>
-                <a:effectLst/>
-                <a:latin typeface="+mn-ea"/>
-              </a:rPr>
-              <a:t>ポイント</a:t>
-            </a:r>
-            <a:r>
-              <a:rPr lang="en-US" altLang="ja-JP" sz="4000" b="0" i="0" u="none" strike="noStrike" dirty="0">
-                <a:solidFill>
-                  <a:srgbClr val="000000"/>
-                </a:solidFill>
-                <a:effectLst/>
-                <a:latin typeface="+mn-ea"/>
-              </a:rPr>
-              <a:t>)</a:t>
-            </a:r>
-            <a:endParaRPr lang="en-US" altLang="ja-JP" sz="4000" dirty="0">
-              <a:solidFill>
-                <a:srgbClr val="000000"/>
-              </a:solidFill>
-              <a:latin typeface="+mn-ea"/>
-            </a:endParaRPr>
-          </a:p>
-          <a:p>
-            <a:pPr marL="0" indent="0">
-              <a:buNone/>
-            </a:pPr>
-            <a:r>
-              <a:rPr lang="ja-JP" altLang="en-US" sz="4000" b="0" i="0" u="none" strike="noStrike" dirty="0">
-                <a:solidFill>
-                  <a:srgbClr val="000000"/>
-                </a:solidFill>
-                <a:effectLst/>
-                <a:latin typeface="+mn-ea"/>
-              </a:rPr>
-              <a:t>　　一般人</a:t>
-            </a:r>
-            <a:r>
-              <a:rPr lang="en-US" altLang="ja-JP" sz="4000" b="0" i="0" u="none" strike="noStrike" dirty="0">
-                <a:solidFill>
-                  <a:srgbClr val="000000"/>
-                </a:solidFill>
-                <a:effectLst/>
-                <a:latin typeface="+mn-ea"/>
-              </a:rPr>
-              <a:t>(14</a:t>
-            </a:r>
-            <a:r>
-              <a:rPr lang="ja-JP" altLang="en-US" sz="4000" b="0" i="0" u="none" strike="noStrike" dirty="0">
-                <a:solidFill>
-                  <a:srgbClr val="000000"/>
-                </a:solidFill>
-                <a:effectLst/>
-                <a:latin typeface="+mn-ea"/>
-              </a:rPr>
-              <a:t>ポイント</a:t>
-            </a:r>
-            <a:r>
-              <a:rPr lang="en-US" altLang="ja-JP" sz="4000" b="0" i="0" u="none" strike="noStrike" dirty="0">
-                <a:solidFill>
-                  <a:srgbClr val="000000"/>
-                </a:solidFill>
-                <a:effectLst/>
-                <a:latin typeface="+mn-ea"/>
-              </a:rPr>
-              <a:t>)</a:t>
-            </a:r>
-            <a:endParaRPr lang="en-US" altLang="ja-JP" sz="4000" dirty="0">
-              <a:solidFill>
-                <a:srgbClr val="000000"/>
-              </a:solidFill>
-              <a:latin typeface="+mn-ea"/>
-            </a:endParaRPr>
-          </a:p>
-          <a:p>
-            <a:pPr marL="0" indent="0">
-              <a:buNone/>
-            </a:pPr>
-            <a:r>
-              <a:rPr lang="ja-JP" altLang="en-US" sz="4000" b="0" i="0" u="none" strike="noStrike" dirty="0">
-                <a:solidFill>
-                  <a:srgbClr val="000000"/>
-                </a:solidFill>
-                <a:effectLst/>
-                <a:latin typeface="+mn-ea"/>
-              </a:rPr>
-              <a:t>　　エリート</a:t>
-            </a:r>
-            <a:r>
-              <a:rPr lang="en-US" altLang="ja-JP" sz="4000" b="0" i="0" u="none" strike="noStrike" dirty="0">
-                <a:solidFill>
-                  <a:srgbClr val="000000"/>
-                </a:solidFill>
-                <a:effectLst/>
-                <a:latin typeface="+mn-ea"/>
-              </a:rPr>
-              <a:t>(28</a:t>
-            </a:r>
-            <a:r>
-              <a:rPr lang="ja-JP" altLang="en-US" sz="4000" b="0" i="0" u="none" strike="noStrike" dirty="0">
-                <a:solidFill>
-                  <a:srgbClr val="000000"/>
-                </a:solidFill>
-                <a:effectLst/>
-                <a:latin typeface="+mn-ea"/>
-              </a:rPr>
-              <a:t>ポイント</a:t>
-            </a:r>
-            <a:r>
-              <a:rPr lang="en-US" altLang="ja-JP" sz="4000" b="0" i="0" u="none" strike="noStrike" dirty="0">
-                <a:solidFill>
-                  <a:srgbClr val="000000"/>
-                </a:solidFill>
-                <a:effectLst/>
-                <a:latin typeface="+mn-ea"/>
-              </a:rPr>
-              <a:t>)</a:t>
-            </a:r>
-            <a:endParaRPr lang="en-US" altLang="ja-JP" sz="4000" dirty="0">
-              <a:solidFill>
-                <a:srgbClr val="000000"/>
-              </a:solidFill>
-              <a:latin typeface="+mn-ea"/>
-            </a:endParaRPr>
-          </a:p>
-          <a:p>
-            <a:pPr marL="0" indent="0">
-              <a:buNone/>
-            </a:pPr>
-            <a:r>
-              <a:rPr lang="ja-JP" altLang="en-US" sz="4000" b="0" i="0" u="none" strike="noStrike" dirty="0">
-                <a:solidFill>
-                  <a:srgbClr val="000000"/>
-                </a:solidFill>
-                <a:effectLst/>
-                <a:latin typeface="+mn-ea"/>
-              </a:rPr>
-              <a:t>　　プロ</a:t>
-            </a:r>
-            <a:r>
-              <a:rPr lang="en-US" altLang="ja-JP" sz="4000" b="0" i="0" u="none" strike="noStrike" dirty="0">
-                <a:solidFill>
-                  <a:srgbClr val="000000"/>
-                </a:solidFill>
-                <a:effectLst/>
-                <a:latin typeface="+mn-ea"/>
-              </a:rPr>
-              <a:t>(56</a:t>
-            </a:r>
-            <a:r>
-              <a:rPr lang="ja-JP" altLang="en-US" sz="4000" b="0" i="0" u="none" strike="noStrike" dirty="0">
-                <a:solidFill>
-                  <a:srgbClr val="000000"/>
-                </a:solidFill>
-                <a:effectLst/>
-                <a:latin typeface="+mn-ea"/>
-              </a:rPr>
-              <a:t>ポイント</a:t>
-            </a:r>
-            <a:r>
-              <a:rPr lang="en-US" altLang="ja-JP" sz="4000" b="0" i="0" u="none" strike="noStrike" dirty="0">
-                <a:solidFill>
-                  <a:srgbClr val="000000"/>
-                </a:solidFill>
-                <a:effectLst/>
-                <a:latin typeface="+mn-ea"/>
-              </a:rPr>
-              <a:t>)</a:t>
-            </a:r>
-            <a:endParaRPr lang="en-US" altLang="ja-JP" sz="4000" dirty="0">
-              <a:solidFill>
-                <a:srgbClr val="000000"/>
-              </a:solidFill>
-              <a:latin typeface="+mn-ea"/>
-            </a:endParaRPr>
-          </a:p>
-          <a:p>
-            <a:pPr marL="0" indent="0">
-              <a:buNone/>
-            </a:pPr>
-            <a:r>
-              <a:rPr lang="ja-JP" altLang="en-US" sz="4000" b="0" i="0" u="none" strike="noStrike" dirty="0">
-                <a:solidFill>
-                  <a:srgbClr val="000000"/>
-                </a:solidFill>
-                <a:effectLst/>
-                <a:latin typeface="+mn-ea"/>
-              </a:rPr>
-              <a:t>　　レジェンド</a:t>
-            </a:r>
-            <a:r>
-              <a:rPr lang="en-US" altLang="ja-JP" sz="4000" b="0" i="0" u="none" strike="noStrike" dirty="0">
-                <a:solidFill>
-                  <a:srgbClr val="000000"/>
-                </a:solidFill>
-                <a:effectLst/>
-                <a:latin typeface="+mn-ea"/>
-              </a:rPr>
-              <a:t>(85</a:t>
-            </a:r>
-            <a:r>
-              <a:rPr lang="ja-JP" altLang="en-US" sz="4000" b="0" i="0" u="none" strike="noStrike" dirty="0">
-                <a:solidFill>
-                  <a:srgbClr val="000000"/>
-                </a:solidFill>
-                <a:effectLst/>
-                <a:latin typeface="+mn-ea"/>
-              </a:rPr>
-              <a:t>ポイント</a:t>
-            </a:r>
-            <a:r>
-              <a:rPr lang="en-US" altLang="ja-JP" sz="4000" b="0" i="0" u="none" strike="noStrike" dirty="0">
-                <a:solidFill>
-                  <a:srgbClr val="000000"/>
-                </a:solidFill>
-                <a:effectLst/>
-                <a:latin typeface="+mn-ea"/>
-              </a:rPr>
-              <a:t>)</a:t>
-            </a:r>
-            <a:endParaRPr kumimoji="1" lang="ja-JP" altLang="en-US" sz="4000" dirty="0"/>
-          </a:p>
-        </p:txBody>
-      </p:sp>
-      <p:pic>
-        <p:nvPicPr>
-          <p:cNvPr id="1026" name="Picture 2" descr="ナマケモノのイラスト">
-            <a:extLst>
-              <a:ext uri="{FF2B5EF4-FFF2-40B4-BE49-F238E27FC236}">
-                <a16:creationId xmlns:a16="http://schemas.microsoft.com/office/drawing/2014/main" id="{F4D6A1BD-4D1E-432E-BB5C-B982F2CF632B}"/>
-              </a:ext>
-            </a:extLst>
-          </p:cNvPr>
-          <p:cNvPicPr>
-            <a:picLocks noChangeAspect="1" noChangeArrowheads="1"/>
-          </p:cNvPicPr>
-          <p:nvPr/>
-        </p:nvPicPr>
-        <p:blipFill>
-          <a:blip r:embed="rId2">
-            <a:extLst>
-              <a:ext uri="{28A0092B-C50C-407E-A947-70E740481C1C}">
-                <a14:useLocalDpi xmlns:a14="http://schemas.microsoft.com/office/drawing/2010/main" val="0"/>
-              </a:ext>
-            </a:extLst>
-          </a:blip>
-          <a:srcRect/>
-          <a:stretch>
-            <a:fillRect/>
-          </a:stretch>
-        </p:blipFill>
-        <p:spPr bwMode="auto">
-          <a:xfrm>
-            <a:off x="933247" y="2451782"/>
-            <a:ext cx="667838" cy="667838"/>
-          </a:xfrm>
-          <a:prstGeom prst="rect">
-            <a:avLst/>
-          </a:prstGeom>
-          <a:noFill/>
-          <a:extLst>
-            <a:ext uri="{909E8E84-426E-40DD-AFC4-6F175D3DCCD1}">
-              <a14:hiddenFill xmlns:a14="http://schemas.microsoft.com/office/drawing/2010/main">
-                <a:solidFill>
-                  <a:srgbClr val="FFFFFF"/>
-                </a:solidFill>
-              </a14:hiddenFill>
-            </a:ext>
-          </a:extLst>
-        </p:spPr>
-      </p:pic>
-      <p:pic>
-        <p:nvPicPr>
-          <p:cNvPr id="1028" name="Picture 4" descr="勲章・メダルのイラスト（赤）">
-            <a:extLst>
-              <a:ext uri="{FF2B5EF4-FFF2-40B4-BE49-F238E27FC236}">
-                <a16:creationId xmlns:a16="http://schemas.microsoft.com/office/drawing/2014/main" id="{2DF0F093-5510-492D-89EC-4D0D4D71FD79}"/>
-              </a:ext>
-            </a:extLst>
-          </p:cNvPr>
-          <p:cNvPicPr>
-            <a:picLocks noChangeAspect="1" noChangeArrowheads="1"/>
-          </p:cNvPicPr>
-          <p:nvPr/>
-        </p:nvPicPr>
-        <p:blipFill rotWithShape="1">
-          <a:blip r:embed="rId3">
-            <a:extLst>
-              <a:ext uri="{28A0092B-C50C-407E-A947-70E740481C1C}">
-                <a14:useLocalDpi xmlns:a14="http://schemas.microsoft.com/office/drawing/2010/main" val="0"/>
-              </a:ext>
-            </a:extLst>
-          </a:blip>
-          <a:srcRect l="-16338" t="24344" r="1"/>
-          <a:stretch/>
-        </p:blipFill>
-        <p:spPr bwMode="auto">
-          <a:xfrm>
-            <a:off x="933247" y="5172891"/>
-            <a:ext cx="627263" cy="807756"/>
-          </a:xfrm>
-          <a:prstGeom prst="rect">
-            <a:avLst/>
-          </a:prstGeom>
-          <a:noFill/>
-          <a:extLst>
-            <a:ext uri="{909E8E84-426E-40DD-AFC4-6F175D3DCCD1}">
-              <a14:hiddenFill xmlns:a14="http://schemas.microsoft.com/office/drawing/2010/main">
-                <a:solidFill>
-                  <a:srgbClr val="FFFFFF"/>
-                </a:solidFill>
-              </a14:hiddenFill>
-            </a:ext>
-          </a:extLst>
-        </p:spPr>
-      </p:pic>
-    </p:spTree>
-    <p:extLst>
-      <p:ext uri="{BB962C8B-B14F-4D97-AF65-F5344CB8AC3E}">
-        <p14:creationId xmlns:p14="http://schemas.microsoft.com/office/powerpoint/2010/main" val="2566152858"/>
-      </p:ext>
-    </p:extLst>
-  </p:cSld>
-  <p:clrMapOvr>
-    <a:masterClrMapping/>
-  </p:clrMapOvr>
-  <mc:AlternateContent xmlns:mc="http://schemas.openxmlformats.org/markup-compatibility/2006" xmlns:p14="http://schemas.microsoft.com/office/powerpoint/2010/main">
-    <mc:Choice Requires="p14">
-      <p:transition spd="med" p14:dur="700">
-        <p:fade/>
-      </p:transition>
-    </mc:Choice>
-    <mc:Fallback xmlns="">
-      <p:transition spd="med">
-        <p:fade/>
-      </p:transition>
-    </mc:Fallback>
-  </mc:AlternateContent>
-</p:sld>
-</file>
-
-<file path=ppt/slides/slide25.xml><?xml version="1.0" encoding="utf-8"?>
-<p:sld xmlns:a="http://schemas.openxmlformats.org/drawingml/2006/main" xmlns:r="http://schemas.openxmlformats.org/officeDocument/2006/relationships" xmlns:p="http://schemas.openxmlformats.org/presentationml/2006/main" show="0">
-  <p:cSld>
-    <p:bg>
-      <p:bgPr>
-        <a:solidFill>
-          <a:schemeClr val="accent1">
-            <a:lumMod val="60000"/>
-            <a:lumOff val="40000"/>
-            <a:alpha val="45000"/>
-          </a:schemeClr>
-        </a:solidFill>
-        <a:effectLst/>
-      </p:bgPr>
-    </p:bg>
-    <p:spTree>
-      <p:nvGrpSpPr>
-        <p:cNvPr id="1" name=""/>
-        <p:cNvGrpSpPr/>
-        <p:nvPr/>
-      </p:nvGrpSpPr>
-      <p:grpSpPr>
-        <a:xfrm>
-          <a:off x="0" y="0"/>
-          <a:ext cx="0" cy="0"/>
-          <a:chOff x="0" y="0"/>
-          <a:chExt cx="0" cy="0"/>
-        </a:xfrm>
-      </p:grpSpPr>
-      <p:pic>
-        <p:nvPicPr>
-          <p:cNvPr id="5" name="コンテンツ プレースホルダー 4">
-            <a:extLst>
-              <a:ext uri="{FF2B5EF4-FFF2-40B4-BE49-F238E27FC236}">
-                <a16:creationId xmlns:a16="http://schemas.microsoft.com/office/drawing/2014/main" id="{42A25BB5-6D17-4732-B2C3-646016417A44}"/>
-              </a:ext>
-            </a:extLst>
-          </p:cNvPr>
-          <p:cNvPicPr>
-            <a:picLocks noGrp="1" noChangeAspect="1"/>
-          </p:cNvPicPr>
-          <p:nvPr>
-            <p:ph idx="1"/>
-          </p:nvPr>
-        </p:nvPicPr>
-        <p:blipFill>
-          <a:blip r:embed="rId2"/>
-          <a:stretch>
-            <a:fillRect/>
-          </a:stretch>
-        </p:blipFill>
-        <p:spPr>
-          <a:xfrm>
-            <a:off x="2047692" y="212706"/>
-            <a:ext cx="8096615" cy="6432588"/>
-          </a:xfrm>
-        </p:spPr>
-      </p:pic>
-    </p:spTree>
-    <p:extLst>
-      <p:ext uri="{BB962C8B-B14F-4D97-AF65-F5344CB8AC3E}">
-        <p14:creationId xmlns:p14="http://schemas.microsoft.com/office/powerpoint/2010/main" val="1617141547"/>
+        <p14:creationId xmlns:p14="http://schemas.microsoft.com/office/powerpoint/2010/main" val="4066114779"/>
       </p:ext>
     </p:extLst>
   </p:cSld>
@@ -18292,7 +18639,7 @@
 </file>
 
 <file path=ppt/slides/slide28.xml><?xml version="1.0" encoding="utf-8"?>
-<p:sld xmlns:a="http://schemas.openxmlformats.org/drawingml/2006/main" xmlns:r="http://schemas.openxmlformats.org/officeDocument/2006/relationships" xmlns:p="http://schemas.openxmlformats.org/presentationml/2006/main" show="0">
+<p:sld xmlns:a="http://schemas.openxmlformats.org/drawingml/2006/main" xmlns:r="http://schemas.openxmlformats.org/officeDocument/2006/relationships" xmlns:p="http://schemas.openxmlformats.org/presentationml/2006/main">
   <p:cSld>
     <p:spTree>
       <p:nvGrpSpPr>
@@ -18393,14 +18740,6 @@
             <a:pPr marL="0" indent="0">
               <a:buNone/>
             </a:pPr>
-            <a:r>
-              <a:rPr kumimoji="1" lang="ja-JP" altLang="en-US" sz="3600" b="1" dirty="0">
-                <a:solidFill>
-                  <a:srgbClr val="FF9999"/>
-                </a:solidFill>
-              </a:rPr>
-              <a:t>今後</a:t>
-            </a:r>
             <a:endParaRPr kumimoji="1" lang="en-US" altLang="ja-JP" dirty="0"/>
           </a:p>
         </p:txBody>
@@ -18415,13 +18754,13 @@
   <p:clrMapOvr>
     <a:masterClrMapping/>
   </p:clrMapOvr>
-  <mc:AlternateContent xmlns:mc="http://schemas.openxmlformats.org/markup-compatibility/2006" xmlns:p14="http://schemas.microsoft.com/office/powerpoint/2010/main">
-    <mc:Choice Requires="p14">
+  <mc:AlternateContent xmlns:mc="http://schemas.openxmlformats.org/markup-compatibility/2006">
+    <mc:Choice xmlns:p14="http://schemas.microsoft.com/office/powerpoint/2010/main" Requires="p14">
       <p:transition spd="med" p14:dur="700">
         <p:fade/>
       </p:transition>
     </mc:Choice>
-    <mc:Fallback xmlns="">
+    <mc:Fallback>
       <p:transition spd="med">
         <p:fade/>
       </p:transition>
@@ -18647,7 +18986,7 @@
         <p:spPr/>
         <p:txBody>
           <a:bodyPr>
-            <a:normAutofit fontScale="92500" lnSpcReduction="20000"/>
+            <a:normAutofit fontScale="85000" lnSpcReduction="20000"/>
           </a:bodyPr>
           <a:lstStyle/>
           <a:p>

--- a/共有用フォルダー/成果発表.pptx
+++ b/共有用フォルダー/成果発表.pptx
@@ -26,16 +26,16 @@
     <p:sldId id="265" r:id="rId17"/>
     <p:sldId id="289" r:id="rId18"/>
     <p:sldId id="303" r:id="rId19"/>
-    <p:sldId id="302" r:id="rId20"/>
-    <p:sldId id="279" r:id="rId21"/>
-    <p:sldId id="296" r:id="rId22"/>
-    <p:sldId id="304" r:id="rId23"/>
-    <p:sldId id="285" r:id="rId24"/>
-    <p:sldId id="292" r:id="rId25"/>
-    <p:sldId id="305" r:id="rId26"/>
-    <p:sldId id="286" r:id="rId27"/>
-    <p:sldId id="291" r:id="rId28"/>
-    <p:sldId id="293" r:id="rId29"/>
+    <p:sldId id="279" r:id="rId20"/>
+    <p:sldId id="296" r:id="rId21"/>
+    <p:sldId id="304" r:id="rId22"/>
+    <p:sldId id="285" r:id="rId23"/>
+    <p:sldId id="292" r:id="rId24"/>
+    <p:sldId id="305" r:id="rId25"/>
+    <p:sldId id="286" r:id="rId26"/>
+    <p:sldId id="291" r:id="rId27"/>
+    <p:sldId id="293" r:id="rId28"/>
+    <p:sldId id="307" r:id="rId29"/>
     <p:sldId id="295" r:id="rId30"/>
   </p:sldIdLst>
   <p:sldSz cx="12192000" cy="6858000"/>
@@ -4668,7 +4668,9 @@
           <a:bodyPr/>
           <a:lstStyle/>
           <a:p>
-            <a:endParaRPr kumimoji="1" lang="en-US" altLang="ja-JP" b="0" dirty="0"/>
+            <a:endParaRPr lang="en-US" altLang="ja-JP" sz="1200" b="0" dirty="0">
+              <a:latin typeface="+mn-ea"/>
+            </a:endParaRPr>
           </a:p>
         </p:txBody>
       </p:sp>
@@ -4698,7 +4700,7 @@
     </p:spTree>
     <p:extLst>
       <p:ext uri="{BB962C8B-B14F-4D97-AF65-F5344CB8AC3E}">
-        <p14:creationId xmlns:p14="http://schemas.microsoft.com/office/powerpoint/2010/main" val="599486072"/>
+        <p14:creationId xmlns:p14="http://schemas.microsoft.com/office/powerpoint/2010/main" val="1952297387"/>
       </p:ext>
     </p:extLst>
   </p:cSld>
@@ -4752,7 +4754,509 @@
           <a:bodyPr/>
           <a:lstStyle/>
           <a:p>
-            <a:endParaRPr lang="en-US" altLang="ja-JP" sz="1200" b="0" dirty="0">
+            <a:r>
+              <a:rPr kumimoji="1" lang="en-US" altLang="ja-JP" dirty="0">
+                <a:latin typeface="+mn-ea"/>
+              </a:rPr>
+              <a:t>1</a:t>
+            </a:r>
+            <a:r>
+              <a:rPr kumimoji="1" lang="ja-JP" altLang="en-US" dirty="0">
+                <a:latin typeface="+mn-ea"/>
+              </a:rPr>
+              <a:t>日</a:t>
+            </a:r>
+            <a:r>
+              <a:rPr kumimoji="1" lang="en-US" altLang="ja-JP" dirty="0">
+                <a:latin typeface="+mn-ea"/>
+              </a:rPr>
+              <a:t>1</a:t>
+            </a:r>
+            <a:r>
+              <a:rPr kumimoji="1" lang="ja-JP" altLang="en-US" dirty="0">
+                <a:latin typeface="+mn-ea"/>
+              </a:rPr>
+              <a:t>回の登録で</a:t>
+            </a:r>
+            <a:r>
+              <a:rPr kumimoji="1" lang="en-US" altLang="ja-JP" dirty="0">
+                <a:latin typeface="+mn-ea"/>
+              </a:rPr>
+              <a:t>1</a:t>
+            </a:r>
+            <a:r>
+              <a:rPr kumimoji="1" lang="ja-JP" altLang="en-US" dirty="0">
+                <a:latin typeface="+mn-ea"/>
+              </a:rPr>
+              <a:t>ポイント増加する</a:t>
+            </a:r>
+            <a:endParaRPr kumimoji="1" lang="en-US" altLang="ja-JP" dirty="0">
+              <a:latin typeface="+mn-ea"/>
+            </a:endParaRPr>
+          </a:p>
+          <a:p>
+            <a:pPr marL="0" indent="0">
+              <a:buNone/>
+            </a:pPr>
+            <a:r>
+              <a:rPr kumimoji="1" lang="en-US" altLang="ja-JP" dirty="0">
+                <a:latin typeface="+mn-ea"/>
+              </a:rPr>
+              <a:t>AM3:00</a:t>
+            </a:r>
+            <a:r>
+              <a:rPr kumimoji="1" lang="ja-JP" altLang="en-US" dirty="0">
+                <a:latin typeface="+mn-ea"/>
+              </a:rPr>
+              <a:t>の更新時にランクアップが行われる</a:t>
+            </a:r>
+          </a:p>
+          <a:p>
+            <a:r>
+              <a:rPr kumimoji="1" lang="en-US" altLang="ja-JP" dirty="0">
+                <a:latin typeface="+mn-ea"/>
+              </a:rPr>
+              <a:t>AM3:00</a:t>
+            </a:r>
+            <a:r>
+              <a:rPr kumimoji="1" lang="ja-JP" altLang="en-US" dirty="0">
+                <a:latin typeface="+mn-ea"/>
+              </a:rPr>
+              <a:t>までに登録しなければ</a:t>
+            </a:r>
+            <a:r>
+              <a:rPr kumimoji="1" lang="en-US" altLang="ja-JP" dirty="0">
+                <a:latin typeface="+mn-ea"/>
+              </a:rPr>
+              <a:t>3</a:t>
+            </a:r>
+            <a:r>
+              <a:rPr kumimoji="1" lang="ja-JP" altLang="en-US" dirty="0">
+                <a:latin typeface="+mn-ea"/>
+              </a:rPr>
+              <a:t>ポイント減少する</a:t>
+            </a:r>
+            <a:endParaRPr kumimoji="1" lang="en-US" altLang="ja-JP" dirty="0">
+              <a:latin typeface="+mn-ea"/>
+            </a:endParaRPr>
+          </a:p>
+          <a:p>
+            <a:r>
+              <a:rPr lang="ja-JP" altLang="en-US" b="0" i="0" u="none" strike="noStrike" dirty="0">
+                <a:solidFill>
+                  <a:srgbClr val="000000"/>
+                </a:solidFill>
+                <a:effectLst/>
+                <a:latin typeface="+mn-ea"/>
+              </a:rPr>
+              <a:t>ランクごとに称号を付与する</a:t>
+            </a:r>
+            <a:r>
+              <a:rPr lang="en-US" altLang="ja-JP" b="0" i="0" u="none" strike="noStrike" dirty="0">
+                <a:solidFill>
+                  <a:srgbClr val="000000"/>
+                </a:solidFill>
+                <a:effectLst/>
+                <a:latin typeface="+mn-ea"/>
+              </a:rPr>
+              <a:t>(6</a:t>
+            </a:r>
+            <a:r>
+              <a:rPr lang="ja-JP" altLang="en-US" b="0" i="0" u="none" strike="noStrike" dirty="0">
+                <a:solidFill>
+                  <a:srgbClr val="000000"/>
+                </a:solidFill>
+                <a:effectLst/>
+                <a:latin typeface="+mn-ea"/>
+              </a:rPr>
+              <a:t>段階</a:t>
+            </a:r>
+            <a:r>
+              <a:rPr lang="en-US" altLang="ja-JP" b="0" i="0" u="none" strike="noStrike" dirty="0">
+                <a:solidFill>
+                  <a:srgbClr val="000000"/>
+                </a:solidFill>
+                <a:effectLst/>
+                <a:latin typeface="+mn-ea"/>
+              </a:rPr>
+              <a:t>)</a:t>
+            </a:r>
+            <a:br>
+              <a:rPr lang="en-US" altLang="ja-JP" b="0" i="0" u="none" strike="noStrike" dirty="0">
+                <a:solidFill>
+                  <a:srgbClr val="000000"/>
+                </a:solidFill>
+                <a:effectLst/>
+                <a:latin typeface="+mn-ea"/>
+              </a:rPr>
+            </a:br>
+            <a:r>
+              <a:rPr lang="en-US" altLang="ja-JP" b="0" i="0" u="none" strike="noStrike" dirty="0">
+                <a:solidFill>
+                  <a:srgbClr val="000000"/>
+                </a:solidFill>
+                <a:effectLst/>
+                <a:latin typeface="+mn-ea"/>
+              </a:rPr>
+              <a:t>3</a:t>
+            </a:r>
+            <a:r>
+              <a:rPr lang="ja-JP" altLang="en-US" b="0" i="0" u="none" strike="noStrike" dirty="0">
+                <a:solidFill>
+                  <a:srgbClr val="000000"/>
+                </a:solidFill>
+                <a:effectLst/>
+                <a:latin typeface="+mn-ea"/>
+              </a:rPr>
+              <a:t>か月</a:t>
+            </a:r>
+            <a:r>
+              <a:rPr lang="en-US" altLang="ja-JP" b="0" i="0" u="none" strike="noStrike" dirty="0">
+                <a:solidFill>
+                  <a:srgbClr val="000000"/>
+                </a:solidFill>
+                <a:effectLst/>
+                <a:latin typeface="+mn-ea"/>
+              </a:rPr>
+              <a:t>(90</a:t>
+            </a:r>
+            <a:r>
+              <a:rPr lang="ja-JP" altLang="en-US" b="0" i="0" u="none" strike="noStrike" dirty="0">
+                <a:solidFill>
+                  <a:srgbClr val="000000"/>
+                </a:solidFill>
+                <a:effectLst/>
+                <a:latin typeface="+mn-ea"/>
+              </a:rPr>
+              <a:t>日</a:t>
+            </a:r>
+            <a:r>
+              <a:rPr lang="en-US" altLang="ja-JP" b="0" i="0" u="none" strike="noStrike" dirty="0">
+                <a:solidFill>
+                  <a:srgbClr val="000000"/>
+                </a:solidFill>
+                <a:effectLst/>
+                <a:latin typeface="+mn-ea"/>
+              </a:rPr>
+              <a:t>)</a:t>
+            </a:r>
+            <a:br>
+              <a:rPr lang="en-US" altLang="ja-JP" b="0" i="0" u="none" strike="noStrike" dirty="0">
+                <a:solidFill>
+                  <a:srgbClr val="000000"/>
+                </a:solidFill>
+                <a:effectLst/>
+                <a:latin typeface="+mn-ea"/>
+              </a:rPr>
+            </a:br>
+            <a:r>
+              <a:rPr lang="ja-JP" altLang="en-US" b="0" i="0" u="none" strike="noStrike" dirty="0">
+                <a:solidFill>
+                  <a:srgbClr val="000000"/>
+                </a:solidFill>
+                <a:effectLst/>
+                <a:latin typeface="+mn-ea"/>
+              </a:rPr>
+              <a:t>「怠惰</a:t>
+            </a:r>
+            <a:r>
+              <a:rPr lang="en-US" altLang="ja-JP" b="0" i="0" u="none" strike="noStrike" dirty="0">
+                <a:solidFill>
+                  <a:srgbClr val="000000"/>
+                </a:solidFill>
+                <a:effectLst/>
+                <a:latin typeface="+mn-ea"/>
+              </a:rPr>
+              <a:t>(0</a:t>
+            </a:r>
+            <a:r>
+              <a:rPr lang="ja-JP" altLang="en-US" b="0" i="0" u="none" strike="noStrike" dirty="0">
+                <a:solidFill>
+                  <a:srgbClr val="000000"/>
+                </a:solidFill>
+                <a:effectLst/>
+                <a:latin typeface="+mn-ea"/>
+              </a:rPr>
+              <a:t>ポイント</a:t>
+            </a:r>
+            <a:r>
+              <a:rPr lang="en-US" altLang="ja-JP" b="0" i="0" u="none" strike="noStrike" dirty="0">
+                <a:solidFill>
+                  <a:srgbClr val="000000"/>
+                </a:solidFill>
+                <a:effectLst/>
+                <a:latin typeface="+mn-ea"/>
+              </a:rPr>
+              <a:t>)</a:t>
+            </a:r>
+            <a:r>
+              <a:rPr lang="ja-JP" altLang="en-US" b="0" i="0" u="none" strike="noStrike" dirty="0">
+                <a:solidFill>
+                  <a:srgbClr val="000000"/>
+                </a:solidFill>
+                <a:effectLst/>
+                <a:latin typeface="+mn-ea"/>
+              </a:rPr>
+              <a:t>、怠け者</a:t>
+            </a:r>
+            <a:r>
+              <a:rPr lang="en-US" altLang="ja-JP" b="0" i="0" u="none" strike="noStrike" dirty="0">
+                <a:solidFill>
+                  <a:srgbClr val="000000"/>
+                </a:solidFill>
+                <a:effectLst/>
+                <a:latin typeface="+mn-ea"/>
+              </a:rPr>
+              <a:t>(4</a:t>
+            </a:r>
+            <a:r>
+              <a:rPr lang="ja-JP" altLang="en-US" b="0" i="0" u="none" strike="noStrike" dirty="0">
+                <a:solidFill>
+                  <a:srgbClr val="000000"/>
+                </a:solidFill>
+                <a:effectLst/>
+                <a:latin typeface="+mn-ea"/>
+              </a:rPr>
+              <a:t>ポイント</a:t>
+            </a:r>
+            <a:r>
+              <a:rPr lang="en-US" altLang="ja-JP" b="0" i="0" u="none" strike="noStrike" dirty="0">
+                <a:solidFill>
+                  <a:srgbClr val="000000"/>
+                </a:solidFill>
+                <a:effectLst/>
+                <a:latin typeface="+mn-ea"/>
+              </a:rPr>
+              <a:t>)</a:t>
+            </a:r>
+            <a:r>
+              <a:rPr lang="ja-JP" altLang="en-US" b="0" i="0" u="none" strike="noStrike" dirty="0">
+                <a:solidFill>
+                  <a:srgbClr val="000000"/>
+                </a:solidFill>
+                <a:effectLst/>
+                <a:latin typeface="+mn-ea"/>
+              </a:rPr>
+              <a:t>、一般人</a:t>
+            </a:r>
+            <a:r>
+              <a:rPr lang="en-US" altLang="ja-JP" b="0" i="0" u="none" strike="noStrike" dirty="0">
+                <a:solidFill>
+                  <a:srgbClr val="000000"/>
+                </a:solidFill>
+                <a:effectLst/>
+                <a:latin typeface="+mn-ea"/>
+              </a:rPr>
+              <a:t>(14</a:t>
+            </a:r>
+            <a:r>
+              <a:rPr lang="ja-JP" altLang="en-US" b="0" i="0" u="none" strike="noStrike" dirty="0">
+                <a:solidFill>
+                  <a:srgbClr val="000000"/>
+                </a:solidFill>
+                <a:effectLst/>
+                <a:latin typeface="+mn-ea"/>
+              </a:rPr>
+              <a:t>ポイント</a:t>
+            </a:r>
+            <a:r>
+              <a:rPr lang="en-US" altLang="ja-JP" b="0" i="0" u="none" strike="noStrike" dirty="0">
+                <a:solidFill>
+                  <a:srgbClr val="000000"/>
+                </a:solidFill>
+                <a:effectLst/>
+                <a:latin typeface="+mn-ea"/>
+              </a:rPr>
+              <a:t>)</a:t>
+            </a:r>
+            <a:r>
+              <a:rPr lang="ja-JP" altLang="en-US" b="0" i="0" u="none" strike="noStrike" dirty="0">
+                <a:solidFill>
+                  <a:srgbClr val="000000"/>
+                </a:solidFill>
+                <a:effectLst/>
+                <a:latin typeface="+mn-ea"/>
+              </a:rPr>
+              <a:t>、エリート</a:t>
+            </a:r>
+            <a:r>
+              <a:rPr lang="en-US" altLang="ja-JP" b="0" i="0" u="none" strike="noStrike" dirty="0">
+                <a:solidFill>
+                  <a:srgbClr val="000000"/>
+                </a:solidFill>
+                <a:effectLst/>
+                <a:latin typeface="+mn-ea"/>
+              </a:rPr>
+              <a:t>(28</a:t>
+            </a:r>
+            <a:r>
+              <a:rPr lang="ja-JP" altLang="en-US" b="0" i="0" u="none" strike="noStrike" dirty="0">
+                <a:solidFill>
+                  <a:srgbClr val="000000"/>
+                </a:solidFill>
+                <a:effectLst/>
+                <a:latin typeface="+mn-ea"/>
+              </a:rPr>
+              <a:t>ポイント</a:t>
+            </a:r>
+            <a:r>
+              <a:rPr lang="en-US" altLang="ja-JP" b="0" i="0" u="none" strike="noStrike" dirty="0">
+                <a:solidFill>
+                  <a:srgbClr val="000000"/>
+                </a:solidFill>
+                <a:effectLst/>
+                <a:latin typeface="+mn-ea"/>
+              </a:rPr>
+              <a:t>)</a:t>
+            </a:r>
+            <a:r>
+              <a:rPr lang="ja-JP" altLang="en-US" b="0" i="0" u="none" strike="noStrike" dirty="0">
+                <a:solidFill>
+                  <a:srgbClr val="000000"/>
+                </a:solidFill>
+                <a:effectLst/>
+                <a:latin typeface="+mn-ea"/>
+              </a:rPr>
+              <a:t>、プロ</a:t>
+            </a:r>
+            <a:r>
+              <a:rPr lang="en-US" altLang="ja-JP" b="0" i="0" u="none" strike="noStrike" dirty="0">
+                <a:solidFill>
+                  <a:srgbClr val="000000"/>
+                </a:solidFill>
+                <a:effectLst/>
+                <a:latin typeface="+mn-ea"/>
+              </a:rPr>
+              <a:t>(56</a:t>
+            </a:r>
+            <a:r>
+              <a:rPr lang="ja-JP" altLang="en-US" b="0" i="0" u="none" strike="noStrike" dirty="0">
+                <a:solidFill>
+                  <a:srgbClr val="000000"/>
+                </a:solidFill>
+                <a:effectLst/>
+                <a:latin typeface="+mn-ea"/>
+              </a:rPr>
+              <a:t>ポイント</a:t>
+            </a:r>
+            <a:r>
+              <a:rPr lang="en-US" altLang="ja-JP" b="0" i="0" u="none" strike="noStrike" dirty="0">
+                <a:solidFill>
+                  <a:srgbClr val="000000"/>
+                </a:solidFill>
+                <a:effectLst/>
+                <a:latin typeface="+mn-ea"/>
+              </a:rPr>
+              <a:t>)</a:t>
+            </a:r>
+            <a:r>
+              <a:rPr lang="ja-JP" altLang="en-US" b="0" i="0" u="none" strike="noStrike" dirty="0">
+                <a:solidFill>
+                  <a:srgbClr val="000000"/>
+                </a:solidFill>
+                <a:effectLst/>
+                <a:latin typeface="+mn-ea"/>
+              </a:rPr>
+              <a:t>、レジェンド</a:t>
+            </a:r>
+            <a:r>
+              <a:rPr lang="en-US" altLang="ja-JP" b="0" i="0" u="none" strike="noStrike" dirty="0">
+                <a:solidFill>
+                  <a:srgbClr val="000000"/>
+                </a:solidFill>
+                <a:effectLst/>
+                <a:latin typeface="+mn-ea"/>
+              </a:rPr>
+              <a:t>(85</a:t>
+            </a:r>
+            <a:r>
+              <a:rPr lang="ja-JP" altLang="en-US" b="0" i="0" u="none" strike="noStrike" dirty="0">
+                <a:solidFill>
+                  <a:srgbClr val="000000"/>
+                </a:solidFill>
+                <a:effectLst/>
+                <a:latin typeface="+mn-ea"/>
+              </a:rPr>
+              <a:t>ポイント</a:t>
+            </a:r>
+            <a:r>
+              <a:rPr lang="en-US" altLang="ja-JP" b="0" i="0" u="none" strike="noStrike" dirty="0">
+                <a:solidFill>
+                  <a:srgbClr val="000000"/>
+                </a:solidFill>
+                <a:effectLst/>
+                <a:latin typeface="+mn-ea"/>
+              </a:rPr>
+              <a:t>)</a:t>
+            </a:r>
+            <a:r>
+              <a:rPr lang="ja-JP" altLang="en-US" b="0" i="0" u="none" strike="noStrike" dirty="0">
+                <a:solidFill>
+                  <a:srgbClr val="000000"/>
+                </a:solidFill>
+                <a:effectLst/>
+                <a:latin typeface="+mn-ea"/>
+              </a:rPr>
+              <a:t>」</a:t>
+            </a:r>
+            <a:r>
+              <a:rPr lang="ja-JP" altLang="en-US" dirty="0">
+                <a:latin typeface="+mn-ea"/>
+              </a:rPr>
+              <a:t> </a:t>
+            </a:r>
+            <a:endParaRPr lang="en-US" altLang="ja-JP" dirty="0">
+              <a:latin typeface="+mn-ea"/>
+            </a:endParaRPr>
+          </a:p>
+          <a:p>
+            <a:r>
+              <a:rPr lang="en-US" altLang="ja-JP" b="0" i="0" u="none" strike="noStrike" dirty="0">
+                <a:solidFill>
+                  <a:srgbClr val="000000"/>
+                </a:solidFill>
+                <a:effectLst/>
+                <a:latin typeface="+mn-ea"/>
+              </a:rPr>
+              <a:t>1</a:t>
+            </a:r>
+            <a:r>
+              <a:rPr lang="ja-JP" altLang="en-US" b="0" i="0" u="none" strike="noStrike" dirty="0">
+                <a:solidFill>
+                  <a:srgbClr val="000000"/>
+                </a:solidFill>
+                <a:effectLst/>
+                <a:latin typeface="+mn-ea"/>
+              </a:rPr>
+              <a:t>日の</a:t>
+            </a:r>
+            <a:r>
+              <a:rPr lang="en-US" altLang="ja-JP" b="0" i="0" u="none" strike="noStrike" dirty="0">
+                <a:solidFill>
+                  <a:srgbClr val="000000"/>
+                </a:solidFill>
+                <a:effectLst/>
+                <a:latin typeface="+mn-ea"/>
+              </a:rPr>
+              <a:t>AM3:00</a:t>
+            </a:r>
+            <a:r>
+              <a:rPr lang="ja-JP" altLang="en-US" b="0" i="0" u="none" strike="noStrike" dirty="0">
+                <a:solidFill>
+                  <a:srgbClr val="000000"/>
+                </a:solidFill>
+                <a:effectLst/>
+                <a:latin typeface="+mn-ea"/>
+              </a:rPr>
+              <a:t>に一番下のランクにリセットする</a:t>
+            </a:r>
+            <a:r>
+              <a:rPr lang="ja-JP" altLang="en-US" dirty="0">
+                <a:latin typeface="+mn-ea"/>
+              </a:rPr>
+              <a:t> </a:t>
+            </a:r>
+            <a:endParaRPr kumimoji="1" lang="ja-JP" altLang="en-US" dirty="0">
               <a:latin typeface="+mn-ea"/>
             </a:endParaRPr>
           </a:p>
@@ -4784,7 +5288,7 @@
     </p:spTree>
     <p:extLst>
       <p:ext uri="{BB962C8B-B14F-4D97-AF65-F5344CB8AC3E}">
-        <p14:creationId xmlns:p14="http://schemas.microsoft.com/office/powerpoint/2010/main" val="1952297387"/>
+        <p14:creationId xmlns:p14="http://schemas.microsoft.com/office/powerpoint/2010/main" val="1983420909"/>
       </p:ext>
     </p:extLst>
   </p:cSld>
@@ -4838,509 +5342,36 @@
           <a:bodyPr/>
           <a:lstStyle/>
           <a:p>
-            <a:r>
-              <a:rPr kumimoji="1" lang="en-US" altLang="ja-JP" dirty="0">
-                <a:latin typeface="+mn-ea"/>
-              </a:rPr>
-              <a:t>1</a:t>
-            </a:r>
-            <a:r>
-              <a:rPr kumimoji="1" lang="ja-JP" altLang="en-US" dirty="0">
-                <a:latin typeface="+mn-ea"/>
-              </a:rPr>
-              <a:t>日</a:t>
-            </a:r>
-            <a:r>
-              <a:rPr kumimoji="1" lang="en-US" altLang="ja-JP" dirty="0">
-                <a:latin typeface="+mn-ea"/>
-              </a:rPr>
-              <a:t>1</a:t>
-            </a:r>
-            <a:r>
-              <a:rPr kumimoji="1" lang="ja-JP" altLang="en-US" dirty="0">
-                <a:latin typeface="+mn-ea"/>
-              </a:rPr>
-              <a:t>回の登録で</a:t>
-            </a:r>
-            <a:r>
-              <a:rPr kumimoji="1" lang="en-US" altLang="ja-JP" dirty="0">
-                <a:latin typeface="+mn-ea"/>
-              </a:rPr>
-              <a:t>1</a:t>
-            </a:r>
-            <a:r>
-              <a:rPr kumimoji="1" lang="ja-JP" altLang="en-US" dirty="0">
-                <a:latin typeface="+mn-ea"/>
-              </a:rPr>
-              <a:t>ポイント増加する</a:t>
-            </a:r>
-            <a:endParaRPr kumimoji="1" lang="en-US" altLang="ja-JP" dirty="0">
-              <a:latin typeface="+mn-ea"/>
-            </a:endParaRPr>
-          </a:p>
-          <a:p>
             <a:pPr marL="0" indent="0">
               <a:buNone/>
             </a:pPr>
             <a:r>
-              <a:rPr kumimoji="1" lang="en-US" altLang="ja-JP" dirty="0">
-                <a:latin typeface="+mn-ea"/>
-              </a:rPr>
-              <a:t>AM3:00</a:t>
-            </a:r>
-            <a:r>
-              <a:rPr kumimoji="1" lang="ja-JP" altLang="en-US" dirty="0">
-                <a:latin typeface="+mn-ea"/>
-              </a:rPr>
-              <a:t>の更新時にランクアップが行われる</a:t>
-            </a:r>
-          </a:p>
-          <a:p>
-            <a:r>
-              <a:rPr kumimoji="1" lang="en-US" altLang="ja-JP" dirty="0">
-                <a:latin typeface="+mn-ea"/>
-              </a:rPr>
-              <a:t>AM3:00</a:t>
-            </a:r>
-            <a:r>
-              <a:rPr kumimoji="1" lang="ja-JP" altLang="en-US" dirty="0">
-                <a:latin typeface="+mn-ea"/>
-              </a:rPr>
-              <a:t>までに登録しなければ</a:t>
-            </a:r>
-            <a:r>
-              <a:rPr kumimoji="1" lang="en-US" altLang="ja-JP" dirty="0">
-                <a:latin typeface="+mn-ea"/>
-              </a:rPr>
-              <a:t>3</a:t>
-            </a:r>
-            <a:r>
-              <a:rPr kumimoji="1" lang="ja-JP" altLang="en-US" dirty="0">
-                <a:latin typeface="+mn-ea"/>
-              </a:rPr>
-              <a:t>ポイント減少する</a:t>
-            </a:r>
-            <a:endParaRPr kumimoji="1" lang="en-US" altLang="ja-JP" dirty="0">
-              <a:latin typeface="+mn-ea"/>
-            </a:endParaRPr>
-          </a:p>
-          <a:p>
-            <a:r>
-              <a:rPr lang="ja-JP" altLang="en-US" b="0" i="0" u="none" strike="noStrike" dirty="0">
-                <a:solidFill>
-                  <a:srgbClr val="000000"/>
-                </a:solidFill>
-                <a:effectLst/>
-                <a:latin typeface="+mn-ea"/>
-              </a:rPr>
-              <a:t>ランクごとに称号を付与する</a:t>
-            </a:r>
-            <a:r>
-              <a:rPr lang="en-US" altLang="ja-JP" b="0" i="0" u="none" strike="noStrike" dirty="0">
-                <a:solidFill>
-                  <a:srgbClr val="000000"/>
-                </a:solidFill>
-                <a:effectLst/>
-                <a:latin typeface="+mn-ea"/>
-              </a:rPr>
-              <a:t>(6</a:t>
-            </a:r>
-            <a:r>
-              <a:rPr lang="ja-JP" altLang="en-US" b="0" i="0" u="none" strike="noStrike" dirty="0">
-                <a:solidFill>
-                  <a:srgbClr val="000000"/>
-                </a:solidFill>
-                <a:effectLst/>
-                <a:latin typeface="+mn-ea"/>
-              </a:rPr>
-              <a:t>段階</a:t>
-            </a:r>
-            <a:r>
-              <a:rPr lang="en-US" altLang="ja-JP" b="0" i="0" u="none" strike="noStrike" dirty="0">
-                <a:solidFill>
-                  <a:srgbClr val="000000"/>
-                </a:solidFill>
-                <a:effectLst/>
-                <a:latin typeface="+mn-ea"/>
-              </a:rPr>
-              <a:t>)</a:t>
-            </a:r>
-            <a:br>
-              <a:rPr lang="en-US" altLang="ja-JP" b="0" i="0" u="none" strike="noStrike" dirty="0">
-                <a:solidFill>
-                  <a:srgbClr val="000000"/>
-                </a:solidFill>
-                <a:effectLst/>
-                <a:latin typeface="+mn-ea"/>
-              </a:rPr>
-            </a:br>
-            <a:r>
-              <a:rPr lang="en-US" altLang="ja-JP" b="0" i="0" u="none" strike="noStrike" dirty="0">
-                <a:solidFill>
-                  <a:srgbClr val="000000"/>
-                </a:solidFill>
-                <a:effectLst/>
-                <a:latin typeface="+mn-ea"/>
-              </a:rPr>
-              <a:t>3</a:t>
-            </a:r>
-            <a:r>
-              <a:rPr lang="ja-JP" altLang="en-US" b="0" i="0" u="none" strike="noStrike" dirty="0">
-                <a:solidFill>
-                  <a:srgbClr val="000000"/>
-                </a:solidFill>
-                <a:effectLst/>
-                <a:latin typeface="+mn-ea"/>
-              </a:rPr>
-              <a:t>か月</a:t>
-            </a:r>
-            <a:r>
-              <a:rPr lang="en-US" altLang="ja-JP" b="0" i="0" u="none" strike="noStrike" dirty="0">
-                <a:solidFill>
-                  <a:srgbClr val="000000"/>
-                </a:solidFill>
-                <a:effectLst/>
-                <a:latin typeface="+mn-ea"/>
-              </a:rPr>
-              <a:t>(90</a:t>
-            </a:r>
-            <a:r>
-              <a:rPr lang="ja-JP" altLang="en-US" b="0" i="0" u="none" strike="noStrike" dirty="0">
-                <a:solidFill>
-                  <a:srgbClr val="000000"/>
-                </a:solidFill>
-                <a:effectLst/>
-                <a:latin typeface="+mn-ea"/>
-              </a:rPr>
-              <a:t>日</a:t>
-            </a:r>
-            <a:r>
-              <a:rPr lang="en-US" altLang="ja-JP" b="0" i="0" u="none" strike="noStrike" dirty="0">
-                <a:solidFill>
-                  <a:srgbClr val="000000"/>
-                </a:solidFill>
-                <a:effectLst/>
-                <a:latin typeface="+mn-ea"/>
-              </a:rPr>
-              <a:t>)</a:t>
-            </a:r>
-            <a:br>
-              <a:rPr lang="en-US" altLang="ja-JP" b="0" i="0" u="none" strike="noStrike" dirty="0">
-                <a:solidFill>
-                  <a:srgbClr val="000000"/>
-                </a:solidFill>
-                <a:effectLst/>
-                <a:latin typeface="+mn-ea"/>
-              </a:rPr>
-            </a:br>
-            <a:r>
-              <a:rPr lang="ja-JP" altLang="en-US" b="0" i="0" u="none" strike="noStrike" dirty="0">
-                <a:solidFill>
-                  <a:srgbClr val="000000"/>
-                </a:solidFill>
-                <a:effectLst/>
-                <a:latin typeface="+mn-ea"/>
-              </a:rPr>
-              <a:t>「怠惰</a:t>
-            </a:r>
-            <a:r>
-              <a:rPr lang="en-US" altLang="ja-JP" b="0" i="0" u="none" strike="noStrike" dirty="0">
-                <a:solidFill>
-                  <a:srgbClr val="000000"/>
-                </a:solidFill>
-                <a:effectLst/>
-                <a:latin typeface="+mn-ea"/>
-              </a:rPr>
-              <a:t>(0</a:t>
-            </a:r>
-            <a:r>
-              <a:rPr lang="ja-JP" altLang="en-US" b="0" i="0" u="none" strike="noStrike" dirty="0">
-                <a:solidFill>
-                  <a:srgbClr val="000000"/>
-                </a:solidFill>
-                <a:effectLst/>
-                <a:latin typeface="+mn-ea"/>
-              </a:rPr>
-              <a:t>ポイント</a:t>
-            </a:r>
-            <a:r>
-              <a:rPr lang="en-US" altLang="ja-JP" b="0" i="0" u="none" strike="noStrike" dirty="0">
-                <a:solidFill>
-                  <a:srgbClr val="000000"/>
-                </a:solidFill>
-                <a:effectLst/>
-                <a:latin typeface="+mn-ea"/>
-              </a:rPr>
-              <a:t>)</a:t>
-            </a:r>
-            <a:r>
-              <a:rPr lang="ja-JP" altLang="en-US" b="0" i="0" u="none" strike="noStrike" dirty="0">
-                <a:solidFill>
-                  <a:srgbClr val="000000"/>
-                </a:solidFill>
-                <a:effectLst/>
-                <a:latin typeface="+mn-ea"/>
-              </a:rPr>
-              <a:t>、怠け者</a:t>
-            </a:r>
-            <a:r>
-              <a:rPr lang="en-US" altLang="ja-JP" b="0" i="0" u="none" strike="noStrike" dirty="0">
-                <a:solidFill>
-                  <a:srgbClr val="000000"/>
-                </a:solidFill>
-                <a:effectLst/>
-                <a:latin typeface="+mn-ea"/>
-              </a:rPr>
-              <a:t>(4</a:t>
-            </a:r>
-            <a:r>
-              <a:rPr lang="ja-JP" altLang="en-US" b="0" i="0" u="none" strike="noStrike" dirty="0">
-                <a:solidFill>
-                  <a:srgbClr val="000000"/>
-                </a:solidFill>
-                <a:effectLst/>
-                <a:latin typeface="+mn-ea"/>
-              </a:rPr>
-              <a:t>ポイント</a:t>
-            </a:r>
-            <a:r>
-              <a:rPr lang="en-US" altLang="ja-JP" b="0" i="0" u="none" strike="noStrike" dirty="0">
-                <a:solidFill>
-                  <a:srgbClr val="000000"/>
-                </a:solidFill>
-                <a:effectLst/>
-                <a:latin typeface="+mn-ea"/>
-              </a:rPr>
-              <a:t>)</a:t>
-            </a:r>
-            <a:r>
-              <a:rPr lang="ja-JP" altLang="en-US" b="0" i="0" u="none" strike="noStrike" dirty="0">
-                <a:solidFill>
-                  <a:srgbClr val="000000"/>
-                </a:solidFill>
-                <a:effectLst/>
-                <a:latin typeface="+mn-ea"/>
-              </a:rPr>
-              <a:t>、一般人</a:t>
-            </a:r>
-            <a:r>
-              <a:rPr lang="en-US" altLang="ja-JP" b="0" i="0" u="none" strike="noStrike" dirty="0">
-                <a:solidFill>
-                  <a:srgbClr val="000000"/>
-                </a:solidFill>
-                <a:effectLst/>
-                <a:latin typeface="+mn-ea"/>
-              </a:rPr>
-              <a:t>(14</a:t>
-            </a:r>
-            <a:r>
-              <a:rPr lang="ja-JP" altLang="en-US" b="0" i="0" u="none" strike="noStrike" dirty="0">
-                <a:solidFill>
-                  <a:srgbClr val="000000"/>
-                </a:solidFill>
-                <a:effectLst/>
-                <a:latin typeface="+mn-ea"/>
-              </a:rPr>
-              <a:t>ポイント</a:t>
-            </a:r>
-            <a:r>
-              <a:rPr lang="en-US" altLang="ja-JP" b="0" i="0" u="none" strike="noStrike" dirty="0">
-                <a:solidFill>
-                  <a:srgbClr val="000000"/>
-                </a:solidFill>
-                <a:effectLst/>
-                <a:latin typeface="+mn-ea"/>
-              </a:rPr>
-              <a:t>)</a:t>
-            </a:r>
-            <a:r>
-              <a:rPr lang="ja-JP" altLang="en-US" b="0" i="0" u="none" strike="noStrike" dirty="0">
-                <a:solidFill>
-                  <a:srgbClr val="000000"/>
-                </a:solidFill>
-                <a:effectLst/>
-                <a:latin typeface="+mn-ea"/>
-              </a:rPr>
-              <a:t>、エリート</a:t>
-            </a:r>
-            <a:r>
-              <a:rPr lang="en-US" altLang="ja-JP" b="0" i="0" u="none" strike="noStrike" dirty="0">
-                <a:solidFill>
-                  <a:srgbClr val="000000"/>
-                </a:solidFill>
-                <a:effectLst/>
-                <a:latin typeface="+mn-ea"/>
-              </a:rPr>
-              <a:t>(28</a:t>
-            </a:r>
-            <a:r>
-              <a:rPr lang="ja-JP" altLang="en-US" b="0" i="0" u="none" strike="noStrike" dirty="0">
-                <a:solidFill>
-                  <a:srgbClr val="000000"/>
-                </a:solidFill>
-                <a:effectLst/>
-                <a:latin typeface="+mn-ea"/>
-              </a:rPr>
-              <a:t>ポイント</a:t>
-            </a:r>
-            <a:r>
-              <a:rPr lang="en-US" altLang="ja-JP" b="0" i="0" u="none" strike="noStrike" dirty="0">
-                <a:solidFill>
-                  <a:srgbClr val="000000"/>
-                </a:solidFill>
-                <a:effectLst/>
-                <a:latin typeface="+mn-ea"/>
-              </a:rPr>
-              <a:t>)</a:t>
-            </a:r>
-            <a:r>
-              <a:rPr lang="ja-JP" altLang="en-US" b="0" i="0" u="none" strike="noStrike" dirty="0">
-                <a:solidFill>
-                  <a:srgbClr val="000000"/>
-                </a:solidFill>
-                <a:effectLst/>
-                <a:latin typeface="+mn-ea"/>
-              </a:rPr>
-              <a:t>、プロ</a:t>
-            </a:r>
-            <a:r>
-              <a:rPr lang="en-US" altLang="ja-JP" b="0" i="0" u="none" strike="noStrike" dirty="0">
-                <a:solidFill>
-                  <a:srgbClr val="000000"/>
-                </a:solidFill>
-                <a:effectLst/>
-                <a:latin typeface="+mn-ea"/>
-              </a:rPr>
-              <a:t>(56</a:t>
-            </a:r>
-            <a:r>
-              <a:rPr lang="ja-JP" altLang="en-US" b="0" i="0" u="none" strike="noStrike" dirty="0">
-                <a:solidFill>
-                  <a:srgbClr val="000000"/>
-                </a:solidFill>
-                <a:effectLst/>
-                <a:latin typeface="+mn-ea"/>
-              </a:rPr>
-              <a:t>ポイント</a:t>
-            </a:r>
-            <a:r>
-              <a:rPr lang="en-US" altLang="ja-JP" b="0" i="0" u="none" strike="noStrike" dirty="0">
-                <a:solidFill>
-                  <a:srgbClr val="000000"/>
-                </a:solidFill>
-                <a:effectLst/>
-                <a:latin typeface="+mn-ea"/>
-              </a:rPr>
-              <a:t>)</a:t>
-            </a:r>
-            <a:r>
-              <a:rPr lang="ja-JP" altLang="en-US" b="0" i="0" u="none" strike="noStrike" dirty="0">
-                <a:solidFill>
-                  <a:srgbClr val="000000"/>
-                </a:solidFill>
-                <a:effectLst/>
-                <a:latin typeface="+mn-ea"/>
-              </a:rPr>
-              <a:t>、レジェンド</a:t>
-            </a:r>
-            <a:r>
-              <a:rPr lang="en-US" altLang="ja-JP" b="0" i="0" u="none" strike="noStrike" dirty="0">
-                <a:solidFill>
-                  <a:srgbClr val="000000"/>
-                </a:solidFill>
-                <a:effectLst/>
-                <a:latin typeface="+mn-ea"/>
-              </a:rPr>
-              <a:t>(85</a:t>
-            </a:r>
-            <a:r>
-              <a:rPr lang="ja-JP" altLang="en-US" b="0" i="0" u="none" strike="noStrike" dirty="0">
-                <a:solidFill>
-                  <a:srgbClr val="000000"/>
-                </a:solidFill>
-                <a:effectLst/>
-                <a:latin typeface="+mn-ea"/>
-              </a:rPr>
-              <a:t>ポイント</a:t>
-            </a:r>
-            <a:r>
-              <a:rPr lang="en-US" altLang="ja-JP" b="0" i="0" u="none" strike="noStrike" dirty="0">
-                <a:solidFill>
-                  <a:srgbClr val="000000"/>
-                </a:solidFill>
-                <a:effectLst/>
-                <a:latin typeface="+mn-ea"/>
-              </a:rPr>
-              <a:t>)</a:t>
-            </a:r>
-            <a:r>
-              <a:rPr lang="ja-JP" altLang="en-US" b="0" i="0" u="none" strike="noStrike" dirty="0">
-                <a:solidFill>
-                  <a:srgbClr val="000000"/>
-                </a:solidFill>
-                <a:effectLst/>
-                <a:latin typeface="+mn-ea"/>
-              </a:rPr>
-              <a:t>」</a:t>
-            </a:r>
-            <a:r>
               <a:rPr lang="ja-JP" altLang="en-US" dirty="0">
                 <a:latin typeface="+mn-ea"/>
               </a:rPr>
-              <a:t> </a:t>
+              <a:t>時間による処理が難しかった</a:t>
             </a:r>
             <a:endParaRPr lang="en-US" altLang="ja-JP" dirty="0">
               <a:latin typeface="+mn-ea"/>
             </a:endParaRPr>
           </a:p>
           <a:p>
-            <a:r>
-              <a:rPr lang="en-US" altLang="ja-JP" b="0" i="0" u="none" strike="noStrike" dirty="0">
-                <a:solidFill>
-                  <a:srgbClr val="000000"/>
-                </a:solidFill>
-                <a:effectLst/>
-                <a:latin typeface="+mn-ea"/>
-              </a:rPr>
-              <a:t>1</a:t>
-            </a:r>
-            <a:r>
-              <a:rPr lang="ja-JP" altLang="en-US" b="0" i="0" u="none" strike="noStrike" dirty="0">
-                <a:solidFill>
-                  <a:srgbClr val="000000"/>
-                </a:solidFill>
-                <a:effectLst/>
-                <a:latin typeface="+mn-ea"/>
-              </a:rPr>
-              <a:t>日の</a:t>
-            </a:r>
-            <a:r>
-              <a:rPr lang="en-US" altLang="ja-JP" b="0" i="0" u="none" strike="noStrike" dirty="0">
-                <a:solidFill>
-                  <a:srgbClr val="000000"/>
-                </a:solidFill>
-                <a:effectLst/>
-                <a:latin typeface="+mn-ea"/>
-              </a:rPr>
-              <a:t>AM3:00</a:t>
-            </a:r>
-            <a:r>
-              <a:rPr lang="ja-JP" altLang="en-US" b="0" i="0" u="none" strike="noStrike" dirty="0">
-                <a:solidFill>
-                  <a:srgbClr val="000000"/>
-                </a:solidFill>
-                <a:effectLst/>
-                <a:latin typeface="+mn-ea"/>
-              </a:rPr>
-              <a:t>に一番下のランクにリセットする</a:t>
-            </a:r>
+            <a:pPr marL="0" indent="0">
+              <a:buNone/>
+            </a:pPr>
             <a:r>
               <a:rPr lang="ja-JP" altLang="en-US" dirty="0">
                 <a:latin typeface="+mn-ea"/>
               </a:rPr>
-              <a:t> </a:t>
-            </a:r>
-            <a:endParaRPr kumimoji="1" lang="ja-JP" altLang="en-US" dirty="0">
+              <a:t>ランク制度以外の機能に時間がかかった</a:t>
+            </a:r>
+            <a:r>
+              <a:rPr kumimoji="1" lang="ja-JP" altLang="en-US" dirty="0">
+                <a:latin typeface="+mn-ea"/>
+              </a:rPr>
+              <a:t>ー人員不足</a:t>
+            </a:r>
+            <a:endParaRPr lang="en-US" altLang="ja-JP" dirty="0">
               <a:latin typeface="+mn-ea"/>
             </a:endParaRPr>
           </a:p>
@@ -5372,7 +5403,7 @@
     </p:spTree>
     <p:extLst>
       <p:ext uri="{BB962C8B-B14F-4D97-AF65-F5344CB8AC3E}">
-        <p14:creationId xmlns:p14="http://schemas.microsoft.com/office/powerpoint/2010/main" val="1983420909"/>
+        <p14:creationId xmlns:p14="http://schemas.microsoft.com/office/powerpoint/2010/main" val="2422432370"/>
       </p:ext>
     </p:extLst>
   </p:cSld>
@@ -5510,16 +5541,217 @@
           <a:bodyPr/>
           <a:lstStyle/>
           <a:p>
+            <a:r>
+              <a:rPr lang="ja-JP" altLang="en-US" kern="100" dirty="0">
+                <a:latin typeface="+mn-ea"/>
+                <a:cs typeface="Times New Roman" panose="02020603050405020304" pitchFamily="18" charset="0"/>
+              </a:rPr>
+              <a:t>認識合わせ</a:t>
+            </a:r>
+            <a:r>
+              <a:rPr lang="en-US" altLang="ja-JP" kern="100" dirty="0">
+                <a:latin typeface="+mn-ea"/>
+                <a:cs typeface="Times New Roman" panose="02020603050405020304" pitchFamily="18" charset="0"/>
+              </a:rPr>
+              <a:t>	</a:t>
+            </a:r>
+            <a:r>
+              <a:rPr lang="ja-JP" altLang="ja-JP" kern="100" dirty="0">
+                <a:effectLst/>
+                <a:latin typeface="+mn-ea"/>
+                <a:cs typeface="Times New Roman" panose="02020603050405020304" pitchFamily="18" charset="0"/>
+              </a:rPr>
+              <a:t>進捗管理（</a:t>
+            </a:r>
+            <a:r>
+              <a:rPr lang="ja-JP" altLang="en-US" dirty="0"/>
+              <a:t>口頭・ガントチャート</a:t>
+            </a:r>
+            <a:r>
+              <a:rPr lang="ja-JP" altLang="ja-JP" kern="100" dirty="0">
+                <a:effectLst/>
+                <a:latin typeface="+mn-ea"/>
+                <a:cs typeface="Times New Roman" panose="02020603050405020304" pitchFamily="18" charset="0"/>
+              </a:rPr>
+              <a:t>）</a:t>
+            </a:r>
+            <a:r>
+              <a:rPr lang="ja-JP" altLang="en-US" kern="100" dirty="0">
+                <a:effectLst/>
+                <a:latin typeface="+mn-ea"/>
+                <a:cs typeface="Times New Roman" panose="02020603050405020304" pitchFamily="18" charset="0"/>
+              </a:rPr>
+              <a:t>　</a:t>
+            </a:r>
+            <a:endParaRPr lang="en-US" altLang="ja-JP" kern="100" dirty="0">
+              <a:effectLst/>
+              <a:latin typeface="+mn-ea"/>
+              <a:cs typeface="Times New Roman" panose="02020603050405020304" pitchFamily="18" charset="0"/>
+            </a:endParaRPr>
+          </a:p>
+          <a:p>
+            <a:pPr marL="0" indent="0" algn="l">
+              <a:buNone/>
+            </a:pPr>
+            <a:r>
+              <a:rPr lang="en-US" altLang="ja-JP" kern="100" dirty="0">
+                <a:effectLst/>
+                <a:latin typeface="+mn-ea"/>
+                <a:cs typeface="Times New Roman" panose="02020603050405020304" pitchFamily="18" charset="0"/>
+              </a:rPr>
+              <a:t>	</a:t>
+            </a:r>
+            <a:r>
+              <a:rPr lang="ja-JP" altLang="ja-JP" kern="100" dirty="0">
+                <a:effectLst/>
+                <a:latin typeface="+mn-ea"/>
+                <a:cs typeface="Times New Roman" panose="02020603050405020304" pitchFamily="18" charset="0"/>
+              </a:rPr>
+              <a:t>朝にその日に取り組むことを共有</a:t>
+            </a:r>
+            <a:endParaRPr lang="en-US" altLang="ja-JP" kern="100" dirty="0">
+              <a:effectLst/>
+              <a:latin typeface="+mn-ea"/>
+              <a:cs typeface="Times New Roman" panose="02020603050405020304" pitchFamily="18" charset="0"/>
+            </a:endParaRPr>
+          </a:p>
+          <a:p>
+            <a:pPr marL="0" indent="0" algn="l">
+              <a:buNone/>
+            </a:pPr>
+            <a:r>
+              <a:rPr lang="en-US" altLang="ja-JP" kern="100" dirty="0">
+                <a:effectLst/>
+                <a:latin typeface="+mn-ea"/>
+                <a:cs typeface="Times New Roman" panose="02020603050405020304" pitchFamily="18" charset="0"/>
+              </a:rPr>
+              <a:t>	</a:t>
+            </a:r>
+            <a:r>
+              <a:rPr lang="ja-JP" altLang="en-US" kern="100" dirty="0">
+                <a:effectLst/>
+                <a:latin typeface="+mn-ea"/>
+                <a:cs typeface="Times New Roman" panose="02020603050405020304" pitchFamily="18" charset="0"/>
+              </a:rPr>
+              <a:t>終業前に</a:t>
+            </a:r>
+            <a:r>
+              <a:rPr lang="ja-JP" altLang="ja-JP" kern="100" dirty="0">
+                <a:effectLst/>
+                <a:latin typeface="+mn-ea"/>
+                <a:cs typeface="Times New Roman" panose="02020603050405020304" pitchFamily="18" charset="0"/>
+              </a:rPr>
+              <a:t>その日のまとめと翌日に行うことの共有</a:t>
+            </a:r>
+          </a:p>
+          <a:p>
+            <a:pPr algn="l"/>
+            <a:endParaRPr lang="en-US" altLang="ja-JP" kern="100" dirty="0">
+              <a:effectLst/>
+              <a:latin typeface="+mn-ea"/>
+              <a:cs typeface="Times New Roman" panose="02020603050405020304" pitchFamily="18" charset="0"/>
+            </a:endParaRPr>
+          </a:p>
+          <a:p>
+            <a:pPr algn="l"/>
+            <a:r>
+              <a:rPr lang="ja-JP" altLang="en-US" kern="100" dirty="0">
+                <a:effectLst/>
+                <a:latin typeface="+mn-ea"/>
+                <a:cs typeface="Times New Roman" panose="02020603050405020304" pitchFamily="18" charset="0"/>
+              </a:rPr>
+              <a:t>教えあい</a:t>
+            </a:r>
+            <a:r>
+              <a:rPr lang="en-US" altLang="ja-JP" kern="100" dirty="0">
+                <a:effectLst/>
+                <a:latin typeface="+mn-ea"/>
+                <a:cs typeface="Times New Roman" panose="02020603050405020304" pitchFamily="18" charset="0"/>
+              </a:rPr>
+              <a:t>	</a:t>
+            </a:r>
+            <a:r>
+              <a:rPr lang="ja-JP" altLang="ja-JP" kern="100" dirty="0">
+                <a:effectLst/>
+                <a:latin typeface="+mn-ea"/>
+                <a:cs typeface="Times New Roman" panose="02020603050405020304" pitchFamily="18" charset="0"/>
+              </a:rPr>
+              <a:t>チーム作業</a:t>
+            </a:r>
+            <a:r>
+              <a:rPr lang="ja-JP" altLang="en-US" kern="100" dirty="0">
+                <a:effectLst/>
+                <a:latin typeface="+mn-ea"/>
+                <a:cs typeface="Times New Roman" panose="02020603050405020304" pitchFamily="18" charset="0"/>
+              </a:rPr>
+              <a:t>：ブレイクアウトルームに分かれて分担</a:t>
+            </a:r>
+            <a:endParaRPr lang="en-US" altLang="ja-JP" kern="100" dirty="0">
+              <a:effectLst/>
+              <a:latin typeface="+mn-ea"/>
+              <a:cs typeface="Times New Roman" panose="02020603050405020304" pitchFamily="18" charset="0"/>
+            </a:endParaRPr>
+          </a:p>
+          <a:p>
+            <a:pPr marL="0" indent="0" algn="l">
+              <a:buNone/>
+            </a:pPr>
+            <a:r>
+              <a:rPr lang="en-US" altLang="ja-JP" kern="100" dirty="0">
+                <a:latin typeface="+mn-ea"/>
+                <a:cs typeface="Times New Roman" panose="02020603050405020304" pitchFamily="18" charset="0"/>
+              </a:rPr>
+              <a:t>	</a:t>
+            </a:r>
+            <a:r>
+              <a:rPr lang="ja-JP" altLang="en-US" kern="100" dirty="0">
+                <a:latin typeface="+mn-ea"/>
+                <a:cs typeface="Times New Roman" panose="02020603050405020304" pitchFamily="18" charset="0"/>
+              </a:rPr>
+              <a:t>チーム内で勉強会を行い、全体のボトムアップを図った</a:t>
+            </a:r>
+            <a:endParaRPr lang="en-US" altLang="ja-JP" kern="100" dirty="0">
+              <a:latin typeface="+mn-ea"/>
+              <a:cs typeface="Times New Roman" panose="02020603050405020304" pitchFamily="18" charset="0"/>
+            </a:endParaRPr>
+          </a:p>
+          <a:p>
+            <a:pPr marL="0" indent="0" algn="l">
+              <a:buNone/>
+            </a:pPr>
+            <a:endParaRPr lang="en-US" altLang="ja-JP" kern="100" dirty="0">
+              <a:latin typeface="+mn-ea"/>
+              <a:cs typeface="Times New Roman" panose="02020603050405020304" pitchFamily="18" charset="0"/>
+            </a:endParaRPr>
+          </a:p>
+          <a:p>
+            <a:r>
+              <a:rPr kumimoji="1" lang="ja-JP" altLang="en-US" dirty="0">
+                <a:latin typeface="+mn-ea"/>
+              </a:rPr>
+              <a:t>実現したかったこと</a:t>
+            </a:r>
+            <a:endParaRPr kumimoji="1" lang="en-US" altLang="ja-JP" dirty="0">
+              <a:latin typeface="+mn-ea"/>
+            </a:endParaRPr>
+          </a:p>
+          <a:p>
             <a:pPr marL="0" indent="0">
               <a:buNone/>
             </a:pPr>
             <a:r>
-              <a:rPr lang="ja-JP" altLang="en-US" dirty="0">
-                <a:latin typeface="+mn-ea"/>
-              </a:rPr>
-              <a:t>時間による処理が難しかった</a:t>
-            </a:r>
-            <a:endParaRPr lang="en-US" altLang="ja-JP" dirty="0">
+              <a:rPr kumimoji="1" lang="en-US" altLang="ja-JP" dirty="0">
+                <a:latin typeface="+mn-ea"/>
+              </a:rPr>
+              <a:t>―</a:t>
+            </a:r>
+            <a:r>
+              <a:rPr kumimoji="1" lang="ja-JP" altLang="en-US" dirty="0">
+                <a:latin typeface="+mn-ea"/>
+              </a:rPr>
+              <a:t>掲示板にいいね機能</a:t>
+            </a:r>
+            <a:endParaRPr kumimoji="1" lang="en-US" altLang="ja-JP" dirty="0">
               <a:latin typeface="+mn-ea"/>
             </a:endParaRPr>
           </a:p>
@@ -5528,20 +5760,37 @@
               <a:buNone/>
             </a:pPr>
             <a:r>
-              <a:rPr lang="ja-JP" altLang="en-US" dirty="0">
-                <a:latin typeface="+mn-ea"/>
-              </a:rPr>
-              <a:t>ランク制度以外の機能に時間がかかった</a:t>
+              <a:rPr lang="en-US" altLang="ja-JP" dirty="0">
+                <a:latin typeface="+mn-ea"/>
+              </a:rPr>
+              <a:t>―</a:t>
             </a:r>
             <a:r>
               <a:rPr kumimoji="1" lang="ja-JP" altLang="en-US" dirty="0">
                 <a:latin typeface="+mn-ea"/>
               </a:rPr>
-              <a:t>ー人員不足</a:t>
-            </a:r>
-            <a:endParaRPr lang="en-US" altLang="ja-JP" dirty="0">
+              <a:t>運動した日にスタンプ表示</a:t>
+            </a:r>
+            <a:endParaRPr kumimoji="1" lang="en-US" altLang="ja-JP" dirty="0">
               <a:latin typeface="+mn-ea"/>
             </a:endParaRPr>
+          </a:p>
+          <a:p>
+            <a:pPr marL="0" indent="0">
+              <a:buNone/>
+            </a:pPr>
+            <a:r>
+              <a:rPr lang="en-US" altLang="ja-JP" dirty="0">
+                <a:latin typeface="+mn-ea"/>
+              </a:rPr>
+              <a:t>―</a:t>
+            </a:r>
+            <a:r>
+              <a:rPr lang="ja-JP" altLang="en-US" dirty="0">
+                <a:latin typeface="+mn-ea"/>
+              </a:rPr>
+              <a:t>コラ画像</a:t>
+            </a:r>
           </a:p>
         </p:txBody>
       </p:sp>
@@ -5562,7 +5811,7 @@
           <a:p>
             <a:fld id="{C59D74C6-9C2E-47F2-9943-FD41646989DE}" type="slidenum">
               <a:rPr kumimoji="1" lang="ja-JP" altLang="en-US" smtClean="0"/>
-              <a:t>22</a:t>
+              <a:t>23</a:t>
             </a:fld>
             <a:endParaRPr kumimoji="1" lang="ja-JP" altLang="en-US"/>
           </a:p>
@@ -5571,7 +5820,7 @@
     </p:spTree>
     <p:extLst>
       <p:ext uri="{BB962C8B-B14F-4D97-AF65-F5344CB8AC3E}">
-        <p14:creationId xmlns:p14="http://schemas.microsoft.com/office/powerpoint/2010/main" val="2422432370"/>
+        <p14:creationId xmlns:p14="http://schemas.microsoft.com/office/powerpoint/2010/main" val="3734896416"/>
       </p:ext>
     </p:extLst>
   </p:cSld>
@@ -5625,256 +5874,7 @@
           <a:bodyPr/>
           <a:lstStyle/>
           <a:p>
-            <a:r>
-              <a:rPr lang="ja-JP" altLang="en-US" kern="100" dirty="0">
-                <a:latin typeface="+mn-ea"/>
-                <a:cs typeface="Times New Roman" panose="02020603050405020304" pitchFamily="18" charset="0"/>
-              </a:rPr>
-              <a:t>認識合わせ</a:t>
-            </a:r>
-            <a:r>
-              <a:rPr lang="en-US" altLang="ja-JP" kern="100" dirty="0">
-                <a:latin typeface="+mn-ea"/>
-                <a:cs typeface="Times New Roman" panose="02020603050405020304" pitchFamily="18" charset="0"/>
-              </a:rPr>
-              <a:t>	</a:t>
-            </a:r>
-            <a:r>
-              <a:rPr lang="ja-JP" altLang="ja-JP" kern="100" dirty="0">
-                <a:effectLst/>
-                <a:latin typeface="+mn-ea"/>
-                <a:cs typeface="Times New Roman" panose="02020603050405020304" pitchFamily="18" charset="0"/>
-              </a:rPr>
-              <a:t>進捗管理（</a:t>
-            </a:r>
-            <a:r>
-              <a:rPr lang="ja-JP" altLang="en-US" dirty="0"/>
-              <a:t>口頭・ガントチャート</a:t>
-            </a:r>
-            <a:r>
-              <a:rPr lang="ja-JP" altLang="ja-JP" kern="100" dirty="0">
-                <a:effectLst/>
-                <a:latin typeface="+mn-ea"/>
-                <a:cs typeface="Times New Roman" panose="02020603050405020304" pitchFamily="18" charset="0"/>
-              </a:rPr>
-              <a:t>）</a:t>
-            </a:r>
-            <a:r>
-              <a:rPr lang="ja-JP" altLang="en-US" kern="100" dirty="0">
-                <a:effectLst/>
-                <a:latin typeface="+mn-ea"/>
-                <a:cs typeface="Times New Roman" panose="02020603050405020304" pitchFamily="18" charset="0"/>
-              </a:rPr>
-              <a:t>　</a:t>
-            </a:r>
-            <a:endParaRPr lang="en-US" altLang="ja-JP" kern="100" dirty="0">
-              <a:effectLst/>
-              <a:latin typeface="+mn-ea"/>
-              <a:cs typeface="Times New Roman" panose="02020603050405020304" pitchFamily="18" charset="0"/>
-            </a:endParaRPr>
-          </a:p>
-          <a:p>
-            <a:pPr marL="0" indent="0" algn="l">
-              <a:buNone/>
-            </a:pPr>
-            <a:r>
-              <a:rPr lang="en-US" altLang="ja-JP" kern="100" dirty="0">
-                <a:effectLst/>
-                <a:latin typeface="+mn-ea"/>
-                <a:cs typeface="Times New Roman" panose="02020603050405020304" pitchFamily="18" charset="0"/>
-              </a:rPr>
-              <a:t>	</a:t>
-            </a:r>
-            <a:r>
-              <a:rPr lang="ja-JP" altLang="ja-JP" kern="100" dirty="0">
-                <a:effectLst/>
-                <a:latin typeface="+mn-ea"/>
-                <a:cs typeface="Times New Roman" panose="02020603050405020304" pitchFamily="18" charset="0"/>
-              </a:rPr>
-              <a:t>朝にその日に取り組むことを共有</a:t>
-            </a:r>
-            <a:endParaRPr lang="en-US" altLang="ja-JP" kern="100" dirty="0">
-              <a:effectLst/>
-              <a:latin typeface="+mn-ea"/>
-              <a:cs typeface="Times New Roman" panose="02020603050405020304" pitchFamily="18" charset="0"/>
-            </a:endParaRPr>
-          </a:p>
-          <a:p>
-            <a:pPr marL="0" indent="0" algn="l">
-              <a:buNone/>
-            </a:pPr>
-            <a:r>
-              <a:rPr lang="en-US" altLang="ja-JP" kern="100" dirty="0">
-                <a:effectLst/>
-                <a:latin typeface="+mn-ea"/>
-                <a:cs typeface="Times New Roman" panose="02020603050405020304" pitchFamily="18" charset="0"/>
-              </a:rPr>
-              <a:t>	</a:t>
-            </a:r>
-            <a:r>
-              <a:rPr lang="ja-JP" altLang="en-US" kern="100" dirty="0">
-                <a:effectLst/>
-                <a:latin typeface="+mn-ea"/>
-                <a:cs typeface="Times New Roman" panose="02020603050405020304" pitchFamily="18" charset="0"/>
-              </a:rPr>
-              <a:t>終業前に</a:t>
-            </a:r>
-            <a:r>
-              <a:rPr lang="ja-JP" altLang="ja-JP" kern="100" dirty="0">
-                <a:effectLst/>
-                <a:latin typeface="+mn-ea"/>
-                <a:cs typeface="Times New Roman" panose="02020603050405020304" pitchFamily="18" charset="0"/>
-              </a:rPr>
-              <a:t>その日のまとめと翌日に行うことの共有</a:t>
-            </a:r>
-          </a:p>
-          <a:p>
-            <a:pPr algn="l"/>
-            <a:endParaRPr lang="en-US" altLang="ja-JP" kern="100" dirty="0">
-              <a:effectLst/>
-              <a:latin typeface="+mn-ea"/>
-              <a:cs typeface="Times New Roman" panose="02020603050405020304" pitchFamily="18" charset="0"/>
-            </a:endParaRPr>
-          </a:p>
-          <a:p>
-            <a:pPr algn="l"/>
-            <a:r>
-              <a:rPr lang="ja-JP" altLang="en-US" kern="100" dirty="0">
-                <a:effectLst/>
-                <a:latin typeface="+mn-ea"/>
-                <a:cs typeface="Times New Roman" panose="02020603050405020304" pitchFamily="18" charset="0"/>
-              </a:rPr>
-              <a:t>教えあい</a:t>
-            </a:r>
-            <a:r>
-              <a:rPr lang="en-US" altLang="ja-JP" kern="100" dirty="0">
-                <a:effectLst/>
-                <a:latin typeface="+mn-ea"/>
-                <a:cs typeface="Times New Roman" panose="02020603050405020304" pitchFamily="18" charset="0"/>
-              </a:rPr>
-              <a:t>	</a:t>
-            </a:r>
-            <a:r>
-              <a:rPr lang="ja-JP" altLang="ja-JP" kern="100" dirty="0">
-                <a:effectLst/>
-                <a:latin typeface="+mn-ea"/>
-                <a:cs typeface="Times New Roman" panose="02020603050405020304" pitchFamily="18" charset="0"/>
-              </a:rPr>
-              <a:t>チーム作業</a:t>
-            </a:r>
-            <a:r>
-              <a:rPr lang="ja-JP" altLang="en-US" kern="100" dirty="0">
-                <a:effectLst/>
-                <a:latin typeface="+mn-ea"/>
-                <a:cs typeface="Times New Roman" panose="02020603050405020304" pitchFamily="18" charset="0"/>
-              </a:rPr>
-              <a:t>：ブレイクアウトルームに分かれて分担</a:t>
-            </a:r>
-            <a:endParaRPr lang="en-US" altLang="ja-JP" kern="100" dirty="0">
-              <a:effectLst/>
-              <a:latin typeface="+mn-ea"/>
-              <a:cs typeface="Times New Roman" panose="02020603050405020304" pitchFamily="18" charset="0"/>
-            </a:endParaRPr>
-          </a:p>
-          <a:p>
-            <a:pPr marL="0" indent="0" algn="l">
-              <a:buNone/>
-            </a:pPr>
-            <a:r>
-              <a:rPr lang="en-US" altLang="ja-JP" kern="100" dirty="0">
-                <a:latin typeface="+mn-ea"/>
-                <a:cs typeface="Times New Roman" panose="02020603050405020304" pitchFamily="18" charset="0"/>
-              </a:rPr>
-              <a:t>	</a:t>
-            </a:r>
-            <a:r>
-              <a:rPr lang="ja-JP" altLang="en-US" kern="100" dirty="0">
-                <a:latin typeface="+mn-ea"/>
-                <a:cs typeface="Times New Roman" panose="02020603050405020304" pitchFamily="18" charset="0"/>
-              </a:rPr>
-              <a:t>チーム内で勉強会を行い、全体のボトムアップを図った</a:t>
-            </a:r>
-            <a:endParaRPr lang="en-US" altLang="ja-JP" kern="100" dirty="0">
-              <a:latin typeface="+mn-ea"/>
-              <a:cs typeface="Times New Roman" panose="02020603050405020304" pitchFamily="18" charset="0"/>
-            </a:endParaRPr>
-          </a:p>
-          <a:p>
-            <a:pPr marL="0" indent="0" algn="l">
-              <a:buNone/>
-            </a:pPr>
-            <a:endParaRPr lang="en-US" altLang="ja-JP" kern="100" dirty="0">
-              <a:latin typeface="+mn-ea"/>
-              <a:cs typeface="Times New Roman" panose="02020603050405020304" pitchFamily="18" charset="0"/>
-            </a:endParaRPr>
-          </a:p>
-          <a:p>
-            <a:r>
-              <a:rPr kumimoji="1" lang="ja-JP" altLang="en-US" dirty="0">
-                <a:latin typeface="+mn-ea"/>
-              </a:rPr>
-              <a:t>実現したかったこと</a:t>
-            </a:r>
-            <a:endParaRPr kumimoji="1" lang="en-US" altLang="ja-JP" dirty="0">
-              <a:latin typeface="+mn-ea"/>
-            </a:endParaRPr>
-          </a:p>
-          <a:p>
-            <a:pPr marL="0" indent="0">
-              <a:buNone/>
-            </a:pPr>
-            <a:r>
-              <a:rPr kumimoji="1" lang="en-US" altLang="ja-JP" dirty="0">
-                <a:latin typeface="+mn-ea"/>
-              </a:rPr>
-              <a:t>―</a:t>
-            </a:r>
-            <a:r>
-              <a:rPr kumimoji="1" lang="ja-JP" altLang="en-US" dirty="0">
-                <a:latin typeface="+mn-ea"/>
-              </a:rPr>
-              <a:t>掲示板にいいね機能</a:t>
-            </a:r>
-            <a:endParaRPr kumimoji="1" lang="en-US" altLang="ja-JP" dirty="0">
-              <a:latin typeface="+mn-ea"/>
-            </a:endParaRPr>
-          </a:p>
-          <a:p>
-            <a:pPr marL="0" indent="0">
-              <a:buNone/>
-            </a:pPr>
-            <a:r>
-              <a:rPr lang="en-US" altLang="ja-JP" dirty="0">
-                <a:latin typeface="+mn-ea"/>
-              </a:rPr>
-              <a:t>―</a:t>
-            </a:r>
-            <a:r>
-              <a:rPr kumimoji="1" lang="ja-JP" altLang="en-US" dirty="0">
-                <a:latin typeface="+mn-ea"/>
-              </a:rPr>
-              <a:t>運動した日にスタンプ表示</a:t>
-            </a:r>
-            <a:endParaRPr kumimoji="1" lang="en-US" altLang="ja-JP" dirty="0">
-              <a:latin typeface="+mn-ea"/>
-            </a:endParaRPr>
-          </a:p>
-          <a:p>
-            <a:pPr marL="0" indent="0">
-              <a:buNone/>
-            </a:pPr>
-            <a:r>
-              <a:rPr lang="en-US" altLang="ja-JP" dirty="0">
-                <a:latin typeface="+mn-ea"/>
-              </a:rPr>
-              <a:t>―</a:t>
-            </a:r>
-            <a:r>
-              <a:rPr lang="ja-JP" altLang="en-US" dirty="0">
-                <a:latin typeface="+mn-ea"/>
-              </a:rPr>
-              <a:t>コラ画像</a:t>
-            </a:r>
+            <a:endParaRPr kumimoji="1" lang="ja-JP" altLang="en-US" dirty="0"/>
           </a:p>
         </p:txBody>
       </p:sp>
@@ -5904,7 +5904,7 @@
     </p:spTree>
     <p:extLst>
       <p:ext uri="{BB962C8B-B14F-4D97-AF65-F5344CB8AC3E}">
-        <p14:creationId xmlns:p14="http://schemas.microsoft.com/office/powerpoint/2010/main" val="3734896416"/>
+        <p14:creationId xmlns:p14="http://schemas.microsoft.com/office/powerpoint/2010/main" val="1162426119"/>
       </p:ext>
     </p:extLst>
   </p:cSld>
@@ -6131,7 +6131,7 @@
           <a:p>
             <a:fld id="{C59D74C6-9C2E-47F2-9943-FD41646989DE}" type="slidenum">
               <a:rPr kumimoji="1" lang="ja-JP" altLang="en-US" smtClean="0"/>
-              <a:t>27</a:t>
+              <a:t>26</a:t>
             </a:fld>
             <a:endParaRPr kumimoji="1" lang="ja-JP" altLang="en-US"/>
           </a:p>
@@ -6194,6 +6194,27 @@
           <a:bodyPr/>
           <a:lstStyle/>
           <a:p>
+            <a:pPr marL="0" marR="0" lvl="0" indent="0" algn="l" defTabSz="914400" rtl="0" eaLnBrk="1" fontAlgn="auto" latinLnBrk="0" hangingPunct="1">
+              <a:lnSpc>
+                <a:spcPct val="100000"/>
+              </a:lnSpc>
+              <a:spcBef>
+                <a:spcPts val="0"/>
+              </a:spcBef>
+              <a:spcAft>
+                <a:spcPts val="0"/>
+              </a:spcAft>
+              <a:buClrTx/>
+              <a:buSzTx/>
+              <a:buFontTx/>
+              <a:buNone/>
+              <a:tabLst/>
+              <a:defRPr/>
+            </a:pPr>
+            <a:r>
+              <a:rPr kumimoji="1" lang="ja-JP" altLang="en-US" dirty="0"/>
+              <a:t>個人では、このような成長ができました。今後は、この研修での学びを活かして業務に取り組んでいきます。</a:t>
+            </a:r>
             <a:endParaRPr kumimoji="1" lang="en-US" altLang="ja-JP" dirty="0"/>
           </a:p>
         </p:txBody>
@@ -6215,7 +6236,7 @@
           <a:p>
             <a:fld id="{C59D74C6-9C2E-47F2-9943-FD41646989DE}" type="slidenum">
               <a:rPr kumimoji="1" lang="ja-JP" altLang="en-US" smtClean="0"/>
-              <a:t>28</a:t>
+              <a:t>27</a:t>
             </a:fld>
             <a:endParaRPr kumimoji="1" lang="ja-JP" altLang="en-US"/>
           </a:p>
@@ -6235,6 +6256,111 @@
 </file>
 
 <file path=ppt/notesSlides/notesSlide24.xml><?xml version="1.0" encoding="utf-8"?>
+<p:notes xmlns:a="http://schemas.openxmlformats.org/drawingml/2006/main" xmlns:r="http://schemas.openxmlformats.org/officeDocument/2006/relationships" xmlns:p="http://schemas.openxmlformats.org/presentationml/2006/main">
+  <p:cSld>
+    <p:spTree>
+      <p:nvGrpSpPr>
+        <p:cNvPr id="1" name=""/>
+        <p:cNvGrpSpPr/>
+        <p:nvPr/>
+      </p:nvGrpSpPr>
+      <p:grpSpPr>
+        <a:xfrm>
+          <a:off x="0" y="0"/>
+          <a:ext cx="0" cy="0"/>
+          <a:chOff x="0" y="0"/>
+          <a:chExt cx="0" cy="0"/>
+        </a:xfrm>
+      </p:grpSpPr>
+      <p:sp>
+        <p:nvSpPr>
+          <p:cNvPr id="2" name="スライド イメージ プレースホルダー 1"/>
+          <p:cNvSpPr>
+            <a:spLocks noGrp="1" noRot="1" noChangeAspect="1"/>
+          </p:cNvSpPr>
+          <p:nvPr>
+            <p:ph type="sldImg"/>
+          </p:nvPr>
+        </p:nvSpPr>
+        <p:spPr/>
+      </p:sp>
+      <p:sp>
+        <p:nvSpPr>
+          <p:cNvPr id="3" name="ノート プレースホルダー 2"/>
+          <p:cNvSpPr>
+            <a:spLocks noGrp="1"/>
+          </p:cNvSpPr>
+          <p:nvPr>
+            <p:ph type="body" idx="1"/>
+          </p:nvPr>
+        </p:nvSpPr>
+        <p:spPr/>
+        <p:txBody>
+          <a:bodyPr/>
+          <a:lstStyle/>
+          <a:p>
+            <a:pPr marL="0" marR="0" lvl="0" indent="0" algn="l" defTabSz="914400" rtl="0" eaLnBrk="1" fontAlgn="auto" latinLnBrk="0" hangingPunct="1">
+              <a:lnSpc>
+                <a:spcPct val="100000"/>
+              </a:lnSpc>
+              <a:spcBef>
+                <a:spcPts val="0"/>
+              </a:spcBef>
+              <a:spcAft>
+                <a:spcPts val="0"/>
+              </a:spcAft>
+              <a:buClrTx/>
+              <a:buSzTx/>
+              <a:buFontTx/>
+              <a:buNone/>
+              <a:tabLst/>
+              <a:defRPr/>
+            </a:pPr>
+            <a:r>
+              <a:rPr kumimoji="1" lang="ja-JP" altLang="en-US" dirty="0"/>
+              <a:t>個人では、このような成長ができました。今後は、この研修での学びを活かして業務に取り組んでいきます。</a:t>
+            </a:r>
+            <a:endParaRPr kumimoji="1" lang="en-US" altLang="ja-JP" dirty="0"/>
+          </a:p>
+        </p:txBody>
+      </p:sp>
+      <p:sp>
+        <p:nvSpPr>
+          <p:cNvPr id="4" name="スライド番号プレースホルダー 3"/>
+          <p:cNvSpPr>
+            <a:spLocks noGrp="1"/>
+          </p:cNvSpPr>
+          <p:nvPr>
+            <p:ph type="sldNum" sz="quarter" idx="5"/>
+          </p:nvPr>
+        </p:nvSpPr>
+        <p:spPr/>
+        <p:txBody>
+          <a:bodyPr/>
+          <a:lstStyle/>
+          <a:p>
+            <a:fld id="{C59D74C6-9C2E-47F2-9943-FD41646989DE}" type="slidenum">
+              <a:rPr kumimoji="1" lang="ja-JP" altLang="en-US" smtClean="0"/>
+              <a:t>28</a:t>
+            </a:fld>
+            <a:endParaRPr kumimoji="1" lang="ja-JP" altLang="en-US"/>
+          </a:p>
+        </p:txBody>
+      </p:sp>
+    </p:spTree>
+    <p:extLst>
+      <p:ext uri="{BB962C8B-B14F-4D97-AF65-F5344CB8AC3E}">
+        <p14:creationId xmlns:p14="http://schemas.microsoft.com/office/powerpoint/2010/main" val="26260169"/>
+      </p:ext>
+    </p:extLst>
+  </p:cSld>
+  <p:clrMapOvr>
+    <a:masterClrMapping/>
+  </p:clrMapOvr>
+</p:notes>
+</file>
+
+<file path=ppt/notesSlides/notesSlide25.xml><?xml version="1.0" encoding="utf-8"?>
 <p:notes xmlns:a="http://schemas.openxmlformats.org/drawingml/2006/main" xmlns:r="http://schemas.openxmlformats.org/officeDocument/2006/relationships" xmlns:p="http://schemas.openxmlformats.org/presentationml/2006/main">
   <p:cSld>
     <p:spTree>
@@ -15091,1420 +15217,6 @@
       </p:grpSpPr>
       <p:pic>
         <p:nvPicPr>
-          <p:cNvPr id="1026" name="Picture 2" descr="健康診断の結果を見ている男性のイラスト（ショック）">
-            <a:extLst>
-              <a:ext uri="{FF2B5EF4-FFF2-40B4-BE49-F238E27FC236}">
-                <a16:creationId xmlns:a16="http://schemas.microsoft.com/office/drawing/2014/main" id="{880987C8-C5DE-453F-89FF-CD85CCA9A871}"/>
-              </a:ext>
-            </a:extLst>
-          </p:cNvPr>
-          <p:cNvPicPr>
-            <a:picLocks noChangeAspect="1" noChangeArrowheads="1"/>
-          </p:cNvPicPr>
-          <p:nvPr/>
-        </p:nvPicPr>
-        <p:blipFill>
-          <a:blip r:embed="rId3">
-            <a:extLst>
-              <a:ext uri="{28A0092B-C50C-407E-A947-70E740481C1C}">
-                <a14:useLocalDpi xmlns:a14="http://schemas.microsoft.com/office/drawing/2010/main" val="0"/>
-              </a:ext>
-            </a:extLst>
-          </a:blip>
-          <a:srcRect/>
-          <a:stretch>
-            <a:fillRect/>
-          </a:stretch>
-        </p:blipFill>
-        <p:spPr bwMode="auto">
-          <a:xfrm>
-            <a:off x="-20185" y="2043520"/>
-            <a:ext cx="4549365" cy="5054850"/>
-          </a:xfrm>
-          <a:prstGeom prst="rect">
-            <a:avLst/>
-          </a:prstGeom>
-          <a:noFill/>
-          <a:extLst>
-            <a:ext uri="{909E8E84-426E-40DD-AFC4-6F175D3DCCD1}">
-              <a14:hiddenFill xmlns:a14="http://schemas.microsoft.com/office/drawing/2010/main">
-                <a:solidFill>
-                  <a:srgbClr val="FFFFFF"/>
-                </a:solidFill>
-              </a14:hiddenFill>
-            </a:ext>
-          </a:extLst>
-        </p:spPr>
-      </p:pic>
-      <p:sp>
-        <p:nvSpPr>
-          <p:cNvPr id="6" name="思考の吹き出し: 雲形 5">
-            <a:extLst>
-              <a:ext uri="{FF2B5EF4-FFF2-40B4-BE49-F238E27FC236}">
-                <a16:creationId xmlns:a16="http://schemas.microsoft.com/office/drawing/2014/main" id="{580B959D-3D4A-4811-AB70-688FE2EBE513}"/>
-              </a:ext>
-            </a:extLst>
-          </p:cNvPr>
-          <p:cNvSpPr/>
-          <p:nvPr/>
-        </p:nvSpPr>
-        <p:spPr>
-          <a:xfrm>
-            <a:off x="3838532" y="1164051"/>
-            <a:ext cx="4330700" cy="2968668"/>
-          </a:xfrm>
-          <a:prstGeom prst="cloudCallout">
-            <a:avLst>
-              <a:gd name="adj1" fmla="val -55795"/>
-              <a:gd name="adj2" fmla="val 37260"/>
-            </a:avLst>
-          </a:prstGeom>
-          <a:ln w="38100"/>
-        </p:spPr>
-        <p:style>
-          <a:lnRef idx="2">
-            <a:schemeClr val="accent1"/>
-          </a:lnRef>
-          <a:fillRef idx="1">
-            <a:schemeClr val="lt1"/>
-          </a:fillRef>
-          <a:effectRef idx="0">
-            <a:schemeClr val="accent1"/>
-          </a:effectRef>
-          <a:fontRef idx="minor">
-            <a:schemeClr val="dk1"/>
-          </a:fontRef>
-        </p:style>
-        <p:txBody>
-          <a:bodyPr rtlCol="0" anchor="ctr"/>
-          <a:lstStyle/>
-          <a:p>
-            <a:pPr algn="ctr"/>
-            <a:r>
-              <a:rPr kumimoji="1" lang="ja-JP" altLang="en-US" sz="3200" b="1" dirty="0"/>
-              <a:t>継続が難しい</a:t>
-            </a:r>
-          </a:p>
-        </p:txBody>
-      </p:sp>
-      <p:sp>
-        <p:nvSpPr>
-          <p:cNvPr id="12" name="思考の吹き出し: 雲形 11">
-            <a:extLst>
-              <a:ext uri="{FF2B5EF4-FFF2-40B4-BE49-F238E27FC236}">
-                <a16:creationId xmlns:a16="http://schemas.microsoft.com/office/drawing/2014/main" id="{E92968A3-5611-4E03-8F84-0B858D073128}"/>
-              </a:ext>
-            </a:extLst>
-          </p:cNvPr>
-          <p:cNvSpPr/>
-          <p:nvPr/>
-        </p:nvSpPr>
-        <p:spPr>
-          <a:xfrm>
-            <a:off x="3704109" y="1164051"/>
-            <a:ext cx="4783781" cy="2968668"/>
-          </a:xfrm>
-          <a:prstGeom prst="cloudCallout">
-            <a:avLst>
-              <a:gd name="adj1" fmla="val -55795"/>
-              <a:gd name="adj2" fmla="val 37260"/>
-            </a:avLst>
-          </a:prstGeom>
-          <a:ln w="38100">
-            <a:solidFill>
-              <a:srgbClr val="FFC000"/>
-            </a:solidFill>
-          </a:ln>
-        </p:spPr>
-        <p:style>
-          <a:lnRef idx="2">
-            <a:schemeClr val="accent1"/>
-          </a:lnRef>
-          <a:fillRef idx="1">
-            <a:schemeClr val="lt1"/>
-          </a:fillRef>
-          <a:effectRef idx="0">
-            <a:schemeClr val="accent1"/>
-          </a:effectRef>
-          <a:fontRef idx="minor">
-            <a:schemeClr val="dk1"/>
-          </a:fontRef>
-        </p:style>
-        <p:txBody>
-          <a:bodyPr rtlCol="0" anchor="ctr"/>
-          <a:lstStyle/>
-          <a:p>
-            <a:pPr algn="ctr"/>
-            <a:r>
-              <a:rPr lang="ja-JP" altLang="en-US" sz="3200" b="1" dirty="0"/>
-              <a:t>縛りがないから継続できた</a:t>
-            </a:r>
-            <a:endParaRPr kumimoji="1" lang="ja-JP" altLang="en-US" sz="3200" b="1" dirty="0"/>
-          </a:p>
-        </p:txBody>
-      </p:sp>
-      <p:sp>
-        <p:nvSpPr>
-          <p:cNvPr id="9" name="思考の吹き出し: 雲形 8">
-            <a:extLst>
-              <a:ext uri="{FF2B5EF4-FFF2-40B4-BE49-F238E27FC236}">
-                <a16:creationId xmlns:a16="http://schemas.microsoft.com/office/drawing/2014/main" id="{CFD31EE3-5E85-4191-B3EA-8B902AFF61FA}"/>
-              </a:ext>
-            </a:extLst>
-          </p:cNvPr>
-          <p:cNvSpPr/>
-          <p:nvPr/>
-        </p:nvSpPr>
-        <p:spPr>
-          <a:xfrm>
-            <a:off x="4748985" y="2017822"/>
-            <a:ext cx="4786270" cy="2968668"/>
-          </a:xfrm>
-          <a:prstGeom prst="cloudCallout">
-            <a:avLst>
-              <a:gd name="adj1" fmla="val -65082"/>
-              <a:gd name="adj2" fmla="val 27421"/>
-            </a:avLst>
-          </a:prstGeom>
-          <a:ln w="38100"/>
-        </p:spPr>
-        <p:style>
-          <a:lnRef idx="2">
-            <a:schemeClr val="accent1"/>
-          </a:lnRef>
-          <a:fillRef idx="1">
-            <a:schemeClr val="lt1"/>
-          </a:fillRef>
-          <a:effectRef idx="0">
-            <a:schemeClr val="accent1"/>
-          </a:effectRef>
-          <a:fontRef idx="minor">
-            <a:schemeClr val="dk1"/>
-          </a:fontRef>
-        </p:style>
-        <p:txBody>
-          <a:bodyPr rtlCol="0" anchor="ctr"/>
-          <a:lstStyle/>
-          <a:p>
-            <a:pPr algn="ctr"/>
-            <a:r>
-              <a:rPr kumimoji="1" lang="ja-JP" altLang="en-US" sz="3200" b="1" dirty="0"/>
-              <a:t>慣れない家事・仕事で手一杯</a:t>
-            </a:r>
-          </a:p>
-        </p:txBody>
-      </p:sp>
-      <p:sp>
-        <p:nvSpPr>
-          <p:cNvPr id="10" name="思考の吹き出し: 雲形 9">
-            <a:extLst>
-              <a:ext uri="{FF2B5EF4-FFF2-40B4-BE49-F238E27FC236}">
-                <a16:creationId xmlns:a16="http://schemas.microsoft.com/office/drawing/2014/main" id="{3EAFDD02-F23D-43D4-9847-4D53A5CB907A}"/>
-              </a:ext>
-            </a:extLst>
-          </p:cNvPr>
-          <p:cNvSpPr/>
-          <p:nvPr/>
-        </p:nvSpPr>
-        <p:spPr>
-          <a:xfrm>
-            <a:off x="5313424" y="2880823"/>
-            <a:ext cx="5880100" cy="2093934"/>
-          </a:xfrm>
-          <a:prstGeom prst="cloudCallout">
-            <a:avLst>
-              <a:gd name="adj1" fmla="val -58786"/>
-              <a:gd name="adj2" fmla="val 33101"/>
-            </a:avLst>
-          </a:prstGeom>
-          <a:ln w="38100"/>
-        </p:spPr>
-        <p:style>
-          <a:lnRef idx="2">
-            <a:schemeClr val="accent1"/>
-          </a:lnRef>
-          <a:fillRef idx="1">
-            <a:schemeClr val="lt1"/>
-          </a:fillRef>
-          <a:effectRef idx="0">
-            <a:schemeClr val="accent1"/>
-          </a:effectRef>
-          <a:fontRef idx="minor">
-            <a:schemeClr val="dk1"/>
-          </a:fontRef>
-        </p:style>
-        <p:txBody>
-          <a:bodyPr rtlCol="0" anchor="ctr"/>
-          <a:lstStyle/>
-          <a:p>
-            <a:pPr algn="ctr"/>
-            <a:r>
-              <a:rPr kumimoji="1" lang="ja-JP" altLang="en-US" sz="3200" b="1" dirty="0"/>
-              <a:t>自炊する時間がない</a:t>
-            </a:r>
-          </a:p>
-        </p:txBody>
-      </p:sp>
-      <p:sp>
-        <p:nvSpPr>
-          <p:cNvPr id="13" name="思考の吹き出し: 雲形 12">
-            <a:extLst>
-              <a:ext uri="{FF2B5EF4-FFF2-40B4-BE49-F238E27FC236}">
-                <a16:creationId xmlns:a16="http://schemas.microsoft.com/office/drawing/2014/main" id="{27DEBA30-C168-4FF0-8B24-5471EA424A1C}"/>
-              </a:ext>
-            </a:extLst>
-          </p:cNvPr>
-          <p:cNvSpPr/>
-          <p:nvPr/>
-        </p:nvSpPr>
-        <p:spPr>
-          <a:xfrm>
-            <a:off x="5093619" y="1897577"/>
-            <a:ext cx="5851190" cy="3717968"/>
-          </a:xfrm>
-          <a:prstGeom prst="cloudCallout">
-            <a:avLst>
-              <a:gd name="adj1" fmla="val -73447"/>
-              <a:gd name="adj2" fmla="val 22618"/>
-            </a:avLst>
-          </a:prstGeom>
-          <a:ln w="38100">
-            <a:solidFill>
-              <a:srgbClr val="FFC000"/>
-            </a:solidFill>
-          </a:ln>
-        </p:spPr>
-        <p:style>
-          <a:lnRef idx="2">
-            <a:schemeClr val="accent1"/>
-          </a:lnRef>
-          <a:fillRef idx="1">
-            <a:schemeClr val="lt1"/>
-          </a:fillRef>
-          <a:effectRef idx="0">
-            <a:schemeClr val="accent1"/>
-          </a:effectRef>
-          <a:fontRef idx="minor">
-            <a:schemeClr val="dk1"/>
-          </a:fontRef>
-        </p:style>
-        <p:txBody>
-          <a:bodyPr rtlCol="0" anchor="ctr"/>
-          <a:lstStyle/>
-          <a:p>
-            <a:pPr algn="ctr"/>
-            <a:r>
-              <a:rPr kumimoji="1" lang="ja-JP" altLang="en-US" sz="3200" b="1" dirty="0"/>
-              <a:t>変化が分かって</a:t>
-            </a:r>
-            <a:endParaRPr kumimoji="1" lang="en-US" altLang="ja-JP" sz="3200" b="1" dirty="0"/>
-          </a:p>
-          <a:p>
-            <a:pPr algn="ctr"/>
-            <a:r>
-              <a:rPr lang="ja-JP" altLang="en-US" sz="3200" b="1" dirty="0"/>
-              <a:t>モチベーションアップ</a:t>
-            </a:r>
-            <a:endParaRPr kumimoji="1" lang="ja-JP" altLang="en-US" sz="3200" b="1" dirty="0"/>
-          </a:p>
-        </p:txBody>
-      </p:sp>
-      <p:sp>
-        <p:nvSpPr>
-          <p:cNvPr id="11" name="思考の吹き出し: 雲形 10">
-            <a:extLst>
-              <a:ext uri="{FF2B5EF4-FFF2-40B4-BE49-F238E27FC236}">
-                <a16:creationId xmlns:a16="http://schemas.microsoft.com/office/drawing/2014/main" id="{59079986-A90C-49C6-B474-178C9F034E85}"/>
-              </a:ext>
-            </a:extLst>
-          </p:cNvPr>
-          <p:cNvSpPr/>
-          <p:nvPr/>
-        </p:nvSpPr>
-        <p:spPr>
-          <a:xfrm>
-            <a:off x="5935426" y="3086611"/>
-            <a:ext cx="4786270" cy="2968668"/>
-          </a:xfrm>
-          <a:prstGeom prst="cloudCallout">
-            <a:avLst>
-              <a:gd name="adj1" fmla="val -80472"/>
-              <a:gd name="adj2" fmla="val 11592"/>
-            </a:avLst>
-          </a:prstGeom>
-          <a:ln w="38100"/>
-        </p:spPr>
-        <p:style>
-          <a:lnRef idx="2">
-            <a:schemeClr val="accent1"/>
-          </a:lnRef>
-          <a:fillRef idx="1">
-            <a:schemeClr val="lt1"/>
-          </a:fillRef>
-          <a:effectRef idx="0">
-            <a:schemeClr val="accent1"/>
-          </a:effectRef>
-          <a:fontRef idx="minor">
-            <a:schemeClr val="dk1"/>
-          </a:fontRef>
-        </p:style>
-        <p:txBody>
-          <a:bodyPr rtlCol="0" anchor="ctr"/>
-          <a:lstStyle/>
-          <a:p>
-            <a:pPr algn="ctr"/>
-            <a:r>
-              <a:rPr lang="ja-JP" altLang="en-US" sz="3200" b="1" dirty="0"/>
-              <a:t>ひとりで</a:t>
-            </a:r>
-            <a:endParaRPr lang="en-US" altLang="ja-JP" sz="3200" b="1" dirty="0"/>
-          </a:p>
-          <a:p>
-            <a:pPr algn="ctr"/>
-            <a:r>
-              <a:rPr lang="ja-JP" altLang="en-US" sz="3200" b="1" dirty="0"/>
-              <a:t>頑張るのは大変</a:t>
-            </a:r>
-            <a:endParaRPr kumimoji="1" lang="ja-JP" altLang="en-US" sz="3200" b="1" dirty="0"/>
-          </a:p>
-        </p:txBody>
-      </p:sp>
-      <p:sp>
-        <p:nvSpPr>
-          <p:cNvPr id="14" name="思考の吹き出し: 雲形 13">
-            <a:extLst>
-              <a:ext uri="{FF2B5EF4-FFF2-40B4-BE49-F238E27FC236}">
-                <a16:creationId xmlns:a16="http://schemas.microsoft.com/office/drawing/2014/main" id="{C2E9D9D9-C84B-415D-BDEF-3178D1EA09E6}"/>
-              </a:ext>
-            </a:extLst>
-          </p:cNvPr>
-          <p:cNvSpPr/>
-          <p:nvPr/>
-        </p:nvSpPr>
-        <p:spPr>
-          <a:xfrm>
-            <a:off x="5811367" y="2654055"/>
-            <a:ext cx="5257799" cy="3401224"/>
-          </a:xfrm>
-          <a:prstGeom prst="cloudCallout">
-            <a:avLst>
-              <a:gd name="adj1" fmla="val -70896"/>
-              <a:gd name="adj2" fmla="val 22330"/>
-            </a:avLst>
-          </a:prstGeom>
-          <a:ln w="38100">
-            <a:solidFill>
-              <a:srgbClr val="FFC000"/>
-            </a:solidFill>
-          </a:ln>
-        </p:spPr>
-        <p:style>
-          <a:lnRef idx="2">
-            <a:schemeClr val="accent1"/>
-          </a:lnRef>
-          <a:fillRef idx="1">
-            <a:schemeClr val="lt1"/>
-          </a:fillRef>
-          <a:effectRef idx="0">
-            <a:schemeClr val="accent1"/>
-          </a:effectRef>
-          <a:fontRef idx="minor">
-            <a:schemeClr val="dk1"/>
-          </a:fontRef>
-        </p:style>
-        <p:txBody>
-          <a:bodyPr rtlCol="0" anchor="ctr"/>
-          <a:lstStyle/>
-          <a:p>
-            <a:pPr algn="ctr"/>
-            <a:endParaRPr kumimoji="1" lang="en-US" altLang="ja-JP" sz="3200" b="1" dirty="0"/>
-          </a:p>
-          <a:p>
-            <a:pPr algn="ctr"/>
-            <a:r>
-              <a:rPr kumimoji="1" lang="ja-JP" altLang="en-US" sz="3200" b="1" dirty="0"/>
-              <a:t>掲示板で</a:t>
-            </a:r>
-            <a:endParaRPr kumimoji="1" lang="en-US" altLang="ja-JP" sz="3200" b="1" dirty="0"/>
-          </a:p>
-          <a:p>
-            <a:pPr algn="ctr"/>
-            <a:r>
-              <a:rPr lang="ja-JP" altLang="en-US" sz="3200" b="1" dirty="0"/>
-              <a:t>刺激をもらえた</a:t>
-            </a:r>
-            <a:endParaRPr kumimoji="1" lang="en-US" altLang="ja-JP" sz="3200" b="1" dirty="0"/>
-          </a:p>
-          <a:p>
-            <a:pPr algn="ctr"/>
-            <a:endParaRPr kumimoji="1" lang="ja-JP" altLang="en-US" sz="3200" b="1" dirty="0"/>
-          </a:p>
-        </p:txBody>
-      </p:sp>
-      <p:pic>
-        <p:nvPicPr>
-          <p:cNvPr id="15" name="Picture 4" descr="健康診断の結果を見ている男性のイラスト（笑顔）">
-            <a:extLst>
-              <a:ext uri="{FF2B5EF4-FFF2-40B4-BE49-F238E27FC236}">
-                <a16:creationId xmlns:a16="http://schemas.microsoft.com/office/drawing/2014/main" id="{C5748A6A-687C-4D00-AB9D-96263700140B}"/>
-              </a:ext>
-            </a:extLst>
-          </p:cNvPr>
-          <p:cNvPicPr>
-            <a:picLocks noChangeAspect="1" noChangeArrowheads="1"/>
-          </p:cNvPicPr>
-          <p:nvPr/>
-        </p:nvPicPr>
-        <p:blipFill>
-          <a:blip r:embed="rId4">
-            <a:extLst>
-              <a:ext uri="{28A0092B-C50C-407E-A947-70E740481C1C}">
-                <a14:useLocalDpi xmlns:a14="http://schemas.microsoft.com/office/drawing/2010/main" val="0"/>
-              </a:ext>
-            </a:extLst>
-          </a:blip>
-          <a:srcRect/>
-          <a:stretch>
-            <a:fillRect/>
-          </a:stretch>
-        </p:blipFill>
-        <p:spPr bwMode="auto">
-          <a:xfrm>
-            <a:off x="44077" y="2083207"/>
-            <a:ext cx="4401236" cy="4890262"/>
-          </a:xfrm>
-          <a:prstGeom prst="rect">
-            <a:avLst/>
-          </a:prstGeom>
-          <a:noFill/>
-          <a:extLst>
-            <a:ext uri="{909E8E84-426E-40DD-AFC4-6F175D3DCCD1}">
-              <a14:hiddenFill xmlns:a14="http://schemas.microsoft.com/office/drawing/2010/main">
-                <a:solidFill>
-                  <a:srgbClr val="FFFFFF"/>
-                </a:solidFill>
-              </a14:hiddenFill>
-            </a:ext>
-          </a:extLst>
-        </p:spPr>
-      </p:pic>
-      <p:sp>
-        <p:nvSpPr>
-          <p:cNvPr id="3" name="タイトル 2">
-            <a:extLst>
-              <a:ext uri="{FF2B5EF4-FFF2-40B4-BE49-F238E27FC236}">
-                <a16:creationId xmlns:a16="http://schemas.microsoft.com/office/drawing/2014/main" id="{D96AE58F-AB4D-4817-9676-A23ADD8702F2}"/>
-              </a:ext>
-            </a:extLst>
-          </p:cNvPr>
-          <p:cNvSpPr>
-            <a:spLocks noGrp="1"/>
-          </p:cNvSpPr>
-          <p:nvPr>
-            <p:ph type="title"/>
-          </p:nvPr>
-        </p:nvSpPr>
-        <p:spPr/>
-        <p:txBody>
-          <a:bodyPr/>
-          <a:lstStyle/>
-          <a:p>
-            <a:r>
-              <a:rPr lang="ja-JP" altLang="en-US" b="1" dirty="0">
-                <a:latin typeface="+mn-ea"/>
-                <a:ea typeface="+mn-ea"/>
-              </a:rPr>
-              <a:t>「きょうから」利用後</a:t>
-            </a:r>
-            <a:r>
-              <a:rPr lang="en-US" altLang="ja-JP" b="1" dirty="0">
-                <a:latin typeface="+mn-ea"/>
-                <a:ea typeface="+mn-ea"/>
-              </a:rPr>
-              <a:t>…</a:t>
-            </a:r>
-            <a:endParaRPr lang="ja-JP" altLang="en-US" dirty="0"/>
-          </a:p>
-        </p:txBody>
-      </p:sp>
-    </p:spTree>
-    <p:extLst>
-      <p:ext uri="{BB962C8B-B14F-4D97-AF65-F5344CB8AC3E}">
-        <p14:creationId xmlns:p14="http://schemas.microsoft.com/office/powerpoint/2010/main" val="1625462802"/>
-      </p:ext>
-    </p:extLst>
-  </p:cSld>
-  <p:clrMapOvr>
-    <a:masterClrMapping/>
-  </p:clrMapOvr>
-  <mc:AlternateContent xmlns:mc="http://schemas.openxmlformats.org/markup-compatibility/2006" xmlns:p14="http://schemas.microsoft.com/office/powerpoint/2010/main">
-    <mc:Choice Requires="p14">
-      <p:transition spd="med" p14:dur="700">
-        <p:fade/>
-      </p:transition>
-    </mc:Choice>
-    <mc:Fallback xmlns="">
-      <p:transition spd="med">
-        <p:fade/>
-      </p:transition>
-    </mc:Fallback>
-  </mc:AlternateContent>
-  <p:timing>
-    <p:tnLst>
-      <p:par>
-        <p:cTn id="1" dur="indefinite" restart="never" nodeType="tmRoot">
-          <p:childTnLst>
-            <p:seq concurrent="1" nextAc="seek">
-              <p:cTn id="2" dur="indefinite" nodeType="mainSeq">
-                <p:childTnLst>
-                  <p:par>
-                    <p:cTn id="3" fill="hold">
-                      <p:stCondLst>
-                        <p:cond delay="indefinite"/>
-                      </p:stCondLst>
-                      <p:childTnLst>
-                        <p:par>
-                          <p:cTn id="4" fill="hold">
-                            <p:stCondLst>
-                              <p:cond delay="0"/>
-                            </p:stCondLst>
-                            <p:childTnLst>
-                              <p:par>
-                                <p:cTn id="5" presetID="10" presetClass="entr" presetSubtype="0" fill="hold" grpId="0" nodeType="clickEffect">
-                                  <p:stCondLst>
-                                    <p:cond delay="0"/>
-                                  </p:stCondLst>
-                                  <p:childTnLst>
-                                    <p:set>
-                                      <p:cBhvr>
-                                        <p:cTn id="6" dur="1" fill="hold">
-                                          <p:stCondLst>
-                                            <p:cond delay="0"/>
-                                          </p:stCondLst>
-                                        </p:cTn>
-                                        <p:tgtEl>
-                                          <p:spTgt spid="6"/>
-                                        </p:tgtEl>
-                                        <p:attrNameLst>
-                                          <p:attrName>style.visibility</p:attrName>
-                                        </p:attrNameLst>
-                                      </p:cBhvr>
-                                      <p:to>
-                                        <p:strVal val="visible"/>
-                                      </p:to>
-                                    </p:set>
-                                    <p:animEffect transition="in" filter="fade">
-                                      <p:cBhvr>
-                                        <p:cTn id="7" dur="500"/>
-                                        <p:tgtEl>
-                                          <p:spTgt spid="6"/>
-                                        </p:tgtEl>
-                                      </p:cBhvr>
-                                    </p:animEffect>
-                                  </p:childTnLst>
-                                </p:cTn>
-                              </p:par>
-                            </p:childTnLst>
-                          </p:cTn>
-                        </p:par>
-                      </p:childTnLst>
-                    </p:cTn>
-                  </p:par>
-                  <p:par>
-                    <p:cTn id="8" fill="hold">
-                      <p:stCondLst>
-                        <p:cond delay="indefinite"/>
-                      </p:stCondLst>
-                      <p:childTnLst>
-                        <p:par>
-                          <p:cTn id="9" fill="hold">
-                            <p:stCondLst>
-                              <p:cond delay="0"/>
-                            </p:stCondLst>
-                            <p:childTnLst>
-                              <p:par>
-                                <p:cTn id="10" presetID="47" presetClass="entr" presetSubtype="0" fill="hold" grpId="0" nodeType="clickEffect">
-                                  <p:stCondLst>
-                                    <p:cond delay="0"/>
-                                  </p:stCondLst>
-                                  <p:childTnLst>
-                                    <p:set>
-                                      <p:cBhvr>
-                                        <p:cTn id="11" dur="1" fill="hold">
-                                          <p:stCondLst>
-                                            <p:cond delay="0"/>
-                                          </p:stCondLst>
-                                        </p:cTn>
-                                        <p:tgtEl>
-                                          <p:spTgt spid="12"/>
-                                        </p:tgtEl>
-                                        <p:attrNameLst>
-                                          <p:attrName>style.visibility</p:attrName>
-                                        </p:attrNameLst>
-                                      </p:cBhvr>
-                                      <p:to>
-                                        <p:strVal val="visible"/>
-                                      </p:to>
-                                    </p:set>
-                                    <p:animEffect transition="in" filter="fade">
-                                      <p:cBhvr>
-                                        <p:cTn id="12" dur="1000"/>
-                                        <p:tgtEl>
-                                          <p:spTgt spid="12"/>
-                                        </p:tgtEl>
-                                      </p:cBhvr>
-                                    </p:animEffect>
-                                    <p:anim calcmode="lin" valueType="num">
-                                      <p:cBhvr>
-                                        <p:cTn id="13" dur="1000" fill="hold"/>
-                                        <p:tgtEl>
-                                          <p:spTgt spid="12"/>
-                                        </p:tgtEl>
-                                        <p:attrNameLst>
-                                          <p:attrName>ppt_x</p:attrName>
-                                        </p:attrNameLst>
-                                      </p:cBhvr>
-                                      <p:tavLst>
-                                        <p:tav tm="0">
-                                          <p:val>
-                                            <p:strVal val="#ppt_x"/>
-                                          </p:val>
-                                        </p:tav>
-                                        <p:tav tm="100000">
-                                          <p:val>
-                                            <p:strVal val="#ppt_x"/>
-                                          </p:val>
-                                        </p:tav>
-                                      </p:tavLst>
-                                    </p:anim>
-                                    <p:anim calcmode="lin" valueType="num">
-                                      <p:cBhvr>
-                                        <p:cTn id="14" dur="1000" fill="hold"/>
-                                        <p:tgtEl>
-                                          <p:spTgt spid="12"/>
-                                        </p:tgtEl>
-                                        <p:attrNameLst>
-                                          <p:attrName>ppt_y</p:attrName>
-                                        </p:attrNameLst>
-                                      </p:cBhvr>
-                                      <p:tavLst>
-                                        <p:tav tm="0">
-                                          <p:val>
-                                            <p:strVal val="#ppt_y-.1"/>
-                                          </p:val>
-                                        </p:tav>
-                                        <p:tav tm="100000">
-                                          <p:val>
-                                            <p:strVal val="#ppt_y"/>
-                                          </p:val>
-                                        </p:tav>
-                                      </p:tavLst>
-                                    </p:anim>
-                                  </p:childTnLst>
-                                </p:cTn>
-                              </p:par>
-                            </p:childTnLst>
-                          </p:cTn>
-                        </p:par>
-                      </p:childTnLst>
-                    </p:cTn>
-                  </p:par>
-                  <p:par>
-                    <p:cTn id="15" fill="hold">
-                      <p:stCondLst>
-                        <p:cond delay="indefinite"/>
-                      </p:stCondLst>
-                      <p:childTnLst>
-                        <p:par>
-                          <p:cTn id="16" fill="hold">
-                            <p:stCondLst>
-                              <p:cond delay="0"/>
-                            </p:stCondLst>
-                            <p:childTnLst>
-                              <p:par>
-                                <p:cTn id="17" presetID="10" presetClass="entr" presetSubtype="0" fill="hold" grpId="0" nodeType="clickEffect">
-                                  <p:stCondLst>
-                                    <p:cond delay="0"/>
-                                  </p:stCondLst>
-                                  <p:childTnLst>
-                                    <p:set>
-                                      <p:cBhvr>
-                                        <p:cTn id="18" dur="1" fill="hold">
-                                          <p:stCondLst>
-                                            <p:cond delay="0"/>
-                                          </p:stCondLst>
-                                        </p:cTn>
-                                        <p:tgtEl>
-                                          <p:spTgt spid="9"/>
-                                        </p:tgtEl>
-                                        <p:attrNameLst>
-                                          <p:attrName>style.visibility</p:attrName>
-                                        </p:attrNameLst>
-                                      </p:cBhvr>
-                                      <p:to>
-                                        <p:strVal val="visible"/>
-                                      </p:to>
-                                    </p:set>
-                                    <p:animEffect transition="in" filter="fade">
-                                      <p:cBhvr>
-                                        <p:cTn id="19" dur="500"/>
-                                        <p:tgtEl>
-                                          <p:spTgt spid="9"/>
-                                        </p:tgtEl>
-                                      </p:cBhvr>
-                                    </p:animEffect>
-                                  </p:childTnLst>
-                                </p:cTn>
-                              </p:par>
-                            </p:childTnLst>
-                          </p:cTn>
-                        </p:par>
-                      </p:childTnLst>
-                    </p:cTn>
-                  </p:par>
-                  <p:par>
-                    <p:cTn id="20" fill="hold">
-                      <p:stCondLst>
-                        <p:cond delay="indefinite"/>
-                      </p:stCondLst>
-                      <p:childTnLst>
-                        <p:par>
-                          <p:cTn id="21" fill="hold">
-                            <p:stCondLst>
-                              <p:cond delay="0"/>
-                            </p:stCondLst>
-                            <p:childTnLst>
-                              <p:par>
-                                <p:cTn id="22" presetID="10" presetClass="entr" presetSubtype="0" fill="hold" grpId="0" nodeType="clickEffect">
-                                  <p:stCondLst>
-                                    <p:cond delay="0"/>
-                                  </p:stCondLst>
-                                  <p:childTnLst>
-                                    <p:set>
-                                      <p:cBhvr>
-                                        <p:cTn id="23" dur="1" fill="hold">
-                                          <p:stCondLst>
-                                            <p:cond delay="0"/>
-                                          </p:stCondLst>
-                                        </p:cTn>
-                                        <p:tgtEl>
-                                          <p:spTgt spid="10"/>
-                                        </p:tgtEl>
-                                        <p:attrNameLst>
-                                          <p:attrName>style.visibility</p:attrName>
-                                        </p:attrNameLst>
-                                      </p:cBhvr>
-                                      <p:to>
-                                        <p:strVal val="visible"/>
-                                      </p:to>
-                                    </p:set>
-                                    <p:animEffect transition="in" filter="fade">
-                                      <p:cBhvr>
-                                        <p:cTn id="24" dur="500"/>
-                                        <p:tgtEl>
-                                          <p:spTgt spid="10"/>
-                                        </p:tgtEl>
-                                      </p:cBhvr>
-                                    </p:animEffect>
-                                  </p:childTnLst>
-                                </p:cTn>
-                              </p:par>
-                            </p:childTnLst>
-                          </p:cTn>
-                        </p:par>
-                      </p:childTnLst>
-                    </p:cTn>
-                  </p:par>
-                  <p:par>
-                    <p:cTn id="25" fill="hold">
-                      <p:stCondLst>
-                        <p:cond delay="indefinite"/>
-                      </p:stCondLst>
-                      <p:childTnLst>
-                        <p:par>
-                          <p:cTn id="26" fill="hold">
-                            <p:stCondLst>
-                              <p:cond delay="0"/>
-                            </p:stCondLst>
-                            <p:childTnLst>
-                              <p:par>
-                                <p:cTn id="27" presetID="47" presetClass="entr" presetSubtype="0" fill="hold" grpId="0" nodeType="clickEffect">
-                                  <p:stCondLst>
-                                    <p:cond delay="0"/>
-                                  </p:stCondLst>
-                                  <p:childTnLst>
-                                    <p:set>
-                                      <p:cBhvr>
-                                        <p:cTn id="28" dur="1" fill="hold">
-                                          <p:stCondLst>
-                                            <p:cond delay="0"/>
-                                          </p:stCondLst>
-                                        </p:cTn>
-                                        <p:tgtEl>
-                                          <p:spTgt spid="13"/>
-                                        </p:tgtEl>
-                                        <p:attrNameLst>
-                                          <p:attrName>style.visibility</p:attrName>
-                                        </p:attrNameLst>
-                                      </p:cBhvr>
-                                      <p:to>
-                                        <p:strVal val="visible"/>
-                                      </p:to>
-                                    </p:set>
-                                    <p:animEffect transition="in" filter="fade">
-                                      <p:cBhvr>
-                                        <p:cTn id="29" dur="1000"/>
-                                        <p:tgtEl>
-                                          <p:spTgt spid="13"/>
-                                        </p:tgtEl>
-                                      </p:cBhvr>
-                                    </p:animEffect>
-                                    <p:anim calcmode="lin" valueType="num">
-                                      <p:cBhvr>
-                                        <p:cTn id="30" dur="1000" fill="hold"/>
-                                        <p:tgtEl>
-                                          <p:spTgt spid="13"/>
-                                        </p:tgtEl>
-                                        <p:attrNameLst>
-                                          <p:attrName>ppt_x</p:attrName>
-                                        </p:attrNameLst>
-                                      </p:cBhvr>
-                                      <p:tavLst>
-                                        <p:tav tm="0">
-                                          <p:val>
-                                            <p:strVal val="#ppt_x"/>
-                                          </p:val>
-                                        </p:tav>
-                                        <p:tav tm="100000">
-                                          <p:val>
-                                            <p:strVal val="#ppt_x"/>
-                                          </p:val>
-                                        </p:tav>
-                                      </p:tavLst>
-                                    </p:anim>
-                                    <p:anim calcmode="lin" valueType="num">
-                                      <p:cBhvr>
-                                        <p:cTn id="31" dur="1000" fill="hold"/>
-                                        <p:tgtEl>
-                                          <p:spTgt spid="13"/>
-                                        </p:tgtEl>
-                                        <p:attrNameLst>
-                                          <p:attrName>ppt_y</p:attrName>
-                                        </p:attrNameLst>
-                                      </p:cBhvr>
-                                      <p:tavLst>
-                                        <p:tav tm="0">
-                                          <p:val>
-                                            <p:strVal val="#ppt_y-.1"/>
-                                          </p:val>
-                                        </p:tav>
-                                        <p:tav tm="100000">
-                                          <p:val>
-                                            <p:strVal val="#ppt_y"/>
-                                          </p:val>
-                                        </p:tav>
-                                      </p:tavLst>
-                                    </p:anim>
-                                  </p:childTnLst>
-                                </p:cTn>
-                              </p:par>
-                            </p:childTnLst>
-                          </p:cTn>
-                        </p:par>
-                      </p:childTnLst>
-                    </p:cTn>
-                  </p:par>
-                  <p:par>
-                    <p:cTn id="32" fill="hold">
-                      <p:stCondLst>
-                        <p:cond delay="indefinite"/>
-                      </p:stCondLst>
-                      <p:childTnLst>
-                        <p:par>
-                          <p:cTn id="33" fill="hold">
-                            <p:stCondLst>
-                              <p:cond delay="0"/>
-                            </p:stCondLst>
-                            <p:childTnLst>
-                              <p:par>
-                                <p:cTn id="34" presetID="10" presetClass="entr" presetSubtype="0" fill="hold" grpId="0" nodeType="clickEffect">
-                                  <p:stCondLst>
-                                    <p:cond delay="0"/>
-                                  </p:stCondLst>
-                                  <p:childTnLst>
-                                    <p:set>
-                                      <p:cBhvr>
-                                        <p:cTn id="35" dur="1" fill="hold">
-                                          <p:stCondLst>
-                                            <p:cond delay="0"/>
-                                          </p:stCondLst>
-                                        </p:cTn>
-                                        <p:tgtEl>
-                                          <p:spTgt spid="11"/>
-                                        </p:tgtEl>
-                                        <p:attrNameLst>
-                                          <p:attrName>style.visibility</p:attrName>
-                                        </p:attrNameLst>
-                                      </p:cBhvr>
-                                      <p:to>
-                                        <p:strVal val="visible"/>
-                                      </p:to>
-                                    </p:set>
-                                    <p:animEffect transition="in" filter="fade">
-                                      <p:cBhvr>
-                                        <p:cTn id="36" dur="500"/>
-                                        <p:tgtEl>
-                                          <p:spTgt spid="11"/>
-                                        </p:tgtEl>
-                                      </p:cBhvr>
-                                    </p:animEffect>
-                                  </p:childTnLst>
-                                </p:cTn>
-                              </p:par>
-                            </p:childTnLst>
-                          </p:cTn>
-                        </p:par>
-                      </p:childTnLst>
-                    </p:cTn>
-                  </p:par>
-                  <p:par>
-                    <p:cTn id="37" fill="hold">
-                      <p:stCondLst>
-                        <p:cond delay="indefinite"/>
-                      </p:stCondLst>
-                      <p:childTnLst>
-                        <p:par>
-                          <p:cTn id="38" fill="hold">
-                            <p:stCondLst>
-                              <p:cond delay="0"/>
-                            </p:stCondLst>
-                            <p:childTnLst>
-                              <p:par>
-                                <p:cTn id="39" presetID="47" presetClass="entr" presetSubtype="0" fill="hold" grpId="0" nodeType="clickEffect">
-                                  <p:stCondLst>
-                                    <p:cond delay="0"/>
-                                  </p:stCondLst>
-                                  <p:childTnLst>
-                                    <p:set>
-                                      <p:cBhvr>
-                                        <p:cTn id="40" dur="1" fill="hold">
-                                          <p:stCondLst>
-                                            <p:cond delay="0"/>
-                                          </p:stCondLst>
-                                        </p:cTn>
-                                        <p:tgtEl>
-                                          <p:spTgt spid="14"/>
-                                        </p:tgtEl>
-                                        <p:attrNameLst>
-                                          <p:attrName>style.visibility</p:attrName>
-                                        </p:attrNameLst>
-                                      </p:cBhvr>
-                                      <p:to>
-                                        <p:strVal val="visible"/>
-                                      </p:to>
-                                    </p:set>
-                                    <p:animEffect transition="in" filter="fade">
-                                      <p:cBhvr>
-                                        <p:cTn id="41" dur="1000"/>
-                                        <p:tgtEl>
-                                          <p:spTgt spid="14"/>
-                                        </p:tgtEl>
-                                      </p:cBhvr>
-                                    </p:animEffect>
-                                    <p:anim calcmode="lin" valueType="num">
-                                      <p:cBhvr>
-                                        <p:cTn id="42" dur="1000" fill="hold"/>
-                                        <p:tgtEl>
-                                          <p:spTgt spid="14"/>
-                                        </p:tgtEl>
-                                        <p:attrNameLst>
-                                          <p:attrName>ppt_x</p:attrName>
-                                        </p:attrNameLst>
-                                      </p:cBhvr>
-                                      <p:tavLst>
-                                        <p:tav tm="0">
-                                          <p:val>
-                                            <p:strVal val="#ppt_x"/>
-                                          </p:val>
-                                        </p:tav>
-                                        <p:tav tm="100000">
-                                          <p:val>
-                                            <p:strVal val="#ppt_x"/>
-                                          </p:val>
-                                        </p:tav>
-                                      </p:tavLst>
-                                    </p:anim>
-                                    <p:anim calcmode="lin" valueType="num">
-                                      <p:cBhvr>
-                                        <p:cTn id="43" dur="1000" fill="hold"/>
-                                        <p:tgtEl>
-                                          <p:spTgt spid="14"/>
-                                        </p:tgtEl>
-                                        <p:attrNameLst>
-                                          <p:attrName>ppt_y</p:attrName>
-                                        </p:attrNameLst>
-                                      </p:cBhvr>
-                                      <p:tavLst>
-                                        <p:tav tm="0">
-                                          <p:val>
-                                            <p:strVal val="#ppt_y-.1"/>
-                                          </p:val>
-                                        </p:tav>
-                                        <p:tav tm="100000">
-                                          <p:val>
-                                            <p:strVal val="#ppt_y"/>
-                                          </p:val>
-                                        </p:tav>
-                                      </p:tavLst>
-                                    </p:anim>
-                                  </p:childTnLst>
-                                </p:cTn>
-                              </p:par>
-                            </p:childTnLst>
-                          </p:cTn>
-                        </p:par>
-                      </p:childTnLst>
-                    </p:cTn>
-                  </p:par>
-                  <p:par>
-                    <p:cTn id="44" fill="hold">
-                      <p:stCondLst>
-                        <p:cond delay="indefinite"/>
-                      </p:stCondLst>
-                      <p:childTnLst>
-                        <p:par>
-                          <p:cTn id="45" fill="hold">
-                            <p:stCondLst>
-                              <p:cond delay="0"/>
-                            </p:stCondLst>
-                            <p:childTnLst>
-                              <p:par>
-                                <p:cTn id="46" presetID="14" presetClass="exit" presetSubtype="10" fill="hold" nodeType="clickEffect">
-                                  <p:stCondLst>
-                                    <p:cond delay="0"/>
-                                  </p:stCondLst>
-                                  <p:childTnLst>
-                                    <p:animEffect transition="out" filter="randombar(horizontal)">
-                                      <p:cBhvr>
-                                        <p:cTn id="47" dur="500"/>
-                                        <p:tgtEl>
-                                          <p:spTgt spid="1026"/>
-                                        </p:tgtEl>
-                                      </p:cBhvr>
-                                    </p:animEffect>
-                                    <p:set>
-                                      <p:cBhvr>
-                                        <p:cTn id="48" dur="1" fill="hold">
-                                          <p:stCondLst>
-                                            <p:cond delay="499"/>
-                                          </p:stCondLst>
-                                        </p:cTn>
-                                        <p:tgtEl>
-                                          <p:spTgt spid="1026"/>
-                                        </p:tgtEl>
-                                        <p:attrNameLst>
-                                          <p:attrName>style.visibility</p:attrName>
-                                        </p:attrNameLst>
-                                      </p:cBhvr>
-                                      <p:to>
-                                        <p:strVal val="hidden"/>
-                                      </p:to>
-                                    </p:set>
-                                  </p:childTnLst>
-                                </p:cTn>
-                              </p:par>
-                            </p:childTnLst>
-                          </p:cTn>
-                        </p:par>
-                      </p:childTnLst>
-                    </p:cTn>
-                  </p:par>
-                  <p:par>
-                    <p:cTn id="49" fill="hold">
-                      <p:stCondLst>
-                        <p:cond delay="indefinite"/>
-                      </p:stCondLst>
-                      <p:childTnLst>
-                        <p:par>
-                          <p:cTn id="50" fill="hold">
-                            <p:stCondLst>
-                              <p:cond delay="0"/>
-                            </p:stCondLst>
-                            <p:childTnLst>
-                              <p:par>
-                                <p:cTn id="51" presetID="22" presetClass="entr" presetSubtype="4" fill="hold" nodeType="clickEffect">
-                                  <p:stCondLst>
-                                    <p:cond delay="0"/>
-                                  </p:stCondLst>
-                                  <p:childTnLst>
-                                    <p:set>
-                                      <p:cBhvr>
-                                        <p:cTn id="52" dur="1" fill="hold">
-                                          <p:stCondLst>
-                                            <p:cond delay="0"/>
-                                          </p:stCondLst>
-                                        </p:cTn>
-                                        <p:tgtEl>
-                                          <p:spTgt spid="15"/>
-                                        </p:tgtEl>
-                                        <p:attrNameLst>
-                                          <p:attrName>style.visibility</p:attrName>
-                                        </p:attrNameLst>
-                                      </p:cBhvr>
-                                      <p:to>
-                                        <p:strVal val="visible"/>
-                                      </p:to>
-                                    </p:set>
-                                    <p:animEffect transition="in" filter="wipe(down)">
-                                      <p:cBhvr>
-                                        <p:cTn id="53" dur="500"/>
-                                        <p:tgtEl>
-                                          <p:spTgt spid="15"/>
-                                        </p:tgtEl>
-                                      </p:cBhvr>
-                                    </p:animEffect>
-                                  </p:childTnLst>
-                                </p:cTn>
-                              </p:par>
-                            </p:childTnLst>
-                          </p:cTn>
-                        </p:par>
-                      </p:childTnLst>
-                    </p:cTn>
-                  </p:par>
-                </p:childTnLst>
-              </p:cTn>
-              <p:prevCondLst>
-                <p:cond evt="onPrev" delay="0">
-                  <p:tgtEl>
-                    <p:sldTgt/>
-                  </p:tgtEl>
-                </p:cond>
-              </p:prevCondLst>
-              <p:nextCondLst>
-                <p:cond evt="onNext" delay="0">
-                  <p:tgtEl>
-                    <p:sldTgt/>
-                  </p:tgtEl>
-                </p:cond>
-              </p:nextCondLst>
-            </p:seq>
-          </p:childTnLst>
-        </p:cTn>
-      </p:par>
-    </p:tnLst>
-    <p:bldLst>
-      <p:bldP spid="6" grpId="0" animBg="1"/>
-      <p:bldP spid="12" grpId="0" animBg="1"/>
-      <p:bldP spid="9" grpId="0" animBg="1"/>
-      <p:bldP spid="10" grpId="0" animBg="1"/>
-      <p:bldP spid="13" grpId="0" animBg="1"/>
-      <p:bldP spid="11" grpId="0" animBg="1"/>
-      <p:bldP spid="14" grpId="0" animBg="1"/>
-    </p:bldLst>
-  </p:timing>
-</p:sld>
-</file>
-
-<file path=ppt/slides/slide2.xml><?xml version="1.0" encoding="utf-8"?>
-<p:sld xmlns:a="http://schemas.openxmlformats.org/drawingml/2006/main" xmlns:r="http://schemas.openxmlformats.org/officeDocument/2006/relationships" xmlns:p="http://schemas.openxmlformats.org/presentationml/2006/main">
-  <p:cSld>
-    <p:spTree>
-      <p:nvGrpSpPr>
-        <p:cNvPr id="1" name=""/>
-        <p:cNvGrpSpPr/>
-        <p:nvPr/>
-      </p:nvGrpSpPr>
-      <p:grpSpPr>
-        <a:xfrm>
-          <a:off x="0" y="0"/>
-          <a:ext cx="0" cy="0"/>
-          <a:chOff x="0" y="0"/>
-          <a:chExt cx="0" cy="0"/>
-        </a:xfrm>
-      </p:grpSpPr>
-      <p:sp>
-        <p:nvSpPr>
-          <p:cNvPr id="3" name="コンテンツ プレースホルダー 2">
-            <a:extLst>
-              <a:ext uri="{FF2B5EF4-FFF2-40B4-BE49-F238E27FC236}">
-                <a16:creationId xmlns:a16="http://schemas.microsoft.com/office/drawing/2014/main" id="{51FC5B96-CB86-4D97-83E1-D50ED26DADE3}"/>
-              </a:ext>
-            </a:extLst>
-          </p:cNvPr>
-          <p:cNvSpPr>
-            <a:spLocks noGrp="1"/>
-          </p:cNvSpPr>
-          <p:nvPr>
-            <p:ph idx="1"/>
-          </p:nvPr>
-        </p:nvSpPr>
-        <p:spPr>
-          <a:xfrm>
-            <a:off x="764088" y="701458"/>
-            <a:ext cx="10589712" cy="5475505"/>
-          </a:xfrm>
-        </p:spPr>
-        <p:txBody>
-          <a:bodyPr>
-            <a:normAutofit/>
-          </a:bodyPr>
-          <a:lstStyle/>
-          <a:p>
-            <a:pPr>
-              <a:buFont typeface="Wingdings" panose="05000000000000000000" pitchFamily="2" charset="2"/>
-              <a:buChar char="p"/>
-            </a:pPr>
-            <a:r>
-              <a:rPr kumimoji="1" lang="en-US" altLang="ja-JP" dirty="0"/>
-              <a:t>5</a:t>
-            </a:r>
-            <a:r>
-              <a:rPr kumimoji="1" lang="ja-JP" altLang="en-US" dirty="0"/>
-              <a:t>分余っている</a:t>
-            </a:r>
-            <a:endParaRPr kumimoji="1" lang="en-US" altLang="ja-JP" dirty="0"/>
-          </a:p>
-          <a:p>
-            <a:pPr>
-              <a:buFont typeface="Wingdings" panose="05000000000000000000" pitchFamily="2" charset="2"/>
-              <a:buChar char="p"/>
-            </a:pPr>
-            <a:r>
-              <a:rPr lang="ja-JP" altLang="en-US" dirty="0"/>
-              <a:t>個人個人の成長？</a:t>
-            </a:r>
-            <a:endParaRPr kumimoji="1" lang="en-US" altLang="ja-JP" dirty="0"/>
-          </a:p>
-          <a:p>
-            <a:pPr>
-              <a:buFont typeface="Wingdings" panose="05000000000000000000" pitchFamily="2" charset="2"/>
-              <a:buChar char="p"/>
-            </a:pPr>
-            <a:r>
-              <a:rPr kumimoji="1" lang="ja-JP" altLang="en-US" dirty="0"/>
-              <a:t>実際のガントチャート</a:t>
-            </a:r>
-            <a:endParaRPr kumimoji="1" lang="en-US" altLang="ja-JP" dirty="0"/>
-          </a:p>
-          <a:p>
-            <a:pPr>
-              <a:buFont typeface="Wingdings" panose="05000000000000000000" pitchFamily="2" charset="2"/>
-              <a:buChar char="p"/>
-            </a:pPr>
-            <a:r>
-              <a:rPr lang="ja-JP" altLang="en-US" dirty="0"/>
-              <a:t>グラフの日付</a:t>
-            </a:r>
-            <a:endParaRPr lang="en-US" altLang="ja-JP" dirty="0"/>
-          </a:p>
-          <a:p>
-            <a:pPr>
-              <a:buFont typeface="Wingdings" panose="05000000000000000000" pitchFamily="2" charset="2"/>
-              <a:buChar char="p"/>
-            </a:pPr>
-            <a:r>
-              <a:rPr kumimoji="1" lang="ja-JP" altLang="en-US" dirty="0"/>
-              <a:t>スライドショーの写真</a:t>
-            </a:r>
-            <a:endParaRPr kumimoji="1" lang="en-US" altLang="ja-JP" dirty="0"/>
-          </a:p>
-          <a:p>
-            <a:pPr>
-              <a:buFont typeface="Wingdings" panose="05000000000000000000" pitchFamily="2" charset="2"/>
-              <a:buChar char="p"/>
-            </a:pPr>
-            <a:r>
-              <a:rPr lang="ja-JP" altLang="en-US" dirty="0"/>
-              <a:t>ランク</a:t>
-            </a:r>
-            <a:endParaRPr lang="en-US" altLang="ja-JP" dirty="0"/>
-          </a:p>
-          <a:p>
-            <a:pPr>
-              <a:buFont typeface="Wingdings" panose="05000000000000000000" pitchFamily="2" charset="2"/>
-              <a:buChar char="p"/>
-            </a:pPr>
-            <a:r>
-              <a:rPr kumimoji="1" lang="ja-JP" altLang="en-US" dirty="0"/>
-              <a:t>時間配分決める？</a:t>
-            </a:r>
-            <a:endParaRPr lang="en-US" altLang="ja-JP" dirty="0"/>
-          </a:p>
-          <a:p>
-            <a:pPr>
-              <a:buFont typeface="Wingdings" panose="05000000000000000000" pitchFamily="2" charset="2"/>
-              <a:buChar char="p"/>
-            </a:pPr>
-            <a:r>
-              <a:rPr lang="ja-JP" altLang="en-US" dirty="0"/>
-              <a:t>広告画像変更</a:t>
-            </a:r>
-            <a:endParaRPr lang="en-US" altLang="ja-JP" dirty="0"/>
-          </a:p>
-          <a:p>
-            <a:pPr marL="0" indent="0">
-              <a:buNone/>
-            </a:pPr>
-            <a:endParaRPr kumimoji="1" lang="en-US" altLang="ja-JP" dirty="0"/>
-          </a:p>
-          <a:p>
-            <a:pPr>
-              <a:buFont typeface="Wingdings" panose="05000000000000000000" pitchFamily="2" charset="2"/>
-              <a:buChar char="ü"/>
-            </a:pPr>
-            <a:r>
-              <a:rPr lang="ja-JP" altLang="en-US" dirty="0"/>
-              <a:t>変化・意識・交流の順番にする</a:t>
-            </a:r>
-            <a:endParaRPr kumimoji="1" lang="en-US" altLang="ja-JP" dirty="0"/>
-          </a:p>
-        </p:txBody>
-      </p:sp>
-    </p:spTree>
-    <p:extLst>
-      <p:ext uri="{BB962C8B-B14F-4D97-AF65-F5344CB8AC3E}">
-        <p14:creationId xmlns:p14="http://schemas.microsoft.com/office/powerpoint/2010/main" val="1935170719"/>
-      </p:ext>
-    </p:extLst>
-  </p:cSld>
-  <p:clrMapOvr>
-    <a:masterClrMapping/>
-  </p:clrMapOvr>
-  <mc:AlternateContent xmlns:mc="http://schemas.openxmlformats.org/markup-compatibility/2006" xmlns:p14="http://schemas.microsoft.com/office/powerpoint/2010/main">
-    <mc:Choice Requires="p14">
-      <p:transition spd="med" p14:dur="700">
-        <p:fade/>
-      </p:transition>
-    </mc:Choice>
-    <mc:Fallback xmlns="">
-      <p:transition spd="med">
-        <p:fade/>
-      </p:transition>
-    </mc:Fallback>
-  </mc:AlternateContent>
-</p:sld>
-</file>
-
-<file path=ppt/slides/slide20.xml><?xml version="1.0" encoding="utf-8"?>
-<p:sld xmlns:a="http://schemas.openxmlformats.org/drawingml/2006/main" xmlns:r="http://schemas.openxmlformats.org/officeDocument/2006/relationships" xmlns:p="http://schemas.openxmlformats.org/presentationml/2006/main">
-  <p:cSld>
-    <p:spTree>
-      <p:nvGrpSpPr>
-        <p:cNvPr id="1" name=""/>
-        <p:cNvGrpSpPr/>
-        <p:nvPr/>
-      </p:nvGrpSpPr>
-      <p:grpSpPr>
-        <a:xfrm>
-          <a:off x="0" y="0"/>
-          <a:ext cx="0" cy="0"/>
-          <a:chOff x="0" y="0"/>
-          <a:chExt cx="0" cy="0"/>
-        </a:xfrm>
-      </p:grpSpPr>
-      <p:pic>
-        <p:nvPicPr>
           <p:cNvPr id="2" name="Picture 4" descr="健康診断の結果を見ている男性のイラスト（笑顔）">
             <a:extLst>
               <a:ext uri="{FF2B5EF4-FFF2-40B4-BE49-F238E27FC236}">
@@ -16532,8 +15244,8 @@
         </p:blipFill>
         <p:spPr bwMode="auto">
           <a:xfrm>
-            <a:off x="838200" y="1967738"/>
-            <a:ext cx="4401236" cy="4890262"/>
+            <a:off x="348282" y="1779373"/>
+            <a:ext cx="4570765" cy="5078627"/>
           </a:xfrm>
           <a:prstGeom prst="rect">
             <a:avLst/>
@@ -16611,8 +15323,8 @@
         </p:nvSpPr>
         <p:spPr>
           <a:xfrm>
-            <a:off x="5013640" y="1204421"/>
-            <a:ext cx="4783781" cy="2968668"/>
+            <a:off x="4720282" y="1322173"/>
+            <a:ext cx="5077140" cy="2850916"/>
           </a:xfrm>
           <a:prstGeom prst="cloudCallout">
             <a:avLst>
@@ -17008,7 +15720,187 @@
 </p:sld>
 </file>
 
-<file path=ppt/slides/slide21.xml><?xml version="1.0" encoding="utf-8"?>
+<file path=ppt/slides/slide2.xml><?xml version="1.0" encoding="utf-8"?>
+<p:sld xmlns:a="http://schemas.openxmlformats.org/drawingml/2006/main" xmlns:r="http://schemas.openxmlformats.org/officeDocument/2006/relationships" xmlns:p="http://schemas.openxmlformats.org/presentationml/2006/main">
+  <p:cSld>
+    <p:spTree>
+      <p:nvGrpSpPr>
+        <p:cNvPr id="1" name=""/>
+        <p:cNvGrpSpPr/>
+        <p:nvPr/>
+      </p:nvGrpSpPr>
+      <p:grpSpPr>
+        <a:xfrm>
+          <a:off x="0" y="0"/>
+          <a:ext cx="0" cy="0"/>
+          <a:chOff x="0" y="0"/>
+          <a:chExt cx="0" cy="0"/>
+        </a:xfrm>
+      </p:grpSpPr>
+      <p:sp>
+        <p:nvSpPr>
+          <p:cNvPr id="3" name="コンテンツ プレースホルダー 2">
+            <a:extLst>
+              <a:ext uri="{FF2B5EF4-FFF2-40B4-BE49-F238E27FC236}">
+                <a16:creationId xmlns:a16="http://schemas.microsoft.com/office/drawing/2014/main" id="{51FC5B96-CB86-4D97-83E1-D50ED26DADE3}"/>
+              </a:ext>
+            </a:extLst>
+          </p:cNvPr>
+          <p:cNvSpPr>
+            <a:spLocks noGrp="1"/>
+          </p:cNvSpPr>
+          <p:nvPr>
+            <p:ph idx="1"/>
+          </p:nvPr>
+        </p:nvSpPr>
+        <p:spPr>
+          <a:xfrm>
+            <a:off x="764088" y="701458"/>
+            <a:ext cx="10589712" cy="5475505"/>
+          </a:xfrm>
+        </p:spPr>
+        <p:txBody>
+          <a:bodyPr>
+            <a:normAutofit/>
+          </a:bodyPr>
+          <a:lstStyle/>
+          <a:p>
+            <a:pPr>
+              <a:buFont typeface="Wingdings" panose="05000000000000000000" pitchFamily="2" charset="2"/>
+              <a:buChar char="p"/>
+            </a:pPr>
+            <a:r>
+              <a:rPr kumimoji="1" lang="en-US" altLang="ja-JP" dirty="0"/>
+              <a:t>5</a:t>
+            </a:r>
+            <a:r>
+              <a:rPr kumimoji="1" lang="ja-JP" altLang="en-US" dirty="0"/>
+              <a:t>分余っている</a:t>
+            </a:r>
+            <a:endParaRPr kumimoji="1" lang="en-US" altLang="ja-JP" dirty="0"/>
+          </a:p>
+          <a:p>
+            <a:pPr>
+              <a:buFont typeface="Wingdings" panose="05000000000000000000" pitchFamily="2" charset="2"/>
+              <a:buChar char="p"/>
+            </a:pPr>
+            <a:r>
+              <a:rPr lang="ja-JP" altLang="en-US" dirty="0"/>
+              <a:t>グラフの日付</a:t>
+            </a:r>
+            <a:endParaRPr lang="en-US" altLang="ja-JP" dirty="0"/>
+          </a:p>
+          <a:p>
+            <a:pPr>
+              <a:buFont typeface="Wingdings" panose="05000000000000000000" pitchFamily="2" charset="2"/>
+              <a:buChar char="p"/>
+            </a:pPr>
+            <a:r>
+              <a:rPr kumimoji="1" lang="ja-JP" altLang="en-US" dirty="0"/>
+              <a:t>スライドショーの写真</a:t>
+            </a:r>
+            <a:endParaRPr kumimoji="1" lang="en-US" altLang="ja-JP" dirty="0"/>
+          </a:p>
+          <a:p>
+            <a:pPr>
+              <a:buFont typeface="Wingdings" panose="05000000000000000000" pitchFamily="2" charset="2"/>
+              <a:buChar char="p"/>
+            </a:pPr>
+            <a:r>
+              <a:rPr kumimoji="1" lang="ja-JP" altLang="en-US" dirty="0"/>
+              <a:t>時間配分決める？</a:t>
+            </a:r>
+            <a:endParaRPr kumimoji="1" lang="en-US" altLang="ja-JP" dirty="0"/>
+          </a:p>
+          <a:p>
+            <a:pPr marL="0" indent="0">
+              <a:buNone/>
+            </a:pPr>
+            <a:endParaRPr lang="en-US" altLang="ja-JP" dirty="0"/>
+          </a:p>
+          <a:p>
+            <a:pPr>
+              <a:buFont typeface="Wingdings" panose="05000000000000000000" pitchFamily="2" charset="2"/>
+              <a:buChar char="ü"/>
+            </a:pPr>
+            <a:r>
+              <a:rPr lang="ja-JP" altLang="en-US" dirty="0"/>
+              <a:t>ランク</a:t>
+            </a:r>
+            <a:endParaRPr lang="en-US" altLang="ja-JP" dirty="0"/>
+          </a:p>
+          <a:p>
+            <a:pPr>
+              <a:buFont typeface="Wingdings" panose="05000000000000000000" pitchFamily="2" charset="2"/>
+              <a:buChar char="ü"/>
+            </a:pPr>
+            <a:r>
+              <a:rPr lang="ja-JP" altLang="en-US" dirty="0"/>
+              <a:t>広告画像変更</a:t>
+            </a:r>
+            <a:endParaRPr lang="en-US" altLang="ja-JP" dirty="0"/>
+          </a:p>
+          <a:p>
+            <a:pPr>
+              <a:buFont typeface="Wingdings" panose="05000000000000000000" pitchFamily="2" charset="2"/>
+              <a:buChar char="ü"/>
+            </a:pPr>
+            <a:r>
+              <a:rPr lang="ja-JP" altLang="en-US" dirty="0"/>
+              <a:t>個人個人の成長？</a:t>
+            </a:r>
+            <a:endParaRPr kumimoji="1" lang="en-US" altLang="ja-JP" dirty="0"/>
+          </a:p>
+          <a:p>
+            <a:pPr>
+              <a:buFont typeface="Wingdings" panose="05000000000000000000" pitchFamily="2" charset="2"/>
+              <a:buChar char="ü"/>
+            </a:pPr>
+            <a:r>
+              <a:rPr kumimoji="1" lang="ja-JP" altLang="en-US" dirty="0"/>
+              <a:t>実際のガントチャート</a:t>
+            </a:r>
+            <a:endParaRPr kumimoji="1" lang="en-US" altLang="ja-JP" dirty="0"/>
+          </a:p>
+          <a:p>
+            <a:pPr>
+              <a:buFont typeface="Wingdings" panose="05000000000000000000" pitchFamily="2" charset="2"/>
+              <a:buChar char="ü"/>
+            </a:pPr>
+            <a:r>
+              <a:rPr lang="ja-JP" altLang="en-US" dirty="0"/>
+              <a:t>変化・意識・交流の順番にする</a:t>
+            </a:r>
+            <a:endParaRPr kumimoji="1" lang="en-US" altLang="ja-JP" dirty="0"/>
+          </a:p>
+        </p:txBody>
+      </p:sp>
+    </p:spTree>
+    <p:extLst>
+      <p:ext uri="{BB962C8B-B14F-4D97-AF65-F5344CB8AC3E}">
+        <p14:creationId xmlns:p14="http://schemas.microsoft.com/office/powerpoint/2010/main" val="1935170719"/>
+      </p:ext>
+    </p:extLst>
+  </p:cSld>
+  <p:clrMapOvr>
+    <a:masterClrMapping/>
+  </p:clrMapOvr>
+  <mc:AlternateContent xmlns:mc="http://schemas.openxmlformats.org/markup-compatibility/2006" xmlns:p14="http://schemas.microsoft.com/office/powerpoint/2010/main">
+    <mc:Choice Requires="p14">
+      <p:transition spd="med" p14:dur="700">
+        <p:fade/>
+      </p:transition>
+    </mc:Choice>
+    <mc:Fallback xmlns="">
+      <p:transition spd="med">
+        <p:fade/>
+      </p:transition>
+    </mc:Fallback>
+  </mc:AlternateContent>
+</p:sld>
+</file>
+
+<file path=ppt/slides/slide20.xml><?xml version="1.0" encoding="utf-8"?>
 <p:sld xmlns:a="http://schemas.openxmlformats.org/drawingml/2006/main" xmlns:r="http://schemas.openxmlformats.org/officeDocument/2006/relationships" xmlns:p="http://schemas.openxmlformats.org/presentationml/2006/main">
   <p:cSld>
     <p:bg>
@@ -17017,7 +15909,7 @@
           <a:schemeClr val="accent1">
             <a:lumMod val="60000"/>
             <a:lumOff val="40000"/>
-            <a:alpha val="45000"/>
+            <a:alpha val="24000"/>
           </a:schemeClr>
         </a:solidFill>
         <a:effectLst/>
@@ -17268,7 +16160,7 @@
                 <a:effectLst/>
                 <a:latin typeface="+mn-ea"/>
               </a:rPr>
-              <a:t>でリセット</a:t>
+              <a:t>でポイントリセット</a:t>
             </a:r>
             <a:endParaRPr lang="en-US" altLang="ja-JP" b="0" i="0" u="none" strike="noStrike" dirty="0">
               <a:solidFill>
@@ -17648,13 +16540,13 @@
   <p:clrMapOvr>
     <a:masterClrMapping/>
   </p:clrMapOvr>
-  <mc:AlternateContent xmlns:mc="http://schemas.openxmlformats.org/markup-compatibility/2006">
-    <mc:Choice xmlns:p14="http://schemas.microsoft.com/office/powerpoint/2010/main" Requires="p14">
+  <mc:AlternateContent xmlns:mc="http://schemas.openxmlformats.org/markup-compatibility/2006" xmlns:p14="http://schemas.microsoft.com/office/powerpoint/2010/main">
+    <mc:Choice Requires="p14">
       <p:transition spd="med" p14:dur="700">
         <p:fade/>
       </p:transition>
     </mc:Choice>
-    <mc:Fallback>
+    <mc:Fallback xmlns="">
       <p:transition spd="med">
         <p:fade/>
       </p:transition>
@@ -17663,7 +16555,7 @@
 </p:sld>
 </file>
 
-<file path=ppt/slides/slide22.xml><?xml version="1.0" encoding="utf-8"?>
+<file path=ppt/slides/slide21.xml><?xml version="1.0" encoding="utf-8"?>
 <p:sld xmlns:a="http://schemas.openxmlformats.org/drawingml/2006/main" xmlns:r="http://schemas.openxmlformats.org/officeDocument/2006/relationships" xmlns:p="http://schemas.openxmlformats.org/presentationml/2006/main">
   <p:cSld>
     <p:bg>
@@ -17672,7 +16564,7 @@
           <a:schemeClr val="accent1">
             <a:lumMod val="60000"/>
             <a:lumOff val="40000"/>
-            <a:alpha val="45000"/>
+            <a:alpha val="24000"/>
           </a:schemeClr>
         </a:solidFill>
         <a:effectLst/>
@@ -17782,16 +16674,155 @@
           </a:p>
           <a:p>
             <a:r>
+              <a:rPr lang="ja-JP" altLang="en-US" b="1" dirty="0">
+                <a:latin typeface="+mn-ea"/>
+              </a:rPr>
+              <a:t>時間による処理</a:t>
+            </a:r>
+            <a:r>
               <a:rPr lang="ja-JP" altLang="en-US" dirty="0">
                 <a:latin typeface="+mn-ea"/>
               </a:rPr>
-              <a:t>時間による処理が難しかった</a:t>
+              <a:t>が難しかった</a:t>
             </a:r>
             <a:endParaRPr lang="en-US" altLang="ja-JP" dirty="0">
               <a:latin typeface="+mn-ea"/>
             </a:endParaRPr>
           </a:p>
           <a:p>
+            <a:pPr marL="0" indent="0">
+              <a:buNone/>
+            </a:pPr>
+            <a:r>
+              <a:rPr lang="en-US" altLang="ja-JP" b="0" i="0" u="none" strike="noStrike" dirty="0">
+                <a:solidFill>
+                  <a:srgbClr val="000000"/>
+                </a:solidFill>
+                <a:effectLst/>
+                <a:latin typeface="+mn-ea"/>
+              </a:rPr>
+              <a:t>	</a:t>
+            </a:r>
+            <a:r>
+              <a:rPr lang="en-US" altLang="ja-JP" dirty="0">
+                <a:solidFill>
+                  <a:srgbClr val="000000"/>
+                </a:solidFill>
+                <a:latin typeface="+mn-ea"/>
+              </a:rPr>
+              <a:t>―</a:t>
+            </a:r>
+            <a:r>
+              <a:rPr lang="ja-JP" altLang="en-US" b="0" i="0" u="none" strike="noStrike" dirty="0">
+                <a:solidFill>
+                  <a:srgbClr val="000000"/>
+                </a:solidFill>
+                <a:effectLst/>
+                <a:latin typeface="+mn-ea"/>
+              </a:rPr>
+              <a:t>毎日</a:t>
+            </a:r>
+            <a:r>
+              <a:rPr lang="en-US" altLang="ja-JP" b="0" i="0" u="none" strike="noStrike" dirty="0">
+                <a:solidFill>
+                  <a:srgbClr val="000000"/>
+                </a:solidFill>
+                <a:effectLst/>
+                <a:latin typeface="+mn-ea"/>
+              </a:rPr>
+              <a:t>AM3</a:t>
+            </a:r>
+            <a:r>
+              <a:rPr lang="en-US" altLang="ja-JP" dirty="0">
+                <a:solidFill>
+                  <a:srgbClr val="000000"/>
+                </a:solidFill>
+                <a:latin typeface="+mn-ea"/>
+              </a:rPr>
+              <a:t>:00</a:t>
+            </a:r>
+            <a:r>
+              <a:rPr lang="ja-JP" altLang="en-US" b="0" i="0" u="none" strike="noStrike" dirty="0">
+                <a:solidFill>
+                  <a:srgbClr val="000000"/>
+                </a:solidFill>
+                <a:effectLst/>
+                <a:latin typeface="+mn-ea"/>
+              </a:rPr>
+              <a:t>に一斉更新</a:t>
+            </a:r>
+            <a:r>
+              <a:rPr lang="en-US" altLang="ja-JP" b="0" i="0" u="none" strike="noStrike" dirty="0">
+                <a:solidFill>
+                  <a:srgbClr val="000000"/>
+                </a:solidFill>
+                <a:effectLst/>
+                <a:latin typeface="+mn-ea"/>
+              </a:rPr>
+              <a:t>/3</a:t>
+            </a:r>
+            <a:r>
+              <a:rPr lang="ja-JP" altLang="en-US" b="0" i="0" u="none" strike="noStrike" dirty="0">
+                <a:solidFill>
+                  <a:srgbClr val="000000"/>
+                </a:solidFill>
+                <a:effectLst/>
+                <a:latin typeface="+mn-ea"/>
+              </a:rPr>
+              <a:t>か月</a:t>
+            </a:r>
+            <a:r>
+              <a:rPr lang="en-US" altLang="ja-JP" b="0" i="0" u="none" strike="noStrike" dirty="0">
+                <a:solidFill>
+                  <a:srgbClr val="000000"/>
+                </a:solidFill>
+                <a:effectLst/>
+                <a:latin typeface="+mn-ea"/>
+              </a:rPr>
+              <a:t>(90</a:t>
+            </a:r>
+            <a:r>
+              <a:rPr lang="ja-JP" altLang="en-US" b="0" i="0" u="none" strike="noStrike" dirty="0">
+                <a:solidFill>
+                  <a:srgbClr val="000000"/>
+                </a:solidFill>
+                <a:effectLst/>
+                <a:latin typeface="+mn-ea"/>
+              </a:rPr>
+              <a:t>日</a:t>
+            </a:r>
+            <a:r>
+              <a:rPr lang="en-US" altLang="ja-JP" b="0" i="0" u="none" strike="noStrike" dirty="0">
+                <a:solidFill>
+                  <a:srgbClr val="000000"/>
+                </a:solidFill>
+                <a:effectLst/>
+                <a:latin typeface="+mn-ea"/>
+              </a:rPr>
+              <a:t>)</a:t>
+            </a:r>
+            <a:r>
+              <a:rPr lang="ja-JP" altLang="en-US" b="0" i="0" u="none" strike="noStrike" dirty="0">
+                <a:solidFill>
+                  <a:srgbClr val="000000"/>
+                </a:solidFill>
+                <a:effectLst/>
+                <a:latin typeface="+mn-ea"/>
+              </a:rPr>
+              <a:t>でポイントリセット</a:t>
+            </a:r>
+            <a:endParaRPr lang="en-US" altLang="ja-JP" b="0" i="0" u="none" strike="noStrike" dirty="0">
+              <a:solidFill>
+                <a:srgbClr val="000000"/>
+              </a:solidFill>
+              <a:effectLst/>
+              <a:latin typeface="+mn-ea"/>
+            </a:endParaRPr>
+          </a:p>
+          <a:p>
+            <a:pPr marL="0" indent="0">
+              <a:buNone/>
+            </a:pPr>
             <a:endParaRPr lang="en-US" altLang="ja-JP" dirty="0">
               <a:latin typeface="+mn-ea"/>
             </a:endParaRPr>
@@ -17803,11 +16834,6 @@
               </a:rPr>
               <a:t>ランク制度以外の機能に時間がかかった</a:t>
             </a:r>
-            <a:endParaRPr lang="en-US" altLang="ja-JP" dirty="0">
-              <a:latin typeface="+mn-ea"/>
-            </a:endParaRPr>
-          </a:p>
-          <a:p>
             <a:endParaRPr lang="en-US" altLang="ja-JP" dirty="0">
               <a:latin typeface="+mn-ea"/>
             </a:endParaRPr>
@@ -17824,13 +16850,13 @@
   <p:clrMapOvr>
     <a:masterClrMapping/>
   </p:clrMapOvr>
-  <mc:AlternateContent xmlns:mc="http://schemas.openxmlformats.org/markup-compatibility/2006">
-    <mc:Choice xmlns:p14="http://schemas.microsoft.com/office/powerpoint/2010/main" Requires="p14">
+  <mc:AlternateContent xmlns:mc="http://schemas.openxmlformats.org/markup-compatibility/2006" xmlns:p14="http://schemas.microsoft.com/office/powerpoint/2010/main">
+    <mc:Choice Requires="p14">
       <p:transition spd="med" p14:dur="700">
         <p:fade/>
       </p:transition>
     </mc:Choice>
-    <mc:Fallback>
+    <mc:Fallback xmlns="">
       <p:transition spd="med">
         <p:fade/>
       </p:transition>
@@ -17839,7 +16865,7 @@
 </p:sld>
 </file>
 
-<file path=ppt/slides/slide23.xml><?xml version="1.0" encoding="utf-8"?>
+<file path=ppt/slides/slide22.xml><?xml version="1.0" encoding="utf-8"?>
 <p:sld xmlns:a="http://schemas.openxmlformats.org/drawingml/2006/main" xmlns:r="http://schemas.openxmlformats.org/officeDocument/2006/relationships" xmlns:p="http://schemas.openxmlformats.org/presentationml/2006/main">
   <p:cSld>
     <p:spTree>
@@ -17931,6 +16957,259 @@
     <p:extLst>
       <p:ext uri="{BB962C8B-B14F-4D97-AF65-F5344CB8AC3E}">
         <p14:creationId xmlns:p14="http://schemas.microsoft.com/office/powerpoint/2010/main" val="2360142203"/>
+      </p:ext>
+    </p:extLst>
+  </p:cSld>
+  <p:clrMapOvr>
+    <a:masterClrMapping/>
+  </p:clrMapOvr>
+  <mc:AlternateContent xmlns:mc="http://schemas.openxmlformats.org/markup-compatibility/2006" xmlns:p14="http://schemas.microsoft.com/office/powerpoint/2010/main">
+    <mc:Choice Requires="p14">
+      <p:transition spd="med" p14:dur="700">
+        <p:fade/>
+      </p:transition>
+    </mc:Choice>
+    <mc:Fallback xmlns="">
+      <p:transition spd="med">
+        <p:fade/>
+      </p:transition>
+    </mc:Fallback>
+  </mc:AlternateContent>
+</p:sld>
+</file>
+
+<file path=ppt/slides/slide23.xml><?xml version="1.0" encoding="utf-8"?>
+<p:sld xmlns:a="http://schemas.openxmlformats.org/drawingml/2006/main" xmlns:r="http://schemas.openxmlformats.org/officeDocument/2006/relationships" xmlns:p="http://schemas.openxmlformats.org/presentationml/2006/main">
+  <p:cSld>
+    <p:spTree>
+      <p:nvGrpSpPr>
+        <p:cNvPr id="1" name=""/>
+        <p:cNvGrpSpPr/>
+        <p:nvPr/>
+      </p:nvGrpSpPr>
+      <p:grpSpPr>
+        <a:xfrm>
+          <a:off x="0" y="0"/>
+          <a:ext cx="0" cy="0"/>
+          <a:chOff x="0" y="0"/>
+          <a:chExt cx="0" cy="0"/>
+        </a:xfrm>
+      </p:grpSpPr>
+      <p:sp>
+        <p:nvSpPr>
+          <p:cNvPr id="2" name="タイトル 1">
+            <a:extLst>
+              <a:ext uri="{FF2B5EF4-FFF2-40B4-BE49-F238E27FC236}">
+                <a16:creationId xmlns:a16="http://schemas.microsoft.com/office/drawing/2014/main" id="{E03FAFE4-D598-42B7-AB36-5CF3DAD87568}"/>
+              </a:ext>
+            </a:extLst>
+          </p:cNvPr>
+          <p:cNvSpPr>
+            <a:spLocks noGrp="1"/>
+          </p:cNvSpPr>
+          <p:nvPr>
+            <p:ph type="title"/>
+          </p:nvPr>
+        </p:nvSpPr>
+        <p:spPr>
+          <a:xfrm>
+            <a:off x="838200" y="312874"/>
+            <a:ext cx="10515600" cy="1325563"/>
+          </a:xfrm>
+        </p:spPr>
+        <p:txBody>
+          <a:bodyPr/>
+          <a:lstStyle/>
+          <a:p>
+            <a:r>
+              <a:rPr lang="ja-JP" altLang="en-US" b="1" dirty="0">
+                <a:latin typeface="+mn-ea"/>
+                <a:ea typeface="+mn-ea"/>
+              </a:rPr>
+              <a:t>４</a:t>
+            </a:r>
+            <a:r>
+              <a:rPr lang="en-US" altLang="ja-JP" b="1" dirty="0">
+                <a:latin typeface="+mn-ea"/>
+                <a:ea typeface="+mn-ea"/>
+              </a:rPr>
+              <a:t>.</a:t>
+            </a:r>
+            <a:r>
+              <a:rPr lang="ja-JP" altLang="en-US" b="1" dirty="0">
+                <a:latin typeface="+mn-ea"/>
+                <a:ea typeface="+mn-ea"/>
+              </a:rPr>
+              <a:t>工夫したこと</a:t>
+            </a:r>
+          </a:p>
+        </p:txBody>
+      </p:sp>
+      <p:sp>
+        <p:nvSpPr>
+          <p:cNvPr id="3" name="コンテンツ プレースホルダー 2">
+            <a:extLst>
+              <a:ext uri="{FF2B5EF4-FFF2-40B4-BE49-F238E27FC236}">
+                <a16:creationId xmlns:a16="http://schemas.microsoft.com/office/drawing/2014/main" id="{AB00AC63-DC37-4C9E-B71E-0A69735925B6}"/>
+              </a:ext>
+            </a:extLst>
+          </p:cNvPr>
+          <p:cNvSpPr>
+            <a:spLocks noGrp="1"/>
+          </p:cNvSpPr>
+          <p:nvPr>
+            <p:ph idx="1"/>
+          </p:nvPr>
+        </p:nvSpPr>
+        <p:spPr>
+          <a:xfrm>
+            <a:off x="838200" y="1799500"/>
+            <a:ext cx="10515600" cy="4351338"/>
+          </a:xfrm>
+        </p:spPr>
+        <p:txBody>
+          <a:bodyPr>
+            <a:normAutofit/>
+          </a:bodyPr>
+          <a:lstStyle/>
+          <a:p>
+            <a:pPr marL="0" indent="0">
+              <a:buNone/>
+            </a:pPr>
+            <a:r>
+              <a:rPr lang="ja-JP" altLang="en-US" sz="3500" b="1" dirty="0">
+                <a:solidFill>
+                  <a:srgbClr val="FF9999"/>
+                </a:solidFill>
+              </a:rPr>
+              <a:t>認識合わせ</a:t>
+            </a:r>
+            <a:endParaRPr lang="en-US" altLang="ja-JP" sz="3500" b="1" dirty="0">
+              <a:solidFill>
+                <a:srgbClr val="FF9999"/>
+              </a:solidFill>
+            </a:endParaRPr>
+          </a:p>
+          <a:p>
+            <a:pPr marL="0" indent="0">
+              <a:buNone/>
+            </a:pPr>
+            <a:r>
+              <a:rPr lang="en-US" altLang="ja-JP" dirty="0"/>
+              <a:t>	</a:t>
+            </a:r>
+            <a:r>
+              <a:rPr lang="ja-JP" altLang="en-US" u="sng" dirty="0"/>
+              <a:t>進捗管理</a:t>
+            </a:r>
+            <a:r>
+              <a:rPr lang="en-US" altLang="ja-JP" dirty="0"/>
+              <a:t>	</a:t>
+            </a:r>
+            <a:r>
+              <a:rPr lang="ja-JP" altLang="en-US" dirty="0"/>
+              <a:t>口頭・ガントチャート</a:t>
+            </a:r>
+            <a:endParaRPr lang="en-US" altLang="ja-JP" dirty="0"/>
+          </a:p>
+          <a:p>
+            <a:pPr marL="0" indent="0">
+              <a:buNone/>
+            </a:pPr>
+            <a:r>
+              <a:rPr lang="en-US" altLang="ja-JP" dirty="0"/>
+              <a:t>	</a:t>
+            </a:r>
+            <a:r>
+              <a:rPr lang="ja-JP" altLang="en-US" u="sng" dirty="0"/>
+              <a:t>情報共有</a:t>
+            </a:r>
+            <a:r>
+              <a:rPr lang="en-US" altLang="ja-JP" dirty="0"/>
+              <a:t>	</a:t>
+            </a:r>
+            <a:r>
+              <a:rPr lang="ja-JP" altLang="en-US" dirty="0"/>
+              <a:t>朝：その日に取り組むこと</a:t>
+            </a:r>
+            <a:endParaRPr lang="en-US" altLang="ja-JP" dirty="0"/>
+          </a:p>
+          <a:p>
+            <a:pPr marL="0" indent="0">
+              <a:buNone/>
+            </a:pPr>
+            <a:r>
+              <a:rPr lang="en-US" altLang="ja-JP" dirty="0"/>
+              <a:t>			</a:t>
+            </a:r>
+            <a:r>
+              <a:rPr lang="ja-JP" altLang="en-US" dirty="0"/>
+              <a:t>終業前：その日のまとめと翌日に行うこと</a:t>
+            </a:r>
+            <a:endParaRPr lang="en-US" altLang="ja-JP" dirty="0"/>
+          </a:p>
+          <a:p>
+            <a:pPr marL="0" indent="0">
+              <a:buNone/>
+            </a:pPr>
+            <a:endParaRPr kumimoji="1" lang="en-US" altLang="ja-JP" sz="3500" b="1" dirty="0">
+              <a:solidFill>
+                <a:srgbClr val="FF9999"/>
+              </a:solidFill>
+            </a:endParaRPr>
+          </a:p>
+          <a:p>
+            <a:pPr marL="0" indent="0">
+              <a:buNone/>
+            </a:pPr>
+            <a:r>
+              <a:rPr kumimoji="1" lang="ja-JP" altLang="en-US" sz="3500" b="1" dirty="0">
+                <a:solidFill>
+                  <a:srgbClr val="FF9999"/>
+                </a:solidFill>
+              </a:rPr>
+              <a:t>教えあい</a:t>
+            </a:r>
+            <a:endParaRPr kumimoji="1" lang="en-US" altLang="ja-JP" sz="3500" b="1" dirty="0">
+              <a:solidFill>
+                <a:srgbClr val="FF9999"/>
+              </a:solidFill>
+            </a:endParaRPr>
+          </a:p>
+          <a:p>
+            <a:pPr marL="0" indent="0">
+              <a:buNone/>
+            </a:pPr>
+            <a:r>
+              <a:rPr lang="en-US" altLang="ja-JP" dirty="0"/>
+              <a:t>	</a:t>
+            </a:r>
+            <a:r>
+              <a:rPr lang="ja-JP" altLang="en-US" dirty="0"/>
+              <a:t>作業が似ているチームに分かれて作業</a:t>
+            </a:r>
+            <a:endParaRPr lang="en-US" altLang="ja-JP" dirty="0"/>
+          </a:p>
+          <a:p>
+            <a:pPr marL="0" indent="0">
+              <a:buNone/>
+            </a:pPr>
+            <a:r>
+              <a:rPr kumimoji="1" lang="en-US" altLang="ja-JP" dirty="0"/>
+              <a:t>	</a:t>
+            </a:r>
+            <a:r>
+              <a:rPr kumimoji="1" lang="ja-JP" altLang="en-US" dirty="0"/>
+              <a:t>初学者向けに勉強会をして、全体のボトムアップ</a:t>
+            </a:r>
+            <a:endParaRPr kumimoji="1" lang="en-US" altLang="ja-JP" dirty="0"/>
+          </a:p>
+        </p:txBody>
+      </p:sp>
+    </p:spTree>
+    <p:extLst>
+      <p:ext uri="{BB962C8B-B14F-4D97-AF65-F5344CB8AC3E}">
+        <p14:creationId xmlns:p14="http://schemas.microsoft.com/office/powerpoint/2010/main" val="4266937789"/>
       </p:ext>
     </p:extLst>
   </p:cSld>
@@ -17974,7 +17253,7 @@
           <p:cNvPr id="2" name="タイトル 1">
             <a:extLst>
               <a:ext uri="{FF2B5EF4-FFF2-40B4-BE49-F238E27FC236}">
-                <a16:creationId xmlns:a16="http://schemas.microsoft.com/office/drawing/2014/main" id="{E03FAFE4-D598-42B7-AB36-5CF3DAD87568}"/>
+                <a16:creationId xmlns:a16="http://schemas.microsoft.com/office/drawing/2014/main" id="{55FA5A01-0A6E-4778-9B9C-F6DE901AD269}"/>
               </a:ext>
             </a:extLst>
           </p:cNvPr>
@@ -17985,205 +17264,245 @@
             <p:ph type="title"/>
           </p:nvPr>
         </p:nvSpPr>
-        <p:spPr>
-          <a:xfrm>
-            <a:off x="838200" y="312874"/>
-            <a:ext cx="10515600" cy="1325563"/>
-          </a:xfrm>
-        </p:spPr>
+        <p:spPr/>
         <p:txBody>
           <a:bodyPr/>
           <a:lstStyle/>
           <a:p>
             <a:r>
-              <a:rPr lang="ja-JP" altLang="en-US" b="1" dirty="0">
+              <a:rPr kumimoji="1" lang="ja-JP" altLang="en-US" b="1">
                 <a:latin typeface="+mn-ea"/>
                 <a:ea typeface="+mn-ea"/>
               </a:rPr>
-              <a:t>４</a:t>
-            </a:r>
-            <a:r>
-              <a:rPr lang="en-US" altLang="ja-JP" b="1" dirty="0">
-                <a:latin typeface="+mn-ea"/>
-                <a:ea typeface="+mn-ea"/>
-              </a:rPr>
-              <a:t>.</a:t>
-            </a:r>
-            <a:r>
-              <a:rPr lang="ja-JP" altLang="en-US" b="1" dirty="0">
-                <a:latin typeface="+mn-ea"/>
-                <a:ea typeface="+mn-ea"/>
-              </a:rPr>
-              <a:t>工夫したこと</a:t>
-            </a:r>
+              <a:t>実際のガントチャート</a:t>
+            </a:r>
+            <a:endParaRPr kumimoji="1" lang="ja-JP" altLang="en-US" b="1" dirty="0">
+              <a:latin typeface="+mn-ea"/>
+              <a:ea typeface="+mn-ea"/>
+            </a:endParaRPr>
           </a:p>
         </p:txBody>
       </p:sp>
-      <p:sp>
-        <p:nvSpPr>
-          <p:cNvPr id="3" name="コンテンツ プレースホルダー 2">
+      <p:pic>
+        <p:nvPicPr>
+          <p:cNvPr id="5" name="図 4">
             <a:extLst>
               <a:ext uri="{FF2B5EF4-FFF2-40B4-BE49-F238E27FC236}">
-                <a16:creationId xmlns:a16="http://schemas.microsoft.com/office/drawing/2014/main" id="{AB00AC63-DC37-4C9E-B71E-0A69735925B6}"/>
+                <a16:creationId xmlns:a16="http://schemas.microsoft.com/office/drawing/2014/main" id="{BEF6C53A-C77C-420F-BF45-10D72C7D527E}"/>
               </a:ext>
             </a:extLst>
           </p:cNvPr>
-          <p:cNvSpPr>
-            <a:spLocks noGrp="1"/>
-          </p:cNvSpPr>
-          <p:nvPr>
-            <p:ph idx="1"/>
-          </p:nvPr>
-        </p:nvSpPr>
+          <p:cNvPicPr>
+            <a:picLocks noChangeAspect="1"/>
+          </p:cNvPicPr>
+          <p:nvPr/>
+        </p:nvPicPr>
+        <p:blipFill rotWithShape="1">
+          <a:blip r:embed="rId3"/>
+          <a:srcRect r="26526"/>
+          <a:stretch/>
+        </p:blipFill>
         <p:spPr>
           <a:xfrm>
-            <a:off x="838200" y="1799500"/>
-            <a:ext cx="10515600" cy="4351338"/>
+            <a:off x="2116094" y="1305491"/>
+            <a:ext cx="7959811" cy="5395359"/>
           </a:xfrm>
+          <a:prstGeom prst="rect">
+            <a:avLst/>
+          </a:prstGeom>
         </p:spPr>
+      </p:pic>
+      <p:sp>
+        <p:nvSpPr>
+          <p:cNvPr id="10" name="吹き出し: 線 9">
+            <a:extLst>
+              <a:ext uri="{FF2B5EF4-FFF2-40B4-BE49-F238E27FC236}">
+                <a16:creationId xmlns:a16="http://schemas.microsoft.com/office/drawing/2014/main" id="{A91B0F7A-51F6-4C96-8597-E27E6378674C}"/>
+              </a:ext>
+            </a:extLst>
+          </p:cNvPr>
+          <p:cNvSpPr/>
+          <p:nvPr/>
+        </p:nvSpPr>
+        <p:spPr>
+          <a:xfrm>
+            <a:off x="8509685" y="1305491"/>
+            <a:ext cx="3126260" cy="1325563"/>
+          </a:xfrm>
+          <a:prstGeom prst="borderCallout1">
+            <a:avLst>
+              <a:gd name="adj1" fmla="val 100783"/>
+              <a:gd name="adj2" fmla="val 48979"/>
+              <a:gd name="adj3" fmla="val 159109"/>
+              <a:gd name="adj4" fmla="val 20560"/>
+            </a:avLst>
+          </a:prstGeom>
+          <a:ln/>
+        </p:spPr>
+        <p:style>
+          <a:lnRef idx="1">
+            <a:schemeClr val="accent2"/>
+          </a:lnRef>
+          <a:fillRef idx="2">
+            <a:schemeClr val="accent2"/>
+          </a:fillRef>
+          <a:effectRef idx="1">
+            <a:schemeClr val="accent2"/>
+          </a:effectRef>
+          <a:fontRef idx="minor">
+            <a:schemeClr val="dk1"/>
+          </a:fontRef>
+        </p:style>
         <p:txBody>
-          <a:bodyPr>
-            <a:normAutofit/>
-          </a:bodyPr>
+          <a:bodyPr rtlCol="0" anchor="ctr"/>
           <a:lstStyle/>
           <a:p>
-            <a:pPr marL="0" indent="0">
-              <a:buNone/>
-            </a:pPr>
-            <a:r>
-              <a:rPr lang="ja-JP" altLang="en-US" sz="3500" b="1" dirty="0">
+            <a:pPr algn="ctr"/>
+            <a:r>
+              <a:rPr kumimoji="1" lang="ja-JP" altLang="en-US" sz="2800" b="1" dirty="0">
                 <a:solidFill>
-                  <a:srgbClr val="FF9999"/>
+                  <a:schemeClr val="tx1"/>
                 </a:solidFill>
               </a:rPr>
-              <a:t>認識合わせ</a:t>
-            </a:r>
-            <a:endParaRPr lang="en-US" altLang="ja-JP" sz="3500" b="1" dirty="0">
+              <a:t>進捗状況</a:t>
+            </a:r>
+          </a:p>
+        </p:txBody>
+      </p:sp>
+      <p:sp>
+        <p:nvSpPr>
+          <p:cNvPr id="11" name="吹き出し: 線 10">
+            <a:extLst>
+              <a:ext uri="{FF2B5EF4-FFF2-40B4-BE49-F238E27FC236}">
+                <a16:creationId xmlns:a16="http://schemas.microsoft.com/office/drawing/2014/main" id="{1E2D3A3B-0C13-4801-B7ED-87D18637A8FC}"/>
+              </a:ext>
+            </a:extLst>
+          </p:cNvPr>
+          <p:cNvSpPr/>
+          <p:nvPr/>
+        </p:nvSpPr>
+        <p:spPr>
+          <a:xfrm>
+            <a:off x="270819" y="1690688"/>
+            <a:ext cx="3126260" cy="1325563"/>
+          </a:xfrm>
+          <a:prstGeom prst="borderCallout1">
+            <a:avLst>
+              <a:gd name="adj1" fmla="val 100783"/>
+              <a:gd name="adj2" fmla="val 48979"/>
+              <a:gd name="adj3" fmla="val 152584"/>
+              <a:gd name="adj4" fmla="val 107912"/>
+            </a:avLst>
+          </a:prstGeom>
+          <a:ln/>
+        </p:spPr>
+        <p:style>
+          <a:lnRef idx="1">
+            <a:schemeClr val="accent2"/>
+          </a:lnRef>
+          <a:fillRef idx="2">
+            <a:schemeClr val="accent2"/>
+          </a:fillRef>
+          <a:effectRef idx="1">
+            <a:schemeClr val="accent2"/>
+          </a:effectRef>
+          <a:fontRef idx="minor">
+            <a:schemeClr val="dk1"/>
+          </a:fontRef>
+        </p:style>
+        <p:txBody>
+          <a:bodyPr rtlCol="0" anchor="ctr"/>
+          <a:lstStyle/>
+          <a:p>
+            <a:pPr algn="ctr"/>
+            <a:r>
+              <a:rPr kumimoji="1" lang="ja-JP" altLang="en-US" sz="2800" b="1" dirty="0">
+                <a:solidFill>
+                  <a:schemeClr val="tx1"/>
+                </a:solidFill>
+              </a:rPr>
+              <a:t>担当する</a:t>
+            </a:r>
+            <a:endParaRPr kumimoji="1" lang="en-US" altLang="ja-JP" sz="2800" b="1" dirty="0">
               <a:solidFill>
-                <a:srgbClr val="FF9999"/>
+                <a:schemeClr val="tx1"/>
               </a:solidFill>
             </a:endParaRPr>
           </a:p>
           <a:p>
-            <a:pPr marL="0" indent="0">
-              <a:buNone/>
-            </a:pPr>
-            <a:r>
-              <a:rPr lang="en-US" altLang="ja-JP" dirty="0"/>
-              <a:t>	</a:t>
-            </a:r>
-            <a:r>
-              <a:rPr lang="ja-JP" altLang="en-US" u="sng" dirty="0"/>
-              <a:t>進捗管理</a:t>
-            </a:r>
-            <a:r>
-              <a:rPr lang="en-US" altLang="ja-JP" dirty="0"/>
-              <a:t>	</a:t>
-            </a:r>
-            <a:r>
-              <a:rPr lang="ja-JP" altLang="en-US" dirty="0"/>
-              <a:t>口頭・ガントチャート</a:t>
-            </a:r>
-            <a:endParaRPr lang="en-US" altLang="ja-JP" dirty="0"/>
-          </a:p>
-          <a:p>
-            <a:pPr marL="0" indent="0">
-              <a:buNone/>
-            </a:pPr>
-            <a:r>
-              <a:rPr lang="en-US" altLang="ja-JP" dirty="0"/>
-              <a:t>	</a:t>
-            </a:r>
-            <a:r>
-              <a:rPr lang="ja-JP" altLang="en-US" u="sng" dirty="0"/>
-              <a:t>情報共有</a:t>
-            </a:r>
-            <a:r>
-              <a:rPr lang="en-US" altLang="ja-JP" dirty="0"/>
-              <a:t>	</a:t>
-            </a:r>
-            <a:r>
-              <a:rPr lang="ja-JP" altLang="en-US" dirty="0"/>
-              <a:t>朝：その日に取り組むこと</a:t>
-            </a:r>
-            <a:endParaRPr lang="en-US" altLang="ja-JP" dirty="0"/>
-          </a:p>
-          <a:p>
-            <a:pPr marL="0" indent="0">
-              <a:buNone/>
-            </a:pPr>
-            <a:r>
-              <a:rPr lang="en-US" altLang="ja-JP" dirty="0"/>
-              <a:t>			</a:t>
-            </a:r>
-            <a:r>
-              <a:rPr lang="ja-JP" altLang="en-US" dirty="0"/>
-              <a:t>終業前：その日のまとめと翌日に行うこと</a:t>
-            </a:r>
-            <a:endParaRPr lang="en-US" altLang="ja-JP" dirty="0"/>
-          </a:p>
-          <a:p>
-            <a:pPr marL="0" indent="0">
-              <a:buNone/>
-            </a:pPr>
-            <a:endParaRPr kumimoji="1" lang="en-US" altLang="ja-JP" sz="3500" b="1" dirty="0">
-              <a:solidFill>
-                <a:srgbClr val="FF9999"/>
-              </a:solidFill>
-            </a:endParaRPr>
-          </a:p>
-          <a:p>
-            <a:pPr marL="0" indent="0">
-              <a:buNone/>
-            </a:pPr>
-            <a:r>
-              <a:rPr kumimoji="1" lang="ja-JP" altLang="en-US" sz="3500" b="1" dirty="0">
+            <a:pPr algn="ctr"/>
+            <a:r>
+              <a:rPr kumimoji="1" lang="ja-JP" altLang="en-US" sz="2800" b="1" dirty="0">
                 <a:solidFill>
-                  <a:srgbClr val="FF9999"/>
+                  <a:schemeClr val="tx1"/>
                 </a:solidFill>
               </a:rPr>
-              <a:t>教えあい</a:t>
-            </a:r>
-            <a:endParaRPr kumimoji="1" lang="en-US" altLang="ja-JP" sz="3500" b="1" dirty="0">
-              <a:solidFill>
-                <a:srgbClr val="FF9999"/>
-              </a:solidFill>
-            </a:endParaRPr>
-          </a:p>
-          <a:p>
-            <a:pPr marL="0" indent="0">
-              <a:buNone/>
-            </a:pPr>
-            <a:r>
-              <a:rPr lang="en-US" altLang="ja-JP" dirty="0"/>
-              <a:t>	</a:t>
-            </a:r>
-            <a:r>
-              <a:rPr lang="ja-JP" altLang="en-US" dirty="0"/>
-              <a:t>チームに分かれて作業</a:t>
-            </a:r>
-            <a:endParaRPr lang="en-US" altLang="ja-JP" dirty="0"/>
-          </a:p>
-          <a:p>
-            <a:pPr marL="0" indent="0">
-              <a:buNone/>
-            </a:pPr>
-            <a:r>
-              <a:rPr kumimoji="1" lang="en-US" altLang="ja-JP" dirty="0"/>
-              <a:t>	</a:t>
-            </a:r>
-            <a:r>
-              <a:rPr kumimoji="1" lang="ja-JP" altLang="en-US" dirty="0"/>
-              <a:t>勉強会で全体のボトムアップ</a:t>
-            </a:r>
-            <a:endParaRPr kumimoji="1" lang="en-US" altLang="ja-JP" dirty="0"/>
+              <a:t>ファイル名</a:t>
+            </a:r>
+          </a:p>
+        </p:txBody>
+      </p:sp>
+      <p:sp>
+        <p:nvSpPr>
+          <p:cNvPr id="13" name="吹き出し: 線 12">
+            <a:extLst>
+              <a:ext uri="{FF2B5EF4-FFF2-40B4-BE49-F238E27FC236}">
+                <a16:creationId xmlns:a16="http://schemas.microsoft.com/office/drawing/2014/main" id="{2FB4F92B-CFC9-430F-B590-14A3CCD5205B}"/>
+              </a:ext>
+            </a:extLst>
+          </p:cNvPr>
+          <p:cNvSpPr/>
+          <p:nvPr/>
+        </p:nvSpPr>
+        <p:spPr>
+          <a:xfrm>
+            <a:off x="1716046" y="4504530"/>
+            <a:ext cx="3126260" cy="1325563"/>
+          </a:xfrm>
+          <a:prstGeom prst="borderCallout1">
+            <a:avLst>
+              <a:gd name="adj1" fmla="val 54174"/>
+              <a:gd name="adj2" fmla="val 101548"/>
+              <a:gd name="adj3" fmla="val 74280"/>
+              <a:gd name="adj4" fmla="val 143880"/>
+            </a:avLst>
+          </a:prstGeom>
+          <a:ln/>
+        </p:spPr>
+        <p:style>
+          <a:lnRef idx="1">
+            <a:schemeClr val="accent2"/>
+          </a:lnRef>
+          <a:fillRef idx="2">
+            <a:schemeClr val="accent2"/>
+          </a:fillRef>
+          <a:effectRef idx="1">
+            <a:schemeClr val="accent2"/>
+          </a:effectRef>
+          <a:fontRef idx="minor">
+            <a:schemeClr val="dk1"/>
+          </a:fontRef>
+        </p:style>
+        <p:txBody>
+          <a:bodyPr rtlCol="0" anchor="ctr"/>
+          <a:lstStyle/>
+          <a:p>
+            <a:pPr algn="ctr"/>
+            <a:r>
+              <a:rPr kumimoji="1" lang="ja-JP" altLang="en-US" sz="2800" b="1" dirty="0">
+                <a:solidFill>
+                  <a:schemeClr val="tx1"/>
+                </a:solidFill>
+              </a:rPr>
+              <a:t>終了予定日</a:t>
+            </a:r>
           </a:p>
         </p:txBody>
       </p:sp>
     </p:spTree>
     <p:extLst>
       <p:ext uri="{BB962C8B-B14F-4D97-AF65-F5344CB8AC3E}">
-        <p14:creationId xmlns:p14="http://schemas.microsoft.com/office/powerpoint/2010/main" val="4266937789"/>
+        <p14:creationId xmlns:p14="http://schemas.microsoft.com/office/powerpoint/2010/main" val="4066114779"/>
       </p:ext>
     </p:extLst>
   </p:cSld>
@@ -18227,61 +17546,76 @@
           <p:cNvPr id="2" name="タイトル 1">
             <a:extLst>
               <a:ext uri="{FF2B5EF4-FFF2-40B4-BE49-F238E27FC236}">
-                <a16:creationId xmlns:a16="http://schemas.microsoft.com/office/drawing/2014/main" id="{55FA5A01-0A6E-4778-9B9C-F6DE901AD269}"/>
+                <a16:creationId xmlns:a16="http://schemas.microsoft.com/office/drawing/2014/main" id="{D3856DAB-798C-40CB-A6B8-2C631B3B15D8}"/>
               </a:ext>
             </a:extLst>
           </p:cNvPr>
-          <p:cNvSpPr>
-            <a:spLocks noGrp="1"/>
+          <p:cNvSpPr txBox="1">
+            <a:spLocks/>
           </p:cNvSpPr>
-          <p:nvPr>
-            <p:ph type="title"/>
-          </p:nvPr>
-        </p:nvSpPr>
-        <p:spPr/>
+          <p:nvPr/>
+        </p:nvSpPr>
+        <p:spPr>
+          <a:xfrm>
+            <a:off x="3249009" y="2899076"/>
+            <a:ext cx="5693981" cy="1059847"/>
+          </a:xfrm>
+          <a:prstGeom prst="rect">
+            <a:avLst/>
+          </a:prstGeom>
+        </p:spPr>
         <p:txBody>
-          <a:bodyPr/>
-          <a:lstStyle/>
-          <a:p>
-            <a:r>
-              <a:rPr kumimoji="1" lang="ja-JP" altLang="en-US" b="1" dirty="0">
+          <a:bodyPr>
+            <a:normAutofit/>
+          </a:bodyPr>
+          <a:lstStyle>
+            <a:lvl1pPr algn="l" defTabSz="914400" rtl="0" eaLnBrk="1" latinLnBrk="0" hangingPunct="1">
+              <a:lnSpc>
+                <a:spcPct val="90000"/>
+              </a:lnSpc>
+              <a:spcBef>
+                <a:spcPct val="0"/>
+              </a:spcBef>
+              <a:buNone/>
+              <a:defRPr kumimoji="1" sz="4400" kern="1200">
+                <a:solidFill>
+                  <a:schemeClr val="tx1"/>
+                </a:solidFill>
+                <a:latin typeface="+mj-lt"/>
+                <a:ea typeface="+mj-ea"/>
+                <a:cs typeface="+mj-cs"/>
+              </a:defRPr>
+            </a:lvl1pPr>
+          </a:lstStyle>
+          <a:p>
+            <a:r>
+              <a:rPr lang="ja-JP" altLang="en-US" sz="6600" b="1" dirty="0">
                 <a:latin typeface="+mn-ea"/>
                 <a:ea typeface="+mn-ea"/>
               </a:rPr>
-              <a:t>実際のガントチャート</a:t>
-            </a:r>
-          </a:p>
-        </p:txBody>
-      </p:sp>
-      <p:sp>
-        <p:nvSpPr>
-          <p:cNvPr id="3" name="コンテンツ プレースホルダー 2">
-            <a:extLst>
-              <a:ext uri="{FF2B5EF4-FFF2-40B4-BE49-F238E27FC236}">
-                <a16:creationId xmlns:a16="http://schemas.microsoft.com/office/drawing/2014/main" id="{182A9059-191E-4CF7-97DA-91C73EC193A7}"/>
-              </a:ext>
-            </a:extLst>
-          </p:cNvPr>
-          <p:cNvSpPr>
-            <a:spLocks noGrp="1"/>
-          </p:cNvSpPr>
-          <p:nvPr>
-            <p:ph idx="1"/>
-          </p:nvPr>
-        </p:nvSpPr>
-        <p:spPr/>
-        <p:txBody>
-          <a:bodyPr/>
-          <a:lstStyle/>
-          <a:p>
-            <a:endParaRPr kumimoji="1" lang="ja-JP" altLang="en-US" dirty="0"/>
+              <a:t>５</a:t>
+            </a:r>
+            <a:r>
+              <a:rPr lang="en-US" altLang="ja-JP" sz="6600" b="1" dirty="0">
+                <a:latin typeface="+mn-ea"/>
+                <a:ea typeface="+mn-ea"/>
+              </a:rPr>
+              <a:t>. </a:t>
+            </a:r>
+            <a:r>
+              <a:rPr lang="ja-JP" altLang="en-US" sz="6600" b="1" dirty="0">
+                <a:latin typeface="+mn-ea"/>
+                <a:ea typeface="+mn-ea"/>
+              </a:rPr>
+              <a:t>学んだこと</a:t>
+            </a:r>
           </a:p>
         </p:txBody>
       </p:sp>
     </p:spTree>
     <p:extLst>
       <p:ext uri="{BB962C8B-B14F-4D97-AF65-F5344CB8AC3E}">
-        <p14:creationId xmlns:p14="http://schemas.microsoft.com/office/powerpoint/2010/main" val="4066114779"/>
+        <p14:creationId xmlns:p14="http://schemas.microsoft.com/office/powerpoint/2010/main" val="1141219478"/>
       </p:ext>
     </p:extLst>
   </p:cSld>
@@ -18325,76 +17659,185 @@
           <p:cNvPr id="2" name="タイトル 1">
             <a:extLst>
               <a:ext uri="{FF2B5EF4-FFF2-40B4-BE49-F238E27FC236}">
-                <a16:creationId xmlns:a16="http://schemas.microsoft.com/office/drawing/2014/main" id="{D3856DAB-798C-40CB-A6B8-2C631B3B15D8}"/>
+                <a16:creationId xmlns:a16="http://schemas.microsoft.com/office/drawing/2014/main" id="{E03FAFE4-D598-42B7-AB36-5CF3DAD87568}"/>
               </a:ext>
             </a:extLst>
           </p:cNvPr>
-          <p:cNvSpPr txBox="1">
-            <a:spLocks/>
+          <p:cNvSpPr>
+            <a:spLocks noGrp="1"/>
           </p:cNvSpPr>
-          <p:nvPr/>
+          <p:nvPr>
+            <p:ph type="title"/>
+          </p:nvPr>
         </p:nvSpPr>
         <p:spPr>
           <a:xfrm>
-            <a:off x="3249009" y="2899076"/>
-            <a:ext cx="5693981" cy="1059847"/>
+            <a:off x="838200" y="312874"/>
+            <a:ext cx="10515600" cy="1325563"/>
           </a:xfrm>
-          <a:prstGeom prst="rect">
-            <a:avLst/>
-          </a:prstGeom>
+        </p:spPr>
+        <p:txBody>
+          <a:bodyPr/>
+          <a:lstStyle/>
+          <a:p>
+            <a:r>
+              <a:rPr lang="ja-JP" altLang="en-US" b="1" dirty="0">
+                <a:latin typeface="+mn-ea"/>
+                <a:ea typeface="+mn-ea"/>
+              </a:rPr>
+              <a:t>５</a:t>
+            </a:r>
+            <a:r>
+              <a:rPr lang="en-US" altLang="ja-JP" b="1" dirty="0">
+                <a:latin typeface="+mn-ea"/>
+                <a:ea typeface="+mn-ea"/>
+              </a:rPr>
+              <a:t>.</a:t>
+            </a:r>
+            <a:r>
+              <a:rPr lang="ja-JP" altLang="en-US" b="1" dirty="0">
+                <a:latin typeface="+mn-ea"/>
+                <a:ea typeface="+mn-ea"/>
+              </a:rPr>
+              <a:t>学んだこと（チーム全体）</a:t>
+            </a:r>
+            <a:endParaRPr kumimoji="1" lang="ja-JP" altLang="en-US" b="1" dirty="0">
+              <a:latin typeface="+mn-ea"/>
+              <a:ea typeface="+mn-ea"/>
+            </a:endParaRPr>
+          </a:p>
+        </p:txBody>
+      </p:sp>
+      <p:sp>
+        <p:nvSpPr>
+          <p:cNvPr id="3" name="コンテンツ プレースホルダー 2">
+            <a:extLst>
+              <a:ext uri="{FF2B5EF4-FFF2-40B4-BE49-F238E27FC236}">
+                <a16:creationId xmlns:a16="http://schemas.microsoft.com/office/drawing/2014/main" id="{AB00AC63-DC37-4C9E-B71E-0A69735925B6}"/>
+              </a:ext>
+            </a:extLst>
+          </p:cNvPr>
+          <p:cNvSpPr>
+            <a:spLocks noGrp="1"/>
+          </p:cNvSpPr>
+          <p:nvPr>
+            <p:ph idx="1"/>
+          </p:nvPr>
+        </p:nvSpPr>
+        <p:spPr>
+          <a:xfrm>
+            <a:off x="838200" y="1799500"/>
+            <a:ext cx="10515600" cy="4351338"/>
+          </a:xfrm>
         </p:spPr>
         <p:txBody>
           <a:bodyPr>
             <a:normAutofit/>
           </a:bodyPr>
-          <a:lstStyle>
-            <a:lvl1pPr algn="l" defTabSz="914400" rtl="0" eaLnBrk="1" latinLnBrk="0" hangingPunct="1">
-              <a:lnSpc>
-                <a:spcPct val="90000"/>
-              </a:lnSpc>
-              <a:spcBef>
-                <a:spcPct val="0"/>
-              </a:spcBef>
+          <a:lstStyle/>
+          <a:p>
+            <a:pPr marL="0" indent="0">
               <a:buNone/>
-              <a:defRPr kumimoji="1" sz="4400" kern="1200">
+            </a:pPr>
+            <a:r>
+              <a:rPr kumimoji="1" lang="ja-JP" altLang="en-US" sz="3600" b="1" dirty="0">
                 <a:solidFill>
-                  <a:schemeClr val="tx1"/>
+                  <a:srgbClr val="FF9999"/>
                 </a:solidFill>
-                <a:latin typeface="+mj-lt"/>
-                <a:ea typeface="+mj-ea"/>
-                <a:cs typeface="+mj-cs"/>
-              </a:defRPr>
-            </a:lvl1pPr>
-          </a:lstStyle>
-          <a:p>
-            <a:r>
-              <a:rPr lang="ja-JP" altLang="en-US" sz="6600" b="1" dirty="0">
-                <a:latin typeface="+mn-ea"/>
-                <a:ea typeface="+mn-ea"/>
-              </a:rPr>
-              <a:t>５</a:t>
-            </a:r>
-            <a:r>
-              <a:rPr lang="en-US" altLang="ja-JP" sz="6600" b="1" dirty="0">
-                <a:latin typeface="+mn-ea"/>
-                <a:ea typeface="+mn-ea"/>
-              </a:rPr>
-              <a:t>. </a:t>
-            </a:r>
-            <a:r>
-              <a:rPr lang="ja-JP" altLang="en-US" sz="6600" b="1" dirty="0">
-                <a:latin typeface="+mn-ea"/>
-                <a:ea typeface="+mn-ea"/>
-              </a:rPr>
-              <a:t>学んだこと</a:t>
-            </a:r>
+              </a:rPr>
+              <a:t>計画の重要性</a:t>
+            </a:r>
+            <a:r>
+              <a:rPr kumimoji="1" lang="en-US" altLang="ja-JP" sz="3900" dirty="0"/>
+              <a:t>	</a:t>
+            </a:r>
+          </a:p>
+          <a:p>
+            <a:pPr marL="0" indent="0">
+              <a:buNone/>
+            </a:pPr>
+            <a:r>
+              <a:rPr lang="en-US" altLang="ja-JP" sz="3600" dirty="0"/>
+              <a:t>	</a:t>
+            </a:r>
+            <a:r>
+              <a:rPr kumimoji="1" lang="ja-JP" altLang="en-US" dirty="0"/>
+              <a:t>設計段階で見切り発車だった部分があった</a:t>
+            </a:r>
+            <a:endParaRPr kumimoji="1" lang="en-US" altLang="ja-JP" dirty="0"/>
+          </a:p>
+          <a:p>
+            <a:pPr marL="0" indent="0">
+              <a:buNone/>
+            </a:pPr>
+            <a:r>
+              <a:rPr kumimoji="1" lang="en-US" altLang="ja-JP" dirty="0"/>
+              <a:t>	</a:t>
+            </a:r>
+            <a:r>
+              <a:rPr kumimoji="1" lang="ja-JP" altLang="en-US" dirty="0"/>
+              <a:t>設計書の重要性への理解が足りていなかった</a:t>
+            </a:r>
+            <a:endParaRPr kumimoji="1" lang="en-US" altLang="ja-JP" dirty="0"/>
+          </a:p>
+          <a:p>
+            <a:pPr marL="0" indent="0">
+              <a:buNone/>
+            </a:pPr>
+            <a:endParaRPr kumimoji="1" lang="en-US" altLang="ja-JP" b="1" dirty="0">
+              <a:solidFill>
+                <a:srgbClr val="FF9999"/>
+              </a:solidFill>
+            </a:endParaRPr>
+          </a:p>
+          <a:p>
+            <a:pPr marL="0" indent="0">
+              <a:buNone/>
+            </a:pPr>
+            <a:r>
+              <a:rPr kumimoji="1" lang="ja-JP" altLang="en-US" sz="3600" b="1" dirty="0">
+                <a:solidFill>
+                  <a:srgbClr val="FF9999"/>
+                </a:solidFill>
+              </a:rPr>
+              <a:t>技術に関して</a:t>
+            </a:r>
+            <a:endParaRPr kumimoji="1" lang="en-US" altLang="ja-JP" dirty="0"/>
+          </a:p>
+          <a:p>
+            <a:pPr marL="0" indent="0">
+              <a:buNone/>
+            </a:pPr>
+            <a:r>
+              <a:rPr lang="en-US" altLang="ja-JP" dirty="0"/>
+              <a:t>	</a:t>
+            </a:r>
+            <a:r>
+              <a:rPr kumimoji="1" lang="ja-JP" altLang="en-US" dirty="0"/>
+              <a:t>質問・コーディングを繰り返しスキルアップ</a:t>
+            </a:r>
+            <a:endParaRPr kumimoji="1" lang="en-US" altLang="ja-JP" dirty="0"/>
+          </a:p>
+          <a:p>
+            <a:pPr marL="0" indent="0">
+              <a:buNone/>
+            </a:pPr>
+            <a:r>
+              <a:rPr kumimoji="1" lang="en-US" altLang="ja-JP" dirty="0"/>
+              <a:t>	</a:t>
+            </a:r>
+            <a:r>
+              <a:rPr kumimoji="1" lang="ja-JP" altLang="en-US" dirty="0"/>
+              <a:t>学んだ技術を応用する難しさ</a:t>
+            </a:r>
+            <a:endParaRPr kumimoji="1" lang="en-US" altLang="ja-JP" dirty="0"/>
           </a:p>
         </p:txBody>
       </p:sp>
     </p:spTree>
     <p:extLst>
       <p:ext uri="{BB962C8B-B14F-4D97-AF65-F5344CB8AC3E}">
-        <p14:creationId xmlns:p14="http://schemas.microsoft.com/office/powerpoint/2010/main" val="1141219478"/>
+        <p14:creationId xmlns:p14="http://schemas.microsoft.com/office/powerpoint/2010/main" val="2645700443"/>
       </p:ext>
     </p:extLst>
   </p:cSld>
@@ -18478,7 +17921,7 @@
                 <a:latin typeface="+mn-ea"/>
                 <a:ea typeface="+mn-ea"/>
               </a:rPr>
-              <a:t>学んだこと</a:t>
+              <a:t>学んだこと（個人）</a:t>
             </a:r>
             <a:endParaRPr kumimoji="1" lang="ja-JP" altLang="en-US" b="1" dirty="0">
               <a:latin typeface="+mn-ea"/>
@@ -18505,8 +17948,8 @@
         </p:nvSpPr>
         <p:spPr>
           <a:xfrm>
-            <a:off x="838200" y="1799500"/>
-            <a:ext cx="10515600" cy="4351338"/>
+            <a:off x="373790" y="1622551"/>
+            <a:ext cx="11478685" cy="5032892"/>
           </a:xfrm>
         </p:spPr>
         <p:txBody>
@@ -18519,104 +17962,233 @@
               <a:buNone/>
             </a:pPr>
             <a:r>
-              <a:rPr kumimoji="1" lang="ja-JP" altLang="en-US" sz="3600" b="1" dirty="0">
+              <a:rPr lang="ja-JP" altLang="en-US" b="1" i="0" dirty="0">
                 <a:solidFill>
-                  <a:srgbClr val="FF9999"/>
+                  <a:srgbClr val="1D1C1D"/>
                 </a:solidFill>
-              </a:rPr>
-              <a:t>計画の重要性</a:t>
-            </a:r>
-            <a:r>
-              <a:rPr kumimoji="1" lang="en-US" altLang="ja-JP" sz="3900" dirty="0"/>
-              <a:t>	</a:t>
-            </a:r>
+                <a:effectLst/>
+                <a:latin typeface="NotoSansJP"/>
+              </a:rPr>
+              <a:t>小柳</a:t>
+            </a:r>
+            <a:r>
+              <a:rPr lang="ja-JP" altLang="en-US" b="0" i="0" dirty="0">
+                <a:solidFill>
+                  <a:srgbClr val="1D1C1D"/>
+                </a:solidFill>
+                <a:effectLst/>
+                <a:latin typeface="NotoSansJP"/>
+              </a:rPr>
+              <a:t>：研修を通じて、苦手だと思っていた</a:t>
+            </a:r>
+            <a:r>
+              <a:rPr lang="en-US" altLang="ja-JP" b="0" i="0" dirty="0">
+                <a:solidFill>
+                  <a:srgbClr val="1D1C1D"/>
+                </a:solidFill>
+                <a:effectLst/>
+                <a:latin typeface="NotoSansJP"/>
+              </a:rPr>
+              <a:t>DAO</a:t>
+            </a:r>
+            <a:r>
+              <a:rPr lang="ja-JP" altLang="en-US" b="0" i="0" dirty="0">
+                <a:solidFill>
+                  <a:srgbClr val="1D1C1D"/>
+                </a:solidFill>
+                <a:effectLst/>
+                <a:latin typeface="NotoSansJP"/>
+              </a:rPr>
+              <a:t>や</a:t>
+            </a:r>
+            <a:r>
+              <a:rPr lang="en-US" altLang="ja-JP" b="0" i="0" dirty="0">
+                <a:solidFill>
+                  <a:srgbClr val="1D1C1D"/>
+                </a:solidFill>
+                <a:effectLst/>
+                <a:latin typeface="NotoSansJP"/>
+              </a:rPr>
+              <a:t>model</a:t>
+            </a:r>
+            <a:r>
+              <a:rPr lang="ja-JP" altLang="en-US" b="0" i="0" dirty="0">
+                <a:solidFill>
+                  <a:srgbClr val="1D1C1D"/>
+                </a:solidFill>
+                <a:effectLst/>
+                <a:latin typeface="NotoSansJP"/>
+              </a:rPr>
+              <a:t>が意外と得意で、逆に得意だと思っていた</a:t>
+            </a:r>
+            <a:r>
+              <a:rPr lang="en-US" altLang="ja-JP" b="0" i="0" dirty="0">
+                <a:solidFill>
+                  <a:srgbClr val="1D1C1D"/>
+                </a:solidFill>
+                <a:effectLst/>
+                <a:latin typeface="NotoSansJP"/>
+              </a:rPr>
+              <a:t>css</a:t>
+            </a:r>
+            <a:r>
+              <a:rPr lang="ja-JP" altLang="en-US" b="0" i="0" dirty="0">
+                <a:solidFill>
+                  <a:srgbClr val="1D1C1D"/>
+                </a:solidFill>
+                <a:effectLst/>
+                <a:latin typeface="NotoSansJP"/>
+              </a:rPr>
+              <a:t>や</a:t>
+            </a:r>
+            <a:r>
+              <a:rPr lang="en-US" altLang="ja-JP" b="0" i="0" dirty="0">
+                <a:solidFill>
+                  <a:srgbClr val="1D1C1D"/>
+                </a:solidFill>
+                <a:effectLst/>
+                <a:latin typeface="NotoSansJP"/>
+              </a:rPr>
+              <a:t>javaScript</a:t>
+            </a:r>
+            <a:r>
+              <a:rPr lang="ja-JP" altLang="en-US" b="0" i="0" dirty="0">
+                <a:solidFill>
+                  <a:srgbClr val="1D1C1D"/>
+                </a:solidFill>
+                <a:effectLst/>
+                <a:latin typeface="NotoSansJP"/>
+              </a:rPr>
+              <a:t>の方が苦手という自分の本当に苦手、得意なところが知れた。また担当した機能の下調べを適当に済ませていたため、実際に作る際に時間を取られてしまうということがあり、作る前のリサーチが重要ということを学んだ。</a:t>
+            </a:r>
+            <a:endParaRPr lang="en-US" altLang="ja-JP" b="0" i="0" dirty="0">
+              <a:solidFill>
+                <a:srgbClr val="1D1C1D"/>
+              </a:solidFill>
+              <a:effectLst/>
+              <a:latin typeface="NotoSansJP"/>
+            </a:endParaRPr>
           </a:p>
           <a:p>
             <a:pPr marL="0" indent="0">
               <a:buNone/>
             </a:pPr>
-            <a:r>
-              <a:rPr lang="en-US" altLang="ja-JP" sz="3600" dirty="0"/>
-              <a:t>	</a:t>
-            </a:r>
-            <a:r>
-              <a:rPr kumimoji="1" lang="ja-JP" altLang="en-US" dirty="0"/>
-              <a:t>設計段階で見切り発車だった部分があった</a:t>
-            </a:r>
-            <a:endParaRPr kumimoji="1" lang="en-US" altLang="ja-JP" dirty="0"/>
+            <a:endParaRPr lang="en-US" altLang="ja-JP" b="1" i="0" dirty="0">
+              <a:solidFill>
+                <a:srgbClr val="1D1C1D"/>
+              </a:solidFill>
+              <a:effectLst/>
+              <a:latin typeface="NotoSansJP"/>
+            </a:endParaRPr>
           </a:p>
           <a:p>
             <a:pPr marL="0" indent="0">
               <a:buNone/>
             </a:pPr>
             <a:r>
-              <a:rPr kumimoji="1" lang="en-US" altLang="ja-JP" dirty="0"/>
-              <a:t>	</a:t>
-            </a:r>
-            <a:r>
-              <a:rPr kumimoji="1" lang="ja-JP" altLang="en-US" dirty="0"/>
-              <a:t>設計書の重要性への理解が足りていなかった</a:t>
-            </a:r>
-            <a:endParaRPr kumimoji="1" lang="en-US" altLang="ja-JP" dirty="0"/>
-          </a:p>
-          <a:p>
-            <a:pPr marL="0" indent="0">
-              <a:buNone/>
-            </a:pPr>
-            <a:endParaRPr kumimoji="1" lang="en-US" altLang="ja-JP" b="1" dirty="0">
+              <a:rPr lang="ja-JP" altLang="en-US" b="1" i="0" dirty="0">
+                <a:solidFill>
+                  <a:srgbClr val="1D1C1D"/>
+                </a:solidFill>
+                <a:effectLst/>
+                <a:latin typeface="NotoSansJP"/>
+              </a:rPr>
+              <a:t>加藤</a:t>
+            </a:r>
+            <a:r>
+              <a:rPr lang="ja-JP" altLang="en-US" i="0" dirty="0">
+                <a:solidFill>
+                  <a:srgbClr val="1D1C1D"/>
+                </a:solidFill>
+                <a:effectLst/>
+                <a:latin typeface="NotoSansJP"/>
+              </a:rPr>
+              <a:t>：</a:t>
+            </a:r>
+            <a:r>
+              <a:rPr lang="ja-JP" altLang="en-US" b="0" i="0" dirty="0">
+                <a:solidFill>
+                  <a:srgbClr val="1D1C1D"/>
+                </a:solidFill>
+                <a:effectLst/>
+                <a:latin typeface="NotoSansJP"/>
+              </a:rPr>
+              <a:t>制作過程において</a:t>
+            </a:r>
+            <a:r>
+              <a:rPr lang="en-US" altLang="ja-JP" b="0" i="0" dirty="0">
+                <a:solidFill>
+                  <a:srgbClr val="1D1C1D"/>
+                </a:solidFill>
+                <a:effectLst/>
+                <a:latin typeface="NotoSansJP"/>
+              </a:rPr>
+              <a:t>DB</a:t>
+            </a:r>
+            <a:r>
+              <a:rPr lang="ja-JP" altLang="en-US" b="0" i="0" dirty="0">
+                <a:solidFill>
+                  <a:srgbClr val="1D1C1D"/>
+                </a:solidFill>
+                <a:effectLst/>
+                <a:latin typeface="NotoSansJP"/>
+              </a:rPr>
+              <a:t>と</a:t>
+            </a:r>
+            <a:r>
+              <a:rPr lang="en-US" altLang="ja-JP" b="0" i="0" dirty="0">
+                <a:solidFill>
+                  <a:srgbClr val="1D1C1D"/>
+                </a:solidFill>
+                <a:effectLst/>
+                <a:latin typeface="NotoSansJP"/>
+              </a:rPr>
+              <a:t>DAO</a:t>
+            </a:r>
+            <a:r>
+              <a:rPr lang="ja-JP" altLang="en-US" b="0" i="0" dirty="0">
+                <a:solidFill>
+                  <a:srgbClr val="1D1C1D"/>
+                </a:solidFill>
+                <a:effectLst/>
+                <a:latin typeface="NotoSansJP"/>
+              </a:rPr>
+              <a:t>の連携、</a:t>
+            </a:r>
+            <a:r>
+              <a:rPr lang="en-US" altLang="ja-JP" b="0" i="0" dirty="0">
+                <a:solidFill>
+                  <a:srgbClr val="1D1C1D"/>
+                </a:solidFill>
+                <a:effectLst/>
+                <a:latin typeface="NotoSansJP"/>
+              </a:rPr>
+              <a:t>MVC</a:t>
+            </a:r>
+            <a:r>
+              <a:rPr lang="ja-JP" altLang="en-US" b="0" i="0" dirty="0">
+                <a:solidFill>
+                  <a:srgbClr val="1D1C1D"/>
+                </a:solidFill>
+                <a:effectLst/>
+                <a:latin typeface="NotoSansJP"/>
+              </a:rPr>
+              <a:t>モデルや各スコープについての知識が必要だったので作業、質問を繰り返すことで知識として定着した。また、開発を行うにあたり、個人間で認識の齟齬が生まれたりするので意思の疎通を円滑に進めるためにコミュニケーションを取り続けることの重要性を学んだ。</a:t>
+            </a:r>
+            <a:endParaRPr lang="en-US" altLang="ja-JP" b="1" i="0" dirty="0">
               <a:solidFill>
-                <a:srgbClr val="FF9999"/>
+                <a:srgbClr val="1D1C1D"/>
               </a:solidFill>
+              <a:effectLst/>
+              <a:latin typeface="NotoSansJP"/>
             </a:endParaRPr>
-          </a:p>
-          <a:p>
-            <a:pPr marL="0" indent="0">
-              <a:buNone/>
-            </a:pPr>
-            <a:r>
-              <a:rPr kumimoji="1" lang="ja-JP" altLang="en-US" sz="3600" b="1" dirty="0">
-                <a:solidFill>
-                  <a:srgbClr val="FF9999"/>
-                </a:solidFill>
-              </a:rPr>
-              <a:t>技術に関して</a:t>
-            </a:r>
-            <a:endParaRPr kumimoji="1" lang="en-US" altLang="ja-JP" dirty="0"/>
-          </a:p>
-          <a:p>
-            <a:pPr marL="0" indent="0">
-              <a:buNone/>
-            </a:pPr>
-            <a:r>
-              <a:rPr lang="en-US" altLang="ja-JP" dirty="0"/>
-              <a:t>	</a:t>
-            </a:r>
-            <a:r>
-              <a:rPr kumimoji="1" lang="ja-JP" altLang="en-US" dirty="0"/>
-              <a:t>質問・コーディングを繰り返しスキルアップ</a:t>
-            </a:r>
-            <a:endParaRPr kumimoji="1" lang="en-US" altLang="ja-JP" dirty="0"/>
-          </a:p>
-          <a:p>
-            <a:pPr marL="0" indent="0">
-              <a:buNone/>
-            </a:pPr>
-            <a:r>
-              <a:rPr kumimoji="1" lang="en-US" altLang="ja-JP" dirty="0"/>
-              <a:t>	</a:t>
-            </a:r>
-            <a:r>
-              <a:rPr kumimoji="1" lang="ja-JP" altLang="en-US" dirty="0"/>
-              <a:t>学んだ技術を応用する難しさ</a:t>
-            </a:r>
-            <a:endParaRPr kumimoji="1" lang="en-US" altLang="ja-JP" dirty="0"/>
           </a:p>
         </p:txBody>
       </p:sp>
     </p:spTree>
     <p:extLst>
       <p:ext uri="{BB962C8B-B14F-4D97-AF65-F5344CB8AC3E}">
-        <p14:creationId xmlns:p14="http://schemas.microsoft.com/office/powerpoint/2010/main" val="2645700443"/>
+        <p14:creationId xmlns:p14="http://schemas.microsoft.com/office/powerpoint/2010/main" val="2142482098"/>
       </p:ext>
     </p:extLst>
   </p:cSld>
@@ -18700,7 +18272,7 @@
                 <a:latin typeface="+mn-ea"/>
                 <a:ea typeface="+mn-ea"/>
               </a:rPr>
-              <a:t>学んだこと</a:t>
+              <a:t>学んだこと（個人）</a:t>
             </a:r>
             <a:endParaRPr kumimoji="1" lang="ja-JP" altLang="en-US" b="1" dirty="0">
               <a:latin typeface="+mn-ea"/>
@@ -18727,8 +18299,8 @@
         </p:nvSpPr>
         <p:spPr>
           <a:xfrm>
-            <a:off x="838200" y="1799500"/>
-            <a:ext cx="10515600" cy="4351338"/>
+            <a:off x="373790" y="1622551"/>
+            <a:ext cx="11478685" cy="5032892"/>
           </a:xfrm>
         </p:spPr>
         <p:txBody>
@@ -18740,6 +18312,135 @@
             <a:pPr marL="0" indent="0">
               <a:buNone/>
             </a:pPr>
+            <a:r>
+              <a:rPr lang="ja-JP" altLang="en-US" b="1" i="0" dirty="0">
+                <a:solidFill>
+                  <a:srgbClr val="1D1C1D"/>
+                </a:solidFill>
+                <a:effectLst/>
+                <a:latin typeface="NotoSansJP"/>
+              </a:rPr>
+              <a:t>勝亦</a:t>
+            </a:r>
+            <a:r>
+              <a:rPr lang="ja-JP" altLang="en-US" b="0" i="0" dirty="0">
+                <a:solidFill>
+                  <a:srgbClr val="1D1C1D"/>
+                </a:solidFill>
+                <a:effectLst/>
+                <a:latin typeface="NotoSansJP"/>
+              </a:rPr>
+              <a:t>：</a:t>
+            </a:r>
+            <a:r>
+              <a:rPr lang="en-US" altLang="ja-JP" b="0" i="0" dirty="0">
+                <a:solidFill>
+                  <a:srgbClr val="1D1C1D"/>
+                </a:solidFill>
+                <a:effectLst/>
+                <a:latin typeface="NotoSansJP"/>
+              </a:rPr>
+              <a:t>4.5</a:t>
+            </a:r>
+            <a:r>
+              <a:rPr lang="ja-JP" altLang="en-US" b="0" i="0" dirty="0">
+                <a:solidFill>
+                  <a:srgbClr val="1D1C1D"/>
+                </a:solidFill>
+                <a:effectLst/>
+                <a:latin typeface="NotoSansJP"/>
+              </a:rPr>
+              <a:t>月あたりはプログラムが暗号にしか見えなかったが、それぞれがどこにつながっているのかということを考えられるようになった。分からないことがあった際に具体的に聞くように意識するようになった。</a:t>
+            </a:r>
+            <a:endParaRPr lang="en-US" altLang="ja-JP" b="0" i="0" dirty="0">
+              <a:solidFill>
+                <a:srgbClr val="1D1C1D"/>
+              </a:solidFill>
+              <a:effectLst/>
+              <a:latin typeface="NotoSansJP"/>
+            </a:endParaRPr>
+          </a:p>
+          <a:p>
+            <a:pPr marL="0" indent="0">
+              <a:buNone/>
+            </a:pPr>
+            <a:endParaRPr lang="en-US" altLang="ja-JP" b="1" i="0" dirty="0">
+              <a:solidFill>
+                <a:srgbClr val="1D1C1D"/>
+              </a:solidFill>
+              <a:effectLst/>
+              <a:latin typeface="NotoSansJP"/>
+            </a:endParaRPr>
+          </a:p>
+          <a:p>
+            <a:pPr marL="0" indent="0">
+              <a:buNone/>
+            </a:pPr>
+            <a:r>
+              <a:rPr lang="ja-JP" altLang="en-US" b="1" i="0" dirty="0">
+                <a:solidFill>
+                  <a:srgbClr val="1D1C1D"/>
+                </a:solidFill>
+                <a:effectLst/>
+                <a:latin typeface="NotoSansJP"/>
+              </a:rPr>
+              <a:t>小嶋</a:t>
+            </a:r>
+            <a:r>
+              <a:rPr lang="ja-JP" altLang="en-US" i="0" dirty="0">
+                <a:solidFill>
+                  <a:srgbClr val="1D1C1D"/>
+                </a:solidFill>
+                <a:effectLst/>
+                <a:latin typeface="NotoSansJP"/>
+              </a:rPr>
+              <a:t>：</a:t>
+            </a:r>
+            <a:r>
+              <a:rPr lang="ja-JP" altLang="en-US" b="0" i="0" dirty="0">
+                <a:solidFill>
+                  <a:srgbClr val="1D1C1D"/>
+                </a:solidFill>
+                <a:effectLst/>
+                <a:latin typeface="NotoSansJP"/>
+              </a:rPr>
+              <a:t>各ファイルがどのような役割をもっているのか実際に記述していくことで理解できるようになった。</a:t>
+            </a:r>
+            <a:endParaRPr lang="en-US" altLang="ja-JP" dirty="0">
+              <a:solidFill>
+                <a:srgbClr val="1D1C1D"/>
+              </a:solidFill>
+              <a:latin typeface="NotoSansJP"/>
+            </a:endParaRPr>
+          </a:p>
+          <a:p>
+            <a:pPr marL="0" indent="0">
+              <a:buNone/>
+            </a:pPr>
+            <a:endParaRPr kumimoji="1" lang="en-US" altLang="ja-JP" b="1" dirty="0"/>
+          </a:p>
+          <a:p>
+            <a:pPr marL="0" indent="0">
+              <a:buNone/>
+            </a:pPr>
+            <a:r>
+              <a:rPr kumimoji="1" lang="ja-JP" altLang="en-US" b="1" dirty="0"/>
+              <a:t>西村</a:t>
+            </a:r>
+            <a:r>
+              <a:rPr kumimoji="1" lang="ja-JP" altLang="en-US" dirty="0"/>
+              <a:t>：</a:t>
+            </a:r>
+            <a:r>
+              <a:rPr lang="ja-JP" altLang="en-US" b="0" i="0" dirty="0">
+                <a:solidFill>
+                  <a:srgbClr val="1D1C1D"/>
+                </a:solidFill>
+                <a:effectLst/>
+                <a:latin typeface="NotoSansJP"/>
+              </a:rPr>
+              <a:t>チームリーダーの経験を通して意見をまとめることや、進捗の管理、チーム内のモチベーションの維持など考える事が多くあり、チームをまとめることの難しさを学んだ。</a:t>
+            </a:r>
             <a:endParaRPr kumimoji="1" lang="en-US" altLang="ja-JP" dirty="0"/>
           </a:p>
         </p:txBody>
@@ -18747,20 +18448,20 @@
     </p:spTree>
     <p:extLst>
       <p:ext uri="{BB962C8B-B14F-4D97-AF65-F5344CB8AC3E}">
-        <p14:creationId xmlns:p14="http://schemas.microsoft.com/office/powerpoint/2010/main" val="2142482098"/>
+        <p14:creationId xmlns:p14="http://schemas.microsoft.com/office/powerpoint/2010/main" val="3066231675"/>
       </p:ext>
     </p:extLst>
   </p:cSld>
   <p:clrMapOvr>
     <a:masterClrMapping/>
   </p:clrMapOvr>
-  <mc:AlternateContent xmlns:mc="http://schemas.openxmlformats.org/markup-compatibility/2006">
-    <mc:Choice xmlns:p14="http://schemas.microsoft.com/office/powerpoint/2010/main" Requires="p14">
+  <mc:AlternateContent xmlns:mc="http://schemas.openxmlformats.org/markup-compatibility/2006" xmlns:p14="http://schemas.microsoft.com/office/powerpoint/2010/main">
+    <mc:Choice Requires="p14">
       <p:transition spd="med" p14:dur="700">
         <p:fade/>
       </p:transition>
     </mc:Choice>
-    <mc:Fallback>
+    <mc:Fallback xmlns="">
       <p:transition spd="med">
         <p:fade/>
       </p:transition>

--- a/共有用フォルダー/成果発表.pptx
+++ b/共有用フォルダー/成果発表.pptx
@@ -5,38 +5,37 @@
     <p:sldMasterId id="2147483648" r:id="rId1"/>
   </p:sldMasterIdLst>
   <p:notesMasterIdLst>
-    <p:notesMasterId r:id="rId31"/>
+    <p:notesMasterId r:id="rId30"/>
   </p:notesMasterIdLst>
   <p:sldIdLst>
     <p:sldId id="256" r:id="rId2"/>
-    <p:sldId id="300" r:id="rId3"/>
-    <p:sldId id="288" r:id="rId4"/>
-    <p:sldId id="282" r:id="rId5"/>
-    <p:sldId id="257" r:id="rId6"/>
-    <p:sldId id="280" r:id="rId7"/>
-    <p:sldId id="273" r:id="rId8"/>
-    <p:sldId id="270" r:id="rId9"/>
-    <p:sldId id="299" r:id="rId10"/>
-    <p:sldId id="284" r:id="rId11"/>
-    <p:sldId id="264" r:id="rId12"/>
-    <p:sldId id="269" r:id="rId13"/>
-    <p:sldId id="267" r:id="rId14"/>
-    <p:sldId id="274" r:id="rId15"/>
-    <p:sldId id="266" r:id="rId16"/>
-    <p:sldId id="265" r:id="rId17"/>
-    <p:sldId id="289" r:id="rId18"/>
-    <p:sldId id="303" r:id="rId19"/>
-    <p:sldId id="279" r:id="rId20"/>
-    <p:sldId id="296" r:id="rId21"/>
-    <p:sldId id="304" r:id="rId22"/>
-    <p:sldId id="285" r:id="rId23"/>
-    <p:sldId id="292" r:id="rId24"/>
-    <p:sldId id="305" r:id="rId25"/>
-    <p:sldId id="286" r:id="rId26"/>
-    <p:sldId id="291" r:id="rId27"/>
-    <p:sldId id="293" r:id="rId28"/>
-    <p:sldId id="307" r:id="rId29"/>
-    <p:sldId id="295" r:id="rId30"/>
+    <p:sldId id="288" r:id="rId3"/>
+    <p:sldId id="282" r:id="rId4"/>
+    <p:sldId id="257" r:id="rId5"/>
+    <p:sldId id="280" r:id="rId6"/>
+    <p:sldId id="273" r:id="rId7"/>
+    <p:sldId id="270" r:id="rId8"/>
+    <p:sldId id="299" r:id="rId9"/>
+    <p:sldId id="284" r:id="rId10"/>
+    <p:sldId id="264" r:id="rId11"/>
+    <p:sldId id="269" r:id="rId12"/>
+    <p:sldId id="267" r:id="rId13"/>
+    <p:sldId id="274" r:id="rId14"/>
+    <p:sldId id="266" r:id="rId15"/>
+    <p:sldId id="265" r:id="rId16"/>
+    <p:sldId id="289" r:id="rId17"/>
+    <p:sldId id="303" r:id="rId18"/>
+    <p:sldId id="279" r:id="rId19"/>
+    <p:sldId id="296" r:id="rId20"/>
+    <p:sldId id="304" r:id="rId21"/>
+    <p:sldId id="285" r:id="rId22"/>
+    <p:sldId id="292" r:id="rId23"/>
+    <p:sldId id="305" r:id="rId24"/>
+    <p:sldId id="286" r:id="rId25"/>
+    <p:sldId id="291" r:id="rId26"/>
+    <p:sldId id="293" r:id="rId27"/>
+    <p:sldId id="307" r:id="rId28"/>
+    <p:sldId id="295" r:id="rId29"/>
   </p:sldIdLst>
   <p:sldSz cx="12192000" cy="6858000"/>
   <p:notesSz cx="6858000" cy="9144000"/>
@@ -3953,31 +3952,30 @@
           <a:bodyPr/>
           <a:lstStyle/>
           <a:p>
+            <a:pPr marL="0" marR="0" lvl="0" indent="0" algn="l" defTabSz="914400" rtl="0" eaLnBrk="1" fontAlgn="auto" latinLnBrk="0" hangingPunct="1">
+              <a:lnSpc>
+                <a:spcPct val="100000"/>
+              </a:lnSpc>
+              <a:spcBef>
+                <a:spcPts val="0"/>
+              </a:spcBef>
+              <a:spcAft>
+                <a:spcPts val="0"/>
+              </a:spcAft>
+              <a:buClrTx/>
+              <a:buSzTx/>
+              <a:buFontTx/>
+              <a:buNone/>
+              <a:tabLst/>
+              <a:defRPr/>
+            </a:pPr>
             <a:r>
               <a:rPr kumimoji="1" lang="ja-JP" altLang="en-US" dirty="0"/>
-              <a:t>「きょうから」には、食事記録の機能に加えて、自分の写真をアップロードできる機能があります。</a:t>
-            </a:r>
-            <a:endParaRPr kumimoji="1" lang="en-US" altLang="ja-JP" dirty="0"/>
-          </a:p>
-          <a:p>
-            <a:r>
-              <a:rPr kumimoji="1" lang="ja-JP" altLang="en-US" dirty="0"/>
-              <a:t>その登録した写真をスライドショー形式で確認することで、変化が分かります。</a:t>
-            </a:r>
-            <a:endParaRPr kumimoji="1" lang="en-US" altLang="ja-JP" dirty="0"/>
-          </a:p>
-          <a:p>
-            <a:r>
-              <a:rPr kumimoji="1" lang="ja-JP" altLang="en-US" dirty="0"/>
-              <a:t>また、グラフが動的に表示されるため、変化が可視化されます。</a:t>
-            </a:r>
-            <a:endParaRPr kumimoji="1" lang="en-US" altLang="ja-JP" dirty="0"/>
-          </a:p>
-          <a:p>
-            <a:r>
-              <a:rPr kumimoji="1" lang="ja-JP" altLang="en-US" dirty="0"/>
-              <a:t>これらの機能によって、モチベーションの維持につながると考えられます。</a:t>
-            </a:r>
+              <a:t>２つ目、「意識が変わる」についてです。</a:t>
+            </a:r>
+          </a:p>
+          <a:p>
+            <a:endParaRPr kumimoji="1" lang="ja-JP" altLang="en-US" dirty="0"/>
           </a:p>
         </p:txBody>
       </p:sp>
@@ -4007,7 +4005,7 @@
     </p:spTree>
     <p:extLst>
       <p:ext uri="{BB962C8B-B14F-4D97-AF65-F5344CB8AC3E}">
-        <p14:creationId xmlns:p14="http://schemas.microsoft.com/office/powerpoint/2010/main" val="2337115857"/>
+        <p14:creationId xmlns:p14="http://schemas.microsoft.com/office/powerpoint/2010/main" val="1302370530"/>
       </p:ext>
     </p:extLst>
   </p:cSld>
@@ -4061,30 +4059,46 @@
           <a:bodyPr/>
           <a:lstStyle/>
           <a:p>
-            <a:pPr marL="0" marR="0" lvl="0" indent="0" algn="l" defTabSz="914400" rtl="0" eaLnBrk="1" fontAlgn="auto" latinLnBrk="0" hangingPunct="1">
-              <a:lnSpc>
-                <a:spcPct val="100000"/>
-              </a:lnSpc>
-              <a:spcBef>
-                <a:spcPts val="0"/>
-              </a:spcBef>
-              <a:spcAft>
-                <a:spcPts val="0"/>
-              </a:spcAft>
-              <a:buClrTx/>
-              <a:buSzTx/>
-              <a:buFontTx/>
-              <a:buNone/>
-              <a:tabLst/>
-              <a:defRPr/>
-            </a:pPr>
             <a:r>
               <a:rPr kumimoji="1" lang="ja-JP" altLang="en-US" dirty="0"/>
-              <a:t>２つ目、「意識が変わる」についてです。</a:t>
-            </a:r>
-          </a:p>
-          <a:p>
-            <a:endParaRPr kumimoji="1" lang="ja-JP" altLang="en-US" dirty="0"/>
+              <a:t>「きょうから」の食事記録には、制限や縛りがなく、食事についてざっくりと記録する設定になっています。</a:t>
+            </a:r>
+            <a:endParaRPr kumimoji="1" lang="en-US" altLang="ja-JP" dirty="0"/>
+          </a:p>
+          <a:p>
+            <a:r>
+              <a:rPr kumimoji="1" lang="ja-JP" altLang="en-US" dirty="0"/>
+              <a:t>記録することで、自分の食事の傾向を再発見してもらうためです。</a:t>
+            </a:r>
+            <a:endParaRPr kumimoji="1" lang="en-US" altLang="ja-JP" dirty="0"/>
+          </a:p>
+          <a:p>
+            <a:r>
+              <a:rPr kumimoji="1" lang="ja-JP" altLang="en-US" dirty="0"/>
+              <a:t>飲酒・運動についても、あり</a:t>
+            </a:r>
+            <a:r>
+              <a:rPr kumimoji="1" lang="en-US" altLang="ja-JP" dirty="0"/>
+              <a:t>/</a:t>
+            </a:r>
+            <a:r>
+              <a:rPr kumimoji="1" lang="ja-JP" altLang="en-US" dirty="0"/>
+              <a:t>なしのみの記録になっています。少しの散歩でも記録しておくことで、達成感を持てるようにしました。</a:t>
+            </a:r>
+            <a:endParaRPr kumimoji="1" lang="en-US" altLang="ja-JP" dirty="0"/>
+          </a:p>
+          <a:p>
+            <a:endParaRPr kumimoji="1" lang="en-US" altLang="ja-JP" dirty="0"/>
+          </a:p>
+          <a:p>
+            <a:r>
+              <a:rPr kumimoji="1" lang="ja-JP" altLang="en-US" dirty="0"/>
+              <a:t>また、ログイン後の画面の上部には、設定した目標体重が表示されます。これによって、目標体重を常に意識することができます。</a:t>
+            </a:r>
+            <a:endParaRPr kumimoji="1" lang="en-US" altLang="ja-JP" dirty="0"/>
+          </a:p>
+          <a:p>
+            <a:endParaRPr kumimoji="1" lang="en-US" altLang="ja-JP" dirty="0"/>
           </a:p>
         </p:txBody>
       </p:sp>
@@ -4114,7 +4128,7 @@
     </p:spTree>
     <p:extLst>
       <p:ext uri="{BB962C8B-B14F-4D97-AF65-F5344CB8AC3E}">
-        <p14:creationId xmlns:p14="http://schemas.microsoft.com/office/powerpoint/2010/main" val="1302370530"/>
+        <p14:creationId xmlns:p14="http://schemas.microsoft.com/office/powerpoint/2010/main" val="1290740861"/>
       </p:ext>
     </p:extLst>
   </p:cSld>
@@ -4168,46 +4182,30 @@
           <a:bodyPr/>
           <a:lstStyle/>
           <a:p>
+            <a:pPr marL="0" marR="0" lvl="0" indent="0" algn="l" defTabSz="914400" rtl="0" eaLnBrk="1" fontAlgn="auto" latinLnBrk="0" hangingPunct="1">
+              <a:lnSpc>
+                <a:spcPct val="100000"/>
+              </a:lnSpc>
+              <a:spcBef>
+                <a:spcPts val="0"/>
+              </a:spcBef>
+              <a:spcAft>
+                <a:spcPts val="0"/>
+              </a:spcAft>
+              <a:buClrTx/>
+              <a:buSzTx/>
+              <a:buFontTx/>
+              <a:buNone/>
+              <a:tabLst/>
+              <a:defRPr/>
+            </a:pPr>
             <a:r>
               <a:rPr kumimoji="1" lang="ja-JP" altLang="en-US" dirty="0"/>
-              <a:t>「きょうから」の食事記録には、制限や縛りがなく、食事についてざっくりと記録する設定になっています。</a:t>
-            </a:r>
-            <a:endParaRPr kumimoji="1" lang="en-US" altLang="ja-JP" dirty="0"/>
-          </a:p>
-          <a:p>
-            <a:r>
-              <a:rPr kumimoji="1" lang="ja-JP" altLang="en-US" dirty="0"/>
-              <a:t>記録することで、自分の食事の傾向を再発見してもらうためです。</a:t>
-            </a:r>
-            <a:endParaRPr kumimoji="1" lang="en-US" altLang="ja-JP" dirty="0"/>
-          </a:p>
-          <a:p>
-            <a:r>
-              <a:rPr kumimoji="1" lang="ja-JP" altLang="en-US" dirty="0"/>
-              <a:t>飲酒・運動についても、あり</a:t>
-            </a:r>
-            <a:r>
-              <a:rPr kumimoji="1" lang="en-US" altLang="ja-JP" dirty="0"/>
-              <a:t>/</a:t>
-            </a:r>
-            <a:r>
-              <a:rPr kumimoji="1" lang="ja-JP" altLang="en-US" dirty="0"/>
-              <a:t>なしのみの記録になっています。少しの散歩でも記録しておくことで、達成感を持てるようにしました。</a:t>
-            </a:r>
-            <a:endParaRPr kumimoji="1" lang="en-US" altLang="ja-JP" dirty="0"/>
-          </a:p>
-          <a:p>
-            <a:endParaRPr kumimoji="1" lang="en-US" altLang="ja-JP" dirty="0"/>
-          </a:p>
-          <a:p>
-            <a:r>
-              <a:rPr kumimoji="1" lang="ja-JP" altLang="en-US" dirty="0"/>
-              <a:t>また、ログイン後の画面の上部には、設定した目標体重が表示されます。これによって、目標体重を常に意識することができます。</a:t>
-            </a:r>
-            <a:endParaRPr kumimoji="1" lang="en-US" altLang="ja-JP" dirty="0"/>
-          </a:p>
-          <a:p>
-            <a:endParaRPr kumimoji="1" lang="en-US" altLang="ja-JP" dirty="0"/>
+              <a:t>３つ目、「交流できる」についてです。</a:t>
+            </a:r>
+          </a:p>
+          <a:p>
+            <a:endParaRPr kumimoji="1" lang="ja-JP" altLang="en-US" dirty="0"/>
           </a:p>
         </p:txBody>
       </p:sp>
@@ -4237,7 +4235,7 @@
     </p:spTree>
     <p:extLst>
       <p:ext uri="{BB962C8B-B14F-4D97-AF65-F5344CB8AC3E}">
-        <p14:creationId xmlns:p14="http://schemas.microsoft.com/office/powerpoint/2010/main" val="1290740861"/>
+        <p14:creationId xmlns:p14="http://schemas.microsoft.com/office/powerpoint/2010/main" val="2435509904"/>
       </p:ext>
     </p:extLst>
   </p:cSld>
@@ -4291,30 +4289,18 @@
           <a:bodyPr/>
           <a:lstStyle/>
           <a:p>
-            <a:pPr marL="0" marR="0" lvl="0" indent="0" algn="l" defTabSz="914400" rtl="0" eaLnBrk="1" fontAlgn="auto" latinLnBrk="0" hangingPunct="1">
-              <a:lnSpc>
-                <a:spcPct val="100000"/>
-              </a:lnSpc>
-              <a:spcBef>
-                <a:spcPts val="0"/>
-              </a:spcBef>
-              <a:spcAft>
-                <a:spcPts val="0"/>
-              </a:spcAft>
-              <a:buClrTx/>
-              <a:buSzTx/>
-              <a:buFontTx/>
-              <a:buNone/>
-              <a:tabLst/>
-              <a:defRPr/>
-            </a:pPr>
             <a:r>
               <a:rPr kumimoji="1" lang="ja-JP" altLang="en-US" dirty="0"/>
-              <a:t>３つ目、「交流できる」についてです。</a:t>
-            </a:r>
-          </a:p>
-          <a:p>
-            <a:endParaRPr kumimoji="1" lang="ja-JP" altLang="en-US" dirty="0"/>
+              <a:t>「きょうから」には、交流できる場として、匿名掲示板があります。アカウントがあれば、掲示板への閲覧・書き込みが可能です。</a:t>
+            </a:r>
+            <a:endParaRPr kumimoji="1" lang="en-US" altLang="ja-JP" dirty="0"/>
+          </a:p>
+          <a:p>
+            <a:r>
+              <a:rPr kumimoji="1" lang="ja-JP" altLang="en-US" dirty="0"/>
+              <a:t>また、掲示板から、他ユーザの情報が閲覧できます。この機能によっていい刺激を受けたり、今後の参考にすることができます。</a:t>
+            </a:r>
+            <a:endParaRPr kumimoji="1" lang="en-US" altLang="ja-JP" dirty="0"/>
           </a:p>
         </p:txBody>
       </p:sp>
@@ -4344,7 +4330,7 @@
     </p:spTree>
     <p:extLst>
       <p:ext uri="{BB962C8B-B14F-4D97-AF65-F5344CB8AC3E}">
-        <p14:creationId xmlns:p14="http://schemas.microsoft.com/office/powerpoint/2010/main" val="2435509904"/>
+        <p14:creationId xmlns:p14="http://schemas.microsoft.com/office/powerpoint/2010/main" val="1376702108"/>
       </p:ext>
     </p:extLst>
   </p:cSld>
@@ -4398,18 +4384,10 @@
           <a:bodyPr/>
           <a:lstStyle/>
           <a:p>
-            <a:r>
-              <a:rPr kumimoji="1" lang="ja-JP" altLang="en-US" dirty="0"/>
-              <a:t>「きょうから」には、交流できる場として、匿名掲示板があります。アカウントがあれば、掲示板への閲覧・書き込みが可能です。</a:t>
-            </a:r>
-            <a:endParaRPr kumimoji="1" lang="en-US" altLang="ja-JP" dirty="0"/>
-          </a:p>
-          <a:p>
-            <a:r>
-              <a:rPr kumimoji="1" lang="ja-JP" altLang="en-US" dirty="0"/>
-              <a:t>また、掲示板から、他ユーザの情報が閲覧できます。この機能によっていい刺激を受けたり、今後の参考にすることができます。</a:t>
-            </a:r>
-            <a:endParaRPr kumimoji="1" lang="en-US" altLang="ja-JP" dirty="0"/>
+            <a:pPr marL="0" indent="0">
+              <a:buNone/>
+            </a:pPr>
+            <a:endParaRPr kumimoji="1" lang="ja-JP" altLang="en-US" dirty="0"/>
           </a:p>
         </p:txBody>
       </p:sp>
@@ -4439,7 +4417,7 @@
     </p:spTree>
     <p:extLst>
       <p:ext uri="{BB962C8B-B14F-4D97-AF65-F5344CB8AC3E}">
-        <p14:creationId xmlns:p14="http://schemas.microsoft.com/office/powerpoint/2010/main" val="1376702108"/>
+        <p14:creationId xmlns:p14="http://schemas.microsoft.com/office/powerpoint/2010/main" val="2449209433"/>
       </p:ext>
     </p:extLst>
   </p:cSld>
@@ -4493,10 +4471,11 @@
           <a:bodyPr/>
           <a:lstStyle/>
           <a:p>
-            <a:pPr marL="0" indent="0">
-              <a:buNone/>
-            </a:pPr>
-            <a:endParaRPr kumimoji="1" lang="ja-JP" altLang="en-US" dirty="0"/>
+            <a:r>
+              <a:rPr kumimoji="1" lang="ja-JP" altLang="en-US" dirty="0"/>
+              <a:t>もういちど、ダイエットのハードルを思い出してみましょう。</a:t>
+            </a:r>
+            <a:endParaRPr kumimoji="1" lang="en-US" altLang="ja-JP" b="0" dirty="0"/>
           </a:p>
         </p:txBody>
       </p:sp>
@@ -4526,7 +4505,7 @@
     </p:spTree>
     <p:extLst>
       <p:ext uri="{BB962C8B-B14F-4D97-AF65-F5344CB8AC3E}">
-        <p14:creationId xmlns:p14="http://schemas.microsoft.com/office/powerpoint/2010/main" val="2449209433"/>
+        <p14:creationId xmlns:p14="http://schemas.microsoft.com/office/powerpoint/2010/main" val="933163988"/>
       </p:ext>
     </p:extLst>
   </p:cSld>
@@ -4580,11 +4559,9 @@
           <a:bodyPr/>
           <a:lstStyle/>
           <a:p>
-            <a:r>
-              <a:rPr kumimoji="1" lang="ja-JP" altLang="en-US" dirty="0"/>
-              <a:t>もういちど、ダイエットのハードルを思い出してみましょう。</a:t>
-            </a:r>
-            <a:endParaRPr kumimoji="1" lang="en-US" altLang="ja-JP" b="0" dirty="0"/>
+            <a:endParaRPr lang="en-US" altLang="ja-JP" sz="1200" b="0" dirty="0">
+              <a:latin typeface="+mn-ea"/>
+            </a:endParaRPr>
           </a:p>
         </p:txBody>
       </p:sp>
@@ -4614,7 +4591,7 @@
     </p:spTree>
     <p:extLst>
       <p:ext uri="{BB962C8B-B14F-4D97-AF65-F5344CB8AC3E}">
-        <p14:creationId xmlns:p14="http://schemas.microsoft.com/office/powerpoint/2010/main" val="933163988"/>
+        <p14:creationId xmlns:p14="http://schemas.microsoft.com/office/powerpoint/2010/main" val="1952297387"/>
       </p:ext>
     </p:extLst>
   </p:cSld>
@@ -4668,7 +4645,509 @@
           <a:bodyPr/>
           <a:lstStyle/>
           <a:p>
-            <a:endParaRPr lang="en-US" altLang="ja-JP" sz="1200" b="0" dirty="0">
+            <a:r>
+              <a:rPr kumimoji="1" lang="en-US" altLang="ja-JP" dirty="0">
+                <a:latin typeface="+mn-ea"/>
+              </a:rPr>
+              <a:t>1</a:t>
+            </a:r>
+            <a:r>
+              <a:rPr kumimoji="1" lang="ja-JP" altLang="en-US" dirty="0">
+                <a:latin typeface="+mn-ea"/>
+              </a:rPr>
+              <a:t>日</a:t>
+            </a:r>
+            <a:r>
+              <a:rPr kumimoji="1" lang="en-US" altLang="ja-JP" dirty="0">
+                <a:latin typeface="+mn-ea"/>
+              </a:rPr>
+              <a:t>1</a:t>
+            </a:r>
+            <a:r>
+              <a:rPr kumimoji="1" lang="ja-JP" altLang="en-US" dirty="0">
+                <a:latin typeface="+mn-ea"/>
+              </a:rPr>
+              <a:t>回の登録で</a:t>
+            </a:r>
+            <a:r>
+              <a:rPr kumimoji="1" lang="en-US" altLang="ja-JP" dirty="0">
+                <a:latin typeface="+mn-ea"/>
+              </a:rPr>
+              <a:t>1</a:t>
+            </a:r>
+            <a:r>
+              <a:rPr kumimoji="1" lang="ja-JP" altLang="en-US" dirty="0">
+                <a:latin typeface="+mn-ea"/>
+              </a:rPr>
+              <a:t>ポイント増加する</a:t>
+            </a:r>
+            <a:endParaRPr kumimoji="1" lang="en-US" altLang="ja-JP" dirty="0">
+              <a:latin typeface="+mn-ea"/>
+            </a:endParaRPr>
+          </a:p>
+          <a:p>
+            <a:pPr marL="0" indent="0">
+              <a:buNone/>
+            </a:pPr>
+            <a:r>
+              <a:rPr kumimoji="1" lang="en-US" altLang="ja-JP" dirty="0">
+                <a:latin typeface="+mn-ea"/>
+              </a:rPr>
+              <a:t>AM3:00</a:t>
+            </a:r>
+            <a:r>
+              <a:rPr kumimoji="1" lang="ja-JP" altLang="en-US" dirty="0">
+                <a:latin typeface="+mn-ea"/>
+              </a:rPr>
+              <a:t>の更新時にランクアップが行われる</a:t>
+            </a:r>
+          </a:p>
+          <a:p>
+            <a:r>
+              <a:rPr kumimoji="1" lang="en-US" altLang="ja-JP" dirty="0">
+                <a:latin typeface="+mn-ea"/>
+              </a:rPr>
+              <a:t>AM3:00</a:t>
+            </a:r>
+            <a:r>
+              <a:rPr kumimoji="1" lang="ja-JP" altLang="en-US" dirty="0">
+                <a:latin typeface="+mn-ea"/>
+              </a:rPr>
+              <a:t>までに登録しなければ</a:t>
+            </a:r>
+            <a:r>
+              <a:rPr kumimoji="1" lang="en-US" altLang="ja-JP" dirty="0">
+                <a:latin typeface="+mn-ea"/>
+              </a:rPr>
+              <a:t>3</a:t>
+            </a:r>
+            <a:r>
+              <a:rPr kumimoji="1" lang="ja-JP" altLang="en-US" dirty="0">
+                <a:latin typeface="+mn-ea"/>
+              </a:rPr>
+              <a:t>ポイント減少する</a:t>
+            </a:r>
+            <a:endParaRPr kumimoji="1" lang="en-US" altLang="ja-JP" dirty="0">
+              <a:latin typeface="+mn-ea"/>
+            </a:endParaRPr>
+          </a:p>
+          <a:p>
+            <a:r>
+              <a:rPr lang="ja-JP" altLang="en-US" b="0" i="0" u="none" strike="noStrike" dirty="0">
+                <a:solidFill>
+                  <a:srgbClr val="000000"/>
+                </a:solidFill>
+                <a:effectLst/>
+                <a:latin typeface="+mn-ea"/>
+              </a:rPr>
+              <a:t>ランクごとに称号を付与する</a:t>
+            </a:r>
+            <a:r>
+              <a:rPr lang="en-US" altLang="ja-JP" b="0" i="0" u="none" strike="noStrike" dirty="0">
+                <a:solidFill>
+                  <a:srgbClr val="000000"/>
+                </a:solidFill>
+                <a:effectLst/>
+                <a:latin typeface="+mn-ea"/>
+              </a:rPr>
+              <a:t>(6</a:t>
+            </a:r>
+            <a:r>
+              <a:rPr lang="ja-JP" altLang="en-US" b="0" i="0" u="none" strike="noStrike" dirty="0">
+                <a:solidFill>
+                  <a:srgbClr val="000000"/>
+                </a:solidFill>
+                <a:effectLst/>
+                <a:latin typeface="+mn-ea"/>
+              </a:rPr>
+              <a:t>段階</a:t>
+            </a:r>
+            <a:r>
+              <a:rPr lang="en-US" altLang="ja-JP" b="0" i="0" u="none" strike="noStrike" dirty="0">
+                <a:solidFill>
+                  <a:srgbClr val="000000"/>
+                </a:solidFill>
+                <a:effectLst/>
+                <a:latin typeface="+mn-ea"/>
+              </a:rPr>
+              <a:t>)</a:t>
+            </a:r>
+            <a:br>
+              <a:rPr lang="en-US" altLang="ja-JP" b="0" i="0" u="none" strike="noStrike" dirty="0">
+                <a:solidFill>
+                  <a:srgbClr val="000000"/>
+                </a:solidFill>
+                <a:effectLst/>
+                <a:latin typeface="+mn-ea"/>
+              </a:rPr>
+            </a:br>
+            <a:r>
+              <a:rPr lang="en-US" altLang="ja-JP" b="0" i="0" u="none" strike="noStrike" dirty="0">
+                <a:solidFill>
+                  <a:srgbClr val="000000"/>
+                </a:solidFill>
+                <a:effectLst/>
+                <a:latin typeface="+mn-ea"/>
+              </a:rPr>
+              <a:t>3</a:t>
+            </a:r>
+            <a:r>
+              <a:rPr lang="ja-JP" altLang="en-US" b="0" i="0" u="none" strike="noStrike" dirty="0">
+                <a:solidFill>
+                  <a:srgbClr val="000000"/>
+                </a:solidFill>
+                <a:effectLst/>
+                <a:latin typeface="+mn-ea"/>
+              </a:rPr>
+              <a:t>か月</a:t>
+            </a:r>
+            <a:r>
+              <a:rPr lang="en-US" altLang="ja-JP" b="0" i="0" u="none" strike="noStrike" dirty="0">
+                <a:solidFill>
+                  <a:srgbClr val="000000"/>
+                </a:solidFill>
+                <a:effectLst/>
+                <a:latin typeface="+mn-ea"/>
+              </a:rPr>
+              <a:t>(90</a:t>
+            </a:r>
+            <a:r>
+              <a:rPr lang="ja-JP" altLang="en-US" b="0" i="0" u="none" strike="noStrike" dirty="0">
+                <a:solidFill>
+                  <a:srgbClr val="000000"/>
+                </a:solidFill>
+                <a:effectLst/>
+                <a:latin typeface="+mn-ea"/>
+              </a:rPr>
+              <a:t>日</a:t>
+            </a:r>
+            <a:r>
+              <a:rPr lang="en-US" altLang="ja-JP" b="0" i="0" u="none" strike="noStrike" dirty="0">
+                <a:solidFill>
+                  <a:srgbClr val="000000"/>
+                </a:solidFill>
+                <a:effectLst/>
+                <a:latin typeface="+mn-ea"/>
+              </a:rPr>
+              <a:t>)</a:t>
+            </a:r>
+            <a:br>
+              <a:rPr lang="en-US" altLang="ja-JP" b="0" i="0" u="none" strike="noStrike" dirty="0">
+                <a:solidFill>
+                  <a:srgbClr val="000000"/>
+                </a:solidFill>
+                <a:effectLst/>
+                <a:latin typeface="+mn-ea"/>
+              </a:rPr>
+            </a:br>
+            <a:r>
+              <a:rPr lang="ja-JP" altLang="en-US" b="0" i="0" u="none" strike="noStrike" dirty="0">
+                <a:solidFill>
+                  <a:srgbClr val="000000"/>
+                </a:solidFill>
+                <a:effectLst/>
+                <a:latin typeface="+mn-ea"/>
+              </a:rPr>
+              <a:t>「怠惰</a:t>
+            </a:r>
+            <a:r>
+              <a:rPr lang="en-US" altLang="ja-JP" b="0" i="0" u="none" strike="noStrike" dirty="0">
+                <a:solidFill>
+                  <a:srgbClr val="000000"/>
+                </a:solidFill>
+                <a:effectLst/>
+                <a:latin typeface="+mn-ea"/>
+              </a:rPr>
+              <a:t>(0</a:t>
+            </a:r>
+            <a:r>
+              <a:rPr lang="ja-JP" altLang="en-US" b="0" i="0" u="none" strike="noStrike" dirty="0">
+                <a:solidFill>
+                  <a:srgbClr val="000000"/>
+                </a:solidFill>
+                <a:effectLst/>
+                <a:latin typeface="+mn-ea"/>
+              </a:rPr>
+              <a:t>ポイント</a:t>
+            </a:r>
+            <a:r>
+              <a:rPr lang="en-US" altLang="ja-JP" b="0" i="0" u="none" strike="noStrike" dirty="0">
+                <a:solidFill>
+                  <a:srgbClr val="000000"/>
+                </a:solidFill>
+                <a:effectLst/>
+                <a:latin typeface="+mn-ea"/>
+              </a:rPr>
+              <a:t>)</a:t>
+            </a:r>
+            <a:r>
+              <a:rPr lang="ja-JP" altLang="en-US" b="0" i="0" u="none" strike="noStrike" dirty="0">
+                <a:solidFill>
+                  <a:srgbClr val="000000"/>
+                </a:solidFill>
+                <a:effectLst/>
+                <a:latin typeface="+mn-ea"/>
+              </a:rPr>
+              <a:t>、怠け者</a:t>
+            </a:r>
+            <a:r>
+              <a:rPr lang="en-US" altLang="ja-JP" b="0" i="0" u="none" strike="noStrike" dirty="0">
+                <a:solidFill>
+                  <a:srgbClr val="000000"/>
+                </a:solidFill>
+                <a:effectLst/>
+                <a:latin typeface="+mn-ea"/>
+              </a:rPr>
+              <a:t>(4</a:t>
+            </a:r>
+            <a:r>
+              <a:rPr lang="ja-JP" altLang="en-US" b="0" i="0" u="none" strike="noStrike" dirty="0">
+                <a:solidFill>
+                  <a:srgbClr val="000000"/>
+                </a:solidFill>
+                <a:effectLst/>
+                <a:latin typeface="+mn-ea"/>
+              </a:rPr>
+              <a:t>ポイント</a:t>
+            </a:r>
+            <a:r>
+              <a:rPr lang="en-US" altLang="ja-JP" b="0" i="0" u="none" strike="noStrike" dirty="0">
+                <a:solidFill>
+                  <a:srgbClr val="000000"/>
+                </a:solidFill>
+                <a:effectLst/>
+                <a:latin typeface="+mn-ea"/>
+              </a:rPr>
+              <a:t>)</a:t>
+            </a:r>
+            <a:r>
+              <a:rPr lang="ja-JP" altLang="en-US" b="0" i="0" u="none" strike="noStrike" dirty="0">
+                <a:solidFill>
+                  <a:srgbClr val="000000"/>
+                </a:solidFill>
+                <a:effectLst/>
+                <a:latin typeface="+mn-ea"/>
+              </a:rPr>
+              <a:t>、一般人</a:t>
+            </a:r>
+            <a:r>
+              <a:rPr lang="en-US" altLang="ja-JP" b="0" i="0" u="none" strike="noStrike" dirty="0">
+                <a:solidFill>
+                  <a:srgbClr val="000000"/>
+                </a:solidFill>
+                <a:effectLst/>
+                <a:latin typeface="+mn-ea"/>
+              </a:rPr>
+              <a:t>(14</a:t>
+            </a:r>
+            <a:r>
+              <a:rPr lang="ja-JP" altLang="en-US" b="0" i="0" u="none" strike="noStrike" dirty="0">
+                <a:solidFill>
+                  <a:srgbClr val="000000"/>
+                </a:solidFill>
+                <a:effectLst/>
+                <a:latin typeface="+mn-ea"/>
+              </a:rPr>
+              <a:t>ポイント</a:t>
+            </a:r>
+            <a:r>
+              <a:rPr lang="en-US" altLang="ja-JP" b="0" i="0" u="none" strike="noStrike" dirty="0">
+                <a:solidFill>
+                  <a:srgbClr val="000000"/>
+                </a:solidFill>
+                <a:effectLst/>
+                <a:latin typeface="+mn-ea"/>
+              </a:rPr>
+              <a:t>)</a:t>
+            </a:r>
+            <a:r>
+              <a:rPr lang="ja-JP" altLang="en-US" b="0" i="0" u="none" strike="noStrike" dirty="0">
+                <a:solidFill>
+                  <a:srgbClr val="000000"/>
+                </a:solidFill>
+                <a:effectLst/>
+                <a:latin typeface="+mn-ea"/>
+              </a:rPr>
+              <a:t>、エリート</a:t>
+            </a:r>
+            <a:r>
+              <a:rPr lang="en-US" altLang="ja-JP" b="0" i="0" u="none" strike="noStrike" dirty="0">
+                <a:solidFill>
+                  <a:srgbClr val="000000"/>
+                </a:solidFill>
+                <a:effectLst/>
+                <a:latin typeface="+mn-ea"/>
+              </a:rPr>
+              <a:t>(28</a:t>
+            </a:r>
+            <a:r>
+              <a:rPr lang="ja-JP" altLang="en-US" b="0" i="0" u="none" strike="noStrike" dirty="0">
+                <a:solidFill>
+                  <a:srgbClr val="000000"/>
+                </a:solidFill>
+                <a:effectLst/>
+                <a:latin typeface="+mn-ea"/>
+              </a:rPr>
+              <a:t>ポイント</a:t>
+            </a:r>
+            <a:r>
+              <a:rPr lang="en-US" altLang="ja-JP" b="0" i="0" u="none" strike="noStrike" dirty="0">
+                <a:solidFill>
+                  <a:srgbClr val="000000"/>
+                </a:solidFill>
+                <a:effectLst/>
+                <a:latin typeface="+mn-ea"/>
+              </a:rPr>
+              <a:t>)</a:t>
+            </a:r>
+            <a:r>
+              <a:rPr lang="ja-JP" altLang="en-US" b="0" i="0" u="none" strike="noStrike" dirty="0">
+                <a:solidFill>
+                  <a:srgbClr val="000000"/>
+                </a:solidFill>
+                <a:effectLst/>
+                <a:latin typeface="+mn-ea"/>
+              </a:rPr>
+              <a:t>、プロ</a:t>
+            </a:r>
+            <a:r>
+              <a:rPr lang="en-US" altLang="ja-JP" b="0" i="0" u="none" strike="noStrike" dirty="0">
+                <a:solidFill>
+                  <a:srgbClr val="000000"/>
+                </a:solidFill>
+                <a:effectLst/>
+                <a:latin typeface="+mn-ea"/>
+              </a:rPr>
+              <a:t>(56</a:t>
+            </a:r>
+            <a:r>
+              <a:rPr lang="ja-JP" altLang="en-US" b="0" i="0" u="none" strike="noStrike" dirty="0">
+                <a:solidFill>
+                  <a:srgbClr val="000000"/>
+                </a:solidFill>
+                <a:effectLst/>
+                <a:latin typeface="+mn-ea"/>
+              </a:rPr>
+              <a:t>ポイント</a:t>
+            </a:r>
+            <a:r>
+              <a:rPr lang="en-US" altLang="ja-JP" b="0" i="0" u="none" strike="noStrike" dirty="0">
+                <a:solidFill>
+                  <a:srgbClr val="000000"/>
+                </a:solidFill>
+                <a:effectLst/>
+                <a:latin typeface="+mn-ea"/>
+              </a:rPr>
+              <a:t>)</a:t>
+            </a:r>
+            <a:r>
+              <a:rPr lang="ja-JP" altLang="en-US" b="0" i="0" u="none" strike="noStrike" dirty="0">
+                <a:solidFill>
+                  <a:srgbClr val="000000"/>
+                </a:solidFill>
+                <a:effectLst/>
+                <a:latin typeface="+mn-ea"/>
+              </a:rPr>
+              <a:t>、レジェンド</a:t>
+            </a:r>
+            <a:r>
+              <a:rPr lang="en-US" altLang="ja-JP" b="0" i="0" u="none" strike="noStrike" dirty="0">
+                <a:solidFill>
+                  <a:srgbClr val="000000"/>
+                </a:solidFill>
+                <a:effectLst/>
+                <a:latin typeface="+mn-ea"/>
+              </a:rPr>
+              <a:t>(85</a:t>
+            </a:r>
+            <a:r>
+              <a:rPr lang="ja-JP" altLang="en-US" b="0" i="0" u="none" strike="noStrike" dirty="0">
+                <a:solidFill>
+                  <a:srgbClr val="000000"/>
+                </a:solidFill>
+                <a:effectLst/>
+                <a:latin typeface="+mn-ea"/>
+              </a:rPr>
+              <a:t>ポイント</a:t>
+            </a:r>
+            <a:r>
+              <a:rPr lang="en-US" altLang="ja-JP" b="0" i="0" u="none" strike="noStrike" dirty="0">
+                <a:solidFill>
+                  <a:srgbClr val="000000"/>
+                </a:solidFill>
+                <a:effectLst/>
+                <a:latin typeface="+mn-ea"/>
+              </a:rPr>
+              <a:t>)</a:t>
+            </a:r>
+            <a:r>
+              <a:rPr lang="ja-JP" altLang="en-US" b="0" i="0" u="none" strike="noStrike" dirty="0">
+                <a:solidFill>
+                  <a:srgbClr val="000000"/>
+                </a:solidFill>
+                <a:effectLst/>
+                <a:latin typeface="+mn-ea"/>
+              </a:rPr>
+              <a:t>」</a:t>
+            </a:r>
+            <a:r>
+              <a:rPr lang="ja-JP" altLang="en-US" dirty="0">
+                <a:latin typeface="+mn-ea"/>
+              </a:rPr>
+              <a:t> </a:t>
+            </a:r>
+            <a:endParaRPr lang="en-US" altLang="ja-JP" dirty="0">
+              <a:latin typeface="+mn-ea"/>
+            </a:endParaRPr>
+          </a:p>
+          <a:p>
+            <a:r>
+              <a:rPr lang="en-US" altLang="ja-JP" b="0" i="0" u="none" strike="noStrike" dirty="0">
+                <a:solidFill>
+                  <a:srgbClr val="000000"/>
+                </a:solidFill>
+                <a:effectLst/>
+                <a:latin typeface="+mn-ea"/>
+              </a:rPr>
+              <a:t>1</a:t>
+            </a:r>
+            <a:r>
+              <a:rPr lang="ja-JP" altLang="en-US" b="0" i="0" u="none" strike="noStrike" dirty="0">
+                <a:solidFill>
+                  <a:srgbClr val="000000"/>
+                </a:solidFill>
+                <a:effectLst/>
+                <a:latin typeface="+mn-ea"/>
+              </a:rPr>
+              <a:t>日の</a:t>
+            </a:r>
+            <a:r>
+              <a:rPr lang="en-US" altLang="ja-JP" b="0" i="0" u="none" strike="noStrike" dirty="0">
+                <a:solidFill>
+                  <a:srgbClr val="000000"/>
+                </a:solidFill>
+                <a:effectLst/>
+                <a:latin typeface="+mn-ea"/>
+              </a:rPr>
+              <a:t>AM3:00</a:t>
+            </a:r>
+            <a:r>
+              <a:rPr lang="ja-JP" altLang="en-US" b="0" i="0" u="none" strike="noStrike" dirty="0">
+                <a:solidFill>
+                  <a:srgbClr val="000000"/>
+                </a:solidFill>
+                <a:effectLst/>
+                <a:latin typeface="+mn-ea"/>
+              </a:rPr>
+              <a:t>に一番下のランクにリセットする</a:t>
+            </a:r>
+            <a:r>
+              <a:rPr lang="ja-JP" altLang="en-US" dirty="0">
+                <a:latin typeface="+mn-ea"/>
+              </a:rPr>
+              <a:t> </a:t>
+            </a:r>
+            <a:endParaRPr kumimoji="1" lang="ja-JP" altLang="en-US" dirty="0">
               <a:latin typeface="+mn-ea"/>
             </a:endParaRPr>
           </a:p>
@@ -4700,7 +5179,7 @@
     </p:spTree>
     <p:extLst>
       <p:ext uri="{BB962C8B-B14F-4D97-AF65-F5344CB8AC3E}">
-        <p14:creationId xmlns:p14="http://schemas.microsoft.com/office/powerpoint/2010/main" val="1952297387"/>
+        <p14:creationId xmlns:p14="http://schemas.microsoft.com/office/powerpoint/2010/main" val="1983420909"/>
       </p:ext>
     </p:extLst>
   </p:cSld>
@@ -4754,509 +5233,36 @@
           <a:bodyPr/>
           <a:lstStyle/>
           <a:p>
-            <a:r>
-              <a:rPr kumimoji="1" lang="en-US" altLang="ja-JP" dirty="0">
-                <a:latin typeface="+mn-ea"/>
-              </a:rPr>
-              <a:t>1</a:t>
-            </a:r>
-            <a:r>
-              <a:rPr kumimoji="1" lang="ja-JP" altLang="en-US" dirty="0">
-                <a:latin typeface="+mn-ea"/>
-              </a:rPr>
-              <a:t>日</a:t>
-            </a:r>
-            <a:r>
-              <a:rPr kumimoji="1" lang="en-US" altLang="ja-JP" dirty="0">
-                <a:latin typeface="+mn-ea"/>
-              </a:rPr>
-              <a:t>1</a:t>
-            </a:r>
-            <a:r>
-              <a:rPr kumimoji="1" lang="ja-JP" altLang="en-US" dirty="0">
-                <a:latin typeface="+mn-ea"/>
-              </a:rPr>
-              <a:t>回の登録で</a:t>
-            </a:r>
-            <a:r>
-              <a:rPr kumimoji="1" lang="en-US" altLang="ja-JP" dirty="0">
-                <a:latin typeface="+mn-ea"/>
-              </a:rPr>
-              <a:t>1</a:t>
-            </a:r>
-            <a:r>
-              <a:rPr kumimoji="1" lang="ja-JP" altLang="en-US" dirty="0">
-                <a:latin typeface="+mn-ea"/>
-              </a:rPr>
-              <a:t>ポイント増加する</a:t>
-            </a:r>
-            <a:endParaRPr kumimoji="1" lang="en-US" altLang="ja-JP" dirty="0">
-              <a:latin typeface="+mn-ea"/>
-            </a:endParaRPr>
-          </a:p>
-          <a:p>
             <a:pPr marL="0" indent="0">
               <a:buNone/>
             </a:pPr>
             <a:r>
-              <a:rPr kumimoji="1" lang="en-US" altLang="ja-JP" dirty="0">
-                <a:latin typeface="+mn-ea"/>
-              </a:rPr>
-              <a:t>AM3:00</a:t>
-            </a:r>
-            <a:r>
-              <a:rPr kumimoji="1" lang="ja-JP" altLang="en-US" dirty="0">
-                <a:latin typeface="+mn-ea"/>
-              </a:rPr>
-              <a:t>の更新時にランクアップが行われる</a:t>
-            </a:r>
-          </a:p>
-          <a:p>
-            <a:r>
-              <a:rPr kumimoji="1" lang="en-US" altLang="ja-JP" dirty="0">
-                <a:latin typeface="+mn-ea"/>
-              </a:rPr>
-              <a:t>AM3:00</a:t>
-            </a:r>
-            <a:r>
-              <a:rPr kumimoji="1" lang="ja-JP" altLang="en-US" dirty="0">
-                <a:latin typeface="+mn-ea"/>
-              </a:rPr>
-              <a:t>までに登録しなければ</a:t>
-            </a:r>
-            <a:r>
-              <a:rPr kumimoji="1" lang="en-US" altLang="ja-JP" dirty="0">
-                <a:latin typeface="+mn-ea"/>
-              </a:rPr>
-              <a:t>3</a:t>
-            </a:r>
-            <a:r>
-              <a:rPr kumimoji="1" lang="ja-JP" altLang="en-US" dirty="0">
-                <a:latin typeface="+mn-ea"/>
-              </a:rPr>
-              <a:t>ポイント減少する</a:t>
-            </a:r>
-            <a:endParaRPr kumimoji="1" lang="en-US" altLang="ja-JP" dirty="0">
-              <a:latin typeface="+mn-ea"/>
-            </a:endParaRPr>
-          </a:p>
-          <a:p>
-            <a:r>
-              <a:rPr lang="ja-JP" altLang="en-US" b="0" i="0" u="none" strike="noStrike" dirty="0">
-                <a:solidFill>
-                  <a:srgbClr val="000000"/>
-                </a:solidFill>
-                <a:effectLst/>
-                <a:latin typeface="+mn-ea"/>
-              </a:rPr>
-              <a:t>ランクごとに称号を付与する</a:t>
-            </a:r>
-            <a:r>
-              <a:rPr lang="en-US" altLang="ja-JP" b="0" i="0" u="none" strike="noStrike" dirty="0">
-                <a:solidFill>
-                  <a:srgbClr val="000000"/>
-                </a:solidFill>
-                <a:effectLst/>
-                <a:latin typeface="+mn-ea"/>
-              </a:rPr>
-              <a:t>(6</a:t>
-            </a:r>
-            <a:r>
-              <a:rPr lang="ja-JP" altLang="en-US" b="0" i="0" u="none" strike="noStrike" dirty="0">
-                <a:solidFill>
-                  <a:srgbClr val="000000"/>
-                </a:solidFill>
-                <a:effectLst/>
-                <a:latin typeface="+mn-ea"/>
-              </a:rPr>
-              <a:t>段階</a:t>
-            </a:r>
-            <a:r>
-              <a:rPr lang="en-US" altLang="ja-JP" b="0" i="0" u="none" strike="noStrike" dirty="0">
-                <a:solidFill>
-                  <a:srgbClr val="000000"/>
-                </a:solidFill>
-                <a:effectLst/>
-                <a:latin typeface="+mn-ea"/>
-              </a:rPr>
-              <a:t>)</a:t>
-            </a:r>
-            <a:br>
-              <a:rPr lang="en-US" altLang="ja-JP" b="0" i="0" u="none" strike="noStrike" dirty="0">
-                <a:solidFill>
-                  <a:srgbClr val="000000"/>
-                </a:solidFill>
-                <a:effectLst/>
-                <a:latin typeface="+mn-ea"/>
-              </a:rPr>
-            </a:br>
-            <a:r>
-              <a:rPr lang="en-US" altLang="ja-JP" b="0" i="0" u="none" strike="noStrike" dirty="0">
-                <a:solidFill>
-                  <a:srgbClr val="000000"/>
-                </a:solidFill>
-                <a:effectLst/>
-                <a:latin typeface="+mn-ea"/>
-              </a:rPr>
-              <a:t>3</a:t>
-            </a:r>
-            <a:r>
-              <a:rPr lang="ja-JP" altLang="en-US" b="0" i="0" u="none" strike="noStrike" dirty="0">
-                <a:solidFill>
-                  <a:srgbClr val="000000"/>
-                </a:solidFill>
-                <a:effectLst/>
-                <a:latin typeface="+mn-ea"/>
-              </a:rPr>
-              <a:t>か月</a:t>
-            </a:r>
-            <a:r>
-              <a:rPr lang="en-US" altLang="ja-JP" b="0" i="0" u="none" strike="noStrike" dirty="0">
-                <a:solidFill>
-                  <a:srgbClr val="000000"/>
-                </a:solidFill>
-                <a:effectLst/>
-                <a:latin typeface="+mn-ea"/>
-              </a:rPr>
-              <a:t>(90</a:t>
-            </a:r>
-            <a:r>
-              <a:rPr lang="ja-JP" altLang="en-US" b="0" i="0" u="none" strike="noStrike" dirty="0">
-                <a:solidFill>
-                  <a:srgbClr val="000000"/>
-                </a:solidFill>
-                <a:effectLst/>
-                <a:latin typeface="+mn-ea"/>
-              </a:rPr>
-              <a:t>日</a:t>
-            </a:r>
-            <a:r>
-              <a:rPr lang="en-US" altLang="ja-JP" b="0" i="0" u="none" strike="noStrike" dirty="0">
-                <a:solidFill>
-                  <a:srgbClr val="000000"/>
-                </a:solidFill>
-                <a:effectLst/>
-                <a:latin typeface="+mn-ea"/>
-              </a:rPr>
-              <a:t>)</a:t>
-            </a:r>
-            <a:br>
-              <a:rPr lang="en-US" altLang="ja-JP" b="0" i="0" u="none" strike="noStrike" dirty="0">
-                <a:solidFill>
-                  <a:srgbClr val="000000"/>
-                </a:solidFill>
-                <a:effectLst/>
-                <a:latin typeface="+mn-ea"/>
-              </a:rPr>
-            </a:br>
-            <a:r>
-              <a:rPr lang="ja-JP" altLang="en-US" b="0" i="0" u="none" strike="noStrike" dirty="0">
-                <a:solidFill>
-                  <a:srgbClr val="000000"/>
-                </a:solidFill>
-                <a:effectLst/>
-                <a:latin typeface="+mn-ea"/>
-              </a:rPr>
-              <a:t>「怠惰</a:t>
-            </a:r>
-            <a:r>
-              <a:rPr lang="en-US" altLang="ja-JP" b="0" i="0" u="none" strike="noStrike" dirty="0">
-                <a:solidFill>
-                  <a:srgbClr val="000000"/>
-                </a:solidFill>
-                <a:effectLst/>
-                <a:latin typeface="+mn-ea"/>
-              </a:rPr>
-              <a:t>(0</a:t>
-            </a:r>
-            <a:r>
-              <a:rPr lang="ja-JP" altLang="en-US" b="0" i="0" u="none" strike="noStrike" dirty="0">
-                <a:solidFill>
-                  <a:srgbClr val="000000"/>
-                </a:solidFill>
-                <a:effectLst/>
-                <a:latin typeface="+mn-ea"/>
-              </a:rPr>
-              <a:t>ポイント</a:t>
-            </a:r>
-            <a:r>
-              <a:rPr lang="en-US" altLang="ja-JP" b="0" i="0" u="none" strike="noStrike" dirty="0">
-                <a:solidFill>
-                  <a:srgbClr val="000000"/>
-                </a:solidFill>
-                <a:effectLst/>
-                <a:latin typeface="+mn-ea"/>
-              </a:rPr>
-              <a:t>)</a:t>
-            </a:r>
-            <a:r>
-              <a:rPr lang="ja-JP" altLang="en-US" b="0" i="0" u="none" strike="noStrike" dirty="0">
-                <a:solidFill>
-                  <a:srgbClr val="000000"/>
-                </a:solidFill>
-                <a:effectLst/>
-                <a:latin typeface="+mn-ea"/>
-              </a:rPr>
-              <a:t>、怠け者</a:t>
-            </a:r>
-            <a:r>
-              <a:rPr lang="en-US" altLang="ja-JP" b="0" i="0" u="none" strike="noStrike" dirty="0">
-                <a:solidFill>
-                  <a:srgbClr val="000000"/>
-                </a:solidFill>
-                <a:effectLst/>
-                <a:latin typeface="+mn-ea"/>
-              </a:rPr>
-              <a:t>(4</a:t>
-            </a:r>
-            <a:r>
-              <a:rPr lang="ja-JP" altLang="en-US" b="0" i="0" u="none" strike="noStrike" dirty="0">
-                <a:solidFill>
-                  <a:srgbClr val="000000"/>
-                </a:solidFill>
-                <a:effectLst/>
-                <a:latin typeface="+mn-ea"/>
-              </a:rPr>
-              <a:t>ポイント</a:t>
-            </a:r>
-            <a:r>
-              <a:rPr lang="en-US" altLang="ja-JP" b="0" i="0" u="none" strike="noStrike" dirty="0">
-                <a:solidFill>
-                  <a:srgbClr val="000000"/>
-                </a:solidFill>
-                <a:effectLst/>
-                <a:latin typeface="+mn-ea"/>
-              </a:rPr>
-              <a:t>)</a:t>
-            </a:r>
-            <a:r>
-              <a:rPr lang="ja-JP" altLang="en-US" b="0" i="0" u="none" strike="noStrike" dirty="0">
-                <a:solidFill>
-                  <a:srgbClr val="000000"/>
-                </a:solidFill>
-                <a:effectLst/>
-                <a:latin typeface="+mn-ea"/>
-              </a:rPr>
-              <a:t>、一般人</a:t>
-            </a:r>
-            <a:r>
-              <a:rPr lang="en-US" altLang="ja-JP" b="0" i="0" u="none" strike="noStrike" dirty="0">
-                <a:solidFill>
-                  <a:srgbClr val="000000"/>
-                </a:solidFill>
-                <a:effectLst/>
-                <a:latin typeface="+mn-ea"/>
-              </a:rPr>
-              <a:t>(14</a:t>
-            </a:r>
-            <a:r>
-              <a:rPr lang="ja-JP" altLang="en-US" b="0" i="0" u="none" strike="noStrike" dirty="0">
-                <a:solidFill>
-                  <a:srgbClr val="000000"/>
-                </a:solidFill>
-                <a:effectLst/>
-                <a:latin typeface="+mn-ea"/>
-              </a:rPr>
-              <a:t>ポイント</a:t>
-            </a:r>
-            <a:r>
-              <a:rPr lang="en-US" altLang="ja-JP" b="0" i="0" u="none" strike="noStrike" dirty="0">
-                <a:solidFill>
-                  <a:srgbClr val="000000"/>
-                </a:solidFill>
-                <a:effectLst/>
-                <a:latin typeface="+mn-ea"/>
-              </a:rPr>
-              <a:t>)</a:t>
-            </a:r>
-            <a:r>
-              <a:rPr lang="ja-JP" altLang="en-US" b="0" i="0" u="none" strike="noStrike" dirty="0">
-                <a:solidFill>
-                  <a:srgbClr val="000000"/>
-                </a:solidFill>
-                <a:effectLst/>
-                <a:latin typeface="+mn-ea"/>
-              </a:rPr>
-              <a:t>、エリート</a:t>
-            </a:r>
-            <a:r>
-              <a:rPr lang="en-US" altLang="ja-JP" b="0" i="0" u="none" strike="noStrike" dirty="0">
-                <a:solidFill>
-                  <a:srgbClr val="000000"/>
-                </a:solidFill>
-                <a:effectLst/>
-                <a:latin typeface="+mn-ea"/>
-              </a:rPr>
-              <a:t>(28</a:t>
-            </a:r>
-            <a:r>
-              <a:rPr lang="ja-JP" altLang="en-US" b="0" i="0" u="none" strike="noStrike" dirty="0">
-                <a:solidFill>
-                  <a:srgbClr val="000000"/>
-                </a:solidFill>
-                <a:effectLst/>
-                <a:latin typeface="+mn-ea"/>
-              </a:rPr>
-              <a:t>ポイント</a:t>
-            </a:r>
-            <a:r>
-              <a:rPr lang="en-US" altLang="ja-JP" b="0" i="0" u="none" strike="noStrike" dirty="0">
-                <a:solidFill>
-                  <a:srgbClr val="000000"/>
-                </a:solidFill>
-                <a:effectLst/>
-                <a:latin typeface="+mn-ea"/>
-              </a:rPr>
-              <a:t>)</a:t>
-            </a:r>
-            <a:r>
-              <a:rPr lang="ja-JP" altLang="en-US" b="0" i="0" u="none" strike="noStrike" dirty="0">
-                <a:solidFill>
-                  <a:srgbClr val="000000"/>
-                </a:solidFill>
-                <a:effectLst/>
-                <a:latin typeface="+mn-ea"/>
-              </a:rPr>
-              <a:t>、プロ</a:t>
-            </a:r>
-            <a:r>
-              <a:rPr lang="en-US" altLang="ja-JP" b="0" i="0" u="none" strike="noStrike" dirty="0">
-                <a:solidFill>
-                  <a:srgbClr val="000000"/>
-                </a:solidFill>
-                <a:effectLst/>
-                <a:latin typeface="+mn-ea"/>
-              </a:rPr>
-              <a:t>(56</a:t>
-            </a:r>
-            <a:r>
-              <a:rPr lang="ja-JP" altLang="en-US" b="0" i="0" u="none" strike="noStrike" dirty="0">
-                <a:solidFill>
-                  <a:srgbClr val="000000"/>
-                </a:solidFill>
-                <a:effectLst/>
-                <a:latin typeface="+mn-ea"/>
-              </a:rPr>
-              <a:t>ポイント</a:t>
-            </a:r>
-            <a:r>
-              <a:rPr lang="en-US" altLang="ja-JP" b="0" i="0" u="none" strike="noStrike" dirty="0">
-                <a:solidFill>
-                  <a:srgbClr val="000000"/>
-                </a:solidFill>
-                <a:effectLst/>
-                <a:latin typeface="+mn-ea"/>
-              </a:rPr>
-              <a:t>)</a:t>
-            </a:r>
-            <a:r>
-              <a:rPr lang="ja-JP" altLang="en-US" b="0" i="0" u="none" strike="noStrike" dirty="0">
-                <a:solidFill>
-                  <a:srgbClr val="000000"/>
-                </a:solidFill>
-                <a:effectLst/>
-                <a:latin typeface="+mn-ea"/>
-              </a:rPr>
-              <a:t>、レジェンド</a:t>
-            </a:r>
-            <a:r>
-              <a:rPr lang="en-US" altLang="ja-JP" b="0" i="0" u="none" strike="noStrike" dirty="0">
-                <a:solidFill>
-                  <a:srgbClr val="000000"/>
-                </a:solidFill>
-                <a:effectLst/>
-                <a:latin typeface="+mn-ea"/>
-              </a:rPr>
-              <a:t>(85</a:t>
-            </a:r>
-            <a:r>
-              <a:rPr lang="ja-JP" altLang="en-US" b="0" i="0" u="none" strike="noStrike" dirty="0">
-                <a:solidFill>
-                  <a:srgbClr val="000000"/>
-                </a:solidFill>
-                <a:effectLst/>
-                <a:latin typeface="+mn-ea"/>
-              </a:rPr>
-              <a:t>ポイント</a:t>
-            </a:r>
-            <a:r>
-              <a:rPr lang="en-US" altLang="ja-JP" b="0" i="0" u="none" strike="noStrike" dirty="0">
-                <a:solidFill>
-                  <a:srgbClr val="000000"/>
-                </a:solidFill>
-                <a:effectLst/>
-                <a:latin typeface="+mn-ea"/>
-              </a:rPr>
-              <a:t>)</a:t>
-            </a:r>
-            <a:r>
-              <a:rPr lang="ja-JP" altLang="en-US" b="0" i="0" u="none" strike="noStrike" dirty="0">
-                <a:solidFill>
-                  <a:srgbClr val="000000"/>
-                </a:solidFill>
-                <a:effectLst/>
-                <a:latin typeface="+mn-ea"/>
-              </a:rPr>
-              <a:t>」</a:t>
-            </a:r>
-            <a:r>
               <a:rPr lang="ja-JP" altLang="en-US" dirty="0">
                 <a:latin typeface="+mn-ea"/>
               </a:rPr>
-              <a:t> </a:t>
+              <a:t>時間による処理が難しかった</a:t>
             </a:r>
             <a:endParaRPr lang="en-US" altLang="ja-JP" dirty="0">
               <a:latin typeface="+mn-ea"/>
             </a:endParaRPr>
           </a:p>
           <a:p>
-            <a:r>
-              <a:rPr lang="en-US" altLang="ja-JP" b="0" i="0" u="none" strike="noStrike" dirty="0">
-                <a:solidFill>
-                  <a:srgbClr val="000000"/>
-                </a:solidFill>
-                <a:effectLst/>
-                <a:latin typeface="+mn-ea"/>
-              </a:rPr>
-              <a:t>1</a:t>
-            </a:r>
-            <a:r>
-              <a:rPr lang="ja-JP" altLang="en-US" b="0" i="0" u="none" strike="noStrike" dirty="0">
-                <a:solidFill>
-                  <a:srgbClr val="000000"/>
-                </a:solidFill>
-                <a:effectLst/>
-                <a:latin typeface="+mn-ea"/>
-              </a:rPr>
-              <a:t>日の</a:t>
-            </a:r>
-            <a:r>
-              <a:rPr lang="en-US" altLang="ja-JP" b="0" i="0" u="none" strike="noStrike" dirty="0">
-                <a:solidFill>
-                  <a:srgbClr val="000000"/>
-                </a:solidFill>
-                <a:effectLst/>
-                <a:latin typeface="+mn-ea"/>
-              </a:rPr>
-              <a:t>AM3:00</a:t>
-            </a:r>
-            <a:r>
-              <a:rPr lang="ja-JP" altLang="en-US" b="0" i="0" u="none" strike="noStrike" dirty="0">
-                <a:solidFill>
-                  <a:srgbClr val="000000"/>
-                </a:solidFill>
-                <a:effectLst/>
-                <a:latin typeface="+mn-ea"/>
-              </a:rPr>
-              <a:t>に一番下のランクにリセットする</a:t>
-            </a:r>
+            <a:pPr marL="0" indent="0">
+              <a:buNone/>
+            </a:pPr>
             <a:r>
               <a:rPr lang="ja-JP" altLang="en-US" dirty="0">
                 <a:latin typeface="+mn-ea"/>
               </a:rPr>
-              <a:t> </a:t>
-            </a:r>
-            <a:endParaRPr kumimoji="1" lang="ja-JP" altLang="en-US" dirty="0">
+              <a:t>ランク制度以外の機能に時間がかかった</a:t>
+            </a:r>
+            <a:r>
+              <a:rPr kumimoji="1" lang="ja-JP" altLang="en-US" dirty="0">
+                <a:latin typeface="+mn-ea"/>
+              </a:rPr>
+              <a:t>ー人員不足</a:t>
+            </a:r>
+            <a:endParaRPr lang="en-US" altLang="ja-JP" dirty="0">
               <a:latin typeface="+mn-ea"/>
             </a:endParaRPr>
           </a:p>
@@ -5288,7 +5294,7 @@
     </p:spTree>
     <p:extLst>
       <p:ext uri="{BB962C8B-B14F-4D97-AF65-F5344CB8AC3E}">
-        <p14:creationId xmlns:p14="http://schemas.microsoft.com/office/powerpoint/2010/main" val="1983420909"/>
+        <p14:creationId xmlns:p14="http://schemas.microsoft.com/office/powerpoint/2010/main" val="2422432370"/>
       </p:ext>
     </p:extLst>
   </p:cSld>
@@ -5342,16 +5348,217 @@
           <a:bodyPr/>
           <a:lstStyle/>
           <a:p>
+            <a:r>
+              <a:rPr lang="ja-JP" altLang="en-US" kern="100" dirty="0">
+                <a:latin typeface="+mn-ea"/>
+                <a:cs typeface="Times New Roman" panose="02020603050405020304" pitchFamily="18" charset="0"/>
+              </a:rPr>
+              <a:t>認識合わせ</a:t>
+            </a:r>
+            <a:r>
+              <a:rPr lang="en-US" altLang="ja-JP" kern="100" dirty="0">
+                <a:latin typeface="+mn-ea"/>
+                <a:cs typeface="Times New Roman" panose="02020603050405020304" pitchFamily="18" charset="0"/>
+              </a:rPr>
+              <a:t>	</a:t>
+            </a:r>
+            <a:r>
+              <a:rPr lang="ja-JP" altLang="ja-JP" kern="100" dirty="0">
+                <a:effectLst/>
+                <a:latin typeface="+mn-ea"/>
+                <a:cs typeface="Times New Roman" panose="02020603050405020304" pitchFamily="18" charset="0"/>
+              </a:rPr>
+              <a:t>進捗管理（</a:t>
+            </a:r>
+            <a:r>
+              <a:rPr lang="ja-JP" altLang="en-US" dirty="0"/>
+              <a:t>口頭・ガントチャート</a:t>
+            </a:r>
+            <a:r>
+              <a:rPr lang="ja-JP" altLang="ja-JP" kern="100" dirty="0">
+                <a:effectLst/>
+                <a:latin typeface="+mn-ea"/>
+                <a:cs typeface="Times New Roman" panose="02020603050405020304" pitchFamily="18" charset="0"/>
+              </a:rPr>
+              <a:t>）</a:t>
+            </a:r>
+            <a:r>
+              <a:rPr lang="ja-JP" altLang="en-US" kern="100" dirty="0">
+                <a:effectLst/>
+                <a:latin typeface="+mn-ea"/>
+                <a:cs typeface="Times New Roman" panose="02020603050405020304" pitchFamily="18" charset="0"/>
+              </a:rPr>
+              <a:t>　</a:t>
+            </a:r>
+            <a:endParaRPr lang="en-US" altLang="ja-JP" kern="100" dirty="0">
+              <a:effectLst/>
+              <a:latin typeface="+mn-ea"/>
+              <a:cs typeface="Times New Roman" panose="02020603050405020304" pitchFamily="18" charset="0"/>
+            </a:endParaRPr>
+          </a:p>
+          <a:p>
+            <a:pPr marL="0" indent="0" algn="l">
+              <a:buNone/>
+            </a:pPr>
+            <a:r>
+              <a:rPr lang="en-US" altLang="ja-JP" kern="100" dirty="0">
+                <a:effectLst/>
+                <a:latin typeface="+mn-ea"/>
+                <a:cs typeface="Times New Roman" panose="02020603050405020304" pitchFamily="18" charset="0"/>
+              </a:rPr>
+              <a:t>	</a:t>
+            </a:r>
+            <a:r>
+              <a:rPr lang="ja-JP" altLang="ja-JP" kern="100" dirty="0">
+                <a:effectLst/>
+                <a:latin typeface="+mn-ea"/>
+                <a:cs typeface="Times New Roman" panose="02020603050405020304" pitchFamily="18" charset="0"/>
+              </a:rPr>
+              <a:t>朝にその日に取り組むことを共有</a:t>
+            </a:r>
+            <a:endParaRPr lang="en-US" altLang="ja-JP" kern="100" dirty="0">
+              <a:effectLst/>
+              <a:latin typeface="+mn-ea"/>
+              <a:cs typeface="Times New Roman" panose="02020603050405020304" pitchFamily="18" charset="0"/>
+            </a:endParaRPr>
+          </a:p>
+          <a:p>
+            <a:pPr marL="0" indent="0" algn="l">
+              <a:buNone/>
+            </a:pPr>
+            <a:r>
+              <a:rPr lang="en-US" altLang="ja-JP" kern="100" dirty="0">
+                <a:effectLst/>
+                <a:latin typeface="+mn-ea"/>
+                <a:cs typeface="Times New Roman" panose="02020603050405020304" pitchFamily="18" charset="0"/>
+              </a:rPr>
+              <a:t>	</a:t>
+            </a:r>
+            <a:r>
+              <a:rPr lang="ja-JP" altLang="en-US" kern="100" dirty="0">
+                <a:effectLst/>
+                <a:latin typeface="+mn-ea"/>
+                <a:cs typeface="Times New Roman" panose="02020603050405020304" pitchFamily="18" charset="0"/>
+              </a:rPr>
+              <a:t>終業前に</a:t>
+            </a:r>
+            <a:r>
+              <a:rPr lang="ja-JP" altLang="ja-JP" kern="100" dirty="0">
+                <a:effectLst/>
+                <a:latin typeface="+mn-ea"/>
+                <a:cs typeface="Times New Roman" panose="02020603050405020304" pitchFamily="18" charset="0"/>
+              </a:rPr>
+              <a:t>その日のまとめと翌日に行うことの共有</a:t>
+            </a:r>
+          </a:p>
+          <a:p>
+            <a:pPr algn="l"/>
+            <a:endParaRPr lang="en-US" altLang="ja-JP" kern="100" dirty="0">
+              <a:effectLst/>
+              <a:latin typeface="+mn-ea"/>
+              <a:cs typeface="Times New Roman" panose="02020603050405020304" pitchFamily="18" charset="0"/>
+            </a:endParaRPr>
+          </a:p>
+          <a:p>
+            <a:pPr algn="l"/>
+            <a:r>
+              <a:rPr lang="ja-JP" altLang="en-US" kern="100" dirty="0">
+                <a:effectLst/>
+                <a:latin typeface="+mn-ea"/>
+                <a:cs typeface="Times New Roman" panose="02020603050405020304" pitchFamily="18" charset="0"/>
+              </a:rPr>
+              <a:t>教えあい</a:t>
+            </a:r>
+            <a:r>
+              <a:rPr lang="en-US" altLang="ja-JP" kern="100" dirty="0">
+                <a:effectLst/>
+                <a:latin typeface="+mn-ea"/>
+                <a:cs typeface="Times New Roman" panose="02020603050405020304" pitchFamily="18" charset="0"/>
+              </a:rPr>
+              <a:t>	</a:t>
+            </a:r>
+            <a:r>
+              <a:rPr lang="ja-JP" altLang="ja-JP" kern="100" dirty="0">
+                <a:effectLst/>
+                <a:latin typeface="+mn-ea"/>
+                <a:cs typeface="Times New Roman" panose="02020603050405020304" pitchFamily="18" charset="0"/>
+              </a:rPr>
+              <a:t>チーム作業</a:t>
+            </a:r>
+            <a:r>
+              <a:rPr lang="ja-JP" altLang="en-US" kern="100" dirty="0">
+                <a:effectLst/>
+                <a:latin typeface="+mn-ea"/>
+                <a:cs typeface="Times New Roman" panose="02020603050405020304" pitchFamily="18" charset="0"/>
+              </a:rPr>
+              <a:t>：ブレイクアウトルームに分かれて分担</a:t>
+            </a:r>
+            <a:endParaRPr lang="en-US" altLang="ja-JP" kern="100" dirty="0">
+              <a:effectLst/>
+              <a:latin typeface="+mn-ea"/>
+              <a:cs typeface="Times New Roman" panose="02020603050405020304" pitchFamily="18" charset="0"/>
+            </a:endParaRPr>
+          </a:p>
+          <a:p>
+            <a:pPr marL="0" indent="0" algn="l">
+              <a:buNone/>
+            </a:pPr>
+            <a:r>
+              <a:rPr lang="en-US" altLang="ja-JP" kern="100" dirty="0">
+                <a:latin typeface="+mn-ea"/>
+                <a:cs typeface="Times New Roman" panose="02020603050405020304" pitchFamily="18" charset="0"/>
+              </a:rPr>
+              <a:t>	</a:t>
+            </a:r>
+            <a:r>
+              <a:rPr lang="ja-JP" altLang="en-US" kern="100" dirty="0">
+                <a:latin typeface="+mn-ea"/>
+                <a:cs typeface="Times New Roman" panose="02020603050405020304" pitchFamily="18" charset="0"/>
+              </a:rPr>
+              <a:t>チーム内で勉強会を行い、全体のボトムアップを図った</a:t>
+            </a:r>
+            <a:endParaRPr lang="en-US" altLang="ja-JP" kern="100" dirty="0">
+              <a:latin typeface="+mn-ea"/>
+              <a:cs typeface="Times New Roman" panose="02020603050405020304" pitchFamily="18" charset="0"/>
+            </a:endParaRPr>
+          </a:p>
+          <a:p>
+            <a:pPr marL="0" indent="0" algn="l">
+              <a:buNone/>
+            </a:pPr>
+            <a:endParaRPr lang="en-US" altLang="ja-JP" kern="100" dirty="0">
+              <a:latin typeface="+mn-ea"/>
+              <a:cs typeface="Times New Roman" panose="02020603050405020304" pitchFamily="18" charset="0"/>
+            </a:endParaRPr>
+          </a:p>
+          <a:p>
+            <a:r>
+              <a:rPr kumimoji="1" lang="ja-JP" altLang="en-US" dirty="0">
+                <a:latin typeface="+mn-ea"/>
+              </a:rPr>
+              <a:t>実現したかったこと</a:t>
+            </a:r>
+            <a:endParaRPr kumimoji="1" lang="en-US" altLang="ja-JP" dirty="0">
+              <a:latin typeface="+mn-ea"/>
+            </a:endParaRPr>
+          </a:p>
+          <a:p>
             <a:pPr marL="0" indent="0">
               <a:buNone/>
             </a:pPr>
             <a:r>
-              <a:rPr lang="ja-JP" altLang="en-US" dirty="0">
-                <a:latin typeface="+mn-ea"/>
-              </a:rPr>
-              <a:t>時間による処理が難しかった</a:t>
-            </a:r>
-            <a:endParaRPr lang="en-US" altLang="ja-JP" dirty="0">
+              <a:rPr kumimoji="1" lang="en-US" altLang="ja-JP" dirty="0">
+                <a:latin typeface="+mn-ea"/>
+              </a:rPr>
+              <a:t>―</a:t>
+            </a:r>
+            <a:r>
+              <a:rPr kumimoji="1" lang="ja-JP" altLang="en-US" dirty="0">
+                <a:latin typeface="+mn-ea"/>
+              </a:rPr>
+              <a:t>掲示板にいいね機能</a:t>
+            </a:r>
+            <a:endParaRPr kumimoji="1" lang="en-US" altLang="ja-JP" dirty="0">
               <a:latin typeface="+mn-ea"/>
             </a:endParaRPr>
           </a:p>
@@ -5360,20 +5567,37 @@
               <a:buNone/>
             </a:pPr>
             <a:r>
-              <a:rPr lang="ja-JP" altLang="en-US" dirty="0">
-                <a:latin typeface="+mn-ea"/>
-              </a:rPr>
-              <a:t>ランク制度以外の機能に時間がかかった</a:t>
+              <a:rPr lang="en-US" altLang="ja-JP" dirty="0">
+                <a:latin typeface="+mn-ea"/>
+              </a:rPr>
+              <a:t>―</a:t>
             </a:r>
             <a:r>
               <a:rPr kumimoji="1" lang="ja-JP" altLang="en-US" dirty="0">
                 <a:latin typeface="+mn-ea"/>
               </a:rPr>
-              <a:t>ー人員不足</a:t>
-            </a:r>
-            <a:endParaRPr lang="en-US" altLang="ja-JP" dirty="0">
+              <a:t>運動した日にスタンプ表示</a:t>
+            </a:r>
+            <a:endParaRPr kumimoji="1" lang="en-US" altLang="ja-JP" dirty="0">
               <a:latin typeface="+mn-ea"/>
             </a:endParaRPr>
+          </a:p>
+          <a:p>
+            <a:pPr marL="0" indent="0">
+              <a:buNone/>
+            </a:pPr>
+            <a:r>
+              <a:rPr lang="en-US" altLang="ja-JP" dirty="0">
+                <a:latin typeface="+mn-ea"/>
+              </a:rPr>
+              <a:t>―</a:t>
+            </a:r>
+            <a:r>
+              <a:rPr lang="ja-JP" altLang="en-US" dirty="0">
+                <a:latin typeface="+mn-ea"/>
+              </a:rPr>
+              <a:t>コラ画像</a:t>
+            </a:r>
           </a:p>
         </p:txBody>
       </p:sp>
@@ -5394,7 +5618,7 @@
           <a:p>
             <a:fld id="{C59D74C6-9C2E-47F2-9943-FD41646989DE}" type="slidenum">
               <a:rPr kumimoji="1" lang="ja-JP" altLang="en-US" smtClean="0"/>
-              <a:t>21</a:t>
+              <a:t>22</a:t>
             </a:fld>
             <a:endParaRPr kumimoji="1" lang="ja-JP" altLang="en-US"/>
           </a:p>
@@ -5403,7 +5627,7 @@
     </p:spTree>
     <p:extLst>
       <p:ext uri="{BB962C8B-B14F-4D97-AF65-F5344CB8AC3E}">
-        <p14:creationId xmlns:p14="http://schemas.microsoft.com/office/powerpoint/2010/main" val="2422432370"/>
+        <p14:creationId xmlns:p14="http://schemas.microsoft.com/office/powerpoint/2010/main" val="3734896416"/>
       </p:ext>
     </p:extLst>
   </p:cSld>
@@ -5457,7 +5681,7 @@
           <a:bodyPr/>
           <a:lstStyle/>
           <a:p>
-            <a:endParaRPr kumimoji="1" lang="ja-JP" altLang="en-US" dirty="0"/>
+            <a:endParaRPr kumimoji="1" lang="en-US" altLang="ja-JP" dirty="0"/>
           </a:p>
         </p:txBody>
       </p:sp>
@@ -5487,7 +5711,7 @@
     </p:spTree>
     <p:extLst>
       <p:ext uri="{BB962C8B-B14F-4D97-AF65-F5344CB8AC3E}">
-        <p14:creationId xmlns:p14="http://schemas.microsoft.com/office/powerpoint/2010/main" val="167802951"/>
+        <p14:creationId xmlns:p14="http://schemas.microsoft.com/office/powerpoint/2010/main" val="170412088"/>
       </p:ext>
     </p:extLst>
   </p:cSld>
@@ -5541,256 +5765,7 @@
           <a:bodyPr/>
           <a:lstStyle/>
           <a:p>
-            <a:r>
-              <a:rPr lang="ja-JP" altLang="en-US" kern="100" dirty="0">
-                <a:latin typeface="+mn-ea"/>
-                <a:cs typeface="Times New Roman" panose="02020603050405020304" pitchFamily="18" charset="0"/>
-              </a:rPr>
-              <a:t>認識合わせ</a:t>
-            </a:r>
-            <a:r>
-              <a:rPr lang="en-US" altLang="ja-JP" kern="100" dirty="0">
-                <a:latin typeface="+mn-ea"/>
-                <a:cs typeface="Times New Roman" panose="02020603050405020304" pitchFamily="18" charset="0"/>
-              </a:rPr>
-              <a:t>	</a:t>
-            </a:r>
-            <a:r>
-              <a:rPr lang="ja-JP" altLang="ja-JP" kern="100" dirty="0">
-                <a:effectLst/>
-                <a:latin typeface="+mn-ea"/>
-                <a:cs typeface="Times New Roman" panose="02020603050405020304" pitchFamily="18" charset="0"/>
-              </a:rPr>
-              <a:t>進捗管理（</a:t>
-            </a:r>
-            <a:r>
-              <a:rPr lang="ja-JP" altLang="en-US" dirty="0"/>
-              <a:t>口頭・ガントチャート</a:t>
-            </a:r>
-            <a:r>
-              <a:rPr lang="ja-JP" altLang="ja-JP" kern="100" dirty="0">
-                <a:effectLst/>
-                <a:latin typeface="+mn-ea"/>
-                <a:cs typeface="Times New Roman" panose="02020603050405020304" pitchFamily="18" charset="0"/>
-              </a:rPr>
-              <a:t>）</a:t>
-            </a:r>
-            <a:r>
-              <a:rPr lang="ja-JP" altLang="en-US" kern="100" dirty="0">
-                <a:effectLst/>
-                <a:latin typeface="+mn-ea"/>
-                <a:cs typeface="Times New Roman" panose="02020603050405020304" pitchFamily="18" charset="0"/>
-              </a:rPr>
-              <a:t>　</a:t>
-            </a:r>
-            <a:endParaRPr lang="en-US" altLang="ja-JP" kern="100" dirty="0">
-              <a:effectLst/>
-              <a:latin typeface="+mn-ea"/>
-              <a:cs typeface="Times New Roman" panose="02020603050405020304" pitchFamily="18" charset="0"/>
-            </a:endParaRPr>
-          </a:p>
-          <a:p>
-            <a:pPr marL="0" indent="0" algn="l">
-              <a:buNone/>
-            </a:pPr>
-            <a:r>
-              <a:rPr lang="en-US" altLang="ja-JP" kern="100" dirty="0">
-                <a:effectLst/>
-                <a:latin typeface="+mn-ea"/>
-                <a:cs typeface="Times New Roman" panose="02020603050405020304" pitchFamily="18" charset="0"/>
-              </a:rPr>
-              <a:t>	</a:t>
-            </a:r>
-            <a:r>
-              <a:rPr lang="ja-JP" altLang="ja-JP" kern="100" dirty="0">
-                <a:effectLst/>
-                <a:latin typeface="+mn-ea"/>
-                <a:cs typeface="Times New Roman" panose="02020603050405020304" pitchFamily="18" charset="0"/>
-              </a:rPr>
-              <a:t>朝にその日に取り組むことを共有</a:t>
-            </a:r>
-            <a:endParaRPr lang="en-US" altLang="ja-JP" kern="100" dirty="0">
-              <a:effectLst/>
-              <a:latin typeface="+mn-ea"/>
-              <a:cs typeface="Times New Roman" panose="02020603050405020304" pitchFamily="18" charset="0"/>
-            </a:endParaRPr>
-          </a:p>
-          <a:p>
-            <a:pPr marL="0" indent="0" algn="l">
-              <a:buNone/>
-            </a:pPr>
-            <a:r>
-              <a:rPr lang="en-US" altLang="ja-JP" kern="100" dirty="0">
-                <a:effectLst/>
-                <a:latin typeface="+mn-ea"/>
-                <a:cs typeface="Times New Roman" panose="02020603050405020304" pitchFamily="18" charset="0"/>
-              </a:rPr>
-              <a:t>	</a:t>
-            </a:r>
-            <a:r>
-              <a:rPr lang="ja-JP" altLang="en-US" kern="100" dirty="0">
-                <a:effectLst/>
-                <a:latin typeface="+mn-ea"/>
-                <a:cs typeface="Times New Roman" panose="02020603050405020304" pitchFamily="18" charset="0"/>
-              </a:rPr>
-              <a:t>終業前に</a:t>
-            </a:r>
-            <a:r>
-              <a:rPr lang="ja-JP" altLang="ja-JP" kern="100" dirty="0">
-                <a:effectLst/>
-                <a:latin typeface="+mn-ea"/>
-                <a:cs typeface="Times New Roman" panose="02020603050405020304" pitchFamily="18" charset="0"/>
-              </a:rPr>
-              <a:t>その日のまとめと翌日に行うことの共有</a:t>
-            </a:r>
-          </a:p>
-          <a:p>
-            <a:pPr algn="l"/>
-            <a:endParaRPr lang="en-US" altLang="ja-JP" kern="100" dirty="0">
-              <a:effectLst/>
-              <a:latin typeface="+mn-ea"/>
-              <a:cs typeface="Times New Roman" panose="02020603050405020304" pitchFamily="18" charset="0"/>
-            </a:endParaRPr>
-          </a:p>
-          <a:p>
-            <a:pPr algn="l"/>
-            <a:r>
-              <a:rPr lang="ja-JP" altLang="en-US" kern="100" dirty="0">
-                <a:effectLst/>
-                <a:latin typeface="+mn-ea"/>
-                <a:cs typeface="Times New Roman" panose="02020603050405020304" pitchFamily="18" charset="0"/>
-              </a:rPr>
-              <a:t>教えあい</a:t>
-            </a:r>
-            <a:r>
-              <a:rPr lang="en-US" altLang="ja-JP" kern="100" dirty="0">
-                <a:effectLst/>
-                <a:latin typeface="+mn-ea"/>
-                <a:cs typeface="Times New Roman" panose="02020603050405020304" pitchFamily="18" charset="0"/>
-              </a:rPr>
-              <a:t>	</a:t>
-            </a:r>
-            <a:r>
-              <a:rPr lang="ja-JP" altLang="ja-JP" kern="100" dirty="0">
-                <a:effectLst/>
-                <a:latin typeface="+mn-ea"/>
-                <a:cs typeface="Times New Roman" panose="02020603050405020304" pitchFamily="18" charset="0"/>
-              </a:rPr>
-              <a:t>チーム作業</a:t>
-            </a:r>
-            <a:r>
-              <a:rPr lang="ja-JP" altLang="en-US" kern="100" dirty="0">
-                <a:effectLst/>
-                <a:latin typeface="+mn-ea"/>
-                <a:cs typeface="Times New Roman" panose="02020603050405020304" pitchFamily="18" charset="0"/>
-              </a:rPr>
-              <a:t>：ブレイクアウトルームに分かれて分担</a:t>
-            </a:r>
-            <a:endParaRPr lang="en-US" altLang="ja-JP" kern="100" dirty="0">
-              <a:effectLst/>
-              <a:latin typeface="+mn-ea"/>
-              <a:cs typeface="Times New Roman" panose="02020603050405020304" pitchFamily="18" charset="0"/>
-            </a:endParaRPr>
-          </a:p>
-          <a:p>
-            <a:pPr marL="0" indent="0" algn="l">
-              <a:buNone/>
-            </a:pPr>
-            <a:r>
-              <a:rPr lang="en-US" altLang="ja-JP" kern="100" dirty="0">
-                <a:latin typeface="+mn-ea"/>
-                <a:cs typeface="Times New Roman" panose="02020603050405020304" pitchFamily="18" charset="0"/>
-              </a:rPr>
-              <a:t>	</a:t>
-            </a:r>
-            <a:r>
-              <a:rPr lang="ja-JP" altLang="en-US" kern="100" dirty="0">
-                <a:latin typeface="+mn-ea"/>
-                <a:cs typeface="Times New Roman" panose="02020603050405020304" pitchFamily="18" charset="0"/>
-              </a:rPr>
-              <a:t>チーム内で勉強会を行い、全体のボトムアップを図った</a:t>
-            </a:r>
-            <a:endParaRPr lang="en-US" altLang="ja-JP" kern="100" dirty="0">
-              <a:latin typeface="+mn-ea"/>
-              <a:cs typeface="Times New Roman" panose="02020603050405020304" pitchFamily="18" charset="0"/>
-            </a:endParaRPr>
-          </a:p>
-          <a:p>
-            <a:pPr marL="0" indent="0" algn="l">
-              <a:buNone/>
-            </a:pPr>
-            <a:endParaRPr lang="en-US" altLang="ja-JP" kern="100" dirty="0">
-              <a:latin typeface="+mn-ea"/>
-              <a:cs typeface="Times New Roman" panose="02020603050405020304" pitchFamily="18" charset="0"/>
-            </a:endParaRPr>
-          </a:p>
-          <a:p>
-            <a:r>
-              <a:rPr kumimoji="1" lang="ja-JP" altLang="en-US" dirty="0">
-                <a:latin typeface="+mn-ea"/>
-              </a:rPr>
-              <a:t>実現したかったこと</a:t>
-            </a:r>
-            <a:endParaRPr kumimoji="1" lang="en-US" altLang="ja-JP" dirty="0">
-              <a:latin typeface="+mn-ea"/>
-            </a:endParaRPr>
-          </a:p>
-          <a:p>
-            <a:pPr marL="0" indent="0">
-              <a:buNone/>
-            </a:pPr>
-            <a:r>
-              <a:rPr kumimoji="1" lang="en-US" altLang="ja-JP" dirty="0">
-                <a:latin typeface="+mn-ea"/>
-              </a:rPr>
-              <a:t>―</a:t>
-            </a:r>
-            <a:r>
-              <a:rPr kumimoji="1" lang="ja-JP" altLang="en-US" dirty="0">
-                <a:latin typeface="+mn-ea"/>
-              </a:rPr>
-              <a:t>掲示板にいいね機能</a:t>
-            </a:r>
-            <a:endParaRPr kumimoji="1" lang="en-US" altLang="ja-JP" dirty="0">
-              <a:latin typeface="+mn-ea"/>
-            </a:endParaRPr>
-          </a:p>
-          <a:p>
-            <a:pPr marL="0" indent="0">
-              <a:buNone/>
-            </a:pPr>
-            <a:r>
-              <a:rPr lang="en-US" altLang="ja-JP" dirty="0">
-                <a:latin typeface="+mn-ea"/>
-              </a:rPr>
-              <a:t>―</a:t>
-            </a:r>
-            <a:r>
-              <a:rPr kumimoji="1" lang="ja-JP" altLang="en-US" dirty="0">
-                <a:latin typeface="+mn-ea"/>
-              </a:rPr>
-              <a:t>運動した日にスタンプ表示</a:t>
-            </a:r>
-            <a:endParaRPr kumimoji="1" lang="en-US" altLang="ja-JP" dirty="0">
-              <a:latin typeface="+mn-ea"/>
-            </a:endParaRPr>
-          </a:p>
-          <a:p>
-            <a:pPr marL="0" indent="0">
-              <a:buNone/>
-            </a:pPr>
-            <a:r>
-              <a:rPr lang="en-US" altLang="ja-JP" dirty="0">
-                <a:latin typeface="+mn-ea"/>
-              </a:rPr>
-              <a:t>―</a:t>
-            </a:r>
-            <a:r>
-              <a:rPr lang="ja-JP" altLang="en-US" dirty="0">
-                <a:latin typeface="+mn-ea"/>
-              </a:rPr>
-              <a:t>コラ画像</a:t>
-            </a:r>
+            <a:endParaRPr kumimoji="1" lang="ja-JP" altLang="en-US" dirty="0"/>
           </a:p>
         </p:txBody>
       </p:sp>
@@ -5820,7 +5795,7 @@
     </p:spTree>
     <p:extLst>
       <p:ext uri="{BB962C8B-B14F-4D97-AF65-F5344CB8AC3E}">
-        <p14:creationId xmlns:p14="http://schemas.microsoft.com/office/powerpoint/2010/main" val="3734896416"/>
+        <p14:creationId xmlns:p14="http://schemas.microsoft.com/office/powerpoint/2010/main" val="1162426119"/>
       </p:ext>
     </p:extLst>
   </p:cSld>
@@ -5874,7 +5849,159 @@
           <a:bodyPr/>
           <a:lstStyle/>
           <a:p>
-            <a:endParaRPr kumimoji="1" lang="ja-JP" altLang="en-US" dirty="0"/>
+            <a:pPr marL="0" indent="0">
+              <a:buNone/>
+            </a:pPr>
+            <a:r>
+              <a:rPr kumimoji="1" lang="ja-JP" altLang="en-US" dirty="0">
+                <a:latin typeface="+mn-ea"/>
+              </a:rPr>
+              <a:t>計画性</a:t>
+            </a:r>
+            <a:r>
+              <a:rPr kumimoji="1" lang="en-US" altLang="ja-JP" dirty="0">
+                <a:latin typeface="+mn-ea"/>
+              </a:rPr>
+              <a:t>	</a:t>
+            </a:r>
+            <a:r>
+              <a:rPr kumimoji="1" lang="ja-JP" altLang="en-US" dirty="0">
+                <a:latin typeface="+mn-ea"/>
+              </a:rPr>
+              <a:t>外部設計段階で見切り発車だった。</a:t>
+            </a:r>
+            <a:r>
+              <a:rPr lang="ja-JP" altLang="en-US" dirty="0">
+                <a:latin typeface="+mn-ea"/>
+              </a:rPr>
+              <a:t>具体的にどう実現できるか想像するべきだと学んだ。</a:t>
+            </a:r>
+            <a:endParaRPr kumimoji="1" lang="en-US" altLang="ja-JP" dirty="0">
+              <a:latin typeface="+mn-ea"/>
+            </a:endParaRPr>
+          </a:p>
+          <a:p>
+            <a:pPr marL="0" indent="0">
+              <a:buNone/>
+            </a:pPr>
+            <a:r>
+              <a:rPr lang="en-US" altLang="ja-JP" sz="1000" dirty="0">
+                <a:effectLst/>
+                <a:ea typeface="游明朝" panose="02020400000000000000" pitchFamily="18" charset="-128"/>
+                <a:cs typeface="Times New Roman" panose="02020603050405020304" pitchFamily="18" charset="0"/>
+              </a:rPr>
+              <a:t>	</a:t>
+            </a:r>
+            <a:r>
+              <a:rPr lang="ja-JP" altLang="ja-JP" sz="1000" dirty="0">
+                <a:effectLst/>
+                <a:ea typeface="游明朝" panose="02020400000000000000" pitchFamily="18" charset="-128"/>
+                <a:cs typeface="Times New Roman" panose="02020603050405020304" pitchFamily="18" charset="0"/>
+              </a:rPr>
+              <a:t>要件定義にない変更</a:t>
+            </a:r>
+            <a:r>
+              <a:rPr lang="ja-JP" altLang="en-US" sz="1000" dirty="0">
+                <a:effectLst/>
+                <a:ea typeface="游明朝" panose="02020400000000000000" pitchFamily="18" charset="-128"/>
+                <a:cs typeface="Times New Roman" panose="02020603050405020304" pitchFamily="18" charset="0"/>
+              </a:rPr>
+              <a:t>をすることに</a:t>
+            </a:r>
+            <a:r>
+              <a:rPr lang="ja-JP" altLang="ja-JP" sz="1000" dirty="0">
+                <a:effectLst/>
+                <a:ea typeface="游明朝" panose="02020400000000000000" pitchFamily="18" charset="-128"/>
+                <a:cs typeface="Times New Roman" panose="02020603050405020304" pitchFamily="18" charset="0"/>
+              </a:rPr>
+              <a:t>あまり抵抗がなく、設計書の重要性を理解していなかった</a:t>
+            </a:r>
+            <a:endParaRPr kumimoji="1" lang="en-US" altLang="ja-JP" dirty="0">
+              <a:latin typeface="+mn-ea"/>
+            </a:endParaRPr>
+          </a:p>
+          <a:p>
+            <a:pPr marL="0" indent="0">
+              <a:buNone/>
+            </a:pPr>
+            <a:endParaRPr kumimoji="1" lang="en-US" altLang="ja-JP" dirty="0">
+              <a:latin typeface="+mn-ea"/>
+            </a:endParaRPr>
+          </a:p>
+          <a:p>
+            <a:pPr marL="0" indent="0">
+              <a:buNone/>
+            </a:pPr>
+            <a:r>
+              <a:rPr kumimoji="1" lang="ja-JP" altLang="en-US" dirty="0">
+                <a:latin typeface="+mn-ea"/>
+              </a:rPr>
+              <a:t>技術</a:t>
+            </a:r>
+            <a:r>
+              <a:rPr kumimoji="1" lang="en-US" altLang="ja-JP" dirty="0">
+                <a:latin typeface="+mn-ea"/>
+              </a:rPr>
+              <a:t>	4</a:t>
+            </a:r>
+            <a:r>
+              <a:rPr kumimoji="1" lang="ja-JP" altLang="en-US" dirty="0">
+                <a:latin typeface="+mn-ea"/>
+              </a:rPr>
+              <a:t>･</a:t>
+            </a:r>
+            <a:r>
+              <a:rPr kumimoji="1" lang="en-US" altLang="ja-JP" dirty="0">
+                <a:latin typeface="+mn-ea"/>
+              </a:rPr>
+              <a:t>5</a:t>
+            </a:r>
+            <a:r>
+              <a:rPr kumimoji="1" lang="ja-JP" altLang="en-US" dirty="0">
+                <a:latin typeface="+mn-ea"/>
+              </a:rPr>
+              <a:t>月で学んだことの理解度が増した</a:t>
+            </a:r>
+            <a:endParaRPr kumimoji="1" lang="en-US" altLang="ja-JP" dirty="0">
+              <a:latin typeface="+mn-ea"/>
+            </a:endParaRPr>
+          </a:p>
+          <a:p>
+            <a:r>
+              <a:rPr lang="en-US" altLang="ja-JP" dirty="0">
+                <a:latin typeface="+mn-ea"/>
+              </a:rPr>
+              <a:t>	</a:t>
+            </a:r>
+            <a:r>
+              <a:rPr lang="ja-JP" altLang="en-US" dirty="0">
+                <a:latin typeface="+mn-ea"/>
+              </a:rPr>
+              <a:t>チーム内・講師に質問・コーディングを繰り返すことでスキルアップ</a:t>
+            </a:r>
+            <a:endParaRPr lang="en-US" altLang="ja-JP" dirty="0">
+              <a:latin typeface="+mn-ea"/>
+            </a:endParaRPr>
+          </a:p>
+          <a:p>
+            <a:r>
+              <a:rPr lang="en-US" altLang="ja-JP" dirty="0">
+                <a:latin typeface="+mn-ea"/>
+              </a:rPr>
+              <a:t>	</a:t>
+            </a:r>
+            <a:r>
+              <a:rPr lang="ja-JP" altLang="en-US" dirty="0">
+                <a:latin typeface="+mn-ea"/>
+              </a:rPr>
+              <a:t>学んだ技術を応用する難しさ</a:t>
+            </a:r>
+            <a:endParaRPr lang="en-US" altLang="ja-JP" dirty="0">
+              <a:latin typeface="+mn-ea"/>
+            </a:endParaRPr>
+          </a:p>
+          <a:p>
+            <a:endParaRPr kumimoji="1" lang="en-US" altLang="ja-JP" dirty="0"/>
           </a:p>
         </p:txBody>
       </p:sp>
@@ -5895,7 +6022,7 @@
           <a:p>
             <a:fld id="{C59D74C6-9C2E-47F2-9943-FD41646989DE}" type="slidenum">
               <a:rPr kumimoji="1" lang="ja-JP" altLang="en-US" smtClean="0"/>
-              <a:t>24</a:t>
+              <a:t>25</a:t>
             </a:fld>
             <a:endParaRPr kumimoji="1" lang="ja-JP" altLang="en-US"/>
           </a:p>
@@ -5904,7 +6031,7 @@
     </p:spTree>
     <p:extLst>
       <p:ext uri="{BB962C8B-B14F-4D97-AF65-F5344CB8AC3E}">
-        <p14:creationId xmlns:p14="http://schemas.microsoft.com/office/powerpoint/2010/main" val="1162426119"/>
+        <p14:creationId xmlns:p14="http://schemas.microsoft.com/office/powerpoint/2010/main" val="2421870203"/>
       </p:ext>
     </p:extLst>
   </p:cSld>
@@ -5958,158 +6085,27 @@
           <a:bodyPr/>
           <a:lstStyle/>
           <a:p>
-            <a:pPr marL="0" indent="0">
+            <a:pPr marL="0" marR="0" lvl="0" indent="0" algn="l" defTabSz="914400" rtl="0" eaLnBrk="1" fontAlgn="auto" latinLnBrk="0" hangingPunct="1">
+              <a:lnSpc>
+                <a:spcPct val="100000"/>
+              </a:lnSpc>
+              <a:spcBef>
+                <a:spcPts val="0"/>
+              </a:spcBef>
+              <a:spcAft>
+                <a:spcPts val="0"/>
+              </a:spcAft>
+              <a:buClrTx/>
+              <a:buSzTx/>
+              <a:buFontTx/>
               <a:buNone/>
+              <a:tabLst/>
+              <a:defRPr/>
             </a:pPr>
             <a:r>
-              <a:rPr kumimoji="1" lang="ja-JP" altLang="en-US" dirty="0">
-                <a:latin typeface="+mn-ea"/>
-              </a:rPr>
-              <a:t>計画性</a:t>
-            </a:r>
-            <a:r>
-              <a:rPr kumimoji="1" lang="en-US" altLang="ja-JP" dirty="0">
-                <a:latin typeface="+mn-ea"/>
-              </a:rPr>
-              <a:t>	</a:t>
-            </a:r>
-            <a:r>
-              <a:rPr kumimoji="1" lang="ja-JP" altLang="en-US" dirty="0">
-                <a:latin typeface="+mn-ea"/>
-              </a:rPr>
-              <a:t>外部設計段階で見切り発車だった。</a:t>
-            </a:r>
-            <a:r>
-              <a:rPr lang="ja-JP" altLang="en-US" dirty="0">
-                <a:latin typeface="+mn-ea"/>
-              </a:rPr>
-              <a:t>具体的にどう実現できるか想像するべきだと学んだ。</a:t>
-            </a:r>
-            <a:endParaRPr kumimoji="1" lang="en-US" altLang="ja-JP" dirty="0">
-              <a:latin typeface="+mn-ea"/>
-            </a:endParaRPr>
-          </a:p>
-          <a:p>
-            <a:pPr marL="0" indent="0">
-              <a:buNone/>
-            </a:pPr>
-            <a:r>
-              <a:rPr lang="en-US" altLang="ja-JP" sz="1000" dirty="0">
-                <a:effectLst/>
-                <a:ea typeface="游明朝" panose="02020400000000000000" pitchFamily="18" charset="-128"/>
-                <a:cs typeface="Times New Roman" panose="02020603050405020304" pitchFamily="18" charset="0"/>
-              </a:rPr>
-              <a:t>	</a:t>
-            </a:r>
-            <a:r>
-              <a:rPr lang="ja-JP" altLang="ja-JP" sz="1000" dirty="0">
-                <a:effectLst/>
-                <a:ea typeface="游明朝" panose="02020400000000000000" pitchFamily="18" charset="-128"/>
-                <a:cs typeface="Times New Roman" panose="02020603050405020304" pitchFamily="18" charset="0"/>
-              </a:rPr>
-              <a:t>要件定義にない変更</a:t>
-            </a:r>
-            <a:r>
-              <a:rPr lang="ja-JP" altLang="en-US" sz="1000" dirty="0">
-                <a:effectLst/>
-                <a:ea typeface="游明朝" panose="02020400000000000000" pitchFamily="18" charset="-128"/>
-                <a:cs typeface="Times New Roman" panose="02020603050405020304" pitchFamily="18" charset="0"/>
-              </a:rPr>
-              <a:t>をすることに</a:t>
-            </a:r>
-            <a:r>
-              <a:rPr lang="ja-JP" altLang="ja-JP" sz="1000" dirty="0">
-                <a:effectLst/>
-                <a:ea typeface="游明朝" panose="02020400000000000000" pitchFamily="18" charset="-128"/>
-                <a:cs typeface="Times New Roman" panose="02020603050405020304" pitchFamily="18" charset="0"/>
-              </a:rPr>
-              <a:t>あまり抵抗がなく、設計書の重要性を理解していなかった</a:t>
-            </a:r>
-            <a:endParaRPr kumimoji="1" lang="en-US" altLang="ja-JP" dirty="0">
-              <a:latin typeface="+mn-ea"/>
-            </a:endParaRPr>
-          </a:p>
-          <a:p>
-            <a:pPr marL="0" indent="0">
-              <a:buNone/>
-            </a:pPr>
-            <a:endParaRPr kumimoji="1" lang="en-US" altLang="ja-JP" dirty="0">
-              <a:latin typeface="+mn-ea"/>
-            </a:endParaRPr>
-          </a:p>
-          <a:p>
-            <a:pPr marL="0" indent="0">
-              <a:buNone/>
-            </a:pPr>
-            <a:r>
-              <a:rPr kumimoji="1" lang="ja-JP" altLang="en-US" dirty="0">
-                <a:latin typeface="+mn-ea"/>
-              </a:rPr>
-              <a:t>技術</a:t>
-            </a:r>
-            <a:r>
-              <a:rPr kumimoji="1" lang="en-US" altLang="ja-JP" dirty="0">
-                <a:latin typeface="+mn-ea"/>
-              </a:rPr>
-              <a:t>	4</a:t>
-            </a:r>
-            <a:r>
-              <a:rPr kumimoji="1" lang="ja-JP" altLang="en-US" dirty="0">
-                <a:latin typeface="+mn-ea"/>
-              </a:rPr>
-              <a:t>･</a:t>
-            </a:r>
-            <a:r>
-              <a:rPr kumimoji="1" lang="en-US" altLang="ja-JP" dirty="0">
-                <a:latin typeface="+mn-ea"/>
-              </a:rPr>
-              <a:t>5</a:t>
-            </a:r>
-            <a:r>
-              <a:rPr kumimoji="1" lang="ja-JP" altLang="en-US" dirty="0">
-                <a:latin typeface="+mn-ea"/>
-              </a:rPr>
-              <a:t>月で学んだことの理解度が増した</a:t>
-            </a:r>
-            <a:endParaRPr kumimoji="1" lang="en-US" altLang="ja-JP" dirty="0">
-              <a:latin typeface="+mn-ea"/>
-            </a:endParaRPr>
-          </a:p>
-          <a:p>
-            <a:r>
-              <a:rPr lang="en-US" altLang="ja-JP" dirty="0">
-                <a:latin typeface="+mn-ea"/>
-              </a:rPr>
-              <a:t>	</a:t>
-            </a:r>
-            <a:r>
-              <a:rPr lang="ja-JP" altLang="en-US" dirty="0">
-                <a:latin typeface="+mn-ea"/>
-              </a:rPr>
-              <a:t>チーム内・講師に質問・コーディングを繰り返すことでスキルアップ</a:t>
-            </a:r>
-            <a:endParaRPr lang="en-US" altLang="ja-JP" dirty="0">
-              <a:latin typeface="+mn-ea"/>
-            </a:endParaRPr>
-          </a:p>
-          <a:p>
-            <a:r>
-              <a:rPr lang="en-US" altLang="ja-JP" dirty="0">
-                <a:latin typeface="+mn-ea"/>
-              </a:rPr>
-              <a:t>	</a:t>
-            </a:r>
-            <a:r>
-              <a:rPr lang="ja-JP" altLang="en-US" dirty="0">
-                <a:latin typeface="+mn-ea"/>
-              </a:rPr>
-              <a:t>学んだ技術を応用する難しさ</a:t>
-            </a:r>
-            <a:endParaRPr lang="en-US" altLang="ja-JP" dirty="0">
-              <a:latin typeface="+mn-ea"/>
-            </a:endParaRPr>
-          </a:p>
-          <a:p>
+              <a:rPr kumimoji="1" lang="ja-JP" altLang="en-US" dirty="0"/>
+              <a:t>個人では、このような成長ができました。今後は、この研修での学びを活かして業務に取り組んでいきます。</a:t>
+            </a:r>
             <a:endParaRPr kumimoji="1" lang="en-US" altLang="ja-JP" dirty="0"/>
           </a:p>
         </p:txBody>
@@ -6140,7 +6136,7 @@
     </p:spTree>
     <p:extLst>
       <p:ext uri="{BB962C8B-B14F-4D97-AF65-F5344CB8AC3E}">
-        <p14:creationId xmlns:p14="http://schemas.microsoft.com/office/powerpoint/2010/main" val="2421870203"/>
+        <p14:creationId xmlns:p14="http://schemas.microsoft.com/office/powerpoint/2010/main" val="2634613038"/>
       </p:ext>
     </p:extLst>
   </p:cSld>
@@ -6245,7 +6241,7 @@
     </p:spTree>
     <p:extLst>
       <p:ext uri="{BB962C8B-B14F-4D97-AF65-F5344CB8AC3E}">
-        <p14:creationId xmlns:p14="http://schemas.microsoft.com/office/powerpoint/2010/main" val="2634613038"/>
+        <p14:creationId xmlns:p14="http://schemas.microsoft.com/office/powerpoint/2010/main" val="26260169"/>
       </p:ext>
     </p:extLst>
   </p:cSld>
@@ -6299,28 +6295,7 @@
           <a:bodyPr/>
           <a:lstStyle/>
           <a:p>
-            <a:pPr marL="0" marR="0" lvl="0" indent="0" algn="l" defTabSz="914400" rtl="0" eaLnBrk="1" fontAlgn="auto" latinLnBrk="0" hangingPunct="1">
-              <a:lnSpc>
-                <a:spcPct val="100000"/>
-              </a:lnSpc>
-              <a:spcBef>
-                <a:spcPts val="0"/>
-              </a:spcBef>
-              <a:spcAft>
-                <a:spcPts val="0"/>
-              </a:spcAft>
-              <a:buClrTx/>
-              <a:buSzTx/>
-              <a:buFontTx/>
-              <a:buNone/>
-              <a:tabLst/>
-              <a:defRPr/>
-            </a:pPr>
-            <a:r>
-              <a:rPr kumimoji="1" lang="ja-JP" altLang="en-US" dirty="0"/>
-              <a:t>個人では、このような成長ができました。今後は、この研修での学びを活かして業務に取り組んでいきます。</a:t>
-            </a:r>
-            <a:endParaRPr kumimoji="1" lang="en-US" altLang="ja-JP" dirty="0"/>
+            <a:endParaRPr kumimoji="1" lang="ja-JP" altLang="en-US" dirty="0"/>
           </a:p>
         </p:txBody>
       </p:sp>
@@ -6339,93 +6314,9 @@
           <a:bodyPr/>
           <a:lstStyle/>
           <a:p>
-            <a:fld id="{C59D74C6-9C2E-47F2-9943-FD41646989DE}" type="slidenum">
+            <a:fld id="{D4CB765E-9AF7-4318-BD2A-D662ADA2D2AB}" type="slidenum">
               <a:rPr kumimoji="1" lang="ja-JP" altLang="en-US" smtClean="0"/>
               <a:t>28</a:t>
-            </a:fld>
-            <a:endParaRPr kumimoji="1" lang="ja-JP" altLang="en-US"/>
-          </a:p>
-        </p:txBody>
-      </p:sp>
-    </p:spTree>
-    <p:extLst>
-      <p:ext uri="{BB962C8B-B14F-4D97-AF65-F5344CB8AC3E}">
-        <p14:creationId xmlns:p14="http://schemas.microsoft.com/office/powerpoint/2010/main" val="26260169"/>
-      </p:ext>
-    </p:extLst>
-  </p:cSld>
-  <p:clrMapOvr>
-    <a:masterClrMapping/>
-  </p:clrMapOvr>
-</p:notes>
-</file>
-
-<file path=ppt/notesSlides/notesSlide25.xml><?xml version="1.0" encoding="utf-8"?>
-<p:notes xmlns:a="http://schemas.openxmlformats.org/drawingml/2006/main" xmlns:r="http://schemas.openxmlformats.org/officeDocument/2006/relationships" xmlns:p="http://schemas.openxmlformats.org/presentationml/2006/main">
-  <p:cSld>
-    <p:spTree>
-      <p:nvGrpSpPr>
-        <p:cNvPr id="1" name=""/>
-        <p:cNvGrpSpPr/>
-        <p:nvPr/>
-      </p:nvGrpSpPr>
-      <p:grpSpPr>
-        <a:xfrm>
-          <a:off x="0" y="0"/>
-          <a:ext cx="0" cy="0"/>
-          <a:chOff x="0" y="0"/>
-          <a:chExt cx="0" cy="0"/>
-        </a:xfrm>
-      </p:grpSpPr>
-      <p:sp>
-        <p:nvSpPr>
-          <p:cNvPr id="2" name="スライド イメージ プレースホルダー 1"/>
-          <p:cNvSpPr>
-            <a:spLocks noGrp="1" noRot="1" noChangeAspect="1"/>
-          </p:cNvSpPr>
-          <p:nvPr>
-            <p:ph type="sldImg"/>
-          </p:nvPr>
-        </p:nvSpPr>
-        <p:spPr/>
-      </p:sp>
-      <p:sp>
-        <p:nvSpPr>
-          <p:cNvPr id="3" name="ノート プレースホルダー 2"/>
-          <p:cNvSpPr>
-            <a:spLocks noGrp="1"/>
-          </p:cNvSpPr>
-          <p:nvPr>
-            <p:ph type="body" idx="1"/>
-          </p:nvPr>
-        </p:nvSpPr>
-        <p:spPr/>
-        <p:txBody>
-          <a:bodyPr/>
-          <a:lstStyle/>
-          <a:p>
-            <a:endParaRPr kumimoji="1" lang="ja-JP" altLang="en-US" dirty="0"/>
-          </a:p>
-        </p:txBody>
-      </p:sp>
-      <p:sp>
-        <p:nvSpPr>
-          <p:cNvPr id="4" name="スライド番号プレースホルダー 3"/>
-          <p:cNvSpPr>
-            <a:spLocks noGrp="1"/>
-          </p:cNvSpPr>
-          <p:nvPr>
-            <p:ph type="sldNum" sz="quarter" idx="5"/>
-          </p:nvPr>
-        </p:nvSpPr>
-        <p:spPr/>
-        <p:txBody>
-          <a:bodyPr/>
-          <a:lstStyle/>
-          <a:p>
-            <a:fld id="{D4CB765E-9AF7-4318-BD2A-D662ADA2D2AB}" type="slidenum">
-              <a:rPr kumimoji="1" lang="ja-JP" altLang="en-US" smtClean="0"/>
-              <a:t>29</a:t>
             </a:fld>
             <a:endParaRPr kumimoji="1" lang="ja-JP" altLang="en-US"/>
           </a:p>
@@ -6488,6 +6379,31 @@
           <a:bodyPr/>
           <a:lstStyle/>
           <a:p>
+            <a:r>
+              <a:rPr kumimoji="1" lang="ja-JP" altLang="en-US" dirty="0"/>
+              <a:t>今回の開発テーマです。</a:t>
+            </a:r>
+            <a:endParaRPr kumimoji="1" lang="en-US" altLang="ja-JP" dirty="0"/>
+          </a:p>
+          <a:p>
+            <a:r>
+              <a:rPr kumimoji="1" lang="ja-JP" altLang="en-US" dirty="0"/>
+              <a:t>ターゲットは、同年代の一人暮らし会社員に設定しました。運動不足に悩み、ダイエットしなければいけないけどどう変えればいいのか悩んでいる人に向けています。</a:t>
+            </a:r>
+            <a:endParaRPr kumimoji="1" lang="en-US" altLang="ja-JP" dirty="0"/>
+          </a:p>
+          <a:p>
+            <a:r>
+              <a:rPr kumimoji="1" lang="ja-JP" altLang="en-US" dirty="0"/>
+              <a:t>アプリの目的は、利用者にダイエットの意識が生まれる・利用者がアプリの利用を継続できることです。</a:t>
+            </a:r>
+            <a:endParaRPr kumimoji="1" lang="en-US" altLang="ja-JP" dirty="0"/>
+          </a:p>
+          <a:p>
+            <a:r>
+              <a:rPr kumimoji="1" lang="ja-JP" altLang="en-US" dirty="0"/>
+              <a:t>この目的を達成するためには、ターゲットにダイエットに対する意識を高めてもらう必要があります</a:t>
+            </a:r>
             <a:endParaRPr kumimoji="1" lang="en-US" altLang="ja-JP" dirty="0"/>
           </a:p>
         </p:txBody>
@@ -6509,7 +6425,7 @@
           <a:p>
             <a:fld id="{C59D74C6-9C2E-47F2-9943-FD41646989DE}" type="slidenum">
               <a:rPr kumimoji="1" lang="ja-JP" altLang="en-US" smtClean="0"/>
-              <a:t>3</a:t>
+              <a:t>4</a:t>
             </a:fld>
             <a:endParaRPr kumimoji="1" lang="ja-JP" altLang="en-US"/>
           </a:p>
@@ -6518,7 +6434,7 @@
     </p:spTree>
     <p:extLst>
       <p:ext uri="{BB962C8B-B14F-4D97-AF65-F5344CB8AC3E}">
-        <p14:creationId xmlns:p14="http://schemas.microsoft.com/office/powerpoint/2010/main" val="170412088"/>
+        <p14:creationId xmlns:p14="http://schemas.microsoft.com/office/powerpoint/2010/main" val="1132183257"/>
       </p:ext>
     </p:extLst>
   </p:cSld>
@@ -6574,30 +6490,47 @@
           <a:p>
             <a:r>
               <a:rPr kumimoji="1" lang="ja-JP" altLang="en-US" dirty="0"/>
-              <a:t>今回の開発テーマです。</a:t>
+              <a:t>では、ターゲットにダイエットに対する意識を高めてもらうには、どうすればいいでしょうか。</a:t>
             </a:r>
             <a:endParaRPr kumimoji="1" lang="en-US" altLang="ja-JP" dirty="0"/>
           </a:p>
           <a:p>
             <a:r>
               <a:rPr kumimoji="1" lang="ja-JP" altLang="en-US" dirty="0"/>
-              <a:t>ターゲットは、同年代の一人暮らし会社員に設定しました。運動不足に悩み、ダイエットしなければいけないけどどう変えればいいのか悩んでいる人に向けています。</a:t>
+              <a:t>私たちは、ダイエットに対するハードルが高いのではないかと考えました。</a:t>
             </a:r>
             <a:endParaRPr kumimoji="1" lang="en-US" altLang="ja-JP" dirty="0"/>
           </a:p>
           <a:p>
             <a:r>
-              <a:rPr kumimoji="1" lang="ja-JP" altLang="en-US" dirty="0"/>
-              <a:t>アプリの目的は、利用者にダイエットの意識が生まれる・利用者がアプリの利用を継続できることです。</a:t>
-            </a:r>
-            <a:endParaRPr kumimoji="1" lang="en-US" altLang="ja-JP" dirty="0"/>
-          </a:p>
-          <a:p>
-            <a:r>
-              <a:rPr kumimoji="1" lang="ja-JP" altLang="en-US" dirty="0"/>
-              <a:t>この目的を達成するためには、ターゲットにダイエットに対する意識を高めてもらう必要があります</a:t>
-            </a:r>
-            <a:endParaRPr kumimoji="1" lang="en-US" altLang="ja-JP" dirty="0"/>
+              <a:rPr kumimoji="1" lang="ja-JP" altLang="en-US" b="0" dirty="0"/>
+              <a:t>例えば、～といったような要因です。</a:t>
+            </a:r>
+            <a:endParaRPr kumimoji="1" lang="en-US" altLang="ja-JP" b="0" dirty="0"/>
+          </a:p>
+          <a:p>
+            <a:pPr marL="0" marR="0" lvl="0" indent="0" algn="l" defTabSz="914400" rtl="0" eaLnBrk="1" fontAlgn="auto" latinLnBrk="0" hangingPunct="1">
+              <a:lnSpc>
+                <a:spcPct val="100000"/>
+              </a:lnSpc>
+              <a:spcBef>
+                <a:spcPts val="0"/>
+              </a:spcBef>
+              <a:spcAft>
+                <a:spcPts val="0"/>
+              </a:spcAft>
+              <a:buClrTx/>
+              <a:buSzTx/>
+              <a:buFontTx/>
+              <a:buNone/>
+              <a:tabLst/>
+              <a:defRPr/>
+            </a:pPr>
+            <a:r>
+              <a:rPr kumimoji="1" lang="ja-JP" altLang="en-US" b="0" dirty="0"/>
+              <a:t>これらのハードルを下げることができれば、ターゲットの意識が変わり、役に立つアプリになると考えました。</a:t>
+            </a:r>
+            <a:endParaRPr kumimoji="1" lang="en-US" altLang="ja-JP" b="0" dirty="0"/>
           </a:p>
         </p:txBody>
       </p:sp>
@@ -6627,7 +6560,7 @@
     </p:spTree>
     <p:extLst>
       <p:ext uri="{BB962C8B-B14F-4D97-AF65-F5344CB8AC3E}">
-        <p14:creationId xmlns:p14="http://schemas.microsoft.com/office/powerpoint/2010/main" val="1132183257"/>
+        <p14:creationId xmlns:p14="http://schemas.microsoft.com/office/powerpoint/2010/main" val="1621010466"/>
       </p:ext>
     </p:extLst>
   </p:cSld>
@@ -6681,27 +6614,6 @@
           <a:bodyPr/>
           <a:lstStyle/>
           <a:p>
-            <a:r>
-              <a:rPr kumimoji="1" lang="ja-JP" altLang="en-US" dirty="0"/>
-              <a:t>では、ターゲットにダイエットに対する意識を高めてもらうには、どうすればいいでしょうか。</a:t>
-            </a:r>
-            <a:endParaRPr kumimoji="1" lang="en-US" altLang="ja-JP" dirty="0"/>
-          </a:p>
-          <a:p>
-            <a:r>
-              <a:rPr kumimoji="1" lang="ja-JP" altLang="en-US" dirty="0"/>
-              <a:t>私たちは、ダイエットに対するハードルが高いのではないかと考えました。</a:t>
-            </a:r>
-            <a:endParaRPr kumimoji="1" lang="en-US" altLang="ja-JP" dirty="0"/>
-          </a:p>
-          <a:p>
-            <a:r>
-              <a:rPr kumimoji="1" lang="ja-JP" altLang="en-US" b="0" dirty="0"/>
-              <a:t>例えば、～といったような要因です。</a:t>
-            </a:r>
-            <a:endParaRPr kumimoji="1" lang="en-US" altLang="ja-JP" b="0" dirty="0"/>
-          </a:p>
-          <a:p>
             <a:pPr marL="0" marR="0" lvl="0" indent="0" algn="l" defTabSz="914400" rtl="0" eaLnBrk="1" fontAlgn="auto" latinLnBrk="0" hangingPunct="1">
               <a:lnSpc>
                 <a:spcPct val="100000"/>
@@ -6720,10 +6632,14 @@
               <a:defRPr/>
             </a:pPr>
             <a:r>
-              <a:rPr kumimoji="1" lang="ja-JP" altLang="en-US" b="0" dirty="0"/>
-              <a:t>これらのハードルを下げることができれば、ターゲットの意識が変わり、役に立つアプリになると考えました。</a:t>
-            </a:r>
-            <a:endParaRPr kumimoji="1" lang="en-US" altLang="ja-JP" b="0" dirty="0"/>
+              <a:rPr kumimoji="1" lang="ja-JP" altLang="en-US" sz="1200" b="0" dirty="0">
+                <a:latin typeface="+mn-ea"/>
+              </a:rPr>
+              <a:t>私たちは、これらのハードルを下げ、ゆるく意識を変えていけるようなアプリを目指しました。</a:t>
+            </a:r>
+            <a:endParaRPr kumimoji="1" lang="en-US" altLang="ja-JP" sz="1200" b="0" dirty="0">
+              <a:latin typeface="+mn-ea"/>
+            </a:endParaRPr>
           </a:p>
         </p:txBody>
       </p:sp>
@@ -6753,7 +6669,7 @@
     </p:spTree>
     <p:extLst>
       <p:ext uri="{BB962C8B-B14F-4D97-AF65-F5344CB8AC3E}">
-        <p14:creationId xmlns:p14="http://schemas.microsoft.com/office/powerpoint/2010/main" val="1621010466"/>
+        <p14:creationId xmlns:p14="http://schemas.microsoft.com/office/powerpoint/2010/main" val="2286980940"/>
       </p:ext>
     </p:extLst>
   </p:cSld>
@@ -6825,14 +6741,130 @@
               <a:defRPr/>
             </a:pPr>
             <a:r>
-              <a:rPr kumimoji="1" lang="ja-JP" altLang="en-US" sz="1200" b="0" dirty="0">
-                <a:latin typeface="+mn-ea"/>
-              </a:rPr>
-              <a:t>私たちは、これらのハードルを下げ、ゆるく意識を変えていけるようなアプリを目指しました。</a:t>
-            </a:r>
-            <a:endParaRPr kumimoji="1" lang="en-US" altLang="ja-JP" sz="1200" b="0" dirty="0">
-              <a:latin typeface="+mn-ea"/>
-            </a:endParaRPr>
+              <a:rPr kumimoji="1" lang="ja-JP" altLang="en-US" dirty="0"/>
+              <a:t>では、アプリの内容に入っていきます。</a:t>
+            </a:r>
+            <a:endParaRPr kumimoji="1" lang="en-US" altLang="ja-JP" dirty="0"/>
+          </a:p>
+          <a:p>
+            <a:pPr marL="0" marR="0" lvl="0" indent="0" algn="l" defTabSz="914400" rtl="0" eaLnBrk="1" fontAlgn="auto" latinLnBrk="0" hangingPunct="1">
+              <a:lnSpc>
+                <a:spcPct val="100000"/>
+              </a:lnSpc>
+              <a:spcBef>
+                <a:spcPts val="0"/>
+              </a:spcBef>
+              <a:spcAft>
+                <a:spcPts val="0"/>
+              </a:spcAft>
+              <a:buClrTx/>
+              <a:buSzTx/>
+              <a:buFontTx/>
+              <a:buNone/>
+              <a:tabLst/>
+              <a:defRPr/>
+            </a:pPr>
+            <a:r>
+              <a:rPr kumimoji="1" lang="ja-JP" altLang="en-US" dirty="0"/>
+              <a:t>私たちが作ったアプリ名は、「きょうから」です。</a:t>
+            </a:r>
+            <a:endParaRPr kumimoji="1" lang="en-US" altLang="ja-JP" dirty="0"/>
+          </a:p>
+          <a:p>
+            <a:pPr marL="0" marR="0" lvl="0" indent="0" algn="l" defTabSz="914400" rtl="0" eaLnBrk="1" fontAlgn="auto" latinLnBrk="0" hangingPunct="1">
+              <a:lnSpc>
+                <a:spcPct val="100000"/>
+              </a:lnSpc>
+              <a:spcBef>
+                <a:spcPts val="0"/>
+              </a:spcBef>
+              <a:spcAft>
+                <a:spcPts val="0"/>
+              </a:spcAft>
+              <a:buClrTx/>
+              <a:buSzTx/>
+              <a:buFontTx/>
+              <a:buNone/>
+              <a:tabLst/>
+              <a:defRPr/>
+            </a:pPr>
+            <a:r>
+              <a:rPr kumimoji="1" lang="ja-JP" altLang="en-US" dirty="0"/>
+              <a:t>このアプリ名には・</a:t>
+            </a:r>
+            <a:r>
+              <a:rPr lang="ja-JP" altLang="en-US" sz="1400" b="1" dirty="0">
+                <a:latin typeface="+mn-ea"/>
+              </a:rPr>
+              <a:t>きょうから</a:t>
+            </a:r>
+            <a:r>
+              <a:rPr lang="ja-JP" altLang="en-US" sz="1200" dirty="0">
+                <a:latin typeface="+mn-ea"/>
+              </a:rPr>
+              <a:t>意識を変えていこう・</a:t>
+            </a:r>
+            <a:r>
+              <a:rPr lang="ja-JP" altLang="en-US" sz="1400" b="1" dirty="0">
+                <a:latin typeface="+mn-ea"/>
+              </a:rPr>
+              <a:t>きょうのからだ</a:t>
+            </a:r>
+            <a:r>
+              <a:rPr lang="ja-JP" altLang="en-US" sz="1200" dirty="0">
+                <a:latin typeface="+mn-ea"/>
+              </a:rPr>
+              <a:t>を記録しようという、２つの意味があります。</a:t>
+            </a:r>
+            <a:endParaRPr kumimoji="1" lang="en-US" altLang="ja-JP" dirty="0"/>
+          </a:p>
+          <a:p>
+            <a:pPr marL="0" marR="0" lvl="0" indent="0" algn="l" defTabSz="914400" rtl="0" eaLnBrk="1" fontAlgn="auto" latinLnBrk="0" hangingPunct="1">
+              <a:lnSpc>
+                <a:spcPct val="100000"/>
+              </a:lnSpc>
+              <a:spcBef>
+                <a:spcPts val="0"/>
+              </a:spcBef>
+              <a:spcAft>
+                <a:spcPts val="0"/>
+              </a:spcAft>
+              <a:buClrTx/>
+              <a:buSzTx/>
+              <a:buFontTx/>
+              <a:buNone/>
+              <a:tabLst/>
+              <a:defRPr/>
+            </a:pPr>
+            <a:r>
+              <a:rPr kumimoji="1" lang="ja-JP" altLang="en-US" dirty="0"/>
+              <a:t>また、ひらがなにすることで柔らかい雰囲気にしました。</a:t>
+            </a:r>
+            <a:endParaRPr kumimoji="1" lang="en-US" altLang="ja-JP" dirty="0"/>
+          </a:p>
+          <a:p>
+            <a:pPr marL="0" marR="0" lvl="0" indent="0" algn="l" defTabSz="914400" rtl="0" eaLnBrk="1" fontAlgn="auto" latinLnBrk="0" hangingPunct="1">
+              <a:lnSpc>
+                <a:spcPct val="100000"/>
+              </a:lnSpc>
+              <a:spcBef>
+                <a:spcPts val="0"/>
+              </a:spcBef>
+              <a:spcAft>
+                <a:spcPts val="0"/>
+              </a:spcAft>
+              <a:buClrTx/>
+              <a:buSzTx/>
+              <a:buFontTx/>
+              <a:buNone/>
+              <a:tabLst/>
+              <a:defRPr/>
+            </a:pPr>
+            <a:r>
+              <a:rPr kumimoji="1" lang="ja-JP" altLang="en-US" dirty="0"/>
+              <a:t>次のスライドからは、「きょうから」の強みを３つに分けてお伝えします。</a:t>
+            </a:r>
+            <a:endParaRPr kumimoji="1" lang="en-US" altLang="ja-JP" dirty="0"/>
           </a:p>
         </p:txBody>
       </p:sp>
@@ -6862,7 +6894,7 @@
     </p:spTree>
     <p:extLst>
       <p:ext uri="{BB962C8B-B14F-4D97-AF65-F5344CB8AC3E}">
-        <p14:creationId xmlns:p14="http://schemas.microsoft.com/office/powerpoint/2010/main" val="2286980940"/>
+        <p14:creationId xmlns:p14="http://schemas.microsoft.com/office/powerpoint/2010/main" val="56062860"/>
       </p:ext>
     </p:extLst>
   </p:cSld>
@@ -6916,148 +6948,42 @@
           <a:bodyPr/>
           <a:lstStyle/>
           <a:p>
-            <a:pPr marL="0" marR="0" lvl="0" indent="0" algn="l" defTabSz="914400" rtl="0" eaLnBrk="1" fontAlgn="auto" latinLnBrk="0" hangingPunct="1">
-              <a:lnSpc>
-                <a:spcPct val="100000"/>
-              </a:lnSpc>
-              <a:spcBef>
-                <a:spcPts val="0"/>
-              </a:spcBef>
-              <a:spcAft>
-                <a:spcPts val="0"/>
-              </a:spcAft>
-              <a:buClrTx/>
-              <a:buSzTx/>
-              <a:buFontTx/>
-              <a:buNone/>
-              <a:tabLst/>
-              <a:defRPr/>
-            </a:pPr>
             <a:r>
               <a:rPr kumimoji="1" lang="ja-JP" altLang="en-US" dirty="0"/>
-              <a:t>では、アプリの内容に入っていきます。</a:t>
+              <a:t>「きょうから」の強みはこの大きくこの</a:t>
+            </a:r>
+            <a:r>
+              <a:rPr kumimoji="1" lang="en-US" altLang="ja-JP" dirty="0"/>
+              <a:t>3</a:t>
+            </a:r>
+            <a:r>
+              <a:rPr kumimoji="1" lang="ja-JP" altLang="en-US" dirty="0"/>
+              <a:t>つに分けられます</a:t>
             </a:r>
             <a:endParaRPr kumimoji="1" lang="en-US" altLang="ja-JP" dirty="0"/>
           </a:p>
           <a:p>
-            <a:pPr marL="0" marR="0" lvl="0" indent="0" algn="l" defTabSz="914400" rtl="0" eaLnBrk="1" fontAlgn="auto" latinLnBrk="0" hangingPunct="1">
-              <a:lnSpc>
-                <a:spcPct val="100000"/>
-              </a:lnSpc>
-              <a:spcBef>
-                <a:spcPts val="0"/>
-              </a:spcBef>
-              <a:spcAft>
-                <a:spcPts val="0"/>
-              </a:spcAft>
-              <a:buClrTx/>
-              <a:buSzTx/>
-              <a:buFontTx/>
-              <a:buNone/>
-              <a:tabLst/>
-              <a:defRPr/>
-            </a:pPr>
             <a:r>
               <a:rPr kumimoji="1" lang="ja-JP" altLang="en-US" dirty="0"/>
-              <a:t>私たちが作ったアプリ名は、「きょうから」です。</a:t>
+              <a:t>「スライドショー・グラフ機能で変化が分かる」・「食事記録で意識が変わる」・「匿名掲示板で交流できる」ことで、継続できるアプリにしました。</a:t>
             </a:r>
             <a:endParaRPr kumimoji="1" lang="en-US" altLang="ja-JP" dirty="0"/>
           </a:p>
           <a:p>
-            <a:pPr marL="0" marR="0" lvl="0" indent="0" algn="l" defTabSz="914400" rtl="0" eaLnBrk="1" fontAlgn="auto" latinLnBrk="0" hangingPunct="1">
-              <a:lnSpc>
-                <a:spcPct val="100000"/>
-              </a:lnSpc>
-              <a:spcBef>
-                <a:spcPts val="0"/>
-              </a:spcBef>
-              <a:spcAft>
-                <a:spcPts val="0"/>
-              </a:spcAft>
-              <a:buClrTx/>
-              <a:buSzTx/>
-              <a:buFontTx/>
-              <a:buNone/>
-              <a:tabLst/>
-              <a:defRPr/>
-            </a:pPr>
             <a:r>
               <a:rPr kumimoji="1" lang="ja-JP" altLang="en-US" dirty="0"/>
-              <a:t>このアプリ名には・</a:t>
-            </a:r>
-            <a:r>
-              <a:rPr lang="ja-JP" altLang="en-US" sz="1400" b="1" dirty="0">
-                <a:latin typeface="+mn-ea"/>
-              </a:rPr>
-              <a:t>きょうから</a:t>
-            </a:r>
-            <a:r>
-              <a:rPr lang="ja-JP" altLang="en-US" sz="1200" dirty="0">
-                <a:latin typeface="+mn-ea"/>
-              </a:rPr>
-              <a:t>意識を変えていこう・</a:t>
-            </a:r>
-            <a:r>
-              <a:rPr lang="ja-JP" altLang="en-US" sz="1400" b="1" dirty="0">
-                <a:latin typeface="+mn-ea"/>
-              </a:rPr>
-              <a:t>きょうのからだ</a:t>
-            </a:r>
-            <a:r>
-              <a:rPr lang="ja-JP" altLang="en-US" sz="1200" dirty="0">
-                <a:latin typeface="+mn-ea"/>
-              </a:rPr>
-              <a:t>を記録しようという、２つの意味があります。</a:t>
-            </a:r>
-            <a:endParaRPr kumimoji="1" lang="en-US" altLang="ja-JP" dirty="0"/>
-          </a:p>
-          <a:p>
-            <a:pPr marL="0" marR="0" lvl="0" indent="0" algn="l" defTabSz="914400" rtl="0" eaLnBrk="1" fontAlgn="auto" latinLnBrk="0" hangingPunct="1">
-              <a:lnSpc>
-                <a:spcPct val="100000"/>
-              </a:lnSpc>
-              <a:spcBef>
-                <a:spcPts val="0"/>
-              </a:spcBef>
-              <a:spcAft>
-                <a:spcPts val="0"/>
-              </a:spcAft>
-              <a:buClrTx/>
-              <a:buSzTx/>
-              <a:buFontTx/>
-              <a:buNone/>
-              <a:tabLst/>
-              <a:defRPr/>
-            </a:pPr>
+              <a:t>ここから、それぞれについて説明していきます。</a:t>
+            </a:r>
+            <a:r>
+              <a:rPr kumimoji="1" lang="en-US" altLang="ja-JP" dirty="0"/>
+              <a:t>	</a:t>
+            </a:r>
+          </a:p>
+          <a:p>
             <a:r>
               <a:rPr kumimoji="1" lang="ja-JP" altLang="en-US" dirty="0"/>
-              <a:t>また、ひらがなにすることで柔らかい雰囲気にしました。</a:t>
-            </a:r>
-            <a:endParaRPr kumimoji="1" lang="en-US" altLang="ja-JP" dirty="0"/>
-          </a:p>
-          <a:p>
-            <a:pPr marL="0" marR="0" lvl="0" indent="0" algn="l" defTabSz="914400" rtl="0" eaLnBrk="1" fontAlgn="auto" latinLnBrk="0" hangingPunct="1">
-              <a:lnSpc>
-                <a:spcPct val="100000"/>
-              </a:lnSpc>
-              <a:spcBef>
-                <a:spcPts val="0"/>
-              </a:spcBef>
-              <a:spcAft>
-                <a:spcPts val="0"/>
-              </a:spcAft>
-              <a:buClrTx/>
-              <a:buSzTx/>
-              <a:buFontTx/>
-              <a:buNone/>
-              <a:tabLst/>
-              <a:defRPr/>
-            </a:pPr>
-            <a:r>
-              <a:rPr kumimoji="1" lang="ja-JP" altLang="en-US" dirty="0"/>
-              <a:t>次のスライドからは、「きょうから」の強みを３つに分けてお伝えします。</a:t>
-            </a:r>
-            <a:endParaRPr kumimoji="1" lang="en-US" altLang="ja-JP" dirty="0"/>
+              <a:t>２分</a:t>
+            </a:r>
           </a:p>
         </p:txBody>
       </p:sp>
@@ -7087,7 +7013,7 @@
     </p:spTree>
     <p:extLst>
       <p:ext uri="{BB962C8B-B14F-4D97-AF65-F5344CB8AC3E}">
-        <p14:creationId xmlns:p14="http://schemas.microsoft.com/office/powerpoint/2010/main" val="56062860"/>
+        <p14:creationId xmlns:p14="http://schemas.microsoft.com/office/powerpoint/2010/main" val="1918092922"/>
       </p:ext>
     </p:extLst>
   </p:cSld>
@@ -7143,39 +7069,7 @@
           <a:p>
             <a:r>
               <a:rPr kumimoji="1" lang="ja-JP" altLang="en-US" dirty="0"/>
-              <a:t>「きょうから」の強みはこの大きくこの</a:t>
-            </a:r>
-            <a:r>
-              <a:rPr kumimoji="1" lang="en-US" altLang="ja-JP" dirty="0"/>
-              <a:t>3</a:t>
-            </a:r>
-            <a:r>
-              <a:rPr kumimoji="1" lang="ja-JP" altLang="en-US" dirty="0"/>
-              <a:t>つに分けられます</a:t>
-            </a:r>
-            <a:endParaRPr kumimoji="1" lang="en-US" altLang="ja-JP" dirty="0"/>
-          </a:p>
-          <a:p>
-            <a:r>
-              <a:rPr kumimoji="1" lang="ja-JP" altLang="en-US" dirty="0"/>
-              <a:t>「スライドショー・グラフ機能で変化が分かる」・「食事記録で意識が変わる」・「匿名掲示板で交流できる」ことで、継続できるアプリにしました。</a:t>
-            </a:r>
-            <a:endParaRPr kumimoji="1" lang="en-US" altLang="ja-JP" dirty="0"/>
-          </a:p>
-          <a:p>
-            <a:r>
-              <a:rPr kumimoji="1" lang="ja-JP" altLang="en-US" dirty="0"/>
-              <a:t>ここから、それぞれについて説明していきます。</a:t>
-            </a:r>
-            <a:r>
-              <a:rPr kumimoji="1" lang="en-US" altLang="ja-JP" dirty="0"/>
-              <a:t>	</a:t>
-            </a:r>
-          </a:p>
-          <a:p>
-            <a:r>
-              <a:rPr kumimoji="1" lang="ja-JP" altLang="en-US" dirty="0"/>
-              <a:t>２分</a:t>
+              <a:t>１つ目、「変化が分かる」についてです。</a:t>
             </a:r>
           </a:p>
         </p:txBody>
@@ -7197,7 +7091,7 @@
           <a:p>
             <a:fld id="{C59D74C6-9C2E-47F2-9943-FD41646989DE}" type="slidenum">
               <a:rPr kumimoji="1" lang="ja-JP" altLang="en-US" smtClean="0"/>
-              <a:t>9</a:t>
+              <a:t>10</a:t>
             </a:fld>
             <a:endParaRPr kumimoji="1" lang="ja-JP" altLang="en-US"/>
           </a:p>
@@ -7206,7 +7100,7 @@
     </p:spTree>
     <p:extLst>
       <p:ext uri="{BB962C8B-B14F-4D97-AF65-F5344CB8AC3E}">
-        <p14:creationId xmlns:p14="http://schemas.microsoft.com/office/powerpoint/2010/main" val="1918092922"/>
+        <p14:creationId xmlns:p14="http://schemas.microsoft.com/office/powerpoint/2010/main" val="1374128282"/>
       </p:ext>
     </p:extLst>
   </p:cSld>
@@ -7262,7 +7156,28 @@
           <a:p>
             <a:r>
               <a:rPr kumimoji="1" lang="ja-JP" altLang="en-US" dirty="0"/>
-              <a:t>１つ目、「変化が分かる」についてです。</a:t>
+              <a:t>「きょうから」には、食事記録の機能に加えて、自分の写真をアップロードできる機能があります。</a:t>
+            </a:r>
+            <a:endParaRPr kumimoji="1" lang="en-US" altLang="ja-JP" dirty="0"/>
+          </a:p>
+          <a:p>
+            <a:r>
+              <a:rPr kumimoji="1" lang="ja-JP" altLang="en-US" dirty="0"/>
+              <a:t>その登録した写真をスライドショー形式で確認することで、変化が分かります。</a:t>
+            </a:r>
+            <a:endParaRPr kumimoji="1" lang="en-US" altLang="ja-JP" dirty="0"/>
+          </a:p>
+          <a:p>
+            <a:r>
+              <a:rPr kumimoji="1" lang="ja-JP" altLang="en-US" dirty="0"/>
+              <a:t>また、グラフが動的に表示されるため、変化が可視化されます。</a:t>
+            </a:r>
+            <a:endParaRPr kumimoji="1" lang="en-US" altLang="ja-JP" dirty="0"/>
+          </a:p>
+          <a:p>
+            <a:r>
+              <a:rPr kumimoji="1" lang="ja-JP" altLang="en-US" dirty="0"/>
+              <a:t>これらの機能によって、モチベーションの維持につながると考えられます。</a:t>
             </a:r>
           </a:p>
         </p:txBody>
@@ -7293,7 +7208,7 @@
     </p:spTree>
     <p:extLst>
       <p:ext uri="{BB962C8B-B14F-4D97-AF65-F5344CB8AC3E}">
-        <p14:creationId xmlns:p14="http://schemas.microsoft.com/office/powerpoint/2010/main" val="1374128282"/>
+        <p14:creationId xmlns:p14="http://schemas.microsoft.com/office/powerpoint/2010/main" val="2337115857"/>
       </p:ext>
     </p:extLst>
   </p:cSld>
@@ -11848,119 +11763,6 @@
       </p:grpSpPr>
       <p:sp>
         <p:nvSpPr>
-          <p:cNvPr id="2" name="タイトル 1">
-            <a:extLst>
-              <a:ext uri="{FF2B5EF4-FFF2-40B4-BE49-F238E27FC236}">
-                <a16:creationId xmlns:a16="http://schemas.microsoft.com/office/drawing/2014/main" id="{D3856DAB-798C-40CB-A6B8-2C631B3B15D8}"/>
-              </a:ext>
-            </a:extLst>
-          </p:cNvPr>
-          <p:cNvSpPr txBox="1">
-            <a:spLocks/>
-          </p:cNvSpPr>
-          <p:nvPr/>
-        </p:nvSpPr>
-        <p:spPr>
-          <a:xfrm>
-            <a:off x="1102611" y="2885795"/>
-            <a:ext cx="9986778" cy="1086410"/>
-          </a:xfrm>
-          <a:prstGeom prst="rect">
-            <a:avLst/>
-          </a:prstGeom>
-        </p:spPr>
-        <p:txBody>
-          <a:bodyPr>
-            <a:normAutofit/>
-          </a:bodyPr>
-          <a:lstStyle>
-            <a:lvl1pPr algn="l" defTabSz="914400" rtl="0" eaLnBrk="1" latinLnBrk="0" hangingPunct="1">
-              <a:lnSpc>
-                <a:spcPct val="90000"/>
-              </a:lnSpc>
-              <a:spcBef>
-                <a:spcPct val="0"/>
-              </a:spcBef>
-              <a:buNone/>
-              <a:defRPr kumimoji="1" sz="4400" kern="1200">
-                <a:solidFill>
-                  <a:schemeClr val="tx1"/>
-                </a:solidFill>
-                <a:latin typeface="+mj-lt"/>
-                <a:ea typeface="+mj-ea"/>
-                <a:cs typeface="+mj-cs"/>
-              </a:defRPr>
-            </a:lvl1pPr>
-          </a:lstStyle>
-          <a:p>
-            <a:r>
-              <a:rPr lang="ja-JP" altLang="en-US" sz="6600" b="1" dirty="0">
-                <a:latin typeface="+mn-ea"/>
-                <a:ea typeface="+mn-ea"/>
-              </a:rPr>
-              <a:t>２</a:t>
-            </a:r>
-            <a:r>
-              <a:rPr lang="en-US" altLang="ja-JP" sz="6600" b="1" dirty="0">
-                <a:latin typeface="+mn-ea"/>
-                <a:ea typeface="+mn-ea"/>
-              </a:rPr>
-              <a:t>. </a:t>
-            </a:r>
-            <a:r>
-              <a:rPr lang="ja-JP" altLang="en-US" sz="6600" b="1" dirty="0">
-                <a:latin typeface="+mn-ea"/>
-                <a:ea typeface="+mn-ea"/>
-              </a:rPr>
-              <a:t>「きょうから」の強み</a:t>
-            </a:r>
-          </a:p>
-        </p:txBody>
-      </p:sp>
-    </p:spTree>
-    <p:extLst>
-      <p:ext uri="{BB962C8B-B14F-4D97-AF65-F5344CB8AC3E}">
-        <p14:creationId xmlns:p14="http://schemas.microsoft.com/office/powerpoint/2010/main" val="2076008156"/>
-      </p:ext>
-    </p:extLst>
-  </p:cSld>
-  <p:clrMapOvr>
-    <a:masterClrMapping/>
-  </p:clrMapOvr>
-  <mc:AlternateContent xmlns:mc="http://schemas.openxmlformats.org/markup-compatibility/2006" xmlns:p14="http://schemas.microsoft.com/office/powerpoint/2010/main">
-    <mc:Choice Requires="p14">
-      <p:transition spd="med" p14:dur="700">
-        <p:fade/>
-      </p:transition>
-    </mc:Choice>
-    <mc:Fallback xmlns="">
-      <p:transition spd="med">
-        <p:fade/>
-      </p:transition>
-    </mc:Fallback>
-  </mc:AlternateContent>
-</p:sld>
-</file>
-
-<file path=ppt/slides/slide11.xml><?xml version="1.0" encoding="utf-8"?>
-<p:sld xmlns:a="http://schemas.openxmlformats.org/drawingml/2006/main" xmlns:r="http://schemas.openxmlformats.org/officeDocument/2006/relationships" xmlns:p="http://schemas.openxmlformats.org/presentationml/2006/main">
-  <p:cSld>
-    <p:spTree>
-      <p:nvGrpSpPr>
-        <p:cNvPr id="1" name=""/>
-        <p:cNvGrpSpPr/>
-        <p:nvPr/>
-      </p:nvGrpSpPr>
-      <p:grpSpPr>
-        <a:xfrm>
-          <a:off x="0" y="0"/>
-          <a:ext cx="0" cy="0"/>
-          <a:chOff x="0" y="0"/>
-          <a:chExt cx="0" cy="0"/>
-        </a:xfrm>
-      </p:grpSpPr>
-      <p:sp>
-        <p:nvSpPr>
           <p:cNvPr id="7" name="フリーフォーム: 図形 6">
             <a:extLst>
               <a:ext uri="{FF2B5EF4-FFF2-40B4-BE49-F238E27FC236}">
@@ -12574,7 +12376,7 @@
 </p:sld>
 </file>
 
-<file path=ppt/slides/slide12.xml><?xml version="1.0" encoding="utf-8"?>
+<file path=ppt/slides/slide11.xml><?xml version="1.0" encoding="utf-8"?>
 <p:sld xmlns:a="http://schemas.openxmlformats.org/drawingml/2006/main" xmlns:r="http://schemas.openxmlformats.org/officeDocument/2006/relationships" xmlns:p="http://schemas.openxmlformats.org/presentationml/2006/main">
   <p:cSld>
     <p:spTree>
@@ -12772,7 +12574,7 @@
 </p:sld>
 </file>
 
-<file path=ppt/slides/slide13.xml><?xml version="1.0" encoding="utf-8"?>
+<file path=ppt/slides/slide12.xml><?xml version="1.0" encoding="utf-8"?>
 <p:sld xmlns:a="http://schemas.openxmlformats.org/drawingml/2006/main" xmlns:r="http://schemas.openxmlformats.org/officeDocument/2006/relationships" xmlns:p="http://schemas.openxmlformats.org/presentationml/2006/main">
   <p:cSld>
     <p:spTree>
@@ -13371,7 +13173,7 @@
 </p:sld>
 </file>
 
-<file path=ppt/slides/slide14.xml><?xml version="1.0" encoding="utf-8"?>
+<file path=ppt/slides/slide13.xml><?xml version="1.0" encoding="utf-8"?>
 <p:sld xmlns:a="http://schemas.openxmlformats.org/drawingml/2006/main" xmlns:r="http://schemas.openxmlformats.org/officeDocument/2006/relationships" xmlns:p="http://schemas.openxmlformats.org/presentationml/2006/main">
   <p:cSld>
     <p:spTree>
@@ -13669,7 +13471,7 @@
 </p:sld>
 </file>
 
-<file path=ppt/slides/slide15.xml><?xml version="1.0" encoding="utf-8"?>
+<file path=ppt/slides/slide14.xml><?xml version="1.0" encoding="utf-8"?>
 <p:sld xmlns:a="http://schemas.openxmlformats.org/drawingml/2006/main" xmlns:r="http://schemas.openxmlformats.org/officeDocument/2006/relationships" xmlns:p="http://schemas.openxmlformats.org/presentationml/2006/main">
   <p:cSld>
     <p:spTree>
@@ -14268,7 +14070,7 @@
 </p:sld>
 </file>
 
-<file path=ppt/slides/slide16.xml><?xml version="1.0" encoding="utf-8"?>
+<file path=ppt/slides/slide15.xml><?xml version="1.0" encoding="utf-8"?>
 <p:sld xmlns:a="http://schemas.openxmlformats.org/drawingml/2006/main" xmlns:r="http://schemas.openxmlformats.org/officeDocument/2006/relationships" xmlns:p="http://schemas.openxmlformats.org/presentationml/2006/main">
   <p:cSld>
     <p:spTree>
@@ -14493,7 +14295,7 @@
 </p:sld>
 </file>
 
-<file path=ppt/slides/slide17.xml><?xml version="1.0" encoding="utf-8"?>
+<file path=ppt/slides/slide16.xml><?xml version="1.0" encoding="utf-8"?>
 <p:sld xmlns:a="http://schemas.openxmlformats.org/drawingml/2006/main" xmlns:r="http://schemas.openxmlformats.org/officeDocument/2006/relationships" xmlns:p="http://schemas.openxmlformats.org/presentationml/2006/main">
   <p:cSld>
     <p:spTree>
@@ -14606,7 +14408,7 @@
 </p:sld>
 </file>
 
-<file path=ppt/slides/slide18.xml><?xml version="1.0" encoding="utf-8"?>
+<file path=ppt/slides/slide17.xml><?xml version="1.0" encoding="utf-8"?>
 <p:sld xmlns:a="http://schemas.openxmlformats.org/drawingml/2006/main" xmlns:r="http://schemas.openxmlformats.org/officeDocument/2006/relationships" xmlns:p="http://schemas.openxmlformats.org/presentationml/2006/main">
   <p:cSld>
     <p:spTree>
@@ -15198,7 +15000,7 @@
 </p:sld>
 </file>
 
-<file path=ppt/slides/slide19.xml><?xml version="1.0" encoding="utf-8"?>
+<file path=ppt/slides/slide18.xml><?xml version="1.0" encoding="utf-8"?>
 <p:sld xmlns:a="http://schemas.openxmlformats.org/drawingml/2006/main" xmlns:r="http://schemas.openxmlformats.org/officeDocument/2006/relationships" xmlns:p="http://schemas.openxmlformats.org/presentationml/2006/main">
   <p:cSld>
     <p:spTree>
@@ -15720,6 +15522,661 @@
 </p:sld>
 </file>
 
+<file path=ppt/slides/slide19.xml><?xml version="1.0" encoding="utf-8"?>
+<p:sld xmlns:a="http://schemas.openxmlformats.org/drawingml/2006/main" xmlns:r="http://schemas.openxmlformats.org/officeDocument/2006/relationships" xmlns:p="http://schemas.openxmlformats.org/presentationml/2006/main">
+  <p:cSld>
+    <p:bg>
+      <p:bgPr>
+        <a:solidFill>
+          <a:schemeClr val="accent1">
+            <a:lumMod val="60000"/>
+            <a:lumOff val="40000"/>
+            <a:alpha val="24000"/>
+          </a:schemeClr>
+        </a:solidFill>
+        <a:effectLst/>
+      </p:bgPr>
+    </p:bg>
+    <p:spTree>
+      <p:nvGrpSpPr>
+        <p:cNvPr id="1" name=""/>
+        <p:cNvGrpSpPr/>
+        <p:nvPr/>
+      </p:nvGrpSpPr>
+      <p:grpSpPr>
+        <a:xfrm>
+          <a:off x="0" y="0"/>
+          <a:ext cx="0" cy="0"/>
+          <a:chOff x="0" y="0"/>
+          <a:chExt cx="0" cy="0"/>
+        </a:xfrm>
+      </p:grpSpPr>
+      <p:sp>
+        <p:nvSpPr>
+          <p:cNvPr id="2" name="タイトル 1">
+            <a:extLst>
+              <a:ext uri="{FF2B5EF4-FFF2-40B4-BE49-F238E27FC236}">
+                <a16:creationId xmlns:a16="http://schemas.microsoft.com/office/drawing/2014/main" id="{B47B7107-4F05-493F-AE6E-8E6721BB548C}"/>
+              </a:ext>
+            </a:extLst>
+          </p:cNvPr>
+          <p:cNvSpPr>
+            <a:spLocks noGrp="1"/>
+          </p:cNvSpPr>
+          <p:nvPr>
+            <p:ph type="title"/>
+          </p:nvPr>
+        </p:nvSpPr>
+        <p:spPr/>
+        <p:txBody>
+          <a:bodyPr/>
+          <a:lstStyle/>
+          <a:p>
+            <a:r>
+              <a:rPr lang="ja-JP" altLang="en-US" b="1" dirty="0">
+                <a:latin typeface="+mn-ea"/>
+                <a:ea typeface="+mn-ea"/>
+              </a:rPr>
+              <a:t>実現したかったこと</a:t>
+            </a:r>
+            <a:endParaRPr kumimoji="1" lang="ja-JP" altLang="en-US" b="1" dirty="0">
+              <a:latin typeface="+mn-ea"/>
+              <a:ea typeface="+mn-ea"/>
+            </a:endParaRPr>
+          </a:p>
+        </p:txBody>
+      </p:sp>
+      <p:sp>
+        <p:nvSpPr>
+          <p:cNvPr id="3" name="コンテンツ プレースホルダー 2">
+            <a:extLst>
+              <a:ext uri="{FF2B5EF4-FFF2-40B4-BE49-F238E27FC236}">
+                <a16:creationId xmlns:a16="http://schemas.microsoft.com/office/drawing/2014/main" id="{62A76065-E3B1-46D7-894F-997299D4A655}"/>
+              </a:ext>
+            </a:extLst>
+          </p:cNvPr>
+          <p:cNvSpPr>
+            <a:spLocks noGrp="1"/>
+          </p:cNvSpPr>
+          <p:nvPr>
+            <p:ph idx="1"/>
+          </p:nvPr>
+        </p:nvSpPr>
+        <p:spPr/>
+        <p:txBody>
+          <a:bodyPr>
+            <a:normAutofit lnSpcReduction="10000"/>
+          </a:bodyPr>
+          <a:lstStyle/>
+          <a:p>
+            <a:pPr marL="0" indent="0">
+              <a:buNone/>
+            </a:pPr>
+            <a:r>
+              <a:rPr kumimoji="1" lang="ja-JP" altLang="en-US" sz="3600" b="1" dirty="0">
+                <a:latin typeface="+mn-ea"/>
+              </a:rPr>
+              <a:t>ランク制度</a:t>
+            </a:r>
+            <a:endParaRPr kumimoji="1" lang="en-US" altLang="ja-JP" sz="3600" b="1" dirty="0">
+              <a:latin typeface="+mn-ea"/>
+            </a:endParaRPr>
+          </a:p>
+          <a:p>
+            <a:pPr marL="0" indent="0">
+              <a:buNone/>
+            </a:pPr>
+            <a:r>
+              <a:rPr lang="en-US" altLang="ja-JP" dirty="0">
+                <a:solidFill>
+                  <a:srgbClr val="000000"/>
+                </a:solidFill>
+                <a:latin typeface="+mn-ea"/>
+              </a:rPr>
+              <a:t>1</a:t>
+            </a:r>
+            <a:r>
+              <a:rPr lang="ja-JP" altLang="en-US" dirty="0">
+                <a:solidFill>
+                  <a:srgbClr val="000000"/>
+                </a:solidFill>
+                <a:latin typeface="+mn-ea"/>
+              </a:rPr>
+              <a:t>日</a:t>
+            </a:r>
+            <a:r>
+              <a:rPr lang="en-US" altLang="ja-JP" dirty="0">
+                <a:solidFill>
+                  <a:srgbClr val="000000"/>
+                </a:solidFill>
+                <a:latin typeface="+mn-ea"/>
+              </a:rPr>
+              <a:t>1</a:t>
+            </a:r>
+            <a:r>
+              <a:rPr lang="ja-JP" altLang="en-US" dirty="0">
+                <a:solidFill>
+                  <a:srgbClr val="000000"/>
+                </a:solidFill>
+                <a:latin typeface="+mn-ea"/>
+              </a:rPr>
+              <a:t>回の登録でポイントがたまり、ランクとして反映される</a:t>
+            </a:r>
+            <a:endParaRPr lang="en-US" altLang="ja-JP" dirty="0">
+              <a:solidFill>
+                <a:srgbClr val="000000"/>
+              </a:solidFill>
+              <a:latin typeface="+mn-ea"/>
+            </a:endParaRPr>
+          </a:p>
+          <a:p>
+            <a:pPr marL="0" indent="0">
+              <a:buNone/>
+            </a:pPr>
+            <a:r>
+              <a:rPr lang="ja-JP" altLang="en-US" b="0" i="0" u="none" strike="noStrike" dirty="0">
+                <a:solidFill>
+                  <a:srgbClr val="000000"/>
+                </a:solidFill>
+                <a:effectLst/>
+                <a:latin typeface="+mn-ea"/>
+              </a:rPr>
+              <a:t>毎日</a:t>
+            </a:r>
+            <a:r>
+              <a:rPr lang="en-US" altLang="ja-JP" b="0" i="0" u="none" strike="noStrike" dirty="0">
+                <a:solidFill>
+                  <a:srgbClr val="000000"/>
+                </a:solidFill>
+                <a:effectLst/>
+                <a:latin typeface="+mn-ea"/>
+              </a:rPr>
+              <a:t>AM3</a:t>
+            </a:r>
+            <a:r>
+              <a:rPr lang="en-US" altLang="ja-JP" dirty="0">
+                <a:solidFill>
+                  <a:srgbClr val="000000"/>
+                </a:solidFill>
+                <a:latin typeface="+mn-ea"/>
+              </a:rPr>
+              <a:t>:00</a:t>
+            </a:r>
+            <a:r>
+              <a:rPr lang="ja-JP" altLang="en-US" b="0" i="0" u="none" strike="noStrike" dirty="0">
+                <a:solidFill>
+                  <a:srgbClr val="000000"/>
+                </a:solidFill>
+                <a:effectLst/>
+                <a:latin typeface="+mn-ea"/>
+              </a:rPr>
+              <a:t>に一斉更新</a:t>
+            </a:r>
+            <a:endParaRPr lang="en-US" altLang="ja-JP" b="0" i="0" u="none" strike="noStrike" dirty="0">
+              <a:solidFill>
+                <a:srgbClr val="000000"/>
+              </a:solidFill>
+              <a:effectLst/>
+              <a:latin typeface="+mn-ea"/>
+            </a:endParaRPr>
+          </a:p>
+          <a:p>
+            <a:pPr marL="0" indent="0">
+              <a:buNone/>
+            </a:pPr>
+            <a:r>
+              <a:rPr lang="en-US" altLang="ja-JP" b="0" i="0" u="none" strike="noStrike" dirty="0">
+                <a:solidFill>
+                  <a:srgbClr val="000000"/>
+                </a:solidFill>
+                <a:effectLst/>
+                <a:latin typeface="+mn-ea"/>
+              </a:rPr>
+              <a:t>3</a:t>
+            </a:r>
+            <a:r>
+              <a:rPr lang="ja-JP" altLang="en-US" b="0" i="0" u="none" strike="noStrike" dirty="0">
+                <a:solidFill>
+                  <a:srgbClr val="000000"/>
+                </a:solidFill>
+                <a:effectLst/>
+                <a:latin typeface="+mn-ea"/>
+              </a:rPr>
+              <a:t>か月</a:t>
+            </a:r>
+            <a:r>
+              <a:rPr lang="en-US" altLang="ja-JP" b="0" i="0" u="none" strike="noStrike" dirty="0">
+                <a:solidFill>
+                  <a:srgbClr val="000000"/>
+                </a:solidFill>
+                <a:effectLst/>
+                <a:latin typeface="+mn-ea"/>
+              </a:rPr>
+              <a:t>(90</a:t>
+            </a:r>
+            <a:r>
+              <a:rPr lang="ja-JP" altLang="en-US" b="0" i="0" u="none" strike="noStrike" dirty="0">
+                <a:solidFill>
+                  <a:srgbClr val="000000"/>
+                </a:solidFill>
+                <a:effectLst/>
+                <a:latin typeface="+mn-ea"/>
+              </a:rPr>
+              <a:t>日</a:t>
+            </a:r>
+            <a:r>
+              <a:rPr lang="en-US" altLang="ja-JP" b="0" i="0" u="none" strike="noStrike" dirty="0">
+                <a:solidFill>
+                  <a:srgbClr val="000000"/>
+                </a:solidFill>
+                <a:effectLst/>
+                <a:latin typeface="+mn-ea"/>
+              </a:rPr>
+              <a:t>)</a:t>
+            </a:r>
+            <a:r>
+              <a:rPr lang="ja-JP" altLang="en-US" b="0" i="0" u="none" strike="noStrike" dirty="0">
+                <a:solidFill>
+                  <a:srgbClr val="000000"/>
+                </a:solidFill>
+                <a:effectLst/>
+                <a:latin typeface="+mn-ea"/>
+              </a:rPr>
+              <a:t>でポイントリセット</a:t>
+            </a:r>
+            <a:endParaRPr lang="en-US" altLang="ja-JP" b="0" i="0" u="none" strike="noStrike" dirty="0">
+              <a:solidFill>
+                <a:srgbClr val="000000"/>
+              </a:solidFill>
+              <a:effectLst/>
+              <a:latin typeface="+mn-ea"/>
+            </a:endParaRPr>
+          </a:p>
+          <a:p>
+            <a:pPr marL="0" indent="0">
+              <a:buNone/>
+            </a:pPr>
+            <a:r>
+              <a:rPr lang="ja-JP" altLang="en-US" b="1" i="0" u="none" strike="noStrike" dirty="0">
+                <a:solidFill>
+                  <a:srgbClr val="000000"/>
+                </a:solidFill>
+                <a:effectLst/>
+                <a:latin typeface="+mn-ea"/>
+              </a:rPr>
+              <a:t>→モチベーションの維持</a:t>
+            </a:r>
+            <a:endParaRPr lang="en-US" altLang="ja-JP" b="1" i="0" u="none" strike="noStrike" dirty="0">
+              <a:solidFill>
+                <a:srgbClr val="000000"/>
+              </a:solidFill>
+              <a:effectLst/>
+              <a:latin typeface="+mn-ea"/>
+            </a:endParaRPr>
+          </a:p>
+          <a:p>
+            <a:pPr marL="0" indent="0">
+              <a:buNone/>
+            </a:pPr>
+            <a:r>
+              <a:rPr lang="ja-JP" altLang="en-US" b="0" i="0" u="none" strike="noStrike" dirty="0">
+                <a:solidFill>
+                  <a:srgbClr val="000000"/>
+                </a:solidFill>
+                <a:effectLst/>
+                <a:latin typeface="+mn-ea"/>
+              </a:rPr>
+              <a:t>ランクごとに称号を付与する</a:t>
+            </a:r>
+            <a:r>
+              <a:rPr lang="en-US" altLang="ja-JP" b="0" i="0" u="none" strike="noStrike" dirty="0">
+                <a:solidFill>
+                  <a:srgbClr val="000000"/>
+                </a:solidFill>
+                <a:effectLst/>
+                <a:latin typeface="+mn-ea"/>
+              </a:rPr>
+              <a:t>(6</a:t>
+            </a:r>
+            <a:r>
+              <a:rPr lang="ja-JP" altLang="en-US" b="0" i="0" u="none" strike="noStrike" dirty="0">
+                <a:solidFill>
+                  <a:srgbClr val="000000"/>
+                </a:solidFill>
+                <a:effectLst/>
+                <a:latin typeface="+mn-ea"/>
+              </a:rPr>
+              <a:t>段階</a:t>
+            </a:r>
+            <a:r>
+              <a:rPr lang="en-US" altLang="ja-JP" b="0" i="0" u="none" strike="noStrike" dirty="0">
+                <a:solidFill>
+                  <a:srgbClr val="000000"/>
+                </a:solidFill>
+                <a:effectLst/>
+                <a:latin typeface="+mn-ea"/>
+              </a:rPr>
+              <a:t>)</a:t>
+            </a:r>
+            <a:br>
+              <a:rPr lang="en-US" altLang="ja-JP" b="0" i="0" u="none" strike="noStrike" dirty="0">
+                <a:solidFill>
+                  <a:srgbClr val="000000"/>
+                </a:solidFill>
+                <a:effectLst/>
+                <a:latin typeface="+mn-ea"/>
+              </a:rPr>
+            </a:br>
+            <a:r>
+              <a:rPr lang="ja-JP" altLang="en-US" b="0" i="0" u="none" strike="noStrike" dirty="0">
+                <a:solidFill>
+                  <a:srgbClr val="000000"/>
+                </a:solidFill>
+                <a:effectLst/>
+                <a:latin typeface="+mn-ea"/>
+              </a:rPr>
+              <a:t>怠惰</a:t>
+            </a:r>
+            <a:r>
+              <a:rPr lang="en-US" altLang="ja-JP" b="0" i="0" u="none" strike="noStrike" dirty="0">
+                <a:solidFill>
+                  <a:srgbClr val="000000"/>
+                </a:solidFill>
+                <a:effectLst/>
+                <a:latin typeface="+mn-ea"/>
+              </a:rPr>
+              <a:t>(0</a:t>
+            </a:r>
+            <a:r>
+              <a:rPr lang="ja-JP" altLang="en-US" b="0" i="0" u="none" strike="noStrike" dirty="0">
+                <a:solidFill>
+                  <a:srgbClr val="000000"/>
+                </a:solidFill>
+                <a:effectLst/>
+                <a:latin typeface="+mn-ea"/>
+              </a:rPr>
+              <a:t>ポイント</a:t>
+            </a:r>
+            <a:r>
+              <a:rPr lang="en-US" altLang="ja-JP" b="0" i="0" u="none" strike="noStrike" dirty="0">
+                <a:solidFill>
+                  <a:srgbClr val="000000"/>
+                </a:solidFill>
+                <a:effectLst/>
+                <a:latin typeface="+mn-ea"/>
+              </a:rPr>
+              <a:t>)</a:t>
+            </a:r>
+            <a:r>
+              <a:rPr lang="ja-JP" altLang="en-US" b="0" i="0" u="none" strike="noStrike" dirty="0">
+                <a:solidFill>
+                  <a:srgbClr val="000000"/>
+                </a:solidFill>
+                <a:effectLst/>
+                <a:latin typeface="+mn-ea"/>
+              </a:rPr>
+              <a:t>：怠け者</a:t>
+            </a:r>
+            <a:r>
+              <a:rPr lang="en-US" altLang="ja-JP" b="0" i="0" u="none" strike="noStrike" dirty="0">
+                <a:solidFill>
+                  <a:srgbClr val="000000"/>
+                </a:solidFill>
+                <a:effectLst/>
+                <a:latin typeface="+mn-ea"/>
+              </a:rPr>
+              <a:t>(4</a:t>
+            </a:r>
+            <a:r>
+              <a:rPr lang="ja-JP" altLang="en-US" b="0" i="0" u="none" strike="noStrike" dirty="0">
+                <a:solidFill>
+                  <a:srgbClr val="000000"/>
+                </a:solidFill>
+                <a:effectLst/>
+                <a:latin typeface="+mn-ea"/>
+              </a:rPr>
+              <a:t>ポイント</a:t>
+            </a:r>
+            <a:r>
+              <a:rPr lang="en-US" altLang="ja-JP" b="0" i="0" u="none" strike="noStrike" dirty="0">
+                <a:solidFill>
+                  <a:srgbClr val="000000"/>
+                </a:solidFill>
+                <a:effectLst/>
+                <a:latin typeface="+mn-ea"/>
+              </a:rPr>
+              <a:t>)</a:t>
+            </a:r>
+            <a:r>
+              <a:rPr lang="ja-JP" altLang="en-US" b="0" i="0" u="none" strike="noStrike" dirty="0">
+                <a:solidFill>
+                  <a:srgbClr val="000000"/>
+                </a:solidFill>
+                <a:effectLst/>
+                <a:latin typeface="+mn-ea"/>
+              </a:rPr>
+              <a:t>：一般人</a:t>
+            </a:r>
+            <a:r>
+              <a:rPr lang="en-US" altLang="ja-JP" b="0" i="0" u="none" strike="noStrike" dirty="0">
+                <a:solidFill>
+                  <a:srgbClr val="000000"/>
+                </a:solidFill>
+                <a:effectLst/>
+                <a:latin typeface="+mn-ea"/>
+              </a:rPr>
+              <a:t>(14</a:t>
+            </a:r>
+            <a:r>
+              <a:rPr lang="ja-JP" altLang="en-US" b="0" i="0" u="none" strike="noStrike" dirty="0">
+                <a:solidFill>
+                  <a:srgbClr val="000000"/>
+                </a:solidFill>
+                <a:effectLst/>
+                <a:latin typeface="+mn-ea"/>
+              </a:rPr>
+              <a:t>ポイント</a:t>
+            </a:r>
+            <a:r>
+              <a:rPr lang="en-US" altLang="ja-JP" b="0" i="0" u="none" strike="noStrike" dirty="0">
+                <a:solidFill>
+                  <a:srgbClr val="000000"/>
+                </a:solidFill>
+                <a:effectLst/>
+                <a:latin typeface="+mn-ea"/>
+              </a:rPr>
+              <a:t>)</a:t>
+            </a:r>
+            <a:r>
+              <a:rPr lang="ja-JP" altLang="en-US" b="0" i="0" u="none" strike="noStrike" dirty="0">
+                <a:solidFill>
+                  <a:srgbClr val="000000"/>
+                </a:solidFill>
+                <a:effectLst/>
+                <a:latin typeface="+mn-ea"/>
+              </a:rPr>
+              <a:t>：</a:t>
+            </a:r>
+            <a:endParaRPr lang="en-US" altLang="ja-JP" dirty="0">
+              <a:solidFill>
+                <a:srgbClr val="000000"/>
+              </a:solidFill>
+              <a:latin typeface="+mn-ea"/>
+            </a:endParaRPr>
+          </a:p>
+          <a:p>
+            <a:pPr marL="0" indent="0">
+              <a:buNone/>
+            </a:pPr>
+            <a:r>
+              <a:rPr lang="ja-JP" altLang="en-US" b="0" i="0" u="none" strike="noStrike" dirty="0">
+                <a:solidFill>
+                  <a:srgbClr val="000000"/>
+                </a:solidFill>
+                <a:effectLst/>
+                <a:latin typeface="+mn-ea"/>
+              </a:rPr>
+              <a:t>エリート</a:t>
+            </a:r>
+            <a:r>
+              <a:rPr lang="en-US" altLang="ja-JP" b="0" i="0" u="none" strike="noStrike" dirty="0">
+                <a:solidFill>
+                  <a:srgbClr val="000000"/>
+                </a:solidFill>
+                <a:effectLst/>
+                <a:latin typeface="+mn-ea"/>
+              </a:rPr>
+              <a:t>(28</a:t>
+            </a:r>
+            <a:r>
+              <a:rPr lang="ja-JP" altLang="en-US" b="0" i="0" u="none" strike="noStrike" dirty="0">
+                <a:solidFill>
+                  <a:srgbClr val="000000"/>
+                </a:solidFill>
+                <a:effectLst/>
+                <a:latin typeface="+mn-ea"/>
+              </a:rPr>
+              <a:t>ポイント</a:t>
+            </a:r>
+            <a:r>
+              <a:rPr lang="en-US" altLang="ja-JP" b="0" i="0" u="none" strike="noStrike" dirty="0">
+                <a:solidFill>
+                  <a:srgbClr val="000000"/>
+                </a:solidFill>
+                <a:effectLst/>
+                <a:latin typeface="+mn-ea"/>
+              </a:rPr>
+              <a:t>)</a:t>
+            </a:r>
+            <a:r>
+              <a:rPr lang="ja-JP" altLang="en-US" dirty="0">
+                <a:solidFill>
+                  <a:srgbClr val="000000"/>
+                </a:solidFill>
+                <a:latin typeface="+mn-ea"/>
+              </a:rPr>
+              <a:t>：</a:t>
+            </a:r>
+            <a:r>
+              <a:rPr lang="ja-JP" altLang="en-US" b="0" i="0" u="none" strike="noStrike" dirty="0">
+                <a:solidFill>
+                  <a:srgbClr val="000000"/>
+                </a:solidFill>
+                <a:effectLst/>
+                <a:latin typeface="+mn-ea"/>
+              </a:rPr>
+              <a:t>プロ</a:t>
+            </a:r>
+            <a:r>
+              <a:rPr lang="en-US" altLang="ja-JP" b="0" i="0" u="none" strike="noStrike" dirty="0">
+                <a:solidFill>
+                  <a:srgbClr val="000000"/>
+                </a:solidFill>
+                <a:effectLst/>
+                <a:latin typeface="+mn-ea"/>
+              </a:rPr>
+              <a:t>(56</a:t>
+            </a:r>
+            <a:r>
+              <a:rPr lang="ja-JP" altLang="en-US" b="0" i="0" u="none" strike="noStrike" dirty="0">
+                <a:solidFill>
+                  <a:srgbClr val="000000"/>
+                </a:solidFill>
+                <a:effectLst/>
+                <a:latin typeface="+mn-ea"/>
+              </a:rPr>
+              <a:t>ポイント</a:t>
+            </a:r>
+            <a:r>
+              <a:rPr lang="en-US" altLang="ja-JP" b="0" i="0" u="none" strike="noStrike" dirty="0">
+                <a:solidFill>
+                  <a:srgbClr val="000000"/>
+                </a:solidFill>
+                <a:effectLst/>
+                <a:latin typeface="+mn-ea"/>
+              </a:rPr>
+              <a:t>)</a:t>
+            </a:r>
+            <a:r>
+              <a:rPr lang="ja-JP" altLang="en-US" dirty="0">
+                <a:solidFill>
+                  <a:srgbClr val="000000"/>
+                </a:solidFill>
+                <a:latin typeface="+mn-ea"/>
+              </a:rPr>
+              <a:t>：</a:t>
+            </a:r>
+            <a:r>
+              <a:rPr lang="ja-JP" altLang="en-US" b="0" i="0" u="none" strike="noStrike" dirty="0">
+                <a:solidFill>
+                  <a:srgbClr val="000000"/>
+                </a:solidFill>
+                <a:effectLst/>
+                <a:latin typeface="+mn-ea"/>
+              </a:rPr>
+              <a:t>レジェンド</a:t>
+            </a:r>
+            <a:r>
+              <a:rPr lang="en-US" altLang="ja-JP" b="0" i="0" u="none" strike="noStrike" dirty="0">
+                <a:solidFill>
+                  <a:srgbClr val="000000"/>
+                </a:solidFill>
+                <a:effectLst/>
+                <a:latin typeface="+mn-ea"/>
+              </a:rPr>
+              <a:t>(85</a:t>
+            </a:r>
+            <a:r>
+              <a:rPr lang="ja-JP" altLang="en-US" b="0" i="0" u="none" strike="noStrike" dirty="0">
+                <a:solidFill>
+                  <a:srgbClr val="000000"/>
+                </a:solidFill>
+                <a:effectLst/>
+                <a:latin typeface="+mn-ea"/>
+              </a:rPr>
+              <a:t>ポイント</a:t>
+            </a:r>
+            <a:r>
+              <a:rPr lang="en-US" altLang="ja-JP" b="0" i="0" u="none" strike="noStrike" dirty="0">
+                <a:solidFill>
+                  <a:srgbClr val="000000"/>
+                </a:solidFill>
+                <a:effectLst/>
+                <a:latin typeface="+mn-ea"/>
+              </a:rPr>
+              <a:t>)</a:t>
+            </a:r>
+            <a:endParaRPr lang="en-US" altLang="ja-JP" dirty="0">
+              <a:latin typeface="+mn-ea"/>
+            </a:endParaRPr>
+          </a:p>
+        </p:txBody>
+      </p:sp>
+    </p:spTree>
+    <p:extLst>
+      <p:ext uri="{BB962C8B-B14F-4D97-AF65-F5344CB8AC3E}">
+        <p14:creationId xmlns:p14="http://schemas.microsoft.com/office/powerpoint/2010/main" val="1771887683"/>
+      </p:ext>
+    </p:extLst>
+  </p:cSld>
+  <p:clrMapOvr>
+    <a:masterClrMapping/>
+  </p:clrMapOvr>
+  <mc:AlternateContent xmlns:mc="http://schemas.openxmlformats.org/markup-compatibility/2006" xmlns:p14="http://schemas.microsoft.com/office/powerpoint/2010/main">
+    <mc:Choice Requires="p14">
+      <p:transition spd="med" p14:dur="700">
+        <p:fade/>
+      </p:transition>
+    </mc:Choice>
+    <mc:Fallback xmlns="">
+      <p:transition spd="med">
+        <p:fade/>
+      </p:transition>
+    </mc:Fallback>
+  </mc:AlternateContent>
+</p:sld>
+</file>
+
 <file path=ppt/slides/slide2.xml><?xml version="1.0" encoding="utf-8"?>
 <p:sld xmlns:a="http://schemas.openxmlformats.org/drawingml/2006/main" xmlns:r="http://schemas.openxmlformats.org/officeDocument/2006/relationships" xmlns:p="http://schemas.openxmlformats.org/presentationml/2006/main">
   <p:cSld>
@@ -15739,10 +16196,46 @@
       </p:grpSpPr>
       <p:sp>
         <p:nvSpPr>
+          <p:cNvPr id="2" name="タイトル 1">
+            <a:extLst>
+              <a:ext uri="{FF2B5EF4-FFF2-40B4-BE49-F238E27FC236}">
+                <a16:creationId xmlns:a16="http://schemas.microsoft.com/office/drawing/2014/main" id="{1D43BA67-4FB2-4F57-937B-6E978BEA1094}"/>
+              </a:ext>
+            </a:extLst>
+          </p:cNvPr>
+          <p:cNvSpPr>
+            <a:spLocks noGrp="1"/>
+          </p:cNvSpPr>
+          <p:nvPr>
+            <p:ph type="title"/>
+          </p:nvPr>
+        </p:nvSpPr>
+        <p:spPr>
+          <a:xfrm>
+            <a:off x="838200" y="329499"/>
+            <a:ext cx="10515600" cy="1325563"/>
+          </a:xfrm>
+        </p:spPr>
+        <p:txBody>
+          <a:bodyPr/>
+          <a:lstStyle/>
+          <a:p>
+            <a:r>
+              <a:rPr kumimoji="1" lang="ja-JP" altLang="en-US" b="1" dirty="0">
+                <a:latin typeface="+mn-ea"/>
+                <a:ea typeface="+mn-ea"/>
+              </a:rPr>
+              <a:t>もくじ</a:t>
+            </a:r>
+          </a:p>
+        </p:txBody>
+      </p:sp>
+      <p:sp>
+        <p:nvSpPr>
           <p:cNvPr id="3" name="コンテンツ プレースホルダー 2">
             <a:extLst>
               <a:ext uri="{FF2B5EF4-FFF2-40B4-BE49-F238E27FC236}">
-                <a16:creationId xmlns:a16="http://schemas.microsoft.com/office/drawing/2014/main" id="{51FC5B96-CB86-4D97-83E1-D50ED26DADE3}"/>
+                <a16:creationId xmlns:a16="http://schemas.microsoft.com/office/drawing/2014/main" id="{2771A20B-4A43-4C9A-BBAF-9CC4A3DB2E17}"/>
               </a:ext>
             </a:extLst>
           </p:cNvPr>
@@ -15753,132 +16246,153 @@
             <p:ph idx="1"/>
           </p:nvPr>
         </p:nvSpPr>
-        <p:spPr>
-          <a:xfrm>
-            <a:off x="764088" y="701458"/>
-            <a:ext cx="10589712" cy="5475505"/>
-          </a:xfrm>
-        </p:spPr>
+        <p:spPr/>
         <p:txBody>
           <a:bodyPr>
-            <a:normAutofit/>
+            <a:normAutofit fontScale="85000" lnSpcReduction="20000"/>
           </a:bodyPr>
           <a:lstStyle/>
           <a:p>
-            <a:pPr>
-              <a:buFont typeface="Wingdings" panose="05000000000000000000" pitchFamily="2" charset="2"/>
-              <a:buChar char="p"/>
+            <a:pPr marL="742950" indent="-742950">
+              <a:buFont typeface="+mj-lt"/>
+              <a:buAutoNum type="arabicPeriod"/>
             </a:pPr>
             <a:r>
-              <a:rPr kumimoji="1" lang="en-US" altLang="ja-JP" dirty="0"/>
-              <a:t>5</a:t>
-            </a:r>
-            <a:r>
-              <a:rPr kumimoji="1" lang="ja-JP" altLang="en-US" dirty="0"/>
-              <a:t>分余っている</a:t>
-            </a:r>
-            <a:endParaRPr kumimoji="1" lang="en-US" altLang="ja-JP" dirty="0"/>
-          </a:p>
-          <a:p>
-            <a:pPr>
-              <a:buFont typeface="Wingdings" panose="05000000000000000000" pitchFamily="2" charset="2"/>
-              <a:buChar char="p"/>
+              <a:rPr lang="ja-JP" altLang="en-US" sz="3600" b="1" dirty="0">
+                <a:latin typeface="+mn-ea"/>
+              </a:rPr>
+              <a:t>今回の開発テーマ</a:t>
+            </a:r>
+            <a:endParaRPr lang="en-US" altLang="ja-JP" sz="3600" b="1" dirty="0">
+              <a:latin typeface="+mn-ea"/>
+            </a:endParaRPr>
+          </a:p>
+          <a:p>
+            <a:pPr marL="742950" indent="-742950">
+              <a:buFont typeface="+mj-lt"/>
+              <a:buAutoNum type="arabicPeriod"/>
             </a:pPr>
-            <a:r>
-              <a:rPr lang="ja-JP" altLang="en-US" dirty="0"/>
-              <a:t>グラフの日付</a:t>
-            </a:r>
-            <a:endParaRPr lang="en-US" altLang="ja-JP" dirty="0"/>
-          </a:p>
-          <a:p>
-            <a:pPr>
-              <a:buFont typeface="Wingdings" panose="05000000000000000000" pitchFamily="2" charset="2"/>
-              <a:buChar char="p"/>
+            <a:endParaRPr lang="en-US" altLang="ja-JP" sz="3600" b="1" dirty="0">
+              <a:latin typeface="+mn-ea"/>
+            </a:endParaRPr>
+          </a:p>
+          <a:p>
+            <a:pPr marL="742950" indent="-742950">
+              <a:buFont typeface="+mj-lt"/>
+              <a:buAutoNum type="arabicPeriod"/>
             </a:pPr>
             <a:r>
-              <a:rPr kumimoji="1" lang="ja-JP" altLang="en-US" dirty="0"/>
-              <a:t>スライドショーの写真</a:t>
-            </a:r>
-            <a:endParaRPr kumimoji="1" lang="en-US" altLang="ja-JP" dirty="0"/>
-          </a:p>
-          <a:p>
-            <a:pPr>
-              <a:buFont typeface="Wingdings" panose="05000000000000000000" pitchFamily="2" charset="2"/>
-              <a:buChar char="p"/>
+              <a:rPr lang="ja-JP" altLang="en-US" sz="3600" b="1" dirty="0">
+                <a:latin typeface="+mn-ea"/>
+              </a:rPr>
+              <a:t>「きょうから」の強み</a:t>
+            </a:r>
+            <a:endParaRPr lang="en-US" altLang="ja-JP" sz="3600" b="1" dirty="0">
+              <a:latin typeface="+mn-ea"/>
+            </a:endParaRPr>
+          </a:p>
+          <a:p>
+            <a:pPr marL="742950" indent="-742950">
+              <a:buFont typeface="+mj-lt"/>
+              <a:buAutoNum type="arabicPeriod"/>
             </a:pPr>
-            <a:r>
-              <a:rPr kumimoji="1" lang="ja-JP" altLang="en-US" dirty="0"/>
-              <a:t>時間配分決める？</a:t>
-            </a:r>
-            <a:endParaRPr kumimoji="1" lang="en-US" altLang="ja-JP" dirty="0"/>
+            <a:endParaRPr lang="en-US" altLang="ja-JP" sz="3600" b="1" dirty="0">
+              <a:latin typeface="+mn-ea"/>
+            </a:endParaRPr>
+          </a:p>
+          <a:p>
+            <a:pPr marL="742950" indent="-742950">
+              <a:buFont typeface="+mj-lt"/>
+              <a:buAutoNum type="arabicPeriod"/>
+            </a:pPr>
+            <a:r>
+              <a:rPr lang="ja-JP" altLang="en-US" sz="3600" b="1" dirty="0">
+                <a:latin typeface="+mn-ea"/>
+              </a:rPr>
+              <a:t>デモンストレーション</a:t>
+            </a:r>
+            <a:endParaRPr lang="en-US" altLang="ja-JP" sz="3600" b="1" dirty="0">
+              <a:latin typeface="+mn-ea"/>
+            </a:endParaRPr>
+          </a:p>
+          <a:p>
+            <a:pPr marL="742950" indent="-742950">
+              <a:buFont typeface="+mj-lt"/>
+              <a:buAutoNum type="arabicPeriod"/>
+            </a:pPr>
+            <a:endParaRPr lang="en-US" altLang="ja-JP" sz="3600" b="1" dirty="0">
+              <a:latin typeface="+mn-ea"/>
+            </a:endParaRPr>
+          </a:p>
+          <a:p>
+            <a:pPr marL="742950" indent="-742950">
+              <a:buFont typeface="+mj-lt"/>
+              <a:buAutoNum type="arabicPeriod"/>
+            </a:pPr>
+            <a:r>
+              <a:rPr lang="ja-JP" altLang="en-US" sz="3600" b="1" dirty="0">
+                <a:latin typeface="+mn-ea"/>
+              </a:rPr>
+              <a:t>工夫したこと</a:t>
+            </a:r>
+            <a:endParaRPr lang="en-US" altLang="ja-JP" sz="3600" b="1" dirty="0">
+              <a:latin typeface="+mn-ea"/>
+            </a:endParaRPr>
+          </a:p>
+          <a:p>
+            <a:pPr marL="742950" indent="-742950">
+              <a:buFont typeface="+mj-lt"/>
+              <a:buAutoNum type="arabicPeriod"/>
+            </a:pPr>
+            <a:endParaRPr lang="en-US" altLang="ja-JP" sz="3600" b="1" dirty="0">
+              <a:latin typeface="+mn-ea"/>
+            </a:endParaRPr>
+          </a:p>
+          <a:p>
+            <a:pPr marL="742950" indent="-742950">
+              <a:buFont typeface="+mj-lt"/>
+              <a:buAutoNum type="arabicPeriod"/>
+            </a:pPr>
+            <a:r>
+              <a:rPr lang="ja-JP" altLang="en-US" sz="3600" b="1" dirty="0">
+                <a:latin typeface="+mn-ea"/>
+              </a:rPr>
+              <a:t>学んだこと</a:t>
+            </a:r>
+            <a:endParaRPr lang="en-US" altLang="ja-JP" sz="3600" b="1" dirty="0">
+              <a:latin typeface="+mn-ea"/>
+            </a:endParaRPr>
           </a:p>
           <a:p>
             <a:pPr marL="0" indent="0">
               <a:buNone/>
             </a:pPr>
-            <a:endParaRPr lang="en-US" altLang="ja-JP" dirty="0"/>
-          </a:p>
-          <a:p>
-            <a:pPr>
-              <a:buFont typeface="Wingdings" panose="05000000000000000000" pitchFamily="2" charset="2"/>
-              <a:buChar char="ü"/>
+            <a:endParaRPr lang="en-US" altLang="ja-JP" sz="3600" b="1" dirty="0">
+              <a:latin typeface="+mn-ea"/>
+            </a:endParaRPr>
+          </a:p>
+          <a:p>
+            <a:pPr marL="0" indent="0">
+              <a:buNone/>
             </a:pPr>
-            <a:r>
-              <a:rPr lang="ja-JP" altLang="en-US" dirty="0"/>
-              <a:t>ランク</a:t>
-            </a:r>
-            <a:endParaRPr lang="en-US" altLang="ja-JP" dirty="0"/>
-          </a:p>
-          <a:p>
-            <a:pPr>
-              <a:buFont typeface="Wingdings" panose="05000000000000000000" pitchFamily="2" charset="2"/>
-              <a:buChar char="ü"/>
+            <a:endParaRPr lang="en-US" altLang="ja-JP" sz="3600" b="1" dirty="0">
+              <a:latin typeface="+mn-ea"/>
+            </a:endParaRPr>
+          </a:p>
+          <a:p>
+            <a:pPr marL="0" indent="0">
+              <a:buNone/>
             </a:pPr>
-            <a:r>
-              <a:rPr lang="ja-JP" altLang="en-US" dirty="0"/>
-              <a:t>広告画像変更</a:t>
-            </a:r>
-            <a:endParaRPr lang="en-US" altLang="ja-JP" dirty="0"/>
-          </a:p>
-          <a:p>
-            <a:pPr>
-              <a:buFont typeface="Wingdings" panose="05000000000000000000" pitchFamily="2" charset="2"/>
-              <a:buChar char="ü"/>
-            </a:pPr>
-            <a:r>
-              <a:rPr lang="ja-JP" altLang="en-US" dirty="0"/>
-              <a:t>個人個人の成長？</a:t>
-            </a:r>
-            <a:endParaRPr kumimoji="1" lang="en-US" altLang="ja-JP" dirty="0"/>
-          </a:p>
-          <a:p>
-            <a:pPr>
-              <a:buFont typeface="Wingdings" panose="05000000000000000000" pitchFamily="2" charset="2"/>
-              <a:buChar char="ü"/>
-            </a:pPr>
-            <a:r>
-              <a:rPr kumimoji="1" lang="ja-JP" altLang="en-US" dirty="0"/>
-              <a:t>実際のガントチャート</a:t>
-            </a:r>
-            <a:endParaRPr kumimoji="1" lang="en-US" altLang="ja-JP" dirty="0"/>
-          </a:p>
-          <a:p>
-            <a:pPr>
-              <a:buFont typeface="Wingdings" panose="05000000000000000000" pitchFamily="2" charset="2"/>
-              <a:buChar char="ü"/>
-            </a:pPr>
-            <a:r>
-              <a:rPr lang="ja-JP" altLang="en-US" dirty="0"/>
-              <a:t>変化・意識・交流の順番にする</a:t>
-            </a:r>
-            <a:endParaRPr kumimoji="1" lang="en-US" altLang="ja-JP" dirty="0"/>
+            <a:endParaRPr kumimoji="1" lang="en-US" altLang="ja-JP" sz="3600" b="1" dirty="0">
+              <a:latin typeface="+mn-ea"/>
+            </a:endParaRPr>
           </a:p>
         </p:txBody>
       </p:sp>
     </p:spTree>
     <p:extLst>
       <p:ext uri="{BB962C8B-B14F-4D97-AF65-F5344CB8AC3E}">
-        <p14:creationId xmlns:p14="http://schemas.microsoft.com/office/powerpoint/2010/main" val="1935170719"/>
+        <p14:creationId xmlns:p14="http://schemas.microsoft.com/office/powerpoint/2010/main" val="2201429689"/>
       </p:ext>
     </p:extLst>
   </p:cSld>
@@ -15983,661 +16497,6 @@
         <p:spPr/>
         <p:txBody>
           <a:bodyPr>
-            <a:normAutofit lnSpcReduction="10000"/>
-          </a:bodyPr>
-          <a:lstStyle/>
-          <a:p>
-            <a:pPr marL="0" indent="0">
-              <a:buNone/>
-            </a:pPr>
-            <a:r>
-              <a:rPr kumimoji="1" lang="ja-JP" altLang="en-US" sz="3600" b="1" dirty="0">
-                <a:latin typeface="+mn-ea"/>
-              </a:rPr>
-              <a:t>ランク制度</a:t>
-            </a:r>
-            <a:endParaRPr kumimoji="1" lang="en-US" altLang="ja-JP" sz="3600" b="1" dirty="0">
-              <a:latin typeface="+mn-ea"/>
-            </a:endParaRPr>
-          </a:p>
-          <a:p>
-            <a:pPr marL="0" indent="0">
-              <a:buNone/>
-            </a:pPr>
-            <a:r>
-              <a:rPr lang="en-US" altLang="ja-JP" dirty="0">
-                <a:solidFill>
-                  <a:srgbClr val="000000"/>
-                </a:solidFill>
-                <a:latin typeface="+mn-ea"/>
-              </a:rPr>
-              <a:t>1</a:t>
-            </a:r>
-            <a:r>
-              <a:rPr lang="ja-JP" altLang="en-US" dirty="0">
-                <a:solidFill>
-                  <a:srgbClr val="000000"/>
-                </a:solidFill>
-                <a:latin typeface="+mn-ea"/>
-              </a:rPr>
-              <a:t>日</a:t>
-            </a:r>
-            <a:r>
-              <a:rPr lang="en-US" altLang="ja-JP" dirty="0">
-                <a:solidFill>
-                  <a:srgbClr val="000000"/>
-                </a:solidFill>
-                <a:latin typeface="+mn-ea"/>
-              </a:rPr>
-              <a:t>1</a:t>
-            </a:r>
-            <a:r>
-              <a:rPr lang="ja-JP" altLang="en-US" dirty="0">
-                <a:solidFill>
-                  <a:srgbClr val="000000"/>
-                </a:solidFill>
-                <a:latin typeface="+mn-ea"/>
-              </a:rPr>
-              <a:t>回の登録でポイントがたまり、ランクとして反映される</a:t>
-            </a:r>
-            <a:endParaRPr lang="en-US" altLang="ja-JP" dirty="0">
-              <a:solidFill>
-                <a:srgbClr val="000000"/>
-              </a:solidFill>
-              <a:latin typeface="+mn-ea"/>
-            </a:endParaRPr>
-          </a:p>
-          <a:p>
-            <a:pPr marL="0" indent="0">
-              <a:buNone/>
-            </a:pPr>
-            <a:r>
-              <a:rPr lang="ja-JP" altLang="en-US" b="0" i="0" u="none" strike="noStrike" dirty="0">
-                <a:solidFill>
-                  <a:srgbClr val="000000"/>
-                </a:solidFill>
-                <a:effectLst/>
-                <a:latin typeface="+mn-ea"/>
-              </a:rPr>
-              <a:t>毎日</a:t>
-            </a:r>
-            <a:r>
-              <a:rPr lang="en-US" altLang="ja-JP" b="0" i="0" u="none" strike="noStrike" dirty="0">
-                <a:solidFill>
-                  <a:srgbClr val="000000"/>
-                </a:solidFill>
-                <a:effectLst/>
-                <a:latin typeface="+mn-ea"/>
-              </a:rPr>
-              <a:t>AM3</a:t>
-            </a:r>
-            <a:r>
-              <a:rPr lang="en-US" altLang="ja-JP" dirty="0">
-                <a:solidFill>
-                  <a:srgbClr val="000000"/>
-                </a:solidFill>
-                <a:latin typeface="+mn-ea"/>
-              </a:rPr>
-              <a:t>:00</a:t>
-            </a:r>
-            <a:r>
-              <a:rPr lang="ja-JP" altLang="en-US" b="0" i="0" u="none" strike="noStrike" dirty="0">
-                <a:solidFill>
-                  <a:srgbClr val="000000"/>
-                </a:solidFill>
-                <a:effectLst/>
-                <a:latin typeface="+mn-ea"/>
-              </a:rPr>
-              <a:t>に一斉更新</a:t>
-            </a:r>
-            <a:endParaRPr lang="en-US" altLang="ja-JP" b="0" i="0" u="none" strike="noStrike" dirty="0">
-              <a:solidFill>
-                <a:srgbClr val="000000"/>
-              </a:solidFill>
-              <a:effectLst/>
-              <a:latin typeface="+mn-ea"/>
-            </a:endParaRPr>
-          </a:p>
-          <a:p>
-            <a:pPr marL="0" indent="0">
-              <a:buNone/>
-            </a:pPr>
-            <a:r>
-              <a:rPr lang="en-US" altLang="ja-JP" b="0" i="0" u="none" strike="noStrike" dirty="0">
-                <a:solidFill>
-                  <a:srgbClr val="000000"/>
-                </a:solidFill>
-                <a:effectLst/>
-                <a:latin typeface="+mn-ea"/>
-              </a:rPr>
-              <a:t>3</a:t>
-            </a:r>
-            <a:r>
-              <a:rPr lang="ja-JP" altLang="en-US" b="0" i="0" u="none" strike="noStrike" dirty="0">
-                <a:solidFill>
-                  <a:srgbClr val="000000"/>
-                </a:solidFill>
-                <a:effectLst/>
-                <a:latin typeface="+mn-ea"/>
-              </a:rPr>
-              <a:t>か月</a:t>
-            </a:r>
-            <a:r>
-              <a:rPr lang="en-US" altLang="ja-JP" b="0" i="0" u="none" strike="noStrike" dirty="0">
-                <a:solidFill>
-                  <a:srgbClr val="000000"/>
-                </a:solidFill>
-                <a:effectLst/>
-                <a:latin typeface="+mn-ea"/>
-              </a:rPr>
-              <a:t>(90</a:t>
-            </a:r>
-            <a:r>
-              <a:rPr lang="ja-JP" altLang="en-US" b="0" i="0" u="none" strike="noStrike" dirty="0">
-                <a:solidFill>
-                  <a:srgbClr val="000000"/>
-                </a:solidFill>
-                <a:effectLst/>
-                <a:latin typeface="+mn-ea"/>
-              </a:rPr>
-              <a:t>日</a:t>
-            </a:r>
-            <a:r>
-              <a:rPr lang="en-US" altLang="ja-JP" b="0" i="0" u="none" strike="noStrike" dirty="0">
-                <a:solidFill>
-                  <a:srgbClr val="000000"/>
-                </a:solidFill>
-                <a:effectLst/>
-                <a:latin typeface="+mn-ea"/>
-              </a:rPr>
-              <a:t>)</a:t>
-            </a:r>
-            <a:r>
-              <a:rPr lang="ja-JP" altLang="en-US" b="0" i="0" u="none" strike="noStrike" dirty="0">
-                <a:solidFill>
-                  <a:srgbClr val="000000"/>
-                </a:solidFill>
-                <a:effectLst/>
-                <a:latin typeface="+mn-ea"/>
-              </a:rPr>
-              <a:t>でポイントリセット</a:t>
-            </a:r>
-            <a:endParaRPr lang="en-US" altLang="ja-JP" b="0" i="0" u="none" strike="noStrike" dirty="0">
-              <a:solidFill>
-                <a:srgbClr val="000000"/>
-              </a:solidFill>
-              <a:effectLst/>
-              <a:latin typeface="+mn-ea"/>
-            </a:endParaRPr>
-          </a:p>
-          <a:p>
-            <a:pPr marL="0" indent="0">
-              <a:buNone/>
-            </a:pPr>
-            <a:r>
-              <a:rPr lang="ja-JP" altLang="en-US" b="1" i="0" u="none" strike="noStrike" dirty="0">
-                <a:solidFill>
-                  <a:srgbClr val="000000"/>
-                </a:solidFill>
-                <a:effectLst/>
-                <a:latin typeface="+mn-ea"/>
-              </a:rPr>
-              <a:t>→モチベーションの維持</a:t>
-            </a:r>
-            <a:endParaRPr lang="en-US" altLang="ja-JP" b="1" i="0" u="none" strike="noStrike" dirty="0">
-              <a:solidFill>
-                <a:srgbClr val="000000"/>
-              </a:solidFill>
-              <a:effectLst/>
-              <a:latin typeface="+mn-ea"/>
-            </a:endParaRPr>
-          </a:p>
-          <a:p>
-            <a:pPr marL="0" indent="0">
-              <a:buNone/>
-            </a:pPr>
-            <a:r>
-              <a:rPr lang="ja-JP" altLang="en-US" b="0" i="0" u="none" strike="noStrike" dirty="0">
-                <a:solidFill>
-                  <a:srgbClr val="000000"/>
-                </a:solidFill>
-                <a:effectLst/>
-                <a:latin typeface="+mn-ea"/>
-              </a:rPr>
-              <a:t>ランクごとに称号を付与する</a:t>
-            </a:r>
-            <a:r>
-              <a:rPr lang="en-US" altLang="ja-JP" b="0" i="0" u="none" strike="noStrike" dirty="0">
-                <a:solidFill>
-                  <a:srgbClr val="000000"/>
-                </a:solidFill>
-                <a:effectLst/>
-                <a:latin typeface="+mn-ea"/>
-              </a:rPr>
-              <a:t>(6</a:t>
-            </a:r>
-            <a:r>
-              <a:rPr lang="ja-JP" altLang="en-US" b="0" i="0" u="none" strike="noStrike" dirty="0">
-                <a:solidFill>
-                  <a:srgbClr val="000000"/>
-                </a:solidFill>
-                <a:effectLst/>
-                <a:latin typeface="+mn-ea"/>
-              </a:rPr>
-              <a:t>段階</a:t>
-            </a:r>
-            <a:r>
-              <a:rPr lang="en-US" altLang="ja-JP" b="0" i="0" u="none" strike="noStrike" dirty="0">
-                <a:solidFill>
-                  <a:srgbClr val="000000"/>
-                </a:solidFill>
-                <a:effectLst/>
-                <a:latin typeface="+mn-ea"/>
-              </a:rPr>
-              <a:t>)</a:t>
-            </a:r>
-            <a:br>
-              <a:rPr lang="en-US" altLang="ja-JP" b="0" i="0" u="none" strike="noStrike" dirty="0">
-                <a:solidFill>
-                  <a:srgbClr val="000000"/>
-                </a:solidFill>
-                <a:effectLst/>
-                <a:latin typeface="+mn-ea"/>
-              </a:rPr>
-            </a:br>
-            <a:r>
-              <a:rPr lang="ja-JP" altLang="en-US" b="0" i="0" u="none" strike="noStrike" dirty="0">
-                <a:solidFill>
-                  <a:srgbClr val="000000"/>
-                </a:solidFill>
-                <a:effectLst/>
-                <a:latin typeface="+mn-ea"/>
-              </a:rPr>
-              <a:t>怠惰</a:t>
-            </a:r>
-            <a:r>
-              <a:rPr lang="en-US" altLang="ja-JP" b="0" i="0" u="none" strike="noStrike" dirty="0">
-                <a:solidFill>
-                  <a:srgbClr val="000000"/>
-                </a:solidFill>
-                <a:effectLst/>
-                <a:latin typeface="+mn-ea"/>
-              </a:rPr>
-              <a:t>(0</a:t>
-            </a:r>
-            <a:r>
-              <a:rPr lang="ja-JP" altLang="en-US" b="0" i="0" u="none" strike="noStrike" dirty="0">
-                <a:solidFill>
-                  <a:srgbClr val="000000"/>
-                </a:solidFill>
-                <a:effectLst/>
-                <a:latin typeface="+mn-ea"/>
-              </a:rPr>
-              <a:t>ポイント</a:t>
-            </a:r>
-            <a:r>
-              <a:rPr lang="en-US" altLang="ja-JP" b="0" i="0" u="none" strike="noStrike" dirty="0">
-                <a:solidFill>
-                  <a:srgbClr val="000000"/>
-                </a:solidFill>
-                <a:effectLst/>
-                <a:latin typeface="+mn-ea"/>
-              </a:rPr>
-              <a:t>)</a:t>
-            </a:r>
-            <a:r>
-              <a:rPr lang="ja-JP" altLang="en-US" b="0" i="0" u="none" strike="noStrike" dirty="0">
-                <a:solidFill>
-                  <a:srgbClr val="000000"/>
-                </a:solidFill>
-                <a:effectLst/>
-                <a:latin typeface="+mn-ea"/>
-              </a:rPr>
-              <a:t>：怠け者</a:t>
-            </a:r>
-            <a:r>
-              <a:rPr lang="en-US" altLang="ja-JP" b="0" i="0" u="none" strike="noStrike" dirty="0">
-                <a:solidFill>
-                  <a:srgbClr val="000000"/>
-                </a:solidFill>
-                <a:effectLst/>
-                <a:latin typeface="+mn-ea"/>
-              </a:rPr>
-              <a:t>(4</a:t>
-            </a:r>
-            <a:r>
-              <a:rPr lang="ja-JP" altLang="en-US" b="0" i="0" u="none" strike="noStrike" dirty="0">
-                <a:solidFill>
-                  <a:srgbClr val="000000"/>
-                </a:solidFill>
-                <a:effectLst/>
-                <a:latin typeface="+mn-ea"/>
-              </a:rPr>
-              <a:t>ポイント</a:t>
-            </a:r>
-            <a:r>
-              <a:rPr lang="en-US" altLang="ja-JP" b="0" i="0" u="none" strike="noStrike" dirty="0">
-                <a:solidFill>
-                  <a:srgbClr val="000000"/>
-                </a:solidFill>
-                <a:effectLst/>
-                <a:latin typeface="+mn-ea"/>
-              </a:rPr>
-              <a:t>)</a:t>
-            </a:r>
-            <a:r>
-              <a:rPr lang="ja-JP" altLang="en-US" b="0" i="0" u="none" strike="noStrike" dirty="0">
-                <a:solidFill>
-                  <a:srgbClr val="000000"/>
-                </a:solidFill>
-                <a:effectLst/>
-                <a:latin typeface="+mn-ea"/>
-              </a:rPr>
-              <a:t>：一般人</a:t>
-            </a:r>
-            <a:r>
-              <a:rPr lang="en-US" altLang="ja-JP" b="0" i="0" u="none" strike="noStrike" dirty="0">
-                <a:solidFill>
-                  <a:srgbClr val="000000"/>
-                </a:solidFill>
-                <a:effectLst/>
-                <a:latin typeface="+mn-ea"/>
-              </a:rPr>
-              <a:t>(14</a:t>
-            </a:r>
-            <a:r>
-              <a:rPr lang="ja-JP" altLang="en-US" b="0" i="0" u="none" strike="noStrike" dirty="0">
-                <a:solidFill>
-                  <a:srgbClr val="000000"/>
-                </a:solidFill>
-                <a:effectLst/>
-                <a:latin typeface="+mn-ea"/>
-              </a:rPr>
-              <a:t>ポイント</a:t>
-            </a:r>
-            <a:r>
-              <a:rPr lang="en-US" altLang="ja-JP" b="0" i="0" u="none" strike="noStrike" dirty="0">
-                <a:solidFill>
-                  <a:srgbClr val="000000"/>
-                </a:solidFill>
-                <a:effectLst/>
-                <a:latin typeface="+mn-ea"/>
-              </a:rPr>
-              <a:t>)</a:t>
-            </a:r>
-            <a:r>
-              <a:rPr lang="ja-JP" altLang="en-US" b="0" i="0" u="none" strike="noStrike" dirty="0">
-                <a:solidFill>
-                  <a:srgbClr val="000000"/>
-                </a:solidFill>
-                <a:effectLst/>
-                <a:latin typeface="+mn-ea"/>
-              </a:rPr>
-              <a:t>：</a:t>
-            </a:r>
-            <a:endParaRPr lang="en-US" altLang="ja-JP" dirty="0">
-              <a:solidFill>
-                <a:srgbClr val="000000"/>
-              </a:solidFill>
-              <a:latin typeface="+mn-ea"/>
-            </a:endParaRPr>
-          </a:p>
-          <a:p>
-            <a:pPr marL="0" indent="0">
-              <a:buNone/>
-            </a:pPr>
-            <a:r>
-              <a:rPr lang="ja-JP" altLang="en-US" b="0" i="0" u="none" strike="noStrike" dirty="0">
-                <a:solidFill>
-                  <a:srgbClr val="000000"/>
-                </a:solidFill>
-                <a:effectLst/>
-                <a:latin typeface="+mn-ea"/>
-              </a:rPr>
-              <a:t>エリート</a:t>
-            </a:r>
-            <a:r>
-              <a:rPr lang="en-US" altLang="ja-JP" b="0" i="0" u="none" strike="noStrike" dirty="0">
-                <a:solidFill>
-                  <a:srgbClr val="000000"/>
-                </a:solidFill>
-                <a:effectLst/>
-                <a:latin typeface="+mn-ea"/>
-              </a:rPr>
-              <a:t>(28</a:t>
-            </a:r>
-            <a:r>
-              <a:rPr lang="ja-JP" altLang="en-US" b="0" i="0" u="none" strike="noStrike" dirty="0">
-                <a:solidFill>
-                  <a:srgbClr val="000000"/>
-                </a:solidFill>
-                <a:effectLst/>
-                <a:latin typeface="+mn-ea"/>
-              </a:rPr>
-              <a:t>ポイント</a:t>
-            </a:r>
-            <a:r>
-              <a:rPr lang="en-US" altLang="ja-JP" b="0" i="0" u="none" strike="noStrike" dirty="0">
-                <a:solidFill>
-                  <a:srgbClr val="000000"/>
-                </a:solidFill>
-                <a:effectLst/>
-                <a:latin typeface="+mn-ea"/>
-              </a:rPr>
-              <a:t>)</a:t>
-            </a:r>
-            <a:r>
-              <a:rPr lang="ja-JP" altLang="en-US" dirty="0">
-                <a:solidFill>
-                  <a:srgbClr val="000000"/>
-                </a:solidFill>
-                <a:latin typeface="+mn-ea"/>
-              </a:rPr>
-              <a:t>：</a:t>
-            </a:r>
-            <a:r>
-              <a:rPr lang="ja-JP" altLang="en-US" b="0" i="0" u="none" strike="noStrike" dirty="0">
-                <a:solidFill>
-                  <a:srgbClr val="000000"/>
-                </a:solidFill>
-                <a:effectLst/>
-                <a:latin typeface="+mn-ea"/>
-              </a:rPr>
-              <a:t>プロ</a:t>
-            </a:r>
-            <a:r>
-              <a:rPr lang="en-US" altLang="ja-JP" b="0" i="0" u="none" strike="noStrike" dirty="0">
-                <a:solidFill>
-                  <a:srgbClr val="000000"/>
-                </a:solidFill>
-                <a:effectLst/>
-                <a:latin typeface="+mn-ea"/>
-              </a:rPr>
-              <a:t>(56</a:t>
-            </a:r>
-            <a:r>
-              <a:rPr lang="ja-JP" altLang="en-US" b="0" i="0" u="none" strike="noStrike" dirty="0">
-                <a:solidFill>
-                  <a:srgbClr val="000000"/>
-                </a:solidFill>
-                <a:effectLst/>
-                <a:latin typeface="+mn-ea"/>
-              </a:rPr>
-              <a:t>ポイント</a:t>
-            </a:r>
-            <a:r>
-              <a:rPr lang="en-US" altLang="ja-JP" b="0" i="0" u="none" strike="noStrike" dirty="0">
-                <a:solidFill>
-                  <a:srgbClr val="000000"/>
-                </a:solidFill>
-                <a:effectLst/>
-                <a:latin typeface="+mn-ea"/>
-              </a:rPr>
-              <a:t>)</a:t>
-            </a:r>
-            <a:r>
-              <a:rPr lang="ja-JP" altLang="en-US" dirty="0">
-                <a:solidFill>
-                  <a:srgbClr val="000000"/>
-                </a:solidFill>
-                <a:latin typeface="+mn-ea"/>
-              </a:rPr>
-              <a:t>：</a:t>
-            </a:r>
-            <a:r>
-              <a:rPr lang="ja-JP" altLang="en-US" b="0" i="0" u="none" strike="noStrike" dirty="0">
-                <a:solidFill>
-                  <a:srgbClr val="000000"/>
-                </a:solidFill>
-                <a:effectLst/>
-                <a:latin typeface="+mn-ea"/>
-              </a:rPr>
-              <a:t>レジェンド</a:t>
-            </a:r>
-            <a:r>
-              <a:rPr lang="en-US" altLang="ja-JP" b="0" i="0" u="none" strike="noStrike" dirty="0">
-                <a:solidFill>
-                  <a:srgbClr val="000000"/>
-                </a:solidFill>
-                <a:effectLst/>
-                <a:latin typeface="+mn-ea"/>
-              </a:rPr>
-              <a:t>(85</a:t>
-            </a:r>
-            <a:r>
-              <a:rPr lang="ja-JP" altLang="en-US" b="0" i="0" u="none" strike="noStrike" dirty="0">
-                <a:solidFill>
-                  <a:srgbClr val="000000"/>
-                </a:solidFill>
-                <a:effectLst/>
-                <a:latin typeface="+mn-ea"/>
-              </a:rPr>
-              <a:t>ポイント</a:t>
-            </a:r>
-            <a:r>
-              <a:rPr lang="en-US" altLang="ja-JP" b="0" i="0" u="none" strike="noStrike" dirty="0">
-                <a:solidFill>
-                  <a:srgbClr val="000000"/>
-                </a:solidFill>
-                <a:effectLst/>
-                <a:latin typeface="+mn-ea"/>
-              </a:rPr>
-              <a:t>)</a:t>
-            </a:r>
-            <a:endParaRPr lang="en-US" altLang="ja-JP" dirty="0">
-              <a:latin typeface="+mn-ea"/>
-            </a:endParaRPr>
-          </a:p>
-        </p:txBody>
-      </p:sp>
-    </p:spTree>
-    <p:extLst>
-      <p:ext uri="{BB962C8B-B14F-4D97-AF65-F5344CB8AC3E}">
-        <p14:creationId xmlns:p14="http://schemas.microsoft.com/office/powerpoint/2010/main" val="1771887683"/>
-      </p:ext>
-    </p:extLst>
-  </p:cSld>
-  <p:clrMapOvr>
-    <a:masterClrMapping/>
-  </p:clrMapOvr>
-  <mc:AlternateContent xmlns:mc="http://schemas.openxmlformats.org/markup-compatibility/2006" xmlns:p14="http://schemas.microsoft.com/office/powerpoint/2010/main">
-    <mc:Choice Requires="p14">
-      <p:transition spd="med" p14:dur="700">
-        <p:fade/>
-      </p:transition>
-    </mc:Choice>
-    <mc:Fallback xmlns="">
-      <p:transition spd="med">
-        <p:fade/>
-      </p:transition>
-    </mc:Fallback>
-  </mc:AlternateContent>
-</p:sld>
-</file>
-
-<file path=ppt/slides/slide21.xml><?xml version="1.0" encoding="utf-8"?>
-<p:sld xmlns:a="http://schemas.openxmlformats.org/drawingml/2006/main" xmlns:r="http://schemas.openxmlformats.org/officeDocument/2006/relationships" xmlns:p="http://schemas.openxmlformats.org/presentationml/2006/main">
-  <p:cSld>
-    <p:bg>
-      <p:bgPr>
-        <a:solidFill>
-          <a:schemeClr val="accent1">
-            <a:lumMod val="60000"/>
-            <a:lumOff val="40000"/>
-            <a:alpha val="24000"/>
-          </a:schemeClr>
-        </a:solidFill>
-        <a:effectLst/>
-      </p:bgPr>
-    </p:bg>
-    <p:spTree>
-      <p:nvGrpSpPr>
-        <p:cNvPr id="1" name=""/>
-        <p:cNvGrpSpPr/>
-        <p:nvPr/>
-      </p:nvGrpSpPr>
-      <p:grpSpPr>
-        <a:xfrm>
-          <a:off x="0" y="0"/>
-          <a:ext cx="0" cy="0"/>
-          <a:chOff x="0" y="0"/>
-          <a:chExt cx="0" cy="0"/>
-        </a:xfrm>
-      </p:grpSpPr>
-      <p:sp>
-        <p:nvSpPr>
-          <p:cNvPr id="2" name="タイトル 1">
-            <a:extLst>
-              <a:ext uri="{FF2B5EF4-FFF2-40B4-BE49-F238E27FC236}">
-                <a16:creationId xmlns:a16="http://schemas.microsoft.com/office/drawing/2014/main" id="{B47B7107-4F05-493F-AE6E-8E6721BB548C}"/>
-              </a:ext>
-            </a:extLst>
-          </p:cNvPr>
-          <p:cNvSpPr>
-            <a:spLocks noGrp="1"/>
-          </p:cNvSpPr>
-          <p:nvPr>
-            <p:ph type="title"/>
-          </p:nvPr>
-        </p:nvSpPr>
-        <p:spPr/>
-        <p:txBody>
-          <a:bodyPr/>
-          <a:lstStyle/>
-          <a:p>
-            <a:r>
-              <a:rPr lang="ja-JP" altLang="en-US" b="1" dirty="0">
-                <a:latin typeface="+mn-ea"/>
-                <a:ea typeface="+mn-ea"/>
-              </a:rPr>
-              <a:t>実現したかったこと</a:t>
-            </a:r>
-            <a:endParaRPr kumimoji="1" lang="ja-JP" altLang="en-US" b="1" dirty="0">
-              <a:latin typeface="+mn-ea"/>
-              <a:ea typeface="+mn-ea"/>
-            </a:endParaRPr>
-          </a:p>
-        </p:txBody>
-      </p:sp>
-      <p:sp>
-        <p:nvSpPr>
-          <p:cNvPr id="3" name="コンテンツ プレースホルダー 2">
-            <a:extLst>
-              <a:ext uri="{FF2B5EF4-FFF2-40B4-BE49-F238E27FC236}">
-                <a16:creationId xmlns:a16="http://schemas.microsoft.com/office/drawing/2014/main" id="{62A76065-E3B1-46D7-894F-997299D4A655}"/>
-              </a:ext>
-            </a:extLst>
-          </p:cNvPr>
-          <p:cNvSpPr>
-            <a:spLocks noGrp="1"/>
-          </p:cNvSpPr>
-          <p:nvPr>
-            <p:ph idx="1"/>
-          </p:nvPr>
-        </p:nvSpPr>
-        <p:spPr/>
-        <p:txBody>
-          <a:bodyPr>
             <a:normAutofit/>
           </a:bodyPr>
           <a:lstStyle/>
@@ -16865,7 +16724,7 @@
 </p:sld>
 </file>
 
-<file path=ppt/slides/slide22.xml><?xml version="1.0" encoding="utf-8"?>
+<file path=ppt/slides/slide21.xml><?xml version="1.0" encoding="utf-8"?>
 <p:sld xmlns:a="http://schemas.openxmlformats.org/drawingml/2006/main" xmlns:r="http://schemas.openxmlformats.org/officeDocument/2006/relationships" xmlns:p="http://schemas.openxmlformats.org/presentationml/2006/main">
   <p:cSld>
     <p:spTree>
@@ -16978,7 +16837,7 @@
 </p:sld>
 </file>
 
-<file path=ppt/slides/slide23.xml><?xml version="1.0" encoding="utf-8"?>
+<file path=ppt/slides/slide22.xml><?xml version="1.0" encoding="utf-8"?>
 <p:sld xmlns:a="http://schemas.openxmlformats.org/drawingml/2006/main" xmlns:r="http://schemas.openxmlformats.org/officeDocument/2006/relationships" xmlns:p="http://schemas.openxmlformats.org/presentationml/2006/main">
   <p:cSld>
     <p:spTree>
@@ -17231,7 +17090,7 @@
 </p:sld>
 </file>
 
-<file path=ppt/slides/slide24.xml><?xml version="1.0" encoding="utf-8"?>
+<file path=ppt/slides/slide23.xml><?xml version="1.0" encoding="utf-8"?>
 <p:sld xmlns:a="http://schemas.openxmlformats.org/drawingml/2006/main" xmlns:r="http://schemas.openxmlformats.org/officeDocument/2006/relationships" xmlns:p="http://schemas.openxmlformats.org/presentationml/2006/main">
   <p:cSld>
     <p:spTree>
@@ -17524,7 +17383,7 @@
 </p:sld>
 </file>
 
-<file path=ppt/slides/slide25.xml><?xml version="1.0" encoding="utf-8"?>
+<file path=ppt/slides/slide24.xml><?xml version="1.0" encoding="utf-8"?>
 <p:sld xmlns:a="http://schemas.openxmlformats.org/drawingml/2006/main" xmlns:r="http://schemas.openxmlformats.org/officeDocument/2006/relationships" xmlns:p="http://schemas.openxmlformats.org/presentationml/2006/main">
   <p:cSld>
     <p:spTree>
@@ -17616,6 +17475,228 @@
     <p:extLst>
       <p:ext uri="{BB962C8B-B14F-4D97-AF65-F5344CB8AC3E}">
         <p14:creationId xmlns:p14="http://schemas.microsoft.com/office/powerpoint/2010/main" val="1141219478"/>
+      </p:ext>
+    </p:extLst>
+  </p:cSld>
+  <p:clrMapOvr>
+    <a:masterClrMapping/>
+  </p:clrMapOvr>
+  <mc:AlternateContent xmlns:mc="http://schemas.openxmlformats.org/markup-compatibility/2006" xmlns:p14="http://schemas.microsoft.com/office/powerpoint/2010/main">
+    <mc:Choice Requires="p14">
+      <p:transition spd="med" p14:dur="700">
+        <p:fade/>
+      </p:transition>
+    </mc:Choice>
+    <mc:Fallback xmlns="">
+      <p:transition spd="med">
+        <p:fade/>
+      </p:transition>
+    </mc:Fallback>
+  </mc:AlternateContent>
+</p:sld>
+</file>
+
+<file path=ppt/slides/slide25.xml><?xml version="1.0" encoding="utf-8"?>
+<p:sld xmlns:a="http://schemas.openxmlformats.org/drawingml/2006/main" xmlns:r="http://schemas.openxmlformats.org/officeDocument/2006/relationships" xmlns:p="http://schemas.openxmlformats.org/presentationml/2006/main">
+  <p:cSld>
+    <p:spTree>
+      <p:nvGrpSpPr>
+        <p:cNvPr id="1" name=""/>
+        <p:cNvGrpSpPr/>
+        <p:nvPr/>
+      </p:nvGrpSpPr>
+      <p:grpSpPr>
+        <a:xfrm>
+          <a:off x="0" y="0"/>
+          <a:ext cx="0" cy="0"/>
+          <a:chOff x="0" y="0"/>
+          <a:chExt cx="0" cy="0"/>
+        </a:xfrm>
+      </p:grpSpPr>
+      <p:sp>
+        <p:nvSpPr>
+          <p:cNvPr id="2" name="タイトル 1">
+            <a:extLst>
+              <a:ext uri="{FF2B5EF4-FFF2-40B4-BE49-F238E27FC236}">
+                <a16:creationId xmlns:a16="http://schemas.microsoft.com/office/drawing/2014/main" id="{E03FAFE4-D598-42B7-AB36-5CF3DAD87568}"/>
+              </a:ext>
+            </a:extLst>
+          </p:cNvPr>
+          <p:cNvSpPr>
+            <a:spLocks noGrp="1"/>
+          </p:cNvSpPr>
+          <p:nvPr>
+            <p:ph type="title"/>
+          </p:nvPr>
+        </p:nvSpPr>
+        <p:spPr>
+          <a:xfrm>
+            <a:off x="838200" y="312874"/>
+            <a:ext cx="10515600" cy="1325563"/>
+          </a:xfrm>
+        </p:spPr>
+        <p:txBody>
+          <a:bodyPr/>
+          <a:lstStyle/>
+          <a:p>
+            <a:r>
+              <a:rPr lang="ja-JP" altLang="en-US" b="1" dirty="0">
+                <a:latin typeface="+mn-ea"/>
+                <a:ea typeface="+mn-ea"/>
+              </a:rPr>
+              <a:t>５</a:t>
+            </a:r>
+            <a:r>
+              <a:rPr lang="en-US" altLang="ja-JP" b="1" dirty="0">
+                <a:latin typeface="+mn-ea"/>
+                <a:ea typeface="+mn-ea"/>
+              </a:rPr>
+              <a:t>.</a:t>
+            </a:r>
+            <a:r>
+              <a:rPr lang="ja-JP" altLang="en-US" b="1" dirty="0">
+                <a:latin typeface="+mn-ea"/>
+                <a:ea typeface="+mn-ea"/>
+              </a:rPr>
+              <a:t>学んだこと（チーム全体）</a:t>
+            </a:r>
+            <a:endParaRPr kumimoji="1" lang="ja-JP" altLang="en-US" b="1" dirty="0">
+              <a:latin typeface="+mn-ea"/>
+              <a:ea typeface="+mn-ea"/>
+            </a:endParaRPr>
+          </a:p>
+        </p:txBody>
+      </p:sp>
+      <p:sp>
+        <p:nvSpPr>
+          <p:cNvPr id="3" name="コンテンツ プレースホルダー 2">
+            <a:extLst>
+              <a:ext uri="{FF2B5EF4-FFF2-40B4-BE49-F238E27FC236}">
+                <a16:creationId xmlns:a16="http://schemas.microsoft.com/office/drawing/2014/main" id="{AB00AC63-DC37-4C9E-B71E-0A69735925B6}"/>
+              </a:ext>
+            </a:extLst>
+          </p:cNvPr>
+          <p:cNvSpPr>
+            <a:spLocks noGrp="1"/>
+          </p:cNvSpPr>
+          <p:nvPr>
+            <p:ph idx="1"/>
+          </p:nvPr>
+        </p:nvSpPr>
+        <p:spPr>
+          <a:xfrm>
+            <a:off x="838200" y="1799500"/>
+            <a:ext cx="10515600" cy="4351338"/>
+          </a:xfrm>
+        </p:spPr>
+        <p:txBody>
+          <a:bodyPr>
+            <a:normAutofit/>
+          </a:bodyPr>
+          <a:lstStyle/>
+          <a:p>
+            <a:pPr marL="0" indent="0">
+              <a:buNone/>
+            </a:pPr>
+            <a:r>
+              <a:rPr kumimoji="1" lang="ja-JP" altLang="en-US" sz="3600" b="1" dirty="0">
+                <a:solidFill>
+                  <a:srgbClr val="FF9999"/>
+                </a:solidFill>
+              </a:rPr>
+              <a:t>計画の重要性</a:t>
+            </a:r>
+            <a:r>
+              <a:rPr kumimoji="1" lang="en-US" altLang="ja-JP" sz="3900" dirty="0"/>
+              <a:t>	</a:t>
+            </a:r>
+          </a:p>
+          <a:p>
+            <a:pPr marL="0" indent="0">
+              <a:buNone/>
+            </a:pPr>
+            <a:r>
+              <a:rPr lang="en-US" altLang="ja-JP" sz="3600" dirty="0"/>
+              <a:t>	</a:t>
+            </a:r>
+            <a:r>
+              <a:rPr kumimoji="1" lang="ja-JP" altLang="en-US" dirty="0"/>
+              <a:t>設計段階で見切り発車だった部分があった</a:t>
+            </a:r>
+            <a:endParaRPr kumimoji="1" lang="en-US" altLang="ja-JP" dirty="0"/>
+          </a:p>
+          <a:p>
+            <a:pPr marL="0" indent="0">
+              <a:buNone/>
+            </a:pPr>
+            <a:r>
+              <a:rPr kumimoji="1" lang="en-US" altLang="ja-JP" dirty="0"/>
+              <a:t>	</a:t>
+            </a:r>
+            <a:r>
+              <a:rPr kumimoji="1" lang="ja-JP" altLang="en-US" dirty="0"/>
+              <a:t>設計書の重要性への理解が足りていなかった</a:t>
+            </a:r>
+            <a:endParaRPr kumimoji="1" lang="en-US" altLang="ja-JP" dirty="0"/>
+          </a:p>
+          <a:p>
+            <a:pPr marL="0" indent="0">
+              <a:buNone/>
+            </a:pPr>
+            <a:endParaRPr kumimoji="1" lang="en-US" altLang="ja-JP" b="1" dirty="0">
+              <a:solidFill>
+                <a:srgbClr val="FF9999"/>
+              </a:solidFill>
+            </a:endParaRPr>
+          </a:p>
+          <a:p>
+            <a:pPr marL="0" indent="0">
+              <a:buNone/>
+            </a:pPr>
+            <a:r>
+              <a:rPr kumimoji="1" lang="ja-JP" altLang="en-US" sz="3600" b="1" dirty="0">
+                <a:solidFill>
+                  <a:srgbClr val="FF9999"/>
+                </a:solidFill>
+              </a:rPr>
+              <a:t>技術に関して</a:t>
+            </a:r>
+            <a:endParaRPr kumimoji="1" lang="en-US" altLang="ja-JP" dirty="0"/>
+          </a:p>
+          <a:p>
+            <a:pPr marL="0" indent="0">
+              <a:buNone/>
+            </a:pPr>
+            <a:r>
+              <a:rPr lang="en-US" altLang="ja-JP" dirty="0"/>
+              <a:t>	</a:t>
+            </a:r>
+            <a:r>
+              <a:rPr kumimoji="1" lang="ja-JP" altLang="en-US" dirty="0"/>
+              <a:t>質問・コーディングを繰り返しスキルアップ</a:t>
+            </a:r>
+            <a:endParaRPr kumimoji="1" lang="en-US" altLang="ja-JP" dirty="0"/>
+          </a:p>
+          <a:p>
+            <a:pPr marL="0" indent="0">
+              <a:buNone/>
+            </a:pPr>
+            <a:r>
+              <a:rPr kumimoji="1" lang="en-US" altLang="ja-JP" dirty="0"/>
+              <a:t>	</a:t>
+            </a:r>
+            <a:r>
+              <a:rPr kumimoji="1" lang="ja-JP" altLang="en-US" dirty="0"/>
+              <a:t>学んだ技術を応用する難しさ</a:t>
+            </a:r>
+            <a:endParaRPr kumimoji="1" lang="en-US" altLang="ja-JP" dirty="0"/>
+          </a:p>
+        </p:txBody>
+      </p:sp>
+    </p:spTree>
+    <p:extLst>
+      <p:ext uri="{BB962C8B-B14F-4D97-AF65-F5344CB8AC3E}">
+        <p14:creationId xmlns:p14="http://schemas.microsoft.com/office/powerpoint/2010/main" val="2645700443"/>
       </p:ext>
     </p:extLst>
   </p:cSld>
@@ -17699,7 +17780,7 @@
                 <a:latin typeface="+mn-ea"/>
                 <a:ea typeface="+mn-ea"/>
               </a:rPr>
-              <a:t>学んだこと（チーム全体）</a:t>
+              <a:t>学んだこと（個人）</a:t>
             </a:r>
             <a:endParaRPr kumimoji="1" lang="ja-JP" altLang="en-US" b="1" dirty="0">
               <a:latin typeface="+mn-ea"/>
@@ -17726,8 +17807,8 @@
         </p:nvSpPr>
         <p:spPr>
           <a:xfrm>
-            <a:off x="838200" y="1799500"/>
-            <a:ext cx="10515600" cy="4351338"/>
+            <a:off x="373790" y="1622551"/>
+            <a:ext cx="11478685" cy="5032892"/>
           </a:xfrm>
         </p:spPr>
         <p:txBody>
@@ -17740,104 +17821,233 @@
               <a:buNone/>
             </a:pPr>
             <a:r>
-              <a:rPr kumimoji="1" lang="ja-JP" altLang="en-US" sz="3600" b="1" dirty="0">
+              <a:rPr lang="ja-JP" altLang="en-US" b="1" i="0" dirty="0">
                 <a:solidFill>
-                  <a:srgbClr val="FF9999"/>
+                  <a:srgbClr val="1D1C1D"/>
                 </a:solidFill>
-              </a:rPr>
-              <a:t>計画の重要性</a:t>
-            </a:r>
-            <a:r>
-              <a:rPr kumimoji="1" lang="en-US" altLang="ja-JP" sz="3900" dirty="0"/>
-              <a:t>	</a:t>
-            </a:r>
+                <a:effectLst/>
+                <a:latin typeface="NotoSansJP"/>
+              </a:rPr>
+              <a:t>小柳</a:t>
+            </a:r>
+            <a:r>
+              <a:rPr lang="ja-JP" altLang="en-US" b="0" i="0" dirty="0">
+                <a:solidFill>
+                  <a:srgbClr val="1D1C1D"/>
+                </a:solidFill>
+                <a:effectLst/>
+                <a:latin typeface="NotoSansJP"/>
+              </a:rPr>
+              <a:t>：研修を通じて、苦手だと思っていた</a:t>
+            </a:r>
+            <a:r>
+              <a:rPr lang="en-US" altLang="ja-JP" b="0" i="0" dirty="0">
+                <a:solidFill>
+                  <a:srgbClr val="1D1C1D"/>
+                </a:solidFill>
+                <a:effectLst/>
+                <a:latin typeface="NotoSansJP"/>
+              </a:rPr>
+              <a:t>DAO</a:t>
+            </a:r>
+            <a:r>
+              <a:rPr lang="ja-JP" altLang="en-US" b="0" i="0" dirty="0">
+                <a:solidFill>
+                  <a:srgbClr val="1D1C1D"/>
+                </a:solidFill>
+                <a:effectLst/>
+                <a:latin typeface="NotoSansJP"/>
+              </a:rPr>
+              <a:t>や</a:t>
+            </a:r>
+            <a:r>
+              <a:rPr lang="en-US" altLang="ja-JP" b="0" i="0" dirty="0">
+                <a:solidFill>
+                  <a:srgbClr val="1D1C1D"/>
+                </a:solidFill>
+                <a:effectLst/>
+                <a:latin typeface="NotoSansJP"/>
+              </a:rPr>
+              <a:t>model</a:t>
+            </a:r>
+            <a:r>
+              <a:rPr lang="ja-JP" altLang="en-US" b="0" i="0" dirty="0">
+                <a:solidFill>
+                  <a:srgbClr val="1D1C1D"/>
+                </a:solidFill>
+                <a:effectLst/>
+                <a:latin typeface="NotoSansJP"/>
+              </a:rPr>
+              <a:t>が意外と得意で、逆に得意だと思っていた</a:t>
+            </a:r>
+            <a:r>
+              <a:rPr lang="en-US" altLang="ja-JP" b="0" i="0" dirty="0">
+                <a:solidFill>
+                  <a:srgbClr val="1D1C1D"/>
+                </a:solidFill>
+                <a:effectLst/>
+                <a:latin typeface="NotoSansJP"/>
+              </a:rPr>
+              <a:t>css</a:t>
+            </a:r>
+            <a:r>
+              <a:rPr lang="ja-JP" altLang="en-US" b="0" i="0" dirty="0">
+                <a:solidFill>
+                  <a:srgbClr val="1D1C1D"/>
+                </a:solidFill>
+                <a:effectLst/>
+                <a:latin typeface="NotoSansJP"/>
+              </a:rPr>
+              <a:t>や</a:t>
+            </a:r>
+            <a:r>
+              <a:rPr lang="en-US" altLang="ja-JP" b="0" i="0" dirty="0">
+                <a:solidFill>
+                  <a:srgbClr val="1D1C1D"/>
+                </a:solidFill>
+                <a:effectLst/>
+                <a:latin typeface="NotoSansJP"/>
+              </a:rPr>
+              <a:t>javaScript</a:t>
+            </a:r>
+            <a:r>
+              <a:rPr lang="ja-JP" altLang="en-US" b="0" i="0" dirty="0">
+                <a:solidFill>
+                  <a:srgbClr val="1D1C1D"/>
+                </a:solidFill>
+                <a:effectLst/>
+                <a:latin typeface="NotoSansJP"/>
+              </a:rPr>
+              <a:t>の方が苦手という自分の本当に苦手、得意なところが知れた。また担当した機能の下調べを適当に済ませていたため、実際に作る際に時間を取られてしまうということがあり、作る前のリサーチが重要ということを学んだ。</a:t>
+            </a:r>
+            <a:endParaRPr lang="en-US" altLang="ja-JP" b="0" i="0" dirty="0">
+              <a:solidFill>
+                <a:srgbClr val="1D1C1D"/>
+              </a:solidFill>
+              <a:effectLst/>
+              <a:latin typeface="NotoSansJP"/>
+            </a:endParaRPr>
           </a:p>
           <a:p>
             <a:pPr marL="0" indent="0">
               <a:buNone/>
             </a:pPr>
-            <a:r>
-              <a:rPr lang="en-US" altLang="ja-JP" sz="3600" dirty="0"/>
-              <a:t>	</a:t>
-            </a:r>
-            <a:r>
-              <a:rPr kumimoji="1" lang="ja-JP" altLang="en-US" dirty="0"/>
-              <a:t>設計段階で見切り発車だった部分があった</a:t>
-            </a:r>
-            <a:endParaRPr kumimoji="1" lang="en-US" altLang="ja-JP" dirty="0"/>
+            <a:endParaRPr lang="en-US" altLang="ja-JP" b="1" i="0" dirty="0">
+              <a:solidFill>
+                <a:srgbClr val="1D1C1D"/>
+              </a:solidFill>
+              <a:effectLst/>
+              <a:latin typeface="NotoSansJP"/>
+            </a:endParaRPr>
           </a:p>
           <a:p>
             <a:pPr marL="0" indent="0">
               <a:buNone/>
             </a:pPr>
             <a:r>
-              <a:rPr kumimoji="1" lang="en-US" altLang="ja-JP" dirty="0"/>
-              <a:t>	</a:t>
-            </a:r>
-            <a:r>
-              <a:rPr kumimoji="1" lang="ja-JP" altLang="en-US" dirty="0"/>
-              <a:t>設計書の重要性への理解が足りていなかった</a:t>
-            </a:r>
-            <a:endParaRPr kumimoji="1" lang="en-US" altLang="ja-JP" dirty="0"/>
-          </a:p>
-          <a:p>
-            <a:pPr marL="0" indent="0">
-              <a:buNone/>
-            </a:pPr>
-            <a:endParaRPr kumimoji="1" lang="en-US" altLang="ja-JP" b="1" dirty="0">
+              <a:rPr lang="ja-JP" altLang="en-US" b="1" i="0" dirty="0">
+                <a:solidFill>
+                  <a:srgbClr val="1D1C1D"/>
+                </a:solidFill>
+                <a:effectLst/>
+                <a:latin typeface="NotoSansJP"/>
+              </a:rPr>
+              <a:t>加藤</a:t>
+            </a:r>
+            <a:r>
+              <a:rPr lang="ja-JP" altLang="en-US" i="0" dirty="0">
+                <a:solidFill>
+                  <a:srgbClr val="1D1C1D"/>
+                </a:solidFill>
+                <a:effectLst/>
+                <a:latin typeface="NotoSansJP"/>
+              </a:rPr>
+              <a:t>：</a:t>
+            </a:r>
+            <a:r>
+              <a:rPr lang="ja-JP" altLang="en-US" b="0" i="0" dirty="0">
+                <a:solidFill>
+                  <a:srgbClr val="1D1C1D"/>
+                </a:solidFill>
+                <a:effectLst/>
+                <a:latin typeface="NotoSansJP"/>
+              </a:rPr>
+              <a:t>制作過程において</a:t>
+            </a:r>
+            <a:r>
+              <a:rPr lang="en-US" altLang="ja-JP" b="0" i="0" dirty="0">
+                <a:solidFill>
+                  <a:srgbClr val="1D1C1D"/>
+                </a:solidFill>
+                <a:effectLst/>
+                <a:latin typeface="NotoSansJP"/>
+              </a:rPr>
+              <a:t>DB</a:t>
+            </a:r>
+            <a:r>
+              <a:rPr lang="ja-JP" altLang="en-US" b="0" i="0" dirty="0">
+                <a:solidFill>
+                  <a:srgbClr val="1D1C1D"/>
+                </a:solidFill>
+                <a:effectLst/>
+                <a:latin typeface="NotoSansJP"/>
+              </a:rPr>
+              <a:t>と</a:t>
+            </a:r>
+            <a:r>
+              <a:rPr lang="en-US" altLang="ja-JP" b="0" i="0" dirty="0">
+                <a:solidFill>
+                  <a:srgbClr val="1D1C1D"/>
+                </a:solidFill>
+                <a:effectLst/>
+                <a:latin typeface="NotoSansJP"/>
+              </a:rPr>
+              <a:t>DAO</a:t>
+            </a:r>
+            <a:r>
+              <a:rPr lang="ja-JP" altLang="en-US" b="0" i="0" dirty="0">
+                <a:solidFill>
+                  <a:srgbClr val="1D1C1D"/>
+                </a:solidFill>
+                <a:effectLst/>
+                <a:latin typeface="NotoSansJP"/>
+              </a:rPr>
+              <a:t>の連携、</a:t>
+            </a:r>
+            <a:r>
+              <a:rPr lang="en-US" altLang="ja-JP" b="0" i="0" dirty="0">
+                <a:solidFill>
+                  <a:srgbClr val="1D1C1D"/>
+                </a:solidFill>
+                <a:effectLst/>
+                <a:latin typeface="NotoSansJP"/>
+              </a:rPr>
+              <a:t>MVC</a:t>
+            </a:r>
+            <a:r>
+              <a:rPr lang="ja-JP" altLang="en-US" b="0" i="0" dirty="0">
+                <a:solidFill>
+                  <a:srgbClr val="1D1C1D"/>
+                </a:solidFill>
+                <a:effectLst/>
+                <a:latin typeface="NotoSansJP"/>
+              </a:rPr>
+              <a:t>モデルや各スコープについての知識が必要だったので作業、質問を繰り返すことで知識として定着した。また、開発を行うにあたり、個人間で認識の齟齬が生まれたりするので意思の疎通を円滑に進めるためにコミュニケーションを取り続けることの重要性を学んだ。</a:t>
+            </a:r>
+            <a:endParaRPr lang="en-US" altLang="ja-JP" b="1" i="0" dirty="0">
               <a:solidFill>
-                <a:srgbClr val="FF9999"/>
+                <a:srgbClr val="1D1C1D"/>
               </a:solidFill>
+              <a:effectLst/>
+              <a:latin typeface="NotoSansJP"/>
             </a:endParaRPr>
-          </a:p>
-          <a:p>
-            <a:pPr marL="0" indent="0">
-              <a:buNone/>
-            </a:pPr>
-            <a:r>
-              <a:rPr kumimoji="1" lang="ja-JP" altLang="en-US" sz="3600" b="1" dirty="0">
-                <a:solidFill>
-                  <a:srgbClr val="FF9999"/>
-                </a:solidFill>
-              </a:rPr>
-              <a:t>技術に関して</a:t>
-            </a:r>
-            <a:endParaRPr kumimoji="1" lang="en-US" altLang="ja-JP" dirty="0"/>
-          </a:p>
-          <a:p>
-            <a:pPr marL="0" indent="0">
-              <a:buNone/>
-            </a:pPr>
-            <a:r>
-              <a:rPr lang="en-US" altLang="ja-JP" dirty="0"/>
-              <a:t>	</a:t>
-            </a:r>
-            <a:r>
-              <a:rPr kumimoji="1" lang="ja-JP" altLang="en-US" dirty="0"/>
-              <a:t>質問・コーディングを繰り返しスキルアップ</a:t>
-            </a:r>
-            <a:endParaRPr kumimoji="1" lang="en-US" altLang="ja-JP" dirty="0"/>
-          </a:p>
-          <a:p>
-            <a:pPr marL="0" indent="0">
-              <a:buNone/>
-            </a:pPr>
-            <a:r>
-              <a:rPr kumimoji="1" lang="en-US" altLang="ja-JP" dirty="0"/>
-              <a:t>	</a:t>
-            </a:r>
-            <a:r>
-              <a:rPr kumimoji="1" lang="ja-JP" altLang="en-US" dirty="0"/>
-              <a:t>学んだ技術を応用する難しさ</a:t>
-            </a:r>
-            <a:endParaRPr kumimoji="1" lang="en-US" altLang="ja-JP" dirty="0"/>
           </a:p>
         </p:txBody>
       </p:sp>
     </p:spTree>
     <p:extLst>
       <p:ext uri="{BB962C8B-B14F-4D97-AF65-F5344CB8AC3E}">
-        <p14:creationId xmlns:p14="http://schemas.microsoft.com/office/powerpoint/2010/main" val="2645700443"/>
+        <p14:creationId xmlns:p14="http://schemas.microsoft.com/office/powerpoint/2010/main" val="2142482098"/>
       </p:ext>
     </p:extLst>
   </p:cSld>
@@ -17969,7 +18179,7 @@
                 <a:effectLst/>
                 <a:latin typeface="NotoSansJP"/>
               </a:rPr>
-              <a:t>小柳</a:t>
+              <a:t>勝亦</a:t>
             </a:r>
             <a:r>
               <a:rPr lang="ja-JP" altLang="en-US" b="0" i="0" dirty="0">
@@ -17979,7 +18189,7 @@
                 <a:effectLst/>
                 <a:latin typeface="NotoSansJP"/>
               </a:rPr>
-              <a:t>：研修を通じて、苦手だと思っていた</a:t>
+              <a:t>：</a:t>
             </a:r>
             <a:r>
               <a:rPr lang="en-US" altLang="ja-JP" b="0" i="0" dirty="0">
@@ -17989,7 +18199,7 @@
                 <a:effectLst/>
                 <a:latin typeface="NotoSansJP"/>
               </a:rPr>
-              <a:t>DAO</a:t>
+              <a:t>4.5</a:t>
             </a:r>
             <a:r>
               <a:rPr lang="ja-JP" altLang="en-US" b="0" i="0" dirty="0">
@@ -17999,67 +18209,7 @@
                 <a:effectLst/>
                 <a:latin typeface="NotoSansJP"/>
               </a:rPr>
-              <a:t>や</a:t>
-            </a:r>
-            <a:r>
-              <a:rPr lang="en-US" altLang="ja-JP" b="0" i="0" dirty="0">
-                <a:solidFill>
-                  <a:srgbClr val="1D1C1D"/>
-                </a:solidFill>
-                <a:effectLst/>
-                <a:latin typeface="NotoSansJP"/>
-              </a:rPr>
-              <a:t>model</a:t>
-            </a:r>
-            <a:r>
-              <a:rPr lang="ja-JP" altLang="en-US" b="0" i="0" dirty="0">
-                <a:solidFill>
-                  <a:srgbClr val="1D1C1D"/>
-                </a:solidFill>
-                <a:effectLst/>
-                <a:latin typeface="NotoSansJP"/>
-              </a:rPr>
-              <a:t>が意外と得意で、逆に得意だと思っていた</a:t>
-            </a:r>
-            <a:r>
-              <a:rPr lang="en-US" altLang="ja-JP" b="0" i="0" dirty="0">
-                <a:solidFill>
-                  <a:srgbClr val="1D1C1D"/>
-                </a:solidFill>
-                <a:effectLst/>
-                <a:latin typeface="NotoSansJP"/>
-              </a:rPr>
-              <a:t>css</a:t>
-            </a:r>
-            <a:r>
-              <a:rPr lang="ja-JP" altLang="en-US" b="0" i="0" dirty="0">
-                <a:solidFill>
-                  <a:srgbClr val="1D1C1D"/>
-                </a:solidFill>
-                <a:effectLst/>
-                <a:latin typeface="NotoSansJP"/>
-              </a:rPr>
-              <a:t>や</a:t>
-            </a:r>
-            <a:r>
-              <a:rPr lang="en-US" altLang="ja-JP" b="0" i="0" dirty="0">
-                <a:solidFill>
-                  <a:srgbClr val="1D1C1D"/>
-                </a:solidFill>
-                <a:effectLst/>
-                <a:latin typeface="NotoSansJP"/>
-              </a:rPr>
-              <a:t>javaScript</a:t>
-            </a:r>
-            <a:r>
-              <a:rPr lang="ja-JP" altLang="en-US" b="0" i="0" dirty="0">
-                <a:solidFill>
-                  <a:srgbClr val="1D1C1D"/>
-                </a:solidFill>
-                <a:effectLst/>
-                <a:latin typeface="NotoSansJP"/>
-              </a:rPr>
-              <a:t>の方が苦手という自分の本当に苦手、得意なところが知れた。また担当した機能の下調べを適当に済ませていたため、実際に作る際に時間を取られてしまうということがあり、作る前のリサーチが重要ということを学んだ。</a:t>
+              <a:t>月あたりはプログラムが暗号にしか見えなかったが、それぞれがどこにつながっているのかということを考えられるようになった。分からないことがあった際に具体的に聞くように意識するようになった。</a:t>
             </a:r>
             <a:endParaRPr lang="en-US" altLang="ja-JP" b="0" i="0" dirty="0">
               <a:solidFill>
@@ -18093,7 +18243,7 @@
                 <a:effectLst/>
                 <a:latin typeface="NotoSansJP"/>
               </a:rPr>
-              <a:t>加藤</a:t>
+              <a:t>小嶋</a:t>
             </a:r>
             <a:r>
               <a:rPr lang="ja-JP" altLang="en-US" i="0" dirty="0">
@@ -18113,17 +18263,32 @@
                 <a:effectLst/>
                 <a:latin typeface="NotoSansJP"/>
               </a:rPr>
-              <a:t>制作過程において</a:t>
-            </a:r>
-            <a:r>
-              <a:rPr lang="en-US" altLang="ja-JP" b="0" i="0" dirty="0">
-                <a:solidFill>
-                  <a:srgbClr val="1D1C1D"/>
-                </a:solidFill>
-                <a:effectLst/>
-                <a:latin typeface="NotoSansJP"/>
-              </a:rPr>
-              <a:t>DB</a:t>
+              <a:t>各ファイルがどのような役割をもっているのか実際に記述していくことで理解できるようになった。</a:t>
+            </a:r>
+            <a:endParaRPr lang="en-US" altLang="ja-JP" dirty="0">
+              <a:solidFill>
+                <a:srgbClr val="1D1C1D"/>
+              </a:solidFill>
+              <a:latin typeface="NotoSansJP"/>
+            </a:endParaRPr>
+          </a:p>
+          <a:p>
+            <a:pPr marL="0" indent="0">
+              <a:buNone/>
+            </a:pPr>
+            <a:endParaRPr kumimoji="1" lang="en-US" altLang="ja-JP" b="1" dirty="0"/>
+          </a:p>
+          <a:p>
+            <a:pPr marL="0" indent="0">
+              <a:buNone/>
+            </a:pPr>
+            <a:r>
+              <a:rPr kumimoji="1" lang="ja-JP" altLang="en-US" b="1" dirty="0"/>
+              <a:t>西村</a:t>
+            </a:r>
+            <a:r>
+              <a:rPr kumimoji="1" lang="ja-JP" altLang="en-US" dirty="0"/>
+              <a:t>：</a:t>
             </a:r>
             <a:r>
               <a:rPr lang="ja-JP" altLang="en-US" b="0" i="0" dirty="0">
@@ -18133,62 +18298,16 @@
                 <a:effectLst/>
                 <a:latin typeface="NotoSansJP"/>
               </a:rPr>
-              <a:t>と</a:t>
-            </a:r>
-            <a:r>
-              <a:rPr lang="en-US" altLang="ja-JP" b="0" i="0" dirty="0">
-                <a:solidFill>
-                  <a:srgbClr val="1D1C1D"/>
-                </a:solidFill>
-                <a:effectLst/>
-                <a:latin typeface="NotoSansJP"/>
-              </a:rPr>
-              <a:t>DAO</a:t>
-            </a:r>
-            <a:r>
-              <a:rPr lang="ja-JP" altLang="en-US" b="0" i="0" dirty="0">
-                <a:solidFill>
-                  <a:srgbClr val="1D1C1D"/>
-                </a:solidFill>
-                <a:effectLst/>
-                <a:latin typeface="NotoSansJP"/>
-              </a:rPr>
-              <a:t>の連携、</a:t>
-            </a:r>
-            <a:r>
-              <a:rPr lang="en-US" altLang="ja-JP" b="0" i="0" dirty="0">
-                <a:solidFill>
-                  <a:srgbClr val="1D1C1D"/>
-                </a:solidFill>
-                <a:effectLst/>
-                <a:latin typeface="NotoSansJP"/>
-              </a:rPr>
-              <a:t>MVC</a:t>
-            </a:r>
-            <a:r>
-              <a:rPr lang="ja-JP" altLang="en-US" b="0" i="0" dirty="0">
-                <a:solidFill>
-                  <a:srgbClr val="1D1C1D"/>
-                </a:solidFill>
-                <a:effectLst/>
-                <a:latin typeface="NotoSansJP"/>
-              </a:rPr>
-              <a:t>モデルや各スコープについての知識が必要だったので作業、質問を繰り返すことで知識として定着した。また、開発を行うにあたり、個人間で認識の齟齬が生まれたりするので意思の疎通を円滑に進めるためにコミュニケーションを取り続けることの重要性を学んだ。</a:t>
-            </a:r>
-            <a:endParaRPr lang="en-US" altLang="ja-JP" b="1" i="0" dirty="0">
-              <a:solidFill>
-                <a:srgbClr val="1D1C1D"/>
-              </a:solidFill>
-              <a:effectLst/>
-              <a:latin typeface="NotoSansJP"/>
-            </a:endParaRPr>
+              <a:t>チームリーダーの経験を通して意見をまとめることや、進捗の管理、チーム内のモチベーションの維持など考える事が多くあり、チームをまとめることの難しさを学んだ。</a:t>
+            </a:r>
+            <a:endParaRPr kumimoji="1" lang="en-US" altLang="ja-JP" dirty="0"/>
           </a:p>
         </p:txBody>
       </p:sp>
     </p:spTree>
     <p:extLst>
       <p:ext uri="{BB962C8B-B14F-4D97-AF65-F5344CB8AC3E}">
-        <p14:creationId xmlns:p14="http://schemas.microsoft.com/office/powerpoint/2010/main" val="2142482098"/>
+        <p14:creationId xmlns:p14="http://schemas.microsoft.com/office/powerpoint/2010/main" val="3066231675"/>
       </p:ext>
     </p:extLst>
   </p:cSld>
@@ -18232,266 +18351,6 @@
           <p:cNvPr id="2" name="タイトル 1">
             <a:extLst>
               <a:ext uri="{FF2B5EF4-FFF2-40B4-BE49-F238E27FC236}">
-                <a16:creationId xmlns:a16="http://schemas.microsoft.com/office/drawing/2014/main" id="{E03FAFE4-D598-42B7-AB36-5CF3DAD87568}"/>
-              </a:ext>
-            </a:extLst>
-          </p:cNvPr>
-          <p:cNvSpPr>
-            <a:spLocks noGrp="1"/>
-          </p:cNvSpPr>
-          <p:nvPr>
-            <p:ph type="title"/>
-          </p:nvPr>
-        </p:nvSpPr>
-        <p:spPr>
-          <a:xfrm>
-            <a:off x="838200" y="312874"/>
-            <a:ext cx="10515600" cy="1325563"/>
-          </a:xfrm>
-        </p:spPr>
-        <p:txBody>
-          <a:bodyPr/>
-          <a:lstStyle/>
-          <a:p>
-            <a:r>
-              <a:rPr lang="ja-JP" altLang="en-US" b="1" dirty="0">
-                <a:latin typeface="+mn-ea"/>
-                <a:ea typeface="+mn-ea"/>
-              </a:rPr>
-              <a:t>５</a:t>
-            </a:r>
-            <a:r>
-              <a:rPr lang="en-US" altLang="ja-JP" b="1" dirty="0">
-                <a:latin typeface="+mn-ea"/>
-                <a:ea typeface="+mn-ea"/>
-              </a:rPr>
-              <a:t>.</a:t>
-            </a:r>
-            <a:r>
-              <a:rPr lang="ja-JP" altLang="en-US" b="1" dirty="0">
-                <a:latin typeface="+mn-ea"/>
-                <a:ea typeface="+mn-ea"/>
-              </a:rPr>
-              <a:t>学んだこと（個人）</a:t>
-            </a:r>
-            <a:endParaRPr kumimoji="1" lang="ja-JP" altLang="en-US" b="1" dirty="0">
-              <a:latin typeface="+mn-ea"/>
-              <a:ea typeface="+mn-ea"/>
-            </a:endParaRPr>
-          </a:p>
-        </p:txBody>
-      </p:sp>
-      <p:sp>
-        <p:nvSpPr>
-          <p:cNvPr id="3" name="コンテンツ プレースホルダー 2">
-            <a:extLst>
-              <a:ext uri="{FF2B5EF4-FFF2-40B4-BE49-F238E27FC236}">
-                <a16:creationId xmlns:a16="http://schemas.microsoft.com/office/drawing/2014/main" id="{AB00AC63-DC37-4C9E-B71E-0A69735925B6}"/>
-              </a:ext>
-            </a:extLst>
-          </p:cNvPr>
-          <p:cNvSpPr>
-            <a:spLocks noGrp="1"/>
-          </p:cNvSpPr>
-          <p:nvPr>
-            <p:ph idx="1"/>
-          </p:nvPr>
-        </p:nvSpPr>
-        <p:spPr>
-          <a:xfrm>
-            <a:off x="373790" y="1622551"/>
-            <a:ext cx="11478685" cy="5032892"/>
-          </a:xfrm>
-        </p:spPr>
-        <p:txBody>
-          <a:bodyPr>
-            <a:normAutofit/>
-          </a:bodyPr>
-          <a:lstStyle/>
-          <a:p>
-            <a:pPr marL="0" indent="0">
-              <a:buNone/>
-            </a:pPr>
-            <a:r>
-              <a:rPr lang="ja-JP" altLang="en-US" b="1" i="0" dirty="0">
-                <a:solidFill>
-                  <a:srgbClr val="1D1C1D"/>
-                </a:solidFill>
-                <a:effectLst/>
-                <a:latin typeface="NotoSansJP"/>
-              </a:rPr>
-              <a:t>勝亦</a:t>
-            </a:r>
-            <a:r>
-              <a:rPr lang="ja-JP" altLang="en-US" b="0" i="0" dirty="0">
-                <a:solidFill>
-                  <a:srgbClr val="1D1C1D"/>
-                </a:solidFill>
-                <a:effectLst/>
-                <a:latin typeface="NotoSansJP"/>
-              </a:rPr>
-              <a:t>：</a:t>
-            </a:r>
-            <a:r>
-              <a:rPr lang="en-US" altLang="ja-JP" b="0" i="0" dirty="0">
-                <a:solidFill>
-                  <a:srgbClr val="1D1C1D"/>
-                </a:solidFill>
-                <a:effectLst/>
-                <a:latin typeface="NotoSansJP"/>
-              </a:rPr>
-              <a:t>4.5</a:t>
-            </a:r>
-            <a:r>
-              <a:rPr lang="ja-JP" altLang="en-US" b="0" i="0" dirty="0">
-                <a:solidFill>
-                  <a:srgbClr val="1D1C1D"/>
-                </a:solidFill>
-                <a:effectLst/>
-                <a:latin typeface="NotoSansJP"/>
-              </a:rPr>
-              <a:t>月あたりはプログラムが暗号にしか見えなかったが、それぞれがどこにつながっているのかということを考えられるようになった。分からないことがあった際に具体的に聞くように意識するようになった。</a:t>
-            </a:r>
-            <a:endParaRPr lang="en-US" altLang="ja-JP" b="0" i="0" dirty="0">
-              <a:solidFill>
-                <a:srgbClr val="1D1C1D"/>
-              </a:solidFill>
-              <a:effectLst/>
-              <a:latin typeface="NotoSansJP"/>
-            </a:endParaRPr>
-          </a:p>
-          <a:p>
-            <a:pPr marL="0" indent="0">
-              <a:buNone/>
-            </a:pPr>
-            <a:endParaRPr lang="en-US" altLang="ja-JP" b="1" i="0" dirty="0">
-              <a:solidFill>
-                <a:srgbClr val="1D1C1D"/>
-              </a:solidFill>
-              <a:effectLst/>
-              <a:latin typeface="NotoSansJP"/>
-            </a:endParaRPr>
-          </a:p>
-          <a:p>
-            <a:pPr marL="0" indent="0">
-              <a:buNone/>
-            </a:pPr>
-            <a:r>
-              <a:rPr lang="ja-JP" altLang="en-US" b="1" i="0" dirty="0">
-                <a:solidFill>
-                  <a:srgbClr val="1D1C1D"/>
-                </a:solidFill>
-                <a:effectLst/>
-                <a:latin typeface="NotoSansJP"/>
-              </a:rPr>
-              <a:t>小嶋</a:t>
-            </a:r>
-            <a:r>
-              <a:rPr lang="ja-JP" altLang="en-US" i="0" dirty="0">
-                <a:solidFill>
-                  <a:srgbClr val="1D1C1D"/>
-                </a:solidFill>
-                <a:effectLst/>
-                <a:latin typeface="NotoSansJP"/>
-              </a:rPr>
-              <a:t>：</a:t>
-            </a:r>
-            <a:r>
-              <a:rPr lang="ja-JP" altLang="en-US" b="0" i="0" dirty="0">
-                <a:solidFill>
-                  <a:srgbClr val="1D1C1D"/>
-                </a:solidFill>
-                <a:effectLst/>
-                <a:latin typeface="NotoSansJP"/>
-              </a:rPr>
-              <a:t>各ファイルがどのような役割をもっているのか実際に記述していくことで理解できるようになった。</a:t>
-            </a:r>
-            <a:endParaRPr lang="en-US" altLang="ja-JP" dirty="0">
-              <a:solidFill>
-                <a:srgbClr val="1D1C1D"/>
-              </a:solidFill>
-              <a:latin typeface="NotoSansJP"/>
-            </a:endParaRPr>
-          </a:p>
-          <a:p>
-            <a:pPr marL="0" indent="0">
-              <a:buNone/>
-            </a:pPr>
-            <a:endParaRPr kumimoji="1" lang="en-US" altLang="ja-JP" b="1" dirty="0"/>
-          </a:p>
-          <a:p>
-            <a:pPr marL="0" indent="0">
-              <a:buNone/>
-            </a:pPr>
-            <a:r>
-              <a:rPr kumimoji="1" lang="ja-JP" altLang="en-US" b="1" dirty="0"/>
-              <a:t>西村</a:t>
-            </a:r>
-            <a:r>
-              <a:rPr kumimoji="1" lang="ja-JP" altLang="en-US" dirty="0"/>
-              <a:t>：</a:t>
-            </a:r>
-            <a:r>
-              <a:rPr lang="ja-JP" altLang="en-US" b="0" i="0" dirty="0">
-                <a:solidFill>
-                  <a:srgbClr val="1D1C1D"/>
-                </a:solidFill>
-                <a:effectLst/>
-                <a:latin typeface="NotoSansJP"/>
-              </a:rPr>
-              <a:t>チームリーダーの経験を通して意見をまとめることや、進捗の管理、チーム内のモチベーションの維持など考える事が多くあり、チームをまとめることの難しさを学んだ。</a:t>
-            </a:r>
-            <a:endParaRPr kumimoji="1" lang="en-US" altLang="ja-JP" dirty="0"/>
-          </a:p>
-        </p:txBody>
-      </p:sp>
-    </p:spTree>
-    <p:extLst>
-      <p:ext uri="{BB962C8B-B14F-4D97-AF65-F5344CB8AC3E}">
-        <p14:creationId xmlns:p14="http://schemas.microsoft.com/office/powerpoint/2010/main" val="3066231675"/>
-      </p:ext>
-    </p:extLst>
-  </p:cSld>
-  <p:clrMapOvr>
-    <a:masterClrMapping/>
-  </p:clrMapOvr>
-  <mc:AlternateContent xmlns:mc="http://schemas.openxmlformats.org/markup-compatibility/2006" xmlns:p14="http://schemas.microsoft.com/office/powerpoint/2010/main">
-    <mc:Choice Requires="p14">
-      <p:transition spd="med" p14:dur="700">
-        <p:fade/>
-      </p:transition>
-    </mc:Choice>
-    <mc:Fallback xmlns="">
-      <p:transition spd="med">
-        <p:fade/>
-      </p:transition>
-    </mc:Fallback>
-  </mc:AlternateContent>
-</p:sld>
-</file>
-
-<file path=ppt/slides/slide29.xml><?xml version="1.0" encoding="utf-8"?>
-<p:sld xmlns:a="http://schemas.openxmlformats.org/drawingml/2006/main" xmlns:r="http://schemas.openxmlformats.org/officeDocument/2006/relationships" xmlns:p="http://schemas.openxmlformats.org/presentationml/2006/main">
-  <p:cSld>
-    <p:spTree>
-      <p:nvGrpSpPr>
-        <p:cNvPr id="1" name=""/>
-        <p:cNvGrpSpPr/>
-        <p:nvPr/>
-      </p:nvGrpSpPr>
-      <p:grpSpPr>
-        <a:xfrm>
-          <a:off x="0" y="0"/>
-          <a:ext cx="0" cy="0"/>
-          <a:chOff x="0" y="0"/>
-          <a:chExt cx="0" cy="0"/>
-        </a:xfrm>
-      </p:grpSpPr>
-      <p:sp>
-        <p:nvSpPr>
-          <p:cNvPr id="2" name="タイトル 1">
-            <a:extLst>
-              <a:ext uri="{FF2B5EF4-FFF2-40B4-BE49-F238E27FC236}">
                 <a16:creationId xmlns:a16="http://schemas.microsoft.com/office/drawing/2014/main" id="{4156CD7B-AE3C-468C-ACFC-12AD48CB2581}"/>
               </a:ext>
             </a:extLst>
@@ -18616,243 +18475,6 @@
 </file>
 
 <file path=ppt/slides/slide3.xml><?xml version="1.0" encoding="utf-8"?>
-<p:sld xmlns:a="http://schemas.openxmlformats.org/drawingml/2006/main" xmlns:r="http://schemas.openxmlformats.org/officeDocument/2006/relationships" xmlns:p="http://schemas.openxmlformats.org/presentationml/2006/main">
-  <p:cSld>
-    <p:spTree>
-      <p:nvGrpSpPr>
-        <p:cNvPr id="1" name=""/>
-        <p:cNvGrpSpPr/>
-        <p:nvPr/>
-      </p:nvGrpSpPr>
-      <p:grpSpPr>
-        <a:xfrm>
-          <a:off x="0" y="0"/>
-          <a:ext cx="0" cy="0"/>
-          <a:chOff x="0" y="0"/>
-          <a:chExt cx="0" cy="0"/>
-        </a:xfrm>
-      </p:grpSpPr>
-      <p:sp>
-        <p:nvSpPr>
-          <p:cNvPr id="2" name="タイトル 1">
-            <a:extLst>
-              <a:ext uri="{FF2B5EF4-FFF2-40B4-BE49-F238E27FC236}">
-                <a16:creationId xmlns:a16="http://schemas.microsoft.com/office/drawing/2014/main" id="{1D43BA67-4FB2-4F57-937B-6E978BEA1094}"/>
-              </a:ext>
-            </a:extLst>
-          </p:cNvPr>
-          <p:cNvSpPr>
-            <a:spLocks noGrp="1"/>
-          </p:cNvSpPr>
-          <p:nvPr>
-            <p:ph type="title"/>
-          </p:nvPr>
-        </p:nvSpPr>
-        <p:spPr>
-          <a:xfrm>
-            <a:off x="838200" y="329499"/>
-            <a:ext cx="10515600" cy="1325563"/>
-          </a:xfrm>
-        </p:spPr>
-        <p:txBody>
-          <a:bodyPr/>
-          <a:lstStyle/>
-          <a:p>
-            <a:r>
-              <a:rPr kumimoji="1" lang="ja-JP" altLang="en-US" b="1" dirty="0">
-                <a:latin typeface="+mn-ea"/>
-                <a:ea typeface="+mn-ea"/>
-              </a:rPr>
-              <a:t>もくじ</a:t>
-            </a:r>
-          </a:p>
-        </p:txBody>
-      </p:sp>
-      <p:sp>
-        <p:nvSpPr>
-          <p:cNvPr id="3" name="コンテンツ プレースホルダー 2">
-            <a:extLst>
-              <a:ext uri="{FF2B5EF4-FFF2-40B4-BE49-F238E27FC236}">
-                <a16:creationId xmlns:a16="http://schemas.microsoft.com/office/drawing/2014/main" id="{2771A20B-4A43-4C9A-BBAF-9CC4A3DB2E17}"/>
-              </a:ext>
-            </a:extLst>
-          </p:cNvPr>
-          <p:cNvSpPr>
-            <a:spLocks noGrp="1"/>
-          </p:cNvSpPr>
-          <p:nvPr>
-            <p:ph idx="1"/>
-          </p:nvPr>
-        </p:nvSpPr>
-        <p:spPr/>
-        <p:txBody>
-          <a:bodyPr>
-            <a:normAutofit fontScale="85000" lnSpcReduction="20000"/>
-          </a:bodyPr>
-          <a:lstStyle/>
-          <a:p>
-            <a:pPr marL="742950" indent="-742950">
-              <a:buFont typeface="+mj-lt"/>
-              <a:buAutoNum type="arabicPeriod"/>
-            </a:pPr>
-            <a:r>
-              <a:rPr lang="ja-JP" altLang="en-US" sz="3600" b="1" dirty="0">
-                <a:latin typeface="+mn-ea"/>
-              </a:rPr>
-              <a:t>今回の開発テーマ</a:t>
-            </a:r>
-            <a:endParaRPr lang="en-US" altLang="ja-JP" sz="3600" b="1" dirty="0">
-              <a:latin typeface="+mn-ea"/>
-            </a:endParaRPr>
-          </a:p>
-          <a:p>
-            <a:pPr marL="742950" indent="-742950">
-              <a:buFont typeface="+mj-lt"/>
-              <a:buAutoNum type="arabicPeriod"/>
-            </a:pPr>
-            <a:endParaRPr lang="en-US" altLang="ja-JP" sz="3600" b="1" dirty="0">
-              <a:latin typeface="+mn-ea"/>
-            </a:endParaRPr>
-          </a:p>
-          <a:p>
-            <a:pPr marL="742950" indent="-742950">
-              <a:buFont typeface="+mj-lt"/>
-              <a:buAutoNum type="arabicPeriod"/>
-            </a:pPr>
-            <a:r>
-              <a:rPr lang="ja-JP" altLang="en-US" sz="3600" b="1" dirty="0">
-                <a:latin typeface="+mn-ea"/>
-              </a:rPr>
-              <a:t>「きょうから」の強み</a:t>
-            </a:r>
-            <a:endParaRPr lang="en-US" altLang="ja-JP" sz="3600" b="1" dirty="0">
-              <a:latin typeface="+mn-ea"/>
-            </a:endParaRPr>
-          </a:p>
-          <a:p>
-            <a:pPr marL="742950" indent="-742950">
-              <a:buFont typeface="+mj-lt"/>
-              <a:buAutoNum type="arabicPeriod"/>
-            </a:pPr>
-            <a:endParaRPr lang="en-US" altLang="ja-JP" sz="3600" b="1" dirty="0">
-              <a:latin typeface="+mn-ea"/>
-            </a:endParaRPr>
-          </a:p>
-          <a:p>
-            <a:pPr marL="742950" indent="-742950">
-              <a:buFont typeface="+mj-lt"/>
-              <a:buAutoNum type="arabicPeriod"/>
-            </a:pPr>
-            <a:r>
-              <a:rPr lang="ja-JP" altLang="en-US" sz="3600" b="1" dirty="0">
-                <a:latin typeface="+mn-ea"/>
-              </a:rPr>
-              <a:t>デモンストレーション</a:t>
-            </a:r>
-            <a:endParaRPr lang="en-US" altLang="ja-JP" sz="3600" b="1" dirty="0">
-              <a:latin typeface="+mn-ea"/>
-            </a:endParaRPr>
-          </a:p>
-          <a:p>
-            <a:pPr marL="742950" indent="-742950">
-              <a:buFont typeface="+mj-lt"/>
-              <a:buAutoNum type="arabicPeriod"/>
-            </a:pPr>
-            <a:endParaRPr lang="en-US" altLang="ja-JP" sz="3600" b="1" dirty="0">
-              <a:latin typeface="+mn-ea"/>
-            </a:endParaRPr>
-          </a:p>
-          <a:p>
-            <a:pPr marL="742950" indent="-742950">
-              <a:buFont typeface="+mj-lt"/>
-              <a:buAutoNum type="arabicPeriod"/>
-            </a:pPr>
-            <a:r>
-              <a:rPr lang="ja-JP" altLang="en-US" sz="3600" b="1" dirty="0">
-                <a:latin typeface="+mn-ea"/>
-              </a:rPr>
-              <a:t>工夫したこと</a:t>
-            </a:r>
-            <a:endParaRPr lang="en-US" altLang="ja-JP" sz="3600" b="1" dirty="0">
-              <a:latin typeface="+mn-ea"/>
-            </a:endParaRPr>
-          </a:p>
-          <a:p>
-            <a:pPr marL="742950" indent="-742950">
-              <a:buFont typeface="+mj-lt"/>
-              <a:buAutoNum type="arabicPeriod"/>
-            </a:pPr>
-            <a:endParaRPr lang="en-US" altLang="ja-JP" sz="3600" b="1" dirty="0">
-              <a:latin typeface="+mn-ea"/>
-            </a:endParaRPr>
-          </a:p>
-          <a:p>
-            <a:pPr marL="742950" indent="-742950">
-              <a:buFont typeface="+mj-lt"/>
-              <a:buAutoNum type="arabicPeriod"/>
-            </a:pPr>
-            <a:r>
-              <a:rPr lang="ja-JP" altLang="en-US" sz="3600" b="1" dirty="0">
-                <a:latin typeface="+mn-ea"/>
-              </a:rPr>
-              <a:t>学んだこと</a:t>
-            </a:r>
-            <a:endParaRPr lang="en-US" altLang="ja-JP" sz="3600" b="1" dirty="0">
-              <a:latin typeface="+mn-ea"/>
-            </a:endParaRPr>
-          </a:p>
-          <a:p>
-            <a:pPr marL="0" indent="0">
-              <a:buNone/>
-            </a:pPr>
-            <a:endParaRPr lang="en-US" altLang="ja-JP" sz="3600" b="1" dirty="0">
-              <a:latin typeface="+mn-ea"/>
-            </a:endParaRPr>
-          </a:p>
-          <a:p>
-            <a:pPr marL="0" indent="0">
-              <a:buNone/>
-            </a:pPr>
-            <a:endParaRPr lang="en-US" altLang="ja-JP" sz="3600" b="1" dirty="0">
-              <a:latin typeface="+mn-ea"/>
-            </a:endParaRPr>
-          </a:p>
-          <a:p>
-            <a:pPr marL="0" indent="0">
-              <a:buNone/>
-            </a:pPr>
-            <a:endParaRPr kumimoji="1" lang="en-US" altLang="ja-JP" sz="3600" b="1" dirty="0">
-              <a:latin typeface="+mn-ea"/>
-            </a:endParaRPr>
-          </a:p>
-        </p:txBody>
-      </p:sp>
-    </p:spTree>
-    <p:extLst>
-      <p:ext uri="{BB962C8B-B14F-4D97-AF65-F5344CB8AC3E}">
-        <p14:creationId xmlns:p14="http://schemas.microsoft.com/office/powerpoint/2010/main" val="2201429689"/>
-      </p:ext>
-    </p:extLst>
-  </p:cSld>
-  <p:clrMapOvr>
-    <a:masterClrMapping/>
-  </p:clrMapOvr>
-  <mc:AlternateContent xmlns:mc="http://schemas.openxmlformats.org/markup-compatibility/2006" xmlns:p14="http://schemas.microsoft.com/office/powerpoint/2010/main">
-    <mc:Choice Requires="p14">
-      <p:transition spd="med" p14:dur="700">
-        <p:fade/>
-      </p:transition>
-    </mc:Choice>
-    <mc:Fallback xmlns="">
-      <p:transition spd="med">
-        <p:fade/>
-      </p:transition>
-    </mc:Fallback>
-  </mc:AlternateContent>
-</p:sld>
-</file>
-
-<file path=ppt/slides/slide4.xml><?xml version="1.0" encoding="utf-8"?>
 <p:sld xmlns:a="http://schemas.openxmlformats.org/drawingml/2006/main" xmlns:r="http://schemas.openxmlformats.org/officeDocument/2006/relationships" xmlns:p="http://schemas.openxmlformats.org/presentationml/2006/main">
   <p:cSld>
     <p:spTree>
@@ -18965,7 +18587,7 @@
 </p:sld>
 </file>
 
-<file path=ppt/slides/slide5.xml><?xml version="1.0" encoding="utf-8"?>
+<file path=ppt/slides/slide4.xml><?xml version="1.0" encoding="utf-8"?>
 <p:sld xmlns:a="http://schemas.openxmlformats.org/drawingml/2006/main" xmlns:r="http://schemas.openxmlformats.org/officeDocument/2006/relationships" xmlns:p="http://schemas.openxmlformats.org/presentationml/2006/main">
   <p:cSld>
     <p:spTree>
@@ -19524,7 +19146,7 @@
 </p:sld>
 </file>
 
-<file path=ppt/slides/slide6.xml><?xml version="1.0" encoding="utf-8"?>
+<file path=ppt/slides/slide5.xml><?xml version="1.0" encoding="utf-8"?>
 <p:sld xmlns:a="http://schemas.openxmlformats.org/drawingml/2006/main" xmlns:r="http://schemas.openxmlformats.org/officeDocument/2006/relationships" xmlns:p="http://schemas.openxmlformats.org/presentationml/2006/main">
   <p:cSld>
     <p:spTree>
@@ -20116,7 +19738,7 @@
 </p:sld>
 </file>
 
-<file path=ppt/slides/slide7.xml><?xml version="1.0" encoding="utf-8"?>
+<file path=ppt/slides/slide6.xml><?xml version="1.0" encoding="utf-8"?>
 <p:sld xmlns:a="http://schemas.openxmlformats.org/drawingml/2006/main" xmlns:r="http://schemas.openxmlformats.org/officeDocument/2006/relationships" xmlns:p="http://schemas.openxmlformats.org/presentationml/2006/main">
   <p:cSld>
     <p:spTree>
@@ -20314,7 +19936,7 @@
 </p:sld>
 </file>
 
-<file path=ppt/slides/slide8.xml><?xml version="1.0" encoding="utf-8"?>
+<file path=ppt/slides/slide7.xml><?xml version="1.0" encoding="utf-8"?>
 <p:sld xmlns:a="http://schemas.openxmlformats.org/drawingml/2006/main" xmlns:r="http://schemas.openxmlformats.org/officeDocument/2006/relationships" xmlns:p="http://schemas.openxmlformats.org/presentationml/2006/main">
   <p:cSld>
     <p:spTree>
@@ -20906,7 +20528,7 @@
 </p:sld>
 </file>
 
-<file path=ppt/slides/slide9.xml><?xml version="1.0" encoding="utf-8"?>
+<file path=ppt/slides/slide8.xml><?xml version="1.0" encoding="utf-8"?>
 <p:sld xmlns:a="http://schemas.openxmlformats.org/drawingml/2006/main" xmlns:r="http://schemas.openxmlformats.org/officeDocument/2006/relationships" xmlns:p="http://schemas.openxmlformats.org/presentationml/2006/main">
   <p:cSld>
     <p:spTree>
@@ -21727,6 +21349,119 @@
       <p:bldP spid="10" grpId="0" animBg="1"/>
     </p:bldLst>
   </p:timing>
+</p:sld>
+</file>
+
+<file path=ppt/slides/slide9.xml><?xml version="1.0" encoding="utf-8"?>
+<p:sld xmlns:a="http://schemas.openxmlformats.org/drawingml/2006/main" xmlns:r="http://schemas.openxmlformats.org/officeDocument/2006/relationships" xmlns:p="http://schemas.openxmlformats.org/presentationml/2006/main">
+  <p:cSld>
+    <p:spTree>
+      <p:nvGrpSpPr>
+        <p:cNvPr id="1" name=""/>
+        <p:cNvGrpSpPr/>
+        <p:nvPr/>
+      </p:nvGrpSpPr>
+      <p:grpSpPr>
+        <a:xfrm>
+          <a:off x="0" y="0"/>
+          <a:ext cx="0" cy="0"/>
+          <a:chOff x="0" y="0"/>
+          <a:chExt cx="0" cy="0"/>
+        </a:xfrm>
+      </p:grpSpPr>
+      <p:sp>
+        <p:nvSpPr>
+          <p:cNvPr id="2" name="タイトル 1">
+            <a:extLst>
+              <a:ext uri="{FF2B5EF4-FFF2-40B4-BE49-F238E27FC236}">
+                <a16:creationId xmlns:a16="http://schemas.microsoft.com/office/drawing/2014/main" id="{D3856DAB-798C-40CB-A6B8-2C631B3B15D8}"/>
+              </a:ext>
+            </a:extLst>
+          </p:cNvPr>
+          <p:cNvSpPr txBox="1">
+            <a:spLocks/>
+          </p:cNvSpPr>
+          <p:nvPr/>
+        </p:nvSpPr>
+        <p:spPr>
+          <a:xfrm>
+            <a:off x="1102611" y="2885795"/>
+            <a:ext cx="9986778" cy="1086410"/>
+          </a:xfrm>
+          <a:prstGeom prst="rect">
+            <a:avLst/>
+          </a:prstGeom>
+        </p:spPr>
+        <p:txBody>
+          <a:bodyPr>
+            <a:normAutofit/>
+          </a:bodyPr>
+          <a:lstStyle>
+            <a:lvl1pPr algn="l" defTabSz="914400" rtl="0" eaLnBrk="1" latinLnBrk="0" hangingPunct="1">
+              <a:lnSpc>
+                <a:spcPct val="90000"/>
+              </a:lnSpc>
+              <a:spcBef>
+                <a:spcPct val="0"/>
+              </a:spcBef>
+              <a:buNone/>
+              <a:defRPr kumimoji="1" sz="4400" kern="1200">
+                <a:solidFill>
+                  <a:schemeClr val="tx1"/>
+                </a:solidFill>
+                <a:latin typeface="+mj-lt"/>
+                <a:ea typeface="+mj-ea"/>
+                <a:cs typeface="+mj-cs"/>
+              </a:defRPr>
+            </a:lvl1pPr>
+          </a:lstStyle>
+          <a:p>
+            <a:r>
+              <a:rPr lang="ja-JP" altLang="en-US" sz="6600" b="1" dirty="0">
+                <a:latin typeface="+mn-ea"/>
+                <a:ea typeface="+mn-ea"/>
+              </a:rPr>
+              <a:t>２</a:t>
+            </a:r>
+            <a:r>
+              <a:rPr lang="en-US" altLang="ja-JP" sz="6600" b="1" dirty="0">
+                <a:latin typeface="+mn-ea"/>
+                <a:ea typeface="+mn-ea"/>
+              </a:rPr>
+              <a:t>. </a:t>
+            </a:r>
+            <a:r>
+              <a:rPr lang="ja-JP" altLang="en-US" sz="6600" b="1" dirty="0">
+                <a:latin typeface="+mn-ea"/>
+                <a:ea typeface="+mn-ea"/>
+              </a:rPr>
+              <a:t>「きょうから」の強み</a:t>
+            </a:r>
+          </a:p>
+        </p:txBody>
+      </p:sp>
+    </p:spTree>
+    <p:extLst>
+      <p:ext uri="{BB962C8B-B14F-4D97-AF65-F5344CB8AC3E}">
+        <p14:creationId xmlns:p14="http://schemas.microsoft.com/office/powerpoint/2010/main" val="2076008156"/>
+      </p:ext>
+    </p:extLst>
+  </p:cSld>
+  <p:clrMapOvr>
+    <a:masterClrMapping/>
+  </p:clrMapOvr>
+  <mc:AlternateContent xmlns:mc="http://schemas.openxmlformats.org/markup-compatibility/2006" xmlns:p14="http://schemas.microsoft.com/office/powerpoint/2010/main">
+    <mc:Choice Requires="p14">
+      <p:transition spd="med" p14:dur="700">
+        <p:fade/>
+      </p:transition>
+    </mc:Choice>
+    <mc:Fallback xmlns="">
+      <p:transition spd="med">
+        <p:fade/>
+      </p:transition>
+    </mc:Fallback>
+  </mc:AlternateContent>
 </p:sld>
 </file>
 
